--- a/courses/apcsp/lect4.pptx
+++ b/courses/apcsp/lect4.pptx
@@ -7,16 +7,15 @@
   <p:sldIdLst>
     <p:sldId id="256" r:id="rId2"/>
     <p:sldId id="286" r:id="rId3"/>
-    <p:sldId id="257" r:id="rId4"/>
-    <p:sldId id="287" r:id="rId5"/>
-    <p:sldId id="288" r:id="rId6"/>
-    <p:sldId id="289" r:id="rId7"/>
-    <p:sldId id="290" r:id="rId8"/>
-    <p:sldId id="291" r:id="rId9"/>
-    <p:sldId id="292" r:id="rId10"/>
-    <p:sldId id="293" r:id="rId11"/>
-    <p:sldId id="294" r:id="rId12"/>
-    <p:sldId id="284" r:id="rId13"/>
+    <p:sldId id="295" r:id="rId4"/>
+    <p:sldId id="296" r:id="rId5"/>
+    <p:sldId id="297" r:id="rId6"/>
+    <p:sldId id="298" r:id="rId7"/>
+    <p:sldId id="299" r:id="rId8"/>
+    <p:sldId id="300" r:id="rId9"/>
+    <p:sldId id="301" r:id="rId10"/>
+    <p:sldId id="302" r:id="rId11"/>
+    <p:sldId id="284" r:id="rId12"/>
   </p:sldIdLst>
   <p:sldSz cx="9144000" cy="5715000" type="screen16x10"/>
   <p:notesSz cx="6858000" cy="9144000"/>
@@ -123,14 +122,6 @@
 </p:presentation>
 </file>
 
-<file path=ppt/revisionInfo.xml><?xml version="1.0" encoding="utf-8"?>
-<p1510:revInfo xmlns:a="http://schemas.openxmlformats.org/drawingml/2006/main" xmlns:r="http://schemas.openxmlformats.org/officeDocument/2006/relationships" xmlns:p1510="http://schemas.microsoft.com/office/powerpoint/2015/10/main">
-  <p1510:revLst>
-    <p1510:client id="{2296133F-0C64-EC42-922B-94F16C0DE057}" v="47" dt="2019-09-08T03:57:55.208"/>
-  </p1510:revLst>
-</p1510:revInfo>
-</file>
-
 <file path=ppt/changesInfos/changesInfo1.xml><?xml version="1.0" encoding="utf-8"?>
 <pc:chgInfo xmlns:a="http://schemas.openxmlformats.org/drawingml/2006/main" xmlns:r="http://schemas.openxmlformats.org/officeDocument/2006/relationships" xmlns:ac="http://schemas.microsoft.com/office/drawing/2013/main/command" xmlns:pc="http://schemas.microsoft.com/office/powerpoint/2013/main/command">
   <pc:docChgLst>
@@ -138,27 +129,25 @@
   </pc:docChgLst>
   <pc:docChgLst>
     <pc:chgData name="Long B Nguyen" userId="f59fb8f3-a021-417a-8bc1-65c8d471c621" providerId="ADAL" clId="{E5BF62A1-4F8A-BC49-8FD7-ABEA3D28ED25}"/>
-    <pc:docChg chg="modSld">
-      <pc:chgData name="Long B Nguyen" userId="f59fb8f3-a021-417a-8bc1-65c8d471c621" providerId="ADAL" clId="{E5BF62A1-4F8A-BC49-8FD7-ABEA3D28ED25}" dt="2019-06-14T16:47:01.972" v="32" actId="1076"/>
+  </pc:docChgLst>
+  <pc:docChgLst>
+    <pc:chgData name="Long B Nguyen" userId="f59fb8f3-a021-417a-8bc1-65c8d471c621" providerId="ADAL" clId="{6CD83B71-C243-244B-B302-DE2E82069201}"/>
+  </pc:docChgLst>
+  <pc:docChgLst>
+    <pc:chgData name="Long B Nguyen" userId="f59fb8f3-a021-417a-8bc1-65c8d471c621" providerId="ADAL" clId="{B5860C40-AA08-4447-A918-2D2782E0FC0B}"/>
+    <pc:docChg chg="delSld modSld">
+      <pc:chgData name="Long B Nguyen" userId="f59fb8f3-a021-417a-8bc1-65c8d471c621" providerId="ADAL" clId="{B5860C40-AA08-4447-A918-2D2782E0FC0B}" dt="2019-09-16T13:59:20.091" v="35" actId="2696"/>
       <pc:docMkLst>
         <pc:docMk/>
       </pc:docMkLst>
       <pc:sldChg chg="modSp">
-        <pc:chgData name="Long B Nguyen" userId="f59fb8f3-a021-417a-8bc1-65c8d471c621" providerId="ADAL" clId="{E5BF62A1-4F8A-BC49-8FD7-ABEA3D28ED25}" dt="2019-06-14T02:16:12.814" v="30" actId="14100"/>
+        <pc:chgData name="Long B Nguyen" userId="f59fb8f3-a021-417a-8bc1-65c8d471c621" providerId="ADAL" clId="{B5860C40-AA08-4447-A918-2D2782E0FC0B}" dt="2019-09-16T13:58:36.640" v="18" actId="20577"/>
         <pc:sldMkLst>
           <pc:docMk/>
           <pc:sldMk cId="4247104139" sldId="256"/>
         </pc:sldMkLst>
         <pc:spChg chg="mod">
-          <ac:chgData name="Long B Nguyen" userId="f59fb8f3-a021-417a-8bc1-65c8d471c621" providerId="ADAL" clId="{E5BF62A1-4F8A-BC49-8FD7-ABEA3D28ED25}" dt="2019-06-14T02:16:02.548" v="25" actId="20577"/>
-          <ac:spMkLst>
-            <pc:docMk/>
-            <pc:sldMk cId="4247104139" sldId="256"/>
-            <ac:spMk id="2" creationId="{6117A749-B1BA-E24B-8FB0-0604EF651FB3}"/>
-          </ac:spMkLst>
-        </pc:spChg>
-        <pc:spChg chg="mod">
-          <ac:chgData name="Long B Nguyen" userId="f59fb8f3-a021-417a-8bc1-65c8d471c621" providerId="ADAL" clId="{E5BF62A1-4F8A-BC49-8FD7-ABEA3D28ED25}" dt="2019-06-14T02:16:12.814" v="30" actId="14100"/>
+          <ac:chgData name="Long B Nguyen" userId="f59fb8f3-a021-417a-8bc1-65c8d471c621" providerId="ADAL" clId="{B5860C40-AA08-4447-A918-2D2782E0FC0B}" dt="2019-09-16T13:58:36.640" v="18" actId="20577"/>
           <ac:spMkLst>
             <pc:docMk/>
             <pc:sldMk cId="4247104139" sldId="256"/>
@@ -166,339 +155,120 @@
           </ac:spMkLst>
         </pc:spChg>
       </pc:sldChg>
-    </pc:docChg>
-  </pc:docChgLst>
-  <pc:docChgLst>
-    <pc:chgData name="Long B Nguyen" userId="f59fb8f3-a021-417a-8bc1-65c8d471c621" providerId="ADAL" clId="{6CD83B71-C243-244B-B302-DE2E82069201}"/>
-  </pc:docChgLst>
-  <pc:docChgLst>
-    <pc:chgData name="Long B Nguyen" userId="f59fb8f3-a021-417a-8bc1-65c8d471c621" providerId="ADAL" clId="{2296133F-0C64-EC42-922B-94F16C0DE057}"/>
-    <pc:docChg chg="undo custSel addSld delSld modSld">
-      <pc:chgData name="Long B Nguyen" userId="f59fb8f3-a021-417a-8bc1-65c8d471c621" providerId="ADAL" clId="{2296133F-0C64-EC42-922B-94F16C0DE057}" dt="2019-09-08T13:44:50.943" v="1043" actId="20577"/>
-      <pc:docMkLst>
-        <pc:docMk/>
-      </pc:docMkLst>
-      <pc:sldChg chg="modSp">
-        <pc:chgData name="Long B Nguyen" userId="f59fb8f3-a021-417a-8bc1-65c8d471c621" providerId="ADAL" clId="{2296133F-0C64-EC42-922B-94F16C0DE057}" dt="2019-09-08T04:07:33.316" v="1042" actId="20577"/>
-        <pc:sldMkLst>
-          <pc:docMk/>
-          <pc:sldMk cId="4247104139" sldId="256"/>
-        </pc:sldMkLst>
-        <pc:spChg chg="mod">
-          <ac:chgData name="Long B Nguyen" userId="f59fb8f3-a021-417a-8bc1-65c8d471c621" providerId="ADAL" clId="{2296133F-0C64-EC42-922B-94F16C0DE057}" dt="2019-09-08T04:07:33.316" v="1042" actId="20577"/>
-          <ac:spMkLst>
-            <pc:docMk/>
-            <pc:sldMk cId="4247104139" sldId="256"/>
-            <ac:spMk id="3" creationId="{1BDC47C8-6776-7B44-9CD4-95FC91452D62}"/>
-          </ac:spMkLst>
-        </pc:spChg>
-      </pc:sldChg>
-      <pc:sldChg chg="modSp">
-        <pc:chgData name="Long B Nguyen" userId="f59fb8f3-a021-417a-8bc1-65c8d471c621" providerId="ADAL" clId="{2296133F-0C64-EC42-922B-94F16C0DE057}" dt="2019-09-08T02:45:08.930" v="30" actId="113"/>
+      <pc:sldChg chg="del">
+        <pc:chgData name="Long B Nguyen" userId="f59fb8f3-a021-417a-8bc1-65c8d471c621" providerId="ADAL" clId="{B5860C40-AA08-4447-A918-2D2782E0FC0B}" dt="2019-09-16T13:59:01.381" v="27" actId="2696"/>
         <pc:sldMkLst>
           <pc:docMk/>
           <pc:sldMk cId="278045358" sldId="257"/>
         </pc:sldMkLst>
-        <pc:spChg chg="mod">
-          <ac:chgData name="Long B Nguyen" userId="f59fb8f3-a021-417a-8bc1-65c8d471c621" providerId="ADAL" clId="{2296133F-0C64-EC42-922B-94F16C0DE057}" dt="2019-09-08T02:45:08.930" v="30" actId="113"/>
-          <ac:spMkLst>
-            <pc:docMk/>
-            <pc:sldMk cId="278045358" sldId="257"/>
-            <ac:spMk id="9" creationId="{E3B2E017-30B2-884B-A113-B419A2ED51AD}"/>
-          </ac:spMkLst>
-        </pc:spChg>
       </pc:sldChg>
-      <pc:sldChg chg="modSp">
-        <pc:chgData name="Long B Nguyen" userId="f59fb8f3-a021-417a-8bc1-65c8d471c621" providerId="ADAL" clId="{2296133F-0C64-EC42-922B-94F16C0DE057}" dt="2019-09-08T04:03:14.253" v="1029" actId="20577"/>
+      <pc:sldChg chg="del">
+        <pc:chgData name="Long B Nguyen" userId="f59fb8f3-a021-417a-8bc1-65c8d471c621" providerId="ADAL" clId="{B5860C40-AA08-4447-A918-2D2782E0FC0B}" dt="2019-09-16T13:59:01.379" v="26" actId="2696"/>
         <pc:sldMkLst>
           <pc:docMk/>
-          <pc:sldMk cId="1438711869" sldId="284"/>
+          <pc:sldMk cId="1313115290" sldId="287"/>
         </pc:sldMkLst>
-        <pc:spChg chg="mod">
-          <ac:chgData name="Long B Nguyen" userId="f59fb8f3-a021-417a-8bc1-65c8d471c621" providerId="ADAL" clId="{2296133F-0C64-EC42-922B-94F16C0DE057}" dt="2019-09-08T04:03:14.253" v="1029" actId="20577"/>
-          <ac:spMkLst>
-            <pc:docMk/>
-            <pc:sldMk cId="1438711869" sldId="284"/>
-            <ac:spMk id="9" creationId="{E3B2E017-30B2-884B-A113-B419A2ED51AD}"/>
-          </ac:spMkLst>
-        </pc:spChg>
       </pc:sldChg>
-      <pc:sldChg chg="modSp">
-        <pc:chgData name="Long B Nguyen" userId="f59fb8f3-a021-417a-8bc1-65c8d471c621" providerId="ADAL" clId="{2296133F-0C64-EC42-922B-94F16C0DE057}" dt="2019-09-08T13:44:50.943" v="1043" actId="20577"/>
+      <pc:sldChg chg="del">
+        <pc:chgData name="Long B Nguyen" userId="f59fb8f3-a021-417a-8bc1-65c8d471c621" providerId="ADAL" clId="{B5860C40-AA08-4447-A918-2D2782E0FC0B}" dt="2019-09-16T13:59:01.378" v="25" actId="2696"/>
         <pc:sldMkLst>
           <pc:docMk/>
-          <pc:sldMk cId="131840209" sldId="286"/>
+          <pc:sldMk cId="2339437966" sldId="288"/>
         </pc:sldMkLst>
-        <pc:spChg chg="mod">
-          <ac:chgData name="Long B Nguyen" userId="f59fb8f3-a021-417a-8bc1-65c8d471c621" providerId="ADAL" clId="{2296133F-0C64-EC42-922B-94F16C0DE057}" dt="2019-09-08T13:44:50.943" v="1043" actId="20577"/>
-          <ac:spMkLst>
-            <pc:docMk/>
-            <pc:sldMk cId="131840209" sldId="286"/>
-            <ac:spMk id="9" creationId="{E3B2E017-30B2-884B-A113-B419A2ED51AD}"/>
-          </ac:spMkLst>
-        </pc:spChg>
       </pc:sldChg>
-      <pc:sldChg chg="modSp">
-        <pc:chgData name="Long B Nguyen" userId="f59fb8f3-a021-417a-8bc1-65c8d471c621" providerId="ADAL" clId="{2296133F-0C64-EC42-922B-94F16C0DE057}" dt="2019-09-08T02:47:16.706" v="123"/>
+      <pc:sldChg chg="del">
+        <pc:chgData name="Long B Nguyen" userId="f59fb8f3-a021-417a-8bc1-65c8d471c621" providerId="ADAL" clId="{B5860C40-AA08-4447-A918-2D2782E0FC0B}" dt="2019-09-16T13:59:01.376" v="24" actId="2696"/>
+        <pc:sldMkLst>
+          <pc:docMk/>
+          <pc:sldMk cId="1454012366" sldId="289"/>
+        </pc:sldMkLst>
+      </pc:sldChg>
+      <pc:sldChg chg="del">
+        <pc:chgData name="Long B Nguyen" userId="f59fb8f3-a021-417a-8bc1-65c8d471c621" providerId="ADAL" clId="{B5860C40-AA08-4447-A918-2D2782E0FC0B}" dt="2019-09-16T13:59:01.374" v="23" actId="2696"/>
         <pc:sldMkLst>
           <pc:docMk/>
           <pc:sldMk cId="3872931043" sldId="290"/>
         </pc:sldMkLst>
-        <pc:spChg chg="mod">
-          <ac:chgData name="Long B Nguyen" userId="f59fb8f3-a021-417a-8bc1-65c8d471c621" providerId="ADAL" clId="{2296133F-0C64-EC42-922B-94F16C0DE057}" dt="2019-09-08T02:47:16.706" v="123"/>
-          <ac:spMkLst>
-            <pc:docMk/>
-            <pc:sldMk cId="3872931043" sldId="290"/>
-            <ac:spMk id="9" creationId="{E3B2E017-30B2-884B-A113-B419A2ED51AD}"/>
-          </ac:spMkLst>
-        </pc:spChg>
       </pc:sldChg>
-      <pc:sldChg chg="modSp">
-        <pc:chgData name="Long B Nguyen" userId="f59fb8f3-a021-417a-8bc1-65c8d471c621" providerId="ADAL" clId="{2296133F-0C64-EC42-922B-94F16C0DE057}" dt="2019-09-08T03:42:24.903" v="579" actId="20577"/>
+      <pc:sldChg chg="del">
+        <pc:chgData name="Long B Nguyen" userId="f59fb8f3-a021-417a-8bc1-65c8d471c621" providerId="ADAL" clId="{B5860C40-AA08-4447-A918-2D2782E0FC0B}" dt="2019-09-16T13:59:01.372" v="22" actId="2696"/>
+        <pc:sldMkLst>
+          <pc:docMk/>
+          <pc:sldMk cId="3525539036" sldId="291"/>
+        </pc:sldMkLst>
+      </pc:sldChg>
+      <pc:sldChg chg="del">
+        <pc:chgData name="Long B Nguyen" userId="f59fb8f3-a021-417a-8bc1-65c8d471c621" providerId="ADAL" clId="{B5860C40-AA08-4447-A918-2D2782E0FC0B}" dt="2019-09-16T13:59:01.370" v="21" actId="2696"/>
+        <pc:sldMkLst>
+          <pc:docMk/>
+          <pc:sldMk cId="4245538547" sldId="292"/>
+        </pc:sldMkLst>
+      </pc:sldChg>
+      <pc:sldChg chg="del">
+        <pc:chgData name="Long B Nguyen" userId="f59fb8f3-a021-417a-8bc1-65c8d471c621" providerId="ADAL" clId="{B5860C40-AA08-4447-A918-2D2782E0FC0B}" dt="2019-09-16T13:59:01.368" v="20" actId="2696"/>
+        <pc:sldMkLst>
+          <pc:docMk/>
+          <pc:sldMk cId="439805773" sldId="293"/>
+        </pc:sldMkLst>
+      </pc:sldChg>
+      <pc:sldChg chg="del">
+        <pc:chgData name="Long B Nguyen" userId="f59fb8f3-a021-417a-8bc1-65c8d471c621" providerId="ADAL" clId="{B5860C40-AA08-4447-A918-2D2782E0FC0B}" dt="2019-09-16T13:59:01.366" v="19" actId="2696"/>
         <pc:sldMkLst>
           <pc:docMk/>
           <pc:sldMk cId="3539054576" sldId="294"/>
         </pc:sldMkLst>
-        <pc:spChg chg="mod">
-          <ac:chgData name="Long B Nguyen" userId="f59fb8f3-a021-417a-8bc1-65c8d471c621" providerId="ADAL" clId="{2296133F-0C64-EC42-922B-94F16C0DE057}" dt="2019-09-08T03:42:24.903" v="579" actId="20577"/>
-          <ac:spMkLst>
-            <pc:docMk/>
-            <pc:sldMk cId="3539054576" sldId="294"/>
-            <ac:spMk id="9" creationId="{E3B2E017-30B2-884B-A113-B419A2ED51AD}"/>
-          </ac:spMkLst>
-        </pc:spChg>
       </pc:sldChg>
       <pc:sldChg chg="del">
-        <pc:chgData name="Long B Nguyen" userId="f59fb8f3-a021-417a-8bc1-65c8d471c621" providerId="ADAL" clId="{2296133F-0C64-EC42-922B-94F16C0DE057}" dt="2019-09-08T02:48:31.928" v="125" actId="2696"/>
-        <pc:sldMkLst>
-          <pc:docMk/>
-          <pc:sldMk cId="1816941262" sldId="295"/>
-        </pc:sldMkLst>
-      </pc:sldChg>
-      <pc:sldChg chg="addSp modSp add del">
-        <pc:chgData name="Long B Nguyen" userId="f59fb8f3-a021-417a-8bc1-65c8d471c621" providerId="ADAL" clId="{2296133F-0C64-EC42-922B-94F16C0DE057}" dt="2019-09-08T04:06:52.115" v="1030" actId="2696"/>
-        <pc:sldMkLst>
-          <pc:docMk/>
-          <pc:sldMk cId="2023048234" sldId="295"/>
-        </pc:sldMkLst>
-        <pc:spChg chg="mod">
-          <ac:chgData name="Long B Nguyen" userId="f59fb8f3-a021-417a-8bc1-65c8d471c621" providerId="ADAL" clId="{2296133F-0C64-EC42-922B-94F16C0DE057}" dt="2019-09-08T03:43:51.800" v="585" actId="20577"/>
-          <ac:spMkLst>
-            <pc:docMk/>
-            <pc:sldMk cId="2023048234" sldId="295"/>
-            <ac:spMk id="2" creationId="{AA3A228F-61D0-D949-A5E7-F83756230BF8}"/>
-          </ac:spMkLst>
-        </pc:spChg>
-        <pc:spChg chg="add mod">
-          <ac:chgData name="Long B Nguyen" userId="f59fb8f3-a021-417a-8bc1-65c8d471c621" providerId="ADAL" clId="{2296133F-0C64-EC42-922B-94F16C0DE057}" dt="2019-09-08T03:47:54.844" v="650" actId="20577"/>
-          <ac:spMkLst>
-            <pc:docMk/>
-            <pc:sldMk cId="2023048234" sldId="295"/>
-            <ac:spMk id="3" creationId="{5FEBABCA-F4C8-1048-81D6-6BFA51446B1C}"/>
-          </ac:spMkLst>
-        </pc:spChg>
-        <pc:spChg chg="mod">
-          <ac:chgData name="Long B Nguyen" userId="f59fb8f3-a021-417a-8bc1-65c8d471c621" providerId="ADAL" clId="{2296133F-0C64-EC42-922B-94F16C0DE057}" dt="2019-09-08T03:53:28.486" v="785" actId="20577"/>
-          <ac:spMkLst>
-            <pc:docMk/>
-            <pc:sldMk cId="2023048234" sldId="295"/>
-            <ac:spMk id="9" creationId="{E3B2E017-30B2-884B-A113-B419A2ED51AD}"/>
-          </ac:spMkLst>
-        </pc:spChg>
-        <pc:cxnChg chg="add mod">
-          <ac:chgData name="Long B Nguyen" userId="f59fb8f3-a021-417a-8bc1-65c8d471c621" providerId="ADAL" clId="{2296133F-0C64-EC42-922B-94F16C0DE057}" dt="2019-09-08T03:48:22.865" v="660" actId="692"/>
-          <ac:cxnSpMkLst>
-            <pc:docMk/>
-            <pc:sldMk cId="2023048234" sldId="295"/>
-            <ac:cxnSpMk id="5" creationId="{FA2DFF0D-650A-334C-9422-0411CF348AB3}"/>
-          </ac:cxnSpMkLst>
-        </pc:cxnChg>
-      </pc:sldChg>
-      <pc:sldChg chg="addSp delSp modSp add del">
-        <pc:chgData name="Long B Nguyen" userId="f59fb8f3-a021-417a-8bc1-65c8d471c621" providerId="ADAL" clId="{2296133F-0C64-EC42-922B-94F16C0DE057}" dt="2019-09-08T03:38:42.535" v="574" actId="2696"/>
-        <pc:sldMkLst>
-          <pc:docMk/>
-          <pc:sldMk cId="2076464965" sldId="295"/>
-        </pc:sldMkLst>
-        <pc:spChg chg="mod">
-          <ac:chgData name="Long B Nguyen" userId="f59fb8f3-a021-417a-8bc1-65c8d471c621" providerId="ADAL" clId="{2296133F-0C64-EC42-922B-94F16C0DE057}" dt="2019-09-08T03:13:45.750" v="294" actId="20577"/>
-          <ac:spMkLst>
-            <pc:docMk/>
-            <pc:sldMk cId="2076464965" sldId="295"/>
-            <ac:spMk id="2" creationId="{AA3A228F-61D0-D949-A5E7-F83756230BF8}"/>
-          </ac:spMkLst>
-        </pc:spChg>
-        <pc:spChg chg="add del mod">
-          <ac:chgData name="Long B Nguyen" userId="f59fb8f3-a021-417a-8bc1-65c8d471c621" providerId="ADAL" clId="{2296133F-0C64-EC42-922B-94F16C0DE057}" dt="2019-09-08T03:35:18.185" v="449" actId="478"/>
-          <ac:spMkLst>
-            <pc:docMk/>
-            <pc:sldMk cId="2076464965" sldId="295"/>
-            <ac:spMk id="3" creationId="{302DA6CA-327A-D444-8F14-DE2B9CE523F7}"/>
-          </ac:spMkLst>
-        </pc:spChg>
-        <pc:spChg chg="mod">
-          <ac:chgData name="Long B Nguyen" userId="f59fb8f3-a021-417a-8bc1-65c8d471c621" providerId="ADAL" clId="{2296133F-0C64-EC42-922B-94F16C0DE057}" dt="2019-09-08T03:38:16.758" v="573" actId="20577"/>
-          <ac:spMkLst>
-            <pc:docMk/>
-            <pc:sldMk cId="2076464965" sldId="295"/>
-            <ac:spMk id="9" creationId="{E3B2E017-30B2-884B-A113-B419A2ED51AD}"/>
-          </ac:spMkLst>
-        </pc:spChg>
-        <pc:cxnChg chg="add del mod">
-          <ac:chgData name="Long B Nguyen" userId="f59fb8f3-a021-417a-8bc1-65c8d471c621" providerId="ADAL" clId="{2296133F-0C64-EC42-922B-94F16C0DE057}" dt="2019-09-08T03:35:20.332" v="450" actId="478"/>
-          <ac:cxnSpMkLst>
-            <pc:docMk/>
-            <pc:sldMk cId="2076464965" sldId="295"/>
-            <ac:cxnSpMk id="5" creationId="{68C6CE6E-D319-7449-98B0-F3EA3AD8C0D2}"/>
-          </ac:cxnSpMkLst>
-        </pc:cxnChg>
-      </pc:sldChg>
-      <pc:sldChg chg="del">
-        <pc:chgData name="Long B Nguyen" userId="f59fb8f3-a021-417a-8bc1-65c8d471c621" providerId="ADAL" clId="{2296133F-0C64-EC42-922B-94F16C0DE057}" dt="2019-09-08T02:48:31.943" v="126" actId="2696"/>
-        <pc:sldMkLst>
-          <pc:docMk/>
-          <pc:sldMk cId="553003360" sldId="296"/>
-        </pc:sldMkLst>
-      </pc:sldChg>
-      <pc:sldChg chg="delSp modSp add del">
-        <pc:chgData name="Long B Nguyen" userId="f59fb8f3-a021-417a-8bc1-65c8d471c621" providerId="ADAL" clId="{2296133F-0C64-EC42-922B-94F16C0DE057}" dt="2019-09-08T04:06:52.134" v="1031" actId="2696"/>
-        <pc:sldMkLst>
-          <pc:docMk/>
-          <pc:sldMk cId="2614904221" sldId="296"/>
-        </pc:sldMkLst>
-        <pc:spChg chg="del">
-          <ac:chgData name="Long B Nguyen" userId="f59fb8f3-a021-417a-8bc1-65c8d471c621" providerId="ADAL" clId="{2296133F-0C64-EC42-922B-94F16C0DE057}" dt="2019-09-08T03:54:11.877" v="788" actId="478"/>
-          <ac:spMkLst>
-            <pc:docMk/>
-            <pc:sldMk cId="2614904221" sldId="296"/>
-            <ac:spMk id="3" creationId="{5FEBABCA-F4C8-1048-81D6-6BFA51446B1C}"/>
-          </ac:spMkLst>
-        </pc:spChg>
-        <pc:spChg chg="mod">
-          <ac:chgData name="Long B Nguyen" userId="f59fb8f3-a021-417a-8bc1-65c8d471c621" providerId="ADAL" clId="{2296133F-0C64-EC42-922B-94F16C0DE057}" dt="2019-09-08T04:02:08.825" v="965" actId="20577"/>
-          <ac:spMkLst>
-            <pc:docMk/>
-            <pc:sldMk cId="2614904221" sldId="296"/>
-            <ac:spMk id="9" creationId="{E3B2E017-30B2-884B-A113-B419A2ED51AD}"/>
-          </ac:spMkLst>
-        </pc:spChg>
-        <pc:cxnChg chg="del">
-          <ac:chgData name="Long B Nguyen" userId="f59fb8f3-a021-417a-8bc1-65c8d471c621" providerId="ADAL" clId="{2296133F-0C64-EC42-922B-94F16C0DE057}" dt="2019-09-08T03:54:14.330" v="789" actId="478"/>
-          <ac:cxnSpMkLst>
-            <pc:docMk/>
-            <pc:sldMk cId="2614904221" sldId="296"/>
-            <ac:cxnSpMk id="5" creationId="{FA2DFF0D-650A-334C-9422-0411CF348AB3}"/>
-          </ac:cxnSpMkLst>
-        </pc:cxnChg>
-      </pc:sldChg>
-      <pc:sldChg chg="del">
-        <pc:chgData name="Long B Nguyen" userId="f59fb8f3-a021-417a-8bc1-65c8d471c621" providerId="ADAL" clId="{2296133F-0C64-EC42-922B-94F16C0DE057}" dt="2019-09-08T02:48:31.967" v="127" actId="2696"/>
-        <pc:sldMkLst>
-          <pc:docMk/>
-          <pc:sldMk cId="3006175481" sldId="297"/>
-        </pc:sldMkLst>
-      </pc:sldChg>
-      <pc:sldChg chg="modSp add del">
-        <pc:chgData name="Long B Nguyen" userId="f59fb8f3-a021-417a-8bc1-65c8d471c621" providerId="ADAL" clId="{2296133F-0C64-EC42-922B-94F16C0DE057}" dt="2019-09-08T04:06:52.145" v="1032" actId="2696"/>
-        <pc:sldMkLst>
-          <pc:docMk/>
-          <pc:sldMk cId="4045147163" sldId="297"/>
-        </pc:sldMkLst>
-        <pc:spChg chg="mod">
-          <ac:chgData name="Long B Nguyen" userId="f59fb8f3-a021-417a-8bc1-65c8d471c621" providerId="ADAL" clId="{2296133F-0C64-EC42-922B-94F16C0DE057}" dt="2019-09-08T04:02:12.591" v="969" actId="20577"/>
-          <ac:spMkLst>
-            <pc:docMk/>
-            <pc:sldMk cId="4045147163" sldId="297"/>
-            <ac:spMk id="9" creationId="{E3B2E017-30B2-884B-A113-B419A2ED51AD}"/>
-          </ac:spMkLst>
-        </pc:spChg>
-      </pc:sldChg>
-      <pc:sldChg chg="del">
-        <pc:chgData name="Long B Nguyen" userId="f59fb8f3-a021-417a-8bc1-65c8d471c621" providerId="ADAL" clId="{2296133F-0C64-EC42-922B-94F16C0DE057}" dt="2019-09-08T02:48:31.987" v="128" actId="2696"/>
-        <pc:sldMkLst>
-          <pc:docMk/>
-          <pc:sldMk cId="3150557076" sldId="298"/>
-        </pc:sldMkLst>
-      </pc:sldChg>
-      <pc:sldChg chg="del">
-        <pc:chgData name="Long B Nguyen" userId="f59fb8f3-a021-417a-8bc1-65c8d471c621" providerId="ADAL" clId="{2296133F-0C64-EC42-922B-94F16C0DE057}" dt="2019-09-08T02:48:32.006" v="129" actId="2696"/>
-        <pc:sldMkLst>
-          <pc:docMk/>
-          <pc:sldMk cId="1136048842" sldId="299"/>
-        </pc:sldMkLst>
-      </pc:sldChg>
-      <pc:sldChg chg="del">
-        <pc:chgData name="Long B Nguyen" userId="f59fb8f3-a021-417a-8bc1-65c8d471c621" providerId="ADAL" clId="{2296133F-0C64-EC42-922B-94F16C0DE057}" dt="2019-09-08T02:48:32.033" v="130" actId="2696"/>
-        <pc:sldMkLst>
-          <pc:docMk/>
-          <pc:sldMk cId="1258455770" sldId="300"/>
-        </pc:sldMkLst>
-      </pc:sldChg>
-      <pc:sldChg chg="del">
-        <pc:chgData name="Long B Nguyen" userId="f59fb8f3-a021-417a-8bc1-65c8d471c621" providerId="ADAL" clId="{2296133F-0C64-EC42-922B-94F16C0DE057}" dt="2019-09-08T02:48:32.052" v="131" actId="2696"/>
-        <pc:sldMkLst>
-          <pc:docMk/>
-          <pc:sldMk cId="393328173" sldId="301"/>
-        </pc:sldMkLst>
-      </pc:sldChg>
-      <pc:sldChg chg="del">
-        <pc:chgData name="Long B Nguyen" userId="f59fb8f3-a021-417a-8bc1-65c8d471c621" providerId="ADAL" clId="{2296133F-0C64-EC42-922B-94F16C0DE057}" dt="2019-09-08T02:48:32.058" v="132" actId="2696"/>
-        <pc:sldMkLst>
-          <pc:docMk/>
-          <pc:sldMk cId="128704095" sldId="302"/>
-        </pc:sldMkLst>
-      </pc:sldChg>
-      <pc:sldChg chg="del">
-        <pc:chgData name="Long B Nguyen" userId="f59fb8f3-a021-417a-8bc1-65c8d471c621" providerId="ADAL" clId="{2296133F-0C64-EC42-922B-94F16C0DE057}" dt="2019-09-08T02:48:32.069" v="133" actId="2696"/>
+        <pc:chgData name="Long B Nguyen" userId="f59fb8f3-a021-417a-8bc1-65c8d471c621" providerId="ADAL" clId="{B5860C40-AA08-4447-A918-2D2782E0FC0B}" dt="2019-09-16T13:59:19.978" v="30" actId="2696"/>
         <pc:sldMkLst>
           <pc:docMk/>
           <pc:sldMk cId="2086449897" sldId="303"/>
         </pc:sldMkLst>
       </pc:sldChg>
       <pc:sldChg chg="del">
-        <pc:chgData name="Long B Nguyen" userId="f59fb8f3-a021-417a-8bc1-65c8d471c621" providerId="ADAL" clId="{2296133F-0C64-EC42-922B-94F16C0DE057}" dt="2019-09-08T02:48:32.087" v="134" actId="2696"/>
+        <pc:chgData name="Long B Nguyen" userId="f59fb8f3-a021-417a-8bc1-65c8d471c621" providerId="ADAL" clId="{B5860C40-AA08-4447-A918-2D2782E0FC0B}" dt="2019-09-16T13:59:19.996" v="31" actId="2696"/>
         <pc:sldMkLst>
           <pc:docMk/>
           <pc:sldMk cId="3670596711" sldId="304"/>
         </pc:sldMkLst>
       </pc:sldChg>
       <pc:sldChg chg="del">
-        <pc:chgData name="Long B Nguyen" userId="f59fb8f3-a021-417a-8bc1-65c8d471c621" providerId="ADAL" clId="{2296133F-0C64-EC42-922B-94F16C0DE057}" dt="2019-09-08T02:44:56.776" v="29" actId="2696"/>
+        <pc:chgData name="Long B Nguyen" userId="f59fb8f3-a021-417a-8bc1-65c8d471c621" providerId="ADAL" clId="{B5860C40-AA08-4447-A918-2D2782E0FC0B}" dt="2019-09-16T13:59:01.382" v="28" actId="2696"/>
         <pc:sldMkLst>
           <pc:docMk/>
           <pc:sldMk cId="2224045576" sldId="305"/>
         </pc:sldMkLst>
       </pc:sldChg>
       <pc:sldChg chg="del">
-        <pc:chgData name="Long B Nguyen" userId="f59fb8f3-a021-417a-8bc1-65c8d471c621" providerId="ADAL" clId="{2296133F-0C64-EC42-922B-94F16C0DE057}" dt="2019-09-08T02:48:31.912" v="124" actId="2696"/>
+        <pc:chgData name="Long B Nguyen" userId="f59fb8f3-a021-417a-8bc1-65c8d471c621" providerId="ADAL" clId="{B5860C40-AA08-4447-A918-2D2782E0FC0B}" dt="2019-09-16T13:59:03.313" v="29" actId="2696"/>
         <pc:sldMkLst>
           <pc:docMk/>
           <pc:sldMk cId="1397036328" sldId="306"/>
         </pc:sldMkLst>
       </pc:sldChg>
       <pc:sldChg chg="del">
-        <pc:chgData name="Long B Nguyen" userId="f59fb8f3-a021-417a-8bc1-65c8d471c621" providerId="ADAL" clId="{2296133F-0C64-EC42-922B-94F16C0DE057}" dt="2019-09-08T02:48:32.111" v="135" actId="2696"/>
+        <pc:chgData name="Long B Nguyen" userId="f59fb8f3-a021-417a-8bc1-65c8d471c621" providerId="ADAL" clId="{B5860C40-AA08-4447-A918-2D2782E0FC0B}" dt="2019-09-16T13:59:20.021" v="32" actId="2696"/>
         <pc:sldMkLst>
           <pc:docMk/>
           <pc:sldMk cId="3984246490" sldId="307"/>
         </pc:sldMkLst>
       </pc:sldChg>
       <pc:sldChg chg="del">
-        <pc:chgData name="Long B Nguyen" userId="f59fb8f3-a021-417a-8bc1-65c8d471c621" providerId="ADAL" clId="{2296133F-0C64-EC42-922B-94F16C0DE057}" dt="2019-09-08T02:48:32.167" v="137" actId="2696"/>
+        <pc:chgData name="Long B Nguyen" userId="f59fb8f3-a021-417a-8bc1-65c8d471c621" providerId="ADAL" clId="{B5860C40-AA08-4447-A918-2D2782E0FC0B}" dt="2019-09-16T13:59:20.081" v="34" actId="2696"/>
         <pc:sldMkLst>
           <pc:docMk/>
           <pc:sldMk cId="3672999173" sldId="308"/>
         </pc:sldMkLst>
       </pc:sldChg>
       <pc:sldChg chg="del">
-        <pc:chgData name="Long B Nguyen" userId="f59fb8f3-a021-417a-8bc1-65c8d471c621" providerId="ADAL" clId="{2296133F-0C64-EC42-922B-94F16C0DE057}" dt="2019-09-08T02:48:32.138" v="136" actId="2696"/>
+        <pc:chgData name="Long B Nguyen" userId="f59fb8f3-a021-417a-8bc1-65c8d471c621" providerId="ADAL" clId="{B5860C40-AA08-4447-A918-2D2782E0FC0B}" dt="2019-09-16T13:59:20.052" v="33" actId="2696"/>
         <pc:sldMkLst>
           <pc:docMk/>
           <pc:sldMk cId="4055245160" sldId="310"/>
         </pc:sldMkLst>
       </pc:sldChg>
       <pc:sldChg chg="del">
-        <pc:chgData name="Long B Nguyen" userId="f59fb8f3-a021-417a-8bc1-65c8d471c621" providerId="ADAL" clId="{2296133F-0C64-EC42-922B-94F16C0DE057}" dt="2019-09-08T02:48:32.177" v="138" actId="2696"/>
+        <pc:chgData name="Long B Nguyen" userId="f59fb8f3-a021-417a-8bc1-65c8d471c621" providerId="ADAL" clId="{B5860C40-AA08-4447-A918-2D2782E0FC0B}" dt="2019-09-16T13:59:20.091" v="35" actId="2696"/>
         <pc:sldMkLst>
           <pc:docMk/>
           <pc:sldMk cId="4210029770" sldId="311"/>
@@ -640,7 +410,7 @@
           <a:p>
             <a:fld id="{4AAD347D-5ACD-4C99-B74B-A9C85AD731AF}" type="datetimeFigureOut">
               <a:rPr lang="en-US" smtClean="0"/>
-              <a:t>9/8/19</a:t>
+              <a:t>9/16/19</a:t>
             </a:fld>
             <a:endParaRPr lang="en-US" dirty="0"/>
           </a:p>
@@ -810,7 +580,7 @@
           <a:p>
             <a:fld id="{4509A250-FF31-4206-8172-F9D3106AACB1}" type="datetimeFigureOut">
               <a:rPr lang="en-US" smtClean="0"/>
-              <a:t>9/8/19</a:t>
+              <a:t>9/16/19</a:t>
             </a:fld>
             <a:endParaRPr lang="en-US" dirty="0"/>
           </a:p>
@@ -990,7 +760,7 @@
           <a:p>
             <a:fld id="{4509A250-FF31-4206-8172-F9D3106AACB1}" type="datetimeFigureOut">
               <a:rPr lang="en-US" smtClean="0"/>
-              <a:t>9/8/19</a:t>
+              <a:t>9/16/19</a:t>
             </a:fld>
             <a:endParaRPr lang="en-US" dirty="0"/>
           </a:p>
@@ -1160,7 +930,7 @@
           <a:p>
             <a:fld id="{4509A250-FF31-4206-8172-F9D3106AACB1}" type="datetimeFigureOut">
               <a:rPr lang="en-US" smtClean="0"/>
-              <a:t>9/8/19</a:t>
+              <a:t>9/16/19</a:t>
             </a:fld>
             <a:endParaRPr lang="en-US" dirty="0"/>
           </a:p>
@@ -1406,7 +1176,7 @@
           <a:p>
             <a:fld id="{9796027F-7875-4030-9381-8BD8C4F21935}" type="datetimeFigureOut">
               <a:rPr lang="en-US" smtClean="0"/>
-              <a:t>9/8/19</a:t>
+              <a:t>9/16/19</a:t>
             </a:fld>
             <a:endParaRPr lang="en-US" dirty="0"/>
           </a:p>
@@ -1638,7 +1408,7 @@
           <a:p>
             <a:fld id="{9796027F-7875-4030-9381-8BD8C4F21935}" type="datetimeFigureOut">
               <a:rPr lang="en-US" smtClean="0"/>
-              <a:t>9/8/19</a:t>
+              <a:t>9/16/19</a:t>
             </a:fld>
             <a:endParaRPr lang="en-US" dirty="0"/>
           </a:p>
@@ -2005,7 +1775,7 @@
           <a:p>
             <a:fld id="{9796027F-7875-4030-9381-8BD8C4F21935}" type="datetimeFigureOut">
               <a:rPr lang="en-US" smtClean="0"/>
-              <a:t>9/8/19</a:t>
+              <a:t>9/16/19</a:t>
             </a:fld>
             <a:endParaRPr lang="en-US" dirty="0"/>
           </a:p>
@@ -2123,7 +1893,7 @@
           <a:p>
             <a:fld id="{4509A250-FF31-4206-8172-F9D3106AACB1}" type="datetimeFigureOut">
               <a:rPr lang="en-US" smtClean="0"/>
-              <a:t>9/8/19</a:t>
+              <a:t>9/16/19</a:t>
             </a:fld>
             <a:endParaRPr lang="en-US" dirty="0"/>
           </a:p>
@@ -2218,7 +1988,7 @@
           <a:p>
             <a:fld id="{4509A250-FF31-4206-8172-F9D3106AACB1}" type="datetimeFigureOut">
               <a:rPr lang="en-US" smtClean="0"/>
-              <a:t>9/8/19</a:t>
+              <a:t>9/16/19</a:t>
             </a:fld>
             <a:endParaRPr lang="en-US" dirty="0"/>
           </a:p>
@@ -2495,7 +2265,7 @@
           <a:p>
             <a:fld id="{4509A250-FF31-4206-8172-F9D3106AACB1}" type="datetimeFigureOut">
               <a:rPr lang="en-US" smtClean="0"/>
-              <a:t>9/8/19</a:t>
+              <a:t>9/16/19</a:t>
             </a:fld>
             <a:endParaRPr lang="en-US" dirty="0"/>
           </a:p>
@@ -2752,7 +2522,7 @@
           <a:p>
             <a:fld id="{4509A250-FF31-4206-8172-F9D3106AACB1}" type="datetimeFigureOut">
               <a:rPr lang="en-US" smtClean="0"/>
-              <a:t>9/8/19</a:t>
+              <a:t>9/16/19</a:t>
             </a:fld>
             <a:endParaRPr lang="en-US" dirty="0"/>
           </a:p>
@@ -2965,7 +2735,7 @@
           <a:p>
             <a:fld id="{4AAD347D-5ACD-4C99-B74B-A9C85AD731AF}" type="datetimeFigureOut">
               <a:rPr lang="en-US" smtClean="0"/>
-              <a:t>9/8/19</a:t>
+              <a:t>9/16/19</a:t>
             </a:fld>
             <a:endParaRPr lang="en-US" dirty="0"/>
           </a:p>
@@ -3435,10 +3205,9 @@
           <a:p>
             <a:pPr algn="l"/>
             <a:r>
-              <a:rPr lang="en-US" sz="2400" b="1"/>
-              <a:t>Conditionals</a:t>
-            </a:r>
-            <a:endParaRPr lang="en-US" sz="2400" b="1" dirty="0"/>
+              <a:rPr lang="en-US" sz="2400" b="1" dirty="0"/>
+              <a:t>Loops</a:t>
+            </a:r>
           </a:p>
         </p:txBody>
       </p:sp>
@@ -3697,7 +3466,7 @@
           <a:p>
             <a:r>
               <a:rPr lang="en-US" dirty="0"/>
-              <a:t>and, or, not</a:t>
+              <a:t>Nested Loops</a:t>
             </a:r>
           </a:p>
         </p:txBody>
@@ -3737,31 +3506,19 @@
               <a:rPr lang="en-US" dirty="0">
                 <a:latin typeface="Gill Sans MT" panose="020B0502020104020203" pitchFamily="34" charset="77"/>
               </a:rPr>
-              <a:t>Use </a:t>
+              <a:t>A </a:t>
             </a:r>
             <a:r>
               <a:rPr lang="en-US" i="1" dirty="0">
                 <a:latin typeface="Gill Sans MT" panose="020B0502020104020203" pitchFamily="34" charset="77"/>
               </a:rPr>
-              <a:t>and, or,</a:t>
+              <a:t>nest loop</a:t>
             </a:r>
             <a:r>
               <a:rPr lang="en-US" dirty="0">
                 <a:latin typeface="Gill Sans MT" panose="020B0502020104020203" pitchFamily="34" charset="77"/>
               </a:rPr>
-              <a:t> and </a:t>
-            </a:r>
-            <a:r>
-              <a:rPr lang="en-US" i="1" dirty="0">
-                <a:latin typeface="Gill Sans MT" panose="020B0502020104020203" pitchFamily="34" charset="77"/>
-              </a:rPr>
-              <a:t>not</a:t>
-            </a:r>
-            <a:r>
-              <a:rPr lang="en-US" dirty="0">
-                <a:latin typeface="Gill Sans MT" panose="020B0502020104020203" pitchFamily="34" charset="77"/>
-              </a:rPr>
-              <a:t> Boolean operators to simplify conditionals. </a:t>
+              <a:t> is a loop inside of another loop. </a:t>
             </a:r>
           </a:p>
           <a:p>
@@ -3777,314 +3534,286 @@
               <a:buNone/>
             </a:pPr>
             <a:r>
-              <a:rPr lang="en-US" dirty="0">
-                <a:latin typeface="Gill Sans MT" panose="020B0502020104020203" pitchFamily="34" charset="77"/>
-              </a:rPr>
-              <a:t>The following</a:t>
-            </a:r>
-          </a:p>
-          <a:p>
-            <a:pPr marL="0" indent="0">
-              <a:buNone/>
-            </a:pPr>
-            <a:endParaRPr lang="en-US" dirty="0">
-              <a:latin typeface="Gill Sans MT" panose="020B0502020104020203" pitchFamily="34" charset="77"/>
-            </a:endParaRPr>
-          </a:p>
-          <a:p>
-            <a:pPr marL="342900" lvl="1" indent="0">
-              <a:buNone/>
-            </a:pPr>
-            <a:r>
-              <a:rPr lang="en-US" sz="2000" b="1" dirty="0">
+              <a:rPr lang="en-US" b="1" dirty="0">
+                <a:solidFill>
+                  <a:srgbClr val="000087"/>
+                </a:solidFill>
+                <a:latin typeface="Inconsolata Medium" panose="020B0609030003000000" pitchFamily="49" charset="77"/>
+              </a:rPr>
+              <a:t>In</a:t>
+            </a:r>
+            <a:r>
+              <a:rPr lang="en-US" b="1" dirty="0">
+                <a:latin typeface="Inconsolata Medium" panose="020B0609030003000000" pitchFamily="49" charset="77"/>
+              </a:rPr>
+              <a:t>[</a:t>
+            </a:r>
+            <a:r>
+              <a:rPr lang="en-US" b="1" dirty="0">
+                <a:solidFill>
+                  <a:srgbClr val="FF6600"/>
+                </a:solidFill>
+                <a:latin typeface="Inconsolata Medium" panose="020B0609030003000000" pitchFamily="49" charset="77"/>
+              </a:rPr>
+              <a:t>6</a:t>
+            </a:r>
+            <a:r>
+              <a:rPr lang="en-US" b="1" dirty="0">
+                <a:latin typeface="Inconsolata Medium" panose="020B0609030003000000" pitchFamily="49" charset="77"/>
+              </a:rPr>
+              <a:t>]: </a:t>
+            </a:r>
+            <a:r>
+              <a:rPr lang="en-US" b="1" dirty="0">
                 <a:solidFill>
                   <a:srgbClr val="006699"/>
                 </a:solidFill>
                 <a:latin typeface="Inconsolata Medium" panose="020B0609030003000000" pitchFamily="49" charset="77"/>
               </a:rPr>
-              <a:t>if </a:t>
-            </a:r>
-            <a:r>
-              <a:rPr lang="en-US" sz="2000" b="1" dirty="0">
+              <a:t>for </a:t>
+            </a:r>
+            <a:r>
+              <a:rPr lang="en-US" b="1" dirty="0">
                 <a:solidFill>
                   <a:srgbClr val="000087"/>
                 </a:solidFill>
                 <a:latin typeface="Inconsolata Medium" panose="020B0609030003000000" pitchFamily="49" charset="77"/>
               </a:rPr>
-              <a:t>x &gt; </a:t>
-            </a:r>
-            <a:r>
-              <a:rPr lang="en-US" sz="2000" b="1" dirty="0">
+              <a:t>i </a:t>
+            </a:r>
+            <a:r>
+              <a:rPr lang="en-US" b="1" dirty="0">
+                <a:latin typeface="Inconsolata Medium" panose="020B0609030003000000" pitchFamily="49" charset="77"/>
+              </a:rPr>
+              <a:t>in </a:t>
+            </a:r>
+            <a:r>
+              <a:rPr lang="en-US" b="1" dirty="0">
+                <a:solidFill>
+                  <a:srgbClr val="336666"/>
+                </a:solidFill>
+                <a:latin typeface="Inconsolata Medium" panose="020B0609030003000000" pitchFamily="49" charset="77"/>
+              </a:rPr>
+              <a:t>range</a:t>
+            </a:r>
+            <a:r>
+              <a:rPr lang="en-US" b="1" dirty="0">
+                <a:latin typeface="Inconsolata Medium" panose="020B0609030003000000" pitchFamily="49" charset="77"/>
+              </a:rPr>
+              <a:t>(</a:t>
+            </a:r>
+            <a:r>
+              <a:rPr lang="en-US" b="1" dirty="0">
                 <a:solidFill>
                   <a:srgbClr val="FF6600"/>
                 </a:solidFill>
                 <a:latin typeface="Inconsolata Medium" panose="020B0609030003000000" pitchFamily="49" charset="77"/>
               </a:rPr>
-              <a:t>0</a:t>
-            </a:r>
-            <a:r>
-              <a:rPr lang="en-US" sz="2000" b="1" dirty="0">
-                <a:latin typeface="Inconsolata Medium" panose="020B0609030003000000" pitchFamily="49" charset="77"/>
-              </a:rPr>
-              <a:t>:</a:t>
-            </a:r>
-          </a:p>
-          <a:p>
-            <a:pPr marL="342900" lvl="1" indent="0">
-              <a:buNone/>
-            </a:pPr>
-            <a:r>
-              <a:rPr lang="en-US" sz="2000" b="1" dirty="0">
+              <a:t>1, 4</a:t>
+            </a:r>
+            <a:r>
+              <a:rPr lang="en-US" b="1" dirty="0">
+                <a:latin typeface="Inconsolata Medium" panose="020B0609030003000000" pitchFamily="49" charset="77"/>
+              </a:rPr>
+              <a:t>):</a:t>
+            </a:r>
+          </a:p>
+          <a:p>
+            <a:pPr marL="0" indent="0">
+              <a:buNone/>
+            </a:pPr>
+            <a:r>
+              <a:rPr lang="en-US" b="1" dirty="0">
+                <a:solidFill>
+                  <a:srgbClr val="FF6600"/>
+                </a:solidFill>
+                <a:latin typeface="Inconsolata Medium" panose="020B0609030003000000" pitchFamily="49" charset="77"/>
+              </a:rPr>
+              <a:t>	  	</a:t>
+            </a:r>
+            <a:r>
+              <a:rPr lang="en-US" b="1" dirty="0">
                 <a:solidFill>
                   <a:srgbClr val="006699"/>
                 </a:solidFill>
                 <a:latin typeface="Inconsolata Medium" panose="020B0609030003000000" pitchFamily="49" charset="77"/>
               </a:rPr>
-              <a:t>	if </a:t>
-            </a:r>
-            <a:r>
-              <a:rPr lang="en-US" sz="2000" b="1" dirty="0">
+              <a:t>for </a:t>
+            </a:r>
+            <a:r>
+              <a:rPr lang="en-US" b="1" dirty="0">
                 <a:solidFill>
                   <a:srgbClr val="000087"/>
                 </a:solidFill>
                 <a:latin typeface="Inconsolata Medium" panose="020B0609030003000000" pitchFamily="49" charset="77"/>
               </a:rPr>
-              <a:t>x &lt; </a:t>
-            </a:r>
-            <a:r>
-              <a:rPr lang="en-US" sz="2000" b="1" dirty="0">
+              <a:t>j </a:t>
+            </a:r>
+            <a:r>
+              <a:rPr lang="en-US" b="1" dirty="0">
+                <a:latin typeface="Inconsolata Medium" panose="020B0609030003000000" pitchFamily="49" charset="77"/>
+              </a:rPr>
+              <a:t>in </a:t>
+            </a:r>
+            <a:r>
+              <a:rPr lang="en-US" b="1" dirty="0">
+                <a:solidFill>
+                  <a:srgbClr val="336666"/>
+                </a:solidFill>
+                <a:latin typeface="Inconsolata Medium" panose="020B0609030003000000" pitchFamily="49" charset="77"/>
+              </a:rPr>
+              <a:t>range</a:t>
+            </a:r>
+            <a:r>
+              <a:rPr lang="en-US" b="1" dirty="0">
+                <a:latin typeface="Inconsolata Medium" panose="020B0609030003000000" pitchFamily="49" charset="77"/>
+              </a:rPr>
+              <a:t>(</a:t>
+            </a:r>
+            <a:r>
+              <a:rPr lang="en-US" b="1" dirty="0">
                 <a:solidFill>
                   <a:srgbClr val="FF6600"/>
                 </a:solidFill>
                 <a:latin typeface="Inconsolata Medium" panose="020B0609030003000000" pitchFamily="49" charset="77"/>
               </a:rPr>
-              <a:t>10:</a:t>
-            </a:r>
-            <a:endParaRPr lang="en-US" sz="2000" b="1" dirty="0">
-              <a:latin typeface="Inconsolata Medium" panose="020B0609030003000000" pitchFamily="49" charset="77"/>
-            </a:endParaRPr>
-          </a:p>
-          <a:p>
-            <a:pPr marL="342900" lvl="1" indent="0">
-              <a:buNone/>
-            </a:pPr>
-            <a:r>
-              <a:rPr lang="en-US" sz="2000" b="1" dirty="0">
+              <a:t>1, 5</a:t>
+            </a:r>
+            <a:r>
+              <a:rPr lang="en-US" b="1" dirty="0">
+                <a:latin typeface="Inconsolata Medium" panose="020B0609030003000000" pitchFamily="49" charset="77"/>
+              </a:rPr>
+              <a:t>): </a:t>
+            </a:r>
+          </a:p>
+          <a:p>
+            <a:pPr marL="0" indent="0">
+              <a:buNone/>
+            </a:pPr>
+            <a:r>
+              <a:rPr lang="en-US" b="1" dirty="0">
                 <a:solidFill>
                   <a:srgbClr val="006699"/>
                 </a:solidFill>
                 <a:latin typeface="Inconsolata Medium" panose="020B0609030003000000" pitchFamily="49" charset="77"/>
               </a:rPr>
-              <a:t>	   print</a:t>
-            </a:r>
-            <a:r>
-              <a:rPr lang="en-US" sz="2000" b="1" dirty="0">
+              <a:t>			print</a:t>
+            </a:r>
+            <a:r>
+              <a:rPr lang="en-US" b="1" dirty="0">
                 <a:latin typeface="Inconsolata Medium" panose="020B0609030003000000" pitchFamily="49" charset="77"/>
               </a:rPr>
               <a:t>(</a:t>
             </a:r>
             <a:r>
-              <a:rPr lang="en-US" sz="2000" b="1" dirty="0">
+              <a:rPr lang="en-US" b="1" dirty="0" err="1">
                 <a:solidFill>
                   <a:srgbClr val="000087"/>
                 </a:solidFill>
                 <a:latin typeface="Inconsolata Medium" panose="020B0609030003000000" pitchFamily="49" charset="77"/>
               </a:rPr>
-              <a:t>x</a:t>
-            </a:r>
-            <a:r>
-              <a:rPr lang="en-US" sz="2000" b="1" dirty="0">
-                <a:latin typeface="Inconsolata Medium" panose="020B0609030003000000" pitchFamily="49" charset="77"/>
-              </a:rPr>
-              <a:t>)</a:t>
-            </a:r>
-          </a:p>
-          <a:p>
-            <a:pPr marL="342900" lvl="1" indent="0">
-              <a:buNone/>
-            </a:pPr>
-            <a:endParaRPr lang="en-US" dirty="0">
-              <a:latin typeface="Gill Sans MT" panose="020B0502020104020203" pitchFamily="34" charset="77"/>
-            </a:endParaRPr>
-          </a:p>
-          <a:p>
-            <a:pPr marL="0" indent="0">
-              <a:buNone/>
-            </a:pPr>
-            <a:r>
-              <a:rPr lang="en-US" dirty="0">
-                <a:latin typeface="Gill Sans MT" panose="020B0502020104020203" pitchFamily="34" charset="77"/>
-              </a:rPr>
-              <a:t>is equivalent to</a:t>
-            </a:r>
-            <a:endParaRPr lang="en-US" sz="1800" dirty="0">
-              <a:latin typeface="Gill Sans MT" panose="020B0502020104020203" pitchFamily="34" charset="77"/>
-            </a:endParaRPr>
-          </a:p>
-          <a:p>
-            <a:pPr marL="0" indent="0">
-              <a:buNone/>
-            </a:pPr>
-            <a:endParaRPr lang="en-US" sz="2000" b="1" dirty="0">
+              <a:t>i</a:t>
+            </a:r>
+            <a:r>
+              <a:rPr lang="en-US" b="1" dirty="0">
+                <a:solidFill>
+                  <a:srgbClr val="000087"/>
+                </a:solidFill>
+                <a:latin typeface="Inconsolata Medium" panose="020B0609030003000000" pitchFamily="49" charset="77"/>
+              </a:rPr>
+              <a:t> * j</a:t>
+            </a:r>
+            <a:r>
+              <a:rPr lang="en-US" b="1" dirty="0">
+                <a:latin typeface="Inconsolata Medium" panose="020B0609030003000000" pitchFamily="49" charset="77"/>
+              </a:rPr>
+              <a:t>, </a:t>
+            </a:r>
+            <a:r>
+              <a:rPr lang="en-US" b="1" dirty="0">
+                <a:solidFill>
+                  <a:srgbClr val="000087"/>
+                </a:solidFill>
+                <a:latin typeface="Inconsolata Medium" panose="020B0609030003000000" pitchFamily="49" charset="77"/>
+              </a:rPr>
+              <a:t>end</a:t>
+            </a:r>
+            <a:r>
+              <a:rPr lang="en-US" b="1" dirty="0">
+                <a:solidFill>
+                  <a:srgbClr val="545454"/>
+                </a:solidFill>
+                <a:latin typeface="Inconsolata Medium" panose="020B0609030003000000" pitchFamily="49" charset="77"/>
+              </a:rPr>
+              <a:t>=</a:t>
+            </a:r>
+            <a:r>
+              <a:rPr lang="en-US" b="1" dirty="0">
+                <a:solidFill>
+                  <a:srgbClr val="CC3300"/>
+                </a:solidFill>
+                <a:latin typeface="Inconsolata Medium" panose="020B0609030003000000" pitchFamily="49" charset="77"/>
+              </a:rPr>
+              <a:t>‘ ’</a:t>
+            </a:r>
+            <a:r>
+              <a:rPr lang="en-US" b="1" dirty="0">
+                <a:latin typeface="Inconsolata Medium" panose="020B0609030003000000" pitchFamily="49" charset="77"/>
+              </a:rPr>
+              <a:t>) </a:t>
+            </a:r>
+          </a:p>
+          <a:p>
+            <a:pPr marL="0" indent="0">
+              <a:buNone/>
+            </a:pPr>
+            <a:endParaRPr lang="en-US" dirty="0"/>
+          </a:p>
+          <a:p>
+            <a:pPr marL="0" indent="0">
+              <a:buNone/>
+            </a:pPr>
+            <a:r>
+              <a:rPr lang="en-US" b="1" dirty="0">
+                <a:latin typeface="Inconsolata Medium" panose="020B0609030003000000" pitchFamily="49" charset="77"/>
+              </a:rPr>
+              <a:t>1 2 3 4 </a:t>
+            </a:r>
+          </a:p>
+          <a:p>
+            <a:pPr marL="0" indent="0">
+              <a:buNone/>
+            </a:pPr>
+            <a:r>
+              <a:rPr lang="en-US" b="1" dirty="0">
+                <a:latin typeface="Inconsolata Medium" panose="020B0609030003000000" pitchFamily="49" charset="77"/>
+              </a:rPr>
+              <a:t>2 4 6 8 </a:t>
+            </a:r>
+          </a:p>
+          <a:p>
+            <a:pPr marL="0" indent="0">
+              <a:buNone/>
+            </a:pPr>
+            <a:r>
+              <a:rPr lang="en-US" b="1" dirty="0">
+                <a:latin typeface="Inconsolata Medium" panose="020B0609030003000000" pitchFamily="49" charset="77"/>
+              </a:rPr>
+              <a:t>3 6 9 12 </a:t>
+            </a:r>
+            <a:endParaRPr lang="en-US" sz="2100" b="1" dirty="0">
               <a:solidFill>
                 <a:srgbClr val="000087"/>
               </a:solidFill>
               <a:latin typeface="Inconsolata Medium" panose="020B0609030003000000" pitchFamily="49" charset="77"/>
             </a:endParaRPr>
           </a:p>
-          <a:p>
-            <a:pPr marL="342900" lvl="1" indent="0">
-              <a:buNone/>
-            </a:pPr>
-            <a:r>
-              <a:rPr lang="en-US" b="1" dirty="0">
-                <a:solidFill>
-                  <a:srgbClr val="006699"/>
-                </a:solidFill>
-                <a:latin typeface="Inconsolata Medium" panose="020B0609030003000000" pitchFamily="49" charset="77"/>
-              </a:rPr>
-              <a:t>if </a:t>
-            </a:r>
-            <a:r>
-              <a:rPr lang="en-US" b="1" dirty="0">
-                <a:latin typeface="Inconsolata Medium" panose="020B0609030003000000" pitchFamily="49" charset="77"/>
-              </a:rPr>
-              <a:t>(</a:t>
-            </a:r>
-            <a:r>
-              <a:rPr lang="en-US" b="1" dirty="0">
-                <a:solidFill>
-                  <a:srgbClr val="000087"/>
-                </a:solidFill>
-                <a:latin typeface="Inconsolata Medium" panose="020B0609030003000000" pitchFamily="49" charset="77"/>
-              </a:rPr>
-              <a:t>x &gt; </a:t>
-            </a:r>
-            <a:r>
-              <a:rPr lang="en-US" b="1" dirty="0">
-                <a:solidFill>
-                  <a:srgbClr val="FF6600"/>
-                </a:solidFill>
-                <a:latin typeface="Inconsolata Medium" panose="020B0609030003000000" pitchFamily="49" charset="77"/>
-              </a:rPr>
-              <a:t>0</a:t>
-            </a:r>
-            <a:r>
-              <a:rPr lang="en-US" b="1" dirty="0">
-                <a:latin typeface="Inconsolata Medium" panose="020B0609030003000000" pitchFamily="49" charset="77"/>
-              </a:rPr>
-              <a:t>)</a:t>
-            </a:r>
-            <a:r>
-              <a:rPr lang="en-US" b="1" dirty="0">
-                <a:solidFill>
-                  <a:srgbClr val="FF6600"/>
-                </a:solidFill>
-                <a:latin typeface="Inconsolata Medium" panose="020B0609030003000000" pitchFamily="49" charset="77"/>
-              </a:rPr>
-              <a:t> </a:t>
-            </a:r>
-            <a:r>
-              <a:rPr lang="en-US" b="1" dirty="0">
-                <a:solidFill>
-                  <a:srgbClr val="006699"/>
-                </a:solidFill>
-                <a:latin typeface="Inconsolata Medium" panose="020B0609030003000000" pitchFamily="49" charset="77"/>
-              </a:rPr>
-              <a:t>and</a:t>
-            </a:r>
-            <a:r>
-              <a:rPr lang="en-US" b="1" dirty="0">
-                <a:solidFill>
-                  <a:srgbClr val="FF6600"/>
-                </a:solidFill>
-                <a:latin typeface="Inconsolata Medium" panose="020B0609030003000000" pitchFamily="49" charset="77"/>
-              </a:rPr>
-              <a:t> </a:t>
-            </a:r>
-            <a:r>
-              <a:rPr lang="en-US" b="1" dirty="0">
-                <a:latin typeface="Inconsolata Medium" panose="020B0609030003000000" pitchFamily="49" charset="77"/>
-              </a:rPr>
-              <a:t>(</a:t>
-            </a:r>
-            <a:r>
-              <a:rPr lang="en-US" b="1" dirty="0">
-                <a:solidFill>
-                  <a:srgbClr val="000087"/>
-                </a:solidFill>
-                <a:latin typeface="Inconsolata Medium" panose="020B0609030003000000" pitchFamily="49" charset="77"/>
-              </a:rPr>
-              <a:t>x &lt; </a:t>
-            </a:r>
-            <a:r>
-              <a:rPr lang="en-US" b="1" dirty="0">
-                <a:solidFill>
-                  <a:srgbClr val="FF6600"/>
-                </a:solidFill>
-                <a:latin typeface="Inconsolata Medium" panose="020B0609030003000000" pitchFamily="49" charset="77"/>
-              </a:rPr>
-              <a:t>10</a:t>
-            </a:r>
-            <a:r>
-              <a:rPr lang="en-US" b="1" dirty="0">
-                <a:latin typeface="Inconsolata Medium" panose="020B0609030003000000" pitchFamily="49" charset="77"/>
-              </a:rPr>
-              <a:t>):</a:t>
-            </a:r>
-          </a:p>
-          <a:p>
-            <a:pPr marL="342900" lvl="1" indent="0">
-              <a:buNone/>
-            </a:pPr>
-            <a:r>
-              <a:rPr lang="en-US" b="1" dirty="0">
-                <a:solidFill>
-                  <a:srgbClr val="006699"/>
-                </a:solidFill>
-                <a:latin typeface="Inconsolata Medium" panose="020B0609030003000000" pitchFamily="49" charset="77"/>
-              </a:rPr>
-              <a:t>	print</a:t>
-            </a:r>
-            <a:r>
-              <a:rPr lang="en-US" b="1" dirty="0">
-                <a:latin typeface="Inconsolata Medium" panose="020B0609030003000000" pitchFamily="49" charset="77"/>
-              </a:rPr>
-              <a:t>(</a:t>
-            </a:r>
-            <a:r>
-              <a:rPr lang="en-US" b="1" dirty="0">
-                <a:solidFill>
-                  <a:srgbClr val="000087"/>
-                </a:solidFill>
-                <a:latin typeface="Inconsolata Medium" panose="020B0609030003000000" pitchFamily="49" charset="77"/>
-              </a:rPr>
-              <a:t>x</a:t>
-            </a:r>
-            <a:r>
-              <a:rPr lang="en-US" b="1" dirty="0">
-                <a:latin typeface="Inconsolata Medium" panose="020B0609030003000000" pitchFamily="49" charset="77"/>
-              </a:rPr>
-              <a:t>)</a:t>
-            </a:r>
-          </a:p>
-          <a:p>
-            <a:pPr marL="342900" lvl="1" indent="0">
-              <a:buNone/>
-            </a:pPr>
-            <a:endParaRPr lang="en-US" dirty="0">
-              <a:solidFill>
-                <a:srgbClr val="000087"/>
-              </a:solidFill>
-              <a:latin typeface="Gill Sans MT" panose="020B0502020104020203" pitchFamily="34" charset="77"/>
-            </a:endParaRPr>
-          </a:p>
         </p:txBody>
       </p:sp>
     </p:spTree>
     <p:extLst>
       <p:ext uri="{BB962C8B-B14F-4D97-AF65-F5344CB8AC3E}">
-        <p14:creationId xmlns:p14="http://schemas.microsoft.com/office/powerpoint/2010/main" val="439805773"/>
+        <p14:creationId xmlns:p14="http://schemas.microsoft.com/office/powerpoint/2010/main" val="128704095"/>
       </p:ext>
     </p:extLst>
   </p:cSld>
@@ -4139,7 +3868,7 @@
           <a:p>
             <a:r>
               <a:rPr lang="en-US" dirty="0"/>
-              <a:t>Ternary Operators</a:t>
+              <a:t>References</a:t>
             </a:r>
           </a:p>
         </p:txBody>
@@ -4162,340 +3891,6 @@
         </p:nvSpPr>
         <p:spPr>
           <a:xfrm>
-            <a:off x="483848" y="1288073"/>
-            <a:ext cx="8051725" cy="4292919"/>
-          </a:xfrm>
-        </p:spPr>
-        <p:txBody>
-          <a:bodyPr>
-            <a:normAutofit/>
-          </a:bodyPr>
-          <a:lstStyle/>
-          <a:p>
-            <a:pPr marL="0" indent="0">
-              <a:buNone/>
-            </a:pPr>
-            <a:r>
-              <a:rPr lang="en-US" dirty="0">
-                <a:latin typeface="Gill Sans MT" panose="020B0502020104020203" pitchFamily="34" charset="77"/>
-              </a:rPr>
-              <a:t>A </a:t>
-            </a:r>
-            <a:r>
-              <a:rPr lang="en-US" i="1" dirty="0">
-                <a:latin typeface="Gill Sans MT" panose="020B0502020104020203" pitchFamily="34" charset="77"/>
-              </a:rPr>
-              <a:t>ternary operator</a:t>
-            </a:r>
-            <a:r>
-              <a:rPr lang="en-US" dirty="0">
-                <a:latin typeface="Gill Sans MT" panose="020B0502020104020203" pitchFamily="34" charset="77"/>
-              </a:rPr>
-              <a:t> evaluates an expression based on the value of a </a:t>
-            </a:r>
-            <a:r>
-              <a:rPr lang="en-US" dirty="0" err="1">
-                <a:latin typeface="Gill Sans MT" panose="020B0502020104020203" pitchFamily="34" charset="77"/>
-              </a:rPr>
-              <a:t>boolean</a:t>
-            </a:r>
-            <a:r>
-              <a:rPr lang="en-US" dirty="0">
-                <a:latin typeface="Gill Sans MT" panose="020B0502020104020203" pitchFamily="34" charset="77"/>
-              </a:rPr>
-              <a:t> condition. This is sometimes called </a:t>
-            </a:r>
-            <a:r>
-              <a:rPr lang="en-US" i="1" dirty="0">
-                <a:latin typeface="Gill Sans MT" panose="020B0502020104020203" pitchFamily="34" charset="77"/>
-              </a:rPr>
-              <a:t>conditional expression</a:t>
-            </a:r>
-            <a:r>
-              <a:rPr lang="en-US" dirty="0">
-                <a:latin typeface="Gill Sans MT" panose="020B0502020104020203" pitchFamily="34" charset="77"/>
-              </a:rPr>
-              <a:t> or an </a:t>
-            </a:r>
-            <a:r>
-              <a:rPr lang="en-US" i="1" dirty="0">
-                <a:latin typeface="Gill Sans MT" panose="020B0502020104020203" pitchFamily="34" charset="77"/>
-              </a:rPr>
-              <a:t>inline if-else</a:t>
-            </a:r>
-            <a:r>
-              <a:rPr lang="en-US" dirty="0">
-                <a:latin typeface="Gill Sans MT" panose="020B0502020104020203" pitchFamily="34" charset="77"/>
-              </a:rPr>
-              <a:t> statement.</a:t>
-            </a:r>
-          </a:p>
-          <a:p>
-            <a:pPr marL="0" indent="0">
-              <a:buNone/>
-            </a:pPr>
-            <a:r>
-              <a:rPr lang="en-US" dirty="0">
-                <a:latin typeface="Gill Sans MT" panose="020B0502020104020203" pitchFamily="34" charset="77"/>
-              </a:rPr>
-              <a:t>The following</a:t>
-            </a:r>
-          </a:p>
-          <a:p>
-            <a:pPr marL="0" indent="0">
-              <a:buNone/>
-            </a:pPr>
-            <a:endParaRPr lang="en-US" dirty="0">
-              <a:latin typeface="Gill Sans MT" panose="020B0502020104020203" pitchFamily="34" charset="77"/>
-            </a:endParaRPr>
-          </a:p>
-          <a:p>
-            <a:pPr marL="342900" lvl="1" indent="0">
-              <a:buNone/>
-            </a:pPr>
-            <a:r>
-              <a:rPr lang="en-US" sz="2000" b="1" dirty="0">
-                <a:solidFill>
-                  <a:srgbClr val="000087"/>
-                </a:solidFill>
-                <a:latin typeface="Inconsolata Medium" panose="020B0609030003000000" pitchFamily="49" charset="77"/>
-              </a:rPr>
-              <a:t>x</a:t>
-            </a:r>
-            <a:r>
-              <a:rPr lang="en-US" sz="2000" b="1" dirty="0">
-                <a:solidFill>
-                  <a:srgbClr val="006699"/>
-                </a:solidFill>
-                <a:latin typeface="Inconsolata Medium" panose="020B0609030003000000" pitchFamily="49" charset="77"/>
-              </a:rPr>
-              <a:t> = 50</a:t>
-            </a:r>
-          </a:p>
-          <a:p>
-            <a:pPr marL="342900" lvl="1" indent="0">
-              <a:buNone/>
-            </a:pPr>
-            <a:r>
-              <a:rPr lang="en-US" sz="2000" b="1" dirty="0">
-                <a:solidFill>
-                  <a:srgbClr val="000087"/>
-                </a:solidFill>
-                <a:latin typeface="Inconsolata Medium" panose="020B0609030003000000" pitchFamily="49" charset="77"/>
-              </a:rPr>
-              <a:t>grade</a:t>
-            </a:r>
-            <a:r>
-              <a:rPr lang="en-US" sz="2000" b="1" dirty="0">
-                <a:solidFill>
-                  <a:srgbClr val="006699"/>
-                </a:solidFill>
-                <a:latin typeface="Inconsolata Medium" panose="020B0609030003000000" pitchFamily="49" charset="77"/>
-              </a:rPr>
-              <a:t> = </a:t>
-            </a:r>
-            <a:r>
-              <a:rPr lang="en-US" sz="2000" b="1" dirty="0">
-                <a:solidFill>
-                  <a:srgbClr val="FF6600"/>
-                </a:solidFill>
-                <a:latin typeface="Inconsolata Medium" panose="020B0609030003000000" pitchFamily="49" charset="77"/>
-              </a:rPr>
-              <a:t>“pass” </a:t>
-            </a:r>
-            <a:r>
-              <a:rPr lang="en-US" sz="2000" b="1" dirty="0">
-                <a:solidFill>
-                  <a:srgbClr val="006699"/>
-                </a:solidFill>
-                <a:latin typeface="Inconsolata Medium" panose="020B0609030003000000" pitchFamily="49" charset="77"/>
-              </a:rPr>
-              <a:t>if </a:t>
-            </a:r>
-            <a:r>
-              <a:rPr lang="en-US" sz="2000" b="1" dirty="0">
-                <a:solidFill>
-                  <a:srgbClr val="000087"/>
-                </a:solidFill>
-                <a:latin typeface="Inconsolata Medium" panose="020B0609030003000000" pitchFamily="49" charset="77"/>
-              </a:rPr>
-              <a:t>x</a:t>
-            </a:r>
-            <a:r>
-              <a:rPr lang="en-US" sz="2000" b="1" dirty="0">
-                <a:solidFill>
-                  <a:srgbClr val="006699"/>
-                </a:solidFill>
-                <a:latin typeface="Inconsolata Medium" panose="020B0609030003000000" pitchFamily="49" charset="77"/>
-              </a:rPr>
-              <a:t> &gt;= 60 else </a:t>
-            </a:r>
-            <a:r>
-              <a:rPr lang="en-US" sz="2000" b="1" dirty="0">
-                <a:solidFill>
-                  <a:srgbClr val="FF6600"/>
-                </a:solidFill>
-                <a:latin typeface="Inconsolata Medium" panose="020B0609030003000000" pitchFamily="49" charset="77"/>
-              </a:rPr>
-              <a:t>“fail” </a:t>
-            </a:r>
-          </a:p>
-          <a:p>
-            <a:pPr marL="342900" lvl="1" indent="0">
-              <a:buNone/>
-            </a:pPr>
-            <a:r>
-              <a:rPr lang="en-US" sz="2000" b="1" dirty="0">
-                <a:solidFill>
-                  <a:srgbClr val="006699"/>
-                </a:solidFill>
-                <a:latin typeface="Inconsolata Medium" panose="020B0609030003000000" pitchFamily="49" charset="77"/>
-              </a:rPr>
-              <a:t>print(</a:t>
-            </a:r>
-            <a:r>
-              <a:rPr lang="en-US" sz="2000" b="1" dirty="0">
-                <a:solidFill>
-                  <a:srgbClr val="000087"/>
-                </a:solidFill>
-                <a:latin typeface="Inconsolata Medium" panose="020B0609030003000000" pitchFamily="49" charset="77"/>
-              </a:rPr>
-              <a:t>grade</a:t>
-            </a:r>
-            <a:r>
-              <a:rPr lang="en-US" sz="2000" b="1" dirty="0">
-                <a:solidFill>
-                  <a:srgbClr val="006699"/>
-                </a:solidFill>
-                <a:latin typeface="Inconsolata Medium" panose="020B0609030003000000" pitchFamily="49" charset="77"/>
-              </a:rPr>
-              <a:t>)</a:t>
-            </a:r>
-          </a:p>
-          <a:p>
-            <a:pPr marL="342900" lvl="1" indent="0">
-              <a:buNone/>
-            </a:pPr>
-            <a:endParaRPr lang="en-US" sz="2000" b="1" dirty="0">
-              <a:solidFill>
-                <a:srgbClr val="006699"/>
-              </a:solidFill>
-              <a:latin typeface="Inconsolata Medium" panose="020B0609030003000000" pitchFamily="49" charset="77"/>
-            </a:endParaRPr>
-          </a:p>
-          <a:p>
-            <a:pPr marL="342900" lvl="1" indent="0">
-              <a:buNone/>
-            </a:pPr>
-            <a:r>
-              <a:rPr lang="en-US" sz="2100" dirty="0">
-                <a:latin typeface="Gill Sans MT" panose="020B0502020104020203" pitchFamily="34" charset="77"/>
-              </a:rPr>
-              <a:t>fail</a:t>
-            </a:r>
-          </a:p>
-          <a:p>
-            <a:pPr marL="342900" lvl="1" indent="0">
-              <a:buNone/>
-            </a:pPr>
-            <a:endParaRPr lang="en-US" sz="2100" dirty="0">
-              <a:latin typeface="Gill Sans MT" panose="020B0502020104020203" pitchFamily="34" charset="77"/>
-            </a:endParaRPr>
-          </a:p>
-          <a:p>
-            <a:pPr marL="342900" lvl="1" indent="0">
-              <a:buNone/>
-            </a:pPr>
-            <a:endParaRPr lang="en-US" sz="2100" dirty="0">
-              <a:solidFill>
-                <a:srgbClr val="000087"/>
-              </a:solidFill>
-              <a:latin typeface="Gill Sans MT" panose="020B0502020104020203" pitchFamily="34" charset="77"/>
-            </a:endParaRPr>
-          </a:p>
-        </p:txBody>
-      </p:sp>
-    </p:spTree>
-    <p:extLst>
-      <p:ext uri="{BB962C8B-B14F-4D97-AF65-F5344CB8AC3E}">
-        <p14:creationId xmlns:p14="http://schemas.microsoft.com/office/powerpoint/2010/main" val="3539054576"/>
-      </p:ext>
-    </p:extLst>
-  </p:cSld>
-  <p:clrMapOvr>
-    <a:masterClrMapping/>
-  </p:clrMapOvr>
-</p:sld>
-</file>
-
-<file path=ppt/slides/slide12.xml><?xml version="1.0" encoding="utf-8"?>
-<p:sld xmlns:a="http://schemas.openxmlformats.org/drawingml/2006/main" xmlns:r="http://schemas.openxmlformats.org/officeDocument/2006/relationships" xmlns:p="http://schemas.openxmlformats.org/presentationml/2006/main">
-  <p:cSld>
-    <p:spTree>
-      <p:nvGrpSpPr>
-        <p:cNvPr id="1" name=""/>
-        <p:cNvGrpSpPr/>
-        <p:nvPr/>
-      </p:nvGrpSpPr>
-      <p:grpSpPr>
-        <a:xfrm>
-          <a:off x="0" y="0"/>
-          <a:ext cx="0" cy="0"/>
-          <a:chOff x="0" y="0"/>
-          <a:chExt cx="0" cy="0"/>
-        </a:xfrm>
-      </p:grpSpPr>
-      <p:sp>
-        <p:nvSpPr>
-          <p:cNvPr id="2" name="Title 1">
-            <a:extLst>
-              <a:ext uri="{FF2B5EF4-FFF2-40B4-BE49-F238E27FC236}">
-                <a16:creationId xmlns:a16="http://schemas.microsoft.com/office/drawing/2014/main" id="{AA3A228F-61D0-D949-A5E7-F83756230BF8}"/>
-              </a:ext>
-            </a:extLst>
-          </p:cNvPr>
-          <p:cNvSpPr>
-            <a:spLocks noGrp="1"/>
-          </p:cNvSpPr>
-          <p:nvPr>
-            <p:ph type="title"/>
-          </p:nvPr>
-        </p:nvSpPr>
-        <p:spPr>
-          <a:xfrm>
-            <a:off x="483848" y="467027"/>
-            <a:ext cx="7053542" cy="683886"/>
-          </a:xfrm>
-        </p:spPr>
-        <p:txBody>
-          <a:bodyPr/>
-          <a:lstStyle/>
-          <a:p>
-            <a:r>
-              <a:rPr lang="en-US" dirty="0"/>
-              <a:t>References</a:t>
-            </a:r>
-          </a:p>
-        </p:txBody>
-      </p:sp>
-      <p:sp>
-        <p:nvSpPr>
-          <p:cNvPr id="9" name="Content Placeholder 8">
-            <a:extLst>
-              <a:ext uri="{FF2B5EF4-FFF2-40B4-BE49-F238E27FC236}">
-                <a16:creationId xmlns:a16="http://schemas.microsoft.com/office/drawing/2014/main" id="{E3B2E017-30B2-884B-A113-B419A2ED51AD}"/>
-              </a:ext>
-            </a:extLst>
-          </p:cNvPr>
-          <p:cNvSpPr>
-            <a:spLocks noGrp="1"/>
-          </p:cNvSpPr>
-          <p:nvPr>
-            <p:ph idx="1"/>
-          </p:nvPr>
-        </p:nvSpPr>
-        <p:spPr>
-          <a:xfrm>
             <a:off x="483848" y="1150913"/>
             <a:ext cx="8051725" cy="4440590"/>
           </a:xfrm>
@@ -4536,23 +3931,6 @@
             <a:r>
               <a:rPr lang="en-US" dirty="0"/>
               <a:t> Media. </a:t>
-            </a:r>
-          </a:p>
-          <a:p>
-            <a:pPr marL="457200" indent="-457200">
-              <a:buAutoNum type="arabicParenR"/>
-            </a:pPr>
-            <a:r>
-              <a:rPr lang="en-US" dirty="0"/>
-              <a:t>Richard </a:t>
-            </a:r>
-            <a:r>
-              <a:rPr lang="en-US" dirty="0" err="1"/>
-              <a:t>Halterman</a:t>
-            </a:r>
-            <a:r>
-              <a:rPr lang="en-US" dirty="0"/>
-              <a:t>, Fundamental of Python Programming.</a:t>
             </a:r>
           </a:p>
           <a:p>
@@ -4727,6 +4105,61 @@
             </a:r>
           </a:p>
           <a:p>
+            <a:pPr marL="457200" indent="-457200">
+              <a:buAutoNum type="arabicParenR"/>
+            </a:pPr>
+            <a:r>
+              <a:rPr lang="en-US" dirty="0">
+                <a:latin typeface="Gill Sans MT" panose="020B0502020104020203" pitchFamily="34" charset="77"/>
+              </a:rPr>
+              <a:t>For Loops</a:t>
+            </a:r>
+          </a:p>
+          <a:p>
+            <a:pPr marL="457200" indent="-457200">
+              <a:buAutoNum type="arabicParenR"/>
+            </a:pPr>
+            <a:r>
+              <a:rPr lang="en-US" dirty="0">
+                <a:latin typeface="Gill Sans MT" panose="020B0502020104020203" pitchFamily="34" charset="77"/>
+              </a:rPr>
+              <a:t>While Loops</a:t>
+            </a:r>
+          </a:p>
+          <a:p>
+            <a:pPr marL="457200" indent="-457200">
+              <a:buAutoNum type="arabicParenR"/>
+            </a:pPr>
+            <a:r>
+              <a:rPr lang="en-US" dirty="0">
+                <a:latin typeface="Gill Sans MT" panose="020B0502020104020203" pitchFamily="34" charset="77"/>
+              </a:rPr>
+              <a:t>Break vs. Continue</a:t>
+            </a:r>
+          </a:p>
+          <a:p>
+            <a:pPr marL="457200" indent="-457200">
+              <a:buAutoNum type="arabicParenR"/>
+            </a:pPr>
+            <a:r>
+              <a:rPr lang="en-US" dirty="0">
+                <a:latin typeface="Gill Sans MT" panose="020B0502020104020203" pitchFamily="34" charset="77"/>
+              </a:rPr>
+              <a:t>Nested Loops</a:t>
+            </a:r>
+          </a:p>
+          <a:p>
+            <a:pPr marL="457200" indent="-457200">
+              <a:buAutoNum type="arabicParenR"/>
+            </a:pPr>
+            <a:r>
+              <a:rPr lang="en-US" dirty="0">
+                <a:latin typeface="Gill Sans MT" panose="020B0502020104020203" pitchFamily="34" charset="77"/>
+              </a:rPr>
+              <a:t>Functions</a:t>
+            </a:r>
+          </a:p>
+          <a:p>
             <a:pPr marL="0" indent="0">
               <a:buNone/>
             </a:pPr>
@@ -4826,7 +4259,7 @@
           <a:p>
             <a:r>
               <a:rPr lang="en-US" dirty="0"/>
-              <a:t>Conditionals</a:t>
+              <a:t>For Loops</a:t>
             </a:r>
           </a:p>
         </p:txBody>
@@ -4849,8 +4282,8 @@
         </p:nvSpPr>
         <p:spPr>
           <a:xfrm>
-            <a:off x="483848" y="1288074"/>
-            <a:ext cx="8051725" cy="4051496"/>
+            <a:off x="483848" y="1288073"/>
+            <a:ext cx="8051725" cy="4292919"/>
           </a:xfrm>
         </p:spPr>
         <p:txBody>
@@ -4863,135 +4296,355 @@
               <a:buNone/>
             </a:pPr>
             <a:r>
-              <a:rPr lang="en-US" dirty="0"/>
-              <a:t>The reserved word </a:t>
-            </a:r>
-            <a:r>
-              <a:rPr lang="en-US" b="1" dirty="0"/>
-              <a:t>if</a:t>
-            </a:r>
-            <a:r>
-              <a:rPr lang="en-US" dirty="0"/>
-              <a:t> begins an conditional block.</a:t>
-            </a:r>
-          </a:p>
-          <a:p>
-            <a:pPr marL="342900" lvl="1" indent="0">
-              <a:buNone/>
-            </a:pPr>
-            <a:endParaRPr lang="en-US" sz="2100" b="1" dirty="0">
-              <a:solidFill>
-                <a:srgbClr val="006699"/>
-              </a:solidFill>
+              <a:rPr lang="en-US" dirty="0">
+                <a:latin typeface="Gill Sans MT" panose="020B0502020104020203" pitchFamily="34" charset="77"/>
+              </a:rPr>
+              <a:t>In general, a loop allows a sequence of instructions to execute repeatedly until some condition is met. </a:t>
+            </a:r>
+          </a:p>
+          <a:p>
+            <a:pPr marL="0" indent="0">
+              <a:buNone/>
+            </a:pPr>
+            <a:endParaRPr lang="en-US" dirty="0">
+              <a:latin typeface="Gill Sans MT" panose="020B0502020104020203" pitchFamily="34" charset="77"/>
+            </a:endParaRPr>
+          </a:p>
+          <a:p>
+            <a:pPr marL="0" indent="0">
+              <a:buNone/>
+            </a:pPr>
+            <a:r>
+              <a:rPr lang="en-US" dirty="0">
+                <a:latin typeface="Gill Sans MT" panose="020B0502020104020203" pitchFamily="34" charset="77"/>
+              </a:rPr>
+              <a:t>Python’s </a:t>
+            </a:r>
+            <a:r>
+              <a:rPr lang="en-US" i="1" dirty="0">
+                <a:latin typeface="Gill Sans MT" panose="020B0502020104020203" pitchFamily="34" charset="77"/>
+              </a:rPr>
+              <a:t>for</a:t>
+            </a:r>
+            <a:r>
+              <a:rPr lang="en-US" dirty="0">
+                <a:latin typeface="Gill Sans MT" panose="020B0502020104020203" pitchFamily="34" charset="77"/>
+              </a:rPr>
+              <a:t> loop iterates over items of a sequence(e.g. a list, string or tuple) and process them with some code. </a:t>
+            </a:r>
+          </a:p>
+          <a:p>
+            <a:pPr marL="0" indent="0">
+              <a:buNone/>
+            </a:pPr>
+            <a:r>
+              <a:rPr lang="en-US" b="1" dirty="0">
+                <a:solidFill>
+                  <a:srgbClr val="006699"/>
+                </a:solidFill>
+                <a:latin typeface="Inconsolata Medium" panose="020B0609030003000000" pitchFamily="49" charset="77"/>
+              </a:rPr>
+              <a:t>for </a:t>
+            </a:r>
+            <a:r>
+              <a:rPr lang="en-US" b="1" dirty="0">
+                <a:solidFill>
+                  <a:srgbClr val="000087"/>
+                </a:solidFill>
+                <a:latin typeface="Inconsolata Medium" panose="020B0609030003000000" pitchFamily="49" charset="77"/>
+              </a:rPr>
+              <a:t>x </a:t>
+            </a:r>
+            <a:r>
+              <a:rPr lang="en-US" b="1" dirty="0">
+                <a:latin typeface="Inconsolata Medium" panose="020B0609030003000000" pitchFamily="49" charset="77"/>
+              </a:rPr>
+              <a:t>in</a:t>
+            </a:r>
+            <a:r>
+              <a:rPr lang="en-US" b="1" dirty="0">
+                <a:solidFill>
+                  <a:srgbClr val="000087"/>
+                </a:solidFill>
+                <a:latin typeface="Inconsolata Medium" panose="020B0609030003000000" pitchFamily="49" charset="77"/>
+              </a:rPr>
+              <a:t> sequence</a:t>
+            </a:r>
+            <a:r>
+              <a:rPr lang="en-US" b="1" dirty="0">
+                <a:latin typeface="Inconsolata Medium" panose="020B0609030003000000" pitchFamily="49" charset="77"/>
+              </a:rPr>
+              <a:t>:</a:t>
+            </a:r>
+            <a:br>
+              <a:rPr lang="en-US" b="1" dirty="0">
+                <a:latin typeface="Inconsolata Medium" panose="020B0609030003000000" pitchFamily="49" charset="77"/>
+              </a:rPr>
+            </a:br>
+            <a:r>
+              <a:rPr lang="en-US" b="1" dirty="0">
+                <a:latin typeface="Inconsolata Medium" panose="020B0609030003000000" pitchFamily="49" charset="77"/>
+              </a:rPr>
+              <a:t>	</a:t>
+            </a:r>
+            <a:r>
+              <a:rPr lang="en-US" b="1" dirty="0">
+                <a:solidFill>
+                  <a:srgbClr val="006699"/>
+                </a:solidFill>
+                <a:latin typeface="Inconsolata Medium" panose="020B0609030003000000" pitchFamily="49" charset="77"/>
+              </a:rPr>
+              <a:t>block</a:t>
+            </a:r>
+            <a:r>
+              <a:rPr lang="en-US" b="1" dirty="0">
+                <a:latin typeface="Inconsolata Medium" panose="020B0609030003000000" pitchFamily="49" charset="77"/>
+              </a:rPr>
+              <a:t> </a:t>
+            </a:r>
+          </a:p>
+          <a:p>
+            <a:pPr marL="0" indent="0">
+              <a:buNone/>
+            </a:pPr>
+            <a:endParaRPr lang="en-US" dirty="0">
+              <a:latin typeface="Gill Sans MT" panose="020B0502020104020203" pitchFamily="34" charset="77"/>
+            </a:endParaRPr>
+          </a:p>
+          <a:p>
+            <a:pPr marL="0" indent="0">
+              <a:buNone/>
+            </a:pPr>
+            <a:r>
+              <a:rPr lang="en-US" sz="2000" b="1" dirty="0">
+                <a:solidFill>
+                  <a:srgbClr val="000087"/>
+                </a:solidFill>
+                <a:latin typeface="Inconsolata Medium" panose="020B0609030003000000" pitchFamily="49" charset="77"/>
+              </a:rPr>
+              <a:t>In</a:t>
+            </a:r>
+            <a:r>
+              <a:rPr lang="en-US" sz="2000" b="1" dirty="0">
+                <a:latin typeface="Inconsolata Medium" panose="020B0609030003000000" pitchFamily="49" charset="77"/>
+              </a:rPr>
+              <a:t>[</a:t>
+            </a:r>
+            <a:r>
+              <a:rPr lang="en-US" sz="2000" b="1" dirty="0">
+                <a:solidFill>
+                  <a:srgbClr val="FF6600"/>
+                </a:solidFill>
+                <a:latin typeface="Inconsolata Medium" panose="020B0609030003000000" pitchFamily="49" charset="77"/>
+              </a:rPr>
+              <a:t>2</a:t>
+            </a:r>
+            <a:r>
+              <a:rPr lang="en-US" sz="2000" b="1" dirty="0">
+                <a:latin typeface="Inconsolata Medium" panose="020B0609030003000000" pitchFamily="49" charset="77"/>
+              </a:rPr>
+              <a:t>]:  </a:t>
+            </a:r>
+            <a:r>
+              <a:rPr lang="en-US" sz="2000" b="1" dirty="0">
+                <a:solidFill>
+                  <a:srgbClr val="006699"/>
+                </a:solidFill>
+                <a:latin typeface="Inconsolata Medium" panose="020B0609030003000000" pitchFamily="49" charset="77"/>
+              </a:rPr>
+              <a:t>for </a:t>
+            </a:r>
+            <a:r>
+              <a:rPr lang="en-US" sz="2000" b="1" dirty="0">
+                <a:solidFill>
+                  <a:srgbClr val="000087"/>
+                </a:solidFill>
+                <a:latin typeface="Inconsolata Medium" panose="020B0609030003000000" pitchFamily="49" charset="77"/>
+              </a:rPr>
+              <a:t>x </a:t>
+            </a:r>
+            <a:r>
+              <a:rPr lang="en-US" sz="2000" b="1" dirty="0">
+                <a:latin typeface="Inconsolata Medium" panose="020B0609030003000000" pitchFamily="49" charset="77"/>
+              </a:rPr>
+              <a:t>in [</a:t>
+            </a:r>
+            <a:r>
+              <a:rPr lang="en-US" sz="2000" b="1" dirty="0">
+                <a:solidFill>
+                  <a:srgbClr val="FF6600"/>
+                </a:solidFill>
+                <a:latin typeface="Inconsolata Medium" panose="020B0609030003000000" pitchFamily="49" charset="77"/>
+              </a:rPr>
+              <a:t>2</a:t>
+            </a:r>
+            <a:r>
+              <a:rPr lang="en-US" sz="2000" b="1" dirty="0">
+                <a:latin typeface="Inconsolata Medium" panose="020B0609030003000000" pitchFamily="49" charset="77"/>
+              </a:rPr>
+              <a:t>,</a:t>
+            </a:r>
+            <a:r>
+              <a:rPr lang="en-US" sz="2000" b="1" dirty="0">
+                <a:solidFill>
+                  <a:srgbClr val="FF6600"/>
+                </a:solidFill>
+                <a:latin typeface="Inconsolata Medium" panose="020B0609030003000000" pitchFamily="49" charset="77"/>
+              </a:rPr>
+              <a:t>3</a:t>
+            </a:r>
+            <a:r>
+              <a:rPr lang="en-US" sz="2000" b="1" dirty="0">
+                <a:latin typeface="Inconsolata Medium" panose="020B0609030003000000" pitchFamily="49" charset="77"/>
+              </a:rPr>
+              <a:t>,</a:t>
+            </a:r>
+            <a:r>
+              <a:rPr lang="en-US" sz="2000" b="1" dirty="0">
+                <a:solidFill>
+                  <a:srgbClr val="FF6600"/>
+                </a:solidFill>
+                <a:latin typeface="Inconsolata Medium" panose="020B0609030003000000" pitchFamily="49" charset="77"/>
+              </a:rPr>
+              <a:t>5</a:t>
+            </a:r>
+            <a:r>
+              <a:rPr lang="en-US" sz="2000" b="1" dirty="0">
+                <a:latin typeface="Inconsolata Medium" panose="020B0609030003000000" pitchFamily="49" charset="77"/>
+              </a:rPr>
+              <a:t>,</a:t>
+            </a:r>
+            <a:r>
+              <a:rPr lang="en-US" sz="2000" b="1" dirty="0">
+                <a:solidFill>
+                  <a:srgbClr val="FF6600"/>
+                </a:solidFill>
+                <a:latin typeface="Inconsolata Medium" panose="020B0609030003000000" pitchFamily="49" charset="77"/>
+              </a:rPr>
+              <a:t>7</a:t>
+            </a:r>
+            <a:r>
+              <a:rPr lang="en-US" sz="2000" b="1" dirty="0">
+                <a:latin typeface="Inconsolata Medium" panose="020B0609030003000000" pitchFamily="49" charset="77"/>
+              </a:rPr>
+              <a:t>]:</a:t>
+            </a:r>
+            <a:br>
+              <a:rPr lang="en-US" sz="2000" b="1" dirty="0">
+                <a:latin typeface="Inconsolata Medium" panose="020B0609030003000000" pitchFamily="49" charset="77"/>
+              </a:rPr>
+            </a:br>
+            <a:r>
+              <a:rPr lang="en-US" sz="2000" b="1" dirty="0">
+                <a:latin typeface="Inconsolata Medium" panose="020B0609030003000000" pitchFamily="49" charset="77"/>
+              </a:rPr>
+              <a:t>		</a:t>
+            </a:r>
+            <a:r>
+              <a:rPr lang="en-US" sz="2000" b="1" dirty="0">
+                <a:solidFill>
+                  <a:srgbClr val="006699"/>
+                </a:solidFill>
+                <a:latin typeface="Inconsolata Medium" panose="020B0609030003000000" pitchFamily="49" charset="77"/>
+              </a:rPr>
+              <a:t>print</a:t>
+            </a:r>
+            <a:r>
+              <a:rPr lang="en-US" sz="2000" b="1" dirty="0">
+                <a:latin typeface="Inconsolata Medium" panose="020B0609030003000000" pitchFamily="49" charset="77"/>
+              </a:rPr>
+              <a:t>(</a:t>
+            </a:r>
+            <a:r>
+              <a:rPr lang="en-US" sz="2000" b="1" dirty="0">
+                <a:solidFill>
+                  <a:srgbClr val="000087"/>
+                </a:solidFill>
+                <a:latin typeface="Inconsolata Medium" panose="020B0609030003000000" pitchFamily="49" charset="77"/>
+              </a:rPr>
+              <a:t>x</a:t>
+            </a:r>
+            <a:r>
+              <a:rPr lang="en-US" sz="2000" b="1" dirty="0">
+                <a:latin typeface="Inconsolata Medium" panose="020B0609030003000000" pitchFamily="49" charset="77"/>
+              </a:rPr>
+              <a:t>, </a:t>
+            </a:r>
+            <a:r>
+              <a:rPr lang="en-US" sz="2000" b="1" dirty="0">
+                <a:solidFill>
+                  <a:srgbClr val="000087"/>
+                </a:solidFill>
+                <a:latin typeface="Inconsolata Medium" panose="020B0609030003000000" pitchFamily="49" charset="77"/>
+              </a:rPr>
+              <a:t>end</a:t>
+            </a:r>
+            <a:r>
+              <a:rPr lang="en-US" sz="2000" b="1" dirty="0">
+                <a:solidFill>
+                  <a:srgbClr val="545454"/>
+                </a:solidFill>
+                <a:latin typeface="Inconsolata Medium" panose="020B0609030003000000" pitchFamily="49" charset="77"/>
+              </a:rPr>
+              <a:t>=</a:t>
+            </a:r>
+            <a:r>
+              <a:rPr lang="en-US" sz="2000" b="1" dirty="0">
+                <a:solidFill>
+                  <a:srgbClr val="CC3300"/>
+                </a:solidFill>
+                <a:latin typeface="Inconsolata Medium" panose="020B0609030003000000" pitchFamily="49" charset="77"/>
+              </a:rPr>
+              <a:t>“ ”</a:t>
+            </a:r>
+            <a:r>
+              <a:rPr lang="en-US" sz="2000" b="1" dirty="0">
+                <a:latin typeface="Inconsolata Medium" panose="020B0609030003000000" pitchFamily="49" charset="77"/>
+              </a:rPr>
+              <a:t>)    </a:t>
+            </a:r>
+            <a:r>
+              <a:rPr lang="en-US" sz="2000" b="1" i="1" dirty="0">
+                <a:solidFill>
+                  <a:srgbClr val="33566B"/>
+                </a:solidFill>
+                <a:latin typeface="Inconsolata Medium" panose="020B0609030003000000" pitchFamily="49" charset="77"/>
+              </a:rPr>
+              <a:t># print all on same line </a:t>
+            </a:r>
+            <a:endParaRPr lang="en-US" sz="2000" b="1" dirty="0">
               <a:latin typeface="Inconsolata Medium" panose="020B0609030003000000" pitchFamily="49" charset="77"/>
             </a:endParaRPr>
           </a:p>
           <a:p>
-            <a:pPr marL="342900" lvl="1" indent="0">
-              <a:buNone/>
-            </a:pPr>
-            <a:r>
-              <a:rPr lang="en-US" sz="2100" b="1" dirty="0">
-                <a:solidFill>
-                  <a:srgbClr val="006699"/>
-                </a:solidFill>
-                <a:latin typeface="Inconsolata Medium" panose="020B0609030003000000" pitchFamily="49" charset="77"/>
-              </a:rPr>
-              <a:t>if </a:t>
-            </a:r>
-            <a:r>
-              <a:rPr lang="en-US" sz="2100" b="1" dirty="0">
-                <a:solidFill>
-                  <a:srgbClr val="000087"/>
-                </a:solidFill>
-                <a:latin typeface="Inconsolata Medium" panose="020B0609030003000000" pitchFamily="49" charset="77"/>
-              </a:rPr>
-              <a:t>condition</a:t>
-            </a:r>
-            <a:r>
-              <a:rPr lang="en-US" sz="2100" b="1" dirty="0">
-                <a:latin typeface="Inconsolata Medium" panose="020B0609030003000000" pitchFamily="49" charset="77"/>
-              </a:rPr>
-              <a:t>:</a:t>
-            </a:r>
-            <a:br>
-              <a:rPr lang="en-US" sz="2100" b="1" dirty="0">
-                <a:latin typeface="Inconsolata Medium" panose="020B0609030003000000" pitchFamily="49" charset="77"/>
-              </a:rPr>
-            </a:br>
-            <a:r>
-              <a:rPr lang="en-US" sz="2100" b="1" dirty="0">
-                <a:latin typeface="Inconsolata Medium" panose="020B0609030003000000" pitchFamily="49" charset="77"/>
-              </a:rPr>
-              <a:t>	</a:t>
-            </a:r>
-            <a:r>
-              <a:rPr lang="en-US" sz="2100" b="1" dirty="0">
-                <a:solidFill>
-                  <a:srgbClr val="006699"/>
-                </a:solidFill>
-                <a:latin typeface="Inconsolata Medium" panose="020B0609030003000000" pitchFamily="49" charset="77"/>
-              </a:rPr>
-              <a:t>block</a:t>
-            </a:r>
-            <a:r>
-              <a:rPr lang="en-US" sz="2100" b="1" dirty="0">
-                <a:latin typeface="Inconsolata Medium" panose="020B0609030003000000" pitchFamily="49" charset="77"/>
-              </a:rPr>
-              <a:t> </a:t>
-            </a:r>
-          </a:p>
-          <a:p>
-            <a:pPr marL="0" indent="0">
-              <a:buNone/>
-            </a:pPr>
+            <a:pPr marL="0" indent="0">
+              <a:buNone/>
+            </a:pPr>
+            <a:endParaRPr lang="en-US" dirty="0">
+              <a:latin typeface="UbuntuMono"/>
+            </a:endParaRPr>
+          </a:p>
+          <a:p>
+            <a:pPr marL="0" indent="0">
+              <a:buNone/>
+            </a:pPr>
+            <a:r>
+              <a:rPr lang="en-US" dirty="0">
+                <a:latin typeface="UbuntuMono"/>
+              </a:rPr>
+              <a:t>2 3 5 7 </a:t>
+            </a:r>
             <a:endParaRPr lang="en-US" dirty="0"/>
           </a:p>
           <a:p>
             <a:pPr marL="0" indent="0">
               <a:buNone/>
             </a:pPr>
-            <a:r>
-              <a:rPr lang="en-US" dirty="0"/>
-              <a:t>The condition determines if the block is to be executed.</a:t>
-            </a:r>
-          </a:p>
-          <a:p>
-            <a:pPr marL="0" indent="0">
-              <a:buNone/>
-            </a:pPr>
-            <a:endParaRPr lang="en-US" dirty="0"/>
-          </a:p>
-          <a:p>
-            <a:pPr marL="0" indent="0">
-              <a:buNone/>
-            </a:pPr>
-            <a:r>
-              <a:rPr lang="en-US" dirty="0"/>
-              <a:t>A block contains one or more statements.</a:t>
-            </a:r>
-          </a:p>
-          <a:p>
-            <a:pPr marL="0" indent="0">
-              <a:buNone/>
-            </a:pPr>
-            <a:endParaRPr lang="en-US" dirty="0"/>
-          </a:p>
-          <a:p>
-            <a:pPr marL="0" indent="0">
-              <a:buNone/>
-            </a:pPr>
-            <a:r>
-              <a:rPr lang="en-US" dirty="0"/>
-              <a:t>The statements inside of a block must be indented the same number of spaces from the left. The standard is 4 spaces.</a:t>
-            </a:r>
-          </a:p>
-          <a:p>
-            <a:pPr marL="0" indent="0">
-              <a:buNone/>
-            </a:pPr>
-            <a:endParaRPr lang="en-US" b="1" dirty="0">
-              <a:latin typeface="Inconsolata Medium" panose="020B0609030003000000" pitchFamily="49" charset="77"/>
+            <a:endParaRPr lang="en-US" sz="2100" dirty="0">
+              <a:solidFill>
+                <a:srgbClr val="000087"/>
+              </a:solidFill>
+              <a:latin typeface="Gill Sans MT" panose="020B0502020104020203" pitchFamily="34" charset="77"/>
             </a:endParaRPr>
           </a:p>
         </p:txBody>
@@ -4999,7 +4652,7 @@
     </p:spTree>
     <p:extLst>
       <p:ext uri="{BB962C8B-B14F-4D97-AF65-F5344CB8AC3E}">
-        <p14:creationId xmlns:p14="http://schemas.microsoft.com/office/powerpoint/2010/main" val="278045358"/>
+        <p14:creationId xmlns:p14="http://schemas.microsoft.com/office/powerpoint/2010/main" val="1816941262"/>
       </p:ext>
     </p:extLst>
   </p:cSld>
@@ -5054,7 +4707,7 @@
           <a:p>
             <a:r>
               <a:rPr lang="en-US" dirty="0"/>
-              <a:t>If block</a:t>
+              <a:t>range(stop)</a:t>
             </a:r>
           </a:p>
         </p:txBody>
@@ -5077,8 +4730,8 @@
         </p:nvSpPr>
         <p:spPr>
           <a:xfrm>
-            <a:off x="483848" y="1288074"/>
-            <a:ext cx="8051725" cy="4051496"/>
+            <a:off x="483848" y="1288073"/>
+            <a:ext cx="8051725" cy="4292919"/>
           </a:xfrm>
         </p:spPr>
         <p:txBody>
@@ -5091,6 +4744,68 @@
               <a:buNone/>
             </a:pPr>
             <a:r>
+              <a:rPr lang="en-US" dirty="0">
+                <a:latin typeface="Gill Sans MT" panose="020B0502020104020203" pitchFamily="34" charset="77"/>
+              </a:rPr>
+              <a:t>A simple use of a </a:t>
+            </a:r>
+            <a:r>
+              <a:rPr lang="en-US" i="1" dirty="0">
+                <a:latin typeface="Gill Sans MT" panose="020B0502020104020203" pitchFamily="34" charset="77"/>
+              </a:rPr>
+              <a:t>for</a:t>
+            </a:r>
+            <a:r>
+              <a:rPr lang="en-US" dirty="0">
+                <a:latin typeface="Gill Sans MT" panose="020B0502020104020203" pitchFamily="34" charset="77"/>
+              </a:rPr>
+              <a:t> loop runs some code a specified number of times using the </a:t>
+            </a:r>
+            <a:r>
+              <a:rPr lang="en-US" i="1" dirty="0">
+                <a:latin typeface="Gill Sans MT" panose="020B0502020104020203" pitchFamily="34" charset="77"/>
+              </a:rPr>
+              <a:t>range()</a:t>
+            </a:r>
+            <a:r>
+              <a:rPr lang="en-US" dirty="0">
+                <a:latin typeface="Gill Sans MT" panose="020B0502020104020203" pitchFamily="34" charset="77"/>
+              </a:rPr>
+              <a:t> function.</a:t>
+            </a:r>
+          </a:p>
+          <a:p>
+            <a:pPr marL="0" indent="0">
+              <a:buNone/>
+            </a:pPr>
+            <a:endParaRPr lang="en-US" dirty="0">
+              <a:latin typeface="Gill Sans MT" panose="020B0502020104020203" pitchFamily="34" charset="77"/>
+            </a:endParaRPr>
+          </a:p>
+          <a:p>
+            <a:pPr marL="0" indent="0">
+              <a:buNone/>
+            </a:pPr>
+            <a:r>
+              <a:rPr lang="en-US" dirty="0">
+                <a:latin typeface="Gill Sans MT" panose="020B0502020104020203" pitchFamily="34" charset="77"/>
+              </a:rPr>
+              <a:t>range(stop): returns sequence of numbers from 0 (default) up to but not including stop. Increment by 1 (default). </a:t>
+            </a:r>
+          </a:p>
+          <a:p>
+            <a:pPr marL="0" indent="0">
+              <a:buNone/>
+            </a:pPr>
+            <a:endParaRPr lang="en-US" dirty="0">
+              <a:latin typeface="Gill Sans MT" panose="020B0502020104020203" pitchFamily="34" charset="77"/>
+            </a:endParaRPr>
+          </a:p>
+          <a:p>
+            <a:pPr marL="0" indent="0">
+              <a:buNone/>
+            </a:pPr>
+            <a:r>
               <a:rPr lang="en-US" b="1" dirty="0">
                 <a:solidFill>
                   <a:srgbClr val="000087"/>
@@ -5112,7 +4827,7 @@
                 </a:solidFill>
                 <a:latin typeface="Inconsolata Medium" panose="020B0609030003000000" pitchFamily="49" charset="77"/>
               </a:rPr>
-              <a:t>1</a:t>
+              <a:t>3</a:t>
             </a:r>
             <a:r>
               <a:rPr lang="en-US" b="1" dirty="0">
@@ -5123,11 +4838,109 @@
             <a:r>
               <a:rPr lang="en-US" b="1" dirty="0">
                 <a:solidFill>
+                  <a:srgbClr val="006699"/>
+                </a:solidFill>
+                <a:latin typeface="Inconsolata Medium" panose="020B0609030003000000" pitchFamily="49" charset="77"/>
+              </a:rPr>
+              <a:t>for </a:t>
+            </a:r>
+            <a:r>
+              <a:rPr lang="en-US" b="1" dirty="0" err="1">
+                <a:solidFill>
                   <a:srgbClr val="000087"/>
                 </a:solidFill>
                 <a:latin typeface="Inconsolata Medium" panose="020B0609030003000000" pitchFamily="49" charset="77"/>
               </a:rPr>
-              <a:t>x </a:t>
+              <a:t>i</a:t>
+            </a:r>
+            <a:r>
+              <a:rPr lang="en-US" b="1" dirty="0">
+                <a:solidFill>
+                  <a:srgbClr val="000087"/>
+                </a:solidFill>
+                <a:latin typeface="Inconsolata Medium" panose="020B0609030003000000" pitchFamily="49" charset="77"/>
+              </a:rPr>
+              <a:t> </a:t>
+            </a:r>
+            <a:r>
+              <a:rPr lang="en-US" b="1" dirty="0">
+                <a:latin typeface="Inconsolata Medium" panose="020B0609030003000000" pitchFamily="49" charset="77"/>
+              </a:rPr>
+              <a:t>in </a:t>
+            </a:r>
+            <a:r>
+              <a:rPr lang="en-US" b="1" dirty="0">
+                <a:solidFill>
+                  <a:srgbClr val="336666"/>
+                </a:solidFill>
+                <a:latin typeface="Inconsolata Medium" panose="020B0609030003000000" pitchFamily="49" charset="77"/>
+              </a:rPr>
+              <a:t>range</a:t>
+            </a:r>
+            <a:r>
+              <a:rPr lang="en-US" b="1" dirty="0">
+                <a:latin typeface="Inconsolata Medium" panose="020B0609030003000000" pitchFamily="49" charset="77"/>
+              </a:rPr>
+              <a:t>(</a:t>
+            </a:r>
+            <a:r>
+              <a:rPr lang="en-US" b="1" dirty="0">
+                <a:solidFill>
+                  <a:srgbClr val="FF6600"/>
+                </a:solidFill>
+                <a:latin typeface="Inconsolata Medium" panose="020B0609030003000000" pitchFamily="49" charset="77"/>
+              </a:rPr>
+              <a:t>10</a:t>
+            </a:r>
+            <a:r>
+              <a:rPr lang="en-US" b="1" dirty="0">
+                <a:latin typeface="Inconsolata Medium" panose="020B0609030003000000" pitchFamily="49" charset="77"/>
+              </a:rPr>
+              <a:t>): </a:t>
+            </a:r>
+          </a:p>
+          <a:p>
+            <a:pPr marL="0" indent="0">
+              <a:buNone/>
+            </a:pPr>
+            <a:r>
+              <a:rPr lang="en-US" b="1" dirty="0">
+                <a:solidFill>
+                  <a:srgbClr val="006699"/>
+                </a:solidFill>
+                <a:latin typeface="Inconsolata Medium" panose="020B0609030003000000" pitchFamily="49" charset="77"/>
+              </a:rPr>
+              <a:t>		print</a:t>
+            </a:r>
+            <a:r>
+              <a:rPr lang="en-US" b="1" dirty="0">
+                <a:latin typeface="Inconsolata Medium" panose="020B0609030003000000" pitchFamily="49" charset="77"/>
+              </a:rPr>
+              <a:t>(</a:t>
+            </a:r>
+            <a:r>
+              <a:rPr lang="en-US" b="1" dirty="0" err="1">
+                <a:solidFill>
+                  <a:srgbClr val="000087"/>
+                </a:solidFill>
+                <a:latin typeface="Inconsolata Medium" panose="020B0609030003000000" pitchFamily="49" charset="77"/>
+              </a:rPr>
+              <a:t>i</a:t>
+            </a:r>
+            <a:r>
+              <a:rPr lang="en-US" b="1" dirty="0">
+                <a:latin typeface="Inconsolata Medium" panose="020B0609030003000000" pitchFamily="49" charset="77"/>
+              </a:rPr>
+              <a:t>, </a:t>
+            </a:r>
+            <a:r>
+              <a:rPr lang="en-US" b="1" dirty="0">
+                <a:solidFill>
+                  <a:srgbClr val="000087"/>
+                </a:solidFill>
+                <a:latin typeface="Inconsolata Medium" panose="020B0609030003000000" pitchFamily="49" charset="77"/>
+              </a:rPr>
+              <a:t>end</a:t>
             </a:r>
             <a:r>
               <a:rPr lang="en-US" b="1" dirty="0">
@@ -5136,211 +4949,58 @@
                 </a:solidFill>
                 <a:latin typeface="Inconsolata Medium" panose="020B0609030003000000" pitchFamily="49" charset="77"/>
               </a:rPr>
-              <a:t>= -</a:t>
-            </a:r>
-            <a:r>
-              <a:rPr lang="en-US" b="1" dirty="0">
-                <a:solidFill>
-                  <a:srgbClr val="FF6600"/>
-                </a:solidFill>
-                <a:latin typeface="Inconsolata Medium" panose="020B0609030003000000" pitchFamily="49" charset="77"/>
-              </a:rPr>
-              <a:t>5 </a:t>
-            </a:r>
+              <a:t>=</a:t>
+            </a:r>
+            <a:r>
+              <a:rPr lang="en-US" b="1" dirty="0">
+                <a:solidFill>
+                  <a:srgbClr val="CC3300"/>
+                </a:solidFill>
+                <a:latin typeface="Inconsolata Medium" panose="020B0609030003000000" pitchFamily="49" charset="77"/>
+              </a:rPr>
+              <a:t>' ‘</a:t>
+            </a:r>
+            <a:r>
+              <a:rPr lang="en-US" b="1" dirty="0">
+                <a:latin typeface="Inconsolata Medium" panose="020B0609030003000000" pitchFamily="49" charset="77"/>
+              </a:rPr>
+              <a:t>) </a:t>
+            </a:r>
+          </a:p>
+          <a:p>
+            <a:pPr marL="0" indent="0">
+              <a:buNone/>
+            </a:pPr>
             <a:endParaRPr lang="en-US" b="1" dirty="0">
               <a:latin typeface="Inconsolata Medium" panose="020B0609030003000000" pitchFamily="49" charset="77"/>
             </a:endParaRPr>
           </a:p>
           <a:p>
-            <a:pPr marL="342900" lvl="1" indent="0">
-              <a:buNone/>
-            </a:pPr>
-            <a:r>
-              <a:rPr lang="en-US" sz="2100" b="1" dirty="0">
-                <a:solidFill>
-                  <a:srgbClr val="006699"/>
-                </a:solidFill>
-                <a:latin typeface="Inconsolata Medium" panose="020B0609030003000000" pitchFamily="49" charset="77"/>
-              </a:rPr>
-              <a:t>	  if </a:t>
-            </a:r>
-            <a:r>
-              <a:rPr lang="en-US" sz="2100" b="1" dirty="0">
-                <a:solidFill>
-                  <a:srgbClr val="000087"/>
-                </a:solidFill>
-                <a:latin typeface="Inconsolata Medium" panose="020B0609030003000000" pitchFamily="49" charset="77"/>
-              </a:rPr>
-              <a:t>x </a:t>
-            </a:r>
-            <a:r>
-              <a:rPr lang="en-US" sz="2100" b="1" dirty="0">
-                <a:solidFill>
-                  <a:srgbClr val="545454"/>
-                </a:solidFill>
-                <a:latin typeface="Inconsolata Medium" panose="020B0609030003000000" pitchFamily="49" charset="77"/>
-              </a:rPr>
-              <a:t>&gt; </a:t>
-            </a:r>
-            <a:r>
-              <a:rPr lang="en-US" sz="2100" b="1" dirty="0">
-                <a:solidFill>
-                  <a:srgbClr val="FF6600"/>
-                </a:solidFill>
-                <a:latin typeface="Inconsolata Medium" panose="020B0609030003000000" pitchFamily="49" charset="77"/>
-              </a:rPr>
-              <a:t>0</a:t>
-            </a:r>
-            <a:r>
-              <a:rPr lang="en-US" sz="2100" b="1" dirty="0">
-                <a:latin typeface="Inconsolata Medium" panose="020B0609030003000000" pitchFamily="49" charset="77"/>
-              </a:rPr>
-              <a:t>:</a:t>
-            </a:r>
-            <a:br>
-              <a:rPr lang="en-US" sz="2100" b="1" dirty="0">
-                <a:latin typeface="Inconsolata Medium" panose="020B0609030003000000" pitchFamily="49" charset="77"/>
-              </a:rPr>
-            </a:br>
-            <a:r>
-              <a:rPr lang="en-US" sz="2100" b="1" dirty="0">
-                <a:latin typeface="Inconsolata Medium" panose="020B0609030003000000" pitchFamily="49" charset="77"/>
-              </a:rPr>
-              <a:t>	 	</a:t>
-            </a:r>
-            <a:r>
-              <a:rPr lang="en-US" sz="2100" b="1" dirty="0">
-                <a:solidFill>
-                  <a:srgbClr val="006699"/>
-                </a:solidFill>
-                <a:latin typeface="Inconsolata Medium" panose="020B0609030003000000" pitchFamily="49" charset="77"/>
-              </a:rPr>
-              <a:t>print</a:t>
-            </a:r>
-            <a:r>
-              <a:rPr lang="en-US" sz="2100" b="1" dirty="0">
-                <a:latin typeface="Inconsolata Medium" panose="020B0609030003000000" pitchFamily="49" charset="77"/>
-              </a:rPr>
-              <a:t>(</a:t>
-            </a:r>
-            <a:r>
-              <a:rPr lang="en-US" sz="2100" b="1" dirty="0">
-                <a:solidFill>
-                  <a:srgbClr val="000087"/>
-                </a:solidFill>
-                <a:latin typeface="Inconsolata Medium" panose="020B0609030003000000" pitchFamily="49" charset="77"/>
-              </a:rPr>
-              <a:t>x</a:t>
-            </a:r>
-            <a:r>
-              <a:rPr lang="en-US" sz="2100" b="1" dirty="0">
-                <a:latin typeface="Inconsolata Medium" panose="020B0609030003000000" pitchFamily="49" charset="77"/>
-              </a:rPr>
-              <a:t>)</a:t>
-            </a:r>
-          </a:p>
-          <a:p>
-            <a:pPr marL="342900" lvl="1" indent="0">
-              <a:buNone/>
-            </a:pPr>
-            <a:r>
-              <a:rPr lang="en-US" sz="2100" b="1" dirty="0">
-                <a:latin typeface="Inconsolata Medium" panose="020B0609030003000000" pitchFamily="49" charset="77"/>
-              </a:rPr>
-              <a:t>		</a:t>
-            </a:r>
-            <a:r>
-              <a:rPr lang="en-US" sz="2100" b="1" dirty="0">
-                <a:solidFill>
-                  <a:srgbClr val="006699"/>
-                </a:solidFill>
-                <a:latin typeface="Inconsolata Medium" panose="020B0609030003000000" pitchFamily="49" charset="77"/>
-              </a:rPr>
-              <a:t>print</a:t>
-            </a:r>
-            <a:r>
-              <a:rPr lang="en-US" sz="2100" b="1" dirty="0">
-                <a:latin typeface="Inconsolata Medium" panose="020B0609030003000000" pitchFamily="49" charset="77"/>
-              </a:rPr>
-              <a:t>(</a:t>
-            </a:r>
-            <a:r>
-              <a:rPr lang="en-US" sz="2100" b="1" dirty="0">
-                <a:solidFill>
-                  <a:srgbClr val="000087"/>
-                </a:solidFill>
-                <a:latin typeface="Inconsolata Medium" panose="020B0609030003000000" pitchFamily="49" charset="77"/>
-              </a:rPr>
-              <a:t>“x is positive”</a:t>
-            </a:r>
-            <a:r>
-              <a:rPr lang="en-US" sz="2100" b="1" dirty="0">
-                <a:latin typeface="Inconsolata Medium" panose="020B0609030003000000" pitchFamily="49" charset="77"/>
-              </a:rPr>
-              <a:t>)</a:t>
-            </a:r>
-          </a:p>
-          <a:p>
-            <a:pPr marL="342900" lvl="1" indent="0">
-              <a:buNone/>
-            </a:pPr>
-            <a:r>
-              <a:rPr lang="en-US" sz="2100" b="1" dirty="0">
-                <a:latin typeface="Inconsolata Medium" panose="020B0609030003000000" pitchFamily="49" charset="77"/>
-              </a:rPr>
-              <a:t>	  </a:t>
-            </a:r>
-            <a:r>
-              <a:rPr lang="en-US" sz="2100" b="1" dirty="0">
-                <a:solidFill>
-                  <a:srgbClr val="006699"/>
-                </a:solidFill>
-                <a:latin typeface="Inconsolata Medium" panose="020B0609030003000000" pitchFamily="49" charset="77"/>
-              </a:rPr>
-              <a:t>print</a:t>
-            </a:r>
-            <a:r>
-              <a:rPr lang="en-US" sz="2100" b="1" dirty="0">
-                <a:latin typeface="Inconsolata Medium" panose="020B0609030003000000" pitchFamily="49" charset="77"/>
-              </a:rPr>
-              <a:t>(</a:t>
-            </a:r>
-            <a:r>
-              <a:rPr lang="en-US" sz="2100" b="1" dirty="0">
-                <a:solidFill>
-                  <a:srgbClr val="000087"/>
-                </a:solidFill>
-                <a:latin typeface="Inconsolata Medium" panose="020B0609030003000000" pitchFamily="49" charset="77"/>
-              </a:rPr>
-              <a:t>“outside of block”) </a:t>
-            </a:r>
-          </a:p>
-          <a:p>
-            <a:pPr marL="342900" lvl="1" indent="0">
-              <a:buNone/>
-            </a:pPr>
-            <a:endParaRPr lang="en-US" sz="2100" b="1" dirty="0">
+            <a:pPr marL="0" indent="0">
+              <a:buNone/>
+            </a:pPr>
+            <a:r>
+              <a:rPr lang="en-US" dirty="0">
+                <a:latin typeface="Gill Sans MT" panose="020B0502020104020203" pitchFamily="34" charset="77"/>
+              </a:rPr>
+              <a:t>0 1 2 3 4 5 6 7 8 9 </a:t>
+            </a:r>
+          </a:p>
+          <a:p>
+            <a:pPr marL="0" indent="0">
+              <a:buNone/>
+            </a:pPr>
+            <a:endParaRPr lang="en-US" dirty="0"/>
+          </a:p>
+          <a:p>
+            <a:pPr marL="0" indent="0">
+              <a:buNone/>
+            </a:pPr>
+            <a:endParaRPr lang="en-US" sz="2100" dirty="0">
               <a:solidFill>
                 <a:srgbClr val="000087"/>
               </a:solidFill>
-              <a:latin typeface="Inconsolata Medium" panose="020B0609030003000000" pitchFamily="49" charset="77"/>
-            </a:endParaRPr>
-          </a:p>
-          <a:p>
-            <a:pPr marL="342900" lvl="1" indent="0">
-              <a:buNone/>
-            </a:pPr>
-            <a:r>
-              <a:rPr lang="en-US" sz="2400" dirty="0">
-                <a:latin typeface="UbuntuMono"/>
-              </a:rPr>
-              <a:t>outside of block</a:t>
-            </a:r>
-            <a:endParaRPr lang="en-US" sz="2100" b="1" dirty="0">
-              <a:solidFill>
-                <a:srgbClr val="000087"/>
-              </a:solidFill>
-              <a:latin typeface="Inconsolata Medium" panose="020B0609030003000000" pitchFamily="49" charset="77"/>
+              <a:latin typeface="Gill Sans MT" panose="020B0502020104020203" pitchFamily="34" charset="77"/>
             </a:endParaRPr>
           </a:p>
         </p:txBody>
@@ -5348,7 +5008,7 @@
     </p:spTree>
     <p:extLst>
       <p:ext uri="{BB962C8B-B14F-4D97-AF65-F5344CB8AC3E}">
-        <p14:creationId xmlns:p14="http://schemas.microsoft.com/office/powerpoint/2010/main" val="1313115290"/>
+        <p14:creationId xmlns:p14="http://schemas.microsoft.com/office/powerpoint/2010/main" val="553003360"/>
       </p:ext>
     </p:extLst>
   </p:cSld>
@@ -5403,7 +5063,7 @@
           <a:p>
             <a:r>
               <a:rPr lang="en-US" dirty="0"/>
-              <a:t>If block</a:t>
+              <a:t>range(start, stop)</a:t>
             </a:r>
           </a:p>
         </p:txBody>
@@ -5426,8 +5086,8 @@
         </p:nvSpPr>
         <p:spPr>
           <a:xfrm>
-            <a:off x="483848" y="1288074"/>
-            <a:ext cx="8051725" cy="4051496"/>
+            <a:off x="483848" y="1288073"/>
+            <a:ext cx="8051725" cy="4292919"/>
           </a:xfrm>
         </p:spPr>
         <p:txBody>
@@ -5440,235 +5100,17 @@
               <a:buNone/>
             </a:pPr>
             <a:r>
-              <a:rPr lang="en-US" b="1" dirty="0">
-                <a:solidFill>
-                  <a:srgbClr val="000087"/>
-                </a:solidFill>
-                <a:latin typeface="Inconsolata Medium" panose="020B0609030003000000" pitchFamily="49" charset="77"/>
-              </a:rPr>
-              <a:t>In</a:t>
-            </a:r>
-            <a:r>
-              <a:rPr lang="en-US" b="1" dirty="0">
-                <a:latin typeface="Inconsolata Medium" panose="020B0609030003000000" pitchFamily="49" charset="77"/>
-              </a:rPr>
-              <a:t>[</a:t>
-            </a:r>
-            <a:r>
-              <a:rPr lang="en-US" b="1" dirty="0">
-                <a:solidFill>
-                  <a:srgbClr val="FF6600"/>
-                </a:solidFill>
-                <a:latin typeface="Inconsolata Medium" panose="020B0609030003000000" pitchFamily="49" charset="77"/>
-              </a:rPr>
-              <a:t>2</a:t>
-            </a:r>
-            <a:r>
-              <a:rPr lang="en-US" b="1" dirty="0">
-                <a:latin typeface="Inconsolata Medium" panose="020B0609030003000000" pitchFamily="49" charset="77"/>
-              </a:rPr>
-              <a:t>]: </a:t>
-            </a:r>
-            <a:r>
-              <a:rPr lang="en-US" b="1" dirty="0">
-                <a:solidFill>
-                  <a:srgbClr val="000087"/>
-                </a:solidFill>
-                <a:latin typeface="Inconsolata Medium" panose="020B0609030003000000" pitchFamily="49" charset="77"/>
-              </a:rPr>
-              <a:t>x </a:t>
-            </a:r>
-            <a:r>
-              <a:rPr lang="en-US" b="1" dirty="0">
-                <a:solidFill>
-                  <a:srgbClr val="545454"/>
-                </a:solidFill>
-                <a:latin typeface="Inconsolata Medium" panose="020B0609030003000000" pitchFamily="49" charset="77"/>
-              </a:rPr>
-              <a:t>= </a:t>
-            </a:r>
-            <a:r>
-              <a:rPr lang="en-US" b="1" dirty="0">
-                <a:solidFill>
-                  <a:srgbClr val="FF6600"/>
-                </a:solidFill>
-                <a:latin typeface="Inconsolata Medium" panose="020B0609030003000000" pitchFamily="49" charset="77"/>
-              </a:rPr>
-              <a:t>5 </a:t>
-            </a:r>
+              <a:rPr lang="en-US" dirty="0">
+                <a:latin typeface="Gill Sans MT" panose="020B0502020104020203" pitchFamily="34" charset="77"/>
+              </a:rPr>
+              <a:t>range(start, stop): from start up to but not including stop. Increment by 1(default).</a:t>
+            </a:r>
+          </a:p>
+          <a:p>
+            <a:pPr marL="0" indent="0">
+              <a:buNone/>
+            </a:pPr>
             <a:endParaRPr lang="en-US" b="1" dirty="0">
-              <a:latin typeface="Inconsolata Medium" panose="020B0609030003000000" pitchFamily="49" charset="77"/>
-            </a:endParaRPr>
-          </a:p>
-          <a:p>
-            <a:pPr marL="342900" lvl="1" indent="0">
-              <a:buNone/>
-            </a:pPr>
-            <a:r>
-              <a:rPr lang="en-US" sz="2100" b="1" dirty="0">
-                <a:solidFill>
-                  <a:srgbClr val="006699"/>
-                </a:solidFill>
-                <a:latin typeface="Inconsolata Medium" panose="020B0609030003000000" pitchFamily="49" charset="77"/>
-              </a:rPr>
-              <a:t>	  if </a:t>
-            </a:r>
-            <a:r>
-              <a:rPr lang="en-US" sz="2100" b="1" dirty="0">
-                <a:solidFill>
-                  <a:srgbClr val="000087"/>
-                </a:solidFill>
-                <a:latin typeface="Inconsolata Medium" panose="020B0609030003000000" pitchFamily="49" charset="77"/>
-              </a:rPr>
-              <a:t>x </a:t>
-            </a:r>
-            <a:r>
-              <a:rPr lang="en-US" sz="2100" b="1" dirty="0">
-                <a:solidFill>
-                  <a:srgbClr val="545454"/>
-                </a:solidFill>
-                <a:latin typeface="Inconsolata Medium" panose="020B0609030003000000" pitchFamily="49" charset="77"/>
-              </a:rPr>
-              <a:t>&gt; </a:t>
-            </a:r>
-            <a:r>
-              <a:rPr lang="en-US" sz="2100" b="1" dirty="0">
-                <a:solidFill>
-                  <a:srgbClr val="FF6600"/>
-                </a:solidFill>
-                <a:latin typeface="Inconsolata Medium" panose="020B0609030003000000" pitchFamily="49" charset="77"/>
-              </a:rPr>
-              <a:t>0</a:t>
-            </a:r>
-            <a:r>
-              <a:rPr lang="en-US" sz="2100" b="1" dirty="0">
-                <a:latin typeface="Inconsolata Medium" panose="020B0609030003000000" pitchFamily="49" charset="77"/>
-              </a:rPr>
-              <a:t>:</a:t>
-            </a:r>
-            <a:br>
-              <a:rPr lang="en-US" sz="2100" b="1" dirty="0">
-                <a:latin typeface="Inconsolata Medium" panose="020B0609030003000000" pitchFamily="49" charset="77"/>
-              </a:rPr>
-            </a:br>
-            <a:r>
-              <a:rPr lang="en-US" sz="2100" b="1" dirty="0">
-                <a:latin typeface="Inconsolata Medium" panose="020B0609030003000000" pitchFamily="49" charset="77"/>
-              </a:rPr>
-              <a:t>	 	</a:t>
-            </a:r>
-            <a:r>
-              <a:rPr lang="en-US" sz="2100" b="1" dirty="0">
-                <a:solidFill>
-                  <a:srgbClr val="006699"/>
-                </a:solidFill>
-                <a:latin typeface="Inconsolata Medium" panose="020B0609030003000000" pitchFamily="49" charset="77"/>
-              </a:rPr>
-              <a:t>print</a:t>
-            </a:r>
-            <a:r>
-              <a:rPr lang="en-US" sz="2100" b="1" dirty="0">
-                <a:latin typeface="Inconsolata Medium" panose="020B0609030003000000" pitchFamily="49" charset="77"/>
-              </a:rPr>
-              <a:t>(</a:t>
-            </a:r>
-            <a:r>
-              <a:rPr lang="en-US" sz="2100" b="1" dirty="0">
-                <a:solidFill>
-                  <a:srgbClr val="000087"/>
-                </a:solidFill>
-                <a:latin typeface="Inconsolata Medium" panose="020B0609030003000000" pitchFamily="49" charset="77"/>
-              </a:rPr>
-              <a:t>x</a:t>
-            </a:r>
-            <a:r>
-              <a:rPr lang="en-US" sz="2100" b="1" dirty="0">
-                <a:latin typeface="Inconsolata Medium" panose="020B0609030003000000" pitchFamily="49" charset="77"/>
-              </a:rPr>
-              <a:t>)</a:t>
-            </a:r>
-          </a:p>
-          <a:p>
-            <a:pPr marL="342900" lvl="1" indent="0">
-              <a:buNone/>
-            </a:pPr>
-            <a:r>
-              <a:rPr lang="en-US" sz="2100" b="1" dirty="0">
-                <a:latin typeface="Inconsolata Medium" panose="020B0609030003000000" pitchFamily="49" charset="77"/>
-              </a:rPr>
-              <a:t>		</a:t>
-            </a:r>
-            <a:r>
-              <a:rPr lang="en-US" sz="2100" b="1" dirty="0">
-                <a:solidFill>
-                  <a:srgbClr val="006699"/>
-                </a:solidFill>
-                <a:latin typeface="Inconsolata Medium" panose="020B0609030003000000" pitchFamily="49" charset="77"/>
-              </a:rPr>
-              <a:t>print</a:t>
-            </a:r>
-            <a:r>
-              <a:rPr lang="en-US" sz="2100" b="1" dirty="0">
-                <a:latin typeface="Inconsolata Medium" panose="020B0609030003000000" pitchFamily="49" charset="77"/>
-              </a:rPr>
-              <a:t>(</a:t>
-            </a:r>
-            <a:r>
-              <a:rPr lang="en-US" sz="2100" b="1" dirty="0">
-                <a:solidFill>
-                  <a:srgbClr val="000087"/>
-                </a:solidFill>
-                <a:latin typeface="Inconsolata Medium" panose="020B0609030003000000" pitchFamily="49" charset="77"/>
-              </a:rPr>
-              <a:t>“x is positive”</a:t>
-            </a:r>
-            <a:r>
-              <a:rPr lang="en-US" sz="2100" b="1" dirty="0">
-                <a:latin typeface="Inconsolata Medium" panose="020B0609030003000000" pitchFamily="49" charset="77"/>
-              </a:rPr>
-              <a:t>)</a:t>
-            </a:r>
-          </a:p>
-          <a:p>
-            <a:pPr marL="342900" lvl="1" indent="0">
-              <a:buNone/>
-            </a:pPr>
-            <a:r>
-              <a:rPr lang="en-US" sz="2100" b="1" dirty="0">
-                <a:latin typeface="Inconsolata Medium" panose="020B0609030003000000" pitchFamily="49" charset="77"/>
-              </a:rPr>
-              <a:t>	  </a:t>
-            </a:r>
-            <a:r>
-              <a:rPr lang="en-US" sz="2100" b="1" dirty="0">
-                <a:solidFill>
-                  <a:srgbClr val="006699"/>
-                </a:solidFill>
-                <a:latin typeface="Inconsolata Medium" panose="020B0609030003000000" pitchFamily="49" charset="77"/>
-              </a:rPr>
-              <a:t>print</a:t>
-            </a:r>
-            <a:r>
-              <a:rPr lang="en-US" sz="2100" b="1" dirty="0">
-                <a:latin typeface="Inconsolata Medium" panose="020B0609030003000000" pitchFamily="49" charset="77"/>
-              </a:rPr>
-              <a:t>(</a:t>
-            </a:r>
-            <a:r>
-              <a:rPr lang="en-US" sz="2100" b="1" dirty="0">
-                <a:solidFill>
-                  <a:srgbClr val="000087"/>
-                </a:solidFill>
-                <a:latin typeface="Inconsolata Medium" panose="020B0609030003000000" pitchFamily="49" charset="77"/>
-              </a:rPr>
-              <a:t>“outside of block”) </a:t>
-            </a:r>
-          </a:p>
-          <a:p>
-            <a:pPr marL="342900" lvl="1" indent="0">
-              <a:buNone/>
-            </a:pPr>
-            <a:endParaRPr lang="en-US" sz="2100" b="1" dirty="0">
               <a:solidFill>
                 <a:srgbClr val="000087"/>
               </a:solidFill>
@@ -5676,38 +5118,216 @@
             </a:endParaRPr>
           </a:p>
           <a:p>
-            <a:pPr marL="342900" lvl="1" indent="0">
-              <a:buNone/>
-            </a:pPr>
-            <a:r>
-              <a:rPr lang="en-US" sz="2100" dirty="0">
+            <a:pPr marL="0" indent="0">
+              <a:buNone/>
+            </a:pPr>
+            <a:r>
+              <a:rPr lang="en-US" b="1" dirty="0">
+                <a:solidFill>
+                  <a:srgbClr val="000087"/>
+                </a:solidFill>
+                <a:latin typeface="Inconsolata Medium" panose="020B0609030003000000" pitchFamily="49" charset="77"/>
+              </a:rPr>
+              <a:t>In</a:t>
+            </a:r>
+            <a:r>
+              <a:rPr lang="en-US" b="1" dirty="0">
+                <a:latin typeface="Inconsolata Medium" panose="020B0609030003000000" pitchFamily="49" charset="77"/>
+              </a:rPr>
+              <a:t>[</a:t>
+            </a:r>
+            <a:r>
+              <a:rPr lang="en-US" b="1" dirty="0">
+                <a:solidFill>
+                  <a:srgbClr val="FF6600"/>
+                </a:solidFill>
+                <a:latin typeface="Inconsolata Medium" panose="020B0609030003000000" pitchFamily="49" charset="77"/>
+              </a:rPr>
+              <a:t>3</a:t>
+            </a:r>
+            <a:r>
+              <a:rPr lang="en-US" b="1" dirty="0">
+                <a:latin typeface="Inconsolata Medium" panose="020B0609030003000000" pitchFamily="49" charset="77"/>
+              </a:rPr>
+              <a:t>]: </a:t>
+            </a:r>
+            <a:r>
+              <a:rPr lang="en-US" b="1" dirty="0">
+                <a:solidFill>
+                  <a:srgbClr val="006699"/>
+                </a:solidFill>
+                <a:latin typeface="Inconsolata Medium" panose="020B0609030003000000" pitchFamily="49" charset="77"/>
+              </a:rPr>
+              <a:t>for </a:t>
+            </a:r>
+            <a:r>
+              <a:rPr lang="en-US" b="1" dirty="0" err="1">
+                <a:solidFill>
+                  <a:srgbClr val="000087"/>
+                </a:solidFill>
+                <a:latin typeface="Inconsolata Medium" panose="020B0609030003000000" pitchFamily="49" charset="77"/>
+              </a:rPr>
+              <a:t>i</a:t>
+            </a:r>
+            <a:r>
+              <a:rPr lang="en-US" b="1" dirty="0">
+                <a:solidFill>
+                  <a:srgbClr val="000087"/>
+                </a:solidFill>
+                <a:latin typeface="Inconsolata Medium" panose="020B0609030003000000" pitchFamily="49" charset="77"/>
+              </a:rPr>
+              <a:t> </a:t>
+            </a:r>
+            <a:r>
+              <a:rPr lang="en-US" b="1" dirty="0">
+                <a:latin typeface="Inconsolata Medium" panose="020B0609030003000000" pitchFamily="49" charset="77"/>
+              </a:rPr>
+              <a:t>in </a:t>
+            </a:r>
+            <a:r>
+              <a:rPr lang="en-US" b="1" dirty="0">
+                <a:solidFill>
+                  <a:srgbClr val="336666"/>
+                </a:solidFill>
+                <a:latin typeface="Inconsolata Medium" panose="020B0609030003000000" pitchFamily="49" charset="77"/>
+              </a:rPr>
+              <a:t>range</a:t>
+            </a:r>
+            <a:r>
+              <a:rPr lang="en-US" b="1" dirty="0">
+                <a:latin typeface="Inconsolata Medium" panose="020B0609030003000000" pitchFamily="49" charset="77"/>
+              </a:rPr>
+              <a:t>(</a:t>
+            </a:r>
+            <a:r>
+              <a:rPr lang="en-US" b="1" dirty="0">
+                <a:solidFill>
+                  <a:srgbClr val="FF6600"/>
+                </a:solidFill>
+                <a:latin typeface="Inconsolata Medium" panose="020B0609030003000000" pitchFamily="49" charset="77"/>
+              </a:rPr>
+              <a:t>2</a:t>
+            </a:r>
+            <a:r>
+              <a:rPr lang="en-US" b="1" dirty="0">
+                <a:latin typeface="Inconsolata Medium" panose="020B0609030003000000" pitchFamily="49" charset="77"/>
+              </a:rPr>
+              <a:t>, </a:t>
+            </a:r>
+            <a:r>
+              <a:rPr lang="en-US" b="1" dirty="0">
+                <a:solidFill>
+                  <a:srgbClr val="FF6600"/>
+                </a:solidFill>
+                <a:latin typeface="Inconsolata Medium" panose="020B0609030003000000" pitchFamily="49" charset="77"/>
+              </a:rPr>
+              <a:t>8</a:t>
+            </a:r>
+            <a:r>
+              <a:rPr lang="en-US" b="1" dirty="0">
+                <a:latin typeface="Inconsolata Medium" panose="020B0609030003000000" pitchFamily="49" charset="77"/>
+              </a:rPr>
+              <a:t>): </a:t>
+            </a:r>
+          </a:p>
+          <a:p>
+            <a:pPr marL="0" indent="0">
+              <a:buNone/>
+            </a:pPr>
+            <a:r>
+              <a:rPr lang="en-US" b="1" dirty="0">
+                <a:solidFill>
+                  <a:srgbClr val="006699"/>
+                </a:solidFill>
+                <a:latin typeface="Inconsolata Medium" panose="020B0609030003000000" pitchFamily="49" charset="77"/>
+              </a:rPr>
+              <a:t>		print</a:t>
+            </a:r>
+            <a:r>
+              <a:rPr lang="en-US" b="1" dirty="0">
+                <a:latin typeface="Inconsolata Medium" panose="020B0609030003000000" pitchFamily="49" charset="77"/>
+              </a:rPr>
+              <a:t>(</a:t>
+            </a:r>
+            <a:r>
+              <a:rPr lang="en-US" b="1" dirty="0" err="1">
+                <a:solidFill>
+                  <a:srgbClr val="000087"/>
+                </a:solidFill>
+                <a:latin typeface="Inconsolata Medium" panose="020B0609030003000000" pitchFamily="49" charset="77"/>
+              </a:rPr>
+              <a:t>i</a:t>
+            </a:r>
+            <a:r>
+              <a:rPr lang="en-US" b="1" dirty="0">
+                <a:latin typeface="Inconsolata Medium" panose="020B0609030003000000" pitchFamily="49" charset="77"/>
+              </a:rPr>
+              <a:t>, </a:t>
+            </a:r>
+            <a:r>
+              <a:rPr lang="en-US" b="1" dirty="0">
+                <a:solidFill>
+                  <a:srgbClr val="000087"/>
+                </a:solidFill>
+                <a:latin typeface="Inconsolata Medium" panose="020B0609030003000000" pitchFamily="49" charset="77"/>
+              </a:rPr>
+              <a:t>end</a:t>
+            </a:r>
+            <a:r>
+              <a:rPr lang="en-US" b="1" dirty="0">
+                <a:solidFill>
+                  <a:srgbClr val="545454"/>
+                </a:solidFill>
+                <a:latin typeface="Inconsolata Medium" panose="020B0609030003000000" pitchFamily="49" charset="77"/>
+              </a:rPr>
+              <a:t>=</a:t>
+            </a:r>
+            <a:r>
+              <a:rPr lang="en-US" b="1" dirty="0">
+                <a:solidFill>
+                  <a:srgbClr val="CC3300"/>
+                </a:solidFill>
+                <a:latin typeface="Inconsolata Medium" panose="020B0609030003000000" pitchFamily="49" charset="77"/>
+              </a:rPr>
+              <a:t>' ‘</a:t>
+            </a:r>
+            <a:r>
+              <a:rPr lang="en-US" b="1" dirty="0">
+                <a:latin typeface="Inconsolata Medium" panose="020B0609030003000000" pitchFamily="49" charset="77"/>
+              </a:rPr>
+              <a:t>) </a:t>
+            </a:r>
+          </a:p>
+          <a:p>
+            <a:pPr marL="0" indent="0">
+              <a:buNone/>
+            </a:pPr>
+            <a:endParaRPr lang="en-US" b="1" dirty="0">
+              <a:latin typeface="Inconsolata Medium" panose="020B0609030003000000" pitchFamily="49" charset="77"/>
+            </a:endParaRPr>
+          </a:p>
+          <a:p>
+            <a:pPr marL="0" indent="0">
+              <a:buNone/>
+            </a:pPr>
+            <a:r>
+              <a:rPr lang="en-US" dirty="0">
                 <a:latin typeface="Gill Sans MT" panose="020B0502020104020203" pitchFamily="34" charset="77"/>
               </a:rPr>
-              <a:t>5</a:t>
-            </a:r>
-          </a:p>
-          <a:p>
-            <a:pPr marL="342900" lvl="1" indent="0">
-              <a:buNone/>
-            </a:pPr>
-            <a:r>
-              <a:rPr lang="en-US" sz="2100" dirty="0">
-                <a:latin typeface="Gill Sans MT" panose="020B0502020104020203" pitchFamily="34" charset="77"/>
-              </a:rPr>
-              <a:t>x is positive</a:t>
-            </a:r>
-          </a:p>
-          <a:p>
-            <a:pPr marL="342900" lvl="1" indent="0">
-              <a:buNone/>
-            </a:pPr>
-            <a:r>
-              <a:rPr lang="en-US" sz="2100" dirty="0">
-                <a:latin typeface="Gill Sans MT" panose="020B0502020104020203" pitchFamily="34" charset="77"/>
-              </a:rPr>
-              <a:t>outside of block</a:t>
-            </a:r>
-            <a:endParaRPr lang="en-US" sz="2100" b="1" dirty="0">
+              <a:t>2 3 4 5 6 7 </a:t>
+            </a:r>
+          </a:p>
+          <a:p>
+            <a:pPr marL="0" indent="0">
+              <a:buNone/>
+            </a:pPr>
+            <a:endParaRPr lang="en-US" dirty="0"/>
+          </a:p>
+          <a:p>
+            <a:pPr marL="0" indent="0">
+              <a:buNone/>
+            </a:pPr>
+            <a:endParaRPr lang="en-US" sz="2100" dirty="0">
               <a:solidFill>
                 <a:srgbClr val="000087"/>
               </a:solidFill>
@@ -5719,7 +5339,7 @@
     </p:spTree>
     <p:extLst>
       <p:ext uri="{BB962C8B-B14F-4D97-AF65-F5344CB8AC3E}">
-        <p14:creationId xmlns:p14="http://schemas.microsoft.com/office/powerpoint/2010/main" val="2339437966"/>
+        <p14:creationId xmlns:p14="http://schemas.microsoft.com/office/powerpoint/2010/main" val="3006175481"/>
       </p:ext>
     </p:extLst>
   </p:cSld>
@@ -5774,7 +5394,7 @@
           <a:p>
             <a:r>
               <a:rPr lang="en-US" dirty="0"/>
-              <a:t>Sequence of Ifs</a:t>
+              <a:t>range(start, stop, step)</a:t>
             </a:r>
           </a:p>
         </p:txBody>
@@ -5797,8 +5417,8 @@
         </p:nvSpPr>
         <p:spPr>
           <a:xfrm>
-            <a:off x="483848" y="1288074"/>
-            <a:ext cx="8051725" cy="4051496"/>
+            <a:off x="483848" y="1288073"/>
+            <a:ext cx="8051725" cy="4292919"/>
           </a:xfrm>
         </p:spPr>
         <p:txBody>
@@ -5814,269 +5434,14 @@
               <a:rPr lang="en-US" dirty="0">
                 <a:latin typeface="Gill Sans MT" panose="020B0502020104020203" pitchFamily="34" charset="77"/>
               </a:rPr>
-              <a:t>A sequence of consecutive if statements are independent. None, some or all of them can be executed. </a:t>
-            </a:r>
-          </a:p>
-          <a:p>
-            <a:pPr marL="0" indent="0">
-              <a:buNone/>
-            </a:pPr>
-            <a:endParaRPr lang="en-US" dirty="0">
-              <a:latin typeface="Gill Sans MT" panose="020B0502020104020203" pitchFamily="34" charset="77"/>
-            </a:endParaRPr>
-          </a:p>
-          <a:p>
-            <a:pPr marL="0" indent="0">
-              <a:buNone/>
-            </a:pPr>
-            <a:r>
-              <a:rPr lang="en-US" b="1" dirty="0">
-                <a:solidFill>
-                  <a:srgbClr val="000087"/>
-                </a:solidFill>
-                <a:latin typeface="Inconsolata Medium" panose="020B0609030003000000" pitchFamily="49" charset="77"/>
-              </a:rPr>
-              <a:t>In</a:t>
-            </a:r>
-            <a:r>
-              <a:rPr lang="en-US" b="1" dirty="0">
-                <a:latin typeface="Inconsolata Medium" panose="020B0609030003000000" pitchFamily="49" charset="77"/>
-              </a:rPr>
-              <a:t>[</a:t>
-            </a:r>
-            <a:r>
-              <a:rPr lang="en-US" b="1" dirty="0">
-                <a:solidFill>
-                  <a:srgbClr val="FF6600"/>
-                </a:solidFill>
-                <a:latin typeface="Inconsolata Medium" panose="020B0609030003000000" pitchFamily="49" charset="77"/>
-              </a:rPr>
-              <a:t>3</a:t>
-            </a:r>
-            <a:r>
-              <a:rPr lang="en-US" b="1" dirty="0">
-                <a:latin typeface="Inconsolata Medium" panose="020B0609030003000000" pitchFamily="49" charset="77"/>
-              </a:rPr>
-              <a:t>]: </a:t>
-            </a:r>
-            <a:r>
-              <a:rPr lang="en-US" b="1" dirty="0">
-                <a:solidFill>
-                  <a:srgbClr val="000087"/>
-                </a:solidFill>
-                <a:latin typeface="Inconsolata Medium" panose="020B0609030003000000" pitchFamily="49" charset="77"/>
-              </a:rPr>
-              <a:t>x </a:t>
-            </a:r>
-            <a:r>
-              <a:rPr lang="en-US" b="1" dirty="0">
-                <a:solidFill>
-                  <a:srgbClr val="545454"/>
-                </a:solidFill>
-                <a:latin typeface="Inconsolata Medium" panose="020B0609030003000000" pitchFamily="49" charset="77"/>
-              </a:rPr>
-              <a:t>= 4</a:t>
-            </a:r>
-            <a:r>
-              <a:rPr lang="en-US" b="1" dirty="0">
-                <a:solidFill>
-                  <a:srgbClr val="FF6600"/>
-                </a:solidFill>
-                <a:latin typeface="Inconsolata Medium" panose="020B0609030003000000" pitchFamily="49" charset="77"/>
-              </a:rPr>
-              <a:t> </a:t>
-            </a:r>
+              <a:t>range(start, stop, step): from start up to but not including stop, increment by step.</a:t>
+            </a:r>
+          </a:p>
+          <a:p>
+            <a:pPr marL="0" indent="0">
+              <a:buNone/>
+            </a:pPr>
             <a:endParaRPr lang="en-US" b="1" dirty="0">
-              <a:latin typeface="Inconsolata Medium" panose="020B0609030003000000" pitchFamily="49" charset="77"/>
-            </a:endParaRPr>
-          </a:p>
-          <a:p>
-            <a:pPr marL="342900" lvl="1" indent="0">
-              <a:buNone/>
-            </a:pPr>
-            <a:r>
-              <a:rPr lang="en-US" sz="2100" b="1" dirty="0">
-                <a:solidFill>
-                  <a:srgbClr val="006699"/>
-                </a:solidFill>
-                <a:latin typeface="Inconsolata Medium" panose="020B0609030003000000" pitchFamily="49" charset="77"/>
-              </a:rPr>
-              <a:t>	  if </a:t>
-            </a:r>
-            <a:r>
-              <a:rPr lang="en-US" sz="2100" b="1" dirty="0">
-                <a:solidFill>
-                  <a:srgbClr val="000087"/>
-                </a:solidFill>
-                <a:latin typeface="Inconsolata Medium" panose="020B0609030003000000" pitchFamily="49" charset="77"/>
-              </a:rPr>
-              <a:t>x </a:t>
-            </a:r>
-            <a:r>
-              <a:rPr lang="en-US" sz="2100" b="1" dirty="0">
-                <a:solidFill>
-                  <a:srgbClr val="545454"/>
-                </a:solidFill>
-                <a:latin typeface="Inconsolata Medium" panose="020B0609030003000000" pitchFamily="49" charset="77"/>
-              </a:rPr>
-              <a:t>% 2 == </a:t>
-            </a:r>
-            <a:r>
-              <a:rPr lang="en-US" sz="2100" b="1" dirty="0">
-                <a:solidFill>
-                  <a:srgbClr val="FF6600"/>
-                </a:solidFill>
-                <a:latin typeface="Inconsolata Medium" panose="020B0609030003000000" pitchFamily="49" charset="77"/>
-              </a:rPr>
-              <a:t>0</a:t>
-            </a:r>
-            <a:r>
-              <a:rPr lang="en-US" sz="2100" b="1" dirty="0">
-                <a:latin typeface="Inconsolata Medium" panose="020B0609030003000000" pitchFamily="49" charset="77"/>
-              </a:rPr>
-              <a:t>:</a:t>
-            </a:r>
-          </a:p>
-          <a:p>
-            <a:pPr marL="342900" lvl="1" indent="0">
-              <a:buNone/>
-            </a:pPr>
-            <a:r>
-              <a:rPr lang="en-US" sz="2100" b="1" dirty="0">
-                <a:latin typeface="Inconsolata Medium" panose="020B0609030003000000" pitchFamily="49" charset="77"/>
-              </a:rPr>
-              <a:t>		</a:t>
-            </a:r>
-            <a:r>
-              <a:rPr lang="en-US" sz="2100" b="1" dirty="0">
-                <a:solidFill>
-                  <a:srgbClr val="006699"/>
-                </a:solidFill>
-                <a:latin typeface="Inconsolata Medium" panose="020B0609030003000000" pitchFamily="49" charset="77"/>
-              </a:rPr>
-              <a:t>print</a:t>
-            </a:r>
-            <a:r>
-              <a:rPr lang="en-US" sz="2100" b="1" dirty="0">
-                <a:latin typeface="Inconsolata Medium" panose="020B0609030003000000" pitchFamily="49" charset="77"/>
-              </a:rPr>
-              <a:t>(</a:t>
-            </a:r>
-            <a:r>
-              <a:rPr lang="en-US" sz="2100" b="1" dirty="0">
-                <a:solidFill>
-                  <a:srgbClr val="000087"/>
-                </a:solidFill>
-                <a:latin typeface="Inconsolata Medium" panose="020B0609030003000000" pitchFamily="49" charset="77"/>
-              </a:rPr>
-              <a:t>“x is even”</a:t>
-            </a:r>
-            <a:r>
-              <a:rPr lang="en-US" sz="2100" b="1" dirty="0">
-                <a:latin typeface="Inconsolata Medium" panose="020B0609030003000000" pitchFamily="49" charset="77"/>
-              </a:rPr>
-              <a:t>)</a:t>
-            </a:r>
-          </a:p>
-          <a:p>
-            <a:pPr marL="342900" lvl="1" indent="0">
-              <a:buNone/>
-            </a:pPr>
-            <a:r>
-              <a:rPr lang="en-US" sz="2100" b="1" dirty="0">
-                <a:latin typeface="Inconsolata Medium" panose="020B0609030003000000" pitchFamily="49" charset="77"/>
-              </a:rPr>
-              <a:t>	  </a:t>
-            </a:r>
-            <a:r>
-              <a:rPr lang="en-US" sz="2100" b="1" dirty="0">
-                <a:solidFill>
-                  <a:srgbClr val="006699"/>
-                </a:solidFill>
-                <a:latin typeface="Inconsolata Medium" panose="020B0609030003000000" pitchFamily="49" charset="77"/>
-              </a:rPr>
-              <a:t>if </a:t>
-            </a:r>
-            <a:r>
-              <a:rPr lang="en-US" sz="2100" b="1" dirty="0">
-                <a:solidFill>
-                  <a:srgbClr val="000087"/>
-                </a:solidFill>
-                <a:latin typeface="Inconsolata Medium" panose="020B0609030003000000" pitchFamily="49" charset="77"/>
-              </a:rPr>
-              <a:t>x </a:t>
-            </a:r>
-            <a:r>
-              <a:rPr lang="en-US" sz="2100" b="1" dirty="0">
-                <a:solidFill>
-                  <a:srgbClr val="545454"/>
-                </a:solidFill>
-                <a:latin typeface="Inconsolata Medium" panose="020B0609030003000000" pitchFamily="49" charset="77"/>
-              </a:rPr>
-              <a:t>&gt; </a:t>
-            </a:r>
-            <a:r>
-              <a:rPr lang="en-US" sz="2100" b="1" dirty="0">
-                <a:solidFill>
-                  <a:srgbClr val="FF6600"/>
-                </a:solidFill>
-                <a:latin typeface="Inconsolata Medium" panose="020B0609030003000000" pitchFamily="49" charset="77"/>
-              </a:rPr>
-              <a:t>0</a:t>
-            </a:r>
-            <a:r>
-              <a:rPr lang="en-US" sz="2100" b="1" dirty="0">
-                <a:latin typeface="Inconsolata Medium" panose="020B0609030003000000" pitchFamily="49" charset="77"/>
-              </a:rPr>
-              <a:t>:</a:t>
-            </a:r>
-          </a:p>
-          <a:p>
-            <a:pPr marL="342900" lvl="1" indent="0">
-              <a:buNone/>
-            </a:pPr>
-            <a:r>
-              <a:rPr lang="en-US" sz="2100" b="1" dirty="0">
-                <a:latin typeface="Inconsolata Medium" panose="020B0609030003000000" pitchFamily="49" charset="77"/>
-              </a:rPr>
-              <a:t>		</a:t>
-            </a:r>
-            <a:r>
-              <a:rPr lang="en-US" sz="2100" b="1" dirty="0">
-                <a:solidFill>
-                  <a:srgbClr val="006699"/>
-                </a:solidFill>
-                <a:latin typeface="Inconsolata Medium" panose="020B0609030003000000" pitchFamily="49" charset="77"/>
-              </a:rPr>
-              <a:t>print</a:t>
-            </a:r>
-            <a:r>
-              <a:rPr lang="en-US" sz="2100" b="1" dirty="0">
-                <a:latin typeface="Inconsolata Medium" panose="020B0609030003000000" pitchFamily="49" charset="77"/>
-              </a:rPr>
-              <a:t>(</a:t>
-            </a:r>
-            <a:r>
-              <a:rPr lang="en-US" sz="2100" b="1" dirty="0">
-                <a:solidFill>
-                  <a:srgbClr val="000087"/>
-                </a:solidFill>
-                <a:latin typeface="Inconsolata Medium" panose="020B0609030003000000" pitchFamily="49" charset="77"/>
-              </a:rPr>
-              <a:t>“x is positive”</a:t>
-            </a:r>
-            <a:r>
-              <a:rPr lang="en-US" sz="2100" b="1" dirty="0">
-                <a:latin typeface="Inconsolata Medium" panose="020B0609030003000000" pitchFamily="49" charset="77"/>
-              </a:rPr>
-              <a:t>)</a:t>
-            </a:r>
-          </a:p>
-          <a:p>
-            <a:pPr marL="342900" lvl="1" indent="0">
-              <a:buNone/>
-            </a:pPr>
-            <a:endParaRPr lang="en-US" sz="2100" b="1" dirty="0">
               <a:solidFill>
                 <a:srgbClr val="000087"/>
               </a:solidFill>
@@ -6084,39 +5449,424 @@
             </a:endParaRPr>
           </a:p>
           <a:p>
-            <a:pPr marL="342900" lvl="1" indent="0">
-              <a:buNone/>
-            </a:pPr>
-            <a:r>
-              <a:rPr lang="en-US" sz="2400" dirty="0">
-                <a:latin typeface="UbuntuMono"/>
-              </a:rPr>
-              <a:t>x is even</a:t>
-            </a:r>
-          </a:p>
-          <a:p>
-            <a:pPr marL="342900" lvl="1" indent="0">
-              <a:buNone/>
-            </a:pPr>
-            <a:r>
-              <a:rPr lang="en-US" sz="2400" dirty="0">
-                <a:latin typeface="UbuntuMono"/>
-              </a:rPr>
-              <a:t>x is positive</a:t>
-            </a:r>
-            <a:endParaRPr lang="en-US" sz="2100" b="1" dirty="0">
+            <a:pPr marL="0" indent="0">
+              <a:buNone/>
+            </a:pPr>
+            <a:r>
+              <a:rPr lang="en-US" b="1" dirty="0">
+                <a:solidFill>
+                  <a:srgbClr val="000087"/>
+                </a:solidFill>
+                <a:latin typeface="Inconsolata Medium" panose="020B0609030003000000" pitchFamily="49" charset="77"/>
+              </a:rPr>
+              <a:t>In</a:t>
+            </a:r>
+            <a:r>
+              <a:rPr lang="en-US" b="1" dirty="0">
+                <a:latin typeface="Inconsolata Medium" panose="020B0609030003000000" pitchFamily="49" charset="77"/>
+              </a:rPr>
+              <a:t>[</a:t>
+            </a:r>
+            <a:r>
+              <a:rPr lang="en-US" b="1" dirty="0">
+                <a:solidFill>
+                  <a:srgbClr val="FF6600"/>
+                </a:solidFill>
+                <a:latin typeface="Inconsolata Medium" panose="020B0609030003000000" pitchFamily="49" charset="77"/>
+              </a:rPr>
+              <a:t>3</a:t>
+            </a:r>
+            <a:r>
+              <a:rPr lang="en-US" b="1" dirty="0">
+                <a:latin typeface="Inconsolata Medium" panose="020B0609030003000000" pitchFamily="49" charset="77"/>
+              </a:rPr>
+              <a:t>]: </a:t>
+            </a:r>
+            <a:r>
+              <a:rPr lang="en-US" b="1" dirty="0">
+                <a:solidFill>
+                  <a:srgbClr val="006699"/>
+                </a:solidFill>
+                <a:latin typeface="Inconsolata Medium" panose="020B0609030003000000" pitchFamily="49" charset="77"/>
+              </a:rPr>
+              <a:t>for </a:t>
+            </a:r>
+            <a:r>
+              <a:rPr lang="en-US" b="1" dirty="0" err="1">
+                <a:solidFill>
+                  <a:srgbClr val="000087"/>
+                </a:solidFill>
+                <a:latin typeface="Inconsolata Medium" panose="020B0609030003000000" pitchFamily="49" charset="77"/>
+              </a:rPr>
+              <a:t>i</a:t>
+            </a:r>
+            <a:r>
+              <a:rPr lang="en-US" b="1" dirty="0">
+                <a:solidFill>
+                  <a:srgbClr val="000087"/>
+                </a:solidFill>
+                <a:latin typeface="Inconsolata Medium" panose="020B0609030003000000" pitchFamily="49" charset="77"/>
+              </a:rPr>
+              <a:t> </a:t>
+            </a:r>
+            <a:r>
+              <a:rPr lang="en-US" b="1" dirty="0">
+                <a:latin typeface="Inconsolata Medium" panose="020B0609030003000000" pitchFamily="49" charset="77"/>
+              </a:rPr>
+              <a:t>in </a:t>
+            </a:r>
+            <a:r>
+              <a:rPr lang="en-US" b="1" dirty="0">
+                <a:solidFill>
+                  <a:srgbClr val="336666"/>
+                </a:solidFill>
+                <a:latin typeface="Inconsolata Medium" panose="020B0609030003000000" pitchFamily="49" charset="77"/>
+              </a:rPr>
+              <a:t>range</a:t>
+            </a:r>
+            <a:r>
+              <a:rPr lang="en-US" b="1" dirty="0">
+                <a:latin typeface="Inconsolata Medium" panose="020B0609030003000000" pitchFamily="49" charset="77"/>
+              </a:rPr>
+              <a:t>(</a:t>
+            </a:r>
+            <a:r>
+              <a:rPr lang="en-US" b="1" dirty="0">
+                <a:solidFill>
+                  <a:srgbClr val="FF6600"/>
+                </a:solidFill>
+                <a:latin typeface="Inconsolata Medium" panose="020B0609030003000000" pitchFamily="49" charset="77"/>
+              </a:rPr>
+              <a:t>1</a:t>
+            </a:r>
+            <a:r>
+              <a:rPr lang="en-US" b="1" dirty="0">
+                <a:latin typeface="Inconsolata Medium" panose="020B0609030003000000" pitchFamily="49" charset="77"/>
+              </a:rPr>
+              <a:t>, </a:t>
+            </a:r>
+            <a:r>
+              <a:rPr lang="en-US" b="1" dirty="0">
+                <a:solidFill>
+                  <a:srgbClr val="FF6600"/>
+                </a:solidFill>
+                <a:latin typeface="Inconsolata Medium" panose="020B0609030003000000" pitchFamily="49" charset="77"/>
+              </a:rPr>
+              <a:t>10, 2</a:t>
+            </a:r>
+            <a:r>
+              <a:rPr lang="en-US" b="1" dirty="0">
+                <a:latin typeface="Inconsolata Medium" panose="020B0609030003000000" pitchFamily="49" charset="77"/>
+              </a:rPr>
+              <a:t>): </a:t>
+            </a:r>
+          </a:p>
+          <a:p>
+            <a:pPr marL="0" indent="0">
+              <a:buNone/>
+            </a:pPr>
+            <a:r>
+              <a:rPr lang="en-US" b="1" dirty="0">
+                <a:solidFill>
+                  <a:srgbClr val="006699"/>
+                </a:solidFill>
+                <a:latin typeface="Inconsolata Medium" panose="020B0609030003000000" pitchFamily="49" charset="77"/>
+              </a:rPr>
+              <a:t>		print</a:t>
+            </a:r>
+            <a:r>
+              <a:rPr lang="en-US" b="1" dirty="0">
+                <a:latin typeface="Inconsolata Medium" panose="020B0609030003000000" pitchFamily="49" charset="77"/>
+              </a:rPr>
+              <a:t>(</a:t>
+            </a:r>
+            <a:r>
+              <a:rPr lang="en-US" b="1" dirty="0" err="1">
+                <a:solidFill>
+                  <a:srgbClr val="000087"/>
+                </a:solidFill>
+                <a:latin typeface="Inconsolata Medium" panose="020B0609030003000000" pitchFamily="49" charset="77"/>
+              </a:rPr>
+              <a:t>i</a:t>
+            </a:r>
+            <a:r>
+              <a:rPr lang="en-US" b="1" dirty="0">
+                <a:latin typeface="Inconsolata Medium" panose="020B0609030003000000" pitchFamily="49" charset="77"/>
+              </a:rPr>
+              <a:t>, </a:t>
+            </a:r>
+            <a:r>
+              <a:rPr lang="en-US" b="1" dirty="0">
+                <a:solidFill>
+                  <a:srgbClr val="000087"/>
+                </a:solidFill>
+                <a:latin typeface="Inconsolata Medium" panose="020B0609030003000000" pitchFamily="49" charset="77"/>
+              </a:rPr>
+              <a:t>end</a:t>
+            </a:r>
+            <a:r>
+              <a:rPr lang="en-US" b="1" dirty="0">
+                <a:solidFill>
+                  <a:srgbClr val="545454"/>
+                </a:solidFill>
+                <a:latin typeface="Inconsolata Medium" panose="020B0609030003000000" pitchFamily="49" charset="77"/>
+              </a:rPr>
+              <a:t>=</a:t>
+            </a:r>
+            <a:r>
+              <a:rPr lang="en-US" b="1" dirty="0">
+                <a:solidFill>
+                  <a:srgbClr val="CC3300"/>
+                </a:solidFill>
+                <a:latin typeface="Inconsolata Medium" panose="020B0609030003000000" pitchFamily="49" charset="77"/>
+              </a:rPr>
+              <a:t>' ‘</a:t>
+            </a:r>
+            <a:r>
+              <a:rPr lang="en-US" b="1" dirty="0">
+                <a:latin typeface="Inconsolata Medium" panose="020B0609030003000000" pitchFamily="49" charset="77"/>
+              </a:rPr>
+              <a:t>) </a:t>
+            </a:r>
+          </a:p>
+          <a:p>
+            <a:pPr marL="0" indent="0">
+              <a:buNone/>
+            </a:pPr>
+            <a:r>
+              <a:rPr lang="en-US" dirty="0">
+                <a:latin typeface="Gill Sans MT" panose="020B0502020104020203" pitchFamily="34" charset="77"/>
+              </a:rPr>
+              <a:t>1 3 5 7 9 </a:t>
+            </a:r>
+          </a:p>
+          <a:p>
+            <a:pPr marL="0" indent="0">
+              <a:buNone/>
+            </a:pPr>
+            <a:endParaRPr lang="en-US" b="1" dirty="0">
               <a:solidFill>
                 <a:srgbClr val="000087"/>
               </a:solidFill>
               <a:latin typeface="Inconsolata Medium" panose="020B0609030003000000" pitchFamily="49" charset="77"/>
             </a:endParaRPr>
           </a:p>
+          <a:p>
+            <a:pPr marL="0" indent="0">
+              <a:buNone/>
+            </a:pPr>
+            <a:r>
+              <a:rPr lang="en-US" b="1" dirty="0">
+                <a:solidFill>
+                  <a:srgbClr val="000087"/>
+                </a:solidFill>
+                <a:latin typeface="Inconsolata Medium" panose="020B0609030003000000" pitchFamily="49" charset="77"/>
+              </a:rPr>
+              <a:t>In</a:t>
+            </a:r>
+            <a:r>
+              <a:rPr lang="en-US" b="1" dirty="0">
+                <a:latin typeface="Inconsolata Medium" panose="020B0609030003000000" pitchFamily="49" charset="77"/>
+              </a:rPr>
+              <a:t>[</a:t>
+            </a:r>
+            <a:r>
+              <a:rPr lang="en-US" b="1" dirty="0">
+                <a:solidFill>
+                  <a:srgbClr val="FF6600"/>
+                </a:solidFill>
+                <a:latin typeface="Inconsolata Medium" panose="020B0609030003000000" pitchFamily="49" charset="77"/>
+              </a:rPr>
+              <a:t>3</a:t>
+            </a:r>
+            <a:r>
+              <a:rPr lang="en-US" b="1" dirty="0">
+                <a:latin typeface="Inconsolata Medium" panose="020B0609030003000000" pitchFamily="49" charset="77"/>
+              </a:rPr>
+              <a:t>]: </a:t>
+            </a:r>
+            <a:r>
+              <a:rPr lang="en-US" b="1" dirty="0">
+                <a:solidFill>
+                  <a:srgbClr val="006699"/>
+                </a:solidFill>
+                <a:latin typeface="Inconsolata Medium" panose="020B0609030003000000" pitchFamily="49" charset="77"/>
+              </a:rPr>
+              <a:t>for </a:t>
+            </a:r>
+            <a:r>
+              <a:rPr lang="en-US" b="1" dirty="0" err="1">
+                <a:solidFill>
+                  <a:srgbClr val="000087"/>
+                </a:solidFill>
+                <a:latin typeface="Inconsolata Medium" panose="020B0609030003000000" pitchFamily="49" charset="77"/>
+              </a:rPr>
+              <a:t>i</a:t>
+            </a:r>
+            <a:r>
+              <a:rPr lang="en-US" b="1" dirty="0">
+                <a:solidFill>
+                  <a:srgbClr val="000087"/>
+                </a:solidFill>
+                <a:latin typeface="Inconsolata Medium" panose="020B0609030003000000" pitchFamily="49" charset="77"/>
+              </a:rPr>
+              <a:t> </a:t>
+            </a:r>
+            <a:r>
+              <a:rPr lang="en-US" b="1" dirty="0">
+                <a:latin typeface="Inconsolata Medium" panose="020B0609030003000000" pitchFamily="49" charset="77"/>
+              </a:rPr>
+              <a:t>in </a:t>
+            </a:r>
+            <a:r>
+              <a:rPr lang="en-US" b="1" dirty="0">
+                <a:solidFill>
+                  <a:srgbClr val="336666"/>
+                </a:solidFill>
+                <a:latin typeface="Inconsolata Medium" panose="020B0609030003000000" pitchFamily="49" charset="77"/>
+              </a:rPr>
+              <a:t>range</a:t>
+            </a:r>
+            <a:r>
+              <a:rPr lang="en-US" b="1" dirty="0">
+                <a:latin typeface="Inconsolata Medium" panose="020B0609030003000000" pitchFamily="49" charset="77"/>
+              </a:rPr>
+              <a:t>(</a:t>
+            </a:r>
+            <a:r>
+              <a:rPr lang="en-US" b="1" dirty="0">
+                <a:solidFill>
+                  <a:srgbClr val="FF6600"/>
+                </a:solidFill>
+                <a:latin typeface="Inconsolata Medium" panose="020B0609030003000000" pitchFamily="49" charset="77"/>
+              </a:rPr>
+              <a:t>10</a:t>
+            </a:r>
+            <a:r>
+              <a:rPr lang="en-US" b="1" dirty="0">
+                <a:latin typeface="Inconsolata Medium" panose="020B0609030003000000" pitchFamily="49" charset="77"/>
+              </a:rPr>
+              <a:t>, </a:t>
+            </a:r>
+            <a:r>
+              <a:rPr lang="en-US" b="1" dirty="0">
+                <a:solidFill>
+                  <a:srgbClr val="FF6600"/>
+                </a:solidFill>
+                <a:latin typeface="Inconsolata Medium" panose="020B0609030003000000" pitchFamily="49" charset="77"/>
+              </a:rPr>
+              <a:t>2, -1</a:t>
+            </a:r>
+            <a:r>
+              <a:rPr lang="en-US" b="1" dirty="0">
+                <a:latin typeface="Inconsolata Medium" panose="020B0609030003000000" pitchFamily="49" charset="77"/>
+              </a:rPr>
+              <a:t>): </a:t>
+            </a:r>
+          </a:p>
+          <a:p>
+            <a:pPr marL="0" indent="0">
+              <a:buNone/>
+            </a:pPr>
+            <a:r>
+              <a:rPr lang="en-US" b="1" dirty="0">
+                <a:solidFill>
+                  <a:srgbClr val="006699"/>
+                </a:solidFill>
+                <a:latin typeface="Inconsolata Medium" panose="020B0609030003000000" pitchFamily="49" charset="77"/>
+              </a:rPr>
+              <a:t>		print</a:t>
+            </a:r>
+            <a:r>
+              <a:rPr lang="en-US" b="1" dirty="0">
+                <a:latin typeface="Inconsolata Medium" panose="020B0609030003000000" pitchFamily="49" charset="77"/>
+              </a:rPr>
+              <a:t>(</a:t>
+            </a:r>
+            <a:r>
+              <a:rPr lang="en-US" b="1" dirty="0" err="1">
+                <a:solidFill>
+                  <a:srgbClr val="000087"/>
+                </a:solidFill>
+                <a:latin typeface="Inconsolata Medium" panose="020B0609030003000000" pitchFamily="49" charset="77"/>
+              </a:rPr>
+              <a:t>i</a:t>
+            </a:r>
+            <a:r>
+              <a:rPr lang="en-US" b="1" dirty="0">
+                <a:latin typeface="Inconsolata Medium" panose="020B0609030003000000" pitchFamily="49" charset="77"/>
+              </a:rPr>
+              <a:t>, </a:t>
+            </a:r>
+            <a:r>
+              <a:rPr lang="en-US" b="1" dirty="0">
+                <a:solidFill>
+                  <a:srgbClr val="000087"/>
+                </a:solidFill>
+                <a:latin typeface="Inconsolata Medium" panose="020B0609030003000000" pitchFamily="49" charset="77"/>
+              </a:rPr>
+              <a:t>end</a:t>
+            </a:r>
+            <a:r>
+              <a:rPr lang="en-US" b="1" dirty="0">
+                <a:solidFill>
+                  <a:srgbClr val="545454"/>
+                </a:solidFill>
+                <a:latin typeface="Inconsolata Medium" panose="020B0609030003000000" pitchFamily="49" charset="77"/>
+              </a:rPr>
+              <a:t>=</a:t>
+            </a:r>
+            <a:r>
+              <a:rPr lang="en-US" b="1" dirty="0">
+                <a:solidFill>
+                  <a:srgbClr val="CC3300"/>
+                </a:solidFill>
+                <a:latin typeface="Inconsolata Medium" panose="020B0609030003000000" pitchFamily="49" charset="77"/>
+              </a:rPr>
+              <a:t>' ‘</a:t>
+            </a:r>
+            <a:r>
+              <a:rPr lang="en-US" b="1" dirty="0">
+                <a:latin typeface="Inconsolata Medium" panose="020B0609030003000000" pitchFamily="49" charset="77"/>
+              </a:rPr>
+              <a:t>) </a:t>
+            </a:r>
+          </a:p>
+          <a:p>
+            <a:pPr marL="0" indent="0">
+              <a:buNone/>
+            </a:pPr>
+            <a:r>
+              <a:rPr lang="en-US" dirty="0">
+                <a:latin typeface="Gill Sans MT" panose="020B0502020104020203" pitchFamily="34" charset="77"/>
+              </a:rPr>
+              <a:t>10 9 8 7 6 5 4 3</a:t>
+            </a:r>
+            <a:endParaRPr lang="en-US" dirty="0"/>
+          </a:p>
+          <a:p>
+            <a:pPr marL="0" indent="0">
+              <a:buNone/>
+            </a:pPr>
+            <a:endParaRPr lang="en-US" dirty="0"/>
+          </a:p>
+          <a:p>
+            <a:pPr marL="0" indent="0">
+              <a:buNone/>
+            </a:pPr>
+            <a:endParaRPr lang="en-US" sz="2100" dirty="0">
+              <a:solidFill>
+                <a:srgbClr val="000087"/>
+              </a:solidFill>
+              <a:latin typeface="Gill Sans MT" panose="020B0502020104020203" pitchFamily="34" charset="77"/>
+            </a:endParaRPr>
+          </a:p>
         </p:txBody>
       </p:sp>
     </p:spTree>
     <p:extLst>
       <p:ext uri="{BB962C8B-B14F-4D97-AF65-F5344CB8AC3E}">
-        <p14:creationId xmlns:p14="http://schemas.microsoft.com/office/powerpoint/2010/main" val="1454012366"/>
+        <p14:creationId xmlns:p14="http://schemas.microsoft.com/office/powerpoint/2010/main" val="3150557076"/>
       </p:ext>
     </p:extLst>
   </p:cSld>
@@ -6171,13 +5921,8 @@
           <a:p>
             <a:r>
               <a:rPr lang="en-US" dirty="0"/>
-              <a:t>if-</a:t>
-            </a:r>
-            <a:r>
-              <a:rPr lang="en-US" dirty="0" err="1"/>
-              <a:t>elif</a:t>
-            </a:r>
-            <a:endParaRPr lang="en-US" dirty="0"/>
+              <a:t>While Loops</a:t>
+            </a:r>
           </a:p>
         </p:txBody>
       </p:sp>
@@ -6216,398 +5961,380 @@
               <a:rPr lang="en-US" dirty="0">
                 <a:latin typeface="Gill Sans MT" panose="020B0502020104020203" pitchFamily="34" charset="77"/>
               </a:rPr>
-              <a:t>An if block followed by a sequence of </a:t>
-            </a:r>
-            <a:r>
-              <a:rPr lang="en-US" dirty="0" err="1">
+              <a:t>A </a:t>
+            </a:r>
+            <a:r>
+              <a:rPr lang="en-US" i="1" dirty="0">
                 <a:latin typeface="Gill Sans MT" panose="020B0502020104020203" pitchFamily="34" charset="77"/>
               </a:rPr>
-              <a:t>elif</a:t>
+              <a:t>while</a:t>
             </a:r>
             <a:r>
               <a:rPr lang="en-US" dirty="0">
                 <a:latin typeface="Gill Sans MT" panose="020B0502020104020203" pitchFamily="34" charset="77"/>
               </a:rPr>
-              <a:t> blocks will execute the first block whose condition evaluates to True. No block is executed if all conditions evaluate to False.</a:t>
-            </a:r>
-          </a:p>
-          <a:p>
-            <a:pPr marL="0" indent="0">
-              <a:buNone/>
-            </a:pPr>
-            <a:r>
-              <a:rPr lang="en-US" sz="2000" b="1" dirty="0">
+              <a:t> loop executes a block of code while some condition is met.</a:t>
+            </a:r>
+          </a:p>
+          <a:p>
+            <a:pPr marL="0" indent="0">
+              <a:buNone/>
+            </a:pPr>
+            <a:endParaRPr lang="en-US" dirty="0">
+              <a:latin typeface="Gill Sans MT" panose="020B0502020104020203" pitchFamily="34" charset="77"/>
+            </a:endParaRPr>
+          </a:p>
+          <a:p>
+            <a:pPr marL="0" indent="0">
+              <a:buNone/>
+            </a:pPr>
+            <a:r>
+              <a:rPr lang="en-US" b="1" dirty="0">
+                <a:solidFill>
+                  <a:srgbClr val="006699"/>
+                </a:solidFill>
+                <a:latin typeface="Inconsolata Medium" panose="020B0609030003000000" pitchFamily="49" charset="77"/>
+              </a:rPr>
+              <a:t>while </a:t>
+            </a:r>
+            <a:r>
+              <a:rPr lang="en-US" b="1" dirty="0">
                 <a:solidFill>
                   <a:srgbClr val="000087"/>
                 </a:solidFill>
                 <a:latin typeface="Inconsolata Medium" panose="020B0609030003000000" pitchFamily="49" charset="77"/>
               </a:rPr>
+              <a:t>condition</a:t>
+            </a:r>
+            <a:r>
+              <a:rPr lang="en-US" b="1" dirty="0">
+                <a:latin typeface="Inconsolata Medium" panose="020B0609030003000000" pitchFamily="49" charset="77"/>
+              </a:rPr>
+              <a:t>:</a:t>
+            </a:r>
+            <a:br>
+              <a:rPr lang="en-US" b="1" dirty="0">
+                <a:latin typeface="Inconsolata Medium" panose="020B0609030003000000" pitchFamily="49" charset="77"/>
+              </a:rPr>
+            </a:br>
+            <a:r>
+              <a:rPr lang="en-US" b="1" dirty="0">
+                <a:latin typeface="Inconsolata Medium" panose="020B0609030003000000" pitchFamily="49" charset="77"/>
+              </a:rPr>
+              <a:t>	</a:t>
+            </a:r>
+            <a:r>
+              <a:rPr lang="en-US" b="1" dirty="0">
+                <a:solidFill>
+                  <a:srgbClr val="006699"/>
+                </a:solidFill>
+                <a:latin typeface="Inconsolata Medium" panose="020B0609030003000000" pitchFamily="49" charset="77"/>
+              </a:rPr>
+              <a:t>block</a:t>
+            </a:r>
+            <a:r>
+              <a:rPr lang="en-US" b="1" dirty="0">
+                <a:latin typeface="Inconsolata Medium" panose="020B0609030003000000" pitchFamily="49" charset="77"/>
+              </a:rPr>
+              <a:t> </a:t>
+            </a:r>
+          </a:p>
+          <a:p>
+            <a:pPr marL="0" indent="0">
+              <a:buNone/>
+            </a:pPr>
+            <a:endParaRPr lang="en-US" dirty="0">
+              <a:latin typeface="Gill Sans MT" panose="020B0502020104020203" pitchFamily="34" charset="77"/>
+            </a:endParaRPr>
+          </a:p>
+          <a:p>
+            <a:pPr marL="0" indent="0">
+              <a:buNone/>
+            </a:pPr>
+            <a:r>
+              <a:rPr lang="en-US" b="1" dirty="0">
+                <a:solidFill>
+                  <a:srgbClr val="000087"/>
+                </a:solidFill>
+                <a:latin typeface="Inconsolata Medium" panose="020B0609030003000000" pitchFamily="49" charset="77"/>
+              </a:rPr>
               <a:t>In</a:t>
             </a:r>
             <a:r>
-              <a:rPr lang="en-US" sz="2000" b="1" dirty="0">
+              <a:rPr lang="en-US" b="1" dirty="0">
                 <a:latin typeface="Inconsolata Medium" panose="020B0609030003000000" pitchFamily="49" charset="77"/>
               </a:rPr>
               <a:t>[</a:t>
             </a:r>
             <a:r>
-              <a:rPr lang="en-US" sz="2000" b="1" dirty="0">
+              <a:rPr lang="en-US" b="1" dirty="0">
                 <a:solidFill>
                   <a:srgbClr val="FF6600"/>
                 </a:solidFill>
                 <a:latin typeface="Inconsolata Medium" panose="020B0609030003000000" pitchFamily="49" charset="77"/>
               </a:rPr>
-              <a:t>3</a:t>
-            </a:r>
-            <a:r>
-              <a:rPr lang="en-US" sz="2000" b="1" dirty="0">
+              <a:t>6</a:t>
+            </a:r>
+            <a:r>
+              <a:rPr lang="en-US" b="1" dirty="0">
                 <a:latin typeface="Inconsolata Medium" panose="020B0609030003000000" pitchFamily="49" charset="77"/>
               </a:rPr>
               <a:t>]: </a:t>
             </a:r>
             <a:r>
-              <a:rPr lang="en-US" sz="2000" b="1" dirty="0">
+              <a:rPr lang="en-US" b="1" dirty="0" err="1">
                 <a:solidFill>
                   <a:srgbClr val="000087"/>
                 </a:solidFill>
                 <a:latin typeface="Inconsolata Medium" panose="020B0609030003000000" pitchFamily="49" charset="77"/>
               </a:rPr>
-              <a:t>x </a:t>
-            </a:r>
-            <a:r>
-              <a:rPr lang="en-US" sz="2000" b="1" dirty="0">
+              <a:t>i</a:t>
+            </a:r>
+            <a:r>
+              <a:rPr lang="en-US" b="1" dirty="0">
+                <a:solidFill>
+                  <a:srgbClr val="000087"/>
+                </a:solidFill>
+                <a:latin typeface="Inconsolata Medium" panose="020B0609030003000000" pitchFamily="49" charset="77"/>
+              </a:rPr>
+              <a:t> </a:t>
+            </a:r>
+            <a:r>
+              <a:rPr lang="en-US" b="1" dirty="0">
                 <a:solidFill>
                   <a:srgbClr val="545454"/>
                 </a:solidFill>
                 <a:latin typeface="Inconsolata Medium" panose="020B0609030003000000" pitchFamily="49" charset="77"/>
               </a:rPr>
-              <a:t>= 25</a:t>
-            </a:r>
-            <a:r>
-              <a:rPr lang="en-US" sz="2000" b="1" dirty="0">
+              <a:t>= </a:t>
+            </a:r>
+            <a:r>
+              <a:rPr lang="en-US" b="1" dirty="0">
                 <a:solidFill>
                   <a:srgbClr val="FF6600"/>
                 </a:solidFill>
                 <a:latin typeface="Inconsolata Medium" panose="020B0609030003000000" pitchFamily="49" charset="77"/>
               </a:rPr>
+              <a:t>0</a:t>
+            </a:r>
+            <a:br>
+              <a:rPr lang="en-US" b="1" dirty="0">
+                <a:solidFill>
+                  <a:srgbClr val="FF6600"/>
+                </a:solidFill>
+                <a:latin typeface="Inconsolata Medium" panose="020B0609030003000000" pitchFamily="49" charset="77"/>
+              </a:rPr>
+            </a:br>
+            <a:r>
+              <a:rPr lang="en-US" b="1" dirty="0">
+                <a:solidFill>
+                  <a:srgbClr val="FF6600"/>
+                </a:solidFill>
+                <a:latin typeface="Inconsolata Medium" panose="020B0609030003000000" pitchFamily="49" charset="77"/>
+              </a:rPr>
+              <a:t>	  </a:t>
+            </a:r>
+            <a:r>
+              <a:rPr lang="en-US" b="1" dirty="0">
+                <a:solidFill>
+                  <a:srgbClr val="006699"/>
+                </a:solidFill>
+                <a:latin typeface="Inconsolata Medium" panose="020B0609030003000000" pitchFamily="49" charset="77"/>
+              </a:rPr>
+              <a:t>while </a:t>
+            </a:r>
+            <a:r>
+              <a:rPr lang="en-US" b="1" dirty="0" err="1">
+                <a:solidFill>
+                  <a:srgbClr val="000087"/>
+                </a:solidFill>
+                <a:latin typeface="Inconsolata Medium" panose="020B0609030003000000" pitchFamily="49" charset="77"/>
+              </a:rPr>
+              <a:t>i</a:t>
+            </a:r>
+            <a:r>
+              <a:rPr lang="en-US" b="1" dirty="0">
+                <a:solidFill>
+                  <a:srgbClr val="000087"/>
+                </a:solidFill>
+                <a:latin typeface="Inconsolata Medium" panose="020B0609030003000000" pitchFamily="49" charset="77"/>
+              </a:rPr>
               <a:t> </a:t>
             </a:r>
-            <a:endParaRPr lang="en-US" sz="2000" b="1" dirty="0">
+            <a:r>
+              <a:rPr lang="en-US" b="1" dirty="0">
+                <a:solidFill>
+                  <a:srgbClr val="545454"/>
+                </a:solidFill>
+                <a:latin typeface="Inconsolata Medium" panose="020B0609030003000000" pitchFamily="49" charset="77"/>
+              </a:rPr>
+              <a:t>&lt; </a:t>
+            </a:r>
+            <a:r>
+              <a:rPr lang="en-US" b="1" dirty="0">
+                <a:solidFill>
+                  <a:srgbClr val="FF6600"/>
+                </a:solidFill>
+                <a:latin typeface="Inconsolata Medium" panose="020B0609030003000000" pitchFamily="49" charset="77"/>
+              </a:rPr>
+              <a:t>10</a:t>
+            </a:r>
+            <a:r>
+              <a:rPr lang="en-US" b="1" dirty="0">
+                <a:latin typeface="Inconsolata Medium" panose="020B0609030003000000" pitchFamily="49" charset="77"/>
+              </a:rPr>
+              <a:t>: </a:t>
+            </a:r>
+          </a:p>
+          <a:p>
+            <a:pPr marL="0" indent="0">
+              <a:buNone/>
+            </a:pPr>
+            <a:r>
+              <a:rPr lang="en-US" b="1" dirty="0">
+                <a:solidFill>
+                  <a:srgbClr val="006699"/>
+                </a:solidFill>
+                <a:latin typeface="Inconsolata Medium" panose="020B0609030003000000" pitchFamily="49" charset="77"/>
+              </a:rPr>
+              <a:t>		print</a:t>
+            </a:r>
+            <a:r>
+              <a:rPr lang="en-US" b="1" dirty="0">
+                <a:latin typeface="Inconsolata Medium" panose="020B0609030003000000" pitchFamily="49" charset="77"/>
+              </a:rPr>
+              <a:t>(</a:t>
+            </a:r>
+            <a:r>
+              <a:rPr lang="en-US" b="1" dirty="0" err="1">
+                <a:solidFill>
+                  <a:srgbClr val="000087"/>
+                </a:solidFill>
+                <a:latin typeface="Inconsolata Medium" panose="020B0609030003000000" pitchFamily="49" charset="77"/>
+              </a:rPr>
+              <a:t>i</a:t>
+            </a:r>
+            <a:r>
+              <a:rPr lang="en-US" b="1" dirty="0">
+                <a:latin typeface="Inconsolata Medium" panose="020B0609030003000000" pitchFamily="49" charset="77"/>
+              </a:rPr>
+              <a:t>, </a:t>
+            </a:r>
+            <a:r>
+              <a:rPr lang="en-US" b="1" dirty="0">
+                <a:solidFill>
+                  <a:srgbClr val="000087"/>
+                </a:solidFill>
+                <a:latin typeface="Inconsolata Medium" panose="020B0609030003000000" pitchFamily="49" charset="77"/>
+              </a:rPr>
+              <a:t>end</a:t>
+            </a:r>
+            <a:r>
+              <a:rPr lang="en-US" b="1" dirty="0">
+                <a:solidFill>
+                  <a:srgbClr val="545454"/>
+                </a:solidFill>
+                <a:latin typeface="Inconsolata Medium" panose="020B0609030003000000" pitchFamily="49" charset="77"/>
+              </a:rPr>
+              <a:t>=</a:t>
+            </a:r>
+            <a:r>
+              <a:rPr lang="en-US" b="1" dirty="0">
+                <a:solidFill>
+                  <a:srgbClr val="CC3300"/>
+                </a:solidFill>
+                <a:latin typeface="Inconsolata Medium" panose="020B0609030003000000" pitchFamily="49" charset="77"/>
+              </a:rPr>
+              <a:t>‘ ’</a:t>
+            </a:r>
+            <a:r>
+              <a:rPr lang="en-US" b="1" dirty="0">
+                <a:latin typeface="Inconsolata Medium" panose="020B0609030003000000" pitchFamily="49" charset="77"/>
+              </a:rPr>
+              <a:t>) </a:t>
+            </a:r>
+          </a:p>
+          <a:p>
+            <a:pPr marL="0" indent="0">
+              <a:buNone/>
+            </a:pPr>
+            <a:r>
+              <a:rPr lang="en-US" b="1" dirty="0">
+                <a:solidFill>
+                  <a:srgbClr val="000087"/>
+                </a:solidFill>
+                <a:latin typeface="Inconsolata Medium" panose="020B0609030003000000" pitchFamily="49" charset="77"/>
+              </a:rPr>
+              <a:t>		</a:t>
+            </a:r>
+            <a:r>
+              <a:rPr lang="en-US" b="1" dirty="0" err="1">
+                <a:solidFill>
+                  <a:srgbClr val="000087"/>
+                </a:solidFill>
+                <a:latin typeface="Inconsolata Medium" panose="020B0609030003000000" pitchFamily="49" charset="77"/>
+              </a:rPr>
+              <a:t>i</a:t>
+            </a:r>
+            <a:r>
+              <a:rPr lang="en-US" b="1" dirty="0">
+                <a:solidFill>
+                  <a:srgbClr val="000087"/>
+                </a:solidFill>
+                <a:latin typeface="Inconsolata Medium" panose="020B0609030003000000" pitchFamily="49" charset="77"/>
+              </a:rPr>
+              <a:t> </a:t>
+            </a:r>
+            <a:r>
+              <a:rPr lang="en-US" b="1" dirty="0">
+                <a:solidFill>
+                  <a:srgbClr val="545454"/>
+                </a:solidFill>
+                <a:latin typeface="Inconsolata Medium" panose="020B0609030003000000" pitchFamily="49" charset="77"/>
+              </a:rPr>
+              <a:t>+= </a:t>
+            </a:r>
+            <a:r>
+              <a:rPr lang="en-US" b="1" dirty="0">
+                <a:solidFill>
+                  <a:srgbClr val="FF6600"/>
+                </a:solidFill>
+                <a:latin typeface="Inconsolata Medium" panose="020B0609030003000000" pitchFamily="49" charset="77"/>
+              </a:rPr>
+              <a:t>1 </a:t>
+            </a:r>
+            <a:endParaRPr lang="en-US" b="1" dirty="0">
               <a:latin typeface="Inconsolata Medium" panose="020B0609030003000000" pitchFamily="49" charset="77"/>
             </a:endParaRPr>
           </a:p>
           <a:p>
-            <a:pPr marL="342900" lvl="1" indent="0">
-              <a:buNone/>
-            </a:pPr>
-            <a:r>
-              <a:rPr lang="en-US" sz="2000" b="1" dirty="0">
-                <a:solidFill>
-                  <a:srgbClr val="006699"/>
-                </a:solidFill>
-                <a:latin typeface="Inconsolata Medium" panose="020B0609030003000000" pitchFamily="49" charset="77"/>
-              </a:rPr>
-              <a:t>	  if </a:t>
-            </a:r>
-            <a:r>
-              <a:rPr lang="en-US" sz="2000" b="1" dirty="0">
-                <a:solidFill>
-                  <a:srgbClr val="000087"/>
-                </a:solidFill>
-                <a:latin typeface="Inconsolata Medium" panose="020B0609030003000000" pitchFamily="49" charset="77"/>
-              </a:rPr>
-              <a:t>x &lt; </a:t>
-            </a:r>
-            <a:r>
-              <a:rPr lang="en-US" sz="2000" b="1" dirty="0">
-                <a:solidFill>
-                  <a:srgbClr val="FF6600"/>
-                </a:solidFill>
-                <a:latin typeface="Inconsolata Medium" panose="020B0609030003000000" pitchFamily="49" charset="77"/>
-              </a:rPr>
-              <a:t>0</a:t>
-            </a:r>
-            <a:r>
-              <a:rPr lang="en-US" sz="2000" b="1" dirty="0">
-                <a:latin typeface="Inconsolata Medium" panose="020B0609030003000000" pitchFamily="49" charset="77"/>
-              </a:rPr>
-              <a:t>:</a:t>
-            </a:r>
-          </a:p>
-          <a:p>
-            <a:pPr marL="342900" lvl="1" indent="0">
-              <a:buNone/>
-            </a:pPr>
-            <a:r>
-              <a:rPr lang="en-US" sz="2000" b="1" dirty="0">
-                <a:latin typeface="Inconsolata Medium" panose="020B0609030003000000" pitchFamily="49" charset="77"/>
-              </a:rPr>
-              <a:t>		</a:t>
-            </a:r>
-            <a:r>
-              <a:rPr lang="en-US" sz="2000" b="1" dirty="0">
-                <a:solidFill>
-                  <a:srgbClr val="006699"/>
-                </a:solidFill>
-                <a:latin typeface="Inconsolata Medium" panose="020B0609030003000000" pitchFamily="49" charset="77"/>
-              </a:rPr>
-              <a:t>print</a:t>
-            </a:r>
-            <a:r>
-              <a:rPr lang="en-US" sz="2000" b="1" dirty="0">
-                <a:latin typeface="Inconsolata Medium" panose="020B0609030003000000" pitchFamily="49" charset="77"/>
-              </a:rPr>
-              <a:t>(</a:t>
-            </a:r>
-            <a:r>
-              <a:rPr lang="en-US" sz="2000" b="1" dirty="0">
-                <a:solidFill>
-                  <a:srgbClr val="000087"/>
-                </a:solidFill>
-                <a:latin typeface="Inconsolata Medium" panose="020B0609030003000000" pitchFamily="49" charset="77"/>
-              </a:rPr>
-              <a:t>“x is less than 5”</a:t>
-            </a:r>
-            <a:r>
-              <a:rPr lang="en-US" sz="2000" b="1" dirty="0">
-                <a:latin typeface="Inconsolata Medium" panose="020B0609030003000000" pitchFamily="49" charset="77"/>
-              </a:rPr>
-              <a:t>)</a:t>
-            </a:r>
-          </a:p>
-          <a:p>
-            <a:pPr marL="342900" lvl="1" indent="0">
-              <a:buNone/>
-            </a:pPr>
-            <a:r>
-              <a:rPr lang="en-US" sz="2000" b="1" dirty="0">
-                <a:latin typeface="Inconsolata Medium" panose="020B0609030003000000" pitchFamily="49" charset="77"/>
-              </a:rPr>
-              <a:t>	  </a:t>
-            </a:r>
-            <a:r>
-              <a:rPr lang="en-US" sz="2000" b="1" dirty="0" err="1">
-                <a:solidFill>
-                  <a:srgbClr val="006699"/>
-                </a:solidFill>
-                <a:latin typeface="Inconsolata Medium" panose="020B0609030003000000" pitchFamily="49" charset="77"/>
-              </a:rPr>
-              <a:t>elif</a:t>
-            </a:r>
-            <a:r>
-              <a:rPr lang="en-US" sz="2000" b="1" dirty="0">
-                <a:solidFill>
-                  <a:srgbClr val="006699"/>
-                </a:solidFill>
-                <a:latin typeface="Inconsolata Medium" panose="020B0609030003000000" pitchFamily="49" charset="77"/>
-              </a:rPr>
-              <a:t> </a:t>
-            </a:r>
-            <a:r>
-              <a:rPr lang="en-US" sz="2000" b="1" dirty="0">
-                <a:solidFill>
-                  <a:srgbClr val="000087"/>
-                </a:solidFill>
-                <a:latin typeface="Inconsolata Medium" panose="020B0609030003000000" pitchFamily="49" charset="77"/>
-              </a:rPr>
-              <a:t>x &lt; </a:t>
-            </a:r>
-            <a:r>
-              <a:rPr lang="en-US" sz="2000" b="1" dirty="0">
-                <a:solidFill>
-                  <a:srgbClr val="FF6600"/>
-                </a:solidFill>
-                <a:latin typeface="Inconsolata Medium" panose="020B0609030003000000" pitchFamily="49" charset="77"/>
-              </a:rPr>
-              <a:t>10</a:t>
-            </a:r>
-            <a:r>
-              <a:rPr lang="en-US" sz="2000" b="1" dirty="0">
-                <a:latin typeface="Inconsolata Medium" panose="020B0609030003000000" pitchFamily="49" charset="77"/>
-              </a:rPr>
-              <a:t>:</a:t>
-            </a:r>
-          </a:p>
-          <a:p>
-            <a:pPr marL="342900" lvl="1" indent="0">
-              <a:buNone/>
-            </a:pPr>
-            <a:r>
-              <a:rPr lang="en-US" sz="2000" b="1" dirty="0">
-                <a:latin typeface="Inconsolata Medium" panose="020B0609030003000000" pitchFamily="49" charset="77"/>
-              </a:rPr>
-              <a:t>		</a:t>
-            </a:r>
-            <a:r>
-              <a:rPr lang="en-US" sz="2000" b="1" dirty="0">
-                <a:solidFill>
-                  <a:srgbClr val="006699"/>
-                </a:solidFill>
-                <a:latin typeface="Inconsolata Medium" panose="020B0609030003000000" pitchFamily="49" charset="77"/>
-              </a:rPr>
-              <a:t>print</a:t>
-            </a:r>
-            <a:r>
-              <a:rPr lang="en-US" sz="2000" b="1" dirty="0">
-                <a:latin typeface="Inconsolata Medium" panose="020B0609030003000000" pitchFamily="49" charset="77"/>
-              </a:rPr>
-              <a:t>(</a:t>
-            </a:r>
-            <a:r>
-              <a:rPr lang="en-US" sz="2000" b="1" dirty="0">
-                <a:solidFill>
-                  <a:srgbClr val="000087"/>
-                </a:solidFill>
-                <a:latin typeface="Inconsolata Medium" panose="020B0609030003000000" pitchFamily="49" charset="77"/>
-              </a:rPr>
-              <a:t>“x is less than 10”</a:t>
-            </a:r>
-            <a:r>
-              <a:rPr lang="en-US" sz="2000" b="1" dirty="0">
-                <a:latin typeface="Inconsolata Medium" panose="020B0609030003000000" pitchFamily="49" charset="77"/>
-              </a:rPr>
-              <a:t>)</a:t>
-            </a:r>
-          </a:p>
-          <a:p>
-            <a:pPr marL="342900" lvl="1" indent="0">
-              <a:buNone/>
-            </a:pPr>
-            <a:r>
-              <a:rPr lang="en-US" sz="2000" b="1" dirty="0">
-                <a:solidFill>
-                  <a:srgbClr val="000087"/>
-                </a:solidFill>
-                <a:latin typeface="Inconsolata Medium" panose="020B0609030003000000" pitchFamily="49" charset="77"/>
-              </a:rPr>
-              <a:t>	  </a:t>
-            </a:r>
-            <a:r>
-              <a:rPr lang="en-US" sz="2000" b="1" dirty="0" err="1">
-                <a:solidFill>
-                  <a:srgbClr val="006699"/>
-                </a:solidFill>
-                <a:latin typeface="Inconsolata Medium" panose="020B0609030003000000" pitchFamily="49" charset="77"/>
-              </a:rPr>
-              <a:t>elif</a:t>
-            </a:r>
-            <a:r>
-              <a:rPr lang="en-US" sz="2000" b="1" dirty="0">
-                <a:solidFill>
-                  <a:srgbClr val="006699"/>
-                </a:solidFill>
-                <a:latin typeface="Inconsolata Medium" panose="020B0609030003000000" pitchFamily="49" charset="77"/>
-              </a:rPr>
-              <a:t> </a:t>
-            </a:r>
-            <a:r>
-              <a:rPr lang="en-US" sz="2000" b="1" dirty="0">
-                <a:solidFill>
-                  <a:srgbClr val="000087"/>
-                </a:solidFill>
-                <a:latin typeface="Inconsolata Medium" panose="020B0609030003000000" pitchFamily="49" charset="77"/>
-              </a:rPr>
-              <a:t>x &lt; </a:t>
-            </a:r>
-            <a:r>
-              <a:rPr lang="en-US" sz="2000" b="1" dirty="0">
-                <a:solidFill>
-                  <a:srgbClr val="FF6600"/>
-                </a:solidFill>
-                <a:latin typeface="Inconsolata Medium" panose="020B0609030003000000" pitchFamily="49" charset="77"/>
-              </a:rPr>
-              <a:t>15</a:t>
-            </a:r>
-            <a:r>
-              <a:rPr lang="en-US" sz="2000" b="1" dirty="0">
-                <a:latin typeface="Inconsolata Medium" panose="020B0609030003000000" pitchFamily="49" charset="77"/>
-              </a:rPr>
-              <a:t>:</a:t>
-            </a:r>
-          </a:p>
-          <a:p>
-            <a:pPr marL="342900" lvl="1" indent="0">
-              <a:buNone/>
-            </a:pPr>
-            <a:r>
-              <a:rPr lang="en-US" sz="2000" b="1" dirty="0">
-                <a:latin typeface="Inconsolata Medium" panose="020B0609030003000000" pitchFamily="49" charset="77"/>
-              </a:rPr>
-              <a:t>		</a:t>
-            </a:r>
-            <a:r>
-              <a:rPr lang="en-US" sz="2000" b="1" dirty="0">
-                <a:solidFill>
-                  <a:srgbClr val="006699"/>
-                </a:solidFill>
-                <a:latin typeface="Inconsolata Medium" panose="020B0609030003000000" pitchFamily="49" charset="77"/>
-              </a:rPr>
-              <a:t>print</a:t>
-            </a:r>
-            <a:r>
-              <a:rPr lang="en-US" sz="2000" b="1" dirty="0">
-                <a:latin typeface="Inconsolata Medium" panose="020B0609030003000000" pitchFamily="49" charset="77"/>
-              </a:rPr>
-              <a:t>(</a:t>
-            </a:r>
-            <a:r>
-              <a:rPr lang="en-US" sz="2000" b="1" dirty="0">
-                <a:solidFill>
-                  <a:srgbClr val="000087"/>
-                </a:solidFill>
-                <a:latin typeface="Inconsolata Medium" panose="020B0609030003000000" pitchFamily="49" charset="77"/>
-              </a:rPr>
-              <a:t>“x is less than 15”</a:t>
-            </a:r>
-            <a:r>
-              <a:rPr lang="en-US" sz="2000" b="1" dirty="0">
-                <a:latin typeface="Inconsolata Medium" panose="020B0609030003000000" pitchFamily="49" charset="77"/>
-              </a:rPr>
-              <a:t>)</a:t>
-            </a:r>
-            <a:endParaRPr lang="en-US" sz="2000" b="1" dirty="0">
+            <a:pPr marL="0" indent="0">
+              <a:buNone/>
+            </a:pPr>
+            <a:r>
+              <a:rPr lang="en-US" b="1" dirty="0">
+                <a:latin typeface="Inconsolata Medium" panose="020B0609030003000000" pitchFamily="49" charset="77"/>
+              </a:rPr>
+              <a:t>0 1 2 3 4 5 6 7 8 9</a:t>
+            </a:r>
+            <a:br>
+              <a:rPr lang="en-US" b="1" dirty="0">
+                <a:latin typeface="Inconsolata Medium" panose="020B0609030003000000" pitchFamily="49" charset="77"/>
+              </a:rPr>
+            </a:br>
+            <a:endParaRPr lang="en-US" b="1" dirty="0">
+              <a:latin typeface="Inconsolata Medium" panose="020B0609030003000000" pitchFamily="49" charset="77"/>
+            </a:endParaRPr>
+          </a:p>
+          <a:p>
+            <a:pPr marL="0" indent="0">
+              <a:buNone/>
+            </a:pPr>
+            <a:endParaRPr lang="en-US" sz="2100" dirty="0">
               <a:solidFill>
                 <a:srgbClr val="000087"/>
               </a:solidFill>
-              <a:latin typeface="Inconsolata Medium" panose="020B0609030003000000" pitchFamily="49" charset="77"/>
-            </a:endParaRPr>
-          </a:p>
-          <a:p>
-            <a:pPr marL="0" indent="0">
-              <a:buNone/>
-            </a:pPr>
-            <a:endParaRPr lang="en-US" dirty="0">
               <a:latin typeface="Gill Sans MT" panose="020B0502020104020203" pitchFamily="34" charset="77"/>
-            </a:endParaRPr>
-          </a:p>
-          <a:p>
-            <a:pPr marL="0" indent="0">
-              <a:buNone/>
-            </a:pPr>
-            <a:r>
-              <a:rPr lang="en-US" dirty="0">
-                <a:latin typeface="Gill Sans MT" panose="020B0502020104020203" pitchFamily="34" charset="77"/>
-              </a:rPr>
-              <a:t>Note that all of the above conditions are false and thus no block is executed.</a:t>
-            </a:r>
-          </a:p>
-          <a:p>
-            <a:pPr marL="342900" lvl="1" indent="0">
-              <a:buNone/>
-            </a:pPr>
-            <a:endParaRPr lang="en-US" sz="2000" b="1" dirty="0">
-              <a:solidFill>
-                <a:srgbClr val="000087"/>
-              </a:solidFill>
-              <a:latin typeface="Inconsolata Medium" panose="020B0609030003000000" pitchFamily="49" charset="77"/>
-            </a:endParaRPr>
-          </a:p>
-          <a:p>
-            <a:pPr marL="342900" lvl="1" indent="0">
-              <a:buNone/>
-            </a:pPr>
-            <a:endParaRPr lang="en-US" sz="2000" b="1" dirty="0">
-              <a:latin typeface="Inconsolata Medium" panose="020B0609030003000000" pitchFamily="49" charset="77"/>
             </a:endParaRPr>
           </a:p>
         </p:txBody>
@@ -6615,7 +6342,7 @@
     </p:spTree>
     <p:extLst>
       <p:ext uri="{BB962C8B-B14F-4D97-AF65-F5344CB8AC3E}">
-        <p14:creationId xmlns:p14="http://schemas.microsoft.com/office/powerpoint/2010/main" val="3872931043"/>
+        <p14:creationId xmlns:p14="http://schemas.microsoft.com/office/powerpoint/2010/main" val="1136048842"/>
       </p:ext>
     </p:extLst>
   </p:cSld>
@@ -6670,13 +6397,8 @@
           <a:p>
             <a:r>
               <a:rPr lang="en-US" dirty="0"/>
-              <a:t>if-</a:t>
-            </a:r>
-            <a:r>
-              <a:rPr lang="en-US" dirty="0" err="1"/>
-              <a:t>elif</a:t>
-            </a:r>
-            <a:endParaRPr lang="en-US" dirty="0"/>
+              <a:t>continue vs. break</a:t>
+            </a:r>
           </a:p>
         </p:txBody>
       </p:sp>
@@ -6712,397 +6434,312 @@
               <a:buNone/>
             </a:pPr>
             <a:r>
-              <a:rPr lang="en-US" sz="2000" b="1" dirty="0">
+              <a:rPr lang="en-US" dirty="0">
+                <a:latin typeface="Gill Sans MT" panose="020B0502020104020203" pitchFamily="34" charset="77"/>
+              </a:rPr>
+              <a:t>The </a:t>
+            </a:r>
+            <a:r>
+              <a:rPr lang="en-US" i="1" dirty="0">
+                <a:latin typeface="Gill Sans MT" panose="020B0502020104020203" pitchFamily="34" charset="77"/>
+              </a:rPr>
+              <a:t>continue</a:t>
+            </a:r>
+            <a:r>
+              <a:rPr lang="en-US" dirty="0">
+                <a:latin typeface="Gill Sans MT" panose="020B0502020104020203" pitchFamily="34" charset="77"/>
+              </a:rPr>
+              <a:t> statement is used to skip the current iteration and move to the next iteration whereas the break statement is used to exit a for loop or a while loop.</a:t>
+            </a:r>
+          </a:p>
+          <a:p>
+            <a:pPr marL="0" indent="0">
+              <a:buNone/>
+            </a:pPr>
+            <a:endParaRPr lang="en-US" dirty="0">
+              <a:latin typeface="Gill Sans MT" panose="020B0502020104020203" pitchFamily="34" charset="77"/>
+            </a:endParaRPr>
+          </a:p>
+          <a:p>
+            <a:pPr marL="0" indent="0">
+              <a:buNone/>
+            </a:pPr>
+            <a:r>
+              <a:rPr lang="en-US" b="1" dirty="0">
                 <a:solidFill>
                   <a:srgbClr val="000087"/>
                 </a:solidFill>
                 <a:latin typeface="Inconsolata Medium" panose="020B0609030003000000" pitchFamily="49" charset="77"/>
               </a:rPr>
-              <a:t>In</a:t>
-            </a:r>
-            <a:r>
-              <a:rPr lang="en-US" sz="2000" b="1" dirty="0">
+              <a:t>In </a:t>
+            </a:r>
+            <a:r>
+              <a:rPr lang="en-US" b="1" dirty="0">
                 <a:latin typeface="Inconsolata Medium" panose="020B0609030003000000" pitchFamily="49" charset="77"/>
               </a:rPr>
               <a:t>[</a:t>
             </a:r>
             <a:r>
-              <a:rPr lang="en-US" sz="2000" b="1" dirty="0">
+              <a:rPr lang="en-US" b="1" dirty="0">
                 <a:solidFill>
                   <a:srgbClr val="FF6600"/>
                 </a:solidFill>
                 <a:latin typeface="Inconsolata Medium" panose="020B0609030003000000" pitchFamily="49" charset="77"/>
               </a:rPr>
-              <a:t>3</a:t>
-            </a:r>
-            <a:r>
-              <a:rPr lang="en-US" sz="2000" b="1" dirty="0">
-                <a:latin typeface="Inconsolata Medium" panose="020B0609030003000000" pitchFamily="49" charset="77"/>
-              </a:rPr>
-              <a:t>]: </a:t>
-            </a:r>
-            <a:r>
-              <a:rPr lang="en-US" sz="2000" b="1" dirty="0">
+              <a:t>7</a:t>
+            </a:r>
+            <a:r>
+              <a:rPr lang="en-US" b="1" dirty="0">
+                <a:latin typeface="Inconsolata Medium" panose="020B0609030003000000" pitchFamily="49" charset="77"/>
+              </a:rPr>
+              <a:t>]:  </a:t>
+            </a:r>
+            <a:r>
+              <a:rPr lang="en-US" b="1" dirty="0">
+                <a:solidFill>
+                  <a:srgbClr val="006699"/>
+                </a:solidFill>
+                <a:latin typeface="Inconsolata Medium" panose="020B0609030003000000" pitchFamily="49" charset="77"/>
+              </a:rPr>
+              <a:t>for </a:t>
+            </a:r>
+            <a:r>
+              <a:rPr lang="en-US" b="1" dirty="0">
                 <a:solidFill>
                   <a:srgbClr val="000087"/>
                 </a:solidFill>
                 <a:latin typeface="Inconsolata Medium" panose="020B0609030003000000" pitchFamily="49" charset="77"/>
               </a:rPr>
-              <a:t>x </a:t>
-            </a:r>
-            <a:r>
-              <a:rPr lang="en-US" sz="2000" b="1" dirty="0">
+              <a:t>n </a:t>
+            </a:r>
+            <a:r>
+              <a:rPr lang="en-US" b="1" dirty="0">
+                <a:latin typeface="Inconsolata Medium" panose="020B0609030003000000" pitchFamily="49" charset="77"/>
+              </a:rPr>
+              <a:t>in </a:t>
+            </a:r>
+            <a:r>
+              <a:rPr lang="en-US" b="1" dirty="0">
+                <a:solidFill>
+                  <a:srgbClr val="336666"/>
+                </a:solidFill>
+                <a:latin typeface="Inconsolata Medium" panose="020B0609030003000000" pitchFamily="49" charset="77"/>
+              </a:rPr>
+              <a:t>range</a:t>
+            </a:r>
+            <a:r>
+              <a:rPr lang="en-US" b="1" dirty="0">
+                <a:latin typeface="Inconsolata Medium" panose="020B0609030003000000" pitchFamily="49" charset="77"/>
+              </a:rPr>
+              <a:t>(</a:t>
+            </a:r>
+            <a:r>
+              <a:rPr lang="en-US" b="1" dirty="0">
+                <a:solidFill>
+                  <a:srgbClr val="FF6600"/>
+                </a:solidFill>
+                <a:latin typeface="Inconsolata Medium" panose="020B0609030003000000" pitchFamily="49" charset="77"/>
+              </a:rPr>
+              <a:t>20</a:t>
+            </a:r>
+            <a:r>
+              <a:rPr lang="en-US" b="1" dirty="0">
+                <a:latin typeface="Inconsolata Medium" panose="020B0609030003000000" pitchFamily="49" charset="77"/>
+              </a:rPr>
+              <a:t>):</a:t>
+            </a:r>
+            <a:br>
+              <a:rPr lang="en-US" b="1" dirty="0">
+                <a:latin typeface="Inconsolata Medium" panose="020B0609030003000000" pitchFamily="49" charset="77"/>
+              </a:rPr>
+            </a:br>
+            <a:r>
+              <a:rPr lang="en-US" b="1" dirty="0">
+                <a:solidFill>
+                  <a:srgbClr val="006699"/>
+                </a:solidFill>
+                <a:latin typeface="Inconsolata Medium" panose="020B0609030003000000" pitchFamily="49" charset="77"/>
+              </a:rPr>
+              <a:t>		if </a:t>
+            </a:r>
+            <a:r>
+              <a:rPr lang="en-US" b="1" dirty="0">
+                <a:solidFill>
+                  <a:srgbClr val="000087"/>
+                </a:solidFill>
+                <a:latin typeface="Inconsolata Medium" panose="020B0609030003000000" pitchFamily="49" charset="77"/>
+              </a:rPr>
+              <a:t>n </a:t>
+            </a:r>
+            <a:r>
+              <a:rPr lang="en-US" b="1" dirty="0">
                 <a:solidFill>
                   <a:srgbClr val="545454"/>
                 </a:solidFill>
                 <a:latin typeface="Inconsolata Medium" panose="020B0609030003000000" pitchFamily="49" charset="77"/>
               </a:rPr>
-              <a:t>= 1</a:t>
-            </a:r>
-            <a:r>
-              <a:rPr lang="en-US" sz="2000" b="1" dirty="0">
+              <a:t>% </a:t>
+            </a:r>
+            <a:r>
+              <a:rPr lang="en-US" b="1" dirty="0">
                 <a:solidFill>
                   <a:srgbClr val="FF6600"/>
                 </a:solidFill>
                 <a:latin typeface="Inconsolata Medium" panose="020B0609030003000000" pitchFamily="49" charset="77"/>
               </a:rPr>
-              <a:t> </a:t>
-            </a:r>
-            <a:endParaRPr lang="en-US" sz="2000" b="1" dirty="0">
+              <a:t>2 </a:t>
+            </a:r>
+            <a:r>
+              <a:rPr lang="en-US" b="1" dirty="0">
+                <a:solidFill>
+                  <a:srgbClr val="545454"/>
+                </a:solidFill>
+                <a:latin typeface="Inconsolata Medium" panose="020B0609030003000000" pitchFamily="49" charset="77"/>
+              </a:rPr>
+              <a:t>== </a:t>
+            </a:r>
+            <a:r>
+              <a:rPr lang="en-US" b="1" dirty="0">
+                <a:solidFill>
+                  <a:srgbClr val="FF6600"/>
+                </a:solidFill>
+                <a:latin typeface="Inconsolata Medium" panose="020B0609030003000000" pitchFamily="49" charset="77"/>
+              </a:rPr>
+              <a:t>0</a:t>
+            </a:r>
+            <a:r>
+              <a:rPr lang="en-US" b="1" dirty="0">
+                <a:latin typeface="Inconsolata Medium" panose="020B0609030003000000" pitchFamily="49" charset="77"/>
+              </a:rPr>
+              <a:t>: </a:t>
+            </a:r>
+          </a:p>
+          <a:p>
+            <a:pPr marL="0" indent="0">
+              <a:buNone/>
+            </a:pPr>
+            <a:r>
+              <a:rPr lang="en-US" b="1" dirty="0">
+                <a:solidFill>
+                  <a:srgbClr val="006699"/>
+                </a:solidFill>
+                <a:latin typeface="Inconsolata Medium" panose="020B0609030003000000" pitchFamily="49" charset="77"/>
+              </a:rPr>
+              <a:t>			continue </a:t>
+            </a:r>
+            <a:endParaRPr lang="en-US" b="1" dirty="0">
               <a:latin typeface="Inconsolata Medium" panose="020B0609030003000000" pitchFamily="49" charset="77"/>
             </a:endParaRPr>
           </a:p>
           <a:p>
-            <a:pPr marL="342900" lvl="1" indent="0">
-              <a:buNone/>
-            </a:pPr>
-            <a:r>
-              <a:rPr lang="en-US" sz="2000" b="1" dirty="0">
+            <a:pPr marL="0" indent="0">
+              <a:buNone/>
+            </a:pPr>
+            <a:r>
+              <a:rPr lang="en-US" b="1" dirty="0">
                 <a:solidFill>
                   <a:srgbClr val="006699"/>
                 </a:solidFill>
                 <a:latin typeface="Inconsolata Medium" panose="020B0609030003000000" pitchFamily="49" charset="77"/>
               </a:rPr>
-              <a:t>	  if </a:t>
-            </a:r>
-            <a:r>
-              <a:rPr lang="en-US" sz="2000" b="1" dirty="0">
+              <a:t>		print</a:t>
+            </a:r>
+            <a:r>
+              <a:rPr lang="en-US" b="1" dirty="0">
+                <a:latin typeface="Inconsolata Medium" panose="020B0609030003000000" pitchFamily="49" charset="77"/>
+              </a:rPr>
+              <a:t>(</a:t>
+            </a:r>
+            <a:r>
+              <a:rPr lang="en-US" b="1" dirty="0">
                 <a:solidFill>
                   <a:srgbClr val="000087"/>
                 </a:solidFill>
                 <a:latin typeface="Inconsolata Medium" panose="020B0609030003000000" pitchFamily="49" charset="77"/>
               </a:rPr>
-              <a:t>x &lt; </a:t>
-            </a:r>
-            <a:r>
-              <a:rPr lang="en-US" sz="2000" b="1" dirty="0">
-                <a:solidFill>
-                  <a:srgbClr val="FF6600"/>
-                </a:solidFill>
-                <a:latin typeface="Inconsolata Medium" panose="020B0609030003000000" pitchFamily="49" charset="77"/>
-              </a:rPr>
-              <a:t>5</a:t>
-            </a:r>
-            <a:r>
-              <a:rPr lang="en-US" sz="2000" b="1" dirty="0">
-                <a:latin typeface="Inconsolata Medium" panose="020B0609030003000000" pitchFamily="49" charset="77"/>
-              </a:rPr>
-              <a:t>:</a:t>
-            </a:r>
-          </a:p>
-          <a:p>
-            <a:pPr marL="342900" lvl="1" indent="0">
-              <a:buNone/>
-            </a:pPr>
-            <a:r>
-              <a:rPr lang="en-US" sz="2000" b="1" dirty="0">
-                <a:latin typeface="Inconsolata Medium" panose="020B0609030003000000" pitchFamily="49" charset="77"/>
-              </a:rPr>
-              <a:t>		</a:t>
-            </a:r>
-            <a:r>
-              <a:rPr lang="en-US" sz="2000" b="1" dirty="0">
-                <a:solidFill>
-                  <a:srgbClr val="006699"/>
-                </a:solidFill>
-                <a:latin typeface="Inconsolata Medium" panose="020B0609030003000000" pitchFamily="49" charset="77"/>
-              </a:rPr>
-              <a:t>print</a:t>
-            </a:r>
-            <a:r>
-              <a:rPr lang="en-US" sz="2000" b="1" dirty="0">
-                <a:latin typeface="Inconsolata Medium" panose="020B0609030003000000" pitchFamily="49" charset="77"/>
-              </a:rPr>
-              <a:t>(</a:t>
-            </a:r>
-            <a:r>
-              <a:rPr lang="en-US" sz="2000" b="1" dirty="0">
+              <a:t>n</a:t>
+            </a:r>
+            <a:r>
+              <a:rPr lang="en-US" b="1" dirty="0">
+                <a:latin typeface="Inconsolata Medium" panose="020B0609030003000000" pitchFamily="49" charset="77"/>
+              </a:rPr>
+              <a:t>, </a:t>
+            </a:r>
+            <a:r>
+              <a:rPr lang="en-US" b="1" dirty="0">
                 <a:solidFill>
                   <a:srgbClr val="000087"/>
                 </a:solidFill>
                 <a:latin typeface="Inconsolata Medium" panose="020B0609030003000000" pitchFamily="49" charset="77"/>
               </a:rPr>
-              <a:t>“x is less than 5”</a:t>
-            </a:r>
-            <a:r>
-              <a:rPr lang="en-US" sz="2000" b="1" dirty="0">
-                <a:latin typeface="Inconsolata Medium" panose="020B0609030003000000" pitchFamily="49" charset="77"/>
-              </a:rPr>
-              <a:t>)</a:t>
-            </a:r>
-          </a:p>
-          <a:p>
-            <a:pPr marL="342900" lvl="1" indent="0">
-              <a:buNone/>
-            </a:pPr>
-            <a:r>
-              <a:rPr lang="en-US" sz="2000" b="1" dirty="0">
-                <a:latin typeface="Inconsolata Medium" panose="020B0609030003000000" pitchFamily="49" charset="77"/>
-              </a:rPr>
-              <a:t>	  </a:t>
-            </a:r>
-            <a:r>
-              <a:rPr lang="en-US" sz="2000" b="1" dirty="0" err="1">
-                <a:solidFill>
-                  <a:srgbClr val="006699"/>
-                </a:solidFill>
-                <a:latin typeface="Inconsolata Medium" panose="020B0609030003000000" pitchFamily="49" charset="77"/>
-              </a:rPr>
-              <a:t>elif</a:t>
-            </a:r>
-            <a:r>
-              <a:rPr lang="en-US" sz="2000" b="1" dirty="0">
-                <a:solidFill>
-                  <a:srgbClr val="006699"/>
-                </a:solidFill>
-                <a:latin typeface="Inconsolata Medium" panose="020B0609030003000000" pitchFamily="49" charset="77"/>
-              </a:rPr>
-              <a:t> </a:t>
-            </a:r>
-            <a:r>
-              <a:rPr lang="en-US" sz="2000" b="1" dirty="0">
-                <a:solidFill>
-                  <a:srgbClr val="000087"/>
-                </a:solidFill>
-                <a:latin typeface="Inconsolata Medium" panose="020B0609030003000000" pitchFamily="49" charset="77"/>
-              </a:rPr>
-              <a:t>x &lt; </a:t>
-            </a:r>
-            <a:r>
-              <a:rPr lang="en-US" sz="2000" b="1" dirty="0">
-                <a:solidFill>
-                  <a:srgbClr val="FF6600"/>
-                </a:solidFill>
-                <a:latin typeface="Inconsolata Medium" panose="020B0609030003000000" pitchFamily="49" charset="77"/>
-              </a:rPr>
-              <a:t>10</a:t>
-            </a:r>
-            <a:r>
-              <a:rPr lang="en-US" sz="2000" b="1" dirty="0">
-                <a:latin typeface="Inconsolata Medium" panose="020B0609030003000000" pitchFamily="49" charset="77"/>
-              </a:rPr>
-              <a:t>:</a:t>
-            </a:r>
-          </a:p>
-          <a:p>
-            <a:pPr marL="342900" lvl="1" indent="0">
-              <a:buNone/>
-            </a:pPr>
-            <a:r>
-              <a:rPr lang="en-US" sz="2000" b="1" dirty="0">
-                <a:latin typeface="Inconsolata Medium" panose="020B0609030003000000" pitchFamily="49" charset="77"/>
-              </a:rPr>
-              <a:t>		</a:t>
-            </a:r>
-            <a:r>
-              <a:rPr lang="en-US" sz="2000" b="1" dirty="0">
-                <a:solidFill>
-                  <a:srgbClr val="006699"/>
-                </a:solidFill>
-                <a:latin typeface="Inconsolata Medium" panose="020B0609030003000000" pitchFamily="49" charset="77"/>
-              </a:rPr>
-              <a:t>print</a:t>
-            </a:r>
-            <a:r>
-              <a:rPr lang="en-US" sz="2000" b="1" dirty="0">
-                <a:latin typeface="Inconsolata Medium" panose="020B0609030003000000" pitchFamily="49" charset="77"/>
-              </a:rPr>
-              <a:t>(</a:t>
-            </a:r>
-            <a:r>
-              <a:rPr lang="en-US" sz="2000" b="1" dirty="0">
-                <a:solidFill>
-                  <a:srgbClr val="000087"/>
-                </a:solidFill>
-                <a:latin typeface="Inconsolata Medium" panose="020B0609030003000000" pitchFamily="49" charset="77"/>
-              </a:rPr>
-              <a:t>“x is less than 10”</a:t>
-            </a:r>
-            <a:r>
-              <a:rPr lang="en-US" sz="2000" b="1" dirty="0">
-                <a:latin typeface="Inconsolata Medium" panose="020B0609030003000000" pitchFamily="49" charset="77"/>
-              </a:rPr>
-              <a:t>)</a:t>
-            </a:r>
-          </a:p>
-          <a:p>
-            <a:pPr marL="342900" lvl="1" indent="0">
-              <a:buNone/>
-            </a:pPr>
-            <a:r>
-              <a:rPr lang="en-US" sz="2000" b="1" dirty="0">
-                <a:solidFill>
-                  <a:srgbClr val="000087"/>
-                </a:solidFill>
-                <a:latin typeface="Inconsolata Medium" panose="020B0609030003000000" pitchFamily="49" charset="77"/>
-              </a:rPr>
-              <a:t>	  </a:t>
-            </a:r>
-            <a:r>
-              <a:rPr lang="en-US" sz="2000" b="1" dirty="0" err="1">
-                <a:solidFill>
-                  <a:srgbClr val="006699"/>
-                </a:solidFill>
-                <a:latin typeface="Inconsolata Medium" panose="020B0609030003000000" pitchFamily="49" charset="77"/>
-              </a:rPr>
-              <a:t>elif</a:t>
-            </a:r>
-            <a:r>
-              <a:rPr lang="en-US" sz="2000" b="1" dirty="0">
-                <a:solidFill>
-                  <a:srgbClr val="006699"/>
-                </a:solidFill>
-                <a:latin typeface="Inconsolata Medium" panose="020B0609030003000000" pitchFamily="49" charset="77"/>
-              </a:rPr>
-              <a:t> </a:t>
-            </a:r>
-            <a:r>
-              <a:rPr lang="en-US" sz="2000" b="1" dirty="0">
-                <a:solidFill>
-                  <a:srgbClr val="000087"/>
-                </a:solidFill>
-                <a:latin typeface="Inconsolata Medium" panose="020B0609030003000000" pitchFamily="49" charset="77"/>
-              </a:rPr>
-              <a:t>x &lt; </a:t>
-            </a:r>
-            <a:r>
-              <a:rPr lang="en-US" sz="2000" b="1" dirty="0">
-                <a:solidFill>
-                  <a:srgbClr val="FF6600"/>
-                </a:solidFill>
-                <a:latin typeface="Inconsolata Medium" panose="020B0609030003000000" pitchFamily="49" charset="77"/>
-              </a:rPr>
-              <a:t>15</a:t>
-            </a:r>
-            <a:r>
-              <a:rPr lang="en-US" sz="2000" b="1" dirty="0">
-                <a:latin typeface="Inconsolata Medium" panose="020B0609030003000000" pitchFamily="49" charset="77"/>
-              </a:rPr>
-              <a:t>:</a:t>
-            </a:r>
-          </a:p>
-          <a:p>
-            <a:pPr marL="342900" lvl="1" indent="0">
-              <a:buNone/>
-            </a:pPr>
-            <a:r>
-              <a:rPr lang="en-US" sz="2000" b="1" dirty="0">
-                <a:latin typeface="Inconsolata Medium" panose="020B0609030003000000" pitchFamily="49" charset="77"/>
-              </a:rPr>
-              <a:t>		</a:t>
-            </a:r>
-            <a:r>
-              <a:rPr lang="en-US" sz="2000" b="1" dirty="0">
-                <a:solidFill>
-                  <a:srgbClr val="006699"/>
-                </a:solidFill>
-                <a:latin typeface="Inconsolata Medium" panose="020B0609030003000000" pitchFamily="49" charset="77"/>
-              </a:rPr>
-              <a:t>print</a:t>
-            </a:r>
-            <a:r>
-              <a:rPr lang="en-US" sz="2000" b="1" dirty="0">
-                <a:latin typeface="Inconsolata Medium" panose="020B0609030003000000" pitchFamily="49" charset="77"/>
-              </a:rPr>
-              <a:t>(</a:t>
-            </a:r>
-            <a:r>
-              <a:rPr lang="en-US" sz="2000" b="1" dirty="0">
-                <a:solidFill>
-                  <a:srgbClr val="000087"/>
-                </a:solidFill>
-                <a:latin typeface="Inconsolata Medium" panose="020B0609030003000000" pitchFamily="49" charset="77"/>
-              </a:rPr>
-              <a:t>“x is less than 15”</a:t>
-            </a:r>
-            <a:r>
-              <a:rPr lang="en-US" sz="2000" b="1" dirty="0">
-                <a:latin typeface="Inconsolata Medium" panose="020B0609030003000000" pitchFamily="49" charset="77"/>
-              </a:rPr>
-              <a:t>)</a:t>
-            </a:r>
-          </a:p>
-          <a:p>
-            <a:pPr marL="342900" lvl="1" indent="0">
-              <a:buNone/>
-            </a:pPr>
-            <a:endParaRPr lang="en-US" sz="2000" dirty="0">
-              <a:latin typeface="UbuntuMono"/>
+              <a:t>end</a:t>
+            </a:r>
+            <a:r>
+              <a:rPr lang="en-US" b="1" dirty="0">
+                <a:solidFill>
+                  <a:srgbClr val="545454"/>
+                </a:solidFill>
+                <a:latin typeface="Inconsolata Medium" panose="020B0609030003000000" pitchFamily="49" charset="77"/>
+              </a:rPr>
+              <a:t>=</a:t>
+            </a:r>
+            <a:r>
+              <a:rPr lang="en-US" b="1" dirty="0">
+                <a:solidFill>
+                  <a:srgbClr val="CC3300"/>
+                </a:solidFill>
+                <a:latin typeface="Inconsolata Medium" panose="020B0609030003000000" pitchFamily="49" charset="77"/>
+              </a:rPr>
+              <a:t>‘ ’</a:t>
+            </a:r>
+            <a:r>
+              <a:rPr lang="en-US" b="1" dirty="0">
+                <a:latin typeface="Inconsolata Medium" panose="020B0609030003000000" pitchFamily="49" charset="77"/>
+              </a:rPr>
+              <a:t>) </a:t>
+            </a:r>
+          </a:p>
+          <a:p>
+            <a:pPr marL="0" indent="0">
+              <a:buNone/>
+            </a:pPr>
+            <a:endParaRPr lang="en-US" b="1" dirty="0">
+              <a:latin typeface="Inconsolata Medium" panose="020B0609030003000000" pitchFamily="49" charset="77"/>
             </a:endParaRPr>
           </a:p>
           <a:p>
-            <a:pPr marL="342900" lvl="1" indent="0">
-              <a:buNone/>
-            </a:pPr>
-            <a:r>
-              <a:rPr lang="en-US" sz="2000" dirty="0">
-                <a:latin typeface="UbuntuMono"/>
-              </a:rPr>
-              <a:t>x is less than 5</a:t>
-            </a:r>
-          </a:p>
-          <a:p>
-            <a:pPr marL="342900" lvl="1" indent="0">
-              <a:buNone/>
-            </a:pPr>
-            <a:r>
-              <a:rPr lang="en-US" sz="2000" dirty="0">
-                <a:latin typeface="UbuntuMono"/>
-              </a:rPr>
-              <a:t>x is less than 10</a:t>
-            </a:r>
-          </a:p>
-          <a:p>
-            <a:pPr marL="342900" lvl="1" indent="0">
-              <a:buNone/>
-            </a:pPr>
-            <a:r>
-              <a:rPr lang="en-US" sz="2000" dirty="0">
-                <a:latin typeface="UbuntuMono"/>
-              </a:rPr>
-              <a:t>x is less than 15</a:t>
-            </a:r>
-          </a:p>
-          <a:p>
-            <a:pPr marL="342900" lvl="1" indent="0">
-              <a:buNone/>
-            </a:pPr>
-            <a:endParaRPr lang="en-US" sz="2000" b="1" dirty="0">
+            <a:pPr marL="0" indent="0">
+              <a:buNone/>
+            </a:pPr>
+            <a:r>
+              <a:rPr lang="en-US" b="1" dirty="0">
+                <a:latin typeface="Inconsolata Medium" panose="020B0609030003000000" pitchFamily="49" charset="77"/>
+              </a:rPr>
+              <a:t>1 3 5 7 9 11 13 15 17 19 </a:t>
+            </a:r>
+          </a:p>
+          <a:p>
+            <a:pPr marL="0" indent="0">
+              <a:buNone/>
+            </a:pPr>
+            <a:br>
+              <a:rPr lang="en-US" b="1" dirty="0">
+                <a:latin typeface="Inconsolata Medium" panose="020B0609030003000000" pitchFamily="49" charset="77"/>
+              </a:rPr>
+            </a:br>
+            <a:endParaRPr lang="en-US" b="1" dirty="0">
+              <a:latin typeface="Inconsolata Medium" panose="020B0609030003000000" pitchFamily="49" charset="77"/>
+            </a:endParaRPr>
+          </a:p>
+          <a:p>
+            <a:pPr marL="0" indent="0">
+              <a:buNone/>
+            </a:pPr>
+            <a:endParaRPr lang="en-US" sz="2100" dirty="0">
               <a:solidFill>
                 <a:srgbClr val="000087"/>
               </a:solidFill>
-              <a:latin typeface="Inconsolata Medium" panose="020B0609030003000000" pitchFamily="49" charset="77"/>
-            </a:endParaRPr>
-          </a:p>
-          <a:p>
-            <a:pPr marL="342900" lvl="1" indent="0">
-              <a:buNone/>
-            </a:pPr>
-            <a:endParaRPr lang="en-US" sz="2000" b="1" dirty="0">
-              <a:solidFill>
-                <a:srgbClr val="000087"/>
-              </a:solidFill>
-              <a:latin typeface="Inconsolata Medium" panose="020B0609030003000000" pitchFamily="49" charset="77"/>
+              <a:latin typeface="Gill Sans MT" panose="020B0502020104020203" pitchFamily="34" charset="77"/>
             </a:endParaRPr>
           </a:p>
         </p:txBody>
@@ -7110,7 +6747,7 @@
     </p:spTree>
     <p:extLst>
       <p:ext uri="{BB962C8B-B14F-4D97-AF65-F5344CB8AC3E}">
-        <p14:creationId xmlns:p14="http://schemas.microsoft.com/office/powerpoint/2010/main" val="3525539036"/>
+        <p14:creationId xmlns:p14="http://schemas.microsoft.com/office/powerpoint/2010/main" val="1258455770"/>
       </p:ext>
     </p:extLst>
   </p:cSld>
@@ -7165,15 +6802,7 @@
           <a:p>
             <a:r>
               <a:rPr lang="en-US" dirty="0"/>
-              <a:t>if-</a:t>
-            </a:r>
-            <a:r>
-              <a:rPr lang="en-US" dirty="0" err="1"/>
-              <a:t>elif</a:t>
-            </a:r>
-            <a:r>
-              <a:rPr lang="en-US" dirty="0"/>
-              <a:t>-else</a:t>
+              <a:t>continue vs. break</a:t>
             </a:r>
           </a:p>
         </p:txBody>
@@ -7196,8 +6825,8 @@
         </p:nvSpPr>
         <p:spPr>
           <a:xfrm>
-            <a:off x="483848" y="1288073"/>
-            <a:ext cx="8051725" cy="4292919"/>
+            <a:off x="483848" y="1019503"/>
+            <a:ext cx="8051725" cy="4561489"/>
           </a:xfrm>
         </p:spPr>
         <p:txBody>
@@ -7210,371 +6839,548 @@
               <a:buNone/>
             </a:pPr>
             <a:r>
-              <a:rPr lang="en-US" dirty="0">
-                <a:latin typeface="Gill Sans MT" panose="020B0502020104020203" pitchFamily="34" charset="77"/>
-              </a:rPr>
-              <a:t>An `if` statement followed by a sequence of `</a:t>
-            </a:r>
-            <a:r>
-              <a:rPr lang="en-US" dirty="0" err="1">
-                <a:latin typeface="Gill Sans MT" panose="020B0502020104020203" pitchFamily="34" charset="77"/>
-              </a:rPr>
-              <a:t>elif</a:t>
-            </a:r>
-            <a:r>
-              <a:rPr lang="en-US" dirty="0">
-                <a:latin typeface="Gill Sans MT" panose="020B0502020104020203" pitchFamily="34" charset="77"/>
-              </a:rPr>
-              <a:t>` statements and ending in an `else` statement will execute the first block whose condition evaluates to `True`. If all conditions evaluate to `False`, it will execute the default `else` block.</a:t>
-            </a:r>
-          </a:p>
-          <a:p>
-            <a:pPr marL="0" indent="0">
-              <a:buNone/>
-            </a:pPr>
-            <a:endParaRPr lang="en-US" sz="2000" b="1" dirty="0">
+              <a:rPr lang="en-US" b="1" dirty="0">
+                <a:solidFill>
+                  <a:srgbClr val="000087"/>
+                </a:solidFill>
+                <a:latin typeface="Inconsolata Medium" panose="020B0609030003000000" pitchFamily="49" charset="77"/>
+              </a:rPr>
+              <a:t>In</a:t>
+            </a:r>
+            <a:r>
+              <a:rPr lang="en-US" b="1" dirty="0">
+                <a:latin typeface="Inconsolata Medium" panose="020B0609030003000000" pitchFamily="49" charset="77"/>
+              </a:rPr>
+              <a:t>[</a:t>
+            </a:r>
+            <a:r>
+              <a:rPr lang="en-US" b="1" dirty="0">
+                <a:solidFill>
+                  <a:srgbClr val="FF6600"/>
+                </a:solidFill>
+                <a:latin typeface="Inconsolata Medium" panose="020B0609030003000000" pitchFamily="49" charset="77"/>
+              </a:rPr>
+              <a:t>8</a:t>
+            </a:r>
+            <a:r>
+              <a:rPr lang="en-US" b="1" dirty="0">
+                <a:latin typeface="Inconsolata Medium" panose="020B0609030003000000" pitchFamily="49" charset="77"/>
+              </a:rPr>
+              <a:t>]: </a:t>
+            </a:r>
+            <a:r>
+              <a:rPr lang="en-US" b="1" dirty="0" err="1">
+                <a:solidFill>
+                  <a:srgbClr val="000087"/>
+                </a:solidFill>
+                <a:latin typeface="Inconsolata Medium" panose="020B0609030003000000" pitchFamily="49" charset="77"/>
+              </a:rPr>
+              <a:t>a</a:t>
+            </a:r>
+            <a:r>
+              <a:rPr lang="en-US" b="1" dirty="0" err="1">
+                <a:latin typeface="Inconsolata Medium" panose="020B0609030003000000" pitchFamily="49" charset="77"/>
+              </a:rPr>
+              <a:t>,</a:t>
+            </a:r>
+            <a:r>
+              <a:rPr lang="en-US" b="1" dirty="0" err="1">
+                <a:solidFill>
+                  <a:srgbClr val="000087"/>
+                </a:solidFill>
+                <a:latin typeface="Inconsolata Medium" panose="020B0609030003000000" pitchFamily="49" charset="77"/>
+              </a:rPr>
+              <a:t>b</a:t>
+            </a:r>
+            <a:r>
+              <a:rPr lang="en-US" b="1" dirty="0">
+                <a:solidFill>
+                  <a:srgbClr val="000087"/>
+                </a:solidFill>
+                <a:latin typeface="Inconsolata Medium" panose="020B0609030003000000" pitchFamily="49" charset="77"/>
+              </a:rPr>
+              <a:t> </a:t>
+            </a:r>
+            <a:r>
+              <a:rPr lang="en-US" b="1" dirty="0">
+                <a:solidFill>
+                  <a:srgbClr val="545454"/>
+                </a:solidFill>
+                <a:latin typeface="Inconsolata Medium" panose="020B0609030003000000" pitchFamily="49" charset="77"/>
+              </a:rPr>
+              <a:t>= </a:t>
+            </a:r>
+            <a:r>
+              <a:rPr lang="en-US" b="1" dirty="0">
+                <a:solidFill>
+                  <a:srgbClr val="FF6600"/>
+                </a:solidFill>
+                <a:latin typeface="Inconsolata Medium" panose="020B0609030003000000" pitchFamily="49" charset="77"/>
+              </a:rPr>
+              <a:t>0</a:t>
+            </a:r>
+            <a:r>
+              <a:rPr lang="en-US" b="1" dirty="0">
+                <a:latin typeface="Inconsolata Medium" panose="020B0609030003000000" pitchFamily="49" charset="77"/>
+              </a:rPr>
+              <a:t>,</a:t>
+            </a:r>
+            <a:r>
+              <a:rPr lang="en-US" b="1" dirty="0">
+                <a:solidFill>
+                  <a:srgbClr val="FF6600"/>
+                </a:solidFill>
+                <a:latin typeface="Inconsolata Medium" panose="020B0609030003000000" pitchFamily="49" charset="77"/>
+              </a:rPr>
+              <a:t>1 </a:t>
+            </a:r>
+          </a:p>
+          <a:p>
+            <a:pPr marL="0" indent="0">
+              <a:buNone/>
+            </a:pPr>
+            <a:r>
+              <a:rPr lang="en-US" b="1" dirty="0">
+                <a:solidFill>
+                  <a:srgbClr val="FF6600"/>
+                </a:solidFill>
+                <a:latin typeface="Inconsolata Medium" panose="020B0609030003000000" pitchFamily="49" charset="77"/>
+              </a:rPr>
+              <a:t>	  </a:t>
+            </a:r>
+            <a:r>
+              <a:rPr lang="en-US" b="1" dirty="0" err="1">
+                <a:solidFill>
+                  <a:srgbClr val="000087"/>
+                </a:solidFill>
+                <a:latin typeface="Inconsolata Medium" panose="020B0609030003000000" pitchFamily="49" charset="77"/>
+              </a:rPr>
+              <a:t>amax</a:t>
+            </a:r>
+            <a:r>
+              <a:rPr lang="en-US" b="1" dirty="0">
+                <a:solidFill>
+                  <a:srgbClr val="000087"/>
+                </a:solidFill>
+                <a:latin typeface="Inconsolata Medium" panose="020B0609030003000000" pitchFamily="49" charset="77"/>
+              </a:rPr>
+              <a:t> </a:t>
+            </a:r>
+            <a:r>
+              <a:rPr lang="en-US" b="1" dirty="0">
+                <a:solidFill>
+                  <a:srgbClr val="545454"/>
+                </a:solidFill>
+                <a:latin typeface="Inconsolata Medium" panose="020B0609030003000000" pitchFamily="49" charset="77"/>
+              </a:rPr>
+              <a:t>= </a:t>
+            </a:r>
+            <a:r>
+              <a:rPr lang="en-US" b="1" dirty="0">
+                <a:solidFill>
+                  <a:srgbClr val="FF6600"/>
+                </a:solidFill>
+                <a:latin typeface="Inconsolata Medium" panose="020B0609030003000000" pitchFamily="49" charset="77"/>
+              </a:rPr>
+              <a:t>100 </a:t>
+            </a:r>
+            <a:endParaRPr lang="en-US" b="1" dirty="0">
+              <a:latin typeface="Inconsolata Medium" panose="020B0609030003000000" pitchFamily="49" charset="77"/>
+            </a:endParaRPr>
+          </a:p>
+          <a:p>
+            <a:pPr marL="0" indent="0">
+              <a:buNone/>
+            </a:pPr>
+            <a:r>
+              <a:rPr lang="en-US" b="1" dirty="0">
+                <a:solidFill>
+                  <a:srgbClr val="000087"/>
+                </a:solidFill>
+                <a:latin typeface="Inconsolata Medium" panose="020B0609030003000000" pitchFamily="49" charset="77"/>
+              </a:rPr>
+              <a:t>	  L</a:t>
+            </a:r>
+            <a:r>
+              <a:rPr lang="en-US" b="1" dirty="0">
+                <a:solidFill>
+                  <a:srgbClr val="545454"/>
+                </a:solidFill>
+                <a:latin typeface="Inconsolata Medium" panose="020B0609030003000000" pitchFamily="49" charset="77"/>
+              </a:rPr>
+              <a:t>=</a:t>
+            </a:r>
+            <a:r>
+              <a:rPr lang="en-US" b="1" dirty="0">
+                <a:latin typeface="Inconsolata Medium" panose="020B0609030003000000" pitchFamily="49" charset="77"/>
+              </a:rPr>
+              <a:t>[] </a:t>
+            </a:r>
+          </a:p>
+          <a:p>
+            <a:pPr marL="0" indent="0">
+              <a:buNone/>
+            </a:pPr>
+            <a:r>
+              <a:rPr lang="en-US" b="1" dirty="0">
+                <a:solidFill>
+                  <a:srgbClr val="006699"/>
+                </a:solidFill>
+                <a:latin typeface="Inconsolata Medium" panose="020B0609030003000000" pitchFamily="49" charset="77"/>
+              </a:rPr>
+              <a:t>	  while </a:t>
+            </a:r>
+            <a:r>
+              <a:rPr lang="en-US" b="1" dirty="0">
+                <a:solidFill>
+                  <a:srgbClr val="336666"/>
+                </a:solidFill>
+                <a:latin typeface="Inconsolata Medium" panose="020B0609030003000000" pitchFamily="49" charset="77"/>
+              </a:rPr>
+              <a:t>True</a:t>
+            </a:r>
+            <a:r>
+              <a:rPr lang="en-US" b="1" dirty="0">
+                <a:latin typeface="Inconsolata Medium" panose="020B0609030003000000" pitchFamily="49" charset="77"/>
+              </a:rPr>
+              <a:t>: </a:t>
+            </a:r>
+          </a:p>
+          <a:p>
+            <a:pPr marL="0" indent="0">
+              <a:buNone/>
+            </a:pPr>
+            <a:r>
+              <a:rPr lang="en-US" b="1" dirty="0">
+                <a:latin typeface="Inconsolata Medium" panose="020B0609030003000000" pitchFamily="49" charset="77"/>
+              </a:rPr>
+              <a:t>		</a:t>
+            </a:r>
+            <a:r>
+              <a:rPr lang="en-US" b="1" dirty="0">
+                <a:solidFill>
+                  <a:srgbClr val="000087"/>
+                </a:solidFill>
+                <a:latin typeface="Inconsolata Medium" panose="020B0609030003000000" pitchFamily="49" charset="77"/>
+              </a:rPr>
+              <a:t>a </a:t>
+            </a:r>
+            <a:r>
+              <a:rPr lang="en-US" b="1" dirty="0">
+                <a:solidFill>
+                  <a:srgbClr val="545454"/>
+                </a:solidFill>
+                <a:latin typeface="Inconsolata Medium" panose="020B0609030003000000" pitchFamily="49" charset="77"/>
+              </a:rPr>
+              <a:t>= </a:t>
+            </a:r>
+            <a:r>
+              <a:rPr lang="en-US" b="1" dirty="0">
+                <a:solidFill>
+                  <a:srgbClr val="000087"/>
+                </a:solidFill>
+                <a:latin typeface="Inconsolata Medium" panose="020B0609030003000000" pitchFamily="49" charset="77"/>
+              </a:rPr>
+              <a:t>b</a:t>
+            </a:r>
+            <a:endParaRPr lang="en-US" b="1" dirty="0">
+              <a:latin typeface="Inconsolata Medium" panose="020B0609030003000000" pitchFamily="49" charset="77"/>
+            </a:endParaRPr>
+          </a:p>
+          <a:p>
+            <a:pPr marL="0" indent="0">
+              <a:buNone/>
+            </a:pPr>
+            <a:r>
+              <a:rPr lang="en-US" b="1" dirty="0">
+                <a:solidFill>
+                  <a:srgbClr val="000087"/>
+                </a:solidFill>
+                <a:latin typeface="Inconsolata Medium" panose="020B0609030003000000" pitchFamily="49" charset="77"/>
+              </a:rPr>
+              <a:t>		b = a </a:t>
+            </a:r>
+            <a:r>
+              <a:rPr lang="en-US" b="1" dirty="0">
+                <a:solidFill>
+                  <a:srgbClr val="545454"/>
+                </a:solidFill>
+                <a:latin typeface="Inconsolata Medium" panose="020B0609030003000000" pitchFamily="49" charset="77"/>
+              </a:rPr>
+              <a:t>+ </a:t>
+            </a:r>
+            <a:r>
+              <a:rPr lang="en-US" b="1" dirty="0">
+                <a:solidFill>
+                  <a:srgbClr val="000087"/>
+                </a:solidFill>
+                <a:latin typeface="Inconsolata Medium" panose="020B0609030003000000" pitchFamily="49" charset="77"/>
+              </a:rPr>
+              <a:t>b</a:t>
+            </a:r>
+            <a:r>
+              <a:rPr lang="en-US" b="1" dirty="0">
+                <a:latin typeface="Inconsolata Medium" panose="020B0609030003000000" pitchFamily="49" charset="77"/>
+              </a:rPr>
+              <a:t> </a:t>
+            </a:r>
+          </a:p>
+          <a:p>
+            <a:pPr marL="0" indent="0">
+              <a:buNone/>
+            </a:pPr>
+            <a:r>
+              <a:rPr lang="en-US" b="1" dirty="0">
+                <a:solidFill>
+                  <a:srgbClr val="006699"/>
+                </a:solidFill>
+                <a:latin typeface="Inconsolata Medium" panose="020B0609030003000000" pitchFamily="49" charset="77"/>
+              </a:rPr>
+              <a:t>		if </a:t>
+            </a:r>
+            <a:r>
+              <a:rPr lang="en-US" b="1" dirty="0">
+                <a:solidFill>
+                  <a:srgbClr val="000087"/>
+                </a:solidFill>
+                <a:latin typeface="Inconsolata Medium" panose="020B0609030003000000" pitchFamily="49" charset="77"/>
+              </a:rPr>
+              <a:t>a </a:t>
+            </a:r>
+            <a:r>
+              <a:rPr lang="en-US" b="1" dirty="0">
+                <a:solidFill>
+                  <a:srgbClr val="545454"/>
+                </a:solidFill>
+                <a:latin typeface="Inconsolata Medium" panose="020B0609030003000000" pitchFamily="49" charset="77"/>
+              </a:rPr>
+              <a:t>&gt; </a:t>
+            </a:r>
+            <a:r>
+              <a:rPr lang="en-US" b="1" dirty="0" err="1">
+                <a:solidFill>
+                  <a:srgbClr val="000087"/>
+                </a:solidFill>
+                <a:latin typeface="Inconsolata Medium" panose="020B0609030003000000" pitchFamily="49" charset="77"/>
+              </a:rPr>
+              <a:t>amax</a:t>
+            </a:r>
+            <a:r>
+              <a:rPr lang="en-US" b="1" dirty="0">
+                <a:latin typeface="Inconsolata Medium" panose="020B0609030003000000" pitchFamily="49" charset="77"/>
+              </a:rPr>
+              <a:t>: </a:t>
+            </a:r>
+          </a:p>
+          <a:p>
+            <a:pPr marL="0" indent="0">
+              <a:buNone/>
+            </a:pPr>
+            <a:r>
+              <a:rPr lang="en-US" b="1" dirty="0">
+                <a:solidFill>
+                  <a:srgbClr val="006699"/>
+                </a:solidFill>
+                <a:latin typeface="Inconsolata Medium" panose="020B0609030003000000" pitchFamily="49" charset="77"/>
+              </a:rPr>
+              <a:t>			break </a:t>
+            </a:r>
+            <a:endParaRPr lang="en-US" b="1" dirty="0">
+              <a:latin typeface="Inconsolata Medium" panose="020B0609030003000000" pitchFamily="49" charset="77"/>
+            </a:endParaRPr>
+          </a:p>
+          <a:p>
+            <a:pPr marL="0" indent="0">
+              <a:buNone/>
+            </a:pPr>
+            <a:r>
+              <a:rPr lang="en-US" b="1" dirty="0">
+                <a:solidFill>
+                  <a:srgbClr val="000087"/>
+                </a:solidFill>
+                <a:latin typeface="Inconsolata Medium" panose="020B0609030003000000" pitchFamily="49" charset="77"/>
+              </a:rPr>
+              <a:t>		</a:t>
+            </a:r>
+            <a:r>
+              <a:rPr lang="en-US" b="1" dirty="0" err="1">
+                <a:solidFill>
+                  <a:srgbClr val="000087"/>
+                </a:solidFill>
+                <a:latin typeface="Inconsolata Medium" panose="020B0609030003000000" pitchFamily="49" charset="77"/>
+              </a:rPr>
+              <a:t>L</a:t>
+            </a:r>
+            <a:r>
+              <a:rPr lang="en-US" b="1" dirty="0" err="1">
+                <a:solidFill>
+                  <a:srgbClr val="545454"/>
+                </a:solidFill>
+                <a:latin typeface="Inconsolata Medium" panose="020B0609030003000000" pitchFamily="49" charset="77"/>
+              </a:rPr>
+              <a:t>.</a:t>
+            </a:r>
+            <a:r>
+              <a:rPr lang="en-US" b="1" dirty="0" err="1">
+                <a:solidFill>
+                  <a:srgbClr val="000087"/>
+                </a:solidFill>
+                <a:latin typeface="Inconsolata Medium" panose="020B0609030003000000" pitchFamily="49" charset="77"/>
+              </a:rPr>
+              <a:t>append</a:t>
+            </a:r>
+            <a:r>
+              <a:rPr lang="en-US" b="1" dirty="0">
+                <a:latin typeface="Inconsolata Medium" panose="020B0609030003000000" pitchFamily="49" charset="77"/>
+              </a:rPr>
+              <a:t>(</a:t>
+            </a:r>
+            <a:r>
+              <a:rPr lang="en-US" b="1" dirty="0">
+                <a:solidFill>
+                  <a:srgbClr val="000087"/>
+                </a:solidFill>
+                <a:latin typeface="Inconsolata Medium" panose="020B0609030003000000" pitchFamily="49" charset="77"/>
+              </a:rPr>
+              <a:t>a</a:t>
+            </a:r>
+            <a:r>
+              <a:rPr lang="en-US" b="1" dirty="0">
+                <a:latin typeface="Inconsolata Medium" panose="020B0609030003000000" pitchFamily="49" charset="77"/>
+              </a:rPr>
+              <a:t>) </a:t>
+            </a:r>
+          </a:p>
+          <a:p>
+            <a:pPr marL="0" indent="0">
+              <a:buNone/>
+            </a:pPr>
+            <a:r>
+              <a:rPr lang="en-US" b="1" dirty="0">
+                <a:solidFill>
+                  <a:srgbClr val="006699"/>
+                </a:solidFill>
+                <a:latin typeface="Inconsolata Medium" panose="020B0609030003000000" pitchFamily="49" charset="77"/>
+              </a:rPr>
+              <a:t>	  print</a:t>
+            </a:r>
+            <a:r>
+              <a:rPr lang="en-US" b="1" dirty="0">
+                <a:latin typeface="Inconsolata Medium" panose="020B0609030003000000" pitchFamily="49" charset="77"/>
+              </a:rPr>
+              <a:t>(</a:t>
+            </a:r>
+            <a:r>
+              <a:rPr lang="en-US" b="1" dirty="0">
+                <a:solidFill>
+                  <a:srgbClr val="000087"/>
+                </a:solidFill>
+                <a:latin typeface="Inconsolata Medium" panose="020B0609030003000000" pitchFamily="49" charset="77"/>
+              </a:rPr>
+              <a:t>L</a:t>
+            </a:r>
+            <a:r>
+              <a:rPr lang="en-US" b="1" dirty="0">
+                <a:latin typeface="Inconsolata Medium" panose="020B0609030003000000" pitchFamily="49" charset="77"/>
+              </a:rPr>
+              <a:t>)</a:t>
+            </a:r>
+          </a:p>
+          <a:p>
+            <a:pPr marL="0" indent="0">
+              <a:buNone/>
+            </a:pPr>
+            <a:br>
+              <a:rPr lang="en-US" b="1" dirty="0">
+                <a:latin typeface="Inconsolata Medium" panose="020B0609030003000000" pitchFamily="49" charset="77"/>
+              </a:rPr>
+            </a:br>
+            <a:r>
+              <a:rPr lang="en-US" b="1" dirty="0">
+                <a:latin typeface="Inconsolata Medium" panose="020B0609030003000000" pitchFamily="49" charset="77"/>
+              </a:rPr>
+              <a:t>[1, 1, 2, 3, 5, 8, 13, 21, 34, 55, 89] </a:t>
+            </a:r>
+          </a:p>
+          <a:p>
+            <a:pPr marL="0" indent="0">
+              <a:buNone/>
+            </a:pPr>
+            <a:br>
+              <a:rPr lang="en-US" b="1" dirty="0">
+                <a:latin typeface="Inconsolata Medium" panose="020B0609030003000000" pitchFamily="49" charset="77"/>
+              </a:rPr>
+            </a:br>
+            <a:endParaRPr lang="en-US" b="1" dirty="0">
+              <a:latin typeface="Inconsolata Medium" panose="020B0609030003000000" pitchFamily="49" charset="77"/>
+            </a:endParaRPr>
+          </a:p>
+          <a:p>
+            <a:pPr marL="0" indent="0">
+              <a:buNone/>
+            </a:pPr>
+            <a:endParaRPr lang="en-US" b="1" dirty="0">
               <a:solidFill>
                 <a:srgbClr val="000087"/>
               </a:solidFill>
-              <a:latin typeface="Gill Sans MT" panose="020B0502020104020203" pitchFamily="34" charset="77"/>
-            </a:endParaRPr>
-          </a:p>
-          <a:p>
-            <a:pPr marL="0" indent="0">
-              <a:buNone/>
-            </a:pPr>
-            <a:r>
-              <a:rPr lang="en-US" sz="2000" b="1" dirty="0">
-                <a:solidFill>
-                  <a:srgbClr val="000087"/>
-                </a:solidFill>
-                <a:latin typeface="Inconsolata Medium" panose="020B0609030003000000" pitchFamily="49" charset="77"/>
-              </a:rPr>
-              <a:t>In</a:t>
-            </a:r>
-            <a:r>
-              <a:rPr lang="en-US" sz="2000" b="1" dirty="0">
-                <a:latin typeface="Inconsolata Medium" panose="020B0609030003000000" pitchFamily="49" charset="77"/>
-              </a:rPr>
-              <a:t>[</a:t>
-            </a:r>
-            <a:r>
-              <a:rPr lang="en-US" sz="2000" b="1" dirty="0">
-                <a:solidFill>
-                  <a:srgbClr val="FF6600"/>
-                </a:solidFill>
-                <a:latin typeface="Inconsolata Medium" panose="020B0609030003000000" pitchFamily="49" charset="77"/>
-              </a:rPr>
-              <a:t>3</a:t>
-            </a:r>
-            <a:r>
-              <a:rPr lang="en-US" sz="2000" b="1" dirty="0">
-                <a:latin typeface="Inconsolata Medium" panose="020B0609030003000000" pitchFamily="49" charset="77"/>
-              </a:rPr>
-              <a:t>]:  </a:t>
-            </a:r>
-            <a:r>
-              <a:rPr lang="en-US" sz="2000" b="1" dirty="0">
-                <a:solidFill>
-                  <a:srgbClr val="000087"/>
-                </a:solidFill>
-                <a:latin typeface="Inconsolata Medium" panose="020B0609030003000000" pitchFamily="49" charset="77"/>
-              </a:rPr>
-              <a:t>x </a:t>
-            </a:r>
-            <a:r>
-              <a:rPr lang="en-US" sz="2000" b="1" dirty="0">
-                <a:solidFill>
-                  <a:srgbClr val="545454"/>
-                </a:solidFill>
-                <a:latin typeface="Inconsolata Medium" panose="020B0609030003000000" pitchFamily="49" charset="77"/>
-              </a:rPr>
-              <a:t>= 0</a:t>
-            </a:r>
-            <a:r>
-              <a:rPr lang="en-US" sz="2000" b="1" dirty="0">
-                <a:solidFill>
-                  <a:srgbClr val="FF6600"/>
-                </a:solidFill>
-                <a:latin typeface="Inconsolata Medium" panose="020B0609030003000000" pitchFamily="49" charset="77"/>
-              </a:rPr>
-              <a:t> </a:t>
-            </a:r>
-            <a:endParaRPr lang="en-US" sz="2000" b="1" dirty="0">
               <a:latin typeface="Inconsolata Medium" panose="020B0609030003000000" pitchFamily="49" charset="77"/>
             </a:endParaRPr>
           </a:p>
-          <a:p>
-            <a:pPr marL="342900" lvl="1" indent="0">
-              <a:buNone/>
-            </a:pPr>
-            <a:r>
-              <a:rPr lang="en-US" sz="2000" b="1" dirty="0">
-                <a:solidFill>
-                  <a:srgbClr val="006699"/>
-                </a:solidFill>
-                <a:latin typeface="Inconsolata Medium" panose="020B0609030003000000" pitchFamily="49" charset="77"/>
-              </a:rPr>
-              <a:t>	  if </a:t>
-            </a:r>
-            <a:r>
-              <a:rPr lang="en-US" sz="2000" b="1" dirty="0">
-                <a:solidFill>
-                  <a:srgbClr val="000087"/>
-                </a:solidFill>
-                <a:latin typeface="Inconsolata Medium" panose="020B0609030003000000" pitchFamily="49" charset="77"/>
-              </a:rPr>
-              <a:t>x &lt; </a:t>
-            </a:r>
-            <a:r>
-              <a:rPr lang="en-US" sz="2000" b="1" dirty="0">
-                <a:solidFill>
-                  <a:srgbClr val="FF6600"/>
-                </a:solidFill>
-                <a:latin typeface="Inconsolata Medium" panose="020B0609030003000000" pitchFamily="49" charset="77"/>
-              </a:rPr>
-              <a:t>0</a:t>
-            </a:r>
-            <a:r>
-              <a:rPr lang="en-US" sz="2000" b="1" dirty="0">
-                <a:latin typeface="Inconsolata Medium" panose="020B0609030003000000" pitchFamily="49" charset="77"/>
-              </a:rPr>
-              <a:t>:</a:t>
-            </a:r>
-          </a:p>
-          <a:p>
-            <a:pPr marL="342900" lvl="1" indent="0">
-              <a:buNone/>
-            </a:pPr>
-            <a:r>
-              <a:rPr lang="en-US" sz="2000" b="1" dirty="0">
-                <a:latin typeface="Inconsolata Medium" panose="020B0609030003000000" pitchFamily="49" charset="77"/>
-              </a:rPr>
-              <a:t>		</a:t>
-            </a:r>
-            <a:r>
-              <a:rPr lang="en-US" sz="2000" b="1" dirty="0">
-                <a:solidFill>
-                  <a:srgbClr val="006699"/>
-                </a:solidFill>
-                <a:latin typeface="Inconsolata Medium" panose="020B0609030003000000" pitchFamily="49" charset="77"/>
-              </a:rPr>
-              <a:t>print</a:t>
-            </a:r>
-            <a:r>
-              <a:rPr lang="en-US" sz="2000" b="1" dirty="0">
-                <a:latin typeface="Inconsolata Medium" panose="020B0609030003000000" pitchFamily="49" charset="77"/>
-              </a:rPr>
-              <a:t>(</a:t>
-            </a:r>
-            <a:r>
-              <a:rPr lang="en-US" sz="2000" b="1" dirty="0">
-                <a:solidFill>
-                  <a:srgbClr val="000087"/>
-                </a:solidFill>
-                <a:latin typeface="Inconsolata Medium" panose="020B0609030003000000" pitchFamily="49" charset="77"/>
-              </a:rPr>
-              <a:t>“x is negative”</a:t>
-            </a:r>
-            <a:r>
-              <a:rPr lang="en-US" sz="2000" b="1" dirty="0">
-                <a:latin typeface="Inconsolata Medium" panose="020B0609030003000000" pitchFamily="49" charset="77"/>
-              </a:rPr>
-              <a:t>)</a:t>
-            </a:r>
-          </a:p>
-          <a:p>
-            <a:pPr marL="342900" lvl="1" indent="0">
-              <a:buNone/>
-            </a:pPr>
-            <a:r>
-              <a:rPr lang="en-US" sz="2000" b="1" dirty="0">
-                <a:latin typeface="Inconsolata Medium" panose="020B0609030003000000" pitchFamily="49" charset="77"/>
-              </a:rPr>
-              <a:t>	  </a:t>
-            </a:r>
-            <a:r>
-              <a:rPr lang="en-US" sz="2000" b="1" dirty="0" err="1">
-                <a:solidFill>
-                  <a:srgbClr val="006699"/>
-                </a:solidFill>
-                <a:latin typeface="Inconsolata Medium" panose="020B0609030003000000" pitchFamily="49" charset="77"/>
-              </a:rPr>
-              <a:t>elif</a:t>
-            </a:r>
-            <a:r>
-              <a:rPr lang="en-US" sz="2000" b="1" dirty="0">
-                <a:solidFill>
-                  <a:srgbClr val="006699"/>
-                </a:solidFill>
-                <a:latin typeface="Inconsolata Medium" panose="020B0609030003000000" pitchFamily="49" charset="77"/>
-              </a:rPr>
-              <a:t> </a:t>
-            </a:r>
-            <a:r>
-              <a:rPr lang="en-US" sz="2000" b="1" dirty="0">
-                <a:solidFill>
-                  <a:srgbClr val="000087"/>
-                </a:solidFill>
-                <a:latin typeface="Inconsolata Medium" panose="020B0609030003000000" pitchFamily="49" charset="77"/>
-              </a:rPr>
-              <a:t>x &gt; </a:t>
-            </a:r>
-            <a:r>
-              <a:rPr lang="en-US" sz="2000" b="1" dirty="0">
-                <a:solidFill>
-                  <a:srgbClr val="FF6600"/>
-                </a:solidFill>
-                <a:latin typeface="Inconsolata Medium" panose="020B0609030003000000" pitchFamily="49" charset="77"/>
-              </a:rPr>
-              <a:t>0</a:t>
-            </a:r>
-            <a:r>
-              <a:rPr lang="en-US" sz="2000" b="1" dirty="0">
-                <a:latin typeface="Inconsolata Medium" panose="020B0609030003000000" pitchFamily="49" charset="77"/>
-              </a:rPr>
-              <a:t>:</a:t>
-            </a:r>
-          </a:p>
-          <a:p>
-            <a:pPr marL="342900" lvl="1" indent="0">
-              <a:buNone/>
-            </a:pPr>
-            <a:r>
-              <a:rPr lang="en-US" sz="2000" b="1" dirty="0">
-                <a:latin typeface="Inconsolata Medium" panose="020B0609030003000000" pitchFamily="49" charset="77"/>
-              </a:rPr>
-              <a:t>		</a:t>
-            </a:r>
-            <a:r>
-              <a:rPr lang="en-US" sz="2000" b="1" dirty="0">
-                <a:solidFill>
-                  <a:srgbClr val="006699"/>
-                </a:solidFill>
-                <a:latin typeface="Inconsolata Medium" panose="020B0609030003000000" pitchFamily="49" charset="77"/>
-              </a:rPr>
-              <a:t>print</a:t>
-            </a:r>
-            <a:r>
-              <a:rPr lang="en-US" sz="2000" b="1" dirty="0">
-                <a:latin typeface="Inconsolata Medium" panose="020B0609030003000000" pitchFamily="49" charset="77"/>
-              </a:rPr>
-              <a:t>(</a:t>
-            </a:r>
-            <a:r>
-              <a:rPr lang="en-US" sz="2000" b="1" dirty="0">
-                <a:solidFill>
-                  <a:srgbClr val="000087"/>
-                </a:solidFill>
-                <a:latin typeface="Inconsolata Medium" panose="020B0609030003000000" pitchFamily="49" charset="77"/>
-              </a:rPr>
-              <a:t>“x is positive”</a:t>
-            </a:r>
-            <a:r>
-              <a:rPr lang="en-US" sz="2000" b="1" dirty="0">
-                <a:latin typeface="Inconsolata Medium" panose="020B0609030003000000" pitchFamily="49" charset="77"/>
-              </a:rPr>
-              <a:t>)</a:t>
-            </a:r>
-          </a:p>
-          <a:p>
-            <a:pPr marL="342900" lvl="1" indent="0">
-              <a:buNone/>
-            </a:pPr>
-            <a:r>
-              <a:rPr lang="en-US" sz="2000" b="1" dirty="0">
-                <a:solidFill>
-                  <a:srgbClr val="000087"/>
-                </a:solidFill>
-                <a:latin typeface="Inconsolata Medium" panose="020B0609030003000000" pitchFamily="49" charset="77"/>
-              </a:rPr>
-              <a:t>	  </a:t>
-            </a:r>
-            <a:r>
-              <a:rPr lang="en-US" sz="2000" b="1" dirty="0">
-                <a:solidFill>
-                  <a:srgbClr val="006699"/>
-                </a:solidFill>
-                <a:latin typeface="Inconsolata Medium" panose="020B0609030003000000" pitchFamily="49" charset="77"/>
-              </a:rPr>
-              <a:t>else</a:t>
-            </a:r>
-            <a:r>
-              <a:rPr lang="en-US" sz="2000" b="1" dirty="0">
-                <a:latin typeface="Inconsolata Medium" panose="020B0609030003000000" pitchFamily="49" charset="77"/>
-              </a:rPr>
-              <a:t>:</a:t>
-            </a:r>
-          </a:p>
-          <a:p>
-            <a:pPr marL="342900" lvl="1" indent="0">
-              <a:buNone/>
-            </a:pPr>
-            <a:r>
-              <a:rPr lang="en-US" sz="2000" b="1" dirty="0">
-                <a:latin typeface="Inconsolata Medium" panose="020B0609030003000000" pitchFamily="49" charset="77"/>
-              </a:rPr>
-              <a:t>		</a:t>
-            </a:r>
-            <a:r>
-              <a:rPr lang="en-US" sz="2000" b="1" dirty="0">
-                <a:solidFill>
-                  <a:srgbClr val="006699"/>
-                </a:solidFill>
-                <a:latin typeface="Inconsolata Medium" panose="020B0609030003000000" pitchFamily="49" charset="77"/>
-              </a:rPr>
-              <a:t>print</a:t>
-            </a:r>
-            <a:r>
-              <a:rPr lang="en-US" sz="2000" b="1" dirty="0">
-                <a:latin typeface="Inconsolata Medium" panose="020B0609030003000000" pitchFamily="49" charset="77"/>
-              </a:rPr>
-              <a:t>(</a:t>
-            </a:r>
-            <a:r>
-              <a:rPr lang="en-US" sz="2000" b="1" dirty="0">
-                <a:solidFill>
-                  <a:srgbClr val="000087"/>
-                </a:solidFill>
-                <a:latin typeface="Inconsolata Medium" panose="020B0609030003000000" pitchFamily="49" charset="77"/>
-              </a:rPr>
-              <a:t>“x is zero”</a:t>
-            </a:r>
-            <a:r>
-              <a:rPr lang="en-US" sz="2000" b="1" dirty="0">
-                <a:latin typeface="Inconsolata Medium" panose="020B0609030003000000" pitchFamily="49" charset="77"/>
-              </a:rPr>
-              <a:t>)</a:t>
-            </a:r>
-          </a:p>
-          <a:p>
-            <a:pPr marL="342900" lvl="1" indent="0">
-              <a:buNone/>
-            </a:pPr>
-            <a:r>
-              <a:rPr lang="en-US" sz="2100" dirty="0">
-                <a:latin typeface="Gill Sans MT" panose="020B0502020104020203" pitchFamily="34" charset="77"/>
-              </a:rPr>
-              <a:t>x is zero</a:t>
-            </a:r>
-          </a:p>
-          <a:p>
-            <a:pPr marL="342900" lvl="1" indent="0">
-              <a:buNone/>
-            </a:pPr>
-            <a:endParaRPr lang="en-US" sz="2100" dirty="0">
-              <a:solidFill>
-                <a:srgbClr val="000087"/>
-              </a:solidFill>
-              <a:latin typeface="Gill Sans MT" panose="020B0502020104020203" pitchFamily="34" charset="77"/>
-            </a:endParaRPr>
+        </p:txBody>
+      </p:sp>
+      <p:sp>
+        <p:nvSpPr>
+          <p:cNvPr id="3" name="TextBox 2">
+            <a:extLst>
+              <a:ext uri="{FF2B5EF4-FFF2-40B4-BE49-F238E27FC236}">
+                <a16:creationId xmlns:a16="http://schemas.microsoft.com/office/drawing/2014/main" id="{3887A274-051E-7F48-83D6-811E92A4025B}"/>
+              </a:ext>
+            </a:extLst>
+          </p:cNvPr>
+          <p:cNvSpPr txBox="1"/>
+          <p:nvPr/>
+        </p:nvSpPr>
+        <p:spPr>
+          <a:xfrm>
+            <a:off x="5002923" y="2049518"/>
+            <a:ext cx="2238704" cy="1061829"/>
+          </a:xfrm>
+          <a:prstGeom prst="rect">
+            <a:avLst/>
+          </a:prstGeom>
+          <a:noFill/>
+        </p:spPr>
+        <p:txBody>
+          <a:bodyPr wrap="square" rtlCol="0">
+            <a:spAutoFit/>
+          </a:bodyPr>
+          <a:lstStyle/>
+          <a:p>
+            <a:r>
+              <a:rPr lang="en-US" sz="2100" dirty="0"/>
+              <a:t>Create a list with Fibonacci numbers</a:t>
+            </a:r>
+          </a:p>
+          <a:p>
+            <a:r>
+              <a:rPr lang="en-US" sz="2100" dirty="0"/>
+              <a:t>up to </a:t>
+            </a:r>
+            <a:r>
+              <a:rPr lang="en-US" sz="2100" dirty="0" err="1"/>
+              <a:t>amax</a:t>
+            </a:r>
+            <a:r>
+              <a:rPr lang="en-US" sz="2100" dirty="0"/>
+              <a:t>.</a:t>
+            </a:r>
           </a:p>
         </p:txBody>
       </p:sp>
     </p:spTree>
     <p:extLst>
       <p:ext uri="{BB962C8B-B14F-4D97-AF65-F5344CB8AC3E}">
-        <p14:creationId xmlns:p14="http://schemas.microsoft.com/office/powerpoint/2010/main" val="4245538547"/>
+        <p14:creationId xmlns:p14="http://schemas.microsoft.com/office/powerpoint/2010/main" val="393328173"/>
       </p:ext>
     </p:extLst>
   </p:cSld>

--- a/courses/apcsp/lect4.pptx
+++ b/courses/apcsp/lect4.pptx
@@ -11,11 +11,13 @@
     <p:sldId id="296" r:id="rId5"/>
     <p:sldId id="297" r:id="rId6"/>
     <p:sldId id="298" r:id="rId7"/>
-    <p:sldId id="299" r:id="rId8"/>
-    <p:sldId id="300" r:id="rId9"/>
-    <p:sldId id="301" r:id="rId10"/>
+    <p:sldId id="303" r:id="rId8"/>
+    <p:sldId id="304" r:id="rId9"/>
+    <p:sldId id="305" r:id="rId10"/>
     <p:sldId id="302" r:id="rId11"/>
-    <p:sldId id="284" r:id="rId12"/>
+    <p:sldId id="306" r:id="rId12"/>
+    <p:sldId id="307" r:id="rId13"/>
+    <p:sldId id="284" r:id="rId14"/>
   </p:sldIdLst>
   <p:sldSz cx="9144000" cy="5715000" type="screen16x10"/>
   <p:notesSz cx="6858000" cy="9144000"/>
@@ -122,10 +124,239 @@
 </p:presentation>
 </file>
 
+<file path=ppt/revisionInfo.xml><?xml version="1.0" encoding="utf-8"?>
+<p1510:revInfo xmlns:a="http://schemas.openxmlformats.org/drawingml/2006/main" xmlns:r="http://schemas.openxmlformats.org/officeDocument/2006/relationships" xmlns:p1510="http://schemas.microsoft.com/office/powerpoint/2015/10/main">
+  <p1510:revLst>
+    <p1510:client id="{A54A5039-9BC6-1548-AC61-7314DB675A9D}" v="11" dt="2019-09-19T16:52:00.002"/>
+  </p1510:revLst>
+</p1510:revInfo>
+</file>
+
 <file path=ppt/changesInfos/changesInfo1.xml><?xml version="1.0" encoding="utf-8"?>
 <pc:chgInfo xmlns:a="http://schemas.openxmlformats.org/drawingml/2006/main" xmlns:r="http://schemas.openxmlformats.org/officeDocument/2006/relationships" xmlns:ac="http://schemas.microsoft.com/office/drawing/2013/main/command" xmlns:pc="http://schemas.microsoft.com/office/powerpoint/2013/main/command">
   <pc:docChgLst>
     <pc:chgData name="Long B Nguyen" userId="f59fb8f3-a021-417a-8bc1-65c8d471c621" providerId="ADAL" clId="{359527BD-9D28-FA41-9B76-D4C412CACD55}"/>
+  </pc:docChgLst>
+  <pc:docChgLst>
+    <pc:chgData name="Long B Nguyen" userId="f59fb8f3-a021-417a-8bc1-65c8d471c621" providerId="ADAL" clId="{A54A5039-9BC6-1548-AC61-7314DB675A9D}"/>
+    <pc:docChg chg="custSel addSld delSld modSld">
+      <pc:chgData name="Long B Nguyen" userId="f59fb8f3-a021-417a-8bc1-65c8d471c621" providerId="ADAL" clId="{A54A5039-9BC6-1548-AC61-7314DB675A9D}" dt="2019-09-19T17:18:16.629" v="584" actId="20577"/>
+      <pc:docMkLst>
+        <pc:docMk/>
+      </pc:docMkLst>
+      <pc:sldChg chg="modSp">
+        <pc:chgData name="Long B Nguyen" userId="f59fb8f3-a021-417a-8bc1-65c8d471c621" providerId="ADAL" clId="{A54A5039-9BC6-1548-AC61-7314DB675A9D}" dt="2019-09-19T14:18:51.512" v="27" actId="20577"/>
+        <pc:sldMkLst>
+          <pc:docMk/>
+          <pc:sldMk cId="4247104139" sldId="256"/>
+        </pc:sldMkLst>
+        <pc:spChg chg="mod">
+          <ac:chgData name="Long B Nguyen" userId="f59fb8f3-a021-417a-8bc1-65c8d471c621" providerId="ADAL" clId="{A54A5039-9BC6-1548-AC61-7314DB675A9D}" dt="2019-09-19T14:18:51.512" v="27" actId="20577"/>
+          <ac:spMkLst>
+            <pc:docMk/>
+            <pc:sldMk cId="4247104139" sldId="256"/>
+            <ac:spMk id="3" creationId="{1BDC47C8-6776-7B44-9CD4-95FC91452D62}"/>
+          </ac:spMkLst>
+        </pc:spChg>
+      </pc:sldChg>
+      <pc:sldChg chg="modSp">
+        <pc:chgData name="Long B Nguyen" userId="f59fb8f3-a021-417a-8bc1-65c8d471c621" providerId="ADAL" clId="{A54A5039-9BC6-1548-AC61-7314DB675A9D}" dt="2019-09-19T14:18:56.959" v="28" actId="20577"/>
+        <pc:sldMkLst>
+          <pc:docMk/>
+          <pc:sldMk cId="131840209" sldId="286"/>
+        </pc:sldMkLst>
+        <pc:spChg chg="mod">
+          <ac:chgData name="Long B Nguyen" userId="f59fb8f3-a021-417a-8bc1-65c8d471c621" providerId="ADAL" clId="{A54A5039-9BC6-1548-AC61-7314DB675A9D}" dt="2019-09-19T14:18:56.959" v="28" actId="20577"/>
+          <ac:spMkLst>
+            <pc:docMk/>
+            <pc:sldMk cId="131840209" sldId="286"/>
+            <ac:spMk id="9" creationId="{E3B2E017-30B2-884B-A113-B419A2ED51AD}"/>
+          </ac:spMkLst>
+        </pc:spChg>
+      </pc:sldChg>
+      <pc:sldChg chg="modSp">
+        <pc:chgData name="Long B Nguyen" userId="f59fb8f3-a021-417a-8bc1-65c8d471c621" providerId="ADAL" clId="{A54A5039-9BC6-1548-AC61-7314DB675A9D}" dt="2019-09-19T14:15:31.527" v="5" actId="20577"/>
+        <pc:sldMkLst>
+          <pc:docMk/>
+          <pc:sldMk cId="553003360" sldId="296"/>
+        </pc:sldMkLst>
+        <pc:spChg chg="mod">
+          <ac:chgData name="Long B Nguyen" userId="f59fb8f3-a021-417a-8bc1-65c8d471c621" providerId="ADAL" clId="{A54A5039-9BC6-1548-AC61-7314DB675A9D}" dt="2019-09-19T14:15:31.527" v="5" actId="20577"/>
+          <ac:spMkLst>
+            <pc:docMk/>
+            <pc:sldMk cId="553003360" sldId="296"/>
+            <ac:spMk id="9" creationId="{E3B2E017-30B2-884B-A113-B419A2ED51AD}"/>
+          </ac:spMkLst>
+        </pc:spChg>
+      </pc:sldChg>
+      <pc:sldChg chg="del">
+        <pc:chgData name="Long B Nguyen" userId="f59fb8f3-a021-417a-8bc1-65c8d471c621" providerId="ADAL" clId="{A54A5039-9BC6-1548-AC61-7314DB675A9D}" dt="2019-09-19T14:19:55.269" v="29" actId="2696"/>
+        <pc:sldMkLst>
+          <pc:docMk/>
+          <pc:sldMk cId="1136048842" sldId="299"/>
+        </pc:sldMkLst>
+      </pc:sldChg>
+      <pc:sldChg chg="modSp del">
+        <pc:chgData name="Long B Nguyen" userId="f59fb8f3-a021-417a-8bc1-65c8d471c621" providerId="ADAL" clId="{A54A5039-9BC6-1548-AC61-7314DB675A9D}" dt="2019-09-19T14:20:36.926" v="36" actId="2696"/>
+        <pc:sldMkLst>
+          <pc:docMk/>
+          <pc:sldMk cId="1258455770" sldId="300"/>
+        </pc:sldMkLst>
+        <pc:spChg chg="mod">
+          <ac:chgData name="Long B Nguyen" userId="f59fb8f3-a021-417a-8bc1-65c8d471c621" providerId="ADAL" clId="{A54A5039-9BC6-1548-AC61-7314DB675A9D}" dt="2019-09-19T14:16:20.761" v="7" actId="20577"/>
+          <ac:spMkLst>
+            <pc:docMk/>
+            <pc:sldMk cId="1258455770" sldId="300"/>
+            <ac:spMk id="9" creationId="{E3B2E017-30B2-884B-A113-B419A2ED51AD}"/>
+          </ac:spMkLst>
+        </pc:spChg>
+      </pc:sldChg>
+      <pc:sldChg chg="delSp modSp del">
+        <pc:chgData name="Long B Nguyen" userId="f59fb8f3-a021-417a-8bc1-65c8d471c621" providerId="ADAL" clId="{A54A5039-9BC6-1548-AC61-7314DB675A9D}" dt="2019-09-19T14:23:07.561" v="96" actId="2696"/>
+        <pc:sldMkLst>
+          <pc:docMk/>
+          <pc:sldMk cId="393328173" sldId="301"/>
+        </pc:sldMkLst>
+        <pc:spChg chg="del">
+          <ac:chgData name="Long B Nguyen" userId="f59fb8f3-a021-417a-8bc1-65c8d471c621" providerId="ADAL" clId="{A54A5039-9BC6-1548-AC61-7314DB675A9D}" dt="2019-09-19T14:20:08.056" v="31" actId="478"/>
+          <ac:spMkLst>
+            <pc:docMk/>
+            <pc:sldMk cId="393328173" sldId="301"/>
+            <ac:spMk id="3" creationId="{3887A274-051E-7F48-83D6-811E92A4025B}"/>
+          </ac:spMkLst>
+        </pc:spChg>
+        <pc:spChg chg="mod">
+          <ac:chgData name="Long B Nguyen" userId="f59fb8f3-a021-417a-8bc1-65c8d471c621" providerId="ADAL" clId="{A54A5039-9BC6-1548-AC61-7314DB675A9D}" dt="2019-09-19T14:20:04.604" v="30" actId="20577"/>
+          <ac:spMkLst>
+            <pc:docMk/>
+            <pc:sldMk cId="393328173" sldId="301"/>
+            <ac:spMk id="9" creationId="{E3B2E017-30B2-884B-A113-B419A2ED51AD}"/>
+          </ac:spMkLst>
+        </pc:spChg>
+      </pc:sldChg>
+      <pc:sldChg chg="addSp delSp modSp">
+        <pc:chgData name="Long B Nguyen" userId="f59fb8f3-a021-417a-8bc1-65c8d471c621" providerId="ADAL" clId="{A54A5039-9BC6-1548-AC61-7314DB675A9D}" dt="2019-09-19T16:47:34.465" v="464"/>
+        <pc:sldMkLst>
+          <pc:docMk/>
+          <pc:sldMk cId="128704095" sldId="302"/>
+        </pc:sldMkLst>
+        <pc:spChg chg="add del">
+          <ac:chgData name="Long B Nguyen" userId="f59fb8f3-a021-417a-8bc1-65c8d471c621" providerId="ADAL" clId="{A54A5039-9BC6-1548-AC61-7314DB675A9D}" dt="2019-09-19T16:47:34.465" v="464"/>
+          <ac:spMkLst>
+            <pc:docMk/>
+            <pc:sldMk cId="128704095" sldId="302"/>
+            <ac:spMk id="3" creationId="{EA19F625-AB76-8A4B-B39A-0F2D018DC68D}"/>
+          </ac:spMkLst>
+        </pc:spChg>
+        <pc:spChg chg="mod">
+          <ac:chgData name="Long B Nguyen" userId="f59fb8f3-a021-417a-8bc1-65c8d471c621" providerId="ADAL" clId="{A54A5039-9BC6-1548-AC61-7314DB675A9D}" dt="2019-09-19T14:17:51.453" v="23"/>
+          <ac:spMkLst>
+            <pc:docMk/>
+            <pc:sldMk cId="128704095" sldId="302"/>
+            <ac:spMk id="9" creationId="{E3B2E017-30B2-884B-A113-B419A2ED51AD}"/>
+          </ac:spMkLst>
+        </pc:spChg>
+      </pc:sldChg>
+      <pc:sldChg chg="modSp add">
+        <pc:chgData name="Long B Nguyen" userId="f59fb8f3-a021-417a-8bc1-65c8d471c621" providerId="ADAL" clId="{A54A5039-9BC6-1548-AC61-7314DB675A9D}" dt="2019-09-19T14:21:34.739" v="86" actId="20577"/>
+        <pc:sldMkLst>
+          <pc:docMk/>
+          <pc:sldMk cId="3275945509" sldId="303"/>
+        </pc:sldMkLst>
+        <pc:spChg chg="mod">
+          <ac:chgData name="Long B Nguyen" userId="f59fb8f3-a021-417a-8bc1-65c8d471c621" providerId="ADAL" clId="{A54A5039-9BC6-1548-AC61-7314DB675A9D}" dt="2019-09-19T14:21:34.739" v="86" actId="20577"/>
+          <ac:spMkLst>
+            <pc:docMk/>
+            <pc:sldMk cId="3275945509" sldId="303"/>
+            <ac:spMk id="9" creationId="{E3B2E017-30B2-884B-A113-B419A2ED51AD}"/>
+          </ac:spMkLst>
+        </pc:spChg>
+      </pc:sldChg>
+      <pc:sldChg chg="modSp add">
+        <pc:chgData name="Long B Nguyen" userId="f59fb8f3-a021-417a-8bc1-65c8d471c621" providerId="ADAL" clId="{A54A5039-9BC6-1548-AC61-7314DB675A9D}" dt="2019-09-19T14:22:13.419" v="95" actId="20577"/>
+        <pc:sldMkLst>
+          <pc:docMk/>
+          <pc:sldMk cId="406772024" sldId="304"/>
+        </pc:sldMkLst>
+        <pc:spChg chg="mod">
+          <ac:chgData name="Long B Nguyen" userId="f59fb8f3-a021-417a-8bc1-65c8d471c621" providerId="ADAL" clId="{A54A5039-9BC6-1548-AC61-7314DB675A9D}" dt="2019-09-19T14:22:13.419" v="95" actId="20577"/>
+          <ac:spMkLst>
+            <pc:docMk/>
+            <pc:sldMk cId="406772024" sldId="304"/>
+            <ac:spMk id="9" creationId="{E3B2E017-30B2-884B-A113-B419A2ED51AD}"/>
+          </ac:spMkLst>
+        </pc:spChg>
+      </pc:sldChg>
+      <pc:sldChg chg="modSp add">
+        <pc:chgData name="Long B Nguyen" userId="f59fb8f3-a021-417a-8bc1-65c8d471c621" providerId="ADAL" clId="{A54A5039-9BC6-1548-AC61-7314DB675A9D}" dt="2019-09-19T14:34:38.344" v="462" actId="113"/>
+        <pc:sldMkLst>
+          <pc:docMk/>
+          <pc:sldMk cId="1703902501" sldId="305"/>
+        </pc:sldMkLst>
+        <pc:spChg chg="mod">
+          <ac:chgData name="Long B Nguyen" userId="f59fb8f3-a021-417a-8bc1-65c8d471c621" providerId="ADAL" clId="{A54A5039-9BC6-1548-AC61-7314DB675A9D}" dt="2019-09-19T14:31:00.333" v="110" actId="20577"/>
+          <ac:spMkLst>
+            <pc:docMk/>
+            <pc:sldMk cId="1703902501" sldId="305"/>
+            <ac:spMk id="2" creationId="{AA3A228F-61D0-D949-A5E7-F83756230BF8}"/>
+          </ac:spMkLst>
+        </pc:spChg>
+        <pc:spChg chg="mod">
+          <ac:chgData name="Long B Nguyen" userId="f59fb8f3-a021-417a-8bc1-65c8d471c621" providerId="ADAL" clId="{A54A5039-9BC6-1548-AC61-7314DB675A9D}" dt="2019-09-19T14:34:38.344" v="462" actId="113"/>
+          <ac:spMkLst>
+            <pc:docMk/>
+            <pc:sldMk cId="1703902501" sldId="305"/>
+            <ac:spMk id="9" creationId="{E3B2E017-30B2-884B-A113-B419A2ED51AD}"/>
+          </ac:spMkLst>
+        </pc:spChg>
+      </pc:sldChg>
+      <pc:sldChg chg="modSp add">
+        <pc:chgData name="Long B Nguyen" userId="f59fb8f3-a021-417a-8bc1-65c8d471c621" providerId="ADAL" clId="{A54A5039-9BC6-1548-AC61-7314DB675A9D}" dt="2019-09-19T16:51:57.917" v="536" actId="20577"/>
+        <pc:sldMkLst>
+          <pc:docMk/>
+          <pc:sldMk cId="3614829039" sldId="306"/>
+        </pc:sldMkLst>
+        <pc:spChg chg="mod">
+          <ac:chgData name="Long B Nguyen" userId="f59fb8f3-a021-417a-8bc1-65c8d471c621" providerId="ADAL" clId="{A54A5039-9BC6-1548-AC61-7314DB675A9D}" dt="2019-09-19T16:51:57.917" v="536" actId="20577"/>
+          <ac:spMkLst>
+            <pc:docMk/>
+            <pc:sldMk cId="3614829039" sldId="306"/>
+            <ac:spMk id="2" creationId="{AA3A228F-61D0-D949-A5E7-F83756230BF8}"/>
+          </ac:spMkLst>
+        </pc:spChg>
+        <pc:spChg chg="mod">
+          <ac:chgData name="Long B Nguyen" userId="f59fb8f3-a021-417a-8bc1-65c8d471c621" providerId="ADAL" clId="{A54A5039-9BC6-1548-AC61-7314DB675A9D}" dt="2019-09-19T16:51:53.029" v="534" actId="207"/>
+          <ac:spMkLst>
+            <pc:docMk/>
+            <pc:sldMk cId="3614829039" sldId="306"/>
+            <ac:spMk id="9" creationId="{E3B2E017-30B2-884B-A113-B419A2ED51AD}"/>
+          </ac:spMkLst>
+        </pc:spChg>
+      </pc:sldChg>
+      <pc:sldChg chg="modSp add">
+        <pc:chgData name="Long B Nguyen" userId="f59fb8f3-a021-417a-8bc1-65c8d471c621" providerId="ADAL" clId="{A54A5039-9BC6-1548-AC61-7314DB675A9D}" dt="2019-09-19T17:18:16.629" v="584" actId="20577"/>
+        <pc:sldMkLst>
+          <pc:docMk/>
+          <pc:sldMk cId="295911327" sldId="307"/>
+        </pc:sldMkLst>
+        <pc:spChg chg="mod">
+          <ac:chgData name="Long B Nguyen" userId="f59fb8f3-a021-417a-8bc1-65c8d471c621" providerId="ADAL" clId="{A54A5039-9BC6-1548-AC61-7314DB675A9D}" dt="2019-09-19T17:17:25.590" v="539" actId="20577"/>
+          <ac:spMkLst>
+            <pc:docMk/>
+            <pc:sldMk cId="295911327" sldId="307"/>
+            <ac:spMk id="2" creationId="{AA3A228F-61D0-D949-A5E7-F83756230BF8}"/>
+          </ac:spMkLst>
+        </pc:spChg>
+        <pc:spChg chg="mod">
+          <ac:chgData name="Long B Nguyen" userId="f59fb8f3-a021-417a-8bc1-65c8d471c621" providerId="ADAL" clId="{A54A5039-9BC6-1548-AC61-7314DB675A9D}" dt="2019-09-19T17:18:16.629" v="584" actId="20577"/>
+          <ac:spMkLst>
+            <pc:docMk/>
+            <pc:sldMk cId="295911327" sldId="307"/>
+            <ac:spMk id="9" creationId="{E3B2E017-30B2-884B-A113-B419A2ED51AD}"/>
+          </ac:spMkLst>
+        </pc:spChg>
+      </pc:sldChg>
+    </pc:docChg>
   </pc:docChgLst>
   <pc:docChgLst>
     <pc:chgData name="Long B Nguyen" userId="f59fb8f3-a021-417a-8bc1-65c8d471c621" providerId="ADAL" clId="{E5BF62A1-4F8A-BC49-8FD7-ABEA3D28ED25}"/>
@@ -155,125 +386,6 @@
           </ac:spMkLst>
         </pc:spChg>
       </pc:sldChg>
-      <pc:sldChg chg="del">
-        <pc:chgData name="Long B Nguyen" userId="f59fb8f3-a021-417a-8bc1-65c8d471c621" providerId="ADAL" clId="{B5860C40-AA08-4447-A918-2D2782E0FC0B}" dt="2019-09-16T13:59:01.381" v="27" actId="2696"/>
-        <pc:sldMkLst>
-          <pc:docMk/>
-          <pc:sldMk cId="278045358" sldId="257"/>
-        </pc:sldMkLst>
-      </pc:sldChg>
-      <pc:sldChg chg="del">
-        <pc:chgData name="Long B Nguyen" userId="f59fb8f3-a021-417a-8bc1-65c8d471c621" providerId="ADAL" clId="{B5860C40-AA08-4447-A918-2D2782E0FC0B}" dt="2019-09-16T13:59:01.379" v="26" actId="2696"/>
-        <pc:sldMkLst>
-          <pc:docMk/>
-          <pc:sldMk cId="1313115290" sldId="287"/>
-        </pc:sldMkLst>
-      </pc:sldChg>
-      <pc:sldChg chg="del">
-        <pc:chgData name="Long B Nguyen" userId="f59fb8f3-a021-417a-8bc1-65c8d471c621" providerId="ADAL" clId="{B5860C40-AA08-4447-A918-2D2782E0FC0B}" dt="2019-09-16T13:59:01.378" v="25" actId="2696"/>
-        <pc:sldMkLst>
-          <pc:docMk/>
-          <pc:sldMk cId="2339437966" sldId="288"/>
-        </pc:sldMkLst>
-      </pc:sldChg>
-      <pc:sldChg chg="del">
-        <pc:chgData name="Long B Nguyen" userId="f59fb8f3-a021-417a-8bc1-65c8d471c621" providerId="ADAL" clId="{B5860C40-AA08-4447-A918-2D2782E0FC0B}" dt="2019-09-16T13:59:01.376" v="24" actId="2696"/>
-        <pc:sldMkLst>
-          <pc:docMk/>
-          <pc:sldMk cId="1454012366" sldId="289"/>
-        </pc:sldMkLst>
-      </pc:sldChg>
-      <pc:sldChg chg="del">
-        <pc:chgData name="Long B Nguyen" userId="f59fb8f3-a021-417a-8bc1-65c8d471c621" providerId="ADAL" clId="{B5860C40-AA08-4447-A918-2D2782E0FC0B}" dt="2019-09-16T13:59:01.374" v="23" actId="2696"/>
-        <pc:sldMkLst>
-          <pc:docMk/>
-          <pc:sldMk cId="3872931043" sldId="290"/>
-        </pc:sldMkLst>
-      </pc:sldChg>
-      <pc:sldChg chg="del">
-        <pc:chgData name="Long B Nguyen" userId="f59fb8f3-a021-417a-8bc1-65c8d471c621" providerId="ADAL" clId="{B5860C40-AA08-4447-A918-2D2782E0FC0B}" dt="2019-09-16T13:59:01.372" v="22" actId="2696"/>
-        <pc:sldMkLst>
-          <pc:docMk/>
-          <pc:sldMk cId="3525539036" sldId="291"/>
-        </pc:sldMkLst>
-      </pc:sldChg>
-      <pc:sldChg chg="del">
-        <pc:chgData name="Long B Nguyen" userId="f59fb8f3-a021-417a-8bc1-65c8d471c621" providerId="ADAL" clId="{B5860C40-AA08-4447-A918-2D2782E0FC0B}" dt="2019-09-16T13:59:01.370" v="21" actId="2696"/>
-        <pc:sldMkLst>
-          <pc:docMk/>
-          <pc:sldMk cId="4245538547" sldId="292"/>
-        </pc:sldMkLst>
-      </pc:sldChg>
-      <pc:sldChg chg="del">
-        <pc:chgData name="Long B Nguyen" userId="f59fb8f3-a021-417a-8bc1-65c8d471c621" providerId="ADAL" clId="{B5860C40-AA08-4447-A918-2D2782E0FC0B}" dt="2019-09-16T13:59:01.368" v="20" actId="2696"/>
-        <pc:sldMkLst>
-          <pc:docMk/>
-          <pc:sldMk cId="439805773" sldId="293"/>
-        </pc:sldMkLst>
-      </pc:sldChg>
-      <pc:sldChg chg="del">
-        <pc:chgData name="Long B Nguyen" userId="f59fb8f3-a021-417a-8bc1-65c8d471c621" providerId="ADAL" clId="{B5860C40-AA08-4447-A918-2D2782E0FC0B}" dt="2019-09-16T13:59:01.366" v="19" actId="2696"/>
-        <pc:sldMkLst>
-          <pc:docMk/>
-          <pc:sldMk cId="3539054576" sldId="294"/>
-        </pc:sldMkLst>
-      </pc:sldChg>
-      <pc:sldChg chg="del">
-        <pc:chgData name="Long B Nguyen" userId="f59fb8f3-a021-417a-8bc1-65c8d471c621" providerId="ADAL" clId="{B5860C40-AA08-4447-A918-2D2782E0FC0B}" dt="2019-09-16T13:59:19.978" v="30" actId="2696"/>
-        <pc:sldMkLst>
-          <pc:docMk/>
-          <pc:sldMk cId="2086449897" sldId="303"/>
-        </pc:sldMkLst>
-      </pc:sldChg>
-      <pc:sldChg chg="del">
-        <pc:chgData name="Long B Nguyen" userId="f59fb8f3-a021-417a-8bc1-65c8d471c621" providerId="ADAL" clId="{B5860C40-AA08-4447-A918-2D2782E0FC0B}" dt="2019-09-16T13:59:19.996" v="31" actId="2696"/>
-        <pc:sldMkLst>
-          <pc:docMk/>
-          <pc:sldMk cId="3670596711" sldId="304"/>
-        </pc:sldMkLst>
-      </pc:sldChg>
-      <pc:sldChg chg="del">
-        <pc:chgData name="Long B Nguyen" userId="f59fb8f3-a021-417a-8bc1-65c8d471c621" providerId="ADAL" clId="{B5860C40-AA08-4447-A918-2D2782E0FC0B}" dt="2019-09-16T13:59:01.382" v="28" actId="2696"/>
-        <pc:sldMkLst>
-          <pc:docMk/>
-          <pc:sldMk cId="2224045576" sldId="305"/>
-        </pc:sldMkLst>
-      </pc:sldChg>
-      <pc:sldChg chg="del">
-        <pc:chgData name="Long B Nguyen" userId="f59fb8f3-a021-417a-8bc1-65c8d471c621" providerId="ADAL" clId="{B5860C40-AA08-4447-A918-2D2782E0FC0B}" dt="2019-09-16T13:59:03.313" v="29" actId="2696"/>
-        <pc:sldMkLst>
-          <pc:docMk/>
-          <pc:sldMk cId="1397036328" sldId="306"/>
-        </pc:sldMkLst>
-      </pc:sldChg>
-      <pc:sldChg chg="del">
-        <pc:chgData name="Long B Nguyen" userId="f59fb8f3-a021-417a-8bc1-65c8d471c621" providerId="ADAL" clId="{B5860C40-AA08-4447-A918-2D2782E0FC0B}" dt="2019-09-16T13:59:20.021" v="32" actId="2696"/>
-        <pc:sldMkLst>
-          <pc:docMk/>
-          <pc:sldMk cId="3984246490" sldId="307"/>
-        </pc:sldMkLst>
-      </pc:sldChg>
-      <pc:sldChg chg="del">
-        <pc:chgData name="Long B Nguyen" userId="f59fb8f3-a021-417a-8bc1-65c8d471c621" providerId="ADAL" clId="{B5860C40-AA08-4447-A918-2D2782E0FC0B}" dt="2019-09-16T13:59:20.081" v="34" actId="2696"/>
-        <pc:sldMkLst>
-          <pc:docMk/>
-          <pc:sldMk cId="3672999173" sldId="308"/>
-        </pc:sldMkLst>
-      </pc:sldChg>
-      <pc:sldChg chg="del">
-        <pc:chgData name="Long B Nguyen" userId="f59fb8f3-a021-417a-8bc1-65c8d471c621" providerId="ADAL" clId="{B5860C40-AA08-4447-A918-2D2782E0FC0B}" dt="2019-09-16T13:59:20.052" v="33" actId="2696"/>
-        <pc:sldMkLst>
-          <pc:docMk/>
-          <pc:sldMk cId="4055245160" sldId="310"/>
-        </pc:sldMkLst>
-      </pc:sldChg>
-      <pc:sldChg chg="del">
-        <pc:chgData name="Long B Nguyen" userId="f59fb8f3-a021-417a-8bc1-65c8d471c621" providerId="ADAL" clId="{B5860C40-AA08-4447-A918-2D2782E0FC0B}" dt="2019-09-16T13:59:20.091" v="35" actId="2696"/>
-        <pc:sldMkLst>
-          <pc:docMk/>
-          <pc:sldMk cId="4210029770" sldId="311"/>
-        </pc:sldMkLst>
-      </pc:sldChg>
     </pc:docChg>
   </pc:docChgLst>
 </pc:chgInfo>
@@ -410,7 +522,7 @@
           <a:p>
             <a:fld id="{4AAD347D-5ACD-4C99-B74B-A9C85AD731AF}" type="datetimeFigureOut">
               <a:rPr lang="en-US" smtClean="0"/>
-              <a:t>9/16/19</a:t>
+              <a:t>9/19/19</a:t>
             </a:fld>
             <a:endParaRPr lang="en-US" dirty="0"/>
           </a:p>
@@ -580,7 +692,7 @@
           <a:p>
             <a:fld id="{4509A250-FF31-4206-8172-F9D3106AACB1}" type="datetimeFigureOut">
               <a:rPr lang="en-US" smtClean="0"/>
-              <a:t>9/16/19</a:t>
+              <a:t>9/19/19</a:t>
             </a:fld>
             <a:endParaRPr lang="en-US" dirty="0"/>
           </a:p>
@@ -760,7 +872,7 @@
           <a:p>
             <a:fld id="{4509A250-FF31-4206-8172-F9D3106AACB1}" type="datetimeFigureOut">
               <a:rPr lang="en-US" smtClean="0"/>
-              <a:t>9/16/19</a:t>
+              <a:t>9/19/19</a:t>
             </a:fld>
             <a:endParaRPr lang="en-US" dirty="0"/>
           </a:p>
@@ -930,7 +1042,7 @@
           <a:p>
             <a:fld id="{4509A250-FF31-4206-8172-F9D3106AACB1}" type="datetimeFigureOut">
               <a:rPr lang="en-US" smtClean="0"/>
-              <a:t>9/16/19</a:t>
+              <a:t>9/19/19</a:t>
             </a:fld>
             <a:endParaRPr lang="en-US" dirty="0"/>
           </a:p>
@@ -1176,7 +1288,7 @@
           <a:p>
             <a:fld id="{9796027F-7875-4030-9381-8BD8C4F21935}" type="datetimeFigureOut">
               <a:rPr lang="en-US" smtClean="0"/>
-              <a:t>9/16/19</a:t>
+              <a:t>9/19/19</a:t>
             </a:fld>
             <a:endParaRPr lang="en-US" dirty="0"/>
           </a:p>
@@ -1408,7 +1520,7 @@
           <a:p>
             <a:fld id="{9796027F-7875-4030-9381-8BD8C4F21935}" type="datetimeFigureOut">
               <a:rPr lang="en-US" smtClean="0"/>
-              <a:t>9/16/19</a:t>
+              <a:t>9/19/19</a:t>
             </a:fld>
             <a:endParaRPr lang="en-US" dirty="0"/>
           </a:p>
@@ -1775,7 +1887,7 @@
           <a:p>
             <a:fld id="{9796027F-7875-4030-9381-8BD8C4F21935}" type="datetimeFigureOut">
               <a:rPr lang="en-US" smtClean="0"/>
-              <a:t>9/16/19</a:t>
+              <a:t>9/19/19</a:t>
             </a:fld>
             <a:endParaRPr lang="en-US" dirty="0"/>
           </a:p>
@@ -1893,7 +2005,7 @@
           <a:p>
             <a:fld id="{4509A250-FF31-4206-8172-F9D3106AACB1}" type="datetimeFigureOut">
               <a:rPr lang="en-US" smtClean="0"/>
-              <a:t>9/16/19</a:t>
+              <a:t>9/19/19</a:t>
             </a:fld>
             <a:endParaRPr lang="en-US" dirty="0"/>
           </a:p>
@@ -1988,7 +2100,7 @@
           <a:p>
             <a:fld id="{4509A250-FF31-4206-8172-F9D3106AACB1}" type="datetimeFigureOut">
               <a:rPr lang="en-US" smtClean="0"/>
-              <a:t>9/16/19</a:t>
+              <a:t>9/19/19</a:t>
             </a:fld>
             <a:endParaRPr lang="en-US" dirty="0"/>
           </a:p>
@@ -2265,7 +2377,7 @@
           <a:p>
             <a:fld id="{4509A250-FF31-4206-8172-F9D3106AACB1}" type="datetimeFigureOut">
               <a:rPr lang="en-US" smtClean="0"/>
-              <a:t>9/16/19</a:t>
+              <a:t>9/19/19</a:t>
             </a:fld>
             <a:endParaRPr lang="en-US" dirty="0"/>
           </a:p>
@@ -2522,7 +2634,7 @@
           <a:p>
             <a:fld id="{4509A250-FF31-4206-8172-F9D3106AACB1}" type="datetimeFigureOut">
               <a:rPr lang="en-US" smtClean="0"/>
-              <a:t>9/16/19</a:t>
+              <a:t>9/19/19</a:t>
             </a:fld>
             <a:endParaRPr lang="en-US" dirty="0"/>
           </a:p>
@@ -2735,7 +2847,7 @@
           <a:p>
             <a:fld id="{4AAD347D-5ACD-4C99-B74B-A9C85AD731AF}" type="datetimeFigureOut">
               <a:rPr lang="en-US" smtClean="0"/>
-              <a:t>9/16/19</a:t>
+              <a:t>9/19/19</a:t>
             </a:fld>
             <a:endParaRPr lang="en-US" dirty="0"/>
           </a:p>
@@ -3206,7 +3318,7 @@
             <a:pPr algn="l"/>
             <a:r>
               <a:rPr lang="en-US" sz="2400" b="1" dirty="0"/>
-              <a:t>Loops</a:t>
+              <a:t>For Loops</a:t>
             </a:r>
           </a:p>
         </p:txBody>
@@ -3767,6 +3879,41 @@
             <a:pPr marL="0" indent="0">
               <a:buNone/>
             </a:pPr>
+            <a:r>
+              <a:rPr lang="en-US" b="1" dirty="0">
+                <a:latin typeface="Inconsolata Medium" panose="020B0609030003000000" pitchFamily="49" charset="77"/>
+              </a:rPr>
+              <a:t>	</a:t>
+            </a:r>
+            <a:r>
+              <a:rPr lang="en-US" b="1">
+                <a:latin typeface="Inconsolata Medium" panose="020B0609030003000000" pitchFamily="49" charset="77"/>
+              </a:rPr>
+              <a:t>	</a:t>
+            </a:r>
+            <a:r>
+              <a:rPr lang="en-US" b="1">
+                <a:solidFill>
+                  <a:srgbClr val="006699"/>
+                </a:solidFill>
+                <a:latin typeface="Inconsolata Medium" panose="020B0609030003000000" pitchFamily="49" charset="77"/>
+              </a:rPr>
+              <a:t>print</a:t>
+            </a:r>
+            <a:r>
+              <a:rPr lang="en-US" b="1">
+                <a:latin typeface="Inconsolata Medium" panose="020B0609030003000000" pitchFamily="49" charset="77"/>
+              </a:rPr>
+              <a:t>()</a:t>
+            </a:r>
+            <a:endParaRPr lang="en-US" b="1" dirty="0">
+              <a:latin typeface="Inconsolata Medium" panose="020B0609030003000000" pitchFamily="49" charset="77"/>
+            </a:endParaRPr>
+          </a:p>
+          <a:p>
+            <a:pPr marL="0" indent="0">
+              <a:buNone/>
+            </a:pPr>
             <a:endParaRPr lang="en-US" dirty="0"/>
           </a:p>
           <a:p>
@@ -3868,6 +4015,821 @@
           <a:p>
             <a:r>
               <a:rPr lang="en-US" dirty="0"/>
+              <a:t>Nested Loops Example 1</a:t>
+            </a:r>
+          </a:p>
+        </p:txBody>
+      </p:sp>
+      <p:sp>
+        <p:nvSpPr>
+          <p:cNvPr id="9" name="Content Placeholder 8">
+            <a:extLst>
+              <a:ext uri="{FF2B5EF4-FFF2-40B4-BE49-F238E27FC236}">
+                <a16:creationId xmlns:a16="http://schemas.microsoft.com/office/drawing/2014/main" id="{E3B2E017-30B2-884B-A113-B419A2ED51AD}"/>
+              </a:ext>
+            </a:extLst>
+          </p:cNvPr>
+          <p:cNvSpPr>
+            <a:spLocks noGrp="1"/>
+          </p:cNvSpPr>
+          <p:nvPr>
+            <p:ph idx="1"/>
+          </p:nvPr>
+        </p:nvSpPr>
+        <p:spPr>
+          <a:xfrm>
+            <a:off x="483848" y="1288073"/>
+            <a:ext cx="8051725" cy="4292919"/>
+          </a:xfrm>
+        </p:spPr>
+        <p:txBody>
+          <a:bodyPr>
+            <a:normAutofit/>
+          </a:bodyPr>
+          <a:lstStyle/>
+          <a:p>
+            <a:pPr marL="0" indent="0">
+              <a:buNone/>
+            </a:pPr>
+            <a:endParaRPr lang="en-US" dirty="0">
+              <a:latin typeface="Gill Sans MT" panose="020B0502020104020203" pitchFamily="34" charset="77"/>
+            </a:endParaRPr>
+          </a:p>
+          <a:p>
+            <a:pPr marL="0" indent="0">
+              <a:buNone/>
+            </a:pPr>
+            <a:r>
+              <a:rPr lang="en-US" b="1" dirty="0">
+                <a:solidFill>
+                  <a:srgbClr val="000087"/>
+                </a:solidFill>
+                <a:latin typeface="Inconsolata Medium" panose="020B0609030003000000" pitchFamily="49" charset="77"/>
+              </a:rPr>
+              <a:t>In</a:t>
+            </a:r>
+            <a:r>
+              <a:rPr lang="en-US" b="1" dirty="0">
+                <a:latin typeface="Inconsolata Medium" panose="020B0609030003000000" pitchFamily="49" charset="77"/>
+              </a:rPr>
+              <a:t>[</a:t>
+            </a:r>
+            <a:r>
+              <a:rPr lang="en-US" b="1" dirty="0">
+                <a:solidFill>
+                  <a:srgbClr val="FF6600"/>
+                </a:solidFill>
+                <a:latin typeface="Inconsolata Medium" panose="020B0609030003000000" pitchFamily="49" charset="77"/>
+              </a:rPr>
+              <a:t>6</a:t>
+            </a:r>
+            <a:r>
+              <a:rPr lang="en-US" b="1" dirty="0">
+                <a:latin typeface="Inconsolata Medium" panose="020B0609030003000000" pitchFamily="49" charset="77"/>
+              </a:rPr>
+              <a:t>]: </a:t>
+            </a:r>
+            <a:r>
+              <a:rPr lang="en-US" b="1" dirty="0">
+                <a:solidFill>
+                  <a:srgbClr val="006699"/>
+                </a:solidFill>
+                <a:latin typeface="Inconsolata Medium" panose="020B0609030003000000" pitchFamily="49" charset="77"/>
+              </a:rPr>
+              <a:t>for </a:t>
+            </a:r>
+            <a:r>
+              <a:rPr lang="en-US" b="1" dirty="0">
+                <a:solidFill>
+                  <a:srgbClr val="000087"/>
+                </a:solidFill>
+                <a:latin typeface="Inconsolata Medium" panose="020B0609030003000000" pitchFamily="49" charset="77"/>
+              </a:rPr>
+              <a:t>i </a:t>
+            </a:r>
+            <a:r>
+              <a:rPr lang="en-US" b="1" dirty="0">
+                <a:latin typeface="Inconsolata Medium" panose="020B0609030003000000" pitchFamily="49" charset="77"/>
+              </a:rPr>
+              <a:t>in </a:t>
+            </a:r>
+            <a:r>
+              <a:rPr lang="en-US" b="1" dirty="0">
+                <a:solidFill>
+                  <a:srgbClr val="336666"/>
+                </a:solidFill>
+                <a:latin typeface="Inconsolata Medium" panose="020B0609030003000000" pitchFamily="49" charset="77"/>
+              </a:rPr>
+              <a:t>range</a:t>
+            </a:r>
+            <a:r>
+              <a:rPr lang="en-US" b="1" dirty="0">
+                <a:latin typeface="Inconsolata Medium" panose="020B0609030003000000" pitchFamily="49" charset="77"/>
+              </a:rPr>
+              <a:t>(</a:t>
+            </a:r>
+            <a:r>
+              <a:rPr lang="en-US" b="1" dirty="0">
+                <a:solidFill>
+                  <a:srgbClr val="FF6600"/>
+                </a:solidFill>
+                <a:latin typeface="Inconsolata Medium" panose="020B0609030003000000" pitchFamily="49" charset="77"/>
+              </a:rPr>
+              <a:t>1, 6</a:t>
+            </a:r>
+            <a:r>
+              <a:rPr lang="en-US" b="1" dirty="0">
+                <a:latin typeface="Inconsolata Medium" panose="020B0609030003000000" pitchFamily="49" charset="77"/>
+              </a:rPr>
+              <a:t>):</a:t>
+            </a:r>
+          </a:p>
+          <a:p>
+            <a:pPr marL="0" indent="0">
+              <a:buNone/>
+            </a:pPr>
+            <a:r>
+              <a:rPr lang="en-US" b="1" dirty="0">
+                <a:solidFill>
+                  <a:srgbClr val="FF6600"/>
+                </a:solidFill>
+                <a:latin typeface="Inconsolata Medium" panose="020B0609030003000000" pitchFamily="49" charset="77"/>
+              </a:rPr>
+              <a:t>	  	</a:t>
+            </a:r>
+            <a:r>
+              <a:rPr lang="en-US" b="1" dirty="0">
+                <a:solidFill>
+                  <a:srgbClr val="006699"/>
+                </a:solidFill>
+                <a:latin typeface="Inconsolata Medium" panose="020B0609030003000000" pitchFamily="49" charset="77"/>
+              </a:rPr>
+              <a:t>for </a:t>
+            </a:r>
+            <a:r>
+              <a:rPr lang="en-US" b="1" dirty="0">
+                <a:solidFill>
+                  <a:srgbClr val="000087"/>
+                </a:solidFill>
+                <a:latin typeface="Inconsolata Medium" panose="020B0609030003000000" pitchFamily="49" charset="77"/>
+              </a:rPr>
+              <a:t>j </a:t>
+            </a:r>
+            <a:r>
+              <a:rPr lang="en-US" b="1" dirty="0">
+                <a:latin typeface="Inconsolata Medium" panose="020B0609030003000000" pitchFamily="49" charset="77"/>
+              </a:rPr>
+              <a:t>in </a:t>
+            </a:r>
+            <a:r>
+              <a:rPr lang="en-US" b="1" dirty="0">
+                <a:solidFill>
+                  <a:srgbClr val="336666"/>
+                </a:solidFill>
+                <a:latin typeface="Inconsolata Medium" panose="020B0609030003000000" pitchFamily="49" charset="77"/>
+              </a:rPr>
+              <a:t>range</a:t>
+            </a:r>
+            <a:r>
+              <a:rPr lang="en-US" b="1" dirty="0">
+                <a:latin typeface="Inconsolata Medium" panose="020B0609030003000000" pitchFamily="49" charset="77"/>
+              </a:rPr>
+              <a:t>(</a:t>
+            </a:r>
+            <a:r>
+              <a:rPr lang="en-US" b="1" dirty="0">
+                <a:solidFill>
+                  <a:srgbClr val="FF6600"/>
+                </a:solidFill>
+                <a:latin typeface="Inconsolata Medium" panose="020B0609030003000000" pitchFamily="49" charset="77"/>
+              </a:rPr>
+              <a:t>1, i+1</a:t>
+            </a:r>
+            <a:r>
+              <a:rPr lang="en-US" b="1" dirty="0">
+                <a:latin typeface="Inconsolata Medium" panose="020B0609030003000000" pitchFamily="49" charset="77"/>
+              </a:rPr>
+              <a:t>): </a:t>
+            </a:r>
+          </a:p>
+          <a:p>
+            <a:pPr marL="0" indent="0">
+              <a:buNone/>
+            </a:pPr>
+            <a:r>
+              <a:rPr lang="en-US" b="1" dirty="0">
+                <a:solidFill>
+                  <a:srgbClr val="006699"/>
+                </a:solidFill>
+                <a:latin typeface="Inconsolata Medium" panose="020B0609030003000000" pitchFamily="49" charset="77"/>
+              </a:rPr>
+              <a:t>			print</a:t>
+            </a:r>
+            <a:r>
+              <a:rPr lang="en-US" b="1" dirty="0">
+                <a:latin typeface="Inconsolata Medium" panose="020B0609030003000000" pitchFamily="49" charset="77"/>
+              </a:rPr>
+              <a:t>(j, </a:t>
+            </a:r>
+            <a:r>
+              <a:rPr lang="en-US" b="1" dirty="0">
+                <a:solidFill>
+                  <a:srgbClr val="000087"/>
+                </a:solidFill>
+                <a:latin typeface="Inconsolata Medium" panose="020B0609030003000000" pitchFamily="49" charset="77"/>
+              </a:rPr>
+              <a:t>end</a:t>
+            </a:r>
+            <a:r>
+              <a:rPr lang="en-US" b="1" dirty="0">
+                <a:solidFill>
+                  <a:srgbClr val="545454"/>
+                </a:solidFill>
+                <a:latin typeface="Inconsolata Medium" panose="020B0609030003000000" pitchFamily="49" charset="77"/>
+              </a:rPr>
+              <a:t>=</a:t>
+            </a:r>
+            <a:r>
+              <a:rPr lang="en-US" b="1" dirty="0">
+                <a:solidFill>
+                  <a:srgbClr val="CC3300"/>
+                </a:solidFill>
+                <a:latin typeface="Inconsolata Medium" panose="020B0609030003000000" pitchFamily="49" charset="77"/>
+              </a:rPr>
+              <a:t>‘ ’</a:t>
+            </a:r>
+            <a:r>
+              <a:rPr lang="en-US" b="1" dirty="0">
+                <a:latin typeface="Inconsolata Medium" panose="020B0609030003000000" pitchFamily="49" charset="77"/>
+              </a:rPr>
+              <a:t>) </a:t>
+            </a:r>
+          </a:p>
+          <a:p>
+            <a:pPr marL="0" indent="0">
+              <a:buNone/>
+            </a:pPr>
+            <a:r>
+              <a:rPr lang="en-US" b="1" dirty="0">
+                <a:latin typeface="Inconsolata Medium" panose="020B0609030003000000" pitchFamily="49" charset="77"/>
+              </a:rPr>
+              <a:t>		</a:t>
+            </a:r>
+            <a:r>
+              <a:rPr lang="en-US" b="1" dirty="0">
+                <a:solidFill>
+                  <a:srgbClr val="006699"/>
+                </a:solidFill>
+                <a:latin typeface="Inconsolata Medium" panose="020B0609030003000000" pitchFamily="49" charset="77"/>
+              </a:rPr>
+              <a:t>print</a:t>
+            </a:r>
+            <a:r>
+              <a:rPr lang="en-US" b="1" dirty="0">
+                <a:latin typeface="Inconsolata Medium" panose="020B0609030003000000" pitchFamily="49" charset="77"/>
+              </a:rPr>
+              <a:t>()</a:t>
+            </a:r>
+          </a:p>
+          <a:p>
+            <a:pPr marL="0" indent="0">
+              <a:buNone/>
+            </a:pPr>
+            <a:endParaRPr lang="en-US" dirty="0"/>
+          </a:p>
+          <a:p>
+            <a:pPr marL="0" indent="0">
+              <a:buNone/>
+            </a:pPr>
+            <a:r>
+              <a:rPr lang="en-US" b="1" dirty="0">
+                <a:latin typeface="Inconsolata Medium" panose="020B0609030003000000" pitchFamily="49" charset="77"/>
+              </a:rPr>
+              <a:t>1  </a:t>
+            </a:r>
+          </a:p>
+          <a:p>
+            <a:pPr marL="0" indent="0">
+              <a:buNone/>
+            </a:pPr>
+            <a:r>
+              <a:rPr lang="en-US" b="1" dirty="0">
+                <a:latin typeface="Inconsolata Medium" panose="020B0609030003000000" pitchFamily="49" charset="77"/>
+              </a:rPr>
+              <a:t>1 2 </a:t>
+            </a:r>
+          </a:p>
+          <a:p>
+            <a:pPr marL="0" indent="0">
+              <a:buNone/>
+            </a:pPr>
+            <a:r>
+              <a:rPr lang="en-US" sz="2100" b="1" dirty="0">
+                <a:latin typeface="Inconsolata Medium" panose="020B0609030003000000" pitchFamily="49" charset="77"/>
+              </a:rPr>
+              <a:t>1 2 3</a:t>
+            </a:r>
+          </a:p>
+          <a:p>
+            <a:pPr marL="0" indent="0">
+              <a:buNone/>
+            </a:pPr>
+            <a:r>
+              <a:rPr lang="en-US" b="1" dirty="0">
+                <a:latin typeface="Inconsolata Medium" panose="020B0609030003000000" pitchFamily="49" charset="77"/>
+              </a:rPr>
+              <a:t>1 2 3 4 </a:t>
+            </a:r>
+          </a:p>
+          <a:p>
+            <a:pPr marL="0" indent="0">
+              <a:buNone/>
+            </a:pPr>
+            <a:r>
+              <a:rPr lang="en-US" sz="2100" b="1" dirty="0">
+                <a:latin typeface="Inconsolata Medium" panose="020B0609030003000000" pitchFamily="49" charset="77"/>
+              </a:rPr>
+              <a:t>1 2 3 4 5</a:t>
+            </a:r>
+          </a:p>
+        </p:txBody>
+      </p:sp>
+    </p:spTree>
+    <p:extLst>
+      <p:ext uri="{BB962C8B-B14F-4D97-AF65-F5344CB8AC3E}">
+        <p14:creationId xmlns:p14="http://schemas.microsoft.com/office/powerpoint/2010/main" val="3614829039"/>
+      </p:ext>
+    </p:extLst>
+  </p:cSld>
+  <p:clrMapOvr>
+    <a:masterClrMapping/>
+  </p:clrMapOvr>
+</p:sld>
+</file>
+
+<file path=ppt/slides/slide12.xml><?xml version="1.0" encoding="utf-8"?>
+<p:sld xmlns:a="http://schemas.openxmlformats.org/drawingml/2006/main" xmlns:r="http://schemas.openxmlformats.org/officeDocument/2006/relationships" xmlns:p="http://schemas.openxmlformats.org/presentationml/2006/main">
+  <p:cSld>
+    <p:spTree>
+      <p:nvGrpSpPr>
+        <p:cNvPr id="1" name=""/>
+        <p:cNvGrpSpPr/>
+        <p:nvPr/>
+      </p:nvGrpSpPr>
+      <p:grpSpPr>
+        <a:xfrm>
+          <a:off x="0" y="0"/>
+          <a:ext cx="0" cy="0"/>
+          <a:chOff x="0" y="0"/>
+          <a:chExt cx="0" cy="0"/>
+        </a:xfrm>
+      </p:grpSpPr>
+      <p:sp>
+        <p:nvSpPr>
+          <p:cNvPr id="2" name="Title 1">
+            <a:extLst>
+              <a:ext uri="{FF2B5EF4-FFF2-40B4-BE49-F238E27FC236}">
+                <a16:creationId xmlns:a16="http://schemas.microsoft.com/office/drawing/2014/main" id="{AA3A228F-61D0-D949-A5E7-F83756230BF8}"/>
+              </a:ext>
+            </a:extLst>
+          </p:cNvPr>
+          <p:cNvSpPr>
+            <a:spLocks noGrp="1"/>
+          </p:cNvSpPr>
+          <p:nvPr>
+            <p:ph type="title"/>
+          </p:nvPr>
+        </p:nvSpPr>
+        <p:spPr>
+          <a:xfrm>
+            <a:off x="483848" y="467027"/>
+            <a:ext cx="7053542" cy="683886"/>
+          </a:xfrm>
+        </p:spPr>
+        <p:txBody>
+          <a:bodyPr/>
+          <a:lstStyle/>
+          <a:p>
+            <a:r>
+              <a:rPr lang="en-US" dirty="0"/>
+              <a:t>Nested Loops Example 2</a:t>
+            </a:r>
+          </a:p>
+        </p:txBody>
+      </p:sp>
+      <p:sp>
+        <p:nvSpPr>
+          <p:cNvPr id="9" name="Content Placeholder 8">
+            <a:extLst>
+              <a:ext uri="{FF2B5EF4-FFF2-40B4-BE49-F238E27FC236}">
+                <a16:creationId xmlns:a16="http://schemas.microsoft.com/office/drawing/2014/main" id="{E3B2E017-30B2-884B-A113-B419A2ED51AD}"/>
+              </a:ext>
+            </a:extLst>
+          </p:cNvPr>
+          <p:cNvSpPr>
+            <a:spLocks noGrp="1"/>
+          </p:cNvSpPr>
+          <p:nvPr>
+            <p:ph idx="1"/>
+          </p:nvPr>
+        </p:nvSpPr>
+        <p:spPr>
+          <a:xfrm>
+            <a:off x="483848" y="1288073"/>
+            <a:ext cx="8051725" cy="4292919"/>
+          </a:xfrm>
+        </p:spPr>
+        <p:txBody>
+          <a:bodyPr>
+            <a:normAutofit/>
+          </a:bodyPr>
+          <a:lstStyle/>
+          <a:p>
+            <a:pPr marL="0" indent="0">
+              <a:buNone/>
+            </a:pPr>
+            <a:endParaRPr lang="en-US" dirty="0">
+              <a:latin typeface="Gill Sans MT" panose="020B0502020104020203" pitchFamily="34" charset="77"/>
+            </a:endParaRPr>
+          </a:p>
+          <a:p>
+            <a:pPr marL="0" indent="0">
+              <a:buNone/>
+            </a:pPr>
+            <a:r>
+              <a:rPr lang="en-US" b="1" dirty="0">
+                <a:solidFill>
+                  <a:srgbClr val="000087"/>
+                </a:solidFill>
+                <a:latin typeface="Inconsolata Medium" panose="020B0609030003000000" pitchFamily="49" charset="77"/>
+              </a:rPr>
+              <a:t>In</a:t>
+            </a:r>
+            <a:r>
+              <a:rPr lang="en-US" b="1" dirty="0">
+                <a:latin typeface="Inconsolata Medium" panose="020B0609030003000000" pitchFamily="49" charset="77"/>
+              </a:rPr>
+              <a:t>[</a:t>
+            </a:r>
+            <a:r>
+              <a:rPr lang="en-US" b="1" dirty="0">
+                <a:solidFill>
+                  <a:srgbClr val="FF6600"/>
+                </a:solidFill>
+                <a:latin typeface="Inconsolata Medium" panose="020B0609030003000000" pitchFamily="49" charset="77"/>
+              </a:rPr>
+              <a:t>6</a:t>
+            </a:r>
+            <a:r>
+              <a:rPr lang="en-US" b="1" dirty="0">
+                <a:latin typeface="Inconsolata Medium" panose="020B0609030003000000" pitchFamily="49" charset="77"/>
+              </a:rPr>
+              <a:t>]: </a:t>
+            </a:r>
+            <a:r>
+              <a:rPr lang="en-US" b="1" dirty="0">
+                <a:solidFill>
+                  <a:srgbClr val="006699"/>
+                </a:solidFill>
+                <a:latin typeface="Inconsolata Medium" panose="020B0609030003000000" pitchFamily="49" charset="77"/>
+              </a:rPr>
+              <a:t>for </a:t>
+            </a:r>
+            <a:r>
+              <a:rPr lang="en-US" b="1" dirty="0">
+                <a:solidFill>
+                  <a:srgbClr val="000087"/>
+                </a:solidFill>
+                <a:latin typeface="Inconsolata Medium" panose="020B0609030003000000" pitchFamily="49" charset="77"/>
+              </a:rPr>
+              <a:t>i </a:t>
+            </a:r>
+            <a:r>
+              <a:rPr lang="en-US" b="1" dirty="0">
+                <a:latin typeface="Inconsolata Medium" panose="020B0609030003000000" pitchFamily="49" charset="77"/>
+              </a:rPr>
+              <a:t>in </a:t>
+            </a:r>
+            <a:r>
+              <a:rPr lang="en-US" b="1" dirty="0">
+                <a:solidFill>
+                  <a:srgbClr val="336666"/>
+                </a:solidFill>
+                <a:latin typeface="Inconsolata Medium" panose="020B0609030003000000" pitchFamily="49" charset="77"/>
+              </a:rPr>
+              <a:t>range</a:t>
+            </a:r>
+            <a:r>
+              <a:rPr lang="en-US" b="1" dirty="0">
+                <a:latin typeface="Inconsolata Medium" panose="020B0609030003000000" pitchFamily="49" charset="77"/>
+              </a:rPr>
+              <a:t>(</a:t>
+            </a:r>
+            <a:r>
+              <a:rPr lang="en-US" b="1" dirty="0">
+                <a:solidFill>
+                  <a:srgbClr val="FF6600"/>
+                </a:solidFill>
+                <a:latin typeface="Inconsolata Medium" panose="020B0609030003000000" pitchFamily="49" charset="77"/>
+              </a:rPr>
+              <a:t>1, 6</a:t>
+            </a:r>
+            <a:r>
+              <a:rPr lang="en-US" b="1" dirty="0">
+                <a:latin typeface="Inconsolata Medium" panose="020B0609030003000000" pitchFamily="49" charset="77"/>
+              </a:rPr>
+              <a:t>):</a:t>
+            </a:r>
+          </a:p>
+          <a:p>
+            <a:pPr marL="0" indent="0">
+              <a:buNone/>
+            </a:pPr>
+            <a:r>
+              <a:rPr lang="en-US" b="1" dirty="0">
+                <a:solidFill>
+                  <a:srgbClr val="FF6600"/>
+                </a:solidFill>
+                <a:latin typeface="Inconsolata Medium" panose="020B0609030003000000" pitchFamily="49" charset="77"/>
+              </a:rPr>
+              <a:t>	  	</a:t>
+            </a:r>
+            <a:r>
+              <a:rPr lang="en-US" b="1" dirty="0">
+                <a:solidFill>
+                  <a:srgbClr val="006699"/>
+                </a:solidFill>
+                <a:latin typeface="Inconsolata Medium" panose="020B0609030003000000" pitchFamily="49" charset="77"/>
+              </a:rPr>
+              <a:t>for </a:t>
+            </a:r>
+            <a:r>
+              <a:rPr lang="en-US" b="1" dirty="0">
+                <a:solidFill>
+                  <a:srgbClr val="000087"/>
+                </a:solidFill>
+                <a:latin typeface="Inconsolata Medium" panose="020B0609030003000000" pitchFamily="49" charset="77"/>
+              </a:rPr>
+              <a:t>j </a:t>
+            </a:r>
+            <a:r>
+              <a:rPr lang="en-US" b="1" dirty="0">
+                <a:latin typeface="Inconsolata Medium" panose="020B0609030003000000" pitchFamily="49" charset="77"/>
+              </a:rPr>
+              <a:t>in </a:t>
+            </a:r>
+            <a:r>
+              <a:rPr lang="en-US" b="1" dirty="0">
+                <a:solidFill>
+                  <a:srgbClr val="336666"/>
+                </a:solidFill>
+                <a:latin typeface="Inconsolata Medium" panose="020B0609030003000000" pitchFamily="49" charset="77"/>
+              </a:rPr>
+              <a:t>range</a:t>
+            </a:r>
+            <a:r>
+              <a:rPr lang="en-US" b="1" dirty="0">
+                <a:latin typeface="Inconsolata Medium" panose="020B0609030003000000" pitchFamily="49" charset="77"/>
+              </a:rPr>
+              <a:t>(</a:t>
+            </a:r>
+            <a:r>
+              <a:rPr lang="en-US" b="1" dirty="0">
+                <a:solidFill>
+                  <a:srgbClr val="FF6600"/>
+                </a:solidFill>
+                <a:latin typeface="Inconsolata Medium" panose="020B0609030003000000" pitchFamily="49" charset="77"/>
+              </a:rPr>
+              <a:t>6, </a:t>
+            </a:r>
+            <a:r>
+              <a:rPr lang="en-US" b="1" dirty="0" err="1">
+                <a:solidFill>
+                  <a:srgbClr val="FF6600"/>
+                </a:solidFill>
+                <a:latin typeface="Inconsolata Medium" panose="020B0609030003000000" pitchFamily="49" charset="77"/>
+              </a:rPr>
+              <a:t>i</a:t>
+            </a:r>
+            <a:r>
+              <a:rPr lang="en-US" b="1" dirty="0">
+                <a:solidFill>
+                  <a:srgbClr val="FF6600"/>
+                </a:solidFill>
+                <a:latin typeface="Inconsolata Medium" panose="020B0609030003000000" pitchFamily="49" charset="77"/>
+              </a:rPr>
+              <a:t>, -1</a:t>
+            </a:r>
+            <a:r>
+              <a:rPr lang="en-US" b="1" dirty="0">
+                <a:latin typeface="Inconsolata Medium" panose="020B0609030003000000" pitchFamily="49" charset="77"/>
+              </a:rPr>
+              <a:t>): </a:t>
+            </a:r>
+          </a:p>
+          <a:p>
+            <a:pPr marL="0" indent="0">
+              <a:buNone/>
+            </a:pPr>
+            <a:r>
+              <a:rPr lang="en-US" b="1" dirty="0">
+                <a:solidFill>
+                  <a:srgbClr val="006699"/>
+                </a:solidFill>
+                <a:latin typeface="Inconsolata Medium" panose="020B0609030003000000" pitchFamily="49" charset="77"/>
+              </a:rPr>
+              <a:t>			print</a:t>
+            </a:r>
+            <a:r>
+              <a:rPr lang="en-US" b="1" dirty="0">
+                <a:latin typeface="Inconsolata Medium" panose="020B0609030003000000" pitchFamily="49" charset="77"/>
+              </a:rPr>
+              <a:t>(j, </a:t>
+            </a:r>
+            <a:r>
+              <a:rPr lang="en-US" b="1" dirty="0">
+                <a:solidFill>
+                  <a:srgbClr val="000087"/>
+                </a:solidFill>
+                <a:latin typeface="Inconsolata Medium" panose="020B0609030003000000" pitchFamily="49" charset="77"/>
+              </a:rPr>
+              <a:t>end</a:t>
+            </a:r>
+            <a:r>
+              <a:rPr lang="en-US" b="1" dirty="0">
+                <a:solidFill>
+                  <a:srgbClr val="545454"/>
+                </a:solidFill>
+                <a:latin typeface="Inconsolata Medium" panose="020B0609030003000000" pitchFamily="49" charset="77"/>
+              </a:rPr>
+              <a:t>=</a:t>
+            </a:r>
+            <a:r>
+              <a:rPr lang="en-US" b="1" dirty="0">
+                <a:solidFill>
+                  <a:srgbClr val="CC3300"/>
+                </a:solidFill>
+                <a:latin typeface="Inconsolata Medium" panose="020B0609030003000000" pitchFamily="49" charset="77"/>
+              </a:rPr>
+              <a:t>‘ ’</a:t>
+            </a:r>
+            <a:r>
+              <a:rPr lang="en-US" b="1" dirty="0">
+                <a:latin typeface="Inconsolata Medium" panose="020B0609030003000000" pitchFamily="49" charset="77"/>
+              </a:rPr>
+              <a:t>) </a:t>
+            </a:r>
+          </a:p>
+          <a:p>
+            <a:pPr marL="0" indent="0">
+              <a:buNone/>
+            </a:pPr>
+            <a:r>
+              <a:rPr lang="en-US" b="1" dirty="0">
+                <a:latin typeface="Inconsolata Medium" panose="020B0609030003000000" pitchFamily="49" charset="77"/>
+              </a:rPr>
+              <a:t>		</a:t>
+            </a:r>
+            <a:r>
+              <a:rPr lang="en-US" b="1" dirty="0">
+                <a:solidFill>
+                  <a:srgbClr val="006699"/>
+                </a:solidFill>
+                <a:latin typeface="Inconsolata Medium" panose="020B0609030003000000" pitchFamily="49" charset="77"/>
+              </a:rPr>
+              <a:t>print</a:t>
+            </a:r>
+            <a:r>
+              <a:rPr lang="en-US" b="1" dirty="0">
+                <a:latin typeface="Inconsolata Medium" panose="020B0609030003000000" pitchFamily="49" charset="77"/>
+              </a:rPr>
+              <a:t>()</a:t>
+            </a:r>
+          </a:p>
+          <a:p>
+            <a:pPr marL="0" indent="0">
+              <a:buNone/>
+            </a:pPr>
+            <a:endParaRPr lang="en-US" dirty="0"/>
+          </a:p>
+          <a:p>
+            <a:pPr marL="0" indent="0">
+              <a:buNone/>
+            </a:pPr>
+            <a:r>
+              <a:rPr lang="en-US" b="1" dirty="0">
+                <a:latin typeface="Inconsolata Medium" panose="020B0609030003000000" pitchFamily="49" charset="77"/>
+              </a:rPr>
+              <a:t>6 5 4 3 2</a:t>
+            </a:r>
+          </a:p>
+          <a:p>
+            <a:pPr marL="0" indent="0">
+              <a:buNone/>
+            </a:pPr>
+            <a:r>
+              <a:rPr lang="en-US" b="1" dirty="0">
+                <a:latin typeface="Inconsolata Medium" panose="020B0609030003000000" pitchFamily="49" charset="77"/>
+              </a:rPr>
+              <a:t>6 5 4 3</a:t>
+            </a:r>
+          </a:p>
+          <a:p>
+            <a:pPr marL="0" indent="0">
+              <a:buNone/>
+            </a:pPr>
+            <a:r>
+              <a:rPr lang="en-US" b="1" dirty="0">
+                <a:latin typeface="Inconsolata Medium" panose="020B0609030003000000" pitchFamily="49" charset="77"/>
+              </a:rPr>
+              <a:t>6 5 4</a:t>
+            </a:r>
+          </a:p>
+          <a:p>
+            <a:pPr marL="0" indent="0">
+              <a:buNone/>
+            </a:pPr>
+            <a:r>
+              <a:rPr lang="en-US" sz="2100" b="1" dirty="0">
+                <a:latin typeface="Inconsolata Medium" panose="020B0609030003000000" pitchFamily="49" charset="77"/>
+              </a:rPr>
+              <a:t>6 5</a:t>
+            </a:r>
+          </a:p>
+          <a:p>
+            <a:pPr marL="0" indent="0">
+              <a:buNone/>
+            </a:pPr>
+            <a:r>
+              <a:rPr lang="en-US" b="1">
+                <a:latin typeface="Inconsolata Medium" panose="020B0609030003000000" pitchFamily="49" charset="77"/>
+              </a:rPr>
+              <a:t>6</a:t>
+            </a:r>
+            <a:endParaRPr lang="en-US" sz="2100" b="1" dirty="0">
+              <a:latin typeface="Inconsolata Medium" panose="020B0609030003000000" pitchFamily="49" charset="77"/>
+            </a:endParaRPr>
+          </a:p>
+        </p:txBody>
+      </p:sp>
+    </p:spTree>
+    <p:extLst>
+      <p:ext uri="{BB962C8B-B14F-4D97-AF65-F5344CB8AC3E}">
+        <p14:creationId xmlns:p14="http://schemas.microsoft.com/office/powerpoint/2010/main" val="295911327"/>
+      </p:ext>
+    </p:extLst>
+  </p:cSld>
+  <p:clrMapOvr>
+    <a:masterClrMapping/>
+  </p:clrMapOvr>
+</p:sld>
+</file>
+
+<file path=ppt/slides/slide13.xml><?xml version="1.0" encoding="utf-8"?>
+<p:sld xmlns:a="http://schemas.openxmlformats.org/drawingml/2006/main" xmlns:r="http://schemas.openxmlformats.org/officeDocument/2006/relationships" xmlns:p="http://schemas.openxmlformats.org/presentationml/2006/main">
+  <p:cSld>
+    <p:spTree>
+      <p:nvGrpSpPr>
+        <p:cNvPr id="1" name=""/>
+        <p:cNvGrpSpPr/>
+        <p:nvPr/>
+      </p:nvGrpSpPr>
+      <p:grpSpPr>
+        <a:xfrm>
+          <a:off x="0" y="0"/>
+          <a:ext cx="0" cy="0"/>
+          <a:chOff x="0" y="0"/>
+          <a:chExt cx="0" cy="0"/>
+        </a:xfrm>
+      </p:grpSpPr>
+      <p:sp>
+        <p:nvSpPr>
+          <p:cNvPr id="2" name="Title 1">
+            <a:extLst>
+              <a:ext uri="{FF2B5EF4-FFF2-40B4-BE49-F238E27FC236}">
+                <a16:creationId xmlns:a16="http://schemas.microsoft.com/office/drawing/2014/main" id="{AA3A228F-61D0-D949-A5E7-F83756230BF8}"/>
+              </a:ext>
+            </a:extLst>
+          </p:cNvPr>
+          <p:cNvSpPr>
+            <a:spLocks noGrp="1"/>
+          </p:cNvSpPr>
+          <p:nvPr>
+            <p:ph type="title"/>
+          </p:nvPr>
+        </p:nvSpPr>
+        <p:spPr>
+          <a:xfrm>
+            <a:off x="483848" y="467027"/>
+            <a:ext cx="7053542" cy="683886"/>
+          </a:xfrm>
+        </p:spPr>
+        <p:txBody>
+          <a:bodyPr/>
+          <a:lstStyle/>
+          <a:p>
+            <a:r>
+              <a:rPr lang="en-US" dirty="0"/>
               <a:t>References</a:t>
             </a:r>
           </a:p>
@@ -4053,55 +5015,7 @@
               <a:rPr lang="en-US" dirty="0">
                 <a:latin typeface="Gill Sans MT" panose="020B0502020104020203" pitchFamily="34" charset="77"/>
               </a:rPr>
-              <a:t>Conditionals</a:t>
-            </a:r>
-          </a:p>
-          <a:p>
-            <a:pPr marL="685800" lvl="1" indent="-342900">
-              <a:buFont typeface="+mj-lt"/>
-              <a:buAutoNum type="alphaLcParenR"/>
-            </a:pPr>
-            <a:r>
-              <a:rPr lang="en-US" sz="2000" dirty="0">
-                <a:latin typeface="Gill Sans MT" panose="020B0502020104020203" pitchFamily="34" charset="77"/>
-              </a:rPr>
-              <a:t>if, if-if, if-</a:t>
-            </a:r>
-            <a:r>
-              <a:rPr lang="en-US" sz="2000" dirty="0" err="1">
-                <a:latin typeface="Gill Sans MT" panose="020B0502020104020203" pitchFamily="34" charset="77"/>
-              </a:rPr>
-              <a:t>elif</a:t>
-            </a:r>
-            <a:r>
-              <a:rPr lang="en-US" sz="2000" dirty="0">
-                <a:latin typeface="Gill Sans MT" panose="020B0502020104020203" pitchFamily="34" charset="77"/>
-              </a:rPr>
-              <a:t>, if-</a:t>
-            </a:r>
-            <a:r>
-              <a:rPr lang="en-US" sz="2000" dirty="0" err="1">
-                <a:latin typeface="Gill Sans MT" panose="020B0502020104020203" pitchFamily="34" charset="77"/>
-              </a:rPr>
-              <a:t>elif</a:t>
-            </a:r>
-            <a:r>
-              <a:rPr lang="en-US" sz="2000" dirty="0">
-                <a:latin typeface="Gill Sans MT" panose="020B0502020104020203" pitchFamily="34" charset="77"/>
-              </a:rPr>
-              <a:t>-else</a:t>
-            </a:r>
-          </a:p>
-          <a:p>
-            <a:pPr marL="685800" lvl="1" indent="-342900">
-              <a:buFont typeface="+mj-lt"/>
-              <a:buAutoNum type="alphaLcParenR"/>
-            </a:pPr>
-            <a:r>
-              <a:rPr lang="en-US" sz="2000" dirty="0">
-                <a:latin typeface="Gill Sans MT" panose="020B0502020104020203" pitchFamily="34" charset="77"/>
-              </a:rPr>
-              <a:t>Ternary operator</a:t>
+              <a:t>For Loops</a:t>
             </a:r>
           </a:p>
           <a:p>
@@ -4112,7 +5026,7 @@
               <a:rPr lang="en-US" dirty="0">
                 <a:latin typeface="Gill Sans MT" panose="020B0502020104020203" pitchFamily="34" charset="77"/>
               </a:rPr>
-              <a:t>For Loops</a:t>
+              <a:t>Break vs. Continue</a:t>
             </a:r>
           </a:p>
           <a:p>
@@ -4123,40 +5037,7 @@
               <a:rPr lang="en-US" dirty="0">
                 <a:latin typeface="Gill Sans MT" panose="020B0502020104020203" pitchFamily="34" charset="77"/>
               </a:rPr>
-              <a:t>While Loops</a:t>
-            </a:r>
-          </a:p>
-          <a:p>
-            <a:pPr marL="457200" indent="-457200">
-              <a:buAutoNum type="arabicParenR"/>
-            </a:pPr>
-            <a:r>
-              <a:rPr lang="en-US" dirty="0">
-                <a:latin typeface="Gill Sans MT" panose="020B0502020104020203" pitchFamily="34" charset="77"/>
-              </a:rPr>
-              <a:t>Break vs. Continue</a:t>
-            </a:r>
-          </a:p>
-          <a:p>
-            <a:pPr marL="457200" indent="-457200">
-              <a:buAutoNum type="arabicParenR"/>
-            </a:pPr>
-            <a:r>
-              <a:rPr lang="en-US" dirty="0">
-                <a:latin typeface="Gill Sans MT" panose="020B0502020104020203" pitchFamily="34" charset="77"/>
-              </a:rPr>
               <a:t>Nested Loops</a:t>
-            </a:r>
-          </a:p>
-          <a:p>
-            <a:pPr marL="457200" indent="-457200">
-              <a:buAutoNum type="arabicParenR"/>
-            </a:pPr>
-            <a:r>
-              <a:rPr lang="en-US" dirty="0">
-                <a:latin typeface="Gill Sans MT" panose="020B0502020104020203" pitchFamily="34" charset="77"/>
-              </a:rPr>
-              <a:t>Functions</a:t>
             </a:r>
           </a:p>
           <a:p>
@@ -4958,7 +5839,7 @@
                 </a:solidFill>
                 <a:latin typeface="Inconsolata Medium" panose="020B0609030003000000" pitchFamily="49" charset="77"/>
               </a:rPr>
-              <a:t>' ‘</a:t>
+              <a:t>" "</a:t>
             </a:r>
             <a:r>
               <a:rPr lang="en-US" b="1" dirty="0">
@@ -5921,7 +6802,7 @@
           <a:p>
             <a:r>
               <a:rPr lang="en-US" dirty="0"/>
-              <a:t>While Loops</a:t>
+              <a:t>continue vs. break</a:t>
             </a:r>
           </a:p>
         </p:txBody>
@@ -5961,19 +6842,31 @@
               <a:rPr lang="en-US" dirty="0">
                 <a:latin typeface="Gill Sans MT" panose="020B0502020104020203" pitchFamily="34" charset="77"/>
               </a:rPr>
-              <a:t>A </a:t>
-            </a:r>
-            <a:r>
-              <a:rPr lang="en-US" i="1" dirty="0">
+              <a:t>The </a:t>
+            </a:r>
+            <a:r>
+              <a:rPr lang="en-US" b="1" dirty="0">
                 <a:latin typeface="Gill Sans MT" panose="020B0502020104020203" pitchFamily="34" charset="77"/>
               </a:rPr>
-              <a:t>while</a:t>
+              <a:t>continue</a:t>
             </a:r>
             <a:r>
               <a:rPr lang="en-US" dirty="0">
                 <a:latin typeface="Gill Sans MT" panose="020B0502020104020203" pitchFamily="34" charset="77"/>
               </a:rPr>
-              <a:t> loop executes a block of code while some condition is met.</a:t>
+              <a:t> statement is used to skip the current iteration and move to the next iteration whereas the </a:t>
+            </a:r>
+            <a:r>
+              <a:rPr lang="en-US" b="1" dirty="0">
+                <a:latin typeface="Gill Sans MT" panose="020B0502020104020203" pitchFamily="34" charset="77"/>
+              </a:rPr>
+              <a:t>break</a:t>
+            </a:r>
+            <a:r>
+              <a:rPr lang="en-US" dirty="0">
+                <a:latin typeface="Gill Sans MT" panose="020B0502020104020203" pitchFamily="34" charset="77"/>
+              </a:rPr>
+              <a:t> statement is used to exit a for loop or a while loop.</a:t>
             </a:r>
           </a:p>
           <a:p>
@@ -5991,11 +6884,41 @@
             <a:r>
               <a:rPr lang="en-US" b="1" dirty="0">
                 <a:solidFill>
+                  <a:srgbClr val="000087"/>
+                </a:solidFill>
+                <a:latin typeface="Inconsolata Medium" panose="020B0609030003000000" pitchFamily="49" charset="77"/>
+              </a:rPr>
+              <a:t>In </a:t>
+            </a:r>
+            <a:r>
+              <a:rPr lang="en-US" b="1" dirty="0">
+                <a:latin typeface="Inconsolata Medium" panose="020B0609030003000000" pitchFamily="49" charset="77"/>
+              </a:rPr>
+              <a:t>[</a:t>
+            </a:r>
+            <a:r>
+              <a:rPr lang="en-US" b="1" dirty="0">
+                <a:solidFill>
+                  <a:srgbClr val="FF6600"/>
+                </a:solidFill>
+                <a:latin typeface="Inconsolata Medium" panose="020B0609030003000000" pitchFamily="49" charset="77"/>
+              </a:rPr>
+              <a:t>7</a:t>
+            </a:r>
+            <a:r>
+              <a:rPr lang="en-US" b="1" dirty="0">
+                <a:latin typeface="Inconsolata Medium" panose="020B0609030003000000" pitchFamily="49" charset="77"/>
+              </a:rPr>
+              <a:t>]:  </a:t>
+            </a:r>
+            <a:r>
+              <a:rPr lang="en-US" b="1" dirty="0">
+                <a:solidFill>
                   <a:srgbClr val="006699"/>
                 </a:solidFill>
                 <a:latin typeface="Inconsolata Medium" panose="020B0609030003000000" pitchFamily="49" charset="77"/>
               </a:rPr>
-              <a:t>while </a:t>
+              <a:t>for </a:t>
             </a:r>
             <a:r>
               <a:rPr lang="en-US" b="1" dirty="0">
@@ -6004,13 +6927,43 @@
                 </a:solidFill>
                 <a:latin typeface="Inconsolata Medium" panose="020B0609030003000000" pitchFamily="49" charset="77"/>
               </a:rPr>
-              <a:t>condition</a:t>
-            </a:r>
-            <a:r>
-              <a:rPr lang="en-US" b="1" dirty="0">
-                <a:latin typeface="Inconsolata Medium" panose="020B0609030003000000" pitchFamily="49" charset="77"/>
-              </a:rPr>
-              <a:t>:</a:t>
+              <a:t>n </a:t>
+            </a:r>
+            <a:r>
+              <a:rPr lang="en-US" b="1" dirty="0">
+                <a:latin typeface="Inconsolata Medium" panose="020B0609030003000000" pitchFamily="49" charset="77"/>
+              </a:rPr>
+              <a:t>in </a:t>
+            </a:r>
+            <a:r>
+              <a:rPr lang="en-US" b="1" dirty="0">
+                <a:solidFill>
+                  <a:srgbClr val="336666"/>
+                </a:solidFill>
+                <a:latin typeface="Inconsolata Medium" panose="020B0609030003000000" pitchFamily="49" charset="77"/>
+              </a:rPr>
+              <a:t>range</a:t>
+            </a:r>
+            <a:r>
+              <a:rPr lang="en-US" b="1" dirty="0">
+                <a:latin typeface="Inconsolata Medium" panose="020B0609030003000000" pitchFamily="49" charset="77"/>
+              </a:rPr>
+              <a:t>(</a:t>
+            </a:r>
+            <a:r>
+              <a:rPr lang="en-US" b="1" dirty="0">
+                <a:solidFill>
+                  <a:srgbClr val="FF6600"/>
+                </a:solidFill>
+                <a:latin typeface="Inconsolata Medium" panose="020B0609030003000000" pitchFamily="49" charset="77"/>
+              </a:rPr>
+              <a:t>20</a:t>
+            </a:r>
+            <a:r>
+              <a:rPr lang="en-US" b="1" dirty="0">
+                <a:latin typeface="Inconsolata Medium" panose="020B0609030003000000" pitchFamily="49" charset="77"/>
+              </a:rPr>
+              <a:t>):</a:t>
             </a:r>
             <a:br>
               <a:rPr lang="en-US" b="1" dirty="0">
@@ -6019,38 +6972,13 @@
             </a:br>
             <a:r>
               <a:rPr lang="en-US" b="1" dirty="0">
-                <a:latin typeface="Inconsolata Medium" panose="020B0609030003000000" pitchFamily="49" charset="77"/>
-              </a:rPr>
-              <a:t>	</a:t>
-            </a:r>
-            <a:r>
-              <a:rPr lang="en-US" b="1" dirty="0">
                 <a:solidFill>
                   <a:srgbClr val="006699"/>
                 </a:solidFill>
                 <a:latin typeface="Inconsolata Medium" panose="020B0609030003000000" pitchFamily="49" charset="77"/>
               </a:rPr>
-              <a:t>block</a:t>
-            </a:r>
-            <a:r>
-              <a:rPr lang="en-US" b="1" dirty="0">
-                <a:latin typeface="Inconsolata Medium" panose="020B0609030003000000" pitchFamily="49" charset="77"/>
-              </a:rPr>
-              <a:t> </a:t>
-            </a:r>
-          </a:p>
-          <a:p>
-            <a:pPr marL="0" indent="0">
-              <a:buNone/>
-            </a:pPr>
-            <a:endParaRPr lang="en-US" dirty="0">
-              <a:latin typeface="Gill Sans MT" panose="020B0502020104020203" pitchFamily="34" charset="77"/>
-            </a:endParaRPr>
-          </a:p>
-          <a:p>
-            <a:pPr marL="0" indent="0">
-              <a:buNone/>
-            </a:pPr>
+              <a:t>		  if </a:t>
+            </a:r>
             <a:r>
               <a:rPr lang="en-US" b="1" dirty="0">
                 <a:solidFill>
@@ -6058,13 +6986,16 @@
                 </a:solidFill>
                 <a:latin typeface="Inconsolata Medium" panose="020B0609030003000000" pitchFamily="49" charset="77"/>
               </a:rPr>
-              <a:t>In</a:t>
-            </a:r>
-            <a:r>
-              <a:rPr lang="en-US" b="1" dirty="0">
-                <a:latin typeface="Inconsolata Medium" panose="020B0609030003000000" pitchFamily="49" charset="77"/>
-              </a:rPr>
-              <a:t>[</a:t>
+              <a:t>n </a:t>
+            </a:r>
+            <a:r>
+              <a:rPr lang="en-US" b="1" dirty="0">
+                <a:solidFill>
+                  <a:srgbClr val="545454"/>
+                </a:solidFill>
+                <a:latin typeface="Inconsolata Medium" panose="020B0609030003000000" pitchFamily="49" charset="77"/>
+              </a:rPr>
+              <a:t>% </a:t>
             </a:r>
             <a:r>
               <a:rPr lang="en-US" b="1" dirty="0">
@@ -6073,31 +7004,7 @@
                 </a:solidFill>
                 <a:latin typeface="Inconsolata Medium" panose="020B0609030003000000" pitchFamily="49" charset="77"/>
               </a:rPr>
-              <a:t>6</a:t>
-            </a:r>
-            <a:r>
-              <a:rPr lang="en-US" b="1" dirty="0">
-                <a:latin typeface="Inconsolata Medium" panose="020B0609030003000000" pitchFamily="49" charset="77"/>
-              </a:rPr>
-              <a:t>]: </a:t>
-            </a:r>
-            <a:r>
-              <a:rPr lang="en-US" b="1" dirty="0" err="1">
-                <a:solidFill>
-                  <a:srgbClr val="000087"/>
-                </a:solidFill>
-                <a:latin typeface="Inconsolata Medium" panose="020B0609030003000000" pitchFamily="49" charset="77"/>
-              </a:rPr>
-              <a:t>i</a:t>
-            </a:r>
-            <a:r>
-              <a:rPr lang="en-US" b="1" dirty="0">
-                <a:solidFill>
-                  <a:srgbClr val="000087"/>
-                </a:solidFill>
-                <a:latin typeface="Inconsolata Medium" panose="020B0609030003000000" pitchFamily="49" charset="77"/>
-              </a:rPr>
-              <a:t> </a:t>
+              <a:t>2 </a:t>
             </a:r>
             <a:r>
               <a:rPr lang="en-US" b="1" dirty="0">
@@ -6106,7 +7013,7 @@
                 </a:solidFill>
                 <a:latin typeface="Inconsolata Medium" panose="020B0609030003000000" pitchFamily="49" charset="77"/>
               </a:rPr>
-              <a:t>= </a:t>
+              <a:t>== </a:t>
             </a:r>
             <a:r>
               <a:rPr lang="en-US" b="1" dirty="0">
@@ -6117,23 +7024,17 @@
               </a:rPr>
               <a:t>0</a:t>
             </a:r>
-            <a:br>
-              <a:rPr lang="en-US" b="1" dirty="0">
-                <a:solidFill>
-                  <a:srgbClr val="FF6600"/>
-                </a:solidFill>
-                <a:latin typeface="Inconsolata Medium" panose="020B0609030003000000" pitchFamily="49" charset="77"/>
-              </a:rPr>
-            </a:br>
-            <a:r>
-              <a:rPr lang="en-US" b="1" dirty="0">
-                <a:solidFill>
-                  <a:srgbClr val="FF6600"/>
-                </a:solidFill>
-                <a:latin typeface="Inconsolata Medium" panose="020B0609030003000000" pitchFamily="49" charset="77"/>
-              </a:rPr>
-              <a:t>	  </a:t>
-            </a:r>
+            <a:r>
+              <a:rPr lang="en-US" b="1" dirty="0">
+                <a:latin typeface="Inconsolata Medium" panose="020B0609030003000000" pitchFamily="49" charset="77"/>
+              </a:rPr>
+              <a:t>: </a:t>
+            </a:r>
+          </a:p>
+          <a:p>
+            <a:pPr marL="0" indent="0">
+              <a:buNone/>
+            </a:pPr>
             <a:r>
               <a:rPr lang="en-US" b="1" dirty="0">
                 <a:solidFill>
@@ -6141,167 +7042,7 @@
                 </a:solidFill>
                 <a:latin typeface="Inconsolata Medium" panose="020B0609030003000000" pitchFamily="49" charset="77"/>
               </a:rPr>
-              <a:t>while </a:t>
-            </a:r>
-            <a:r>
-              <a:rPr lang="en-US" b="1" dirty="0" err="1">
-                <a:solidFill>
-                  <a:srgbClr val="000087"/>
-                </a:solidFill>
-                <a:latin typeface="Inconsolata Medium" panose="020B0609030003000000" pitchFamily="49" charset="77"/>
-              </a:rPr>
-              <a:t>i</a:t>
-            </a:r>
-            <a:r>
-              <a:rPr lang="en-US" b="1" dirty="0">
-                <a:solidFill>
-                  <a:srgbClr val="000087"/>
-                </a:solidFill>
-                <a:latin typeface="Inconsolata Medium" panose="020B0609030003000000" pitchFamily="49" charset="77"/>
-              </a:rPr>
-              <a:t> </a:t>
-            </a:r>
-            <a:r>
-              <a:rPr lang="en-US" b="1" dirty="0">
-                <a:solidFill>
-                  <a:srgbClr val="545454"/>
-                </a:solidFill>
-                <a:latin typeface="Inconsolata Medium" panose="020B0609030003000000" pitchFamily="49" charset="77"/>
-              </a:rPr>
-              <a:t>&lt; </a:t>
-            </a:r>
-            <a:r>
-              <a:rPr lang="en-US" b="1" dirty="0">
-                <a:solidFill>
-                  <a:srgbClr val="FF6600"/>
-                </a:solidFill>
-                <a:latin typeface="Inconsolata Medium" panose="020B0609030003000000" pitchFamily="49" charset="77"/>
-              </a:rPr>
-              <a:t>10</a:t>
-            </a:r>
-            <a:r>
-              <a:rPr lang="en-US" b="1" dirty="0">
-                <a:latin typeface="Inconsolata Medium" panose="020B0609030003000000" pitchFamily="49" charset="77"/>
-              </a:rPr>
-              <a:t>: </a:t>
-            </a:r>
-          </a:p>
-          <a:p>
-            <a:pPr marL="0" indent="0">
-              <a:buNone/>
-            </a:pPr>
-            <a:r>
-              <a:rPr lang="en-US" b="1" dirty="0">
-                <a:solidFill>
-                  <a:srgbClr val="006699"/>
-                </a:solidFill>
-                <a:latin typeface="Inconsolata Medium" panose="020B0609030003000000" pitchFamily="49" charset="77"/>
-              </a:rPr>
-              <a:t>		print</a:t>
-            </a:r>
-            <a:r>
-              <a:rPr lang="en-US" b="1" dirty="0">
-                <a:latin typeface="Inconsolata Medium" panose="020B0609030003000000" pitchFamily="49" charset="77"/>
-              </a:rPr>
-              <a:t>(</a:t>
-            </a:r>
-            <a:r>
-              <a:rPr lang="en-US" b="1" dirty="0" err="1">
-                <a:solidFill>
-                  <a:srgbClr val="000087"/>
-                </a:solidFill>
-                <a:latin typeface="Inconsolata Medium" panose="020B0609030003000000" pitchFamily="49" charset="77"/>
-              </a:rPr>
-              <a:t>i</a:t>
-            </a:r>
-            <a:r>
-              <a:rPr lang="en-US" b="1" dirty="0">
-                <a:latin typeface="Inconsolata Medium" panose="020B0609030003000000" pitchFamily="49" charset="77"/>
-              </a:rPr>
-              <a:t>, </a:t>
-            </a:r>
-            <a:r>
-              <a:rPr lang="en-US" b="1" dirty="0">
-                <a:solidFill>
-                  <a:srgbClr val="000087"/>
-                </a:solidFill>
-                <a:latin typeface="Inconsolata Medium" panose="020B0609030003000000" pitchFamily="49" charset="77"/>
-              </a:rPr>
-              <a:t>end</a:t>
-            </a:r>
-            <a:r>
-              <a:rPr lang="en-US" b="1" dirty="0">
-                <a:solidFill>
-                  <a:srgbClr val="545454"/>
-                </a:solidFill>
-                <a:latin typeface="Inconsolata Medium" panose="020B0609030003000000" pitchFamily="49" charset="77"/>
-              </a:rPr>
-              <a:t>=</a:t>
-            </a:r>
-            <a:r>
-              <a:rPr lang="en-US" b="1" dirty="0">
-                <a:solidFill>
-                  <a:srgbClr val="CC3300"/>
-                </a:solidFill>
-                <a:latin typeface="Inconsolata Medium" panose="020B0609030003000000" pitchFamily="49" charset="77"/>
-              </a:rPr>
-              <a:t>‘ ’</a:t>
-            </a:r>
-            <a:r>
-              <a:rPr lang="en-US" b="1" dirty="0">
-                <a:latin typeface="Inconsolata Medium" panose="020B0609030003000000" pitchFamily="49" charset="77"/>
-              </a:rPr>
-              <a:t>) </a:t>
-            </a:r>
-          </a:p>
-          <a:p>
-            <a:pPr marL="0" indent="0">
-              <a:buNone/>
-            </a:pPr>
-            <a:r>
-              <a:rPr lang="en-US" b="1" dirty="0">
-                <a:solidFill>
-                  <a:srgbClr val="000087"/>
-                </a:solidFill>
-                <a:latin typeface="Inconsolata Medium" panose="020B0609030003000000" pitchFamily="49" charset="77"/>
-              </a:rPr>
-              <a:t>		</a:t>
-            </a:r>
-            <a:r>
-              <a:rPr lang="en-US" b="1" dirty="0" err="1">
-                <a:solidFill>
-                  <a:srgbClr val="000087"/>
-                </a:solidFill>
-                <a:latin typeface="Inconsolata Medium" panose="020B0609030003000000" pitchFamily="49" charset="77"/>
-              </a:rPr>
-              <a:t>i</a:t>
-            </a:r>
-            <a:r>
-              <a:rPr lang="en-US" b="1" dirty="0">
-                <a:solidFill>
-                  <a:srgbClr val="000087"/>
-                </a:solidFill>
-                <a:latin typeface="Inconsolata Medium" panose="020B0609030003000000" pitchFamily="49" charset="77"/>
-              </a:rPr>
-              <a:t> </a:t>
-            </a:r>
-            <a:r>
-              <a:rPr lang="en-US" b="1" dirty="0">
-                <a:solidFill>
-                  <a:srgbClr val="545454"/>
-                </a:solidFill>
-                <a:latin typeface="Inconsolata Medium" panose="020B0609030003000000" pitchFamily="49" charset="77"/>
-              </a:rPr>
-              <a:t>+= </a:t>
-            </a:r>
-            <a:r>
-              <a:rPr lang="en-US" b="1" dirty="0">
-                <a:solidFill>
-                  <a:srgbClr val="FF6600"/>
-                </a:solidFill>
-                <a:latin typeface="Inconsolata Medium" panose="020B0609030003000000" pitchFamily="49" charset="77"/>
-              </a:rPr>
-              <a:t>1 </a:t>
+              <a:t>			continue </a:t>
             </a:r>
             <a:endParaRPr lang="en-US" b="1" dirty="0">
               <a:latin typeface="Inconsolata Medium" panose="020B0609030003000000" pitchFamily="49" charset="77"/>
@@ -6313,10 +7054,91 @@
             </a:pPr>
             <a:r>
               <a:rPr lang="en-US" b="1" dirty="0">
-                <a:latin typeface="Inconsolata Medium" panose="020B0609030003000000" pitchFamily="49" charset="77"/>
-              </a:rPr>
-              <a:t>0 1 2 3 4 5 6 7 8 9</a:t>
-            </a:r>
+                <a:solidFill>
+                  <a:srgbClr val="006699"/>
+                </a:solidFill>
+                <a:latin typeface="Inconsolata Medium" panose="020B0609030003000000" pitchFamily="49" charset="77"/>
+              </a:rPr>
+              <a:t>		  print</a:t>
+            </a:r>
+            <a:r>
+              <a:rPr lang="en-US" b="1" dirty="0">
+                <a:latin typeface="Inconsolata Medium" panose="020B0609030003000000" pitchFamily="49" charset="77"/>
+              </a:rPr>
+              <a:t>(</a:t>
+            </a:r>
+            <a:r>
+              <a:rPr lang="en-US" b="1" dirty="0">
+                <a:solidFill>
+                  <a:srgbClr val="000087"/>
+                </a:solidFill>
+                <a:latin typeface="Inconsolata Medium" panose="020B0609030003000000" pitchFamily="49" charset="77"/>
+              </a:rPr>
+              <a:t>n</a:t>
+            </a:r>
+            <a:r>
+              <a:rPr lang="en-US" b="1" dirty="0">
+                <a:latin typeface="Inconsolata Medium" panose="020B0609030003000000" pitchFamily="49" charset="77"/>
+              </a:rPr>
+              <a:t>, </a:t>
+            </a:r>
+            <a:r>
+              <a:rPr lang="en-US" b="1" dirty="0">
+                <a:solidFill>
+                  <a:srgbClr val="000087"/>
+                </a:solidFill>
+                <a:latin typeface="Inconsolata Medium" panose="020B0609030003000000" pitchFamily="49" charset="77"/>
+              </a:rPr>
+              <a:t>end</a:t>
+            </a:r>
+            <a:r>
+              <a:rPr lang="en-US" b="1" dirty="0">
+                <a:solidFill>
+                  <a:srgbClr val="545454"/>
+                </a:solidFill>
+                <a:latin typeface="Inconsolata Medium" panose="020B0609030003000000" pitchFamily="49" charset="77"/>
+              </a:rPr>
+              <a:t>=</a:t>
+            </a:r>
+            <a:r>
+              <a:rPr lang="en-US" b="1" dirty="0">
+                <a:solidFill>
+                  <a:srgbClr val="CC3300"/>
+                </a:solidFill>
+                <a:latin typeface="Inconsolata Medium" panose="020B0609030003000000" pitchFamily="49" charset="77"/>
+              </a:rPr>
+              <a:t>‘ ’</a:t>
+            </a:r>
+            <a:r>
+              <a:rPr lang="en-US" b="1" dirty="0">
+                <a:latin typeface="Inconsolata Medium" panose="020B0609030003000000" pitchFamily="49" charset="77"/>
+              </a:rPr>
+              <a:t>) </a:t>
+            </a:r>
+          </a:p>
+          <a:p>
+            <a:pPr marL="0" indent="0">
+              <a:buNone/>
+            </a:pPr>
+            <a:endParaRPr lang="en-US" b="1" dirty="0">
+              <a:latin typeface="Inconsolata Medium" panose="020B0609030003000000" pitchFamily="49" charset="77"/>
+            </a:endParaRPr>
+          </a:p>
+          <a:p>
+            <a:pPr marL="0" indent="0">
+              <a:buNone/>
+            </a:pPr>
+            <a:r>
+              <a:rPr lang="en-US" b="1" dirty="0">
+                <a:latin typeface="Inconsolata Medium" panose="020B0609030003000000" pitchFamily="49" charset="77"/>
+              </a:rPr>
+              <a:t>1 3 5 7 9 11 13 15 17 19 </a:t>
+            </a:r>
+          </a:p>
+          <a:p>
+            <a:pPr marL="0" indent="0">
+              <a:buNone/>
+            </a:pPr>
             <a:br>
               <a:rPr lang="en-US" b="1" dirty="0">
                 <a:latin typeface="Inconsolata Medium" panose="020B0609030003000000" pitchFamily="49" charset="77"/>
@@ -6342,7 +7164,7 @@
     </p:spTree>
     <p:extLst>
       <p:ext uri="{BB962C8B-B14F-4D97-AF65-F5344CB8AC3E}">
-        <p14:creationId xmlns:p14="http://schemas.microsoft.com/office/powerpoint/2010/main" val="1136048842"/>
+        <p14:creationId xmlns:p14="http://schemas.microsoft.com/office/powerpoint/2010/main" val="3275945509"/>
       </p:ext>
     </p:extLst>
   </p:cSld>
@@ -6440,7 +7262,7 @@
               <a:t>The </a:t>
             </a:r>
             <a:r>
-              <a:rPr lang="en-US" i="1" dirty="0">
+              <a:rPr lang="en-US" b="1" dirty="0">
                 <a:latin typeface="Gill Sans MT" panose="020B0502020104020203" pitchFamily="34" charset="77"/>
               </a:rPr>
               <a:t>continue</a:t>
@@ -6449,7 +7271,19 @@
               <a:rPr lang="en-US" dirty="0">
                 <a:latin typeface="Gill Sans MT" panose="020B0502020104020203" pitchFamily="34" charset="77"/>
               </a:rPr>
-              <a:t> statement is used to skip the current iteration and move to the next iteration whereas the break statement is used to exit a for loop or a while loop.</a:t>
+              <a:t> statement is used to skip the current iteration and move to the next iteration whereas the </a:t>
+            </a:r>
+            <a:r>
+              <a:rPr lang="en-US" b="1" dirty="0">
+                <a:latin typeface="Gill Sans MT" panose="020B0502020104020203" pitchFamily="34" charset="77"/>
+              </a:rPr>
+              <a:t>break</a:t>
+            </a:r>
+            <a:r>
+              <a:rPr lang="en-US" dirty="0">
+                <a:latin typeface="Gill Sans MT" panose="020B0502020104020203" pitchFamily="34" charset="77"/>
+              </a:rPr>
+              <a:t> statement is used to exit a loop.</a:t>
             </a:r>
           </a:p>
           <a:p>
@@ -6540,7 +7374,7 @@
                 </a:solidFill>
                 <a:latin typeface="Inconsolata Medium" panose="020B0609030003000000" pitchFamily="49" charset="77"/>
               </a:rPr>
-              <a:t>20</a:t>
+              <a:t>5</a:t>
             </a:r>
             <a:r>
               <a:rPr lang="en-US" b="1" dirty="0">
@@ -6560,7 +7394,7 @@
                 </a:solidFill>
                 <a:latin typeface="Inconsolata Medium" panose="020B0609030003000000" pitchFamily="49" charset="77"/>
               </a:rPr>
-              <a:t>		if </a:t>
+              <a:t>		  if </a:t>
             </a:r>
             <a:r>
               <a:rPr lang="en-US" b="1" dirty="0">
@@ -6578,7 +7412,7 @@
                 </a:solidFill>
                 <a:latin typeface="Inconsolata Medium" panose="020B0609030003000000" pitchFamily="49" charset="77"/>
               </a:rPr>
-              <a:t>% </a:t>
+              <a:t>== </a:t>
             </a:r>
             <a:r>
               <a:rPr lang="en-US" b="1" dirty="0">
@@ -6587,25 +7421,7 @@
                 </a:solidFill>
                 <a:latin typeface="Inconsolata Medium" panose="020B0609030003000000" pitchFamily="49" charset="77"/>
               </a:rPr>
-              <a:t>2 </a:t>
-            </a:r>
-            <a:r>
-              <a:rPr lang="en-US" b="1" dirty="0">
-                <a:solidFill>
-                  <a:srgbClr val="545454"/>
-                </a:solidFill>
-                <a:latin typeface="Inconsolata Medium" panose="020B0609030003000000" pitchFamily="49" charset="77"/>
-              </a:rPr>
-              <a:t>== </a:t>
-            </a:r>
-            <a:r>
-              <a:rPr lang="en-US" b="1" dirty="0">
-                <a:solidFill>
-                  <a:srgbClr val="FF6600"/>
-                </a:solidFill>
-                <a:latin typeface="Inconsolata Medium" panose="020B0609030003000000" pitchFamily="49" charset="77"/>
-              </a:rPr>
-              <a:t>0</a:t>
+              <a:t>3</a:t>
             </a:r>
             <a:r>
               <a:rPr lang="en-US" b="1" dirty="0">
@@ -6625,7 +7441,7 @@
                 </a:solidFill>
                 <a:latin typeface="Inconsolata Medium" panose="020B0609030003000000" pitchFamily="49" charset="77"/>
               </a:rPr>
-              <a:t>			continue </a:t>
+              <a:t>			break </a:t>
             </a:r>
             <a:endParaRPr lang="en-US" b="1" dirty="0">
               <a:latin typeface="Inconsolata Medium" panose="020B0609030003000000" pitchFamily="49" charset="77"/>
@@ -6642,7 +7458,7 @@
                 </a:solidFill>
                 <a:latin typeface="Inconsolata Medium" panose="020B0609030003000000" pitchFamily="49" charset="77"/>
               </a:rPr>
-              <a:t>		print</a:t>
+              <a:t>		  print</a:t>
             </a:r>
             <a:r>
               <a:rPr lang="en-US" b="1" dirty="0">
@@ -6715,7 +7531,7 @@
               <a:rPr lang="en-US" b="1" dirty="0">
                 <a:latin typeface="Inconsolata Medium" panose="020B0609030003000000" pitchFamily="49" charset="77"/>
               </a:rPr>
-              <a:t>1 3 5 7 9 11 13 15 17 19 </a:t>
+              <a:t>0 1 2 </a:t>
             </a:r>
           </a:p>
           <a:p>
@@ -6747,7 +7563,7 @@
     </p:spTree>
     <p:extLst>
       <p:ext uri="{BB962C8B-B14F-4D97-AF65-F5344CB8AC3E}">
-        <p14:creationId xmlns:p14="http://schemas.microsoft.com/office/powerpoint/2010/main" val="1258455770"/>
+        <p14:creationId xmlns:p14="http://schemas.microsoft.com/office/powerpoint/2010/main" val="406772024"/>
       </p:ext>
     </p:extLst>
   </p:cSld>
@@ -6802,7 +7618,7 @@
           <a:p>
             <a:r>
               <a:rPr lang="en-US" dirty="0"/>
-              <a:t>continue vs. break</a:t>
+              <a:t>Definite Loop</a:t>
             </a:r>
           </a:p>
         </p:txBody>
@@ -6825,8 +7641,8 @@
         </p:nvSpPr>
         <p:spPr>
           <a:xfrm>
-            <a:off x="483848" y="1019503"/>
-            <a:ext cx="8051725" cy="4561489"/>
+            <a:off x="483848" y="1288073"/>
+            <a:ext cx="8051725" cy="4292919"/>
           </a:xfrm>
         </p:spPr>
         <p:txBody>
@@ -6839,13 +7655,68 @@
               <a:buNone/>
             </a:pPr>
             <a:r>
+              <a:rPr lang="en-US" dirty="0">
+                <a:latin typeface="Gill Sans MT" panose="020B0502020104020203" pitchFamily="34" charset="77"/>
+              </a:rPr>
+              <a:t>The for loop is an example of a </a:t>
+            </a:r>
+            <a:r>
+              <a:rPr lang="en-US" b="1" dirty="0">
+                <a:latin typeface="Gill Sans MT" panose="020B0502020104020203" pitchFamily="34" charset="77"/>
+              </a:rPr>
+              <a:t>definite</a:t>
+            </a:r>
+            <a:r>
+              <a:rPr lang="en-US" dirty="0">
+                <a:latin typeface="Gill Sans MT" panose="020B0502020104020203" pitchFamily="34" charset="77"/>
+              </a:rPr>
+              <a:t> loop. We can determine ahead of time the number of times the loop repeats. Later, we will </a:t>
+            </a:r>
+            <a:r>
+              <a:rPr lang="en-US" dirty="0" err="1">
+                <a:latin typeface="Gill Sans MT" panose="020B0502020104020203" pitchFamily="34" charset="77"/>
+              </a:rPr>
+              <a:t>tak</a:t>
+            </a:r>
+            <a:r>
+              <a:rPr lang="en-US" dirty="0">
+                <a:latin typeface="Gill Sans MT" panose="020B0502020104020203" pitchFamily="34" charset="77"/>
+              </a:rPr>
+              <a:t> about </a:t>
+            </a:r>
+            <a:r>
+              <a:rPr lang="en-US" b="1" dirty="0">
+                <a:latin typeface="Gill Sans MT" panose="020B0502020104020203" pitchFamily="34" charset="77"/>
+              </a:rPr>
+              <a:t>indefinite loop</a:t>
+            </a:r>
+            <a:r>
+              <a:rPr lang="en-US" dirty="0">
+                <a:latin typeface="Gill Sans MT" panose="020B0502020104020203" pitchFamily="34" charset="77"/>
+              </a:rPr>
+              <a:t>, a loop where we cannot predict the number of times it repeats. </a:t>
+            </a:r>
+          </a:p>
+          <a:p>
+            <a:pPr marL="0" indent="0">
+              <a:buNone/>
+            </a:pPr>
+            <a:endParaRPr lang="en-US" dirty="0">
+              <a:latin typeface="Gill Sans MT" panose="020B0502020104020203" pitchFamily="34" charset="77"/>
+            </a:endParaRPr>
+          </a:p>
+          <a:p>
+            <a:pPr marL="0" indent="0">
+              <a:buNone/>
+            </a:pPr>
+            <a:r>
               <a:rPr lang="en-US" b="1" dirty="0">
                 <a:solidFill>
                   <a:srgbClr val="000087"/>
                 </a:solidFill>
                 <a:latin typeface="Inconsolata Medium" panose="020B0609030003000000" pitchFamily="49" charset="77"/>
               </a:rPr>
-              <a:t>In</a:t>
+              <a:t>In </a:t>
             </a:r>
             <a:r>
               <a:rPr lang="en-US" b="1" dirty="0">
@@ -6860,55 +7731,52 @@
                 </a:solidFill>
                 <a:latin typeface="Inconsolata Medium" panose="020B0609030003000000" pitchFamily="49" charset="77"/>
               </a:rPr>
-              <a:t>8</a:t>
-            </a:r>
-            <a:r>
-              <a:rPr lang="en-US" b="1" dirty="0">
-                <a:latin typeface="Inconsolata Medium" panose="020B0609030003000000" pitchFamily="49" charset="77"/>
-              </a:rPr>
-              <a:t>]: </a:t>
-            </a:r>
-            <a:r>
-              <a:rPr lang="en-US" b="1" dirty="0" err="1">
+              <a:t>7</a:t>
+            </a:r>
+            <a:r>
+              <a:rPr lang="en-US" b="1" dirty="0">
+                <a:latin typeface="Inconsolata Medium" panose="020B0609030003000000" pitchFamily="49" charset="77"/>
+              </a:rPr>
+              <a:t>]:  </a:t>
+            </a:r>
+            <a:r>
+              <a:rPr lang="en-US" b="1" dirty="0">
+                <a:solidFill>
+                  <a:srgbClr val="006699"/>
+                </a:solidFill>
+                <a:latin typeface="Inconsolata Medium" panose="020B0609030003000000" pitchFamily="49" charset="77"/>
+              </a:rPr>
+              <a:t>for </a:t>
+            </a:r>
+            <a:r>
+              <a:rPr lang="en-US" b="1" dirty="0">
                 <a:solidFill>
                   <a:srgbClr val="000087"/>
                 </a:solidFill>
                 <a:latin typeface="Inconsolata Medium" panose="020B0609030003000000" pitchFamily="49" charset="77"/>
               </a:rPr>
-              <a:t>a</a:t>
-            </a:r>
-            <a:r>
-              <a:rPr lang="en-US" b="1" dirty="0" err="1">
-                <a:latin typeface="Inconsolata Medium" panose="020B0609030003000000" pitchFamily="49" charset="77"/>
-              </a:rPr>
-              <a:t>,</a:t>
-            </a:r>
-            <a:r>
-              <a:rPr lang="en-US" b="1" dirty="0" err="1">
-                <a:solidFill>
-                  <a:srgbClr val="000087"/>
-                </a:solidFill>
-                <a:latin typeface="Inconsolata Medium" panose="020B0609030003000000" pitchFamily="49" charset="77"/>
-              </a:rPr>
-              <a:t>b</a:t>
-            </a:r>
-            <a:r>
-              <a:rPr lang="en-US" b="1" dirty="0">
-                <a:solidFill>
-                  <a:srgbClr val="000087"/>
-                </a:solidFill>
-                <a:latin typeface="Inconsolata Medium" panose="020B0609030003000000" pitchFamily="49" charset="77"/>
-              </a:rPr>
-              <a:t> </a:t>
-            </a:r>
-            <a:r>
-              <a:rPr lang="en-US" b="1" dirty="0">
-                <a:solidFill>
-                  <a:srgbClr val="545454"/>
-                </a:solidFill>
-                <a:latin typeface="Inconsolata Medium" panose="020B0609030003000000" pitchFamily="49" charset="77"/>
-              </a:rPr>
-              <a:t>= </a:t>
+              <a:t>i </a:t>
+            </a:r>
+            <a:r>
+              <a:rPr lang="en-US" b="1" dirty="0">
+                <a:latin typeface="Inconsolata Medium" panose="020B0609030003000000" pitchFamily="49" charset="77"/>
+              </a:rPr>
+              <a:t>in </a:t>
+            </a:r>
+            <a:r>
+              <a:rPr lang="en-US" b="1" dirty="0">
+                <a:solidFill>
+                  <a:srgbClr val="336666"/>
+                </a:solidFill>
+                <a:latin typeface="Inconsolata Medium" panose="020B0609030003000000" pitchFamily="49" charset="77"/>
+              </a:rPr>
+              <a:t>range</a:t>
+            </a:r>
+            <a:r>
+              <a:rPr lang="en-US" b="1" dirty="0">
+                <a:latin typeface="Inconsolata Medium" panose="020B0609030003000000" pitchFamily="49" charset="77"/>
+              </a:rPr>
+              <a:t>(</a:t>
             </a:r>
             <a:r>
               <a:rPr lang="en-US" b="1" dirty="0">
@@ -6917,72 +7785,27 @@
                 </a:solidFill>
                 <a:latin typeface="Inconsolata Medium" panose="020B0609030003000000" pitchFamily="49" charset="77"/>
               </a:rPr>
-              <a:t>0</a:t>
-            </a:r>
-            <a:r>
-              <a:rPr lang="en-US" b="1" dirty="0">
-                <a:latin typeface="Inconsolata Medium" panose="020B0609030003000000" pitchFamily="49" charset="77"/>
-              </a:rPr>
-              <a:t>,</a:t>
-            </a:r>
-            <a:r>
-              <a:rPr lang="en-US" b="1" dirty="0">
-                <a:solidFill>
-                  <a:srgbClr val="FF6600"/>
-                </a:solidFill>
-                <a:latin typeface="Inconsolata Medium" panose="020B0609030003000000" pitchFamily="49" charset="77"/>
-              </a:rPr>
-              <a:t>1 </a:t>
-            </a:r>
-          </a:p>
-          <a:p>
-            <a:pPr marL="0" indent="0">
-              <a:buNone/>
-            </a:pPr>
-            <a:r>
-              <a:rPr lang="en-US" b="1" dirty="0">
-                <a:solidFill>
-                  <a:srgbClr val="FF6600"/>
-                </a:solidFill>
-                <a:latin typeface="Inconsolata Medium" panose="020B0609030003000000" pitchFamily="49" charset="77"/>
-              </a:rPr>
-              <a:t>	  </a:t>
-            </a:r>
-            <a:r>
-              <a:rPr lang="en-US" b="1" dirty="0" err="1">
-                <a:solidFill>
-                  <a:srgbClr val="000087"/>
-                </a:solidFill>
-                <a:latin typeface="Inconsolata Medium" panose="020B0609030003000000" pitchFamily="49" charset="77"/>
-              </a:rPr>
-              <a:t>amax</a:t>
-            </a:r>
-            <a:r>
-              <a:rPr lang="en-US" b="1" dirty="0">
-                <a:solidFill>
-                  <a:srgbClr val="000087"/>
-                </a:solidFill>
-                <a:latin typeface="Inconsolata Medium" panose="020B0609030003000000" pitchFamily="49" charset="77"/>
-              </a:rPr>
-              <a:t> </a:t>
-            </a:r>
-            <a:r>
-              <a:rPr lang="en-US" b="1" dirty="0">
-                <a:solidFill>
-                  <a:srgbClr val="545454"/>
-                </a:solidFill>
-                <a:latin typeface="Inconsolata Medium" panose="020B0609030003000000" pitchFamily="49" charset="77"/>
-              </a:rPr>
-              <a:t>= </a:t>
-            </a:r>
-            <a:r>
-              <a:rPr lang="en-US" b="1" dirty="0">
-                <a:solidFill>
-                  <a:srgbClr val="FF6600"/>
-                </a:solidFill>
-                <a:latin typeface="Inconsolata Medium" panose="020B0609030003000000" pitchFamily="49" charset="77"/>
-              </a:rPr>
-              <a:t>100 </a:t>
+              <a:t>5</a:t>
+            </a:r>
+            <a:r>
+              <a:rPr lang="en-US" b="1" dirty="0">
+                <a:latin typeface="Inconsolata Medium" panose="020B0609030003000000" pitchFamily="49" charset="77"/>
+              </a:rPr>
+              <a:t>):</a:t>
+            </a:r>
+            <a:br>
+              <a:rPr lang="en-US" b="1" dirty="0">
+                <a:latin typeface="Inconsolata Medium" panose="020B0609030003000000" pitchFamily="49" charset="77"/>
+              </a:rPr>
+            </a:br>
+            <a:r>
+              <a:rPr lang="en-US" b="1" dirty="0">
+                <a:solidFill>
+                  <a:srgbClr val="006699"/>
+                </a:solidFill>
+                <a:latin typeface="Inconsolata Medium" panose="020B0609030003000000" pitchFamily="49" charset="77"/>
+              </a:rPr>
+              <a:t>		  print("*")</a:t>
             </a:r>
             <a:endParaRPr lang="en-US" b="1" dirty="0">
               <a:latin typeface="Inconsolata Medium" panose="020B0609030003000000" pitchFamily="49" charset="77"/>
@@ -6994,296 +7817,9 @@
             </a:pPr>
             <a:r>
               <a:rPr lang="en-US" b="1" dirty="0">
-                <a:solidFill>
-                  <a:srgbClr val="000087"/>
-                </a:solidFill>
-                <a:latin typeface="Inconsolata Medium" panose="020B0609030003000000" pitchFamily="49" charset="77"/>
-              </a:rPr>
-              <a:t>	  L</a:t>
-            </a:r>
-            <a:r>
-              <a:rPr lang="en-US" b="1" dirty="0">
-                <a:solidFill>
-                  <a:srgbClr val="545454"/>
-                </a:solidFill>
-                <a:latin typeface="Inconsolata Medium" panose="020B0609030003000000" pitchFamily="49" charset="77"/>
-              </a:rPr>
-              <a:t>=</a:t>
-            </a:r>
-            <a:r>
-              <a:rPr lang="en-US" b="1" dirty="0">
-                <a:latin typeface="Inconsolata Medium" panose="020B0609030003000000" pitchFamily="49" charset="77"/>
-              </a:rPr>
-              <a:t>[] </a:t>
-            </a:r>
-          </a:p>
-          <a:p>
-            <a:pPr marL="0" indent="0">
-              <a:buNone/>
-            </a:pPr>
-            <a:r>
-              <a:rPr lang="en-US" b="1" dirty="0">
-                <a:solidFill>
-                  <a:srgbClr val="006699"/>
-                </a:solidFill>
-                <a:latin typeface="Inconsolata Medium" panose="020B0609030003000000" pitchFamily="49" charset="77"/>
-              </a:rPr>
-              <a:t>	  while </a:t>
-            </a:r>
-            <a:r>
-              <a:rPr lang="en-US" b="1" dirty="0">
-                <a:solidFill>
-                  <a:srgbClr val="336666"/>
-                </a:solidFill>
-                <a:latin typeface="Inconsolata Medium" panose="020B0609030003000000" pitchFamily="49" charset="77"/>
-              </a:rPr>
-              <a:t>True</a:t>
-            </a:r>
-            <a:r>
-              <a:rPr lang="en-US" b="1" dirty="0">
-                <a:latin typeface="Inconsolata Medium" panose="020B0609030003000000" pitchFamily="49" charset="77"/>
-              </a:rPr>
-              <a:t>: </a:t>
-            </a:r>
-          </a:p>
-          <a:p>
-            <a:pPr marL="0" indent="0">
-              <a:buNone/>
-            </a:pPr>
-            <a:r>
-              <a:rPr lang="en-US" b="1" dirty="0">
-                <a:latin typeface="Inconsolata Medium" panose="020B0609030003000000" pitchFamily="49" charset="77"/>
-              </a:rPr>
-              <a:t>		</a:t>
-            </a:r>
-            <a:r>
-              <a:rPr lang="en-US" b="1" dirty="0">
-                <a:solidFill>
-                  <a:srgbClr val="000087"/>
-                </a:solidFill>
-                <a:latin typeface="Inconsolata Medium" panose="020B0609030003000000" pitchFamily="49" charset="77"/>
-              </a:rPr>
-              <a:t>a </a:t>
-            </a:r>
-            <a:r>
-              <a:rPr lang="en-US" b="1" dirty="0">
-                <a:solidFill>
-                  <a:srgbClr val="545454"/>
-                </a:solidFill>
-                <a:latin typeface="Inconsolata Medium" panose="020B0609030003000000" pitchFamily="49" charset="77"/>
-              </a:rPr>
-              <a:t>= </a:t>
-            </a:r>
-            <a:r>
-              <a:rPr lang="en-US" b="1" dirty="0">
-                <a:solidFill>
-                  <a:srgbClr val="000087"/>
-                </a:solidFill>
-                <a:latin typeface="Inconsolata Medium" panose="020B0609030003000000" pitchFamily="49" charset="77"/>
-              </a:rPr>
-              <a:t>b</a:t>
-            </a:r>
-            <a:endParaRPr lang="en-US" b="1" dirty="0">
-              <a:latin typeface="Inconsolata Medium" panose="020B0609030003000000" pitchFamily="49" charset="77"/>
-            </a:endParaRPr>
-          </a:p>
-          <a:p>
-            <a:pPr marL="0" indent="0">
-              <a:buNone/>
-            </a:pPr>
-            <a:r>
-              <a:rPr lang="en-US" b="1" dirty="0">
-                <a:solidFill>
-                  <a:srgbClr val="000087"/>
-                </a:solidFill>
-                <a:latin typeface="Inconsolata Medium" panose="020B0609030003000000" pitchFamily="49" charset="77"/>
-              </a:rPr>
-              <a:t>		b = a </a:t>
-            </a:r>
-            <a:r>
-              <a:rPr lang="en-US" b="1" dirty="0">
-                <a:solidFill>
-                  <a:srgbClr val="545454"/>
-                </a:solidFill>
-                <a:latin typeface="Inconsolata Medium" panose="020B0609030003000000" pitchFamily="49" charset="77"/>
-              </a:rPr>
-              <a:t>+ </a:t>
-            </a:r>
-            <a:r>
-              <a:rPr lang="en-US" b="1" dirty="0">
-                <a:solidFill>
-                  <a:srgbClr val="000087"/>
-                </a:solidFill>
-                <a:latin typeface="Inconsolata Medium" panose="020B0609030003000000" pitchFamily="49" charset="77"/>
-              </a:rPr>
-              <a:t>b</a:t>
-            </a:r>
-            <a:r>
-              <a:rPr lang="en-US" b="1" dirty="0">
-                <a:latin typeface="Inconsolata Medium" panose="020B0609030003000000" pitchFamily="49" charset="77"/>
-              </a:rPr>
-              <a:t> </a:t>
-            </a:r>
-          </a:p>
-          <a:p>
-            <a:pPr marL="0" indent="0">
-              <a:buNone/>
-            </a:pPr>
-            <a:r>
-              <a:rPr lang="en-US" b="1" dirty="0">
-                <a:solidFill>
-                  <a:srgbClr val="006699"/>
-                </a:solidFill>
-                <a:latin typeface="Inconsolata Medium" panose="020B0609030003000000" pitchFamily="49" charset="77"/>
-              </a:rPr>
-              <a:t>		if </a:t>
-            </a:r>
-            <a:r>
-              <a:rPr lang="en-US" b="1" dirty="0">
-                <a:solidFill>
-                  <a:srgbClr val="000087"/>
-                </a:solidFill>
-                <a:latin typeface="Inconsolata Medium" panose="020B0609030003000000" pitchFamily="49" charset="77"/>
-              </a:rPr>
-              <a:t>a </a:t>
-            </a:r>
-            <a:r>
-              <a:rPr lang="en-US" b="1" dirty="0">
-                <a:solidFill>
-                  <a:srgbClr val="545454"/>
-                </a:solidFill>
-                <a:latin typeface="Inconsolata Medium" panose="020B0609030003000000" pitchFamily="49" charset="77"/>
-              </a:rPr>
-              <a:t>&gt; </a:t>
-            </a:r>
-            <a:r>
-              <a:rPr lang="en-US" b="1" dirty="0" err="1">
-                <a:solidFill>
-                  <a:srgbClr val="000087"/>
-                </a:solidFill>
-                <a:latin typeface="Inconsolata Medium" panose="020B0609030003000000" pitchFamily="49" charset="77"/>
-              </a:rPr>
-              <a:t>amax</a:t>
-            </a:r>
-            <a:r>
-              <a:rPr lang="en-US" b="1" dirty="0">
-                <a:latin typeface="Inconsolata Medium" panose="020B0609030003000000" pitchFamily="49" charset="77"/>
-              </a:rPr>
-              <a:t>: </a:t>
-            </a:r>
-          </a:p>
-          <a:p>
-            <a:pPr marL="0" indent="0">
-              <a:buNone/>
-            </a:pPr>
-            <a:r>
-              <a:rPr lang="en-US" b="1" dirty="0">
-                <a:solidFill>
-                  <a:srgbClr val="006699"/>
-                </a:solidFill>
-                <a:latin typeface="Inconsolata Medium" panose="020B0609030003000000" pitchFamily="49" charset="77"/>
-              </a:rPr>
-              <a:t>			break </a:t>
-            </a:r>
-            <a:endParaRPr lang="en-US" b="1" dirty="0">
-              <a:latin typeface="Inconsolata Medium" panose="020B0609030003000000" pitchFamily="49" charset="77"/>
-            </a:endParaRPr>
-          </a:p>
-          <a:p>
-            <a:pPr marL="0" indent="0">
-              <a:buNone/>
-            </a:pPr>
-            <a:r>
-              <a:rPr lang="en-US" b="1" dirty="0">
-                <a:solidFill>
-                  <a:srgbClr val="000087"/>
-                </a:solidFill>
-                <a:latin typeface="Inconsolata Medium" panose="020B0609030003000000" pitchFamily="49" charset="77"/>
-              </a:rPr>
-              <a:t>		</a:t>
-            </a:r>
-            <a:r>
-              <a:rPr lang="en-US" b="1" dirty="0" err="1">
-                <a:solidFill>
-                  <a:srgbClr val="000087"/>
-                </a:solidFill>
-                <a:latin typeface="Inconsolata Medium" panose="020B0609030003000000" pitchFamily="49" charset="77"/>
-              </a:rPr>
-              <a:t>L</a:t>
-            </a:r>
-            <a:r>
-              <a:rPr lang="en-US" b="1" dirty="0" err="1">
-                <a:solidFill>
-                  <a:srgbClr val="545454"/>
-                </a:solidFill>
-                <a:latin typeface="Inconsolata Medium" panose="020B0609030003000000" pitchFamily="49" charset="77"/>
-              </a:rPr>
-              <a:t>.</a:t>
-            </a:r>
-            <a:r>
-              <a:rPr lang="en-US" b="1" dirty="0" err="1">
-                <a:solidFill>
-                  <a:srgbClr val="000087"/>
-                </a:solidFill>
-                <a:latin typeface="Inconsolata Medium" panose="020B0609030003000000" pitchFamily="49" charset="77"/>
-              </a:rPr>
-              <a:t>append</a:t>
-            </a:r>
-            <a:r>
-              <a:rPr lang="en-US" b="1" dirty="0">
-                <a:latin typeface="Inconsolata Medium" panose="020B0609030003000000" pitchFamily="49" charset="77"/>
-              </a:rPr>
-              <a:t>(</a:t>
-            </a:r>
-            <a:r>
-              <a:rPr lang="en-US" b="1" dirty="0">
-                <a:solidFill>
-                  <a:srgbClr val="000087"/>
-                </a:solidFill>
-                <a:latin typeface="Inconsolata Medium" panose="020B0609030003000000" pitchFamily="49" charset="77"/>
-              </a:rPr>
-              <a:t>a</a:t>
-            </a:r>
-            <a:r>
-              <a:rPr lang="en-US" b="1" dirty="0">
-                <a:latin typeface="Inconsolata Medium" panose="020B0609030003000000" pitchFamily="49" charset="77"/>
-              </a:rPr>
-              <a:t>) </a:t>
-            </a:r>
-          </a:p>
-          <a:p>
-            <a:pPr marL="0" indent="0">
-              <a:buNone/>
-            </a:pPr>
-            <a:r>
-              <a:rPr lang="en-US" b="1" dirty="0">
-                <a:solidFill>
-                  <a:srgbClr val="006699"/>
-                </a:solidFill>
-                <a:latin typeface="Inconsolata Medium" panose="020B0609030003000000" pitchFamily="49" charset="77"/>
-              </a:rPr>
-              <a:t>	  print</a:t>
-            </a:r>
-            <a:r>
-              <a:rPr lang="en-US" b="1" dirty="0">
-                <a:latin typeface="Inconsolata Medium" panose="020B0609030003000000" pitchFamily="49" charset="77"/>
-              </a:rPr>
-              <a:t>(</a:t>
-            </a:r>
-            <a:r>
-              <a:rPr lang="en-US" b="1" dirty="0">
-                <a:solidFill>
-                  <a:srgbClr val="000087"/>
-                </a:solidFill>
-                <a:latin typeface="Inconsolata Medium" panose="020B0609030003000000" pitchFamily="49" charset="77"/>
-              </a:rPr>
-              <a:t>L</a:t>
-            </a:r>
-            <a:r>
-              <a:rPr lang="en-US" b="1" dirty="0">
-                <a:latin typeface="Inconsolata Medium" panose="020B0609030003000000" pitchFamily="49" charset="77"/>
-              </a:rPr>
-              <a:t>)</a:t>
+                <a:latin typeface="Inconsolata Medium" panose="020B0609030003000000" pitchFamily="49" charset="77"/>
+              </a:rPr>
+              <a:t>*****</a:t>
             </a:r>
           </a:p>
           <a:p>
@@ -7291,96 +7827,34 @@
               <a:buNone/>
             </a:pPr>
             <a:br>
-              <a:rPr lang="en-US" b="1" dirty="0">
-                <a:latin typeface="Inconsolata Medium" panose="020B0609030003000000" pitchFamily="49" charset="77"/>
+              <a:rPr lang="en-US" dirty="0">
+                <a:latin typeface="Gill Sans MT" panose="020B0502020104020203" pitchFamily="34" charset="77"/>
               </a:rPr>
             </a:br>
             <a:r>
-              <a:rPr lang="en-US" b="1" dirty="0">
-                <a:latin typeface="Inconsolata Medium" panose="020B0609030003000000" pitchFamily="49" charset="77"/>
-              </a:rPr>
-              <a:t>[1, 1, 2, 3, 5, 8, 13, 21, 34, 55, 89] </a:t>
-            </a:r>
-          </a:p>
-          <a:p>
-            <a:pPr marL="0" indent="0">
-              <a:buNone/>
-            </a:pPr>
-            <a:br>
-              <a:rPr lang="en-US" b="1" dirty="0">
-                <a:latin typeface="Inconsolata Medium" panose="020B0609030003000000" pitchFamily="49" charset="77"/>
-              </a:rPr>
-            </a:br>
-            <a:endParaRPr lang="en-US" b="1" dirty="0">
-              <a:latin typeface="Inconsolata Medium" panose="020B0609030003000000" pitchFamily="49" charset="77"/>
-            </a:endParaRPr>
-          </a:p>
-          <a:p>
-            <a:pPr marL="0" indent="0">
-              <a:buNone/>
-            </a:pPr>
-            <a:endParaRPr lang="en-US" b="1" dirty="0">
+              <a:rPr lang="en-US" dirty="0">
+                <a:latin typeface="Gill Sans MT" panose="020B0502020104020203" pitchFamily="34" charset="77"/>
+              </a:rPr>
+              <a:t>The loop above prints 5 *. </a:t>
+            </a:r>
+          </a:p>
+          <a:p>
+            <a:pPr marL="0" indent="0">
+              <a:buNone/>
+            </a:pPr>
+            <a:endParaRPr lang="en-US" sz="2100" dirty="0">
               <a:solidFill>
                 <a:srgbClr val="000087"/>
               </a:solidFill>
-              <a:latin typeface="Inconsolata Medium" panose="020B0609030003000000" pitchFamily="49" charset="77"/>
+              <a:latin typeface="Gill Sans MT" panose="020B0502020104020203" pitchFamily="34" charset="77"/>
             </a:endParaRPr>
-          </a:p>
-        </p:txBody>
-      </p:sp>
-      <p:sp>
-        <p:nvSpPr>
-          <p:cNvPr id="3" name="TextBox 2">
-            <a:extLst>
-              <a:ext uri="{FF2B5EF4-FFF2-40B4-BE49-F238E27FC236}">
-                <a16:creationId xmlns:a16="http://schemas.microsoft.com/office/drawing/2014/main" id="{3887A274-051E-7F48-83D6-811E92A4025B}"/>
-              </a:ext>
-            </a:extLst>
-          </p:cNvPr>
-          <p:cNvSpPr txBox="1"/>
-          <p:nvPr/>
-        </p:nvSpPr>
-        <p:spPr>
-          <a:xfrm>
-            <a:off x="5002923" y="2049518"/>
-            <a:ext cx="2238704" cy="1061829"/>
-          </a:xfrm>
-          <a:prstGeom prst="rect">
-            <a:avLst/>
-          </a:prstGeom>
-          <a:noFill/>
-        </p:spPr>
-        <p:txBody>
-          <a:bodyPr wrap="square" rtlCol="0">
-            <a:spAutoFit/>
-          </a:bodyPr>
-          <a:lstStyle/>
-          <a:p>
-            <a:r>
-              <a:rPr lang="en-US" sz="2100" dirty="0"/>
-              <a:t>Create a list with Fibonacci numbers</a:t>
-            </a:r>
-          </a:p>
-          <a:p>
-            <a:r>
-              <a:rPr lang="en-US" sz="2100" dirty="0"/>
-              <a:t>up to </a:t>
-            </a:r>
-            <a:r>
-              <a:rPr lang="en-US" sz="2100" dirty="0" err="1"/>
-              <a:t>amax</a:t>
-            </a:r>
-            <a:r>
-              <a:rPr lang="en-US" sz="2100" dirty="0"/>
-              <a:t>.</a:t>
-            </a:r>
           </a:p>
         </p:txBody>
       </p:sp>
     </p:spTree>
     <p:extLst>
       <p:ext uri="{BB962C8B-B14F-4D97-AF65-F5344CB8AC3E}">
-        <p14:creationId xmlns:p14="http://schemas.microsoft.com/office/powerpoint/2010/main" val="393328173"/>
+        <p14:creationId xmlns:p14="http://schemas.microsoft.com/office/powerpoint/2010/main" val="1703902501"/>
       </p:ext>
     </p:extLst>
   </p:cSld>

--- a/courses/apcsp/lect4.pptx
+++ b/courses/apcsp/lect4.pptx
@@ -8,16 +8,22 @@
     <p:sldId id="256" r:id="rId2"/>
     <p:sldId id="286" r:id="rId3"/>
     <p:sldId id="295" r:id="rId4"/>
-    <p:sldId id="296" r:id="rId5"/>
-    <p:sldId id="297" r:id="rId6"/>
-    <p:sldId id="298" r:id="rId7"/>
-    <p:sldId id="303" r:id="rId8"/>
-    <p:sldId id="304" r:id="rId9"/>
-    <p:sldId id="305" r:id="rId10"/>
-    <p:sldId id="302" r:id="rId11"/>
-    <p:sldId id="306" r:id="rId12"/>
-    <p:sldId id="307" r:id="rId13"/>
-    <p:sldId id="284" r:id="rId14"/>
+    <p:sldId id="313" r:id="rId5"/>
+    <p:sldId id="296" r:id="rId6"/>
+    <p:sldId id="297" r:id="rId7"/>
+    <p:sldId id="298" r:id="rId8"/>
+    <p:sldId id="303" r:id="rId9"/>
+    <p:sldId id="304" r:id="rId10"/>
+    <p:sldId id="305" r:id="rId11"/>
+    <p:sldId id="308" r:id="rId12"/>
+    <p:sldId id="309" r:id="rId13"/>
+    <p:sldId id="310" r:id="rId14"/>
+    <p:sldId id="311" r:id="rId15"/>
+    <p:sldId id="312" r:id="rId16"/>
+    <p:sldId id="302" r:id="rId17"/>
+    <p:sldId id="306" r:id="rId18"/>
+    <p:sldId id="307" r:id="rId19"/>
+    <p:sldId id="284" r:id="rId20"/>
   </p:sldIdLst>
   <p:sldSz cx="9144000" cy="5715000" type="screen16x10"/>
   <p:notesSz cx="6858000" cy="9144000"/>
@@ -127,7 +133,7 @@
 <file path=ppt/revisionInfo.xml><?xml version="1.0" encoding="utf-8"?>
 <p1510:revInfo xmlns:a="http://schemas.openxmlformats.org/drawingml/2006/main" xmlns:r="http://schemas.openxmlformats.org/officeDocument/2006/relationships" xmlns:p1510="http://schemas.microsoft.com/office/powerpoint/2015/10/main">
   <p1510:revLst>
-    <p1510:client id="{A54A5039-9BC6-1548-AC61-7314DB675A9D}" v="11" dt="2019-09-19T16:52:00.002"/>
+    <p1510:client id="{A54A5039-9BC6-1548-AC61-7314DB675A9D}" v="187" dt="2019-09-23T12:06:41.861"/>
   </p1510:revLst>
 </p1510:revInfo>
 </file>
@@ -139,8 +145,8 @@
   </pc:docChgLst>
   <pc:docChgLst>
     <pc:chgData name="Long B Nguyen" userId="f59fb8f3-a021-417a-8bc1-65c8d471c621" providerId="ADAL" clId="{A54A5039-9BC6-1548-AC61-7314DB675A9D}"/>
-    <pc:docChg chg="custSel addSld delSld modSld">
-      <pc:chgData name="Long B Nguyen" userId="f59fb8f3-a021-417a-8bc1-65c8d471c621" providerId="ADAL" clId="{A54A5039-9BC6-1548-AC61-7314DB675A9D}" dt="2019-09-19T17:18:16.629" v="584" actId="20577"/>
+    <pc:docChg chg="undo custSel addSld delSld modSld">
+      <pc:chgData name="Long B Nguyen" userId="f59fb8f3-a021-417a-8bc1-65c8d471c621" providerId="ADAL" clId="{A54A5039-9BC6-1548-AC61-7314DB675A9D}" dt="2019-09-23T12:06:41.861" v="1992"/>
       <pc:docMkLst>
         <pc:docMk/>
       </pc:docMkLst>
@@ -174,14 +180,45 @@
           </ac:spMkLst>
         </pc:spChg>
       </pc:sldChg>
-      <pc:sldChg chg="modSp">
-        <pc:chgData name="Long B Nguyen" userId="f59fb8f3-a021-417a-8bc1-65c8d471c621" providerId="ADAL" clId="{A54A5039-9BC6-1548-AC61-7314DB675A9D}" dt="2019-09-19T14:15:31.527" v="5" actId="20577"/>
+      <pc:sldChg chg="addSp modSp modAnim">
+        <pc:chgData name="Long B Nguyen" userId="f59fb8f3-a021-417a-8bc1-65c8d471c621" providerId="ADAL" clId="{A54A5039-9BC6-1548-AC61-7314DB675A9D}" dt="2019-09-23T12:04:10.373" v="1911"/>
+        <pc:sldMkLst>
+          <pc:docMk/>
+          <pc:sldMk cId="1816941262" sldId="295"/>
+        </pc:sldMkLst>
+        <pc:spChg chg="add mod">
+          <ac:chgData name="Long B Nguyen" userId="f59fb8f3-a021-417a-8bc1-65c8d471c621" providerId="ADAL" clId="{A54A5039-9BC6-1548-AC61-7314DB675A9D}" dt="2019-09-23T12:03:30.239" v="1901" actId="1076"/>
+          <ac:spMkLst>
+            <pc:docMk/>
+            <pc:sldMk cId="1816941262" sldId="295"/>
+            <ac:spMk id="3" creationId="{53AD888D-2F6F-BB43-86CA-1A3B376061A2}"/>
+          </ac:spMkLst>
+        </pc:spChg>
+        <pc:spChg chg="mod">
+          <ac:chgData name="Long B Nguyen" userId="f59fb8f3-a021-417a-8bc1-65c8d471c621" providerId="ADAL" clId="{A54A5039-9BC6-1548-AC61-7314DB675A9D}" dt="2019-09-23T11:58:12.789" v="1765" actId="20577"/>
+          <ac:spMkLst>
+            <pc:docMk/>
+            <pc:sldMk cId="1816941262" sldId="295"/>
+            <ac:spMk id="9" creationId="{E3B2E017-30B2-884B-A113-B419A2ED51AD}"/>
+          </ac:spMkLst>
+        </pc:spChg>
+        <pc:cxnChg chg="add mod">
+          <ac:chgData name="Long B Nguyen" userId="f59fb8f3-a021-417a-8bc1-65c8d471c621" providerId="ADAL" clId="{A54A5039-9BC6-1548-AC61-7314DB675A9D}" dt="2019-09-23T12:03:49.489" v="1909" actId="692"/>
+          <ac:cxnSpMkLst>
+            <pc:docMk/>
+            <pc:sldMk cId="1816941262" sldId="295"/>
+            <ac:cxnSpMk id="5" creationId="{0FA56ED4-EC25-B14C-B73E-DC4E17ADBF86}"/>
+          </ac:cxnSpMkLst>
+        </pc:cxnChg>
+      </pc:sldChg>
+      <pc:sldChg chg="modSp modAnim">
+        <pc:chgData name="Long B Nguyen" userId="f59fb8f3-a021-417a-8bc1-65c8d471c621" providerId="ADAL" clId="{A54A5039-9BC6-1548-AC61-7314DB675A9D}" dt="2019-09-23T11:59:17.508" v="1794"/>
         <pc:sldMkLst>
           <pc:docMk/>
           <pc:sldMk cId="553003360" sldId="296"/>
         </pc:sldMkLst>
         <pc:spChg chg="mod">
-          <ac:chgData name="Long B Nguyen" userId="f59fb8f3-a021-417a-8bc1-65c8d471c621" providerId="ADAL" clId="{A54A5039-9BC6-1548-AC61-7314DB675A9D}" dt="2019-09-19T14:15:31.527" v="5" actId="20577"/>
+          <ac:chgData name="Long B Nguyen" userId="f59fb8f3-a021-417a-8bc1-65c8d471c621" providerId="ADAL" clId="{A54A5039-9BC6-1548-AC61-7314DB675A9D}" dt="2019-09-23T11:59:10.982" v="1792" actId="20577"/>
           <ac:spMkLst>
             <pc:docMk/>
             <pc:sldMk cId="553003360" sldId="296"/>
@@ -189,53 +226,38 @@
           </ac:spMkLst>
         </pc:spChg>
       </pc:sldChg>
-      <pc:sldChg chg="del">
-        <pc:chgData name="Long B Nguyen" userId="f59fb8f3-a021-417a-8bc1-65c8d471c621" providerId="ADAL" clId="{A54A5039-9BC6-1548-AC61-7314DB675A9D}" dt="2019-09-19T14:19:55.269" v="29" actId="2696"/>
+      <pc:sldChg chg="modSp modAnim">
+        <pc:chgData name="Long B Nguyen" userId="f59fb8f3-a021-417a-8bc1-65c8d471c621" providerId="ADAL" clId="{A54A5039-9BC6-1548-AC61-7314DB675A9D}" dt="2019-09-23T11:59:34.632" v="1798"/>
         <pc:sldMkLst>
           <pc:docMk/>
-          <pc:sldMk cId="1136048842" sldId="299"/>
-        </pc:sldMkLst>
-      </pc:sldChg>
-      <pc:sldChg chg="modSp del">
-        <pc:chgData name="Long B Nguyen" userId="f59fb8f3-a021-417a-8bc1-65c8d471c621" providerId="ADAL" clId="{A54A5039-9BC6-1548-AC61-7314DB675A9D}" dt="2019-09-19T14:20:36.926" v="36" actId="2696"/>
-        <pc:sldMkLst>
-          <pc:docMk/>
-          <pc:sldMk cId="1258455770" sldId="300"/>
+          <pc:sldMk cId="3006175481" sldId="297"/>
         </pc:sldMkLst>
         <pc:spChg chg="mod">
-          <ac:chgData name="Long B Nguyen" userId="f59fb8f3-a021-417a-8bc1-65c8d471c621" providerId="ADAL" clId="{A54A5039-9BC6-1548-AC61-7314DB675A9D}" dt="2019-09-19T14:16:20.761" v="7" actId="20577"/>
+          <ac:chgData name="Long B Nguyen" userId="f59fb8f3-a021-417a-8bc1-65c8d471c621" providerId="ADAL" clId="{A54A5039-9BC6-1548-AC61-7314DB675A9D}" dt="2019-09-23T11:59:28.174" v="1796" actId="20577"/>
           <ac:spMkLst>
             <pc:docMk/>
-            <pc:sldMk cId="1258455770" sldId="300"/>
+            <pc:sldMk cId="3006175481" sldId="297"/>
             <ac:spMk id="9" creationId="{E3B2E017-30B2-884B-A113-B419A2ED51AD}"/>
           </ac:spMkLst>
         </pc:spChg>
       </pc:sldChg>
-      <pc:sldChg chg="delSp modSp del">
-        <pc:chgData name="Long B Nguyen" userId="f59fb8f3-a021-417a-8bc1-65c8d471c621" providerId="ADAL" clId="{A54A5039-9BC6-1548-AC61-7314DB675A9D}" dt="2019-09-19T14:23:07.561" v="96" actId="2696"/>
+      <pc:sldChg chg="modSp modAnim">
+        <pc:chgData name="Long B Nguyen" userId="f59fb8f3-a021-417a-8bc1-65c8d471c621" providerId="ADAL" clId="{A54A5039-9BC6-1548-AC61-7314DB675A9D}" dt="2019-09-23T12:06:41.861" v="1992"/>
         <pc:sldMkLst>
           <pc:docMk/>
-          <pc:sldMk cId="393328173" sldId="301"/>
+          <pc:sldMk cId="3150557076" sldId="298"/>
         </pc:sldMkLst>
-        <pc:spChg chg="del">
-          <ac:chgData name="Long B Nguyen" userId="f59fb8f3-a021-417a-8bc1-65c8d471c621" providerId="ADAL" clId="{A54A5039-9BC6-1548-AC61-7314DB675A9D}" dt="2019-09-19T14:20:08.056" v="31" actId="478"/>
+        <pc:spChg chg="mod">
+          <ac:chgData name="Long B Nguyen" userId="f59fb8f3-a021-417a-8bc1-65c8d471c621" providerId="ADAL" clId="{A54A5039-9BC6-1548-AC61-7314DB675A9D}" dt="2019-09-23T12:05:19.573" v="1985" actId="20577"/>
           <ac:spMkLst>
             <pc:docMk/>
-            <pc:sldMk cId="393328173" sldId="301"/>
-            <ac:spMk id="3" creationId="{3887A274-051E-7F48-83D6-811E92A4025B}"/>
-          </ac:spMkLst>
-        </pc:spChg>
-        <pc:spChg chg="mod">
-          <ac:chgData name="Long B Nguyen" userId="f59fb8f3-a021-417a-8bc1-65c8d471c621" providerId="ADAL" clId="{A54A5039-9BC6-1548-AC61-7314DB675A9D}" dt="2019-09-19T14:20:04.604" v="30" actId="20577"/>
-          <ac:spMkLst>
-            <pc:docMk/>
-            <pc:sldMk cId="393328173" sldId="301"/>
+            <pc:sldMk cId="3150557076" sldId="298"/>
             <ac:spMk id="9" creationId="{E3B2E017-30B2-884B-A113-B419A2ED51AD}"/>
           </ac:spMkLst>
         </pc:spChg>
       </pc:sldChg>
-      <pc:sldChg chg="addSp delSp modSp">
-        <pc:chgData name="Long B Nguyen" userId="f59fb8f3-a021-417a-8bc1-65c8d471c621" providerId="ADAL" clId="{A54A5039-9BC6-1548-AC61-7314DB675A9D}" dt="2019-09-19T16:47:34.465" v="464"/>
+      <pc:sldChg chg="addSp delSp modSp modAnim">
+        <pc:chgData name="Long B Nguyen" userId="f59fb8f3-a021-417a-8bc1-65c8d471c621" providerId="ADAL" clId="{A54A5039-9BC6-1548-AC61-7314DB675A9D}" dt="2019-09-23T12:01:44.436" v="1840"/>
         <pc:sldMkLst>
           <pc:docMk/>
           <pc:sldMk cId="128704095" sldId="302"/>
@@ -249,7 +271,7 @@
           </ac:spMkLst>
         </pc:spChg>
         <pc:spChg chg="mod">
-          <ac:chgData name="Long B Nguyen" userId="f59fb8f3-a021-417a-8bc1-65c8d471c621" providerId="ADAL" clId="{A54A5039-9BC6-1548-AC61-7314DB675A9D}" dt="2019-09-19T14:17:51.453" v="23"/>
+          <ac:chgData name="Long B Nguyen" userId="f59fb8f3-a021-417a-8bc1-65c8d471c621" providerId="ADAL" clId="{A54A5039-9BC6-1548-AC61-7314DB675A9D}" dt="2019-09-23T12:01:36.243" v="1838" actId="20577"/>
           <ac:spMkLst>
             <pc:docMk/>
             <pc:sldMk cId="128704095" sldId="302"/>
@@ -257,14 +279,14 @@
           </ac:spMkLst>
         </pc:spChg>
       </pc:sldChg>
-      <pc:sldChg chg="modSp add">
-        <pc:chgData name="Long B Nguyen" userId="f59fb8f3-a021-417a-8bc1-65c8d471c621" providerId="ADAL" clId="{A54A5039-9BC6-1548-AC61-7314DB675A9D}" dt="2019-09-19T14:21:34.739" v="86" actId="20577"/>
+      <pc:sldChg chg="modSp add modAnim">
+        <pc:chgData name="Long B Nguyen" userId="f59fb8f3-a021-417a-8bc1-65c8d471c621" providerId="ADAL" clId="{A54A5039-9BC6-1548-AC61-7314DB675A9D}" dt="2019-09-23T12:00:26.516" v="1826" actId="20577"/>
         <pc:sldMkLst>
           <pc:docMk/>
           <pc:sldMk cId="3275945509" sldId="303"/>
         </pc:sldMkLst>
         <pc:spChg chg="mod">
-          <ac:chgData name="Long B Nguyen" userId="f59fb8f3-a021-417a-8bc1-65c8d471c621" providerId="ADAL" clId="{A54A5039-9BC6-1548-AC61-7314DB675A9D}" dt="2019-09-19T14:21:34.739" v="86" actId="20577"/>
+          <ac:chgData name="Long B Nguyen" userId="f59fb8f3-a021-417a-8bc1-65c8d471c621" providerId="ADAL" clId="{A54A5039-9BC6-1548-AC61-7314DB675A9D}" dt="2019-09-23T12:00:26.516" v="1826" actId="20577"/>
           <ac:spMkLst>
             <pc:docMk/>
             <pc:sldMk cId="3275945509" sldId="303"/>
@@ -272,14 +294,14 @@
           </ac:spMkLst>
         </pc:spChg>
       </pc:sldChg>
-      <pc:sldChg chg="modSp add">
-        <pc:chgData name="Long B Nguyen" userId="f59fb8f3-a021-417a-8bc1-65c8d471c621" providerId="ADAL" clId="{A54A5039-9BC6-1548-AC61-7314DB675A9D}" dt="2019-09-19T14:22:13.419" v="95" actId="20577"/>
+      <pc:sldChg chg="modSp add modAnim">
+        <pc:chgData name="Long B Nguyen" userId="f59fb8f3-a021-417a-8bc1-65c8d471c621" providerId="ADAL" clId="{A54A5039-9BC6-1548-AC61-7314DB675A9D}" dt="2019-09-23T12:00:38.314" v="1827"/>
         <pc:sldMkLst>
           <pc:docMk/>
           <pc:sldMk cId="406772024" sldId="304"/>
         </pc:sldMkLst>
         <pc:spChg chg="mod">
-          <ac:chgData name="Long B Nguyen" userId="f59fb8f3-a021-417a-8bc1-65c8d471c621" providerId="ADAL" clId="{A54A5039-9BC6-1548-AC61-7314DB675A9D}" dt="2019-09-19T14:22:13.419" v="95" actId="20577"/>
+          <ac:chgData name="Long B Nguyen" userId="f59fb8f3-a021-417a-8bc1-65c8d471c621" providerId="ADAL" clId="{A54A5039-9BC6-1548-AC61-7314DB675A9D}" dt="2019-09-23T12:00:12.500" v="1808" actId="20577"/>
           <ac:spMkLst>
             <pc:docMk/>
             <pc:sldMk cId="406772024" sldId="304"/>
@@ -287,8 +309,8 @@
           </ac:spMkLst>
         </pc:spChg>
       </pc:sldChg>
-      <pc:sldChg chg="modSp add">
-        <pc:chgData name="Long B Nguyen" userId="f59fb8f3-a021-417a-8bc1-65c8d471c621" providerId="ADAL" clId="{A54A5039-9BC6-1548-AC61-7314DB675A9D}" dt="2019-09-19T14:34:38.344" v="462" actId="113"/>
+      <pc:sldChg chg="modSp add modAnim">
+        <pc:chgData name="Long B Nguyen" userId="f59fb8f3-a021-417a-8bc1-65c8d471c621" providerId="ADAL" clId="{A54A5039-9BC6-1548-AC61-7314DB675A9D}" dt="2019-09-23T12:00:55.358" v="1831"/>
         <pc:sldMkLst>
           <pc:docMk/>
           <pc:sldMk cId="1703902501" sldId="305"/>
@@ -302,7 +324,7 @@
           </ac:spMkLst>
         </pc:spChg>
         <pc:spChg chg="mod">
-          <ac:chgData name="Long B Nguyen" userId="f59fb8f3-a021-417a-8bc1-65c8d471c621" providerId="ADAL" clId="{A54A5039-9BC6-1548-AC61-7314DB675A9D}" dt="2019-09-19T14:34:38.344" v="462" actId="113"/>
+          <ac:chgData name="Long B Nguyen" userId="f59fb8f3-a021-417a-8bc1-65c8d471c621" providerId="ADAL" clId="{A54A5039-9BC6-1548-AC61-7314DB675A9D}" dt="2019-09-23T12:00:43.614" v="1829" actId="20577"/>
           <ac:spMkLst>
             <pc:docMk/>
             <pc:sldMk cId="1703902501" sldId="305"/>
@@ -310,8 +332,8 @@
           </ac:spMkLst>
         </pc:spChg>
       </pc:sldChg>
-      <pc:sldChg chg="modSp add">
-        <pc:chgData name="Long B Nguyen" userId="f59fb8f3-a021-417a-8bc1-65c8d471c621" providerId="ADAL" clId="{A54A5039-9BC6-1548-AC61-7314DB675A9D}" dt="2019-09-19T16:51:57.917" v="536" actId="20577"/>
+      <pc:sldChg chg="modSp add modAnim">
+        <pc:chgData name="Long B Nguyen" userId="f59fb8f3-a021-417a-8bc1-65c8d471c621" providerId="ADAL" clId="{A54A5039-9BC6-1548-AC61-7314DB675A9D}" dt="2019-09-23T12:01:58.728" v="1843"/>
         <pc:sldMkLst>
           <pc:docMk/>
           <pc:sldMk cId="3614829039" sldId="306"/>
@@ -325,7 +347,7 @@
           </ac:spMkLst>
         </pc:spChg>
         <pc:spChg chg="mod">
-          <ac:chgData name="Long B Nguyen" userId="f59fb8f3-a021-417a-8bc1-65c8d471c621" providerId="ADAL" clId="{A54A5039-9BC6-1548-AC61-7314DB675A9D}" dt="2019-09-19T16:51:53.029" v="534" actId="207"/>
+          <ac:chgData name="Long B Nguyen" userId="f59fb8f3-a021-417a-8bc1-65c8d471c621" providerId="ADAL" clId="{A54A5039-9BC6-1548-AC61-7314DB675A9D}" dt="2019-09-23T12:01:50.092" v="1842" actId="20577"/>
           <ac:spMkLst>
             <pc:docMk/>
             <pc:sldMk cId="3614829039" sldId="306"/>
@@ -333,8 +355,8 @@
           </ac:spMkLst>
         </pc:spChg>
       </pc:sldChg>
-      <pc:sldChg chg="modSp add">
-        <pc:chgData name="Long B Nguyen" userId="f59fb8f3-a021-417a-8bc1-65c8d471c621" providerId="ADAL" clId="{A54A5039-9BC6-1548-AC61-7314DB675A9D}" dt="2019-09-19T17:18:16.629" v="584" actId="20577"/>
+      <pc:sldChg chg="modSp add modAnim">
+        <pc:chgData name="Long B Nguyen" userId="f59fb8f3-a021-417a-8bc1-65c8d471c621" providerId="ADAL" clId="{A54A5039-9BC6-1548-AC61-7314DB675A9D}" dt="2019-09-23T12:02:15.154" v="1846"/>
         <pc:sldMkLst>
           <pc:docMk/>
           <pc:sldMk cId="295911327" sldId="307"/>
@@ -348,10 +370,140 @@
           </ac:spMkLst>
         </pc:spChg>
         <pc:spChg chg="mod">
-          <ac:chgData name="Long B Nguyen" userId="f59fb8f3-a021-417a-8bc1-65c8d471c621" providerId="ADAL" clId="{A54A5039-9BC6-1548-AC61-7314DB675A9D}" dt="2019-09-19T17:18:16.629" v="584" actId="20577"/>
+          <ac:chgData name="Long B Nguyen" userId="f59fb8f3-a021-417a-8bc1-65c8d471c621" providerId="ADAL" clId="{A54A5039-9BC6-1548-AC61-7314DB675A9D}" dt="2019-09-23T12:02:10.526" v="1845" actId="20577"/>
           <ac:spMkLst>
             <pc:docMk/>
             <pc:sldMk cId="295911327" sldId="307"/>
+            <ac:spMk id="9" creationId="{E3B2E017-30B2-884B-A113-B419A2ED51AD}"/>
+          </ac:spMkLst>
+        </pc:spChg>
+      </pc:sldChg>
+      <pc:sldChg chg="modSp add modAnim">
+        <pc:chgData name="Long B Nguyen" userId="f59fb8f3-a021-417a-8bc1-65c8d471c621" providerId="ADAL" clId="{A54A5039-9BC6-1548-AC61-7314DB675A9D}" dt="2019-09-23T12:01:05.311" v="1832"/>
+        <pc:sldMkLst>
+          <pc:docMk/>
+          <pc:sldMk cId="67957925" sldId="308"/>
+        </pc:sldMkLst>
+        <pc:spChg chg="mod">
+          <ac:chgData name="Long B Nguyen" userId="f59fb8f3-a021-417a-8bc1-65c8d471c621" providerId="ADAL" clId="{A54A5039-9BC6-1548-AC61-7314DB675A9D}" dt="2019-09-20T12:22:34.233" v="599" actId="20577"/>
+          <ac:spMkLst>
+            <pc:docMk/>
+            <pc:sldMk cId="67957925" sldId="308"/>
+            <ac:spMk id="2" creationId="{AA3A228F-61D0-D949-A5E7-F83756230BF8}"/>
+          </ac:spMkLst>
+        </pc:spChg>
+        <pc:spChg chg="mod">
+          <ac:chgData name="Long B Nguyen" userId="f59fb8f3-a021-417a-8bc1-65c8d471c621" providerId="ADAL" clId="{A54A5039-9BC6-1548-AC61-7314DB675A9D}" dt="2019-09-20T12:37:26.490" v="1123" actId="20577"/>
+          <ac:spMkLst>
+            <pc:docMk/>
+            <pc:sldMk cId="67957925" sldId="308"/>
+            <ac:spMk id="9" creationId="{E3B2E017-30B2-884B-A113-B419A2ED51AD}"/>
+          </ac:spMkLst>
+        </pc:spChg>
+      </pc:sldChg>
+      <pc:sldChg chg="modSp add modAnim">
+        <pc:chgData name="Long B Nguyen" userId="f59fb8f3-a021-417a-8bc1-65c8d471c621" providerId="ADAL" clId="{A54A5039-9BC6-1548-AC61-7314DB675A9D}" dt="2019-09-23T12:01:18.117" v="1835"/>
+        <pc:sldMkLst>
+          <pc:docMk/>
+          <pc:sldMk cId="1872435103" sldId="309"/>
+        </pc:sldMkLst>
+        <pc:spChg chg="mod">
+          <ac:chgData name="Long B Nguyen" userId="f59fb8f3-a021-417a-8bc1-65c8d471c621" providerId="ADAL" clId="{A54A5039-9BC6-1548-AC61-7314DB675A9D}" dt="2019-09-20T12:24:39.851" v="793" actId="20577"/>
+          <ac:spMkLst>
+            <pc:docMk/>
+            <pc:sldMk cId="1872435103" sldId="309"/>
+            <ac:spMk id="2" creationId="{AA3A228F-61D0-D949-A5E7-F83756230BF8}"/>
+          </ac:spMkLst>
+        </pc:spChg>
+        <pc:spChg chg="mod">
+          <ac:chgData name="Long B Nguyen" userId="f59fb8f3-a021-417a-8bc1-65c8d471c621" providerId="ADAL" clId="{A54A5039-9BC6-1548-AC61-7314DB675A9D}" dt="2019-09-20T12:37:20.580" v="1117" actId="20577"/>
+          <ac:spMkLst>
+            <pc:docMk/>
+            <pc:sldMk cId="1872435103" sldId="309"/>
+            <ac:spMk id="9" creationId="{E3B2E017-30B2-884B-A113-B419A2ED51AD}"/>
+          </ac:spMkLst>
+        </pc:spChg>
+      </pc:sldChg>
+      <pc:sldChg chg="modSp add">
+        <pc:chgData name="Long B Nguyen" userId="f59fb8f3-a021-417a-8bc1-65c8d471c621" providerId="ADAL" clId="{A54A5039-9BC6-1548-AC61-7314DB675A9D}" dt="2019-09-20T12:40:48.118" v="1409" actId="20577"/>
+        <pc:sldMkLst>
+          <pc:docMk/>
+          <pc:sldMk cId="4088965571" sldId="310"/>
+        </pc:sldMkLst>
+        <pc:spChg chg="mod">
+          <ac:chgData name="Long B Nguyen" userId="f59fb8f3-a021-417a-8bc1-65c8d471c621" providerId="ADAL" clId="{A54A5039-9BC6-1548-AC61-7314DB675A9D}" dt="2019-09-20T12:40:48.118" v="1409" actId="20577"/>
+          <ac:spMkLst>
+            <pc:docMk/>
+            <pc:sldMk cId="4088965571" sldId="310"/>
+            <ac:spMk id="2" creationId="{AA3A228F-61D0-D949-A5E7-F83756230BF8}"/>
+          </ac:spMkLst>
+        </pc:spChg>
+        <pc:spChg chg="mod">
+          <ac:chgData name="Long B Nguyen" userId="f59fb8f3-a021-417a-8bc1-65c8d471c621" providerId="ADAL" clId="{A54A5039-9BC6-1548-AC61-7314DB675A9D}" dt="2019-09-20T12:40:27.809" v="1394" actId="255"/>
+          <ac:spMkLst>
+            <pc:docMk/>
+            <pc:sldMk cId="4088965571" sldId="310"/>
+            <ac:spMk id="9" creationId="{E3B2E017-30B2-884B-A113-B419A2ED51AD}"/>
+          </ac:spMkLst>
+        </pc:spChg>
+      </pc:sldChg>
+      <pc:sldChg chg="modSp add modAnim">
+        <pc:chgData name="Long B Nguyen" userId="f59fb8f3-a021-417a-8bc1-65c8d471c621" providerId="ADAL" clId="{A54A5039-9BC6-1548-AC61-7314DB675A9D}" dt="2019-09-23T12:01:26.997" v="1836"/>
+        <pc:sldMkLst>
+          <pc:docMk/>
+          <pc:sldMk cId="2255846137" sldId="311"/>
+        </pc:sldMkLst>
+        <pc:spChg chg="mod">
+          <ac:chgData name="Long B Nguyen" userId="f59fb8f3-a021-417a-8bc1-65c8d471c621" providerId="ADAL" clId="{A54A5039-9BC6-1548-AC61-7314DB675A9D}" dt="2019-09-20T12:42:38.115" v="1565" actId="20577"/>
+          <ac:spMkLst>
+            <pc:docMk/>
+            <pc:sldMk cId="2255846137" sldId="311"/>
+            <ac:spMk id="2" creationId="{AA3A228F-61D0-D949-A5E7-F83756230BF8}"/>
+          </ac:spMkLst>
+        </pc:spChg>
+        <pc:spChg chg="mod">
+          <ac:chgData name="Long B Nguyen" userId="f59fb8f3-a021-417a-8bc1-65c8d471c621" providerId="ADAL" clId="{A54A5039-9BC6-1548-AC61-7314DB675A9D}" dt="2019-09-20T12:43:18.312" v="1623" actId="20577"/>
+          <ac:spMkLst>
+            <pc:docMk/>
+            <pc:sldMk cId="2255846137" sldId="311"/>
+            <ac:spMk id="9" creationId="{E3B2E017-30B2-884B-A113-B419A2ED51AD}"/>
+          </ac:spMkLst>
+        </pc:spChg>
+      </pc:sldChg>
+      <pc:sldChg chg="modSp add">
+        <pc:chgData name="Long B Nguyen" userId="f59fb8f3-a021-417a-8bc1-65c8d471c621" providerId="ADAL" clId="{A54A5039-9BC6-1548-AC61-7314DB675A9D}" dt="2019-09-23T11:49:40.764" v="1759" actId="20577"/>
+        <pc:sldMkLst>
+          <pc:docMk/>
+          <pc:sldMk cId="1513627164" sldId="312"/>
+        </pc:sldMkLst>
+        <pc:spChg chg="mod">
+          <ac:chgData name="Long B Nguyen" userId="f59fb8f3-a021-417a-8bc1-65c8d471c621" providerId="ADAL" clId="{A54A5039-9BC6-1548-AC61-7314DB675A9D}" dt="2019-09-20T12:44:10.623" v="1625" actId="20577"/>
+          <ac:spMkLst>
+            <pc:docMk/>
+            <pc:sldMk cId="1513627164" sldId="312"/>
+            <ac:spMk id="2" creationId="{AA3A228F-61D0-D949-A5E7-F83756230BF8}"/>
+          </ac:spMkLst>
+        </pc:spChg>
+        <pc:spChg chg="mod">
+          <ac:chgData name="Long B Nguyen" userId="f59fb8f3-a021-417a-8bc1-65c8d471c621" providerId="ADAL" clId="{A54A5039-9BC6-1548-AC61-7314DB675A9D}" dt="2019-09-23T11:49:40.764" v="1759" actId="20577"/>
+          <ac:spMkLst>
+            <pc:docMk/>
+            <pc:sldMk cId="1513627164" sldId="312"/>
+            <ac:spMk id="9" creationId="{E3B2E017-30B2-884B-A113-B419A2ED51AD}"/>
+          </ac:spMkLst>
+        </pc:spChg>
+      </pc:sldChg>
+      <pc:sldChg chg="modSp add modAnim">
+        <pc:chgData name="Long B Nguyen" userId="f59fb8f3-a021-417a-8bc1-65c8d471c621" providerId="ADAL" clId="{A54A5039-9BC6-1548-AC61-7314DB675A9D}" dt="2019-09-23T11:58:57.499" v="1789"/>
+        <pc:sldMkLst>
+          <pc:docMk/>
+          <pc:sldMk cId="2097059918" sldId="313"/>
+        </pc:sldMkLst>
+        <pc:spChg chg="mod">
+          <ac:chgData name="Long B Nguyen" userId="f59fb8f3-a021-417a-8bc1-65c8d471c621" providerId="ADAL" clId="{A54A5039-9BC6-1548-AC61-7314DB675A9D}" dt="2019-09-23T11:58:47.576" v="1783" actId="20577"/>
+          <ac:spMkLst>
+            <pc:docMk/>
+            <pc:sldMk cId="2097059918" sldId="313"/>
             <ac:spMk id="9" creationId="{E3B2E017-30B2-884B-A113-B419A2ED51AD}"/>
           </ac:spMkLst>
         </pc:spChg>
@@ -522,7 +674,7 @@
           <a:p>
             <a:fld id="{4AAD347D-5ACD-4C99-B74B-A9C85AD731AF}" type="datetimeFigureOut">
               <a:rPr lang="en-US" smtClean="0"/>
-              <a:t>9/19/19</a:t>
+              <a:t>9/23/19</a:t>
             </a:fld>
             <a:endParaRPr lang="en-US" dirty="0"/>
           </a:p>
@@ -692,7 +844,7 @@
           <a:p>
             <a:fld id="{4509A250-FF31-4206-8172-F9D3106AACB1}" type="datetimeFigureOut">
               <a:rPr lang="en-US" smtClean="0"/>
-              <a:t>9/19/19</a:t>
+              <a:t>9/23/19</a:t>
             </a:fld>
             <a:endParaRPr lang="en-US" dirty="0"/>
           </a:p>
@@ -872,7 +1024,7 @@
           <a:p>
             <a:fld id="{4509A250-FF31-4206-8172-F9D3106AACB1}" type="datetimeFigureOut">
               <a:rPr lang="en-US" smtClean="0"/>
-              <a:t>9/19/19</a:t>
+              <a:t>9/23/19</a:t>
             </a:fld>
             <a:endParaRPr lang="en-US" dirty="0"/>
           </a:p>
@@ -1042,7 +1194,7 @@
           <a:p>
             <a:fld id="{4509A250-FF31-4206-8172-F9D3106AACB1}" type="datetimeFigureOut">
               <a:rPr lang="en-US" smtClean="0"/>
-              <a:t>9/19/19</a:t>
+              <a:t>9/23/19</a:t>
             </a:fld>
             <a:endParaRPr lang="en-US" dirty="0"/>
           </a:p>
@@ -1288,7 +1440,7 @@
           <a:p>
             <a:fld id="{9796027F-7875-4030-9381-8BD8C4F21935}" type="datetimeFigureOut">
               <a:rPr lang="en-US" smtClean="0"/>
-              <a:t>9/19/19</a:t>
+              <a:t>9/23/19</a:t>
             </a:fld>
             <a:endParaRPr lang="en-US" dirty="0"/>
           </a:p>
@@ -1520,7 +1672,7 @@
           <a:p>
             <a:fld id="{9796027F-7875-4030-9381-8BD8C4F21935}" type="datetimeFigureOut">
               <a:rPr lang="en-US" smtClean="0"/>
-              <a:t>9/19/19</a:t>
+              <a:t>9/23/19</a:t>
             </a:fld>
             <a:endParaRPr lang="en-US" dirty="0"/>
           </a:p>
@@ -1887,7 +2039,7 @@
           <a:p>
             <a:fld id="{9796027F-7875-4030-9381-8BD8C4F21935}" type="datetimeFigureOut">
               <a:rPr lang="en-US" smtClean="0"/>
-              <a:t>9/19/19</a:t>
+              <a:t>9/23/19</a:t>
             </a:fld>
             <a:endParaRPr lang="en-US" dirty="0"/>
           </a:p>
@@ -2005,7 +2157,7 @@
           <a:p>
             <a:fld id="{4509A250-FF31-4206-8172-F9D3106AACB1}" type="datetimeFigureOut">
               <a:rPr lang="en-US" smtClean="0"/>
-              <a:t>9/19/19</a:t>
+              <a:t>9/23/19</a:t>
             </a:fld>
             <a:endParaRPr lang="en-US" dirty="0"/>
           </a:p>
@@ -2100,7 +2252,7 @@
           <a:p>
             <a:fld id="{4509A250-FF31-4206-8172-F9D3106AACB1}" type="datetimeFigureOut">
               <a:rPr lang="en-US" smtClean="0"/>
-              <a:t>9/19/19</a:t>
+              <a:t>9/23/19</a:t>
             </a:fld>
             <a:endParaRPr lang="en-US" dirty="0"/>
           </a:p>
@@ -2377,7 +2529,7 @@
           <a:p>
             <a:fld id="{4509A250-FF31-4206-8172-F9D3106AACB1}" type="datetimeFigureOut">
               <a:rPr lang="en-US" smtClean="0"/>
-              <a:t>9/19/19</a:t>
+              <a:t>9/23/19</a:t>
             </a:fld>
             <a:endParaRPr lang="en-US" dirty="0"/>
           </a:p>
@@ -2634,7 +2786,7 @@
           <a:p>
             <a:fld id="{4509A250-FF31-4206-8172-F9D3106AACB1}" type="datetimeFigureOut">
               <a:rPr lang="en-US" smtClean="0"/>
-              <a:t>9/19/19</a:t>
+              <a:t>9/23/19</a:t>
             </a:fld>
             <a:endParaRPr lang="en-US" dirty="0"/>
           </a:p>
@@ -2847,7 +2999,7 @@
           <a:p>
             <a:fld id="{4AAD347D-5ACD-4C99-B74B-A9C85AD731AF}" type="datetimeFigureOut">
               <a:rPr lang="en-US" smtClean="0"/>
-              <a:t>9/19/19</a:t>
+              <a:t>9/23/19</a:t>
             </a:fld>
             <a:endParaRPr lang="en-US" dirty="0"/>
           </a:p>
@@ -3578,7 +3730,7 @@
           <a:p>
             <a:r>
               <a:rPr lang="en-US" dirty="0"/>
-              <a:t>Nested Loops</a:t>
+              <a:t>Definite Loop</a:t>
             </a:r>
           </a:p>
         </p:txBody>
@@ -3618,19 +3770,31 @@
               <a:rPr lang="en-US" dirty="0">
                 <a:latin typeface="Gill Sans MT" panose="020B0502020104020203" pitchFamily="34" charset="77"/>
               </a:rPr>
-              <a:t>A </a:t>
-            </a:r>
-            <a:r>
-              <a:rPr lang="en-US" i="1" dirty="0">
+              <a:t>The for loop is an example of a </a:t>
+            </a:r>
+            <a:r>
+              <a:rPr lang="en-US" b="1" dirty="0">
                 <a:latin typeface="Gill Sans MT" panose="020B0502020104020203" pitchFamily="34" charset="77"/>
               </a:rPr>
-              <a:t>nest loop</a:t>
+              <a:t>definite</a:t>
             </a:r>
             <a:r>
               <a:rPr lang="en-US" dirty="0">
                 <a:latin typeface="Gill Sans MT" panose="020B0502020104020203" pitchFamily="34" charset="77"/>
               </a:rPr>
-              <a:t> is a loop inside of another loop. </a:t>
+              <a:t> loop. We can determine ahead of time the number of times the loop repeats. Later, we will talk about </a:t>
+            </a:r>
+            <a:r>
+              <a:rPr lang="en-US" b="1" dirty="0">
+                <a:latin typeface="Gill Sans MT" panose="020B0502020104020203" pitchFamily="34" charset="77"/>
+              </a:rPr>
+              <a:t>indefinite loop</a:t>
+            </a:r>
+            <a:r>
+              <a:rPr lang="en-US" dirty="0">
+                <a:latin typeface="Gill Sans MT" panose="020B0502020104020203" pitchFamily="34" charset="77"/>
+              </a:rPr>
+              <a:t>, a loop where we cannot predict the number of times it repeats. </a:t>
             </a:r>
           </a:p>
           <a:p>
@@ -3652,7 +3816,7 @@
                 </a:solidFill>
                 <a:latin typeface="Inconsolata Medium" panose="020B0609030003000000" pitchFamily="49" charset="77"/>
               </a:rPr>
-              <a:t>In</a:t>
+              <a:t>In </a:t>
             </a:r>
             <a:r>
               <a:rPr lang="en-US" b="1" dirty="0">
@@ -3667,13 +3831,13 @@
                 </a:solidFill>
                 <a:latin typeface="Inconsolata Medium" panose="020B0609030003000000" pitchFamily="49" charset="77"/>
               </a:rPr>
-              <a:t>6</a:t>
-            </a:r>
-            <a:r>
-              <a:rPr lang="en-US" b="1" dirty="0">
-                <a:latin typeface="Inconsolata Medium" panose="020B0609030003000000" pitchFamily="49" charset="77"/>
-              </a:rPr>
-              <a:t>]: </a:t>
+              <a:t>1</a:t>
+            </a:r>
+            <a:r>
+              <a:rPr lang="en-US" b="1" dirty="0">
+                <a:latin typeface="Inconsolata Medium" panose="020B0609030003000000" pitchFamily="49" charset="77"/>
+              </a:rPr>
+              <a:t>]:  </a:t>
             </a:r>
             <a:r>
               <a:rPr lang="en-US" b="1" dirty="0">
@@ -3721,7 +3885,7 @@
                 </a:solidFill>
                 <a:latin typeface="Inconsolata Medium" panose="020B0609030003000000" pitchFamily="49" charset="77"/>
               </a:rPr>
-              <a:t>1, 4</a:t>
+              <a:t>5</a:t>
             </a:r>
             <a:r>
               <a:rPr lang="en-US" b="1" dirty="0">
@@ -3729,20 +3893,11 @@
               </a:rPr>
               <a:t>):</a:t>
             </a:r>
-          </a:p>
-          <a:p>
-            <a:pPr marL="0" indent="0">
-              <a:buNone/>
-            </a:pPr>
-            <a:r>
-              <a:rPr lang="en-US" b="1" dirty="0">
-                <a:solidFill>
-                  <a:srgbClr val="FF6600"/>
-                </a:solidFill>
-                <a:latin typeface="Inconsolata Medium" panose="020B0609030003000000" pitchFamily="49" charset="77"/>
-              </a:rPr>
-              <a:t>	  	</a:t>
-            </a:r>
+            <a:br>
+              <a:rPr lang="en-US" b="1" dirty="0">
+                <a:latin typeface="Inconsolata Medium" panose="020B0609030003000000" pitchFamily="49" charset="77"/>
+              </a:rPr>
+            </a:br>
             <a:r>
               <a:rPr lang="en-US" b="1" dirty="0">
                 <a:solidFill>
@@ -3750,161 +3905,7 @@
                 </a:solidFill>
                 <a:latin typeface="Inconsolata Medium" panose="020B0609030003000000" pitchFamily="49" charset="77"/>
               </a:rPr>
-              <a:t>for </a:t>
-            </a:r>
-            <a:r>
-              <a:rPr lang="en-US" b="1" dirty="0">
-                <a:solidFill>
-                  <a:srgbClr val="000087"/>
-                </a:solidFill>
-                <a:latin typeface="Inconsolata Medium" panose="020B0609030003000000" pitchFamily="49" charset="77"/>
-              </a:rPr>
-              <a:t>j </a:t>
-            </a:r>
-            <a:r>
-              <a:rPr lang="en-US" b="1" dirty="0">
-                <a:latin typeface="Inconsolata Medium" panose="020B0609030003000000" pitchFamily="49" charset="77"/>
-              </a:rPr>
-              <a:t>in </a:t>
-            </a:r>
-            <a:r>
-              <a:rPr lang="en-US" b="1" dirty="0">
-                <a:solidFill>
-                  <a:srgbClr val="336666"/>
-                </a:solidFill>
-                <a:latin typeface="Inconsolata Medium" panose="020B0609030003000000" pitchFamily="49" charset="77"/>
-              </a:rPr>
-              <a:t>range</a:t>
-            </a:r>
-            <a:r>
-              <a:rPr lang="en-US" b="1" dirty="0">
-                <a:latin typeface="Inconsolata Medium" panose="020B0609030003000000" pitchFamily="49" charset="77"/>
-              </a:rPr>
-              <a:t>(</a:t>
-            </a:r>
-            <a:r>
-              <a:rPr lang="en-US" b="1" dirty="0">
-                <a:solidFill>
-                  <a:srgbClr val="FF6600"/>
-                </a:solidFill>
-                <a:latin typeface="Inconsolata Medium" panose="020B0609030003000000" pitchFamily="49" charset="77"/>
-              </a:rPr>
-              <a:t>1, 5</a:t>
-            </a:r>
-            <a:r>
-              <a:rPr lang="en-US" b="1" dirty="0">
-                <a:latin typeface="Inconsolata Medium" panose="020B0609030003000000" pitchFamily="49" charset="77"/>
-              </a:rPr>
-              <a:t>): </a:t>
-            </a:r>
-          </a:p>
-          <a:p>
-            <a:pPr marL="0" indent="0">
-              <a:buNone/>
-            </a:pPr>
-            <a:r>
-              <a:rPr lang="en-US" b="1" dirty="0">
-                <a:solidFill>
-                  <a:srgbClr val="006699"/>
-                </a:solidFill>
-                <a:latin typeface="Inconsolata Medium" panose="020B0609030003000000" pitchFamily="49" charset="77"/>
-              </a:rPr>
-              <a:t>			print</a:t>
-            </a:r>
-            <a:r>
-              <a:rPr lang="en-US" b="1" dirty="0">
-                <a:latin typeface="Inconsolata Medium" panose="020B0609030003000000" pitchFamily="49" charset="77"/>
-              </a:rPr>
-              <a:t>(</a:t>
-            </a:r>
-            <a:r>
-              <a:rPr lang="en-US" b="1" dirty="0" err="1">
-                <a:solidFill>
-                  <a:srgbClr val="000087"/>
-                </a:solidFill>
-                <a:latin typeface="Inconsolata Medium" panose="020B0609030003000000" pitchFamily="49" charset="77"/>
-              </a:rPr>
-              <a:t>i</a:t>
-            </a:r>
-            <a:r>
-              <a:rPr lang="en-US" b="1" dirty="0">
-                <a:solidFill>
-                  <a:srgbClr val="000087"/>
-                </a:solidFill>
-                <a:latin typeface="Inconsolata Medium" panose="020B0609030003000000" pitchFamily="49" charset="77"/>
-              </a:rPr>
-              <a:t> * j</a:t>
-            </a:r>
-            <a:r>
-              <a:rPr lang="en-US" b="1" dirty="0">
-                <a:latin typeface="Inconsolata Medium" panose="020B0609030003000000" pitchFamily="49" charset="77"/>
-              </a:rPr>
-              <a:t>, </a:t>
-            </a:r>
-            <a:r>
-              <a:rPr lang="en-US" b="1" dirty="0">
-                <a:solidFill>
-                  <a:srgbClr val="000087"/>
-                </a:solidFill>
-                <a:latin typeface="Inconsolata Medium" panose="020B0609030003000000" pitchFamily="49" charset="77"/>
-              </a:rPr>
-              <a:t>end</a:t>
-            </a:r>
-            <a:r>
-              <a:rPr lang="en-US" b="1" dirty="0">
-                <a:solidFill>
-                  <a:srgbClr val="545454"/>
-                </a:solidFill>
-                <a:latin typeface="Inconsolata Medium" panose="020B0609030003000000" pitchFamily="49" charset="77"/>
-              </a:rPr>
-              <a:t>=</a:t>
-            </a:r>
-            <a:r>
-              <a:rPr lang="en-US" b="1" dirty="0">
-                <a:solidFill>
-                  <a:srgbClr val="CC3300"/>
-                </a:solidFill>
-                <a:latin typeface="Inconsolata Medium" panose="020B0609030003000000" pitchFamily="49" charset="77"/>
-              </a:rPr>
-              <a:t>‘ ’</a:t>
-            </a:r>
-            <a:r>
-              <a:rPr lang="en-US" b="1" dirty="0">
-                <a:latin typeface="Inconsolata Medium" panose="020B0609030003000000" pitchFamily="49" charset="77"/>
-              </a:rPr>
-              <a:t>) </a:t>
-            </a:r>
-          </a:p>
-          <a:p>
-            <a:pPr marL="0" indent="0">
-              <a:buNone/>
-            </a:pPr>
-            <a:r>
-              <a:rPr lang="en-US" b="1" dirty="0">
-                <a:latin typeface="Inconsolata Medium" panose="020B0609030003000000" pitchFamily="49" charset="77"/>
-              </a:rPr>
-              <a:t>	</a:t>
-            </a:r>
-            <a:r>
-              <a:rPr lang="en-US" b="1">
-                <a:latin typeface="Inconsolata Medium" panose="020B0609030003000000" pitchFamily="49" charset="77"/>
-              </a:rPr>
-              <a:t>	</a:t>
-            </a:r>
-            <a:r>
-              <a:rPr lang="en-US" b="1">
-                <a:solidFill>
-                  <a:srgbClr val="006699"/>
-                </a:solidFill>
-                <a:latin typeface="Inconsolata Medium" panose="020B0609030003000000" pitchFamily="49" charset="77"/>
-              </a:rPr>
-              <a:t>print</a:t>
-            </a:r>
-            <a:r>
-              <a:rPr lang="en-US" b="1">
-                <a:latin typeface="Inconsolata Medium" panose="020B0609030003000000" pitchFamily="49" charset="77"/>
-              </a:rPr>
-              <a:t>()</a:t>
+              <a:t>		  print("*")</a:t>
             </a:r>
             <a:endParaRPr lang="en-US" b="1" dirty="0">
               <a:latin typeface="Inconsolata Medium" panose="020B0609030003000000" pitchFamily="49" charset="77"/>
@@ -3914,45 +3915,38 @@
             <a:pPr marL="0" indent="0">
               <a:buNone/>
             </a:pPr>
-            <a:endParaRPr lang="en-US" dirty="0"/>
-          </a:p>
-          <a:p>
-            <a:pPr marL="0" indent="0">
-              <a:buNone/>
-            </a:pPr>
-            <a:r>
-              <a:rPr lang="en-US" b="1" dirty="0">
-                <a:latin typeface="Inconsolata Medium" panose="020B0609030003000000" pitchFamily="49" charset="77"/>
-              </a:rPr>
-              <a:t>1 2 3 4 </a:t>
-            </a:r>
-          </a:p>
-          <a:p>
-            <a:pPr marL="0" indent="0">
-              <a:buNone/>
-            </a:pPr>
-            <a:r>
-              <a:rPr lang="en-US" b="1" dirty="0">
-                <a:latin typeface="Inconsolata Medium" panose="020B0609030003000000" pitchFamily="49" charset="77"/>
-              </a:rPr>
-              <a:t>2 4 6 8 </a:t>
-            </a:r>
-          </a:p>
-          <a:p>
-            <a:pPr marL="0" indent="0">
-              <a:buNone/>
-            </a:pPr>
-            <a:r>
-              <a:rPr lang="en-US" b="1" dirty="0">
-                <a:latin typeface="Inconsolata Medium" panose="020B0609030003000000" pitchFamily="49" charset="77"/>
-              </a:rPr>
-              <a:t>3 6 9 12 </a:t>
-            </a:r>
-            <a:endParaRPr lang="en-US" sz="2100" b="1" dirty="0">
+            <a:r>
+              <a:rPr lang="en-US" b="1" dirty="0">
+                <a:latin typeface="Inconsolata Medium" panose="020B0609030003000000" pitchFamily="49" charset="77"/>
+              </a:rPr>
+              <a:t>*****</a:t>
+            </a:r>
+          </a:p>
+          <a:p>
+            <a:pPr marL="0" indent="0">
+              <a:buNone/>
+            </a:pPr>
+            <a:br>
+              <a:rPr lang="en-US" dirty="0">
+                <a:latin typeface="Gill Sans MT" panose="020B0502020104020203" pitchFamily="34" charset="77"/>
+              </a:rPr>
+            </a:br>
+            <a:r>
+              <a:rPr lang="en-US" dirty="0">
+                <a:latin typeface="Gill Sans MT" panose="020B0502020104020203" pitchFamily="34" charset="77"/>
+              </a:rPr>
+              <a:t>The loop above prints five *'s. We can determine this from the for loop statement.</a:t>
+            </a:r>
+          </a:p>
+          <a:p>
+            <a:pPr marL="0" indent="0">
+              <a:buNone/>
+            </a:pPr>
+            <a:endParaRPr lang="en-US" sz="2100" dirty="0">
               <a:solidFill>
                 <a:srgbClr val="000087"/>
               </a:solidFill>
-              <a:latin typeface="Inconsolata Medium" panose="020B0609030003000000" pitchFamily="49" charset="77"/>
+              <a:latin typeface="Gill Sans MT" panose="020B0502020104020203" pitchFamily="34" charset="77"/>
             </a:endParaRPr>
           </a:p>
         </p:txBody>
@@ -3960,13 +3954,172 @@
     </p:spTree>
     <p:extLst>
       <p:ext uri="{BB962C8B-B14F-4D97-AF65-F5344CB8AC3E}">
-        <p14:creationId xmlns:p14="http://schemas.microsoft.com/office/powerpoint/2010/main" val="128704095"/>
+        <p14:creationId xmlns:p14="http://schemas.microsoft.com/office/powerpoint/2010/main" val="1703902501"/>
       </p:ext>
     </p:extLst>
   </p:cSld>
   <p:clrMapOvr>
     <a:masterClrMapping/>
   </p:clrMapOvr>
+  <p:timing>
+    <p:tnLst>
+      <p:par>
+        <p:cTn id="1" dur="indefinite" restart="never" nodeType="tmRoot">
+          <p:childTnLst>
+            <p:seq concurrent="1" nextAc="seek">
+              <p:cTn id="2" dur="indefinite" nodeType="mainSeq">
+                <p:childTnLst>
+                  <p:par>
+                    <p:cTn id="3" fill="hold">
+                      <p:stCondLst>
+                        <p:cond delay="indefinite"/>
+                      </p:stCondLst>
+                      <p:childTnLst>
+                        <p:par>
+                          <p:cTn id="4" fill="hold">
+                            <p:stCondLst>
+                              <p:cond delay="0"/>
+                            </p:stCondLst>
+                            <p:childTnLst>
+                              <p:par>
+                                <p:cTn id="5" presetID="1" presetClass="entr" presetSubtype="0" fill="hold" nodeType="clickEffect">
+                                  <p:stCondLst>
+                                    <p:cond delay="0"/>
+                                  </p:stCondLst>
+                                  <p:childTnLst>
+                                    <p:set>
+                                      <p:cBhvr>
+                                        <p:cTn id="6" dur="1" fill="hold">
+                                          <p:stCondLst>
+                                            <p:cond delay="0"/>
+                                          </p:stCondLst>
+                                        </p:cTn>
+                                        <p:tgtEl>
+                                          <p:spTgt spid="9">
+                                            <p:txEl>
+                                              <p:pRg st="2" end="2"/>
+                                            </p:txEl>
+                                          </p:spTgt>
+                                        </p:tgtEl>
+                                        <p:attrNameLst>
+                                          <p:attrName>style.visibility</p:attrName>
+                                        </p:attrNameLst>
+                                      </p:cBhvr>
+                                      <p:to>
+                                        <p:strVal val="visible"/>
+                                      </p:to>
+                                    </p:set>
+                                  </p:childTnLst>
+                                </p:cTn>
+                              </p:par>
+                              <p:par>
+                                <p:cTn id="7" presetID="1" presetClass="entr" presetSubtype="0" fill="hold" nodeType="withEffect">
+                                  <p:stCondLst>
+                                    <p:cond delay="0"/>
+                                  </p:stCondLst>
+                                  <p:childTnLst>
+                                    <p:set>
+                                      <p:cBhvr>
+                                        <p:cTn id="8" dur="1" fill="hold">
+                                          <p:stCondLst>
+                                            <p:cond delay="0"/>
+                                          </p:stCondLst>
+                                        </p:cTn>
+                                        <p:tgtEl>
+                                          <p:spTgt spid="9">
+                                            <p:txEl>
+                                              <p:pRg st="3" end="3"/>
+                                            </p:txEl>
+                                          </p:spTgt>
+                                        </p:tgtEl>
+                                        <p:attrNameLst>
+                                          <p:attrName>style.visibility</p:attrName>
+                                        </p:attrNameLst>
+                                      </p:cBhvr>
+                                      <p:to>
+                                        <p:strVal val="visible"/>
+                                      </p:to>
+                                    </p:set>
+                                  </p:childTnLst>
+                                </p:cTn>
+                              </p:par>
+                            </p:childTnLst>
+                          </p:cTn>
+                        </p:par>
+                      </p:childTnLst>
+                    </p:cTn>
+                  </p:par>
+                  <p:par>
+                    <p:cTn id="9" fill="hold">
+                      <p:stCondLst>
+                        <p:cond delay="indefinite"/>
+                      </p:stCondLst>
+                      <p:childTnLst>
+                        <p:par>
+                          <p:cTn id="10" fill="hold">
+                            <p:stCondLst>
+                              <p:cond delay="0"/>
+                            </p:stCondLst>
+                            <p:childTnLst>
+                              <p:par>
+                                <p:cTn id="11" presetID="1" presetClass="entr" presetSubtype="0" fill="hold" nodeType="clickEffect">
+                                  <p:stCondLst>
+                                    <p:cond delay="0"/>
+                                  </p:stCondLst>
+                                  <p:childTnLst>
+                                    <p:set>
+                                      <p:cBhvr>
+                                        <p:cTn id="12" dur="1" fill="hold">
+                                          <p:stCondLst>
+                                            <p:cond delay="0"/>
+                                          </p:stCondLst>
+                                        </p:cTn>
+                                        <p:tgtEl>
+                                          <p:spTgt spid="9">
+                                            <p:txEl>
+                                              <p:pRg st="4" end="4"/>
+                                            </p:txEl>
+                                          </p:spTgt>
+                                        </p:tgtEl>
+                                        <p:attrNameLst>
+                                          <p:attrName>style.visibility</p:attrName>
+                                        </p:attrNameLst>
+                                      </p:cBhvr>
+                                      <p:to>
+                                        <p:strVal val="visible"/>
+                                      </p:to>
+                                    </p:set>
+                                  </p:childTnLst>
+                                </p:cTn>
+                              </p:par>
+                            </p:childTnLst>
+                          </p:cTn>
+                        </p:par>
+                      </p:childTnLst>
+                    </p:cTn>
+                  </p:par>
+                </p:childTnLst>
+              </p:cTn>
+              <p:prevCondLst>
+                <p:cond evt="onPrev" delay="0">
+                  <p:tgtEl>
+                    <p:sldTgt/>
+                  </p:tgtEl>
+                </p:cond>
+              </p:prevCondLst>
+              <p:nextCondLst>
+                <p:cond evt="onNext" delay="0">
+                  <p:tgtEl>
+                    <p:sldTgt/>
+                  </p:tgtEl>
+                </p:cond>
+              </p:nextCondLst>
+            </p:seq>
+          </p:childTnLst>
+        </p:cTn>
+      </p:par>
+    </p:tnLst>
+  </p:timing>
 </p:sld>
 </file>
 
@@ -4015,7 +4168,7 @@
           <a:p>
             <a:r>
               <a:rPr lang="en-US" dirty="0"/>
-              <a:t>Nested Loops Example 1</a:t>
+              <a:t>Summing Values</a:t>
             </a:r>
           </a:p>
         </p:txBody>
@@ -4051,11 +4204,41 @@
             <a:pPr marL="0" indent="0">
               <a:buNone/>
             </a:pPr>
+            <a:r>
+              <a:rPr lang="en-US" dirty="0">
+                <a:latin typeface="Gill Sans MT" panose="020B0502020104020203" pitchFamily="34" charset="77"/>
+              </a:rPr>
+              <a:t>Write a segment of code that solve the problem</a:t>
+            </a:r>
+          </a:p>
+          <a:p>
+            <a:pPr marL="0" indent="0">
+              <a:buNone/>
+            </a:pPr>
             <a:endParaRPr lang="en-US" dirty="0">
               <a:latin typeface="Gill Sans MT" panose="020B0502020104020203" pitchFamily="34" charset="77"/>
             </a:endParaRPr>
           </a:p>
           <a:p>
+            <a:pPr marL="0" indent="0" algn="ctr">
+              <a:buNone/>
+            </a:pPr>
+            <a:r>
+              <a:rPr lang="en-US" dirty="0">
+                <a:latin typeface="Gill Sans MT" panose="020B0502020104020203" pitchFamily="34" charset="77"/>
+              </a:rPr>
+              <a:t>1 + 2 + 3 + … + 98 + 99 + 100.</a:t>
+            </a:r>
+          </a:p>
+          <a:p>
+            <a:pPr marL="0" indent="0">
+              <a:buNone/>
+            </a:pPr>
+            <a:endParaRPr lang="en-US" dirty="0">
+              <a:latin typeface="Gill Sans MT" panose="020B0502020104020203" pitchFamily="34" charset="77"/>
+            </a:endParaRPr>
+          </a:p>
+          <a:p>
             <a:pPr marL="0" indent="0">
               <a:buNone/>
             </a:pPr>
@@ -4066,7 +4249,7 @@
                 </a:solidFill>
                 <a:latin typeface="Inconsolata Medium" panose="020B0609030003000000" pitchFamily="49" charset="77"/>
               </a:rPr>
-              <a:t>In</a:t>
+              <a:t>In </a:t>
             </a:r>
             <a:r>
               <a:rPr lang="en-US" b="1" dirty="0">
@@ -4081,13 +4264,13 @@
                 </a:solidFill>
                 <a:latin typeface="Inconsolata Medium" panose="020B0609030003000000" pitchFamily="49" charset="77"/>
               </a:rPr>
-              <a:t>6</a:t>
-            </a:r>
-            <a:r>
-              <a:rPr lang="en-US" b="1" dirty="0">
-                <a:latin typeface="Inconsolata Medium" panose="020B0609030003000000" pitchFamily="49" charset="77"/>
-              </a:rPr>
-              <a:t>]: </a:t>
+              <a:t>1</a:t>
+            </a:r>
+            <a:r>
+              <a:rPr lang="en-US" b="1" dirty="0">
+                <a:latin typeface="Inconsolata Medium" panose="020B0609030003000000" pitchFamily="49" charset="77"/>
+              </a:rPr>
+              <a:t>]:  	</a:t>
             </a:r>
             <a:r>
               <a:rPr lang="en-US" b="1" dirty="0">
@@ -4096,7 +4279,24 @@
                 </a:solidFill>
                 <a:latin typeface="Inconsolata Medium" panose="020B0609030003000000" pitchFamily="49" charset="77"/>
               </a:rPr>
-              <a:t>for </a:t>
+              <a:t>sum = 0</a:t>
+            </a:r>
+            <a:endParaRPr lang="en-US" b="1" dirty="0">
+              <a:latin typeface="Inconsolata Medium" panose="020B0609030003000000" pitchFamily="49" charset="77"/>
+            </a:endParaRPr>
+          </a:p>
+          <a:p>
+            <a:pPr marL="0" indent="0">
+              <a:buNone/>
+            </a:pPr>
+            <a:r>
+              <a:rPr lang="en-US" b="1" dirty="0">
+                <a:solidFill>
+                  <a:srgbClr val="006699"/>
+                </a:solidFill>
+                <a:latin typeface="Inconsolata Medium" panose="020B0609030003000000" pitchFamily="49" charset="77"/>
+              </a:rPr>
+              <a:t>		for </a:t>
             </a:r>
             <a:r>
               <a:rPr lang="en-US" b="1" dirty="0">
@@ -4126,7 +4326,7 @@
               <a:rPr lang="en-US" b="1" dirty="0">
                 <a:latin typeface="Inconsolata Medium" panose="020B0609030003000000" pitchFamily="49" charset="77"/>
               </a:rPr>
-              <a:t>(</a:t>
+              <a:t>(1, </a:t>
             </a:r>
             <a:r>
               <a:rPr lang="en-US" b="1" dirty="0">
@@ -4135,7 +4335,7 @@
                 </a:solidFill>
                 <a:latin typeface="Inconsolata Medium" panose="020B0609030003000000" pitchFamily="49" charset="77"/>
               </a:rPr>
-              <a:t>1, 6</a:t>
+              <a:t>101</a:t>
             </a:r>
             <a:r>
               <a:rPr lang="en-US" b="1" dirty="0">
@@ -4143,20 +4343,11 @@
               </a:rPr>
               <a:t>):</a:t>
             </a:r>
-          </a:p>
-          <a:p>
-            <a:pPr marL="0" indent="0">
-              <a:buNone/>
-            </a:pPr>
-            <a:r>
-              <a:rPr lang="en-US" b="1" dirty="0">
-                <a:solidFill>
-                  <a:srgbClr val="FF6600"/>
-                </a:solidFill>
-                <a:latin typeface="Inconsolata Medium" panose="020B0609030003000000" pitchFamily="49" charset="77"/>
-              </a:rPr>
-              <a:t>	  	</a:t>
-            </a:r>
+            <a:br>
+              <a:rPr lang="en-US" b="1" dirty="0">
+                <a:latin typeface="Inconsolata Medium" panose="020B0609030003000000" pitchFamily="49" charset="77"/>
+              </a:rPr>
+            </a:br>
             <a:r>
               <a:rPr lang="en-US" b="1" dirty="0">
                 <a:solidFill>
@@ -4164,206 +4355,154 @@
                 </a:solidFill>
                 <a:latin typeface="Inconsolata Medium" panose="020B0609030003000000" pitchFamily="49" charset="77"/>
               </a:rPr>
-              <a:t>for </a:t>
-            </a:r>
-            <a:r>
-              <a:rPr lang="en-US" b="1" dirty="0">
-                <a:solidFill>
-                  <a:srgbClr val="000087"/>
-                </a:solidFill>
-                <a:latin typeface="Inconsolata Medium" panose="020B0609030003000000" pitchFamily="49" charset="77"/>
-              </a:rPr>
-              <a:t>j </a:t>
-            </a:r>
-            <a:r>
-              <a:rPr lang="en-US" b="1" dirty="0">
-                <a:latin typeface="Inconsolata Medium" panose="020B0609030003000000" pitchFamily="49" charset="77"/>
-              </a:rPr>
-              <a:t>in </a:t>
-            </a:r>
-            <a:r>
-              <a:rPr lang="en-US" b="1" dirty="0">
-                <a:solidFill>
-                  <a:srgbClr val="336666"/>
-                </a:solidFill>
-                <a:latin typeface="Inconsolata Medium" panose="020B0609030003000000" pitchFamily="49" charset="77"/>
-              </a:rPr>
-              <a:t>range</a:t>
-            </a:r>
-            <a:r>
-              <a:rPr lang="en-US" b="1" dirty="0">
-                <a:latin typeface="Inconsolata Medium" panose="020B0609030003000000" pitchFamily="49" charset="77"/>
-              </a:rPr>
-              <a:t>(</a:t>
-            </a:r>
-            <a:r>
-              <a:rPr lang="en-US" b="1" dirty="0">
-                <a:solidFill>
-                  <a:srgbClr val="FF6600"/>
-                </a:solidFill>
-                <a:latin typeface="Inconsolata Medium" panose="020B0609030003000000" pitchFamily="49" charset="77"/>
-              </a:rPr>
-              <a:t>1, i+1</a:t>
-            </a:r>
-            <a:r>
-              <a:rPr lang="en-US" b="1" dirty="0">
-                <a:latin typeface="Inconsolata Medium" panose="020B0609030003000000" pitchFamily="49" charset="77"/>
-              </a:rPr>
-              <a:t>): </a:t>
-            </a:r>
-          </a:p>
-          <a:p>
-            <a:pPr marL="0" indent="0">
-              <a:buNone/>
-            </a:pPr>
-            <a:r>
-              <a:rPr lang="en-US" b="1" dirty="0">
+              <a:t>		    sum += </a:t>
+            </a:r>
+            <a:r>
+              <a:rPr lang="en-US" b="1" dirty="0" err="1">
                 <a:solidFill>
                   <a:srgbClr val="006699"/>
                 </a:solidFill>
                 <a:latin typeface="Inconsolata Medium" panose="020B0609030003000000" pitchFamily="49" charset="77"/>
               </a:rPr>
-              <a:t>			print</a:t>
-            </a:r>
-            <a:r>
-              <a:rPr lang="en-US" b="1" dirty="0">
-                <a:latin typeface="Inconsolata Medium" panose="020B0609030003000000" pitchFamily="49" charset="77"/>
-              </a:rPr>
-              <a:t>(j, </a:t>
-            </a:r>
-            <a:r>
-              <a:rPr lang="en-US" b="1" dirty="0">
-                <a:solidFill>
-                  <a:srgbClr val="000087"/>
-                </a:solidFill>
-                <a:latin typeface="Inconsolata Medium" panose="020B0609030003000000" pitchFamily="49" charset="77"/>
-              </a:rPr>
-              <a:t>end</a:t>
-            </a:r>
-            <a:r>
-              <a:rPr lang="en-US" b="1" dirty="0">
-                <a:solidFill>
-                  <a:srgbClr val="545454"/>
-                </a:solidFill>
-                <a:latin typeface="Inconsolata Medium" panose="020B0609030003000000" pitchFamily="49" charset="77"/>
-              </a:rPr>
-              <a:t>=</a:t>
-            </a:r>
-            <a:r>
-              <a:rPr lang="en-US" b="1" dirty="0">
-                <a:solidFill>
-                  <a:srgbClr val="CC3300"/>
-                </a:solidFill>
-                <a:latin typeface="Inconsolata Medium" panose="020B0609030003000000" pitchFamily="49" charset="77"/>
-              </a:rPr>
-              <a:t>‘ ’</a:t>
-            </a:r>
-            <a:r>
-              <a:rPr lang="en-US" b="1" dirty="0">
-                <a:latin typeface="Inconsolata Medium" panose="020B0609030003000000" pitchFamily="49" charset="77"/>
-              </a:rPr>
-              <a:t>) </a:t>
-            </a:r>
-          </a:p>
-          <a:p>
-            <a:pPr marL="0" indent="0">
-              <a:buNone/>
-            </a:pPr>
-            <a:r>
-              <a:rPr lang="en-US" b="1" dirty="0">
-                <a:latin typeface="Inconsolata Medium" panose="020B0609030003000000" pitchFamily="49" charset="77"/>
-              </a:rPr>
-              <a:t>		</a:t>
-            </a:r>
-            <a:r>
-              <a:rPr lang="en-US" b="1" dirty="0">
-                <a:solidFill>
-                  <a:srgbClr val="006699"/>
-                </a:solidFill>
-                <a:latin typeface="Inconsolata Medium" panose="020B0609030003000000" pitchFamily="49" charset="77"/>
-              </a:rPr>
-              <a:t>print</a:t>
-            </a:r>
-            <a:r>
-              <a:rPr lang="en-US" b="1" dirty="0">
-                <a:latin typeface="Inconsolata Medium" panose="020B0609030003000000" pitchFamily="49" charset="77"/>
-              </a:rPr>
-              <a:t>()</a:t>
-            </a:r>
-          </a:p>
-          <a:p>
-            <a:pPr marL="0" indent="0">
-              <a:buNone/>
-            </a:pPr>
-            <a:endParaRPr lang="en-US" dirty="0"/>
-          </a:p>
-          <a:p>
-            <a:pPr marL="0" indent="0">
-              <a:buNone/>
-            </a:pPr>
-            <a:r>
-              <a:rPr lang="en-US" b="1" dirty="0">
-                <a:latin typeface="Inconsolata Medium" panose="020B0609030003000000" pitchFamily="49" charset="77"/>
-              </a:rPr>
-              <a:t>1  </a:t>
-            </a:r>
-          </a:p>
-          <a:p>
-            <a:pPr marL="0" indent="0">
-              <a:buNone/>
-            </a:pPr>
-            <a:r>
-              <a:rPr lang="en-US" b="1" dirty="0">
-                <a:latin typeface="Inconsolata Medium" panose="020B0609030003000000" pitchFamily="49" charset="77"/>
-              </a:rPr>
-              <a:t>1 2 </a:t>
-            </a:r>
-          </a:p>
-          <a:p>
-            <a:pPr marL="0" indent="0">
-              <a:buNone/>
-            </a:pPr>
-            <a:r>
-              <a:rPr lang="en-US" sz="2100" b="1" dirty="0">
-                <a:latin typeface="Inconsolata Medium" panose="020B0609030003000000" pitchFamily="49" charset="77"/>
-              </a:rPr>
-              <a:t>1 2 3</a:t>
-            </a:r>
-          </a:p>
-          <a:p>
-            <a:pPr marL="0" indent="0">
-              <a:buNone/>
-            </a:pPr>
-            <a:r>
-              <a:rPr lang="en-US" b="1" dirty="0">
-                <a:latin typeface="Inconsolata Medium" panose="020B0609030003000000" pitchFamily="49" charset="77"/>
-              </a:rPr>
-              <a:t>1 2 3 4 </a:t>
-            </a:r>
-          </a:p>
-          <a:p>
-            <a:pPr marL="0" indent="0">
-              <a:buNone/>
-            </a:pPr>
-            <a:r>
-              <a:rPr lang="en-US" sz="2100" b="1" dirty="0">
-                <a:latin typeface="Inconsolata Medium" panose="020B0609030003000000" pitchFamily="49" charset="77"/>
-              </a:rPr>
-              <a:t>1 2 3 4 5</a:t>
-            </a:r>
+              <a:t>i</a:t>
+            </a:r>
+            <a:endParaRPr lang="en-US" b="1" dirty="0">
+              <a:latin typeface="Inconsolata Medium" panose="020B0609030003000000" pitchFamily="49" charset="77"/>
+            </a:endParaRPr>
+          </a:p>
+          <a:p>
+            <a:pPr marL="0" indent="0">
+              <a:buNone/>
+            </a:pPr>
+            <a:endParaRPr lang="en-US" sz="2100" dirty="0">
+              <a:solidFill>
+                <a:srgbClr val="000087"/>
+              </a:solidFill>
+              <a:latin typeface="Gill Sans MT" panose="020B0502020104020203" pitchFamily="34" charset="77"/>
+            </a:endParaRPr>
           </a:p>
         </p:txBody>
       </p:sp>
     </p:spTree>
     <p:extLst>
       <p:ext uri="{BB962C8B-B14F-4D97-AF65-F5344CB8AC3E}">
-        <p14:creationId xmlns:p14="http://schemas.microsoft.com/office/powerpoint/2010/main" val="3614829039"/>
+        <p14:creationId xmlns:p14="http://schemas.microsoft.com/office/powerpoint/2010/main" val="67957925"/>
       </p:ext>
     </p:extLst>
   </p:cSld>
   <p:clrMapOvr>
     <a:masterClrMapping/>
   </p:clrMapOvr>
+  <p:timing>
+    <p:tnLst>
+      <p:par>
+        <p:cTn id="1" dur="indefinite" restart="never" nodeType="tmRoot">
+          <p:childTnLst>
+            <p:seq concurrent="1" nextAc="seek">
+              <p:cTn id="2" dur="indefinite" nodeType="mainSeq">
+                <p:childTnLst>
+                  <p:par>
+                    <p:cTn id="3" fill="hold">
+                      <p:stCondLst>
+                        <p:cond delay="indefinite"/>
+                      </p:stCondLst>
+                      <p:childTnLst>
+                        <p:par>
+                          <p:cTn id="4" fill="hold">
+                            <p:stCondLst>
+                              <p:cond delay="0"/>
+                            </p:stCondLst>
+                            <p:childTnLst>
+                              <p:par>
+                                <p:cTn id="5" presetID="1" presetClass="entr" presetSubtype="0" fill="hold" nodeType="clickEffect">
+                                  <p:stCondLst>
+                                    <p:cond delay="0"/>
+                                  </p:stCondLst>
+                                  <p:childTnLst>
+                                    <p:set>
+                                      <p:cBhvr>
+                                        <p:cTn id="6" dur="1" fill="hold">
+                                          <p:stCondLst>
+                                            <p:cond delay="0"/>
+                                          </p:stCondLst>
+                                        </p:cTn>
+                                        <p:tgtEl>
+                                          <p:spTgt spid="9">
+                                            <p:txEl>
+                                              <p:pRg st="4" end="4"/>
+                                            </p:txEl>
+                                          </p:spTgt>
+                                        </p:tgtEl>
+                                        <p:attrNameLst>
+                                          <p:attrName>style.visibility</p:attrName>
+                                        </p:attrNameLst>
+                                      </p:cBhvr>
+                                      <p:to>
+                                        <p:strVal val="visible"/>
+                                      </p:to>
+                                    </p:set>
+                                  </p:childTnLst>
+                                </p:cTn>
+                              </p:par>
+                              <p:par>
+                                <p:cTn id="7" presetID="1" presetClass="entr" presetSubtype="0" fill="hold" nodeType="withEffect">
+                                  <p:stCondLst>
+                                    <p:cond delay="0"/>
+                                  </p:stCondLst>
+                                  <p:childTnLst>
+                                    <p:set>
+                                      <p:cBhvr>
+                                        <p:cTn id="8" dur="1" fill="hold">
+                                          <p:stCondLst>
+                                            <p:cond delay="0"/>
+                                          </p:stCondLst>
+                                        </p:cTn>
+                                        <p:tgtEl>
+                                          <p:spTgt spid="9">
+                                            <p:txEl>
+                                              <p:pRg st="5" end="5"/>
+                                            </p:txEl>
+                                          </p:spTgt>
+                                        </p:tgtEl>
+                                        <p:attrNameLst>
+                                          <p:attrName>style.visibility</p:attrName>
+                                        </p:attrNameLst>
+                                      </p:cBhvr>
+                                      <p:to>
+                                        <p:strVal val="visible"/>
+                                      </p:to>
+                                    </p:set>
+                                  </p:childTnLst>
+                                </p:cTn>
+                              </p:par>
+                            </p:childTnLst>
+                          </p:cTn>
+                        </p:par>
+                      </p:childTnLst>
+                    </p:cTn>
+                  </p:par>
+                </p:childTnLst>
+              </p:cTn>
+              <p:prevCondLst>
+                <p:cond evt="onPrev" delay="0">
+                  <p:tgtEl>
+                    <p:sldTgt/>
+                  </p:tgtEl>
+                </p:cond>
+              </p:prevCondLst>
+              <p:nextCondLst>
+                <p:cond evt="onNext" delay="0">
+                  <p:tgtEl>
+                    <p:sldTgt/>
+                  </p:tgtEl>
+                </p:cond>
+              </p:nextCondLst>
+            </p:seq>
+          </p:childTnLst>
+        </p:cTn>
+      </p:par>
+    </p:tnLst>
+  </p:timing>
 </p:sld>
 </file>
 
@@ -4412,7 +4551,7 @@
           <a:p>
             <a:r>
               <a:rPr lang="en-US" dirty="0"/>
-              <a:t>Nested Loops Example 2</a:t>
+              <a:t>Conditional Summing</a:t>
             </a:r>
           </a:p>
         </p:txBody>
@@ -4448,6 +4587,17 @@
             <a:pPr marL="0" indent="0">
               <a:buNone/>
             </a:pPr>
+            <a:r>
+              <a:rPr lang="en-US" dirty="0">
+                <a:latin typeface="Gill Sans MT" panose="020B0502020104020203" pitchFamily="34" charset="77"/>
+              </a:rPr>
+              <a:t>Write a segment of code that compute the sum of all numbers from 1 to 100 that are multiples of 3.</a:t>
+            </a:r>
+          </a:p>
+          <a:p>
+            <a:pPr marL="0" indent="0">
+              <a:buNone/>
+            </a:pPr>
             <a:endParaRPr lang="en-US" dirty="0">
               <a:latin typeface="Gill Sans MT" panose="020B0502020104020203" pitchFamily="34" charset="77"/>
             </a:endParaRPr>
@@ -4463,6 +4613,1787 @@
                 </a:solidFill>
                 <a:latin typeface="Inconsolata Medium" panose="020B0609030003000000" pitchFamily="49" charset="77"/>
               </a:rPr>
+              <a:t>In </a:t>
+            </a:r>
+            <a:r>
+              <a:rPr lang="en-US" b="1" dirty="0">
+                <a:latin typeface="Inconsolata Medium" panose="020B0609030003000000" pitchFamily="49" charset="77"/>
+              </a:rPr>
+              <a:t>[</a:t>
+            </a:r>
+            <a:r>
+              <a:rPr lang="en-US" b="1" dirty="0">
+                <a:solidFill>
+                  <a:srgbClr val="FF6600"/>
+                </a:solidFill>
+                <a:latin typeface="Inconsolata Medium" panose="020B0609030003000000" pitchFamily="49" charset="77"/>
+              </a:rPr>
+              <a:t>1</a:t>
+            </a:r>
+            <a:r>
+              <a:rPr lang="en-US" b="1" dirty="0">
+                <a:latin typeface="Inconsolata Medium" panose="020B0609030003000000" pitchFamily="49" charset="77"/>
+              </a:rPr>
+              <a:t>]:  	</a:t>
+            </a:r>
+            <a:r>
+              <a:rPr lang="en-US" b="1" dirty="0">
+                <a:solidFill>
+                  <a:srgbClr val="006699"/>
+                </a:solidFill>
+                <a:latin typeface="Inconsolata Medium" panose="020B0609030003000000" pitchFamily="49" charset="77"/>
+              </a:rPr>
+              <a:t>sum = 0</a:t>
+            </a:r>
+            <a:endParaRPr lang="en-US" b="1" dirty="0">
+              <a:latin typeface="Inconsolata Medium" panose="020B0609030003000000" pitchFamily="49" charset="77"/>
+            </a:endParaRPr>
+          </a:p>
+          <a:p>
+            <a:pPr marL="0" indent="0">
+              <a:buNone/>
+            </a:pPr>
+            <a:r>
+              <a:rPr lang="en-US" b="1" dirty="0">
+                <a:solidFill>
+                  <a:srgbClr val="006699"/>
+                </a:solidFill>
+                <a:latin typeface="Inconsolata Medium" panose="020B0609030003000000" pitchFamily="49" charset="77"/>
+              </a:rPr>
+              <a:t>		for </a:t>
+            </a:r>
+            <a:r>
+              <a:rPr lang="en-US" b="1" dirty="0">
+                <a:solidFill>
+                  <a:srgbClr val="000087"/>
+                </a:solidFill>
+                <a:latin typeface="Inconsolata Medium" panose="020B0609030003000000" pitchFamily="49" charset="77"/>
+              </a:rPr>
+              <a:t>i </a:t>
+            </a:r>
+            <a:r>
+              <a:rPr lang="en-US" b="1" dirty="0">
+                <a:latin typeface="Inconsolata Medium" panose="020B0609030003000000" pitchFamily="49" charset="77"/>
+              </a:rPr>
+              <a:t>in </a:t>
+            </a:r>
+            <a:r>
+              <a:rPr lang="en-US" b="1" dirty="0">
+                <a:solidFill>
+                  <a:srgbClr val="336666"/>
+                </a:solidFill>
+                <a:latin typeface="Inconsolata Medium" panose="020B0609030003000000" pitchFamily="49" charset="77"/>
+              </a:rPr>
+              <a:t>range</a:t>
+            </a:r>
+            <a:r>
+              <a:rPr lang="en-US" b="1" dirty="0">
+                <a:latin typeface="Inconsolata Medium" panose="020B0609030003000000" pitchFamily="49" charset="77"/>
+              </a:rPr>
+              <a:t>(0, </a:t>
+            </a:r>
+            <a:r>
+              <a:rPr lang="en-US" b="1" dirty="0">
+                <a:solidFill>
+                  <a:srgbClr val="FF6600"/>
+                </a:solidFill>
+                <a:latin typeface="Inconsolata Medium" panose="020B0609030003000000" pitchFamily="49" charset="77"/>
+              </a:rPr>
+              <a:t>101, 3</a:t>
+            </a:r>
+            <a:r>
+              <a:rPr lang="en-US" b="1" dirty="0">
+                <a:latin typeface="Inconsolata Medium" panose="020B0609030003000000" pitchFamily="49" charset="77"/>
+              </a:rPr>
+              <a:t>):</a:t>
+            </a:r>
+            <a:br>
+              <a:rPr lang="en-US" b="1" dirty="0">
+                <a:latin typeface="Inconsolata Medium" panose="020B0609030003000000" pitchFamily="49" charset="77"/>
+              </a:rPr>
+            </a:br>
+            <a:r>
+              <a:rPr lang="en-US" b="1" dirty="0">
+                <a:solidFill>
+                  <a:srgbClr val="006699"/>
+                </a:solidFill>
+                <a:latin typeface="Inconsolata Medium" panose="020B0609030003000000" pitchFamily="49" charset="77"/>
+              </a:rPr>
+              <a:t>		    sum += </a:t>
+            </a:r>
+            <a:r>
+              <a:rPr lang="en-US" b="1" dirty="0" err="1">
+                <a:solidFill>
+                  <a:srgbClr val="006699"/>
+                </a:solidFill>
+                <a:latin typeface="Inconsolata Medium" panose="020B0609030003000000" pitchFamily="49" charset="77"/>
+              </a:rPr>
+              <a:t>i</a:t>
+            </a:r>
+            <a:endParaRPr lang="en-US" b="1" dirty="0">
+              <a:solidFill>
+                <a:srgbClr val="006699"/>
+              </a:solidFill>
+              <a:latin typeface="Inconsolata Medium" panose="020B0609030003000000" pitchFamily="49" charset="77"/>
+            </a:endParaRPr>
+          </a:p>
+          <a:p>
+            <a:pPr marL="0" indent="0">
+              <a:buNone/>
+            </a:pPr>
+            <a:endParaRPr lang="en-US" dirty="0">
+              <a:latin typeface="Gill Sans MT" panose="020B0502020104020203" pitchFamily="34" charset="77"/>
+            </a:endParaRPr>
+          </a:p>
+          <a:p>
+            <a:pPr marL="0" indent="0">
+              <a:buNone/>
+            </a:pPr>
+            <a:r>
+              <a:rPr lang="en-US" dirty="0">
+                <a:latin typeface="Gill Sans MT" panose="020B0502020104020203" pitchFamily="34" charset="77"/>
+              </a:rPr>
+              <a:t>Or equivalently, we can use a conditional to select the numbers to add:</a:t>
+            </a:r>
+            <a:endParaRPr lang="en-US" b="1" dirty="0">
+              <a:latin typeface="Inconsolata Medium" panose="020B0609030003000000" pitchFamily="49" charset="77"/>
+            </a:endParaRPr>
+          </a:p>
+          <a:p>
+            <a:pPr marL="0" indent="0">
+              <a:buNone/>
+            </a:pPr>
+            <a:r>
+              <a:rPr lang="en-US" b="1" dirty="0">
+                <a:solidFill>
+                  <a:srgbClr val="000087"/>
+                </a:solidFill>
+                <a:latin typeface="Inconsolata Medium" panose="020B0609030003000000" pitchFamily="49" charset="77"/>
+              </a:rPr>
+              <a:t>In </a:t>
+            </a:r>
+            <a:r>
+              <a:rPr lang="en-US" b="1" dirty="0">
+                <a:latin typeface="Inconsolata Medium" panose="020B0609030003000000" pitchFamily="49" charset="77"/>
+              </a:rPr>
+              <a:t>[</a:t>
+            </a:r>
+            <a:r>
+              <a:rPr lang="en-US" b="1" dirty="0">
+                <a:solidFill>
+                  <a:srgbClr val="FF6600"/>
+                </a:solidFill>
+                <a:latin typeface="Inconsolata Medium" panose="020B0609030003000000" pitchFamily="49" charset="77"/>
+              </a:rPr>
+              <a:t>2</a:t>
+            </a:r>
+            <a:r>
+              <a:rPr lang="en-US" b="1" dirty="0">
+                <a:latin typeface="Inconsolata Medium" panose="020B0609030003000000" pitchFamily="49" charset="77"/>
+              </a:rPr>
+              <a:t>]:  	</a:t>
+            </a:r>
+            <a:r>
+              <a:rPr lang="en-US" b="1" dirty="0">
+                <a:solidFill>
+                  <a:srgbClr val="006699"/>
+                </a:solidFill>
+                <a:latin typeface="Inconsolata Medium" panose="020B0609030003000000" pitchFamily="49" charset="77"/>
+              </a:rPr>
+              <a:t>sum = 0</a:t>
+            </a:r>
+            <a:endParaRPr lang="en-US" b="1" dirty="0">
+              <a:latin typeface="Inconsolata Medium" panose="020B0609030003000000" pitchFamily="49" charset="77"/>
+            </a:endParaRPr>
+          </a:p>
+          <a:p>
+            <a:pPr marL="0" indent="0">
+              <a:buNone/>
+            </a:pPr>
+            <a:r>
+              <a:rPr lang="en-US" b="1" dirty="0">
+                <a:solidFill>
+                  <a:srgbClr val="006699"/>
+                </a:solidFill>
+                <a:latin typeface="Inconsolata Medium" panose="020B0609030003000000" pitchFamily="49" charset="77"/>
+              </a:rPr>
+              <a:t>		for </a:t>
+            </a:r>
+            <a:r>
+              <a:rPr lang="en-US" b="1" dirty="0" err="1">
+                <a:solidFill>
+                  <a:srgbClr val="000087"/>
+                </a:solidFill>
+                <a:latin typeface="Inconsolata Medium" panose="020B0609030003000000" pitchFamily="49" charset="77"/>
+              </a:rPr>
+              <a:t>i</a:t>
+            </a:r>
+            <a:r>
+              <a:rPr lang="en-US" b="1" dirty="0">
+                <a:solidFill>
+                  <a:srgbClr val="000087"/>
+                </a:solidFill>
+                <a:latin typeface="Inconsolata Medium" panose="020B0609030003000000" pitchFamily="49" charset="77"/>
+              </a:rPr>
+              <a:t> </a:t>
+            </a:r>
+            <a:r>
+              <a:rPr lang="en-US" b="1" dirty="0">
+                <a:latin typeface="Inconsolata Medium" panose="020B0609030003000000" pitchFamily="49" charset="77"/>
+              </a:rPr>
+              <a:t>in </a:t>
+            </a:r>
+            <a:r>
+              <a:rPr lang="en-US" b="1" dirty="0">
+                <a:solidFill>
+                  <a:srgbClr val="336666"/>
+                </a:solidFill>
+                <a:latin typeface="Inconsolata Medium" panose="020B0609030003000000" pitchFamily="49" charset="77"/>
+              </a:rPr>
+              <a:t>range</a:t>
+            </a:r>
+            <a:r>
+              <a:rPr lang="en-US" b="1" dirty="0">
+                <a:latin typeface="Inconsolata Medium" panose="020B0609030003000000" pitchFamily="49" charset="77"/>
+              </a:rPr>
+              <a:t>(1, </a:t>
+            </a:r>
+            <a:r>
+              <a:rPr lang="en-US" b="1" dirty="0">
+                <a:solidFill>
+                  <a:srgbClr val="FF6600"/>
+                </a:solidFill>
+                <a:latin typeface="Inconsolata Medium" panose="020B0609030003000000" pitchFamily="49" charset="77"/>
+              </a:rPr>
+              <a:t>101</a:t>
+            </a:r>
+            <a:r>
+              <a:rPr lang="en-US" b="1" dirty="0">
+                <a:latin typeface="Inconsolata Medium" panose="020B0609030003000000" pitchFamily="49" charset="77"/>
+              </a:rPr>
+              <a:t>):</a:t>
+            </a:r>
+            <a:br>
+              <a:rPr lang="en-US" b="1" dirty="0">
+                <a:latin typeface="Inconsolata Medium" panose="020B0609030003000000" pitchFamily="49" charset="77"/>
+              </a:rPr>
+            </a:br>
+            <a:r>
+              <a:rPr lang="en-US" b="1" dirty="0">
+                <a:solidFill>
+                  <a:srgbClr val="006699"/>
+                </a:solidFill>
+                <a:latin typeface="Inconsolata Medium" panose="020B0609030003000000" pitchFamily="49" charset="77"/>
+              </a:rPr>
+              <a:t>		    if </a:t>
+            </a:r>
+            <a:r>
+              <a:rPr lang="en-US" b="1" dirty="0" err="1">
+                <a:solidFill>
+                  <a:srgbClr val="006699"/>
+                </a:solidFill>
+                <a:latin typeface="Inconsolata Medium" panose="020B0609030003000000" pitchFamily="49" charset="77"/>
+              </a:rPr>
+              <a:t>i</a:t>
+            </a:r>
+            <a:r>
+              <a:rPr lang="en-US" b="1" dirty="0">
+                <a:solidFill>
+                  <a:srgbClr val="006699"/>
+                </a:solidFill>
+                <a:latin typeface="Inconsolata Medium" panose="020B0609030003000000" pitchFamily="49" charset="77"/>
+              </a:rPr>
+              <a:t> % 3 == 0:</a:t>
+            </a:r>
+          </a:p>
+          <a:p>
+            <a:pPr marL="0" indent="0">
+              <a:buNone/>
+            </a:pPr>
+            <a:r>
+              <a:rPr lang="en-US" b="1" dirty="0">
+                <a:solidFill>
+                  <a:srgbClr val="006699"/>
+                </a:solidFill>
+                <a:latin typeface="Inconsolata Medium" panose="020B0609030003000000" pitchFamily="49" charset="77"/>
+              </a:rPr>
+              <a:t>		        sum += </a:t>
+            </a:r>
+            <a:r>
+              <a:rPr lang="en-US" b="1" dirty="0" err="1">
+                <a:solidFill>
+                  <a:srgbClr val="006699"/>
+                </a:solidFill>
+                <a:latin typeface="Inconsolata Medium" panose="020B0609030003000000" pitchFamily="49" charset="77"/>
+              </a:rPr>
+              <a:t>i</a:t>
+            </a:r>
+            <a:endParaRPr lang="en-US" b="1" dirty="0">
+              <a:solidFill>
+                <a:srgbClr val="006699"/>
+              </a:solidFill>
+              <a:latin typeface="Inconsolata Medium" panose="020B0609030003000000" pitchFamily="49" charset="77"/>
+            </a:endParaRPr>
+          </a:p>
+          <a:p>
+            <a:pPr marL="0" indent="0">
+              <a:buNone/>
+            </a:pPr>
+            <a:endParaRPr lang="en-US" sz="2100" dirty="0">
+              <a:solidFill>
+                <a:srgbClr val="000087"/>
+              </a:solidFill>
+              <a:latin typeface="Gill Sans MT" panose="020B0502020104020203" pitchFamily="34" charset="77"/>
+            </a:endParaRPr>
+          </a:p>
+        </p:txBody>
+      </p:sp>
+    </p:spTree>
+    <p:extLst>
+      <p:ext uri="{BB962C8B-B14F-4D97-AF65-F5344CB8AC3E}">
+        <p14:creationId xmlns:p14="http://schemas.microsoft.com/office/powerpoint/2010/main" val="1872435103"/>
+      </p:ext>
+    </p:extLst>
+  </p:cSld>
+  <p:clrMapOvr>
+    <a:masterClrMapping/>
+  </p:clrMapOvr>
+  <p:timing>
+    <p:tnLst>
+      <p:par>
+        <p:cTn id="1" dur="indefinite" restart="never" nodeType="tmRoot">
+          <p:childTnLst>
+            <p:seq concurrent="1" nextAc="seek">
+              <p:cTn id="2" dur="indefinite" nodeType="mainSeq">
+                <p:childTnLst>
+                  <p:par>
+                    <p:cTn id="3" fill="hold">
+                      <p:stCondLst>
+                        <p:cond delay="indefinite"/>
+                      </p:stCondLst>
+                      <p:childTnLst>
+                        <p:par>
+                          <p:cTn id="4" fill="hold">
+                            <p:stCondLst>
+                              <p:cond delay="0"/>
+                            </p:stCondLst>
+                            <p:childTnLst>
+                              <p:par>
+                                <p:cTn id="5" presetID="1" presetClass="entr" presetSubtype="0" fill="hold" nodeType="clickEffect">
+                                  <p:stCondLst>
+                                    <p:cond delay="0"/>
+                                  </p:stCondLst>
+                                  <p:childTnLst>
+                                    <p:set>
+                                      <p:cBhvr>
+                                        <p:cTn id="6" dur="1" fill="hold">
+                                          <p:stCondLst>
+                                            <p:cond delay="0"/>
+                                          </p:stCondLst>
+                                        </p:cTn>
+                                        <p:tgtEl>
+                                          <p:spTgt spid="9">
+                                            <p:txEl>
+                                              <p:pRg st="2" end="2"/>
+                                            </p:txEl>
+                                          </p:spTgt>
+                                        </p:tgtEl>
+                                        <p:attrNameLst>
+                                          <p:attrName>style.visibility</p:attrName>
+                                        </p:attrNameLst>
+                                      </p:cBhvr>
+                                      <p:to>
+                                        <p:strVal val="visible"/>
+                                      </p:to>
+                                    </p:set>
+                                  </p:childTnLst>
+                                </p:cTn>
+                              </p:par>
+                              <p:par>
+                                <p:cTn id="7" presetID="1" presetClass="entr" presetSubtype="0" fill="hold" nodeType="withEffect">
+                                  <p:stCondLst>
+                                    <p:cond delay="0"/>
+                                  </p:stCondLst>
+                                  <p:childTnLst>
+                                    <p:set>
+                                      <p:cBhvr>
+                                        <p:cTn id="8" dur="1" fill="hold">
+                                          <p:stCondLst>
+                                            <p:cond delay="0"/>
+                                          </p:stCondLst>
+                                        </p:cTn>
+                                        <p:tgtEl>
+                                          <p:spTgt spid="9">
+                                            <p:txEl>
+                                              <p:pRg st="3" end="3"/>
+                                            </p:txEl>
+                                          </p:spTgt>
+                                        </p:tgtEl>
+                                        <p:attrNameLst>
+                                          <p:attrName>style.visibility</p:attrName>
+                                        </p:attrNameLst>
+                                      </p:cBhvr>
+                                      <p:to>
+                                        <p:strVal val="visible"/>
+                                      </p:to>
+                                    </p:set>
+                                  </p:childTnLst>
+                                </p:cTn>
+                              </p:par>
+                            </p:childTnLst>
+                          </p:cTn>
+                        </p:par>
+                      </p:childTnLst>
+                    </p:cTn>
+                  </p:par>
+                  <p:par>
+                    <p:cTn id="9" fill="hold">
+                      <p:stCondLst>
+                        <p:cond delay="indefinite"/>
+                      </p:stCondLst>
+                      <p:childTnLst>
+                        <p:par>
+                          <p:cTn id="10" fill="hold">
+                            <p:stCondLst>
+                              <p:cond delay="0"/>
+                            </p:stCondLst>
+                            <p:childTnLst>
+                              <p:par>
+                                <p:cTn id="11" presetID="1" presetClass="entr" presetSubtype="0" fill="hold" nodeType="clickEffect">
+                                  <p:stCondLst>
+                                    <p:cond delay="0"/>
+                                  </p:stCondLst>
+                                  <p:childTnLst>
+                                    <p:set>
+                                      <p:cBhvr>
+                                        <p:cTn id="12" dur="1" fill="hold">
+                                          <p:stCondLst>
+                                            <p:cond delay="0"/>
+                                          </p:stCondLst>
+                                        </p:cTn>
+                                        <p:tgtEl>
+                                          <p:spTgt spid="9">
+                                            <p:txEl>
+                                              <p:pRg st="5" end="5"/>
+                                            </p:txEl>
+                                          </p:spTgt>
+                                        </p:tgtEl>
+                                        <p:attrNameLst>
+                                          <p:attrName>style.visibility</p:attrName>
+                                        </p:attrNameLst>
+                                      </p:cBhvr>
+                                      <p:to>
+                                        <p:strVal val="visible"/>
+                                      </p:to>
+                                    </p:set>
+                                  </p:childTnLst>
+                                </p:cTn>
+                              </p:par>
+                            </p:childTnLst>
+                          </p:cTn>
+                        </p:par>
+                      </p:childTnLst>
+                    </p:cTn>
+                  </p:par>
+                  <p:par>
+                    <p:cTn id="13" fill="hold">
+                      <p:stCondLst>
+                        <p:cond delay="indefinite"/>
+                      </p:stCondLst>
+                      <p:childTnLst>
+                        <p:par>
+                          <p:cTn id="14" fill="hold">
+                            <p:stCondLst>
+                              <p:cond delay="0"/>
+                            </p:stCondLst>
+                            <p:childTnLst>
+                              <p:par>
+                                <p:cTn id="15" presetID="1" presetClass="entr" presetSubtype="0" fill="hold" nodeType="clickEffect">
+                                  <p:stCondLst>
+                                    <p:cond delay="0"/>
+                                  </p:stCondLst>
+                                  <p:childTnLst>
+                                    <p:set>
+                                      <p:cBhvr>
+                                        <p:cTn id="16" dur="1" fill="hold">
+                                          <p:stCondLst>
+                                            <p:cond delay="0"/>
+                                          </p:stCondLst>
+                                        </p:cTn>
+                                        <p:tgtEl>
+                                          <p:spTgt spid="9">
+                                            <p:txEl>
+                                              <p:pRg st="6" end="6"/>
+                                            </p:txEl>
+                                          </p:spTgt>
+                                        </p:tgtEl>
+                                        <p:attrNameLst>
+                                          <p:attrName>style.visibility</p:attrName>
+                                        </p:attrNameLst>
+                                      </p:cBhvr>
+                                      <p:to>
+                                        <p:strVal val="visible"/>
+                                      </p:to>
+                                    </p:set>
+                                  </p:childTnLst>
+                                </p:cTn>
+                              </p:par>
+                              <p:par>
+                                <p:cTn id="17" presetID="1" presetClass="entr" presetSubtype="0" fill="hold" nodeType="withEffect">
+                                  <p:stCondLst>
+                                    <p:cond delay="0"/>
+                                  </p:stCondLst>
+                                  <p:childTnLst>
+                                    <p:set>
+                                      <p:cBhvr>
+                                        <p:cTn id="18" dur="1" fill="hold">
+                                          <p:stCondLst>
+                                            <p:cond delay="0"/>
+                                          </p:stCondLst>
+                                        </p:cTn>
+                                        <p:tgtEl>
+                                          <p:spTgt spid="9">
+                                            <p:txEl>
+                                              <p:pRg st="7" end="7"/>
+                                            </p:txEl>
+                                          </p:spTgt>
+                                        </p:tgtEl>
+                                        <p:attrNameLst>
+                                          <p:attrName>style.visibility</p:attrName>
+                                        </p:attrNameLst>
+                                      </p:cBhvr>
+                                      <p:to>
+                                        <p:strVal val="visible"/>
+                                      </p:to>
+                                    </p:set>
+                                  </p:childTnLst>
+                                </p:cTn>
+                              </p:par>
+                              <p:par>
+                                <p:cTn id="19" presetID="1" presetClass="entr" presetSubtype="0" fill="hold" nodeType="withEffect">
+                                  <p:stCondLst>
+                                    <p:cond delay="0"/>
+                                  </p:stCondLst>
+                                  <p:childTnLst>
+                                    <p:set>
+                                      <p:cBhvr>
+                                        <p:cTn id="20" dur="1" fill="hold">
+                                          <p:stCondLst>
+                                            <p:cond delay="0"/>
+                                          </p:stCondLst>
+                                        </p:cTn>
+                                        <p:tgtEl>
+                                          <p:spTgt spid="9">
+                                            <p:txEl>
+                                              <p:pRg st="8" end="8"/>
+                                            </p:txEl>
+                                          </p:spTgt>
+                                        </p:tgtEl>
+                                        <p:attrNameLst>
+                                          <p:attrName>style.visibility</p:attrName>
+                                        </p:attrNameLst>
+                                      </p:cBhvr>
+                                      <p:to>
+                                        <p:strVal val="visible"/>
+                                      </p:to>
+                                    </p:set>
+                                  </p:childTnLst>
+                                </p:cTn>
+                              </p:par>
+                            </p:childTnLst>
+                          </p:cTn>
+                        </p:par>
+                      </p:childTnLst>
+                    </p:cTn>
+                  </p:par>
+                </p:childTnLst>
+              </p:cTn>
+              <p:prevCondLst>
+                <p:cond evt="onPrev" delay="0">
+                  <p:tgtEl>
+                    <p:sldTgt/>
+                  </p:tgtEl>
+                </p:cond>
+              </p:prevCondLst>
+              <p:nextCondLst>
+                <p:cond evt="onNext" delay="0">
+                  <p:tgtEl>
+                    <p:sldTgt/>
+                  </p:tgtEl>
+                </p:cond>
+              </p:nextCondLst>
+            </p:seq>
+          </p:childTnLst>
+        </p:cTn>
+      </p:par>
+    </p:tnLst>
+  </p:timing>
+</p:sld>
+</file>
+
+<file path=ppt/slides/slide13.xml><?xml version="1.0" encoding="utf-8"?>
+<p:sld xmlns:a="http://schemas.openxmlformats.org/drawingml/2006/main" xmlns:r="http://schemas.openxmlformats.org/officeDocument/2006/relationships" xmlns:p="http://schemas.openxmlformats.org/presentationml/2006/main">
+  <p:cSld>
+    <p:spTree>
+      <p:nvGrpSpPr>
+        <p:cNvPr id="1" name=""/>
+        <p:cNvGrpSpPr/>
+        <p:nvPr/>
+      </p:nvGrpSpPr>
+      <p:grpSpPr>
+        <a:xfrm>
+          <a:off x="0" y="0"/>
+          <a:ext cx="0" cy="0"/>
+          <a:chOff x="0" y="0"/>
+          <a:chExt cx="0" cy="0"/>
+        </a:xfrm>
+      </p:grpSpPr>
+      <p:sp>
+        <p:nvSpPr>
+          <p:cNvPr id="2" name="Title 1">
+            <a:extLst>
+              <a:ext uri="{FF2B5EF4-FFF2-40B4-BE49-F238E27FC236}">
+                <a16:creationId xmlns:a16="http://schemas.microsoft.com/office/drawing/2014/main" id="{AA3A228F-61D0-D949-A5E7-F83756230BF8}"/>
+              </a:ext>
+            </a:extLst>
+          </p:cNvPr>
+          <p:cNvSpPr>
+            <a:spLocks noGrp="1"/>
+          </p:cNvSpPr>
+          <p:nvPr>
+            <p:ph type="title"/>
+          </p:nvPr>
+        </p:nvSpPr>
+        <p:spPr>
+          <a:xfrm>
+            <a:off x="483848" y="467027"/>
+            <a:ext cx="7053542" cy="683886"/>
+          </a:xfrm>
+        </p:spPr>
+        <p:txBody>
+          <a:bodyPr/>
+          <a:lstStyle/>
+          <a:p>
+            <a:r>
+              <a:rPr lang="en-US" dirty="0"/>
+              <a:t>Conditional Summing Example</a:t>
+            </a:r>
+          </a:p>
+        </p:txBody>
+      </p:sp>
+      <p:sp>
+        <p:nvSpPr>
+          <p:cNvPr id="9" name="Content Placeholder 8">
+            <a:extLst>
+              <a:ext uri="{FF2B5EF4-FFF2-40B4-BE49-F238E27FC236}">
+                <a16:creationId xmlns:a16="http://schemas.microsoft.com/office/drawing/2014/main" id="{E3B2E017-30B2-884B-A113-B419A2ED51AD}"/>
+              </a:ext>
+            </a:extLst>
+          </p:cNvPr>
+          <p:cNvSpPr>
+            <a:spLocks noGrp="1"/>
+          </p:cNvSpPr>
+          <p:nvPr>
+            <p:ph idx="1"/>
+          </p:nvPr>
+        </p:nvSpPr>
+        <p:spPr>
+          <a:xfrm>
+            <a:off x="483848" y="1288073"/>
+            <a:ext cx="8051725" cy="4292919"/>
+          </a:xfrm>
+        </p:spPr>
+        <p:txBody>
+          <a:bodyPr>
+            <a:normAutofit/>
+          </a:bodyPr>
+          <a:lstStyle/>
+          <a:p>
+            <a:pPr marL="0" indent="0">
+              <a:buNone/>
+            </a:pPr>
+            <a:endParaRPr lang="en-US" dirty="0">
+              <a:latin typeface="Gill Sans MT" panose="020B0502020104020203" pitchFamily="34" charset="77"/>
+            </a:endParaRPr>
+          </a:p>
+          <a:p>
+            <a:pPr marL="0" indent="0">
+              <a:buNone/>
+            </a:pPr>
+            <a:endParaRPr lang="en-US" dirty="0">
+              <a:latin typeface="Gill Sans MT" panose="020B0502020104020203" pitchFamily="34" charset="77"/>
+            </a:endParaRPr>
+          </a:p>
+          <a:p>
+            <a:pPr marL="0" indent="0">
+              <a:buNone/>
+            </a:pPr>
+            <a:r>
+              <a:rPr lang="en-US" dirty="0">
+                <a:latin typeface="Gill Sans MT" panose="020B0502020104020203" pitchFamily="34" charset="77"/>
+              </a:rPr>
+              <a:t>Write a segment of code that compute the sum of all numbers from 1 to 100. However:</a:t>
+            </a:r>
+          </a:p>
+          <a:p>
+            <a:pPr marL="457200" indent="-457200">
+              <a:buAutoNum type="arabicParenR"/>
+            </a:pPr>
+            <a:r>
+              <a:rPr lang="en-US" dirty="0">
+                <a:latin typeface="Gill Sans MT" panose="020B0502020104020203" pitchFamily="34" charset="77"/>
+              </a:rPr>
+              <a:t>if a number is a multiple of 3, double it before adding, </a:t>
+            </a:r>
+          </a:p>
+          <a:p>
+            <a:pPr marL="457200" indent="-457200">
+              <a:buAutoNum type="arabicParenR"/>
+            </a:pPr>
+            <a:r>
+              <a:rPr lang="en-US" dirty="0">
+                <a:latin typeface="Gill Sans MT" panose="020B0502020104020203" pitchFamily="34" charset="77"/>
+              </a:rPr>
+              <a:t>if a number is a multiple of 5, triple it before adding,</a:t>
+            </a:r>
+          </a:p>
+          <a:p>
+            <a:pPr marL="457200" indent="-457200">
+              <a:buAutoNum type="arabicParenR"/>
+            </a:pPr>
+            <a:r>
+              <a:rPr lang="en-US" dirty="0">
+                <a:latin typeface="Gill Sans MT" panose="020B0502020104020203" pitchFamily="34" charset="77"/>
+              </a:rPr>
+              <a:t>If a number is a multiple of both, quadruple it before adding.</a:t>
+            </a:r>
+          </a:p>
+          <a:p>
+            <a:pPr marL="0" indent="0">
+              <a:buNone/>
+            </a:pPr>
+            <a:r>
+              <a:rPr lang="en-US" b="1" dirty="0">
+                <a:solidFill>
+                  <a:srgbClr val="006699"/>
+                </a:solidFill>
+                <a:latin typeface="Inconsolata Medium" panose="020B0609030003000000" pitchFamily="49" charset="77"/>
+              </a:rPr>
+              <a:t>		</a:t>
+            </a:r>
+            <a:endParaRPr lang="en-US" dirty="0">
+              <a:solidFill>
+                <a:srgbClr val="000087"/>
+              </a:solidFill>
+              <a:latin typeface="Gill Sans MT" panose="020B0502020104020203" pitchFamily="34" charset="77"/>
+            </a:endParaRPr>
+          </a:p>
+        </p:txBody>
+      </p:sp>
+    </p:spTree>
+    <p:extLst>
+      <p:ext uri="{BB962C8B-B14F-4D97-AF65-F5344CB8AC3E}">
+        <p14:creationId xmlns:p14="http://schemas.microsoft.com/office/powerpoint/2010/main" val="4088965571"/>
+      </p:ext>
+    </p:extLst>
+  </p:cSld>
+  <p:clrMapOvr>
+    <a:masterClrMapping/>
+  </p:clrMapOvr>
+</p:sld>
+</file>
+
+<file path=ppt/slides/slide14.xml><?xml version="1.0" encoding="utf-8"?>
+<p:sld xmlns:a="http://schemas.openxmlformats.org/drawingml/2006/main" xmlns:r="http://schemas.openxmlformats.org/officeDocument/2006/relationships" xmlns:p="http://schemas.openxmlformats.org/presentationml/2006/main">
+  <p:cSld>
+    <p:spTree>
+      <p:nvGrpSpPr>
+        <p:cNvPr id="1" name=""/>
+        <p:cNvGrpSpPr/>
+        <p:nvPr/>
+      </p:nvGrpSpPr>
+      <p:grpSpPr>
+        <a:xfrm>
+          <a:off x="0" y="0"/>
+          <a:ext cx="0" cy="0"/>
+          <a:chOff x="0" y="0"/>
+          <a:chExt cx="0" cy="0"/>
+        </a:xfrm>
+      </p:grpSpPr>
+      <p:sp>
+        <p:nvSpPr>
+          <p:cNvPr id="2" name="Title 1">
+            <a:extLst>
+              <a:ext uri="{FF2B5EF4-FFF2-40B4-BE49-F238E27FC236}">
+                <a16:creationId xmlns:a16="http://schemas.microsoft.com/office/drawing/2014/main" id="{AA3A228F-61D0-D949-A5E7-F83756230BF8}"/>
+              </a:ext>
+            </a:extLst>
+          </p:cNvPr>
+          <p:cNvSpPr>
+            <a:spLocks noGrp="1"/>
+          </p:cNvSpPr>
+          <p:nvPr>
+            <p:ph type="title"/>
+          </p:nvPr>
+        </p:nvSpPr>
+        <p:spPr>
+          <a:xfrm>
+            <a:off x="483848" y="467027"/>
+            <a:ext cx="7053542" cy="683886"/>
+          </a:xfrm>
+        </p:spPr>
+        <p:txBody>
+          <a:bodyPr/>
+          <a:lstStyle/>
+          <a:p>
+            <a:r>
+              <a:rPr lang="en-US" dirty="0"/>
+              <a:t>Conditional Summing Solution?</a:t>
+            </a:r>
+          </a:p>
+        </p:txBody>
+      </p:sp>
+      <p:sp>
+        <p:nvSpPr>
+          <p:cNvPr id="9" name="Content Placeholder 8">
+            <a:extLst>
+              <a:ext uri="{FF2B5EF4-FFF2-40B4-BE49-F238E27FC236}">
+                <a16:creationId xmlns:a16="http://schemas.microsoft.com/office/drawing/2014/main" id="{E3B2E017-30B2-884B-A113-B419A2ED51AD}"/>
+              </a:ext>
+            </a:extLst>
+          </p:cNvPr>
+          <p:cNvSpPr>
+            <a:spLocks noGrp="1"/>
+          </p:cNvSpPr>
+          <p:nvPr>
+            <p:ph idx="1"/>
+          </p:nvPr>
+        </p:nvSpPr>
+        <p:spPr>
+          <a:xfrm>
+            <a:off x="483848" y="1288073"/>
+            <a:ext cx="8051725" cy="4292919"/>
+          </a:xfrm>
+        </p:spPr>
+        <p:txBody>
+          <a:bodyPr>
+            <a:normAutofit/>
+          </a:bodyPr>
+          <a:lstStyle/>
+          <a:p>
+            <a:pPr marL="0" indent="0">
+              <a:buNone/>
+            </a:pPr>
+            <a:r>
+              <a:rPr lang="en-US" dirty="0">
+                <a:latin typeface="Gill Sans MT" panose="020B0502020104020203" pitchFamily="34" charset="77"/>
+              </a:rPr>
+              <a:t>Is the following a correct solution?</a:t>
+            </a:r>
+            <a:endParaRPr lang="en-US" sz="1800" b="1" dirty="0">
+              <a:solidFill>
+                <a:srgbClr val="006699"/>
+              </a:solidFill>
+              <a:latin typeface="Inconsolata Medium" panose="020B0609030003000000" pitchFamily="49" charset="77"/>
+            </a:endParaRPr>
+          </a:p>
+          <a:p>
+            <a:pPr marL="0" indent="0">
+              <a:buNone/>
+            </a:pPr>
+            <a:r>
+              <a:rPr lang="en-US" sz="1800" b="1" dirty="0">
+                <a:solidFill>
+                  <a:srgbClr val="006699"/>
+                </a:solidFill>
+                <a:latin typeface="Inconsolata Medium" panose="020B0609030003000000" pitchFamily="49" charset="77"/>
+              </a:rPr>
+              <a:t>sum = 0</a:t>
+            </a:r>
+            <a:endParaRPr lang="en-US" sz="1800" b="1" dirty="0">
+              <a:latin typeface="Inconsolata Medium" panose="020B0609030003000000" pitchFamily="49" charset="77"/>
+            </a:endParaRPr>
+          </a:p>
+          <a:p>
+            <a:pPr marL="0" indent="0">
+              <a:buNone/>
+            </a:pPr>
+            <a:r>
+              <a:rPr lang="en-US" sz="1800" b="1" dirty="0">
+                <a:solidFill>
+                  <a:srgbClr val="006699"/>
+                </a:solidFill>
+                <a:latin typeface="Inconsolata Medium" panose="020B0609030003000000" pitchFamily="49" charset="77"/>
+              </a:rPr>
+              <a:t>for </a:t>
+            </a:r>
+            <a:r>
+              <a:rPr lang="en-US" sz="1800" b="1" dirty="0" err="1">
+                <a:solidFill>
+                  <a:srgbClr val="000087"/>
+                </a:solidFill>
+                <a:latin typeface="Inconsolata Medium" panose="020B0609030003000000" pitchFamily="49" charset="77"/>
+              </a:rPr>
+              <a:t>i</a:t>
+            </a:r>
+            <a:r>
+              <a:rPr lang="en-US" sz="1800" b="1" dirty="0">
+                <a:solidFill>
+                  <a:srgbClr val="000087"/>
+                </a:solidFill>
+                <a:latin typeface="Inconsolata Medium" panose="020B0609030003000000" pitchFamily="49" charset="77"/>
+              </a:rPr>
+              <a:t> </a:t>
+            </a:r>
+            <a:r>
+              <a:rPr lang="en-US" sz="1800" b="1" dirty="0">
+                <a:latin typeface="Inconsolata Medium" panose="020B0609030003000000" pitchFamily="49" charset="77"/>
+              </a:rPr>
+              <a:t>in </a:t>
+            </a:r>
+            <a:r>
+              <a:rPr lang="en-US" sz="1800" b="1" dirty="0">
+                <a:solidFill>
+                  <a:srgbClr val="336666"/>
+                </a:solidFill>
+                <a:latin typeface="Inconsolata Medium" panose="020B0609030003000000" pitchFamily="49" charset="77"/>
+              </a:rPr>
+              <a:t>range</a:t>
+            </a:r>
+            <a:r>
+              <a:rPr lang="en-US" sz="1800" b="1" dirty="0">
+                <a:latin typeface="Inconsolata Medium" panose="020B0609030003000000" pitchFamily="49" charset="77"/>
+              </a:rPr>
+              <a:t>(1, </a:t>
+            </a:r>
+            <a:r>
+              <a:rPr lang="en-US" sz="1800" b="1" dirty="0">
+                <a:solidFill>
+                  <a:srgbClr val="FF6600"/>
+                </a:solidFill>
+                <a:latin typeface="Inconsolata Medium" panose="020B0609030003000000" pitchFamily="49" charset="77"/>
+              </a:rPr>
+              <a:t>101</a:t>
+            </a:r>
+            <a:r>
+              <a:rPr lang="en-US" sz="1800" b="1" dirty="0">
+                <a:latin typeface="Inconsolata Medium" panose="020B0609030003000000" pitchFamily="49" charset="77"/>
+              </a:rPr>
+              <a:t>):</a:t>
+            </a:r>
+          </a:p>
+          <a:p>
+            <a:pPr marL="0" indent="0">
+              <a:buNone/>
+            </a:pPr>
+            <a:r>
+              <a:rPr lang="en-US" sz="1800" b="1" dirty="0">
+                <a:latin typeface="Inconsolata Medium" panose="020B0609030003000000" pitchFamily="49" charset="77"/>
+              </a:rPr>
+              <a:t>	if i % 3 == 0:</a:t>
+            </a:r>
+          </a:p>
+          <a:p>
+            <a:pPr marL="0" indent="0">
+              <a:buNone/>
+            </a:pPr>
+            <a:r>
+              <a:rPr lang="en-US" sz="1800" b="1" dirty="0">
+                <a:latin typeface="Inconsolata Medium" panose="020B0609030003000000" pitchFamily="49" charset="77"/>
+              </a:rPr>
+              <a:t>		sum += 2 * </a:t>
+            </a:r>
+            <a:r>
+              <a:rPr lang="en-US" sz="1800" b="1" dirty="0" err="1">
+                <a:latin typeface="Inconsolata Medium" panose="020B0609030003000000" pitchFamily="49" charset="77"/>
+              </a:rPr>
+              <a:t>i</a:t>
+            </a:r>
+            <a:endParaRPr lang="en-US" sz="1800" b="1" dirty="0">
+              <a:latin typeface="Inconsolata Medium" panose="020B0609030003000000" pitchFamily="49" charset="77"/>
+            </a:endParaRPr>
+          </a:p>
+          <a:p>
+            <a:pPr marL="0" indent="0">
+              <a:buNone/>
+            </a:pPr>
+            <a:r>
+              <a:rPr lang="en-US" sz="1800" b="1" dirty="0">
+                <a:latin typeface="Inconsolata Medium" panose="020B0609030003000000" pitchFamily="49" charset="77"/>
+              </a:rPr>
+              <a:t>	</a:t>
+            </a:r>
+            <a:r>
+              <a:rPr lang="en-US" sz="1800" b="1" dirty="0" err="1">
+                <a:latin typeface="Inconsolata Medium" panose="020B0609030003000000" pitchFamily="49" charset="77"/>
+              </a:rPr>
+              <a:t>elif</a:t>
+            </a:r>
+            <a:r>
+              <a:rPr lang="en-US" sz="1800" b="1" dirty="0">
+                <a:latin typeface="Inconsolata Medium" panose="020B0609030003000000" pitchFamily="49" charset="77"/>
+              </a:rPr>
+              <a:t> </a:t>
+            </a:r>
+            <a:r>
+              <a:rPr lang="en-US" sz="1800" b="1" dirty="0" err="1">
+                <a:latin typeface="Inconsolata Medium" panose="020B0609030003000000" pitchFamily="49" charset="77"/>
+              </a:rPr>
+              <a:t>i</a:t>
+            </a:r>
+            <a:r>
+              <a:rPr lang="en-US" sz="1800" b="1" dirty="0">
+                <a:latin typeface="Inconsolata Medium" panose="020B0609030003000000" pitchFamily="49" charset="77"/>
+              </a:rPr>
+              <a:t> % 5 == 0:</a:t>
+            </a:r>
+          </a:p>
+          <a:p>
+            <a:pPr marL="0" indent="0">
+              <a:buNone/>
+            </a:pPr>
+            <a:r>
+              <a:rPr lang="en-US" sz="1800" b="1" dirty="0">
+                <a:latin typeface="Inconsolata Medium" panose="020B0609030003000000" pitchFamily="49" charset="77"/>
+              </a:rPr>
+              <a:t>		sum += 3 * </a:t>
+            </a:r>
+            <a:r>
+              <a:rPr lang="en-US" sz="1800" b="1" dirty="0" err="1">
+                <a:latin typeface="Inconsolata Medium" panose="020B0609030003000000" pitchFamily="49" charset="77"/>
+              </a:rPr>
+              <a:t>i</a:t>
+            </a:r>
+            <a:r>
+              <a:rPr lang="en-US" sz="1800" b="1" dirty="0">
+                <a:latin typeface="Inconsolata Medium" panose="020B0609030003000000" pitchFamily="49" charset="77"/>
+              </a:rPr>
+              <a:t> </a:t>
+            </a:r>
+          </a:p>
+          <a:p>
+            <a:pPr marL="0" indent="0">
+              <a:buNone/>
+            </a:pPr>
+            <a:r>
+              <a:rPr lang="en-US" sz="1800" b="1" dirty="0">
+                <a:latin typeface="Inconsolata Medium" panose="020B0609030003000000" pitchFamily="49" charset="77"/>
+              </a:rPr>
+              <a:t>	</a:t>
+            </a:r>
+            <a:r>
+              <a:rPr lang="en-US" sz="1800" b="1" dirty="0" err="1">
+                <a:latin typeface="Inconsolata Medium" panose="020B0609030003000000" pitchFamily="49" charset="77"/>
+              </a:rPr>
+              <a:t>elif</a:t>
+            </a:r>
+            <a:r>
+              <a:rPr lang="en-US" sz="1800" b="1" dirty="0">
+                <a:latin typeface="Inconsolata Medium" panose="020B0609030003000000" pitchFamily="49" charset="77"/>
+              </a:rPr>
+              <a:t> </a:t>
+            </a:r>
+            <a:r>
+              <a:rPr lang="en-US" sz="1800" b="1" dirty="0" err="1">
+                <a:latin typeface="Inconsolata Medium" panose="020B0609030003000000" pitchFamily="49" charset="77"/>
+              </a:rPr>
+              <a:t>i</a:t>
+            </a:r>
+            <a:r>
+              <a:rPr lang="en-US" sz="1800" b="1" dirty="0">
+                <a:latin typeface="Inconsolata Medium" panose="020B0609030003000000" pitchFamily="49" charset="77"/>
+              </a:rPr>
+              <a:t> % 3 == 0 and </a:t>
+            </a:r>
+            <a:r>
+              <a:rPr lang="en-US" sz="1800" b="1" dirty="0" err="1">
+                <a:latin typeface="Inconsolata Medium" panose="020B0609030003000000" pitchFamily="49" charset="77"/>
+              </a:rPr>
+              <a:t>i</a:t>
+            </a:r>
+            <a:r>
+              <a:rPr lang="en-US" sz="1800" b="1" dirty="0">
+                <a:latin typeface="Inconsolata Medium" panose="020B0609030003000000" pitchFamily="49" charset="77"/>
+              </a:rPr>
+              <a:t> % 5 == 0:</a:t>
+            </a:r>
+          </a:p>
+          <a:p>
+            <a:pPr marL="0" indent="0">
+              <a:buNone/>
+            </a:pPr>
+            <a:r>
+              <a:rPr lang="en-US" sz="1800" b="1" dirty="0">
+                <a:latin typeface="Inconsolata Medium" panose="020B0609030003000000" pitchFamily="49" charset="77"/>
+              </a:rPr>
+              <a:t>		sum += 4 * i</a:t>
+            </a:r>
+          </a:p>
+          <a:p>
+            <a:pPr marL="0" indent="0">
+              <a:buNone/>
+            </a:pPr>
+            <a:r>
+              <a:rPr lang="en-US" sz="1800" b="1" dirty="0">
+                <a:latin typeface="Inconsolata Medium" panose="020B0609030003000000" pitchFamily="49" charset="77"/>
+              </a:rPr>
+              <a:t>	else:</a:t>
+            </a:r>
+          </a:p>
+          <a:p>
+            <a:pPr marL="0" indent="0">
+              <a:buNone/>
+            </a:pPr>
+            <a:r>
+              <a:rPr lang="en-US" sz="1800" b="1" dirty="0">
+                <a:latin typeface="Inconsolata Medium" panose="020B0609030003000000" pitchFamily="49" charset="77"/>
+              </a:rPr>
+              <a:t>		sum += </a:t>
+            </a:r>
+            <a:r>
+              <a:rPr lang="en-US" sz="1800" b="1" dirty="0" err="1">
+                <a:latin typeface="Inconsolata Medium" panose="020B0609030003000000" pitchFamily="49" charset="77"/>
+              </a:rPr>
+              <a:t>i</a:t>
+            </a:r>
+            <a:endParaRPr lang="en-US" sz="1800" b="1" dirty="0">
+              <a:latin typeface="Inconsolata Medium" panose="020B0609030003000000" pitchFamily="49" charset="77"/>
+            </a:endParaRPr>
+          </a:p>
+          <a:p>
+            <a:pPr marL="0" indent="0">
+              <a:buNone/>
+            </a:pPr>
+            <a:r>
+              <a:rPr lang="en-US" sz="1800" b="1" dirty="0">
+                <a:latin typeface="Inconsolata Medium" panose="020B0609030003000000" pitchFamily="49" charset="77"/>
+              </a:rPr>
+              <a:t>No! Why not?</a:t>
+            </a:r>
+            <a:br>
+              <a:rPr lang="en-US" sz="1800" b="1" dirty="0">
+                <a:latin typeface="Inconsolata Medium" panose="020B0609030003000000" pitchFamily="49" charset="77"/>
+              </a:rPr>
+            </a:br>
+            <a:r>
+              <a:rPr lang="en-US" sz="1800" b="1" dirty="0">
+                <a:solidFill>
+                  <a:srgbClr val="006699"/>
+                </a:solidFill>
+                <a:latin typeface="Inconsolata Medium" panose="020B0609030003000000" pitchFamily="49" charset="77"/>
+              </a:rPr>
+              <a:t>       </a:t>
+            </a:r>
+            <a:endParaRPr lang="en-US" sz="1800" b="1" dirty="0">
+              <a:latin typeface="Inconsolata Medium" panose="020B0609030003000000" pitchFamily="49" charset="77"/>
+            </a:endParaRPr>
+          </a:p>
+          <a:p>
+            <a:pPr marL="0" indent="0">
+              <a:buNone/>
+            </a:pPr>
+            <a:endParaRPr lang="en-US" sz="1800" dirty="0">
+              <a:solidFill>
+                <a:srgbClr val="000087"/>
+              </a:solidFill>
+              <a:latin typeface="Gill Sans MT" panose="020B0502020104020203" pitchFamily="34" charset="77"/>
+            </a:endParaRPr>
+          </a:p>
+        </p:txBody>
+      </p:sp>
+    </p:spTree>
+    <p:extLst>
+      <p:ext uri="{BB962C8B-B14F-4D97-AF65-F5344CB8AC3E}">
+        <p14:creationId xmlns:p14="http://schemas.microsoft.com/office/powerpoint/2010/main" val="2255846137"/>
+      </p:ext>
+    </p:extLst>
+  </p:cSld>
+  <p:clrMapOvr>
+    <a:masterClrMapping/>
+  </p:clrMapOvr>
+  <p:timing>
+    <p:tnLst>
+      <p:par>
+        <p:cTn id="1" dur="indefinite" restart="never" nodeType="tmRoot">
+          <p:childTnLst>
+            <p:seq concurrent="1" nextAc="seek">
+              <p:cTn id="2" dur="indefinite" nodeType="mainSeq">
+                <p:childTnLst>
+                  <p:par>
+                    <p:cTn id="3" fill="hold">
+                      <p:stCondLst>
+                        <p:cond delay="indefinite"/>
+                      </p:stCondLst>
+                      <p:childTnLst>
+                        <p:par>
+                          <p:cTn id="4" fill="hold">
+                            <p:stCondLst>
+                              <p:cond delay="0"/>
+                            </p:stCondLst>
+                            <p:childTnLst>
+                              <p:par>
+                                <p:cTn id="5" presetID="1" presetClass="entr" presetSubtype="0" fill="hold" nodeType="clickEffect">
+                                  <p:stCondLst>
+                                    <p:cond delay="0"/>
+                                  </p:stCondLst>
+                                  <p:childTnLst>
+                                    <p:set>
+                                      <p:cBhvr>
+                                        <p:cTn id="6" dur="1" fill="hold">
+                                          <p:stCondLst>
+                                            <p:cond delay="0"/>
+                                          </p:stCondLst>
+                                        </p:cTn>
+                                        <p:tgtEl>
+                                          <p:spTgt spid="9">
+                                            <p:txEl>
+                                              <p:pRg st="11" end="11"/>
+                                            </p:txEl>
+                                          </p:spTgt>
+                                        </p:tgtEl>
+                                        <p:attrNameLst>
+                                          <p:attrName>style.visibility</p:attrName>
+                                        </p:attrNameLst>
+                                      </p:cBhvr>
+                                      <p:to>
+                                        <p:strVal val="visible"/>
+                                      </p:to>
+                                    </p:set>
+                                  </p:childTnLst>
+                                </p:cTn>
+                              </p:par>
+                            </p:childTnLst>
+                          </p:cTn>
+                        </p:par>
+                      </p:childTnLst>
+                    </p:cTn>
+                  </p:par>
+                </p:childTnLst>
+              </p:cTn>
+              <p:prevCondLst>
+                <p:cond evt="onPrev" delay="0">
+                  <p:tgtEl>
+                    <p:sldTgt/>
+                  </p:tgtEl>
+                </p:cond>
+              </p:prevCondLst>
+              <p:nextCondLst>
+                <p:cond evt="onNext" delay="0">
+                  <p:tgtEl>
+                    <p:sldTgt/>
+                  </p:tgtEl>
+                </p:cond>
+              </p:nextCondLst>
+            </p:seq>
+          </p:childTnLst>
+        </p:cTn>
+      </p:par>
+    </p:tnLst>
+  </p:timing>
+</p:sld>
+</file>
+
+<file path=ppt/slides/slide15.xml><?xml version="1.0" encoding="utf-8"?>
+<p:sld xmlns:a="http://schemas.openxmlformats.org/drawingml/2006/main" xmlns:r="http://schemas.openxmlformats.org/officeDocument/2006/relationships" xmlns:p="http://schemas.openxmlformats.org/presentationml/2006/main">
+  <p:cSld>
+    <p:spTree>
+      <p:nvGrpSpPr>
+        <p:cNvPr id="1" name=""/>
+        <p:cNvGrpSpPr/>
+        <p:nvPr/>
+      </p:nvGrpSpPr>
+      <p:grpSpPr>
+        <a:xfrm>
+          <a:off x="0" y="0"/>
+          <a:ext cx="0" cy="0"/>
+          <a:chOff x="0" y="0"/>
+          <a:chExt cx="0" cy="0"/>
+        </a:xfrm>
+      </p:grpSpPr>
+      <p:sp>
+        <p:nvSpPr>
+          <p:cNvPr id="2" name="Title 1">
+            <a:extLst>
+              <a:ext uri="{FF2B5EF4-FFF2-40B4-BE49-F238E27FC236}">
+                <a16:creationId xmlns:a16="http://schemas.microsoft.com/office/drawing/2014/main" id="{AA3A228F-61D0-D949-A5E7-F83756230BF8}"/>
+              </a:ext>
+            </a:extLst>
+          </p:cNvPr>
+          <p:cNvSpPr>
+            <a:spLocks noGrp="1"/>
+          </p:cNvSpPr>
+          <p:nvPr>
+            <p:ph type="title"/>
+          </p:nvPr>
+        </p:nvSpPr>
+        <p:spPr>
+          <a:xfrm>
+            <a:off x="483848" y="467027"/>
+            <a:ext cx="7053542" cy="683886"/>
+          </a:xfrm>
+        </p:spPr>
+        <p:txBody>
+          <a:bodyPr/>
+          <a:lstStyle/>
+          <a:p>
+            <a:r>
+              <a:rPr lang="en-US" dirty="0"/>
+              <a:t>Conditional Summing Solution</a:t>
+            </a:r>
+          </a:p>
+        </p:txBody>
+      </p:sp>
+      <p:sp>
+        <p:nvSpPr>
+          <p:cNvPr id="9" name="Content Placeholder 8">
+            <a:extLst>
+              <a:ext uri="{FF2B5EF4-FFF2-40B4-BE49-F238E27FC236}">
+                <a16:creationId xmlns:a16="http://schemas.microsoft.com/office/drawing/2014/main" id="{E3B2E017-30B2-884B-A113-B419A2ED51AD}"/>
+              </a:ext>
+            </a:extLst>
+          </p:cNvPr>
+          <p:cNvSpPr>
+            <a:spLocks noGrp="1"/>
+          </p:cNvSpPr>
+          <p:nvPr>
+            <p:ph idx="1"/>
+          </p:nvPr>
+        </p:nvSpPr>
+        <p:spPr>
+          <a:xfrm>
+            <a:off x="483848" y="1288073"/>
+            <a:ext cx="8051725" cy="4292919"/>
+          </a:xfrm>
+        </p:spPr>
+        <p:txBody>
+          <a:bodyPr>
+            <a:normAutofit/>
+          </a:bodyPr>
+          <a:lstStyle/>
+          <a:p>
+            <a:pPr marL="0" indent="0">
+              <a:buNone/>
+            </a:pPr>
+            <a:r>
+              <a:rPr lang="en-US" sz="1800" b="1" dirty="0">
+                <a:latin typeface="Gill Sans MT" panose="020B0502020104020203" pitchFamily="34" charset="77"/>
+              </a:rPr>
+              <a:t>The following is correct.</a:t>
+            </a:r>
+            <a:endParaRPr lang="en-US" sz="1800" b="1" dirty="0">
+              <a:latin typeface="Inconsolata Medium" panose="020B0609030003000000" pitchFamily="49" charset="77"/>
+            </a:endParaRPr>
+          </a:p>
+          <a:p>
+            <a:pPr marL="0" indent="0">
+              <a:buNone/>
+            </a:pPr>
+            <a:endParaRPr lang="en-US" sz="1800" b="1" dirty="0">
+              <a:latin typeface="Inconsolata Medium" panose="020B0609030003000000" pitchFamily="49" charset="77"/>
+            </a:endParaRPr>
+          </a:p>
+          <a:p>
+            <a:pPr marL="0" indent="0">
+              <a:buNone/>
+            </a:pPr>
+            <a:r>
+              <a:rPr lang="en-US" sz="1800" b="1" dirty="0">
+                <a:latin typeface="Inconsolata Medium" panose="020B0609030003000000" pitchFamily="49" charset="77"/>
+              </a:rPr>
+              <a:t>sum = 0</a:t>
+            </a:r>
+          </a:p>
+          <a:p>
+            <a:pPr marL="0" indent="0">
+              <a:buNone/>
+            </a:pPr>
+            <a:r>
+              <a:rPr lang="en-US" sz="1800" b="1" dirty="0">
+                <a:solidFill>
+                  <a:srgbClr val="006699"/>
+                </a:solidFill>
+                <a:latin typeface="Inconsolata Medium" panose="020B0609030003000000" pitchFamily="49" charset="77"/>
+              </a:rPr>
+              <a:t>for </a:t>
+            </a:r>
+            <a:r>
+              <a:rPr lang="en-US" sz="1800" b="1" dirty="0" err="1">
+                <a:solidFill>
+                  <a:srgbClr val="000087"/>
+                </a:solidFill>
+                <a:latin typeface="Inconsolata Medium" panose="020B0609030003000000" pitchFamily="49" charset="77"/>
+              </a:rPr>
+              <a:t>i</a:t>
+            </a:r>
+            <a:r>
+              <a:rPr lang="en-US" sz="1800" b="1" dirty="0">
+                <a:solidFill>
+                  <a:srgbClr val="000087"/>
+                </a:solidFill>
+                <a:latin typeface="Inconsolata Medium" panose="020B0609030003000000" pitchFamily="49" charset="77"/>
+              </a:rPr>
+              <a:t> </a:t>
+            </a:r>
+            <a:r>
+              <a:rPr lang="en-US" sz="1800" b="1" dirty="0">
+                <a:latin typeface="Inconsolata Medium" panose="020B0609030003000000" pitchFamily="49" charset="77"/>
+              </a:rPr>
+              <a:t>in </a:t>
+            </a:r>
+            <a:r>
+              <a:rPr lang="en-US" sz="1800" b="1" dirty="0">
+                <a:solidFill>
+                  <a:srgbClr val="336666"/>
+                </a:solidFill>
+                <a:latin typeface="Inconsolata Medium" panose="020B0609030003000000" pitchFamily="49" charset="77"/>
+              </a:rPr>
+              <a:t>range</a:t>
+            </a:r>
+            <a:r>
+              <a:rPr lang="en-US" sz="1800" b="1" dirty="0">
+                <a:latin typeface="Inconsolata Medium" panose="020B0609030003000000" pitchFamily="49" charset="77"/>
+              </a:rPr>
+              <a:t>(1, </a:t>
+            </a:r>
+            <a:r>
+              <a:rPr lang="en-US" sz="1800" b="1" dirty="0">
+                <a:solidFill>
+                  <a:srgbClr val="FF6600"/>
+                </a:solidFill>
+                <a:latin typeface="Inconsolata Medium" panose="020B0609030003000000" pitchFamily="49" charset="77"/>
+              </a:rPr>
+              <a:t>101</a:t>
+            </a:r>
+            <a:r>
+              <a:rPr lang="en-US" sz="1800" b="1" dirty="0">
+                <a:latin typeface="Inconsolata Medium" panose="020B0609030003000000" pitchFamily="49" charset="77"/>
+              </a:rPr>
+              <a:t>):</a:t>
+            </a:r>
+          </a:p>
+          <a:p>
+            <a:pPr marL="0" indent="0">
+              <a:buNone/>
+            </a:pPr>
+            <a:r>
+              <a:rPr lang="en-US" sz="1800" b="1" dirty="0">
+                <a:latin typeface="Inconsolata Medium" panose="020B0609030003000000" pitchFamily="49" charset="77"/>
+              </a:rPr>
+              <a:t>	if i % 3 == 0 and </a:t>
+            </a:r>
+            <a:r>
+              <a:rPr lang="en-US" sz="1800" b="1" dirty="0" err="1">
+                <a:latin typeface="Inconsolata Medium" panose="020B0609030003000000" pitchFamily="49" charset="77"/>
+              </a:rPr>
+              <a:t>i</a:t>
+            </a:r>
+            <a:r>
+              <a:rPr lang="en-US" sz="1800" b="1" dirty="0">
+                <a:latin typeface="Inconsolata Medium" panose="020B0609030003000000" pitchFamily="49" charset="77"/>
+              </a:rPr>
+              <a:t> % 5 == 0:</a:t>
+            </a:r>
+          </a:p>
+          <a:p>
+            <a:pPr marL="0" indent="0">
+              <a:buNone/>
+            </a:pPr>
+            <a:r>
+              <a:rPr lang="en-US" sz="1800" b="1" dirty="0">
+                <a:latin typeface="Inconsolata Medium" panose="020B0609030003000000" pitchFamily="49" charset="77"/>
+              </a:rPr>
+              <a:t>		sum += 4 * </a:t>
+            </a:r>
+            <a:r>
+              <a:rPr lang="en-US" sz="1800" b="1" dirty="0" err="1">
+                <a:latin typeface="Inconsolata Medium" panose="020B0609030003000000" pitchFamily="49" charset="77"/>
+              </a:rPr>
+              <a:t>i</a:t>
+            </a:r>
+            <a:endParaRPr lang="en-US" sz="1800" b="1" dirty="0">
+              <a:latin typeface="Inconsolata Medium" panose="020B0609030003000000" pitchFamily="49" charset="77"/>
+            </a:endParaRPr>
+          </a:p>
+          <a:p>
+            <a:pPr marL="0" indent="0">
+              <a:buNone/>
+            </a:pPr>
+            <a:r>
+              <a:rPr lang="en-US" sz="1800" b="1" dirty="0">
+                <a:latin typeface="Inconsolata Medium" panose="020B0609030003000000" pitchFamily="49" charset="77"/>
+              </a:rPr>
+              <a:t>	</a:t>
+            </a:r>
+            <a:r>
+              <a:rPr lang="en-US" sz="1800" b="1" dirty="0" err="1">
+                <a:latin typeface="Inconsolata Medium" panose="020B0609030003000000" pitchFamily="49" charset="77"/>
+              </a:rPr>
+              <a:t>elif</a:t>
+            </a:r>
+            <a:r>
+              <a:rPr lang="en-US" sz="1800" b="1" dirty="0">
+                <a:latin typeface="Inconsolata Medium" panose="020B0609030003000000" pitchFamily="49" charset="77"/>
+              </a:rPr>
+              <a:t> </a:t>
+            </a:r>
+            <a:r>
+              <a:rPr lang="en-US" sz="1800" b="1" dirty="0" err="1">
+                <a:latin typeface="Inconsolata Medium" panose="020B0609030003000000" pitchFamily="49" charset="77"/>
+              </a:rPr>
+              <a:t>i</a:t>
+            </a:r>
+            <a:r>
+              <a:rPr lang="en-US" sz="1800" b="1" dirty="0">
+                <a:latin typeface="Inconsolata Medium" panose="020B0609030003000000" pitchFamily="49" charset="77"/>
+              </a:rPr>
+              <a:t> % 3 == 0:</a:t>
+            </a:r>
+          </a:p>
+          <a:p>
+            <a:pPr marL="0" indent="0">
+              <a:buNone/>
+            </a:pPr>
+            <a:r>
+              <a:rPr lang="en-US" sz="1800" b="1" dirty="0">
+                <a:latin typeface="Inconsolata Medium" panose="020B0609030003000000" pitchFamily="49" charset="77"/>
+              </a:rPr>
+              <a:t>		sum += 2 * </a:t>
+            </a:r>
+            <a:r>
+              <a:rPr lang="en-US" sz="1800" b="1" dirty="0" err="1">
+                <a:latin typeface="Inconsolata Medium" panose="020B0609030003000000" pitchFamily="49" charset="77"/>
+              </a:rPr>
+              <a:t>i</a:t>
+            </a:r>
+            <a:r>
+              <a:rPr lang="en-US" sz="1800" b="1" dirty="0">
+                <a:latin typeface="Inconsolata Medium" panose="020B0609030003000000" pitchFamily="49" charset="77"/>
+              </a:rPr>
+              <a:t> </a:t>
+            </a:r>
+          </a:p>
+          <a:p>
+            <a:pPr marL="0" indent="0">
+              <a:buNone/>
+            </a:pPr>
+            <a:r>
+              <a:rPr lang="en-US" sz="1800" b="1" dirty="0">
+                <a:latin typeface="Inconsolata Medium" panose="020B0609030003000000" pitchFamily="49" charset="77"/>
+              </a:rPr>
+              <a:t>	</a:t>
+            </a:r>
+            <a:r>
+              <a:rPr lang="en-US" sz="1800" b="1" dirty="0" err="1">
+                <a:latin typeface="Inconsolata Medium" panose="020B0609030003000000" pitchFamily="49" charset="77"/>
+              </a:rPr>
+              <a:t>elif</a:t>
+            </a:r>
+            <a:r>
+              <a:rPr lang="en-US" sz="1800" b="1" dirty="0">
+                <a:latin typeface="Inconsolata Medium" panose="020B0609030003000000" pitchFamily="49" charset="77"/>
+              </a:rPr>
+              <a:t> </a:t>
+            </a:r>
+            <a:r>
+              <a:rPr lang="en-US" sz="1800" b="1" dirty="0" err="1">
+                <a:latin typeface="Inconsolata Medium" panose="020B0609030003000000" pitchFamily="49" charset="77"/>
+              </a:rPr>
+              <a:t>i</a:t>
+            </a:r>
+            <a:r>
+              <a:rPr lang="en-US" sz="1800" b="1" dirty="0">
+                <a:latin typeface="Inconsolata Medium" panose="020B0609030003000000" pitchFamily="49" charset="77"/>
+              </a:rPr>
+              <a:t> % 5 == 0 :</a:t>
+            </a:r>
+          </a:p>
+          <a:p>
+            <a:pPr marL="0" indent="0">
+              <a:buNone/>
+            </a:pPr>
+            <a:r>
+              <a:rPr lang="en-US" sz="1800" b="1" dirty="0">
+                <a:latin typeface="Inconsolata Medium" panose="020B0609030003000000" pitchFamily="49" charset="77"/>
+              </a:rPr>
+              <a:t>		sum += 3 * i</a:t>
+            </a:r>
+          </a:p>
+          <a:p>
+            <a:pPr marL="0" indent="0">
+              <a:buNone/>
+            </a:pPr>
+            <a:r>
+              <a:rPr lang="en-US" sz="1800" b="1" dirty="0">
+                <a:latin typeface="Inconsolata Medium" panose="020B0609030003000000" pitchFamily="49" charset="77"/>
+              </a:rPr>
+              <a:t>	else:</a:t>
+            </a:r>
+          </a:p>
+          <a:p>
+            <a:pPr marL="0" indent="0">
+              <a:buNone/>
+            </a:pPr>
+            <a:r>
+              <a:rPr lang="en-US" sz="1800" b="1" dirty="0">
+                <a:latin typeface="Inconsolata Medium" panose="020B0609030003000000" pitchFamily="49" charset="77"/>
+              </a:rPr>
+              <a:t>		sum += </a:t>
+            </a:r>
+            <a:r>
+              <a:rPr lang="en-US" sz="1800" b="1" dirty="0" err="1">
+                <a:latin typeface="Inconsolata Medium" panose="020B0609030003000000" pitchFamily="49" charset="77"/>
+              </a:rPr>
+              <a:t>i</a:t>
+            </a:r>
+            <a:endParaRPr lang="en-US" sz="1800" b="1" dirty="0">
+              <a:latin typeface="Inconsolata Medium" panose="020B0609030003000000" pitchFamily="49" charset="77"/>
+            </a:endParaRPr>
+          </a:p>
+          <a:p>
+            <a:pPr marL="0" indent="0">
+              <a:buNone/>
+            </a:pPr>
+            <a:endParaRPr lang="en-US" sz="1800" dirty="0">
+              <a:solidFill>
+                <a:srgbClr val="000087"/>
+              </a:solidFill>
+              <a:latin typeface="Gill Sans MT" panose="020B0502020104020203" pitchFamily="34" charset="77"/>
+            </a:endParaRPr>
+          </a:p>
+        </p:txBody>
+      </p:sp>
+    </p:spTree>
+    <p:extLst>
+      <p:ext uri="{BB962C8B-B14F-4D97-AF65-F5344CB8AC3E}">
+        <p14:creationId xmlns:p14="http://schemas.microsoft.com/office/powerpoint/2010/main" val="1513627164"/>
+      </p:ext>
+    </p:extLst>
+  </p:cSld>
+  <p:clrMapOvr>
+    <a:masterClrMapping/>
+  </p:clrMapOvr>
+</p:sld>
+</file>
+
+<file path=ppt/slides/slide16.xml><?xml version="1.0" encoding="utf-8"?>
+<p:sld xmlns:a="http://schemas.openxmlformats.org/drawingml/2006/main" xmlns:r="http://schemas.openxmlformats.org/officeDocument/2006/relationships" xmlns:p="http://schemas.openxmlformats.org/presentationml/2006/main">
+  <p:cSld>
+    <p:spTree>
+      <p:nvGrpSpPr>
+        <p:cNvPr id="1" name=""/>
+        <p:cNvGrpSpPr/>
+        <p:nvPr/>
+      </p:nvGrpSpPr>
+      <p:grpSpPr>
+        <a:xfrm>
+          <a:off x="0" y="0"/>
+          <a:ext cx="0" cy="0"/>
+          <a:chOff x="0" y="0"/>
+          <a:chExt cx="0" cy="0"/>
+        </a:xfrm>
+      </p:grpSpPr>
+      <p:sp>
+        <p:nvSpPr>
+          <p:cNvPr id="2" name="Title 1">
+            <a:extLst>
+              <a:ext uri="{FF2B5EF4-FFF2-40B4-BE49-F238E27FC236}">
+                <a16:creationId xmlns:a16="http://schemas.microsoft.com/office/drawing/2014/main" id="{AA3A228F-61D0-D949-A5E7-F83756230BF8}"/>
+              </a:ext>
+            </a:extLst>
+          </p:cNvPr>
+          <p:cNvSpPr>
+            <a:spLocks noGrp="1"/>
+          </p:cNvSpPr>
+          <p:nvPr>
+            <p:ph type="title"/>
+          </p:nvPr>
+        </p:nvSpPr>
+        <p:spPr>
+          <a:xfrm>
+            <a:off x="483848" y="467027"/>
+            <a:ext cx="7053542" cy="683886"/>
+          </a:xfrm>
+        </p:spPr>
+        <p:txBody>
+          <a:bodyPr/>
+          <a:lstStyle/>
+          <a:p>
+            <a:r>
+              <a:rPr lang="en-US" dirty="0"/>
+              <a:t>Nested Loops</a:t>
+            </a:r>
+          </a:p>
+        </p:txBody>
+      </p:sp>
+      <p:sp>
+        <p:nvSpPr>
+          <p:cNvPr id="9" name="Content Placeholder 8">
+            <a:extLst>
+              <a:ext uri="{FF2B5EF4-FFF2-40B4-BE49-F238E27FC236}">
+                <a16:creationId xmlns:a16="http://schemas.microsoft.com/office/drawing/2014/main" id="{E3B2E017-30B2-884B-A113-B419A2ED51AD}"/>
+              </a:ext>
+            </a:extLst>
+          </p:cNvPr>
+          <p:cNvSpPr>
+            <a:spLocks noGrp="1"/>
+          </p:cNvSpPr>
+          <p:nvPr>
+            <p:ph idx="1"/>
+          </p:nvPr>
+        </p:nvSpPr>
+        <p:spPr>
+          <a:xfrm>
+            <a:off x="483848" y="1288073"/>
+            <a:ext cx="8051725" cy="4292919"/>
+          </a:xfrm>
+        </p:spPr>
+        <p:txBody>
+          <a:bodyPr>
+            <a:normAutofit/>
+          </a:bodyPr>
+          <a:lstStyle/>
+          <a:p>
+            <a:pPr marL="0" indent="0">
+              <a:buNone/>
+            </a:pPr>
+            <a:r>
+              <a:rPr lang="en-US" dirty="0">
+                <a:latin typeface="Gill Sans MT" panose="020B0502020104020203" pitchFamily="34" charset="77"/>
+              </a:rPr>
+              <a:t>A </a:t>
+            </a:r>
+            <a:r>
+              <a:rPr lang="en-US" i="1" dirty="0">
+                <a:latin typeface="Gill Sans MT" panose="020B0502020104020203" pitchFamily="34" charset="77"/>
+              </a:rPr>
+              <a:t>nested loop</a:t>
+            </a:r>
+            <a:r>
+              <a:rPr lang="en-US" dirty="0">
+                <a:latin typeface="Gill Sans MT" panose="020B0502020104020203" pitchFamily="34" charset="77"/>
+              </a:rPr>
+              <a:t> is a loop inside of another loop. </a:t>
+            </a:r>
+          </a:p>
+          <a:p>
+            <a:pPr marL="0" indent="0">
+              <a:buNone/>
+            </a:pPr>
+            <a:endParaRPr lang="en-US" dirty="0">
+              <a:latin typeface="Gill Sans MT" panose="020B0502020104020203" pitchFamily="34" charset="77"/>
+            </a:endParaRPr>
+          </a:p>
+          <a:p>
+            <a:pPr marL="0" indent="0">
+              <a:buNone/>
+            </a:pPr>
+            <a:r>
+              <a:rPr lang="en-US" b="1" dirty="0">
+                <a:solidFill>
+                  <a:srgbClr val="000087"/>
+                </a:solidFill>
+                <a:latin typeface="Inconsolata Medium" panose="020B0609030003000000" pitchFamily="49" charset="77"/>
+              </a:rPr>
               <a:t>In</a:t>
             </a:r>
             <a:r>
@@ -4478,7 +6409,7 @@
                 </a:solidFill>
                 <a:latin typeface="Inconsolata Medium" panose="020B0609030003000000" pitchFamily="49" charset="77"/>
               </a:rPr>
-              <a:t>6</a:t>
+              <a:t>1</a:t>
             </a:r>
             <a:r>
               <a:rPr lang="en-US" b="1" dirty="0">
@@ -4532,6 +6463,694 @@
                 </a:solidFill>
                 <a:latin typeface="Inconsolata Medium" panose="020B0609030003000000" pitchFamily="49" charset="77"/>
               </a:rPr>
+              <a:t>1, 4</a:t>
+            </a:r>
+            <a:r>
+              <a:rPr lang="en-US" b="1" dirty="0">
+                <a:latin typeface="Inconsolata Medium" panose="020B0609030003000000" pitchFamily="49" charset="77"/>
+              </a:rPr>
+              <a:t>):</a:t>
+            </a:r>
+          </a:p>
+          <a:p>
+            <a:pPr marL="0" indent="0">
+              <a:buNone/>
+            </a:pPr>
+            <a:r>
+              <a:rPr lang="en-US" b="1" dirty="0">
+                <a:solidFill>
+                  <a:srgbClr val="FF6600"/>
+                </a:solidFill>
+                <a:latin typeface="Inconsolata Medium" panose="020B0609030003000000" pitchFamily="49" charset="77"/>
+              </a:rPr>
+              <a:t>	  	</a:t>
+            </a:r>
+            <a:r>
+              <a:rPr lang="en-US" b="1" dirty="0">
+                <a:solidFill>
+                  <a:srgbClr val="006699"/>
+                </a:solidFill>
+                <a:latin typeface="Inconsolata Medium" panose="020B0609030003000000" pitchFamily="49" charset="77"/>
+              </a:rPr>
+              <a:t>for </a:t>
+            </a:r>
+            <a:r>
+              <a:rPr lang="en-US" b="1" dirty="0">
+                <a:solidFill>
+                  <a:srgbClr val="000087"/>
+                </a:solidFill>
+                <a:latin typeface="Inconsolata Medium" panose="020B0609030003000000" pitchFamily="49" charset="77"/>
+              </a:rPr>
+              <a:t>j </a:t>
+            </a:r>
+            <a:r>
+              <a:rPr lang="en-US" b="1" dirty="0">
+                <a:latin typeface="Inconsolata Medium" panose="020B0609030003000000" pitchFamily="49" charset="77"/>
+              </a:rPr>
+              <a:t>in </a:t>
+            </a:r>
+            <a:r>
+              <a:rPr lang="en-US" b="1" dirty="0">
+                <a:solidFill>
+                  <a:srgbClr val="336666"/>
+                </a:solidFill>
+                <a:latin typeface="Inconsolata Medium" panose="020B0609030003000000" pitchFamily="49" charset="77"/>
+              </a:rPr>
+              <a:t>range</a:t>
+            </a:r>
+            <a:r>
+              <a:rPr lang="en-US" b="1" dirty="0">
+                <a:latin typeface="Inconsolata Medium" panose="020B0609030003000000" pitchFamily="49" charset="77"/>
+              </a:rPr>
+              <a:t>(</a:t>
+            </a:r>
+            <a:r>
+              <a:rPr lang="en-US" b="1" dirty="0">
+                <a:solidFill>
+                  <a:srgbClr val="FF6600"/>
+                </a:solidFill>
+                <a:latin typeface="Inconsolata Medium" panose="020B0609030003000000" pitchFamily="49" charset="77"/>
+              </a:rPr>
+              <a:t>1, 5</a:t>
+            </a:r>
+            <a:r>
+              <a:rPr lang="en-US" b="1" dirty="0">
+                <a:latin typeface="Inconsolata Medium" panose="020B0609030003000000" pitchFamily="49" charset="77"/>
+              </a:rPr>
+              <a:t>): </a:t>
+            </a:r>
+          </a:p>
+          <a:p>
+            <a:pPr marL="0" indent="0">
+              <a:buNone/>
+            </a:pPr>
+            <a:r>
+              <a:rPr lang="en-US" b="1" dirty="0">
+                <a:solidFill>
+                  <a:srgbClr val="006699"/>
+                </a:solidFill>
+                <a:latin typeface="Inconsolata Medium" panose="020B0609030003000000" pitchFamily="49" charset="77"/>
+              </a:rPr>
+              <a:t>			print</a:t>
+            </a:r>
+            <a:r>
+              <a:rPr lang="en-US" b="1" dirty="0">
+                <a:latin typeface="Inconsolata Medium" panose="020B0609030003000000" pitchFamily="49" charset="77"/>
+              </a:rPr>
+              <a:t>(</a:t>
+            </a:r>
+            <a:r>
+              <a:rPr lang="en-US" b="1" dirty="0" err="1">
+                <a:solidFill>
+                  <a:srgbClr val="000087"/>
+                </a:solidFill>
+                <a:latin typeface="Inconsolata Medium" panose="020B0609030003000000" pitchFamily="49" charset="77"/>
+              </a:rPr>
+              <a:t>i</a:t>
+            </a:r>
+            <a:r>
+              <a:rPr lang="en-US" b="1" dirty="0">
+                <a:solidFill>
+                  <a:srgbClr val="000087"/>
+                </a:solidFill>
+                <a:latin typeface="Inconsolata Medium" panose="020B0609030003000000" pitchFamily="49" charset="77"/>
+              </a:rPr>
+              <a:t> * j</a:t>
+            </a:r>
+            <a:r>
+              <a:rPr lang="en-US" b="1" dirty="0">
+                <a:latin typeface="Inconsolata Medium" panose="020B0609030003000000" pitchFamily="49" charset="77"/>
+              </a:rPr>
+              <a:t>, </a:t>
+            </a:r>
+            <a:r>
+              <a:rPr lang="en-US" b="1" dirty="0">
+                <a:solidFill>
+                  <a:srgbClr val="000087"/>
+                </a:solidFill>
+                <a:latin typeface="Inconsolata Medium" panose="020B0609030003000000" pitchFamily="49" charset="77"/>
+              </a:rPr>
+              <a:t>end</a:t>
+            </a:r>
+            <a:r>
+              <a:rPr lang="en-US" b="1" dirty="0">
+                <a:solidFill>
+                  <a:srgbClr val="545454"/>
+                </a:solidFill>
+                <a:latin typeface="Inconsolata Medium" panose="020B0609030003000000" pitchFamily="49" charset="77"/>
+              </a:rPr>
+              <a:t>=</a:t>
+            </a:r>
+            <a:r>
+              <a:rPr lang="en-US" b="1" dirty="0">
+                <a:solidFill>
+                  <a:srgbClr val="CC3300"/>
+                </a:solidFill>
+                <a:latin typeface="Inconsolata Medium" panose="020B0609030003000000" pitchFamily="49" charset="77"/>
+              </a:rPr>
+              <a:t>‘ ’</a:t>
+            </a:r>
+            <a:r>
+              <a:rPr lang="en-US" b="1" dirty="0">
+                <a:latin typeface="Inconsolata Medium" panose="020B0609030003000000" pitchFamily="49" charset="77"/>
+              </a:rPr>
+              <a:t>) </a:t>
+            </a:r>
+          </a:p>
+          <a:p>
+            <a:pPr marL="0" indent="0">
+              <a:buNone/>
+            </a:pPr>
+            <a:r>
+              <a:rPr lang="en-US" b="1" dirty="0">
+                <a:latin typeface="Inconsolata Medium" panose="020B0609030003000000" pitchFamily="49" charset="77"/>
+              </a:rPr>
+              <a:t>		</a:t>
+            </a:r>
+            <a:r>
+              <a:rPr lang="en-US" b="1" dirty="0">
+                <a:solidFill>
+                  <a:srgbClr val="006699"/>
+                </a:solidFill>
+                <a:latin typeface="Inconsolata Medium" panose="020B0609030003000000" pitchFamily="49" charset="77"/>
+              </a:rPr>
+              <a:t>print</a:t>
+            </a:r>
+            <a:r>
+              <a:rPr lang="en-US" b="1" dirty="0">
+                <a:latin typeface="Inconsolata Medium" panose="020B0609030003000000" pitchFamily="49" charset="77"/>
+              </a:rPr>
+              <a:t>()</a:t>
+            </a:r>
+          </a:p>
+          <a:p>
+            <a:pPr marL="0" indent="0">
+              <a:buNone/>
+            </a:pPr>
+            <a:endParaRPr lang="en-US" dirty="0"/>
+          </a:p>
+          <a:p>
+            <a:pPr marL="0" indent="0">
+              <a:buNone/>
+            </a:pPr>
+            <a:r>
+              <a:rPr lang="en-US" b="1" dirty="0">
+                <a:latin typeface="Inconsolata Medium" panose="020B0609030003000000" pitchFamily="49" charset="77"/>
+              </a:rPr>
+              <a:t>1 2 3 4 </a:t>
+            </a:r>
+          </a:p>
+          <a:p>
+            <a:pPr marL="0" indent="0">
+              <a:buNone/>
+            </a:pPr>
+            <a:r>
+              <a:rPr lang="en-US" b="1" dirty="0">
+                <a:latin typeface="Inconsolata Medium" panose="020B0609030003000000" pitchFamily="49" charset="77"/>
+              </a:rPr>
+              <a:t>2 4 6 8 </a:t>
+            </a:r>
+          </a:p>
+          <a:p>
+            <a:pPr marL="0" indent="0">
+              <a:buNone/>
+            </a:pPr>
+            <a:r>
+              <a:rPr lang="en-US" b="1" dirty="0">
+                <a:latin typeface="Inconsolata Medium" panose="020B0609030003000000" pitchFamily="49" charset="77"/>
+              </a:rPr>
+              <a:t>3 6 9 12 </a:t>
+            </a:r>
+            <a:endParaRPr lang="en-US" sz="2100" b="1" dirty="0">
+              <a:solidFill>
+                <a:srgbClr val="000087"/>
+              </a:solidFill>
+              <a:latin typeface="Inconsolata Medium" panose="020B0609030003000000" pitchFamily="49" charset="77"/>
+            </a:endParaRPr>
+          </a:p>
+        </p:txBody>
+      </p:sp>
+    </p:spTree>
+    <p:extLst>
+      <p:ext uri="{BB962C8B-B14F-4D97-AF65-F5344CB8AC3E}">
+        <p14:creationId xmlns:p14="http://schemas.microsoft.com/office/powerpoint/2010/main" val="128704095"/>
+      </p:ext>
+    </p:extLst>
+  </p:cSld>
+  <p:clrMapOvr>
+    <a:masterClrMapping/>
+  </p:clrMapOvr>
+  <p:timing>
+    <p:tnLst>
+      <p:par>
+        <p:cTn id="1" dur="indefinite" restart="never" nodeType="tmRoot">
+          <p:childTnLst>
+            <p:seq concurrent="1" nextAc="seek">
+              <p:cTn id="2" dur="indefinite" nodeType="mainSeq">
+                <p:childTnLst>
+                  <p:par>
+                    <p:cTn id="3" fill="hold">
+                      <p:stCondLst>
+                        <p:cond delay="indefinite"/>
+                      </p:stCondLst>
+                      <p:childTnLst>
+                        <p:par>
+                          <p:cTn id="4" fill="hold">
+                            <p:stCondLst>
+                              <p:cond delay="0"/>
+                            </p:stCondLst>
+                            <p:childTnLst>
+                              <p:par>
+                                <p:cTn id="5" presetID="1" presetClass="entr" presetSubtype="0" fill="hold" nodeType="clickEffect">
+                                  <p:stCondLst>
+                                    <p:cond delay="0"/>
+                                  </p:stCondLst>
+                                  <p:childTnLst>
+                                    <p:set>
+                                      <p:cBhvr>
+                                        <p:cTn id="6" dur="1" fill="hold">
+                                          <p:stCondLst>
+                                            <p:cond delay="0"/>
+                                          </p:stCondLst>
+                                        </p:cTn>
+                                        <p:tgtEl>
+                                          <p:spTgt spid="9">
+                                            <p:txEl>
+                                              <p:pRg st="2" end="2"/>
+                                            </p:txEl>
+                                          </p:spTgt>
+                                        </p:tgtEl>
+                                        <p:attrNameLst>
+                                          <p:attrName>style.visibility</p:attrName>
+                                        </p:attrNameLst>
+                                      </p:cBhvr>
+                                      <p:to>
+                                        <p:strVal val="visible"/>
+                                      </p:to>
+                                    </p:set>
+                                  </p:childTnLst>
+                                </p:cTn>
+                              </p:par>
+                              <p:par>
+                                <p:cTn id="7" presetID="1" presetClass="entr" presetSubtype="0" fill="hold" nodeType="withEffect">
+                                  <p:stCondLst>
+                                    <p:cond delay="0"/>
+                                  </p:stCondLst>
+                                  <p:childTnLst>
+                                    <p:set>
+                                      <p:cBhvr>
+                                        <p:cTn id="8" dur="1" fill="hold">
+                                          <p:stCondLst>
+                                            <p:cond delay="0"/>
+                                          </p:stCondLst>
+                                        </p:cTn>
+                                        <p:tgtEl>
+                                          <p:spTgt spid="9">
+                                            <p:txEl>
+                                              <p:pRg st="3" end="3"/>
+                                            </p:txEl>
+                                          </p:spTgt>
+                                        </p:tgtEl>
+                                        <p:attrNameLst>
+                                          <p:attrName>style.visibility</p:attrName>
+                                        </p:attrNameLst>
+                                      </p:cBhvr>
+                                      <p:to>
+                                        <p:strVal val="visible"/>
+                                      </p:to>
+                                    </p:set>
+                                  </p:childTnLst>
+                                </p:cTn>
+                              </p:par>
+                              <p:par>
+                                <p:cTn id="9" presetID="1" presetClass="entr" presetSubtype="0" fill="hold" nodeType="withEffect">
+                                  <p:stCondLst>
+                                    <p:cond delay="0"/>
+                                  </p:stCondLst>
+                                  <p:childTnLst>
+                                    <p:set>
+                                      <p:cBhvr>
+                                        <p:cTn id="10" dur="1" fill="hold">
+                                          <p:stCondLst>
+                                            <p:cond delay="0"/>
+                                          </p:stCondLst>
+                                        </p:cTn>
+                                        <p:tgtEl>
+                                          <p:spTgt spid="9">
+                                            <p:txEl>
+                                              <p:pRg st="4" end="4"/>
+                                            </p:txEl>
+                                          </p:spTgt>
+                                        </p:tgtEl>
+                                        <p:attrNameLst>
+                                          <p:attrName>style.visibility</p:attrName>
+                                        </p:attrNameLst>
+                                      </p:cBhvr>
+                                      <p:to>
+                                        <p:strVal val="visible"/>
+                                      </p:to>
+                                    </p:set>
+                                  </p:childTnLst>
+                                </p:cTn>
+                              </p:par>
+                              <p:par>
+                                <p:cTn id="11" presetID="1" presetClass="entr" presetSubtype="0" fill="hold" nodeType="withEffect">
+                                  <p:stCondLst>
+                                    <p:cond delay="0"/>
+                                  </p:stCondLst>
+                                  <p:childTnLst>
+                                    <p:set>
+                                      <p:cBhvr>
+                                        <p:cTn id="12" dur="1" fill="hold">
+                                          <p:stCondLst>
+                                            <p:cond delay="0"/>
+                                          </p:stCondLst>
+                                        </p:cTn>
+                                        <p:tgtEl>
+                                          <p:spTgt spid="9">
+                                            <p:txEl>
+                                              <p:pRg st="5" end="5"/>
+                                            </p:txEl>
+                                          </p:spTgt>
+                                        </p:tgtEl>
+                                        <p:attrNameLst>
+                                          <p:attrName>style.visibility</p:attrName>
+                                        </p:attrNameLst>
+                                      </p:cBhvr>
+                                      <p:to>
+                                        <p:strVal val="visible"/>
+                                      </p:to>
+                                    </p:set>
+                                  </p:childTnLst>
+                                </p:cTn>
+                              </p:par>
+                            </p:childTnLst>
+                          </p:cTn>
+                        </p:par>
+                      </p:childTnLst>
+                    </p:cTn>
+                  </p:par>
+                  <p:par>
+                    <p:cTn id="13" fill="hold">
+                      <p:stCondLst>
+                        <p:cond delay="indefinite"/>
+                      </p:stCondLst>
+                      <p:childTnLst>
+                        <p:par>
+                          <p:cTn id="14" fill="hold">
+                            <p:stCondLst>
+                              <p:cond delay="0"/>
+                            </p:stCondLst>
+                            <p:childTnLst>
+                              <p:par>
+                                <p:cTn id="15" presetID="1" presetClass="entr" presetSubtype="0" fill="hold" nodeType="clickEffect">
+                                  <p:stCondLst>
+                                    <p:cond delay="0"/>
+                                  </p:stCondLst>
+                                  <p:childTnLst>
+                                    <p:set>
+                                      <p:cBhvr>
+                                        <p:cTn id="16" dur="1" fill="hold">
+                                          <p:stCondLst>
+                                            <p:cond delay="0"/>
+                                          </p:stCondLst>
+                                        </p:cTn>
+                                        <p:tgtEl>
+                                          <p:spTgt spid="9">
+                                            <p:txEl>
+                                              <p:pRg st="7" end="7"/>
+                                            </p:txEl>
+                                          </p:spTgt>
+                                        </p:tgtEl>
+                                        <p:attrNameLst>
+                                          <p:attrName>style.visibility</p:attrName>
+                                        </p:attrNameLst>
+                                      </p:cBhvr>
+                                      <p:to>
+                                        <p:strVal val="visible"/>
+                                      </p:to>
+                                    </p:set>
+                                  </p:childTnLst>
+                                </p:cTn>
+                              </p:par>
+                              <p:par>
+                                <p:cTn id="17" presetID="1" presetClass="entr" presetSubtype="0" fill="hold" nodeType="withEffect">
+                                  <p:stCondLst>
+                                    <p:cond delay="0"/>
+                                  </p:stCondLst>
+                                  <p:childTnLst>
+                                    <p:set>
+                                      <p:cBhvr>
+                                        <p:cTn id="18" dur="1" fill="hold">
+                                          <p:stCondLst>
+                                            <p:cond delay="0"/>
+                                          </p:stCondLst>
+                                        </p:cTn>
+                                        <p:tgtEl>
+                                          <p:spTgt spid="9">
+                                            <p:txEl>
+                                              <p:pRg st="8" end="8"/>
+                                            </p:txEl>
+                                          </p:spTgt>
+                                        </p:tgtEl>
+                                        <p:attrNameLst>
+                                          <p:attrName>style.visibility</p:attrName>
+                                        </p:attrNameLst>
+                                      </p:cBhvr>
+                                      <p:to>
+                                        <p:strVal val="visible"/>
+                                      </p:to>
+                                    </p:set>
+                                  </p:childTnLst>
+                                </p:cTn>
+                              </p:par>
+                              <p:par>
+                                <p:cTn id="19" presetID="1" presetClass="entr" presetSubtype="0" fill="hold" nodeType="withEffect">
+                                  <p:stCondLst>
+                                    <p:cond delay="0"/>
+                                  </p:stCondLst>
+                                  <p:childTnLst>
+                                    <p:set>
+                                      <p:cBhvr>
+                                        <p:cTn id="20" dur="1" fill="hold">
+                                          <p:stCondLst>
+                                            <p:cond delay="0"/>
+                                          </p:stCondLst>
+                                        </p:cTn>
+                                        <p:tgtEl>
+                                          <p:spTgt spid="9">
+                                            <p:txEl>
+                                              <p:pRg st="9" end="9"/>
+                                            </p:txEl>
+                                          </p:spTgt>
+                                        </p:tgtEl>
+                                        <p:attrNameLst>
+                                          <p:attrName>style.visibility</p:attrName>
+                                        </p:attrNameLst>
+                                      </p:cBhvr>
+                                      <p:to>
+                                        <p:strVal val="visible"/>
+                                      </p:to>
+                                    </p:set>
+                                  </p:childTnLst>
+                                </p:cTn>
+                              </p:par>
+                            </p:childTnLst>
+                          </p:cTn>
+                        </p:par>
+                      </p:childTnLst>
+                    </p:cTn>
+                  </p:par>
+                </p:childTnLst>
+              </p:cTn>
+              <p:prevCondLst>
+                <p:cond evt="onPrev" delay="0">
+                  <p:tgtEl>
+                    <p:sldTgt/>
+                  </p:tgtEl>
+                </p:cond>
+              </p:prevCondLst>
+              <p:nextCondLst>
+                <p:cond evt="onNext" delay="0">
+                  <p:tgtEl>
+                    <p:sldTgt/>
+                  </p:tgtEl>
+                </p:cond>
+              </p:nextCondLst>
+            </p:seq>
+          </p:childTnLst>
+        </p:cTn>
+      </p:par>
+    </p:tnLst>
+  </p:timing>
+</p:sld>
+</file>
+
+<file path=ppt/slides/slide17.xml><?xml version="1.0" encoding="utf-8"?>
+<p:sld xmlns:a="http://schemas.openxmlformats.org/drawingml/2006/main" xmlns:r="http://schemas.openxmlformats.org/officeDocument/2006/relationships" xmlns:p="http://schemas.openxmlformats.org/presentationml/2006/main">
+  <p:cSld>
+    <p:spTree>
+      <p:nvGrpSpPr>
+        <p:cNvPr id="1" name=""/>
+        <p:cNvGrpSpPr/>
+        <p:nvPr/>
+      </p:nvGrpSpPr>
+      <p:grpSpPr>
+        <a:xfrm>
+          <a:off x="0" y="0"/>
+          <a:ext cx="0" cy="0"/>
+          <a:chOff x="0" y="0"/>
+          <a:chExt cx="0" cy="0"/>
+        </a:xfrm>
+      </p:grpSpPr>
+      <p:sp>
+        <p:nvSpPr>
+          <p:cNvPr id="2" name="Title 1">
+            <a:extLst>
+              <a:ext uri="{FF2B5EF4-FFF2-40B4-BE49-F238E27FC236}">
+                <a16:creationId xmlns:a16="http://schemas.microsoft.com/office/drawing/2014/main" id="{AA3A228F-61D0-D949-A5E7-F83756230BF8}"/>
+              </a:ext>
+            </a:extLst>
+          </p:cNvPr>
+          <p:cNvSpPr>
+            <a:spLocks noGrp="1"/>
+          </p:cNvSpPr>
+          <p:nvPr>
+            <p:ph type="title"/>
+          </p:nvPr>
+        </p:nvSpPr>
+        <p:spPr>
+          <a:xfrm>
+            <a:off x="483848" y="467027"/>
+            <a:ext cx="7053542" cy="683886"/>
+          </a:xfrm>
+        </p:spPr>
+        <p:txBody>
+          <a:bodyPr/>
+          <a:lstStyle/>
+          <a:p>
+            <a:r>
+              <a:rPr lang="en-US" dirty="0"/>
+              <a:t>Nested Loops Example 1</a:t>
+            </a:r>
+          </a:p>
+        </p:txBody>
+      </p:sp>
+      <p:sp>
+        <p:nvSpPr>
+          <p:cNvPr id="9" name="Content Placeholder 8">
+            <a:extLst>
+              <a:ext uri="{FF2B5EF4-FFF2-40B4-BE49-F238E27FC236}">
+                <a16:creationId xmlns:a16="http://schemas.microsoft.com/office/drawing/2014/main" id="{E3B2E017-30B2-884B-A113-B419A2ED51AD}"/>
+              </a:ext>
+            </a:extLst>
+          </p:cNvPr>
+          <p:cNvSpPr>
+            <a:spLocks noGrp="1"/>
+          </p:cNvSpPr>
+          <p:nvPr>
+            <p:ph idx="1"/>
+          </p:nvPr>
+        </p:nvSpPr>
+        <p:spPr>
+          <a:xfrm>
+            <a:off x="483848" y="1288073"/>
+            <a:ext cx="8051725" cy="4292919"/>
+          </a:xfrm>
+        </p:spPr>
+        <p:txBody>
+          <a:bodyPr>
+            <a:normAutofit/>
+          </a:bodyPr>
+          <a:lstStyle/>
+          <a:p>
+            <a:pPr marL="0" indent="0">
+              <a:buNone/>
+            </a:pPr>
+            <a:endParaRPr lang="en-US" dirty="0">
+              <a:latin typeface="Gill Sans MT" panose="020B0502020104020203" pitchFamily="34" charset="77"/>
+            </a:endParaRPr>
+          </a:p>
+          <a:p>
+            <a:pPr marL="0" indent="0">
+              <a:buNone/>
+            </a:pPr>
+            <a:r>
+              <a:rPr lang="en-US" b="1" dirty="0">
+                <a:solidFill>
+                  <a:srgbClr val="000087"/>
+                </a:solidFill>
+                <a:latin typeface="Inconsolata Medium" panose="020B0609030003000000" pitchFamily="49" charset="77"/>
+              </a:rPr>
+              <a:t>In</a:t>
+            </a:r>
+            <a:r>
+              <a:rPr lang="en-US" b="1" dirty="0">
+                <a:latin typeface="Inconsolata Medium" panose="020B0609030003000000" pitchFamily="49" charset="77"/>
+              </a:rPr>
+              <a:t>[</a:t>
+            </a:r>
+            <a:r>
+              <a:rPr lang="en-US" b="1" dirty="0">
+                <a:solidFill>
+                  <a:srgbClr val="FF6600"/>
+                </a:solidFill>
+                <a:latin typeface="Inconsolata Medium" panose="020B0609030003000000" pitchFamily="49" charset="77"/>
+              </a:rPr>
+              <a:t>1</a:t>
+            </a:r>
+            <a:r>
+              <a:rPr lang="en-US" b="1" dirty="0">
+                <a:latin typeface="Inconsolata Medium" panose="020B0609030003000000" pitchFamily="49" charset="77"/>
+              </a:rPr>
+              <a:t>]: </a:t>
+            </a:r>
+            <a:r>
+              <a:rPr lang="en-US" b="1" dirty="0">
+                <a:solidFill>
+                  <a:srgbClr val="006699"/>
+                </a:solidFill>
+                <a:latin typeface="Inconsolata Medium" panose="020B0609030003000000" pitchFamily="49" charset="77"/>
+              </a:rPr>
+              <a:t>for </a:t>
+            </a:r>
+            <a:r>
+              <a:rPr lang="en-US" b="1" dirty="0">
+                <a:solidFill>
+                  <a:srgbClr val="000087"/>
+                </a:solidFill>
+                <a:latin typeface="Inconsolata Medium" panose="020B0609030003000000" pitchFamily="49" charset="77"/>
+              </a:rPr>
+              <a:t>i </a:t>
+            </a:r>
+            <a:r>
+              <a:rPr lang="en-US" b="1" dirty="0">
+                <a:latin typeface="Inconsolata Medium" panose="020B0609030003000000" pitchFamily="49" charset="77"/>
+              </a:rPr>
+              <a:t>in </a:t>
+            </a:r>
+            <a:r>
+              <a:rPr lang="en-US" b="1" dirty="0">
+                <a:solidFill>
+                  <a:srgbClr val="336666"/>
+                </a:solidFill>
+                <a:latin typeface="Inconsolata Medium" panose="020B0609030003000000" pitchFamily="49" charset="77"/>
+              </a:rPr>
+              <a:t>range</a:t>
+            </a:r>
+            <a:r>
+              <a:rPr lang="en-US" b="1" dirty="0">
+                <a:latin typeface="Inconsolata Medium" panose="020B0609030003000000" pitchFamily="49" charset="77"/>
+              </a:rPr>
+              <a:t>(</a:t>
+            </a:r>
+            <a:r>
+              <a:rPr lang="en-US" b="1" dirty="0">
+                <a:solidFill>
+                  <a:srgbClr val="FF6600"/>
+                </a:solidFill>
+                <a:latin typeface="Inconsolata Medium" panose="020B0609030003000000" pitchFamily="49" charset="77"/>
+              </a:rPr>
               <a:t>1, 6</a:t>
             </a:r>
             <a:r>
@@ -4600,6 +7219,606 @@
                 </a:solidFill>
                 <a:latin typeface="Inconsolata Medium" panose="020B0609030003000000" pitchFamily="49" charset="77"/>
               </a:rPr>
+              <a:t>1, i+1</a:t>
+            </a:r>
+            <a:r>
+              <a:rPr lang="en-US" b="1" dirty="0">
+                <a:latin typeface="Inconsolata Medium" panose="020B0609030003000000" pitchFamily="49" charset="77"/>
+              </a:rPr>
+              <a:t>): </a:t>
+            </a:r>
+          </a:p>
+          <a:p>
+            <a:pPr marL="0" indent="0">
+              <a:buNone/>
+            </a:pPr>
+            <a:r>
+              <a:rPr lang="en-US" b="1" dirty="0">
+                <a:solidFill>
+                  <a:srgbClr val="006699"/>
+                </a:solidFill>
+                <a:latin typeface="Inconsolata Medium" panose="020B0609030003000000" pitchFamily="49" charset="77"/>
+              </a:rPr>
+              <a:t>			print</a:t>
+            </a:r>
+            <a:r>
+              <a:rPr lang="en-US" b="1" dirty="0">
+                <a:latin typeface="Inconsolata Medium" panose="020B0609030003000000" pitchFamily="49" charset="77"/>
+              </a:rPr>
+              <a:t>(j, </a:t>
+            </a:r>
+            <a:r>
+              <a:rPr lang="en-US" b="1" dirty="0">
+                <a:solidFill>
+                  <a:srgbClr val="000087"/>
+                </a:solidFill>
+                <a:latin typeface="Inconsolata Medium" panose="020B0609030003000000" pitchFamily="49" charset="77"/>
+              </a:rPr>
+              <a:t>end</a:t>
+            </a:r>
+            <a:r>
+              <a:rPr lang="en-US" b="1" dirty="0">
+                <a:solidFill>
+                  <a:srgbClr val="545454"/>
+                </a:solidFill>
+                <a:latin typeface="Inconsolata Medium" panose="020B0609030003000000" pitchFamily="49" charset="77"/>
+              </a:rPr>
+              <a:t>=</a:t>
+            </a:r>
+            <a:r>
+              <a:rPr lang="en-US" b="1" dirty="0">
+                <a:solidFill>
+                  <a:srgbClr val="CC3300"/>
+                </a:solidFill>
+                <a:latin typeface="Inconsolata Medium" panose="020B0609030003000000" pitchFamily="49" charset="77"/>
+              </a:rPr>
+              <a:t>‘ ’</a:t>
+            </a:r>
+            <a:r>
+              <a:rPr lang="en-US" b="1" dirty="0">
+                <a:latin typeface="Inconsolata Medium" panose="020B0609030003000000" pitchFamily="49" charset="77"/>
+              </a:rPr>
+              <a:t>) </a:t>
+            </a:r>
+          </a:p>
+          <a:p>
+            <a:pPr marL="0" indent="0">
+              <a:buNone/>
+            </a:pPr>
+            <a:r>
+              <a:rPr lang="en-US" b="1" dirty="0">
+                <a:latin typeface="Inconsolata Medium" panose="020B0609030003000000" pitchFamily="49" charset="77"/>
+              </a:rPr>
+              <a:t>		</a:t>
+            </a:r>
+            <a:r>
+              <a:rPr lang="en-US" b="1" dirty="0">
+                <a:solidFill>
+                  <a:srgbClr val="006699"/>
+                </a:solidFill>
+                <a:latin typeface="Inconsolata Medium" panose="020B0609030003000000" pitchFamily="49" charset="77"/>
+              </a:rPr>
+              <a:t>print</a:t>
+            </a:r>
+            <a:r>
+              <a:rPr lang="en-US" b="1" dirty="0">
+                <a:latin typeface="Inconsolata Medium" panose="020B0609030003000000" pitchFamily="49" charset="77"/>
+              </a:rPr>
+              <a:t>()</a:t>
+            </a:r>
+          </a:p>
+          <a:p>
+            <a:pPr marL="0" indent="0">
+              <a:buNone/>
+            </a:pPr>
+            <a:endParaRPr lang="en-US" dirty="0"/>
+          </a:p>
+          <a:p>
+            <a:pPr marL="0" indent="0">
+              <a:buNone/>
+            </a:pPr>
+            <a:r>
+              <a:rPr lang="en-US" b="1" dirty="0">
+                <a:latin typeface="Inconsolata Medium" panose="020B0609030003000000" pitchFamily="49" charset="77"/>
+              </a:rPr>
+              <a:t>1  </a:t>
+            </a:r>
+          </a:p>
+          <a:p>
+            <a:pPr marL="0" indent="0">
+              <a:buNone/>
+            </a:pPr>
+            <a:r>
+              <a:rPr lang="en-US" b="1" dirty="0">
+                <a:latin typeface="Inconsolata Medium" panose="020B0609030003000000" pitchFamily="49" charset="77"/>
+              </a:rPr>
+              <a:t>1 2 </a:t>
+            </a:r>
+          </a:p>
+          <a:p>
+            <a:pPr marL="0" indent="0">
+              <a:buNone/>
+            </a:pPr>
+            <a:r>
+              <a:rPr lang="en-US" sz="2100" b="1" dirty="0">
+                <a:latin typeface="Inconsolata Medium" panose="020B0609030003000000" pitchFamily="49" charset="77"/>
+              </a:rPr>
+              <a:t>1 2 3</a:t>
+            </a:r>
+          </a:p>
+          <a:p>
+            <a:pPr marL="0" indent="0">
+              <a:buNone/>
+            </a:pPr>
+            <a:r>
+              <a:rPr lang="en-US" b="1" dirty="0">
+                <a:latin typeface="Inconsolata Medium" panose="020B0609030003000000" pitchFamily="49" charset="77"/>
+              </a:rPr>
+              <a:t>1 2 3 4 </a:t>
+            </a:r>
+          </a:p>
+          <a:p>
+            <a:pPr marL="0" indent="0">
+              <a:buNone/>
+            </a:pPr>
+            <a:r>
+              <a:rPr lang="en-US" sz="2100" b="1" dirty="0">
+                <a:latin typeface="Inconsolata Medium" panose="020B0609030003000000" pitchFamily="49" charset="77"/>
+              </a:rPr>
+              <a:t>1 2 3 4 5</a:t>
+            </a:r>
+          </a:p>
+        </p:txBody>
+      </p:sp>
+    </p:spTree>
+    <p:extLst>
+      <p:ext uri="{BB962C8B-B14F-4D97-AF65-F5344CB8AC3E}">
+        <p14:creationId xmlns:p14="http://schemas.microsoft.com/office/powerpoint/2010/main" val="3614829039"/>
+      </p:ext>
+    </p:extLst>
+  </p:cSld>
+  <p:clrMapOvr>
+    <a:masterClrMapping/>
+  </p:clrMapOvr>
+  <p:timing>
+    <p:tnLst>
+      <p:par>
+        <p:cTn id="1" dur="indefinite" restart="never" nodeType="tmRoot">
+          <p:childTnLst>
+            <p:seq concurrent="1" nextAc="seek">
+              <p:cTn id="2" dur="indefinite" nodeType="mainSeq">
+                <p:childTnLst>
+                  <p:par>
+                    <p:cTn id="3" fill="hold">
+                      <p:stCondLst>
+                        <p:cond delay="indefinite"/>
+                      </p:stCondLst>
+                      <p:childTnLst>
+                        <p:par>
+                          <p:cTn id="4" fill="hold">
+                            <p:stCondLst>
+                              <p:cond delay="0"/>
+                            </p:stCondLst>
+                            <p:childTnLst>
+                              <p:par>
+                                <p:cTn id="5" presetID="1" presetClass="entr" presetSubtype="0" fill="hold" nodeType="clickEffect">
+                                  <p:stCondLst>
+                                    <p:cond delay="0"/>
+                                  </p:stCondLst>
+                                  <p:childTnLst>
+                                    <p:set>
+                                      <p:cBhvr>
+                                        <p:cTn id="6" dur="1" fill="hold">
+                                          <p:stCondLst>
+                                            <p:cond delay="0"/>
+                                          </p:stCondLst>
+                                        </p:cTn>
+                                        <p:tgtEl>
+                                          <p:spTgt spid="9">
+                                            <p:txEl>
+                                              <p:pRg st="6" end="6"/>
+                                            </p:txEl>
+                                          </p:spTgt>
+                                        </p:tgtEl>
+                                        <p:attrNameLst>
+                                          <p:attrName>style.visibility</p:attrName>
+                                        </p:attrNameLst>
+                                      </p:cBhvr>
+                                      <p:to>
+                                        <p:strVal val="visible"/>
+                                      </p:to>
+                                    </p:set>
+                                  </p:childTnLst>
+                                </p:cTn>
+                              </p:par>
+                              <p:par>
+                                <p:cTn id="7" presetID="1" presetClass="entr" presetSubtype="0" fill="hold" nodeType="withEffect">
+                                  <p:stCondLst>
+                                    <p:cond delay="0"/>
+                                  </p:stCondLst>
+                                  <p:childTnLst>
+                                    <p:set>
+                                      <p:cBhvr>
+                                        <p:cTn id="8" dur="1" fill="hold">
+                                          <p:stCondLst>
+                                            <p:cond delay="0"/>
+                                          </p:stCondLst>
+                                        </p:cTn>
+                                        <p:tgtEl>
+                                          <p:spTgt spid="9">
+                                            <p:txEl>
+                                              <p:pRg st="7" end="7"/>
+                                            </p:txEl>
+                                          </p:spTgt>
+                                        </p:tgtEl>
+                                        <p:attrNameLst>
+                                          <p:attrName>style.visibility</p:attrName>
+                                        </p:attrNameLst>
+                                      </p:cBhvr>
+                                      <p:to>
+                                        <p:strVal val="visible"/>
+                                      </p:to>
+                                    </p:set>
+                                  </p:childTnLst>
+                                </p:cTn>
+                              </p:par>
+                              <p:par>
+                                <p:cTn id="9" presetID="1" presetClass="entr" presetSubtype="0" fill="hold" nodeType="withEffect">
+                                  <p:stCondLst>
+                                    <p:cond delay="0"/>
+                                  </p:stCondLst>
+                                  <p:childTnLst>
+                                    <p:set>
+                                      <p:cBhvr>
+                                        <p:cTn id="10" dur="1" fill="hold">
+                                          <p:stCondLst>
+                                            <p:cond delay="0"/>
+                                          </p:stCondLst>
+                                        </p:cTn>
+                                        <p:tgtEl>
+                                          <p:spTgt spid="9">
+                                            <p:txEl>
+                                              <p:pRg st="8" end="8"/>
+                                            </p:txEl>
+                                          </p:spTgt>
+                                        </p:tgtEl>
+                                        <p:attrNameLst>
+                                          <p:attrName>style.visibility</p:attrName>
+                                        </p:attrNameLst>
+                                      </p:cBhvr>
+                                      <p:to>
+                                        <p:strVal val="visible"/>
+                                      </p:to>
+                                    </p:set>
+                                  </p:childTnLst>
+                                </p:cTn>
+                              </p:par>
+                              <p:par>
+                                <p:cTn id="11" presetID="1" presetClass="entr" presetSubtype="0" fill="hold" nodeType="withEffect">
+                                  <p:stCondLst>
+                                    <p:cond delay="0"/>
+                                  </p:stCondLst>
+                                  <p:childTnLst>
+                                    <p:set>
+                                      <p:cBhvr>
+                                        <p:cTn id="12" dur="1" fill="hold">
+                                          <p:stCondLst>
+                                            <p:cond delay="0"/>
+                                          </p:stCondLst>
+                                        </p:cTn>
+                                        <p:tgtEl>
+                                          <p:spTgt spid="9">
+                                            <p:txEl>
+                                              <p:pRg st="9" end="9"/>
+                                            </p:txEl>
+                                          </p:spTgt>
+                                        </p:tgtEl>
+                                        <p:attrNameLst>
+                                          <p:attrName>style.visibility</p:attrName>
+                                        </p:attrNameLst>
+                                      </p:cBhvr>
+                                      <p:to>
+                                        <p:strVal val="visible"/>
+                                      </p:to>
+                                    </p:set>
+                                  </p:childTnLst>
+                                </p:cTn>
+                              </p:par>
+                              <p:par>
+                                <p:cTn id="13" presetID="1" presetClass="entr" presetSubtype="0" fill="hold" nodeType="withEffect">
+                                  <p:stCondLst>
+                                    <p:cond delay="0"/>
+                                  </p:stCondLst>
+                                  <p:childTnLst>
+                                    <p:set>
+                                      <p:cBhvr>
+                                        <p:cTn id="14" dur="1" fill="hold">
+                                          <p:stCondLst>
+                                            <p:cond delay="0"/>
+                                          </p:stCondLst>
+                                        </p:cTn>
+                                        <p:tgtEl>
+                                          <p:spTgt spid="9">
+                                            <p:txEl>
+                                              <p:pRg st="10" end="10"/>
+                                            </p:txEl>
+                                          </p:spTgt>
+                                        </p:tgtEl>
+                                        <p:attrNameLst>
+                                          <p:attrName>style.visibility</p:attrName>
+                                        </p:attrNameLst>
+                                      </p:cBhvr>
+                                      <p:to>
+                                        <p:strVal val="visible"/>
+                                      </p:to>
+                                    </p:set>
+                                  </p:childTnLst>
+                                </p:cTn>
+                              </p:par>
+                            </p:childTnLst>
+                          </p:cTn>
+                        </p:par>
+                      </p:childTnLst>
+                    </p:cTn>
+                  </p:par>
+                </p:childTnLst>
+              </p:cTn>
+              <p:prevCondLst>
+                <p:cond evt="onPrev" delay="0">
+                  <p:tgtEl>
+                    <p:sldTgt/>
+                  </p:tgtEl>
+                </p:cond>
+              </p:prevCondLst>
+              <p:nextCondLst>
+                <p:cond evt="onNext" delay="0">
+                  <p:tgtEl>
+                    <p:sldTgt/>
+                  </p:tgtEl>
+                </p:cond>
+              </p:nextCondLst>
+            </p:seq>
+          </p:childTnLst>
+        </p:cTn>
+      </p:par>
+    </p:tnLst>
+  </p:timing>
+</p:sld>
+</file>
+
+<file path=ppt/slides/slide18.xml><?xml version="1.0" encoding="utf-8"?>
+<p:sld xmlns:a="http://schemas.openxmlformats.org/drawingml/2006/main" xmlns:r="http://schemas.openxmlformats.org/officeDocument/2006/relationships" xmlns:p="http://schemas.openxmlformats.org/presentationml/2006/main">
+  <p:cSld>
+    <p:spTree>
+      <p:nvGrpSpPr>
+        <p:cNvPr id="1" name=""/>
+        <p:cNvGrpSpPr/>
+        <p:nvPr/>
+      </p:nvGrpSpPr>
+      <p:grpSpPr>
+        <a:xfrm>
+          <a:off x="0" y="0"/>
+          <a:ext cx="0" cy="0"/>
+          <a:chOff x="0" y="0"/>
+          <a:chExt cx="0" cy="0"/>
+        </a:xfrm>
+      </p:grpSpPr>
+      <p:sp>
+        <p:nvSpPr>
+          <p:cNvPr id="2" name="Title 1">
+            <a:extLst>
+              <a:ext uri="{FF2B5EF4-FFF2-40B4-BE49-F238E27FC236}">
+                <a16:creationId xmlns:a16="http://schemas.microsoft.com/office/drawing/2014/main" id="{AA3A228F-61D0-D949-A5E7-F83756230BF8}"/>
+              </a:ext>
+            </a:extLst>
+          </p:cNvPr>
+          <p:cNvSpPr>
+            <a:spLocks noGrp="1"/>
+          </p:cNvSpPr>
+          <p:nvPr>
+            <p:ph type="title"/>
+          </p:nvPr>
+        </p:nvSpPr>
+        <p:spPr>
+          <a:xfrm>
+            <a:off x="483848" y="467027"/>
+            <a:ext cx="7053542" cy="683886"/>
+          </a:xfrm>
+        </p:spPr>
+        <p:txBody>
+          <a:bodyPr/>
+          <a:lstStyle/>
+          <a:p>
+            <a:r>
+              <a:rPr lang="en-US" dirty="0"/>
+              <a:t>Nested Loops Example 2</a:t>
+            </a:r>
+          </a:p>
+        </p:txBody>
+      </p:sp>
+      <p:sp>
+        <p:nvSpPr>
+          <p:cNvPr id="9" name="Content Placeholder 8">
+            <a:extLst>
+              <a:ext uri="{FF2B5EF4-FFF2-40B4-BE49-F238E27FC236}">
+                <a16:creationId xmlns:a16="http://schemas.microsoft.com/office/drawing/2014/main" id="{E3B2E017-30B2-884B-A113-B419A2ED51AD}"/>
+              </a:ext>
+            </a:extLst>
+          </p:cNvPr>
+          <p:cNvSpPr>
+            <a:spLocks noGrp="1"/>
+          </p:cNvSpPr>
+          <p:nvPr>
+            <p:ph idx="1"/>
+          </p:nvPr>
+        </p:nvSpPr>
+        <p:spPr>
+          <a:xfrm>
+            <a:off x="483848" y="1288073"/>
+            <a:ext cx="8051725" cy="4292919"/>
+          </a:xfrm>
+        </p:spPr>
+        <p:txBody>
+          <a:bodyPr>
+            <a:normAutofit/>
+          </a:bodyPr>
+          <a:lstStyle/>
+          <a:p>
+            <a:pPr marL="0" indent="0">
+              <a:buNone/>
+            </a:pPr>
+            <a:endParaRPr lang="en-US" dirty="0">
+              <a:latin typeface="Gill Sans MT" panose="020B0502020104020203" pitchFamily="34" charset="77"/>
+            </a:endParaRPr>
+          </a:p>
+          <a:p>
+            <a:pPr marL="0" indent="0">
+              <a:buNone/>
+            </a:pPr>
+            <a:r>
+              <a:rPr lang="en-US" b="1" dirty="0">
+                <a:solidFill>
+                  <a:srgbClr val="000087"/>
+                </a:solidFill>
+                <a:latin typeface="Inconsolata Medium" panose="020B0609030003000000" pitchFamily="49" charset="77"/>
+              </a:rPr>
+              <a:t>In</a:t>
+            </a:r>
+            <a:r>
+              <a:rPr lang="en-US" b="1" dirty="0">
+                <a:latin typeface="Inconsolata Medium" panose="020B0609030003000000" pitchFamily="49" charset="77"/>
+              </a:rPr>
+              <a:t>[</a:t>
+            </a:r>
+            <a:r>
+              <a:rPr lang="en-US" b="1" dirty="0">
+                <a:solidFill>
+                  <a:srgbClr val="FF6600"/>
+                </a:solidFill>
+                <a:latin typeface="Inconsolata Medium" panose="020B0609030003000000" pitchFamily="49" charset="77"/>
+              </a:rPr>
+              <a:t>2</a:t>
+            </a:r>
+            <a:r>
+              <a:rPr lang="en-US" b="1" dirty="0">
+                <a:latin typeface="Inconsolata Medium" panose="020B0609030003000000" pitchFamily="49" charset="77"/>
+              </a:rPr>
+              <a:t>]: </a:t>
+            </a:r>
+            <a:r>
+              <a:rPr lang="en-US" b="1" dirty="0">
+                <a:solidFill>
+                  <a:srgbClr val="006699"/>
+                </a:solidFill>
+                <a:latin typeface="Inconsolata Medium" panose="020B0609030003000000" pitchFamily="49" charset="77"/>
+              </a:rPr>
+              <a:t>for </a:t>
+            </a:r>
+            <a:r>
+              <a:rPr lang="en-US" b="1" dirty="0">
+                <a:solidFill>
+                  <a:srgbClr val="000087"/>
+                </a:solidFill>
+                <a:latin typeface="Inconsolata Medium" panose="020B0609030003000000" pitchFamily="49" charset="77"/>
+              </a:rPr>
+              <a:t>i </a:t>
+            </a:r>
+            <a:r>
+              <a:rPr lang="en-US" b="1" dirty="0">
+                <a:latin typeface="Inconsolata Medium" panose="020B0609030003000000" pitchFamily="49" charset="77"/>
+              </a:rPr>
+              <a:t>in </a:t>
+            </a:r>
+            <a:r>
+              <a:rPr lang="en-US" b="1" dirty="0">
+                <a:solidFill>
+                  <a:srgbClr val="336666"/>
+                </a:solidFill>
+                <a:latin typeface="Inconsolata Medium" panose="020B0609030003000000" pitchFamily="49" charset="77"/>
+              </a:rPr>
+              <a:t>range</a:t>
+            </a:r>
+            <a:r>
+              <a:rPr lang="en-US" b="1" dirty="0">
+                <a:latin typeface="Inconsolata Medium" panose="020B0609030003000000" pitchFamily="49" charset="77"/>
+              </a:rPr>
+              <a:t>(</a:t>
+            </a:r>
+            <a:r>
+              <a:rPr lang="en-US" b="1" dirty="0">
+                <a:solidFill>
+                  <a:srgbClr val="FF6600"/>
+                </a:solidFill>
+                <a:latin typeface="Inconsolata Medium" panose="020B0609030003000000" pitchFamily="49" charset="77"/>
+              </a:rPr>
+              <a:t>1, 6</a:t>
+            </a:r>
+            <a:r>
+              <a:rPr lang="en-US" b="1" dirty="0">
+                <a:latin typeface="Inconsolata Medium" panose="020B0609030003000000" pitchFamily="49" charset="77"/>
+              </a:rPr>
+              <a:t>):</a:t>
+            </a:r>
+          </a:p>
+          <a:p>
+            <a:pPr marL="0" indent="0">
+              <a:buNone/>
+            </a:pPr>
+            <a:r>
+              <a:rPr lang="en-US" b="1" dirty="0">
+                <a:solidFill>
+                  <a:srgbClr val="FF6600"/>
+                </a:solidFill>
+                <a:latin typeface="Inconsolata Medium" panose="020B0609030003000000" pitchFamily="49" charset="77"/>
+              </a:rPr>
+              <a:t>	  	</a:t>
+            </a:r>
+            <a:r>
+              <a:rPr lang="en-US" b="1" dirty="0">
+                <a:solidFill>
+                  <a:srgbClr val="006699"/>
+                </a:solidFill>
+                <a:latin typeface="Inconsolata Medium" panose="020B0609030003000000" pitchFamily="49" charset="77"/>
+              </a:rPr>
+              <a:t>for </a:t>
+            </a:r>
+            <a:r>
+              <a:rPr lang="en-US" b="1" dirty="0">
+                <a:solidFill>
+                  <a:srgbClr val="000087"/>
+                </a:solidFill>
+                <a:latin typeface="Inconsolata Medium" panose="020B0609030003000000" pitchFamily="49" charset="77"/>
+              </a:rPr>
+              <a:t>j </a:t>
+            </a:r>
+            <a:r>
+              <a:rPr lang="en-US" b="1" dirty="0">
+                <a:latin typeface="Inconsolata Medium" panose="020B0609030003000000" pitchFamily="49" charset="77"/>
+              </a:rPr>
+              <a:t>in </a:t>
+            </a:r>
+            <a:r>
+              <a:rPr lang="en-US" b="1" dirty="0">
+                <a:solidFill>
+                  <a:srgbClr val="336666"/>
+                </a:solidFill>
+                <a:latin typeface="Inconsolata Medium" panose="020B0609030003000000" pitchFamily="49" charset="77"/>
+              </a:rPr>
+              <a:t>range</a:t>
+            </a:r>
+            <a:r>
+              <a:rPr lang="en-US" b="1" dirty="0">
+                <a:latin typeface="Inconsolata Medium" panose="020B0609030003000000" pitchFamily="49" charset="77"/>
+              </a:rPr>
+              <a:t>(</a:t>
+            </a:r>
+            <a:r>
+              <a:rPr lang="en-US" b="1" dirty="0">
+                <a:solidFill>
+                  <a:srgbClr val="FF6600"/>
+                </a:solidFill>
+                <a:latin typeface="Inconsolata Medium" panose="020B0609030003000000" pitchFamily="49" charset="77"/>
+              </a:rPr>
               <a:t>6, </a:t>
             </a:r>
             <a:r>
@@ -4761,7 +7980,7 @@
               <a:buNone/>
             </a:pPr>
             <a:r>
-              <a:rPr lang="en-US" b="1">
+              <a:rPr lang="en-US" b="1" dirty="0">
                 <a:latin typeface="Inconsolata Medium" panose="020B0609030003000000" pitchFamily="49" charset="77"/>
               </a:rPr>
               <a:t>6</a:t>
@@ -4782,10 +8001,213 @@
   <p:clrMapOvr>
     <a:masterClrMapping/>
   </p:clrMapOvr>
+  <p:timing>
+    <p:tnLst>
+      <p:par>
+        <p:cTn id="1" dur="indefinite" restart="never" nodeType="tmRoot">
+          <p:childTnLst>
+            <p:seq concurrent="1" nextAc="seek">
+              <p:cTn id="2" dur="indefinite" nodeType="mainSeq">
+                <p:childTnLst>
+                  <p:par>
+                    <p:cTn id="3" fill="hold">
+                      <p:stCondLst>
+                        <p:cond delay="indefinite"/>
+                      </p:stCondLst>
+                      <p:childTnLst>
+                        <p:par>
+                          <p:cTn id="4" fill="hold">
+                            <p:stCondLst>
+                              <p:cond delay="0"/>
+                            </p:stCondLst>
+                            <p:childTnLst>
+                              <p:par>
+                                <p:cTn id="5" presetID="1" presetClass="entr" presetSubtype="0" fill="hold" nodeType="clickEffect">
+                                  <p:stCondLst>
+                                    <p:cond delay="0"/>
+                                  </p:stCondLst>
+                                  <p:childTnLst>
+                                    <p:set>
+                                      <p:cBhvr>
+                                        <p:cTn id="6" dur="1" fill="hold">
+                                          <p:stCondLst>
+                                            <p:cond delay="0"/>
+                                          </p:stCondLst>
+                                        </p:cTn>
+                                        <p:tgtEl>
+                                          <p:spTgt spid="9">
+                                            <p:txEl>
+                                              <p:pRg st="6" end="6"/>
+                                            </p:txEl>
+                                          </p:spTgt>
+                                        </p:tgtEl>
+                                        <p:attrNameLst>
+                                          <p:attrName>style.visibility</p:attrName>
+                                        </p:attrNameLst>
+                                      </p:cBhvr>
+                                      <p:to>
+                                        <p:strVal val="visible"/>
+                                      </p:to>
+                                    </p:set>
+                                  </p:childTnLst>
+                                </p:cTn>
+                              </p:par>
+                              <p:par>
+                                <p:cTn id="7" presetID="1" presetClass="entr" presetSubtype="0" fill="hold" nodeType="withEffect">
+                                  <p:stCondLst>
+                                    <p:cond delay="0"/>
+                                  </p:stCondLst>
+                                  <p:childTnLst>
+                                    <p:set>
+                                      <p:cBhvr>
+                                        <p:cTn id="8" dur="1" fill="hold">
+                                          <p:stCondLst>
+                                            <p:cond delay="0"/>
+                                          </p:stCondLst>
+                                        </p:cTn>
+                                        <p:tgtEl>
+                                          <p:spTgt spid="9">
+                                            <p:txEl>
+                                              <p:pRg st="7" end="7"/>
+                                            </p:txEl>
+                                          </p:spTgt>
+                                        </p:tgtEl>
+                                        <p:attrNameLst>
+                                          <p:attrName>style.visibility</p:attrName>
+                                        </p:attrNameLst>
+                                      </p:cBhvr>
+                                      <p:to>
+                                        <p:strVal val="visible"/>
+                                      </p:to>
+                                    </p:set>
+                                  </p:childTnLst>
+                                </p:cTn>
+                              </p:par>
+                              <p:par>
+                                <p:cTn id="9" presetID="1" presetClass="entr" presetSubtype="0" fill="hold" nodeType="withEffect">
+                                  <p:stCondLst>
+                                    <p:cond delay="0"/>
+                                  </p:stCondLst>
+                                  <p:childTnLst>
+                                    <p:set>
+                                      <p:cBhvr>
+                                        <p:cTn id="10" dur="1" fill="hold">
+                                          <p:stCondLst>
+                                            <p:cond delay="0"/>
+                                          </p:stCondLst>
+                                        </p:cTn>
+                                        <p:tgtEl>
+                                          <p:spTgt spid="9">
+                                            <p:txEl>
+                                              <p:pRg st="8" end="8"/>
+                                            </p:txEl>
+                                          </p:spTgt>
+                                        </p:tgtEl>
+                                        <p:attrNameLst>
+                                          <p:attrName>style.visibility</p:attrName>
+                                        </p:attrNameLst>
+                                      </p:cBhvr>
+                                      <p:to>
+                                        <p:strVal val="visible"/>
+                                      </p:to>
+                                    </p:set>
+                                  </p:childTnLst>
+                                </p:cTn>
+                              </p:par>
+                              <p:par>
+                                <p:cTn id="11" presetID="1" presetClass="entr" presetSubtype="0" fill="hold" nodeType="withEffect">
+                                  <p:stCondLst>
+                                    <p:cond delay="0"/>
+                                  </p:stCondLst>
+                                  <p:childTnLst>
+                                    <p:set>
+                                      <p:cBhvr>
+                                        <p:cTn id="12" dur="1" fill="hold">
+                                          <p:stCondLst>
+                                            <p:cond delay="0"/>
+                                          </p:stCondLst>
+                                        </p:cTn>
+                                        <p:tgtEl>
+                                          <p:spTgt spid="9">
+                                            <p:txEl>
+                                              <p:pRg st="9" end="9"/>
+                                            </p:txEl>
+                                          </p:spTgt>
+                                        </p:tgtEl>
+                                        <p:attrNameLst>
+                                          <p:attrName>style.visibility</p:attrName>
+                                        </p:attrNameLst>
+                                      </p:cBhvr>
+                                      <p:to>
+                                        <p:strVal val="visible"/>
+                                      </p:to>
+                                    </p:set>
+                                  </p:childTnLst>
+                                </p:cTn>
+                              </p:par>
+                              <p:par>
+                                <p:cTn id="13" presetID="1" presetClass="entr" presetSubtype="0" fill="hold" nodeType="withEffect">
+                                  <p:stCondLst>
+                                    <p:cond delay="0"/>
+                                  </p:stCondLst>
+                                  <p:childTnLst>
+                                    <p:set>
+                                      <p:cBhvr>
+                                        <p:cTn id="14" dur="1" fill="hold">
+                                          <p:stCondLst>
+                                            <p:cond delay="0"/>
+                                          </p:stCondLst>
+                                        </p:cTn>
+                                        <p:tgtEl>
+                                          <p:spTgt spid="9">
+                                            <p:txEl>
+                                              <p:pRg st="10" end="10"/>
+                                            </p:txEl>
+                                          </p:spTgt>
+                                        </p:tgtEl>
+                                        <p:attrNameLst>
+                                          <p:attrName>style.visibility</p:attrName>
+                                        </p:attrNameLst>
+                                      </p:cBhvr>
+                                      <p:to>
+                                        <p:strVal val="visible"/>
+                                      </p:to>
+                                    </p:set>
+                                  </p:childTnLst>
+                                </p:cTn>
+                              </p:par>
+                            </p:childTnLst>
+                          </p:cTn>
+                        </p:par>
+                      </p:childTnLst>
+                    </p:cTn>
+                  </p:par>
+                </p:childTnLst>
+              </p:cTn>
+              <p:prevCondLst>
+                <p:cond evt="onPrev" delay="0">
+                  <p:tgtEl>
+                    <p:sldTgt/>
+                  </p:tgtEl>
+                </p:cond>
+              </p:prevCondLst>
+              <p:nextCondLst>
+                <p:cond evt="onNext" delay="0">
+                  <p:tgtEl>
+                    <p:sldTgt/>
+                  </p:tgtEl>
+                </p:cond>
+              </p:nextCondLst>
+            </p:seq>
+          </p:childTnLst>
+        </p:cTn>
+      </p:par>
+    </p:tnLst>
+  </p:timing>
 </p:sld>
 </file>
 
-<file path=ppt/slides/slide13.xml><?xml version="1.0" encoding="utf-8"?>
+<file path=ppt/slides/slide19.xml><?xml version="1.0" encoding="utf-8"?>
 <p:sld xmlns:a="http://schemas.openxmlformats.org/drawingml/2006/main" xmlns:r="http://schemas.openxmlformats.org/officeDocument/2006/relationships" xmlns:p="http://schemas.openxmlformats.org/presentationml/2006/main">
   <p:cSld>
     <p:spTree>
@@ -5318,7 +8740,7 @@
                 </a:solidFill>
                 <a:latin typeface="Inconsolata Medium" panose="020B0609030003000000" pitchFamily="49" charset="77"/>
               </a:rPr>
-              <a:t>2</a:t>
+              <a:t>1</a:t>
             </a:r>
             <a:r>
               <a:rPr lang="en-US" sz="2000" b="1" dirty="0">
@@ -5530,6 +8952,86 @@
           </a:p>
         </p:txBody>
       </p:sp>
+      <p:sp>
+        <p:nvSpPr>
+          <p:cNvPr id="3" name="TextBox 2">
+            <a:extLst>
+              <a:ext uri="{FF2B5EF4-FFF2-40B4-BE49-F238E27FC236}">
+                <a16:creationId xmlns:a16="http://schemas.microsoft.com/office/drawing/2014/main" id="{53AD888D-2F6F-BB43-86CA-1A3B376061A2}"/>
+              </a:ext>
+            </a:extLst>
+          </p:cNvPr>
+          <p:cNvSpPr txBox="1"/>
+          <p:nvPr/>
+        </p:nvSpPr>
+        <p:spPr>
+          <a:xfrm>
+            <a:off x="3915263" y="3434532"/>
+            <a:ext cx="4744889" cy="400110"/>
+          </a:xfrm>
+          <a:prstGeom prst="rect">
+            <a:avLst/>
+          </a:prstGeom>
+          <a:noFill/>
+        </p:spPr>
+        <p:txBody>
+          <a:bodyPr wrap="none" rtlCol="0">
+            <a:spAutoFit/>
+          </a:bodyPr>
+          <a:lstStyle/>
+          <a:p>
+            <a:r>
+              <a:rPr lang="en-US" sz="2000" dirty="0">
+                <a:solidFill>
+                  <a:srgbClr val="FF0000"/>
+                </a:solidFill>
+              </a:rPr>
+              <a:t>This is a list. More on lists in a later lecture. </a:t>
+            </a:r>
+          </a:p>
+        </p:txBody>
+      </p:sp>
+      <p:cxnSp>
+        <p:nvCxnSpPr>
+          <p:cNvPr id="5" name="Straight Arrow Connector 4">
+            <a:extLst>
+              <a:ext uri="{FF2B5EF4-FFF2-40B4-BE49-F238E27FC236}">
+                <a16:creationId xmlns:a16="http://schemas.microsoft.com/office/drawing/2014/main" id="{0FA56ED4-EC25-B14C-B73E-DC4E17ADBF86}"/>
+              </a:ext>
+            </a:extLst>
+          </p:cNvPr>
+          <p:cNvCxnSpPr>
+            <a:cxnSpLocks/>
+          </p:cNvCxnSpPr>
+          <p:nvPr/>
+        </p:nvCxnSpPr>
+        <p:spPr>
+          <a:xfrm flipH="1">
+            <a:off x="3790684" y="3768132"/>
+            <a:ext cx="520059" cy="301450"/>
+          </a:xfrm>
+          <a:prstGeom prst="straightConnector1">
+            <a:avLst/>
+          </a:prstGeom>
+          <a:ln w="25400">
+            <a:tailEnd type="triangle"/>
+          </a:ln>
+        </p:spPr>
+        <p:style>
+          <a:lnRef idx="1">
+            <a:schemeClr val="accent1"/>
+          </a:lnRef>
+          <a:fillRef idx="0">
+            <a:schemeClr val="accent1"/>
+          </a:fillRef>
+          <a:effectRef idx="0">
+            <a:schemeClr val="accent1"/>
+          </a:effectRef>
+          <a:fontRef idx="minor">
+            <a:schemeClr val="tx1"/>
+          </a:fontRef>
+        </p:style>
+      </p:cxnSp>
     </p:spTree>
     <p:extLst>
       <p:ext uri="{BB962C8B-B14F-4D97-AF65-F5344CB8AC3E}">
@@ -5540,6 +9042,307 @@
   <p:clrMapOvr>
     <a:masterClrMapping/>
   </p:clrMapOvr>
+  <p:timing>
+    <p:tnLst>
+      <p:par>
+        <p:cTn id="1" dur="indefinite" restart="never" nodeType="tmRoot">
+          <p:childTnLst>
+            <p:seq concurrent="1" nextAc="seek">
+              <p:cTn id="2" dur="indefinite" nodeType="mainSeq">
+                <p:childTnLst>
+                  <p:par>
+                    <p:cTn id="3" fill="hold">
+                      <p:stCondLst>
+                        <p:cond delay="indefinite"/>
+                      </p:stCondLst>
+                      <p:childTnLst>
+                        <p:par>
+                          <p:cTn id="4" fill="hold">
+                            <p:stCondLst>
+                              <p:cond delay="0"/>
+                            </p:stCondLst>
+                            <p:childTnLst>
+                              <p:par>
+                                <p:cTn id="5" presetID="1" presetClass="entr" presetSubtype="0" fill="hold" nodeType="clickEffect">
+                                  <p:stCondLst>
+                                    <p:cond delay="0"/>
+                                  </p:stCondLst>
+                                  <p:childTnLst>
+                                    <p:set>
+                                      <p:cBhvr>
+                                        <p:cTn id="6" dur="1" fill="hold">
+                                          <p:stCondLst>
+                                            <p:cond delay="0"/>
+                                          </p:stCondLst>
+                                        </p:cTn>
+                                        <p:tgtEl>
+                                          <p:spTgt spid="9">
+                                            <p:txEl>
+                                              <p:pRg st="2" end="2"/>
+                                            </p:txEl>
+                                          </p:spTgt>
+                                        </p:tgtEl>
+                                        <p:attrNameLst>
+                                          <p:attrName>style.visibility</p:attrName>
+                                        </p:attrNameLst>
+                                      </p:cBhvr>
+                                      <p:to>
+                                        <p:strVal val="visible"/>
+                                      </p:to>
+                                    </p:set>
+                                  </p:childTnLst>
+                                </p:cTn>
+                              </p:par>
+                            </p:childTnLst>
+                          </p:cTn>
+                        </p:par>
+                      </p:childTnLst>
+                    </p:cTn>
+                  </p:par>
+                  <p:par>
+                    <p:cTn id="7" fill="hold">
+                      <p:stCondLst>
+                        <p:cond delay="indefinite"/>
+                      </p:stCondLst>
+                      <p:childTnLst>
+                        <p:par>
+                          <p:cTn id="8" fill="hold">
+                            <p:stCondLst>
+                              <p:cond delay="0"/>
+                            </p:stCondLst>
+                            <p:childTnLst>
+                              <p:par>
+                                <p:cTn id="9" presetID="1" presetClass="entr" presetSubtype="0" fill="hold" nodeType="clickEffect">
+                                  <p:stCondLst>
+                                    <p:cond delay="0"/>
+                                  </p:stCondLst>
+                                  <p:childTnLst>
+                                    <p:set>
+                                      <p:cBhvr>
+                                        <p:cTn id="10" dur="1" fill="hold">
+                                          <p:stCondLst>
+                                            <p:cond delay="0"/>
+                                          </p:stCondLst>
+                                        </p:cTn>
+                                        <p:tgtEl>
+                                          <p:spTgt spid="9">
+                                            <p:txEl>
+                                              <p:pRg st="3" end="3"/>
+                                            </p:txEl>
+                                          </p:spTgt>
+                                        </p:tgtEl>
+                                        <p:attrNameLst>
+                                          <p:attrName>style.visibility</p:attrName>
+                                        </p:attrNameLst>
+                                      </p:cBhvr>
+                                      <p:to>
+                                        <p:strVal val="visible"/>
+                                      </p:to>
+                                    </p:set>
+                                  </p:childTnLst>
+                                </p:cTn>
+                              </p:par>
+                            </p:childTnLst>
+                          </p:cTn>
+                        </p:par>
+                      </p:childTnLst>
+                    </p:cTn>
+                  </p:par>
+                  <p:par>
+                    <p:cTn id="11" fill="hold">
+                      <p:stCondLst>
+                        <p:cond delay="indefinite"/>
+                      </p:stCondLst>
+                      <p:childTnLst>
+                        <p:par>
+                          <p:cTn id="12" fill="hold">
+                            <p:stCondLst>
+                              <p:cond delay="0"/>
+                            </p:stCondLst>
+                            <p:childTnLst>
+                              <p:par>
+                                <p:cTn id="13" presetID="1" presetClass="entr" presetSubtype="0" fill="hold" nodeType="clickEffect">
+                                  <p:stCondLst>
+                                    <p:cond delay="0"/>
+                                  </p:stCondLst>
+                                  <p:childTnLst>
+                                    <p:set>
+                                      <p:cBhvr>
+                                        <p:cTn id="14" dur="1" fill="hold">
+                                          <p:stCondLst>
+                                            <p:cond delay="0"/>
+                                          </p:stCondLst>
+                                        </p:cTn>
+                                        <p:tgtEl>
+                                          <p:spTgt spid="9">
+                                            <p:txEl>
+                                              <p:pRg st="5" end="5"/>
+                                            </p:txEl>
+                                          </p:spTgt>
+                                        </p:tgtEl>
+                                        <p:attrNameLst>
+                                          <p:attrName>style.visibility</p:attrName>
+                                        </p:attrNameLst>
+                                      </p:cBhvr>
+                                      <p:to>
+                                        <p:strVal val="visible"/>
+                                      </p:to>
+                                    </p:set>
+                                  </p:childTnLst>
+                                </p:cTn>
+                              </p:par>
+                            </p:childTnLst>
+                          </p:cTn>
+                        </p:par>
+                      </p:childTnLst>
+                    </p:cTn>
+                  </p:par>
+                  <p:par>
+                    <p:cTn id="15" fill="hold">
+                      <p:stCondLst>
+                        <p:cond delay="indefinite"/>
+                      </p:stCondLst>
+                      <p:childTnLst>
+                        <p:par>
+                          <p:cTn id="16" fill="hold">
+                            <p:stCondLst>
+                              <p:cond delay="0"/>
+                            </p:stCondLst>
+                            <p:childTnLst>
+                              <p:par>
+                                <p:cTn id="17" presetID="1" presetClass="entr" presetSubtype="0" fill="hold" grpId="0" nodeType="clickEffect">
+                                  <p:stCondLst>
+                                    <p:cond delay="0"/>
+                                  </p:stCondLst>
+                                  <p:childTnLst>
+                                    <p:set>
+                                      <p:cBhvr>
+                                        <p:cTn id="18" dur="1" fill="hold">
+                                          <p:stCondLst>
+                                            <p:cond delay="0"/>
+                                          </p:stCondLst>
+                                        </p:cTn>
+                                        <p:tgtEl>
+                                          <p:spTgt spid="3"/>
+                                        </p:tgtEl>
+                                        <p:attrNameLst>
+                                          <p:attrName>style.visibility</p:attrName>
+                                        </p:attrNameLst>
+                                      </p:cBhvr>
+                                      <p:to>
+                                        <p:strVal val="visible"/>
+                                      </p:to>
+                                    </p:set>
+                                  </p:childTnLst>
+                                </p:cTn>
+                              </p:par>
+                              <p:par>
+                                <p:cTn id="19" presetID="1" presetClass="entr" presetSubtype="0" fill="hold" nodeType="withEffect">
+                                  <p:stCondLst>
+                                    <p:cond delay="0"/>
+                                  </p:stCondLst>
+                                  <p:childTnLst>
+                                    <p:set>
+                                      <p:cBhvr>
+                                        <p:cTn id="20" dur="1" fill="hold">
+                                          <p:stCondLst>
+                                            <p:cond delay="0"/>
+                                          </p:stCondLst>
+                                        </p:cTn>
+                                        <p:tgtEl>
+                                          <p:spTgt spid="5"/>
+                                        </p:tgtEl>
+                                        <p:attrNameLst>
+                                          <p:attrName>style.visibility</p:attrName>
+                                        </p:attrNameLst>
+                                      </p:cBhvr>
+                                      <p:to>
+                                        <p:strVal val="visible"/>
+                                      </p:to>
+                                    </p:set>
+                                  </p:childTnLst>
+                                </p:cTn>
+                              </p:par>
+                            </p:childTnLst>
+                          </p:cTn>
+                        </p:par>
+                      </p:childTnLst>
+                    </p:cTn>
+                  </p:par>
+                  <p:par>
+                    <p:cTn id="21" fill="hold">
+                      <p:stCondLst>
+                        <p:cond delay="indefinite"/>
+                      </p:stCondLst>
+                      <p:childTnLst>
+                        <p:par>
+                          <p:cTn id="22" fill="hold">
+                            <p:stCondLst>
+                              <p:cond delay="0"/>
+                            </p:stCondLst>
+                            <p:childTnLst>
+                              <p:par>
+                                <p:cTn id="23" presetID="1" presetClass="entr" presetSubtype="0" fill="hold" nodeType="clickEffect">
+                                  <p:stCondLst>
+                                    <p:cond delay="0"/>
+                                  </p:stCondLst>
+                                  <p:childTnLst>
+                                    <p:set>
+                                      <p:cBhvr>
+                                        <p:cTn id="24" dur="1" fill="hold">
+                                          <p:stCondLst>
+                                            <p:cond delay="0"/>
+                                          </p:stCondLst>
+                                        </p:cTn>
+                                        <p:tgtEl>
+                                          <p:spTgt spid="9">
+                                            <p:txEl>
+                                              <p:pRg st="7" end="7"/>
+                                            </p:txEl>
+                                          </p:spTgt>
+                                        </p:tgtEl>
+                                        <p:attrNameLst>
+                                          <p:attrName>style.visibility</p:attrName>
+                                        </p:attrNameLst>
+                                      </p:cBhvr>
+                                      <p:to>
+                                        <p:strVal val="visible"/>
+                                      </p:to>
+                                    </p:set>
+                                  </p:childTnLst>
+                                </p:cTn>
+                              </p:par>
+                            </p:childTnLst>
+                          </p:cTn>
+                        </p:par>
+                      </p:childTnLst>
+                    </p:cTn>
+                  </p:par>
+                </p:childTnLst>
+              </p:cTn>
+              <p:prevCondLst>
+                <p:cond evt="onPrev" delay="0">
+                  <p:tgtEl>
+                    <p:sldTgt/>
+                  </p:tgtEl>
+                </p:cond>
+              </p:prevCondLst>
+              <p:nextCondLst>
+                <p:cond evt="onNext" delay="0">
+                  <p:tgtEl>
+                    <p:sldTgt/>
+                  </p:tgtEl>
+                </p:cond>
+              </p:nextCondLst>
+            </p:seq>
+          </p:childTnLst>
+        </p:cTn>
+      </p:par>
+    </p:tnLst>
+    <p:bldLst>
+      <p:bldP spid="3" grpId="0"/>
+    </p:bldLst>
+  </p:timing>
 </p:sld>
 </file>
 
@@ -5588,7 +9391,7 @@
           <a:p>
             <a:r>
               <a:rPr lang="en-US" dirty="0"/>
-              <a:t>range(stop)</a:t>
+              <a:t>For Loops</a:t>
             </a:r>
           </a:p>
         </p:txBody>
@@ -5624,41 +9427,6 @@
             <a:pPr marL="0" indent="0">
               <a:buNone/>
             </a:pPr>
-            <a:r>
-              <a:rPr lang="en-US" dirty="0">
-                <a:latin typeface="Gill Sans MT" panose="020B0502020104020203" pitchFamily="34" charset="77"/>
-              </a:rPr>
-              <a:t>A simple use of a </a:t>
-            </a:r>
-            <a:r>
-              <a:rPr lang="en-US" i="1" dirty="0">
-                <a:latin typeface="Gill Sans MT" panose="020B0502020104020203" pitchFamily="34" charset="77"/>
-              </a:rPr>
-              <a:t>for</a:t>
-            </a:r>
-            <a:r>
-              <a:rPr lang="en-US" dirty="0">
-                <a:latin typeface="Gill Sans MT" panose="020B0502020104020203" pitchFamily="34" charset="77"/>
-              </a:rPr>
-              <a:t> loop runs some code a specified number of times using the </a:t>
-            </a:r>
-            <a:r>
-              <a:rPr lang="en-US" i="1" dirty="0">
-                <a:latin typeface="Gill Sans MT" panose="020B0502020104020203" pitchFamily="34" charset="77"/>
-              </a:rPr>
-              <a:t>range()</a:t>
-            </a:r>
-            <a:r>
-              <a:rPr lang="en-US" dirty="0">
-                <a:latin typeface="Gill Sans MT" panose="020B0502020104020203" pitchFamily="34" charset="77"/>
-              </a:rPr>
-              <a:t> function.</a:t>
-            </a:r>
-          </a:p>
-          <a:p>
-            <a:pPr marL="0" indent="0">
-              <a:buNone/>
-            </a:pPr>
             <a:endParaRPr lang="en-US" dirty="0">
               <a:latin typeface="Gill Sans MT" panose="020B0502020104020203" pitchFamily="34" charset="77"/>
             </a:endParaRPr>
@@ -5668,193 +9436,179 @@
               <a:buNone/>
             </a:pPr>
             <a:r>
+              <a:rPr lang="en-US" sz="2000" b="1" dirty="0">
+                <a:solidFill>
+                  <a:srgbClr val="000087"/>
+                </a:solidFill>
+                <a:latin typeface="Inconsolata Medium" panose="020B0609030003000000" pitchFamily="49" charset="77"/>
+              </a:rPr>
+              <a:t>In</a:t>
+            </a:r>
+            <a:r>
+              <a:rPr lang="en-US" sz="2000" b="1" dirty="0">
+                <a:latin typeface="Inconsolata Medium" panose="020B0609030003000000" pitchFamily="49" charset="77"/>
+              </a:rPr>
+              <a:t>[</a:t>
+            </a:r>
+            <a:r>
+              <a:rPr lang="en-US" sz="2000" b="1" dirty="0">
+                <a:solidFill>
+                  <a:srgbClr val="FF6600"/>
+                </a:solidFill>
+                <a:latin typeface="Inconsolata Medium" panose="020B0609030003000000" pitchFamily="49" charset="77"/>
+              </a:rPr>
+              <a:t>1</a:t>
+            </a:r>
+            <a:r>
+              <a:rPr lang="en-US" sz="2000" b="1" dirty="0">
+                <a:latin typeface="Inconsolata Medium" panose="020B0609030003000000" pitchFamily="49" charset="77"/>
+              </a:rPr>
+              <a:t>]:  </a:t>
+            </a:r>
+            <a:r>
+              <a:rPr lang="en-US" sz="2000" b="1" dirty="0">
+                <a:solidFill>
+                  <a:srgbClr val="006699"/>
+                </a:solidFill>
+                <a:latin typeface="Inconsolata Medium" panose="020B0609030003000000" pitchFamily="49" charset="77"/>
+              </a:rPr>
+              <a:t>for </a:t>
+            </a:r>
+            <a:r>
+              <a:rPr lang="en-US" sz="2000" b="1" dirty="0">
+                <a:solidFill>
+                  <a:srgbClr val="000087"/>
+                </a:solidFill>
+                <a:latin typeface="Inconsolata Medium" panose="020B0609030003000000" pitchFamily="49" charset="77"/>
+              </a:rPr>
+              <a:t>x </a:t>
+            </a:r>
+            <a:r>
+              <a:rPr lang="en-US" sz="2000" b="1" dirty="0">
+                <a:latin typeface="Inconsolata Medium" panose="020B0609030003000000" pitchFamily="49" charset="77"/>
+              </a:rPr>
+              <a:t>in [</a:t>
+            </a:r>
+            <a:r>
+              <a:rPr lang="en-US" sz="2000" b="1" dirty="0">
+                <a:solidFill>
+                  <a:srgbClr val="FF6600"/>
+                </a:solidFill>
+                <a:latin typeface="Inconsolata Medium" panose="020B0609030003000000" pitchFamily="49" charset="77"/>
+              </a:rPr>
+              <a:t>2</a:t>
+            </a:r>
+            <a:r>
+              <a:rPr lang="en-US" sz="2000" b="1" dirty="0">
+                <a:latin typeface="Inconsolata Medium" panose="020B0609030003000000" pitchFamily="49" charset="77"/>
+              </a:rPr>
+              <a:t>,</a:t>
+            </a:r>
+            <a:r>
+              <a:rPr lang="en-US" sz="2000" b="1" dirty="0">
+                <a:solidFill>
+                  <a:srgbClr val="FF6600"/>
+                </a:solidFill>
+                <a:latin typeface="Inconsolata Medium" panose="020B0609030003000000" pitchFamily="49" charset="77"/>
+              </a:rPr>
+              <a:t>3</a:t>
+            </a:r>
+            <a:r>
+              <a:rPr lang="en-US" sz="2000" b="1" dirty="0">
+                <a:latin typeface="Inconsolata Medium" panose="020B0609030003000000" pitchFamily="49" charset="77"/>
+              </a:rPr>
+              <a:t>,</a:t>
+            </a:r>
+            <a:r>
+              <a:rPr lang="en-US" sz="2000" b="1" dirty="0">
+                <a:solidFill>
+                  <a:srgbClr val="FF6600"/>
+                </a:solidFill>
+                <a:latin typeface="Inconsolata Medium" panose="020B0609030003000000" pitchFamily="49" charset="77"/>
+              </a:rPr>
+              <a:t>5</a:t>
+            </a:r>
+            <a:r>
+              <a:rPr lang="en-US" sz="2000" b="1" dirty="0">
+                <a:latin typeface="Inconsolata Medium" panose="020B0609030003000000" pitchFamily="49" charset="77"/>
+              </a:rPr>
+              <a:t>,</a:t>
+            </a:r>
+            <a:r>
+              <a:rPr lang="en-US" sz="2000" b="1" dirty="0">
+                <a:solidFill>
+                  <a:srgbClr val="FF6600"/>
+                </a:solidFill>
+                <a:latin typeface="Inconsolata Medium" panose="020B0609030003000000" pitchFamily="49" charset="77"/>
+              </a:rPr>
+              <a:t>7</a:t>
+            </a:r>
+            <a:r>
+              <a:rPr lang="en-US" sz="2000" b="1" dirty="0">
+                <a:latin typeface="Inconsolata Medium" panose="020B0609030003000000" pitchFamily="49" charset="77"/>
+              </a:rPr>
+              <a:t>]:</a:t>
+            </a:r>
+            <a:br>
+              <a:rPr lang="en-US" sz="2000" b="1" dirty="0">
+                <a:latin typeface="Inconsolata Medium" panose="020B0609030003000000" pitchFamily="49" charset="77"/>
+              </a:rPr>
+            </a:br>
+            <a:r>
+              <a:rPr lang="en-US" sz="2000" b="1" dirty="0">
+                <a:latin typeface="Inconsolata Medium" panose="020B0609030003000000" pitchFamily="49" charset="77"/>
+              </a:rPr>
+              <a:t>		</a:t>
+            </a:r>
+            <a:r>
+              <a:rPr lang="en-US" sz="2000" b="1" dirty="0">
+                <a:solidFill>
+                  <a:srgbClr val="006699"/>
+                </a:solidFill>
+                <a:latin typeface="Inconsolata Medium" panose="020B0609030003000000" pitchFamily="49" charset="77"/>
+              </a:rPr>
+              <a:t>print</a:t>
+            </a:r>
+            <a:r>
+              <a:rPr lang="en-US" sz="2000" b="1" dirty="0">
+                <a:latin typeface="Inconsolata Medium" panose="020B0609030003000000" pitchFamily="49" charset="77"/>
+              </a:rPr>
+              <a:t>(</a:t>
+            </a:r>
+            <a:r>
+              <a:rPr lang="en-US" sz="2000" b="1" dirty="0">
+                <a:solidFill>
+                  <a:srgbClr val="000087"/>
+                </a:solidFill>
+                <a:latin typeface="Inconsolata Medium" panose="020B0609030003000000" pitchFamily="49" charset="77"/>
+              </a:rPr>
+              <a:t>x</a:t>
+            </a:r>
+            <a:r>
+              <a:rPr lang="en-US" sz="2000" b="1" dirty="0">
+                <a:latin typeface="Inconsolata Medium" panose="020B0609030003000000" pitchFamily="49" charset="77"/>
+              </a:rPr>
+              <a:t>)    </a:t>
+            </a:r>
+          </a:p>
+          <a:p>
+            <a:pPr marL="0" indent="0">
+              <a:buNone/>
+            </a:pPr>
+            <a:endParaRPr lang="en-US" dirty="0">
+              <a:latin typeface="UbuntuMono"/>
+            </a:endParaRPr>
+          </a:p>
+          <a:p>
+            <a:pPr marL="0" indent="0">
+              <a:buNone/>
+            </a:pPr>
+            <a:r>
               <a:rPr lang="en-US" dirty="0">
-                <a:latin typeface="Gill Sans MT" panose="020B0502020104020203" pitchFamily="34" charset="77"/>
-              </a:rPr>
-              <a:t>range(stop): returns sequence of numbers from 0 (default) up to but not including stop. Increment by 1 (default). </a:t>
-            </a:r>
-          </a:p>
-          <a:p>
-            <a:pPr marL="0" indent="0">
-              <a:buNone/>
-            </a:pPr>
-            <a:endParaRPr lang="en-US" dirty="0">
-              <a:latin typeface="Gill Sans MT" panose="020B0502020104020203" pitchFamily="34" charset="77"/>
-            </a:endParaRPr>
-          </a:p>
-          <a:p>
-            <a:pPr marL="0" indent="0">
-              <a:buNone/>
-            </a:pPr>
-            <a:r>
-              <a:rPr lang="en-US" b="1" dirty="0">
-                <a:solidFill>
-                  <a:srgbClr val="000087"/>
-                </a:solidFill>
-                <a:latin typeface="Inconsolata Medium" panose="020B0609030003000000" pitchFamily="49" charset="77"/>
-              </a:rPr>
-              <a:t>In</a:t>
-            </a:r>
-            <a:r>
-              <a:rPr lang="en-US" b="1" dirty="0">
-                <a:latin typeface="Inconsolata Medium" panose="020B0609030003000000" pitchFamily="49" charset="77"/>
-              </a:rPr>
-              <a:t>[</a:t>
-            </a:r>
-            <a:r>
-              <a:rPr lang="en-US" b="1" dirty="0">
-                <a:solidFill>
-                  <a:srgbClr val="FF6600"/>
-                </a:solidFill>
-                <a:latin typeface="Inconsolata Medium" panose="020B0609030003000000" pitchFamily="49" charset="77"/>
-              </a:rPr>
-              <a:t>3</a:t>
-            </a:r>
-            <a:r>
-              <a:rPr lang="en-US" b="1" dirty="0">
-                <a:latin typeface="Inconsolata Medium" panose="020B0609030003000000" pitchFamily="49" charset="77"/>
-              </a:rPr>
-              <a:t>]: </a:t>
-            </a:r>
-            <a:r>
-              <a:rPr lang="en-US" b="1" dirty="0">
-                <a:solidFill>
-                  <a:srgbClr val="006699"/>
-                </a:solidFill>
-                <a:latin typeface="Inconsolata Medium" panose="020B0609030003000000" pitchFamily="49" charset="77"/>
-              </a:rPr>
-              <a:t>for </a:t>
-            </a:r>
-            <a:r>
-              <a:rPr lang="en-US" b="1" dirty="0" err="1">
-                <a:solidFill>
-                  <a:srgbClr val="000087"/>
-                </a:solidFill>
-                <a:latin typeface="Inconsolata Medium" panose="020B0609030003000000" pitchFamily="49" charset="77"/>
-              </a:rPr>
-              <a:t>i</a:t>
-            </a:r>
-            <a:r>
-              <a:rPr lang="en-US" b="1" dirty="0">
-                <a:solidFill>
-                  <a:srgbClr val="000087"/>
-                </a:solidFill>
-                <a:latin typeface="Inconsolata Medium" panose="020B0609030003000000" pitchFamily="49" charset="77"/>
-              </a:rPr>
-              <a:t> </a:t>
-            </a:r>
-            <a:r>
-              <a:rPr lang="en-US" b="1" dirty="0">
-                <a:latin typeface="Inconsolata Medium" panose="020B0609030003000000" pitchFamily="49" charset="77"/>
-              </a:rPr>
-              <a:t>in </a:t>
-            </a:r>
-            <a:r>
-              <a:rPr lang="en-US" b="1" dirty="0">
-                <a:solidFill>
-                  <a:srgbClr val="336666"/>
-                </a:solidFill>
-                <a:latin typeface="Inconsolata Medium" panose="020B0609030003000000" pitchFamily="49" charset="77"/>
-              </a:rPr>
-              <a:t>range</a:t>
-            </a:r>
-            <a:r>
-              <a:rPr lang="en-US" b="1" dirty="0">
-                <a:latin typeface="Inconsolata Medium" panose="020B0609030003000000" pitchFamily="49" charset="77"/>
-              </a:rPr>
-              <a:t>(</a:t>
-            </a:r>
-            <a:r>
-              <a:rPr lang="en-US" b="1" dirty="0">
-                <a:solidFill>
-                  <a:srgbClr val="FF6600"/>
-                </a:solidFill>
-                <a:latin typeface="Inconsolata Medium" panose="020B0609030003000000" pitchFamily="49" charset="77"/>
-              </a:rPr>
-              <a:t>10</a:t>
-            </a:r>
-            <a:r>
-              <a:rPr lang="en-US" b="1" dirty="0">
-                <a:latin typeface="Inconsolata Medium" panose="020B0609030003000000" pitchFamily="49" charset="77"/>
-              </a:rPr>
-              <a:t>): </a:t>
-            </a:r>
-          </a:p>
-          <a:p>
-            <a:pPr marL="0" indent="0">
-              <a:buNone/>
-            </a:pPr>
-            <a:r>
-              <a:rPr lang="en-US" b="1" dirty="0">
-                <a:solidFill>
-                  <a:srgbClr val="006699"/>
-                </a:solidFill>
-                <a:latin typeface="Inconsolata Medium" panose="020B0609030003000000" pitchFamily="49" charset="77"/>
-              </a:rPr>
-              <a:t>		print</a:t>
-            </a:r>
-            <a:r>
-              <a:rPr lang="en-US" b="1" dirty="0">
-                <a:latin typeface="Inconsolata Medium" panose="020B0609030003000000" pitchFamily="49" charset="77"/>
-              </a:rPr>
-              <a:t>(</a:t>
-            </a:r>
-            <a:r>
-              <a:rPr lang="en-US" b="1" dirty="0" err="1">
-                <a:solidFill>
-                  <a:srgbClr val="000087"/>
-                </a:solidFill>
-                <a:latin typeface="Inconsolata Medium" panose="020B0609030003000000" pitchFamily="49" charset="77"/>
-              </a:rPr>
-              <a:t>i</a:t>
-            </a:r>
-            <a:r>
-              <a:rPr lang="en-US" b="1" dirty="0">
-                <a:latin typeface="Inconsolata Medium" panose="020B0609030003000000" pitchFamily="49" charset="77"/>
-              </a:rPr>
-              <a:t>, </a:t>
-            </a:r>
-            <a:r>
-              <a:rPr lang="en-US" b="1" dirty="0">
-                <a:solidFill>
-                  <a:srgbClr val="000087"/>
-                </a:solidFill>
-                <a:latin typeface="Inconsolata Medium" panose="020B0609030003000000" pitchFamily="49" charset="77"/>
-              </a:rPr>
-              <a:t>end</a:t>
-            </a:r>
-            <a:r>
-              <a:rPr lang="en-US" b="1" dirty="0">
-                <a:solidFill>
-                  <a:srgbClr val="545454"/>
-                </a:solidFill>
-                <a:latin typeface="Inconsolata Medium" panose="020B0609030003000000" pitchFamily="49" charset="77"/>
-              </a:rPr>
-              <a:t>=</a:t>
-            </a:r>
-            <a:r>
-              <a:rPr lang="en-US" b="1" dirty="0">
-                <a:solidFill>
-                  <a:srgbClr val="CC3300"/>
-                </a:solidFill>
-                <a:latin typeface="Inconsolata Medium" panose="020B0609030003000000" pitchFamily="49" charset="77"/>
-              </a:rPr>
-              <a:t>" "</a:t>
-            </a:r>
-            <a:r>
-              <a:rPr lang="en-US" b="1" dirty="0">
-                <a:latin typeface="Inconsolata Medium" panose="020B0609030003000000" pitchFamily="49" charset="77"/>
-              </a:rPr>
-              <a:t>) </a:t>
-            </a:r>
-          </a:p>
-          <a:p>
-            <a:pPr marL="0" indent="0">
-              <a:buNone/>
-            </a:pPr>
-            <a:endParaRPr lang="en-US" b="1" dirty="0">
-              <a:latin typeface="Inconsolata Medium" panose="020B0609030003000000" pitchFamily="49" charset="77"/>
-            </a:endParaRPr>
+                <a:latin typeface="UbuntuMono"/>
+              </a:rPr>
+              <a:t>2 </a:t>
+            </a:r>
           </a:p>
           <a:p>
             <a:pPr marL="0" indent="0">
@@ -5862,15 +9616,32 @@
             </a:pPr>
             <a:r>
               <a:rPr lang="en-US" dirty="0">
-                <a:latin typeface="Gill Sans MT" panose="020B0502020104020203" pitchFamily="34" charset="77"/>
-              </a:rPr>
-              <a:t>0 1 2 3 4 5 6 7 8 9 </a:t>
-            </a:r>
-          </a:p>
-          <a:p>
-            <a:pPr marL="0" indent="0">
-              <a:buNone/>
-            </a:pPr>
+                <a:latin typeface="UbuntuMono"/>
+              </a:rPr>
+              <a:t>3 </a:t>
+            </a:r>
+          </a:p>
+          <a:p>
+            <a:pPr marL="0" indent="0">
+              <a:buNone/>
+            </a:pPr>
+            <a:r>
+              <a:rPr lang="en-US" dirty="0">
+                <a:latin typeface="UbuntuMono"/>
+              </a:rPr>
+              <a:t>5 </a:t>
+            </a:r>
+          </a:p>
+          <a:p>
+            <a:pPr marL="0" indent="0">
+              <a:buNone/>
+            </a:pPr>
+            <a:r>
+              <a:rPr lang="en-US" dirty="0">
+                <a:latin typeface="UbuntuMono"/>
+              </a:rPr>
+              <a:t>7 </a:t>
+            </a:r>
             <a:endParaRPr lang="en-US" dirty="0"/>
           </a:p>
           <a:p>
@@ -5889,13 +9660,185 @@
     </p:spTree>
     <p:extLst>
       <p:ext uri="{BB962C8B-B14F-4D97-AF65-F5344CB8AC3E}">
-        <p14:creationId xmlns:p14="http://schemas.microsoft.com/office/powerpoint/2010/main" val="553003360"/>
+        <p14:creationId xmlns:p14="http://schemas.microsoft.com/office/powerpoint/2010/main" val="2097059918"/>
       </p:ext>
     </p:extLst>
   </p:cSld>
   <p:clrMapOvr>
     <a:masterClrMapping/>
   </p:clrMapOvr>
+  <p:timing>
+    <p:tnLst>
+      <p:par>
+        <p:cTn id="1" dur="indefinite" restart="never" nodeType="tmRoot">
+          <p:childTnLst>
+            <p:seq concurrent="1" nextAc="seek">
+              <p:cTn id="2" dur="indefinite" nodeType="mainSeq">
+                <p:childTnLst>
+                  <p:par>
+                    <p:cTn id="3" fill="hold">
+                      <p:stCondLst>
+                        <p:cond delay="indefinite"/>
+                      </p:stCondLst>
+                      <p:childTnLst>
+                        <p:par>
+                          <p:cTn id="4" fill="hold">
+                            <p:stCondLst>
+                              <p:cond delay="0"/>
+                            </p:stCondLst>
+                            <p:childTnLst>
+                              <p:par>
+                                <p:cTn id="5" presetID="1" presetClass="entr" presetSubtype="0" fill="hold" nodeType="clickEffect">
+                                  <p:stCondLst>
+                                    <p:cond delay="0"/>
+                                  </p:stCondLst>
+                                  <p:childTnLst>
+                                    <p:set>
+                                      <p:cBhvr>
+                                        <p:cTn id="6" dur="1" fill="hold">
+                                          <p:stCondLst>
+                                            <p:cond delay="0"/>
+                                          </p:stCondLst>
+                                        </p:cTn>
+                                        <p:tgtEl>
+                                          <p:spTgt spid="9">
+                                            <p:txEl>
+                                              <p:pRg st="3" end="3"/>
+                                            </p:txEl>
+                                          </p:spTgt>
+                                        </p:tgtEl>
+                                        <p:attrNameLst>
+                                          <p:attrName>style.visibility</p:attrName>
+                                        </p:attrNameLst>
+                                      </p:cBhvr>
+                                      <p:to>
+                                        <p:strVal val="visible"/>
+                                      </p:to>
+                                    </p:set>
+                                  </p:childTnLst>
+                                </p:cTn>
+                              </p:par>
+                              <p:par>
+                                <p:cTn id="7" presetID="1" presetClass="entr" presetSubtype="0" fill="hold" nodeType="withEffect">
+                                  <p:stCondLst>
+                                    <p:cond delay="0"/>
+                                  </p:stCondLst>
+                                  <p:childTnLst>
+                                    <p:set>
+                                      <p:cBhvr>
+                                        <p:cTn id="8" dur="1" fill="hold">
+                                          <p:stCondLst>
+                                            <p:cond delay="0"/>
+                                          </p:stCondLst>
+                                        </p:cTn>
+                                        <p:tgtEl>
+                                          <p:spTgt spid="9">
+                                            <p:txEl>
+                                              <p:pRg st="4" end="4"/>
+                                            </p:txEl>
+                                          </p:spTgt>
+                                        </p:tgtEl>
+                                        <p:attrNameLst>
+                                          <p:attrName>style.visibility</p:attrName>
+                                        </p:attrNameLst>
+                                      </p:cBhvr>
+                                      <p:to>
+                                        <p:strVal val="visible"/>
+                                      </p:to>
+                                    </p:set>
+                                  </p:childTnLst>
+                                </p:cTn>
+                              </p:par>
+                              <p:par>
+                                <p:cTn id="9" presetID="1" presetClass="entr" presetSubtype="0" fill="hold" nodeType="withEffect">
+                                  <p:stCondLst>
+                                    <p:cond delay="0"/>
+                                  </p:stCondLst>
+                                  <p:childTnLst>
+                                    <p:set>
+                                      <p:cBhvr>
+                                        <p:cTn id="10" dur="1" fill="hold">
+                                          <p:stCondLst>
+                                            <p:cond delay="0"/>
+                                          </p:stCondLst>
+                                        </p:cTn>
+                                        <p:tgtEl>
+                                          <p:spTgt spid="9">
+                                            <p:txEl>
+                                              <p:pRg st="5" end="5"/>
+                                            </p:txEl>
+                                          </p:spTgt>
+                                        </p:tgtEl>
+                                        <p:attrNameLst>
+                                          <p:attrName>style.visibility</p:attrName>
+                                        </p:attrNameLst>
+                                      </p:cBhvr>
+                                      <p:to>
+                                        <p:strVal val="visible"/>
+                                      </p:to>
+                                    </p:set>
+                                  </p:childTnLst>
+                                </p:cTn>
+                              </p:par>
+                              <p:par>
+                                <p:cTn id="11" presetID="1" presetClass="entr" presetSubtype="0" fill="hold" nodeType="withEffect">
+                                  <p:stCondLst>
+                                    <p:cond delay="0"/>
+                                  </p:stCondLst>
+                                  <p:childTnLst>
+                                    <p:set>
+                                      <p:cBhvr>
+                                        <p:cTn id="12" dur="1" fill="hold">
+                                          <p:stCondLst>
+                                            <p:cond delay="0"/>
+                                          </p:stCondLst>
+                                        </p:cTn>
+                                        <p:tgtEl>
+                                          <p:spTgt spid="9">
+                                            <p:txEl>
+                                              <p:pRg st="6" end="6"/>
+                                            </p:txEl>
+                                          </p:spTgt>
+                                        </p:tgtEl>
+                                        <p:attrNameLst>
+                                          <p:attrName>style.visibility</p:attrName>
+                                        </p:attrNameLst>
+                                      </p:cBhvr>
+                                      <p:to>
+                                        <p:strVal val="visible"/>
+                                      </p:to>
+                                    </p:set>
+                                  </p:childTnLst>
+                                </p:cTn>
+                              </p:par>
+                            </p:childTnLst>
+                          </p:cTn>
+                        </p:par>
+                      </p:childTnLst>
+                    </p:cTn>
+                  </p:par>
+                </p:childTnLst>
+              </p:cTn>
+              <p:prevCondLst>
+                <p:cond evt="onPrev" delay="0">
+                  <p:tgtEl>
+                    <p:sldTgt/>
+                  </p:tgtEl>
+                </p:cond>
+              </p:prevCondLst>
+              <p:nextCondLst>
+                <p:cond evt="onNext" delay="0">
+                  <p:tgtEl>
+                    <p:sldTgt/>
+                  </p:tgtEl>
+                </p:cond>
+              </p:nextCondLst>
+            </p:seq>
+          </p:childTnLst>
+        </p:cTn>
+      </p:par>
+    </p:tnLst>
+  </p:timing>
 </p:sld>
 </file>
 
@@ -5944,7 +9887,7 @@
           <a:p>
             <a:r>
               <a:rPr lang="en-US" dirty="0"/>
-              <a:t>range(start, stop)</a:t>
+              <a:t>range(stop)</a:t>
             </a:r>
           </a:p>
         </p:txBody>
@@ -5984,18 +9927,39 @@
               <a:rPr lang="en-US" dirty="0">
                 <a:latin typeface="Gill Sans MT" panose="020B0502020104020203" pitchFamily="34" charset="77"/>
               </a:rPr>
-              <a:t>range(start, stop): from start up to but not including stop. Increment by 1(default).</a:t>
-            </a:r>
-          </a:p>
-          <a:p>
-            <a:pPr marL="0" indent="0">
-              <a:buNone/>
-            </a:pPr>
-            <a:endParaRPr lang="en-US" b="1" dirty="0">
-              <a:solidFill>
-                <a:srgbClr val="000087"/>
-              </a:solidFill>
-              <a:latin typeface="Inconsolata Medium" panose="020B0609030003000000" pitchFamily="49" charset="77"/>
+              <a:t>A simple use of a </a:t>
+            </a:r>
+            <a:r>
+              <a:rPr lang="en-US" i="1" dirty="0">
+                <a:latin typeface="Gill Sans MT" panose="020B0502020104020203" pitchFamily="34" charset="77"/>
+              </a:rPr>
+              <a:t>for</a:t>
+            </a:r>
+            <a:r>
+              <a:rPr lang="en-US" dirty="0">
+                <a:latin typeface="Gill Sans MT" panose="020B0502020104020203" pitchFamily="34" charset="77"/>
+              </a:rPr>
+              <a:t> loop runs some code a specified number of times using the </a:t>
+            </a:r>
+            <a:r>
+              <a:rPr lang="en-US" i="1" dirty="0">
+                <a:latin typeface="Gill Sans MT" panose="020B0502020104020203" pitchFamily="34" charset="77"/>
+              </a:rPr>
+              <a:t>range()</a:t>
+            </a:r>
+            <a:r>
+              <a:rPr lang="en-US" dirty="0">
+                <a:latin typeface="Gill Sans MT" panose="020B0502020104020203" pitchFamily="34" charset="77"/>
+              </a:rPr>
+              <a:t> function.</a:t>
+            </a:r>
+          </a:p>
+          <a:p>
+            <a:pPr marL="0" indent="0">
+              <a:buNone/>
+            </a:pPr>
+            <a:endParaRPr lang="en-US" dirty="0">
+              <a:latin typeface="Gill Sans MT" panose="020B0502020104020203" pitchFamily="34" charset="77"/>
             </a:endParaRPr>
           </a:p>
           <a:p>
@@ -6003,6 +9967,25 @@
               <a:buNone/>
             </a:pPr>
             <a:r>
+              <a:rPr lang="en-US" dirty="0">
+                <a:latin typeface="Gill Sans MT" panose="020B0502020104020203" pitchFamily="34" charset="77"/>
+              </a:rPr>
+              <a:t>range(stop): returns sequence of numbers from 0 (default) up to but not including stop. Increment by 1 (default). </a:t>
+            </a:r>
+          </a:p>
+          <a:p>
+            <a:pPr marL="0" indent="0">
+              <a:buNone/>
+            </a:pPr>
+            <a:endParaRPr lang="en-US" dirty="0">
+              <a:latin typeface="Gill Sans MT" panose="020B0502020104020203" pitchFamily="34" charset="77"/>
+            </a:endParaRPr>
+          </a:p>
+          <a:p>
+            <a:pPr marL="0" indent="0">
+              <a:buNone/>
+            </a:pPr>
+            <a:r>
               <a:rPr lang="en-US" b="1" dirty="0">
                 <a:solidFill>
                   <a:srgbClr val="000087"/>
@@ -6024,7 +10007,7 @@
                 </a:solidFill>
                 <a:latin typeface="Inconsolata Medium" panose="020B0609030003000000" pitchFamily="49" charset="77"/>
               </a:rPr>
-              <a:t>3</a:t>
+              <a:t>1</a:t>
             </a:r>
             <a:r>
               <a:rPr lang="en-US" b="1" dirty="0">
@@ -6087,7 +10070,42 @@
                 </a:solidFill>
                 <a:latin typeface="Inconsolata Medium" panose="020B0609030003000000" pitchFamily="49" charset="77"/>
               </a:rPr>
-              <a:t>2</a:t>
+              <a:t>10</a:t>
+            </a:r>
+            <a:r>
+              <a:rPr lang="en-US" b="1" dirty="0">
+                <a:latin typeface="Inconsolata Medium" panose="020B0609030003000000" pitchFamily="49" charset="77"/>
+              </a:rPr>
+              <a:t>): </a:t>
+            </a:r>
+          </a:p>
+          <a:p>
+            <a:pPr marL="0" indent="0">
+              <a:buNone/>
+            </a:pPr>
+            <a:r>
+              <a:rPr lang="en-US" b="1" dirty="0">
+                <a:solidFill>
+                  <a:srgbClr val="006699"/>
+                </a:solidFill>
+                <a:latin typeface="Inconsolata Medium" panose="020B0609030003000000" pitchFamily="49" charset="77"/>
+              </a:rPr>
+              <a:t>		print</a:t>
+            </a:r>
+            <a:r>
+              <a:rPr lang="en-US" b="1" dirty="0">
+                <a:latin typeface="Inconsolata Medium" panose="020B0609030003000000" pitchFamily="49" charset="77"/>
+              </a:rPr>
+              <a:t>(</a:t>
+            </a:r>
+            <a:r>
+              <a:rPr lang="en-US" b="1" dirty="0" err="1">
+                <a:solidFill>
+                  <a:srgbClr val="000087"/>
+                </a:solidFill>
+                <a:latin typeface="Inconsolata Medium" panose="020B0609030003000000" pitchFamily="49" charset="77"/>
+              </a:rPr>
+              <a:t>i</a:t>
             </a:r>
             <a:r>
               <a:rPr lang="en-US" b="1" dirty="0">
@@ -6098,60 +10116,10 @@
             <a:r>
               <a:rPr lang="en-US" b="1" dirty="0">
                 <a:solidFill>
-                  <a:srgbClr val="FF6600"/>
-                </a:solidFill>
-                <a:latin typeface="Inconsolata Medium" panose="020B0609030003000000" pitchFamily="49" charset="77"/>
-              </a:rPr>
-              <a:t>8</a:t>
-            </a:r>
-            <a:r>
-              <a:rPr lang="en-US" b="1" dirty="0">
-                <a:latin typeface="Inconsolata Medium" panose="020B0609030003000000" pitchFamily="49" charset="77"/>
-              </a:rPr>
-              <a:t>): </a:t>
-            </a:r>
-          </a:p>
-          <a:p>
-            <a:pPr marL="0" indent="0">
-              <a:buNone/>
-            </a:pPr>
-            <a:r>
-              <a:rPr lang="en-US" b="1" dirty="0">
-                <a:solidFill>
-                  <a:srgbClr val="006699"/>
-                </a:solidFill>
-                <a:latin typeface="Inconsolata Medium" panose="020B0609030003000000" pitchFamily="49" charset="77"/>
-              </a:rPr>
-              <a:t>		print</a:t>
-            </a:r>
-            <a:r>
-              <a:rPr lang="en-US" b="1" dirty="0">
-                <a:latin typeface="Inconsolata Medium" panose="020B0609030003000000" pitchFamily="49" charset="77"/>
-              </a:rPr>
-              <a:t>(</a:t>
-            </a:r>
-            <a:r>
-              <a:rPr lang="en-US" b="1" dirty="0" err="1">
-                <a:solidFill>
                   <a:srgbClr val="000087"/>
                 </a:solidFill>
                 <a:latin typeface="Inconsolata Medium" panose="020B0609030003000000" pitchFamily="49" charset="77"/>
               </a:rPr>
-              <a:t>i</a:t>
-            </a:r>
-            <a:r>
-              <a:rPr lang="en-US" b="1" dirty="0">
-                <a:latin typeface="Inconsolata Medium" panose="020B0609030003000000" pitchFamily="49" charset="77"/>
-              </a:rPr>
-              <a:t>, </a:t>
-            </a:r>
-            <a:r>
-              <a:rPr lang="en-US" b="1" dirty="0">
-                <a:solidFill>
-                  <a:srgbClr val="000087"/>
-                </a:solidFill>
-                <a:latin typeface="Inconsolata Medium" panose="020B0609030003000000" pitchFamily="49" charset="77"/>
-              </a:rPr>
               <a:t>end</a:t>
             </a:r>
             <a:r>
@@ -6170,7 +10138,7 @@
                 </a:solidFill>
                 <a:latin typeface="Inconsolata Medium" panose="020B0609030003000000" pitchFamily="49" charset="77"/>
               </a:rPr>
-              <a:t>' ‘</a:t>
+              <a:t>" "</a:t>
             </a:r>
             <a:r>
               <a:rPr lang="en-US" b="1" dirty="0">
@@ -6195,7 +10163,7 @@
               <a:rPr lang="en-US" dirty="0">
                 <a:latin typeface="Gill Sans MT" panose="020B0502020104020203" pitchFamily="34" charset="77"/>
               </a:rPr>
-              <a:t>2 3 4 5 6 7 </a:t>
+              <a:t>0 1 2 3 4 5 6 7 8 9 </a:t>
             </a:r>
           </a:p>
           <a:p>
@@ -6220,13 +10188,221 @@
     </p:spTree>
     <p:extLst>
       <p:ext uri="{BB962C8B-B14F-4D97-AF65-F5344CB8AC3E}">
-        <p14:creationId xmlns:p14="http://schemas.microsoft.com/office/powerpoint/2010/main" val="3006175481"/>
+        <p14:creationId xmlns:p14="http://schemas.microsoft.com/office/powerpoint/2010/main" val="553003360"/>
       </p:ext>
     </p:extLst>
   </p:cSld>
   <p:clrMapOvr>
     <a:masterClrMapping/>
   </p:clrMapOvr>
+  <p:timing>
+    <p:tnLst>
+      <p:par>
+        <p:cTn id="1" dur="indefinite" restart="never" nodeType="tmRoot">
+          <p:childTnLst>
+            <p:seq concurrent="1" nextAc="seek">
+              <p:cTn id="2" dur="indefinite" nodeType="mainSeq">
+                <p:childTnLst>
+                  <p:par>
+                    <p:cTn id="3" fill="hold">
+                      <p:stCondLst>
+                        <p:cond delay="indefinite"/>
+                      </p:stCondLst>
+                      <p:childTnLst>
+                        <p:par>
+                          <p:cTn id="4" fill="hold">
+                            <p:stCondLst>
+                              <p:cond delay="0"/>
+                            </p:stCondLst>
+                            <p:childTnLst>
+                              <p:par>
+                                <p:cTn id="5" presetID="1" presetClass="entr" presetSubtype="0" fill="hold" nodeType="clickEffect">
+                                  <p:stCondLst>
+                                    <p:cond delay="0"/>
+                                  </p:stCondLst>
+                                  <p:childTnLst>
+                                    <p:set>
+                                      <p:cBhvr>
+                                        <p:cTn id="6" dur="1" fill="hold">
+                                          <p:stCondLst>
+                                            <p:cond delay="0"/>
+                                          </p:stCondLst>
+                                        </p:cTn>
+                                        <p:tgtEl>
+                                          <p:spTgt spid="9">
+                                            <p:txEl>
+                                              <p:pRg st="2" end="2"/>
+                                            </p:txEl>
+                                          </p:spTgt>
+                                        </p:tgtEl>
+                                        <p:attrNameLst>
+                                          <p:attrName>style.visibility</p:attrName>
+                                        </p:attrNameLst>
+                                      </p:cBhvr>
+                                      <p:to>
+                                        <p:strVal val="visible"/>
+                                      </p:to>
+                                    </p:set>
+                                  </p:childTnLst>
+                                </p:cTn>
+                              </p:par>
+                            </p:childTnLst>
+                          </p:cTn>
+                        </p:par>
+                      </p:childTnLst>
+                    </p:cTn>
+                  </p:par>
+                  <p:par>
+                    <p:cTn id="7" fill="hold">
+                      <p:stCondLst>
+                        <p:cond delay="indefinite"/>
+                      </p:stCondLst>
+                      <p:childTnLst>
+                        <p:par>
+                          <p:cTn id="8" fill="hold">
+                            <p:stCondLst>
+                              <p:cond delay="0"/>
+                            </p:stCondLst>
+                            <p:childTnLst>
+                              <p:par>
+                                <p:cTn id="9" presetID="1" presetClass="entr" presetSubtype="0" fill="hold" nodeType="clickEffect">
+                                  <p:stCondLst>
+                                    <p:cond delay="0"/>
+                                  </p:stCondLst>
+                                  <p:childTnLst>
+                                    <p:set>
+                                      <p:cBhvr>
+                                        <p:cTn id="10" dur="1" fill="hold">
+                                          <p:stCondLst>
+                                            <p:cond delay="0"/>
+                                          </p:stCondLst>
+                                        </p:cTn>
+                                        <p:tgtEl>
+                                          <p:spTgt spid="9">
+                                            <p:txEl>
+                                              <p:pRg st="4" end="4"/>
+                                            </p:txEl>
+                                          </p:spTgt>
+                                        </p:tgtEl>
+                                        <p:attrNameLst>
+                                          <p:attrName>style.visibility</p:attrName>
+                                        </p:attrNameLst>
+                                      </p:cBhvr>
+                                      <p:to>
+                                        <p:strVal val="visible"/>
+                                      </p:to>
+                                    </p:set>
+                                  </p:childTnLst>
+                                </p:cTn>
+                              </p:par>
+                              <p:par>
+                                <p:cTn id="11" presetID="1" presetClass="entr" presetSubtype="0" fill="hold" nodeType="withEffect">
+                                  <p:stCondLst>
+                                    <p:cond delay="0"/>
+                                  </p:stCondLst>
+                                  <p:childTnLst>
+                                    <p:set>
+                                      <p:cBhvr>
+                                        <p:cTn id="12" dur="1" fill="hold">
+                                          <p:stCondLst>
+                                            <p:cond delay="0"/>
+                                          </p:stCondLst>
+                                        </p:cTn>
+                                        <p:tgtEl>
+                                          <p:spTgt spid="9">
+                                            <p:txEl>
+                                              <p:pRg st="5" end="5"/>
+                                            </p:txEl>
+                                          </p:spTgt>
+                                        </p:tgtEl>
+                                        <p:attrNameLst>
+                                          <p:attrName>style.visibility</p:attrName>
+                                        </p:attrNameLst>
+                                      </p:cBhvr>
+                                      <p:to>
+                                        <p:strVal val="visible"/>
+                                      </p:to>
+                                    </p:set>
+                                  </p:childTnLst>
+                                </p:cTn>
+                              </p:par>
+                            </p:childTnLst>
+                          </p:cTn>
+                        </p:par>
+                      </p:childTnLst>
+                    </p:cTn>
+                  </p:par>
+                  <p:par>
+                    <p:cTn id="13" fill="hold">
+                      <p:stCondLst>
+                        <p:cond delay="indefinite"/>
+                      </p:stCondLst>
+                      <p:childTnLst>
+                        <p:par>
+                          <p:cTn id="14" fill="hold">
+                            <p:stCondLst>
+                              <p:cond delay="0"/>
+                            </p:stCondLst>
+                            <p:childTnLst>
+                              <p:par>
+                                <p:cTn id="15" presetID="1" presetClass="entr" presetSubtype="0" fill="hold" nodeType="clickEffect">
+                                  <p:stCondLst>
+                                    <p:cond delay="0"/>
+                                  </p:stCondLst>
+                                  <p:childTnLst>
+                                    <p:set>
+                                      <p:cBhvr>
+                                        <p:cTn id="16" dur="1" fill="hold">
+                                          <p:stCondLst>
+                                            <p:cond delay="0"/>
+                                          </p:stCondLst>
+                                        </p:cTn>
+                                        <p:tgtEl>
+                                          <p:spTgt spid="9">
+                                            <p:txEl>
+                                              <p:pRg st="7" end="7"/>
+                                            </p:txEl>
+                                          </p:spTgt>
+                                        </p:tgtEl>
+                                        <p:attrNameLst>
+                                          <p:attrName>style.visibility</p:attrName>
+                                        </p:attrNameLst>
+                                      </p:cBhvr>
+                                      <p:to>
+                                        <p:strVal val="visible"/>
+                                      </p:to>
+                                    </p:set>
+                                  </p:childTnLst>
+                                </p:cTn>
+                              </p:par>
+                            </p:childTnLst>
+                          </p:cTn>
+                        </p:par>
+                      </p:childTnLst>
+                    </p:cTn>
+                  </p:par>
+                </p:childTnLst>
+              </p:cTn>
+              <p:prevCondLst>
+                <p:cond evt="onPrev" delay="0">
+                  <p:tgtEl>
+                    <p:sldTgt/>
+                  </p:tgtEl>
+                </p:cond>
+              </p:prevCondLst>
+              <p:nextCondLst>
+                <p:cond evt="onNext" delay="0">
+                  <p:tgtEl>
+                    <p:sldTgt/>
+                  </p:tgtEl>
+                </p:cond>
+              </p:nextCondLst>
+            </p:seq>
+          </p:childTnLst>
+        </p:cTn>
+      </p:par>
+    </p:tnLst>
+  </p:timing>
 </p:sld>
 </file>
 
@@ -6275,7 +10451,7 @@
           <a:p>
             <a:r>
               <a:rPr lang="en-US" dirty="0"/>
-              <a:t>range(start, stop, step)</a:t>
+              <a:t>range(start, stop)</a:t>
             </a:r>
           </a:p>
         </p:txBody>
@@ -6315,7 +10491,7 @@
               <a:rPr lang="en-US" dirty="0">
                 <a:latin typeface="Gill Sans MT" panose="020B0502020104020203" pitchFamily="34" charset="77"/>
               </a:rPr>
-              <a:t>range(start, stop, step): from start up to but not including stop, increment by step.</a:t>
+              <a:t>range(start, stop): from start up to but not including stop. Increment by 1(default).</a:t>
             </a:r>
           </a:p>
           <a:p>
@@ -6355,7 +10531,7 @@
                 </a:solidFill>
                 <a:latin typeface="Inconsolata Medium" panose="020B0609030003000000" pitchFamily="49" charset="77"/>
               </a:rPr>
-              <a:t>3</a:t>
+              <a:t>2</a:t>
             </a:r>
             <a:r>
               <a:rPr lang="en-US" b="1" dirty="0">
@@ -6418,7 +10594,7 @@
                 </a:solidFill>
                 <a:latin typeface="Inconsolata Medium" panose="020B0609030003000000" pitchFamily="49" charset="77"/>
               </a:rPr>
-              <a:t>1</a:t>
+              <a:t>2</a:t>
             </a:r>
             <a:r>
               <a:rPr lang="en-US" b="1" dirty="0">
@@ -6433,7 +10609,7 @@
                 </a:solidFill>
                 <a:latin typeface="Inconsolata Medium" panose="020B0609030003000000" pitchFamily="49" charset="77"/>
               </a:rPr>
-              <a:t>10, 2</a:t>
+              <a:t>8</a:t>
             </a:r>
             <a:r>
               <a:rPr lang="en-US" b="1" dirty="0">
@@ -6509,6 +10685,14 @@
               </a:rPr>
               <a:t>) </a:t>
             </a:r>
+          </a:p>
+          <a:p>
+            <a:pPr marL="0" indent="0">
+              <a:buNone/>
+            </a:pPr>
+            <a:endParaRPr lang="en-US" b="1" dirty="0">
+              <a:latin typeface="Inconsolata Medium" panose="020B0609030003000000" pitchFamily="49" charset="77"/>
+            </a:endParaRPr>
           </a:p>
           <a:p>
             <a:pPr marL="0" indent="0">
@@ -6518,212 +10702,8 @@
               <a:rPr lang="en-US" dirty="0">
                 <a:latin typeface="Gill Sans MT" panose="020B0502020104020203" pitchFamily="34" charset="77"/>
               </a:rPr>
-              <a:t>1 3 5 7 9 </a:t>
-            </a:r>
-          </a:p>
-          <a:p>
-            <a:pPr marL="0" indent="0">
-              <a:buNone/>
-            </a:pPr>
-            <a:endParaRPr lang="en-US" b="1" dirty="0">
-              <a:solidFill>
-                <a:srgbClr val="000087"/>
-              </a:solidFill>
-              <a:latin typeface="Inconsolata Medium" panose="020B0609030003000000" pitchFamily="49" charset="77"/>
-            </a:endParaRPr>
-          </a:p>
-          <a:p>
-            <a:pPr marL="0" indent="0">
-              <a:buNone/>
-            </a:pPr>
-            <a:r>
-              <a:rPr lang="en-US" b="1" dirty="0">
-                <a:solidFill>
-                  <a:srgbClr val="000087"/>
-                </a:solidFill>
-                <a:latin typeface="Inconsolata Medium" panose="020B0609030003000000" pitchFamily="49" charset="77"/>
-              </a:rPr>
-              <a:t>In</a:t>
-            </a:r>
-            <a:r>
-              <a:rPr lang="en-US" b="1" dirty="0">
-                <a:latin typeface="Inconsolata Medium" panose="020B0609030003000000" pitchFamily="49" charset="77"/>
-              </a:rPr>
-              <a:t>[</a:t>
-            </a:r>
-            <a:r>
-              <a:rPr lang="en-US" b="1" dirty="0">
-                <a:solidFill>
-                  <a:srgbClr val="FF6600"/>
-                </a:solidFill>
-                <a:latin typeface="Inconsolata Medium" panose="020B0609030003000000" pitchFamily="49" charset="77"/>
-              </a:rPr>
-              <a:t>3</a:t>
-            </a:r>
-            <a:r>
-              <a:rPr lang="en-US" b="1" dirty="0">
-                <a:latin typeface="Inconsolata Medium" panose="020B0609030003000000" pitchFamily="49" charset="77"/>
-              </a:rPr>
-              <a:t>]: </a:t>
-            </a:r>
-            <a:r>
-              <a:rPr lang="en-US" b="1" dirty="0">
-                <a:solidFill>
-                  <a:srgbClr val="006699"/>
-                </a:solidFill>
-                <a:latin typeface="Inconsolata Medium" panose="020B0609030003000000" pitchFamily="49" charset="77"/>
-              </a:rPr>
-              <a:t>for </a:t>
-            </a:r>
-            <a:r>
-              <a:rPr lang="en-US" b="1" dirty="0" err="1">
-                <a:solidFill>
-                  <a:srgbClr val="000087"/>
-                </a:solidFill>
-                <a:latin typeface="Inconsolata Medium" panose="020B0609030003000000" pitchFamily="49" charset="77"/>
-              </a:rPr>
-              <a:t>i</a:t>
-            </a:r>
-            <a:r>
-              <a:rPr lang="en-US" b="1" dirty="0">
-                <a:solidFill>
-                  <a:srgbClr val="000087"/>
-                </a:solidFill>
-                <a:latin typeface="Inconsolata Medium" panose="020B0609030003000000" pitchFamily="49" charset="77"/>
-              </a:rPr>
-              <a:t> </a:t>
-            </a:r>
-            <a:r>
-              <a:rPr lang="en-US" b="1" dirty="0">
-                <a:latin typeface="Inconsolata Medium" panose="020B0609030003000000" pitchFamily="49" charset="77"/>
-              </a:rPr>
-              <a:t>in </a:t>
-            </a:r>
-            <a:r>
-              <a:rPr lang="en-US" b="1" dirty="0">
-                <a:solidFill>
-                  <a:srgbClr val="336666"/>
-                </a:solidFill>
-                <a:latin typeface="Inconsolata Medium" panose="020B0609030003000000" pitchFamily="49" charset="77"/>
-              </a:rPr>
-              <a:t>range</a:t>
-            </a:r>
-            <a:r>
-              <a:rPr lang="en-US" b="1" dirty="0">
-                <a:latin typeface="Inconsolata Medium" panose="020B0609030003000000" pitchFamily="49" charset="77"/>
-              </a:rPr>
-              <a:t>(</a:t>
-            </a:r>
-            <a:r>
-              <a:rPr lang="en-US" b="1" dirty="0">
-                <a:solidFill>
-                  <a:srgbClr val="FF6600"/>
-                </a:solidFill>
-                <a:latin typeface="Inconsolata Medium" panose="020B0609030003000000" pitchFamily="49" charset="77"/>
-              </a:rPr>
-              <a:t>10</a:t>
-            </a:r>
-            <a:r>
-              <a:rPr lang="en-US" b="1" dirty="0">
-                <a:latin typeface="Inconsolata Medium" panose="020B0609030003000000" pitchFamily="49" charset="77"/>
-              </a:rPr>
-              <a:t>, </a:t>
-            </a:r>
-            <a:r>
-              <a:rPr lang="en-US" b="1" dirty="0">
-                <a:solidFill>
-                  <a:srgbClr val="FF6600"/>
-                </a:solidFill>
-                <a:latin typeface="Inconsolata Medium" panose="020B0609030003000000" pitchFamily="49" charset="77"/>
-              </a:rPr>
-              <a:t>2, -1</a:t>
-            </a:r>
-            <a:r>
-              <a:rPr lang="en-US" b="1" dirty="0">
-                <a:latin typeface="Inconsolata Medium" panose="020B0609030003000000" pitchFamily="49" charset="77"/>
-              </a:rPr>
-              <a:t>): </a:t>
-            </a:r>
-          </a:p>
-          <a:p>
-            <a:pPr marL="0" indent="0">
-              <a:buNone/>
-            </a:pPr>
-            <a:r>
-              <a:rPr lang="en-US" b="1" dirty="0">
-                <a:solidFill>
-                  <a:srgbClr val="006699"/>
-                </a:solidFill>
-                <a:latin typeface="Inconsolata Medium" panose="020B0609030003000000" pitchFamily="49" charset="77"/>
-              </a:rPr>
-              <a:t>		print</a:t>
-            </a:r>
-            <a:r>
-              <a:rPr lang="en-US" b="1" dirty="0">
-                <a:latin typeface="Inconsolata Medium" panose="020B0609030003000000" pitchFamily="49" charset="77"/>
-              </a:rPr>
-              <a:t>(</a:t>
-            </a:r>
-            <a:r>
-              <a:rPr lang="en-US" b="1" dirty="0" err="1">
-                <a:solidFill>
-                  <a:srgbClr val="000087"/>
-                </a:solidFill>
-                <a:latin typeface="Inconsolata Medium" panose="020B0609030003000000" pitchFamily="49" charset="77"/>
-              </a:rPr>
-              <a:t>i</a:t>
-            </a:r>
-            <a:r>
-              <a:rPr lang="en-US" b="1" dirty="0">
-                <a:latin typeface="Inconsolata Medium" panose="020B0609030003000000" pitchFamily="49" charset="77"/>
-              </a:rPr>
-              <a:t>, </a:t>
-            </a:r>
-            <a:r>
-              <a:rPr lang="en-US" b="1" dirty="0">
-                <a:solidFill>
-                  <a:srgbClr val="000087"/>
-                </a:solidFill>
-                <a:latin typeface="Inconsolata Medium" panose="020B0609030003000000" pitchFamily="49" charset="77"/>
-              </a:rPr>
-              <a:t>end</a:t>
-            </a:r>
-            <a:r>
-              <a:rPr lang="en-US" b="1" dirty="0">
-                <a:solidFill>
-                  <a:srgbClr val="545454"/>
-                </a:solidFill>
-                <a:latin typeface="Inconsolata Medium" panose="020B0609030003000000" pitchFamily="49" charset="77"/>
-              </a:rPr>
-              <a:t>=</a:t>
-            </a:r>
-            <a:r>
-              <a:rPr lang="en-US" b="1" dirty="0">
-                <a:solidFill>
-                  <a:srgbClr val="CC3300"/>
-                </a:solidFill>
-                <a:latin typeface="Inconsolata Medium" panose="020B0609030003000000" pitchFamily="49" charset="77"/>
-              </a:rPr>
-              <a:t>' ‘</a:t>
-            </a:r>
-            <a:r>
-              <a:rPr lang="en-US" b="1" dirty="0">
-                <a:latin typeface="Inconsolata Medium" panose="020B0609030003000000" pitchFamily="49" charset="77"/>
-              </a:rPr>
-              <a:t>) </a:t>
-            </a:r>
-          </a:p>
-          <a:p>
-            <a:pPr marL="0" indent="0">
-              <a:buNone/>
-            </a:pPr>
-            <a:r>
-              <a:rPr lang="en-US" dirty="0">
-                <a:latin typeface="Gill Sans MT" panose="020B0502020104020203" pitchFamily="34" charset="77"/>
-              </a:rPr>
-              <a:t>10 9 8 7 6 5 4 3</a:t>
-            </a:r>
-            <a:endParaRPr lang="en-US" dirty="0"/>
+              <a:t>2 3 4 5 6 7 </a:t>
+            </a:r>
           </a:p>
           <a:p>
             <a:pPr marL="0" indent="0">
@@ -6747,13 +10727,172 @@
     </p:spTree>
     <p:extLst>
       <p:ext uri="{BB962C8B-B14F-4D97-AF65-F5344CB8AC3E}">
-        <p14:creationId xmlns:p14="http://schemas.microsoft.com/office/powerpoint/2010/main" val="3150557076"/>
+        <p14:creationId xmlns:p14="http://schemas.microsoft.com/office/powerpoint/2010/main" val="3006175481"/>
       </p:ext>
     </p:extLst>
   </p:cSld>
   <p:clrMapOvr>
     <a:masterClrMapping/>
   </p:clrMapOvr>
+  <p:timing>
+    <p:tnLst>
+      <p:par>
+        <p:cTn id="1" dur="indefinite" restart="never" nodeType="tmRoot">
+          <p:childTnLst>
+            <p:seq concurrent="1" nextAc="seek">
+              <p:cTn id="2" dur="indefinite" nodeType="mainSeq">
+                <p:childTnLst>
+                  <p:par>
+                    <p:cTn id="3" fill="hold">
+                      <p:stCondLst>
+                        <p:cond delay="indefinite"/>
+                      </p:stCondLst>
+                      <p:childTnLst>
+                        <p:par>
+                          <p:cTn id="4" fill="hold">
+                            <p:stCondLst>
+                              <p:cond delay="0"/>
+                            </p:stCondLst>
+                            <p:childTnLst>
+                              <p:par>
+                                <p:cTn id="5" presetID="1" presetClass="entr" presetSubtype="0" fill="hold" nodeType="clickEffect">
+                                  <p:stCondLst>
+                                    <p:cond delay="0"/>
+                                  </p:stCondLst>
+                                  <p:childTnLst>
+                                    <p:set>
+                                      <p:cBhvr>
+                                        <p:cTn id="6" dur="1" fill="hold">
+                                          <p:stCondLst>
+                                            <p:cond delay="0"/>
+                                          </p:stCondLst>
+                                        </p:cTn>
+                                        <p:tgtEl>
+                                          <p:spTgt spid="9">
+                                            <p:txEl>
+                                              <p:pRg st="2" end="2"/>
+                                            </p:txEl>
+                                          </p:spTgt>
+                                        </p:tgtEl>
+                                        <p:attrNameLst>
+                                          <p:attrName>style.visibility</p:attrName>
+                                        </p:attrNameLst>
+                                      </p:cBhvr>
+                                      <p:to>
+                                        <p:strVal val="visible"/>
+                                      </p:to>
+                                    </p:set>
+                                  </p:childTnLst>
+                                </p:cTn>
+                              </p:par>
+                              <p:par>
+                                <p:cTn id="7" presetID="1" presetClass="entr" presetSubtype="0" fill="hold" nodeType="withEffect">
+                                  <p:stCondLst>
+                                    <p:cond delay="0"/>
+                                  </p:stCondLst>
+                                  <p:childTnLst>
+                                    <p:set>
+                                      <p:cBhvr>
+                                        <p:cTn id="8" dur="1" fill="hold">
+                                          <p:stCondLst>
+                                            <p:cond delay="0"/>
+                                          </p:stCondLst>
+                                        </p:cTn>
+                                        <p:tgtEl>
+                                          <p:spTgt spid="9">
+                                            <p:txEl>
+                                              <p:pRg st="3" end="3"/>
+                                            </p:txEl>
+                                          </p:spTgt>
+                                        </p:tgtEl>
+                                        <p:attrNameLst>
+                                          <p:attrName>style.visibility</p:attrName>
+                                        </p:attrNameLst>
+                                      </p:cBhvr>
+                                      <p:to>
+                                        <p:strVal val="visible"/>
+                                      </p:to>
+                                    </p:set>
+                                  </p:childTnLst>
+                                </p:cTn>
+                              </p:par>
+                            </p:childTnLst>
+                          </p:cTn>
+                        </p:par>
+                      </p:childTnLst>
+                    </p:cTn>
+                  </p:par>
+                  <p:par>
+                    <p:cTn id="9" fill="hold">
+                      <p:stCondLst>
+                        <p:cond delay="indefinite"/>
+                      </p:stCondLst>
+                      <p:childTnLst>
+                        <p:par>
+                          <p:cTn id="10" fill="hold">
+                            <p:stCondLst>
+                              <p:cond delay="0"/>
+                            </p:stCondLst>
+                            <p:childTnLst>
+                              <p:par>
+                                <p:cTn id="11" presetID="1" presetClass="entr" presetSubtype="0" fill="hold" nodeType="clickEffect">
+                                  <p:stCondLst>
+                                    <p:cond delay="0"/>
+                                  </p:stCondLst>
+                                  <p:childTnLst>
+                                    <p:set>
+                                      <p:cBhvr>
+                                        <p:cTn id="12" dur="1" fill="hold">
+                                          <p:stCondLst>
+                                            <p:cond delay="0"/>
+                                          </p:stCondLst>
+                                        </p:cTn>
+                                        <p:tgtEl>
+                                          <p:spTgt spid="9">
+                                            <p:txEl>
+                                              <p:pRg st="5" end="5"/>
+                                            </p:txEl>
+                                          </p:spTgt>
+                                        </p:tgtEl>
+                                        <p:attrNameLst>
+                                          <p:attrName>style.visibility</p:attrName>
+                                        </p:attrNameLst>
+                                      </p:cBhvr>
+                                      <p:to>
+                                        <p:strVal val="visible"/>
+                                      </p:to>
+                                    </p:set>
+                                  </p:childTnLst>
+                                </p:cTn>
+                              </p:par>
+                            </p:childTnLst>
+                          </p:cTn>
+                        </p:par>
+                      </p:childTnLst>
+                    </p:cTn>
+                  </p:par>
+                </p:childTnLst>
+              </p:cTn>
+              <p:prevCondLst>
+                <p:cond evt="onPrev" delay="0">
+                  <p:tgtEl>
+                    <p:sldTgt/>
+                  </p:tgtEl>
+                </p:cond>
+              </p:prevCondLst>
+              <p:nextCondLst>
+                <p:cond evt="onNext" delay="0">
+                  <p:tgtEl>
+                    <p:sldTgt/>
+                  </p:tgtEl>
+                </p:cond>
+              </p:nextCondLst>
+            </p:seq>
+          </p:childTnLst>
+        </p:cTn>
+      </p:par>
+    </p:tnLst>
+  </p:timing>
 </p:sld>
 </file>
 
@@ -6802,7 +10941,7 @@
           <a:p>
             <a:r>
               <a:rPr lang="en-US" dirty="0"/>
-              <a:t>continue vs. break</a:t>
+              <a:t>range(start, stop, step)</a:t>
             </a:r>
           </a:p>
         </p:txBody>
@@ -6842,209 +10981,226 @@
               <a:rPr lang="en-US" dirty="0">
                 <a:latin typeface="Gill Sans MT" panose="020B0502020104020203" pitchFamily="34" charset="77"/>
               </a:rPr>
-              <a:t>The </a:t>
-            </a:r>
-            <a:r>
-              <a:rPr lang="en-US" b="1" dirty="0">
-                <a:latin typeface="Gill Sans MT" panose="020B0502020104020203" pitchFamily="34" charset="77"/>
-              </a:rPr>
-              <a:t>continue</a:t>
-            </a:r>
+              <a:t>range(start, stop, step): from start up to but not including stop, increment by step.</a:t>
+            </a:r>
+          </a:p>
+          <a:p>
+            <a:pPr marL="0" indent="0">
+              <a:buNone/>
+            </a:pPr>
+            <a:endParaRPr lang="en-US" b="1" dirty="0">
+              <a:solidFill>
+                <a:srgbClr val="000087"/>
+              </a:solidFill>
+              <a:latin typeface="Inconsolata Medium" panose="020B0609030003000000" pitchFamily="49" charset="77"/>
+            </a:endParaRPr>
+          </a:p>
+          <a:p>
+            <a:pPr marL="0" indent="0">
+              <a:buNone/>
+            </a:pPr>
+            <a:r>
+              <a:rPr lang="en-US" b="1" dirty="0">
+                <a:solidFill>
+                  <a:srgbClr val="000087"/>
+                </a:solidFill>
+                <a:latin typeface="Inconsolata Medium" panose="020B0609030003000000" pitchFamily="49" charset="77"/>
+              </a:rPr>
+              <a:t>In</a:t>
+            </a:r>
+            <a:r>
+              <a:rPr lang="en-US" b="1" dirty="0">
+                <a:latin typeface="Inconsolata Medium" panose="020B0609030003000000" pitchFamily="49" charset="77"/>
+              </a:rPr>
+              <a:t>[</a:t>
+            </a:r>
+            <a:r>
+              <a:rPr lang="en-US" b="1" dirty="0">
+                <a:solidFill>
+                  <a:srgbClr val="FF6600"/>
+                </a:solidFill>
+                <a:latin typeface="Inconsolata Medium" panose="020B0609030003000000" pitchFamily="49" charset="77"/>
+              </a:rPr>
+              <a:t>3</a:t>
+            </a:r>
+            <a:r>
+              <a:rPr lang="en-US" b="1" dirty="0">
+                <a:latin typeface="Inconsolata Medium" panose="020B0609030003000000" pitchFamily="49" charset="77"/>
+              </a:rPr>
+              <a:t>]: </a:t>
+            </a:r>
+            <a:r>
+              <a:rPr lang="en-US" b="1" dirty="0">
+                <a:solidFill>
+                  <a:srgbClr val="006699"/>
+                </a:solidFill>
+                <a:latin typeface="Inconsolata Medium" panose="020B0609030003000000" pitchFamily="49" charset="77"/>
+              </a:rPr>
+              <a:t>for </a:t>
+            </a:r>
+            <a:r>
+              <a:rPr lang="en-US" b="1" dirty="0" err="1">
+                <a:solidFill>
+                  <a:srgbClr val="000087"/>
+                </a:solidFill>
+                <a:latin typeface="Inconsolata Medium" panose="020B0609030003000000" pitchFamily="49" charset="77"/>
+              </a:rPr>
+              <a:t>i</a:t>
+            </a:r>
+            <a:r>
+              <a:rPr lang="en-US" b="1" dirty="0">
+                <a:solidFill>
+                  <a:srgbClr val="000087"/>
+                </a:solidFill>
+                <a:latin typeface="Inconsolata Medium" panose="020B0609030003000000" pitchFamily="49" charset="77"/>
+              </a:rPr>
+              <a:t> </a:t>
+            </a:r>
+            <a:r>
+              <a:rPr lang="en-US" b="1" dirty="0">
+                <a:latin typeface="Inconsolata Medium" panose="020B0609030003000000" pitchFamily="49" charset="77"/>
+              </a:rPr>
+              <a:t>in </a:t>
+            </a:r>
+            <a:r>
+              <a:rPr lang="en-US" b="1" dirty="0">
+                <a:solidFill>
+                  <a:srgbClr val="336666"/>
+                </a:solidFill>
+                <a:latin typeface="Inconsolata Medium" panose="020B0609030003000000" pitchFamily="49" charset="77"/>
+              </a:rPr>
+              <a:t>range</a:t>
+            </a:r>
+            <a:r>
+              <a:rPr lang="en-US" b="1" dirty="0">
+                <a:latin typeface="Inconsolata Medium" panose="020B0609030003000000" pitchFamily="49" charset="77"/>
+              </a:rPr>
+              <a:t>(</a:t>
+            </a:r>
+            <a:r>
+              <a:rPr lang="en-US" b="1" dirty="0">
+                <a:solidFill>
+                  <a:srgbClr val="FF6600"/>
+                </a:solidFill>
+                <a:latin typeface="Inconsolata Medium" panose="020B0609030003000000" pitchFamily="49" charset="77"/>
+              </a:rPr>
+              <a:t>1</a:t>
+            </a:r>
+            <a:r>
+              <a:rPr lang="en-US" b="1" dirty="0">
+                <a:latin typeface="Inconsolata Medium" panose="020B0609030003000000" pitchFamily="49" charset="77"/>
+              </a:rPr>
+              <a:t>, </a:t>
+            </a:r>
+            <a:r>
+              <a:rPr lang="en-US" b="1" dirty="0">
+                <a:solidFill>
+                  <a:srgbClr val="FF6600"/>
+                </a:solidFill>
+                <a:latin typeface="Inconsolata Medium" panose="020B0609030003000000" pitchFamily="49" charset="77"/>
+              </a:rPr>
+              <a:t>10, 2</a:t>
+            </a:r>
+            <a:r>
+              <a:rPr lang="en-US" b="1" dirty="0">
+                <a:latin typeface="Inconsolata Medium" panose="020B0609030003000000" pitchFamily="49" charset="77"/>
+              </a:rPr>
+              <a:t>): </a:t>
+            </a:r>
+          </a:p>
+          <a:p>
+            <a:pPr marL="0" indent="0">
+              <a:buNone/>
+            </a:pPr>
+            <a:r>
+              <a:rPr lang="en-US" b="1" dirty="0">
+                <a:solidFill>
+                  <a:srgbClr val="006699"/>
+                </a:solidFill>
+                <a:latin typeface="Inconsolata Medium" panose="020B0609030003000000" pitchFamily="49" charset="77"/>
+              </a:rPr>
+              <a:t>		print</a:t>
+            </a:r>
+            <a:r>
+              <a:rPr lang="en-US" b="1" dirty="0">
+                <a:latin typeface="Inconsolata Medium" panose="020B0609030003000000" pitchFamily="49" charset="77"/>
+              </a:rPr>
+              <a:t>(</a:t>
+            </a:r>
+            <a:r>
+              <a:rPr lang="en-US" b="1" dirty="0" err="1">
+                <a:solidFill>
+                  <a:srgbClr val="000087"/>
+                </a:solidFill>
+                <a:latin typeface="Inconsolata Medium" panose="020B0609030003000000" pitchFamily="49" charset="77"/>
+              </a:rPr>
+              <a:t>i</a:t>
+            </a:r>
+            <a:r>
+              <a:rPr lang="en-US" b="1" dirty="0">
+                <a:latin typeface="Inconsolata Medium" panose="020B0609030003000000" pitchFamily="49" charset="77"/>
+              </a:rPr>
+              <a:t>, </a:t>
+            </a:r>
+            <a:r>
+              <a:rPr lang="en-US" b="1" dirty="0">
+                <a:solidFill>
+                  <a:srgbClr val="000087"/>
+                </a:solidFill>
+                <a:latin typeface="Inconsolata Medium" panose="020B0609030003000000" pitchFamily="49" charset="77"/>
+              </a:rPr>
+              <a:t>end</a:t>
+            </a:r>
+            <a:r>
+              <a:rPr lang="en-US" b="1" dirty="0">
+                <a:solidFill>
+                  <a:srgbClr val="545454"/>
+                </a:solidFill>
+                <a:latin typeface="Inconsolata Medium" panose="020B0609030003000000" pitchFamily="49" charset="77"/>
+              </a:rPr>
+              <a:t>=</a:t>
+            </a:r>
+            <a:r>
+              <a:rPr lang="en-US" b="1" dirty="0">
+                <a:solidFill>
+                  <a:srgbClr val="CC3300"/>
+                </a:solidFill>
+                <a:latin typeface="Inconsolata Medium" panose="020B0609030003000000" pitchFamily="49" charset="77"/>
+              </a:rPr>
+              <a:t>' '</a:t>
+            </a:r>
+            <a:r>
+              <a:rPr lang="en-US" b="1" dirty="0">
+                <a:latin typeface="Inconsolata Medium" panose="020B0609030003000000" pitchFamily="49" charset="77"/>
+              </a:rPr>
+              <a:t>) </a:t>
+            </a:r>
+          </a:p>
+          <a:p>
+            <a:pPr marL="0" indent="0">
+              <a:buNone/>
+            </a:pPr>
             <a:r>
               <a:rPr lang="en-US" dirty="0">
                 <a:latin typeface="Gill Sans MT" panose="020B0502020104020203" pitchFamily="34" charset="77"/>
               </a:rPr>
-              <a:t> statement is used to skip the current iteration and move to the next iteration whereas the </a:t>
-            </a:r>
-            <a:r>
-              <a:rPr lang="en-US" b="1" dirty="0">
-                <a:latin typeface="Gill Sans MT" panose="020B0502020104020203" pitchFamily="34" charset="77"/>
-              </a:rPr>
-              <a:t>break</a:t>
-            </a:r>
+              <a:t>1 3 5 7 9 </a:t>
+            </a:r>
+          </a:p>
+          <a:p>
+            <a:pPr marL="0" indent="0">
+              <a:buNone/>
+            </a:pPr>
             <a:r>
               <a:rPr lang="en-US" dirty="0">
                 <a:latin typeface="Gill Sans MT" panose="020B0502020104020203" pitchFamily="34" charset="77"/>
               </a:rPr>
-              <a:t> statement is used to exit a for loop or a while loop.</a:t>
-            </a:r>
-          </a:p>
-          <a:p>
-            <a:pPr marL="0" indent="0">
-              <a:buNone/>
-            </a:pPr>
-            <a:endParaRPr lang="en-US" dirty="0">
-              <a:latin typeface="Gill Sans MT" panose="020B0502020104020203" pitchFamily="34" charset="77"/>
-            </a:endParaRPr>
-          </a:p>
-          <a:p>
-            <a:pPr marL="0" indent="0">
-              <a:buNone/>
-            </a:pPr>
-            <a:r>
-              <a:rPr lang="en-US" b="1" dirty="0">
-                <a:solidFill>
-                  <a:srgbClr val="000087"/>
-                </a:solidFill>
-                <a:latin typeface="Inconsolata Medium" panose="020B0609030003000000" pitchFamily="49" charset="77"/>
-              </a:rPr>
-              <a:t>In </a:t>
-            </a:r>
-            <a:r>
-              <a:rPr lang="en-US" b="1" dirty="0">
-                <a:latin typeface="Inconsolata Medium" panose="020B0609030003000000" pitchFamily="49" charset="77"/>
-              </a:rPr>
-              <a:t>[</a:t>
-            </a:r>
-            <a:r>
-              <a:rPr lang="en-US" b="1" dirty="0">
-                <a:solidFill>
-                  <a:srgbClr val="FF6600"/>
-                </a:solidFill>
-                <a:latin typeface="Inconsolata Medium" panose="020B0609030003000000" pitchFamily="49" charset="77"/>
-              </a:rPr>
-              <a:t>7</a:t>
-            </a:r>
-            <a:r>
-              <a:rPr lang="en-US" b="1" dirty="0">
-                <a:latin typeface="Inconsolata Medium" panose="020B0609030003000000" pitchFamily="49" charset="77"/>
-              </a:rPr>
-              <a:t>]:  </a:t>
-            </a:r>
-            <a:r>
-              <a:rPr lang="en-US" b="1" dirty="0">
-                <a:solidFill>
-                  <a:srgbClr val="006699"/>
-                </a:solidFill>
-                <a:latin typeface="Inconsolata Medium" panose="020B0609030003000000" pitchFamily="49" charset="77"/>
-              </a:rPr>
-              <a:t>for </a:t>
-            </a:r>
-            <a:r>
-              <a:rPr lang="en-US" b="1" dirty="0">
-                <a:solidFill>
-                  <a:srgbClr val="000087"/>
-                </a:solidFill>
-                <a:latin typeface="Inconsolata Medium" panose="020B0609030003000000" pitchFamily="49" charset="77"/>
-              </a:rPr>
-              <a:t>n </a:t>
-            </a:r>
-            <a:r>
-              <a:rPr lang="en-US" b="1" dirty="0">
-                <a:latin typeface="Inconsolata Medium" panose="020B0609030003000000" pitchFamily="49" charset="77"/>
-              </a:rPr>
-              <a:t>in </a:t>
-            </a:r>
-            <a:r>
-              <a:rPr lang="en-US" b="1" dirty="0">
-                <a:solidFill>
-                  <a:srgbClr val="336666"/>
-                </a:solidFill>
-                <a:latin typeface="Inconsolata Medium" panose="020B0609030003000000" pitchFamily="49" charset="77"/>
-              </a:rPr>
-              <a:t>range</a:t>
-            </a:r>
-            <a:r>
-              <a:rPr lang="en-US" b="1" dirty="0">
-                <a:latin typeface="Inconsolata Medium" panose="020B0609030003000000" pitchFamily="49" charset="77"/>
-              </a:rPr>
-              <a:t>(</a:t>
-            </a:r>
-            <a:r>
-              <a:rPr lang="en-US" b="1" dirty="0">
-                <a:solidFill>
-                  <a:srgbClr val="FF6600"/>
-                </a:solidFill>
-                <a:latin typeface="Inconsolata Medium" panose="020B0609030003000000" pitchFamily="49" charset="77"/>
-              </a:rPr>
-              <a:t>20</a:t>
-            </a:r>
-            <a:r>
-              <a:rPr lang="en-US" b="1" dirty="0">
-                <a:latin typeface="Inconsolata Medium" panose="020B0609030003000000" pitchFamily="49" charset="77"/>
-              </a:rPr>
-              <a:t>):</a:t>
-            </a:r>
-            <a:br>
-              <a:rPr lang="en-US" b="1" dirty="0">
-                <a:latin typeface="Inconsolata Medium" panose="020B0609030003000000" pitchFamily="49" charset="77"/>
-              </a:rPr>
-            </a:br>
-            <a:r>
-              <a:rPr lang="en-US" b="1" dirty="0">
-                <a:solidFill>
-                  <a:srgbClr val="006699"/>
-                </a:solidFill>
-                <a:latin typeface="Inconsolata Medium" panose="020B0609030003000000" pitchFamily="49" charset="77"/>
-              </a:rPr>
-              <a:t>		  if </a:t>
-            </a:r>
-            <a:r>
-              <a:rPr lang="en-US" b="1" dirty="0">
-                <a:solidFill>
-                  <a:srgbClr val="000087"/>
-                </a:solidFill>
-                <a:latin typeface="Inconsolata Medium" panose="020B0609030003000000" pitchFamily="49" charset="77"/>
-              </a:rPr>
-              <a:t>n </a:t>
-            </a:r>
-            <a:r>
-              <a:rPr lang="en-US" b="1" dirty="0">
-                <a:solidFill>
-                  <a:srgbClr val="545454"/>
-                </a:solidFill>
-                <a:latin typeface="Inconsolata Medium" panose="020B0609030003000000" pitchFamily="49" charset="77"/>
-              </a:rPr>
-              <a:t>% </a:t>
-            </a:r>
-            <a:r>
-              <a:rPr lang="en-US" b="1" dirty="0">
-                <a:solidFill>
-                  <a:srgbClr val="FF6600"/>
-                </a:solidFill>
-                <a:latin typeface="Inconsolata Medium" panose="020B0609030003000000" pitchFamily="49" charset="77"/>
-              </a:rPr>
-              <a:t>2 </a:t>
-            </a:r>
-            <a:r>
-              <a:rPr lang="en-US" b="1" dirty="0">
-                <a:solidFill>
-                  <a:srgbClr val="545454"/>
-                </a:solidFill>
-                <a:latin typeface="Inconsolata Medium" panose="020B0609030003000000" pitchFamily="49" charset="77"/>
-              </a:rPr>
-              <a:t>== </a:t>
-            </a:r>
-            <a:r>
-              <a:rPr lang="en-US" b="1" dirty="0">
-                <a:solidFill>
-                  <a:srgbClr val="FF6600"/>
-                </a:solidFill>
-                <a:latin typeface="Inconsolata Medium" panose="020B0609030003000000" pitchFamily="49" charset="77"/>
-              </a:rPr>
-              <a:t>0</a:t>
-            </a:r>
-            <a:r>
-              <a:rPr lang="en-US" b="1" dirty="0">
-                <a:latin typeface="Inconsolata Medium" panose="020B0609030003000000" pitchFamily="49" charset="77"/>
-              </a:rPr>
-              <a:t>: </a:t>
-            </a:r>
-          </a:p>
-          <a:p>
-            <a:pPr marL="0" indent="0">
-              <a:buNone/>
-            </a:pPr>
-            <a:r>
-              <a:rPr lang="en-US" b="1" dirty="0">
-                <a:solidFill>
-                  <a:srgbClr val="006699"/>
-                </a:solidFill>
-                <a:latin typeface="Inconsolata Medium" panose="020B0609030003000000" pitchFamily="49" charset="77"/>
-              </a:rPr>
-              <a:t>			continue </a:t>
+              <a:t>If step is negative, a list can be traversed backwards. </a:t>
             </a:r>
             <a:endParaRPr lang="en-US" b="1" dirty="0">
+              <a:solidFill>
+                <a:srgbClr val="000087"/>
+              </a:solidFill>
               <a:latin typeface="Inconsolata Medium" panose="020B0609030003000000" pitchFamily="49" charset="77"/>
             </a:endParaRPr>
           </a:p>
@@ -7055,11 +11211,74 @@
             <a:r>
               <a:rPr lang="en-US" b="1" dirty="0">
                 <a:solidFill>
+                  <a:srgbClr val="000087"/>
+                </a:solidFill>
+                <a:latin typeface="Inconsolata Medium" panose="020B0609030003000000" pitchFamily="49" charset="77"/>
+              </a:rPr>
+              <a:t>In</a:t>
+            </a:r>
+            <a:r>
+              <a:rPr lang="en-US" b="1" dirty="0">
+                <a:latin typeface="Inconsolata Medium" panose="020B0609030003000000" pitchFamily="49" charset="77"/>
+              </a:rPr>
+              <a:t>[</a:t>
+            </a:r>
+            <a:r>
+              <a:rPr lang="en-US" b="1" dirty="0">
+                <a:solidFill>
+                  <a:srgbClr val="FF6600"/>
+                </a:solidFill>
+                <a:latin typeface="Inconsolata Medium" panose="020B0609030003000000" pitchFamily="49" charset="77"/>
+              </a:rPr>
+              <a:t>4</a:t>
+            </a:r>
+            <a:r>
+              <a:rPr lang="en-US" b="1" dirty="0">
+                <a:latin typeface="Inconsolata Medium" panose="020B0609030003000000" pitchFamily="49" charset="77"/>
+              </a:rPr>
+              <a:t>]: </a:t>
+            </a:r>
+            <a:r>
+              <a:rPr lang="en-US" b="1" dirty="0">
+                <a:solidFill>
                   <a:srgbClr val="006699"/>
                 </a:solidFill>
                 <a:latin typeface="Inconsolata Medium" panose="020B0609030003000000" pitchFamily="49" charset="77"/>
               </a:rPr>
-              <a:t>		  print</a:t>
+              <a:t>for </a:t>
+            </a:r>
+            <a:r>
+              <a:rPr lang="en-US" b="1" dirty="0" err="1">
+                <a:solidFill>
+                  <a:srgbClr val="000087"/>
+                </a:solidFill>
+                <a:latin typeface="Inconsolata Medium" panose="020B0609030003000000" pitchFamily="49" charset="77"/>
+              </a:rPr>
+              <a:t>i</a:t>
+            </a:r>
+            <a:r>
+              <a:rPr lang="en-US" b="1" dirty="0">
+                <a:solidFill>
+                  <a:srgbClr val="000087"/>
+                </a:solidFill>
+                <a:latin typeface="Inconsolata Medium" panose="020B0609030003000000" pitchFamily="49" charset="77"/>
+              </a:rPr>
+              <a:t> </a:t>
+            </a:r>
+            <a:r>
+              <a:rPr lang="en-US" b="1" dirty="0">
+                <a:latin typeface="Inconsolata Medium" panose="020B0609030003000000" pitchFamily="49" charset="77"/>
+              </a:rPr>
+              <a:t>in </a:t>
+            </a:r>
+            <a:r>
+              <a:rPr lang="en-US" b="1" dirty="0">
+                <a:solidFill>
+                  <a:srgbClr val="336666"/>
+                </a:solidFill>
+                <a:latin typeface="Inconsolata Medium" panose="020B0609030003000000" pitchFamily="49" charset="77"/>
+              </a:rPr>
+              <a:t>range</a:t>
             </a:r>
             <a:r>
               <a:rPr lang="en-US" b="1" dirty="0">
@@ -7070,11 +11289,61 @@
             <a:r>
               <a:rPr lang="en-US" b="1" dirty="0">
                 <a:solidFill>
+                  <a:srgbClr val="FF6600"/>
+                </a:solidFill>
+                <a:latin typeface="Inconsolata Medium" panose="020B0609030003000000" pitchFamily="49" charset="77"/>
+              </a:rPr>
+              <a:t>10</a:t>
+            </a:r>
+            <a:r>
+              <a:rPr lang="en-US" b="1" dirty="0">
+                <a:latin typeface="Inconsolata Medium" panose="020B0609030003000000" pitchFamily="49" charset="77"/>
+              </a:rPr>
+              <a:t>, </a:t>
+            </a:r>
+            <a:r>
+              <a:rPr lang="en-US" b="1" dirty="0">
+                <a:solidFill>
+                  <a:srgbClr val="FF6600"/>
+                </a:solidFill>
+                <a:latin typeface="Inconsolata Medium" panose="020B0609030003000000" pitchFamily="49" charset="77"/>
+              </a:rPr>
+              <a:t>2, -1</a:t>
+            </a:r>
+            <a:r>
+              <a:rPr lang="en-US" b="1" dirty="0">
+                <a:latin typeface="Inconsolata Medium" panose="020B0609030003000000" pitchFamily="49" charset="77"/>
+              </a:rPr>
+              <a:t>): </a:t>
+            </a:r>
+          </a:p>
+          <a:p>
+            <a:pPr marL="0" indent="0">
+              <a:buNone/>
+            </a:pPr>
+            <a:r>
+              <a:rPr lang="en-US" b="1" dirty="0">
+                <a:solidFill>
+                  <a:srgbClr val="006699"/>
+                </a:solidFill>
+                <a:latin typeface="Inconsolata Medium" panose="020B0609030003000000" pitchFamily="49" charset="77"/>
+              </a:rPr>
+              <a:t>		print</a:t>
+            </a:r>
+            <a:r>
+              <a:rPr lang="en-US" b="1" dirty="0">
+                <a:latin typeface="Inconsolata Medium" panose="020B0609030003000000" pitchFamily="49" charset="77"/>
+              </a:rPr>
+              <a:t>(</a:t>
+            </a:r>
+            <a:r>
+              <a:rPr lang="en-US" b="1" dirty="0" err="1">
+                <a:solidFill>
                   <a:srgbClr val="000087"/>
                 </a:solidFill>
                 <a:latin typeface="Inconsolata Medium" panose="020B0609030003000000" pitchFamily="49" charset="77"/>
               </a:rPr>
-              <a:t>n</a:t>
+              <a:t>i</a:t>
             </a:r>
             <a:r>
               <a:rPr lang="en-US" b="1" dirty="0">
@@ -7107,7 +11376,7 @@
                 </a:solidFill>
                 <a:latin typeface="Inconsolata Medium" panose="020B0609030003000000" pitchFamily="49" charset="77"/>
               </a:rPr>
-              <a:t>‘ ’</a:t>
+              <a:t>' '</a:t>
             </a:r>
             <a:r>
               <a:rPr lang="en-US" b="1" dirty="0">
@@ -7120,33 +11389,19 @@
             <a:pPr marL="0" indent="0">
               <a:buNone/>
             </a:pPr>
-            <a:endParaRPr lang="en-US" b="1" dirty="0">
-              <a:latin typeface="Inconsolata Medium" panose="020B0609030003000000" pitchFamily="49" charset="77"/>
-            </a:endParaRPr>
-          </a:p>
-          <a:p>
-            <a:pPr marL="0" indent="0">
-              <a:buNone/>
-            </a:pPr>
-            <a:r>
-              <a:rPr lang="en-US" b="1" dirty="0">
-                <a:latin typeface="Inconsolata Medium" panose="020B0609030003000000" pitchFamily="49" charset="77"/>
-              </a:rPr>
-              <a:t>1 3 5 7 9 11 13 15 17 19 </a:t>
-            </a:r>
-          </a:p>
-          <a:p>
-            <a:pPr marL="0" indent="0">
-              <a:buNone/>
-            </a:pPr>
-            <a:br>
-              <a:rPr lang="en-US" b="1" dirty="0">
-                <a:latin typeface="Inconsolata Medium" panose="020B0609030003000000" pitchFamily="49" charset="77"/>
-              </a:rPr>
-            </a:br>
-            <a:endParaRPr lang="en-US" b="1" dirty="0">
-              <a:latin typeface="Inconsolata Medium" panose="020B0609030003000000" pitchFamily="49" charset="77"/>
-            </a:endParaRPr>
+            <a:r>
+              <a:rPr lang="en-US" dirty="0">
+                <a:latin typeface="Gill Sans MT" panose="020B0502020104020203" pitchFamily="34" charset="77"/>
+              </a:rPr>
+              <a:t>10 9 8 7 6 5 4 3</a:t>
+            </a:r>
+            <a:endParaRPr lang="en-US" dirty="0"/>
+          </a:p>
+          <a:p>
+            <a:pPr marL="0" indent="0">
+              <a:buNone/>
+            </a:pPr>
+            <a:endParaRPr lang="en-US" dirty="0"/>
           </a:p>
           <a:p>
             <a:pPr marL="0" indent="0">
@@ -7164,13 +11419,399 @@
     </p:spTree>
     <p:extLst>
       <p:ext uri="{BB962C8B-B14F-4D97-AF65-F5344CB8AC3E}">
-        <p14:creationId xmlns:p14="http://schemas.microsoft.com/office/powerpoint/2010/main" val="3275945509"/>
+        <p14:creationId xmlns:p14="http://schemas.microsoft.com/office/powerpoint/2010/main" val="3150557076"/>
       </p:ext>
     </p:extLst>
   </p:cSld>
   <p:clrMapOvr>
     <a:masterClrMapping/>
   </p:clrMapOvr>
+  <p:timing>
+    <p:tnLst>
+      <p:par>
+        <p:cTn id="1" dur="indefinite" restart="never" nodeType="tmRoot">
+          <p:childTnLst>
+            <p:seq concurrent="1" nextAc="seek">
+              <p:cTn id="2" dur="indefinite" nodeType="mainSeq">
+                <p:childTnLst>
+                  <p:par>
+                    <p:cTn id="3" fill="hold">
+                      <p:stCondLst>
+                        <p:cond delay="indefinite"/>
+                      </p:stCondLst>
+                      <p:childTnLst>
+                        <p:par>
+                          <p:cTn id="4" fill="hold">
+                            <p:stCondLst>
+                              <p:cond delay="0"/>
+                            </p:stCondLst>
+                            <p:childTnLst>
+                              <p:par>
+                                <p:cTn id="5" presetID="1" presetClass="entr" presetSubtype="0" fill="hold" nodeType="clickEffect">
+                                  <p:stCondLst>
+                                    <p:cond delay="0"/>
+                                  </p:stCondLst>
+                                  <p:childTnLst>
+                                    <p:set>
+                                      <p:cBhvr>
+                                        <p:cTn id="6" dur="1" fill="hold">
+                                          <p:stCondLst>
+                                            <p:cond delay="0"/>
+                                          </p:stCondLst>
+                                        </p:cTn>
+                                        <p:tgtEl>
+                                          <p:spTgt spid="9">
+                                            <p:txEl>
+                                              <p:pRg st="2" end="2"/>
+                                            </p:txEl>
+                                          </p:spTgt>
+                                        </p:tgtEl>
+                                        <p:attrNameLst>
+                                          <p:attrName>style.visibility</p:attrName>
+                                        </p:attrNameLst>
+                                      </p:cBhvr>
+                                      <p:to>
+                                        <p:strVal val="visible"/>
+                                      </p:to>
+                                    </p:set>
+                                  </p:childTnLst>
+                                </p:cTn>
+                              </p:par>
+                              <p:par>
+                                <p:cTn id="7" presetID="1" presetClass="entr" presetSubtype="0" fill="hold" nodeType="withEffect">
+                                  <p:stCondLst>
+                                    <p:cond delay="0"/>
+                                  </p:stCondLst>
+                                  <p:childTnLst>
+                                    <p:set>
+                                      <p:cBhvr>
+                                        <p:cTn id="8" dur="1" fill="hold">
+                                          <p:stCondLst>
+                                            <p:cond delay="0"/>
+                                          </p:stCondLst>
+                                        </p:cTn>
+                                        <p:tgtEl>
+                                          <p:spTgt spid="9">
+                                            <p:txEl>
+                                              <p:pRg st="3" end="3"/>
+                                            </p:txEl>
+                                          </p:spTgt>
+                                        </p:tgtEl>
+                                        <p:attrNameLst>
+                                          <p:attrName>style.visibility</p:attrName>
+                                        </p:attrNameLst>
+                                      </p:cBhvr>
+                                      <p:to>
+                                        <p:strVal val="visible"/>
+                                      </p:to>
+                                    </p:set>
+                                  </p:childTnLst>
+                                </p:cTn>
+                              </p:par>
+                            </p:childTnLst>
+                          </p:cTn>
+                        </p:par>
+                      </p:childTnLst>
+                    </p:cTn>
+                  </p:par>
+                  <p:par>
+                    <p:cTn id="9" fill="hold">
+                      <p:stCondLst>
+                        <p:cond delay="indefinite"/>
+                      </p:stCondLst>
+                      <p:childTnLst>
+                        <p:par>
+                          <p:cTn id="10" fill="hold">
+                            <p:stCondLst>
+                              <p:cond delay="0"/>
+                            </p:stCondLst>
+                            <p:childTnLst>
+                              <p:par>
+                                <p:cTn id="11" presetID="1" presetClass="entr" presetSubtype="0" fill="hold" nodeType="clickEffect">
+                                  <p:stCondLst>
+                                    <p:cond delay="0"/>
+                                  </p:stCondLst>
+                                  <p:childTnLst>
+                                    <p:set>
+                                      <p:cBhvr>
+                                        <p:cTn id="12" dur="1" fill="hold">
+                                          <p:stCondLst>
+                                            <p:cond delay="0"/>
+                                          </p:stCondLst>
+                                        </p:cTn>
+                                        <p:tgtEl>
+                                          <p:spTgt spid="9">
+                                            <p:txEl>
+                                              <p:pRg st="4" end="4"/>
+                                            </p:txEl>
+                                          </p:spTgt>
+                                        </p:tgtEl>
+                                        <p:attrNameLst>
+                                          <p:attrName>style.visibility</p:attrName>
+                                        </p:attrNameLst>
+                                      </p:cBhvr>
+                                      <p:to>
+                                        <p:strVal val="visible"/>
+                                      </p:to>
+                                    </p:set>
+                                  </p:childTnLst>
+                                </p:cTn>
+                              </p:par>
+                            </p:childTnLst>
+                          </p:cTn>
+                        </p:par>
+                      </p:childTnLst>
+                    </p:cTn>
+                  </p:par>
+                  <p:par>
+                    <p:cTn id="13" fill="hold">
+                      <p:stCondLst>
+                        <p:cond delay="indefinite"/>
+                      </p:stCondLst>
+                      <p:childTnLst>
+                        <p:par>
+                          <p:cTn id="14" fill="hold">
+                            <p:stCondLst>
+                              <p:cond delay="0"/>
+                            </p:stCondLst>
+                            <p:childTnLst>
+                              <p:par>
+                                <p:cTn id="15" presetID="1" presetClass="entr" presetSubtype="0" fill="hold" nodeType="clickEffect">
+                                  <p:stCondLst>
+                                    <p:cond delay="0"/>
+                                  </p:stCondLst>
+                                  <p:childTnLst>
+                                    <p:set>
+                                      <p:cBhvr>
+                                        <p:cTn id="16" dur="1" fill="hold">
+                                          <p:stCondLst>
+                                            <p:cond delay="0"/>
+                                          </p:stCondLst>
+                                        </p:cTn>
+                                        <p:tgtEl>
+                                          <p:spTgt spid="9">
+                                            <p:txEl>
+                                              <p:pRg st="5" end="5"/>
+                                            </p:txEl>
+                                          </p:spTgt>
+                                        </p:tgtEl>
+                                        <p:attrNameLst>
+                                          <p:attrName>style.visibility</p:attrName>
+                                        </p:attrNameLst>
+                                      </p:cBhvr>
+                                      <p:to>
+                                        <p:strVal val="visible"/>
+                                      </p:to>
+                                    </p:set>
+                                  </p:childTnLst>
+                                </p:cTn>
+                              </p:par>
+                            </p:childTnLst>
+                          </p:cTn>
+                        </p:par>
+                      </p:childTnLst>
+                    </p:cTn>
+                  </p:par>
+                  <p:par>
+                    <p:cTn id="17" fill="hold">
+                      <p:stCondLst>
+                        <p:cond delay="indefinite"/>
+                      </p:stCondLst>
+                      <p:childTnLst>
+                        <p:par>
+                          <p:cTn id="18" fill="hold">
+                            <p:stCondLst>
+                              <p:cond delay="0"/>
+                            </p:stCondLst>
+                            <p:childTnLst>
+                              <p:par>
+                                <p:cTn id="19" presetID="1" presetClass="entr" presetSubtype="0" fill="hold" nodeType="clickEffect">
+                                  <p:stCondLst>
+                                    <p:cond delay="0"/>
+                                  </p:stCondLst>
+                                  <p:childTnLst>
+                                    <p:set>
+                                      <p:cBhvr>
+                                        <p:cTn id="20" dur="1" fill="hold">
+                                          <p:stCondLst>
+                                            <p:cond delay="0"/>
+                                          </p:stCondLst>
+                                        </p:cTn>
+                                        <p:tgtEl>
+                                          <p:spTgt spid="9">
+                                            <p:txEl>
+                                              <p:pRg st="5" end="5"/>
+                                            </p:txEl>
+                                          </p:spTgt>
+                                        </p:tgtEl>
+                                        <p:attrNameLst>
+                                          <p:attrName>style.visibility</p:attrName>
+                                        </p:attrNameLst>
+                                      </p:cBhvr>
+                                      <p:to>
+                                        <p:strVal val="visible"/>
+                                      </p:to>
+                                    </p:set>
+                                  </p:childTnLst>
+                                </p:cTn>
+                              </p:par>
+                            </p:childTnLst>
+                          </p:cTn>
+                        </p:par>
+                      </p:childTnLst>
+                    </p:cTn>
+                  </p:par>
+                  <p:par>
+                    <p:cTn id="21" fill="hold">
+                      <p:stCondLst>
+                        <p:cond delay="indefinite"/>
+                      </p:stCondLst>
+                      <p:childTnLst>
+                        <p:par>
+                          <p:cTn id="22" fill="hold">
+                            <p:stCondLst>
+                              <p:cond delay="0"/>
+                            </p:stCondLst>
+                            <p:childTnLst>
+                              <p:par>
+                                <p:cTn id="23" presetID="1" presetClass="entr" presetSubtype="0" fill="hold" nodeType="clickEffect">
+                                  <p:stCondLst>
+                                    <p:cond delay="0"/>
+                                  </p:stCondLst>
+                                  <p:childTnLst>
+                                    <p:set>
+                                      <p:cBhvr>
+                                        <p:cTn id="24" dur="1" fill="hold">
+                                          <p:stCondLst>
+                                            <p:cond delay="0"/>
+                                          </p:stCondLst>
+                                        </p:cTn>
+                                        <p:tgtEl>
+                                          <p:spTgt spid="9">
+                                            <p:txEl>
+                                              <p:pRg st="6" end="6"/>
+                                            </p:txEl>
+                                          </p:spTgt>
+                                        </p:tgtEl>
+                                        <p:attrNameLst>
+                                          <p:attrName>style.visibility</p:attrName>
+                                        </p:attrNameLst>
+                                      </p:cBhvr>
+                                      <p:to>
+                                        <p:strVal val="visible"/>
+                                      </p:to>
+                                    </p:set>
+                                  </p:childTnLst>
+                                </p:cTn>
+                              </p:par>
+                              <p:par>
+                                <p:cTn id="25" presetID="1" presetClass="entr" presetSubtype="0" fill="hold" nodeType="withEffect">
+                                  <p:stCondLst>
+                                    <p:cond delay="0"/>
+                                  </p:stCondLst>
+                                  <p:childTnLst>
+                                    <p:set>
+                                      <p:cBhvr>
+                                        <p:cTn id="26" dur="1" fill="hold">
+                                          <p:stCondLst>
+                                            <p:cond delay="0"/>
+                                          </p:stCondLst>
+                                        </p:cTn>
+                                        <p:tgtEl>
+                                          <p:spTgt spid="9">
+                                            <p:txEl>
+                                              <p:pRg st="7" end="7"/>
+                                            </p:txEl>
+                                          </p:spTgt>
+                                        </p:tgtEl>
+                                        <p:attrNameLst>
+                                          <p:attrName>style.visibility</p:attrName>
+                                        </p:attrNameLst>
+                                      </p:cBhvr>
+                                      <p:to>
+                                        <p:strVal val="visible"/>
+                                      </p:to>
+                                    </p:set>
+                                  </p:childTnLst>
+                                </p:cTn>
+                              </p:par>
+                            </p:childTnLst>
+                          </p:cTn>
+                        </p:par>
+                      </p:childTnLst>
+                    </p:cTn>
+                  </p:par>
+                  <p:par>
+                    <p:cTn id="27" fill="hold">
+                      <p:stCondLst>
+                        <p:cond delay="indefinite"/>
+                      </p:stCondLst>
+                      <p:childTnLst>
+                        <p:par>
+                          <p:cTn id="28" fill="hold">
+                            <p:stCondLst>
+                              <p:cond delay="0"/>
+                            </p:stCondLst>
+                            <p:childTnLst>
+                              <p:par>
+                                <p:cTn id="29" presetID="1" presetClass="entr" presetSubtype="0" fill="hold" nodeType="clickEffect">
+                                  <p:stCondLst>
+                                    <p:cond delay="0"/>
+                                  </p:stCondLst>
+                                  <p:childTnLst>
+                                    <p:set>
+                                      <p:cBhvr>
+                                        <p:cTn id="30" dur="1" fill="hold">
+                                          <p:stCondLst>
+                                            <p:cond delay="0"/>
+                                          </p:stCondLst>
+                                        </p:cTn>
+                                        <p:tgtEl>
+                                          <p:spTgt spid="9">
+                                            <p:txEl>
+                                              <p:pRg st="8" end="8"/>
+                                            </p:txEl>
+                                          </p:spTgt>
+                                        </p:tgtEl>
+                                        <p:attrNameLst>
+                                          <p:attrName>style.visibility</p:attrName>
+                                        </p:attrNameLst>
+                                      </p:cBhvr>
+                                      <p:to>
+                                        <p:strVal val="visible"/>
+                                      </p:to>
+                                    </p:set>
+                                  </p:childTnLst>
+                                </p:cTn>
+                              </p:par>
+                            </p:childTnLst>
+                          </p:cTn>
+                        </p:par>
+                      </p:childTnLst>
+                    </p:cTn>
+                  </p:par>
+                </p:childTnLst>
+              </p:cTn>
+              <p:prevCondLst>
+                <p:cond evt="onPrev" delay="0">
+                  <p:tgtEl>
+                    <p:sldTgt/>
+                  </p:tgtEl>
+                </p:cond>
+              </p:prevCondLst>
+              <p:nextCondLst>
+                <p:cond evt="onNext" delay="0">
+                  <p:tgtEl>
+                    <p:sldTgt/>
+                  </p:tgtEl>
+                </p:cond>
+              </p:nextCondLst>
+            </p:seq>
+          </p:childTnLst>
+        </p:cTn>
+      </p:par>
+    </p:tnLst>
+  </p:timing>
 </p:sld>
 </file>
 
@@ -7283,7 +11924,7 @@
               <a:rPr lang="en-US" dirty="0">
                 <a:latin typeface="Gill Sans MT" panose="020B0502020104020203" pitchFamily="34" charset="77"/>
               </a:rPr>
-              <a:t> statement is used to exit a loop.</a:t>
+              <a:t> statement is used to exit a for loop.</a:t>
             </a:r>
           </a:p>
           <a:p>
@@ -7320,7 +11961,7 @@
                 </a:solidFill>
                 <a:latin typeface="Inconsolata Medium" panose="020B0609030003000000" pitchFamily="49" charset="77"/>
               </a:rPr>
-              <a:t>7</a:t>
+              <a:t>1</a:t>
             </a:r>
             <a:r>
               <a:rPr lang="en-US" b="1" dirty="0">
@@ -7374,7 +12015,7 @@
                 </a:solidFill>
                 <a:latin typeface="Inconsolata Medium" panose="020B0609030003000000" pitchFamily="49" charset="77"/>
               </a:rPr>
-              <a:t>5</a:t>
+              <a:t>10</a:t>
             </a:r>
             <a:r>
               <a:rPr lang="en-US" b="1" dirty="0">
@@ -7412,6 +12053,24 @@
                 </a:solidFill>
                 <a:latin typeface="Inconsolata Medium" panose="020B0609030003000000" pitchFamily="49" charset="77"/>
               </a:rPr>
+              <a:t>% </a:t>
+            </a:r>
+            <a:r>
+              <a:rPr lang="en-US" b="1" dirty="0">
+                <a:solidFill>
+                  <a:srgbClr val="FF6600"/>
+                </a:solidFill>
+                <a:latin typeface="Inconsolata Medium" panose="020B0609030003000000" pitchFamily="49" charset="77"/>
+              </a:rPr>
+              <a:t>2 </a:t>
+            </a:r>
+            <a:r>
+              <a:rPr lang="en-US" b="1" dirty="0">
+                <a:solidFill>
+                  <a:srgbClr val="545454"/>
+                </a:solidFill>
+                <a:latin typeface="Inconsolata Medium" panose="020B0609030003000000" pitchFamily="49" charset="77"/>
+              </a:rPr>
               <a:t>== </a:t>
             </a:r>
             <a:r>
@@ -7421,7 +12080,7 @@
                 </a:solidFill>
                 <a:latin typeface="Inconsolata Medium" panose="020B0609030003000000" pitchFamily="49" charset="77"/>
               </a:rPr>
-              <a:t>3</a:t>
+              <a:t>0</a:t>
             </a:r>
             <a:r>
               <a:rPr lang="en-US" b="1" dirty="0">
@@ -7441,7 +12100,7 @@
                 </a:solidFill>
                 <a:latin typeface="Inconsolata Medium" panose="020B0609030003000000" pitchFamily="49" charset="77"/>
               </a:rPr>
-              <a:t>			break </a:t>
+              <a:t>			continue </a:t>
             </a:r>
             <a:endParaRPr lang="en-US" b="1" dirty="0">
               <a:latin typeface="Inconsolata Medium" panose="020B0609030003000000" pitchFamily="49" charset="77"/>
@@ -7531,7 +12190,7 @@
               <a:rPr lang="en-US" b="1" dirty="0">
                 <a:latin typeface="Inconsolata Medium" panose="020B0609030003000000" pitchFamily="49" charset="77"/>
               </a:rPr>
-              <a:t>0 1 2 </a:t>
+              <a:t>1 3 5 7 9 </a:t>
             </a:r>
           </a:p>
           <a:p>
@@ -7563,13 +12222,203 @@
     </p:spTree>
     <p:extLst>
       <p:ext uri="{BB962C8B-B14F-4D97-AF65-F5344CB8AC3E}">
-        <p14:creationId xmlns:p14="http://schemas.microsoft.com/office/powerpoint/2010/main" val="406772024"/>
+        <p14:creationId xmlns:p14="http://schemas.microsoft.com/office/powerpoint/2010/main" val="3275945509"/>
       </p:ext>
     </p:extLst>
   </p:cSld>
   <p:clrMapOvr>
     <a:masterClrMapping/>
   </p:clrMapOvr>
+  <p:timing>
+    <p:tnLst>
+      <p:par>
+        <p:cTn id="1" dur="indefinite" restart="never" nodeType="tmRoot">
+          <p:childTnLst>
+            <p:seq concurrent="1" nextAc="seek">
+              <p:cTn id="2" dur="indefinite" nodeType="mainSeq">
+                <p:childTnLst>
+                  <p:par>
+                    <p:cTn id="3" fill="hold">
+                      <p:stCondLst>
+                        <p:cond delay="indefinite"/>
+                      </p:stCondLst>
+                      <p:childTnLst>
+                        <p:par>
+                          <p:cTn id="4" fill="hold">
+                            <p:stCondLst>
+                              <p:cond delay="0"/>
+                            </p:stCondLst>
+                            <p:childTnLst>
+                              <p:par>
+                                <p:cTn id="5" presetID="1" presetClass="entr" presetSubtype="0" fill="hold" nodeType="clickEffect">
+                                  <p:stCondLst>
+                                    <p:cond delay="0"/>
+                                  </p:stCondLst>
+                                  <p:childTnLst>
+                                    <p:set>
+                                      <p:cBhvr>
+                                        <p:cTn id="6" dur="1" fill="hold">
+                                          <p:stCondLst>
+                                            <p:cond delay="0"/>
+                                          </p:stCondLst>
+                                        </p:cTn>
+                                        <p:tgtEl>
+                                          <p:spTgt spid="9">
+                                            <p:txEl>
+                                              <p:pRg st="2" end="2"/>
+                                            </p:txEl>
+                                          </p:spTgt>
+                                        </p:tgtEl>
+                                        <p:attrNameLst>
+                                          <p:attrName>style.visibility</p:attrName>
+                                        </p:attrNameLst>
+                                      </p:cBhvr>
+                                      <p:to>
+                                        <p:strVal val="visible"/>
+                                      </p:to>
+                                    </p:set>
+                                  </p:childTnLst>
+                                </p:cTn>
+                              </p:par>
+                              <p:par>
+                                <p:cTn id="7" presetID="1" presetClass="entr" presetSubtype="0" fill="hold" nodeType="withEffect">
+                                  <p:stCondLst>
+                                    <p:cond delay="0"/>
+                                  </p:stCondLst>
+                                  <p:childTnLst>
+                                    <p:set>
+                                      <p:cBhvr>
+                                        <p:cTn id="8" dur="1" fill="hold">
+                                          <p:stCondLst>
+                                            <p:cond delay="0"/>
+                                          </p:stCondLst>
+                                        </p:cTn>
+                                        <p:tgtEl>
+                                          <p:spTgt spid="9">
+                                            <p:txEl>
+                                              <p:pRg st="3" end="3"/>
+                                            </p:txEl>
+                                          </p:spTgt>
+                                        </p:tgtEl>
+                                        <p:attrNameLst>
+                                          <p:attrName>style.visibility</p:attrName>
+                                        </p:attrNameLst>
+                                      </p:cBhvr>
+                                      <p:to>
+                                        <p:strVal val="visible"/>
+                                      </p:to>
+                                    </p:set>
+                                  </p:childTnLst>
+                                </p:cTn>
+                              </p:par>
+                              <p:par>
+                                <p:cTn id="9" presetID="1" presetClass="entr" presetSubtype="0" fill="hold" nodeType="withEffect">
+                                  <p:stCondLst>
+                                    <p:cond delay="0"/>
+                                  </p:stCondLst>
+                                  <p:childTnLst>
+                                    <p:set>
+                                      <p:cBhvr>
+                                        <p:cTn id="10" dur="1" fill="hold">
+                                          <p:stCondLst>
+                                            <p:cond delay="0"/>
+                                          </p:stCondLst>
+                                        </p:cTn>
+                                        <p:tgtEl>
+                                          <p:spTgt spid="9">
+                                            <p:txEl>
+                                              <p:pRg st="4" end="4"/>
+                                            </p:txEl>
+                                          </p:spTgt>
+                                        </p:tgtEl>
+                                        <p:attrNameLst>
+                                          <p:attrName>style.visibility</p:attrName>
+                                        </p:attrNameLst>
+                                      </p:cBhvr>
+                                      <p:to>
+                                        <p:strVal val="visible"/>
+                                      </p:to>
+                                    </p:set>
+                                  </p:childTnLst>
+                                </p:cTn>
+                              </p:par>
+                            </p:childTnLst>
+                          </p:cTn>
+                        </p:par>
+                      </p:childTnLst>
+                    </p:cTn>
+                  </p:par>
+                  <p:par>
+                    <p:cTn id="11" fill="hold">
+                      <p:stCondLst>
+                        <p:cond delay="indefinite"/>
+                      </p:stCondLst>
+                      <p:childTnLst>
+                        <p:par>
+                          <p:cTn id="12" fill="hold">
+                            <p:stCondLst>
+                              <p:cond delay="0"/>
+                            </p:stCondLst>
+                            <p:childTnLst>
+                              <p:par>
+                                <p:cTn id="13" presetID="1" presetClass="entr" presetSubtype="0" fill="hold" nodeType="clickEffect">
+                                  <p:stCondLst>
+                                    <p:cond delay="0"/>
+                                  </p:stCondLst>
+                                  <p:childTnLst>
+                                    <p:set>
+                                      <p:cBhvr>
+                                        <p:cTn id="14" dur="1" fill="hold">
+                                          <p:stCondLst>
+                                            <p:cond delay="0"/>
+                                          </p:stCondLst>
+                                        </p:cTn>
+                                        <p:tgtEl>
+                                          <p:spTgt spid="9">
+                                            <p:txEl>
+                                              <p:pRg st="6" end="6"/>
+                                            </p:txEl>
+                                          </p:spTgt>
+                                        </p:tgtEl>
+                                        <p:attrNameLst>
+                                          <p:attrName>style.visibility</p:attrName>
+                                        </p:attrNameLst>
+                                      </p:cBhvr>
+                                      <p:to>
+                                        <p:strVal val="visible"/>
+                                      </p:to>
+                                    </p:set>
+                                  </p:childTnLst>
+                                </p:cTn>
+                              </p:par>
+                            </p:childTnLst>
+                          </p:cTn>
+                        </p:par>
+                      </p:childTnLst>
+                    </p:cTn>
+                  </p:par>
+                </p:childTnLst>
+              </p:cTn>
+              <p:prevCondLst>
+                <p:cond evt="onPrev" delay="0">
+                  <p:tgtEl>
+                    <p:sldTgt/>
+                  </p:tgtEl>
+                </p:cond>
+              </p:prevCondLst>
+              <p:nextCondLst>
+                <p:cond evt="onNext" delay="0">
+                  <p:tgtEl>
+                    <p:sldTgt/>
+                  </p:tgtEl>
+                </p:cond>
+              </p:nextCondLst>
+            </p:seq>
+          </p:childTnLst>
+        </p:cTn>
+      </p:par>
+    </p:tnLst>
+  </p:timing>
 </p:sld>
 </file>
 
@@ -7618,7 +12467,7 @@
           <a:p>
             <a:r>
               <a:rPr lang="en-US" dirty="0"/>
-              <a:t>Definite Loop</a:t>
+              <a:t>continue vs. break</a:t>
             </a:r>
           </a:p>
         </p:txBody>
@@ -7658,43 +12507,31 @@
               <a:rPr lang="en-US" dirty="0">
                 <a:latin typeface="Gill Sans MT" panose="020B0502020104020203" pitchFamily="34" charset="77"/>
               </a:rPr>
-              <a:t>The for loop is an example of a </a:t>
+              <a:t>The </a:t>
             </a:r>
             <a:r>
               <a:rPr lang="en-US" b="1" dirty="0">
                 <a:latin typeface="Gill Sans MT" panose="020B0502020104020203" pitchFamily="34" charset="77"/>
               </a:rPr>
-              <a:t>definite</a:t>
+              <a:t>continue</a:t>
             </a:r>
             <a:r>
               <a:rPr lang="en-US" dirty="0">
                 <a:latin typeface="Gill Sans MT" panose="020B0502020104020203" pitchFamily="34" charset="77"/>
               </a:rPr>
-              <a:t> loop. We can determine ahead of time the number of times the loop repeats. Later, we will </a:t>
-            </a:r>
-            <a:r>
-              <a:rPr lang="en-US" dirty="0" err="1">
+              <a:t> statement is used to skip the current iteration and move to the next iteration whereas the </a:t>
+            </a:r>
+            <a:r>
+              <a:rPr lang="en-US" b="1" dirty="0">
                 <a:latin typeface="Gill Sans MT" panose="020B0502020104020203" pitchFamily="34" charset="77"/>
               </a:rPr>
-              <a:t>tak</a:t>
+              <a:t>break</a:t>
             </a:r>
             <a:r>
               <a:rPr lang="en-US" dirty="0">
                 <a:latin typeface="Gill Sans MT" panose="020B0502020104020203" pitchFamily="34" charset="77"/>
               </a:rPr>
-              <a:t> about </a:t>
-            </a:r>
-            <a:r>
-              <a:rPr lang="en-US" b="1" dirty="0">
-                <a:latin typeface="Gill Sans MT" panose="020B0502020104020203" pitchFamily="34" charset="77"/>
-              </a:rPr>
-              <a:t>indefinite loop</a:t>
-            </a:r>
-            <a:r>
-              <a:rPr lang="en-US" dirty="0">
-                <a:latin typeface="Gill Sans MT" panose="020B0502020104020203" pitchFamily="34" charset="77"/>
-              </a:rPr>
-              <a:t>, a loop where we cannot predict the number of times it repeats. </a:t>
+              <a:t> statement is used to exit a loop.</a:t>
             </a:r>
           </a:p>
           <a:p>
@@ -7731,7 +12568,7 @@
                 </a:solidFill>
                 <a:latin typeface="Inconsolata Medium" panose="020B0609030003000000" pitchFamily="49" charset="77"/>
               </a:rPr>
-              <a:t>7</a:t>
+              <a:t>2</a:t>
             </a:r>
             <a:r>
               <a:rPr lang="en-US" b="1" dirty="0">
@@ -7755,7 +12592,7 @@
                 </a:solidFill>
                 <a:latin typeface="Inconsolata Medium" panose="020B0609030003000000" pitchFamily="49" charset="77"/>
               </a:rPr>
-              <a:t>i </a:t>
+              <a:t>n </a:t>
             </a:r>
             <a:r>
               <a:rPr lang="en-US" b="1" dirty="0">
@@ -7805,7 +12642,54 @@
                 </a:solidFill>
                 <a:latin typeface="Inconsolata Medium" panose="020B0609030003000000" pitchFamily="49" charset="77"/>
               </a:rPr>
-              <a:t>		  print("*")</a:t>
+              <a:t>		  if </a:t>
+            </a:r>
+            <a:r>
+              <a:rPr lang="en-US" b="1" dirty="0">
+                <a:solidFill>
+                  <a:srgbClr val="000087"/>
+                </a:solidFill>
+                <a:latin typeface="Inconsolata Medium" panose="020B0609030003000000" pitchFamily="49" charset="77"/>
+              </a:rPr>
+              <a:t>n </a:t>
+            </a:r>
+            <a:r>
+              <a:rPr lang="en-US" b="1" dirty="0">
+                <a:solidFill>
+                  <a:srgbClr val="545454"/>
+                </a:solidFill>
+                <a:latin typeface="Inconsolata Medium" panose="020B0609030003000000" pitchFamily="49" charset="77"/>
+              </a:rPr>
+              <a:t>== </a:t>
+            </a:r>
+            <a:r>
+              <a:rPr lang="en-US" b="1" dirty="0">
+                <a:solidFill>
+                  <a:srgbClr val="FF6600"/>
+                </a:solidFill>
+                <a:latin typeface="Inconsolata Medium" panose="020B0609030003000000" pitchFamily="49" charset="77"/>
+              </a:rPr>
+              <a:t>3</a:t>
+            </a:r>
+            <a:r>
+              <a:rPr lang="en-US" b="1" dirty="0">
+                <a:latin typeface="Inconsolata Medium" panose="020B0609030003000000" pitchFamily="49" charset="77"/>
+              </a:rPr>
+              <a:t>: </a:t>
+            </a:r>
+          </a:p>
+          <a:p>
+            <a:pPr marL="0" indent="0">
+              <a:buNone/>
+            </a:pPr>
+            <a:r>
+              <a:rPr lang="en-US" b="1" dirty="0">
+                <a:solidFill>
+                  <a:srgbClr val="006699"/>
+                </a:solidFill>
+                <a:latin typeface="Inconsolata Medium" panose="020B0609030003000000" pitchFamily="49" charset="77"/>
+              </a:rPr>
+              <a:t>			break </a:t>
             </a:r>
             <a:endParaRPr lang="en-US" b="1" dirty="0">
               <a:latin typeface="Inconsolata Medium" panose="020B0609030003000000" pitchFamily="49" charset="77"/>
@@ -7817,9 +12701,85 @@
             </a:pPr>
             <a:r>
               <a:rPr lang="en-US" b="1" dirty="0">
-                <a:latin typeface="Inconsolata Medium" panose="020B0609030003000000" pitchFamily="49" charset="77"/>
-              </a:rPr>
-              <a:t>*****</a:t>
+                <a:solidFill>
+                  <a:srgbClr val="006699"/>
+                </a:solidFill>
+                <a:latin typeface="Inconsolata Medium" panose="020B0609030003000000" pitchFamily="49" charset="77"/>
+              </a:rPr>
+              <a:t>		  print</a:t>
+            </a:r>
+            <a:r>
+              <a:rPr lang="en-US" b="1" dirty="0">
+                <a:latin typeface="Inconsolata Medium" panose="020B0609030003000000" pitchFamily="49" charset="77"/>
+              </a:rPr>
+              <a:t>(</a:t>
+            </a:r>
+            <a:r>
+              <a:rPr lang="en-US" b="1" dirty="0">
+                <a:solidFill>
+                  <a:srgbClr val="000087"/>
+                </a:solidFill>
+                <a:latin typeface="Inconsolata Medium" panose="020B0609030003000000" pitchFamily="49" charset="77"/>
+              </a:rPr>
+              <a:t>n</a:t>
+            </a:r>
+            <a:r>
+              <a:rPr lang="en-US" b="1" dirty="0">
+                <a:latin typeface="Inconsolata Medium" panose="020B0609030003000000" pitchFamily="49" charset="77"/>
+              </a:rPr>
+              <a:t>, </a:t>
+            </a:r>
+            <a:r>
+              <a:rPr lang="en-US" b="1" dirty="0">
+                <a:solidFill>
+                  <a:srgbClr val="000087"/>
+                </a:solidFill>
+                <a:latin typeface="Inconsolata Medium" panose="020B0609030003000000" pitchFamily="49" charset="77"/>
+              </a:rPr>
+              <a:t>end</a:t>
+            </a:r>
+            <a:r>
+              <a:rPr lang="en-US" b="1" dirty="0">
+                <a:solidFill>
+                  <a:srgbClr val="545454"/>
+                </a:solidFill>
+                <a:latin typeface="Inconsolata Medium" panose="020B0609030003000000" pitchFamily="49" charset="77"/>
+              </a:rPr>
+              <a:t>=</a:t>
+            </a:r>
+            <a:r>
+              <a:rPr lang="en-US" b="1" dirty="0">
+                <a:solidFill>
+                  <a:srgbClr val="CC3300"/>
+                </a:solidFill>
+                <a:latin typeface="Inconsolata Medium" panose="020B0609030003000000" pitchFamily="49" charset="77"/>
+              </a:rPr>
+              <a:t>‘ ’</a:t>
+            </a:r>
+            <a:r>
+              <a:rPr lang="en-US" b="1" dirty="0">
+                <a:latin typeface="Inconsolata Medium" panose="020B0609030003000000" pitchFamily="49" charset="77"/>
+              </a:rPr>
+              <a:t>) </a:t>
+            </a:r>
+          </a:p>
+          <a:p>
+            <a:pPr marL="0" indent="0">
+              <a:buNone/>
+            </a:pPr>
+            <a:endParaRPr lang="en-US" b="1" dirty="0">
+              <a:latin typeface="Inconsolata Medium" panose="020B0609030003000000" pitchFamily="49" charset="77"/>
+            </a:endParaRPr>
+          </a:p>
+          <a:p>
+            <a:pPr marL="0" indent="0">
+              <a:buNone/>
+            </a:pPr>
+            <a:r>
+              <a:rPr lang="en-US" b="1" dirty="0">
+                <a:latin typeface="Inconsolata Medium" panose="020B0609030003000000" pitchFamily="49" charset="77"/>
+              </a:rPr>
+              <a:t>0 1 2 </a:t>
             </a:r>
           </a:p>
           <a:p>
@@ -7827,16 +12787,13 @@
               <a:buNone/>
             </a:pPr>
             <a:br>
-              <a:rPr lang="en-US" dirty="0">
-                <a:latin typeface="Gill Sans MT" panose="020B0502020104020203" pitchFamily="34" charset="77"/>
+              <a:rPr lang="en-US" b="1" dirty="0">
+                <a:latin typeface="Inconsolata Medium" panose="020B0609030003000000" pitchFamily="49" charset="77"/>
               </a:rPr>
             </a:br>
-            <a:r>
-              <a:rPr lang="en-US" dirty="0">
-                <a:latin typeface="Gill Sans MT" panose="020B0502020104020203" pitchFamily="34" charset="77"/>
-              </a:rPr>
-              <a:t>The loop above prints 5 *. </a:t>
-            </a:r>
+            <a:endParaRPr lang="en-US" b="1" dirty="0">
+              <a:latin typeface="Inconsolata Medium" panose="020B0609030003000000" pitchFamily="49" charset="77"/>
+            </a:endParaRPr>
           </a:p>
           <a:p>
             <a:pPr marL="0" indent="0">
@@ -7854,13 +12811,203 @@
     </p:spTree>
     <p:extLst>
       <p:ext uri="{BB962C8B-B14F-4D97-AF65-F5344CB8AC3E}">
-        <p14:creationId xmlns:p14="http://schemas.microsoft.com/office/powerpoint/2010/main" val="1703902501"/>
+        <p14:creationId xmlns:p14="http://schemas.microsoft.com/office/powerpoint/2010/main" val="406772024"/>
       </p:ext>
     </p:extLst>
   </p:cSld>
   <p:clrMapOvr>
     <a:masterClrMapping/>
   </p:clrMapOvr>
+  <p:timing>
+    <p:tnLst>
+      <p:par>
+        <p:cTn id="1" dur="indefinite" restart="never" nodeType="tmRoot">
+          <p:childTnLst>
+            <p:seq concurrent="1" nextAc="seek">
+              <p:cTn id="2" dur="indefinite" nodeType="mainSeq">
+                <p:childTnLst>
+                  <p:par>
+                    <p:cTn id="3" fill="hold">
+                      <p:stCondLst>
+                        <p:cond delay="indefinite"/>
+                      </p:stCondLst>
+                      <p:childTnLst>
+                        <p:par>
+                          <p:cTn id="4" fill="hold">
+                            <p:stCondLst>
+                              <p:cond delay="0"/>
+                            </p:stCondLst>
+                            <p:childTnLst>
+                              <p:par>
+                                <p:cTn id="5" presetID="1" presetClass="entr" presetSubtype="0" fill="hold" nodeType="clickEffect">
+                                  <p:stCondLst>
+                                    <p:cond delay="0"/>
+                                  </p:stCondLst>
+                                  <p:childTnLst>
+                                    <p:set>
+                                      <p:cBhvr>
+                                        <p:cTn id="6" dur="1" fill="hold">
+                                          <p:stCondLst>
+                                            <p:cond delay="0"/>
+                                          </p:stCondLst>
+                                        </p:cTn>
+                                        <p:tgtEl>
+                                          <p:spTgt spid="9">
+                                            <p:txEl>
+                                              <p:pRg st="2" end="2"/>
+                                            </p:txEl>
+                                          </p:spTgt>
+                                        </p:tgtEl>
+                                        <p:attrNameLst>
+                                          <p:attrName>style.visibility</p:attrName>
+                                        </p:attrNameLst>
+                                      </p:cBhvr>
+                                      <p:to>
+                                        <p:strVal val="visible"/>
+                                      </p:to>
+                                    </p:set>
+                                  </p:childTnLst>
+                                </p:cTn>
+                              </p:par>
+                              <p:par>
+                                <p:cTn id="7" presetID="1" presetClass="entr" presetSubtype="0" fill="hold" nodeType="withEffect">
+                                  <p:stCondLst>
+                                    <p:cond delay="0"/>
+                                  </p:stCondLst>
+                                  <p:childTnLst>
+                                    <p:set>
+                                      <p:cBhvr>
+                                        <p:cTn id="8" dur="1" fill="hold">
+                                          <p:stCondLst>
+                                            <p:cond delay="0"/>
+                                          </p:stCondLst>
+                                        </p:cTn>
+                                        <p:tgtEl>
+                                          <p:spTgt spid="9">
+                                            <p:txEl>
+                                              <p:pRg st="3" end="3"/>
+                                            </p:txEl>
+                                          </p:spTgt>
+                                        </p:tgtEl>
+                                        <p:attrNameLst>
+                                          <p:attrName>style.visibility</p:attrName>
+                                        </p:attrNameLst>
+                                      </p:cBhvr>
+                                      <p:to>
+                                        <p:strVal val="visible"/>
+                                      </p:to>
+                                    </p:set>
+                                  </p:childTnLst>
+                                </p:cTn>
+                              </p:par>
+                              <p:par>
+                                <p:cTn id="9" presetID="1" presetClass="entr" presetSubtype="0" fill="hold" nodeType="withEffect">
+                                  <p:stCondLst>
+                                    <p:cond delay="0"/>
+                                  </p:stCondLst>
+                                  <p:childTnLst>
+                                    <p:set>
+                                      <p:cBhvr>
+                                        <p:cTn id="10" dur="1" fill="hold">
+                                          <p:stCondLst>
+                                            <p:cond delay="0"/>
+                                          </p:stCondLst>
+                                        </p:cTn>
+                                        <p:tgtEl>
+                                          <p:spTgt spid="9">
+                                            <p:txEl>
+                                              <p:pRg st="4" end="4"/>
+                                            </p:txEl>
+                                          </p:spTgt>
+                                        </p:tgtEl>
+                                        <p:attrNameLst>
+                                          <p:attrName>style.visibility</p:attrName>
+                                        </p:attrNameLst>
+                                      </p:cBhvr>
+                                      <p:to>
+                                        <p:strVal val="visible"/>
+                                      </p:to>
+                                    </p:set>
+                                  </p:childTnLst>
+                                </p:cTn>
+                              </p:par>
+                            </p:childTnLst>
+                          </p:cTn>
+                        </p:par>
+                      </p:childTnLst>
+                    </p:cTn>
+                  </p:par>
+                  <p:par>
+                    <p:cTn id="11" fill="hold">
+                      <p:stCondLst>
+                        <p:cond delay="indefinite"/>
+                      </p:stCondLst>
+                      <p:childTnLst>
+                        <p:par>
+                          <p:cTn id="12" fill="hold">
+                            <p:stCondLst>
+                              <p:cond delay="0"/>
+                            </p:stCondLst>
+                            <p:childTnLst>
+                              <p:par>
+                                <p:cTn id="13" presetID="1" presetClass="entr" presetSubtype="0" fill="hold" nodeType="clickEffect">
+                                  <p:stCondLst>
+                                    <p:cond delay="0"/>
+                                  </p:stCondLst>
+                                  <p:childTnLst>
+                                    <p:set>
+                                      <p:cBhvr>
+                                        <p:cTn id="14" dur="1" fill="hold">
+                                          <p:stCondLst>
+                                            <p:cond delay="0"/>
+                                          </p:stCondLst>
+                                        </p:cTn>
+                                        <p:tgtEl>
+                                          <p:spTgt spid="9">
+                                            <p:txEl>
+                                              <p:pRg st="6" end="6"/>
+                                            </p:txEl>
+                                          </p:spTgt>
+                                        </p:tgtEl>
+                                        <p:attrNameLst>
+                                          <p:attrName>style.visibility</p:attrName>
+                                        </p:attrNameLst>
+                                      </p:cBhvr>
+                                      <p:to>
+                                        <p:strVal val="visible"/>
+                                      </p:to>
+                                    </p:set>
+                                  </p:childTnLst>
+                                </p:cTn>
+                              </p:par>
+                            </p:childTnLst>
+                          </p:cTn>
+                        </p:par>
+                      </p:childTnLst>
+                    </p:cTn>
+                  </p:par>
+                </p:childTnLst>
+              </p:cTn>
+              <p:prevCondLst>
+                <p:cond evt="onPrev" delay="0">
+                  <p:tgtEl>
+                    <p:sldTgt/>
+                  </p:tgtEl>
+                </p:cond>
+              </p:prevCondLst>
+              <p:nextCondLst>
+                <p:cond evt="onNext" delay="0">
+                  <p:tgtEl>
+                    <p:sldTgt/>
+                  </p:tgtEl>
+                </p:cond>
+              </p:nextCondLst>
+            </p:seq>
+          </p:childTnLst>
+        </p:cTn>
+      </p:par>
+    </p:tnLst>
+  </p:timing>
 </p:sld>
 </file>
 

--- a/courses/apcsp/lect4.pptx
+++ b/courses/apcsp/lect4.pptx
@@ -24,6 +24,10 @@
     <p:sldId id="306" r:id="rId18"/>
     <p:sldId id="307" r:id="rId19"/>
     <p:sldId id="284" r:id="rId20"/>
+    <p:sldId id="315" r:id="rId21"/>
+    <p:sldId id="317" r:id="rId22"/>
+    <p:sldId id="318" r:id="rId23"/>
+    <p:sldId id="316" r:id="rId24"/>
   </p:sldIdLst>
   <p:sldSz cx="9144000" cy="5715000" type="screen16x10"/>
   <p:notesSz cx="6858000" cy="9144000"/>
@@ -133,7 +137,7 @@
 <file path=ppt/revisionInfo.xml><?xml version="1.0" encoding="utf-8"?>
 <p1510:revInfo xmlns:a="http://schemas.openxmlformats.org/drawingml/2006/main" xmlns:r="http://schemas.openxmlformats.org/officeDocument/2006/relationships" xmlns:p1510="http://schemas.microsoft.com/office/powerpoint/2015/10/main">
   <p1510:revLst>
-    <p1510:client id="{A54A5039-9BC6-1548-AC61-7314DB675A9D}" v="187" dt="2019-09-23T12:06:41.861"/>
+    <p1510:client id="{A54A5039-9BC6-1548-AC61-7314DB675A9D}" v="262" dt="2019-09-24T13:43:57.551"/>
   </p1510:revLst>
 </p1510:revInfo>
 </file>
@@ -146,7 +150,7 @@
   <pc:docChgLst>
     <pc:chgData name="Long B Nguyen" userId="f59fb8f3-a021-417a-8bc1-65c8d471c621" providerId="ADAL" clId="{A54A5039-9BC6-1548-AC61-7314DB675A9D}"/>
     <pc:docChg chg="undo custSel addSld delSld modSld">
-      <pc:chgData name="Long B Nguyen" userId="f59fb8f3-a021-417a-8bc1-65c8d471c621" providerId="ADAL" clId="{A54A5039-9BC6-1548-AC61-7314DB675A9D}" dt="2019-09-23T12:06:41.861" v="1992"/>
+      <pc:chgData name="Long B Nguyen" userId="f59fb8f3-a021-417a-8bc1-65c8d471c621" providerId="ADAL" clId="{A54A5039-9BC6-1548-AC61-7314DB675A9D}" dt="2019-09-24T13:44:10.963" v="2838" actId="20577"/>
       <pc:docMkLst>
         <pc:docMk/>
       </pc:docMkLst>
@@ -165,6 +169,29 @@
           </ac:spMkLst>
         </pc:spChg>
       </pc:sldChg>
+      <pc:sldChg chg="modSp modAnim">
+        <pc:chgData name="Long B Nguyen" userId="f59fb8f3-a021-417a-8bc1-65c8d471c621" providerId="ADAL" clId="{A54A5039-9BC6-1548-AC61-7314DB675A9D}" dt="2019-09-24T11:45:26.007" v="2185" actId="20577"/>
+        <pc:sldMkLst>
+          <pc:docMk/>
+          <pc:sldMk cId="1438711869" sldId="284"/>
+        </pc:sldMkLst>
+        <pc:spChg chg="mod">
+          <ac:chgData name="Long B Nguyen" userId="f59fb8f3-a021-417a-8bc1-65c8d471c621" providerId="ADAL" clId="{A54A5039-9BC6-1548-AC61-7314DB675A9D}" dt="2019-09-24T11:43:23.898" v="2145" actId="20577"/>
+          <ac:spMkLst>
+            <pc:docMk/>
+            <pc:sldMk cId="1438711869" sldId="284"/>
+            <ac:spMk id="2" creationId="{AA3A228F-61D0-D949-A5E7-F83756230BF8}"/>
+          </ac:spMkLst>
+        </pc:spChg>
+        <pc:spChg chg="mod">
+          <ac:chgData name="Long B Nguyen" userId="f59fb8f3-a021-417a-8bc1-65c8d471c621" providerId="ADAL" clId="{A54A5039-9BC6-1548-AC61-7314DB675A9D}" dt="2019-09-24T11:45:26.007" v="2185" actId="20577"/>
+          <ac:spMkLst>
+            <pc:docMk/>
+            <pc:sldMk cId="1438711869" sldId="284"/>
+            <ac:spMk id="9" creationId="{E3B2E017-30B2-884B-A113-B419A2ED51AD}"/>
+          </ac:spMkLst>
+        </pc:spChg>
+      </pc:sldChg>
       <pc:sldChg chg="modSp">
         <pc:chgData name="Long B Nguyen" userId="f59fb8f3-a021-417a-8bc1-65c8d471c621" providerId="ADAL" clId="{A54A5039-9BC6-1548-AC61-7314DB675A9D}" dt="2019-09-19T14:18:56.959" v="28" actId="20577"/>
         <pc:sldMkLst>
@@ -177,6 +204,21 @@
             <pc:docMk/>
             <pc:sldMk cId="131840209" sldId="286"/>
             <ac:spMk id="9" creationId="{E3B2E017-30B2-884B-A113-B419A2ED51AD}"/>
+          </ac:spMkLst>
+        </pc:spChg>
+      </pc:sldChg>
+      <pc:sldChg chg="modSp add del modAnim">
+        <pc:chgData name="Long B Nguyen" userId="f59fb8f3-a021-417a-8bc1-65c8d471c621" providerId="ADAL" clId="{A54A5039-9BC6-1548-AC61-7314DB675A9D}" dt="2019-09-24T11:43:26.738" v="2146" actId="2696"/>
+        <pc:sldMkLst>
+          <pc:docMk/>
+          <pc:sldMk cId="3439768680" sldId="294"/>
+        </pc:sldMkLst>
+        <pc:spChg chg="mod">
+          <ac:chgData name="Long B Nguyen" userId="f59fb8f3-a021-417a-8bc1-65c8d471c621" providerId="ADAL" clId="{A54A5039-9BC6-1548-AC61-7314DB675A9D}" dt="2019-09-24T11:40:12.100" v="2004"/>
+          <ac:spMkLst>
+            <pc:docMk/>
+            <pc:sldMk cId="3439768680" sldId="294"/>
+            <ac:spMk id="40963" creationId="{66AA56B3-AB86-6341-92AC-3BDB5774CCA3}"/>
           </ac:spMkLst>
         </pc:spChg>
       </pc:sldChg>
@@ -310,7 +352,7 @@
         </pc:spChg>
       </pc:sldChg>
       <pc:sldChg chg="modSp add modAnim">
-        <pc:chgData name="Long B Nguyen" userId="f59fb8f3-a021-417a-8bc1-65c8d471c621" providerId="ADAL" clId="{A54A5039-9BC6-1548-AC61-7314DB675A9D}" dt="2019-09-23T12:00:55.358" v="1831"/>
+        <pc:chgData name="Long B Nguyen" userId="f59fb8f3-a021-417a-8bc1-65c8d471c621" providerId="ADAL" clId="{A54A5039-9BC6-1548-AC61-7314DB675A9D}" dt="2019-09-23T13:27:58.707" v="2000" actId="20577"/>
         <pc:sldMkLst>
           <pc:docMk/>
           <pc:sldMk cId="1703902501" sldId="305"/>
@@ -324,7 +366,7 @@
           </ac:spMkLst>
         </pc:spChg>
         <pc:spChg chg="mod">
-          <ac:chgData name="Long B Nguyen" userId="f59fb8f3-a021-417a-8bc1-65c8d471c621" providerId="ADAL" clId="{A54A5039-9BC6-1548-AC61-7314DB675A9D}" dt="2019-09-23T12:00:43.614" v="1829" actId="20577"/>
+          <ac:chgData name="Long B Nguyen" userId="f59fb8f3-a021-417a-8bc1-65c8d471c621" providerId="ADAL" clId="{A54A5039-9BC6-1548-AC61-7314DB675A9D}" dt="2019-09-23T13:27:58.707" v="2000" actId="20577"/>
           <ac:spMkLst>
             <pc:docMk/>
             <pc:sldMk cId="1703902501" sldId="305"/>
@@ -508,6 +550,97 @@
           </ac:spMkLst>
         </pc:spChg>
       </pc:sldChg>
+      <pc:sldChg chg="modSp add del">
+        <pc:chgData name="Long B Nguyen" userId="f59fb8f3-a021-417a-8bc1-65c8d471c621" providerId="ADAL" clId="{A54A5039-9BC6-1548-AC61-7314DB675A9D}" dt="2019-09-24T11:43:27.284" v="2147" actId="2696"/>
+        <pc:sldMkLst>
+          <pc:docMk/>
+          <pc:sldMk cId="3916896519" sldId="314"/>
+        </pc:sldMkLst>
+        <pc:spChg chg="mod">
+          <ac:chgData name="Long B Nguyen" userId="f59fb8f3-a021-417a-8bc1-65c8d471c621" providerId="ADAL" clId="{A54A5039-9BC6-1548-AC61-7314DB675A9D}" dt="2019-09-24T11:40:07.514" v="2003"/>
+          <ac:spMkLst>
+            <pc:docMk/>
+            <pc:sldMk cId="3916896519" sldId="314"/>
+            <ac:spMk id="2" creationId="{AA3A228F-61D0-D949-A5E7-F83756230BF8}"/>
+          </ac:spMkLst>
+        </pc:spChg>
+        <pc:spChg chg="mod">
+          <ac:chgData name="Long B Nguyen" userId="f59fb8f3-a021-417a-8bc1-65c8d471c621" providerId="ADAL" clId="{A54A5039-9BC6-1548-AC61-7314DB675A9D}" dt="2019-09-24T11:41:32.486" v="2043"/>
+          <ac:spMkLst>
+            <pc:docMk/>
+            <pc:sldMk cId="3916896519" sldId="314"/>
+            <ac:spMk id="9" creationId="{E3B2E017-30B2-884B-A113-B419A2ED51AD}"/>
+          </ac:spMkLst>
+        </pc:spChg>
+      </pc:sldChg>
+      <pc:sldChg chg="modSp add">
+        <pc:chgData name="Long B Nguyen" userId="f59fb8f3-a021-417a-8bc1-65c8d471c621" providerId="ADAL" clId="{A54A5039-9BC6-1548-AC61-7314DB675A9D}" dt="2019-09-24T11:53:13.884" v="2630" actId="20577"/>
+        <pc:sldMkLst>
+          <pc:docMk/>
+          <pc:sldMk cId="2798321153" sldId="315"/>
+        </pc:sldMkLst>
+        <pc:spChg chg="mod">
+          <ac:chgData name="Long B Nguyen" userId="f59fb8f3-a021-417a-8bc1-65c8d471c621" providerId="ADAL" clId="{A54A5039-9BC6-1548-AC61-7314DB675A9D}" dt="2019-09-24T11:47:07.801" v="2189" actId="20577"/>
+          <ac:spMkLst>
+            <pc:docMk/>
+            <pc:sldMk cId="2798321153" sldId="315"/>
+            <ac:spMk id="2" creationId="{AA3A228F-61D0-D949-A5E7-F83756230BF8}"/>
+          </ac:spMkLst>
+        </pc:spChg>
+        <pc:spChg chg="mod">
+          <ac:chgData name="Long B Nguyen" userId="f59fb8f3-a021-417a-8bc1-65c8d471c621" providerId="ADAL" clId="{A54A5039-9BC6-1548-AC61-7314DB675A9D}" dt="2019-09-24T11:53:13.884" v="2630" actId="20577"/>
+          <ac:spMkLst>
+            <pc:docMk/>
+            <pc:sldMk cId="2798321153" sldId="315"/>
+            <ac:spMk id="9" creationId="{E3B2E017-30B2-884B-A113-B419A2ED51AD}"/>
+          </ac:spMkLst>
+        </pc:spChg>
+      </pc:sldChg>
+      <pc:sldChg chg="add">
+        <pc:chgData name="Long B Nguyen" userId="f59fb8f3-a021-417a-8bc1-65c8d471c621" providerId="ADAL" clId="{A54A5039-9BC6-1548-AC61-7314DB675A9D}" dt="2019-09-24T11:47:01.081" v="2186"/>
+        <pc:sldMkLst>
+          <pc:docMk/>
+          <pc:sldMk cId="1452600724" sldId="316"/>
+        </pc:sldMkLst>
+      </pc:sldChg>
+      <pc:sldChg chg="modSp add">
+        <pc:chgData name="Long B Nguyen" userId="f59fb8f3-a021-417a-8bc1-65c8d471c621" providerId="ADAL" clId="{A54A5039-9BC6-1548-AC61-7314DB675A9D}" dt="2019-09-24T11:54:38.814" v="2647" actId="113"/>
+        <pc:sldMkLst>
+          <pc:docMk/>
+          <pc:sldMk cId="1787114790" sldId="317"/>
+        </pc:sldMkLst>
+        <pc:spChg chg="mod">
+          <ac:chgData name="Long B Nguyen" userId="f59fb8f3-a021-417a-8bc1-65c8d471c621" providerId="ADAL" clId="{A54A5039-9BC6-1548-AC61-7314DB675A9D}" dt="2019-09-24T11:53:24.383" v="2634" actId="20577"/>
+          <ac:spMkLst>
+            <pc:docMk/>
+            <pc:sldMk cId="1787114790" sldId="317"/>
+            <ac:spMk id="2" creationId="{AA3A228F-61D0-D949-A5E7-F83756230BF8}"/>
+          </ac:spMkLst>
+        </pc:spChg>
+        <pc:spChg chg="mod">
+          <ac:chgData name="Long B Nguyen" userId="f59fb8f3-a021-417a-8bc1-65c8d471c621" providerId="ADAL" clId="{A54A5039-9BC6-1548-AC61-7314DB675A9D}" dt="2019-09-24T11:54:38.814" v="2647" actId="113"/>
+          <ac:spMkLst>
+            <pc:docMk/>
+            <pc:sldMk cId="1787114790" sldId="317"/>
+            <ac:spMk id="9" creationId="{E3B2E017-30B2-884B-A113-B419A2ED51AD}"/>
+          </ac:spMkLst>
+        </pc:spChg>
+      </pc:sldChg>
+      <pc:sldChg chg="modSp add">
+        <pc:chgData name="Long B Nguyen" userId="f59fb8f3-a021-417a-8bc1-65c8d471c621" providerId="ADAL" clId="{A54A5039-9BC6-1548-AC61-7314DB675A9D}" dt="2019-09-24T13:44:10.963" v="2838" actId="20577"/>
+        <pc:sldMkLst>
+          <pc:docMk/>
+          <pc:sldMk cId="1215229427" sldId="318"/>
+        </pc:sldMkLst>
+        <pc:spChg chg="mod">
+          <ac:chgData name="Long B Nguyen" userId="f59fb8f3-a021-417a-8bc1-65c8d471c621" providerId="ADAL" clId="{A54A5039-9BC6-1548-AC61-7314DB675A9D}" dt="2019-09-24T13:44:10.963" v="2838" actId="20577"/>
+          <ac:spMkLst>
+            <pc:docMk/>
+            <pc:sldMk cId="1215229427" sldId="318"/>
+            <ac:spMk id="9" creationId="{E3B2E017-30B2-884B-A113-B419A2ED51AD}"/>
+          </ac:spMkLst>
+        </pc:spChg>
+      </pc:sldChg>
     </pc:docChg>
   </pc:docChgLst>
   <pc:docChgLst>
@@ -674,7 +807,7 @@
           <a:p>
             <a:fld id="{4AAD347D-5ACD-4C99-B74B-A9C85AD731AF}" type="datetimeFigureOut">
               <a:rPr lang="en-US" smtClean="0"/>
-              <a:t>9/23/19</a:t>
+              <a:t>9/24/19</a:t>
             </a:fld>
             <a:endParaRPr lang="en-US" dirty="0"/>
           </a:p>
@@ -844,7 +977,7 @@
           <a:p>
             <a:fld id="{4509A250-FF31-4206-8172-F9D3106AACB1}" type="datetimeFigureOut">
               <a:rPr lang="en-US" smtClean="0"/>
-              <a:t>9/23/19</a:t>
+              <a:t>9/24/19</a:t>
             </a:fld>
             <a:endParaRPr lang="en-US" dirty="0"/>
           </a:p>
@@ -1024,7 +1157,7 @@
           <a:p>
             <a:fld id="{4509A250-FF31-4206-8172-F9D3106AACB1}" type="datetimeFigureOut">
               <a:rPr lang="en-US" smtClean="0"/>
-              <a:t>9/23/19</a:t>
+              <a:t>9/24/19</a:t>
             </a:fld>
             <a:endParaRPr lang="en-US" dirty="0"/>
           </a:p>
@@ -1194,7 +1327,7 @@
           <a:p>
             <a:fld id="{4509A250-FF31-4206-8172-F9D3106AACB1}" type="datetimeFigureOut">
               <a:rPr lang="en-US" smtClean="0"/>
-              <a:t>9/23/19</a:t>
+              <a:t>9/24/19</a:t>
             </a:fld>
             <a:endParaRPr lang="en-US" dirty="0"/>
           </a:p>
@@ -1440,7 +1573,7 @@
           <a:p>
             <a:fld id="{9796027F-7875-4030-9381-8BD8C4F21935}" type="datetimeFigureOut">
               <a:rPr lang="en-US" smtClean="0"/>
-              <a:t>9/23/19</a:t>
+              <a:t>9/24/19</a:t>
             </a:fld>
             <a:endParaRPr lang="en-US" dirty="0"/>
           </a:p>
@@ -1672,7 +1805,7 @@
           <a:p>
             <a:fld id="{9796027F-7875-4030-9381-8BD8C4F21935}" type="datetimeFigureOut">
               <a:rPr lang="en-US" smtClean="0"/>
-              <a:t>9/23/19</a:t>
+              <a:t>9/24/19</a:t>
             </a:fld>
             <a:endParaRPr lang="en-US" dirty="0"/>
           </a:p>
@@ -2039,7 +2172,7 @@
           <a:p>
             <a:fld id="{9796027F-7875-4030-9381-8BD8C4F21935}" type="datetimeFigureOut">
               <a:rPr lang="en-US" smtClean="0"/>
-              <a:t>9/23/19</a:t>
+              <a:t>9/24/19</a:t>
             </a:fld>
             <a:endParaRPr lang="en-US" dirty="0"/>
           </a:p>
@@ -2157,7 +2290,7 @@
           <a:p>
             <a:fld id="{4509A250-FF31-4206-8172-F9D3106AACB1}" type="datetimeFigureOut">
               <a:rPr lang="en-US" smtClean="0"/>
-              <a:t>9/23/19</a:t>
+              <a:t>9/24/19</a:t>
             </a:fld>
             <a:endParaRPr lang="en-US" dirty="0"/>
           </a:p>
@@ -2252,7 +2385,7 @@
           <a:p>
             <a:fld id="{4509A250-FF31-4206-8172-F9D3106AACB1}" type="datetimeFigureOut">
               <a:rPr lang="en-US" smtClean="0"/>
-              <a:t>9/23/19</a:t>
+              <a:t>9/24/19</a:t>
             </a:fld>
             <a:endParaRPr lang="en-US" dirty="0"/>
           </a:p>
@@ -2529,7 +2662,7 @@
           <a:p>
             <a:fld id="{4509A250-FF31-4206-8172-F9D3106AACB1}" type="datetimeFigureOut">
               <a:rPr lang="en-US" smtClean="0"/>
-              <a:t>9/23/19</a:t>
+              <a:t>9/24/19</a:t>
             </a:fld>
             <a:endParaRPr lang="en-US" dirty="0"/>
           </a:p>
@@ -2786,7 +2919,7 @@
           <a:p>
             <a:fld id="{4509A250-FF31-4206-8172-F9D3106AACB1}" type="datetimeFigureOut">
               <a:rPr lang="en-US" smtClean="0"/>
-              <a:t>9/23/19</a:t>
+              <a:t>9/24/19</a:t>
             </a:fld>
             <a:endParaRPr lang="en-US" dirty="0"/>
           </a:p>
@@ -2999,7 +3132,7 @@
           <a:p>
             <a:fld id="{4AAD347D-5ACD-4C99-B74B-A9C85AD731AF}" type="datetimeFigureOut">
               <a:rPr lang="en-US" smtClean="0"/>
-              <a:t>9/23/19</a:t>
+              <a:t>9/24/19</a:t>
             </a:fld>
             <a:endParaRPr lang="en-US" dirty="0"/>
           </a:p>
@@ -3905,7 +4038,16 @@
                 </a:solidFill>
                 <a:latin typeface="Inconsolata Medium" panose="020B0609030003000000" pitchFamily="49" charset="77"/>
               </a:rPr>
-              <a:t>		  print("*")</a:t>
+              <a:t>		  </a:t>
+            </a:r>
+            <a:r>
+              <a:rPr lang="en-US" b="1">
+                <a:solidFill>
+                  <a:srgbClr val="006699"/>
+                </a:solidFill>
+                <a:latin typeface="Inconsolata Medium" panose="020B0609030003000000" pitchFamily="49" charset="77"/>
+              </a:rPr>
+              <a:t>print("*", end="")</a:t>
             </a:r>
             <a:endParaRPr lang="en-US" b="1" dirty="0">
               <a:latin typeface="Inconsolata Medium" panose="020B0609030003000000" pitchFamily="49" charset="77"/>
@@ -8252,7 +8394,7 @@
           <a:p>
             <a:r>
               <a:rPr lang="en-US" dirty="0"/>
-              <a:t>References</a:t>
+              <a:t>For Loop in Movies and TV-Shows</a:t>
             </a:r>
           </a:p>
         </p:txBody>
@@ -8288,40 +8430,85 @@
             <a:pPr marL="0" indent="0">
               <a:buNone/>
             </a:pPr>
+            <a:r>
+              <a:rPr lang="en-US" altLang="en-US" b="1" dirty="0">
+                <a:latin typeface="Gill Sans MT" panose="020B0502020104020203" pitchFamily="34" charset="77"/>
+                <a:ea typeface="ＭＳ Ｐゴシック" panose="020B0600070205080204" pitchFamily="34" charset="-128"/>
+              </a:rPr>
+              <a:t>Movies:</a:t>
+            </a:r>
+          </a:p>
+          <a:p>
+            <a:pPr marL="0" indent="0">
+              <a:buNone/>
+            </a:pPr>
+            <a:r>
+              <a:rPr lang="en-US" altLang="en-US" dirty="0">
+                <a:latin typeface="Gill Sans MT" panose="020B0502020104020203" pitchFamily="34" charset="77"/>
+                <a:ea typeface="ＭＳ Ｐゴシック" panose="020B0600070205080204" pitchFamily="34" charset="-128"/>
+              </a:rPr>
+              <a:t>Groundhog Day(1993); Bill Murray.</a:t>
+            </a:r>
+          </a:p>
+          <a:p>
+            <a:pPr marL="0" indent="0">
+              <a:buNone/>
+            </a:pPr>
+            <a:r>
+              <a:rPr lang="en-US" altLang="en-US" sz="2000" dirty="0">
+                <a:latin typeface="Gill Sans MT" panose="020B0502020104020203" pitchFamily="34" charset="77"/>
+                <a:ea typeface="ＭＳ Ｐゴシック" panose="020B0600070205080204" pitchFamily="34" charset="-128"/>
+              </a:rPr>
+              <a:t>Looper(2010); Bruce Willis and Joseph Gordon-Levitt, Emily Blunt.</a:t>
+            </a:r>
+          </a:p>
+          <a:p>
+            <a:pPr marL="0" indent="0">
+              <a:buNone/>
+            </a:pPr>
+            <a:r>
+              <a:rPr lang="en-US" altLang="en-US" sz="2000" dirty="0">
+                <a:latin typeface="Gill Sans MT" panose="020B0502020104020203" pitchFamily="34" charset="77"/>
+                <a:ea typeface="ＭＳ Ｐゴシック" panose="020B0600070205080204" pitchFamily="34" charset="-128"/>
+              </a:rPr>
+              <a:t>Edge of Tomorrow(2014); Tom Cruise, Emily Blunt.</a:t>
+            </a:r>
+          </a:p>
+          <a:p>
+            <a:pPr marL="0" indent="0">
+              <a:buNone/>
+            </a:pPr>
+            <a:r>
+              <a:rPr lang="en-US" dirty="0"/>
+              <a:t>Happy Death Day(2017).</a:t>
+            </a:r>
+          </a:p>
+          <a:p>
+            <a:pPr marL="0" indent="0">
+              <a:buNone/>
+            </a:pPr>
             <a:endParaRPr lang="en-US" dirty="0"/>
           </a:p>
           <a:p>
             <a:pPr marL="0" indent="0">
               <a:buNone/>
             </a:pPr>
-            <a:endParaRPr lang="en-US" dirty="0"/>
-          </a:p>
-          <a:p>
-            <a:pPr marL="457200" indent="-457200">
-              <a:buAutoNum type="arabicParenR"/>
-            </a:pPr>
-            <a:r>
-              <a:rPr lang="en-US" dirty="0" err="1"/>
-              <a:t>Vanderplas</a:t>
-            </a:r>
+            <a:r>
+              <a:rPr lang="en-US" altLang="en-US" b="1" dirty="0">
+                <a:latin typeface="Gill Sans MT" panose="020B0502020104020203" pitchFamily="34" charset="77"/>
+                <a:ea typeface="ＭＳ Ｐゴシック" panose="020B0600070205080204" pitchFamily="34" charset="-128"/>
+              </a:rPr>
+              <a:t>TV-Show:</a:t>
+            </a:r>
+          </a:p>
+          <a:p>
+            <a:pPr marL="0" indent="0">
+              <a:buNone/>
+            </a:pPr>
             <a:r>
               <a:rPr lang="en-US" dirty="0"/>
-              <a:t>, Jake, A Whirlwind Tour of Python, </a:t>
-            </a:r>
-            <a:r>
-              <a:rPr lang="en-US" dirty="0" err="1"/>
-              <a:t>O’reilly</a:t>
-            </a:r>
-            <a:r>
-              <a:rPr lang="en-US" dirty="0"/>
-              <a:t> Media. </a:t>
-            </a:r>
-          </a:p>
-          <a:p>
-            <a:pPr marL="0" indent="0">
-              <a:buNone/>
-            </a:pPr>
-            <a:endParaRPr lang="en-US" dirty="0"/>
+              <a:t>Russian Doll(Netflix, Emmy-Nominated)</a:t>
+            </a:r>
           </a:p>
         </p:txBody>
       </p:sp>
@@ -8335,6 +8522,312 @@
   <p:clrMapOvr>
     <a:masterClrMapping/>
   </p:clrMapOvr>
+  <p:timing>
+    <p:tnLst>
+      <p:par>
+        <p:cTn id="1" dur="indefinite" restart="never" nodeType="tmRoot">
+          <p:childTnLst>
+            <p:seq concurrent="1" nextAc="seek">
+              <p:cTn id="2" dur="indefinite" nodeType="mainSeq">
+                <p:childTnLst>
+                  <p:par>
+                    <p:cTn id="3" fill="hold">
+                      <p:stCondLst>
+                        <p:cond delay="indefinite"/>
+                      </p:stCondLst>
+                      <p:childTnLst>
+                        <p:par>
+                          <p:cTn id="4" fill="hold">
+                            <p:stCondLst>
+                              <p:cond delay="0"/>
+                            </p:stCondLst>
+                            <p:childTnLst>
+                              <p:par>
+                                <p:cTn id="5" presetID="1" presetClass="entr" presetSubtype="0" fill="hold" nodeType="clickEffect">
+                                  <p:stCondLst>
+                                    <p:cond delay="0"/>
+                                  </p:stCondLst>
+                                  <p:childTnLst>
+                                    <p:set>
+                                      <p:cBhvr>
+                                        <p:cTn id="6" dur="1" fill="hold">
+                                          <p:stCondLst>
+                                            <p:cond delay="0"/>
+                                          </p:stCondLst>
+                                        </p:cTn>
+                                        <p:tgtEl>
+                                          <p:spTgt spid="9">
+                                            <p:txEl>
+                                              <p:pRg st="1" end="1"/>
+                                            </p:txEl>
+                                          </p:spTgt>
+                                        </p:tgtEl>
+                                        <p:attrNameLst>
+                                          <p:attrName>style.visibility</p:attrName>
+                                        </p:attrNameLst>
+                                      </p:cBhvr>
+                                      <p:to>
+                                        <p:strVal val="visible"/>
+                                      </p:to>
+                                    </p:set>
+                                  </p:childTnLst>
+                                </p:cTn>
+                              </p:par>
+                            </p:childTnLst>
+                          </p:cTn>
+                        </p:par>
+                      </p:childTnLst>
+                    </p:cTn>
+                  </p:par>
+                  <p:par>
+                    <p:cTn id="7" fill="hold">
+                      <p:stCondLst>
+                        <p:cond delay="indefinite"/>
+                      </p:stCondLst>
+                      <p:childTnLst>
+                        <p:par>
+                          <p:cTn id="8" fill="hold">
+                            <p:stCondLst>
+                              <p:cond delay="0"/>
+                            </p:stCondLst>
+                            <p:childTnLst>
+                              <p:par>
+                                <p:cTn id="9" presetID="1" presetClass="entr" presetSubtype="0" fill="hold" nodeType="clickEffect">
+                                  <p:stCondLst>
+                                    <p:cond delay="0"/>
+                                  </p:stCondLst>
+                                  <p:childTnLst>
+                                    <p:set>
+                                      <p:cBhvr>
+                                        <p:cTn id="10" dur="1" fill="hold">
+                                          <p:stCondLst>
+                                            <p:cond delay="0"/>
+                                          </p:stCondLst>
+                                        </p:cTn>
+                                        <p:tgtEl>
+                                          <p:spTgt spid="9">
+                                            <p:txEl>
+                                              <p:pRg st="2" end="2"/>
+                                            </p:txEl>
+                                          </p:spTgt>
+                                        </p:tgtEl>
+                                        <p:attrNameLst>
+                                          <p:attrName>style.visibility</p:attrName>
+                                        </p:attrNameLst>
+                                      </p:cBhvr>
+                                      <p:to>
+                                        <p:strVal val="visible"/>
+                                      </p:to>
+                                    </p:set>
+                                  </p:childTnLst>
+                                </p:cTn>
+                              </p:par>
+                            </p:childTnLst>
+                          </p:cTn>
+                        </p:par>
+                      </p:childTnLst>
+                    </p:cTn>
+                  </p:par>
+                  <p:par>
+                    <p:cTn id="11" fill="hold">
+                      <p:stCondLst>
+                        <p:cond delay="indefinite"/>
+                      </p:stCondLst>
+                      <p:childTnLst>
+                        <p:par>
+                          <p:cTn id="12" fill="hold">
+                            <p:stCondLst>
+                              <p:cond delay="0"/>
+                            </p:stCondLst>
+                            <p:childTnLst>
+                              <p:par>
+                                <p:cTn id="13" presetID="1" presetClass="entr" presetSubtype="0" fill="hold" nodeType="clickEffect">
+                                  <p:stCondLst>
+                                    <p:cond delay="0"/>
+                                  </p:stCondLst>
+                                  <p:childTnLst>
+                                    <p:set>
+                                      <p:cBhvr>
+                                        <p:cTn id="14" dur="1" fill="hold">
+                                          <p:stCondLst>
+                                            <p:cond delay="0"/>
+                                          </p:stCondLst>
+                                        </p:cTn>
+                                        <p:tgtEl>
+                                          <p:spTgt spid="9">
+                                            <p:txEl>
+                                              <p:pRg st="3" end="3"/>
+                                            </p:txEl>
+                                          </p:spTgt>
+                                        </p:tgtEl>
+                                        <p:attrNameLst>
+                                          <p:attrName>style.visibility</p:attrName>
+                                        </p:attrNameLst>
+                                      </p:cBhvr>
+                                      <p:to>
+                                        <p:strVal val="visible"/>
+                                      </p:to>
+                                    </p:set>
+                                  </p:childTnLst>
+                                </p:cTn>
+                              </p:par>
+                            </p:childTnLst>
+                          </p:cTn>
+                        </p:par>
+                      </p:childTnLst>
+                    </p:cTn>
+                  </p:par>
+                  <p:par>
+                    <p:cTn id="15" fill="hold">
+                      <p:stCondLst>
+                        <p:cond delay="indefinite"/>
+                      </p:stCondLst>
+                      <p:childTnLst>
+                        <p:par>
+                          <p:cTn id="16" fill="hold">
+                            <p:stCondLst>
+                              <p:cond delay="0"/>
+                            </p:stCondLst>
+                            <p:childTnLst>
+                              <p:par>
+                                <p:cTn id="17" presetID="1" presetClass="entr" presetSubtype="0" fill="hold" nodeType="clickEffect">
+                                  <p:stCondLst>
+                                    <p:cond delay="0"/>
+                                  </p:stCondLst>
+                                  <p:childTnLst>
+                                    <p:set>
+                                      <p:cBhvr>
+                                        <p:cTn id="18" dur="1" fill="hold">
+                                          <p:stCondLst>
+                                            <p:cond delay="0"/>
+                                          </p:stCondLst>
+                                        </p:cTn>
+                                        <p:tgtEl>
+                                          <p:spTgt spid="9">
+                                            <p:txEl>
+                                              <p:pRg st="4" end="4"/>
+                                            </p:txEl>
+                                          </p:spTgt>
+                                        </p:tgtEl>
+                                        <p:attrNameLst>
+                                          <p:attrName>style.visibility</p:attrName>
+                                        </p:attrNameLst>
+                                      </p:cBhvr>
+                                      <p:to>
+                                        <p:strVal val="visible"/>
+                                      </p:to>
+                                    </p:set>
+                                  </p:childTnLst>
+                                </p:cTn>
+                              </p:par>
+                            </p:childTnLst>
+                          </p:cTn>
+                        </p:par>
+                      </p:childTnLst>
+                    </p:cTn>
+                  </p:par>
+                  <p:par>
+                    <p:cTn id="19" fill="hold">
+                      <p:stCondLst>
+                        <p:cond delay="indefinite"/>
+                      </p:stCondLst>
+                      <p:childTnLst>
+                        <p:par>
+                          <p:cTn id="20" fill="hold">
+                            <p:stCondLst>
+                              <p:cond delay="0"/>
+                            </p:stCondLst>
+                            <p:childTnLst>
+                              <p:par>
+                                <p:cTn id="21" presetID="1" presetClass="entr" presetSubtype="0" fill="hold" nodeType="clickEffect">
+                                  <p:stCondLst>
+                                    <p:cond delay="0"/>
+                                  </p:stCondLst>
+                                  <p:childTnLst>
+                                    <p:set>
+                                      <p:cBhvr>
+                                        <p:cTn id="22" dur="1" fill="hold">
+                                          <p:stCondLst>
+                                            <p:cond delay="0"/>
+                                          </p:stCondLst>
+                                        </p:cTn>
+                                        <p:tgtEl>
+                                          <p:spTgt spid="9">
+                                            <p:txEl>
+                                              <p:pRg st="6" end="6"/>
+                                            </p:txEl>
+                                          </p:spTgt>
+                                        </p:tgtEl>
+                                        <p:attrNameLst>
+                                          <p:attrName>style.visibility</p:attrName>
+                                        </p:attrNameLst>
+                                      </p:cBhvr>
+                                      <p:to>
+                                        <p:strVal val="visible"/>
+                                      </p:to>
+                                    </p:set>
+                                  </p:childTnLst>
+                                </p:cTn>
+                              </p:par>
+                              <p:par>
+                                <p:cTn id="23" presetID="1" presetClass="entr" presetSubtype="0" fill="hold" nodeType="withEffect">
+                                  <p:stCondLst>
+                                    <p:cond delay="0"/>
+                                  </p:stCondLst>
+                                  <p:childTnLst>
+                                    <p:set>
+                                      <p:cBhvr>
+                                        <p:cTn id="24" dur="1" fill="hold">
+                                          <p:stCondLst>
+                                            <p:cond delay="0"/>
+                                          </p:stCondLst>
+                                        </p:cTn>
+                                        <p:tgtEl>
+                                          <p:spTgt spid="9">
+                                            <p:txEl>
+                                              <p:pRg st="7" end="7"/>
+                                            </p:txEl>
+                                          </p:spTgt>
+                                        </p:tgtEl>
+                                        <p:attrNameLst>
+                                          <p:attrName>style.visibility</p:attrName>
+                                        </p:attrNameLst>
+                                      </p:cBhvr>
+                                      <p:to>
+                                        <p:strVal val="visible"/>
+                                      </p:to>
+                                    </p:set>
+                                  </p:childTnLst>
+                                </p:cTn>
+                              </p:par>
+                            </p:childTnLst>
+                          </p:cTn>
+                        </p:par>
+                      </p:childTnLst>
+                    </p:cTn>
+                  </p:par>
+                </p:childTnLst>
+              </p:cTn>
+              <p:prevCondLst>
+                <p:cond evt="onPrev" delay="0">
+                  <p:tgtEl>
+                    <p:sldTgt/>
+                  </p:tgtEl>
+                </p:cond>
+              </p:prevCondLst>
+              <p:nextCondLst>
+                <p:cond evt="onNext" delay="0">
+                  <p:tgtEl>
+                    <p:sldTgt/>
+                  </p:tgtEl>
+                </p:cond>
+              </p:nextCondLst>
+            </p:seq>
+          </p:childTnLst>
+        </p:cTn>
+      </p:par>
+    </p:tnLst>
+  </p:timing>
 </p:sld>
 </file>
 
@@ -8508,6 +9001,758 @@
     <p:extLst>
       <p:ext uri="{BB962C8B-B14F-4D97-AF65-F5344CB8AC3E}">
         <p14:creationId xmlns:p14="http://schemas.microsoft.com/office/powerpoint/2010/main" val="131840209"/>
+      </p:ext>
+    </p:extLst>
+  </p:cSld>
+  <p:clrMapOvr>
+    <a:masterClrMapping/>
+  </p:clrMapOvr>
+</p:sld>
+</file>
+
+<file path=ppt/slides/slide20.xml><?xml version="1.0" encoding="utf-8"?>
+<p:sld xmlns:a="http://schemas.openxmlformats.org/drawingml/2006/main" xmlns:r="http://schemas.openxmlformats.org/officeDocument/2006/relationships" xmlns:p="http://schemas.openxmlformats.org/presentationml/2006/main">
+  <p:cSld>
+    <p:spTree>
+      <p:nvGrpSpPr>
+        <p:cNvPr id="1" name=""/>
+        <p:cNvGrpSpPr/>
+        <p:nvPr/>
+      </p:nvGrpSpPr>
+      <p:grpSpPr>
+        <a:xfrm>
+          <a:off x="0" y="0"/>
+          <a:ext cx="0" cy="0"/>
+          <a:chOff x="0" y="0"/>
+          <a:chExt cx="0" cy="0"/>
+        </a:xfrm>
+      </p:grpSpPr>
+      <p:sp>
+        <p:nvSpPr>
+          <p:cNvPr id="2" name="Title 1">
+            <a:extLst>
+              <a:ext uri="{FF2B5EF4-FFF2-40B4-BE49-F238E27FC236}">
+                <a16:creationId xmlns:a16="http://schemas.microsoft.com/office/drawing/2014/main" id="{AA3A228F-61D0-D949-A5E7-F83756230BF8}"/>
+              </a:ext>
+            </a:extLst>
+          </p:cNvPr>
+          <p:cNvSpPr>
+            <a:spLocks noGrp="1"/>
+          </p:cNvSpPr>
+          <p:nvPr>
+            <p:ph type="title"/>
+          </p:nvPr>
+        </p:nvSpPr>
+        <p:spPr>
+          <a:xfrm>
+            <a:off x="483848" y="467027"/>
+            <a:ext cx="7053542" cy="683886"/>
+          </a:xfrm>
+        </p:spPr>
+        <p:txBody>
+          <a:bodyPr/>
+          <a:lstStyle/>
+          <a:p>
+            <a:r>
+              <a:rPr lang="en-US" dirty="0"/>
+              <a:t>Lab</a:t>
+            </a:r>
+          </a:p>
+        </p:txBody>
+      </p:sp>
+      <p:sp>
+        <p:nvSpPr>
+          <p:cNvPr id="9" name="Content Placeholder 8">
+            <a:extLst>
+              <a:ext uri="{FF2B5EF4-FFF2-40B4-BE49-F238E27FC236}">
+                <a16:creationId xmlns:a16="http://schemas.microsoft.com/office/drawing/2014/main" id="{E3B2E017-30B2-884B-A113-B419A2ED51AD}"/>
+              </a:ext>
+            </a:extLst>
+          </p:cNvPr>
+          <p:cNvSpPr>
+            <a:spLocks noGrp="1"/>
+          </p:cNvSpPr>
+          <p:nvPr>
+            <p:ph idx="1"/>
+          </p:nvPr>
+        </p:nvSpPr>
+        <p:spPr>
+          <a:xfrm>
+            <a:off x="483848" y="1150913"/>
+            <a:ext cx="8051725" cy="4440590"/>
+          </a:xfrm>
+        </p:spPr>
+        <p:txBody>
+          <a:bodyPr>
+            <a:noAutofit/>
+          </a:bodyPr>
+          <a:lstStyle/>
+          <a:p>
+            <a:pPr marL="0" indent="0">
+              <a:buNone/>
+            </a:pPr>
+            <a:r>
+              <a:rPr lang="en-US" dirty="0"/>
+              <a:t>Create a new </a:t>
+            </a:r>
+            <a:r>
+              <a:rPr lang="en-US" dirty="0" err="1"/>
+              <a:t>repl</a:t>
+            </a:r>
+            <a:r>
+              <a:rPr lang="en-US" dirty="0"/>
+              <a:t> on </a:t>
+            </a:r>
+            <a:r>
+              <a:rPr lang="en-US" dirty="0" err="1"/>
+              <a:t>repl.it</a:t>
+            </a:r>
+            <a:r>
+              <a:rPr lang="en-US" dirty="0"/>
+              <a:t>.</a:t>
+            </a:r>
+          </a:p>
+          <a:p>
+            <a:pPr marL="0" indent="0">
+              <a:buNone/>
+            </a:pPr>
+            <a:r>
+              <a:rPr lang="en-US" dirty="0"/>
+              <a:t>Write for loop or nested for loops to do each of the following:</a:t>
+            </a:r>
+          </a:p>
+          <a:p>
+            <a:pPr marL="0" indent="0">
+              <a:buNone/>
+            </a:pPr>
+            <a:endParaRPr lang="en-US" dirty="0"/>
+          </a:p>
+          <a:p>
+            <a:pPr marL="457200" indent="-457200">
+              <a:buAutoNum type="arabicParenR"/>
+            </a:pPr>
+            <a:r>
+              <a:rPr lang="en-US" dirty="0"/>
+              <a:t>Print out "Hello!" 10 times, each on a different line.</a:t>
+            </a:r>
+          </a:p>
+          <a:p>
+            <a:pPr marL="457200" indent="-457200">
+              <a:buAutoNum type="arabicParenR"/>
+            </a:pPr>
+            <a:r>
+              <a:rPr lang="en-US" dirty="0"/>
+              <a:t>Alternate between printing "Hello" and "Hi" for a total of 20 times, each on a separate line. Use only one for loop. (Hint: Use and a conditional)</a:t>
+            </a:r>
+          </a:p>
+          <a:p>
+            <a:pPr marL="457200" indent="-457200">
+              <a:buAutoNum type="arabicParenR"/>
+            </a:pPr>
+            <a:r>
+              <a:rPr lang="en-US" dirty="0"/>
+              <a:t>Print 1 4 9 16 … 100</a:t>
+            </a:r>
+          </a:p>
+          <a:p>
+            <a:pPr marL="457200" indent="-457200">
+              <a:buAutoNum type="arabicParenR"/>
+            </a:pPr>
+            <a:r>
+              <a:rPr lang="en-US" dirty="0"/>
+              <a:t>Print 10 8 6 4 2 0 -2</a:t>
+            </a:r>
+          </a:p>
+          <a:p>
+            <a:pPr marL="0" indent="0">
+              <a:buNone/>
+            </a:pPr>
+            <a:endParaRPr lang="en-US" dirty="0"/>
+          </a:p>
+          <a:p>
+            <a:pPr marL="0" indent="0">
+              <a:buNone/>
+            </a:pPr>
+            <a:r>
+              <a:rPr lang="en-US" dirty="0"/>
+              <a:t>Continue on next page. </a:t>
+            </a:r>
+          </a:p>
+          <a:p>
+            <a:pPr marL="0" indent="0">
+              <a:buNone/>
+            </a:pPr>
+            <a:endParaRPr lang="en-US" dirty="0"/>
+          </a:p>
+          <a:p>
+            <a:pPr marL="457200" indent="-457200">
+              <a:buAutoNum type="arabicParenR"/>
+            </a:pPr>
+            <a:endParaRPr lang="en-US" dirty="0"/>
+          </a:p>
+          <a:p>
+            <a:pPr marL="457200" indent="-457200">
+              <a:buAutoNum type="arabicParenR"/>
+            </a:pPr>
+            <a:endParaRPr lang="en-US" dirty="0"/>
+          </a:p>
+        </p:txBody>
+      </p:sp>
+    </p:spTree>
+    <p:extLst>
+      <p:ext uri="{BB962C8B-B14F-4D97-AF65-F5344CB8AC3E}">
+        <p14:creationId xmlns:p14="http://schemas.microsoft.com/office/powerpoint/2010/main" val="2798321153"/>
+      </p:ext>
+    </p:extLst>
+  </p:cSld>
+  <p:clrMapOvr>
+    <a:masterClrMapping/>
+  </p:clrMapOvr>
+</p:sld>
+</file>
+
+<file path=ppt/slides/slide21.xml><?xml version="1.0" encoding="utf-8"?>
+<p:sld xmlns:a="http://schemas.openxmlformats.org/drawingml/2006/main" xmlns:r="http://schemas.openxmlformats.org/officeDocument/2006/relationships" xmlns:p="http://schemas.openxmlformats.org/presentationml/2006/main">
+  <p:cSld>
+    <p:spTree>
+      <p:nvGrpSpPr>
+        <p:cNvPr id="1" name=""/>
+        <p:cNvGrpSpPr/>
+        <p:nvPr/>
+      </p:nvGrpSpPr>
+      <p:grpSpPr>
+        <a:xfrm>
+          <a:off x="0" y="0"/>
+          <a:ext cx="0" cy="0"/>
+          <a:chOff x="0" y="0"/>
+          <a:chExt cx="0" cy="0"/>
+        </a:xfrm>
+      </p:grpSpPr>
+      <p:sp>
+        <p:nvSpPr>
+          <p:cNvPr id="2" name="Title 1">
+            <a:extLst>
+              <a:ext uri="{FF2B5EF4-FFF2-40B4-BE49-F238E27FC236}">
+                <a16:creationId xmlns:a16="http://schemas.microsoft.com/office/drawing/2014/main" id="{AA3A228F-61D0-D949-A5E7-F83756230BF8}"/>
+              </a:ext>
+            </a:extLst>
+          </p:cNvPr>
+          <p:cNvSpPr>
+            <a:spLocks noGrp="1"/>
+          </p:cNvSpPr>
+          <p:nvPr>
+            <p:ph type="title"/>
+          </p:nvPr>
+        </p:nvSpPr>
+        <p:spPr>
+          <a:xfrm>
+            <a:off x="483848" y="467027"/>
+            <a:ext cx="7053542" cy="683886"/>
+          </a:xfrm>
+        </p:spPr>
+        <p:txBody>
+          <a:bodyPr/>
+          <a:lstStyle/>
+          <a:p>
+            <a:r>
+              <a:rPr lang="en-US" dirty="0"/>
+              <a:t>Lab 1 </a:t>
+            </a:r>
+          </a:p>
+        </p:txBody>
+      </p:sp>
+      <p:sp>
+        <p:nvSpPr>
+          <p:cNvPr id="9" name="Content Placeholder 8">
+            <a:extLst>
+              <a:ext uri="{FF2B5EF4-FFF2-40B4-BE49-F238E27FC236}">
+                <a16:creationId xmlns:a16="http://schemas.microsoft.com/office/drawing/2014/main" id="{E3B2E017-30B2-884B-A113-B419A2ED51AD}"/>
+              </a:ext>
+            </a:extLst>
+          </p:cNvPr>
+          <p:cNvSpPr>
+            <a:spLocks noGrp="1"/>
+          </p:cNvSpPr>
+          <p:nvPr>
+            <p:ph idx="1"/>
+          </p:nvPr>
+        </p:nvSpPr>
+        <p:spPr>
+          <a:xfrm>
+            <a:off x="483848" y="1150913"/>
+            <a:ext cx="8051725" cy="4440590"/>
+          </a:xfrm>
+        </p:spPr>
+        <p:txBody>
+          <a:bodyPr>
+            <a:noAutofit/>
+          </a:bodyPr>
+          <a:lstStyle/>
+          <a:p>
+            <a:pPr marL="0" indent="0">
+              <a:buNone/>
+            </a:pPr>
+            <a:r>
+              <a:rPr lang="en-US" dirty="0"/>
+              <a:t>Create a new </a:t>
+            </a:r>
+            <a:r>
+              <a:rPr lang="en-US" dirty="0" err="1"/>
+              <a:t>repl</a:t>
+            </a:r>
+            <a:r>
+              <a:rPr lang="en-US" dirty="0"/>
+              <a:t> on </a:t>
+            </a:r>
+            <a:r>
+              <a:rPr lang="en-US" dirty="0" err="1"/>
+              <a:t>repl.it</a:t>
+            </a:r>
+            <a:r>
+              <a:rPr lang="en-US" dirty="0"/>
+              <a:t>.</a:t>
+            </a:r>
+          </a:p>
+          <a:p>
+            <a:pPr marL="0" indent="0">
+              <a:buNone/>
+            </a:pPr>
+            <a:r>
+              <a:rPr lang="en-US" dirty="0"/>
+              <a:t>Write </a:t>
+            </a:r>
+            <a:r>
+              <a:rPr lang="en-US" b="1" dirty="0"/>
+              <a:t>a for loop </a:t>
+            </a:r>
+            <a:r>
+              <a:rPr lang="en-US" dirty="0"/>
+              <a:t>to do each of the following:</a:t>
+            </a:r>
+          </a:p>
+          <a:p>
+            <a:pPr marL="0" indent="0">
+              <a:buNone/>
+            </a:pPr>
+            <a:endParaRPr lang="en-US" dirty="0"/>
+          </a:p>
+          <a:p>
+            <a:pPr marL="457200" indent="-457200">
+              <a:buAutoNum type="arabicParenR"/>
+            </a:pPr>
+            <a:r>
+              <a:rPr lang="en-US" dirty="0"/>
+              <a:t>Print out "Hello!" 10 times, each on a different line.</a:t>
+            </a:r>
+          </a:p>
+          <a:p>
+            <a:pPr marL="457200" indent="-457200">
+              <a:buAutoNum type="arabicParenR"/>
+            </a:pPr>
+            <a:r>
+              <a:rPr lang="en-US" dirty="0"/>
+              <a:t>Alternate between printing "Hello" and "Hi" for a total of 20 times, each on a separate line. Use only one for loop. (Hint: Use and a conditional)</a:t>
+            </a:r>
+          </a:p>
+          <a:p>
+            <a:pPr marL="457200" indent="-457200">
+              <a:buAutoNum type="arabicParenR"/>
+            </a:pPr>
+            <a:r>
+              <a:rPr lang="en-US" dirty="0"/>
+              <a:t>Print 1 4 9 16 … 100</a:t>
+            </a:r>
+          </a:p>
+          <a:p>
+            <a:pPr marL="457200" indent="-457200">
+              <a:buAutoNum type="arabicParenR"/>
+            </a:pPr>
+            <a:r>
+              <a:rPr lang="en-US" dirty="0"/>
+              <a:t>Print 10 8 6 4 2 0 -2</a:t>
+            </a:r>
+          </a:p>
+          <a:p>
+            <a:pPr marL="0" indent="0">
+              <a:buNone/>
+            </a:pPr>
+            <a:endParaRPr lang="en-US" dirty="0"/>
+          </a:p>
+          <a:p>
+            <a:pPr marL="0" indent="0">
+              <a:buNone/>
+            </a:pPr>
+            <a:r>
+              <a:rPr lang="en-US" dirty="0"/>
+              <a:t>Continue on next page. </a:t>
+            </a:r>
+          </a:p>
+          <a:p>
+            <a:pPr marL="0" indent="0">
+              <a:buNone/>
+            </a:pPr>
+            <a:endParaRPr lang="en-US" dirty="0"/>
+          </a:p>
+          <a:p>
+            <a:pPr marL="457200" indent="-457200">
+              <a:buAutoNum type="arabicParenR"/>
+            </a:pPr>
+            <a:endParaRPr lang="en-US" dirty="0"/>
+          </a:p>
+          <a:p>
+            <a:pPr marL="457200" indent="-457200">
+              <a:buAutoNum type="arabicParenR"/>
+            </a:pPr>
+            <a:endParaRPr lang="en-US" dirty="0"/>
+          </a:p>
+        </p:txBody>
+      </p:sp>
+    </p:spTree>
+    <p:extLst>
+      <p:ext uri="{BB962C8B-B14F-4D97-AF65-F5344CB8AC3E}">
+        <p14:creationId xmlns:p14="http://schemas.microsoft.com/office/powerpoint/2010/main" val="1787114790"/>
+      </p:ext>
+    </p:extLst>
+  </p:cSld>
+  <p:clrMapOvr>
+    <a:masterClrMapping/>
+  </p:clrMapOvr>
+</p:sld>
+</file>
+
+<file path=ppt/slides/slide22.xml><?xml version="1.0" encoding="utf-8"?>
+<p:sld xmlns:a="http://schemas.openxmlformats.org/drawingml/2006/main" xmlns:r="http://schemas.openxmlformats.org/officeDocument/2006/relationships" xmlns:p="http://schemas.openxmlformats.org/presentationml/2006/main">
+  <p:cSld>
+    <p:spTree>
+      <p:nvGrpSpPr>
+        <p:cNvPr id="1" name=""/>
+        <p:cNvGrpSpPr/>
+        <p:nvPr/>
+      </p:nvGrpSpPr>
+      <p:grpSpPr>
+        <a:xfrm>
+          <a:off x="0" y="0"/>
+          <a:ext cx="0" cy="0"/>
+          <a:chOff x="0" y="0"/>
+          <a:chExt cx="0" cy="0"/>
+        </a:xfrm>
+      </p:grpSpPr>
+      <p:sp>
+        <p:nvSpPr>
+          <p:cNvPr id="2" name="Title 1">
+            <a:extLst>
+              <a:ext uri="{FF2B5EF4-FFF2-40B4-BE49-F238E27FC236}">
+                <a16:creationId xmlns:a16="http://schemas.microsoft.com/office/drawing/2014/main" id="{AA3A228F-61D0-D949-A5E7-F83756230BF8}"/>
+              </a:ext>
+            </a:extLst>
+          </p:cNvPr>
+          <p:cNvSpPr>
+            <a:spLocks noGrp="1"/>
+          </p:cNvSpPr>
+          <p:nvPr>
+            <p:ph type="title"/>
+          </p:nvPr>
+        </p:nvSpPr>
+        <p:spPr>
+          <a:xfrm>
+            <a:off x="483848" y="467027"/>
+            <a:ext cx="7053542" cy="683886"/>
+          </a:xfrm>
+        </p:spPr>
+        <p:txBody>
+          <a:bodyPr/>
+          <a:lstStyle/>
+          <a:p>
+            <a:r>
+              <a:rPr lang="en-US" dirty="0"/>
+              <a:t>Lab 1 </a:t>
+            </a:r>
+          </a:p>
+        </p:txBody>
+      </p:sp>
+      <p:sp>
+        <p:nvSpPr>
+          <p:cNvPr id="9" name="Content Placeholder 8">
+            <a:extLst>
+              <a:ext uri="{FF2B5EF4-FFF2-40B4-BE49-F238E27FC236}">
+                <a16:creationId xmlns:a16="http://schemas.microsoft.com/office/drawing/2014/main" id="{E3B2E017-30B2-884B-A113-B419A2ED51AD}"/>
+              </a:ext>
+            </a:extLst>
+          </p:cNvPr>
+          <p:cNvSpPr>
+            <a:spLocks noGrp="1"/>
+          </p:cNvSpPr>
+          <p:nvPr>
+            <p:ph idx="1"/>
+          </p:nvPr>
+        </p:nvSpPr>
+        <p:spPr>
+          <a:xfrm>
+            <a:off x="483848" y="1150913"/>
+            <a:ext cx="8051725" cy="4440590"/>
+          </a:xfrm>
+        </p:spPr>
+        <p:txBody>
+          <a:bodyPr>
+            <a:noAutofit/>
+          </a:bodyPr>
+          <a:lstStyle/>
+          <a:p>
+            <a:pPr marL="0" indent="0">
+              <a:buNone/>
+            </a:pPr>
+            <a:r>
+              <a:rPr lang="en-US" dirty="0"/>
+              <a:t>Write </a:t>
+            </a:r>
+            <a:r>
+              <a:rPr lang="en-US" b="1" dirty="0"/>
+              <a:t>a nested for loop </a:t>
+            </a:r>
+            <a:r>
+              <a:rPr lang="en-US" dirty="0"/>
+              <a:t>to do each of the following:</a:t>
+            </a:r>
+          </a:p>
+          <a:p>
+            <a:pPr marL="457200" indent="-457200">
+              <a:buAutoNum type="arabicParenR"/>
+            </a:pPr>
+            <a:r>
+              <a:rPr lang="en-US" dirty="0"/>
+              <a:t>Print out 10 lines, each line containing 5 "Hello" separated by spaces. </a:t>
+            </a:r>
+          </a:p>
+          <a:p>
+            <a:pPr marL="0" indent="0">
+              <a:buNone/>
+            </a:pPr>
+            <a:r>
+              <a:rPr lang="en-US" dirty="0"/>
+              <a:t>2) 	******</a:t>
+            </a:r>
+          </a:p>
+          <a:p>
+            <a:pPr marL="0" indent="0">
+              <a:buNone/>
+            </a:pPr>
+            <a:r>
+              <a:rPr lang="en-US" dirty="0"/>
+              <a:t>	******</a:t>
+            </a:r>
+          </a:p>
+          <a:p>
+            <a:pPr marL="0" indent="0">
+              <a:buNone/>
+            </a:pPr>
+            <a:r>
+              <a:rPr lang="en-US" dirty="0"/>
+              <a:t>	******</a:t>
+            </a:r>
+          </a:p>
+          <a:p>
+            <a:pPr marL="0" indent="0">
+              <a:buNone/>
+            </a:pPr>
+            <a:r>
+              <a:rPr lang="en-US" dirty="0"/>
+              <a:t>3)    Print</a:t>
+            </a:r>
+          </a:p>
+          <a:p>
+            <a:pPr marL="0" indent="0">
+              <a:buNone/>
+            </a:pPr>
+            <a:r>
+              <a:rPr lang="en-US" dirty="0"/>
+              <a:t>*</a:t>
+            </a:r>
+          </a:p>
+          <a:p>
+            <a:pPr marL="0" indent="0">
+              <a:buNone/>
+            </a:pPr>
+            <a:r>
+              <a:rPr lang="en-US" dirty="0"/>
+              <a:t>**</a:t>
+            </a:r>
+          </a:p>
+          <a:p>
+            <a:pPr marL="0" indent="0">
+              <a:buNone/>
+            </a:pPr>
+            <a:r>
+              <a:rPr lang="en-US" dirty="0"/>
+              <a:t>***</a:t>
+            </a:r>
+          </a:p>
+          <a:p>
+            <a:pPr marL="0" indent="0">
+              <a:buNone/>
+            </a:pPr>
+            <a:r>
+              <a:rPr lang="en-US" dirty="0"/>
+              <a:t>****</a:t>
+            </a:r>
+          </a:p>
+          <a:p>
+            <a:pPr marL="0" indent="0">
+              <a:buNone/>
+            </a:pPr>
+            <a:r>
+              <a:rPr lang="en-US" dirty="0"/>
+              <a:t>*****	</a:t>
+            </a:r>
+          </a:p>
+          <a:p>
+            <a:pPr marL="0" indent="0">
+              <a:buNone/>
+            </a:pPr>
+            <a:endParaRPr lang="en-US" dirty="0"/>
+          </a:p>
+          <a:p>
+            <a:pPr marL="457200" indent="-457200">
+              <a:buAutoNum type="arabicParenR"/>
+            </a:pPr>
+            <a:endParaRPr lang="en-US" dirty="0"/>
+          </a:p>
+        </p:txBody>
+      </p:sp>
+    </p:spTree>
+    <p:extLst>
+      <p:ext uri="{BB962C8B-B14F-4D97-AF65-F5344CB8AC3E}">
+        <p14:creationId xmlns:p14="http://schemas.microsoft.com/office/powerpoint/2010/main" val="1215229427"/>
+      </p:ext>
+    </p:extLst>
+  </p:cSld>
+  <p:clrMapOvr>
+    <a:masterClrMapping/>
+  </p:clrMapOvr>
+</p:sld>
+</file>
+
+<file path=ppt/slides/slide23.xml><?xml version="1.0" encoding="utf-8"?>
+<p:sld xmlns:a="http://schemas.openxmlformats.org/drawingml/2006/main" xmlns:r="http://schemas.openxmlformats.org/officeDocument/2006/relationships" xmlns:p="http://schemas.openxmlformats.org/presentationml/2006/main">
+  <p:cSld>
+    <p:spTree>
+      <p:nvGrpSpPr>
+        <p:cNvPr id="1" name=""/>
+        <p:cNvGrpSpPr/>
+        <p:nvPr/>
+      </p:nvGrpSpPr>
+      <p:grpSpPr>
+        <a:xfrm>
+          <a:off x="0" y="0"/>
+          <a:ext cx="0" cy="0"/>
+          <a:chOff x="0" y="0"/>
+          <a:chExt cx="0" cy="0"/>
+        </a:xfrm>
+      </p:grpSpPr>
+      <p:sp>
+        <p:nvSpPr>
+          <p:cNvPr id="2" name="Title 1">
+            <a:extLst>
+              <a:ext uri="{FF2B5EF4-FFF2-40B4-BE49-F238E27FC236}">
+                <a16:creationId xmlns:a16="http://schemas.microsoft.com/office/drawing/2014/main" id="{AA3A228F-61D0-D949-A5E7-F83756230BF8}"/>
+              </a:ext>
+            </a:extLst>
+          </p:cNvPr>
+          <p:cNvSpPr>
+            <a:spLocks noGrp="1"/>
+          </p:cNvSpPr>
+          <p:nvPr>
+            <p:ph type="title"/>
+          </p:nvPr>
+        </p:nvSpPr>
+        <p:spPr>
+          <a:xfrm>
+            <a:off x="483848" y="467027"/>
+            <a:ext cx="7053542" cy="683886"/>
+          </a:xfrm>
+        </p:spPr>
+        <p:txBody>
+          <a:bodyPr/>
+          <a:lstStyle/>
+          <a:p>
+            <a:r>
+              <a:rPr lang="en-US" dirty="0"/>
+              <a:t>References</a:t>
+            </a:r>
+          </a:p>
+        </p:txBody>
+      </p:sp>
+      <p:sp>
+        <p:nvSpPr>
+          <p:cNvPr id="9" name="Content Placeholder 8">
+            <a:extLst>
+              <a:ext uri="{FF2B5EF4-FFF2-40B4-BE49-F238E27FC236}">
+                <a16:creationId xmlns:a16="http://schemas.microsoft.com/office/drawing/2014/main" id="{E3B2E017-30B2-884B-A113-B419A2ED51AD}"/>
+              </a:ext>
+            </a:extLst>
+          </p:cNvPr>
+          <p:cNvSpPr>
+            <a:spLocks noGrp="1"/>
+          </p:cNvSpPr>
+          <p:nvPr>
+            <p:ph idx="1"/>
+          </p:nvPr>
+        </p:nvSpPr>
+        <p:spPr>
+          <a:xfrm>
+            <a:off x="483848" y="1150913"/>
+            <a:ext cx="8051725" cy="4440590"/>
+          </a:xfrm>
+        </p:spPr>
+        <p:txBody>
+          <a:bodyPr>
+            <a:noAutofit/>
+          </a:bodyPr>
+          <a:lstStyle/>
+          <a:p>
+            <a:pPr marL="0" indent="0">
+              <a:buNone/>
+            </a:pPr>
+            <a:endParaRPr lang="en-US" dirty="0"/>
+          </a:p>
+          <a:p>
+            <a:pPr marL="0" indent="0">
+              <a:buNone/>
+            </a:pPr>
+            <a:endParaRPr lang="en-US" dirty="0"/>
+          </a:p>
+          <a:p>
+            <a:pPr marL="457200" indent="-457200">
+              <a:buAutoNum type="arabicParenR"/>
+            </a:pPr>
+            <a:r>
+              <a:rPr lang="en-US" dirty="0" err="1"/>
+              <a:t>Vanderplas</a:t>
+            </a:r>
+            <a:r>
+              <a:rPr lang="en-US" dirty="0"/>
+              <a:t>, Jake, A Whirlwind Tour of Python, </a:t>
+            </a:r>
+            <a:r>
+              <a:rPr lang="en-US" dirty="0" err="1"/>
+              <a:t>O’reilly</a:t>
+            </a:r>
+            <a:r>
+              <a:rPr lang="en-US" dirty="0"/>
+              <a:t> Media. </a:t>
+            </a:r>
+          </a:p>
+          <a:p>
+            <a:pPr marL="0" indent="0">
+              <a:buNone/>
+            </a:pPr>
+            <a:endParaRPr lang="en-US" dirty="0"/>
+          </a:p>
+        </p:txBody>
+      </p:sp>
+    </p:spTree>
+    <p:extLst>
+      <p:ext uri="{BB962C8B-B14F-4D97-AF65-F5344CB8AC3E}">
+        <p14:creationId xmlns:p14="http://schemas.microsoft.com/office/powerpoint/2010/main" val="1452600724"/>
       </p:ext>
     </p:extLst>
   </p:cSld>

--- a/courses/apcsp/lect4.pptx
+++ b/courses/apcsp/lect4.pptx
@@ -24,10 +24,9 @@
     <p:sldId id="306" r:id="rId18"/>
     <p:sldId id="307" r:id="rId19"/>
     <p:sldId id="284" r:id="rId20"/>
-    <p:sldId id="315" r:id="rId21"/>
-    <p:sldId id="317" r:id="rId22"/>
-    <p:sldId id="318" r:id="rId23"/>
-    <p:sldId id="316" r:id="rId24"/>
+    <p:sldId id="317" r:id="rId21"/>
+    <p:sldId id="318" r:id="rId22"/>
+    <p:sldId id="316" r:id="rId23"/>
   </p:sldIdLst>
   <p:sldSz cx="9144000" cy="5715000" type="screen16x10"/>
   <p:notesSz cx="6858000" cy="9144000"/>
@@ -150,7 +149,7 @@
   <pc:docChgLst>
     <pc:chgData name="Long B Nguyen" userId="f59fb8f3-a021-417a-8bc1-65c8d471c621" providerId="ADAL" clId="{A54A5039-9BC6-1548-AC61-7314DB675A9D}"/>
     <pc:docChg chg="undo custSel addSld delSld modSld">
-      <pc:chgData name="Long B Nguyen" userId="f59fb8f3-a021-417a-8bc1-65c8d471c621" providerId="ADAL" clId="{A54A5039-9BC6-1548-AC61-7314DB675A9D}" dt="2019-09-24T13:44:10.963" v="2838" actId="20577"/>
+      <pc:chgData name="Long B Nguyen" userId="f59fb8f3-a021-417a-8bc1-65c8d471c621" providerId="ADAL" clId="{A54A5039-9BC6-1548-AC61-7314DB675A9D}" dt="2019-09-24T14:05:24.942" v="2839" actId="2696"/>
       <pc:docMkLst>
         <pc:docMk/>
       </pc:docMkLst>
@@ -573,8 +572,8 @@
           </ac:spMkLst>
         </pc:spChg>
       </pc:sldChg>
-      <pc:sldChg chg="modSp add">
-        <pc:chgData name="Long B Nguyen" userId="f59fb8f3-a021-417a-8bc1-65c8d471c621" providerId="ADAL" clId="{A54A5039-9BC6-1548-AC61-7314DB675A9D}" dt="2019-09-24T11:53:13.884" v="2630" actId="20577"/>
+      <pc:sldChg chg="modSp add del">
+        <pc:chgData name="Long B Nguyen" userId="f59fb8f3-a021-417a-8bc1-65c8d471c621" providerId="ADAL" clId="{A54A5039-9BC6-1548-AC61-7314DB675A9D}" dt="2019-09-24T14:05:24.942" v="2839" actId="2696"/>
         <pc:sldMkLst>
           <pc:docMk/>
           <pc:sldMk cId="2798321153" sldId="315"/>
@@ -9055,7 +9054,7 @@
           <a:p>
             <a:r>
               <a:rPr lang="en-US" dirty="0"/>
-              <a:t>Lab</a:t>
+              <a:t>Lab 1 </a:t>
             </a:r>
           </a:p>
         </p:txBody>
@@ -9118,7 +9117,15 @@
             </a:pPr>
             <a:r>
               <a:rPr lang="en-US" dirty="0"/>
-              <a:t>Write for loop or nested for loops to do each of the following:</a:t>
+              <a:t>Write </a:t>
+            </a:r>
+            <a:r>
+              <a:rPr lang="en-US" b="1" dirty="0"/>
+              <a:t>a for loop </a:t>
+            </a:r>
+            <a:r>
+              <a:rPr lang="en-US" dirty="0"/>
+              <a:t>to do each of the following:</a:t>
             </a:r>
           </a:p>
           <a:p>
@@ -9201,7 +9208,7 @@
     </p:spTree>
     <p:extLst>
       <p:ext uri="{BB962C8B-B14F-4D97-AF65-F5344CB8AC3E}">
-        <p14:creationId xmlns:p14="http://schemas.microsoft.com/office/powerpoint/2010/main" val="2798321153"/>
+        <p14:creationId xmlns:p14="http://schemas.microsoft.com/office/powerpoint/2010/main" val="1787114790"/>
       </p:ext>
     </p:extLst>
   </p:cSld>
@@ -9294,215 +9301,6 @@
             </a:pPr>
             <a:r>
               <a:rPr lang="en-US" dirty="0"/>
-              <a:t>Create a new </a:t>
-            </a:r>
-            <a:r>
-              <a:rPr lang="en-US" dirty="0" err="1"/>
-              <a:t>repl</a:t>
-            </a:r>
-            <a:r>
-              <a:rPr lang="en-US" dirty="0"/>
-              <a:t> on </a:t>
-            </a:r>
-            <a:r>
-              <a:rPr lang="en-US" dirty="0" err="1"/>
-              <a:t>repl.it</a:t>
-            </a:r>
-            <a:r>
-              <a:rPr lang="en-US" dirty="0"/>
-              <a:t>.</a:t>
-            </a:r>
-          </a:p>
-          <a:p>
-            <a:pPr marL="0" indent="0">
-              <a:buNone/>
-            </a:pPr>
-            <a:r>
-              <a:rPr lang="en-US" dirty="0"/>
-              <a:t>Write </a:t>
-            </a:r>
-            <a:r>
-              <a:rPr lang="en-US" b="1" dirty="0"/>
-              <a:t>a for loop </a:t>
-            </a:r>
-            <a:r>
-              <a:rPr lang="en-US" dirty="0"/>
-              <a:t>to do each of the following:</a:t>
-            </a:r>
-          </a:p>
-          <a:p>
-            <a:pPr marL="0" indent="0">
-              <a:buNone/>
-            </a:pPr>
-            <a:endParaRPr lang="en-US" dirty="0"/>
-          </a:p>
-          <a:p>
-            <a:pPr marL="457200" indent="-457200">
-              <a:buAutoNum type="arabicParenR"/>
-            </a:pPr>
-            <a:r>
-              <a:rPr lang="en-US" dirty="0"/>
-              <a:t>Print out "Hello!" 10 times, each on a different line.</a:t>
-            </a:r>
-          </a:p>
-          <a:p>
-            <a:pPr marL="457200" indent="-457200">
-              <a:buAutoNum type="arabicParenR"/>
-            </a:pPr>
-            <a:r>
-              <a:rPr lang="en-US" dirty="0"/>
-              <a:t>Alternate between printing "Hello" and "Hi" for a total of 20 times, each on a separate line. Use only one for loop. (Hint: Use and a conditional)</a:t>
-            </a:r>
-          </a:p>
-          <a:p>
-            <a:pPr marL="457200" indent="-457200">
-              <a:buAutoNum type="arabicParenR"/>
-            </a:pPr>
-            <a:r>
-              <a:rPr lang="en-US" dirty="0"/>
-              <a:t>Print 1 4 9 16 … 100</a:t>
-            </a:r>
-          </a:p>
-          <a:p>
-            <a:pPr marL="457200" indent="-457200">
-              <a:buAutoNum type="arabicParenR"/>
-            </a:pPr>
-            <a:r>
-              <a:rPr lang="en-US" dirty="0"/>
-              <a:t>Print 10 8 6 4 2 0 -2</a:t>
-            </a:r>
-          </a:p>
-          <a:p>
-            <a:pPr marL="0" indent="0">
-              <a:buNone/>
-            </a:pPr>
-            <a:endParaRPr lang="en-US" dirty="0"/>
-          </a:p>
-          <a:p>
-            <a:pPr marL="0" indent="0">
-              <a:buNone/>
-            </a:pPr>
-            <a:r>
-              <a:rPr lang="en-US" dirty="0"/>
-              <a:t>Continue on next page. </a:t>
-            </a:r>
-          </a:p>
-          <a:p>
-            <a:pPr marL="0" indent="0">
-              <a:buNone/>
-            </a:pPr>
-            <a:endParaRPr lang="en-US" dirty="0"/>
-          </a:p>
-          <a:p>
-            <a:pPr marL="457200" indent="-457200">
-              <a:buAutoNum type="arabicParenR"/>
-            </a:pPr>
-            <a:endParaRPr lang="en-US" dirty="0"/>
-          </a:p>
-          <a:p>
-            <a:pPr marL="457200" indent="-457200">
-              <a:buAutoNum type="arabicParenR"/>
-            </a:pPr>
-            <a:endParaRPr lang="en-US" dirty="0"/>
-          </a:p>
-        </p:txBody>
-      </p:sp>
-    </p:spTree>
-    <p:extLst>
-      <p:ext uri="{BB962C8B-B14F-4D97-AF65-F5344CB8AC3E}">
-        <p14:creationId xmlns:p14="http://schemas.microsoft.com/office/powerpoint/2010/main" val="1787114790"/>
-      </p:ext>
-    </p:extLst>
-  </p:cSld>
-  <p:clrMapOvr>
-    <a:masterClrMapping/>
-  </p:clrMapOvr>
-</p:sld>
-</file>
-
-<file path=ppt/slides/slide22.xml><?xml version="1.0" encoding="utf-8"?>
-<p:sld xmlns:a="http://schemas.openxmlformats.org/drawingml/2006/main" xmlns:r="http://schemas.openxmlformats.org/officeDocument/2006/relationships" xmlns:p="http://schemas.openxmlformats.org/presentationml/2006/main">
-  <p:cSld>
-    <p:spTree>
-      <p:nvGrpSpPr>
-        <p:cNvPr id="1" name=""/>
-        <p:cNvGrpSpPr/>
-        <p:nvPr/>
-      </p:nvGrpSpPr>
-      <p:grpSpPr>
-        <a:xfrm>
-          <a:off x="0" y="0"/>
-          <a:ext cx="0" cy="0"/>
-          <a:chOff x="0" y="0"/>
-          <a:chExt cx="0" cy="0"/>
-        </a:xfrm>
-      </p:grpSpPr>
-      <p:sp>
-        <p:nvSpPr>
-          <p:cNvPr id="2" name="Title 1">
-            <a:extLst>
-              <a:ext uri="{FF2B5EF4-FFF2-40B4-BE49-F238E27FC236}">
-                <a16:creationId xmlns:a16="http://schemas.microsoft.com/office/drawing/2014/main" id="{AA3A228F-61D0-D949-A5E7-F83756230BF8}"/>
-              </a:ext>
-            </a:extLst>
-          </p:cNvPr>
-          <p:cNvSpPr>
-            <a:spLocks noGrp="1"/>
-          </p:cNvSpPr>
-          <p:nvPr>
-            <p:ph type="title"/>
-          </p:nvPr>
-        </p:nvSpPr>
-        <p:spPr>
-          <a:xfrm>
-            <a:off x="483848" y="467027"/>
-            <a:ext cx="7053542" cy="683886"/>
-          </a:xfrm>
-        </p:spPr>
-        <p:txBody>
-          <a:bodyPr/>
-          <a:lstStyle/>
-          <a:p>
-            <a:r>
-              <a:rPr lang="en-US" dirty="0"/>
-              <a:t>Lab 1 </a:t>
-            </a:r>
-          </a:p>
-        </p:txBody>
-      </p:sp>
-      <p:sp>
-        <p:nvSpPr>
-          <p:cNvPr id="9" name="Content Placeholder 8">
-            <a:extLst>
-              <a:ext uri="{FF2B5EF4-FFF2-40B4-BE49-F238E27FC236}">
-                <a16:creationId xmlns:a16="http://schemas.microsoft.com/office/drawing/2014/main" id="{E3B2E017-30B2-884B-A113-B419A2ED51AD}"/>
-              </a:ext>
-            </a:extLst>
-          </p:cNvPr>
-          <p:cNvSpPr>
-            <a:spLocks noGrp="1"/>
-          </p:cNvSpPr>
-          <p:nvPr>
-            <p:ph idx="1"/>
-          </p:nvPr>
-        </p:nvSpPr>
-        <p:spPr>
-          <a:xfrm>
-            <a:off x="483848" y="1150913"/>
-            <a:ext cx="8051725" cy="4440590"/>
-          </a:xfrm>
-        </p:spPr>
-        <p:txBody>
-          <a:bodyPr>
-            <a:noAutofit/>
-          </a:bodyPr>
-          <a:lstStyle/>
-          <a:p>
-            <a:pPr marL="0" indent="0">
-              <a:buNone/>
-            </a:pPr>
-            <a:r>
-              <a:rPr lang="en-US" dirty="0"/>
               <a:t>Write </a:t>
             </a:r>
             <a:r>
@@ -9631,7 +9429,7 @@
 </p:sld>
 </file>
 
-<file path=ppt/slides/slide23.xml><?xml version="1.0" encoding="utf-8"?>
+<file path=ppt/slides/slide22.xml><?xml version="1.0" encoding="utf-8"?>
 <p:sld xmlns:a="http://schemas.openxmlformats.org/drawingml/2006/main" xmlns:r="http://schemas.openxmlformats.org/officeDocument/2006/relationships" xmlns:p="http://schemas.openxmlformats.org/presentationml/2006/main">
   <p:cSld>
     <p:spTree>

--- a/courses/apcsp/lect4.pptx
+++ b/courses/apcsp/lect4.pptx
@@ -136,7 +136,7 @@
 <file path=ppt/revisionInfo.xml><?xml version="1.0" encoding="utf-8"?>
 <p1510:revInfo xmlns:a="http://schemas.openxmlformats.org/drawingml/2006/main" xmlns:r="http://schemas.openxmlformats.org/officeDocument/2006/relationships" xmlns:p1510="http://schemas.microsoft.com/office/powerpoint/2015/10/main">
   <p1510:revLst>
-    <p1510:client id="{A54A5039-9BC6-1548-AC61-7314DB675A9D}" v="262" dt="2019-09-24T13:43:57.551"/>
+    <p1510:client id="{A54A5039-9BC6-1548-AC61-7314DB675A9D}" v="296" dt="2019-09-25T14:26:33.714"/>
   </p1510:revLst>
 </p1510:revInfo>
 </file>
@@ -149,18 +149,18 @@
   <pc:docChgLst>
     <pc:chgData name="Long B Nguyen" userId="f59fb8f3-a021-417a-8bc1-65c8d471c621" providerId="ADAL" clId="{A54A5039-9BC6-1548-AC61-7314DB675A9D}"/>
     <pc:docChg chg="undo custSel addSld delSld modSld">
-      <pc:chgData name="Long B Nguyen" userId="f59fb8f3-a021-417a-8bc1-65c8d471c621" providerId="ADAL" clId="{A54A5039-9BC6-1548-AC61-7314DB675A9D}" dt="2019-09-24T14:05:24.942" v="2839" actId="2696"/>
+      <pc:chgData name="Long B Nguyen" userId="f59fb8f3-a021-417a-8bc1-65c8d471c621" providerId="ADAL" clId="{A54A5039-9BC6-1548-AC61-7314DB675A9D}" dt="2019-09-25T14:26:33.714" v="2899" actId="20577"/>
       <pc:docMkLst>
         <pc:docMk/>
       </pc:docMkLst>
       <pc:sldChg chg="modSp">
-        <pc:chgData name="Long B Nguyen" userId="f59fb8f3-a021-417a-8bc1-65c8d471c621" providerId="ADAL" clId="{A54A5039-9BC6-1548-AC61-7314DB675A9D}" dt="2019-09-19T14:18:51.512" v="27" actId="20577"/>
+        <pc:chgData name="Long B Nguyen" userId="f59fb8f3-a021-417a-8bc1-65c8d471c621" providerId="ADAL" clId="{A54A5039-9BC6-1548-AC61-7314DB675A9D}" dt="2019-09-25T14:17:33.020" v="2843" actId="20577"/>
         <pc:sldMkLst>
           <pc:docMk/>
           <pc:sldMk cId="4247104139" sldId="256"/>
         </pc:sldMkLst>
         <pc:spChg chg="mod">
-          <ac:chgData name="Long B Nguyen" userId="f59fb8f3-a021-417a-8bc1-65c8d471c621" providerId="ADAL" clId="{A54A5039-9BC6-1548-AC61-7314DB675A9D}" dt="2019-09-19T14:18:51.512" v="27" actId="20577"/>
+          <ac:chgData name="Long B Nguyen" userId="f59fb8f3-a021-417a-8bc1-65c8d471c621" providerId="ADAL" clId="{A54A5039-9BC6-1548-AC61-7314DB675A9D}" dt="2019-09-25T14:17:33.020" v="2843" actId="20577"/>
           <ac:spMkLst>
             <pc:docMk/>
             <pc:sldMk cId="4247104139" sldId="256"/>
@@ -603,7 +603,7 @@
         </pc:sldMkLst>
       </pc:sldChg>
       <pc:sldChg chg="modSp add">
-        <pc:chgData name="Long B Nguyen" userId="f59fb8f3-a021-417a-8bc1-65c8d471c621" providerId="ADAL" clId="{A54A5039-9BC6-1548-AC61-7314DB675A9D}" dt="2019-09-24T11:54:38.814" v="2647" actId="113"/>
+        <pc:chgData name="Long B Nguyen" userId="f59fb8f3-a021-417a-8bc1-65c8d471c621" providerId="ADAL" clId="{A54A5039-9BC6-1548-AC61-7314DB675A9D}" dt="2019-09-25T14:26:33.714" v="2899" actId="20577"/>
         <pc:sldMkLst>
           <pc:docMk/>
           <pc:sldMk cId="1787114790" sldId="317"/>
@@ -617,7 +617,7 @@
           </ac:spMkLst>
         </pc:spChg>
         <pc:spChg chg="mod">
-          <ac:chgData name="Long B Nguyen" userId="f59fb8f3-a021-417a-8bc1-65c8d471c621" providerId="ADAL" clId="{A54A5039-9BC6-1548-AC61-7314DB675A9D}" dt="2019-09-24T11:54:38.814" v="2647" actId="113"/>
+          <ac:chgData name="Long B Nguyen" userId="f59fb8f3-a021-417a-8bc1-65c8d471c621" providerId="ADAL" clId="{A54A5039-9BC6-1548-AC61-7314DB675A9D}" dt="2019-09-25T14:26:33.714" v="2899" actId="20577"/>
           <ac:spMkLst>
             <pc:docMk/>
             <pc:sldMk cId="1787114790" sldId="317"/>
@@ -806,7 +806,7 @@
           <a:p>
             <a:fld id="{4AAD347D-5ACD-4C99-B74B-A9C85AD731AF}" type="datetimeFigureOut">
               <a:rPr lang="en-US" smtClean="0"/>
-              <a:t>9/24/19</a:t>
+              <a:t>9/25/19</a:t>
             </a:fld>
             <a:endParaRPr lang="en-US" dirty="0"/>
           </a:p>
@@ -976,7 +976,7 @@
           <a:p>
             <a:fld id="{4509A250-FF31-4206-8172-F9D3106AACB1}" type="datetimeFigureOut">
               <a:rPr lang="en-US" smtClean="0"/>
-              <a:t>9/24/19</a:t>
+              <a:t>9/25/19</a:t>
             </a:fld>
             <a:endParaRPr lang="en-US" dirty="0"/>
           </a:p>
@@ -1156,7 +1156,7 @@
           <a:p>
             <a:fld id="{4509A250-FF31-4206-8172-F9D3106AACB1}" type="datetimeFigureOut">
               <a:rPr lang="en-US" smtClean="0"/>
-              <a:t>9/24/19</a:t>
+              <a:t>9/25/19</a:t>
             </a:fld>
             <a:endParaRPr lang="en-US" dirty="0"/>
           </a:p>
@@ -1326,7 +1326,7 @@
           <a:p>
             <a:fld id="{4509A250-FF31-4206-8172-F9D3106AACB1}" type="datetimeFigureOut">
               <a:rPr lang="en-US" smtClean="0"/>
-              <a:t>9/24/19</a:t>
+              <a:t>9/25/19</a:t>
             </a:fld>
             <a:endParaRPr lang="en-US" dirty="0"/>
           </a:p>
@@ -1572,7 +1572,7 @@
           <a:p>
             <a:fld id="{9796027F-7875-4030-9381-8BD8C4F21935}" type="datetimeFigureOut">
               <a:rPr lang="en-US" smtClean="0"/>
-              <a:t>9/24/19</a:t>
+              <a:t>9/25/19</a:t>
             </a:fld>
             <a:endParaRPr lang="en-US" dirty="0"/>
           </a:p>
@@ -1804,7 +1804,7 @@
           <a:p>
             <a:fld id="{9796027F-7875-4030-9381-8BD8C4F21935}" type="datetimeFigureOut">
               <a:rPr lang="en-US" smtClean="0"/>
-              <a:t>9/24/19</a:t>
+              <a:t>9/25/19</a:t>
             </a:fld>
             <a:endParaRPr lang="en-US" dirty="0"/>
           </a:p>
@@ -2171,7 +2171,7 @@
           <a:p>
             <a:fld id="{9796027F-7875-4030-9381-8BD8C4F21935}" type="datetimeFigureOut">
               <a:rPr lang="en-US" smtClean="0"/>
-              <a:t>9/24/19</a:t>
+              <a:t>9/25/19</a:t>
             </a:fld>
             <a:endParaRPr lang="en-US" dirty="0"/>
           </a:p>
@@ -2289,7 +2289,7 @@
           <a:p>
             <a:fld id="{4509A250-FF31-4206-8172-F9D3106AACB1}" type="datetimeFigureOut">
               <a:rPr lang="en-US" smtClean="0"/>
-              <a:t>9/24/19</a:t>
+              <a:t>9/25/19</a:t>
             </a:fld>
             <a:endParaRPr lang="en-US" dirty="0"/>
           </a:p>
@@ -2384,7 +2384,7 @@
           <a:p>
             <a:fld id="{4509A250-FF31-4206-8172-F9D3106AACB1}" type="datetimeFigureOut">
               <a:rPr lang="en-US" smtClean="0"/>
-              <a:t>9/24/19</a:t>
+              <a:t>9/25/19</a:t>
             </a:fld>
             <a:endParaRPr lang="en-US" dirty="0"/>
           </a:p>
@@ -2661,7 +2661,7 @@
           <a:p>
             <a:fld id="{4509A250-FF31-4206-8172-F9D3106AACB1}" type="datetimeFigureOut">
               <a:rPr lang="en-US" smtClean="0"/>
-              <a:t>9/24/19</a:t>
+              <a:t>9/25/19</a:t>
             </a:fld>
             <a:endParaRPr lang="en-US" dirty="0"/>
           </a:p>
@@ -2918,7 +2918,7 @@
           <a:p>
             <a:fld id="{4509A250-FF31-4206-8172-F9D3106AACB1}" type="datetimeFigureOut">
               <a:rPr lang="en-US" smtClean="0"/>
-              <a:t>9/24/19</a:t>
+              <a:t>9/25/19</a:t>
             </a:fld>
             <a:endParaRPr lang="en-US" dirty="0"/>
           </a:p>
@@ -3131,7 +3131,7 @@
           <a:p>
             <a:fld id="{4AAD347D-5ACD-4C99-B74B-A9C85AD731AF}" type="datetimeFigureOut">
               <a:rPr lang="en-US" smtClean="0"/>
-              <a:t>9/24/19</a:t>
+              <a:t>9/25/19</a:t>
             </a:fld>
             <a:endParaRPr lang="en-US" dirty="0"/>
           </a:p>
@@ -3602,7 +3602,7 @@
             <a:pPr algn="l"/>
             <a:r>
               <a:rPr lang="en-US" sz="2400" b="1" dirty="0"/>
-              <a:t>For Loops</a:t>
+              <a:t>Loops</a:t>
             </a:r>
           </a:p>
         </p:txBody>
@@ -9059,152 +9059,391 @@
           </a:p>
         </p:txBody>
       </p:sp>
-      <p:sp>
-        <p:nvSpPr>
-          <p:cNvPr id="9" name="Content Placeholder 8">
-            <a:extLst>
-              <a:ext uri="{FF2B5EF4-FFF2-40B4-BE49-F238E27FC236}">
-                <a16:creationId xmlns:a16="http://schemas.microsoft.com/office/drawing/2014/main" id="{E3B2E017-30B2-884B-A113-B419A2ED51AD}"/>
-              </a:ext>
-            </a:extLst>
-          </p:cNvPr>
-          <p:cNvSpPr>
-            <a:spLocks noGrp="1"/>
-          </p:cNvSpPr>
-          <p:nvPr>
-            <p:ph idx="1"/>
-          </p:nvPr>
-        </p:nvSpPr>
-        <p:spPr>
-          <a:xfrm>
-            <a:off x="483848" y="1150913"/>
-            <a:ext cx="8051725" cy="4440590"/>
-          </a:xfrm>
-        </p:spPr>
-        <p:txBody>
-          <a:bodyPr>
-            <a:noAutofit/>
-          </a:bodyPr>
-          <a:lstStyle/>
-          <a:p>
-            <a:pPr marL="0" indent="0">
-              <a:buNone/>
-            </a:pPr>
-            <a:r>
-              <a:rPr lang="en-US" dirty="0"/>
-              <a:t>Create a new </a:t>
-            </a:r>
-            <a:r>
-              <a:rPr lang="en-US" dirty="0" err="1"/>
-              <a:t>repl</a:t>
-            </a:r>
-            <a:r>
-              <a:rPr lang="en-US" dirty="0"/>
-              <a:t> on </a:t>
-            </a:r>
-            <a:r>
-              <a:rPr lang="en-US" dirty="0" err="1"/>
-              <a:t>repl.it</a:t>
-            </a:r>
-            <a:r>
-              <a:rPr lang="en-US" dirty="0"/>
-              <a:t>.</a:t>
-            </a:r>
-          </a:p>
-          <a:p>
-            <a:pPr marL="0" indent="0">
-              <a:buNone/>
-            </a:pPr>
-            <a:r>
-              <a:rPr lang="en-US" dirty="0"/>
-              <a:t>Write </a:t>
-            </a:r>
-            <a:r>
-              <a:rPr lang="en-US" b="1" dirty="0"/>
-              <a:t>a for loop </a:t>
-            </a:r>
-            <a:r>
-              <a:rPr lang="en-US" dirty="0"/>
-              <a:t>to do each of the following:</a:t>
-            </a:r>
-          </a:p>
-          <a:p>
-            <a:pPr marL="0" indent="0">
-              <a:buNone/>
-            </a:pPr>
-            <a:endParaRPr lang="en-US" dirty="0"/>
-          </a:p>
-          <a:p>
-            <a:pPr marL="457200" indent="-457200">
-              <a:buAutoNum type="arabicParenR"/>
-            </a:pPr>
-            <a:r>
-              <a:rPr lang="en-US" dirty="0"/>
-              <a:t>Print out "Hello!" 10 times, each on a different line.</a:t>
-            </a:r>
-          </a:p>
-          <a:p>
-            <a:pPr marL="457200" indent="-457200">
-              <a:buAutoNum type="arabicParenR"/>
-            </a:pPr>
-            <a:r>
-              <a:rPr lang="en-US" dirty="0"/>
-              <a:t>Alternate between printing "Hello" and "Hi" for a total of 20 times, each on a separate line. Use only one for loop. (Hint: Use and a conditional)</a:t>
-            </a:r>
-          </a:p>
-          <a:p>
-            <a:pPr marL="457200" indent="-457200">
-              <a:buAutoNum type="arabicParenR"/>
-            </a:pPr>
-            <a:r>
-              <a:rPr lang="en-US" dirty="0"/>
-              <a:t>Print 1 4 9 16 … 100</a:t>
-            </a:r>
-          </a:p>
-          <a:p>
-            <a:pPr marL="457200" indent="-457200">
-              <a:buAutoNum type="arabicParenR"/>
-            </a:pPr>
-            <a:r>
-              <a:rPr lang="en-US" dirty="0"/>
-              <a:t>Print 10 8 6 4 2 0 -2</a:t>
-            </a:r>
-          </a:p>
-          <a:p>
-            <a:pPr marL="0" indent="0">
-              <a:buNone/>
-            </a:pPr>
-            <a:endParaRPr lang="en-US" dirty="0"/>
-          </a:p>
-          <a:p>
-            <a:pPr marL="0" indent="0">
-              <a:buNone/>
-            </a:pPr>
-            <a:r>
-              <a:rPr lang="en-US" dirty="0"/>
-              <a:t>Continue on next page. </a:t>
-            </a:r>
-          </a:p>
-          <a:p>
-            <a:pPr marL="0" indent="0">
-              <a:buNone/>
-            </a:pPr>
-            <a:endParaRPr lang="en-US" dirty="0"/>
-          </a:p>
-          <a:p>
-            <a:pPr marL="457200" indent="-457200">
-              <a:buAutoNum type="arabicParenR"/>
-            </a:pPr>
-            <a:endParaRPr lang="en-US" dirty="0"/>
-          </a:p>
-          <a:p>
-            <a:pPr marL="457200" indent="-457200">
-              <a:buAutoNum type="arabicParenR"/>
-            </a:pPr>
-            <a:endParaRPr lang="en-US" dirty="0"/>
-          </a:p>
-        </p:txBody>
-      </p:sp>
+      <mc:AlternateContent xmlns:mc="http://schemas.openxmlformats.org/markup-compatibility/2006">
+        <mc:Choice xmlns:a14="http://schemas.microsoft.com/office/drawing/2010/main" Requires="a14">
+          <p:sp>
+            <p:nvSpPr>
+              <p:cNvPr id="9" name="Content Placeholder 8">
+                <a:extLst>
+                  <a:ext uri="{FF2B5EF4-FFF2-40B4-BE49-F238E27FC236}">
+                    <a16:creationId xmlns:a16="http://schemas.microsoft.com/office/drawing/2014/main" id="{E3B2E017-30B2-884B-A113-B419A2ED51AD}"/>
+                  </a:ext>
+                </a:extLst>
+              </p:cNvPr>
+              <p:cNvSpPr>
+                <a:spLocks noGrp="1"/>
+              </p:cNvSpPr>
+              <p:nvPr>
+                <p:ph idx="1"/>
+              </p:nvPr>
+            </p:nvSpPr>
+            <p:spPr>
+              <a:xfrm>
+                <a:off x="483848" y="1150913"/>
+                <a:ext cx="8051725" cy="4440590"/>
+              </a:xfrm>
+            </p:spPr>
+            <p:txBody>
+              <a:bodyPr>
+                <a:noAutofit/>
+              </a:bodyPr>
+              <a:lstStyle/>
+              <a:p>
+                <a:pPr marL="0" indent="0">
+                  <a:buNone/>
+                </a:pPr>
+                <a:r>
+                  <a:rPr lang="en-US" dirty="0"/>
+                  <a:t>Create a new </a:t>
+                </a:r>
+                <a:r>
+                  <a:rPr lang="en-US" dirty="0" err="1"/>
+                  <a:t>repl</a:t>
+                </a:r>
+                <a:r>
+                  <a:rPr lang="en-US" dirty="0"/>
+                  <a:t> on </a:t>
+                </a:r>
+                <a:r>
+                  <a:rPr lang="en-US" dirty="0" err="1"/>
+                  <a:t>repl.it</a:t>
+                </a:r>
+                <a:r>
+                  <a:rPr lang="en-US" dirty="0"/>
+                  <a:t>.</a:t>
+                </a:r>
+              </a:p>
+              <a:p>
+                <a:pPr marL="0" indent="0">
+                  <a:buNone/>
+                </a:pPr>
+                <a:r>
+                  <a:rPr lang="en-US" dirty="0"/>
+                  <a:t>Write </a:t>
+                </a:r>
+                <a:r>
+                  <a:rPr lang="en-US" b="1" dirty="0"/>
+                  <a:t>a for loop </a:t>
+                </a:r>
+                <a:r>
+                  <a:rPr lang="en-US" dirty="0"/>
+                  <a:t>to do each of the following:</a:t>
+                </a:r>
+              </a:p>
+              <a:p>
+                <a:pPr marL="0" indent="0">
+                  <a:buNone/>
+                </a:pPr>
+                <a:endParaRPr lang="en-US" dirty="0"/>
+              </a:p>
+              <a:p>
+                <a:pPr marL="457200" indent="-457200">
+                  <a:buAutoNum type="arabicParenR"/>
+                </a:pPr>
+                <a:r>
+                  <a:rPr lang="en-US" dirty="0"/>
+                  <a:t>Print out "Hello!" 10 times, each on a different line.</a:t>
+                </a:r>
+              </a:p>
+              <a:p>
+                <a:pPr marL="457200" indent="-457200">
+                  <a:buAutoNum type="arabicParenR"/>
+                </a:pPr>
+                <a:r>
+                  <a:rPr lang="en-US" dirty="0"/>
+                  <a:t>Alternate between printing "Hello" and "Hi" for a total of 20 times, each on a separate line. Use only one for loop. (Hint: Use and a conditional)</a:t>
+                </a:r>
+              </a:p>
+              <a:p>
+                <a:pPr marL="457200" indent="-457200">
+                  <a:buAutoNum type="arabicParenR"/>
+                </a:pPr>
+                <a:r>
+                  <a:rPr lang="en-US" dirty="0"/>
+                  <a:t>Print 1 4 9 16 … 100</a:t>
+                </a:r>
+              </a:p>
+              <a:p>
+                <a:pPr marL="457200" indent="-457200">
+                  <a:buAutoNum type="arabicParenR"/>
+                </a:pPr>
+                <a:r>
+                  <a:rPr lang="en-US" dirty="0"/>
+                  <a:t>Print 10 8 6 4 2 0 -2</a:t>
+                </a:r>
+              </a:p>
+              <a:p>
+                <a:pPr marL="457200" indent="-457200">
+                  <a:buAutoNum type="arabicParenR"/>
+                </a:pPr>
+                <a:r>
+                  <a:rPr lang="en-US" dirty="0"/>
+                  <a:t>Compute the sum: </a:t>
+                </a:r>
+                <a14:m>
+                  <m:oMath xmlns:m="http://schemas.openxmlformats.org/officeDocument/2006/math">
+                    <m:sSup>
+                      <m:sSupPr>
+                        <m:ctrlPr>
+                          <a:rPr lang="en-US" i="1" smtClean="0">
+                            <a:latin typeface="Cambria Math" panose="02040503050406030204" pitchFamily="18" charset="0"/>
+                          </a:rPr>
+                        </m:ctrlPr>
+                      </m:sSupPr>
+                      <m:e>
+                        <m:r>
+                          <a:rPr lang="en-US" b="0" i="1" smtClean="0">
+                            <a:latin typeface="Cambria Math" panose="02040503050406030204" pitchFamily="18" charset="0"/>
+                          </a:rPr>
+                          <m:t>1</m:t>
+                        </m:r>
+                      </m:e>
+                      <m:sup>
+                        <m:r>
+                          <a:rPr lang="en-US" b="0" i="1" smtClean="0">
+                            <a:latin typeface="Cambria Math" panose="02040503050406030204" pitchFamily="18" charset="0"/>
+                          </a:rPr>
+                          <m:t>2</m:t>
+                        </m:r>
+                      </m:sup>
+                    </m:sSup>
+                  </m:oMath>
+                </a14:m>
+                <a:r>
+                  <a:rPr lang="en-US" dirty="0"/>
+                  <a:t>+</a:t>
+                </a:r>
+                <a14:m>
+                  <m:oMath xmlns:m="http://schemas.openxmlformats.org/officeDocument/2006/math">
+                    <m:sSup>
+                      <m:sSupPr>
+                        <m:ctrlPr>
+                          <a:rPr lang="en-US" i="1">
+                            <a:latin typeface="Cambria Math" panose="02040503050406030204" pitchFamily="18" charset="0"/>
+                          </a:rPr>
+                        </m:ctrlPr>
+                      </m:sSupPr>
+                      <m:e>
+                        <m:r>
+                          <a:rPr lang="en-US" b="0" i="1" smtClean="0">
+                            <a:latin typeface="Cambria Math" panose="02040503050406030204" pitchFamily="18" charset="0"/>
+                          </a:rPr>
+                          <m:t>2</m:t>
+                        </m:r>
+                      </m:e>
+                      <m:sup>
+                        <m:r>
+                          <a:rPr lang="en-US" i="1">
+                            <a:latin typeface="Cambria Math" panose="02040503050406030204" pitchFamily="18" charset="0"/>
+                          </a:rPr>
+                          <m:t>2</m:t>
+                        </m:r>
+                      </m:sup>
+                    </m:sSup>
+                    <m:sSup>
+                      <m:sSupPr>
+                        <m:ctrlPr>
+                          <a:rPr lang="en-US" i="1">
+                            <a:latin typeface="Cambria Math" panose="02040503050406030204" pitchFamily="18" charset="0"/>
+                          </a:rPr>
+                        </m:ctrlPr>
+                      </m:sSupPr>
+                      <m:e>
+                        <m:r>
+                          <a:rPr lang="en-US" b="0" i="1" smtClean="0">
+                            <a:latin typeface="Cambria Math" panose="02040503050406030204" pitchFamily="18" charset="0"/>
+                          </a:rPr>
+                          <m:t>+3</m:t>
+                        </m:r>
+                      </m:e>
+                      <m:sup>
+                        <m:r>
+                          <a:rPr lang="en-US" i="1">
+                            <a:latin typeface="Cambria Math" panose="02040503050406030204" pitchFamily="18" charset="0"/>
+                          </a:rPr>
+                          <m:t>2</m:t>
+                        </m:r>
+                      </m:sup>
+                    </m:sSup>
+                    <m:r>
+                      <a:rPr lang="en-US" b="0" i="1" smtClean="0">
+                        <a:latin typeface="Cambria Math" panose="02040503050406030204" pitchFamily="18" charset="0"/>
+                      </a:rPr>
+                      <m:t>+</m:t>
+                    </m:r>
+                    <m:sSup>
+                      <m:sSupPr>
+                        <m:ctrlPr>
+                          <a:rPr lang="en-US" i="1">
+                            <a:latin typeface="Cambria Math" panose="02040503050406030204" pitchFamily="18" charset="0"/>
+                          </a:rPr>
+                        </m:ctrlPr>
+                      </m:sSupPr>
+                      <m:e>
+                        <m:r>
+                          <a:rPr lang="en-US" b="0" i="1" smtClean="0">
+                            <a:latin typeface="Cambria Math" panose="02040503050406030204" pitchFamily="18" charset="0"/>
+                          </a:rPr>
+                          <m:t>4</m:t>
+                        </m:r>
+                      </m:e>
+                      <m:sup>
+                        <m:r>
+                          <a:rPr lang="en-US" i="1">
+                            <a:latin typeface="Cambria Math" panose="02040503050406030204" pitchFamily="18" charset="0"/>
+                          </a:rPr>
+                          <m:t>2</m:t>
+                        </m:r>
+                      </m:sup>
+                    </m:sSup>
+                  </m:oMath>
+                </a14:m>
+                <a:r>
+                  <a:rPr lang="en-US" dirty="0"/>
+                  <a:t>+…+</a:t>
+                </a:r>
+                <a14:m>
+                  <m:oMath xmlns:m="http://schemas.openxmlformats.org/officeDocument/2006/math">
+                    <m:sSup>
+                      <m:sSupPr>
+                        <m:ctrlPr>
+                          <a:rPr lang="en-US" i="1">
+                            <a:latin typeface="Cambria Math" panose="02040503050406030204" pitchFamily="18" charset="0"/>
+                          </a:rPr>
+                        </m:ctrlPr>
+                      </m:sSupPr>
+                      <m:e>
+                        <m:r>
+                          <a:rPr lang="en-US" b="0" i="1" smtClean="0">
+                            <a:latin typeface="Cambria Math" panose="02040503050406030204" pitchFamily="18" charset="0"/>
+                          </a:rPr>
+                          <m:t>19</m:t>
+                        </m:r>
+                      </m:e>
+                      <m:sup>
+                        <m:r>
+                          <a:rPr lang="en-US" i="1">
+                            <a:latin typeface="Cambria Math" panose="02040503050406030204" pitchFamily="18" charset="0"/>
+                          </a:rPr>
+                          <m:t>2</m:t>
+                        </m:r>
+                      </m:sup>
+                    </m:sSup>
+                    <m:r>
+                      <a:rPr lang="en-US" b="0" i="1" smtClean="0">
+                        <a:latin typeface="Cambria Math" panose="02040503050406030204" pitchFamily="18" charset="0"/>
+                      </a:rPr>
+                      <m:t>+</m:t>
+                    </m:r>
+                    <m:sSup>
+                      <m:sSupPr>
+                        <m:ctrlPr>
+                          <a:rPr lang="en-US" i="1">
+                            <a:latin typeface="Cambria Math" panose="02040503050406030204" pitchFamily="18" charset="0"/>
+                          </a:rPr>
+                        </m:ctrlPr>
+                      </m:sSupPr>
+                      <m:e>
+                        <m:r>
+                          <a:rPr lang="en-US" b="0" i="1" smtClean="0">
+                            <a:latin typeface="Cambria Math" panose="02040503050406030204" pitchFamily="18" charset="0"/>
+                          </a:rPr>
+                          <m:t>20</m:t>
+                        </m:r>
+                      </m:e>
+                      <m:sup>
+                        <m:r>
+                          <a:rPr lang="en-US" i="1">
+                            <a:latin typeface="Cambria Math" panose="02040503050406030204" pitchFamily="18" charset="0"/>
+                          </a:rPr>
+                          <m:t>2</m:t>
+                        </m:r>
+                      </m:sup>
+                    </m:sSup>
+                  </m:oMath>
+                </a14:m>
+                <a:endParaRPr lang="en-US" dirty="0"/>
+              </a:p>
+              <a:p>
+                <a:pPr marL="0" indent="0">
+                  <a:buNone/>
+                </a:pPr>
+                <a:endParaRPr lang="en-US" dirty="0"/>
+              </a:p>
+              <a:p>
+                <a:pPr marL="0" indent="0">
+                  <a:buNone/>
+                </a:pPr>
+                <a:r>
+                  <a:rPr lang="en-US" dirty="0"/>
+                  <a:t>Continue on next page. </a:t>
+                </a:r>
+              </a:p>
+              <a:p>
+                <a:pPr marL="0" indent="0">
+                  <a:buNone/>
+                </a:pPr>
+                <a:endParaRPr lang="en-US" dirty="0"/>
+              </a:p>
+              <a:p>
+                <a:pPr marL="457200" indent="-457200">
+                  <a:buAutoNum type="arabicParenR"/>
+                </a:pPr>
+                <a:endParaRPr lang="en-US" dirty="0"/>
+              </a:p>
+              <a:p>
+                <a:pPr marL="457200" indent="-457200">
+                  <a:buAutoNum type="arabicParenR"/>
+                </a:pPr>
+                <a:endParaRPr lang="en-US" dirty="0"/>
+              </a:p>
+            </p:txBody>
+          </p:sp>
+        </mc:Choice>
+        <mc:Fallback>
+          <p:sp>
+            <p:nvSpPr>
+              <p:cNvPr id="9" name="Content Placeholder 8">
+                <a:extLst>
+                  <a:ext uri="{FF2B5EF4-FFF2-40B4-BE49-F238E27FC236}">
+                    <a16:creationId xmlns:a16="http://schemas.microsoft.com/office/drawing/2014/main" id="{E3B2E017-30B2-884B-A113-B419A2ED51AD}"/>
+                  </a:ext>
+                </a:extLst>
+              </p:cNvPr>
+              <p:cNvSpPr>
+                <a:spLocks noGrp="1" noRot="1" noChangeAspect="1" noMove="1" noResize="1" noEditPoints="1" noAdjustHandles="1" noChangeArrowheads="1" noChangeShapeType="1" noTextEdit="1"/>
+              </p:cNvSpPr>
+              <p:nvPr>
+                <p:ph idx="1"/>
+              </p:nvPr>
+            </p:nvSpPr>
+            <p:spPr>
+              <a:xfrm>
+                <a:off x="483848" y="1150913"/>
+                <a:ext cx="8051725" cy="4440590"/>
+              </a:xfrm>
+              <a:blipFill>
+                <a:blip r:embed="rId2"/>
+                <a:stretch>
+                  <a:fillRect l="-787" t="-1429" b="-3143"/>
+                </a:stretch>
+              </a:blipFill>
+            </p:spPr>
+            <p:txBody>
+              <a:bodyPr/>
+              <a:lstStyle/>
+              <a:p>
+                <a:r>
+                  <a:rPr lang="en-US">
+                    <a:noFill/>
+                  </a:rPr>
+                  <a:t> </a:t>
+                </a:r>
+              </a:p>
+            </p:txBody>
+          </p:sp>
+        </mc:Fallback>
+      </mc:AlternateContent>
     </p:spTree>
     <p:extLst>
       <p:ext uri="{BB962C8B-B14F-4D97-AF65-F5344CB8AC3E}">

--- a/courses/apcsp/lect4.pptx
+++ b/courses/apcsp/lect4.pptx
@@ -24,9 +24,20 @@
     <p:sldId id="306" r:id="rId18"/>
     <p:sldId id="307" r:id="rId19"/>
     <p:sldId id="284" r:id="rId20"/>
-    <p:sldId id="317" r:id="rId21"/>
-    <p:sldId id="318" r:id="rId22"/>
-    <p:sldId id="316" r:id="rId23"/>
+    <p:sldId id="319" r:id="rId21"/>
+    <p:sldId id="320" r:id="rId22"/>
+    <p:sldId id="321" r:id="rId23"/>
+    <p:sldId id="328" r:id="rId24"/>
+    <p:sldId id="327" r:id="rId25"/>
+    <p:sldId id="329" r:id="rId26"/>
+    <p:sldId id="322" r:id="rId27"/>
+    <p:sldId id="323" r:id="rId28"/>
+    <p:sldId id="324" r:id="rId29"/>
+    <p:sldId id="325" r:id="rId30"/>
+    <p:sldId id="326" r:id="rId31"/>
+    <p:sldId id="317" r:id="rId32"/>
+    <p:sldId id="318" r:id="rId33"/>
+    <p:sldId id="316" r:id="rId34"/>
   </p:sldIdLst>
   <p:sldSz cx="9144000" cy="5715000" type="screen16x10"/>
   <p:notesSz cx="6858000" cy="9144000"/>
@@ -136,16 +147,13 @@
 <file path=ppt/revisionInfo.xml><?xml version="1.0" encoding="utf-8"?>
 <p1510:revInfo xmlns:a="http://schemas.openxmlformats.org/drawingml/2006/main" xmlns:r="http://schemas.openxmlformats.org/officeDocument/2006/relationships" xmlns:p1510="http://schemas.microsoft.com/office/powerpoint/2015/10/main">
   <p1510:revLst>
-    <p1510:client id="{A54A5039-9BC6-1548-AC61-7314DB675A9D}" v="296" dt="2019-09-25T14:26:33.714"/>
+    <p1510:client id="{CC9C9D9A-5149-2947-86C0-576F501F60DC}" v="601" dt="2020-01-05T21:58:59.286"/>
   </p1510:revLst>
 </p1510:revInfo>
 </file>
 
 <file path=ppt/changesInfos/changesInfo1.xml><?xml version="1.0" encoding="utf-8"?>
 <pc:chgInfo xmlns:a="http://schemas.openxmlformats.org/drawingml/2006/main" xmlns:r="http://schemas.openxmlformats.org/officeDocument/2006/relationships" xmlns:ac="http://schemas.microsoft.com/office/drawing/2013/main/command" xmlns:pc="http://schemas.microsoft.com/office/powerpoint/2013/main/command">
-  <pc:docChgLst>
-    <pc:chgData name="Long B Nguyen" userId="f59fb8f3-a021-417a-8bc1-65c8d471c621" providerId="ADAL" clId="{359527BD-9D28-FA41-9B76-D4C412CACD55}"/>
-  </pc:docChgLst>
   <pc:docChgLst>
     <pc:chgData name="Long B Nguyen" userId="f59fb8f3-a021-417a-8bc1-65c8d471c621" providerId="ADAL" clId="{A54A5039-9BC6-1548-AC61-7314DB675A9D}"/>
     <pc:docChg chg="undo custSel addSld delSld modSld">
@@ -643,7 +651,242 @@
     </pc:docChg>
   </pc:docChgLst>
   <pc:docChgLst>
-    <pc:chgData name="Long B Nguyen" userId="f59fb8f3-a021-417a-8bc1-65c8d471c621" providerId="ADAL" clId="{E5BF62A1-4F8A-BC49-8FD7-ABEA3D28ED25}"/>
+    <pc:chgData name="Long B Nguyen" userId="f59fb8f3-a021-417a-8bc1-65c8d471c621" providerId="ADAL" clId="{CC9C9D9A-5149-2947-86C0-576F501F60DC}"/>
+    <pc:docChg chg="addSld modSld">
+      <pc:chgData name="Long B Nguyen" userId="f59fb8f3-a021-417a-8bc1-65c8d471c621" providerId="ADAL" clId="{CC9C9D9A-5149-2947-86C0-576F501F60DC}" dt="2020-01-05T21:59:55.597" v="2392" actId="14100"/>
+      <pc:docMkLst>
+        <pc:docMk/>
+      </pc:docMkLst>
+      <pc:sldChg chg="modSp add modAnim">
+        <pc:chgData name="Long B Nguyen" userId="f59fb8f3-a021-417a-8bc1-65c8d471c621" providerId="ADAL" clId="{CC9C9D9A-5149-2947-86C0-576F501F60DC}" dt="2020-01-04T15:49:37.373" v="563" actId="20577"/>
+        <pc:sldMkLst>
+          <pc:docMk/>
+          <pc:sldMk cId="924617162" sldId="319"/>
+        </pc:sldMkLst>
+        <pc:spChg chg="mod">
+          <ac:chgData name="Long B Nguyen" userId="f59fb8f3-a021-417a-8bc1-65c8d471c621" providerId="ADAL" clId="{CC9C9D9A-5149-2947-86C0-576F501F60DC}" dt="2020-01-04T15:45:14.876" v="4" actId="20577"/>
+          <ac:spMkLst>
+            <pc:docMk/>
+            <pc:sldMk cId="924617162" sldId="319"/>
+            <ac:spMk id="2" creationId="{AA3A228F-61D0-D949-A5E7-F83756230BF8}"/>
+          </ac:spMkLst>
+        </pc:spChg>
+        <pc:spChg chg="mod">
+          <ac:chgData name="Long B Nguyen" userId="f59fb8f3-a021-417a-8bc1-65c8d471c621" providerId="ADAL" clId="{CC9C9D9A-5149-2947-86C0-576F501F60DC}" dt="2020-01-04T15:49:37.373" v="563" actId="20577"/>
+          <ac:spMkLst>
+            <pc:docMk/>
+            <pc:sldMk cId="924617162" sldId="319"/>
+            <ac:spMk id="9" creationId="{E3B2E017-30B2-884B-A113-B419A2ED51AD}"/>
+          </ac:spMkLst>
+        </pc:spChg>
+      </pc:sldChg>
+      <pc:sldChg chg="modSp add">
+        <pc:chgData name="Long B Nguyen" userId="f59fb8f3-a021-417a-8bc1-65c8d471c621" providerId="ADAL" clId="{CC9C9D9A-5149-2947-86C0-576F501F60DC}" dt="2020-01-04T15:57:55.835" v="789" actId="14100"/>
+        <pc:sldMkLst>
+          <pc:docMk/>
+          <pc:sldMk cId="3758830494" sldId="320"/>
+        </pc:sldMkLst>
+        <pc:spChg chg="mod">
+          <ac:chgData name="Long B Nguyen" userId="f59fb8f3-a021-417a-8bc1-65c8d471c621" providerId="ADAL" clId="{CC9C9D9A-5149-2947-86C0-576F501F60DC}" dt="2020-01-04T15:57:52.065" v="788" actId="1076"/>
+          <ac:spMkLst>
+            <pc:docMk/>
+            <pc:sldMk cId="3758830494" sldId="320"/>
+            <ac:spMk id="2" creationId="{AA3A228F-61D0-D949-A5E7-F83756230BF8}"/>
+          </ac:spMkLst>
+        </pc:spChg>
+        <pc:spChg chg="mod">
+          <ac:chgData name="Long B Nguyen" userId="f59fb8f3-a021-417a-8bc1-65c8d471c621" providerId="ADAL" clId="{CC9C9D9A-5149-2947-86C0-576F501F60DC}" dt="2020-01-04T15:57:55.835" v="789" actId="14100"/>
+          <ac:spMkLst>
+            <pc:docMk/>
+            <pc:sldMk cId="3758830494" sldId="320"/>
+            <ac:spMk id="9" creationId="{E3B2E017-30B2-884B-A113-B419A2ED51AD}"/>
+          </ac:spMkLst>
+        </pc:spChg>
+      </pc:sldChg>
+      <pc:sldChg chg="modSp add">
+        <pc:chgData name="Long B Nguyen" userId="f59fb8f3-a021-417a-8bc1-65c8d471c621" providerId="ADAL" clId="{CC9C9D9A-5149-2947-86C0-576F501F60DC}" dt="2020-01-05T21:51:37.442" v="2325" actId="20577"/>
+        <pc:sldMkLst>
+          <pc:docMk/>
+          <pc:sldMk cId="1022945305" sldId="321"/>
+        </pc:sldMkLst>
+        <pc:spChg chg="mod">
+          <ac:chgData name="Long B Nguyen" userId="f59fb8f3-a021-417a-8bc1-65c8d471c621" providerId="ADAL" clId="{CC9C9D9A-5149-2947-86C0-576F501F60DC}" dt="2020-01-05T21:51:37.442" v="2325" actId="20577"/>
+          <ac:spMkLst>
+            <pc:docMk/>
+            <pc:sldMk cId="1022945305" sldId="321"/>
+            <ac:spMk id="2" creationId="{AA3A228F-61D0-D949-A5E7-F83756230BF8}"/>
+          </ac:spMkLst>
+        </pc:spChg>
+        <pc:spChg chg="mod">
+          <ac:chgData name="Long B Nguyen" userId="f59fb8f3-a021-417a-8bc1-65c8d471c621" providerId="ADAL" clId="{CC9C9D9A-5149-2947-86C0-576F501F60DC}" dt="2020-01-05T21:33:21.485" v="2304" actId="20577"/>
+          <ac:spMkLst>
+            <pc:docMk/>
+            <pc:sldMk cId="1022945305" sldId="321"/>
+            <ac:spMk id="9" creationId="{E3B2E017-30B2-884B-A113-B419A2ED51AD}"/>
+          </ac:spMkLst>
+        </pc:spChg>
+      </pc:sldChg>
+      <pc:sldChg chg="modSp add">
+        <pc:chgData name="Long B Nguyen" userId="f59fb8f3-a021-417a-8bc1-65c8d471c621" providerId="ADAL" clId="{CC9C9D9A-5149-2947-86C0-576F501F60DC}" dt="2020-01-04T17:41:57.489" v="1203" actId="20577"/>
+        <pc:sldMkLst>
+          <pc:docMk/>
+          <pc:sldMk cId="3456840474" sldId="322"/>
+        </pc:sldMkLst>
+        <pc:spChg chg="mod">
+          <ac:chgData name="Long B Nguyen" userId="f59fb8f3-a021-417a-8bc1-65c8d471c621" providerId="ADAL" clId="{CC9C9D9A-5149-2947-86C0-576F501F60DC}" dt="2020-01-04T17:41:57.489" v="1203" actId="20577"/>
+          <ac:spMkLst>
+            <pc:docMk/>
+            <pc:sldMk cId="3456840474" sldId="322"/>
+            <ac:spMk id="9" creationId="{E3B2E017-30B2-884B-A113-B419A2ED51AD}"/>
+          </ac:spMkLst>
+        </pc:spChg>
+      </pc:sldChg>
+      <pc:sldChg chg="modSp add">
+        <pc:chgData name="Long B Nguyen" userId="f59fb8f3-a021-417a-8bc1-65c8d471c621" providerId="ADAL" clId="{CC9C9D9A-5149-2947-86C0-576F501F60DC}" dt="2020-01-04T18:38:26.241" v="1214" actId="113"/>
+        <pc:sldMkLst>
+          <pc:docMk/>
+          <pc:sldMk cId="1062075874" sldId="323"/>
+        </pc:sldMkLst>
+        <pc:spChg chg="mod">
+          <ac:chgData name="Long B Nguyen" userId="f59fb8f3-a021-417a-8bc1-65c8d471c621" providerId="ADAL" clId="{CC9C9D9A-5149-2947-86C0-576F501F60DC}" dt="2020-01-04T18:38:26.241" v="1214" actId="113"/>
+          <ac:spMkLst>
+            <pc:docMk/>
+            <pc:sldMk cId="1062075874" sldId="323"/>
+            <ac:spMk id="9" creationId="{E3B2E017-30B2-884B-A113-B419A2ED51AD}"/>
+          </ac:spMkLst>
+        </pc:spChg>
+      </pc:sldChg>
+      <pc:sldChg chg="modSp add">
+        <pc:chgData name="Long B Nguyen" userId="f59fb8f3-a021-417a-8bc1-65c8d471c621" providerId="ADAL" clId="{CC9C9D9A-5149-2947-86C0-576F501F60DC}" dt="2020-01-04T20:58:36.932" v="1972" actId="20577"/>
+        <pc:sldMkLst>
+          <pc:docMk/>
+          <pc:sldMk cId="1310010799" sldId="324"/>
+        </pc:sldMkLst>
+        <pc:spChg chg="mod">
+          <ac:chgData name="Long B Nguyen" userId="f59fb8f3-a021-417a-8bc1-65c8d471c621" providerId="ADAL" clId="{CC9C9D9A-5149-2947-86C0-576F501F60DC}" dt="2020-01-04T20:55:25.731" v="1962" actId="1076"/>
+          <ac:spMkLst>
+            <pc:docMk/>
+            <pc:sldMk cId="1310010799" sldId="324"/>
+            <ac:spMk id="2" creationId="{AA3A228F-61D0-D949-A5E7-F83756230BF8}"/>
+          </ac:spMkLst>
+        </pc:spChg>
+        <pc:spChg chg="mod">
+          <ac:chgData name="Long B Nguyen" userId="f59fb8f3-a021-417a-8bc1-65c8d471c621" providerId="ADAL" clId="{CC9C9D9A-5149-2947-86C0-576F501F60DC}" dt="2020-01-04T20:58:36.932" v="1972" actId="20577"/>
+          <ac:spMkLst>
+            <pc:docMk/>
+            <pc:sldMk cId="1310010799" sldId="324"/>
+            <ac:spMk id="9" creationId="{E3B2E017-30B2-884B-A113-B419A2ED51AD}"/>
+          </ac:spMkLst>
+        </pc:spChg>
+      </pc:sldChg>
+      <pc:sldChg chg="modSp add">
+        <pc:chgData name="Long B Nguyen" userId="f59fb8f3-a021-417a-8bc1-65c8d471c621" providerId="ADAL" clId="{CC9C9D9A-5149-2947-86C0-576F501F60DC}" dt="2020-01-05T21:27:04.952" v="2119" actId="20577"/>
+        <pc:sldMkLst>
+          <pc:docMk/>
+          <pc:sldMk cId="3314372952" sldId="325"/>
+        </pc:sldMkLst>
+        <pc:spChg chg="mod">
+          <ac:chgData name="Long B Nguyen" userId="f59fb8f3-a021-417a-8bc1-65c8d471c621" providerId="ADAL" clId="{CC9C9D9A-5149-2947-86C0-576F501F60DC}" dt="2020-01-05T21:26:41.210" v="2114" actId="20577"/>
+          <ac:spMkLst>
+            <pc:docMk/>
+            <pc:sldMk cId="3314372952" sldId="325"/>
+            <ac:spMk id="2" creationId="{AA3A228F-61D0-D949-A5E7-F83756230BF8}"/>
+          </ac:spMkLst>
+        </pc:spChg>
+        <pc:spChg chg="mod">
+          <ac:chgData name="Long B Nguyen" userId="f59fb8f3-a021-417a-8bc1-65c8d471c621" providerId="ADAL" clId="{CC9C9D9A-5149-2947-86C0-576F501F60DC}" dt="2020-01-05T21:27:04.952" v="2119" actId="20577"/>
+          <ac:spMkLst>
+            <pc:docMk/>
+            <pc:sldMk cId="3314372952" sldId="325"/>
+            <ac:spMk id="9" creationId="{E3B2E017-30B2-884B-A113-B419A2ED51AD}"/>
+          </ac:spMkLst>
+        </pc:spChg>
+      </pc:sldChg>
+      <pc:sldChg chg="modSp add">
+        <pc:chgData name="Long B Nguyen" userId="f59fb8f3-a021-417a-8bc1-65c8d471c621" providerId="ADAL" clId="{CC9C9D9A-5149-2947-86C0-576F501F60DC}" dt="2020-01-05T21:29:58.563" v="2178" actId="20577"/>
+        <pc:sldMkLst>
+          <pc:docMk/>
+          <pc:sldMk cId="3117943122" sldId="326"/>
+        </pc:sldMkLst>
+        <pc:spChg chg="mod">
+          <ac:chgData name="Long B Nguyen" userId="f59fb8f3-a021-417a-8bc1-65c8d471c621" providerId="ADAL" clId="{CC9C9D9A-5149-2947-86C0-576F501F60DC}" dt="2020-01-05T21:29:58.563" v="2178" actId="20577"/>
+          <ac:spMkLst>
+            <pc:docMk/>
+            <pc:sldMk cId="3117943122" sldId="326"/>
+            <ac:spMk id="9" creationId="{E3B2E017-30B2-884B-A113-B419A2ED51AD}"/>
+          </ac:spMkLst>
+        </pc:spChg>
+      </pc:sldChg>
+      <pc:sldChg chg="modSp add">
+        <pc:chgData name="Long B Nguyen" userId="f59fb8f3-a021-417a-8bc1-65c8d471c621" providerId="ADAL" clId="{CC9C9D9A-5149-2947-86C0-576F501F60DC}" dt="2020-01-05T21:59:55.597" v="2392" actId="14100"/>
+        <pc:sldMkLst>
+          <pc:docMk/>
+          <pc:sldMk cId="1025618360" sldId="327"/>
+        </pc:sldMkLst>
+        <pc:spChg chg="mod">
+          <ac:chgData name="Long B Nguyen" userId="f59fb8f3-a021-417a-8bc1-65c8d471c621" providerId="ADAL" clId="{CC9C9D9A-5149-2947-86C0-576F501F60DC}" dt="2020-01-05T21:59:55.597" v="2392" actId="14100"/>
+          <ac:spMkLst>
+            <pc:docMk/>
+            <pc:sldMk cId="1025618360" sldId="327"/>
+            <ac:spMk id="9" creationId="{E3B2E017-30B2-884B-A113-B419A2ED51AD}"/>
+          </ac:spMkLst>
+        </pc:spChg>
+      </pc:sldChg>
+      <pc:sldChg chg="modSp add">
+        <pc:chgData name="Long B Nguyen" userId="f59fb8f3-a021-417a-8bc1-65c8d471c621" providerId="ADAL" clId="{CC9C9D9A-5149-2947-86C0-576F501F60DC}" dt="2020-01-05T21:54:47.081" v="2356" actId="2711"/>
+        <pc:sldMkLst>
+          <pc:docMk/>
+          <pc:sldMk cId="3894299887" sldId="328"/>
+        </pc:sldMkLst>
+        <pc:spChg chg="mod">
+          <ac:chgData name="Long B Nguyen" userId="f59fb8f3-a021-417a-8bc1-65c8d471c621" providerId="ADAL" clId="{CC9C9D9A-5149-2947-86C0-576F501F60DC}" dt="2020-01-05T21:51:41.306" v="2327" actId="20577"/>
+          <ac:spMkLst>
+            <pc:docMk/>
+            <pc:sldMk cId="3894299887" sldId="328"/>
+            <ac:spMk id="2" creationId="{AA3A228F-61D0-D949-A5E7-F83756230BF8}"/>
+          </ac:spMkLst>
+        </pc:spChg>
+        <pc:spChg chg="mod">
+          <ac:chgData name="Long B Nguyen" userId="f59fb8f3-a021-417a-8bc1-65c8d471c621" providerId="ADAL" clId="{CC9C9D9A-5149-2947-86C0-576F501F60DC}" dt="2020-01-05T21:54:47.081" v="2356" actId="2711"/>
+          <ac:spMkLst>
+            <pc:docMk/>
+            <pc:sldMk cId="3894299887" sldId="328"/>
+            <ac:spMk id="9" creationId="{E3B2E017-30B2-884B-A113-B419A2ED51AD}"/>
+          </ac:spMkLst>
+        </pc:spChg>
+      </pc:sldChg>
+      <pc:sldChg chg="add">
+        <pc:chgData name="Long B Nguyen" userId="f59fb8f3-a021-417a-8bc1-65c8d471c621" providerId="ADAL" clId="{CC9C9D9A-5149-2947-86C0-576F501F60DC}" dt="2020-01-05T21:57:38.736" v="2357"/>
+        <pc:sldMkLst>
+          <pc:docMk/>
+          <pc:sldMk cId="4294143140" sldId="329"/>
+        </pc:sldMkLst>
+      </pc:sldChg>
+    </pc:docChg>
+  </pc:docChgLst>
+  <pc:docChgLst>
+    <pc:chgData name="Long B Nguyen" userId="f59fb8f3-a021-417a-8bc1-65c8d471c621" providerId="ADAL" clId="{DFDAB7FF-5C5F-144A-ABCE-1015D05DDC2A}"/>
+    <pc:docChg chg="modSld">
+      <pc:chgData name="Long B Nguyen" userId="f59fb8f3-a021-417a-8bc1-65c8d471c621" providerId="ADAL" clId="{DFDAB7FF-5C5F-144A-ABCE-1015D05DDC2A}" dt="2020-01-05T22:05:00.732" v="17" actId="20577"/>
+      <pc:docMkLst>
+        <pc:docMk/>
+      </pc:docMkLst>
+      <pc:sldChg chg="modSp">
+        <pc:chgData name="Long B Nguyen" userId="f59fb8f3-a021-417a-8bc1-65c8d471c621" providerId="ADAL" clId="{DFDAB7FF-5C5F-144A-ABCE-1015D05DDC2A}" dt="2020-01-05T22:05:00.732" v="17" actId="20577"/>
+        <pc:sldMkLst>
+          <pc:docMk/>
+          <pc:sldMk cId="4247104139" sldId="256"/>
+        </pc:sldMkLst>
+        <pc:spChg chg="mod">
+          <ac:chgData name="Long B Nguyen" userId="f59fb8f3-a021-417a-8bc1-65c8d471c621" providerId="ADAL" clId="{DFDAB7FF-5C5F-144A-ABCE-1015D05DDC2A}" dt="2020-01-05T22:05:00.732" v="17" actId="20577"/>
+          <ac:spMkLst>
+            <pc:docMk/>
+            <pc:sldMk cId="4247104139" sldId="256"/>
+            <ac:spMk id="3" creationId="{1BDC47C8-6776-7B44-9CD4-95FC91452D62}"/>
+          </ac:spMkLst>
+        </pc:spChg>
+      </pc:sldChg>
+    </pc:docChg>
   </pc:docChgLst>
   <pc:docChgLst>
     <pc:chgData name="Long B Nguyen" userId="f59fb8f3-a021-417a-8bc1-65c8d471c621" providerId="ADAL" clId="{6CD83B71-C243-244B-B302-DE2E82069201}"/>
@@ -671,6 +914,12 @@
         </pc:spChg>
       </pc:sldChg>
     </pc:docChg>
+  </pc:docChgLst>
+  <pc:docChgLst>
+    <pc:chgData name="Long B Nguyen" userId="f59fb8f3-a021-417a-8bc1-65c8d471c621" providerId="ADAL" clId="{E5BF62A1-4F8A-BC49-8FD7-ABEA3D28ED25}"/>
+  </pc:docChgLst>
+  <pc:docChgLst>
+    <pc:chgData name="Long B Nguyen" userId="f59fb8f3-a021-417a-8bc1-65c8d471c621" providerId="ADAL" clId="{359527BD-9D28-FA41-9B76-D4C412CACD55}"/>
   </pc:docChgLst>
 </pc:chgInfo>
 </file>
@@ -806,7 +1055,7 @@
           <a:p>
             <a:fld id="{4AAD347D-5ACD-4C99-B74B-A9C85AD731AF}" type="datetimeFigureOut">
               <a:rPr lang="en-US" smtClean="0"/>
-              <a:t>9/25/19</a:t>
+              <a:t>1/5/20</a:t>
             </a:fld>
             <a:endParaRPr lang="en-US" dirty="0"/>
           </a:p>
@@ -976,7 +1225,7 @@
           <a:p>
             <a:fld id="{4509A250-FF31-4206-8172-F9D3106AACB1}" type="datetimeFigureOut">
               <a:rPr lang="en-US" smtClean="0"/>
-              <a:t>9/25/19</a:t>
+              <a:t>1/5/20</a:t>
             </a:fld>
             <a:endParaRPr lang="en-US" dirty="0"/>
           </a:p>
@@ -1156,7 +1405,7 @@
           <a:p>
             <a:fld id="{4509A250-FF31-4206-8172-F9D3106AACB1}" type="datetimeFigureOut">
               <a:rPr lang="en-US" smtClean="0"/>
-              <a:t>9/25/19</a:t>
+              <a:t>1/5/20</a:t>
             </a:fld>
             <a:endParaRPr lang="en-US" dirty="0"/>
           </a:p>
@@ -1326,7 +1575,7 @@
           <a:p>
             <a:fld id="{4509A250-FF31-4206-8172-F9D3106AACB1}" type="datetimeFigureOut">
               <a:rPr lang="en-US" smtClean="0"/>
-              <a:t>9/25/19</a:t>
+              <a:t>1/5/20</a:t>
             </a:fld>
             <a:endParaRPr lang="en-US" dirty="0"/>
           </a:p>
@@ -1572,7 +1821,7 @@
           <a:p>
             <a:fld id="{9796027F-7875-4030-9381-8BD8C4F21935}" type="datetimeFigureOut">
               <a:rPr lang="en-US" smtClean="0"/>
-              <a:t>9/25/19</a:t>
+              <a:t>1/5/20</a:t>
             </a:fld>
             <a:endParaRPr lang="en-US" dirty="0"/>
           </a:p>
@@ -1804,7 +2053,7 @@
           <a:p>
             <a:fld id="{9796027F-7875-4030-9381-8BD8C4F21935}" type="datetimeFigureOut">
               <a:rPr lang="en-US" smtClean="0"/>
-              <a:t>9/25/19</a:t>
+              <a:t>1/5/20</a:t>
             </a:fld>
             <a:endParaRPr lang="en-US" dirty="0"/>
           </a:p>
@@ -2171,7 +2420,7 @@
           <a:p>
             <a:fld id="{9796027F-7875-4030-9381-8BD8C4F21935}" type="datetimeFigureOut">
               <a:rPr lang="en-US" smtClean="0"/>
-              <a:t>9/25/19</a:t>
+              <a:t>1/5/20</a:t>
             </a:fld>
             <a:endParaRPr lang="en-US" dirty="0"/>
           </a:p>
@@ -2289,7 +2538,7 @@
           <a:p>
             <a:fld id="{4509A250-FF31-4206-8172-F9D3106AACB1}" type="datetimeFigureOut">
               <a:rPr lang="en-US" smtClean="0"/>
-              <a:t>9/25/19</a:t>
+              <a:t>1/5/20</a:t>
             </a:fld>
             <a:endParaRPr lang="en-US" dirty="0"/>
           </a:p>
@@ -2384,7 +2633,7 @@
           <a:p>
             <a:fld id="{4509A250-FF31-4206-8172-F9D3106AACB1}" type="datetimeFigureOut">
               <a:rPr lang="en-US" smtClean="0"/>
-              <a:t>9/25/19</a:t>
+              <a:t>1/5/20</a:t>
             </a:fld>
             <a:endParaRPr lang="en-US" dirty="0"/>
           </a:p>
@@ -2661,7 +2910,7 @@
           <a:p>
             <a:fld id="{4509A250-FF31-4206-8172-F9D3106AACB1}" type="datetimeFigureOut">
               <a:rPr lang="en-US" smtClean="0"/>
-              <a:t>9/25/19</a:t>
+              <a:t>1/5/20</a:t>
             </a:fld>
             <a:endParaRPr lang="en-US" dirty="0"/>
           </a:p>
@@ -2918,7 +3167,7 @@
           <a:p>
             <a:fld id="{4509A250-FF31-4206-8172-F9D3106AACB1}" type="datetimeFigureOut">
               <a:rPr lang="en-US" smtClean="0"/>
-              <a:t>9/25/19</a:t>
+              <a:t>1/5/20</a:t>
             </a:fld>
             <a:endParaRPr lang="en-US" dirty="0"/>
           </a:p>
@@ -3131,7 +3380,7 @@
           <a:p>
             <a:fld id="{4AAD347D-5ACD-4C99-B74B-A9C85AD731AF}" type="datetimeFigureOut">
               <a:rPr lang="en-US" smtClean="0"/>
-              <a:t>9/25/19</a:t>
+              <a:t>1/5/20</a:t>
             </a:fld>
             <a:endParaRPr lang="en-US" dirty="0"/>
           </a:p>
@@ -3601,9 +3850,10 @@
           <a:p>
             <a:pPr algn="l"/>
             <a:r>
-              <a:rPr lang="en-US" sz="2400" b="1" dirty="0"/>
-              <a:t>Loops</a:t>
-            </a:r>
+              <a:rPr lang="en-US" sz="2400" b="1"/>
+              <a:t>Direct Loops: For Loops</a:t>
+            </a:r>
+            <a:endParaRPr lang="en-US" sz="2400" b="1" dirty="0"/>
           </a:p>
         </p:txBody>
       </p:sp>
@@ -9054,400 +9304,122 @@
           <a:p>
             <a:r>
               <a:rPr lang="en-US" dirty="0"/>
-              <a:t>Lab 1 </a:t>
+              <a:t>Indefinite Loop</a:t>
             </a:r>
           </a:p>
         </p:txBody>
       </p:sp>
-      <mc:AlternateContent xmlns:mc="http://schemas.openxmlformats.org/markup-compatibility/2006">
-        <mc:Choice xmlns:a14="http://schemas.microsoft.com/office/drawing/2010/main" Requires="a14">
-          <p:sp>
-            <p:nvSpPr>
-              <p:cNvPr id="9" name="Content Placeholder 8">
-                <a:extLst>
-                  <a:ext uri="{FF2B5EF4-FFF2-40B4-BE49-F238E27FC236}">
-                    <a16:creationId xmlns:a16="http://schemas.microsoft.com/office/drawing/2014/main" id="{E3B2E017-30B2-884B-A113-B419A2ED51AD}"/>
-                  </a:ext>
-                </a:extLst>
-              </p:cNvPr>
-              <p:cNvSpPr>
-                <a:spLocks noGrp="1"/>
-              </p:cNvSpPr>
-              <p:nvPr>
-                <p:ph idx="1"/>
-              </p:nvPr>
-            </p:nvSpPr>
-            <p:spPr>
-              <a:xfrm>
-                <a:off x="483848" y="1150913"/>
-                <a:ext cx="8051725" cy="4440590"/>
-              </a:xfrm>
-            </p:spPr>
-            <p:txBody>
-              <a:bodyPr>
-                <a:noAutofit/>
-              </a:bodyPr>
-              <a:lstStyle/>
-              <a:p>
-                <a:pPr marL="0" indent="0">
-                  <a:buNone/>
-                </a:pPr>
-                <a:r>
-                  <a:rPr lang="en-US" dirty="0"/>
-                  <a:t>Create a new </a:t>
-                </a:r>
-                <a:r>
-                  <a:rPr lang="en-US" dirty="0" err="1"/>
-                  <a:t>repl</a:t>
-                </a:r>
-                <a:r>
-                  <a:rPr lang="en-US" dirty="0"/>
-                  <a:t> on </a:t>
-                </a:r>
-                <a:r>
-                  <a:rPr lang="en-US" dirty="0" err="1"/>
-                  <a:t>repl.it</a:t>
-                </a:r>
-                <a:r>
-                  <a:rPr lang="en-US" dirty="0"/>
-                  <a:t>.</a:t>
-                </a:r>
-              </a:p>
-              <a:p>
-                <a:pPr marL="0" indent="0">
-                  <a:buNone/>
-                </a:pPr>
-                <a:r>
-                  <a:rPr lang="en-US" dirty="0"/>
-                  <a:t>Write </a:t>
-                </a:r>
-                <a:r>
-                  <a:rPr lang="en-US" b="1" dirty="0"/>
-                  <a:t>a for loop </a:t>
-                </a:r>
-                <a:r>
-                  <a:rPr lang="en-US" dirty="0"/>
-                  <a:t>to do each of the following:</a:t>
-                </a:r>
-              </a:p>
-              <a:p>
-                <a:pPr marL="0" indent="0">
-                  <a:buNone/>
-                </a:pPr>
-                <a:endParaRPr lang="en-US" dirty="0"/>
-              </a:p>
-              <a:p>
-                <a:pPr marL="457200" indent="-457200">
-                  <a:buAutoNum type="arabicParenR"/>
-                </a:pPr>
-                <a:r>
-                  <a:rPr lang="en-US" dirty="0"/>
-                  <a:t>Print out "Hello!" 10 times, each on a different line.</a:t>
-                </a:r>
-              </a:p>
-              <a:p>
-                <a:pPr marL="457200" indent="-457200">
-                  <a:buAutoNum type="arabicParenR"/>
-                </a:pPr>
-                <a:r>
-                  <a:rPr lang="en-US" dirty="0"/>
-                  <a:t>Alternate between printing "Hello" and "Hi" for a total of 20 times, each on a separate line. Use only one for loop. (Hint: Use and a conditional)</a:t>
-                </a:r>
-              </a:p>
-              <a:p>
-                <a:pPr marL="457200" indent="-457200">
-                  <a:buAutoNum type="arabicParenR"/>
-                </a:pPr>
-                <a:r>
-                  <a:rPr lang="en-US" dirty="0"/>
-                  <a:t>Print 1 4 9 16 … 100</a:t>
-                </a:r>
-              </a:p>
-              <a:p>
-                <a:pPr marL="457200" indent="-457200">
-                  <a:buAutoNum type="arabicParenR"/>
-                </a:pPr>
-                <a:r>
-                  <a:rPr lang="en-US" dirty="0"/>
-                  <a:t>Print 10 8 6 4 2 0 -2</a:t>
-                </a:r>
-              </a:p>
-              <a:p>
-                <a:pPr marL="457200" indent="-457200">
-                  <a:buAutoNum type="arabicParenR"/>
-                </a:pPr>
-                <a:r>
-                  <a:rPr lang="en-US" dirty="0"/>
-                  <a:t>Compute the sum: </a:t>
-                </a:r>
-                <a14:m>
-                  <m:oMath xmlns:m="http://schemas.openxmlformats.org/officeDocument/2006/math">
-                    <m:sSup>
-                      <m:sSupPr>
-                        <m:ctrlPr>
-                          <a:rPr lang="en-US" i="1" smtClean="0">
-                            <a:latin typeface="Cambria Math" panose="02040503050406030204" pitchFamily="18" charset="0"/>
-                          </a:rPr>
-                        </m:ctrlPr>
-                      </m:sSupPr>
-                      <m:e>
-                        <m:r>
-                          <a:rPr lang="en-US" b="0" i="1" smtClean="0">
-                            <a:latin typeface="Cambria Math" panose="02040503050406030204" pitchFamily="18" charset="0"/>
-                          </a:rPr>
-                          <m:t>1</m:t>
-                        </m:r>
-                      </m:e>
-                      <m:sup>
-                        <m:r>
-                          <a:rPr lang="en-US" b="0" i="1" smtClean="0">
-                            <a:latin typeface="Cambria Math" panose="02040503050406030204" pitchFamily="18" charset="0"/>
-                          </a:rPr>
-                          <m:t>2</m:t>
-                        </m:r>
-                      </m:sup>
-                    </m:sSup>
-                  </m:oMath>
-                </a14:m>
-                <a:r>
-                  <a:rPr lang="en-US" dirty="0"/>
-                  <a:t>+</a:t>
-                </a:r>
-                <a14:m>
-                  <m:oMath xmlns:m="http://schemas.openxmlformats.org/officeDocument/2006/math">
-                    <m:sSup>
-                      <m:sSupPr>
-                        <m:ctrlPr>
-                          <a:rPr lang="en-US" i="1">
-                            <a:latin typeface="Cambria Math" panose="02040503050406030204" pitchFamily="18" charset="0"/>
-                          </a:rPr>
-                        </m:ctrlPr>
-                      </m:sSupPr>
-                      <m:e>
-                        <m:r>
-                          <a:rPr lang="en-US" b="0" i="1" smtClean="0">
-                            <a:latin typeface="Cambria Math" panose="02040503050406030204" pitchFamily="18" charset="0"/>
-                          </a:rPr>
-                          <m:t>2</m:t>
-                        </m:r>
-                      </m:e>
-                      <m:sup>
-                        <m:r>
-                          <a:rPr lang="en-US" i="1">
-                            <a:latin typeface="Cambria Math" panose="02040503050406030204" pitchFamily="18" charset="0"/>
-                          </a:rPr>
-                          <m:t>2</m:t>
-                        </m:r>
-                      </m:sup>
-                    </m:sSup>
-                    <m:sSup>
-                      <m:sSupPr>
-                        <m:ctrlPr>
-                          <a:rPr lang="en-US" i="1">
-                            <a:latin typeface="Cambria Math" panose="02040503050406030204" pitchFamily="18" charset="0"/>
-                          </a:rPr>
-                        </m:ctrlPr>
-                      </m:sSupPr>
-                      <m:e>
-                        <m:r>
-                          <a:rPr lang="en-US" b="0" i="1" smtClean="0">
-                            <a:latin typeface="Cambria Math" panose="02040503050406030204" pitchFamily="18" charset="0"/>
-                          </a:rPr>
-                          <m:t>+3</m:t>
-                        </m:r>
-                      </m:e>
-                      <m:sup>
-                        <m:r>
-                          <a:rPr lang="en-US" i="1">
-                            <a:latin typeface="Cambria Math" panose="02040503050406030204" pitchFamily="18" charset="0"/>
-                          </a:rPr>
-                          <m:t>2</m:t>
-                        </m:r>
-                      </m:sup>
-                    </m:sSup>
-                    <m:r>
-                      <a:rPr lang="en-US" b="0" i="1" smtClean="0">
-                        <a:latin typeface="Cambria Math" panose="02040503050406030204" pitchFamily="18" charset="0"/>
-                      </a:rPr>
-                      <m:t>+</m:t>
-                    </m:r>
-                    <m:sSup>
-                      <m:sSupPr>
-                        <m:ctrlPr>
-                          <a:rPr lang="en-US" i="1">
-                            <a:latin typeface="Cambria Math" panose="02040503050406030204" pitchFamily="18" charset="0"/>
-                          </a:rPr>
-                        </m:ctrlPr>
-                      </m:sSupPr>
-                      <m:e>
-                        <m:r>
-                          <a:rPr lang="en-US" b="0" i="1" smtClean="0">
-                            <a:latin typeface="Cambria Math" panose="02040503050406030204" pitchFamily="18" charset="0"/>
-                          </a:rPr>
-                          <m:t>4</m:t>
-                        </m:r>
-                      </m:e>
-                      <m:sup>
-                        <m:r>
-                          <a:rPr lang="en-US" i="1">
-                            <a:latin typeface="Cambria Math" panose="02040503050406030204" pitchFamily="18" charset="0"/>
-                          </a:rPr>
-                          <m:t>2</m:t>
-                        </m:r>
-                      </m:sup>
-                    </m:sSup>
-                  </m:oMath>
-                </a14:m>
-                <a:r>
-                  <a:rPr lang="en-US" dirty="0"/>
-                  <a:t>+…+</a:t>
-                </a:r>
-                <a14:m>
-                  <m:oMath xmlns:m="http://schemas.openxmlformats.org/officeDocument/2006/math">
-                    <m:sSup>
-                      <m:sSupPr>
-                        <m:ctrlPr>
-                          <a:rPr lang="en-US" i="1">
-                            <a:latin typeface="Cambria Math" panose="02040503050406030204" pitchFamily="18" charset="0"/>
-                          </a:rPr>
-                        </m:ctrlPr>
-                      </m:sSupPr>
-                      <m:e>
-                        <m:r>
-                          <a:rPr lang="en-US" b="0" i="1" smtClean="0">
-                            <a:latin typeface="Cambria Math" panose="02040503050406030204" pitchFamily="18" charset="0"/>
-                          </a:rPr>
-                          <m:t>19</m:t>
-                        </m:r>
-                      </m:e>
-                      <m:sup>
-                        <m:r>
-                          <a:rPr lang="en-US" i="1">
-                            <a:latin typeface="Cambria Math" panose="02040503050406030204" pitchFamily="18" charset="0"/>
-                          </a:rPr>
-                          <m:t>2</m:t>
-                        </m:r>
-                      </m:sup>
-                    </m:sSup>
-                    <m:r>
-                      <a:rPr lang="en-US" b="0" i="1" smtClean="0">
-                        <a:latin typeface="Cambria Math" panose="02040503050406030204" pitchFamily="18" charset="0"/>
-                      </a:rPr>
-                      <m:t>+</m:t>
-                    </m:r>
-                    <m:sSup>
-                      <m:sSupPr>
-                        <m:ctrlPr>
-                          <a:rPr lang="en-US" i="1">
-                            <a:latin typeface="Cambria Math" panose="02040503050406030204" pitchFamily="18" charset="0"/>
-                          </a:rPr>
-                        </m:ctrlPr>
-                      </m:sSupPr>
-                      <m:e>
-                        <m:r>
-                          <a:rPr lang="en-US" b="0" i="1" smtClean="0">
-                            <a:latin typeface="Cambria Math" panose="02040503050406030204" pitchFamily="18" charset="0"/>
-                          </a:rPr>
-                          <m:t>20</m:t>
-                        </m:r>
-                      </m:e>
-                      <m:sup>
-                        <m:r>
-                          <a:rPr lang="en-US" i="1">
-                            <a:latin typeface="Cambria Math" panose="02040503050406030204" pitchFamily="18" charset="0"/>
-                          </a:rPr>
-                          <m:t>2</m:t>
-                        </m:r>
-                      </m:sup>
-                    </m:sSup>
-                  </m:oMath>
-                </a14:m>
-                <a:endParaRPr lang="en-US" dirty="0"/>
-              </a:p>
-              <a:p>
-                <a:pPr marL="0" indent="0">
-                  <a:buNone/>
-                </a:pPr>
-                <a:endParaRPr lang="en-US" dirty="0"/>
-              </a:p>
-              <a:p>
-                <a:pPr marL="0" indent="0">
-                  <a:buNone/>
-                </a:pPr>
-                <a:r>
-                  <a:rPr lang="en-US" dirty="0"/>
-                  <a:t>Continue on next page. </a:t>
-                </a:r>
-              </a:p>
-              <a:p>
-                <a:pPr marL="0" indent="0">
-                  <a:buNone/>
-                </a:pPr>
-                <a:endParaRPr lang="en-US" dirty="0"/>
-              </a:p>
-              <a:p>
-                <a:pPr marL="457200" indent="-457200">
-                  <a:buAutoNum type="arabicParenR"/>
-                </a:pPr>
-                <a:endParaRPr lang="en-US" dirty="0"/>
-              </a:p>
-              <a:p>
-                <a:pPr marL="457200" indent="-457200">
-                  <a:buAutoNum type="arabicParenR"/>
-                </a:pPr>
-                <a:endParaRPr lang="en-US" dirty="0"/>
-              </a:p>
-            </p:txBody>
-          </p:sp>
-        </mc:Choice>
-        <mc:Fallback>
-          <p:sp>
-            <p:nvSpPr>
-              <p:cNvPr id="9" name="Content Placeholder 8">
-                <a:extLst>
-                  <a:ext uri="{FF2B5EF4-FFF2-40B4-BE49-F238E27FC236}">
-                    <a16:creationId xmlns:a16="http://schemas.microsoft.com/office/drawing/2014/main" id="{E3B2E017-30B2-884B-A113-B419A2ED51AD}"/>
-                  </a:ext>
-                </a:extLst>
-              </p:cNvPr>
-              <p:cNvSpPr>
-                <a:spLocks noGrp="1" noRot="1" noChangeAspect="1" noMove="1" noResize="1" noEditPoints="1" noAdjustHandles="1" noChangeArrowheads="1" noChangeShapeType="1" noTextEdit="1"/>
-              </p:cNvSpPr>
-              <p:nvPr>
-                <p:ph idx="1"/>
-              </p:nvPr>
-            </p:nvSpPr>
-            <p:spPr>
-              <a:xfrm>
-                <a:off x="483848" y="1150913"/>
-                <a:ext cx="8051725" cy="4440590"/>
-              </a:xfrm>
-              <a:blipFill>
-                <a:blip r:embed="rId2"/>
-                <a:stretch>
-                  <a:fillRect l="-787" t="-1429" b="-3143"/>
-                </a:stretch>
-              </a:blipFill>
-            </p:spPr>
-            <p:txBody>
-              <a:bodyPr/>
-              <a:lstStyle/>
-              <a:p>
-                <a:r>
-                  <a:rPr lang="en-US">
-                    <a:noFill/>
-                  </a:rPr>
-                  <a:t> </a:t>
-                </a:r>
-              </a:p>
-            </p:txBody>
-          </p:sp>
-        </mc:Fallback>
-      </mc:AlternateContent>
+      <p:sp>
+        <p:nvSpPr>
+          <p:cNvPr id="9" name="Content Placeholder 8">
+            <a:extLst>
+              <a:ext uri="{FF2B5EF4-FFF2-40B4-BE49-F238E27FC236}">
+                <a16:creationId xmlns:a16="http://schemas.microsoft.com/office/drawing/2014/main" id="{E3B2E017-30B2-884B-A113-B419A2ED51AD}"/>
+              </a:ext>
+            </a:extLst>
+          </p:cNvPr>
+          <p:cNvSpPr>
+            <a:spLocks noGrp="1"/>
+          </p:cNvSpPr>
+          <p:nvPr>
+            <p:ph idx="1"/>
+          </p:nvPr>
+        </p:nvSpPr>
+        <p:spPr>
+          <a:xfrm>
+            <a:off x="483848" y="1288073"/>
+            <a:ext cx="8051725" cy="4292919"/>
+          </a:xfrm>
+        </p:spPr>
+        <p:txBody>
+          <a:bodyPr>
+            <a:normAutofit/>
+          </a:bodyPr>
+          <a:lstStyle/>
+          <a:p>
+            <a:pPr marL="0" indent="0">
+              <a:buNone/>
+            </a:pPr>
+            <a:r>
+              <a:rPr lang="en-US" dirty="0"/>
+              <a:t>A </a:t>
+            </a:r>
+            <a:r>
+              <a:rPr lang="en-US" b="1" dirty="0"/>
+              <a:t>for </a:t>
+            </a:r>
+            <a:r>
+              <a:rPr lang="en-US" dirty="0"/>
+              <a:t>loop, we discussed earlier is an example of a definite loop, the number of iterations can be specified ahead of time by the programmer.</a:t>
+            </a:r>
+          </a:p>
+          <a:p>
+            <a:pPr marL="0" indent="0">
+              <a:buNone/>
+            </a:pPr>
+            <a:endParaRPr lang="en-US" dirty="0"/>
+          </a:p>
+          <a:p>
+            <a:pPr marL="0" indent="0">
+              <a:buNone/>
+            </a:pPr>
+            <a:r>
+              <a:rPr lang="en-US" dirty="0"/>
+              <a:t>In some cases, however, the number of iterations can be unknown. For example, a user is asked to enter a set of inputs. The number of inputs the user enter is not known in advance. </a:t>
+            </a:r>
+          </a:p>
+          <a:p>
+            <a:pPr marL="0" indent="0">
+              <a:buNone/>
+            </a:pPr>
+            <a:endParaRPr lang="en-US" dirty="0"/>
+          </a:p>
+          <a:p>
+            <a:pPr marL="0" indent="0">
+              <a:buNone/>
+            </a:pPr>
+            <a:r>
+              <a:rPr lang="en-US" dirty="0"/>
+              <a:t>The program’s input loop accepts these values until the user enters a special value or </a:t>
+            </a:r>
+            <a:r>
+              <a:rPr lang="en-US" b="1" dirty="0"/>
+              <a:t>sentinel </a:t>
+            </a:r>
+            <a:r>
+              <a:rPr lang="en-US" dirty="0"/>
+              <a:t>that terminates the input. </a:t>
+            </a:r>
+          </a:p>
+          <a:p>
+            <a:pPr marL="0" indent="0">
+              <a:buNone/>
+            </a:pPr>
+            <a:endParaRPr lang="en-US" dirty="0"/>
+          </a:p>
+          <a:p>
+            <a:pPr marL="0" indent="0">
+              <a:buNone/>
+            </a:pPr>
+            <a:r>
+              <a:rPr lang="en-US" dirty="0"/>
+              <a:t>In this section, we explore the use of the </a:t>
+            </a:r>
+            <a:r>
+              <a:rPr lang="en-US" b="1" dirty="0"/>
+              <a:t>while </a:t>
+            </a:r>
+            <a:r>
+              <a:rPr lang="en-US" dirty="0"/>
+              <a:t>loop to describe conditional iteration: iteration that repeats as long as a condition is true.</a:t>
+            </a:r>
+          </a:p>
+        </p:txBody>
+      </p:sp>
     </p:spTree>
     <p:extLst>
       <p:ext uri="{BB962C8B-B14F-4D97-AF65-F5344CB8AC3E}">
-        <p14:creationId xmlns:p14="http://schemas.microsoft.com/office/powerpoint/2010/main" val="1787114790"/>
+        <p14:creationId xmlns:p14="http://schemas.microsoft.com/office/powerpoint/2010/main" val="924617162"/>
       </p:ext>
     </p:extLst>
   </p:cSld>
@@ -9492,7 +9464,7 @@
         </p:nvSpPr>
         <p:spPr>
           <a:xfrm>
-            <a:off x="483848" y="467027"/>
+            <a:off x="483848" y="134008"/>
             <a:ext cx="7053542" cy="683886"/>
           </a:xfrm>
         </p:spPr>
@@ -9502,7 +9474,7 @@
           <a:p>
             <a:r>
               <a:rPr lang="en-US" dirty="0"/>
-              <a:t>Lab 1 </a:t>
+              <a:t>While Loop</a:t>
             </a:r>
           </a:p>
         </p:txBody>
@@ -9525,13 +9497,13 @@
         </p:nvSpPr>
         <p:spPr>
           <a:xfrm>
-            <a:off x="483848" y="1150913"/>
-            <a:ext cx="8051725" cy="4440590"/>
+            <a:off x="483848" y="817895"/>
+            <a:ext cx="8051725" cy="4763098"/>
           </a:xfrm>
         </p:spPr>
         <p:txBody>
           <a:bodyPr>
-            <a:noAutofit/>
+            <a:normAutofit/>
           </a:bodyPr>
           <a:lstStyle/>
           <a:p>
@@ -9540,125 +9512,160 @@
             </a:pPr>
             <a:r>
               <a:rPr lang="en-US" dirty="0"/>
-              <a:t>Write </a:t>
+              <a:t>The </a:t>
             </a:r>
             <a:r>
               <a:rPr lang="en-US" b="1" dirty="0"/>
-              <a:t>a nested for loop </a:t>
+              <a:t>while loop</a:t>
             </a:r>
             <a:r>
               <a:rPr lang="en-US" dirty="0"/>
-              <a:t>to do each of the following:</a:t>
-            </a:r>
-          </a:p>
-          <a:p>
-            <a:pPr marL="457200" indent="-457200">
-              <a:buAutoNum type="arabicParenR"/>
+              <a:t> has the syntax:</a:t>
+            </a:r>
+          </a:p>
+          <a:p>
+            <a:pPr marL="0" indent="0">
+              <a:buNone/>
+            </a:pPr>
+            <a:endParaRPr lang="en-US" dirty="0"/>
+          </a:p>
+          <a:p>
+            <a:pPr marL="0" indent="0">
+              <a:buNone/>
+            </a:pPr>
+            <a:r>
+              <a:rPr lang="en-US" b="1" dirty="0">
+                <a:solidFill>
+                  <a:srgbClr val="006699"/>
+                </a:solidFill>
+                <a:latin typeface="Inconsolata Medium" panose="020B0609030003000000" pitchFamily="49" charset="77"/>
+              </a:rPr>
+              <a:t>while </a:t>
+            </a:r>
+            <a:r>
+              <a:rPr lang="en-US" b="1" dirty="0">
+                <a:solidFill>
+                  <a:srgbClr val="FF0000"/>
+                </a:solidFill>
+                <a:latin typeface="Inconsolata Medium" panose="020B0609030003000000" pitchFamily="49" charset="77"/>
+              </a:rPr>
+              <a:t>&lt;condition&gt;</a:t>
+            </a:r>
+            <a:r>
+              <a:rPr lang="en-US" b="1" dirty="0">
+                <a:latin typeface="Inconsolata Medium" panose="020B0609030003000000" pitchFamily="49" charset="77"/>
+              </a:rPr>
+              <a:t>:</a:t>
+            </a:r>
+            <a:br>
+              <a:rPr lang="en-US" b="1" dirty="0">
+                <a:latin typeface="Inconsolata Medium" panose="020B0609030003000000" pitchFamily="49" charset="77"/>
+              </a:rPr>
+            </a:br>
+            <a:r>
+              <a:rPr lang="en-US" b="1" dirty="0">
+                <a:latin typeface="Inconsolata Medium" panose="020B0609030003000000" pitchFamily="49" charset="77"/>
+              </a:rPr>
+              <a:t>	</a:t>
+            </a:r>
+            <a:r>
+              <a:rPr lang="en-US" b="1" dirty="0">
+                <a:solidFill>
+                  <a:srgbClr val="006699"/>
+                </a:solidFill>
+                <a:latin typeface="Inconsolata Medium" panose="020B0609030003000000" pitchFamily="49" charset="77"/>
+              </a:rPr>
+              <a:t>block</a:t>
+            </a:r>
+            <a:r>
+              <a:rPr lang="en-US" b="1" dirty="0">
+                <a:latin typeface="Inconsolata Medium" panose="020B0609030003000000" pitchFamily="49" charset="77"/>
+              </a:rPr>
+              <a:t> </a:t>
+            </a:r>
+          </a:p>
+          <a:p>
+            <a:pPr marL="0" indent="0">
+              <a:buNone/>
+              <a:defRPr/>
+            </a:pPr>
+            <a:endParaRPr lang="en-US" b="1" dirty="0">
+              <a:latin typeface="Courier New" charset="0"/>
+            </a:endParaRPr>
+          </a:p>
+          <a:p>
+            <a:pPr marL="0" indent="0">
+              <a:buNone/>
+              <a:defRPr/>
+            </a:pPr>
+            <a:r>
+              <a:rPr lang="en-US" dirty="0">
+                <a:latin typeface="Gill Sans MT" panose="020B0502020104020203" pitchFamily="34" charset="77"/>
+              </a:rPr>
+              <a:t>The loop</a:t>
+            </a:r>
+            <a:r>
+              <a:rPr lang="en-US" b="1" dirty="0">
+                <a:latin typeface="Gill Sans MT" panose="020B0502020104020203" pitchFamily="34" charset="77"/>
+              </a:rPr>
+              <a:t> r</a:t>
+            </a:r>
+            <a:r>
+              <a:rPr lang="en-US" dirty="0">
+                <a:latin typeface="Gill Sans MT" panose="020B0502020104020203" pitchFamily="34" charset="77"/>
+              </a:rPr>
+              <a:t>epeatedly executes its block of code as long as the condition is true. </a:t>
+            </a:r>
+          </a:p>
+          <a:p>
+            <a:pPr marL="0" indent="0">
+              <a:buNone/>
+              <a:defRPr/>
+            </a:pPr>
+            <a:endParaRPr lang="en-US" dirty="0">
+              <a:latin typeface="Gill Sans MT" panose="020B0502020104020203" pitchFamily="34" charset="77"/>
+            </a:endParaRPr>
+          </a:p>
+          <a:p>
+            <a:pPr marL="0" indent="0">
+              <a:buNone/>
+              <a:defRPr/>
             </a:pPr>
             <a:r>
               <a:rPr lang="en-US" dirty="0"/>
-              <a:t>Print out 10 lines, each line containing 5 "Hello" separated by spaces. </a:t>
-            </a:r>
-          </a:p>
-          <a:p>
-            <a:pPr marL="0" indent="0">
-              <a:buNone/>
-            </a:pPr>
+              <a:t>At least one statement in the block of the loop must update a variable that affects the value of the condition. Otherwise, the loop will continue forever, an error known as an </a:t>
+            </a:r>
+            <a:r>
+              <a:rPr lang="en-US" b="1" dirty="0"/>
+              <a:t>infinite loop</a:t>
+            </a:r>
             <a:r>
               <a:rPr lang="en-US" dirty="0"/>
-              <a:t>2) 	******</a:t>
-            </a:r>
-          </a:p>
-          <a:p>
-            <a:pPr marL="0" indent="0">
-              <a:buNone/>
-            </a:pPr>
-            <a:r>
-              <a:rPr lang="en-US" dirty="0"/>
-              <a:t>	******</a:t>
-            </a:r>
-          </a:p>
-          <a:p>
-            <a:pPr marL="0" indent="0">
-              <a:buNone/>
-            </a:pPr>
-            <a:r>
-              <a:rPr lang="en-US" dirty="0"/>
-              <a:t>	******</a:t>
-            </a:r>
-          </a:p>
-          <a:p>
-            <a:pPr marL="0" indent="0">
-              <a:buNone/>
-            </a:pPr>
-            <a:r>
-              <a:rPr lang="en-US" dirty="0"/>
-              <a:t>3)    Print</a:t>
-            </a:r>
-          </a:p>
-          <a:p>
-            <a:pPr marL="0" indent="0">
-              <a:buNone/>
-            </a:pPr>
-            <a:r>
-              <a:rPr lang="en-US" dirty="0"/>
-              <a:t>*</a:t>
-            </a:r>
-          </a:p>
-          <a:p>
-            <a:pPr marL="0" indent="0">
-              <a:buNone/>
-            </a:pPr>
-            <a:r>
-              <a:rPr lang="en-US" dirty="0"/>
-              <a:t>**</a:t>
-            </a:r>
-          </a:p>
-          <a:p>
-            <a:pPr marL="0" indent="0">
-              <a:buNone/>
-            </a:pPr>
-            <a:r>
-              <a:rPr lang="en-US" dirty="0"/>
-              <a:t>***</a:t>
-            </a:r>
-          </a:p>
-          <a:p>
-            <a:pPr marL="0" indent="0">
-              <a:buNone/>
-            </a:pPr>
-            <a:r>
-              <a:rPr lang="en-US" dirty="0"/>
-              <a:t>****</a:t>
-            </a:r>
-          </a:p>
-          <a:p>
-            <a:pPr marL="0" indent="0">
-              <a:buNone/>
-            </a:pPr>
-            <a:r>
-              <a:rPr lang="en-US" dirty="0"/>
-              <a:t>*****	</a:t>
-            </a:r>
-          </a:p>
-          <a:p>
-            <a:pPr marL="0" indent="0">
-              <a:buNone/>
+              <a:t>. </a:t>
+            </a:r>
+          </a:p>
+          <a:p>
+            <a:pPr marL="0" indent="0">
+              <a:buNone/>
+              <a:defRPr/>
             </a:pPr>
             <a:endParaRPr lang="en-US" dirty="0"/>
           </a:p>
           <a:p>
-            <a:pPr marL="457200" indent="-457200">
-              <a:buAutoNum type="arabicParenR"/>
-            </a:pPr>
-            <a:endParaRPr lang="en-US" dirty="0"/>
+            <a:pPr marL="0" indent="0">
+              <a:buNone/>
+              <a:defRPr/>
+            </a:pPr>
+            <a:endParaRPr lang="en-US" dirty="0">
+              <a:latin typeface="Gill Sans MT" panose="020B0502020104020203" pitchFamily="34" charset="77"/>
+            </a:endParaRPr>
           </a:p>
         </p:txBody>
       </p:sp>
     </p:spTree>
     <p:extLst>
       <p:ext uri="{BB962C8B-B14F-4D97-AF65-F5344CB8AC3E}">
-        <p14:creationId xmlns:p14="http://schemas.microsoft.com/office/powerpoint/2010/main" val="1215229427"/>
+        <p14:creationId xmlns:p14="http://schemas.microsoft.com/office/powerpoint/2010/main" val="3758830494"/>
       </p:ext>
     </p:extLst>
   </p:cSld>
@@ -9703,7 +9710,7 @@
         </p:nvSpPr>
         <p:spPr>
           <a:xfrm>
-            <a:off x="483848" y="467027"/>
+            <a:off x="483848" y="54496"/>
             <a:ext cx="7053542" cy="683886"/>
           </a:xfrm>
         </p:spPr>
@@ -9713,7 +9720,7 @@
           <a:p>
             <a:r>
               <a:rPr lang="en-US" dirty="0"/>
-              <a:t>References</a:t>
+              <a:t>While vs For Loops 1</a:t>
             </a:r>
           </a:p>
         </p:txBody>
@@ -9736,60 +9743,2718 @@
         </p:nvSpPr>
         <p:spPr>
           <a:xfrm>
-            <a:off x="483848" y="1150913"/>
-            <a:ext cx="8051725" cy="4440590"/>
+            <a:off x="483848" y="715617"/>
+            <a:ext cx="8051725" cy="4865375"/>
           </a:xfrm>
         </p:spPr>
         <p:txBody>
           <a:bodyPr>
-            <a:noAutofit/>
+            <a:normAutofit/>
           </a:bodyPr>
           <a:lstStyle/>
           <a:p>
             <a:pPr marL="0" indent="0">
               <a:buNone/>
             </a:pPr>
+            <a:r>
+              <a:rPr lang="en-US" sz="2200" dirty="0">
+                <a:latin typeface="Gill Sans MT" panose="020B0502020104020203" pitchFamily="34" charset="77"/>
+              </a:rPr>
+              <a:t>The following two segments of code are equivalent.</a:t>
+            </a:r>
+          </a:p>
+          <a:p>
+            <a:pPr marL="0" indent="0">
+              <a:buNone/>
+            </a:pPr>
+            <a:endParaRPr lang="en-US" sz="2000" b="1" dirty="0">
+              <a:latin typeface="Inconsolata Medium" panose="020B0609030003000000" pitchFamily="49" charset="77"/>
+            </a:endParaRPr>
+          </a:p>
+          <a:p>
+            <a:pPr marL="0" indent="0">
+              <a:buNone/>
+            </a:pPr>
+            <a:r>
+              <a:rPr lang="en-US" sz="2000" b="1" dirty="0">
+                <a:solidFill>
+                  <a:srgbClr val="FF0000"/>
+                </a:solidFill>
+                <a:latin typeface="Inconsolata Medium" panose="020B0609030003000000" pitchFamily="49" charset="77"/>
+              </a:rPr>
+              <a:t># Counting down with a for loop from 10 to 1.</a:t>
+            </a:r>
+          </a:p>
+          <a:p>
+            <a:pPr marL="0" indent="0">
+              <a:buNone/>
+            </a:pPr>
+            <a:r>
+              <a:rPr lang="en-US" sz="2000" b="1" dirty="0">
+                <a:solidFill>
+                  <a:srgbClr val="FF4C00"/>
+                </a:solidFill>
+                <a:latin typeface="Inconsolata Medium" panose="020B0609030003000000" pitchFamily="49" charset="77"/>
+              </a:rPr>
+              <a:t>for </a:t>
+            </a:r>
+            <a:r>
+              <a:rPr lang="en-US" sz="2000" b="1" dirty="0">
+                <a:latin typeface="Inconsolata Medium" panose="020B0609030003000000" pitchFamily="49" charset="77"/>
+              </a:rPr>
+              <a:t>count </a:t>
+            </a:r>
+            <a:r>
+              <a:rPr lang="en-US" sz="2000" b="1" dirty="0">
+                <a:solidFill>
+                  <a:srgbClr val="FF4C00"/>
+                </a:solidFill>
+                <a:latin typeface="Inconsolata Medium" panose="020B0609030003000000" pitchFamily="49" charset="77"/>
+              </a:rPr>
+              <a:t>in </a:t>
+            </a:r>
+            <a:r>
+              <a:rPr lang="en-US" sz="2000" b="1" dirty="0">
+                <a:latin typeface="Inconsolata Medium" panose="020B0609030003000000" pitchFamily="49" charset="77"/>
+              </a:rPr>
+              <a:t>range(10, 0, –1): </a:t>
+            </a:r>
+          </a:p>
+          <a:p>
+            <a:pPr marL="0" indent="0">
+              <a:buNone/>
+            </a:pPr>
+            <a:r>
+              <a:rPr lang="en-US" sz="2000" b="1" dirty="0">
+                <a:solidFill>
+                  <a:srgbClr val="990CFF"/>
+                </a:solidFill>
+                <a:latin typeface="Inconsolata Medium" panose="020B0609030003000000" pitchFamily="49" charset="77"/>
+              </a:rPr>
+              <a:t>	print</a:t>
+            </a:r>
+            <a:r>
+              <a:rPr lang="en-US" sz="2000" b="1" dirty="0">
+                <a:latin typeface="Inconsolata Medium" panose="020B0609030003000000" pitchFamily="49" charset="77"/>
+              </a:rPr>
+              <a:t>(count, end = </a:t>
+            </a:r>
+            <a:r>
+              <a:rPr lang="en-US" sz="2000" b="1" dirty="0">
+                <a:solidFill>
+                  <a:srgbClr val="0CFF00"/>
+                </a:solidFill>
+                <a:latin typeface="Inconsolata Medium" panose="020B0609030003000000" pitchFamily="49" charset="77"/>
+              </a:rPr>
+              <a:t>" "</a:t>
+            </a:r>
+            <a:r>
+              <a:rPr lang="en-US" sz="2000" b="1" dirty="0">
+                <a:latin typeface="Inconsolata Medium" panose="020B0609030003000000" pitchFamily="49" charset="77"/>
+              </a:rPr>
+              <a:t>) </a:t>
+            </a:r>
+          </a:p>
+          <a:p>
+            <a:pPr marL="0" indent="0">
+              <a:buNone/>
+            </a:pPr>
+            <a:endParaRPr lang="en-US" sz="2000" b="1" dirty="0">
+              <a:solidFill>
+                <a:srgbClr val="FF0000"/>
+              </a:solidFill>
+              <a:latin typeface="Inconsolata Medium" panose="020B0609030003000000" pitchFamily="49" charset="77"/>
+            </a:endParaRPr>
+          </a:p>
+          <a:p>
+            <a:pPr marL="0" indent="0">
+              <a:buNone/>
+            </a:pPr>
+            <a:endParaRPr lang="en-US" sz="2000" b="1" dirty="0">
+              <a:solidFill>
+                <a:srgbClr val="FF0000"/>
+              </a:solidFill>
+              <a:latin typeface="Inconsolata Medium" panose="020B0609030003000000" pitchFamily="49" charset="77"/>
+            </a:endParaRPr>
+          </a:p>
+          <a:p>
+            <a:pPr marL="0" indent="0">
+              <a:buNone/>
+            </a:pPr>
+            <a:r>
+              <a:rPr lang="en-US" sz="2000" b="1" dirty="0">
+                <a:solidFill>
+                  <a:srgbClr val="FF0000"/>
+                </a:solidFill>
+                <a:latin typeface="Inconsolata Medium" panose="020B0609030003000000" pitchFamily="49" charset="77"/>
+              </a:rPr>
+              <a:t># Counting down with a while loop from 10 to 1.</a:t>
+            </a:r>
+          </a:p>
+          <a:p>
+            <a:pPr marL="0" indent="0">
+              <a:buNone/>
+            </a:pPr>
+            <a:r>
+              <a:rPr lang="en-US" sz="2000" b="1" dirty="0">
+                <a:latin typeface="Inconsolata Medium" panose="020B0609030003000000" pitchFamily="49" charset="77"/>
+              </a:rPr>
+              <a:t>count = 10 </a:t>
+            </a:r>
+          </a:p>
+          <a:p>
+            <a:pPr marL="0" indent="0">
+              <a:buNone/>
+            </a:pPr>
+            <a:r>
+              <a:rPr lang="en-US" sz="2000" b="1" dirty="0">
+                <a:solidFill>
+                  <a:srgbClr val="FF4C00"/>
+                </a:solidFill>
+                <a:latin typeface="Inconsolata Medium" panose="020B0609030003000000" pitchFamily="49" charset="77"/>
+              </a:rPr>
+              <a:t>while </a:t>
+            </a:r>
+            <a:r>
+              <a:rPr lang="en-US" sz="2000" b="1" dirty="0">
+                <a:latin typeface="Inconsolata Medium" panose="020B0609030003000000" pitchFamily="49" charset="77"/>
+              </a:rPr>
+              <a:t>count &gt;= 1: </a:t>
+            </a:r>
+          </a:p>
+          <a:p>
+            <a:pPr marL="0" indent="0">
+              <a:buNone/>
+            </a:pPr>
+            <a:r>
+              <a:rPr lang="en-US" sz="2000" b="1" dirty="0">
+                <a:solidFill>
+                  <a:srgbClr val="990CFF"/>
+                </a:solidFill>
+                <a:latin typeface="Inconsolata Medium" panose="020B0609030003000000" pitchFamily="49" charset="77"/>
+              </a:rPr>
+              <a:t>	print</a:t>
+            </a:r>
+            <a:r>
+              <a:rPr lang="en-US" sz="2000" b="1" dirty="0">
+                <a:latin typeface="Inconsolata Medium" panose="020B0609030003000000" pitchFamily="49" charset="77"/>
+              </a:rPr>
+              <a:t>(count, end = </a:t>
+            </a:r>
+            <a:r>
+              <a:rPr lang="en-US" sz="2000" b="1" dirty="0">
+                <a:solidFill>
+                  <a:srgbClr val="0CFF00"/>
+                </a:solidFill>
+                <a:latin typeface="Inconsolata Medium" panose="020B0609030003000000" pitchFamily="49" charset="77"/>
+              </a:rPr>
+              <a:t>" "</a:t>
+            </a:r>
+            <a:r>
+              <a:rPr lang="en-US" sz="2000" b="1" dirty="0">
+                <a:latin typeface="Inconsolata Medium" panose="020B0609030003000000" pitchFamily="49" charset="77"/>
+              </a:rPr>
+              <a:t>) </a:t>
+            </a:r>
+          </a:p>
+          <a:p>
+            <a:pPr marL="0" indent="0">
+              <a:buNone/>
+            </a:pPr>
+            <a:r>
+              <a:rPr lang="en-US" sz="2000" b="1" dirty="0">
+                <a:latin typeface="Inconsolata Medium" panose="020B0609030003000000" pitchFamily="49" charset="77"/>
+              </a:rPr>
+              <a:t>	count -= 1 </a:t>
+            </a:r>
+          </a:p>
+          <a:p>
+            <a:pPr marL="0" indent="0">
+              <a:buNone/>
+            </a:pPr>
+            <a:endParaRPr lang="en-US" sz="2400" b="1" dirty="0">
+              <a:solidFill>
+                <a:srgbClr val="193FFF"/>
+              </a:solidFill>
+              <a:latin typeface="LucidaSansTypewriterStd"/>
+            </a:endParaRPr>
+          </a:p>
+          <a:p>
+            <a:pPr marL="0" indent="0">
+              <a:buNone/>
+              <a:defRPr/>
+            </a:pPr>
             <a:endParaRPr lang="en-US" dirty="0"/>
           </a:p>
           <a:p>
             <a:pPr marL="0" indent="0">
               <a:buNone/>
-            </a:pPr>
-            <a:endParaRPr lang="en-US" dirty="0"/>
-          </a:p>
-          <a:p>
-            <a:pPr marL="457200" indent="-457200">
-              <a:buAutoNum type="arabicParenR"/>
-            </a:pPr>
-            <a:r>
-              <a:rPr lang="en-US" dirty="0" err="1"/>
-              <a:t>Vanderplas</a:t>
-            </a:r>
-            <a:r>
-              <a:rPr lang="en-US" dirty="0"/>
-              <a:t>, Jake, A Whirlwind Tour of Python, </a:t>
-            </a:r>
-            <a:r>
-              <a:rPr lang="en-US" dirty="0" err="1"/>
-              <a:t>O’reilly</a:t>
-            </a:r>
-            <a:r>
-              <a:rPr lang="en-US" dirty="0"/>
-              <a:t> Media. </a:t>
-            </a:r>
-          </a:p>
-          <a:p>
-            <a:pPr marL="0" indent="0">
-              <a:buNone/>
-            </a:pPr>
-            <a:endParaRPr lang="en-US" dirty="0"/>
+              <a:defRPr/>
+            </a:pPr>
+            <a:endParaRPr lang="en-US" dirty="0">
+              <a:latin typeface="Gill Sans MT" panose="020B0502020104020203" pitchFamily="34" charset="77"/>
+            </a:endParaRPr>
           </a:p>
         </p:txBody>
       </p:sp>
     </p:spTree>
     <p:extLst>
       <p:ext uri="{BB962C8B-B14F-4D97-AF65-F5344CB8AC3E}">
-        <p14:creationId xmlns:p14="http://schemas.microsoft.com/office/powerpoint/2010/main" val="1452600724"/>
+        <p14:creationId xmlns:p14="http://schemas.microsoft.com/office/powerpoint/2010/main" val="1022945305"/>
+      </p:ext>
+    </p:extLst>
+  </p:cSld>
+  <p:clrMapOvr>
+    <a:masterClrMapping/>
+  </p:clrMapOvr>
+</p:sld>
+</file>
+
+<file path=ppt/slides/slide23.xml><?xml version="1.0" encoding="utf-8"?>
+<p:sld xmlns:a="http://schemas.openxmlformats.org/drawingml/2006/main" xmlns:r="http://schemas.openxmlformats.org/officeDocument/2006/relationships" xmlns:p="http://schemas.openxmlformats.org/presentationml/2006/main">
+  <p:cSld>
+    <p:spTree>
+      <p:nvGrpSpPr>
+        <p:cNvPr id="1" name=""/>
+        <p:cNvGrpSpPr/>
+        <p:nvPr/>
+      </p:nvGrpSpPr>
+      <p:grpSpPr>
+        <a:xfrm>
+          <a:off x="0" y="0"/>
+          <a:ext cx="0" cy="0"/>
+          <a:chOff x="0" y="0"/>
+          <a:chExt cx="0" cy="0"/>
+        </a:xfrm>
+      </p:grpSpPr>
+      <p:sp>
+        <p:nvSpPr>
+          <p:cNvPr id="2" name="Title 1">
+            <a:extLst>
+              <a:ext uri="{FF2B5EF4-FFF2-40B4-BE49-F238E27FC236}">
+                <a16:creationId xmlns:a16="http://schemas.microsoft.com/office/drawing/2014/main" id="{AA3A228F-61D0-D949-A5E7-F83756230BF8}"/>
+              </a:ext>
+            </a:extLst>
+          </p:cNvPr>
+          <p:cNvSpPr>
+            <a:spLocks noGrp="1"/>
+          </p:cNvSpPr>
+          <p:nvPr>
+            <p:ph type="title"/>
+          </p:nvPr>
+        </p:nvSpPr>
+        <p:spPr>
+          <a:xfrm>
+            <a:off x="483848" y="54496"/>
+            <a:ext cx="7053542" cy="683886"/>
+          </a:xfrm>
+        </p:spPr>
+        <p:txBody>
+          <a:bodyPr/>
+          <a:lstStyle/>
+          <a:p>
+            <a:r>
+              <a:rPr lang="en-US" dirty="0"/>
+              <a:t>While vs For Loops 2</a:t>
+            </a:r>
+          </a:p>
+        </p:txBody>
+      </p:sp>
+      <p:sp>
+        <p:nvSpPr>
+          <p:cNvPr id="9" name="Content Placeholder 8">
+            <a:extLst>
+              <a:ext uri="{FF2B5EF4-FFF2-40B4-BE49-F238E27FC236}">
+                <a16:creationId xmlns:a16="http://schemas.microsoft.com/office/drawing/2014/main" id="{E3B2E017-30B2-884B-A113-B419A2ED51AD}"/>
+              </a:ext>
+            </a:extLst>
+          </p:cNvPr>
+          <p:cNvSpPr>
+            <a:spLocks noGrp="1"/>
+          </p:cNvSpPr>
+          <p:nvPr>
+            <p:ph idx="1"/>
+          </p:nvPr>
+        </p:nvSpPr>
+        <p:spPr>
+          <a:xfrm>
+            <a:off x="483848" y="715617"/>
+            <a:ext cx="8051725" cy="4865375"/>
+          </a:xfrm>
+        </p:spPr>
+        <p:txBody>
+          <a:bodyPr>
+            <a:normAutofit/>
+          </a:bodyPr>
+          <a:lstStyle/>
+          <a:p>
+            <a:pPr marL="0" indent="0">
+              <a:buNone/>
+            </a:pPr>
+            <a:r>
+              <a:rPr lang="en-US" sz="2200" dirty="0">
+                <a:latin typeface="Gill Sans MT" panose="020B0502020104020203" pitchFamily="34" charset="77"/>
+              </a:rPr>
+              <a:t>The following two segments of code are equivalent.</a:t>
+            </a:r>
+            <a:endParaRPr lang="en-US" sz="2000" b="1" dirty="0">
+              <a:latin typeface="Inconsolata Medium" panose="020B0609030003000000" pitchFamily="49" charset="77"/>
+            </a:endParaRPr>
+          </a:p>
+          <a:p>
+            <a:pPr marL="0" indent="0">
+              <a:buNone/>
+            </a:pPr>
+            <a:r>
+              <a:rPr lang="en-US" sz="2000" b="1" dirty="0">
+                <a:solidFill>
+                  <a:srgbClr val="FF0000"/>
+                </a:solidFill>
+                <a:latin typeface="Inconsolata Medium" panose="020B0609030003000000" pitchFamily="49" charset="77"/>
+              </a:rPr>
+              <a:t># Summation with a for loop </a:t>
+            </a:r>
+          </a:p>
+          <a:p>
+            <a:pPr marL="0" indent="0">
+              <a:buNone/>
+            </a:pPr>
+            <a:r>
+              <a:rPr lang="en-US" sz="2000" b="1" dirty="0" err="1">
+                <a:latin typeface="Inconsolata Medium" panose="020B0609030003000000" pitchFamily="49" charset="77"/>
+              </a:rPr>
+              <a:t>theSum</a:t>
+            </a:r>
+            <a:r>
+              <a:rPr lang="en-US" sz="2000" b="1" dirty="0">
+                <a:latin typeface="Inconsolata Medium" panose="020B0609030003000000" pitchFamily="49" charset="77"/>
+              </a:rPr>
+              <a:t> = 0 </a:t>
+            </a:r>
+          </a:p>
+          <a:p>
+            <a:pPr marL="0" indent="0">
+              <a:buNone/>
+            </a:pPr>
+            <a:r>
+              <a:rPr lang="en-US" sz="2000" b="1" dirty="0">
+                <a:solidFill>
+                  <a:srgbClr val="FF4C00"/>
+                </a:solidFill>
+                <a:latin typeface="Inconsolata Medium" panose="020B0609030003000000" pitchFamily="49" charset="77"/>
+              </a:rPr>
+              <a:t>for </a:t>
+            </a:r>
+            <a:r>
+              <a:rPr lang="en-US" sz="2000" b="1" dirty="0">
+                <a:latin typeface="Inconsolata Medium" panose="020B0609030003000000" pitchFamily="49" charset="77"/>
+              </a:rPr>
+              <a:t>count </a:t>
+            </a:r>
+            <a:r>
+              <a:rPr lang="en-US" sz="2000" b="1" dirty="0">
+                <a:solidFill>
+                  <a:srgbClr val="FF4C00"/>
+                </a:solidFill>
+                <a:latin typeface="Inconsolata Medium" panose="020B0609030003000000" pitchFamily="49" charset="77"/>
+              </a:rPr>
+              <a:t>in </a:t>
+            </a:r>
+            <a:r>
+              <a:rPr lang="en-US" sz="2000" b="1" dirty="0">
+                <a:solidFill>
+                  <a:srgbClr val="990CFF"/>
+                </a:solidFill>
+                <a:latin typeface="Inconsolata Medium" panose="020B0609030003000000" pitchFamily="49" charset="77"/>
+              </a:rPr>
+              <a:t>range</a:t>
+            </a:r>
+            <a:r>
+              <a:rPr lang="en-US" sz="2000" b="1" dirty="0">
+                <a:latin typeface="Inconsolata Medium" panose="020B0609030003000000" pitchFamily="49" charset="77"/>
+              </a:rPr>
+              <a:t>(1, 101): </a:t>
+            </a:r>
+          </a:p>
+          <a:p>
+            <a:pPr marL="0" indent="0">
+              <a:buNone/>
+            </a:pPr>
+            <a:r>
+              <a:rPr lang="en-US" sz="2000" b="1" dirty="0">
+                <a:latin typeface="Inconsolata Medium" panose="020B0609030003000000" pitchFamily="49" charset="77"/>
+              </a:rPr>
+              <a:t>	</a:t>
+            </a:r>
+            <a:r>
+              <a:rPr lang="en-US" sz="2000" b="1" dirty="0" err="1">
+                <a:latin typeface="Inconsolata Medium" panose="020B0609030003000000" pitchFamily="49" charset="77"/>
+              </a:rPr>
+              <a:t>theSum</a:t>
+            </a:r>
+            <a:r>
+              <a:rPr lang="en-US" sz="2000" b="1" dirty="0">
+                <a:latin typeface="Inconsolata Medium" panose="020B0609030003000000" pitchFamily="49" charset="77"/>
+              </a:rPr>
+              <a:t> += count </a:t>
+            </a:r>
+          </a:p>
+          <a:p>
+            <a:pPr marL="0" indent="0">
+              <a:buNone/>
+            </a:pPr>
+            <a:r>
+              <a:rPr lang="en-US" sz="2000" b="1" dirty="0">
+                <a:solidFill>
+                  <a:srgbClr val="990CFF"/>
+                </a:solidFill>
+                <a:latin typeface="Inconsolata Medium" panose="020B0609030003000000" pitchFamily="49" charset="77"/>
+              </a:rPr>
+              <a:t>print</a:t>
+            </a:r>
+            <a:r>
+              <a:rPr lang="en-US" sz="2000" b="1" dirty="0">
+                <a:latin typeface="Inconsolata Medium" panose="020B0609030003000000" pitchFamily="49" charset="77"/>
+              </a:rPr>
+              <a:t>(</a:t>
+            </a:r>
+            <a:r>
+              <a:rPr lang="en-US" sz="2000" b="1" dirty="0" err="1">
+                <a:latin typeface="Inconsolata Medium" panose="020B0609030003000000" pitchFamily="49" charset="77"/>
+              </a:rPr>
+              <a:t>theSum</a:t>
+            </a:r>
+            <a:r>
+              <a:rPr lang="en-US" sz="2000" b="1" dirty="0">
+                <a:latin typeface="Inconsolata Medium" panose="020B0609030003000000" pitchFamily="49" charset="77"/>
+              </a:rPr>
+              <a:t>) </a:t>
+            </a:r>
+            <a:endParaRPr lang="en-US" sz="2000" b="1" dirty="0">
+              <a:solidFill>
+                <a:srgbClr val="FF0000"/>
+              </a:solidFill>
+              <a:latin typeface="Inconsolata Medium" panose="020B0609030003000000" pitchFamily="49" charset="77"/>
+            </a:endParaRPr>
+          </a:p>
+          <a:p>
+            <a:pPr marL="0" indent="0">
+              <a:buNone/>
+            </a:pPr>
+            <a:r>
+              <a:rPr lang="en-US" sz="2000" b="1" dirty="0">
+                <a:solidFill>
+                  <a:srgbClr val="FF0000"/>
+                </a:solidFill>
+                <a:latin typeface="Inconsolata Medium" panose="020B0609030003000000" pitchFamily="49" charset="77"/>
+              </a:rPr>
+              <a:t># Summation with a while loop </a:t>
+            </a:r>
+          </a:p>
+          <a:p>
+            <a:pPr marL="0" indent="0">
+              <a:buNone/>
+            </a:pPr>
+            <a:r>
+              <a:rPr lang="en-US" sz="2000" b="1" dirty="0" err="1">
+                <a:latin typeface="Inconsolata Medium" panose="020B0609030003000000" pitchFamily="49" charset="77"/>
+              </a:rPr>
+              <a:t>theSum</a:t>
+            </a:r>
+            <a:r>
+              <a:rPr lang="en-US" sz="2000" b="1" dirty="0">
+                <a:latin typeface="Inconsolata Medium" panose="020B0609030003000000" pitchFamily="49" charset="77"/>
+              </a:rPr>
+              <a:t> = 0 </a:t>
+            </a:r>
+          </a:p>
+          <a:p>
+            <a:pPr marL="0" indent="0">
+              <a:buNone/>
+            </a:pPr>
+            <a:r>
+              <a:rPr lang="en-US" sz="2000" b="1" dirty="0">
+                <a:latin typeface="Inconsolata Medium" panose="020B0609030003000000" pitchFamily="49" charset="77"/>
+              </a:rPr>
+              <a:t>count = 1 </a:t>
+            </a:r>
+          </a:p>
+          <a:p>
+            <a:pPr marL="0" indent="0">
+              <a:buNone/>
+            </a:pPr>
+            <a:r>
+              <a:rPr lang="en-US" sz="2000" b="1" dirty="0">
+                <a:solidFill>
+                  <a:srgbClr val="FF4C00"/>
+                </a:solidFill>
+                <a:latin typeface="Inconsolata Medium" panose="020B0609030003000000" pitchFamily="49" charset="77"/>
+              </a:rPr>
+              <a:t>while </a:t>
+            </a:r>
+            <a:r>
+              <a:rPr lang="en-US" sz="2000" b="1" dirty="0">
+                <a:latin typeface="Inconsolata Medium" panose="020B0609030003000000" pitchFamily="49" charset="77"/>
+              </a:rPr>
+              <a:t>count &lt;= 100:</a:t>
+            </a:r>
+          </a:p>
+          <a:p>
+            <a:pPr marL="0" indent="0">
+              <a:buNone/>
+            </a:pPr>
+            <a:r>
+              <a:rPr lang="en-US" sz="2000" b="1" dirty="0">
+                <a:latin typeface="Inconsolata Medium" panose="020B0609030003000000" pitchFamily="49" charset="77"/>
+              </a:rPr>
+              <a:t>	</a:t>
+            </a:r>
+            <a:r>
+              <a:rPr lang="en-US" sz="2000" b="1" dirty="0" err="1">
+                <a:latin typeface="Inconsolata Medium" panose="020B0609030003000000" pitchFamily="49" charset="77"/>
+              </a:rPr>
+              <a:t>theSum</a:t>
+            </a:r>
+            <a:r>
+              <a:rPr lang="en-US" sz="2000" b="1" dirty="0">
+                <a:latin typeface="Inconsolata Medium" panose="020B0609030003000000" pitchFamily="49" charset="77"/>
+              </a:rPr>
+              <a:t> += count </a:t>
+            </a:r>
+          </a:p>
+          <a:p>
+            <a:pPr marL="0" indent="0">
+              <a:buNone/>
+            </a:pPr>
+            <a:r>
+              <a:rPr lang="en-US" sz="2000" b="1" dirty="0">
+                <a:latin typeface="Inconsolata Medium" panose="020B0609030003000000" pitchFamily="49" charset="77"/>
+              </a:rPr>
+              <a:t>	count += 1 </a:t>
+            </a:r>
+          </a:p>
+          <a:p>
+            <a:pPr marL="0" indent="0">
+              <a:buNone/>
+            </a:pPr>
+            <a:r>
+              <a:rPr lang="en-US" sz="2000" b="1" dirty="0">
+                <a:solidFill>
+                  <a:srgbClr val="990CFF"/>
+                </a:solidFill>
+                <a:latin typeface="Inconsolata Medium" panose="020B0609030003000000" pitchFamily="49" charset="77"/>
+              </a:rPr>
+              <a:t>print</a:t>
+            </a:r>
+            <a:r>
+              <a:rPr lang="en-US" sz="2000" b="1" dirty="0">
+                <a:latin typeface="Inconsolata Medium" panose="020B0609030003000000" pitchFamily="49" charset="77"/>
+              </a:rPr>
+              <a:t>(</a:t>
+            </a:r>
+            <a:r>
+              <a:rPr lang="en-US" sz="2000" b="1" dirty="0" err="1">
+                <a:latin typeface="Inconsolata Medium" panose="020B0609030003000000" pitchFamily="49" charset="77"/>
+              </a:rPr>
+              <a:t>theSum</a:t>
+            </a:r>
+            <a:r>
+              <a:rPr lang="en-US" sz="2000" b="1" dirty="0">
+                <a:latin typeface="Inconsolata Medium" panose="020B0609030003000000" pitchFamily="49" charset="77"/>
+              </a:rPr>
+              <a:t>) </a:t>
+            </a:r>
+            <a:endParaRPr lang="en-US" sz="2000" dirty="0">
+              <a:latin typeface="Inconsolata Medium" panose="020B0609030003000000" pitchFamily="49" charset="77"/>
+            </a:endParaRPr>
+          </a:p>
+          <a:p>
+            <a:pPr marL="0" indent="0">
+              <a:buNone/>
+            </a:pPr>
+            <a:endParaRPr lang="en-US" sz="2400" b="1" dirty="0">
+              <a:solidFill>
+                <a:srgbClr val="193FFF"/>
+              </a:solidFill>
+              <a:latin typeface="LucidaSansTypewriterStd"/>
+            </a:endParaRPr>
+          </a:p>
+          <a:p>
+            <a:pPr marL="0" indent="0">
+              <a:buNone/>
+              <a:defRPr/>
+            </a:pPr>
+            <a:endParaRPr lang="en-US" dirty="0"/>
+          </a:p>
+          <a:p>
+            <a:pPr marL="0" indent="0">
+              <a:buNone/>
+              <a:defRPr/>
+            </a:pPr>
+            <a:endParaRPr lang="en-US" dirty="0">
+              <a:latin typeface="Gill Sans MT" panose="020B0502020104020203" pitchFamily="34" charset="77"/>
+            </a:endParaRPr>
+          </a:p>
+        </p:txBody>
+      </p:sp>
+    </p:spTree>
+    <p:extLst>
+      <p:ext uri="{BB962C8B-B14F-4D97-AF65-F5344CB8AC3E}">
+        <p14:creationId xmlns:p14="http://schemas.microsoft.com/office/powerpoint/2010/main" val="3894299887"/>
+      </p:ext>
+    </p:extLst>
+  </p:cSld>
+  <p:clrMapOvr>
+    <a:masterClrMapping/>
+  </p:clrMapOvr>
+</p:sld>
+</file>
+
+<file path=ppt/slides/slide24.xml><?xml version="1.0" encoding="utf-8"?>
+<p:sld xmlns:a="http://schemas.openxmlformats.org/drawingml/2006/main" xmlns:r="http://schemas.openxmlformats.org/officeDocument/2006/relationships" xmlns:p="http://schemas.openxmlformats.org/presentationml/2006/main">
+  <p:cSld>
+    <p:spTree>
+      <p:nvGrpSpPr>
+        <p:cNvPr id="1" name=""/>
+        <p:cNvGrpSpPr/>
+        <p:nvPr/>
+      </p:nvGrpSpPr>
+      <p:grpSpPr>
+        <a:xfrm>
+          <a:off x="0" y="0"/>
+          <a:ext cx="0" cy="0"/>
+          <a:chOff x="0" y="0"/>
+          <a:chExt cx="0" cy="0"/>
+        </a:xfrm>
+      </p:grpSpPr>
+      <p:sp>
+        <p:nvSpPr>
+          <p:cNvPr id="2" name="Title 1">
+            <a:extLst>
+              <a:ext uri="{FF2B5EF4-FFF2-40B4-BE49-F238E27FC236}">
+                <a16:creationId xmlns:a16="http://schemas.microsoft.com/office/drawing/2014/main" id="{AA3A228F-61D0-D949-A5E7-F83756230BF8}"/>
+              </a:ext>
+            </a:extLst>
+          </p:cNvPr>
+          <p:cNvSpPr>
+            <a:spLocks noGrp="1"/>
+          </p:cNvSpPr>
+          <p:nvPr>
+            <p:ph type="title"/>
+          </p:nvPr>
+        </p:nvSpPr>
+        <p:spPr>
+          <a:xfrm>
+            <a:off x="483848" y="54496"/>
+            <a:ext cx="7053542" cy="683886"/>
+          </a:xfrm>
+        </p:spPr>
+        <p:txBody>
+          <a:bodyPr/>
+          <a:lstStyle/>
+          <a:p>
+            <a:r>
+              <a:rPr lang="en-US" dirty="0"/>
+              <a:t>While Loop</a:t>
+            </a:r>
+          </a:p>
+        </p:txBody>
+      </p:sp>
+      <p:sp>
+        <p:nvSpPr>
+          <p:cNvPr id="9" name="Content Placeholder 8">
+            <a:extLst>
+              <a:ext uri="{FF2B5EF4-FFF2-40B4-BE49-F238E27FC236}">
+                <a16:creationId xmlns:a16="http://schemas.microsoft.com/office/drawing/2014/main" id="{E3B2E017-30B2-884B-A113-B419A2ED51AD}"/>
+              </a:ext>
+            </a:extLst>
+          </p:cNvPr>
+          <p:cNvSpPr>
+            <a:spLocks noGrp="1"/>
+          </p:cNvSpPr>
+          <p:nvPr>
+            <p:ph idx="1"/>
+          </p:nvPr>
+        </p:nvSpPr>
+        <p:spPr>
+          <a:xfrm>
+            <a:off x="483848" y="583097"/>
+            <a:ext cx="8051725" cy="4997896"/>
+          </a:xfrm>
+        </p:spPr>
+        <p:txBody>
+          <a:bodyPr>
+            <a:normAutofit/>
+          </a:bodyPr>
+          <a:lstStyle/>
+          <a:p>
+            <a:pPr marL="0" indent="0">
+              <a:buNone/>
+            </a:pPr>
+            <a:r>
+              <a:rPr lang="en-US" sz="2000" b="1" dirty="0">
+                <a:solidFill>
+                  <a:srgbClr val="FF4C00"/>
+                </a:solidFill>
+                <a:latin typeface="LucidaSansTypewriterStd"/>
+              </a:rPr>
+              <a:t>while True</a:t>
+            </a:r>
+            <a:r>
+              <a:rPr lang="en-US" sz="2000" b="1" dirty="0">
+                <a:latin typeface="LucidaSansTypewriterStd"/>
+              </a:rPr>
+              <a:t>: </a:t>
+            </a:r>
+          </a:p>
+          <a:p>
+            <a:pPr marL="0" indent="0">
+              <a:buNone/>
+            </a:pPr>
+            <a:r>
+              <a:rPr lang="en-US" sz="2000" b="1" dirty="0">
+                <a:latin typeface="LucidaSansTypewriterStd"/>
+              </a:rPr>
+              <a:t>	number = </a:t>
+            </a:r>
+            <a:r>
+              <a:rPr lang="en-US" sz="2000" b="1" dirty="0">
+                <a:solidFill>
+                  <a:srgbClr val="990CFF"/>
+                </a:solidFill>
+                <a:latin typeface="LucidaSansTypewriterStd"/>
+              </a:rPr>
+              <a:t>int</a:t>
+            </a:r>
+            <a:r>
+              <a:rPr lang="en-US" sz="2000" b="1" dirty="0">
+                <a:latin typeface="LucidaSansTypewriterStd"/>
+              </a:rPr>
+              <a:t>(</a:t>
+            </a:r>
+            <a:r>
+              <a:rPr lang="en-US" sz="2000" b="1" dirty="0">
+                <a:solidFill>
+                  <a:srgbClr val="990CFF"/>
+                </a:solidFill>
+                <a:latin typeface="LucidaSansTypewriterStd"/>
+              </a:rPr>
+              <a:t>input</a:t>
+            </a:r>
+            <a:r>
+              <a:rPr lang="en-US" sz="2000" b="1" dirty="0">
+                <a:latin typeface="LucidaSansTypewriterStd"/>
+              </a:rPr>
+              <a:t>(</a:t>
+            </a:r>
+            <a:r>
+              <a:rPr lang="en-US" sz="2000" b="1" dirty="0">
+                <a:solidFill>
+                  <a:srgbClr val="0CFF00"/>
+                </a:solidFill>
+                <a:latin typeface="LucidaSansTypewriterStd"/>
+              </a:rPr>
+              <a:t>"Enter the numeric grade: "</a:t>
+            </a:r>
+            <a:r>
+              <a:rPr lang="en-US" sz="2000" b="1" dirty="0">
+                <a:latin typeface="LucidaSansTypewriterStd"/>
+              </a:rPr>
+              <a:t>)) </a:t>
+            </a:r>
+          </a:p>
+          <a:p>
+            <a:pPr marL="0" indent="0">
+              <a:buNone/>
+            </a:pPr>
+            <a:r>
+              <a:rPr lang="en-US" sz="2000" b="1" dirty="0">
+                <a:solidFill>
+                  <a:srgbClr val="FF4C00"/>
+                </a:solidFill>
+                <a:latin typeface="LucidaSansTypewriterStd"/>
+              </a:rPr>
+              <a:t>	if </a:t>
+            </a:r>
+            <a:r>
+              <a:rPr lang="en-US" sz="2000" b="1" dirty="0">
+                <a:latin typeface="LucidaSansTypewriterStd"/>
+              </a:rPr>
+              <a:t>number &gt;= 0 and number &lt;= 100: </a:t>
+            </a:r>
+          </a:p>
+          <a:p>
+            <a:pPr marL="0" indent="0">
+              <a:buNone/>
+            </a:pPr>
+            <a:r>
+              <a:rPr lang="en-US" sz="2000" b="1" dirty="0">
+                <a:solidFill>
+                  <a:srgbClr val="FF4C00"/>
+                </a:solidFill>
+                <a:latin typeface="LucidaSansTypewriterStd"/>
+              </a:rPr>
+              <a:t>		break </a:t>
+            </a:r>
+          </a:p>
+          <a:p>
+            <a:pPr marL="0" indent="0">
+              <a:buNone/>
+            </a:pPr>
+            <a:r>
+              <a:rPr lang="en-US" sz="2000" b="1" dirty="0">
+                <a:solidFill>
+                  <a:srgbClr val="FF4C00"/>
+                </a:solidFill>
+                <a:latin typeface="LucidaSansTypewriterStd"/>
+              </a:rPr>
+              <a:t>	else</a:t>
+            </a:r>
+            <a:r>
+              <a:rPr lang="en-US" sz="2000" b="1" dirty="0">
+                <a:latin typeface="LucidaSansTypewriterStd"/>
+              </a:rPr>
+              <a:t>: </a:t>
+            </a:r>
+            <a:endParaRPr lang="en-US" sz="2000" dirty="0"/>
+          </a:p>
+          <a:p>
+            <a:pPr marL="0" indent="0">
+              <a:buNone/>
+            </a:pPr>
+            <a:r>
+              <a:rPr lang="en-US" sz="2000" b="1" dirty="0">
+                <a:solidFill>
+                  <a:srgbClr val="990CFF"/>
+                </a:solidFill>
+                <a:latin typeface="LucidaSansTypewriterStd"/>
+              </a:rPr>
+              <a:t>		print</a:t>
+            </a:r>
+            <a:r>
+              <a:rPr lang="en-US" sz="2000" b="1" dirty="0">
+                <a:latin typeface="LucidaSansTypewriterStd"/>
+              </a:rPr>
+              <a:t>(</a:t>
+            </a:r>
+            <a:r>
+              <a:rPr lang="en-US" sz="2000" b="1" dirty="0">
+                <a:solidFill>
+                  <a:srgbClr val="0CFF00"/>
+                </a:solidFill>
+                <a:latin typeface="LucidaSansTypewriterStd"/>
+              </a:rPr>
+              <a:t>"Error: grade must be between 100 and 0"</a:t>
+            </a:r>
+            <a:r>
+              <a:rPr lang="en-US" sz="2000" b="1" dirty="0">
+                <a:latin typeface="LucidaSansTypewriterStd"/>
+              </a:rPr>
+              <a:t>) </a:t>
+            </a:r>
+          </a:p>
+          <a:p>
+            <a:pPr marL="0" indent="0">
+              <a:buNone/>
+            </a:pPr>
+            <a:r>
+              <a:rPr lang="en-US" sz="2000" b="1" dirty="0">
+                <a:solidFill>
+                  <a:srgbClr val="990CFF"/>
+                </a:solidFill>
+                <a:latin typeface="LucidaSansTypewriterStd"/>
+              </a:rPr>
+              <a:t>print</a:t>
+            </a:r>
+            <a:r>
+              <a:rPr lang="en-US" sz="2000" b="1" dirty="0">
+                <a:latin typeface="LucidaSansTypewriterStd"/>
+              </a:rPr>
+              <a:t>(number) </a:t>
+            </a:r>
+            <a:r>
+              <a:rPr lang="en-US" sz="2000" b="1" dirty="0">
+                <a:solidFill>
+                  <a:srgbClr val="FF0000"/>
+                </a:solidFill>
+                <a:latin typeface="LucidaSansTypewriterStd"/>
+              </a:rPr>
+              <a:t># Just echo the valid input </a:t>
+            </a:r>
+            <a:endParaRPr lang="en-US" sz="2000" dirty="0"/>
+          </a:p>
+          <a:p>
+            <a:pPr marL="0" indent="0">
+              <a:buNone/>
+            </a:pPr>
+            <a:endParaRPr lang="en-US" sz="1800" b="1" dirty="0">
+              <a:solidFill>
+                <a:srgbClr val="193FFF"/>
+              </a:solidFill>
+              <a:latin typeface="LucidaSansTypewriterStd"/>
+            </a:endParaRPr>
+          </a:p>
+          <a:p>
+            <a:pPr marL="0" indent="0">
+              <a:buNone/>
+            </a:pPr>
+            <a:r>
+              <a:rPr lang="en-US" sz="1800" b="1" dirty="0">
+                <a:solidFill>
+                  <a:srgbClr val="193FFF"/>
+                </a:solidFill>
+                <a:latin typeface="LucidaSansTypewriterStd"/>
+              </a:rPr>
+              <a:t>Enter the numeric grade: </a:t>
+            </a:r>
+            <a:r>
+              <a:rPr lang="en-US" sz="1800" b="1" dirty="0">
+                <a:latin typeface="LucidaSansTypewriterStd"/>
+              </a:rPr>
+              <a:t>101 </a:t>
+            </a:r>
+          </a:p>
+          <a:p>
+            <a:pPr marL="0" indent="0">
+              <a:buNone/>
+            </a:pPr>
+            <a:r>
+              <a:rPr lang="en-US" sz="1800" b="1" dirty="0">
+                <a:solidFill>
+                  <a:srgbClr val="193FFF"/>
+                </a:solidFill>
+                <a:latin typeface="LucidaSansTypewriterStd"/>
+              </a:rPr>
+              <a:t>Error: grade must be between 100 and 0 </a:t>
+            </a:r>
+          </a:p>
+          <a:p>
+            <a:pPr marL="0" indent="0">
+              <a:buNone/>
+            </a:pPr>
+            <a:r>
+              <a:rPr lang="en-US" sz="1800" b="1" dirty="0">
+                <a:solidFill>
+                  <a:srgbClr val="193FFF"/>
+                </a:solidFill>
+                <a:latin typeface="LucidaSansTypewriterStd"/>
+              </a:rPr>
+              <a:t>Enter the numeric grade: </a:t>
+            </a:r>
+            <a:r>
+              <a:rPr lang="en-US" sz="1800" b="1" dirty="0">
+                <a:latin typeface="LucidaSansTypewriterStd"/>
+              </a:rPr>
+              <a:t>–1 </a:t>
+            </a:r>
+          </a:p>
+          <a:p>
+            <a:pPr marL="0" indent="0">
+              <a:buNone/>
+            </a:pPr>
+            <a:r>
+              <a:rPr lang="en-US" sz="1800" b="1" dirty="0">
+                <a:solidFill>
+                  <a:srgbClr val="193FFF"/>
+                </a:solidFill>
+                <a:latin typeface="LucidaSansTypewriterStd"/>
+              </a:rPr>
+              <a:t>Error: grade must be between 100 and 0 </a:t>
+            </a:r>
+          </a:p>
+          <a:p>
+            <a:pPr marL="0" indent="0">
+              <a:buNone/>
+            </a:pPr>
+            <a:r>
+              <a:rPr lang="en-US" sz="1800" b="1" dirty="0">
+                <a:solidFill>
+                  <a:srgbClr val="193FFF"/>
+                </a:solidFill>
+                <a:latin typeface="LucidaSansTypewriterStd"/>
+              </a:rPr>
+              <a:t>Enter the numeric grade: </a:t>
+            </a:r>
+            <a:r>
+              <a:rPr lang="en-US" sz="1800" b="1" dirty="0">
+                <a:latin typeface="LucidaSansTypewriterStd"/>
+              </a:rPr>
+              <a:t>45 </a:t>
+            </a:r>
+          </a:p>
+          <a:p>
+            <a:pPr marL="0" indent="0">
+              <a:buNone/>
+            </a:pPr>
+            <a:r>
+              <a:rPr lang="en-US" sz="1800" b="1" dirty="0">
+                <a:solidFill>
+                  <a:srgbClr val="193FFF"/>
+                </a:solidFill>
+                <a:latin typeface="LucidaSansTypewriterStd"/>
+              </a:rPr>
+              <a:t>45 </a:t>
+            </a:r>
+            <a:endParaRPr lang="en-US" sz="1800" dirty="0"/>
+          </a:p>
+          <a:p>
+            <a:pPr marL="0" indent="0">
+              <a:buNone/>
+              <a:defRPr/>
+            </a:pPr>
+            <a:endParaRPr lang="en-US" dirty="0"/>
+          </a:p>
+          <a:p>
+            <a:pPr marL="0" indent="0">
+              <a:buNone/>
+              <a:defRPr/>
+            </a:pPr>
+            <a:endParaRPr lang="en-US" dirty="0">
+              <a:latin typeface="Gill Sans MT" panose="020B0502020104020203" pitchFamily="34" charset="77"/>
+            </a:endParaRPr>
+          </a:p>
+        </p:txBody>
+      </p:sp>
+    </p:spTree>
+    <p:extLst>
+      <p:ext uri="{BB962C8B-B14F-4D97-AF65-F5344CB8AC3E}">
+        <p14:creationId xmlns:p14="http://schemas.microsoft.com/office/powerpoint/2010/main" val="1025618360"/>
+      </p:ext>
+    </p:extLst>
+  </p:cSld>
+  <p:clrMapOvr>
+    <a:masterClrMapping/>
+  </p:clrMapOvr>
+</p:sld>
+</file>
+
+<file path=ppt/slides/slide25.xml><?xml version="1.0" encoding="utf-8"?>
+<p:sld xmlns:a="http://schemas.openxmlformats.org/drawingml/2006/main" xmlns:r="http://schemas.openxmlformats.org/officeDocument/2006/relationships" xmlns:p="http://schemas.openxmlformats.org/presentationml/2006/main">
+  <p:cSld>
+    <p:spTree>
+      <p:nvGrpSpPr>
+        <p:cNvPr id="1" name=""/>
+        <p:cNvGrpSpPr/>
+        <p:nvPr/>
+      </p:nvGrpSpPr>
+      <p:grpSpPr>
+        <a:xfrm>
+          <a:off x="0" y="0"/>
+          <a:ext cx="0" cy="0"/>
+          <a:chOff x="0" y="0"/>
+          <a:chExt cx="0" cy="0"/>
+        </a:xfrm>
+      </p:grpSpPr>
+      <p:sp>
+        <p:nvSpPr>
+          <p:cNvPr id="2" name="Title 1">
+            <a:extLst>
+              <a:ext uri="{FF2B5EF4-FFF2-40B4-BE49-F238E27FC236}">
+                <a16:creationId xmlns:a16="http://schemas.microsoft.com/office/drawing/2014/main" id="{AA3A228F-61D0-D949-A5E7-F83756230BF8}"/>
+              </a:ext>
+            </a:extLst>
+          </p:cNvPr>
+          <p:cNvSpPr>
+            <a:spLocks noGrp="1"/>
+          </p:cNvSpPr>
+          <p:nvPr>
+            <p:ph type="title"/>
+          </p:nvPr>
+        </p:nvSpPr>
+        <p:spPr>
+          <a:xfrm>
+            <a:off x="483848" y="54496"/>
+            <a:ext cx="7053542" cy="683886"/>
+          </a:xfrm>
+        </p:spPr>
+        <p:txBody>
+          <a:bodyPr/>
+          <a:lstStyle/>
+          <a:p>
+            <a:r>
+              <a:rPr lang="en-US" dirty="0"/>
+              <a:t>While Loop</a:t>
+            </a:r>
+          </a:p>
+        </p:txBody>
+      </p:sp>
+      <p:sp>
+        <p:nvSpPr>
+          <p:cNvPr id="9" name="Content Placeholder 8">
+            <a:extLst>
+              <a:ext uri="{FF2B5EF4-FFF2-40B4-BE49-F238E27FC236}">
+                <a16:creationId xmlns:a16="http://schemas.microsoft.com/office/drawing/2014/main" id="{E3B2E017-30B2-884B-A113-B419A2ED51AD}"/>
+              </a:ext>
+            </a:extLst>
+          </p:cNvPr>
+          <p:cNvSpPr>
+            <a:spLocks noGrp="1"/>
+          </p:cNvSpPr>
+          <p:nvPr>
+            <p:ph idx="1"/>
+          </p:nvPr>
+        </p:nvSpPr>
+        <p:spPr>
+          <a:xfrm>
+            <a:off x="483848" y="715617"/>
+            <a:ext cx="8051725" cy="4865375"/>
+          </a:xfrm>
+        </p:spPr>
+        <p:txBody>
+          <a:bodyPr>
+            <a:normAutofit/>
+          </a:bodyPr>
+          <a:lstStyle/>
+          <a:p>
+            <a:pPr marL="0" indent="0">
+              <a:buNone/>
+            </a:pPr>
+            <a:r>
+              <a:rPr lang="en-US" sz="2200" dirty="0">
+                <a:latin typeface="Gill Sans MT" panose="020B0502020104020203" pitchFamily="34" charset="77"/>
+              </a:rPr>
+              <a:t>What does the following program do?</a:t>
+            </a:r>
+          </a:p>
+          <a:p>
+            <a:pPr marL="0" indent="0">
+              <a:buNone/>
+            </a:pPr>
+            <a:endParaRPr lang="en-US" sz="2000" b="1" dirty="0">
+              <a:latin typeface="Inconsolata Medium" panose="020B0609030003000000" pitchFamily="49" charset="77"/>
+            </a:endParaRPr>
+          </a:p>
+          <a:p>
+            <a:pPr marL="0" indent="0">
+              <a:buNone/>
+            </a:pPr>
+            <a:r>
+              <a:rPr lang="en-US" sz="2000" b="1" dirty="0">
+                <a:latin typeface="Inconsolata Medium" panose="020B0609030003000000" pitchFamily="49" charset="77"/>
+              </a:rPr>
+              <a:t>s = 0.0 </a:t>
+            </a:r>
+          </a:p>
+          <a:p>
+            <a:pPr marL="0" indent="0">
+              <a:buNone/>
+            </a:pPr>
+            <a:r>
+              <a:rPr lang="en-US" sz="2000" b="1" dirty="0">
+                <a:latin typeface="Inconsolata Medium" panose="020B0609030003000000" pitchFamily="49" charset="77"/>
+              </a:rPr>
+              <a:t>data = </a:t>
+            </a:r>
+            <a:r>
+              <a:rPr lang="en-US" sz="2000" b="1" dirty="0">
+                <a:solidFill>
+                  <a:srgbClr val="990CFF"/>
+                </a:solidFill>
+                <a:latin typeface="Inconsolata Medium" panose="020B0609030003000000" pitchFamily="49" charset="77"/>
+              </a:rPr>
+              <a:t>input</a:t>
+            </a:r>
+            <a:r>
+              <a:rPr lang="en-US" sz="2000" b="1" dirty="0">
+                <a:latin typeface="Inconsolata Medium" panose="020B0609030003000000" pitchFamily="49" charset="77"/>
+              </a:rPr>
+              <a:t>(</a:t>
+            </a:r>
+            <a:r>
+              <a:rPr lang="en-US" sz="2000" b="1" dirty="0">
+                <a:solidFill>
+                  <a:srgbClr val="0CFF00"/>
+                </a:solidFill>
+                <a:latin typeface="Inconsolata Medium" panose="020B0609030003000000" pitchFamily="49" charset="77"/>
+              </a:rPr>
+              <a:t>"Enter a number or just enter to quit: "</a:t>
+            </a:r>
+            <a:r>
+              <a:rPr lang="en-US" sz="2000" b="1" dirty="0">
+                <a:latin typeface="Inconsolata Medium" panose="020B0609030003000000" pitchFamily="49" charset="77"/>
+              </a:rPr>
+              <a:t>) </a:t>
+            </a:r>
+          </a:p>
+          <a:p>
+            <a:pPr marL="0" indent="0">
+              <a:buNone/>
+            </a:pPr>
+            <a:r>
+              <a:rPr lang="en-US" sz="2000" b="1" dirty="0">
+                <a:solidFill>
+                  <a:srgbClr val="FF4C00"/>
+                </a:solidFill>
+                <a:latin typeface="Inconsolata Medium" panose="020B0609030003000000" pitchFamily="49" charset="77"/>
+              </a:rPr>
+              <a:t>while </a:t>
+            </a:r>
+            <a:r>
+              <a:rPr lang="en-US" sz="2000" b="1" dirty="0">
+                <a:latin typeface="Inconsolata Medium" panose="020B0609030003000000" pitchFamily="49" charset="77"/>
+              </a:rPr>
+              <a:t>data != </a:t>
+            </a:r>
+            <a:r>
+              <a:rPr lang="en-US" sz="2000" b="1" dirty="0">
+                <a:solidFill>
+                  <a:srgbClr val="0CFF00"/>
+                </a:solidFill>
+                <a:latin typeface="Inconsolata Medium" panose="020B0609030003000000" pitchFamily="49" charset="77"/>
+              </a:rPr>
+              <a:t>""</a:t>
+            </a:r>
+            <a:r>
+              <a:rPr lang="en-US" sz="2000" b="1" dirty="0">
+                <a:latin typeface="Inconsolata Medium" panose="020B0609030003000000" pitchFamily="49" charset="77"/>
+              </a:rPr>
+              <a:t>: </a:t>
+            </a:r>
+          </a:p>
+          <a:p>
+            <a:pPr marL="0" indent="0">
+              <a:buNone/>
+            </a:pPr>
+            <a:r>
+              <a:rPr lang="en-US" sz="2000" b="1" dirty="0">
+                <a:latin typeface="Inconsolata Medium" panose="020B0609030003000000" pitchFamily="49" charset="77"/>
+              </a:rPr>
+              <a:t>    number = </a:t>
+            </a:r>
+            <a:r>
+              <a:rPr lang="en-US" sz="2000" b="1" dirty="0">
+                <a:solidFill>
+                  <a:srgbClr val="990CFF"/>
+                </a:solidFill>
+                <a:latin typeface="Inconsolata Medium" panose="020B0609030003000000" pitchFamily="49" charset="77"/>
+              </a:rPr>
+              <a:t>float</a:t>
+            </a:r>
+            <a:r>
+              <a:rPr lang="en-US" sz="2000" b="1" dirty="0">
+                <a:latin typeface="Inconsolata Medium" panose="020B0609030003000000" pitchFamily="49" charset="77"/>
+              </a:rPr>
+              <a:t>(data) </a:t>
+            </a:r>
+          </a:p>
+          <a:p>
+            <a:pPr marL="0" indent="0">
+              <a:buNone/>
+            </a:pPr>
+            <a:r>
+              <a:rPr lang="en-US" sz="2000" b="1" dirty="0">
+                <a:latin typeface="Inconsolata Medium" panose="020B0609030003000000" pitchFamily="49" charset="77"/>
+              </a:rPr>
+              <a:t>    s += number </a:t>
+            </a:r>
+          </a:p>
+          <a:p>
+            <a:pPr marL="0" indent="0">
+              <a:buNone/>
+            </a:pPr>
+            <a:r>
+              <a:rPr lang="en-US" sz="2000" b="1" dirty="0">
+                <a:latin typeface="Inconsolata Medium" panose="020B0609030003000000" pitchFamily="49" charset="77"/>
+              </a:rPr>
+              <a:t>    data = </a:t>
+            </a:r>
+            <a:r>
+              <a:rPr lang="en-US" sz="2000" b="1" dirty="0">
+                <a:solidFill>
+                  <a:srgbClr val="990CFF"/>
+                </a:solidFill>
+                <a:latin typeface="Inconsolata Medium" panose="020B0609030003000000" pitchFamily="49" charset="77"/>
+              </a:rPr>
+              <a:t>input</a:t>
+            </a:r>
+            <a:r>
+              <a:rPr lang="en-US" sz="2000" b="1" dirty="0">
+                <a:latin typeface="Inconsolata Medium" panose="020B0609030003000000" pitchFamily="49" charset="77"/>
+              </a:rPr>
+              <a:t>(</a:t>
+            </a:r>
+            <a:r>
+              <a:rPr lang="en-US" sz="2000" b="1" dirty="0">
+                <a:solidFill>
+                  <a:srgbClr val="0CFF00"/>
+                </a:solidFill>
+                <a:latin typeface="Inconsolata Medium" panose="020B0609030003000000" pitchFamily="49" charset="77"/>
+              </a:rPr>
+              <a:t>"Enter a number or just enter to quit: "</a:t>
+            </a:r>
+            <a:r>
+              <a:rPr lang="en-US" sz="2000" b="1" dirty="0">
+                <a:latin typeface="Inconsolata Medium" panose="020B0609030003000000" pitchFamily="49" charset="77"/>
+              </a:rPr>
+              <a:t>)   </a:t>
+            </a:r>
+          </a:p>
+          <a:p>
+            <a:pPr marL="0" indent="0">
+              <a:buNone/>
+            </a:pPr>
+            <a:r>
+              <a:rPr lang="en-US" sz="2000" b="1" dirty="0">
+                <a:latin typeface="Inconsolata Medium" panose="020B0609030003000000" pitchFamily="49" charset="77"/>
+              </a:rPr>
+              <a:t>print(</a:t>
+            </a:r>
+            <a:r>
+              <a:rPr lang="en-US" sz="2000" b="1" dirty="0">
+                <a:solidFill>
+                  <a:srgbClr val="0CFF00"/>
+                </a:solidFill>
+                <a:latin typeface="Inconsolata Medium" panose="020B0609030003000000" pitchFamily="49" charset="77"/>
+              </a:rPr>
+              <a:t>"The sum is"</a:t>
+            </a:r>
+            <a:r>
+              <a:rPr lang="en-US" sz="2000" b="1" dirty="0">
+                <a:latin typeface="Inconsolata Medium" panose="020B0609030003000000" pitchFamily="49" charset="77"/>
+              </a:rPr>
+              <a:t>, s) </a:t>
+            </a:r>
+          </a:p>
+          <a:p>
+            <a:pPr marL="0" indent="0">
+              <a:buNone/>
+            </a:pPr>
+            <a:endParaRPr lang="en-US" sz="2400" b="1" dirty="0">
+              <a:solidFill>
+                <a:srgbClr val="193FFF"/>
+              </a:solidFill>
+              <a:latin typeface="LucidaSansTypewriterStd"/>
+            </a:endParaRPr>
+          </a:p>
+          <a:p>
+            <a:pPr marL="0" indent="0">
+              <a:buNone/>
+              <a:defRPr/>
+            </a:pPr>
+            <a:endParaRPr lang="en-US" dirty="0"/>
+          </a:p>
+          <a:p>
+            <a:pPr marL="0" indent="0">
+              <a:buNone/>
+              <a:defRPr/>
+            </a:pPr>
+            <a:endParaRPr lang="en-US" dirty="0">
+              <a:latin typeface="Gill Sans MT" panose="020B0502020104020203" pitchFamily="34" charset="77"/>
+            </a:endParaRPr>
+          </a:p>
+        </p:txBody>
+      </p:sp>
+    </p:spTree>
+    <p:extLst>
+      <p:ext uri="{BB962C8B-B14F-4D97-AF65-F5344CB8AC3E}">
+        <p14:creationId xmlns:p14="http://schemas.microsoft.com/office/powerpoint/2010/main" val="4294143140"/>
+      </p:ext>
+    </p:extLst>
+  </p:cSld>
+  <p:clrMapOvr>
+    <a:masterClrMapping/>
+  </p:clrMapOvr>
+</p:sld>
+</file>
+
+<file path=ppt/slides/slide26.xml><?xml version="1.0" encoding="utf-8"?>
+<p:sld xmlns:a="http://schemas.openxmlformats.org/drawingml/2006/main" xmlns:r="http://schemas.openxmlformats.org/officeDocument/2006/relationships" xmlns:p="http://schemas.openxmlformats.org/presentationml/2006/main">
+  <p:cSld>
+    <p:spTree>
+      <p:nvGrpSpPr>
+        <p:cNvPr id="1" name=""/>
+        <p:cNvGrpSpPr/>
+        <p:nvPr/>
+      </p:nvGrpSpPr>
+      <p:grpSpPr>
+        <a:xfrm>
+          <a:off x="0" y="0"/>
+          <a:ext cx="0" cy="0"/>
+          <a:chOff x="0" y="0"/>
+          <a:chExt cx="0" cy="0"/>
+        </a:xfrm>
+      </p:grpSpPr>
+      <p:sp>
+        <p:nvSpPr>
+          <p:cNvPr id="2" name="Title 1">
+            <a:extLst>
+              <a:ext uri="{FF2B5EF4-FFF2-40B4-BE49-F238E27FC236}">
+                <a16:creationId xmlns:a16="http://schemas.microsoft.com/office/drawing/2014/main" id="{AA3A228F-61D0-D949-A5E7-F83756230BF8}"/>
+              </a:ext>
+            </a:extLst>
+          </p:cNvPr>
+          <p:cNvSpPr>
+            <a:spLocks noGrp="1"/>
+          </p:cNvSpPr>
+          <p:nvPr>
+            <p:ph type="title"/>
+          </p:nvPr>
+        </p:nvSpPr>
+        <p:spPr>
+          <a:xfrm>
+            <a:off x="483848" y="54496"/>
+            <a:ext cx="7053542" cy="683886"/>
+          </a:xfrm>
+        </p:spPr>
+        <p:txBody>
+          <a:bodyPr/>
+          <a:lstStyle/>
+          <a:p>
+            <a:r>
+              <a:rPr lang="en-US" dirty="0"/>
+              <a:t>While Loop</a:t>
+            </a:r>
+          </a:p>
+        </p:txBody>
+      </p:sp>
+      <p:sp>
+        <p:nvSpPr>
+          <p:cNvPr id="9" name="Content Placeholder 8">
+            <a:extLst>
+              <a:ext uri="{FF2B5EF4-FFF2-40B4-BE49-F238E27FC236}">
+                <a16:creationId xmlns:a16="http://schemas.microsoft.com/office/drawing/2014/main" id="{E3B2E017-30B2-884B-A113-B419A2ED51AD}"/>
+              </a:ext>
+            </a:extLst>
+          </p:cNvPr>
+          <p:cNvSpPr>
+            <a:spLocks noGrp="1"/>
+          </p:cNvSpPr>
+          <p:nvPr>
+            <p:ph idx="1"/>
+          </p:nvPr>
+        </p:nvSpPr>
+        <p:spPr>
+          <a:xfrm>
+            <a:off x="483848" y="715617"/>
+            <a:ext cx="8051725" cy="4865375"/>
+          </a:xfrm>
+        </p:spPr>
+        <p:txBody>
+          <a:bodyPr>
+            <a:normAutofit/>
+          </a:bodyPr>
+          <a:lstStyle/>
+          <a:p>
+            <a:pPr marL="0" indent="0">
+              <a:buNone/>
+            </a:pPr>
+            <a:r>
+              <a:rPr lang="en-US" sz="1800" b="1" dirty="0">
+                <a:latin typeface="Inconsolata Medium" panose="020B0609030003000000" pitchFamily="49" charset="77"/>
+              </a:rPr>
+              <a:t>s = 0.0 </a:t>
+            </a:r>
+          </a:p>
+          <a:p>
+            <a:pPr marL="0" indent="0">
+              <a:buNone/>
+            </a:pPr>
+            <a:r>
+              <a:rPr lang="en-US" sz="1800" b="1" dirty="0">
+                <a:latin typeface="Inconsolata Medium" panose="020B0609030003000000" pitchFamily="49" charset="77"/>
+              </a:rPr>
+              <a:t>data = </a:t>
+            </a:r>
+            <a:r>
+              <a:rPr lang="en-US" sz="1800" b="1" dirty="0">
+                <a:solidFill>
+                  <a:srgbClr val="990CFF"/>
+                </a:solidFill>
+                <a:latin typeface="Inconsolata Medium" panose="020B0609030003000000" pitchFamily="49" charset="77"/>
+              </a:rPr>
+              <a:t>input</a:t>
+            </a:r>
+            <a:r>
+              <a:rPr lang="en-US" sz="1800" b="1" dirty="0">
+                <a:latin typeface="Inconsolata Medium" panose="020B0609030003000000" pitchFamily="49" charset="77"/>
+              </a:rPr>
+              <a:t>(</a:t>
+            </a:r>
+            <a:r>
+              <a:rPr lang="en-US" sz="1800" b="1" dirty="0">
+                <a:solidFill>
+                  <a:srgbClr val="0CFF00"/>
+                </a:solidFill>
+                <a:latin typeface="Inconsolata Medium" panose="020B0609030003000000" pitchFamily="49" charset="77"/>
+              </a:rPr>
+              <a:t>"Enter a number or just enter to quit: "</a:t>
+            </a:r>
+            <a:r>
+              <a:rPr lang="en-US" sz="1800" b="1" dirty="0">
+                <a:latin typeface="Inconsolata Medium" panose="020B0609030003000000" pitchFamily="49" charset="77"/>
+              </a:rPr>
+              <a:t>) </a:t>
+            </a:r>
+          </a:p>
+          <a:p>
+            <a:pPr marL="0" indent="0">
+              <a:buNone/>
+            </a:pPr>
+            <a:r>
+              <a:rPr lang="en-US" sz="1800" b="1" dirty="0">
+                <a:solidFill>
+                  <a:srgbClr val="FF4C00"/>
+                </a:solidFill>
+                <a:latin typeface="Inconsolata Medium" panose="020B0609030003000000" pitchFamily="49" charset="77"/>
+              </a:rPr>
+              <a:t>while </a:t>
+            </a:r>
+            <a:r>
+              <a:rPr lang="en-US" sz="1800" b="1" dirty="0">
+                <a:latin typeface="Inconsolata Medium" panose="020B0609030003000000" pitchFamily="49" charset="77"/>
+              </a:rPr>
+              <a:t>data != </a:t>
+            </a:r>
+            <a:r>
+              <a:rPr lang="en-US" sz="1800" b="1" dirty="0">
+                <a:solidFill>
+                  <a:srgbClr val="0CFF00"/>
+                </a:solidFill>
+                <a:latin typeface="Inconsolata Medium" panose="020B0609030003000000" pitchFamily="49" charset="77"/>
+              </a:rPr>
+              <a:t>""</a:t>
+            </a:r>
+            <a:r>
+              <a:rPr lang="en-US" sz="1800" b="1" dirty="0">
+                <a:latin typeface="Inconsolata Medium" panose="020B0609030003000000" pitchFamily="49" charset="77"/>
+              </a:rPr>
+              <a:t>: </a:t>
+            </a:r>
+          </a:p>
+          <a:p>
+            <a:pPr marL="0" indent="0">
+              <a:buNone/>
+            </a:pPr>
+            <a:r>
+              <a:rPr lang="en-US" sz="1800" b="1" dirty="0">
+                <a:latin typeface="Inconsolata Medium" panose="020B0609030003000000" pitchFamily="49" charset="77"/>
+              </a:rPr>
+              <a:t>    number = </a:t>
+            </a:r>
+            <a:r>
+              <a:rPr lang="en-US" sz="1800" b="1" dirty="0">
+                <a:solidFill>
+                  <a:srgbClr val="990CFF"/>
+                </a:solidFill>
+                <a:latin typeface="Inconsolata Medium" panose="020B0609030003000000" pitchFamily="49" charset="77"/>
+              </a:rPr>
+              <a:t>float</a:t>
+            </a:r>
+            <a:r>
+              <a:rPr lang="en-US" sz="1800" b="1" dirty="0">
+                <a:latin typeface="Inconsolata Medium" panose="020B0609030003000000" pitchFamily="49" charset="77"/>
+              </a:rPr>
+              <a:t>(data) </a:t>
+            </a:r>
+          </a:p>
+          <a:p>
+            <a:pPr marL="0" indent="0">
+              <a:buNone/>
+            </a:pPr>
+            <a:r>
+              <a:rPr lang="en-US" sz="1800" b="1" dirty="0">
+                <a:latin typeface="Inconsolata Medium" panose="020B0609030003000000" pitchFamily="49" charset="77"/>
+              </a:rPr>
+              <a:t>    s += number </a:t>
+            </a:r>
+          </a:p>
+          <a:p>
+            <a:pPr marL="0" indent="0">
+              <a:buNone/>
+            </a:pPr>
+            <a:r>
+              <a:rPr lang="en-US" sz="1800" b="1" dirty="0">
+                <a:latin typeface="Inconsolata Medium" panose="020B0609030003000000" pitchFamily="49" charset="77"/>
+              </a:rPr>
+              <a:t>    data = </a:t>
+            </a:r>
+            <a:r>
+              <a:rPr lang="en-US" sz="1800" b="1" dirty="0">
+                <a:solidFill>
+                  <a:srgbClr val="990CFF"/>
+                </a:solidFill>
+                <a:latin typeface="Inconsolata Medium" panose="020B0609030003000000" pitchFamily="49" charset="77"/>
+              </a:rPr>
+              <a:t>input</a:t>
+            </a:r>
+            <a:r>
+              <a:rPr lang="en-US" sz="1800" b="1" dirty="0">
+                <a:latin typeface="Inconsolata Medium" panose="020B0609030003000000" pitchFamily="49" charset="77"/>
+              </a:rPr>
+              <a:t>(</a:t>
+            </a:r>
+            <a:r>
+              <a:rPr lang="en-US" sz="1800" b="1" dirty="0">
+                <a:solidFill>
+                  <a:srgbClr val="0CFF00"/>
+                </a:solidFill>
+                <a:latin typeface="Inconsolata Medium" panose="020B0609030003000000" pitchFamily="49" charset="77"/>
+              </a:rPr>
+              <a:t>"Enter a number or just enter to quit: "</a:t>
+            </a:r>
+            <a:r>
+              <a:rPr lang="en-US" sz="1800" b="1" dirty="0">
+                <a:latin typeface="Inconsolata Medium" panose="020B0609030003000000" pitchFamily="49" charset="77"/>
+              </a:rPr>
+              <a:t>)   </a:t>
+            </a:r>
+          </a:p>
+          <a:p>
+            <a:pPr marL="0" indent="0">
+              <a:buNone/>
+            </a:pPr>
+            <a:r>
+              <a:rPr lang="en-US" sz="1800" b="1" dirty="0">
+                <a:latin typeface="Inconsolata Medium" panose="020B0609030003000000" pitchFamily="49" charset="77"/>
+              </a:rPr>
+              <a:t>print(</a:t>
+            </a:r>
+            <a:r>
+              <a:rPr lang="en-US" sz="1800" b="1" dirty="0">
+                <a:solidFill>
+                  <a:srgbClr val="0CFF00"/>
+                </a:solidFill>
+                <a:latin typeface="Inconsolata Medium" panose="020B0609030003000000" pitchFamily="49" charset="77"/>
+              </a:rPr>
+              <a:t>"The sum is"</a:t>
+            </a:r>
+            <a:r>
+              <a:rPr lang="en-US" sz="1800" b="1" dirty="0">
+                <a:latin typeface="Inconsolata Medium" panose="020B0609030003000000" pitchFamily="49" charset="77"/>
+              </a:rPr>
+              <a:t>, s) </a:t>
+            </a:r>
+          </a:p>
+          <a:p>
+            <a:pPr marL="0" indent="0">
+              <a:buNone/>
+            </a:pPr>
+            <a:endParaRPr lang="en-US" sz="1800" b="1" dirty="0">
+              <a:solidFill>
+                <a:srgbClr val="FF0000"/>
+              </a:solidFill>
+              <a:latin typeface="LucidaSansTypewriterStd"/>
+            </a:endParaRPr>
+          </a:p>
+          <a:p>
+            <a:pPr marL="0" indent="0">
+              <a:buNone/>
+            </a:pPr>
+            <a:r>
+              <a:rPr lang="en-US" sz="1800" b="1" dirty="0">
+                <a:solidFill>
+                  <a:srgbClr val="FF0000"/>
+                </a:solidFill>
+                <a:latin typeface="LucidaSansTypewriterStd"/>
+              </a:rPr>
+              <a:t>Sample Run:</a:t>
+            </a:r>
+          </a:p>
+          <a:p>
+            <a:pPr marL="0" indent="0">
+              <a:buNone/>
+            </a:pPr>
+            <a:r>
+              <a:rPr lang="en-US" sz="1800" b="1" dirty="0">
+                <a:solidFill>
+                  <a:srgbClr val="193FFF"/>
+                </a:solidFill>
+                <a:latin typeface="LucidaSansTypewriterStd"/>
+              </a:rPr>
+              <a:t>Enter a number or just enter to quit: </a:t>
+            </a:r>
+            <a:r>
+              <a:rPr lang="en-US" sz="1800" b="1" dirty="0">
+                <a:latin typeface="LucidaSansTypewriterStd"/>
+              </a:rPr>
+              <a:t>3 </a:t>
+            </a:r>
+          </a:p>
+          <a:p>
+            <a:pPr marL="0" indent="0">
+              <a:buNone/>
+            </a:pPr>
+            <a:r>
+              <a:rPr lang="en-US" sz="1800" b="1" dirty="0">
+                <a:solidFill>
+                  <a:srgbClr val="193FFF"/>
+                </a:solidFill>
+                <a:latin typeface="LucidaSansTypewriterStd"/>
+              </a:rPr>
+              <a:t>Enter a number or just enter to quit: </a:t>
+            </a:r>
+            <a:r>
+              <a:rPr lang="en-US" sz="1800" b="1" dirty="0">
+                <a:latin typeface="LucidaSansTypewriterStd"/>
+              </a:rPr>
+              <a:t>4 </a:t>
+            </a:r>
+          </a:p>
+          <a:p>
+            <a:pPr marL="0" indent="0">
+              <a:buNone/>
+            </a:pPr>
+            <a:r>
+              <a:rPr lang="en-US" sz="1800" b="1" dirty="0">
+                <a:solidFill>
+                  <a:srgbClr val="193FFF"/>
+                </a:solidFill>
+                <a:latin typeface="LucidaSansTypewriterStd"/>
+              </a:rPr>
+              <a:t>Enter a number or just enter to quit: </a:t>
+            </a:r>
+            <a:r>
+              <a:rPr lang="en-US" sz="1800" b="1" dirty="0">
+                <a:latin typeface="LucidaSansTypewriterStd"/>
+              </a:rPr>
+              <a:t>5 </a:t>
+            </a:r>
+          </a:p>
+          <a:p>
+            <a:pPr marL="0" indent="0">
+              <a:buNone/>
+            </a:pPr>
+            <a:r>
+              <a:rPr lang="en-US" sz="1800" b="1" dirty="0">
+                <a:solidFill>
+                  <a:srgbClr val="193FFF"/>
+                </a:solidFill>
+                <a:latin typeface="LucidaSansTypewriterStd"/>
+              </a:rPr>
+              <a:t>Enter a number or just enter to quit: </a:t>
+            </a:r>
+          </a:p>
+          <a:p>
+            <a:pPr marL="0" indent="0">
+              <a:buNone/>
+            </a:pPr>
+            <a:r>
+              <a:rPr lang="en-US" sz="1800" b="1" dirty="0">
+                <a:solidFill>
+                  <a:srgbClr val="193FFF"/>
+                </a:solidFill>
+                <a:latin typeface="LucidaSansTypewriterStd"/>
+              </a:rPr>
+              <a:t>The sum is 12.0 </a:t>
+            </a:r>
+            <a:endParaRPr lang="en-US" sz="1800" dirty="0"/>
+          </a:p>
+          <a:p>
+            <a:pPr marL="0" indent="0">
+              <a:buNone/>
+              <a:defRPr/>
+            </a:pPr>
+            <a:endParaRPr lang="en-US" dirty="0"/>
+          </a:p>
+          <a:p>
+            <a:pPr marL="0" indent="0">
+              <a:buNone/>
+              <a:defRPr/>
+            </a:pPr>
+            <a:endParaRPr lang="en-US" dirty="0">
+              <a:latin typeface="Gill Sans MT" panose="020B0502020104020203" pitchFamily="34" charset="77"/>
+            </a:endParaRPr>
+          </a:p>
+        </p:txBody>
+      </p:sp>
+    </p:spTree>
+    <p:extLst>
+      <p:ext uri="{BB962C8B-B14F-4D97-AF65-F5344CB8AC3E}">
+        <p14:creationId xmlns:p14="http://schemas.microsoft.com/office/powerpoint/2010/main" val="3456840474"/>
+      </p:ext>
+    </p:extLst>
+  </p:cSld>
+  <p:clrMapOvr>
+    <a:masterClrMapping/>
+  </p:clrMapOvr>
+</p:sld>
+</file>
+
+<file path=ppt/slides/slide27.xml><?xml version="1.0" encoding="utf-8"?>
+<p:sld xmlns:a="http://schemas.openxmlformats.org/drawingml/2006/main" xmlns:r="http://schemas.openxmlformats.org/officeDocument/2006/relationships" xmlns:p="http://schemas.openxmlformats.org/presentationml/2006/main">
+  <p:cSld>
+    <p:spTree>
+      <p:nvGrpSpPr>
+        <p:cNvPr id="1" name=""/>
+        <p:cNvGrpSpPr/>
+        <p:nvPr/>
+      </p:nvGrpSpPr>
+      <p:grpSpPr>
+        <a:xfrm>
+          <a:off x="0" y="0"/>
+          <a:ext cx="0" cy="0"/>
+          <a:chOff x="0" y="0"/>
+          <a:chExt cx="0" cy="0"/>
+        </a:xfrm>
+      </p:grpSpPr>
+      <p:sp>
+        <p:nvSpPr>
+          <p:cNvPr id="2" name="Title 1">
+            <a:extLst>
+              <a:ext uri="{FF2B5EF4-FFF2-40B4-BE49-F238E27FC236}">
+                <a16:creationId xmlns:a16="http://schemas.microsoft.com/office/drawing/2014/main" id="{AA3A228F-61D0-D949-A5E7-F83756230BF8}"/>
+              </a:ext>
+            </a:extLst>
+          </p:cNvPr>
+          <p:cNvSpPr>
+            <a:spLocks noGrp="1"/>
+          </p:cNvSpPr>
+          <p:nvPr>
+            <p:ph type="title"/>
+          </p:nvPr>
+        </p:nvSpPr>
+        <p:spPr>
+          <a:xfrm>
+            <a:off x="483848" y="54496"/>
+            <a:ext cx="7053542" cy="683886"/>
+          </a:xfrm>
+        </p:spPr>
+        <p:txBody>
+          <a:bodyPr/>
+          <a:lstStyle/>
+          <a:p>
+            <a:r>
+              <a:rPr lang="en-US" dirty="0"/>
+              <a:t>While Loop</a:t>
+            </a:r>
+          </a:p>
+        </p:txBody>
+      </p:sp>
+      <p:sp>
+        <p:nvSpPr>
+          <p:cNvPr id="9" name="Content Placeholder 8">
+            <a:extLst>
+              <a:ext uri="{FF2B5EF4-FFF2-40B4-BE49-F238E27FC236}">
+                <a16:creationId xmlns:a16="http://schemas.microsoft.com/office/drawing/2014/main" id="{E3B2E017-30B2-884B-A113-B419A2ED51AD}"/>
+              </a:ext>
+            </a:extLst>
+          </p:cNvPr>
+          <p:cNvSpPr>
+            <a:spLocks noGrp="1"/>
+          </p:cNvSpPr>
+          <p:nvPr>
+            <p:ph idx="1"/>
+          </p:nvPr>
+        </p:nvSpPr>
+        <p:spPr>
+          <a:xfrm>
+            <a:off x="483848" y="715617"/>
+            <a:ext cx="8051725" cy="4865375"/>
+          </a:xfrm>
+        </p:spPr>
+        <p:txBody>
+          <a:bodyPr>
+            <a:normAutofit/>
+          </a:bodyPr>
+          <a:lstStyle/>
+          <a:p>
+            <a:pPr marL="0" indent="0">
+              <a:buNone/>
+            </a:pPr>
+            <a:r>
+              <a:rPr lang="en-US" sz="2200" dirty="0">
+                <a:latin typeface="Gill Sans MT" panose="020B0502020104020203" pitchFamily="34" charset="77"/>
+              </a:rPr>
+              <a:t>Alternatively, the previous program can be simplified so that only one input is used. The program uses the </a:t>
+            </a:r>
+            <a:r>
+              <a:rPr lang="en-US" sz="2200" b="1" dirty="0">
+                <a:latin typeface="Gill Sans MT" panose="020B0502020104020203" pitchFamily="34" charset="77"/>
+              </a:rPr>
+              <a:t>break</a:t>
+            </a:r>
+            <a:r>
+              <a:rPr lang="en-US" sz="2200" dirty="0">
+                <a:latin typeface="Gill Sans MT" panose="020B0502020104020203" pitchFamily="34" charset="77"/>
+              </a:rPr>
+              <a:t> statement to exit the loop if the input is an empty string. </a:t>
+            </a:r>
+            <a:endParaRPr lang="en-US" sz="2000" b="1" dirty="0">
+              <a:latin typeface="Inconsolata Medium" panose="020B0609030003000000" pitchFamily="49" charset="77"/>
+            </a:endParaRPr>
+          </a:p>
+          <a:p>
+            <a:pPr marL="0" indent="0">
+              <a:buNone/>
+            </a:pPr>
+            <a:endParaRPr lang="en-US" sz="2000" b="1" dirty="0">
+              <a:latin typeface="Inconsolata Medium" panose="020B0609030003000000" pitchFamily="49" charset="77"/>
+            </a:endParaRPr>
+          </a:p>
+          <a:p>
+            <a:pPr marL="0" indent="0">
+              <a:buNone/>
+            </a:pPr>
+            <a:r>
+              <a:rPr lang="en-US" sz="2000" b="1" dirty="0">
+                <a:latin typeface="Inconsolata Medium" panose="020B0609030003000000" pitchFamily="49" charset="77"/>
+              </a:rPr>
+              <a:t>s = 0.0 </a:t>
+            </a:r>
+          </a:p>
+          <a:p>
+            <a:pPr marL="0" indent="0">
+              <a:buNone/>
+            </a:pPr>
+            <a:r>
+              <a:rPr lang="en-US" sz="2000" b="1" dirty="0">
+                <a:solidFill>
+                  <a:srgbClr val="FF4C00"/>
+                </a:solidFill>
+                <a:latin typeface="Inconsolata Medium" panose="020B0609030003000000" pitchFamily="49" charset="77"/>
+              </a:rPr>
+              <a:t>while True</a:t>
+            </a:r>
+            <a:r>
+              <a:rPr lang="en-US" sz="2000" b="1" dirty="0">
+                <a:latin typeface="Inconsolata Medium" panose="020B0609030003000000" pitchFamily="49" charset="77"/>
+              </a:rPr>
+              <a:t>: </a:t>
+            </a:r>
+          </a:p>
+          <a:p>
+            <a:pPr marL="0" indent="0">
+              <a:buNone/>
+            </a:pPr>
+            <a:r>
+              <a:rPr lang="en-US" sz="2000" b="1" dirty="0">
+                <a:latin typeface="Inconsolata Medium" panose="020B0609030003000000" pitchFamily="49" charset="77"/>
+              </a:rPr>
+              <a:t>    data = </a:t>
+            </a:r>
+            <a:r>
+              <a:rPr lang="en-US" sz="2000" b="1" dirty="0">
+                <a:solidFill>
+                  <a:srgbClr val="990CFF"/>
+                </a:solidFill>
+                <a:latin typeface="Inconsolata Medium" panose="020B0609030003000000" pitchFamily="49" charset="77"/>
+              </a:rPr>
+              <a:t>input</a:t>
+            </a:r>
+            <a:r>
+              <a:rPr lang="en-US" sz="2000" b="1" dirty="0">
+                <a:latin typeface="Inconsolata Medium" panose="020B0609030003000000" pitchFamily="49" charset="77"/>
+              </a:rPr>
+              <a:t>(</a:t>
+            </a:r>
+            <a:r>
+              <a:rPr lang="en-US" sz="2000" b="1" dirty="0">
+                <a:solidFill>
+                  <a:srgbClr val="0CFF00"/>
+                </a:solidFill>
+                <a:latin typeface="Inconsolata Medium" panose="020B0609030003000000" pitchFamily="49" charset="77"/>
+              </a:rPr>
+              <a:t>"Enter a number or just enter to quit: "</a:t>
+            </a:r>
+            <a:r>
+              <a:rPr lang="en-US" sz="2000" b="1" dirty="0">
+                <a:latin typeface="Inconsolata Medium" panose="020B0609030003000000" pitchFamily="49" charset="77"/>
+              </a:rPr>
+              <a:t>)   </a:t>
+            </a:r>
+          </a:p>
+          <a:p>
+            <a:pPr marL="0" indent="0">
+              <a:buNone/>
+            </a:pPr>
+            <a:r>
+              <a:rPr lang="en-US" sz="2000" b="1" dirty="0">
+                <a:solidFill>
+                  <a:srgbClr val="FF4C00"/>
+                </a:solidFill>
+                <a:latin typeface="Inconsolata Medium" panose="020B0609030003000000" pitchFamily="49" charset="77"/>
+              </a:rPr>
+              <a:t>    if </a:t>
+            </a:r>
+            <a:r>
+              <a:rPr lang="en-US" sz="2000" b="1" dirty="0">
+                <a:latin typeface="Inconsolata Medium" panose="020B0609030003000000" pitchFamily="49" charset="77"/>
+              </a:rPr>
+              <a:t>data == </a:t>
+            </a:r>
+            <a:r>
+              <a:rPr lang="en-US" sz="2000" b="1" dirty="0">
+                <a:solidFill>
+                  <a:srgbClr val="0CFF00"/>
+                </a:solidFill>
+                <a:latin typeface="Inconsolata Medium" panose="020B0609030003000000" pitchFamily="49" charset="77"/>
+              </a:rPr>
+              <a:t>""</a:t>
+            </a:r>
+            <a:r>
+              <a:rPr lang="en-US" sz="2000" b="1" dirty="0">
+                <a:latin typeface="Inconsolata Medium" panose="020B0609030003000000" pitchFamily="49" charset="77"/>
+              </a:rPr>
+              <a:t>: </a:t>
+            </a:r>
+          </a:p>
+          <a:p>
+            <a:pPr marL="0" indent="0">
+              <a:buNone/>
+            </a:pPr>
+            <a:r>
+              <a:rPr lang="en-US" sz="2000" b="1" dirty="0">
+                <a:solidFill>
+                  <a:srgbClr val="FF4C00"/>
+                </a:solidFill>
+                <a:latin typeface="Inconsolata Medium" panose="020B0609030003000000" pitchFamily="49" charset="77"/>
+              </a:rPr>
+              <a:t>        break </a:t>
+            </a:r>
+            <a:endParaRPr lang="en-US" sz="2000" b="1" dirty="0">
+              <a:latin typeface="Inconsolata Medium" panose="020B0609030003000000" pitchFamily="49" charset="77"/>
+            </a:endParaRPr>
+          </a:p>
+          <a:p>
+            <a:pPr marL="0" indent="0">
+              <a:buNone/>
+            </a:pPr>
+            <a:r>
+              <a:rPr lang="en-US" sz="2000" b="1" dirty="0">
+                <a:latin typeface="Inconsolata Medium" panose="020B0609030003000000" pitchFamily="49" charset="77"/>
+              </a:rPr>
+              <a:t>    number = </a:t>
+            </a:r>
+            <a:r>
+              <a:rPr lang="en-US" sz="2000" b="1" dirty="0">
+                <a:solidFill>
+                  <a:srgbClr val="990CFF"/>
+                </a:solidFill>
+                <a:latin typeface="Inconsolata Medium" panose="020B0609030003000000" pitchFamily="49" charset="77"/>
+              </a:rPr>
+              <a:t>float</a:t>
+            </a:r>
+            <a:r>
+              <a:rPr lang="en-US" sz="2000" b="1" dirty="0">
+                <a:latin typeface="Inconsolata Medium" panose="020B0609030003000000" pitchFamily="49" charset="77"/>
+              </a:rPr>
+              <a:t>(data) </a:t>
+            </a:r>
+          </a:p>
+          <a:p>
+            <a:pPr marL="0" indent="0">
+              <a:buNone/>
+            </a:pPr>
+            <a:r>
+              <a:rPr lang="en-US" sz="2000" b="1" dirty="0">
+                <a:latin typeface="Inconsolata Medium" panose="020B0609030003000000" pitchFamily="49" charset="77"/>
+              </a:rPr>
+              <a:t>    s += number </a:t>
+            </a:r>
+          </a:p>
+          <a:p>
+            <a:pPr marL="0" indent="0">
+              <a:buNone/>
+            </a:pPr>
+            <a:r>
+              <a:rPr lang="en-US" sz="2000" b="1" dirty="0">
+                <a:latin typeface="Inconsolata Medium" panose="020B0609030003000000" pitchFamily="49" charset="77"/>
+              </a:rPr>
+              <a:t>print(</a:t>
+            </a:r>
+            <a:r>
+              <a:rPr lang="en-US" sz="2000" b="1" dirty="0">
+                <a:solidFill>
+                  <a:srgbClr val="0CFF00"/>
+                </a:solidFill>
+                <a:latin typeface="Inconsolata Medium" panose="020B0609030003000000" pitchFamily="49" charset="77"/>
+              </a:rPr>
+              <a:t>"The sum is"</a:t>
+            </a:r>
+            <a:r>
+              <a:rPr lang="en-US" sz="2000" b="1" dirty="0">
+                <a:latin typeface="Inconsolata Medium" panose="020B0609030003000000" pitchFamily="49" charset="77"/>
+              </a:rPr>
+              <a:t>, s) </a:t>
+            </a:r>
+          </a:p>
+          <a:p>
+            <a:pPr marL="0" indent="0">
+              <a:buNone/>
+              <a:defRPr/>
+            </a:pPr>
+            <a:endParaRPr lang="en-US" dirty="0"/>
+          </a:p>
+          <a:p>
+            <a:pPr marL="0" indent="0">
+              <a:buNone/>
+              <a:defRPr/>
+            </a:pPr>
+            <a:endParaRPr lang="en-US" dirty="0">
+              <a:latin typeface="Gill Sans MT" panose="020B0502020104020203" pitchFamily="34" charset="77"/>
+            </a:endParaRPr>
+          </a:p>
+        </p:txBody>
+      </p:sp>
+    </p:spTree>
+    <p:extLst>
+      <p:ext uri="{BB962C8B-B14F-4D97-AF65-F5344CB8AC3E}">
+        <p14:creationId xmlns:p14="http://schemas.microsoft.com/office/powerpoint/2010/main" val="1062075874"/>
+      </p:ext>
+    </p:extLst>
+  </p:cSld>
+  <p:clrMapOvr>
+    <a:masterClrMapping/>
+  </p:clrMapOvr>
+</p:sld>
+</file>
+
+<file path=ppt/slides/slide28.xml><?xml version="1.0" encoding="utf-8"?>
+<p:sld xmlns:a="http://schemas.openxmlformats.org/drawingml/2006/main" xmlns:r="http://schemas.openxmlformats.org/officeDocument/2006/relationships" xmlns:p="http://schemas.openxmlformats.org/presentationml/2006/main">
+  <p:cSld>
+    <p:spTree>
+      <p:nvGrpSpPr>
+        <p:cNvPr id="1" name=""/>
+        <p:cNvGrpSpPr/>
+        <p:nvPr/>
+      </p:nvGrpSpPr>
+      <p:grpSpPr>
+        <a:xfrm>
+          <a:off x="0" y="0"/>
+          <a:ext cx="0" cy="0"/>
+          <a:chOff x="0" y="0"/>
+          <a:chExt cx="0" cy="0"/>
+        </a:xfrm>
+      </p:grpSpPr>
+      <p:sp>
+        <p:nvSpPr>
+          <p:cNvPr id="2" name="Title 1">
+            <a:extLst>
+              <a:ext uri="{FF2B5EF4-FFF2-40B4-BE49-F238E27FC236}">
+                <a16:creationId xmlns:a16="http://schemas.microsoft.com/office/drawing/2014/main" id="{AA3A228F-61D0-D949-A5E7-F83756230BF8}"/>
+              </a:ext>
+            </a:extLst>
+          </p:cNvPr>
+          <p:cNvSpPr>
+            <a:spLocks noGrp="1"/>
+          </p:cNvSpPr>
+          <p:nvPr>
+            <p:ph type="title"/>
+          </p:nvPr>
+        </p:nvSpPr>
+        <p:spPr>
+          <a:xfrm>
+            <a:off x="483848" y="0"/>
+            <a:ext cx="7053542" cy="683886"/>
+          </a:xfrm>
+        </p:spPr>
+        <p:txBody>
+          <a:bodyPr/>
+          <a:lstStyle/>
+          <a:p>
+            <a:r>
+              <a:rPr lang="en-US" dirty="0"/>
+              <a:t>Random Numbers</a:t>
+            </a:r>
+          </a:p>
+        </p:txBody>
+      </p:sp>
+      <p:sp>
+        <p:nvSpPr>
+          <p:cNvPr id="9" name="Content Placeholder 8">
+            <a:extLst>
+              <a:ext uri="{FF2B5EF4-FFF2-40B4-BE49-F238E27FC236}">
+                <a16:creationId xmlns:a16="http://schemas.microsoft.com/office/drawing/2014/main" id="{E3B2E017-30B2-884B-A113-B419A2ED51AD}"/>
+              </a:ext>
+            </a:extLst>
+          </p:cNvPr>
+          <p:cNvSpPr>
+            <a:spLocks noGrp="1"/>
+          </p:cNvSpPr>
+          <p:nvPr>
+            <p:ph idx="1"/>
+          </p:nvPr>
+        </p:nvSpPr>
+        <p:spPr>
+          <a:xfrm>
+            <a:off x="483848" y="530087"/>
+            <a:ext cx="8051725" cy="5088835"/>
+          </a:xfrm>
+        </p:spPr>
+        <p:txBody>
+          <a:bodyPr>
+            <a:normAutofit/>
+          </a:bodyPr>
+          <a:lstStyle/>
+          <a:p>
+            <a:pPr marL="0" indent="0">
+              <a:buNone/>
+            </a:pPr>
+            <a:r>
+              <a:rPr lang="en-US" sz="2000" dirty="0">
+                <a:latin typeface="Gill Sans MT" panose="020B0502020104020203" pitchFamily="34" charset="77"/>
+              </a:rPr>
+              <a:t>In some situation, we like to be able to simulate randomness. For example, we might toss a coin or roll a die. </a:t>
+            </a:r>
+          </a:p>
+          <a:p>
+            <a:pPr marL="0" indent="0">
+              <a:buNone/>
+            </a:pPr>
+            <a:endParaRPr lang="en-US" sz="2000" dirty="0">
+              <a:latin typeface="Gill Sans MT" panose="020B0502020104020203" pitchFamily="34" charset="77"/>
+            </a:endParaRPr>
+          </a:p>
+          <a:p>
+            <a:pPr marL="0" indent="0">
+              <a:buNone/>
+            </a:pPr>
+            <a:r>
+              <a:rPr lang="en-US" sz="2000" dirty="0">
+                <a:latin typeface="Gill Sans MT" panose="020B0502020104020203" pitchFamily="34" charset="77"/>
+              </a:rPr>
+              <a:t>The Python's random module contains many functions to do this. The function </a:t>
+            </a:r>
+            <a:r>
+              <a:rPr lang="en-US" sz="2000" b="1" dirty="0" err="1">
+                <a:latin typeface="Gill Sans MT" panose="020B0502020104020203" pitchFamily="34" charset="77"/>
+              </a:rPr>
+              <a:t>randrange</a:t>
+            </a:r>
+            <a:r>
+              <a:rPr lang="en-US" sz="2000" b="1" dirty="0">
+                <a:latin typeface="Gill Sans MT" panose="020B0502020104020203" pitchFamily="34" charset="77"/>
+              </a:rPr>
+              <a:t>()</a:t>
+            </a:r>
+            <a:r>
+              <a:rPr lang="en-US" sz="2000" dirty="0">
+                <a:latin typeface="Gill Sans MT" panose="020B0502020104020203" pitchFamily="34" charset="77"/>
+              </a:rPr>
+              <a:t> is easy to use since it is similar to the </a:t>
+            </a:r>
+            <a:r>
+              <a:rPr lang="en-US" sz="2000" b="1" dirty="0">
+                <a:latin typeface="Gill Sans MT" panose="020B0502020104020203" pitchFamily="34" charset="77"/>
+              </a:rPr>
+              <a:t>range() </a:t>
+            </a:r>
+            <a:r>
+              <a:rPr lang="en-US" sz="2000" dirty="0">
+                <a:latin typeface="Gill Sans MT" panose="020B0502020104020203" pitchFamily="34" charset="77"/>
+              </a:rPr>
+              <a:t>function we used in for loops. </a:t>
+            </a:r>
+          </a:p>
+          <a:p>
+            <a:pPr marL="0" indent="0">
+              <a:buNone/>
+            </a:pPr>
+            <a:r>
+              <a:rPr lang="en-US" sz="2000" b="1" dirty="0" err="1">
+                <a:latin typeface="Gill Sans MT" panose="020B0502020104020203" pitchFamily="34" charset="77"/>
+              </a:rPr>
+              <a:t>randrange</a:t>
+            </a:r>
+            <a:r>
+              <a:rPr lang="en-US" sz="2000" b="1" dirty="0">
+                <a:latin typeface="Gill Sans MT" panose="020B0502020104020203" pitchFamily="34" charset="77"/>
+              </a:rPr>
+              <a:t>(start, stop, step) </a:t>
+            </a:r>
+            <a:r>
+              <a:rPr lang="en-US" sz="2000" dirty="0">
+                <a:latin typeface="Gill Sans MT" panose="020B0502020104020203" pitchFamily="34" charset="77"/>
+              </a:rPr>
+              <a:t>generates a random integer beginning with start(including) and ending with stop(not including) with step. </a:t>
+            </a:r>
+          </a:p>
+          <a:p>
+            <a:pPr marL="0" indent="0">
+              <a:buNone/>
+            </a:pPr>
+            <a:endParaRPr lang="en-US" sz="2000" b="1" dirty="0">
+              <a:latin typeface="Inconsolata Medium" panose="020B0609030003000000" pitchFamily="49" charset="77"/>
+            </a:endParaRPr>
+          </a:p>
+          <a:p>
+            <a:pPr marL="0" indent="0">
+              <a:buNone/>
+            </a:pPr>
+            <a:r>
+              <a:rPr lang="en-US" b="1" dirty="0">
+                <a:solidFill>
+                  <a:srgbClr val="34A327"/>
+                </a:solidFill>
+                <a:latin typeface="Inconsolata Medium" panose="020B0609030003000000" pitchFamily="49" charset="77"/>
+              </a:rPr>
+              <a:t>for</a:t>
+            </a:r>
+            <a:r>
+              <a:rPr lang="en-US" b="1" dirty="0">
+                <a:solidFill>
+                  <a:srgbClr val="000000"/>
+                </a:solidFill>
+                <a:latin typeface="Inconsolata Medium" panose="020B0609030003000000" pitchFamily="49" charset="77"/>
+              </a:rPr>
+              <a:t> </a:t>
+            </a:r>
+            <a:r>
+              <a:rPr lang="en-US" b="1" dirty="0" err="1">
+                <a:solidFill>
+                  <a:srgbClr val="000000"/>
+                </a:solidFill>
+                <a:latin typeface="Inconsolata Medium" panose="020B0609030003000000" pitchFamily="49" charset="77"/>
+              </a:rPr>
+              <a:t>i</a:t>
+            </a:r>
+            <a:r>
+              <a:rPr lang="en-US" b="1" dirty="0">
+                <a:solidFill>
+                  <a:srgbClr val="000000"/>
+                </a:solidFill>
+                <a:latin typeface="Inconsolata Medium" panose="020B0609030003000000" pitchFamily="49" charset="77"/>
+              </a:rPr>
+              <a:t> </a:t>
+            </a:r>
+            <a:r>
+              <a:rPr lang="en-US" b="1" dirty="0">
+                <a:solidFill>
+                  <a:srgbClr val="D03BFF"/>
+                </a:solidFill>
+                <a:latin typeface="Inconsolata Medium" panose="020B0609030003000000" pitchFamily="49" charset="77"/>
+              </a:rPr>
+              <a:t>in</a:t>
+            </a:r>
+            <a:r>
+              <a:rPr lang="en-US" b="1" dirty="0">
+                <a:solidFill>
+                  <a:srgbClr val="000000"/>
+                </a:solidFill>
+                <a:latin typeface="Inconsolata Medium" panose="020B0609030003000000" pitchFamily="49" charset="77"/>
+              </a:rPr>
+              <a:t> </a:t>
+            </a:r>
+            <a:r>
+              <a:rPr lang="en-US" b="1" dirty="0">
+                <a:solidFill>
+                  <a:srgbClr val="34A327"/>
+                </a:solidFill>
+                <a:latin typeface="Inconsolata Medium" panose="020B0609030003000000" pitchFamily="49" charset="77"/>
+              </a:rPr>
+              <a:t>range</a:t>
+            </a:r>
+            <a:r>
+              <a:rPr lang="en-US" b="1" dirty="0">
+                <a:solidFill>
+                  <a:srgbClr val="000000"/>
+                </a:solidFill>
+                <a:latin typeface="Inconsolata Medium" panose="020B0609030003000000" pitchFamily="49" charset="77"/>
+              </a:rPr>
+              <a:t>(</a:t>
+            </a:r>
+            <a:r>
+              <a:rPr lang="en-US" b="1" dirty="0">
+                <a:solidFill>
+                  <a:srgbClr val="34A327"/>
+                </a:solidFill>
+                <a:latin typeface="Inconsolata Medium" panose="020B0609030003000000" pitchFamily="49" charset="77"/>
+              </a:rPr>
+              <a:t>10</a:t>
+            </a:r>
+            <a:r>
+              <a:rPr lang="en-US" b="1" dirty="0">
+                <a:solidFill>
+                  <a:srgbClr val="000000"/>
+                </a:solidFill>
+                <a:latin typeface="Inconsolata Medium" panose="020B0609030003000000" pitchFamily="49" charset="77"/>
+              </a:rPr>
+              <a:t>): </a:t>
+            </a:r>
+            <a:endParaRPr lang="en-US" b="1" dirty="0">
+              <a:solidFill>
+                <a:srgbClr val="34A327"/>
+              </a:solidFill>
+              <a:latin typeface="Inconsolata Medium" panose="020B0609030003000000" pitchFamily="49" charset="77"/>
+            </a:endParaRPr>
+          </a:p>
+          <a:p>
+            <a:pPr marL="0" indent="0">
+              <a:buNone/>
+            </a:pPr>
+            <a:r>
+              <a:rPr lang="en-US" b="1" dirty="0">
+                <a:solidFill>
+                  <a:srgbClr val="34A327"/>
+                </a:solidFill>
+                <a:latin typeface="Inconsolata Medium" panose="020B0609030003000000" pitchFamily="49" charset="77"/>
+              </a:rPr>
+              <a:t>    </a:t>
+            </a:r>
+            <a:r>
+              <a:rPr lang="en-US" b="1" dirty="0">
+                <a:solidFill>
+                  <a:srgbClr val="000000"/>
+                </a:solidFill>
+                <a:latin typeface="Inconsolata Medium" panose="020B0609030003000000" pitchFamily="49" charset="77"/>
+              </a:rPr>
+              <a:t>num = </a:t>
+            </a:r>
+            <a:r>
+              <a:rPr lang="en-US" b="1" dirty="0" err="1">
+                <a:solidFill>
+                  <a:srgbClr val="000000"/>
+                </a:solidFill>
+                <a:latin typeface="Inconsolata Medium" panose="020B0609030003000000" pitchFamily="49" charset="77"/>
+              </a:rPr>
+              <a:t>random.randrange</a:t>
+            </a:r>
+            <a:r>
+              <a:rPr lang="en-US" b="1" dirty="0">
+                <a:solidFill>
+                  <a:srgbClr val="000000"/>
+                </a:solidFill>
+                <a:latin typeface="Inconsolata Medium" panose="020B0609030003000000" pitchFamily="49" charset="77"/>
+              </a:rPr>
+              <a:t>(</a:t>
+            </a:r>
+            <a:r>
+              <a:rPr lang="en-US" b="1" dirty="0">
+                <a:solidFill>
+                  <a:srgbClr val="34A327"/>
+                </a:solidFill>
+                <a:latin typeface="Inconsolata Medium" panose="020B0609030003000000" pitchFamily="49" charset="77"/>
+              </a:rPr>
+              <a:t>1</a:t>
+            </a:r>
+            <a:r>
+              <a:rPr lang="en-US" b="1" dirty="0">
+                <a:solidFill>
+                  <a:srgbClr val="000000"/>
+                </a:solidFill>
+                <a:latin typeface="Inconsolata Medium" panose="020B0609030003000000" pitchFamily="49" charset="77"/>
+              </a:rPr>
+              <a:t>, </a:t>
+            </a:r>
+            <a:r>
+              <a:rPr lang="en-US" b="1" dirty="0">
+                <a:solidFill>
+                  <a:srgbClr val="34A327"/>
+                </a:solidFill>
+                <a:latin typeface="Inconsolata Medium" panose="020B0609030003000000" pitchFamily="49" charset="77"/>
+              </a:rPr>
+              <a:t>5</a:t>
+            </a:r>
+            <a:r>
+              <a:rPr lang="en-US" b="1" dirty="0">
+                <a:solidFill>
+                  <a:srgbClr val="000000"/>
+                </a:solidFill>
+                <a:latin typeface="Inconsolata Medium" panose="020B0609030003000000" pitchFamily="49" charset="77"/>
+              </a:rPr>
+              <a:t>) </a:t>
+            </a:r>
+          </a:p>
+          <a:p>
+            <a:pPr marL="0" indent="0">
+              <a:buNone/>
+            </a:pPr>
+            <a:r>
+              <a:rPr lang="en-US" b="1" dirty="0">
+                <a:solidFill>
+                  <a:srgbClr val="34A327"/>
+                </a:solidFill>
+                <a:latin typeface="Inconsolata Medium" panose="020B0609030003000000" pitchFamily="49" charset="77"/>
+              </a:rPr>
+              <a:t>    print</a:t>
+            </a:r>
+            <a:r>
+              <a:rPr lang="en-US" b="1" dirty="0">
+                <a:solidFill>
+                  <a:srgbClr val="000000"/>
+                </a:solidFill>
+                <a:latin typeface="Inconsolata Medium" panose="020B0609030003000000" pitchFamily="49" charset="77"/>
+              </a:rPr>
+              <a:t>(num, end=</a:t>
+            </a:r>
+            <a:r>
+              <a:rPr lang="en-US" b="1" dirty="0">
+                <a:solidFill>
+                  <a:srgbClr val="CD7923"/>
+                </a:solidFill>
+                <a:latin typeface="Inconsolata Medium" panose="020B0609030003000000" pitchFamily="49" charset="77"/>
+              </a:rPr>
+              <a:t>" "</a:t>
+            </a:r>
+            <a:r>
+              <a:rPr lang="en-US" b="1" dirty="0">
+                <a:solidFill>
+                  <a:srgbClr val="000000"/>
+                </a:solidFill>
+                <a:latin typeface="Inconsolata Medium" panose="020B0609030003000000" pitchFamily="49" charset="77"/>
+              </a:rPr>
+              <a:t>) </a:t>
+            </a:r>
+          </a:p>
+          <a:p>
+            <a:pPr marL="0" indent="0">
+              <a:buNone/>
+              <a:defRPr/>
+            </a:pPr>
+            <a:r>
+              <a:rPr lang="en-US" b="1" dirty="0"/>
+              <a:t>Output:</a:t>
+            </a:r>
+          </a:p>
+          <a:p>
+            <a:pPr marL="0" indent="0">
+              <a:buNone/>
+              <a:defRPr/>
+            </a:pPr>
+            <a:r>
+              <a:rPr lang="en-US" dirty="0"/>
+              <a:t>3 3 3 2 1 3 2 2 3 4 </a:t>
+            </a:r>
+          </a:p>
+          <a:p>
+            <a:pPr marL="0" indent="0">
+              <a:buNone/>
+              <a:defRPr/>
+            </a:pPr>
+            <a:endParaRPr lang="en-US" dirty="0">
+              <a:latin typeface="Gill Sans MT" panose="020B0502020104020203" pitchFamily="34" charset="77"/>
+            </a:endParaRPr>
+          </a:p>
+        </p:txBody>
+      </p:sp>
+    </p:spTree>
+    <p:extLst>
+      <p:ext uri="{BB962C8B-B14F-4D97-AF65-F5344CB8AC3E}">
+        <p14:creationId xmlns:p14="http://schemas.microsoft.com/office/powerpoint/2010/main" val="1310010799"/>
+      </p:ext>
+    </p:extLst>
+  </p:cSld>
+  <p:clrMapOvr>
+    <a:masterClrMapping/>
+  </p:clrMapOvr>
+</p:sld>
+</file>
+
+<file path=ppt/slides/slide29.xml><?xml version="1.0" encoding="utf-8"?>
+<p:sld xmlns:a="http://schemas.openxmlformats.org/drawingml/2006/main" xmlns:r="http://schemas.openxmlformats.org/officeDocument/2006/relationships" xmlns:p="http://schemas.openxmlformats.org/presentationml/2006/main">
+  <p:cSld>
+    <p:spTree>
+      <p:nvGrpSpPr>
+        <p:cNvPr id="1" name=""/>
+        <p:cNvGrpSpPr/>
+        <p:nvPr/>
+      </p:nvGrpSpPr>
+      <p:grpSpPr>
+        <a:xfrm>
+          <a:off x="0" y="0"/>
+          <a:ext cx="0" cy="0"/>
+          <a:chOff x="0" y="0"/>
+          <a:chExt cx="0" cy="0"/>
+        </a:xfrm>
+      </p:grpSpPr>
+      <p:sp>
+        <p:nvSpPr>
+          <p:cNvPr id="2" name="Title 1">
+            <a:extLst>
+              <a:ext uri="{FF2B5EF4-FFF2-40B4-BE49-F238E27FC236}">
+                <a16:creationId xmlns:a16="http://schemas.microsoft.com/office/drawing/2014/main" id="{AA3A228F-61D0-D949-A5E7-F83756230BF8}"/>
+              </a:ext>
+            </a:extLst>
+          </p:cNvPr>
+          <p:cNvSpPr>
+            <a:spLocks noGrp="1"/>
+          </p:cNvSpPr>
+          <p:nvPr>
+            <p:ph type="title"/>
+          </p:nvPr>
+        </p:nvSpPr>
+        <p:spPr>
+          <a:xfrm>
+            <a:off x="483848" y="0"/>
+            <a:ext cx="7053542" cy="683886"/>
+          </a:xfrm>
+        </p:spPr>
+        <p:txBody>
+          <a:bodyPr/>
+          <a:lstStyle/>
+          <a:p>
+            <a:r>
+              <a:rPr lang="en-US" dirty="0"/>
+              <a:t>Guessing Game</a:t>
+            </a:r>
+          </a:p>
+        </p:txBody>
+      </p:sp>
+      <p:sp>
+        <p:nvSpPr>
+          <p:cNvPr id="9" name="Content Placeholder 8">
+            <a:extLst>
+              <a:ext uri="{FF2B5EF4-FFF2-40B4-BE49-F238E27FC236}">
+                <a16:creationId xmlns:a16="http://schemas.microsoft.com/office/drawing/2014/main" id="{E3B2E017-30B2-884B-A113-B419A2ED51AD}"/>
+              </a:ext>
+            </a:extLst>
+          </p:cNvPr>
+          <p:cNvSpPr>
+            <a:spLocks noGrp="1"/>
+          </p:cNvSpPr>
+          <p:nvPr>
+            <p:ph idx="1"/>
+          </p:nvPr>
+        </p:nvSpPr>
+        <p:spPr>
+          <a:xfrm>
+            <a:off x="483848" y="808383"/>
+            <a:ext cx="8051725" cy="4810539"/>
+          </a:xfrm>
+        </p:spPr>
+        <p:txBody>
+          <a:bodyPr>
+            <a:normAutofit/>
+          </a:bodyPr>
+          <a:lstStyle/>
+          <a:p>
+            <a:pPr marL="0" indent="0">
+              <a:buNone/>
+            </a:pPr>
+            <a:r>
+              <a:rPr lang="en-US" dirty="0"/>
+              <a:t>Let's write a simple guessing game. </a:t>
+            </a:r>
+          </a:p>
+          <a:p>
+            <a:pPr marL="0" indent="0">
+              <a:buNone/>
+            </a:pPr>
+            <a:endParaRPr lang="en-US" dirty="0"/>
+          </a:p>
+          <a:p>
+            <a:pPr marL="0" indent="0">
+              <a:buNone/>
+            </a:pPr>
+            <a:r>
+              <a:rPr lang="en-US" dirty="0"/>
+              <a:t>The computer randomly generate a number in some given range. On each pass through the loop, the user enters a number to attempt to guess the number selected by the computer. </a:t>
+            </a:r>
+          </a:p>
+          <a:p>
+            <a:pPr marL="0" indent="0">
+              <a:buNone/>
+            </a:pPr>
+            <a:endParaRPr lang="en-US" dirty="0"/>
+          </a:p>
+          <a:p>
+            <a:pPr marL="0" indent="0">
+              <a:buNone/>
+            </a:pPr>
+            <a:r>
+              <a:rPr lang="en-US" dirty="0"/>
+              <a:t>The program responds by saying “You’ve got it,” “Too large, try again,” or “Too small, try again.” When the user finally guesses the correct number, the program congratulates him and tells him the total number of guesses. </a:t>
+            </a:r>
+            <a:endParaRPr lang="en-US" sz="2000" b="1" dirty="0">
+              <a:latin typeface="Inconsolata Medium" panose="020B0609030003000000" pitchFamily="49" charset="77"/>
+            </a:endParaRPr>
+          </a:p>
+        </p:txBody>
+      </p:sp>
+    </p:spTree>
+    <p:extLst>
+      <p:ext uri="{BB962C8B-B14F-4D97-AF65-F5344CB8AC3E}">
+        <p14:creationId xmlns:p14="http://schemas.microsoft.com/office/powerpoint/2010/main" val="3314372952"/>
       </p:ext>
     </p:extLst>
   </p:cSld>
@@ -10625,6 +13290,1427 @@
       <p:bldP spid="3" grpId="0"/>
     </p:bldLst>
   </p:timing>
+</p:sld>
+</file>
+
+<file path=ppt/slides/slide30.xml><?xml version="1.0" encoding="utf-8"?>
+<p:sld xmlns:a="http://schemas.openxmlformats.org/drawingml/2006/main" xmlns:r="http://schemas.openxmlformats.org/officeDocument/2006/relationships" xmlns:p="http://schemas.openxmlformats.org/presentationml/2006/main">
+  <p:cSld>
+    <p:spTree>
+      <p:nvGrpSpPr>
+        <p:cNvPr id="1" name=""/>
+        <p:cNvGrpSpPr/>
+        <p:nvPr/>
+      </p:nvGrpSpPr>
+      <p:grpSpPr>
+        <a:xfrm>
+          <a:off x="0" y="0"/>
+          <a:ext cx="0" cy="0"/>
+          <a:chOff x="0" y="0"/>
+          <a:chExt cx="0" cy="0"/>
+        </a:xfrm>
+      </p:grpSpPr>
+      <p:sp>
+        <p:nvSpPr>
+          <p:cNvPr id="2" name="Title 1">
+            <a:extLst>
+              <a:ext uri="{FF2B5EF4-FFF2-40B4-BE49-F238E27FC236}">
+                <a16:creationId xmlns:a16="http://schemas.microsoft.com/office/drawing/2014/main" id="{AA3A228F-61D0-D949-A5E7-F83756230BF8}"/>
+              </a:ext>
+            </a:extLst>
+          </p:cNvPr>
+          <p:cNvSpPr>
+            <a:spLocks noGrp="1"/>
+          </p:cNvSpPr>
+          <p:nvPr>
+            <p:ph type="title"/>
+          </p:nvPr>
+        </p:nvSpPr>
+        <p:spPr>
+          <a:xfrm>
+            <a:off x="483848" y="0"/>
+            <a:ext cx="7053542" cy="683886"/>
+          </a:xfrm>
+        </p:spPr>
+        <p:txBody>
+          <a:bodyPr/>
+          <a:lstStyle/>
+          <a:p>
+            <a:r>
+              <a:rPr lang="en-US" dirty="0"/>
+              <a:t>Guessing Game</a:t>
+            </a:r>
+          </a:p>
+        </p:txBody>
+      </p:sp>
+      <p:sp>
+        <p:nvSpPr>
+          <p:cNvPr id="9" name="Content Placeholder 8">
+            <a:extLst>
+              <a:ext uri="{FF2B5EF4-FFF2-40B4-BE49-F238E27FC236}">
+                <a16:creationId xmlns:a16="http://schemas.microsoft.com/office/drawing/2014/main" id="{E3B2E017-30B2-884B-A113-B419A2ED51AD}"/>
+              </a:ext>
+            </a:extLst>
+          </p:cNvPr>
+          <p:cNvSpPr>
+            <a:spLocks noGrp="1"/>
+          </p:cNvSpPr>
+          <p:nvPr>
+            <p:ph idx="1"/>
+          </p:nvPr>
+        </p:nvSpPr>
+        <p:spPr>
+          <a:xfrm>
+            <a:off x="483848" y="516835"/>
+            <a:ext cx="8051725" cy="5102087"/>
+          </a:xfrm>
+        </p:spPr>
+        <p:txBody>
+          <a:bodyPr>
+            <a:noAutofit/>
+          </a:bodyPr>
+          <a:lstStyle/>
+          <a:p>
+            <a:pPr marL="0" indent="0">
+              <a:buNone/>
+            </a:pPr>
+            <a:r>
+              <a:rPr lang="en-US" sz="1700" b="1" dirty="0">
+                <a:solidFill>
+                  <a:srgbClr val="FF4C00"/>
+                </a:solidFill>
+                <a:latin typeface="Inconsolata Medium" panose="020B0609030003000000" pitchFamily="49" charset="77"/>
+              </a:rPr>
+              <a:t>import </a:t>
+            </a:r>
+            <a:r>
+              <a:rPr lang="en-US" sz="1700" b="1" dirty="0">
+                <a:latin typeface="Inconsolata Medium" panose="020B0609030003000000" pitchFamily="49" charset="77"/>
+              </a:rPr>
+              <a:t>random </a:t>
+            </a:r>
+          </a:p>
+          <a:p>
+            <a:pPr marL="0" indent="0">
+              <a:buNone/>
+            </a:pPr>
+            <a:r>
+              <a:rPr lang="en-US" sz="1700" b="1" dirty="0">
+                <a:latin typeface="Inconsolata Medium" panose="020B0609030003000000" pitchFamily="49" charset="77"/>
+              </a:rPr>
+              <a:t>smaller = </a:t>
+            </a:r>
+            <a:r>
+              <a:rPr lang="en-US" sz="1700" b="1" dirty="0">
+                <a:solidFill>
+                  <a:srgbClr val="990CFF"/>
+                </a:solidFill>
+                <a:latin typeface="Inconsolata Medium" panose="020B0609030003000000" pitchFamily="49" charset="77"/>
+              </a:rPr>
+              <a:t>int</a:t>
+            </a:r>
+            <a:r>
+              <a:rPr lang="en-US" sz="1700" b="1" dirty="0">
+                <a:latin typeface="Inconsolata Medium" panose="020B0609030003000000" pitchFamily="49" charset="77"/>
+              </a:rPr>
+              <a:t>(</a:t>
+            </a:r>
+            <a:r>
+              <a:rPr lang="en-US" sz="1700" b="1" dirty="0">
+                <a:solidFill>
+                  <a:srgbClr val="990CFF"/>
+                </a:solidFill>
+                <a:latin typeface="Inconsolata Medium" panose="020B0609030003000000" pitchFamily="49" charset="77"/>
+              </a:rPr>
+              <a:t>input</a:t>
+            </a:r>
+            <a:r>
+              <a:rPr lang="en-US" sz="1700" b="1" dirty="0">
+                <a:latin typeface="Inconsolata Medium" panose="020B0609030003000000" pitchFamily="49" charset="77"/>
+              </a:rPr>
+              <a:t>(</a:t>
+            </a:r>
+            <a:r>
+              <a:rPr lang="en-US" sz="1700" b="1" dirty="0">
+                <a:solidFill>
+                  <a:srgbClr val="0CFF00"/>
+                </a:solidFill>
+                <a:latin typeface="Inconsolata Medium" panose="020B0609030003000000" pitchFamily="49" charset="77"/>
+              </a:rPr>
+              <a:t>"Enter the smaller number: "</a:t>
+            </a:r>
+            <a:r>
+              <a:rPr lang="en-US" sz="1700" b="1" dirty="0">
+                <a:latin typeface="Inconsolata Medium" panose="020B0609030003000000" pitchFamily="49" charset="77"/>
+              </a:rPr>
+              <a:t>)) </a:t>
+            </a:r>
+          </a:p>
+          <a:p>
+            <a:pPr marL="0" indent="0">
+              <a:buNone/>
+            </a:pPr>
+            <a:r>
+              <a:rPr lang="en-US" sz="1700" b="1" dirty="0">
+                <a:latin typeface="Inconsolata Medium" panose="020B0609030003000000" pitchFamily="49" charset="77"/>
+              </a:rPr>
+              <a:t>larger = </a:t>
+            </a:r>
+            <a:r>
+              <a:rPr lang="en-US" sz="1700" b="1" dirty="0">
+                <a:solidFill>
+                  <a:srgbClr val="990CFF"/>
+                </a:solidFill>
+                <a:latin typeface="Inconsolata Medium" panose="020B0609030003000000" pitchFamily="49" charset="77"/>
+              </a:rPr>
+              <a:t>int</a:t>
+            </a:r>
+            <a:r>
+              <a:rPr lang="en-US" sz="1700" b="1" dirty="0">
+                <a:latin typeface="Inconsolata Medium" panose="020B0609030003000000" pitchFamily="49" charset="77"/>
+              </a:rPr>
+              <a:t>(</a:t>
+            </a:r>
+            <a:r>
+              <a:rPr lang="en-US" sz="1700" b="1" dirty="0">
+                <a:solidFill>
+                  <a:srgbClr val="990CFF"/>
+                </a:solidFill>
+                <a:latin typeface="Inconsolata Medium" panose="020B0609030003000000" pitchFamily="49" charset="77"/>
+              </a:rPr>
+              <a:t>input</a:t>
+            </a:r>
+            <a:r>
+              <a:rPr lang="en-US" sz="1700" b="1" dirty="0">
+                <a:latin typeface="Inconsolata Medium" panose="020B0609030003000000" pitchFamily="49" charset="77"/>
+              </a:rPr>
+              <a:t>(</a:t>
+            </a:r>
+            <a:r>
+              <a:rPr lang="en-US" sz="1700" b="1" dirty="0">
+                <a:solidFill>
+                  <a:srgbClr val="0CFF00"/>
+                </a:solidFill>
+                <a:latin typeface="Inconsolata Medium" panose="020B0609030003000000" pitchFamily="49" charset="77"/>
+              </a:rPr>
+              <a:t>"Enter the larger number: "</a:t>
+            </a:r>
+            <a:r>
+              <a:rPr lang="en-US" sz="1700" b="1" dirty="0">
+                <a:latin typeface="Inconsolata Medium" panose="020B0609030003000000" pitchFamily="49" charset="77"/>
+              </a:rPr>
+              <a:t>)) </a:t>
+            </a:r>
+          </a:p>
+          <a:p>
+            <a:pPr marL="0" indent="0">
+              <a:buNone/>
+            </a:pPr>
+            <a:r>
+              <a:rPr lang="en-US" sz="1700" b="1" dirty="0" err="1">
+                <a:latin typeface="Inconsolata Medium" panose="020B0609030003000000" pitchFamily="49" charset="77"/>
+              </a:rPr>
+              <a:t>myNumber</a:t>
+            </a:r>
+            <a:r>
+              <a:rPr lang="en-US" sz="1700" b="1" dirty="0">
+                <a:latin typeface="Inconsolata Medium" panose="020B0609030003000000" pitchFamily="49" charset="77"/>
+              </a:rPr>
+              <a:t> = </a:t>
+            </a:r>
+            <a:r>
+              <a:rPr lang="en-US" sz="1700" b="1" dirty="0" err="1">
+                <a:latin typeface="Inconsolata Medium" panose="020B0609030003000000" pitchFamily="49" charset="77"/>
+              </a:rPr>
+              <a:t>random.randint</a:t>
+            </a:r>
+            <a:r>
+              <a:rPr lang="en-US" sz="1700" b="1" dirty="0">
+                <a:latin typeface="Inconsolata Medium" panose="020B0609030003000000" pitchFamily="49" charset="77"/>
+              </a:rPr>
+              <a:t>(smaller, larger) </a:t>
+            </a:r>
+          </a:p>
+          <a:p>
+            <a:pPr marL="0" indent="0">
+              <a:buNone/>
+            </a:pPr>
+            <a:r>
+              <a:rPr lang="en-US" sz="1700" b="1" dirty="0">
+                <a:latin typeface="Inconsolata Medium" panose="020B0609030003000000" pitchFamily="49" charset="77"/>
+              </a:rPr>
+              <a:t>count = 0 </a:t>
+            </a:r>
+          </a:p>
+          <a:p>
+            <a:pPr marL="0" indent="0">
+              <a:buNone/>
+            </a:pPr>
+            <a:r>
+              <a:rPr lang="en-US" sz="1700" b="1" dirty="0">
+                <a:solidFill>
+                  <a:srgbClr val="FF4C00"/>
+                </a:solidFill>
+                <a:latin typeface="Inconsolata Medium" panose="020B0609030003000000" pitchFamily="49" charset="77"/>
+              </a:rPr>
+              <a:t>while True</a:t>
+            </a:r>
+            <a:r>
+              <a:rPr lang="en-US" sz="1700" b="1" dirty="0">
+                <a:latin typeface="Inconsolata Medium" panose="020B0609030003000000" pitchFamily="49" charset="77"/>
+              </a:rPr>
+              <a:t>: </a:t>
+            </a:r>
+          </a:p>
+          <a:p>
+            <a:pPr marL="0" indent="0">
+              <a:buNone/>
+            </a:pPr>
+            <a:r>
+              <a:rPr lang="en-US" sz="1700" b="1" dirty="0">
+                <a:latin typeface="Inconsolata Medium" panose="020B0609030003000000" pitchFamily="49" charset="77"/>
+              </a:rPr>
+              <a:t>	count += 1 </a:t>
+            </a:r>
+          </a:p>
+          <a:p>
+            <a:pPr marL="0" indent="0">
+              <a:buNone/>
+            </a:pPr>
+            <a:r>
+              <a:rPr lang="en-US" sz="1700" b="1" dirty="0">
+                <a:latin typeface="Inconsolata Medium" panose="020B0609030003000000" pitchFamily="49" charset="77"/>
+              </a:rPr>
+              <a:t>	</a:t>
+            </a:r>
+            <a:r>
+              <a:rPr lang="en-US" sz="1700" b="1" dirty="0" err="1">
+                <a:latin typeface="Inconsolata Medium" panose="020B0609030003000000" pitchFamily="49" charset="77"/>
+              </a:rPr>
+              <a:t>userNumber</a:t>
+            </a:r>
+            <a:r>
+              <a:rPr lang="en-US" sz="1700" b="1" dirty="0">
+                <a:latin typeface="Inconsolata Medium" panose="020B0609030003000000" pitchFamily="49" charset="77"/>
+              </a:rPr>
+              <a:t> = </a:t>
+            </a:r>
+            <a:r>
+              <a:rPr lang="en-US" sz="1700" b="1" dirty="0">
+                <a:solidFill>
+                  <a:srgbClr val="990CFF"/>
+                </a:solidFill>
+                <a:latin typeface="Inconsolata Medium" panose="020B0609030003000000" pitchFamily="49" charset="77"/>
+              </a:rPr>
+              <a:t>int</a:t>
+            </a:r>
+            <a:r>
+              <a:rPr lang="en-US" sz="1700" b="1" dirty="0">
+                <a:latin typeface="Inconsolata Medium" panose="020B0609030003000000" pitchFamily="49" charset="77"/>
+              </a:rPr>
+              <a:t>(</a:t>
+            </a:r>
+            <a:r>
+              <a:rPr lang="en-US" sz="1700" b="1" dirty="0">
+                <a:solidFill>
+                  <a:srgbClr val="990CFF"/>
+                </a:solidFill>
+                <a:latin typeface="Inconsolata Medium" panose="020B0609030003000000" pitchFamily="49" charset="77"/>
+              </a:rPr>
+              <a:t>input</a:t>
+            </a:r>
+            <a:r>
+              <a:rPr lang="en-US" sz="1700" b="1" dirty="0">
+                <a:latin typeface="Inconsolata Medium" panose="020B0609030003000000" pitchFamily="49" charset="77"/>
+              </a:rPr>
+              <a:t>(</a:t>
+            </a:r>
+            <a:r>
+              <a:rPr lang="en-US" sz="1700" b="1" dirty="0">
+                <a:solidFill>
+                  <a:srgbClr val="0CFF00"/>
+                </a:solidFill>
+                <a:latin typeface="Inconsolata Medium" panose="020B0609030003000000" pitchFamily="49" charset="77"/>
+              </a:rPr>
+              <a:t>"Enter your guess: "</a:t>
+            </a:r>
+            <a:r>
+              <a:rPr lang="en-US" sz="1700" b="1" dirty="0">
+                <a:latin typeface="Inconsolata Medium" panose="020B0609030003000000" pitchFamily="49" charset="77"/>
+              </a:rPr>
+              <a:t>)) </a:t>
+            </a:r>
+          </a:p>
+          <a:p>
+            <a:pPr marL="0" indent="0">
+              <a:buNone/>
+            </a:pPr>
+            <a:r>
+              <a:rPr lang="en-US" sz="1700" b="1" dirty="0">
+                <a:solidFill>
+                  <a:srgbClr val="FF4C00"/>
+                </a:solidFill>
+                <a:latin typeface="Inconsolata Medium" panose="020B0609030003000000" pitchFamily="49" charset="77"/>
+              </a:rPr>
+              <a:t>	if </a:t>
+            </a:r>
+            <a:r>
+              <a:rPr lang="en-US" sz="1700" b="1" dirty="0" err="1">
+                <a:latin typeface="Inconsolata Medium" panose="020B0609030003000000" pitchFamily="49" charset="77"/>
+              </a:rPr>
+              <a:t>userNumber</a:t>
+            </a:r>
+            <a:r>
+              <a:rPr lang="en-US" sz="1700" b="1" dirty="0">
+                <a:latin typeface="Inconsolata Medium" panose="020B0609030003000000" pitchFamily="49" charset="77"/>
+              </a:rPr>
+              <a:t> &lt; </a:t>
+            </a:r>
+            <a:r>
+              <a:rPr lang="en-US" sz="1700" b="1" dirty="0" err="1">
+                <a:latin typeface="Inconsolata Medium" panose="020B0609030003000000" pitchFamily="49" charset="77"/>
+              </a:rPr>
+              <a:t>myNumber</a:t>
+            </a:r>
+            <a:r>
+              <a:rPr lang="en-US" sz="1700" b="1" dirty="0">
+                <a:latin typeface="Inconsolata Medium" panose="020B0609030003000000" pitchFamily="49" charset="77"/>
+              </a:rPr>
+              <a:t>: </a:t>
+            </a:r>
+          </a:p>
+          <a:p>
+            <a:pPr marL="0" indent="0">
+              <a:buNone/>
+            </a:pPr>
+            <a:r>
+              <a:rPr lang="en-US" sz="1700" b="1" dirty="0">
+                <a:solidFill>
+                  <a:srgbClr val="990CFF"/>
+                </a:solidFill>
+                <a:latin typeface="Inconsolata Medium" panose="020B0609030003000000" pitchFamily="49" charset="77"/>
+              </a:rPr>
+              <a:t>		print</a:t>
+            </a:r>
+            <a:r>
+              <a:rPr lang="en-US" sz="1700" b="1" dirty="0">
+                <a:latin typeface="Inconsolata Medium" panose="020B0609030003000000" pitchFamily="49" charset="77"/>
+              </a:rPr>
+              <a:t>(</a:t>
+            </a:r>
+            <a:r>
+              <a:rPr lang="en-US" sz="1700" b="1" dirty="0">
+                <a:solidFill>
+                  <a:srgbClr val="0CFF00"/>
+                </a:solidFill>
+                <a:latin typeface="Inconsolata Medium" panose="020B0609030003000000" pitchFamily="49" charset="77"/>
+              </a:rPr>
+              <a:t>"Too small!"</a:t>
+            </a:r>
+            <a:r>
+              <a:rPr lang="en-US" sz="1700" b="1" dirty="0">
+                <a:latin typeface="Inconsolata Medium" panose="020B0609030003000000" pitchFamily="49" charset="77"/>
+              </a:rPr>
+              <a:t>)</a:t>
+            </a:r>
+            <a:br>
+              <a:rPr lang="en-US" sz="1700" b="1" dirty="0">
+                <a:latin typeface="Inconsolata Medium" panose="020B0609030003000000" pitchFamily="49" charset="77"/>
+              </a:rPr>
+            </a:br>
+            <a:r>
+              <a:rPr lang="en-US" sz="1700" b="1" dirty="0">
+                <a:latin typeface="Inconsolata Medium" panose="020B0609030003000000" pitchFamily="49" charset="77"/>
+              </a:rPr>
+              <a:t>	</a:t>
+            </a:r>
+            <a:r>
+              <a:rPr lang="en-US" sz="1700" b="1" dirty="0" err="1">
+                <a:solidFill>
+                  <a:srgbClr val="FF4C00"/>
+                </a:solidFill>
+                <a:latin typeface="Inconsolata Medium" panose="020B0609030003000000" pitchFamily="49" charset="77"/>
+              </a:rPr>
+              <a:t>elif</a:t>
+            </a:r>
+            <a:r>
+              <a:rPr lang="en-US" sz="1700" b="1" dirty="0">
+                <a:solidFill>
+                  <a:srgbClr val="FF4C00"/>
+                </a:solidFill>
+                <a:latin typeface="Inconsolata Medium" panose="020B0609030003000000" pitchFamily="49" charset="77"/>
+              </a:rPr>
+              <a:t> </a:t>
+            </a:r>
+            <a:r>
+              <a:rPr lang="en-US" sz="1700" b="1" dirty="0" err="1">
+                <a:latin typeface="Inconsolata Medium" panose="020B0609030003000000" pitchFamily="49" charset="77"/>
+              </a:rPr>
+              <a:t>userNumber</a:t>
+            </a:r>
+            <a:r>
+              <a:rPr lang="en-US" sz="1700" b="1" dirty="0">
+                <a:latin typeface="Inconsolata Medium" panose="020B0609030003000000" pitchFamily="49" charset="77"/>
+              </a:rPr>
+              <a:t> &gt; </a:t>
+            </a:r>
+            <a:r>
+              <a:rPr lang="en-US" sz="1700" b="1" dirty="0" err="1">
+                <a:latin typeface="Inconsolata Medium" panose="020B0609030003000000" pitchFamily="49" charset="77"/>
+              </a:rPr>
+              <a:t>myNumber</a:t>
+            </a:r>
+            <a:r>
+              <a:rPr lang="en-US" sz="1700" b="1" dirty="0">
+                <a:latin typeface="Inconsolata Medium" panose="020B0609030003000000" pitchFamily="49" charset="77"/>
+              </a:rPr>
+              <a:t>: </a:t>
+            </a:r>
+          </a:p>
+          <a:p>
+            <a:pPr marL="0" indent="0">
+              <a:buNone/>
+            </a:pPr>
+            <a:r>
+              <a:rPr lang="en-US" sz="1700" b="1" dirty="0">
+                <a:solidFill>
+                  <a:srgbClr val="990CFF"/>
+                </a:solidFill>
+                <a:latin typeface="Inconsolata Medium" panose="020B0609030003000000" pitchFamily="49" charset="77"/>
+              </a:rPr>
+              <a:t>		print</a:t>
+            </a:r>
+            <a:r>
+              <a:rPr lang="en-US" sz="1700" b="1" dirty="0">
+                <a:latin typeface="Inconsolata Medium" panose="020B0609030003000000" pitchFamily="49" charset="77"/>
+              </a:rPr>
+              <a:t>(</a:t>
+            </a:r>
+            <a:r>
+              <a:rPr lang="en-US" sz="1700" b="1" dirty="0">
+                <a:solidFill>
+                  <a:srgbClr val="0CFF00"/>
+                </a:solidFill>
+                <a:latin typeface="Inconsolata Medium" panose="020B0609030003000000" pitchFamily="49" charset="77"/>
+              </a:rPr>
+              <a:t>"Too large!"</a:t>
+            </a:r>
+            <a:r>
+              <a:rPr lang="en-US" sz="1700" b="1" dirty="0">
+                <a:latin typeface="Inconsolata Medium" panose="020B0609030003000000" pitchFamily="49" charset="77"/>
+              </a:rPr>
+              <a:t>) </a:t>
+            </a:r>
+          </a:p>
+          <a:p>
+            <a:pPr marL="0" indent="0">
+              <a:buNone/>
+            </a:pPr>
+            <a:r>
+              <a:rPr lang="en-US" sz="1700" b="1" dirty="0">
+                <a:solidFill>
+                  <a:srgbClr val="FF4C00"/>
+                </a:solidFill>
+                <a:latin typeface="Inconsolata Medium" panose="020B0609030003000000" pitchFamily="49" charset="77"/>
+              </a:rPr>
+              <a:t>	else</a:t>
+            </a:r>
+            <a:r>
+              <a:rPr lang="en-US" sz="1700" b="1" dirty="0">
+                <a:latin typeface="Inconsolata Medium" panose="020B0609030003000000" pitchFamily="49" charset="77"/>
+              </a:rPr>
+              <a:t>: </a:t>
+            </a:r>
+          </a:p>
+          <a:p>
+            <a:pPr marL="0" indent="0">
+              <a:buNone/>
+            </a:pPr>
+            <a:r>
+              <a:rPr lang="en-US" sz="1700" b="1" dirty="0">
+                <a:solidFill>
+                  <a:srgbClr val="990CFF"/>
+                </a:solidFill>
+                <a:latin typeface="Inconsolata Medium" panose="020B0609030003000000" pitchFamily="49" charset="77"/>
+              </a:rPr>
+              <a:t>		print</a:t>
+            </a:r>
+            <a:r>
+              <a:rPr lang="en-US" sz="1700" b="1" dirty="0">
+                <a:latin typeface="Inconsolata Medium" panose="020B0609030003000000" pitchFamily="49" charset="77"/>
+              </a:rPr>
+              <a:t>(</a:t>
+            </a:r>
+            <a:r>
+              <a:rPr lang="en-US" sz="1700" b="1" dirty="0">
+                <a:solidFill>
+                  <a:srgbClr val="0CFF00"/>
+                </a:solidFill>
+                <a:latin typeface="Inconsolata Medium" panose="020B0609030003000000" pitchFamily="49" charset="77"/>
+              </a:rPr>
+              <a:t>"Congratulations! You've got it in"</a:t>
+            </a:r>
+            <a:r>
+              <a:rPr lang="en-US" sz="1700" b="1" dirty="0">
+                <a:latin typeface="Inconsolata Medium" panose="020B0609030003000000" pitchFamily="49" charset="77"/>
+              </a:rPr>
+              <a:t>, </a:t>
+            </a:r>
+          </a:p>
+          <a:p>
+            <a:pPr marL="0" indent="0">
+              <a:buNone/>
+            </a:pPr>
+            <a:r>
+              <a:rPr lang="en-US" sz="1700" b="1" dirty="0">
+                <a:latin typeface="Inconsolata Medium" panose="020B0609030003000000" pitchFamily="49" charset="77"/>
+              </a:rPr>
+              <a:t>			count, </a:t>
+            </a:r>
+            <a:r>
+              <a:rPr lang="en-US" sz="1700" b="1" dirty="0">
+                <a:solidFill>
+                  <a:srgbClr val="0CFF00"/>
+                </a:solidFill>
+                <a:latin typeface="Inconsolata Medium" panose="020B0609030003000000" pitchFamily="49" charset="77"/>
+              </a:rPr>
+              <a:t>"tries!"</a:t>
+            </a:r>
+            <a:r>
+              <a:rPr lang="en-US" sz="1700" b="1" dirty="0">
+                <a:latin typeface="Inconsolata Medium" panose="020B0609030003000000" pitchFamily="49" charset="77"/>
+              </a:rPr>
+              <a:t>) </a:t>
+            </a:r>
+          </a:p>
+          <a:p>
+            <a:pPr marL="0" indent="0">
+              <a:buNone/>
+            </a:pPr>
+            <a:r>
+              <a:rPr lang="en-US" sz="1700" b="1" dirty="0">
+                <a:solidFill>
+                  <a:srgbClr val="FF4C00"/>
+                </a:solidFill>
+                <a:latin typeface="Inconsolata Medium" panose="020B0609030003000000" pitchFamily="49" charset="77"/>
+              </a:rPr>
+              <a:t>		break </a:t>
+            </a:r>
+            <a:endParaRPr lang="en-US" sz="1700" b="1" dirty="0">
+              <a:latin typeface="Inconsolata Medium" panose="020B0609030003000000" pitchFamily="49" charset="77"/>
+            </a:endParaRPr>
+          </a:p>
+          <a:p>
+            <a:pPr marL="0" indent="0">
+              <a:buNone/>
+              <a:defRPr/>
+            </a:pPr>
+            <a:endParaRPr lang="en-US" sz="1700" b="1" dirty="0">
+              <a:latin typeface="Inconsolata Medium" panose="020B0609030003000000" pitchFamily="49" charset="77"/>
+            </a:endParaRPr>
+          </a:p>
+        </p:txBody>
+      </p:sp>
+    </p:spTree>
+    <p:extLst>
+      <p:ext uri="{BB962C8B-B14F-4D97-AF65-F5344CB8AC3E}">
+        <p14:creationId xmlns:p14="http://schemas.microsoft.com/office/powerpoint/2010/main" val="3117943122"/>
+      </p:ext>
+    </p:extLst>
+  </p:cSld>
+  <p:clrMapOvr>
+    <a:masterClrMapping/>
+  </p:clrMapOvr>
+</p:sld>
+</file>
+
+<file path=ppt/slides/slide31.xml><?xml version="1.0" encoding="utf-8"?>
+<p:sld xmlns:a="http://schemas.openxmlformats.org/drawingml/2006/main" xmlns:r="http://schemas.openxmlformats.org/officeDocument/2006/relationships" xmlns:p="http://schemas.openxmlformats.org/presentationml/2006/main">
+  <p:cSld>
+    <p:spTree>
+      <p:nvGrpSpPr>
+        <p:cNvPr id="1" name=""/>
+        <p:cNvGrpSpPr/>
+        <p:nvPr/>
+      </p:nvGrpSpPr>
+      <p:grpSpPr>
+        <a:xfrm>
+          <a:off x="0" y="0"/>
+          <a:ext cx="0" cy="0"/>
+          <a:chOff x="0" y="0"/>
+          <a:chExt cx="0" cy="0"/>
+        </a:xfrm>
+      </p:grpSpPr>
+      <p:sp>
+        <p:nvSpPr>
+          <p:cNvPr id="2" name="Title 1">
+            <a:extLst>
+              <a:ext uri="{FF2B5EF4-FFF2-40B4-BE49-F238E27FC236}">
+                <a16:creationId xmlns:a16="http://schemas.microsoft.com/office/drawing/2014/main" id="{AA3A228F-61D0-D949-A5E7-F83756230BF8}"/>
+              </a:ext>
+            </a:extLst>
+          </p:cNvPr>
+          <p:cNvSpPr>
+            <a:spLocks noGrp="1"/>
+          </p:cNvSpPr>
+          <p:nvPr>
+            <p:ph type="title"/>
+          </p:nvPr>
+        </p:nvSpPr>
+        <p:spPr>
+          <a:xfrm>
+            <a:off x="483848" y="467027"/>
+            <a:ext cx="7053542" cy="683886"/>
+          </a:xfrm>
+        </p:spPr>
+        <p:txBody>
+          <a:bodyPr/>
+          <a:lstStyle/>
+          <a:p>
+            <a:r>
+              <a:rPr lang="en-US" dirty="0"/>
+              <a:t>Lab 1 </a:t>
+            </a:r>
+          </a:p>
+        </p:txBody>
+      </p:sp>
+      <mc:AlternateContent xmlns:mc="http://schemas.openxmlformats.org/markup-compatibility/2006" xmlns:a14="http://schemas.microsoft.com/office/drawing/2010/main">
+        <mc:Choice Requires="a14">
+          <p:sp>
+            <p:nvSpPr>
+              <p:cNvPr id="9" name="Content Placeholder 8">
+                <a:extLst>
+                  <a:ext uri="{FF2B5EF4-FFF2-40B4-BE49-F238E27FC236}">
+                    <a16:creationId xmlns:a16="http://schemas.microsoft.com/office/drawing/2014/main" id="{E3B2E017-30B2-884B-A113-B419A2ED51AD}"/>
+                  </a:ext>
+                </a:extLst>
+              </p:cNvPr>
+              <p:cNvSpPr>
+                <a:spLocks noGrp="1"/>
+              </p:cNvSpPr>
+              <p:nvPr>
+                <p:ph idx="1"/>
+              </p:nvPr>
+            </p:nvSpPr>
+            <p:spPr>
+              <a:xfrm>
+                <a:off x="483848" y="1150913"/>
+                <a:ext cx="8051725" cy="4440590"/>
+              </a:xfrm>
+            </p:spPr>
+            <p:txBody>
+              <a:bodyPr>
+                <a:noAutofit/>
+              </a:bodyPr>
+              <a:lstStyle/>
+              <a:p>
+                <a:pPr marL="0" indent="0">
+                  <a:buNone/>
+                </a:pPr>
+                <a:r>
+                  <a:rPr lang="en-US" dirty="0"/>
+                  <a:t>Create a new </a:t>
+                </a:r>
+                <a:r>
+                  <a:rPr lang="en-US" dirty="0" err="1"/>
+                  <a:t>repl</a:t>
+                </a:r>
+                <a:r>
+                  <a:rPr lang="en-US" dirty="0"/>
+                  <a:t> on </a:t>
+                </a:r>
+                <a:r>
+                  <a:rPr lang="en-US" dirty="0" err="1"/>
+                  <a:t>repl.it</a:t>
+                </a:r>
+                <a:r>
+                  <a:rPr lang="en-US" dirty="0"/>
+                  <a:t>.</a:t>
+                </a:r>
+              </a:p>
+              <a:p>
+                <a:pPr marL="0" indent="0">
+                  <a:buNone/>
+                </a:pPr>
+                <a:r>
+                  <a:rPr lang="en-US" dirty="0"/>
+                  <a:t>Write </a:t>
+                </a:r>
+                <a:r>
+                  <a:rPr lang="en-US" b="1" dirty="0"/>
+                  <a:t>a for loop </a:t>
+                </a:r>
+                <a:r>
+                  <a:rPr lang="en-US" dirty="0"/>
+                  <a:t>to do each of the following:</a:t>
+                </a:r>
+              </a:p>
+              <a:p>
+                <a:pPr marL="0" indent="0">
+                  <a:buNone/>
+                </a:pPr>
+                <a:endParaRPr lang="en-US" dirty="0"/>
+              </a:p>
+              <a:p>
+                <a:pPr marL="457200" indent="-457200">
+                  <a:buAutoNum type="arabicParenR"/>
+                </a:pPr>
+                <a:r>
+                  <a:rPr lang="en-US" dirty="0"/>
+                  <a:t>Print out "Hello!" 10 times, each on a different line.</a:t>
+                </a:r>
+              </a:p>
+              <a:p>
+                <a:pPr marL="457200" indent="-457200">
+                  <a:buAutoNum type="arabicParenR"/>
+                </a:pPr>
+                <a:r>
+                  <a:rPr lang="en-US" dirty="0"/>
+                  <a:t>Alternate between printing "Hello" and "Hi" for a total of 20 times, each on a separate line. Use only one for loop. (Hint: Use and a conditional)</a:t>
+                </a:r>
+              </a:p>
+              <a:p>
+                <a:pPr marL="457200" indent="-457200">
+                  <a:buAutoNum type="arabicParenR"/>
+                </a:pPr>
+                <a:r>
+                  <a:rPr lang="en-US" dirty="0"/>
+                  <a:t>Print 1 4 9 16 … 100</a:t>
+                </a:r>
+              </a:p>
+              <a:p>
+                <a:pPr marL="457200" indent="-457200">
+                  <a:buAutoNum type="arabicParenR"/>
+                </a:pPr>
+                <a:r>
+                  <a:rPr lang="en-US" dirty="0"/>
+                  <a:t>Print 10 8 6 4 2 0 -2</a:t>
+                </a:r>
+              </a:p>
+              <a:p>
+                <a:pPr marL="457200" indent="-457200">
+                  <a:buAutoNum type="arabicParenR"/>
+                </a:pPr>
+                <a:r>
+                  <a:rPr lang="en-US" dirty="0"/>
+                  <a:t>Compute the sum: </a:t>
+                </a:r>
+                <a14:m>
+                  <m:oMath xmlns:m="http://schemas.openxmlformats.org/officeDocument/2006/math">
+                    <m:sSup>
+                      <m:sSupPr>
+                        <m:ctrlPr>
+                          <a:rPr lang="en-US" i="1" smtClean="0">
+                            <a:latin typeface="Cambria Math" panose="02040503050406030204" pitchFamily="18" charset="0"/>
+                          </a:rPr>
+                        </m:ctrlPr>
+                      </m:sSupPr>
+                      <m:e>
+                        <m:r>
+                          <a:rPr lang="en-US" b="0" i="1" smtClean="0">
+                            <a:latin typeface="Cambria Math" panose="02040503050406030204" pitchFamily="18" charset="0"/>
+                          </a:rPr>
+                          <m:t>1</m:t>
+                        </m:r>
+                      </m:e>
+                      <m:sup>
+                        <m:r>
+                          <a:rPr lang="en-US" b="0" i="1" smtClean="0">
+                            <a:latin typeface="Cambria Math" panose="02040503050406030204" pitchFamily="18" charset="0"/>
+                          </a:rPr>
+                          <m:t>2</m:t>
+                        </m:r>
+                      </m:sup>
+                    </m:sSup>
+                  </m:oMath>
+                </a14:m>
+                <a:r>
+                  <a:rPr lang="en-US" dirty="0"/>
+                  <a:t>+</a:t>
+                </a:r>
+                <a14:m>
+                  <m:oMath xmlns:m="http://schemas.openxmlformats.org/officeDocument/2006/math">
+                    <m:sSup>
+                      <m:sSupPr>
+                        <m:ctrlPr>
+                          <a:rPr lang="en-US" i="1">
+                            <a:latin typeface="Cambria Math" panose="02040503050406030204" pitchFamily="18" charset="0"/>
+                          </a:rPr>
+                        </m:ctrlPr>
+                      </m:sSupPr>
+                      <m:e>
+                        <m:r>
+                          <a:rPr lang="en-US" b="0" i="1" smtClean="0">
+                            <a:latin typeface="Cambria Math" panose="02040503050406030204" pitchFamily="18" charset="0"/>
+                          </a:rPr>
+                          <m:t>2</m:t>
+                        </m:r>
+                      </m:e>
+                      <m:sup>
+                        <m:r>
+                          <a:rPr lang="en-US" i="1">
+                            <a:latin typeface="Cambria Math" panose="02040503050406030204" pitchFamily="18" charset="0"/>
+                          </a:rPr>
+                          <m:t>2</m:t>
+                        </m:r>
+                      </m:sup>
+                    </m:sSup>
+                    <m:sSup>
+                      <m:sSupPr>
+                        <m:ctrlPr>
+                          <a:rPr lang="en-US" i="1">
+                            <a:latin typeface="Cambria Math" panose="02040503050406030204" pitchFamily="18" charset="0"/>
+                          </a:rPr>
+                        </m:ctrlPr>
+                      </m:sSupPr>
+                      <m:e>
+                        <m:r>
+                          <a:rPr lang="en-US" b="0" i="1" smtClean="0">
+                            <a:latin typeface="Cambria Math" panose="02040503050406030204" pitchFamily="18" charset="0"/>
+                          </a:rPr>
+                          <m:t>+3</m:t>
+                        </m:r>
+                      </m:e>
+                      <m:sup>
+                        <m:r>
+                          <a:rPr lang="en-US" i="1">
+                            <a:latin typeface="Cambria Math" panose="02040503050406030204" pitchFamily="18" charset="0"/>
+                          </a:rPr>
+                          <m:t>2</m:t>
+                        </m:r>
+                      </m:sup>
+                    </m:sSup>
+                    <m:r>
+                      <a:rPr lang="en-US" b="0" i="1" smtClean="0">
+                        <a:latin typeface="Cambria Math" panose="02040503050406030204" pitchFamily="18" charset="0"/>
+                      </a:rPr>
+                      <m:t>+</m:t>
+                    </m:r>
+                    <m:sSup>
+                      <m:sSupPr>
+                        <m:ctrlPr>
+                          <a:rPr lang="en-US" i="1">
+                            <a:latin typeface="Cambria Math" panose="02040503050406030204" pitchFamily="18" charset="0"/>
+                          </a:rPr>
+                        </m:ctrlPr>
+                      </m:sSupPr>
+                      <m:e>
+                        <m:r>
+                          <a:rPr lang="en-US" b="0" i="1" smtClean="0">
+                            <a:latin typeface="Cambria Math" panose="02040503050406030204" pitchFamily="18" charset="0"/>
+                          </a:rPr>
+                          <m:t>4</m:t>
+                        </m:r>
+                      </m:e>
+                      <m:sup>
+                        <m:r>
+                          <a:rPr lang="en-US" i="1">
+                            <a:latin typeface="Cambria Math" panose="02040503050406030204" pitchFamily="18" charset="0"/>
+                          </a:rPr>
+                          <m:t>2</m:t>
+                        </m:r>
+                      </m:sup>
+                    </m:sSup>
+                  </m:oMath>
+                </a14:m>
+                <a:r>
+                  <a:rPr lang="en-US" dirty="0"/>
+                  <a:t>+…+</a:t>
+                </a:r>
+                <a14:m>
+                  <m:oMath xmlns:m="http://schemas.openxmlformats.org/officeDocument/2006/math">
+                    <m:sSup>
+                      <m:sSupPr>
+                        <m:ctrlPr>
+                          <a:rPr lang="en-US" i="1">
+                            <a:latin typeface="Cambria Math" panose="02040503050406030204" pitchFamily="18" charset="0"/>
+                          </a:rPr>
+                        </m:ctrlPr>
+                      </m:sSupPr>
+                      <m:e>
+                        <m:r>
+                          <a:rPr lang="en-US" b="0" i="1" smtClean="0">
+                            <a:latin typeface="Cambria Math" panose="02040503050406030204" pitchFamily="18" charset="0"/>
+                          </a:rPr>
+                          <m:t>19</m:t>
+                        </m:r>
+                      </m:e>
+                      <m:sup>
+                        <m:r>
+                          <a:rPr lang="en-US" i="1">
+                            <a:latin typeface="Cambria Math" panose="02040503050406030204" pitchFamily="18" charset="0"/>
+                          </a:rPr>
+                          <m:t>2</m:t>
+                        </m:r>
+                      </m:sup>
+                    </m:sSup>
+                    <m:r>
+                      <a:rPr lang="en-US" b="0" i="1" smtClean="0">
+                        <a:latin typeface="Cambria Math" panose="02040503050406030204" pitchFamily="18" charset="0"/>
+                      </a:rPr>
+                      <m:t>+</m:t>
+                    </m:r>
+                    <m:sSup>
+                      <m:sSupPr>
+                        <m:ctrlPr>
+                          <a:rPr lang="en-US" i="1">
+                            <a:latin typeface="Cambria Math" panose="02040503050406030204" pitchFamily="18" charset="0"/>
+                          </a:rPr>
+                        </m:ctrlPr>
+                      </m:sSupPr>
+                      <m:e>
+                        <m:r>
+                          <a:rPr lang="en-US" b="0" i="1" smtClean="0">
+                            <a:latin typeface="Cambria Math" panose="02040503050406030204" pitchFamily="18" charset="0"/>
+                          </a:rPr>
+                          <m:t>20</m:t>
+                        </m:r>
+                      </m:e>
+                      <m:sup>
+                        <m:r>
+                          <a:rPr lang="en-US" i="1">
+                            <a:latin typeface="Cambria Math" panose="02040503050406030204" pitchFamily="18" charset="0"/>
+                          </a:rPr>
+                          <m:t>2</m:t>
+                        </m:r>
+                      </m:sup>
+                    </m:sSup>
+                  </m:oMath>
+                </a14:m>
+                <a:endParaRPr lang="en-US" dirty="0"/>
+              </a:p>
+              <a:p>
+                <a:pPr marL="0" indent="0">
+                  <a:buNone/>
+                </a:pPr>
+                <a:endParaRPr lang="en-US" dirty="0"/>
+              </a:p>
+              <a:p>
+                <a:pPr marL="0" indent="0">
+                  <a:buNone/>
+                </a:pPr>
+                <a:r>
+                  <a:rPr lang="en-US" dirty="0"/>
+                  <a:t>Continue on next page. </a:t>
+                </a:r>
+              </a:p>
+              <a:p>
+                <a:pPr marL="0" indent="0">
+                  <a:buNone/>
+                </a:pPr>
+                <a:endParaRPr lang="en-US" dirty="0"/>
+              </a:p>
+              <a:p>
+                <a:pPr marL="457200" indent="-457200">
+                  <a:buAutoNum type="arabicParenR"/>
+                </a:pPr>
+                <a:endParaRPr lang="en-US" dirty="0"/>
+              </a:p>
+              <a:p>
+                <a:pPr marL="457200" indent="-457200">
+                  <a:buAutoNum type="arabicParenR"/>
+                </a:pPr>
+                <a:endParaRPr lang="en-US" dirty="0"/>
+              </a:p>
+            </p:txBody>
+          </p:sp>
+        </mc:Choice>
+        <mc:Fallback xmlns="">
+          <p:sp>
+            <p:nvSpPr>
+              <p:cNvPr id="9" name="Content Placeholder 8">
+                <a:extLst>
+                  <a:ext uri="{FF2B5EF4-FFF2-40B4-BE49-F238E27FC236}">
+                    <a16:creationId xmlns:a16="http://schemas.microsoft.com/office/drawing/2014/main" id="{E3B2E017-30B2-884B-A113-B419A2ED51AD}"/>
+                  </a:ext>
+                </a:extLst>
+              </p:cNvPr>
+              <p:cNvSpPr>
+                <a:spLocks noGrp="1" noRot="1" noChangeAspect="1" noMove="1" noResize="1" noEditPoints="1" noAdjustHandles="1" noChangeArrowheads="1" noChangeShapeType="1" noTextEdit="1"/>
+              </p:cNvSpPr>
+              <p:nvPr>
+                <p:ph idx="1"/>
+              </p:nvPr>
+            </p:nvSpPr>
+            <p:spPr>
+              <a:xfrm>
+                <a:off x="483848" y="1150913"/>
+                <a:ext cx="8051725" cy="4440590"/>
+              </a:xfrm>
+              <a:blipFill>
+                <a:blip r:embed="rId2"/>
+                <a:stretch>
+                  <a:fillRect l="-787" t="-1429" b="-3143"/>
+                </a:stretch>
+              </a:blipFill>
+            </p:spPr>
+            <p:txBody>
+              <a:bodyPr/>
+              <a:lstStyle/>
+              <a:p>
+                <a:r>
+                  <a:rPr lang="en-US">
+                    <a:noFill/>
+                  </a:rPr>
+                  <a:t> </a:t>
+                </a:r>
+              </a:p>
+            </p:txBody>
+          </p:sp>
+        </mc:Fallback>
+      </mc:AlternateContent>
+    </p:spTree>
+    <p:extLst>
+      <p:ext uri="{BB962C8B-B14F-4D97-AF65-F5344CB8AC3E}">
+        <p14:creationId xmlns:p14="http://schemas.microsoft.com/office/powerpoint/2010/main" val="1787114790"/>
+      </p:ext>
+    </p:extLst>
+  </p:cSld>
+  <p:clrMapOvr>
+    <a:masterClrMapping/>
+  </p:clrMapOvr>
+</p:sld>
+</file>
+
+<file path=ppt/slides/slide32.xml><?xml version="1.0" encoding="utf-8"?>
+<p:sld xmlns:a="http://schemas.openxmlformats.org/drawingml/2006/main" xmlns:r="http://schemas.openxmlformats.org/officeDocument/2006/relationships" xmlns:p="http://schemas.openxmlformats.org/presentationml/2006/main">
+  <p:cSld>
+    <p:spTree>
+      <p:nvGrpSpPr>
+        <p:cNvPr id="1" name=""/>
+        <p:cNvGrpSpPr/>
+        <p:nvPr/>
+      </p:nvGrpSpPr>
+      <p:grpSpPr>
+        <a:xfrm>
+          <a:off x="0" y="0"/>
+          <a:ext cx="0" cy="0"/>
+          <a:chOff x="0" y="0"/>
+          <a:chExt cx="0" cy="0"/>
+        </a:xfrm>
+      </p:grpSpPr>
+      <p:sp>
+        <p:nvSpPr>
+          <p:cNvPr id="2" name="Title 1">
+            <a:extLst>
+              <a:ext uri="{FF2B5EF4-FFF2-40B4-BE49-F238E27FC236}">
+                <a16:creationId xmlns:a16="http://schemas.microsoft.com/office/drawing/2014/main" id="{AA3A228F-61D0-D949-A5E7-F83756230BF8}"/>
+              </a:ext>
+            </a:extLst>
+          </p:cNvPr>
+          <p:cNvSpPr>
+            <a:spLocks noGrp="1"/>
+          </p:cNvSpPr>
+          <p:nvPr>
+            <p:ph type="title"/>
+          </p:nvPr>
+        </p:nvSpPr>
+        <p:spPr>
+          <a:xfrm>
+            <a:off x="483848" y="467027"/>
+            <a:ext cx="7053542" cy="683886"/>
+          </a:xfrm>
+        </p:spPr>
+        <p:txBody>
+          <a:bodyPr/>
+          <a:lstStyle/>
+          <a:p>
+            <a:r>
+              <a:rPr lang="en-US" dirty="0"/>
+              <a:t>Lab 1 </a:t>
+            </a:r>
+          </a:p>
+        </p:txBody>
+      </p:sp>
+      <p:sp>
+        <p:nvSpPr>
+          <p:cNvPr id="9" name="Content Placeholder 8">
+            <a:extLst>
+              <a:ext uri="{FF2B5EF4-FFF2-40B4-BE49-F238E27FC236}">
+                <a16:creationId xmlns:a16="http://schemas.microsoft.com/office/drawing/2014/main" id="{E3B2E017-30B2-884B-A113-B419A2ED51AD}"/>
+              </a:ext>
+            </a:extLst>
+          </p:cNvPr>
+          <p:cNvSpPr>
+            <a:spLocks noGrp="1"/>
+          </p:cNvSpPr>
+          <p:nvPr>
+            <p:ph idx="1"/>
+          </p:nvPr>
+        </p:nvSpPr>
+        <p:spPr>
+          <a:xfrm>
+            <a:off x="483848" y="1150913"/>
+            <a:ext cx="8051725" cy="4440590"/>
+          </a:xfrm>
+        </p:spPr>
+        <p:txBody>
+          <a:bodyPr>
+            <a:noAutofit/>
+          </a:bodyPr>
+          <a:lstStyle/>
+          <a:p>
+            <a:pPr marL="0" indent="0">
+              <a:buNone/>
+            </a:pPr>
+            <a:r>
+              <a:rPr lang="en-US" dirty="0"/>
+              <a:t>Write </a:t>
+            </a:r>
+            <a:r>
+              <a:rPr lang="en-US" b="1" dirty="0"/>
+              <a:t>a nested for loop </a:t>
+            </a:r>
+            <a:r>
+              <a:rPr lang="en-US" dirty="0"/>
+              <a:t>to do each of the following:</a:t>
+            </a:r>
+          </a:p>
+          <a:p>
+            <a:pPr marL="457200" indent="-457200">
+              <a:buAutoNum type="arabicParenR"/>
+            </a:pPr>
+            <a:r>
+              <a:rPr lang="en-US" dirty="0"/>
+              <a:t>Print out 10 lines, each line containing 5 "Hello" separated by spaces. </a:t>
+            </a:r>
+          </a:p>
+          <a:p>
+            <a:pPr marL="0" indent="0">
+              <a:buNone/>
+            </a:pPr>
+            <a:r>
+              <a:rPr lang="en-US" dirty="0"/>
+              <a:t>2) 	******</a:t>
+            </a:r>
+          </a:p>
+          <a:p>
+            <a:pPr marL="0" indent="0">
+              <a:buNone/>
+            </a:pPr>
+            <a:r>
+              <a:rPr lang="en-US" dirty="0"/>
+              <a:t>	******</a:t>
+            </a:r>
+          </a:p>
+          <a:p>
+            <a:pPr marL="0" indent="0">
+              <a:buNone/>
+            </a:pPr>
+            <a:r>
+              <a:rPr lang="en-US" dirty="0"/>
+              <a:t>	******</a:t>
+            </a:r>
+          </a:p>
+          <a:p>
+            <a:pPr marL="0" indent="0">
+              <a:buNone/>
+            </a:pPr>
+            <a:r>
+              <a:rPr lang="en-US" dirty="0"/>
+              <a:t>3)    Print</a:t>
+            </a:r>
+          </a:p>
+          <a:p>
+            <a:pPr marL="0" indent="0">
+              <a:buNone/>
+            </a:pPr>
+            <a:r>
+              <a:rPr lang="en-US" dirty="0"/>
+              <a:t>*</a:t>
+            </a:r>
+          </a:p>
+          <a:p>
+            <a:pPr marL="0" indent="0">
+              <a:buNone/>
+            </a:pPr>
+            <a:r>
+              <a:rPr lang="en-US" dirty="0"/>
+              <a:t>**</a:t>
+            </a:r>
+          </a:p>
+          <a:p>
+            <a:pPr marL="0" indent="0">
+              <a:buNone/>
+            </a:pPr>
+            <a:r>
+              <a:rPr lang="en-US" dirty="0"/>
+              <a:t>***</a:t>
+            </a:r>
+          </a:p>
+          <a:p>
+            <a:pPr marL="0" indent="0">
+              <a:buNone/>
+            </a:pPr>
+            <a:r>
+              <a:rPr lang="en-US" dirty="0"/>
+              <a:t>****</a:t>
+            </a:r>
+          </a:p>
+          <a:p>
+            <a:pPr marL="0" indent="0">
+              <a:buNone/>
+            </a:pPr>
+            <a:r>
+              <a:rPr lang="en-US" dirty="0"/>
+              <a:t>*****	</a:t>
+            </a:r>
+          </a:p>
+          <a:p>
+            <a:pPr marL="0" indent="0">
+              <a:buNone/>
+            </a:pPr>
+            <a:endParaRPr lang="en-US" dirty="0"/>
+          </a:p>
+          <a:p>
+            <a:pPr marL="457200" indent="-457200">
+              <a:buAutoNum type="arabicParenR"/>
+            </a:pPr>
+            <a:endParaRPr lang="en-US" dirty="0"/>
+          </a:p>
+        </p:txBody>
+      </p:sp>
+    </p:spTree>
+    <p:extLst>
+      <p:ext uri="{BB962C8B-B14F-4D97-AF65-F5344CB8AC3E}">
+        <p14:creationId xmlns:p14="http://schemas.microsoft.com/office/powerpoint/2010/main" val="1215229427"/>
+      </p:ext>
+    </p:extLst>
+  </p:cSld>
+  <p:clrMapOvr>
+    <a:masterClrMapping/>
+  </p:clrMapOvr>
+</p:sld>
+</file>
+
+<file path=ppt/slides/slide33.xml><?xml version="1.0" encoding="utf-8"?>
+<p:sld xmlns:a="http://schemas.openxmlformats.org/drawingml/2006/main" xmlns:r="http://schemas.openxmlformats.org/officeDocument/2006/relationships" xmlns:p="http://schemas.openxmlformats.org/presentationml/2006/main">
+  <p:cSld>
+    <p:spTree>
+      <p:nvGrpSpPr>
+        <p:cNvPr id="1" name=""/>
+        <p:cNvGrpSpPr/>
+        <p:nvPr/>
+      </p:nvGrpSpPr>
+      <p:grpSpPr>
+        <a:xfrm>
+          <a:off x="0" y="0"/>
+          <a:ext cx="0" cy="0"/>
+          <a:chOff x="0" y="0"/>
+          <a:chExt cx="0" cy="0"/>
+        </a:xfrm>
+      </p:grpSpPr>
+      <p:sp>
+        <p:nvSpPr>
+          <p:cNvPr id="2" name="Title 1">
+            <a:extLst>
+              <a:ext uri="{FF2B5EF4-FFF2-40B4-BE49-F238E27FC236}">
+                <a16:creationId xmlns:a16="http://schemas.microsoft.com/office/drawing/2014/main" id="{AA3A228F-61D0-D949-A5E7-F83756230BF8}"/>
+              </a:ext>
+            </a:extLst>
+          </p:cNvPr>
+          <p:cNvSpPr>
+            <a:spLocks noGrp="1"/>
+          </p:cNvSpPr>
+          <p:nvPr>
+            <p:ph type="title"/>
+          </p:nvPr>
+        </p:nvSpPr>
+        <p:spPr>
+          <a:xfrm>
+            <a:off x="483848" y="467027"/>
+            <a:ext cx="7053542" cy="683886"/>
+          </a:xfrm>
+        </p:spPr>
+        <p:txBody>
+          <a:bodyPr/>
+          <a:lstStyle/>
+          <a:p>
+            <a:r>
+              <a:rPr lang="en-US" dirty="0"/>
+              <a:t>References</a:t>
+            </a:r>
+          </a:p>
+        </p:txBody>
+      </p:sp>
+      <p:sp>
+        <p:nvSpPr>
+          <p:cNvPr id="9" name="Content Placeholder 8">
+            <a:extLst>
+              <a:ext uri="{FF2B5EF4-FFF2-40B4-BE49-F238E27FC236}">
+                <a16:creationId xmlns:a16="http://schemas.microsoft.com/office/drawing/2014/main" id="{E3B2E017-30B2-884B-A113-B419A2ED51AD}"/>
+              </a:ext>
+            </a:extLst>
+          </p:cNvPr>
+          <p:cNvSpPr>
+            <a:spLocks noGrp="1"/>
+          </p:cNvSpPr>
+          <p:nvPr>
+            <p:ph idx="1"/>
+          </p:nvPr>
+        </p:nvSpPr>
+        <p:spPr>
+          <a:xfrm>
+            <a:off x="483848" y="1150913"/>
+            <a:ext cx="8051725" cy="4440590"/>
+          </a:xfrm>
+        </p:spPr>
+        <p:txBody>
+          <a:bodyPr>
+            <a:noAutofit/>
+          </a:bodyPr>
+          <a:lstStyle/>
+          <a:p>
+            <a:pPr marL="0" indent="0">
+              <a:buNone/>
+            </a:pPr>
+            <a:endParaRPr lang="en-US" dirty="0"/>
+          </a:p>
+          <a:p>
+            <a:pPr marL="0" indent="0">
+              <a:buNone/>
+            </a:pPr>
+            <a:endParaRPr lang="en-US" dirty="0"/>
+          </a:p>
+          <a:p>
+            <a:pPr marL="457200" indent="-457200">
+              <a:buAutoNum type="arabicParenR"/>
+            </a:pPr>
+            <a:r>
+              <a:rPr lang="en-US" dirty="0" err="1"/>
+              <a:t>Vanderplas</a:t>
+            </a:r>
+            <a:r>
+              <a:rPr lang="en-US" dirty="0"/>
+              <a:t>, Jake, A Whirlwind Tour of Python, </a:t>
+            </a:r>
+            <a:r>
+              <a:rPr lang="en-US" dirty="0" err="1"/>
+              <a:t>O’reilly</a:t>
+            </a:r>
+            <a:r>
+              <a:rPr lang="en-US" dirty="0"/>
+              <a:t> Media. </a:t>
+            </a:r>
+          </a:p>
+          <a:p>
+            <a:pPr marL="0" indent="0">
+              <a:buNone/>
+            </a:pPr>
+            <a:endParaRPr lang="en-US" dirty="0"/>
+          </a:p>
+        </p:txBody>
+      </p:sp>
+    </p:spTree>
+    <p:extLst>
+      <p:ext uri="{BB962C8B-B14F-4D97-AF65-F5344CB8AC3E}">
+        <p14:creationId xmlns:p14="http://schemas.microsoft.com/office/powerpoint/2010/main" val="1452600724"/>
+      </p:ext>
+    </p:extLst>
+  </p:cSld>
+  <p:clrMapOvr>
+    <a:masterClrMapping/>
+  </p:clrMapOvr>
 </p:sld>
 </file>
 

--- a/courses/apcsp/lect4.pptx
+++ b/courses/apcsp/lect4.pptx
@@ -148,6 +148,7 @@
 <p1510:revInfo xmlns:a="http://schemas.openxmlformats.org/drawingml/2006/main" xmlns:r="http://schemas.openxmlformats.org/officeDocument/2006/relationships" xmlns:p1510="http://schemas.microsoft.com/office/powerpoint/2015/10/main">
   <p1510:revLst>
     <p1510:client id="{CC9C9D9A-5149-2947-86C0-576F501F60DC}" v="601" dt="2020-01-05T21:58:59.286"/>
+    <p1510:client id="{DFDAB7FF-5C5F-144A-ABCE-1015D05DDC2A}" v="1" dt="2020-01-06T16:56:38.700"/>
   </p1510:revLst>
 </p1510:revInfo>
 </file>
@@ -867,12 +868,12 @@
   <pc:docChgLst>
     <pc:chgData name="Long B Nguyen" userId="f59fb8f3-a021-417a-8bc1-65c8d471c621" providerId="ADAL" clId="{DFDAB7FF-5C5F-144A-ABCE-1015D05DDC2A}"/>
     <pc:docChg chg="modSld">
-      <pc:chgData name="Long B Nguyen" userId="f59fb8f3-a021-417a-8bc1-65c8d471c621" providerId="ADAL" clId="{DFDAB7FF-5C5F-144A-ABCE-1015D05DDC2A}" dt="2020-01-05T22:05:00.732" v="17" actId="20577"/>
+      <pc:chgData name="Long B Nguyen" userId="f59fb8f3-a021-417a-8bc1-65c8d471c621" providerId="ADAL" clId="{DFDAB7FF-5C5F-144A-ABCE-1015D05DDC2A}" dt="2020-01-06T16:56:38.700" v="18" actId="767"/>
       <pc:docMkLst>
         <pc:docMk/>
       </pc:docMkLst>
-      <pc:sldChg chg="modSp">
-        <pc:chgData name="Long B Nguyen" userId="f59fb8f3-a021-417a-8bc1-65c8d471c621" providerId="ADAL" clId="{DFDAB7FF-5C5F-144A-ABCE-1015D05DDC2A}" dt="2020-01-05T22:05:00.732" v="17" actId="20577"/>
+      <pc:sldChg chg="addSp modSp">
+        <pc:chgData name="Long B Nguyen" userId="f59fb8f3-a021-417a-8bc1-65c8d471c621" providerId="ADAL" clId="{DFDAB7FF-5C5F-144A-ABCE-1015D05DDC2A}" dt="2020-01-06T16:56:38.700" v="18" actId="767"/>
         <pc:sldMkLst>
           <pc:docMk/>
           <pc:sldMk cId="4247104139" sldId="256"/>
@@ -883,6 +884,14 @@
             <pc:docMk/>
             <pc:sldMk cId="4247104139" sldId="256"/>
             <ac:spMk id="3" creationId="{1BDC47C8-6776-7B44-9CD4-95FC91452D62}"/>
+          </ac:spMkLst>
+        </pc:spChg>
+        <pc:spChg chg="add mod">
+          <ac:chgData name="Long B Nguyen" userId="f59fb8f3-a021-417a-8bc1-65c8d471c621" providerId="ADAL" clId="{DFDAB7FF-5C5F-144A-ABCE-1015D05DDC2A}" dt="2020-01-06T16:56:38.700" v="18" actId="767"/>
+          <ac:spMkLst>
+            <pc:docMk/>
+            <pc:sldMk cId="4247104139" sldId="256"/>
+            <ac:spMk id="5" creationId="{E6D86951-019A-8441-B4EA-CE7B2704759F}"/>
           </ac:spMkLst>
         </pc:spChg>
       </pc:sldChg>
@@ -1055,7 +1064,7 @@
           <a:p>
             <a:fld id="{4AAD347D-5ACD-4C99-B74B-A9C85AD731AF}" type="datetimeFigureOut">
               <a:rPr lang="en-US" smtClean="0"/>
-              <a:t>1/5/20</a:t>
+              <a:t>1/6/20</a:t>
             </a:fld>
             <a:endParaRPr lang="en-US" dirty="0"/>
           </a:p>
@@ -1225,7 +1234,7 @@
           <a:p>
             <a:fld id="{4509A250-FF31-4206-8172-F9D3106AACB1}" type="datetimeFigureOut">
               <a:rPr lang="en-US" smtClean="0"/>
-              <a:t>1/5/20</a:t>
+              <a:t>1/6/20</a:t>
             </a:fld>
             <a:endParaRPr lang="en-US" dirty="0"/>
           </a:p>
@@ -1405,7 +1414,7 @@
           <a:p>
             <a:fld id="{4509A250-FF31-4206-8172-F9D3106AACB1}" type="datetimeFigureOut">
               <a:rPr lang="en-US" smtClean="0"/>
-              <a:t>1/5/20</a:t>
+              <a:t>1/6/20</a:t>
             </a:fld>
             <a:endParaRPr lang="en-US" dirty="0"/>
           </a:p>
@@ -1575,7 +1584,7 @@
           <a:p>
             <a:fld id="{4509A250-FF31-4206-8172-F9D3106AACB1}" type="datetimeFigureOut">
               <a:rPr lang="en-US" smtClean="0"/>
-              <a:t>1/5/20</a:t>
+              <a:t>1/6/20</a:t>
             </a:fld>
             <a:endParaRPr lang="en-US" dirty="0"/>
           </a:p>
@@ -1821,7 +1830,7 @@
           <a:p>
             <a:fld id="{9796027F-7875-4030-9381-8BD8C4F21935}" type="datetimeFigureOut">
               <a:rPr lang="en-US" smtClean="0"/>
-              <a:t>1/5/20</a:t>
+              <a:t>1/6/20</a:t>
             </a:fld>
             <a:endParaRPr lang="en-US" dirty="0"/>
           </a:p>
@@ -2053,7 +2062,7 @@
           <a:p>
             <a:fld id="{9796027F-7875-4030-9381-8BD8C4F21935}" type="datetimeFigureOut">
               <a:rPr lang="en-US" smtClean="0"/>
-              <a:t>1/5/20</a:t>
+              <a:t>1/6/20</a:t>
             </a:fld>
             <a:endParaRPr lang="en-US" dirty="0"/>
           </a:p>
@@ -2420,7 +2429,7 @@
           <a:p>
             <a:fld id="{9796027F-7875-4030-9381-8BD8C4F21935}" type="datetimeFigureOut">
               <a:rPr lang="en-US" smtClean="0"/>
-              <a:t>1/5/20</a:t>
+              <a:t>1/6/20</a:t>
             </a:fld>
             <a:endParaRPr lang="en-US" dirty="0"/>
           </a:p>
@@ -2538,7 +2547,7 @@
           <a:p>
             <a:fld id="{4509A250-FF31-4206-8172-F9D3106AACB1}" type="datetimeFigureOut">
               <a:rPr lang="en-US" smtClean="0"/>
-              <a:t>1/5/20</a:t>
+              <a:t>1/6/20</a:t>
             </a:fld>
             <a:endParaRPr lang="en-US" dirty="0"/>
           </a:p>
@@ -2633,7 +2642,7 @@
           <a:p>
             <a:fld id="{4509A250-FF31-4206-8172-F9D3106AACB1}" type="datetimeFigureOut">
               <a:rPr lang="en-US" smtClean="0"/>
-              <a:t>1/5/20</a:t>
+              <a:t>1/6/20</a:t>
             </a:fld>
             <a:endParaRPr lang="en-US" dirty="0"/>
           </a:p>
@@ -2910,7 +2919,7 @@
           <a:p>
             <a:fld id="{4509A250-FF31-4206-8172-F9D3106AACB1}" type="datetimeFigureOut">
               <a:rPr lang="en-US" smtClean="0"/>
-              <a:t>1/5/20</a:t>
+              <a:t>1/6/20</a:t>
             </a:fld>
             <a:endParaRPr lang="en-US" dirty="0"/>
           </a:p>
@@ -3167,7 +3176,7 @@
           <a:p>
             <a:fld id="{4509A250-FF31-4206-8172-F9D3106AACB1}" type="datetimeFigureOut">
               <a:rPr lang="en-US" smtClean="0"/>
-              <a:t>1/5/20</a:t>
+              <a:t>1/6/20</a:t>
             </a:fld>
             <a:endParaRPr lang="en-US" dirty="0"/>
           </a:p>
@@ -3380,7 +3389,7 @@
           <a:p>
             <a:fld id="{4AAD347D-5ACD-4C99-B74B-A9C85AD731AF}" type="datetimeFigureOut">
               <a:rPr lang="en-US" smtClean="0"/>
-              <a:t>1/5/20</a:t>
+              <a:t>1/6/20</a:t>
             </a:fld>
             <a:endParaRPr lang="en-US" dirty="0"/>
           </a:p>
@@ -4051,6 +4060,38 @@
           <a:p>
             <a:pPr algn="l"/>
             <a:endParaRPr lang="en-US" sz="2400" b="1" dirty="0"/>
+          </a:p>
+        </p:txBody>
+      </p:sp>
+      <p:sp>
+        <p:nvSpPr>
+          <p:cNvPr id="5" name="TextBox 4">
+            <a:extLst>
+              <a:ext uri="{FF2B5EF4-FFF2-40B4-BE49-F238E27FC236}">
+                <a16:creationId xmlns:a16="http://schemas.microsoft.com/office/drawing/2014/main" id="{E6D86951-019A-8441-B4EA-CE7B2704759F}"/>
+              </a:ext>
+            </a:extLst>
+          </p:cNvPr>
+          <p:cNvSpPr txBox="1"/>
+          <p:nvPr/>
+        </p:nvSpPr>
+        <p:spPr>
+          <a:xfrm>
+            <a:off x="384313" y="410817"/>
+            <a:ext cx="184731" cy="308418"/>
+          </a:xfrm>
+          <a:prstGeom prst="rect">
+            <a:avLst/>
+          </a:prstGeom>
+          <a:noFill/>
+        </p:spPr>
+        <p:txBody>
+          <a:bodyPr wrap="none" rtlCol="0">
+            <a:spAutoFit/>
+          </a:bodyPr>
+          <a:lstStyle/>
+          <a:p>
+            <a:endParaRPr lang="en-US"/>
           </a:p>
         </p:txBody>
       </p:sp>

--- a/courses/apcsp/lect4.pptx
+++ b/courses/apcsp/lect4.pptx
@@ -4,6 +4,9 @@
   <p:sldMasterIdLst>
     <p:sldMasterId id="2147483791" r:id="rId1"/>
   </p:sldMasterIdLst>
+  <p:notesMasterIdLst>
+    <p:notesMasterId r:id="rId31"/>
+  </p:notesMasterIdLst>
   <p:sldIdLst>
     <p:sldId id="256" r:id="rId2"/>
     <p:sldId id="286" r:id="rId3"/>
@@ -31,7 +34,9 @@
     <p:sldId id="326" r:id="rId25"/>
     <p:sldId id="336" r:id="rId26"/>
     <p:sldId id="330" r:id="rId27"/>
-    <p:sldId id="284" r:id="rId28"/>
+    <p:sldId id="398" r:id="rId28"/>
+    <p:sldId id="399" r:id="rId29"/>
+    <p:sldId id="284" r:id="rId30"/>
   </p:sldIdLst>
   <p:sldSz cx="9144000" cy="5715000" type="screen16x10"/>
   <p:notesSz cx="6858000" cy="9144000"/>
@@ -141,9 +146,7 @@
 <file path=ppt/revisionInfo.xml><?xml version="1.0" encoding="utf-8"?>
 <p1510:revInfo xmlns:a="http://schemas.openxmlformats.org/drawingml/2006/main" xmlns:r="http://schemas.openxmlformats.org/officeDocument/2006/relationships" xmlns:p1510="http://schemas.microsoft.com/office/powerpoint/2015/10/main">
   <p1510:revLst>
-    <p1510:client id="{00ED48EA-2E19-B648-B077-22D14873FFED}" v="804" dt="2020-10-20T06:06:45.888"/>
-    <p1510:client id="{18B307F0-82DA-8342-AB9A-1CC8CB1F1087}" v="324" dt="2020-10-20T19:08:19.384"/>
-    <p1510:client id="{53B69ACD-02D7-6945-9BD9-A72DE239C0D5}" v="46" dt="2020-10-20T04:44:06.828"/>
+    <p1510:client id="{18B307F0-82DA-8342-AB9A-1CC8CB1F1087}" v="330" dt="2020-10-27T12:30:23.869"/>
   </p1510:revLst>
 </p1510:revInfo>
 </file>
@@ -2096,7 +2099,7 @@
   <pc:docChgLst>
     <pc:chgData name="Long B Nguyen" userId="f59fb8f3-a021-417a-8bc1-65c8d471c621" providerId="ADAL" clId="{18B307F0-82DA-8342-AB9A-1CC8CB1F1087}"/>
     <pc:docChg chg="addSld modSld">
-      <pc:chgData name="Long B Nguyen" userId="f59fb8f3-a021-417a-8bc1-65c8d471c621" providerId="ADAL" clId="{18B307F0-82DA-8342-AB9A-1CC8CB1F1087}" dt="2020-10-20T19:08:19.384" v="494" actId="207"/>
+      <pc:chgData name="Long B Nguyen" userId="f59fb8f3-a021-417a-8bc1-65c8d471c621" providerId="ADAL" clId="{18B307F0-82DA-8342-AB9A-1CC8CB1F1087}" dt="2020-10-27T12:30:23.869" v="941" actId="20577"/>
       <pc:docMkLst>
         <pc:docMk/>
       </pc:docMkLst>
@@ -2194,6 +2197,90 @@
             <ac:cxnSpMk id="19" creationId="{F27838C9-39D0-B347-A820-EEA046CD6709}"/>
           </ac:cxnSpMkLst>
         </pc:cxnChg>
+      </pc:sldChg>
+      <pc:sldChg chg="modSp">
+        <pc:chgData name="Long B Nguyen" userId="f59fb8f3-a021-417a-8bc1-65c8d471c621" providerId="ADAL" clId="{18B307F0-82DA-8342-AB9A-1CC8CB1F1087}" dt="2020-10-26T10:12:25.522" v="495" actId="20577"/>
+        <pc:sldMkLst>
+          <pc:docMk/>
+          <pc:sldMk cId="3748840513" sldId="326"/>
+        </pc:sldMkLst>
+        <pc:spChg chg="mod">
+          <ac:chgData name="Long B Nguyen" userId="f59fb8f3-a021-417a-8bc1-65c8d471c621" providerId="ADAL" clId="{18B307F0-82DA-8342-AB9A-1CC8CB1F1087}" dt="2020-10-26T10:12:25.522" v="495" actId="20577"/>
+          <ac:spMkLst>
+            <pc:docMk/>
+            <pc:sldMk cId="3748840513" sldId="326"/>
+            <ac:spMk id="9" creationId="{E3B2E017-30B2-884B-A113-B419A2ED51AD}"/>
+          </ac:spMkLst>
+        </pc:spChg>
+      </pc:sldChg>
+      <pc:sldChg chg="modSp">
+        <pc:chgData name="Long B Nguyen" userId="f59fb8f3-a021-417a-8bc1-65c8d471c621" providerId="ADAL" clId="{18B307F0-82DA-8342-AB9A-1CC8CB1F1087}" dt="2020-10-27T12:30:23.869" v="941" actId="20577"/>
+        <pc:sldMkLst>
+          <pc:docMk/>
+          <pc:sldMk cId="894578124" sldId="330"/>
+        </pc:sldMkLst>
+        <pc:spChg chg="mod">
+          <ac:chgData name="Long B Nguyen" userId="f59fb8f3-a021-417a-8bc1-65c8d471c621" providerId="ADAL" clId="{18B307F0-82DA-8342-AB9A-1CC8CB1F1087}" dt="2020-10-27T12:30:23.869" v="941" actId="20577"/>
+          <ac:spMkLst>
+            <pc:docMk/>
+            <pc:sldMk cId="894578124" sldId="330"/>
+            <ac:spMk id="9" creationId="{E3B2E017-30B2-884B-A113-B419A2ED51AD}"/>
+          </ac:spMkLst>
+        </pc:spChg>
+      </pc:sldChg>
+      <pc:sldChg chg="modSp add mod">
+        <pc:chgData name="Long B Nguyen" userId="f59fb8f3-a021-417a-8bc1-65c8d471c621" providerId="ADAL" clId="{18B307F0-82DA-8342-AB9A-1CC8CB1F1087}" dt="2020-10-27T12:29:19.886" v="870" actId="1076"/>
+        <pc:sldMkLst>
+          <pc:docMk/>
+          <pc:sldMk cId="226687820" sldId="398"/>
+        </pc:sldMkLst>
+        <pc:spChg chg="mod">
+          <ac:chgData name="Long B Nguyen" userId="f59fb8f3-a021-417a-8bc1-65c8d471c621" providerId="ADAL" clId="{18B307F0-82DA-8342-AB9A-1CC8CB1F1087}" dt="2020-10-27T12:29:10.119" v="867" actId="1076"/>
+          <ac:spMkLst>
+            <pc:docMk/>
+            <pc:sldMk cId="226687820" sldId="398"/>
+            <ac:spMk id="40961" creationId="{266119B2-414E-5047-A049-172C3274D6D7}"/>
+          </ac:spMkLst>
+        </pc:spChg>
+        <pc:spChg chg="mod">
+          <ac:chgData name="Long B Nguyen" userId="f59fb8f3-a021-417a-8bc1-65c8d471c621" providerId="ADAL" clId="{18B307F0-82DA-8342-AB9A-1CC8CB1F1087}" dt="2020-10-27T12:29:16.115" v="869" actId="1076"/>
+          <ac:spMkLst>
+            <pc:docMk/>
+            <pc:sldMk cId="226687820" sldId="398"/>
+            <ac:spMk id="40962" creationId="{95CBFE7E-C29B-E04D-A37E-0DBCF46A1435}"/>
+          </ac:spMkLst>
+        </pc:spChg>
+        <pc:picChg chg="mod">
+          <ac:chgData name="Long B Nguyen" userId="f59fb8f3-a021-417a-8bc1-65c8d471c621" providerId="ADAL" clId="{18B307F0-82DA-8342-AB9A-1CC8CB1F1087}" dt="2020-10-27T12:29:19.886" v="870" actId="1076"/>
+          <ac:picMkLst>
+            <pc:docMk/>
+            <pc:sldMk cId="226687820" sldId="398"/>
+            <ac:picMk id="40963" creationId="{132EE64E-2666-A648-8980-DA4F2C3F08AD}"/>
+          </ac:picMkLst>
+        </pc:picChg>
+      </pc:sldChg>
+      <pc:sldChg chg="modSp add mod">
+        <pc:chgData name="Long B Nguyen" userId="f59fb8f3-a021-417a-8bc1-65c8d471c621" providerId="ADAL" clId="{18B307F0-82DA-8342-AB9A-1CC8CB1F1087}" dt="2020-10-27T12:29:57.416" v="939" actId="20577"/>
+        <pc:sldMkLst>
+          <pc:docMk/>
+          <pc:sldMk cId="70090437" sldId="399"/>
+        </pc:sldMkLst>
+        <pc:spChg chg="mod">
+          <ac:chgData name="Long B Nguyen" userId="f59fb8f3-a021-417a-8bc1-65c8d471c621" providerId="ADAL" clId="{18B307F0-82DA-8342-AB9A-1CC8CB1F1087}" dt="2020-10-27T12:24:58.819" v="499" actId="1076"/>
+          <ac:spMkLst>
+            <pc:docMk/>
+            <pc:sldMk cId="70090437" sldId="399"/>
+            <ac:spMk id="43009" creationId="{504CDE1E-2E67-4F45-B8D7-8B8B0A11427F}"/>
+          </ac:spMkLst>
+        </pc:spChg>
+        <pc:spChg chg="mod">
+          <ac:chgData name="Long B Nguyen" userId="f59fb8f3-a021-417a-8bc1-65c8d471c621" providerId="ADAL" clId="{18B307F0-82DA-8342-AB9A-1CC8CB1F1087}" dt="2020-10-27T12:29:57.416" v="939" actId="20577"/>
+          <ac:spMkLst>
+            <pc:docMk/>
+            <pc:sldMk cId="70090437" sldId="399"/>
+            <ac:spMk id="43010" creationId="{DDAB1DA6-6116-F740-A9FA-E38390037BBC}"/>
+          </ac:spMkLst>
+        </pc:spChg>
       </pc:sldChg>
     </pc:docChg>
   </pc:docChgLst>
@@ -2317,6 +2404,1167 @@
 </pc:chgInfo>
 </file>
 
+<file path=ppt/notesMasters/notesMaster1.xml><?xml version="1.0" encoding="utf-8"?>
+<p:notesMaster xmlns:a="http://schemas.openxmlformats.org/drawingml/2006/main" xmlns:r="http://schemas.openxmlformats.org/officeDocument/2006/relationships" xmlns:p="http://schemas.openxmlformats.org/presentationml/2006/main">
+  <p:cSld>
+    <p:bg>
+      <p:bgRef idx="1001">
+        <a:schemeClr val="bg1"/>
+      </p:bgRef>
+    </p:bg>
+    <p:spTree>
+      <p:nvGrpSpPr>
+        <p:cNvPr id="1" name=""/>
+        <p:cNvGrpSpPr/>
+        <p:nvPr/>
+      </p:nvGrpSpPr>
+      <p:grpSpPr>
+        <a:xfrm>
+          <a:off x="0" y="0"/>
+          <a:ext cx="0" cy="0"/>
+          <a:chOff x="0" y="0"/>
+          <a:chExt cx="0" cy="0"/>
+        </a:xfrm>
+      </p:grpSpPr>
+      <p:sp>
+        <p:nvSpPr>
+          <p:cNvPr id="2" name="Header Placeholder 1"/>
+          <p:cNvSpPr>
+            <a:spLocks noGrp="1"/>
+          </p:cNvSpPr>
+          <p:nvPr>
+            <p:ph type="hdr" sz="quarter"/>
+          </p:nvPr>
+        </p:nvSpPr>
+        <p:spPr>
+          <a:xfrm>
+            <a:off x="0" y="0"/>
+            <a:ext cx="2971800" cy="458788"/>
+          </a:xfrm>
+          <a:prstGeom prst="rect">
+            <a:avLst/>
+          </a:prstGeom>
+        </p:spPr>
+        <p:txBody>
+          <a:bodyPr vert="horz" lIns="91440" tIns="45720" rIns="91440" bIns="45720" rtlCol="0"/>
+          <a:lstStyle>
+            <a:lvl1pPr algn="l">
+              <a:defRPr sz="1200"/>
+            </a:lvl1pPr>
+          </a:lstStyle>
+          <a:p>
+            <a:endParaRPr lang="en-US"/>
+          </a:p>
+        </p:txBody>
+      </p:sp>
+      <p:sp>
+        <p:nvSpPr>
+          <p:cNvPr id="3" name="Date Placeholder 2"/>
+          <p:cNvSpPr>
+            <a:spLocks noGrp="1"/>
+          </p:cNvSpPr>
+          <p:nvPr>
+            <p:ph type="dt" idx="1"/>
+          </p:nvPr>
+        </p:nvSpPr>
+        <p:spPr>
+          <a:xfrm>
+            <a:off x="3884613" y="0"/>
+            <a:ext cx="2971800" cy="458788"/>
+          </a:xfrm>
+          <a:prstGeom prst="rect">
+            <a:avLst/>
+          </a:prstGeom>
+        </p:spPr>
+        <p:txBody>
+          <a:bodyPr vert="horz" lIns="91440" tIns="45720" rIns="91440" bIns="45720" rtlCol="0"/>
+          <a:lstStyle>
+            <a:lvl1pPr algn="r">
+              <a:defRPr sz="1200"/>
+            </a:lvl1pPr>
+          </a:lstStyle>
+          <a:p>
+            <a:fld id="{C7FAEDB2-35B7-DB4E-B759-62368E9476B1}" type="datetimeFigureOut">
+              <a:rPr lang="en-US" smtClean="0"/>
+              <a:t>10/27/20</a:t>
+            </a:fld>
+            <a:endParaRPr lang="en-US"/>
+          </a:p>
+        </p:txBody>
+      </p:sp>
+      <p:sp>
+        <p:nvSpPr>
+          <p:cNvPr id="4" name="Slide Image Placeholder 3"/>
+          <p:cNvSpPr>
+            <a:spLocks noGrp="1" noRot="1" noChangeAspect="1"/>
+          </p:cNvSpPr>
+          <p:nvPr>
+            <p:ph type="sldImg" idx="2"/>
+          </p:nvPr>
+        </p:nvSpPr>
+        <p:spPr>
+          <a:xfrm>
+            <a:off x="960438" y="1143000"/>
+            <a:ext cx="4937125" cy="3086100"/>
+          </a:xfrm>
+          <a:prstGeom prst="rect">
+            <a:avLst/>
+          </a:prstGeom>
+          <a:noFill/>
+          <a:ln w="12700">
+            <a:solidFill>
+              <a:prstClr val="black"/>
+            </a:solidFill>
+          </a:ln>
+        </p:spPr>
+        <p:txBody>
+          <a:bodyPr vert="horz" lIns="91440" tIns="45720" rIns="91440" bIns="45720" rtlCol="0" anchor="ctr"/>
+          <a:lstStyle/>
+          <a:p>
+            <a:endParaRPr lang="en-US"/>
+          </a:p>
+        </p:txBody>
+      </p:sp>
+      <p:sp>
+        <p:nvSpPr>
+          <p:cNvPr id="5" name="Notes Placeholder 4"/>
+          <p:cNvSpPr>
+            <a:spLocks noGrp="1"/>
+          </p:cNvSpPr>
+          <p:nvPr>
+            <p:ph type="body" sz="quarter" idx="3"/>
+          </p:nvPr>
+        </p:nvSpPr>
+        <p:spPr>
+          <a:xfrm>
+            <a:off x="685800" y="4400550"/>
+            <a:ext cx="5486400" cy="3600450"/>
+          </a:xfrm>
+          <a:prstGeom prst="rect">
+            <a:avLst/>
+          </a:prstGeom>
+        </p:spPr>
+        <p:txBody>
+          <a:bodyPr vert="horz" lIns="91440" tIns="45720" rIns="91440" bIns="45720" rtlCol="0"/>
+          <a:lstStyle/>
+          <a:p>
+            <a:pPr lvl="0"/>
+            <a:r>
+              <a:rPr lang="en-US"/>
+              <a:t>Click to edit Master text styles</a:t>
+            </a:r>
+          </a:p>
+          <a:p>
+            <a:pPr lvl="1"/>
+            <a:r>
+              <a:rPr lang="en-US"/>
+              <a:t>Second level</a:t>
+            </a:r>
+          </a:p>
+          <a:p>
+            <a:pPr lvl="2"/>
+            <a:r>
+              <a:rPr lang="en-US"/>
+              <a:t>Third level</a:t>
+            </a:r>
+          </a:p>
+          <a:p>
+            <a:pPr lvl="3"/>
+            <a:r>
+              <a:rPr lang="en-US"/>
+              <a:t>Fourth level</a:t>
+            </a:r>
+          </a:p>
+          <a:p>
+            <a:pPr lvl="4"/>
+            <a:r>
+              <a:rPr lang="en-US"/>
+              <a:t>Fifth level</a:t>
+            </a:r>
+          </a:p>
+        </p:txBody>
+      </p:sp>
+      <p:sp>
+        <p:nvSpPr>
+          <p:cNvPr id="6" name="Footer Placeholder 5"/>
+          <p:cNvSpPr>
+            <a:spLocks noGrp="1"/>
+          </p:cNvSpPr>
+          <p:nvPr>
+            <p:ph type="ftr" sz="quarter" idx="4"/>
+          </p:nvPr>
+        </p:nvSpPr>
+        <p:spPr>
+          <a:xfrm>
+            <a:off x="0" y="8685213"/>
+            <a:ext cx="2971800" cy="458787"/>
+          </a:xfrm>
+          <a:prstGeom prst="rect">
+            <a:avLst/>
+          </a:prstGeom>
+        </p:spPr>
+        <p:txBody>
+          <a:bodyPr vert="horz" lIns="91440" tIns="45720" rIns="91440" bIns="45720" rtlCol="0" anchor="b"/>
+          <a:lstStyle>
+            <a:lvl1pPr algn="l">
+              <a:defRPr sz="1200"/>
+            </a:lvl1pPr>
+          </a:lstStyle>
+          <a:p>
+            <a:endParaRPr lang="en-US"/>
+          </a:p>
+        </p:txBody>
+      </p:sp>
+      <p:sp>
+        <p:nvSpPr>
+          <p:cNvPr id="7" name="Slide Number Placeholder 6"/>
+          <p:cNvSpPr>
+            <a:spLocks noGrp="1"/>
+          </p:cNvSpPr>
+          <p:nvPr>
+            <p:ph type="sldNum" sz="quarter" idx="5"/>
+          </p:nvPr>
+        </p:nvSpPr>
+        <p:spPr>
+          <a:xfrm>
+            <a:off x="3884613" y="8685213"/>
+            <a:ext cx="2971800" cy="458787"/>
+          </a:xfrm>
+          <a:prstGeom prst="rect">
+            <a:avLst/>
+          </a:prstGeom>
+        </p:spPr>
+        <p:txBody>
+          <a:bodyPr vert="horz" lIns="91440" tIns="45720" rIns="91440" bIns="45720" rtlCol="0" anchor="b"/>
+          <a:lstStyle>
+            <a:lvl1pPr algn="r">
+              <a:defRPr sz="1200"/>
+            </a:lvl1pPr>
+          </a:lstStyle>
+          <a:p>
+            <a:fld id="{30113F9D-9878-B947-8217-B4D6AB24178F}" type="slidenum">
+              <a:rPr lang="en-US" smtClean="0"/>
+              <a:t>‹#›</a:t>
+            </a:fld>
+            <a:endParaRPr lang="en-US"/>
+          </a:p>
+        </p:txBody>
+      </p:sp>
+    </p:spTree>
+    <p:extLst>
+      <p:ext uri="{BB962C8B-B14F-4D97-AF65-F5344CB8AC3E}">
+        <p14:creationId xmlns:p14="http://schemas.microsoft.com/office/powerpoint/2010/main" val="2550317509"/>
+      </p:ext>
+    </p:extLst>
+  </p:cSld>
+  <p:clrMap bg1="lt1" tx1="dk1" bg2="lt2" tx2="dk2" accent1="accent1" accent2="accent2" accent3="accent3" accent4="accent4" accent5="accent5" accent6="accent6" hlink="hlink" folHlink="folHlink"/>
+  <p:notesStyle>
+    <a:lvl1pPr marL="0" algn="l" defTabSz="914400" rtl="0" eaLnBrk="1" latinLnBrk="0" hangingPunct="1">
+      <a:defRPr sz="1200" kern="1200">
+        <a:solidFill>
+          <a:schemeClr val="tx1"/>
+        </a:solidFill>
+        <a:latin typeface="+mn-lt"/>
+        <a:ea typeface="+mn-ea"/>
+        <a:cs typeface="+mn-cs"/>
+      </a:defRPr>
+    </a:lvl1pPr>
+    <a:lvl2pPr marL="457200" algn="l" defTabSz="914400" rtl="0" eaLnBrk="1" latinLnBrk="0" hangingPunct="1">
+      <a:defRPr sz="1200" kern="1200">
+        <a:solidFill>
+          <a:schemeClr val="tx1"/>
+        </a:solidFill>
+        <a:latin typeface="+mn-lt"/>
+        <a:ea typeface="+mn-ea"/>
+        <a:cs typeface="+mn-cs"/>
+      </a:defRPr>
+    </a:lvl2pPr>
+    <a:lvl3pPr marL="914400" algn="l" defTabSz="914400" rtl="0" eaLnBrk="1" latinLnBrk="0" hangingPunct="1">
+      <a:defRPr sz="1200" kern="1200">
+        <a:solidFill>
+          <a:schemeClr val="tx1"/>
+        </a:solidFill>
+        <a:latin typeface="+mn-lt"/>
+        <a:ea typeface="+mn-ea"/>
+        <a:cs typeface="+mn-cs"/>
+      </a:defRPr>
+    </a:lvl3pPr>
+    <a:lvl4pPr marL="1371600" algn="l" defTabSz="914400" rtl="0" eaLnBrk="1" latinLnBrk="0" hangingPunct="1">
+      <a:defRPr sz="1200" kern="1200">
+        <a:solidFill>
+          <a:schemeClr val="tx1"/>
+        </a:solidFill>
+        <a:latin typeface="+mn-lt"/>
+        <a:ea typeface="+mn-ea"/>
+        <a:cs typeface="+mn-cs"/>
+      </a:defRPr>
+    </a:lvl4pPr>
+    <a:lvl5pPr marL="1828800" algn="l" defTabSz="914400" rtl="0" eaLnBrk="1" latinLnBrk="0" hangingPunct="1">
+      <a:defRPr sz="1200" kern="1200">
+        <a:solidFill>
+          <a:schemeClr val="tx1"/>
+        </a:solidFill>
+        <a:latin typeface="+mn-lt"/>
+        <a:ea typeface="+mn-ea"/>
+        <a:cs typeface="+mn-cs"/>
+      </a:defRPr>
+    </a:lvl5pPr>
+    <a:lvl6pPr marL="2286000" algn="l" defTabSz="914400" rtl="0" eaLnBrk="1" latinLnBrk="0" hangingPunct="1">
+      <a:defRPr sz="1200" kern="1200">
+        <a:solidFill>
+          <a:schemeClr val="tx1"/>
+        </a:solidFill>
+        <a:latin typeface="+mn-lt"/>
+        <a:ea typeface="+mn-ea"/>
+        <a:cs typeface="+mn-cs"/>
+      </a:defRPr>
+    </a:lvl6pPr>
+    <a:lvl7pPr marL="2743200" algn="l" defTabSz="914400" rtl="0" eaLnBrk="1" latinLnBrk="0" hangingPunct="1">
+      <a:defRPr sz="1200" kern="1200">
+        <a:solidFill>
+          <a:schemeClr val="tx1"/>
+        </a:solidFill>
+        <a:latin typeface="+mn-lt"/>
+        <a:ea typeface="+mn-ea"/>
+        <a:cs typeface="+mn-cs"/>
+      </a:defRPr>
+    </a:lvl7pPr>
+    <a:lvl8pPr marL="3200400" algn="l" defTabSz="914400" rtl="0" eaLnBrk="1" latinLnBrk="0" hangingPunct="1">
+      <a:defRPr sz="1200" kern="1200">
+        <a:solidFill>
+          <a:schemeClr val="tx1"/>
+        </a:solidFill>
+        <a:latin typeface="+mn-lt"/>
+        <a:ea typeface="+mn-ea"/>
+        <a:cs typeface="+mn-cs"/>
+      </a:defRPr>
+    </a:lvl8pPr>
+    <a:lvl9pPr marL="3657600" algn="l" defTabSz="914400" rtl="0" eaLnBrk="1" latinLnBrk="0" hangingPunct="1">
+      <a:defRPr sz="1200" kern="1200">
+        <a:solidFill>
+          <a:schemeClr val="tx1"/>
+        </a:solidFill>
+        <a:latin typeface="+mn-lt"/>
+        <a:ea typeface="+mn-ea"/>
+        <a:cs typeface="+mn-cs"/>
+      </a:defRPr>
+    </a:lvl9pPr>
+  </p:notesStyle>
+</p:notesMaster>
+</file>
+
+<file path=ppt/notesSlides/notesSlide1.xml><?xml version="1.0" encoding="utf-8"?>
+<p:notes xmlns:a="http://schemas.openxmlformats.org/drawingml/2006/main" xmlns:r="http://schemas.openxmlformats.org/officeDocument/2006/relationships" xmlns:p="http://schemas.openxmlformats.org/presentationml/2006/main">
+  <p:cSld>
+    <p:spTree>
+      <p:nvGrpSpPr>
+        <p:cNvPr id="1" name=""/>
+        <p:cNvGrpSpPr/>
+        <p:nvPr/>
+      </p:nvGrpSpPr>
+      <p:grpSpPr>
+        <a:xfrm>
+          <a:off x="0" y="0"/>
+          <a:ext cx="0" cy="0"/>
+          <a:chOff x="0" y="0"/>
+          <a:chExt cx="0" cy="0"/>
+        </a:xfrm>
+      </p:grpSpPr>
+      <p:sp>
+        <p:nvSpPr>
+          <p:cNvPr id="41985" name="Rectangle 7">
+            <a:extLst>
+              <a:ext uri="{FF2B5EF4-FFF2-40B4-BE49-F238E27FC236}">
+                <a16:creationId xmlns:a16="http://schemas.microsoft.com/office/drawing/2014/main" id="{93DE2BC9-1E40-FF4C-8AD7-7151BAF2E040}"/>
+              </a:ext>
+            </a:extLst>
+          </p:cNvPr>
+          <p:cNvSpPr>
+            <a:spLocks noGrp="1" noChangeArrowheads="1"/>
+          </p:cNvSpPr>
+          <p:nvPr>
+            <p:ph type="sldNum" sz="quarter" idx="5"/>
+          </p:nvPr>
+        </p:nvSpPr>
+        <p:spPr>
+          <a:noFill/>
+          <a:extLst>
+            <a:ext uri="{909E8E84-426E-40DD-AFC4-6F175D3DCCD1}">
+              <a14:hiddenFill xmlns:a14="http://schemas.microsoft.com/office/drawing/2010/main">
+                <a:solidFill>
+                  <a:schemeClr val="accent1"/>
+                </a:solidFill>
+              </a14:hiddenFill>
+            </a:ext>
+            <a:ext uri="{91240B29-F687-4F45-9708-019B960494DF}">
+              <a14:hiddenLine xmlns:a14="http://schemas.microsoft.com/office/drawing/2010/main" w="9525">
+                <a:solidFill>
+                  <a:schemeClr val="tx1"/>
+                </a:solidFill>
+                <a:miter lim="800000"/>
+                <a:headEnd/>
+                <a:tailEnd/>
+              </a14:hiddenLine>
+            </a:ext>
+            <a:ext uri="{AF507438-7753-43E0-B8FC-AC1667EBCBE1}">
+              <a14:hiddenEffects xmlns:a14="http://schemas.microsoft.com/office/drawing/2010/main">
+                <a:effectLst>
+                  <a:outerShdw dist="35921" dir="2700000" algn="ctr" rotWithShape="0">
+                    <a:schemeClr val="bg2"/>
+                  </a:outerShdw>
+                </a:effectLst>
+              </a14:hiddenEffects>
+            </a:ext>
+          </a:extLst>
+        </p:spPr>
+        <p:txBody>
+          <a:bodyPr/>
+          <a:lstStyle>
+            <a:lvl1pPr>
+              <a:spcBef>
+                <a:spcPct val="30000"/>
+              </a:spcBef>
+              <a:defRPr sz="1200">
+                <a:solidFill>
+                  <a:schemeClr val="tx1"/>
+                </a:solidFill>
+                <a:latin typeface="Arial" panose="020B0604020202020204" pitchFamily="34" charset="0"/>
+                <a:ea typeface="ＭＳ Ｐゴシック" panose="020B0600070205080204" pitchFamily="34" charset="-128"/>
+              </a:defRPr>
+            </a:lvl1pPr>
+            <a:lvl2pPr marL="742950" indent="-285750">
+              <a:spcBef>
+                <a:spcPct val="30000"/>
+              </a:spcBef>
+              <a:defRPr sz="1200">
+                <a:solidFill>
+                  <a:schemeClr val="tx1"/>
+                </a:solidFill>
+                <a:latin typeface="Arial" panose="020B0604020202020204" pitchFamily="34" charset="0"/>
+                <a:ea typeface="ＭＳ Ｐゴシック" panose="020B0600070205080204" pitchFamily="34" charset="-128"/>
+              </a:defRPr>
+            </a:lvl2pPr>
+            <a:lvl3pPr marL="1143000" indent="-228600">
+              <a:spcBef>
+                <a:spcPct val="30000"/>
+              </a:spcBef>
+              <a:defRPr sz="1200">
+                <a:solidFill>
+                  <a:schemeClr val="tx1"/>
+                </a:solidFill>
+                <a:latin typeface="Arial" panose="020B0604020202020204" pitchFamily="34" charset="0"/>
+                <a:ea typeface="ＭＳ Ｐゴシック" panose="020B0600070205080204" pitchFamily="34" charset="-128"/>
+              </a:defRPr>
+            </a:lvl3pPr>
+            <a:lvl4pPr marL="1600200" indent="-228600">
+              <a:spcBef>
+                <a:spcPct val="30000"/>
+              </a:spcBef>
+              <a:defRPr sz="1200">
+                <a:solidFill>
+                  <a:schemeClr val="tx1"/>
+                </a:solidFill>
+                <a:latin typeface="Arial" panose="020B0604020202020204" pitchFamily="34" charset="0"/>
+                <a:ea typeface="ＭＳ Ｐゴシック" panose="020B0600070205080204" pitchFamily="34" charset="-128"/>
+              </a:defRPr>
+            </a:lvl4pPr>
+            <a:lvl5pPr marL="2057400" indent="-228600">
+              <a:spcBef>
+                <a:spcPct val="30000"/>
+              </a:spcBef>
+              <a:defRPr sz="1200">
+                <a:solidFill>
+                  <a:schemeClr val="tx1"/>
+                </a:solidFill>
+                <a:latin typeface="Arial" panose="020B0604020202020204" pitchFamily="34" charset="0"/>
+                <a:ea typeface="ＭＳ Ｐゴシック" panose="020B0600070205080204" pitchFamily="34" charset="-128"/>
+              </a:defRPr>
+            </a:lvl5pPr>
+            <a:lvl6pPr marL="2514600" indent="-228600" eaLnBrk="0" fontAlgn="base" hangingPunct="0">
+              <a:spcBef>
+                <a:spcPct val="30000"/>
+              </a:spcBef>
+              <a:spcAft>
+                <a:spcPct val="0"/>
+              </a:spcAft>
+              <a:defRPr sz="1200">
+                <a:solidFill>
+                  <a:schemeClr val="tx1"/>
+                </a:solidFill>
+                <a:latin typeface="Arial" panose="020B0604020202020204" pitchFamily="34" charset="0"/>
+                <a:ea typeface="ＭＳ Ｐゴシック" panose="020B0600070205080204" pitchFamily="34" charset="-128"/>
+              </a:defRPr>
+            </a:lvl6pPr>
+            <a:lvl7pPr marL="2971800" indent="-228600" eaLnBrk="0" fontAlgn="base" hangingPunct="0">
+              <a:spcBef>
+                <a:spcPct val="30000"/>
+              </a:spcBef>
+              <a:spcAft>
+                <a:spcPct val="0"/>
+              </a:spcAft>
+              <a:defRPr sz="1200">
+                <a:solidFill>
+                  <a:schemeClr val="tx1"/>
+                </a:solidFill>
+                <a:latin typeface="Arial" panose="020B0604020202020204" pitchFamily="34" charset="0"/>
+                <a:ea typeface="ＭＳ Ｐゴシック" panose="020B0600070205080204" pitchFamily="34" charset="-128"/>
+              </a:defRPr>
+            </a:lvl7pPr>
+            <a:lvl8pPr marL="3429000" indent="-228600" eaLnBrk="0" fontAlgn="base" hangingPunct="0">
+              <a:spcBef>
+                <a:spcPct val="30000"/>
+              </a:spcBef>
+              <a:spcAft>
+                <a:spcPct val="0"/>
+              </a:spcAft>
+              <a:defRPr sz="1200">
+                <a:solidFill>
+                  <a:schemeClr val="tx1"/>
+                </a:solidFill>
+                <a:latin typeface="Arial" panose="020B0604020202020204" pitchFamily="34" charset="0"/>
+                <a:ea typeface="ＭＳ Ｐゴシック" panose="020B0600070205080204" pitchFamily="34" charset="-128"/>
+              </a:defRPr>
+            </a:lvl8pPr>
+            <a:lvl9pPr marL="3886200" indent="-228600" eaLnBrk="0" fontAlgn="base" hangingPunct="0">
+              <a:spcBef>
+                <a:spcPct val="30000"/>
+              </a:spcBef>
+              <a:spcAft>
+                <a:spcPct val="0"/>
+              </a:spcAft>
+              <a:defRPr sz="1200">
+                <a:solidFill>
+                  <a:schemeClr val="tx1"/>
+                </a:solidFill>
+                <a:latin typeface="Arial" panose="020B0604020202020204" pitchFamily="34" charset="0"/>
+                <a:ea typeface="ＭＳ Ｐゴシック" panose="020B0600070205080204" pitchFamily="34" charset="-128"/>
+              </a:defRPr>
+            </a:lvl9pPr>
+          </a:lstStyle>
+          <a:p>
+            <a:pPr>
+              <a:spcBef>
+                <a:spcPct val="0"/>
+              </a:spcBef>
+            </a:pPr>
+            <a:fld id="{9109BB01-8CF8-444A-8B38-C1509DE9273A}" type="slidenum">
+              <a:rPr lang="en-US" altLang="en-US"/>
+              <a:pPr>
+                <a:spcBef>
+                  <a:spcPct val="0"/>
+                </a:spcBef>
+              </a:pPr>
+              <a:t>27</a:t>
+            </a:fld>
+            <a:endParaRPr lang="en-US" altLang="en-US"/>
+          </a:p>
+        </p:txBody>
+      </p:sp>
+      <p:sp>
+        <p:nvSpPr>
+          <p:cNvPr id="41986" name="Rectangle 2">
+            <a:extLst>
+              <a:ext uri="{FF2B5EF4-FFF2-40B4-BE49-F238E27FC236}">
+                <a16:creationId xmlns:a16="http://schemas.microsoft.com/office/drawing/2014/main" id="{EFB86757-C496-1942-A39D-F7194E2381D4}"/>
+              </a:ext>
+            </a:extLst>
+          </p:cNvPr>
+          <p:cNvSpPr>
+            <a:spLocks noGrp="1" noRot="1" noChangeAspect="1" noChangeArrowheads="1" noTextEdit="1"/>
+          </p:cNvSpPr>
+          <p:nvPr>
+            <p:ph type="sldImg"/>
+          </p:nvPr>
+        </p:nvSpPr>
+        <p:spPr>
+          <a:xfrm>
+            <a:off x="687388" y="685800"/>
+            <a:ext cx="5486400" cy="3429000"/>
+          </a:xfrm>
+          <a:ln/>
+        </p:spPr>
+      </p:sp>
+      <p:sp>
+        <p:nvSpPr>
+          <p:cNvPr id="37892" name="Rectangle 3">
+            <a:extLst>
+              <a:ext uri="{FF2B5EF4-FFF2-40B4-BE49-F238E27FC236}">
+                <a16:creationId xmlns:a16="http://schemas.microsoft.com/office/drawing/2014/main" id="{23A01FD5-7C73-A64B-A696-4BCECC84B799}"/>
+              </a:ext>
+            </a:extLst>
+          </p:cNvPr>
+          <p:cNvSpPr>
+            <a:spLocks noGrp="1" noChangeArrowheads="1"/>
+          </p:cNvSpPr>
+          <p:nvPr>
+            <p:ph type="body" idx="1"/>
+          </p:nvPr>
+        </p:nvSpPr>
+        <p:spPr>
+          <a:xfrm>
+            <a:off x="914400" y="4343400"/>
+            <a:ext cx="5029200" cy="4114800"/>
+          </a:xfrm>
+        </p:spPr>
+        <p:txBody>
+          <a:bodyPr/>
+          <a:lstStyle/>
+          <a:p>
+            <a:pPr eaLnBrk="1" hangingPunct="1">
+              <a:defRPr/>
+            </a:pPr>
+            <a:r>
+              <a:rPr lang="en-US"/>
+              <a:t>// This program computes two people's body mass index (BMI) and</a:t>
+            </a:r>
+          </a:p>
+          <a:p>
+            <a:pPr eaLnBrk="1" hangingPunct="1">
+              <a:defRPr/>
+            </a:pPr>
+            <a:r>
+              <a:rPr lang="en-US"/>
+              <a:t>// compares them.  The code uses parameters, returns, and Scanner.</a:t>
+            </a:r>
+          </a:p>
+          <a:p>
+            <a:pPr eaLnBrk="1" hangingPunct="1">
+              <a:defRPr/>
+            </a:pPr>
+            <a:endParaRPr lang="en-US"/>
+          </a:p>
+          <a:p>
+            <a:pPr eaLnBrk="1" hangingPunct="1">
+              <a:defRPr/>
+            </a:pPr>
+            <a:r>
+              <a:rPr lang="en-US"/>
+              <a:t>import java.util.*;  // so that I can use Scanner</a:t>
+            </a:r>
+          </a:p>
+          <a:p>
+            <a:pPr eaLnBrk="1" hangingPunct="1">
+              <a:defRPr/>
+            </a:pPr>
+            <a:endParaRPr lang="en-US"/>
+          </a:p>
+          <a:p>
+            <a:pPr eaLnBrk="1" hangingPunct="1">
+              <a:defRPr/>
+            </a:pPr>
+            <a:r>
+              <a:rPr lang="en-US"/>
+              <a:t>public class BMI {</a:t>
+            </a:r>
+          </a:p>
+          <a:p>
+            <a:pPr eaLnBrk="1" hangingPunct="1">
+              <a:defRPr/>
+            </a:pPr>
+            <a:r>
+              <a:rPr lang="en-US"/>
+              <a:t>    public static void main(String[] args) {</a:t>
+            </a:r>
+          </a:p>
+          <a:p>
+            <a:pPr eaLnBrk="1" hangingPunct="1">
+              <a:defRPr/>
+            </a:pPr>
+            <a:r>
+              <a:rPr lang="en-US"/>
+              <a:t>        System.out.println("This program reads in data for two people and");</a:t>
+            </a:r>
+          </a:p>
+          <a:p>
+            <a:pPr eaLnBrk="1" hangingPunct="1">
+              <a:defRPr/>
+            </a:pPr>
+            <a:r>
+              <a:rPr lang="en-US"/>
+              <a:t>        System.out.println("computes their body mass index (BMI)");</a:t>
+            </a:r>
+          </a:p>
+          <a:p>
+            <a:pPr eaLnBrk="1" hangingPunct="1">
+              <a:defRPr/>
+            </a:pPr>
+            <a:r>
+              <a:rPr lang="en-US"/>
+              <a:t>        System.out.println();</a:t>
+            </a:r>
+          </a:p>
+          <a:p>
+            <a:pPr eaLnBrk="1" hangingPunct="1">
+              <a:defRPr/>
+            </a:pPr>
+            <a:r>
+              <a:rPr lang="en-US"/>
+              <a:t>        </a:t>
+            </a:r>
+          </a:p>
+          <a:p>
+            <a:pPr eaLnBrk="1" hangingPunct="1">
+              <a:defRPr/>
+            </a:pPr>
+            <a:r>
+              <a:rPr lang="en-US"/>
+              <a:t>        // finish me!</a:t>
+            </a:r>
+          </a:p>
+          <a:p>
+            <a:pPr eaLnBrk="1" hangingPunct="1">
+              <a:defRPr/>
+            </a:pPr>
+            <a:r>
+              <a:rPr lang="en-US"/>
+              <a:t>        </a:t>
+            </a:r>
+          </a:p>
+          <a:p>
+            <a:pPr eaLnBrk="1" hangingPunct="1">
+              <a:defRPr/>
+            </a:pPr>
+            <a:r>
+              <a:rPr lang="en-US"/>
+              <a:t>    }</a:t>
+            </a:r>
+          </a:p>
+          <a:p>
+            <a:pPr eaLnBrk="1" hangingPunct="1">
+              <a:defRPr/>
+            </a:pPr>
+            <a:r>
+              <a:rPr lang="en-US"/>
+              <a:t>}</a:t>
+            </a:r>
+          </a:p>
+          <a:p>
+            <a:pPr eaLnBrk="1" hangingPunct="1">
+              <a:defRPr/>
+            </a:pPr>
+            <a:endParaRPr lang="en-US"/>
+          </a:p>
+        </p:txBody>
+      </p:sp>
+    </p:spTree>
+    <p:extLst>
+      <p:ext uri="{BB962C8B-B14F-4D97-AF65-F5344CB8AC3E}">
+        <p14:creationId xmlns:p14="http://schemas.microsoft.com/office/powerpoint/2010/main" val="81641821"/>
+      </p:ext>
+    </p:extLst>
+  </p:cSld>
+  <p:clrMapOvr>
+    <a:masterClrMapping/>
+  </p:clrMapOvr>
+</p:notes>
+</file>
+
+<file path=ppt/notesSlides/notesSlide2.xml><?xml version="1.0" encoding="utf-8"?>
+<p:notes xmlns:a="http://schemas.openxmlformats.org/drawingml/2006/main" xmlns:r="http://schemas.openxmlformats.org/officeDocument/2006/relationships" xmlns:p="http://schemas.openxmlformats.org/presentationml/2006/main">
+  <p:cSld>
+    <p:spTree>
+      <p:nvGrpSpPr>
+        <p:cNvPr id="1" name=""/>
+        <p:cNvGrpSpPr/>
+        <p:nvPr/>
+      </p:nvGrpSpPr>
+      <p:grpSpPr>
+        <a:xfrm>
+          <a:off x="0" y="0"/>
+          <a:ext cx="0" cy="0"/>
+          <a:chOff x="0" y="0"/>
+          <a:chExt cx="0" cy="0"/>
+        </a:xfrm>
+      </p:grpSpPr>
+      <p:sp>
+        <p:nvSpPr>
+          <p:cNvPr id="44033" name="Rectangle 7">
+            <a:extLst>
+              <a:ext uri="{FF2B5EF4-FFF2-40B4-BE49-F238E27FC236}">
+                <a16:creationId xmlns:a16="http://schemas.microsoft.com/office/drawing/2014/main" id="{2D21D7A2-8A5D-5744-B624-491501ED6F3D}"/>
+              </a:ext>
+            </a:extLst>
+          </p:cNvPr>
+          <p:cNvSpPr>
+            <a:spLocks noGrp="1" noChangeArrowheads="1"/>
+          </p:cNvSpPr>
+          <p:nvPr>
+            <p:ph type="sldNum" sz="quarter" idx="5"/>
+          </p:nvPr>
+        </p:nvSpPr>
+        <p:spPr>
+          <a:noFill/>
+          <a:extLst>
+            <a:ext uri="{909E8E84-426E-40DD-AFC4-6F175D3DCCD1}">
+              <a14:hiddenFill xmlns:a14="http://schemas.microsoft.com/office/drawing/2010/main">
+                <a:solidFill>
+                  <a:schemeClr val="accent1"/>
+                </a:solidFill>
+              </a14:hiddenFill>
+            </a:ext>
+            <a:ext uri="{91240B29-F687-4F45-9708-019B960494DF}">
+              <a14:hiddenLine xmlns:a14="http://schemas.microsoft.com/office/drawing/2010/main" w="9525">
+                <a:solidFill>
+                  <a:schemeClr val="tx1"/>
+                </a:solidFill>
+                <a:miter lim="800000"/>
+                <a:headEnd/>
+                <a:tailEnd/>
+              </a14:hiddenLine>
+            </a:ext>
+            <a:ext uri="{AF507438-7753-43E0-B8FC-AC1667EBCBE1}">
+              <a14:hiddenEffects xmlns:a14="http://schemas.microsoft.com/office/drawing/2010/main">
+                <a:effectLst>
+                  <a:outerShdw dist="35921" dir="2700000" algn="ctr" rotWithShape="0">
+                    <a:schemeClr val="bg2"/>
+                  </a:outerShdw>
+                </a:effectLst>
+              </a14:hiddenEffects>
+            </a:ext>
+          </a:extLst>
+        </p:spPr>
+        <p:txBody>
+          <a:bodyPr/>
+          <a:lstStyle>
+            <a:lvl1pPr>
+              <a:spcBef>
+                <a:spcPct val="30000"/>
+              </a:spcBef>
+              <a:defRPr sz="1200">
+                <a:solidFill>
+                  <a:schemeClr val="tx1"/>
+                </a:solidFill>
+                <a:latin typeface="Arial" panose="020B0604020202020204" pitchFamily="34" charset="0"/>
+                <a:ea typeface="ＭＳ Ｐゴシック" panose="020B0600070205080204" pitchFamily="34" charset="-128"/>
+              </a:defRPr>
+            </a:lvl1pPr>
+            <a:lvl2pPr marL="742950" indent="-285750">
+              <a:spcBef>
+                <a:spcPct val="30000"/>
+              </a:spcBef>
+              <a:defRPr sz="1200">
+                <a:solidFill>
+                  <a:schemeClr val="tx1"/>
+                </a:solidFill>
+                <a:latin typeface="Arial" panose="020B0604020202020204" pitchFamily="34" charset="0"/>
+                <a:ea typeface="ＭＳ Ｐゴシック" panose="020B0600070205080204" pitchFamily="34" charset="-128"/>
+              </a:defRPr>
+            </a:lvl2pPr>
+            <a:lvl3pPr marL="1143000" indent="-228600">
+              <a:spcBef>
+                <a:spcPct val="30000"/>
+              </a:spcBef>
+              <a:defRPr sz="1200">
+                <a:solidFill>
+                  <a:schemeClr val="tx1"/>
+                </a:solidFill>
+                <a:latin typeface="Arial" panose="020B0604020202020204" pitchFamily="34" charset="0"/>
+                <a:ea typeface="ＭＳ Ｐゴシック" panose="020B0600070205080204" pitchFamily="34" charset="-128"/>
+              </a:defRPr>
+            </a:lvl3pPr>
+            <a:lvl4pPr marL="1600200" indent="-228600">
+              <a:spcBef>
+                <a:spcPct val="30000"/>
+              </a:spcBef>
+              <a:defRPr sz="1200">
+                <a:solidFill>
+                  <a:schemeClr val="tx1"/>
+                </a:solidFill>
+                <a:latin typeface="Arial" panose="020B0604020202020204" pitchFamily="34" charset="0"/>
+                <a:ea typeface="ＭＳ Ｐゴシック" panose="020B0600070205080204" pitchFamily="34" charset="-128"/>
+              </a:defRPr>
+            </a:lvl4pPr>
+            <a:lvl5pPr marL="2057400" indent="-228600">
+              <a:spcBef>
+                <a:spcPct val="30000"/>
+              </a:spcBef>
+              <a:defRPr sz="1200">
+                <a:solidFill>
+                  <a:schemeClr val="tx1"/>
+                </a:solidFill>
+                <a:latin typeface="Arial" panose="020B0604020202020204" pitchFamily="34" charset="0"/>
+                <a:ea typeface="ＭＳ Ｐゴシック" panose="020B0600070205080204" pitchFamily="34" charset="-128"/>
+              </a:defRPr>
+            </a:lvl5pPr>
+            <a:lvl6pPr marL="2514600" indent="-228600" eaLnBrk="0" fontAlgn="base" hangingPunct="0">
+              <a:spcBef>
+                <a:spcPct val="30000"/>
+              </a:spcBef>
+              <a:spcAft>
+                <a:spcPct val="0"/>
+              </a:spcAft>
+              <a:defRPr sz="1200">
+                <a:solidFill>
+                  <a:schemeClr val="tx1"/>
+                </a:solidFill>
+                <a:latin typeface="Arial" panose="020B0604020202020204" pitchFamily="34" charset="0"/>
+                <a:ea typeface="ＭＳ Ｐゴシック" panose="020B0600070205080204" pitchFamily="34" charset="-128"/>
+              </a:defRPr>
+            </a:lvl6pPr>
+            <a:lvl7pPr marL="2971800" indent="-228600" eaLnBrk="0" fontAlgn="base" hangingPunct="0">
+              <a:spcBef>
+                <a:spcPct val="30000"/>
+              </a:spcBef>
+              <a:spcAft>
+                <a:spcPct val="0"/>
+              </a:spcAft>
+              <a:defRPr sz="1200">
+                <a:solidFill>
+                  <a:schemeClr val="tx1"/>
+                </a:solidFill>
+                <a:latin typeface="Arial" panose="020B0604020202020204" pitchFamily="34" charset="0"/>
+                <a:ea typeface="ＭＳ Ｐゴシック" panose="020B0600070205080204" pitchFamily="34" charset="-128"/>
+              </a:defRPr>
+            </a:lvl7pPr>
+            <a:lvl8pPr marL="3429000" indent="-228600" eaLnBrk="0" fontAlgn="base" hangingPunct="0">
+              <a:spcBef>
+                <a:spcPct val="30000"/>
+              </a:spcBef>
+              <a:spcAft>
+                <a:spcPct val="0"/>
+              </a:spcAft>
+              <a:defRPr sz="1200">
+                <a:solidFill>
+                  <a:schemeClr val="tx1"/>
+                </a:solidFill>
+                <a:latin typeface="Arial" panose="020B0604020202020204" pitchFamily="34" charset="0"/>
+                <a:ea typeface="ＭＳ Ｐゴシック" panose="020B0600070205080204" pitchFamily="34" charset="-128"/>
+              </a:defRPr>
+            </a:lvl8pPr>
+            <a:lvl9pPr marL="3886200" indent="-228600" eaLnBrk="0" fontAlgn="base" hangingPunct="0">
+              <a:spcBef>
+                <a:spcPct val="30000"/>
+              </a:spcBef>
+              <a:spcAft>
+                <a:spcPct val="0"/>
+              </a:spcAft>
+              <a:defRPr sz="1200">
+                <a:solidFill>
+                  <a:schemeClr val="tx1"/>
+                </a:solidFill>
+                <a:latin typeface="Arial" panose="020B0604020202020204" pitchFamily="34" charset="0"/>
+                <a:ea typeface="ＭＳ Ｐゴシック" panose="020B0600070205080204" pitchFamily="34" charset="-128"/>
+              </a:defRPr>
+            </a:lvl9pPr>
+          </a:lstStyle>
+          <a:p>
+            <a:pPr>
+              <a:spcBef>
+                <a:spcPct val="0"/>
+              </a:spcBef>
+            </a:pPr>
+            <a:fld id="{23E4C501-9A73-9545-AA9E-21C741CB03AE}" type="slidenum">
+              <a:rPr lang="en-US" altLang="en-US"/>
+              <a:pPr>
+                <a:spcBef>
+                  <a:spcPct val="0"/>
+                </a:spcBef>
+              </a:pPr>
+              <a:t>28</a:t>
+            </a:fld>
+            <a:endParaRPr lang="en-US" altLang="en-US"/>
+          </a:p>
+        </p:txBody>
+      </p:sp>
+      <p:sp>
+        <p:nvSpPr>
+          <p:cNvPr id="44034" name="Rectangle 2">
+            <a:extLst>
+              <a:ext uri="{FF2B5EF4-FFF2-40B4-BE49-F238E27FC236}">
+                <a16:creationId xmlns:a16="http://schemas.microsoft.com/office/drawing/2014/main" id="{777B1C10-2250-684A-B4D7-BC072F802508}"/>
+              </a:ext>
+            </a:extLst>
+          </p:cNvPr>
+          <p:cNvSpPr>
+            <a:spLocks noGrp="1" noRot="1" noChangeAspect="1" noChangeArrowheads="1" noTextEdit="1"/>
+          </p:cNvSpPr>
+          <p:nvPr>
+            <p:ph type="sldImg"/>
+          </p:nvPr>
+        </p:nvSpPr>
+        <p:spPr>
+          <a:xfrm>
+            <a:off x="687388" y="685800"/>
+            <a:ext cx="5486400" cy="3429000"/>
+          </a:xfrm>
+          <a:ln/>
+        </p:spPr>
+      </p:sp>
+      <p:sp>
+        <p:nvSpPr>
+          <p:cNvPr id="37892" name="Rectangle 3">
+            <a:extLst>
+              <a:ext uri="{FF2B5EF4-FFF2-40B4-BE49-F238E27FC236}">
+                <a16:creationId xmlns:a16="http://schemas.microsoft.com/office/drawing/2014/main" id="{2708FCFB-F842-8842-B1AB-C3A44E5414E7}"/>
+              </a:ext>
+            </a:extLst>
+          </p:cNvPr>
+          <p:cNvSpPr>
+            <a:spLocks noGrp="1" noChangeArrowheads="1"/>
+          </p:cNvSpPr>
+          <p:nvPr>
+            <p:ph type="body" idx="1"/>
+          </p:nvPr>
+        </p:nvSpPr>
+        <p:spPr>
+          <a:xfrm>
+            <a:off x="914400" y="4343400"/>
+            <a:ext cx="5029200" cy="4114800"/>
+          </a:xfrm>
+        </p:spPr>
+        <p:txBody>
+          <a:bodyPr/>
+          <a:lstStyle/>
+          <a:p>
+            <a:pPr eaLnBrk="1" hangingPunct="1">
+              <a:defRPr/>
+            </a:pPr>
+            <a:r>
+              <a:rPr lang="en-US"/>
+              <a:t>// This program computes two people's body mass index (BMI) and</a:t>
+            </a:r>
+          </a:p>
+          <a:p>
+            <a:pPr eaLnBrk="1" hangingPunct="1">
+              <a:defRPr/>
+            </a:pPr>
+            <a:r>
+              <a:rPr lang="en-US"/>
+              <a:t>// compares them.  The code uses parameters, returns, and Scanner.</a:t>
+            </a:r>
+          </a:p>
+          <a:p>
+            <a:pPr eaLnBrk="1" hangingPunct="1">
+              <a:defRPr/>
+            </a:pPr>
+            <a:endParaRPr lang="en-US"/>
+          </a:p>
+          <a:p>
+            <a:pPr eaLnBrk="1" hangingPunct="1">
+              <a:defRPr/>
+            </a:pPr>
+            <a:r>
+              <a:rPr lang="en-US"/>
+              <a:t>import java.util.*;  // so that I can use Scanner</a:t>
+            </a:r>
+          </a:p>
+          <a:p>
+            <a:pPr eaLnBrk="1" hangingPunct="1">
+              <a:defRPr/>
+            </a:pPr>
+            <a:endParaRPr lang="en-US"/>
+          </a:p>
+          <a:p>
+            <a:pPr eaLnBrk="1" hangingPunct="1">
+              <a:defRPr/>
+            </a:pPr>
+            <a:r>
+              <a:rPr lang="en-US"/>
+              <a:t>public class BMI {</a:t>
+            </a:r>
+          </a:p>
+          <a:p>
+            <a:pPr eaLnBrk="1" hangingPunct="1">
+              <a:defRPr/>
+            </a:pPr>
+            <a:r>
+              <a:rPr lang="en-US"/>
+              <a:t>    public static void main(String[] args) {</a:t>
+            </a:r>
+          </a:p>
+          <a:p>
+            <a:pPr eaLnBrk="1" hangingPunct="1">
+              <a:defRPr/>
+            </a:pPr>
+            <a:r>
+              <a:rPr lang="en-US"/>
+              <a:t>        System.out.println("This program reads in data for two people and");</a:t>
+            </a:r>
+          </a:p>
+          <a:p>
+            <a:pPr eaLnBrk="1" hangingPunct="1">
+              <a:defRPr/>
+            </a:pPr>
+            <a:r>
+              <a:rPr lang="en-US"/>
+              <a:t>        System.out.println("computes their body mass index (BMI)");</a:t>
+            </a:r>
+          </a:p>
+          <a:p>
+            <a:pPr eaLnBrk="1" hangingPunct="1">
+              <a:defRPr/>
+            </a:pPr>
+            <a:r>
+              <a:rPr lang="en-US"/>
+              <a:t>        System.out.println();</a:t>
+            </a:r>
+          </a:p>
+          <a:p>
+            <a:pPr eaLnBrk="1" hangingPunct="1">
+              <a:defRPr/>
+            </a:pPr>
+            <a:r>
+              <a:rPr lang="en-US"/>
+              <a:t>        </a:t>
+            </a:r>
+          </a:p>
+          <a:p>
+            <a:pPr eaLnBrk="1" hangingPunct="1">
+              <a:defRPr/>
+            </a:pPr>
+            <a:r>
+              <a:rPr lang="en-US"/>
+              <a:t>        // finish me!</a:t>
+            </a:r>
+          </a:p>
+          <a:p>
+            <a:pPr eaLnBrk="1" hangingPunct="1">
+              <a:defRPr/>
+            </a:pPr>
+            <a:r>
+              <a:rPr lang="en-US"/>
+              <a:t>        </a:t>
+            </a:r>
+          </a:p>
+          <a:p>
+            <a:pPr eaLnBrk="1" hangingPunct="1">
+              <a:defRPr/>
+            </a:pPr>
+            <a:r>
+              <a:rPr lang="en-US"/>
+              <a:t>    }</a:t>
+            </a:r>
+          </a:p>
+          <a:p>
+            <a:pPr eaLnBrk="1" hangingPunct="1">
+              <a:defRPr/>
+            </a:pPr>
+            <a:r>
+              <a:rPr lang="en-US"/>
+              <a:t>}</a:t>
+            </a:r>
+          </a:p>
+          <a:p>
+            <a:pPr eaLnBrk="1" hangingPunct="1">
+              <a:defRPr/>
+            </a:pPr>
+            <a:endParaRPr lang="en-US"/>
+          </a:p>
+        </p:txBody>
+      </p:sp>
+    </p:spTree>
+    <p:extLst>
+      <p:ext uri="{BB962C8B-B14F-4D97-AF65-F5344CB8AC3E}">
+        <p14:creationId xmlns:p14="http://schemas.microsoft.com/office/powerpoint/2010/main" val="3200617267"/>
+      </p:ext>
+    </p:extLst>
+  </p:cSld>
+  <p:clrMapOvr>
+    <a:masterClrMapping/>
+  </p:clrMapOvr>
+</p:notes>
+</file>
+
 <file path=ppt/slideLayouts/slideLayout1.xml><?xml version="1.0" encoding="utf-8"?>
 <p:sldLayout xmlns:a="http://schemas.openxmlformats.org/drawingml/2006/main" xmlns:r="http://schemas.openxmlformats.org/officeDocument/2006/relationships" xmlns:p="http://schemas.openxmlformats.org/presentationml/2006/main" type="title" preserve="1">
   <p:cSld name="Title Slide">
@@ -2448,7 +3696,7 @@
           <a:p>
             <a:fld id="{4AAD347D-5ACD-4C99-B74B-A9C85AD731AF}" type="datetimeFigureOut">
               <a:rPr lang="en-US" smtClean="0"/>
-              <a:t>10/20/20</a:t>
+              <a:t>10/27/20</a:t>
             </a:fld>
             <a:endParaRPr lang="en-US" dirty="0"/>
           </a:p>
@@ -2618,7 +3866,7 @@
           <a:p>
             <a:fld id="{4509A250-FF31-4206-8172-F9D3106AACB1}" type="datetimeFigureOut">
               <a:rPr lang="en-US" smtClean="0"/>
-              <a:t>10/20/20</a:t>
+              <a:t>10/27/20</a:t>
             </a:fld>
             <a:endParaRPr lang="en-US" dirty="0"/>
           </a:p>
@@ -2798,7 +4046,7 @@
           <a:p>
             <a:fld id="{4509A250-FF31-4206-8172-F9D3106AACB1}" type="datetimeFigureOut">
               <a:rPr lang="en-US" smtClean="0"/>
-              <a:t>10/20/20</a:t>
+              <a:t>10/27/20</a:t>
             </a:fld>
             <a:endParaRPr lang="en-US" dirty="0"/>
           </a:p>
@@ -2968,7 +4216,7 @@
           <a:p>
             <a:fld id="{4509A250-FF31-4206-8172-F9D3106AACB1}" type="datetimeFigureOut">
               <a:rPr lang="en-US" smtClean="0"/>
-              <a:t>10/20/20</a:t>
+              <a:t>10/27/20</a:t>
             </a:fld>
             <a:endParaRPr lang="en-US" dirty="0"/>
           </a:p>
@@ -3214,7 +4462,7 @@
           <a:p>
             <a:fld id="{9796027F-7875-4030-9381-8BD8C4F21935}" type="datetimeFigureOut">
               <a:rPr lang="en-US" smtClean="0"/>
-              <a:t>10/20/20</a:t>
+              <a:t>10/27/20</a:t>
             </a:fld>
             <a:endParaRPr lang="en-US" dirty="0"/>
           </a:p>
@@ -3446,7 +4694,7 @@
           <a:p>
             <a:fld id="{9796027F-7875-4030-9381-8BD8C4F21935}" type="datetimeFigureOut">
               <a:rPr lang="en-US" smtClean="0"/>
-              <a:t>10/20/20</a:t>
+              <a:t>10/27/20</a:t>
             </a:fld>
             <a:endParaRPr lang="en-US" dirty="0"/>
           </a:p>
@@ -3813,7 +5061,7 @@
           <a:p>
             <a:fld id="{9796027F-7875-4030-9381-8BD8C4F21935}" type="datetimeFigureOut">
               <a:rPr lang="en-US" smtClean="0"/>
-              <a:t>10/20/20</a:t>
+              <a:t>10/27/20</a:t>
             </a:fld>
             <a:endParaRPr lang="en-US" dirty="0"/>
           </a:p>
@@ -3931,7 +5179,7 @@
           <a:p>
             <a:fld id="{4509A250-FF31-4206-8172-F9D3106AACB1}" type="datetimeFigureOut">
               <a:rPr lang="en-US" smtClean="0"/>
-              <a:t>10/20/20</a:t>
+              <a:t>10/27/20</a:t>
             </a:fld>
             <a:endParaRPr lang="en-US" dirty="0"/>
           </a:p>
@@ -4026,7 +5274,7 @@
           <a:p>
             <a:fld id="{4509A250-FF31-4206-8172-F9D3106AACB1}" type="datetimeFigureOut">
               <a:rPr lang="en-US" smtClean="0"/>
-              <a:t>10/20/20</a:t>
+              <a:t>10/27/20</a:t>
             </a:fld>
             <a:endParaRPr lang="en-US" dirty="0"/>
           </a:p>
@@ -4303,7 +5551,7 @@
           <a:p>
             <a:fld id="{4509A250-FF31-4206-8172-F9D3106AACB1}" type="datetimeFigureOut">
               <a:rPr lang="en-US" smtClean="0"/>
-              <a:t>10/20/20</a:t>
+              <a:t>10/27/20</a:t>
             </a:fld>
             <a:endParaRPr lang="en-US" dirty="0"/>
           </a:p>
@@ -4560,7 +5808,7 @@
           <a:p>
             <a:fld id="{4509A250-FF31-4206-8172-F9D3106AACB1}" type="datetimeFigureOut">
               <a:rPr lang="en-US" smtClean="0"/>
-              <a:t>10/20/20</a:t>
+              <a:t>10/27/20</a:t>
             </a:fld>
             <a:endParaRPr lang="en-US" dirty="0"/>
           </a:p>
@@ -4773,7 +6021,7 @@
           <a:p>
             <a:fld id="{4AAD347D-5ACD-4C99-B74B-A9C85AD731AF}" type="datetimeFigureOut">
               <a:rPr lang="en-US" smtClean="0"/>
-              <a:t>10/20/20</a:t>
+              <a:t>10/27/20</a:t>
             </a:fld>
             <a:endParaRPr lang="en-US" dirty="0"/>
           </a:p>
@@ -15208,7 +16456,7 @@
             </a:pPr>
             <a:r>
               <a:rPr lang="en-US" sz="1800" dirty="0"/>
-              <a:t>It is common for programmers to write a main controlling function that calls other function to accomplish the task of the program. </a:t>
+              <a:t>It is common for programmers to write a main controlling function that calls other functions to accomplish the task of the program. </a:t>
             </a:r>
             <a:endParaRPr lang="en-US" sz="1800" b="1" dirty="0">
               <a:solidFill>
@@ -17663,7 +18911,7 @@
               <a:buNone/>
             </a:pPr>
             <a:r>
-              <a:rPr lang="en-US" sz="1600" b="1" dirty="0">
+              <a:rPr lang="en-US" sz="1600" b="1">
                 <a:solidFill>
                   <a:srgbClr val="34A327"/>
                 </a:solidFill>
@@ -17672,7 +18920,7 @@
               <a:t>def</a:t>
             </a:r>
             <a:r>
-              <a:rPr lang="en-US" sz="1600" b="1" dirty="0">
+              <a:rPr lang="en-US" sz="1600" b="1">
                 <a:solidFill>
                   <a:srgbClr val="000000"/>
                 </a:solidFill>
@@ -17681,16 +18929,16 @@
               <a:t> </a:t>
             </a:r>
             <a:r>
-              <a:rPr lang="en-US" sz="1600" b="1" dirty="0">
+              <a:rPr lang="en-US" sz="1600" b="1">
                 <a:solidFill>
                   <a:srgbClr val="3C9FF2"/>
                 </a:solidFill>
                 <a:latin typeface="Inconsolata Medium" panose="020B0609030003000000" pitchFamily="49" charset="77"/>
               </a:rPr>
-              <a:t>func1</a:t>
-            </a:r>
-            <a:r>
-              <a:rPr lang="en-US" sz="1600" b="1" dirty="0">
+              <a:t>func2</a:t>
+            </a:r>
+            <a:r>
+              <a:rPr lang="en-US" sz="1600" b="1">
                 <a:solidFill>
                   <a:srgbClr val="000000"/>
                 </a:solidFill>
@@ -17698,6 +18946,12 @@
               </a:rPr>
               <a:t>(…):  </a:t>
             </a:r>
+            <a:endParaRPr lang="en-US" sz="1600" b="1" dirty="0">
+              <a:solidFill>
+                <a:srgbClr val="000000"/>
+              </a:solidFill>
+              <a:latin typeface="Inconsolata Medium" panose="020B0609030003000000" pitchFamily="49" charset="77"/>
+            </a:endParaRPr>
           </a:p>
           <a:p>
             <a:pPr marL="0" indent="0">
@@ -18450,6 +19704,581 @@
 </file>
 
 <file path=ppt/slides/slide27.xml><?xml version="1.0" encoding="utf-8"?>
+<p:sld xmlns:a="http://schemas.openxmlformats.org/drawingml/2006/main" xmlns:r="http://schemas.openxmlformats.org/officeDocument/2006/relationships" xmlns:p="http://schemas.openxmlformats.org/presentationml/2006/main">
+  <p:cSld>
+    <p:spTree>
+      <p:nvGrpSpPr>
+        <p:cNvPr id="1" name=""/>
+        <p:cNvGrpSpPr/>
+        <p:nvPr/>
+      </p:nvGrpSpPr>
+      <p:grpSpPr>
+        <a:xfrm>
+          <a:off x="0" y="0"/>
+          <a:ext cx="0" cy="0"/>
+          <a:chOff x="0" y="0"/>
+          <a:chExt cx="0" cy="0"/>
+        </a:xfrm>
+      </p:grpSpPr>
+      <p:sp>
+        <p:nvSpPr>
+          <p:cNvPr id="40961" name="Rectangle 2">
+            <a:extLst>
+              <a:ext uri="{FF2B5EF4-FFF2-40B4-BE49-F238E27FC236}">
+                <a16:creationId xmlns:a16="http://schemas.microsoft.com/office/drawing/2014/main" id="{266119B2-414E-5047-A049-172C3274D6D7}"/>
+              </a:ext>
+            </a:extLst>
+          </p:cNvPr>
+          <p:cNvSpPr>
+            <a:spLocks noGrp="1" noChangeArrowheads="1"/>
+          </p:cNvSpPr>
+          <p:nvPr>
+            <p:ph type="title"/>
+          </p:nvPr>
+        </p:nvSpPr>
+        <p:spPr>
+          <a:xfrm>
+            <a:off x="97276" y="63500"/>
+            <a:ext cx="7766320" cy="662298"/>
+          </a:xfrm>
+        </p:spPr>
+        <p:txBody>
+          <a:bodyPr/>
+          <a:lstStyle/>
+          <a:p>
+            <a:pPr eaLnBrk="1" hangingPunct="1"/>
+            <a:r>
+              <a:rPr lang="en-US" altLang="en-US" dirty="0">
+                <a:ea typeface="ＭＳ Ｐゴシック" panose="020B0600070205080204" pitchFamily="34" charset="-128"/>
+              </a:rPr>
+              <a:t>Lab 1: Day Of the Week</a:t>
+            </a:r>
+          </a:p>
+        </p:txBody>
+      </p:sp>
+      <p:sp>
+        <p:nvSpPr>
+          <p:cNvPr id="40962" name="Rectangle 3">
+            <a:extLst>
+              <a:ext uri="{FF2B5EF4-FFF2-40B4-BE49-F238E27FC236}">
+                <a16:creationId xmlns:a16="http://schemas.microsoft.com/office/drawing/2014/main" id="{95CBFE7E-C29B-E04D-A37E-0DBCF46A1435}"/>
+              </a:ext>
+            </a:extLst>
+          </p:cNvPr>
+          <p:cNvSpPr>
+            <a:spLocks noGrp="1" noChangeArrowheads="1"/>
+          </p:cNvSpPr>
+          <p:nvPr>
+            <p:ph type="body" idx="1"/>
+          </p:nvPr>
+        </p:nvSpPr>
+        <p:spPr>
+          <a:xfrm>
+            <a:off x="105179" y="647977"/>
+            <a:ext cx="8933640" cy="4925702"/>
+          </a:xfrm>
+        </p:spPr>
+        <p:txBody>
+          <a:bodyPr/>
+          <a:lstStyle/>
+          <a:p>
+            <a:pPr eaLnBrk="1" hangingPunct="1">
+              <a:buFontTx/>
+              <a:buNone/>
+            </a:pPr>
+            <a:r>
+              <a:rPr lang="en-US" altLang="en-US" sz="1833" dirty="0">
+                <a:ea typeface="ＭＳ Ｐゴシック" panose="020B0600070205080204" pitchFamily="34" charset="-128"/>
+              </a:rPr>
+              <a:t>Create a new </a:t>
+            </a:r>
+            <a:r>
+              <a:rPr lang="en-US" altLang="en-US" sz="1833" dirty="0" err="1">
+                <a:ea typeface="ＭＳ Ｐゴシック" panose="020B0600070205080204" pitchFamily="34" charset="-128"/>
+              </a:rPr>
+              <a:t>repl</a:t>
+            </a:r>
+            <a:r>
+              <a:rPr lang="en-US" altLang="en-US" sz="1833" dirty="0">
+                <a:ea typeface="ＭＳ Ｐゴシック" panose="020B0600070205080204" pitchFamily="34" charset="-128"/>
+              </a:rPr>
+              <a:t> on </a:t>
+            </a:r>
+            <a:r>
+              <a:rPr lang="en-US" altLang="en-US" sz="1833" dirty="0" err="1">
+                <a:ea typeface="ＭＳ Ｐゴシック" panose="020B0600070205080204" pitchFamily="34" charset="-128"/>
+              </a:rPr>
+              <a:t>replit</a:t>
+            </a:r>
+            <a:r>
+              <a:rPr lang="en-US" altLang="en-US" sz="1833" dirty="0">
+                <a:ea typeface="ＭＳ Ｐゴシック" panose="020B0600070205080204" pitchFamily="34" charset="-128"/>
+              </a:rPr>
+              <a:t>. Write a program that outputs the day of the week for a given </a:t>
+            </a:r>
+          </a:p>
+          <a:p>
+            <a:pPr eaLnBrk="1" hangingPunct="1">
+              <a:buFontTx/>
+              <a:buNone/>
+            </a:pPr>
+            <a:r>
+              <a:rPr lang="en-US" altLang="en-US" sz="1833" dirty="0">
+                <a:ea typeface="ＭＳ Ｐゴシック" panose="020B0600070205080204" pitchFamily="34" charset="-128"/>
+              </a:rPr>
+              <a:t>date! You program must the program template discussed in this lecture.  It should include</a:t>
+            </a:r>
+          </a:p>
+          <a:p>
+            <a:pPr eaLnBrk="1" hangingPunct="1">
+              <a:buFontTx/>
+              <a:buNone/>
+            </a:pPr>
+            <a:r>
+              <a:rPr lang="en-US" altLang="en-US" sz="1833" dirty="0">
+                <a:ea typeface="ＭＳ Ｐゴシック" panose="020B0600070205080204" pitchFamily="34" charset="-128"/>
+              </a:rPr>
+              <a:t>the main function and the </a:t>
+            </a:r>
+            <a:r>
+              <a:rPr lang="en-US" altLang="en-US" sz="1833" dirty="0" err="1">
+                <a:ea typeface="ＭＳ Ｐゴシック" panose="020B0600070205080204" pitchFamily="34" charset="-128"/>
+              </a:rPr>
+              <a:t>day_off_week</a:t>
+            </a:r>
+            <a:r>
+              <a:rPr lang="en-US" altLang="en-US" sz="1833" dirty="0">
+                <a:ea typeface="ＭＳ Ｐゴシック" panose="020B0600070205080204" pitchFamily="34" charset="-128"/>
+              </a:rPr>
+              <a:t> function below.  </a:t>
+            </a:r>
+          </a:p>
+          <a:p>
+            <a:pPr eaLnBrk="1" hangingPunct="1">
+              <a:buFontTx/>
+              <a:buNone/>
+            </a:pPr>
+            <a:r>
+              <a:rPr lang="en-US" altLang="en-US" sz="1833" dirty="0">
+                <a:ea typeface="ＭＳ Ｐゴシック" panose="020B0600070205080204" pitchFamily="34" charset="-128"/>
+              </a:rPr>
+              <a:t>Given the month, m, day, d and year y, the day of the week(Sunday = 0, Monday = 1, …,</a:t>
+            </a:r>
+          </a:p>
+          <a:p>
+            <a:pPr eaLnBrk="1" hangingPunct="1">
+              <a:buFontTx/>
+              <a:buNone/>
+            </a:pPr>
+            <a:r>
+              <a:rPr lang="en-US" altLang="en-US" sz="1833" dirty="0">
+                <a:ea typeface="ＭＳ Ｐゴシック" panose="020B0600070205080204" pitchFamily="34" charset="-128"/>
+              </a:rPr>
+              <a:t>Saturday = 6) D is given by:</a:t>
+            </a:r>
+          </a:p>
+          <a:p>
+            <a:pPr eaLnBrk="1" hangingPunct="1">
+              <a:buFontTx/>
+              <a:buNone/>
+            </a:pPr>
+            <a:endParaRPr lang="en-US" altLang="en-US" sz="1833" dirty="0">
+              <a:ea typeface="ＭＳ Ｐゴシック" panose="020B0600070205080204" pitchFamily="34" charset="-128"/>
+            </a:endParaRPr>
+          </a:p>
+          <a:p>
+            <a:pPr eaLnBrk="1" hangingPunct="1">
+              <a:buFontTx/>
+              <a:buNone/>
+            </a:pPr>
+            <a:endParaRPr lang="en-US" altLang="en-US" sz="1833" dirty="0">
+              <a:ea typeface="ＭＳ Ｐゴシック" panose="020B0600070205080204" pitchFamily="34" charset="-128"/>
+            </a:endParaRPr>
+          </a:p>
+          <a:p>
+            <a:pPr eaLnBrk="1" hangingPunct="1">
+              <a:buFontTx/>
+              <a:buNone/>
+            </a:pPr>
+            <a:endParaRPr lang="en-US" altLang="en-US" sz="1833" dirty="0">
+              <a:ea typeface="ＭＳ Ｐゴシック" panose="020B0600070205080204" pitchFamily="34" charset="-128"/>
+            </a:endParaRPr>
+          </a:p>
+          <a:p>
+            <a:pPr eaLnBrk="1" hangingPunct="1">
+              <a:buFontTx/>
+              <a:buNone/>
+            </a:pPr>
+            <a:endParaRPr lang="en-US" altLang="en-US" sz="1833" dirty="0">
+              <a:ea typeface="ＭＳ Ｐゴシック" panose="020B0600070205080204" pitchFamily="34" charset="-128"/>
+            </a:endParaRPr>
+          </a:p>
+          <a:p>
+            <a:pPr eaLnBrk="1" hangingPunct="1">
+              <a:buFontTx/>
+              <a:buNone/>
+            </a:pPr>
+            <a:r>
+              <a:rPr lang="en-US" altLang="en-US" sz="1833" b="1" dirty="0">
+                <a:solidFill>
+                  <a:srgbClr val="FF0000"/>
+                </a:solidFill>
+                <a:ea typeface="ＭＳ Ｐゴシック" panose="020B0600070205080204" pitchFamily="34" charset="-128"/>
+              </a:rPr>
+              <a:t>Note: the / operator from the above equations is floor division // in Python. The </a:t>
+            </a:r>
+          </a:p>
+          <a:p>
+            <a:pPr eaLnBrk="1" hangingPunct="1">
+              <a:buFontTx/>
+              <a:buNone/>
+            </a:pPr>
+            <a:r>
+              <a:rPr lang="en-US" altLang="en-US" sz="1833" b="1" dirty="0">
+                <a:solidFill>
+                  <a:srgbClr val="FF0000"/>
+                </a:solidFill>
+                <a:ea typeface="ＭＳ Ｐゴシック" panose="020B0600070205080204" pitchFamily="34" charset="-128"/>
+              </a:rPr>
+              <a:t>mod operator is %.</a:t>
+            </a:r>
+          </a:p>
+          <a:p>
+            <a:pPr eaLnBrk="1" hangingPunct="1">
+              <a:buFontTx/>
+              <a:buNone/>
+            </a:pPr>
+            <a:r>
+              <a:rPr lang="en-US" altLang="en-US" sz="1833" dirty="0">
+                <a:ea typeface="ＭＳ Ｐゴシック" panose="020B0600070205080204" pitchFamily="34" charset="-128"/>
+              </a:rPr>
+              <a:t>Your program needs the following method and the main function.</a:t>
+            </a:r>
+          </a:p>
+          <a:p>
+            <a:pPr eaLnBrk="1" hangingPunct="1">
+              <a:buFontTx/>
+              <a:buNone/>
+            </a:pPr>
+            <a:r>
+              <a:rPr lang="en-US" altLang="en-US" sz="2000" b="1" dirty="0">
+                <a:latin typeface="Inconsolata Medium" panose="020B0609030003000000" pitchFamily="49" charset="77"/>
+                <a:ea typeface="Tahoma" panose="020B0604030504040204" pitchFamily="34" charset="0"/>
+                <a:cs typeface="Courier New" panose="02070309020205020404" pitchFamily="49" charset="0"/>
+              </a:rPr>
+              <a:t>def </a:t>
+            </a:r>
+            <a:r>
+              <a:rPr lang="en-US" altLang="en-US" sz="2000" b="1" dirty="0" err="1">
+                <a:latin typeface="Inconsolata Medium" panose="020B0609030003000000" pitchFamily="49" charset="77"/>
+                <a:ea typeface="Tahoma" panose="020B0604030504040204" pitchFamily="34" charset="0"/>
+                <a:cs typeface="Courier New" panose="02070309020205020404" pitchFamily="49" charset="0"/>
+              </a:rPr>
+              <a:t>day_of_week</a:t>
+            </a:r>
+            <a:r>
+              <a:rPr lang="en-US" altLang="en-US" sz="2000" b="1" dirty="0">
+                <a:latin typeface="Inconsolata Medium" panose="020B0609030003000000" pitchFamily="49" charset="77"/>
+                <a:ea typeface="Tahoma" panose="020B0604030504040204" pitchFamily="34" charset="0"/>
+                <a:cs typeface="Courier New" panose="02070309020205020404" pitchFamily="49" charset="0"/>
+              </a:rPr>
+              <a:t>(m, d, y):</a:t>
+            </a:r>
+          </a:p>
+          <a:p>
+            <a:pPr eaLnBrk="1" hangingPunct="1">
+              <a:buFontTx/>
+              <a:buNone/>
+            </a:pPr>
+            <a:r>
+              <a:rPr lang="en-US" altLang="en-US" sz="2000" b="1" dirty="0">
+                <a:latin typeface="Inconsolata Medium" panose="020B0609030003000000" pitchFamily="49" charset="77"/>
+                <a:ea typeface="Tahoma" panose="020B0604030504040204" pitchFamily="34" charset="0"/>
+                <a:cs typeface="Courier New" panose="02070309020205020404" pitchFamily="49" charset="0"/>
+              </a:rPr>
+              <a:t>		# your code implementation</a:t>
+            </a:r>
+          </a:p>
+        </p:txBody>
+      </p:sp>
+      <p:pic>
+        <p:nvPicPr>
+          <p:cNvPr id="40963" name="Picture 1">
+            <a:extLst>
+              <a:ext uri="{FF2B5EF4-FFF2-40B4-BE49-F238E27FC236}">
+                <a16:creationId xmlns:a16="http://schemas.microsoft.com/office/drawing/2014/main" id="{132EE64E-2666-A648-8980-DA4F2C3F08AD}"/>
+              </a:ext>
+            </a:extLst>
+          </p:cNvPr>
+          <p:cNvPicPr>
+            <a:picLocks noChangeAspect="1" noChangeArrowheads="1"/>
+          </p:cNvPicPr>
+          <p:nvPr/>
+        </p:nvPicPr>
+        <p:blipFill>
+          <a:blip r:embed="rId3">
+            <a:extLst>
+              <a:ext uri="{28A0092B-C50C-407E-A947-70E740481C1C}">
+                <a14:useLocalDpi xmlns:a14="http://schemas.microsoft.com/office/drawing/2010/main" val="0"/>
+              </a:ext>
+            </a:extLst>
+          </a:blip>
+          <a:srcRect/>
+          <a:stretch>
+            <a:fillRect/>
+          </a:stretch>
+        </p:blipFill>
+        <p:spPr bwMode="auto">
+          <a:xfrm>
+            <a:off x="2592915" y="2369994"/>
+            <a:ext cx="3958167" cy="1481667"/>
+          </a:xfrm>
+          <a:prstGeom prst="rect">
+            <a:avLst/>
+          </a:prstGeom>
+          <a:noFill/>
+          <a:ln>
+            <a:noFill/>
+          </a:ln>
+          <a:extLst>
+            <a:ext uri="{909E8E84-426E-40DD-AFC4-6F175D3DCCD1}">
+              <a14:hiddenFill xmlns:a14="http://schemas.microsoft.com/office/drawing/2010/main">
+                <a:solidFill>
+                  <a:srgbClr val="FFFFFF"/>
+                </a:solidFill>
+              </a14:hiddenFill>
+            </a:ext>
+            <a:ext uri="{91240B29-F687-4F45-9708-019B960494DF}">
+              <a14:hiddenLine xmlns:a14="http://schemas.microsoft.com/office/drawing/2010/main" w="9525">
+                <a:solidFill>
+                  <a:srgbClr val="000000"/>
+                </a:solidFill>
+                <a:miter lim="800000"/>
+                <a:headEnd/>
+                <a:tailEnd/>
+              </a14:hiddenLine>
+            </a:ext>
+          </a:extLst>
+        </p:spPr>
+      </p:pic>
+    </p:spTree>
+    <p:extLst>
+      <p:ext uri="{BB962C8B-B14F-4D97-AF65-F5344CB8AC3E}">
+        <p14:creationId xmlns:p14="http://schemas.microsoft.com/office/powerpoint/2010/main" val="226687820"/>
+      </p:ext>
+    </p:extLst>
+  </p:cSld>
+  <p:clrMapOvr>
+    <a:masterClrMapping/>
+  </p:clrMapOvr>
+  <p:transition/>
+</p:sld>
+</file>
+
+<file path=ppt/slides/slide28.xml><?xml version="1.0" encoding="utf-8"?>
+<p:sld xmlns:a="http://schemas.openxmlformats.org/drawingml/2006/main" xmlns:r="http://schemas.openxmlformats.org/officeDocument/2006/relationships" xmlns:p="http://schemas.openxmlformats.org/presentationml/2006/main">
+  <p:cSld>
+    <p:spTree>
+      <p:nvGrpSpPr>
+        <p:cNvPr id="1" name=""/>
+        <p:cNvGrpSpPr/>
+        <p:nvPr/>
+      </p:nvGrpSpPr>
+      <p:grpSpPr>
+        <a:xfrm>
+          <a:off x="0" y="0"/>
+          <a:ext cx="0" cy="0"/>
+          <a:chOff x="0" y="0"/>
+          <a:chExt cx="0" cy="0"/>
+        </a:xfrm>
+      </p:grpSpPr>
+      <p:sp>
+        <p:nvSpPr>
+          <p:cNvPr id="43009" name="Rectangle 2">
+            <a:extLst>
+              <a:ext uri="{FF2B5EF4-FFF2-40B4-BE49-F238E27FC236}">
+                <a16:creationId xmlns:a16="http://schemas.microsoft.com/office/drawing/2014/main" id="{504CDE1E-2E67-4F45-B8D7-8B8B0A11427F}"/>
+              </a:ext>
+            </a:extLst>
+          </p:cNvPr>
+          <p:cNvSpPr>
+            <a:spLocks noGrp="1" noChangeArrowheads="1"/>
+          </p:cNvSpPr>
+          <p:nvPr>
+            <p:ph type="title"/>
+          </p:nvPr>
+        </p:nvSpPr>
+        <p:spPr>
+          <a:xfrm>
+            <a:off x="113083" y="150598"/>
+            <a:ext cx="7620405" cy="833865"/>
+          </a:xfrm>
+        </p:spPr>
+        <p:txBody>
+          <a:bodyPr/>
+          <a:lstStyle/>
+          <a:p>
+            <a:pPr eaLnBrk="1" hangingPunct="1"/>
+            <a:r>
+              <a:rPr lang="en-US" altLang="en-US" dirty="0">
+                <a:ea typeface="ＭＳ Ｐゴシック" panose="020B0600070205080204" pitchFamily="34" charset="-128"/>
+              </a:rPr>
+              <a:t>Lab 1: Day Of the Week</a:t>
+            </a:r>
+          </a:p>
+        </p:txBody>
+      </p:sp>
+      <p:sp>
+        <p:nvSpPr>
+          <p:cNvPr id="43010" name="Rectangle 3">
+            <a:extLst>
+              <a:ext uri="{FF2B5EF4-FFF2-40B4-BE49-F238E27FC236}">
+                <a16:creationId xmlns:a16="http://schemas.microsoft.com/office/drawing/2014/main" id="{DDAB1DA6-6116-F740-A9FA-E38390037BBC}"/>
+              </a:ext>
+            </a:extLst>
+          </p:cNvPr>
+          <p:cNvSpPr>
+            <a:spLocks noGrp="1" noChangeArrowheads="1"/>
+          </p:cNvSpPr>
+          <p:nvPr>
+            <p:ph type="body" idx="1"/>
+          </p:nvPr>
+        </p:nvSpPr>
+        <p:spPr>
+          <a:xfrm>
+            <a:off x="113083" y="984464"/>
+            <a:ext cx="8875274" cy="4579938"/>
+          </a:xfrm>
+        </p:spPr>
+        <p:txBody>
+          <a:bodyPr/>
+          <a:lstStyle/>
+          <a:p>
+            <a:pPr eaLnBrk="1" hangingPunct="1">
+              <a:buFontTx/>
+              <a:buNone/>
+            </a:pPr>
+            <a:r>
+              <a:rPr lang="en-US" altLang="en-US" sz="1833" dirty="0">
+                <a:ea typeface="ＭＳ Ｐゴシック" panose="020B0600070205080204" pitchFamily="34" charset="-128"/>
+              </a:rPr>
+              <a:t>Your program should have output similar to the following</a:t>
+            </a:r>
+            <a:r>
+              <a:rPr lang="en-US" altLang="en-US" sz="1833" dirty="0">
+                <a:ea typeface="ＭＳ Ｐゴシック" panose="020B0600070205080204" pitchFamily="34" charset="-128"/>
+                <a:sym typeface="Wingdings" pitchFamily="2" charset="2"/>
+              </a:rPr>
+              <a:t>: </a:t>
+            </a:r>
+            <a:endParaRPr lang="en-US" altLang="en-US" sz="1833" dirty="0">
+              <a:ea typeface="ＭＳ Ｐゴシック" panose="020B0600070205080204" pitchFamily="34" charset="-128"/>
+            </a:endParaRPr>
+          </a:p>
+          <a:p>
+            <a:pPr eaLnBrk="1" hangingPunct="1">
+              <a:buFontTx/>
+              <a:buNone/>
+            </a:pPr>
+            <a:endParaRPr lang="en-US" altLang="en-US" sz="1833" dirty="0">
+              <a:ea typeface="ＭＳ Ｐゴシック" panose="020B0600070205080204" pitchFamily="34" charset="-128"/>
+            </a:endParaRPr>
+          </a:p>
+          <a:p>
+            <a:pPr eaLnBrk="1" hangingPunct="1">
+              <a:buFontTx/>
+              <a:buNone/>
+            </a:pPr>
+            <a:r>
+              <a:rPr lang="en-US" altLang="en-US" sz="1833" dirty="0">
+                <a:ea typeface="ＭＳ Ｐゴシック" panose="020B0600070205080204" pitchFamily="34" charset="-128"/>
+              </a:rPr>
+              <a:t>Enter month: 10</a:t>
+            </a:r>
+          </a:p>
+          <a:p>
+            <a:pPr eaLnBrk="1" hangingPunct="1">
+              <a:buFontTx/>
+              <a:buNone/>
+            </a:pPr>
+            <a:r>
+              <a:rPr lang="en-US" altLang="en-US" sz="1833" dirty="0">
+                <a:ea typeface="ＭＳ Ｐゴシック" panose="020B0600070205080204" pitchFamily="34" charset="-128"/>
+              </a:rPr>
+              <a:t>Enter day: 27</a:t>
+            </a:r>
+          </a:p>
+          <a:p>
+            <a:pPr eaLnBrk="1" hangingPunct="1">
+              <a:buFontTx/>
+              <a:buNone/>
+            </a:pPr>
+            <a:r>
+              <a:rPr lang="en-US" altLang="en-US" sz="1833" dirty="0">
+                <a:ea typeface="ＭＳ Ｐゴシック" panose="020B0600070205080204" pitchFamily="34" charset="-128"/>
+              </a:rPr>
+              <a:t>Enter year: 2020</a:t>
+            </a:r>
+          </a:p>
+          <a:p>
+            <a:pPr eaLnBrk="1" hangingPunct="1">
+              <a:buFontTx/>
+              <a:buNone/>
+            </a:pPr>
+            <a:r>
+              <a:rPr lang="en-US" altLang="en-US" sz="1833" dirty="0">
+                <a:ea typeface="ＭＳ Ｐゴシック" panose="020B0600070205080204" pitchFamily="34" charset="-128"/>
+              </a:rPr>
+              <a:t>Day of the week: Tuesday</a:t>
+            </a:r>
+          </a:p>
+          <a:p>
+            <a:pPr eaLnBrk="1" hangingPunct="1">
+              <a:buFontTx/>
+              <a:buNone/>
+            </a:pPr>
+            <a:endParaRPr lang="en-US" altLang="en-US" sz="1833" dirty="0">
+              <a:ea typeface="ＭＳ Ｐゴシック" panose="020B0600070205080204" pitchFamily="34" charset="-128"/>
+            </a:endParaRPr>
+          </a:p>
+          <a:p>
+            <a:pPr eaLnBrk="1" hangingPunct="1">
+              <a:buFontTx/>
+              <a:buNone/>
+            </a:pPr>
+            <a:endParaRPr lang="en-US" altLang="en-US" sz="1833" dirty="0">
+              <a:ea typeface="ＭＳ Ｐゴシック" panose="020B0600070205080204" pitchFamily="34" charset="-128"/>
+            </a:endParaRPr>
+          </a:p>
+          <a:p>
+            <a:pPr eaLnBrk="1" hangingPunct="1">
+              <a:buFontTx/>
+              <a:buNone/>
+            </a:pPr>
+            <a:r>
+              <a:rPr lang="en-US" altLang="en-US" sz="1833" dirty="0">
+                <a:ea typeface="ＭＳ Ｐゴシック" panose="020B0600070205080204" pitchFamily="34" charset="-128"/>
+              </a:rPr>
+              <a:t>And try entering your birthday and test your parents!</a:t>
+            </a:r>
+          </a:p>
+        </p:txBody>
+      </p:sp>
+    </p:spTree>
+    <p:extLst>
+      <p:ext uri="{BB962C8B-B14F-4D97-AF65-F5344CB8AC3E}">
+        <p14:creationId xmlns:p14="http://schemas.microsoft.com/office/powerpoint/2010/main" val="70090437"/>
+      </p:ext>
+    </p:extLst>
+  </p:cSld>
+  <p:clrMapOvr>
+    <a:masterClrMapping/>
+  </p:clrMapOvr>
+  <p:transition/>
+</p:sld>
+</file>
+
+<file path=ppt/slides/slide29.xml><?xml version="1.0" encoding="utf-8"?>
 <p:sld xmlns:a="http://schemas.openxmlformats.org/drawingml/2006/main" xmlns:r="http://schemas.openxmlformats.org/officeDocument/2006/relationships" xmlns:p="http://schemas.openxmlformats.org/presentationml/2006/main">
   <p:cSld>
     <p:spTree>
@@ -25114,4 +26943,299 @@
     </a:ext>
   </a:extLst>
 </a:theme>
+</file>
+
+<file path=ppt/theme/theme2.xml><?xml version="1.0" encoding="utf-8"?>
+<a:theme xmlns:a="http://schemas.openxmlformats.org/drawingml/2006/main" name="Office Theme">
+  <a:themeElements>
+    <a:clrScheme name="Office">
+      <a:dk1>
+        <a:sysClr val="windowText" lastClr="000000"/>
+      </a:dk1>
+      <a:lt1>
+        <a:sysClr val="window" lastClr="FFFFFF"/>
+      </a:lt1>
+      <a:dk2>
+        <a:srgbClr val="44546A"/>
+      </a:dk2>
+      <a:lt2>
+        <a:srgbClr val="E7E6E6"/>
+      </a:lt2>
+      <a:accent1>
+        <a:srgbClr val="4472C4"/>
+      </a:accent1>
+      <a:accent2>
+        <a:srgbClr val="ED7D31"/>
+      </a:accent2>
+      <a:accent3>
+        <a:srgbClr val="A5A5A5"/>
+      </a:accent3>
+      <a:accent4>
+        <a:srgbClr val="FFC000"/>
+      </a:accent4>
+      <a:accent5>
+        <a:srgbClr val="5B9BD5"/>
+      </a:accent5>
+      <a:accent6>
+        <a:srgbClr val="70AD47"/>
+      </a:accent6>
+      <a:hlink>
+        <a:srgbClr val="0563C1"/>
+      </a:hlink>
+      <a:folHlink>
+        <a:srgbClr val="954F72"/>
+      </a:folHlink>
+    </a:clrScheme>
+    <a:fontScheme name="Office">
+      <a:majorFont>
+        <a:latin typeface="Calibri Light" panose="020F0302020204030204"/>
+        <a:ea typeface=""/>
+        <a:cs typeface=""/>
+        <a:font script="Jpan" typeface="游ゴシック Light"/>
+        <a:font script="Hang" typeface="맑은 고딕"/>
+        <a:font script="Hans" typeface="等线 Light"/>
+        <a:font script="Hant" typeface="新細明體"/>
+        <a:font script="Arab" typeface="Times New Roman"/>
+        <a:font script="Hebr" typeface="Times New Roman"/>
+        <a:font script="Thai" typeface="Angsana New"/>
+        <a:font script="Ethi" typeface="Nyala"/>
+        <a:font script="Beng" typeface="Vrinda"/>
+        <a:font script="Gujr" typeface="Shruti"/>
+        <a:font script="Khmr" typeface="MoolBoran"/>
+        <a:font script="Knda" typeface="Tunga"/>
+        <a:font script="Guru" typeface="Raavi"/>
+        <a:font script="Cans" typeface="Euphemia"/>
+        <a:font script="Cher" typeface="Plantagenet Cherokee"/>
+        <a:font script="Yiii" typeface="Microsoft Yi Baiti"/>
+        <a:font script="Tibt" typeface="Microsoft Himalaya"/>
+        <a:font script="Thaa" typeface="MV Boli"/>
+        <a:font script="Deva" typeface="Mangal"/>
+        <a:font script="Telu" typeface="Gautami"/>
+        <a:font script="Taml" typeface="Latha"/>
+        <a:font script="Syrc" typeface="Estrangelo Edessa"/>
+        <a:font script="Orya" typeface="Kalinga"/>
+        <a:font script="Mlym" typeface="Kartika"/>
+        <a:font script="Laoo" typeface="DokChampa"/>
+        <a:font script="Sinh" typeface="Iskoola Pota"/>
+        <a:font script="Mong" typeface="Mongolian Baiti"/>
+        <a:font script="Viet" typeface="Times New Roman"/>
+        <a:font script="Uigh" typeface="Microsoft Uighur"/>
+        <a:font script="Geor" typeface="Sylfaen"/>
+        <a:font script="Armn" typeface="Arial"/>
+        <a:font script="Bugi" typeface="Leelawadee UI"/>
+        <a:font script="Bopo" typeface="Microsoft JhengHei"/>
+        <a:font script="Java" typeface="Javanese Text"/>
+        <a:font script="Lisu" typeface="Segoe UI"/>
+        <a:font script="Mymr" typeface="Myanmar Text"/>
+        <a:font script="Nkoo" typeface="Ebrima"/>
+        <a:font script="Olck" typeface="Nirmala UI"/>
+        <a:font script="Osma" typeface="Ebrima"/>
+        <a:font script="Phag" typeface="Phagspa"/>
+        <a:font script="Syrn" typeface="Estrangelo Edessa"/>
+        <a:font script="Syrj" typeface="Estrangelo Edessa"/>
+        <a:font script="Syre" typeface="Estrangelo Edessa"/>
+        <a:font script="Sora" typeface="Nirmala UI"/>
+        <a:font script="Tale" typeface="Microsoft Tai Le"/>
+        <a:font script="Talu" typeface="Microsoft New Tai Lue"/>
+        <a:font script="Tfng" typeface="Ebrima"/>
+      </a:majorFont>
+      <a:minorFont>
+        <a:latin typeface="Calibri" panose="020F0502020204030204"/>
+        <a:ea typeface=""/>
+        <a:cs typeface=""/>
+        <a:font script="Jpan" typeface="游ゴシック"/>
+        <a:font script="Hang" typeface="맑은 고딕"/>
+        <a:font script="Hans" typeface="等线"/>
+        <a:font script="Hant" typeface="新細明體"/>
+        <a:font script="Arab" typeface="Arial"/>
+        <a:font script="Hebr" typeface="Arial"/>
+        <a:font script="Thai" typeface="Cordia New"/>
+        <a:font script="Ethi" typeface="Nyala"/>
+        <a:font script="Beng" typeface="Vrinda"/>
+        <a:font script="Gujr" typeface="Shruti"/>
+        <a:font script="Khmr" typeface="DaunPenh"/>
+        <a:font script="Knda" typeface="Tunga"/>
+        <a:font script="Guru" typeface="Raavi"/>
+        <a:font script="Cans" typeface="Euphemia"/>
+        <a:font script="Cher" typeface="Plantagenet Cherokee"/>
+        <a:font script="Yiii" typeface="Microsoft Yi Baiti"/>
+        <a:font script="Tibt" typeface="Microsoft Himalaya"/>
+        <a:font script="Thaa" typeface="MV Boli"/>
+        <a:font script="Deva" typeface="Mangal"/>
+        <a:font script="Telu" typeface="Gautami"/>
+        <a:font script="Taml" typeface="Latha"/>
+        <a:font script="Syrc" typeface="Estrangelo Edessa"/>
+        <a:font script="Orya" typeface="Kalinga"/>
+        <a:font script="Mlym" typeface="Kartika"/>
+        <a:font script="Laoo" typeface="DokChampa"/>
+        <a:font script="Sinh" typeface="Iskoola Pota"/>
+        <a:font script="Mong" typeface="Mongolian Baiti"/>
+        <a:font script="Viet" typeface="Arial"/>
+        <a:font script="Uigh" typeface="Microsoft Uighur"/>
+        <a:font script="Geor" typeface="Sylfaen"/>
+        <a:font script="Armn" typeface="Arial"/>
+        <a:font script="Bugi" typeface="Leelawadee UI"/>
+        <a:font script="Bopo" typeface="Microsoft JhengHei"/>
+        <a:font script="Java" typeface="Javanese Text"/>
+        <a:font script="Lisu" typeface="Segoe UI"/>
+        <a:font script="Mymr" typeface="Myanmar Text"/>
+        <a:font script="Nkoo" typeface="Ebrima"/>
+        <a:font script="Olck" typeface="Nirmala UI"/>
+        <a:font script="Osma" typeface="Ebrima"/>
+        <a:font script="Phag" typeface="Phagspa"/>
+        <a:font script="Syrn" typeface="Estrangelo Edessa"/>
+        <a:font script="Syrj" typeface="Estrangelo Edessa"/>
+        <a:font script="Syre" typeface="Estrangelo Edessa"/>
+        <a:font script="Sora" typeface="Nirmala UI"/>
+        <a:font script="Tale" typeface="Microsoft Tai Le"/>
+        <a:font script="Talu" typeface="Microsoft New Tai Lue"/>
+        <a:font script="Tfng" typeface="Ebrima"/>
+      </a:minorFont>
+    </a:fontScheme>
+    <a:fmtScheme name="Office">
+      <a:fillStyleLst>
+        <a:solidFill>
+          <a:schemeClr val="phClr"/>
+        </a:solidFill>
+        <a:gradFill rotWithShape="1">
+          <a:gsLst>
+            <a:gs pos="0">
+              <a:schemeClr val="phClr">
+                <a:lumMod val="110000"/>
+                <a:satMod val="105000"/>
+                <a:tint val="67000"/>
+              </a:schemeClr>
+            </a:gs>
+            <a:gs pos="50000">
+              <a:schemeClr val="phClr">
+                <a:lumMod val="105000"/>
+                <a:satMod val="103000"/>
+                <a:tint val="73000"/>
+              </a:schemeClr>
+            </a:gs>
+            <a:gs pos="100000">
+              <a:schemeClr val="phClr">
+                <a:lumMod val="105000"/>
+                <a:satMod val="109000"/>
+                <a:tint val="81000"/>
+              </a:schemeClr>
+            </a:gs>
+          </a:gsLst>
+          <a:lin ang="5400000" scaled="0"/>
+        </a:gradFill>
+        <a:gradFill rotWithShape="1">
+          <a:gsLst>
+            <a:gs pos="0">
+              <a:schemeClr val="phClr">
+                <a:satMod val="103000"/>
+                <a:lumMod val="102000"/>
+                <a:tint val="94000"/>
+              </a:schemeClr>
+            </a:gs>
+            <a:gs pos="50000">
+              <a:schemeClr val="phClr">
+                <a:satMod val="110000"/>
+                <a:lumMod val="100000"/>
+                <a:shade val="100000"/>
+              </a:schemeClr>
+            </a:gs>
+            <a:gs pos="100000">
+              <a:schemeClr val="phClr">
+                <a:lumMod val="99000"/>
+                <a:satMod val="120000"/>
+                <a:shade val="78000"/>
+              </a:schemeClr>
+            </a:gs>
+          </a:gsLst>
+          <a:lin ang="5400000" scaled="0"/>
+        </a:gradFill>
+      </a:fillStyleLst>
+      <a:lnStyleLst>
+        <a:ln w="6350" cap="flat" cmpd="sng" algn="ctr">
+          <a:solidFill>
+            <a:schemeClr val="phClr"/>
+          </a:solidFill>
+          <a:prstDash val="solid"/>
+          <a:miter lim="800000"/>
+        </a:ln>
+        <a:ln w="12700" cap="flat" cmpd="sng" algn="ctr">
+          <a:solidFill>
+            <a:schemeClr val="phClr"/>
+          </a:solidFill>
+          <a:prstDash val="solid"/>
+          <a:miter lim="800000"/>
+        </a:ln>
+        <a:ln w="19050" cap="flat" cmpd="sng" algn="ctr">
+          <a:solidFill>
+            <a:schemeClr val="phClr"/>
+          </a:solidFill>
+          <a:prstDash val="solid"/>
+          <a:miter lim="800000"/>
+        </a:ln>
+      </a:lnStyleLst>
+      <a:effectStyleLst>
+        <a:effectStyle>
+          <a:effectLst/>
+        </a:effectStyle>
+        <a:effectStyle>
+          <a:effectLst/>
+        </a:effectStyle>
+        <a:effectStyle>
+          <a:effectLst>
+            <a:outerShdw blurRad="57150" dist="19050" dir="5400000" algn="ctr" rotWithShape="0">
+              <a:srgbClr val="000000">
+                <a:alpha val="63000"/>
+              </a:srgbClr>
+            </a:outerShdw>
+          </a:effectLst>
+        </a:effectStyle>
+      </a:effectStyleLst>
+      <a:bgFillStyleLst>
+        <a:solidFill>
+          <a:schemeClr val="phClr"/>
+        </a:solidFill>
+        <a:solidFill>
+          <a:schemeClr val="phClr">
+            <a:tint val="95000"/>
+            <a:satMod val="170000"/>
+          </a:schemeClr>
+        </a:solidFill>
+        <a:gradFill rotWithShape="1">
+          <a:gsLst>
+            <a:gs pos="0">
+              <a:schemeClr val="phClr">
+                <a:tint val="93000"/>
+                <a:satMod val="150000"/>
+                <a:shade val="98000"/>
+                <a:lumMod val="102000"/>
+              </a:schemeClr>
+            </a:gs>
+            <a:gs pos="50000">
+              <a:schemeClr val="phClr">
+                <a:tint val="98000"/>
+                <a:satMod val="130000"/>
+                <a:shade val="90000"/>
+                <a:lumMod val="103000"/>
+              </a:schemeClr>
+            </a:gs>
+            <a:gs pos="100000">
+              <a:schemeClr val="phClr">
+                <a:shade val="63000"/>
+                <a:satMod val="120000"/>
+              </a:schemeClr>
+            </a:gs>
+          </a:gsLst>
+          <a:lin ang="5400000" scaled="0"/>
+        </a:gradFill>
+      </a:bgFillStyleLst>
+    </a:fmtScheme>
+  </a:themeElements>
+  <a:objectDefaults/>
+  <a:extraClrSchemeLst/>
+  <a:extLst>
+    <a:ext uri="{05A4C25C-085E-4340-85A3-A5531E510DB2}">
+      <thm15:themeFamily xmlns:thm15="http://schemas.microsoft.com/office/thememl/2012/main" name="Office Theme" id="{62F939B6-93AF-4DB8-9C6B-D6C7DFDC589F}" vid="{4A3C46E8-61CC-4603-A589-7422A47A8E4A}"/>
+    </a:ext>
+  </a:extLst>
+</a:theme>
 </file>
--- a/courses/apcsp/lect4.pptx
+++ b/courses/apcsp/lect4.pptx
@@ -153,7 +153,7 @@
 <file path=ppt/revisionInfo.xml><?xml version="1.0" encoding="utf-8"?>
 <p1510:revInfo xmlns:a="http://schemas.openxmlformats.org/drawingml/2006/main" xmlns:r="http://schemas.openxmlformats.org/officeDocument/2006/relationships" xmlns:p1510="http://schemas.microsoft.com/office/powerpoint/2015/10/main">
   <p1510:revLst>
-    <p1510:client id="{923F1440-0843-AA48-A969-AE3912695618}" v="4085" dt="2021-06-04T16:27:59.797"/>
+    <p1510:client id="{4C2FC867-C2FC-8048-8952-4886924F1964}" v="1" dt="2021-06-09T15:33:44.628"/>
   </p1510:revLst>
 </p1510:revInfo>
 </file>
@@ -3782,7 +3782,7 @@
   <pc:docChgLst>
     <pc:chgData name="Long B Nguyen" userId="f59fb8f3-a021-417a-8bc1-65c8d471c621" providerId="ADAL" clId="{4C2FC867-C2FC-8048-8952-4886924F1964}"/>
     <pc:docChg chg="modSld">
-      <pc:chgData name="Long B Nguyen" userId="f59fb8f3-a021-417a-8bc1-65c8d471c621" providerId="ADAL" clId="{4C2FC867-C2FC-8048-8952-4886924F1964}" dt="2021-06-04T16:30:58.322" v="170" actId="20577"/>
+      <pc:chgData name="Long B Nguyen" userId="f59fb8f3-a021-417a-8bc1-65c8d471c621" providerId="ADAL" clId="{4C2FC867-C2FC-8048-8952-4886924F1964}" dt="2021-06-09T15:33:49.272" v="436" actId="14100"/>
       <pc:docMkLst>
         <pc:docMk/>
       </pc:docMkLst>
@@ -3802,19 +3802,213 @@
         </pc:spChg>
       </pc:sldChg>
       <pc:sldChg chg="modSp mod">
-        <pc:chgData name="Long B Nguyen" userId="f59fb8f3-a021-417a-8bc1-65c8d471c621" providerId="ADAL" clId="{4C2FC867-C2FC-8048-8952-4886924F1964}" dt="2021-06-04T16:30:02.607" v="78" actId="20577"/>
+        <pc:chgData name="Long B Nguyen" userId="f59fb8f3-a021-417a-8bc1-65c8d471c621" providerId="ADAL" clId="{4C2FC867-C2FC-8048-8952-4886924F1964}" dt="2021-06-09T15:31:11.475" v="261" actId="1076"/>
+        <pc:sldMkLst>
+          <pc:docMk/>
+          <pc:sldMk cId="3395584097" sldId="404"/>
+        </pc:sldMkLst>
+        <pc:spChg chg="mod">
+          <ac:chgData name="Long B Nguyen" userId="f59fb8f3-a021-417a-8bc1-65c8d471c621" providerId="ADAL" clId="{4C2FC867-C2FC-8048-8952-4886924F1964}" dt="2021-06-09T15:29:53.418" v="190" actId="20577"/>
+          <ac:spMkLst>
+            <pc:docMk/>
+            <pc:sldMk cId="3395584097" sldId="404"/>
+            <ac:spMk id="8" creationId="{1044117C-21C0-1F45-A298-07265AA9815C}"/>
+          </ac:spMkLst>
+        </pc:spChg>
+        <pc:spChg chg="mod">
+          <ac:chgData name="Long B Nguyen" userId="f59fb8f3-a021-417a-8bc1-65c8d471c621" providerId="ADAL" clId="{4C2FC867-C2FC-8048-8952-4886924F1964}" dt="2021-06-09T15:31:05.740" v="259" actId="20577"/>
+          <ac:spMkLst>
+            <pc:docMk/>
+            <pc:sldMk cId="3395584097" sldId="404"/>
+            <ac:spMk id="9" creationId="{E3B2E017-30B2-884B-A113-B419A2ED51AD}"/>
+          </ac:spMkLst>
+        </pc:spChg>
+        <pc:spChg chg="mod">
+          <ac:chgData name="Long B Nguyen" userId="f59fb8f3-a021-417a-8bc1-65c8d471c621" providerId="ADAL" clId="{4C2FC867-C2FC-8048-8952-4886924F1964}" dt="2021-06-09T15:29:57.206" v="195" actId="20577"/>
+          <ac:spMkLst>
+            <pc:docMk/>
+            <pc:sldMk cId="3395584097" sldId="404"/>
+            <ac:spMk id="25" creationId="{B9BB4991-4105-EC40-918A-F22FD2AF1EC5}"/>
+          </ac:spMkLst>
+        </pc:spChg>
+        <pc:cxnChg chg="mod">
+          <ac:chgData name="Long B Nguyen" userId="f59fb8f3-a021-417a-8bc1-65c8d471c621" providerId="ADAL" clId="{4C2FC867-C2FC-8048-8952-4886924F1964}" dt="2021-06-09T15:31:10.002" v="260" actId="1076"/>
+          <ac:cxnSpMkLst>
+            <pc:docMk/>
+            <pc:sldMk cId="3395584097" sldId="404"/>
+            <ac:cxnSpMk id="18" creationId="{12FC02BD-45AD-764F-91B5-1546B5C0BC0D}"/>
+          </ac:cxnSpMkLst>
+        </pc:cxnChg>
+        <pc:cxnChg chg="mod">
+          <ac:chgData name="Long B Nguyen" userId="f59fb8f3-a021-417a-8bc1-65c8d471c621" providerId="ADAL" clId="{4C2FC867-C2FC-8048-8952-4886924F1964}" dt="2021-06-09T15:31:11.475" v="261" actId="1076"/>
+          <ac:cxnSpMkLst>
+            <pc:docMk/>
+            <pc:sldMk cId="3395584097" sldId="404"/>
+            <ac:cxnSpMk id="22" creationId="{A7D6B793-CDB8-474B-81AF-D75035A77EBB}"/>
+          </ac:cxnSpMkLst>
+        </pc:cxnChg>
+      </pc:sldChg>
+      <pc:sldChg chg="modSp mod">
+        <pc:chgData name="Long B Nguyen" userId="f59fb8f3-a021-417a-8bc1-65c8d471c621" providerId="ADAL" clId="{4C2FC867-C2FC-8048-8952-4886924F1964}" dt="2021-06-09T15:30:33.163" v="243" actId="20577"/>
         <pc:sldMkLst>
           <pc:docMk/>
           <pc:sldMk cId="3714893887" sldId="405"/>
         </pc:sldMkLst>
         <pc:spChg chg="mod">
-          <ac:chgData name="Long B Nguyen" userId="f59fb8f3-a021-417a-8bc1-65c8d471c621" providerId="ADAL" clId="{4C2FC867-C2FC-8048-8952-4886924F1964}" dt="2021-06-04T16:30:02.607" v="78" actId="20577"/>
+          <ac:chgData name="Long B Nguyen" userId="f59fb8f3-a021-417a-8bc1-65c8d471c621" providerId="ADAL" clId="{4C2FC867-C2FC-8048-8952-4886924F1964}" dt="2021-06-09T15:30:09.271" v="212" actId="20577"/>
+          <ac:spMkLst>
+            <pc:docMk/>
+            <pc:sldMk cId="3714893887" sldId="405"/>
+            <ac:spMk id="9" creationId="{E3B2E017-30B2-884B-A113-B419A2ED51AD}"/>
+          </ac:spMkLst>
+        </pc:spChg>
+        <pc:spChg chg="mod">
+          <ac:chgData name="Long B Nguyen" userId="f59fb8f3-a021-417a-8bc1-65c8d471c621" providerId="ADAL" clId="{4C2FC867-C2FC-8048-8952-4886924F1964}" dt="2021-06-09T15:30:33.163" v="243" actId="20577"/>
           <ac:spMkLst>
             <pc:docMk/>
             <pc:sldMk cId="3714893887" sldId="405"/>
             <ac:spMk id="11" creationId="{64246B44-6C38-BF40-A25C-4A2CECDA19B3}"/>
           </ac:spMkLst>
         </pc:spChg>
+      </pc:sldChg>
+      <pc:sldChg chg="modSp mod">
+        <pc:chgData name="Long B Nguyen" userId="f59fb8f3-a021-417a-8bc1-65c8d471c621" providerId="ADAL" clId="{4C2FC867-C2FC-8048-8952-4886924F1964}" dt="2021-06-09T15:30:28.413" v="238" actId="20577"/>
+        <pc:sldMkLst>
+          <pc:docMk/>
+          <pc:sldMk cId="2579223391" sldId="407"/>
+        </pc:sldMkLst>
+        <pc:spChg chg="mod">
+          <ac:chgData name="Long B Nguyen" userId="f59fb8f3-a021-417a-8bc1-65c8d471c621" providerId="ADAL" clId="{4C2FC867-C2FC-8048-8952-4886924F1964}" dt="2021-06-09T15:30:23.920" v="233" actId="20577"/>
+          <ac:spMkLst>
+            <pc:docMk/>
+            <pc:sldMk cId="2579223391" sldId="407"/>
+            <ac:spMk id="9" creationId="{E3B2E017-30B2-884B-A113-B419A2ED51AD}"/>
+          </ac:spMkLst>
+        </pc:spChg>
+        <pc:spChg chg="mod">
+          <ac:chgData name="Long B Nguyen" userId="f59fb8f3-a021-417a-8bc1-65c8d471c621" providerId="ADAL" clId="{4C2FC867-C2FC-8048-8952-4886924F1964}" dt="2021-06-09T15:30:28.413" v="238" actId="20577"/>
+          <ac:spMkLst>
+            <pc:docMk/>
+            <pc:sldMk cId="2579223391" sldId="407"/>
+            <ac:spMk id="11" creationId="{64246B44-6C38-BF40-A25C-4A2CECDA19B3}"/>
+          </ac:spMkLst>
+        </pc:spChg>
+      </pc:sldChg>
+      <pc:sldChg chg="modSp mod">
+        <pc:chgData name="Long B Nguyen" userId="f59fb8f3-a021-417a-8bc1-65c8d471c621" providerId="ADAL" clId="{4C2FC867-C2FC-8048-8952-4886924F1964}" dt="2021-06-09T15:31:27.441" v="276" actId="20577"/>
+        <pc:sldMkLst>
+          <pc:docMk/>
+          <pc:sldMk cId="3574827976" sldId="408"/>
+        </pc:sldMkLst>
+        <pc:spChg chg="mod">
+          <ac:chgData name="Long B Nguyen" userId="f59fb8f3-a021-417a-8bc1-65c8d471c621" providerId="ADAL" clId="{4C2FC867-C2FC-8048-8952-4886924F1964}" dt="2021-06-09T15:31:27.441" v="276" actId="20577"/>
+          <ac:spMkLst>
+            <pc:docMk/>
+            <pc:sldMk cId="3574827976" sldId="408"/>
+            <ac:spMk id="7" creationId="{AA7E18CE-9CDC-D041-AC86-C1E1DDDB4F0B}"/>
+          </ac:spMkLst>
+        </pc:spChg>
+        <pc:spChg chg="mod">
+          <ac:chgData name="Long B Nguyen" userId="f59fb8f3-a021-417a-8bc1-65c8d471c621" providerId="ADAL" clId="{4C2FC867-C2FC-8048-8952-4886924F1964}" dt="2021-06-09T15:31:25.190" v="271" actId="20577"/>
+          <ac:spMkLst>
+            <pc:docMk/>
+            <pc:sldMk cId="3574827976" sldId="408"/>
+            <ac:spMk id="9" creationId="{E3B2E017-30B2-884B-A113-B419A2ED51AD}"/>
+          </ac:spMkLst>
+        </pc:spChg>
+      </pc:sldChg>
+      <pc:sldChg chg="modSp mod">
+        <pc:chgData name="Long B Nguyen" userId="f59fb8f3-a021-417a-8bc1-65c8d471c621" providerId="ADAL" clId="{4C2FC867-C2FC-8048-8952-4886924F1964}" dt="2021-06-09T15:33:02.683" v="335" actId="20577"/>
+        <pc:sldMkLst>
+          <pc:docMk/>
+          <pc:sldMk cId="3264478660" sldId="409"/>
+        </pc:sldMkLst>
+        <pc:spChg chg="mod">
+          <ac:chgData name="Long B Nguyen" userId="f59fb8f3-a021-417a-8bc1-65c8d471c621" providerId="ADAL" clId="{4C2FC867-C2FC-8048-8952-4886924F1964}" dt="2021-06-09T15:33:02.683" v="335" actId="20577"/>
+          <ac:spMkLst>
+            <pc:docMk/>
+            <pc:sldMk cId="3264478660" sldId="409"/>
+            <ac:spMk id="9" creationId="{E3B2E017-30B2-884B-A113-B419A2ED51AD}"/>
+          </ac:spMkLst>
+        </pc:spChg>
+        <pc:cxnChg chg="mod">
+          <ac:chgData name="Long B Nguyen" userId="f59fb8f3-a021-417a-8bc1-65c8d471c621" providerId="ADAL" clId="{4C2FC867-C2FC-8048-8952-4886924F1964}" dt="2021-06-09T15:32:58.714" v="328" actId="1076"/>
+          <ac:cxnSpMkLst>
+            <pc:docMk/>
+            <pc:sldMk cId="3264478660" sldId="409"/>
+            <ac:cxnSpMk id="10" creationId="{6361E901-977C-3043-B3DB-2EDE6502F174}"/>
+          </ac:cxnSpMkLst>
+        </pc:cxnChg>
+      </pc:sldChg>
+      <pc:sldChg chg="addSp modSp mod">
+        <pc:chgData name="Long B Nguyen" userId="f59fb8f3-a021-417a-8bc1-65c8d471c621" providerId="ADAL" clId="{4C2FC867-C2FC-8048-8952-4886924F1964}" dt="2021-06-09T15:33:49.272" v="436" actId="14100"/>
+        <pc:sldMkLst>
+          <pc:docMk/>
+          <pc:sldMk cId="1866381520" sldId="410"/>
+        </pc:sldMkLst>
+        <pc:spChg chg="mod">
+          <ac:chgData name="Long B Nguyen" userId="f59fb8f3-a021-417a-8bc1-65c8d471c621" providerId="ADAL" clId="{4C2FC867-C2FC-8048-8952-4886924F1964}" dt="2021-06-09T15:33:35.140" v="433" actId="20577"/>
+          <ac:spMkLst>
+            <pc:docMk/>
+            <pc:sldMk cId="1866381520" sldId="410"/>
+            <ac:spMk id="7" creationId="{AA7E18CE-9CDC-D041-AC86-C1E1DDDB4F0B}"/>
+          </ac:spMkLst>
+        </pc:spChg>
+        <pc:spChg chg="mod">
+          <ac:chgData name="Long B Nguyen" userId="f59fb8f3-a021-417a-8bc1-65c8d471c621" providerId="ADAL" clId="{4C2FC867-C2FC-8048-8952-4886924F1964}" dt="2021-06-09T15:33:19.412" v="350" actId="20577"/>
+          <ac:spMkLst>
+            <pc:docMk/>
+            <pc:sldMk cId="1866381520" sldId="410"/>
+            <ac:spMk id="9" creationId="{E3B2E017-30B2-884B-A113-B419A2ED51AD}"/>
+          </ac:spMkLst>
+        </pc:spChg>
+        <pc:cxnChg chg="add mod">
+          <ac:chgData name="Long B Nguyen" userId="f59fb8f3-a021-417a-8bc1-65c8d471c621" providerId="ADAL" clId="{4C2FC867-C2FC-8048-8952-4886924F1964}" dt="2021-06-09T15:33:49.272" v="436" actId="14100"/>
+          <ac:cxnSpMkLst>
+            <pc:docMk/>
+            <pc:sldMk cId="1866381520" sldId="410"/>
+            <ac:cxnSpMk id="5" creationId="{0ABA6DE1-FF08-FD4A-ACAD-E9C8563058F2}"/>
+          </ac:cxnSpMkLst>
+        </pc:cxnChg>
+      </pc:sldChg>
+      <pc:sldChg chg="modSp mod">
+        <pc:chgData name="Long B Nguyen" userId="f59fb8f3-a021-417a-8bc1-65c8d471c621" providerId="ADAL" clId="{4C2FC867-C2FC-8048-8952-4886924F1964}" dt="2021-06-09T15:32:47.497" v="317" actId="1035"/>
+        <pc:sldMkLst>
+          <pc:docMk/>
+          <pc:sldMk cId="3445107113" sldId="411"/>
+        </pc:sldMkLst>
+        <pc:spChg chg="mod">
+          <ac:chgData name="Long B Nguyen" userId="f59fb8f3-a021-417a-8bc1-65c8d471c621" providerId="ADAL" clId="{4C2FC867-C2FC-8048-8952-4886924F1964}" dt="2021-06-09T15:32:30.304" v="303" actId="1076"/>
+          <ac:spMkLst>
+            <pc:docMk/>
+            <pc:sldMk cId="3445107113" sldId="411"/>
+            <ac:spMk id="7" creationId="{AA7E18CE-9CDC-D041-AC86-C1E1DDDB4F0B}"/>
+          </ac:spMkLst>
+        </pc:spChg>
+        <pc:spChg chg="mod">
+          <ac:chgData name="Long B Nguyen" userId="f59fb8f3-a021-417a-8bc1-65c8d471c621" providerId="ADAL" clId="{4C2FC867-C2FC-8048-8952-4886924F1964}" dt="2021-06-09T15:32:21.352" v="301" actId="20577"/>
+          <ac:spMkLst>
+            <pc:docMk/>
+            <pc:sldMk cId="3445107113" sldId="411"/>
+            <ac:spMk id="8" creationId="{D32F6971-737B-D044-955B-F9BE7D2D4B7B}"/>
+          </ac:spMkLst>
+        </pc:spChg>
+        <pc:spChg chg="mod">
+          <ac:chgData name="Long B Nguyen" userId="f59fb8f3-a021-417a-8bc1-65c8d471c621" providerId="ADAL" clId="{4C2FC867-C2FC-8048-8952-4886924F1964}" dt="2021-06-09T15:32:43.123" v="310" actId="20577"/>
+          <ac:spMkLst>
+            <pc:docMk/>
+            <pc:sldMk cId="3445107113" sldId="411"/>
+            <ac:spMk id="9" creationId="{E3B2E017-30B2-884B-A113-B419A2ED51AD}"/>
+          </ac:spMkLst>
+        </pc:spChg>
+        <pc:cxnChg chg="mod">
+          <ac:chgData name="Long B Nguyen" userId="f59fb8f3-a021-417a-8bc1-65c8d471c621" providerId="ADAL" clId="{4C2FC867-C2FC-8048-8952-4886924F1964}" dt="2021-06-09T15:32:47.497" v="317" actId="1035"/>
+          <ac:cxnSpMkLst>
+            <pc:docMk/>
+            <pc:sldMk cId="3445107113" sldId="411"/>
+            <ac:cxnSpMk id="10" creationId="{6361E901-977C-3043-B3DB-2EDE6502F174}"/>
+          </ac:cxnSpMkLst>
+        </pc:cxnChg>
       </pc:sldChg>
     </pc:docChg>
   </pc:docChgLst>
@@ -3903,7 +4097,7 @@
           <a:p>
             <a:fld id="{C7FAEDB2-35B7-DB4E-B759-62368E9476B1}" type="datetimeFigureOut">
               <a:rPr lang="en-US" smtClean="0"/>
-              <a:t>6/4/21</a:t>
+              <a:t>6/9/21</a:t>
             </a:fld>
             <a:endParaRPr lang="en-US"/>
           </a:p>
@@ -5113,7 +5307,7 @@
           <a:p>
             <a:fld id="{4AAD347D-5ACD-4C99-B74B-A9C85AD731AF}" type="datetimeFigureOut">
               <a:rPr lang="en-US" smtClean="0"/>
-              <a:t>6/4/21</a:t>
+              <a:t>6/9/21</a:t>
             </a:fld>
             <a:endParaRPr lang="en-US" dirty="0"/>
           </a:p>
@@ -5283,7 +5477,7 @@
           <a:p>
             <a:fld id="{4509A250-FF31-4206-8172-F9D3106AACB1}" type="datetimeFigureOut">
               <a:rPr lang="en-US" smtClean="0"/>
-              <a:t>6/4/21</a:t>
+              <a:t>6/9/21</a:t>
             </a:fld>
             <a:endParaRPr lang="en-US" dirty="0"/>
           </a:p>
@@ -5463,7 +5657,7 @@
           <a:p>
             <a:fld id="{4509A250-FF31-4206-8172-F9D3106AACB1}" type="datetimeFigureOut">
               <a:rPr lang="en-US" smtClean="0"/>
-              <a:t>6/4/21</a:t>
+              <a:t>6/9/21</a:t>
             </a:fld>
             <a:endParaRPr lang="en-US" dirty="0"/>
           </a:p>
@@ -5633,7 +5827,7 @@
           <a:p>
             <a:fld id="{4509A250-FF31-4206-8172-F9D3106AACB1}" type="datetimeFigureOut">
               <a:rPr lang="en-US" smtClean="0"/>
-              <a:t>6/4/21</a:t>
+              <a:t>6/9/21</a:t>
             </a:fld>
             <a:endParaRPr lang="en-US" dirty="0"/>
           </a:p>
@@ -5879,7 +6073,7 @@
           <a:p>
             <a:fld id="{9796027F-7875-4030-9381-8BD8C4F21935}" type="datetimeFigureOut">
               <a:rPr lang="en-US" smtClean="0"/>
-              <a:t>6/4/21</a:t>
+              <a:t>6/9/21</a:t>
             </a:fld>
             <a:endParaRPr lang="en-US" dirty="0"/>
           </a:p>
@@ -6111,7 +6305,7 @@
           <a:p>
             <a:fld id="{9796027F-7875-4030-9381-8BD8C4F21935}" type="datetimeFigureOut">
               <a:rPr lang="en-US" smtClean="0"/>
-              <a:t>6/4/21</a:t>
+              <a:t>6/9/21</a:t>
             </a:fld>
             <a:endParaRPr lang="en-US" dirty="0"/>
           </a:p>
@@ -6478,7 +6672,7 @@
           <a:p>
             <a:fld id="{9796027F-7875-4030-9381-8BD8C4F21935}" type="datetimeFigureOut">
               <a:rPr lang="en-US" smtClean="0"/>
-              <a:t>6/4/21</a:t>
+              <a:t>6/9/21</a:t>
             </a:fld>
             <a:endParaRPr lang="en-US" dirty="0"/>
           </a:p>
@@ -6596,7 +6790,7 @@
           <a:p>
             <a:fld id="{4509A250-FF31-4206-8172-F9D3106AACB1}" type="datetimeFigureOut">
               <a:rPr lang="en-US" smtClean="0"/>
-              <a:t>6/4/21</a:t>
+              <a:t>6/9/21</a:t>
             </a:fld>
             <a:endParaRPr lang="en-US" dirty="0"/>
           </a:p>
@@ -6691,7 +6885,7 @@
           <a:p>
             <a:fld id="{4509A250-FF31-4206-8172-F9D3106AACB1}" type="datetimeFigureOut">
               <a:rPr lang="en-US" smtClean="0"/>
-              <a:t>6/4/21</a:t>
+              <a:t>6/9/21</a:t>
             </a:fld>
             <a:endParaRPr lang="en-US" dirty="0"/>
           </a:p>
@@ -6968,7 +7162,7 @@
           <a:p>
             <a:fld id="{4509A250-FF31-4206-8172-F9D3106AACB1}" type="datetimeFigureOut">
               <a:rPr lang="en-US" smtClean="0"/>
-              <a:t>6/4/21</a:t>
+              <a:t>6/9/21</a:t>
             </a:fld>
             <a:endParaRPr lang="en-US" dirty="0"/>
           </a:p>
@@ -7225,7 +7419,7 @@
           <a:p>
             <a:fld id="{4509A250-FF31-4206-8172-F9D3106AACB1}" type="datetimeFigureOut">
               <a:rPr lang="en-US" smtClean="0"/>
-              <a:t>6/4/21</a:t>
+              <a:t>6/9/21</a:t>
             </a:fld>
             <a:endParaRPr lang="en-US" dirty="0"/>
           </a:p>
@@ -7438,7 +7632,7 @@
           <a:p>
             <a:fld id="{4AAD347D-5ACD-4C99-B74B-A9C85AD731AF}" type="datetimeFigureOut">
               <a:rPr lang="en-US" smtClean="0"/>
-              <a:t>6/4/21</a:t>
+              <a:t>6/9/21</a:t>
             </a:fld>
             <a:endParaRPr lang="en-US" dirty="0"/>
           </a:p>
@@ -8232,7 +8426,7 @@
                 </a:solidFill>
                 <a:latin typeface="Inconsolata" panose="020B0609030003000000" pitchFamily="49" charset="77"/>
               </a:rPr>
-              <a:t>abs</a:t>
+              <a:t>absolute</a:t>
             </a:r>
             <a:r>
               <a:rPr lang="en-US" sz="1800" b="1" dirty="0">
@@ -8432,7 +8626,7 @@
                 </a:solidFill>
                 <a:latin typeface="Inconsolata" panose="020B0609030003000000" pitchFamily="49" charset="77"/>
               </a:rPr>
-              <a:t>abs(-10) 	</a:t>
+              <a:t>absolute(-10) 	</a:t>
             </a:r>
             <a:endParaRPr lang="en-US" sz="1900" b="1" dirty="0">
               <a:solidFill>
@@ -8452,7 +8646,7 @@
                 </a:solidFill>
                 <a:latin typeface="Inconsolata" panose="020B0609030003000000" pitchFamily="49" charset="77"/>
               </a:rPr>
-              <a:t>abs(5)	</a:t>
+              <a:t>absolute(5)	</a:t>
             </a:r>
             <a:endParaRPr lang="en-US" sz="1900" b="1" dirty="0">
               <a:solidFill>
@@ -8541,7 +8735,7 @@
                   <a:srgbClr val="FF0000"/>
                 </a:solidFill>
               </a:rPr>
-              <a:t>The second time abs() is called, a new variable x is created with  the value 5. </a:t>
+              <a:t>The second time absolute() is called, a new variable x is created with  the value 5. </a:t>
             </a:r>
           </a:p>
           <a:p>
@@ -8730,7 +8924,7 @@
                 </a:solidFill>
                 <a:latin typeface="Inconsolata" panose="020B0609030003000000" pitchFamily="49" charset="77"/>
               </a:rPr>
-              <a:t>abs</a:t>
+              <a:t>absolute</a:t>
             </a:r>
             <a:r>
               <a:rPr lang="en-US" sz="1800" b="1" dirty="0">
@@ -8928,7 +9122,7 @@
                 </a:solidFill>
                 <a:latin typeface="Inconsolata" panose="020B0609030003000000" pitchFamily="49" charset="77"/>
               </a:rPr>
-              <a:t>abs(-10)</a:t>
+              <a:t>absolute(-10)</a:t>
             </a:r>
             <a:r>
               <a:rPr lang="en-US" sz="1900" b="1" dirty="0">
@@ -8982,7 +9176,7 @@
                   <a:srgbClr val="FF0000"/>
                 </a:solidFill>
               </a:rPr>
-              <a:t>the function returns or outputs 10 which is stored in the expression abs(-10)</a:t>
+              <a:t>the function returns or outputs 10 which is stored in the expression absolute(-10)</a:t>
             </a:r>
           </a:p>
         </p:txBody>
@@ -9129,11 +9323,6 @@
               <a:rPr lang="en-US" sz="2000" dirty="0"/>
               <a:t>If a function returns a value, the function call expression represents the returned value!</a:t>
             </a:r>
-          </a:p>
-          <a:p>
-            <a:pPr marL="0" indent="0">
-              <a:buNone/>
-            </a:pPr>
             <a:endParaRPr lang="en-US" sz="2000" b="1" dirty="0">
               <a:solidFill>
                 <a:srgbClr val="006699"/>
@@ -9147,19 +9336,8 @@
             </a:pPr>
             <a:r>
               <a:rPr lang="en-US" sz="2000" dirty="0"/>
-              <a:t>For example, below, the expression abs(-10) is equal to the returned value of 10. </a:t>
-            </a:r>
-            <a:endParaRPr lang="en-US" sz="2000" b="1" dirty="0">
-              <a:solidFill>
-                <a:srgbClr val="006699"/>
-              </a:solidFill>
-              <a:latin typeface="Inconsolata" panose="020B0609030003000000" pitchFamily="49" charset="77"/>
-            </a:endParaRPr>
-          </a:p>
-          <a:p>
-            <a:pPr marL="0" indent="0">
-              <a:buNone/>
-            </a:pPr>
+              <a:t>For example, below, the expression absolute(-10) is equal to the returned value of 10. </a:t>
+            </a:r>
             <a:endParaRPr lang="en-US" sz="1800" b="1" dirty="0">
               <a:solidFill>
                 <a:srgbClr val="006699"/>
@@ -9198,7 +9376,7 @@
                 </a:solidFill>
                 <a:latin typeface="Inconsolata" panose="020B0609030003000000" pitchFamily="49" charset="77"/>
               </a:rPr>
-              <a:t>abs</a:t>
+              <a:t>absolute</a:t>
             </a:r>
             <a:r>
               <a:rPr lang="en-US" sz="1800" b="1" dirty="0">
@@ -9378,7 +9556,7 @@
                 </a:solidFill>
                 <a:latin typeface="Inconsolata" panose="020B0609030003000000" pitchFamily="49" charset="77"/>
               </a:rPr>
-              <a:t>abs(-10)</a:t>
+              <a:t>absolute(-10)</a:t>
             </a:r>
             <a:r>
               <a:rPr lang="en-US" sz="1900" b="1" dirty="0">
@@ -9412,7 +9590,7 @@
         </p:nvSpPr>
         <p:spPr>
           <a:xfrm>
-            <a:off x="2506956" y="3261751"/>
+            <a:off x="2506956" y="2655437"/>
             <a:ext cx="4130087" cy="1015663"/>
           </a:xfrm>
           <a:prstGeom prst="rect">
@@ -9432,7 +9610,7 @@
                   <a:srgbClr val="FF0000"/>
                 </a:solidFill>
               </a:rPr>
-              <a:t>the function returns or outputs 10 which is stored in the expression abs(-10)</a:t>
+              <a:t>the function returns or outputs 10 which is stored in the expression absolute(-10)</a:t>
             </a:r>
           </a:p>
         </p:txBody>
@@ -9453,8 +9631,8 @@
         </p:nvCxnSpPr>
         <p:spPr>
           <a:xfrm>
-            <a:off x="2337848" y="4355184"/>
-            <a:ext cx="2648931" cy="509047"/>
+            <a:off x="2354094" y="3910517"/>
+            <a:ext cx="2862856" cy="553324"/>
           </a:xfrm>
           <a:prstGeom prst="straightConnector1">
             <a:avLst/>
@@ -9495,8 +9673,8 @@
         </p:nvSpPr>
         <p:spPr>
           <a:xfrm>
-            <a:off x="6514919" y="2158072"/>
-            <a:ext cx="2509439" cy="3693319"/>
+            <a:off x="6575982" y="1778694"/>
+            <a:ext cx="2509439" cy="4247317"/>
           </a:xfrm>
           <a:prstGeom prst="rect">
             <a:avLst/>
@@ -9609,6 +9787,13 @@
             </a:endParaRPr>
           </a:p>
           <a:p>
+            <a:endParaRPr lang="en-US" sz="1800" dirty="0">
+              <a:solidFill>
+                <a:srgbClr val="FF0000"/>
+              </a:solidFill>
+            </a:endParaRPr>
+          </a:p>
+          <a:p>
             <a:r>
               <a:rPr lang="en-US" sz="1800" dirty="0">
                 <a:solidFill>
@@ -9623,10 +9808,8 @@
                   <a:srgbClr val="00B050"/>
                 </a:solidFill>
               </a:rPr>
-              <a:t>abs(-10)</a:t>
-            </a:r>
-          </a:p>
-          <a:p>
+              <a:t>absolute(-10) </a:t>
+            </a:r>
             <a:r>
               <a:rPr lang="en-US" sz="1800" dirty="0">
                 <a:solidFill>
@@ -9797,7 +9980,7 @@
                 </a:solidFill>
                 <a:latin typeface="Inconsolata" panose="020B0609030003000000" pitchFamily="49" charset="77"/>
               </a:rPr>
-              <a:t>abs</a:t>
+              <a:t>absolute</a:t>
             </a:r>
             <a:r>
               <a:rPr lang="en-US" sz="1800" b="1" dirty="0">
@@ -9977,7 +10160,7 @@
                 </a:solidFill>
                 <a:latin typeface="Inconsolata" panose="020B0609030003000000" pitchFamily="49" charset="77"/>
               </a:rPr>
-              <a:t>abs(-10)</a:t>
+              <a:t>absolute(-10)</a:t>
             </a:r>
             <a:r>
               <a:rPr lang="en-US" sz="1900" b="1" dirty="0">
@@ -10009,7 +10192,7 @@
                 </a:solidFill>
                 <a:latin typeface="Inconsolata" panose="020B0609030003000000" pitchFamily="49" charset="77"/>
               </a:rPr>
-              <a:t>abs(-5) </a:t>
+              <a:t>absolute(-5) </a:t>
             </a:r>
             <a:r>
               <a:rPr lang="en-US" sz="1900" b="1" dirty="0">
@@ -10126,7 +10309,7 @@
         </p:nvCxnSpPr>
         <p:spPr>
           <a:xfrm flipH="1">
-            <a:off x="1410511" y="3169421"/>
+            <a:off x="1751630" y="3169421"/>
             <a:ext cx="1342115" cy="1003745"/>
           </a:xfrm>
           <a:prstGeom prst="straightConnector1">
@@ -10292,7 +10475,7 @@
                 </a:solidFill>
                 <a:latin typeface="Inconsolata" panose="020B0609030003000000" pitchFamily="49" charset="77"/>
               </a:rPr>
-              <a:t>abs</a:t>
+              <a:t>absolute</a:t>
             </a:r>
             <a:r>
               <a:rPr lang="en-US" sz="1800" b="1" dirty="0">
@@ -10472,7 +10655,7 @@
                 </a:solidFill>
                 <a:latin typeface="Inconsolata" panose="020B0609030003000000" pitchFamily="49" charset="77"/>
               </a:rPr>
-              <a:t>abs(-10)</a:t>
+              <a:t>absolute(-10)</a:t>
             </a:r>
             <a:r>
               <a:rPr lang="en-US" sz="1900" b="1" dirty="0">
@@ -10504,7 +10687,7 @@
                 </a:solidFill>
                 <a:latin typeface="Inconsolata" panose="020B0609030003000000" pitchFamily="49" charset="77"/>
               </a:rPr>
-              <a:t>abs(-5) </a:t>
+              <a:t>absolute(-5) </a:t>
             </a:r>
             <a:r>
               <a:rPr lang="en-US" sz="1900" b="1" dirty="0">
@@ -10571,7 +10754,7 @@
         <p:spPr>
           <a:xfrm>
             <a:off x="2954800" y="1109379"/>
-            <a:ext cx="4130087" cy="1323439"/>
+            <a:ext cx="4130087" cy="2246769"/>
           </a:xfrm>
           <a:prstGeom prst="rect">
             <a:avLst/>
@@ -10603,8 +10786,69 @@
               <a:t>Functions should NOT print the answer. It should RETURN the answer!</a:t>
             </a:r>
           </a:p>
+          <a:p>
+            <a:endParaRPr lang="en-US" sz="2000" dirty="0">
+              <a:solidFill>
+                <a:srgbClr val="FF0000"/>
+              </a:solidFill>
+            </a:endParaRPr>
+          </a:p>
+          <a:p>
+            <a:r>
+              <a:rPr lang="en-US" sz="2000" dirty="0">
+                <a:solidFill>
+                  <a:srgbClr val="FF0000"/>
+                </a:solidFill>
+              </a:rPr>
+              <a:t>Printing should be done outside the function. Print  the returned value. </a:t>
+            </a:r>
+          </a:p>
         </p:txBody>
       </p:sp>
+      <p:cxnSp>
+        <p:nvCxnSpPr>
+          <p:cNvPr id="5" name="Straight Arrow Connector 4">
+            <a:extLst>
+              <a:ext uri="{FF2B5EF4-FFF2-40B4-BE49-F238E27FC236}">
+                <a16:creationId xmlns:a16="http://schemas.microsoft.com/office/drawing/2014/main" id="{0ABA6DE1-FF08-FD4A-ACAD-E9C8563058F2}"/>
+              </a:ext>
+            </a:extLst>
+          </p:cNvPr>
+          <p:cNvCxnSpPr>
+            <a:cxnSpLocks/>
+          </p:cNvCxnSpPr>
+          <p:nvPr/>
+        </p:nvCxnSpPr>
+        <p:spPr>
+          <a:xfrm flipH="1">
+            <a:off x="5330757" y="3279768"/>
+            <a:ext cx="360144" cy="501873"/>
+          </a:xfrm>
+          <a:prstGeom prst="straightConnector1">
+            <a:avLst/>
+          </a:prstGeom>
+          <a:ln w="31750">
+            <a:solidFill>
+              <a:schemeClr val="tx1"/>
+            </a:solidFill>
+            <a:tailEnd type="triangle"/>
+          </a:ln>
+        </p:spPr>
+        <p:style>
+          <a:lnRef idx="1">
+            <a:schemeClr val="accent1"/>
+          </a:lnRef>
+          <a:fillRef idx="0">
+            <a:schemeClr val="accent1"/>
+          </a:fillRef>
+          <a:effectRef idx="0">
+            <a:schemeClr val="accent1"/>
+          </a:effectRef>
+          <a:fontRef idx="minor">
+            <a:schemeClr val="tx1"/>
+          </a:fontRef>
+        </p:style>
+      </p:cxnSp>
     </p:spTree>
     <p:extLst>
       <p:ext uri="{BB962C8B-B14F-4D97-AF65-F5344CB8AC3E}">
@@ -29690,8 +29934,8 @@
         </p:nvSpPr>
         <p:spPr>
           <a:xfrm>
-            <a:off x="119641" y="623843"/>
-            <a:ext cx="8904718" cy="5091157"/>
+            <a:off x="0" y="544750"/>
+            <a:ext cx="9364827" cy="5087566"/>
           </a:xfrm>
         </p:spPr>
         <p:txBody>
@@ -29705,7 +29949,7 @@
             </a:pPr>
             <a:r>
               <a:rPr lang="en-US" sz="2000" dirty="0"/>
-              <a:t>We like to take the redundant code below and convert it to a function called abs().</a:t>
+              <a:t>We like to take the redundant code below and convert it to a function called absolute().</a:t>
             </a:r>
           </a:p>
           <a:p>
@@ -29728,7 +29972,7 @@
                 </a:solidFill>
                 <a:latin typeface="Inconsolata" panose="020B0609030003000000" pitchFamily="49" charset="77"/>
               </a:rPr>
-              <a:t>abs</a:t>
+              <a:t>absolute</a:t>
             </a:r>
             <a:r>
               <a:rPr lang="en-US" sz="1800" b="1" dirty="0">
@@ -29931,7 +30175,7 @@
                 </a:solidFill>
                 <a:latin typeface="Inconsolata" panose="020B0609030003000000" pitchFamily="49" charset="77"/>
               </a:rPr>
-              <a:t>abs(-10) 	</a:t>
+              <a:t>absolute(-10) 	</a:t>
             </a:r>
             <a:r>
               <a:rPr lang="en-US" sz="1900" b="1" dirty="0">
@@ -29954,7 +30198,7 @@
                 </a:solidFill>
                 <a:latin typeface="Inconsolata" panose="020B0609030003000000" pitchFamily="49" charset="77"/>
               </a:rPr>
-              <a:t>abs(5)	</a:t>
+              <a:t>absolute(5)	</a:t>
             </a:r>
             <a:r>
               <a:rPr lang="en-US" sz="1900" b="1" dirty="0">
@@ -30022,7 +30266,7 @@
                   <a:srgbClr val="FF0000"/>
                 </a:solidFill>
               </a:rPr>
-              <a:t>We placed the code into a function named abs().</a:t>
+              <a:t>We placed the code into a function named absolute().</a:t>
             </a:r>
           </a:p>
           <a:p>
@@ -30060,7 +30304,7 @@
         </p:nvCxnSpPr>
         <p:spPr>
           <a:xfrm flipH="1" flipV="1">
-            <a:off x="1107527" y="3852153"/>
+            <a:off x="1458170" y="3685105"/>
             <a:ext cx="611658" cy="685800"/>
           </a:xfrm>
           <a:prstGeom prst="straightConnector1">
@@ -30104,7 +30348,7 @@
         </p:nvCxnSpPr>
         <p:spPr>
           <a:xfrm flipH="1" flipV="1">
-            <a:off x="1029507" y="4212077"/>
+            <a:off x="1144983" y="4086371"/>
             <a:ext cx="631668" cy="651752"/>
           </a:xfrm>
           <a:prstGeom prst="straightConnector1">
@@ -30166,7 +30410,7 @@
                   <a:srgbClr val="FF0000"/>
                 </a:solidFill>
               </a:rPr>
-              <a:t>Now we can reuse this code by calling on abs() with different inputs!</a:t>
+              <a:t>Now we can reuse this code by calling on absolute() with different inputs!</a:t>
             </a:r>
           </a:p>
         </p:txBody>
@@ -30395,7 +30639,7 @@
                 </a:solidFill>
                 <a:latin typeface="Inconsolata" panose="020B0609030003000000" pitchFamily="49" charset="77"/>
               </a:rPr>
-              <a:t>abs</a:t>
+              <a:t>absolute</a:t>
             </a:r>
             <a:r>
               <a:rPr lang="en-US" sz="1800" b="1" dirty="0">
@@ -30595,7 +30839,7 @@
                 </a:solidFill>
                 <a:latin typeface="Inconsolata" panose="020B0609030003000000" pitchFamily="49" charset="77"/>
               </a:rPr>
-              <a:t>abs(-10) 	</a:t>
+              <a:t>absolute(-10) 	</a:t>
             </a:r>
             <a:endParaRPr lang="en-US" sz="1900" b="1" dirty="0">
               <a:solidFill>
@@ -30615,7 +30859,7 @@
                 </a:solidFill>
                 <a:latin typeface="Inconsolata" panose="020B0609030003000000" pitchFamily="49" charset="77"/>
               </a:rPr>
-              <a:t>abs(5)	</a:t>
+              <a:t>absolute(5)	</a:t>
             </a:r>
             <a:endParaRPr lang="en-US" sz="1900" b="1" dirty="0">
               <a:solidFill>
@@ -30704,7 +30948,7 @@
                   <a:srgbClr val="FF0000"/>
                 </a:solidFill>
               </a:rPr>
-              <a:t>The first time abs() is called, input x variable has the value of -10 </a:t>
+              <a:t>The first time absolute() is called, input x variable has the value of -10 </a:t>
             </a:r>
           </a:p>
           <a:p>

--- a/courses/apcsp/lect4.pptx
+++ b/courses/apcsp/lect4.pptx
@@ -3782,7 +3782,7 @@
   <pc:docChgLst>
     <pc:chgData name="Long B Nguyen" userId="f59fb8f3-a021-417a-8bc1-65c8d471c621" providerId="ADAL" clId="{4C2FC867-C2FC-8048-8952-4886924F1964}"/>
     <pc:docChg chg="modSld">
-      <pc:chgData name="Long B Nguyen" userId="f59fb8f3-a021-417a-8bc1-65c8d471c621" providerId="ADAL" clId="{4C2FC867-C2FC-8048-8952-4886924F1964}" dt="2021-06-09T15:33:49.272" v="436" actId="14100"/>
+      <pc:chgData name="Long B Nguyen" userId="f59fb8f3-a021-417a-8bc1-65c8d471c621" providerId="ADAL" clId="{4C2FC867-C2FC-8048-8952-4886924F1964}" dt="2021-06-09T15:35:48.122" v="528" actId="255"/>
       <pc:docMkLst>
         <pc:docMk/>
       </pc:docMkLst>
@@ -3941,7 +3941,7 @@
         </pc:cxnChg>
       </pc:sldChg>
       <pc:sldChg chg="addSp modSp mod">
-        <pc:chgData name="Long B Nguyen" userId="f59fb8f3-a021-417a-8bc1-65c8d471c621" providerId="ADAL" clId="{4C2FC867-C2FC-8048-8952-4886924F1964}" dt="2021-06-09T15:33:49.272" v="436" actId="14100"/>
+        <pc:chgData name="Long B Nguyen" userId="f59fb8f3-a021-417a-8bc1-65c8d471c621" providerId="ADAL" clId="{4C2FC867-C2FC-8048-8952-4886924F1964}" dt="2021-06-09T15:35:48.122" v="528" actId="255"/>
         <pc:sldMkLst>
           <pc:docMk/>
           <pc:sldMk cId="1866381520" sldId="410"/>
@@ -3955,7 +3955,7 @@
           </ac:spMkLst>
         </pc:spChg>
         <pc:spChg chg="mod">
-          <ac:chgData name="Long B Nguyen" userId="f59fb8f3-a021-417a-8bc1-65c8d471c621" providerId="ADAL" clId="{4C2FC867-C2FC-8048-8952-4886924F1964}" dt="2021-06-09T15:33:19.412" v="350" actId="20577"/>
+          <ac:chgData name="Long B Nguyen" userId="f59fb8f3-a021-417a-8bc1-65c8d471c621" providerId="ADAL" clId="{4C2FC867-C2FC-8048-8952-4886924F1964}" dt="2021-06-09T15:35:48.122" v="528" actId="255"/>
           <ac:spMkLst>
             <pc:docMk/>
             <pc:sldMk cId="1866381520" sldId="410"/>
@@ -10418,8 +10418,8 @@
         </p:nvSpPr>
         <p:spPr>
           <a:xfrm>
-            <a:off x="119641" y="623843"/>
-            <a:ext cx="8904718" cy="5091157"/>
+            <a:off x="0" y="623843"/>
+            <a:ext cx="9144000" cy="5091157"/>
           </a:xfrm>
         </p:spPr>
         <p:txBody>
@@ -10730,12 +10730,31 @@
               </a:rPr>
               <a:t>	</a:t>
             </a:r>
+          </a:p>
+          <a:p>
+            <a:pPr marL="0" indent="0">
+              <a:buNone/>
+            </a:pPr>
             <a:endParaRPr lang="en-US" sz="1900" b="1" dirty="0">
               <a:solidFill>
-                <a:srgbClr val="92D050"/>
+                <a:srgbClr val="000000"/>
               </a:solidFill>
               <a:latin typeface="Inconsolata" panose="020B0609030003000000" pitchFamily="49" charset="77"/>
             </a:endParaRPr>
+          </a:p>
+          <a:p>
+            <a:pPr marL="0" indent="0">
+              <a:buNone/>
+            </a:pPr>
+            <a:r>
+              <a:rPr lang="en-US" b="1" dirty="0">
+                <a:solidFill>
+                  <a:srgbClr val="FF0000"/>
+                </a:solidFill>
+                <a:latin typeface="Gill Sans MT" panose="020B0502020104020203" pitchFamily="34" charset="77"/>
+              </a:rPr>
+              <a:t>Note: Python already has a built-in absolute value function called abs().</a:t>
+            </a:r>
           </a:p>
         </p:txBody>
       </p:sp>

--- a/courses/apcsp/lect4.pptx
+++ b/courses/apcsp/lect4.pptx
@@ -153,13 +153,860 @@
 <file path=ppt/revisionInfo.xml><?xml version="1.0" encoding="utf-8"?>
 <p1510:revInfo xmlns:a="http://schemas.openxmlformats.org/drawingml/2006/main" xmlns:r="http://schemas.openxmlformats.org/officeDocument/2006/relationships" xmlns:p1510="http://schemas.microsoft.com/office/powerpoint/2015/10/main">
   <p1510:revLst>
-    <p1510:client id="{4C2FC867-C2FC-8048-8952-4886924F1964}" v="1" dt="2021-06-09T15:33:44.628"/>
+    <p1510:client id="{7CF42801-12ED-E04E-AC69-6FCBFB1E8006}" v="32" dt="2021-10-04T13:36:25.492"/>
   </p1510:revLst>
 </p1510:revInfo>
 </file>
 
 <file path=ppt/changesInfos/changesInfo1.xml><?xml version="1.0" encoding="utf-8"?>
 <pc:chgInfo xmlns:a="http://schemas.openxmlformats.org/drawingml/2006/main" xmlns:r="http://schemas.openxmlformats.org/officeDocument/2006/relationships" xmlns:ac="http://schemas.microsoft.com/office/drawing/2013/main/command" xmlns:pc="http://schemas.microsoft.com/office/powerpoint/2013/main/command">
+  <pc:docChgLst>
+    <pc:chgData name="Long B Nguyen" userId="f59fb8f3-a021-417a-8bc1-65c8d471c621" providerId="ADAL" clId="{00ED48EA-2E19-B648-B077-22D14873FFED}"/>
+    <pc:docChg chg="undo custSel addSld delSld modSld">
+      <pc:chgData name="Long B Nguyen" userId="f59fb8f3-a021-417a-8bc1-65c8d471c621" providerId="ADAL" clId="{00ED48EA-2E19-B648-B077-22D14873FFED}" dt="2020-10-20T06:07:07.103" v="1596" actId="1076"/>
+      <pc:docMkLst>
+        <pc:docMk/>
+      </pc:docMkLst>
+      <pc:sldChg chg="modSp mod">
+        <pc:chgData name="Long B Nguyen" userId="f59fb8f3-a021-417a-8bc1-65c8d471c621" providerId="ADAL" clId="{00ED48EA-2E19-B648-B077-22D14873FFED}" dt="2020-10-20T05:38:29.932" v="1372" actId="20577"/>
+        <pc:sldMkLst>
+          <pc:docMk/>
+          <pc:sldMk cId="131840209" sldId="286"/>
+        </pc:sldMkLst>
+        <pc:spChg chg="mod">
+          <ac:chgData name="Long B Nguyen" userId="f59fb8f3-a021-417a-8bc1-65c8d471c621" providerId="ADAL" clId="{00ED48EA-2E19-B648-B077-22D14873FFED}" dt="2020-10-20T05:38:29.932" v="1372" actId="20577"/>
+          <ac:spMkLst>
+            <pc:docMk/>
+            <pc:sldMk cId="131840209" sldId="286"/>
+            <ac:spMk id="9" creationId="{E3B2E017-30B2-884B-A113-B419A2ED51AD}"/>
+          </ac:spMkLst>
+        </pc:spChg>
+      </pc:sldChg>
+      <pc:sldChg chg="del">
+        <pc:chgData name="Long B Nguyen" userId="f59fb8f3-a021-417a-8bc1-65c8d471c621" providerId="ADAL" clId="{00ED48EA-2E19-B648-B077-22D14873FFED}" dt="2020-10-20T04:52:11.265" v="0" actId="2696"/>
+        <pc:sldMkLst>
+          <pc:docMk/>
+          <pc:sldMk cId="2219016551" sldId="296"/>
+        </pc:sldMkLst>
+      </pc:sldChg>
+      <pc:sldChg chg="del">
+        <pc:chgData name="Long B Nguyen" userId="f59fb8f3-a021-417a-8bc1-65c8d471c621" providerId="ADAL" clId="{00ED48EA-2E19-B648-B077-22D14873FFED}" dt="2020-10-20T05:09:51.022" v="521" actId="2696"/>
+        <pc:sldMkLst>
+          <pc:docMk/>
+          <pc:sldMk cId="470149039" sldId="300"/>
+        </pc:sldMkLst>
+      </pc:sldChg>
+      <pc:sldChg chg="modSp">
+        <pc:chgData name="Long B Nguyen" userId="f59fb8f3-a021-417a-8bc1-65c8d471c621" providerId="ADAL" clId="{00ED48EA-2E19-B648-B077-22D14873FFED}" dt="2020-10-20T04:56:29.430" v="19" actId="20577"/>
+        <pc:sldMkLst>
+          <pc:docMk/>
+          <pc:sldMk cId="3670596711" sldId="304"/>
+        </pc:sldMkLst>
+        <pc:spChg chg="mod">
+          <ac:chgData name="Long B Nguyen" userId="f59fb8f3-a021-417a-8bc1-65c8d471c621" providerId="ADAL" clId="{00ED48EA-2E19-B648-B077-22D14873FFED}" dt="2020-10-20T04:56:29.430" v="19" actId="20577"/>
+          <ac:spMkLst>
+            <pc:docMk/>
+            <pc:sldMk cId="3670596711" sldId="304"/>
+            <ac:spMk id="9" creationId="{E3B2E017-30B2-884B-A113-B419A2ED51AD}"/>
+          </ac:spMkLst>
+        </pc:spChg>
+      </pc:sldChg>
+      <pc:sldChg chg="addSp modSp mod modAnim">
+        <pc:chgData name="Long B Nguyen" userId="f59fb8f3-a021-417a-8bc1-65c8d471c621" providerId="ADAL" clId="{00ED48EA-2E19-B648-B077-22D14873FFED}" dt="2020-10-20T05:40:22.576" v="1389"/>
+        <pc:sldMkLst>
+          <pc:docMk/>
+          <pc:sldMk cId="3984246490" sldId="307"/>
+        </pc:sldMkLst>
+        <pc:spChg chg="add mod">
+          <ac:chgData name="Long B Nguyen" userId="f59fb8f3-a021-417a-8bc1-65c8d471c621" providerId="ADAL" clId="{00ED48EA-2E19-B648-B077-22D14873FFED}" dt="2020-10-20T04:57:23.799" v="41" actId="1076"/>
+          <ac:spMkLst>
+            <pc:docMk/>
+            <pc:sldMk cId="3984246490" sldId="307"/>
+            <ac:spMk id="3" creationId="{C25232B0-6A8F-8F4D-9BCD-A2E72376627C}"/>
+          </ac:spMkLst>
+        </pc:spChg>
+        <pc:spChg chg="add mod">
+          <ac:chgData name="Long B Nguyen" userId="f59fb8f3-a021-417a-8bc1-65c8d471c621" providerId="ADAL" clId="{00ED48EA-2E19-B648-B077-22D14873FFED}" dt="2020-10-20T04:57:48.491" v="56" actId="20577"/>
+          <ac:spMkLst>
+            <pc:docMk/>
+            <pc:sldMk cId="3984246490" sldId="307"/>
+            <ac:spMk id="11" creationId="{44FD2B9C-7AE0-3C43-BDE7-ACBC728C1206}"/>
+          </ac:spMkLst>
+        </pc:spChg>
+        <pc:cxnChg chg="add mod">
+          <ac:chgData name="Long B Nguyen" userId="f59fb8f3-a021-417a-8bc1-65c8d471c621" providerId="ADAL" clId="{00ED48EA-2E19-B648-B077-22D14873FFED}" dt="2020-10-20T04:57:04.273" v="35" actId="14100"/>
+          <ac:cxnSpMkLst>
+            <pc:docMk/>
+            <pc:sldMk cId="3984246490" sldId="307"/>
+            <ac:cxnSpMk id="7" creationId="{091A7C9A-BF5B-E342-B677-E234AEBDED9F}"/>
+          </ac:cxnSpMkLst>
+        </pc:cxnChg>
+        <pc:cxnChg chg="add mod">
+          <ac:chgData name="Long B Nguyen" userId="f59fb8f3-a021-417a-8bc1-65c8d471c621" providerId="ADAL" clId="{00ED48EA-2E19-B648-B077-22D14873FFED}" dt="2020-10-20T04:57:18.284" v="40" actId="1076"/>
+          <ac:cxnSpMkLst>
+            <pc:docMk/>
+            <pc:sldMk cId="3984246490" sldId="307"/>
+            <ac:cxnSpMk id="10" creationId="{D7FFF2D8-8954-1E4A-9583-2C3898384AF8}"/>
+          </ac:cxnSpMkLst>
+        </pc:cxnChg>
+        <pc:cxnChg chg="add mod">
+          <ac:chgData name="Long B Nguyen" userId="f59fb8f3-a021-417a-8bc1-65c8d471c621" providerId="ADAL" clId="{00ED48EA-2E19-B648-B077-22D14873FFED}" dt="2020-10-20T04:57:43.342" v="46" actId="14100"/>
+          <ac:cxnSpMkLst>
+            <pc:docMk/>
+            <pc:sldMk cId="3984246490" sldId="307"/>
+            <ac:cxnSpMk id="12" creationId="{A585171B-B274-0244-ABC7-EA20AA068991}"/>
+          </ac:cxnSpMkLst>
+        </pc:cxnChg>
+        <pc:cxnChg chg="add mod">
+          <ac:chgData name="Long B Nguyen" userId="f59fb8f3-a021-417a-8bc1-65c8d471c621" providerId="ADAL" clId="{00ED48EA-2E19-B648-B077-22D14873FFED}" dt="2020-10-20T04:57:39.802" v="45" actId="14100"/>
+          <ac:cxnSpMkLst>
+            <pc:docMk/>
+            <pc:sldMk cId="3984246490" sldId="307"/>
+            <ac:cxnSpMk id="13" creationId="{832CD8A7-433F-8544-ACBB-E11EDD26A376}"/>
+          </ac:cxnSpMkLst>
+        </pc:cxnChg>
+      </pc:sldChg>
+      <pc:sldChg chg="modSp mod">
+        <pc:chgData name="Long B Nguyen" userId="f59fb8f3-a021-417a-8bc1-65c8d471c621" providerId="ADAL" clId="{00ED48EA-2E19-B648-B077-22D14873FFED}" dt="2020-10-20T05:06:10.096" v="321" actId="14100"/>
+        <pc:sldMkLst>
+          <pc:docMk/>
+          <pc:sldMk cId="3672999173" sldId="308"/>
+        </pc:sldMkLst>
+        <pc:spChg chg="mod">
+          <ac:chgData name="Long B Nguyen" userId="f59fb8f3-a021-417a-8bc1-65c8d471c621" providerId="ADAL" clId="{00ED48EA-2E19-B648-B077-22D14873FFED}" dt="2020-10-20T05:06:07.601" v="320" actId="1076"/>
+          <ac:spMkLst>
+            <pc:docMk/>
+            <pc:sldMk cId="3672999173" sldId="308"/>
+            <ac:spMk id="2" creationId="{AA3A228F-61D0-D949-A5E7-F83756230BF8}"/>
+          </ac:spMkLst>
+        </pc:spChg>
+        <pc:spChg chg="mod">
+          <ac:chgData name="Long B Nguyen" userId="f59fb8f3-a021-417a-8bc1-65c8d471c621" providerId="ADAL" clId="{00ED48EA-2E19-B648-B077-22D14873FFED}" dt="2020-10-20T05:06:10.096" v="321" actId="14100"/>
+          <ac:spMkLst>
+            <pc:docMk/>
+            <pc:sldMk cId="3672999173" sldId="308"/>
+            <ac:spMk id="9" creationId="{E3B2E017-30B2-884B-A113-B419A2ED51AD}"/>
+          </ac:spMkLst>
+        </pc:spChg>
+      </pc:sldChg>
+      <pc:sldChg chg="delSp modSp mod delAnim">
+        <pc:chgData name="Long B Nguyen" userId="f59fb8f3-a021-417a-8bc1-65c8d471c621" providerId="ADAL" clId="{00ED48EA-2E19-B648-B077-22D14873FFED}" dt="2020-10-20T05:03:57.024" v="318" actId="478"/>
+        <pc:sldMkLst>
+          <pc:docMk/>
+          <pc:sldMk cId="4055245160" sldId="310"/>
+        </pc:sldMkLst>
+        <pc:spChg chg="mod">
+          <ac:chgData name="Long B Nguyen" userId="f59fb8f3-a021-417a-8bc1-65c8d471c621" providerId="ADAL" clId="{00ED48EA-2E19-B648-B077-22D14873FFED}" dt="2020-10-20T05:03:03.450" v="313" actId="1076"/>
+          <ac:spMkLst>
+            <pc:docMk/>
+            <pc:sldMk cId="4055245160" sldId="310"/>
+            <ac:spMk id="2" creationId="{AA3A228F-61D0-D949-A5E7-F83756230BF8}"/>
+          </ac:spMkLst>
+        </pc:spChg>
+        <pc:spChg chg="del mod">
+          <ac:chgData name="Long B Nguyen" userId="f59fb8f3-a021-417a-8bc1-65c8d471c621" providerId="ADAL" clId="{00ED48EA-2E19-B648-B077-22D14873FFED}" dt="2020-10-20T05:03:57.024" v="318" actId="478"/>
+          <ac:spMkLst>
+            <pc:docMk/>
+            <pc:sldMk cId="4055245160" sldId="310"/>
+            <ac:spMk id="4" creationId="{2A32A6EF-01FB-C94C-8CF8-E8F1A32E5C78}"/>
+          </ac:spMkLst>
+        </pc:spChg>
+        <pc:spChg chg="del mod">
+          <ac:chgData name="Long B Nguyen" userId="f59fb8f3-a021-417a-8bc1-65c8d471c621" providerId="ADAL" clId="{00ED48EA-2E19-B648-B077-22D14873FFED}" dt="2020-10-20T05:03:52.501" v="317" actId="478"/>
+          <ac:spMkLst>
+            <pc:docMk/>
+            <pc:sldMk cId="4055245160" sldId="310"/>
+            <ac:spMk id="6" creationId="{86A85409-1D8D-F749-86FB-8BF9670B22EF}"/>
+          </ac:spMkLst>
+        </pc:spChg>
+        <pc:spChg chg="mod">
+          <ac:chgData name="Long B Nguyen" userId="f59fb8f3-a021-417a-8bc1-65c8d471c621" providerId="ADAL" clId="{00ED48EA-2E19-B648-B077-22D14873FFED}" dt="2020-10-20T05:03:06.010" v="314" actId="14100"/>
+          <ac:spMkLst>
+            <pc:docMk/>
+            <pc:sldMk cId="4055245160" sldId="310"/>
+            <ac:spMk id="9" creationId="{E3B2E017-30B2-884B-A113-B419A2ED51AD}"/>
+          </ac:spMkLst>
+        </pc:spChg>
+      </pc:sldChg>
+      <pc:sldChg chg="modSp mod">
+        <pc:chgData name="Long B Nguyen" userId="f59fb8f3-a021-417a-8bc1-65c8d471c621" providerId="ADAL" clId="{00ED48EA-2E19-B648-B077-22D14873FFED}" dt="2020-10-20T05:06:35.444" v="324" actId="14100"/>
+        <pc:sldMkLst>
+          <pc:docMk/>
+          <pc:sldMk cId="4210029770" sldId="311"/>
+        </pc:sldMkLst>
+        <pc:spChg chg="mod">
+          <ac:chgData name="Long B Nguyen" userId="f59fb8f3-a021-417a-8bc1-65c8d471c621" providerId="ADAL" clId="{00ED48EA-2E19-B648-B077-22D14873FFED}" dt="2020-10-20T05:06:29.465" v="322" actId="1076"/>
+          <ac:spMkLst>
+            <pc:docMk/>
+            <pc:sldMk cId="4210029770" sldId="311"/>
+            <ac:spMk id="2" creationId="{AA3A228F-61D0-D949-A5E7-F83756230BF8}"/>
+          </ac:spMkLst>
+        </pc:spChg>
+        <pc:spChg chg="mod">
+          <ac:chgData name="Long B Nguyen" userId="f59fb8f3-a021-417a-8bc1-65c8d471c621" providerId="ADAL" clId="{00ED48EA-2E19-B648-B077-22D14873FFED}" dt="2020-10-20T05:06:35.444" v="324" actId="14100"/>
+          <ac:spMkLst>
+            <pc:docMk/>
+            <pc:sldMk cId="4210029770" sldId="311"/>
+            <ac:spMk id="9" creationId="{E3B2E017-30B2-884B-A113-B419A2ED51AD}"/>
+          </ac:spMkLst>
+        </pc:spChg>
+      </pc:sldChg>
+      <pc:sldChg chg="del">
+        <pc:chgData name="Long B Nguyen" userId="f59fb8f3-a021-417a-8bc1-65c8d471c621" providerId="ADAL" clId="{00ED48EA-2E19-B648-B077-22D14873FFED}" dt="2020-10-20T05:09:52.359" v="522" actId="2696"/>
+        <pc:sldMkLst>
+          <pc:docMk/>
+          <pc:sldMk cId="4152459930" sldId="312"/>
+        </pc:sldMkLst>
+      </pc:sldChg>
+      <pc:sldChg chg="del">
+        <pc:chgData name="Long B Nguyen" userId="f59fb8f3-a021-417a-8bc1-65c8d471c621" providerId="ADAL" clId="{00ED48EA-2E19-B648-B077-22D14873FFED}" dt="2020-10-20T05:09:53.563" v="523" actId="2696"/>
+        <pc:sldMkLst>
+          <pc:docMk/>
+          <pc:sldMk cId="2332116064" sldId="313"/>
+        </pc:sldMkLst>
+      </pc:sldChg>
+      <pc:sldChg chg="modSp mod">
+        <pc:chgData name="Long B Nguyen" userId="f59fb8f3-a021-417a-8bc1-65c8d471c621" providerId="ADAL" clId="{00ED48EA-2E19-B648-B077-22D14873FFED}" dt="2020-10-20T05:10:12.772" v="525" actId="1076"/>
+        <pc:sldMkLst>
+          <pc:docMk/>
+          <pc:sldMk cId="1565173198" sldId="314"/>
+        </pc:sldMkLst>
+        <pc:spChg chg="mod">
+          <ac:chgData name="Long B Nguyen" userId="f59fb8f3-a021-417a-8bc1-65c8d471c621" providerId="ADAL" clId="{00ED48EA-2E19-B648-B077-22D14873FFED}" dt="2020-10-20T05:10:12.772" v="525" actId="1076"/>
+          <ac:spMkLst>
+            <pc:docMk/>
+            <pc:sldMk cId="1565173198" sldId="314"/>
+            <ac:spMk id="2" creationId="{AA3A228F-61D0-D949-A5E7-F83756230BF8}"/>
+          </ac:spMkLst>
+        </pc:spChg>
+        <pc:spChg chg="mod">
+          <ac:chgData name="Long B Nguyen" userId="f59fb8f3-a021-417a-8bc1-65c8d471c621" providerId="ADAL" clId="{00ED48EA-2E19-B648-B077-22D14873FFED}" dt="2020-10-20T05:10:10.470" v="524" actId="14100"/>
+          <ac:spMkLst>
+            <pc:docMk/>
+            <pc:sldMk cId="1565173198" sldId="314"/>
+            <ac:spMk id="9" creationId="{E3B2E017-30B2-884B-A113-B419A2ED51AD}"/>
+          </ac:spMkLst>
+        </pc:spChg>
+      </pc:sldChg>
+      <pc:sldChg chg="modSp mod">
+        <pc:chgData name="Long B Nguyen" userId="f59fb8f3-a021-417a-8bc1-65c8d471c621" providerId="ADAL" clId="{00ED48EA-2E19-B648-B077-22D14873FFED}" dt="2020-10-20T05:10:23.525" v="528" actId="14100"/>
+        <pc:sldMkLst>
+          <pc:docMk/>
+          <pc:sldMk cId="3659811964" sldId="315"/>
+        </pc:sldMkLst>
+        <pc:spChg chg="mod">
+          <ac:chgData name="Long B Nguyen" userId="f59fb8f3-a021-417a-8bc1-65c8d471c621" providerId="ADAL" clId="{00ED48EA-2E19-B648-B077-22D14873FFED}" dt="2020-10-20T05:10:18.055" v="526" actId="1076"/>
+          <ac:spMkLst>
+            <pc:docMk/>
+            <pc:sldMk cId="3659811964" sldId="315"/>
+            <ac:spMk id="2" creationId="{AA3A228F-61D0-D949-A5E7-F83756230BF8}"/>
+          </ac:spMkLst>
+        </pc:spChg>
+        <pc:spChg chg="mod">
+          <ac:chgData name="Long B Nguyen" userId="f59fb8f3-a021-417a-8bc1-65c8d471c621" providerId="ADAL" clId="{00ED48EA-2E19-B648-B077-22D14873FFED}" dt="2020-10-20T05:10:23.525" v="528" actId="14100"/>
+          <ac:spMkLst>
+            <pc:docMk/>
+            <pc:sldMk cId="3659811964" sldId="315"/>
+            <ac:spMk id="9" creationId="{E3B2E017-30B2-884B-A113-B419A2ED51AD}"/>
+          </ac:spMkLst>
+        </pc:spChg>
+      </pc:sldChg>
+      <pc:sldChg chg="modSp mod">
+        <pc:chgData name="Long B Nguyen" userId="f59fb8f3-a021-417a-8bc1-65c8d471c621" providerId="ADAL" clId="{00ED48EA-2E19-B648-B077-22D14873FFED}" dt="2020-10-20T05:10:34.862" v="531" actId="14100"/>
+        <pc:sldMkLst>
+          <pc:docMk/>
+          <pc:sldMk cId="2536712643" sldId="317"/>
+        </pc:sldMkLst>
+        <pc:spChg chg="mod">
+          <ac:chgData name="Long B Nguyen" userId="f59fb8f3-a021-417a-8bc1-65c8d471c621" providerId="ADAL" clId="{00ED48EA-2E19-B648-B077-22D14873FFED}" dt="2020-10-20T05:10:28.992" v="529" actId="1076"/>
+          <ac:spMkLst>
+            <pc:docMk/>
+            <pc:sldMk cId="2536712643" sldId="317"/>
+            <ac:spMk id="2" creationId="{AA3A228F-61D0-D949-A5E7-F83756230BF8}"/>
+          </ac:spMkLst>
+        </pc:spChg>
+        <pc:spChg chg="mod">
+          <ac:chgData name="Long B Nguyen" userId="f59fb8f3-a021-417a-8bc1-65c8d471c621" providerId="ADAL" clId="{00ED48EA-2E19-B648-B077-22D14873FFED}" dt="2020-10-20T05:10:34.862" v="531" actId="14100"/>
+          <ac:spMkLst>
+            <pc:docMk/>
+            <pc:sldMk cId="2536712643" sldId="317"/>
+            <ac:spMk id="9" creationId="{E3B2E017-30B2-884B-A113-B419A2ED51AD}"/>
+          </ac:spMkLst>
+        </pc:spChg>
+      </pc:sldChg>
+      <pc:sldChg chg="modSp mod">
+        <pc:chgData name="Long B Nguyen" userId="f59fb8f3-a021-417a-8bc1-65c8d471c621" providerId="ADAL" clId="{00ED48EA-2E19-B648-B077-22D14873FFED}" dt="2020-10-20T05:10:45.597" v="534" actId="14100"/>
+        <pc:sldMkLst>
+          <pc:docMk/>
+          <pc:sldMk cId="3127700614" sldId="318"/>
+        </pc:sldMkLst>
+        <pc:spChg chg="mod">
+          <ac:chgData name="Long B Nguyen" userId="f59fb8f3-a021-417a-8bc1-65c8d471c621" providerId="ADAL" clId="{00ED48EA-2E19-B648-B077-22D14873FFED}" dt="2020-10-20T05:10:40.310" v="532" actId="1076"/>
+          <ac:spMkLst>
+            <pc:docMk/>
+            <pc:sldMk cId="3127700614" sldId="318"/>
+            <ac:spMk id="2" creationId="{AA3A228F-61D0-D949-A5E7-F83756230BF8}"/>
+          </ac:spMkLst>
+        </pc:spChg>
+        <pc:spChg chg="mod">
+          <ac:chgData name="Long B Nguyen" userId="f59fb8f3-a021-417a-8bc1-65c8d471c621" providerId="ADAL" clId="{00ED48EA-2E19-B648-B077-22D14873FFED}" dt="2020-10-20T05:10:45.597" v="534" actId="14100"/>
+          <ac:spMkLst>
+            <pc:docMk/>
+            <pc:sldMk cId="3127700614" sldId="318"/>
+            <ac:spMk id="9" creationId="{E3B2E017-30B2-884B-A113-B419A2ED51AD}"/>
+          </ac:spMkLst>
+        </pc:spChg>
+      </pc:sldChg>
+      <pc:sldChg chg="modSp mod">
+        <pc:chgData name="Long B Nguyen" userId="f59fb8f3-a021-417a-8bc1-65c8d471c621" providerId="ADAL" clId="{00ED48EA-2E19-B648-B077-22D14873FFED}" dt="2020-10-20T05:10:57.332" v="537" actId="14100"/>
+        <pc:sldMkLst>
+          <pc:docMk/>
+          <pc:sldMk cId="2618277182" sldId="319"/>
+        </pc:sldMkLst>
+        <pc:spChg chg="mod">
+          <ac:chgData name="Long B Nguyen" userId="f59fb8f3-a021-417a-8bc1-65c8d471c621" providerId="ADAL" clId="{00ED48EA-2E19-B648-B077-22D14873FFED}" dt="2020-10-20T05:10:51.509" v="535" actId="1076"/>
+          <ac:spMkLst>
+            <pc:docMk/>
+            <pc:sldMk cId="2618277182" sldId="319"/>
+            <ac:spMk id="2" creationId="{AA3A228F-61D0-D949-A5E7-F83756230BF8}"/>
+          </ac:spMkLst>
+        </pc:spChg>
+        <pc:spChg chg="mod">
+          <ac:chgData name="Long B Nguyen" userId="f59fb8f3-a021-417a-8bc1-65c8d471c621" providerId="ADAL" clId="{00ED48EA-2E19-B648-B077-22D14873FFED}" dt="2020-10-20T05:10:57.332" v="537" actId="14100"/>
+          <ac:spMkLst>
+            <pc:docMk/>
+            <pc:sldMk cId="2618277182" sldId="319"/>
+            <ac:spMk id="9" creationId="{E3B2E017-30B2-884B-A113-B419A2ED51AD}"/>
+          </ac:spMkLst>
+        </pc:spChg>
+      </pc:sldChg>
+      <pc:sldChg chg="modSp mod">
+        <pc:chgData name="Long B Nguyen" userId="f59fb8f3-a021-417a-8bc1-65c8d471c621" providerId="ADAL" clId="{00ED48EA-2E19-B648-B077-22D14873FFED}" dt="2020-10-20T05:11:15.917" v="543" actId="14100"/>
+        <pc:sldMkLst>
+          <pc:docMk/>
+          <pc:sldMk cId="617958515" sldId="320"/>
+        </pc:sldMkLst>
+        <pc:spChg chg="mod">
+          <ac:chgData name="Long B Nguyen" userId="f59fb8f3-a021-417a-8bc1-65c8d471c621" providerId="ADAL" clId="{00ED48EA-2E19-B648-B077-22D14873FFED}" dt="2020-10-20T05:11:14.606" v="541" actId="1076"/>
+          <ac:spMkLst>
+            <pc:docMk/>
+            <pc:sldMk cId="617958515" sldId="320"/>
+            <ac:spMk id="2" creationId="{AA3A228F-61D0-D949-A5E7-F83756230BF8}"/>
+          </ac:spMkLst>
+        </pc:spChg>
+        <pc:spChg chg="mod">
+          <ac:chgData name="Long B Nguyen" userId="f59fb8f3-a021-417a-8bc1-65c8d471c621" providerId="ADAL" clId="{00ED48EA-2E19-B648-B077-22D14873FFED}" dt="2020-10-20T05:11:15.917" v="543" actId="14100"/>
+          <ac:spMkLst>
+            <pc:docMk/>
+            <pc:sldMk cId="617958515" sldId="320"/>
+            <ac:spMk id="9" creationId="{E3B2E017-30B2-884B-A113-B419A2ED51AD}"/>
+          </ac:spMkLst>
+        </pc:spChg>
+      </pc:sldChg>
+      <pc:sldChg chg="add del modAnim">
+        <pc:chgData name="Long B Nguyen" userId="f59fb8f3-a021-417a-8bc1-65c8d471c621" providerId="ADAL" clId="{00ED48EA-2E19-B648-B077-22D14873FFED}" dt="2020-10-20T05:49:55.703" v="1410"/>
+        <pc:sldMkLst>
+          <pc:docMk/>
+          <pc:sldMk cId="3039307715" sldId="321"/>
+        </pc:sldMkLst>
+      </pc:sldChg>
+      <pc:sldChg chg="modAnim">
+        <pc:chgData name="Long B Nguyen" userId="f59fb8f3-a021-417a-8bc1-65c8d471c621" providerId="ADAL" clId="{00ED48EA-2E19-B648-B077-22D14873FFED}" dt="2020-10-20T05:50:07.289" v="1411"/>
+        <pc:sldMkLst>
+          <pc:docMk/>
+          <pc:sldMk cId="3096583072" sldId="323"/>
+        </pc:sldMkLst>
+      </pc:sldChg>
+      <pc:sldChg chg="modSp mod">
+        <pc:chgData name="Long B Nguyen" userId="f59fb8f3-a021-417a-8bc1-65c8d471c621" providerId="ADAL" clId="{00ED48EA-2E19-B648-B077-22D14873FFED}" dt="2020-10-20T05:13:46.353" v="546" actId="14100"/>
+        <pc:sldMkLst>
+          <pc:docMk/>
+          <pc:sldMk cId="3753341527" sldId="324"/>
+        </pc:sldMkLst>
+        <pc:spChg chg="mod">
+          <ac:chgData name="Long B Nguyen" userId="f59fb8f3-a021-417a-8bc1-65c8d471c621" providerId="ADAL" clId="{00ED48EA-2E19-B648-B077-22D14873FFED}" dt="2020-10-20T05:13:41.251" v="544" actId="1076"/>
+          <ac:spMkLst>
+            <pc:docMk/>
+            <pc:sldMk cId="3753341527" sldId="324"/>
+            <ac:spMk id="2" creationId="{AA3A228F-61D0-D949-A5E7-F83756230BF8}"/>
+          </ac:spMkLst>
+        </pc:spChg>
+        <pc:spChg chg="mod">
+          <ac:chgData name="Long B Nguyen" userId="f59fb8f3-a021-417a-8bc1-65c8d471c621" providerId="ADAL" clId="{00ED48EA-2E19-B648-B077-22D14873FFED}" dt="2020-10-20T05:13:46.353" v="546" actId="14100"/>
+          <ac:spMkLst>
+            <pc:docMk/>
+            <pc:sldMk cId="3753341527" sldId="324"/>
+            <ac:spMk id="9" creationId="{E3B2E017-30B2-884B-A113-B419A2ED51AD}"/>
+          </ac:spMkLst>
+        </pc:spChg>
+      </pc:sldChg>
+      <pc:sldChg chg="addSp delSp modSp mod delAnim modAnim">
+        <pc:chgData name="Long B Nguyen" userId="f59fb8f3-a021-417a-8bc1-65c8d471c621" providerId="ADAL" clId="{00ED48EA-2E19-B648-B077-22D14873FFED}" dt="2020-10-20T05:52:55.620" v="1439" actId="20577"/>
+        <pc:sldMkLst>
+          <pc:docMk/>
+          <pc:sldMk cId="3750016062" sldId="325"/>
+        </pc:sldMkLst>
+        <pc:spChg chg="mod">
+          <ac:chgData name="Long B Nguyen" userId="f59fb8f3-a021-417a-8bc1-65c8d471c621" providerId="ADAL" clId="{00ED48EA-2E19-B648-B077-22D14873FFED}" dt="2020-10-20T05:31:23.747" v="1229" actId="1076"/>
+          <ac:spMkLst>
+            <pc:docMk/>
+            <pc:sldMk cId="3750016062" sldId="325"/>
+            <ac:spMk id="2" creationId="{AA3A228F-61D0-D949-A5E7-F83756230BF8}"/>
+          </ac:spMkLst>
+        </pc:spChg>
+        <pc:spChg chg="add mod">
+          <ac:chgData name="Long B Nguyen" userId="f59fb8f3-a021-417a-8bc1-65c8d471c621" providerId="ADAL" clId="{00ED48EA-2E19-B648-B077-22D14873FFED}" dt="2020-10-20T05:52:55.620" v="1439" actId="20577"/>
+          <ac:spMkLst>
+            <pc:docMk/>
+            <pc:sldMk cId="3750016062" sldId="325"/>
+            <ac:spMk id="3" creationId="{8B3E136A-B1AD-DF43-B47A-AD0BDE5403FE}"/>
+          </ac:spMkLst>
+        </pc:spChg>
+        <pc:spChg chg="del mod">
+          <ac:chgData name="Long B Nguyen" userId="f59fb8f3-a021-417a-8bc1-65c8d471c621" providerId="ADAL" clId="{00ED48EA-2E19-B648-B077-22D14873FFED}" dt="2020-10-20T05:51:51.460" v="1420" actId="478"/>
+          <ac:spMkLst>
+            <pc:docMk/>
+            <pc:sldMk cId="3750016062" sldId="325"/>
+            <ac:spMk id="5" creationId="{F21AFD8D-397E-3342-9FCC-026A00C2F153}"/>
+          </ac:spMkLst>
+        </pc:spChg>
+        <pc:spChg chg="mod">
+          <ac:chgData name="Long B Nguyen" userId="f59fb8f3-a021-417a-8bc1-65c8d471c621" providerId="ADAL" clId="{00ED48EA-2E19-B648-B077-22D14873FFED}" dt="2020-10-20T05:31:29.651" v="1230" actId="14100"/>
+          <ac:spMkLst>
+            <pc:docMk/>
+            <pc:sldMk cId="3750016062" sldId="325"/>
+            <ac:spMk id="9" creationId="{E3B2E017-30B2-884B-A113-B419A2ED51AD}"/>
+          </ac:spMkLst>
+        </pc:spChg>
+        <pc:cxnChg chg="add del mod">
+          <ac:chgData name="Long B Nguyen" userId="f59fb8f3-a021-417a-8bc1-65c8d471c621" providerId="ADAL" clId="{00ED48EA-2E19-B648-B077-22D14873FFED}" dt="2020-10-20T05:31:31.680" v="1231" actId="478"/>
+          <ac:cxnSpMkLst>
+            <pc:docMk/>
+            <pc:sldMk cId="3750016062" sldId="325"/>
+            <ac:cxnSpMk id="6" creationId="{B097AC30-D7C3-9F43-B6E4-A6F4E9393FE4}"/>
+          </ac:cxnSpMkLst>
+        </pc:cxnChg>
+      </pc:sldChg>
+      <pc:sldChg chg="addSp delSp modSp mod modAnim">
+        <pc:chgData name="Long B Nguyen" userId="f59fb8f3-a021-417a-8bc1-65c8d471c621" providerId="ADAL" clId="{00ED48EA-2E19-B648-B077-22D14873FFED}" dt="2020-10-20T05:54:37.085" v="1448"/>
+        <pc:sldMkLst>
+          <pc:docMk/>
+          <pc:sldMk cId="3748840513" sldId="326"/>
+        </pc:sldMkLst>
+        <pc:spChg chg="del mod">
+          <ac:chgData name="Long B Nguyen" userId="f59fb8f3-a021-417a-8bc1-65c8d471c621" providerId="ADAL" clId="{00ED48EA-2E19-B648-B077-22D14873FFED}" dt="2020-10-20T05:34:30.121" v="1263" actId="478"/>
+          <ac:spMkLst>
+            <pc:docMk/>
+            <pc:sldMk cId="3748840513" sldId="326"/>
+            <ac:spMk id="2" creationId="{AA3A228F-61D0-D949-A5E7-F83756230BF8}"/>
+          </ac:spMkLst>
+        </pc:spChg>
+        <pc:spChg chg="add del mod">
+          <ac:chgData name="Long B Nguyen" userId="f59fb8f3-a021-417a-8bc1-65c8d471c621" providerId="ADAL" clId="{00ED48EA-2E19-B648-B077-22D14873FFED}" dt="2020-10-20T05:34:32.468" v="1264" actId="478"/>
+          <ac:spMkLst>
+            <pc:docMk/>
+            <pc:sldMk cId="3748840513" sldId="326"/>
+            <ac:spMk id="4" creationId="{8D637E6E-030D-AF4C-BC83-E7DD4DBAB7EC}"/>
+          </ac:spMkLst>
+        </pc:spChg>
+        <pc:spChg chg="del">
+          <ac:chgData name="Long B Nguyen" userId="f59fb8f3-a021-417a-8bc1-65c8d471c621" providerId="ADAL" clId="{00ED48EA-2E19-B648-B077-22D14873FFED}" dt="2020-10-20T05:34:00.735" v="1245" actId="478"/>
+          <ac:spMkLst>
+            <pc:docMk/>
+            <pc:sldMk cId="3748840513" sldId="326"/>
+            <ac:spMk id="5" creationId="{F21AFD8D-397E-3342-9FCC-026A00C2F153}"/>
+          </ac:spMkLst>
+        </pc:spChg>
+        <pc:spChg chg="mod">
+          <ac:chgData name="Long B Nguyen" userId="f59fb8f3-a021-417a-8bc1-65c8d471c621" providerId="ADAL" clId="{00ED48EA-2E19-B648-B077-22D14873FFED}" dt="2020-10-20T05:36:01.479" v="1336" actId="1076"/>
+          <ac:spMkLst>
+            <pc:docMk/>
+            <pc:sldMk cId="3748840513" sldId="326"/>
+            <ac:spMk id="7" creationId="{4B727B46-A324-164A-9C9C-7012797F4961}"/>
+          </ac:spMkLst>
+        </pc:spChg>
+        <pc:spChg chg="add mod">
+          <ac:chgData name="Long B Nguyen" userId="f59fb8f3-a021-417a-8bc1-65c8d471c621" providerId="ADAL" clId="{00ED48EA-2E19-B648-B077-22D14873FFED}" dt="2020-10-20T05:35:14.566" v="1296" actId="1076"/>
+          <ac:spMkLst>
+            <pc:docMk/>
+            <pc:sldMk cId="3748840513" sldId="326"/>
+            <ac:spMk id="8" creationId="{36774EAF-310A-974B-ACC5-BFFA64D03E40}"/>
+          </ac:spMkLst>
+        </pc:spChg>
+        <pc:spChg chg="mod">
+          <ac:chgData name="Long B Nguyen" userId="f59fb8f3-a021-417a-8bc1-65c8d471c621" providerId="ADAL" clId="{00ED48EA-2E19-B648-B077-22D14873FFED}" dt="2020-10-20T05:34:56.159" v="1294" actId="20577"/>
+          <ac:spMkLst>
+            <pc:docMk/>
+            <pc:sldMk cId="3748840513" sldId="326"/>
+            <ac:spMk id="9" creationId="{E3B2E017-30B2-884B-A113-B419A2ED51AD}"/>
+          </ac:spMkLst>
+        </pc:spChg>
+        <pc:cxnChg chg="add mod">
+          <ac:chgData name="Long B Nguyen" userId="f59fb8f3-a021-417a-8bc1-65c8d471c621" providerId="ADAL" clId="{00ED48EA-2E19-B648-B077-22D14873FFED}" dt="2020-10-20T05:35:58.977" v="1335" actId="14100"/>
+          <ac:cxnSpMkLst>
+            <pc:docMk/>
+            <pc:sldMk cId="3748840513" sldId="326"/>
+            <ac:cxnSpMk id="10" creationId="{2467F9DB-FA07-9947-BEED-1E28BB1D6C22}"/>
+          </ac:cxnSpMkLst>
+        </pc:cxnChg>
+      </pc:sldChg>
+      <pc:sldChg chg="del">
+        <pc:chgData name="Long B Nguyen" userId="f59fb8f3-a021-417a-8bc1-65c8d471c621" providerId="ADAL" clId="{00ED48EA-2E19-B648-B077-22D14873FFED}" dt="2020-10-20T05:37:16.823" v="1349" actId="2696"/>
+        <pc:sldMkLst>
+          <pc:docMk/>
+          <pc:sldMk cId="3014369594" sldId="327"/>
+        </pc:sldMkLst>
+      </pc:sldChg>
+      <pc:sldChg chg="del">
+        <pc:chgData name="Long B Nguyen" userId="f59fb8f3-a021-417a-8bc1-65c8d471c621" providerId="ADAL" clId="{00ED48EA-2E19-B648-B077-22D14873FFED}" dt="2020-10-20T05:15:37.330" v="554" actId="2696"/>
+        <pc:sldMkLst>
+          <pc:docMk/>
+          <pc:sldMk cId="1960883355" sldId="328"/>
+        </pc:sldMkLst>
+      </pc:sldChg>
+      <pc:sldChg chg="modSp mod modAnim">
+        <pc:chgData name="Long B Nguyen" userId="f59fb8f3-a021-417a-8bc1-65c8d471c621" providerId="ADAL" clId="{00ED48EA-2E19-B648-B077-22D14873FFED}" dt="2020-10-20T05:51:33.249" v="1419"/>
+        <pc:sldMkLst>
+          <pc:docMk/>
+          <pc:sldMk cId="53368268" sldId="329"/>
+        </pc:sldMkLst>
+        <pc:spChg chg="mod">
+          <ac:chgData name="Long B Nguyen" userId="f59fb8f3-a021-417a-8bc1-65c8d471c621" providerId="ADAL" clId="{00ED48EA-2E19-B648-B077-22D14873FFED}" dt="2020-10-20T05:14:04.601" v="550" actId="1076"/>
+          <ac:spMkLst>
+            <pc:docMk/>
+            <pc:sldMk cId="53368268" sldId="329"/>
+            <ac:spMk id="2" creationId="{AA3A228F-61D0-D949-A5E7-F83756230BF8}"/>
+          </ac:spMkLst>
+        </pc:spChg>
+        <pc:spChg chg="mod">
+          <ac:chgData name="Long B Nguyen" userId="f59fb8f3-a021-417a-8bc1-65c8d471c621" providerId="ADAL" clId="{00ED48EA-2E19-B648-B077-22D14873FFED}" dt="2020-10-20T05:21:42.525" v="692" actId="20577"/>
+          <ac:spMkLst>
+            <pc:docMk/>
+            <pc:sldMk cId="53368268" sldId="329"/>
+            <ac:spMk id="9" creationId="{E3B2E017-30B2-884B-A113-B419A2ED51AD}"/>
+          </ac:spMkLst>
+        </pc:spChg>
+      </pc:sldChg>
+      <pc:sldChg chg="modSp mod">
+        <pc:chgData name="Long B Nguyen" userId="f59fb8f3-a021-417a-8bc1-65c8d471c621" providerId="ADAL" clId="{00ED48EA-2E19-B648-B077-22D14873FFED}" dt="2020-10-20T05:37:37.034" v="1351" actId="1076"/>
+        <pc:sldMkLst>
+          <pc:docMk/>
+          <pc:sldMk cId="894578124" sldId="330"/>
+        </pc:sldMkLst>
+        <pc:spChg chg="mod">
+          <ac:chgData name="Long B Nguyen" userId="f59fb8f3-a021-417a-8bc1-65c8d471c621" providerId="ADAL" clId="{00ED48EA-2E19-B648-B077-22D14873FFED}" dt="2020-10-20T05:37:37.034" v="1351" actId="1076"/>
+          <ac:spMkLst>
+            <pc:docMk/>
+            <pc:sldMk cId="894578124" sldId="330"/>
+            <ac:spMk id="2" creationId="{AA3A228F-61D0-D949-A5E7-F83756230BF8}"/>
+          </ac:spMkLst>
+        </pc:spChg>
+        <pc:spChg chg="mod">
+          <ac:chgData name="Long B Nguyen" userId="f59fb8f3-a021-417a-8bc1-65c8d471c621" providerId="ADAL" clId="{00ED48EA-2E19-B648-B077-22D14873FFED}" dt="2020-10-20T05:37:23.237" v="1350" actId="20577"/>
+          <ac:spMkLst>
+            <pc:docMk/>
+            <pc:sldMk cId="894578124" sldId="330"/>
+            <ac:spMk id="9" creationId="{E3B2E017-30B2-884B-A113-B419A2ED51AD}"/>
+          </ac:spMkLst>
+        </pc:spChg>
+      </pc:sldChg>
+      <pc:sldChg chg="addSp modSp mod modAnim">
+        <pc:chgData name="Long B Nguyen" userId="f59fb8f3-a021-417a-8bc1-65c8d471c621" providerId="ADAL" clId="{00ED48EA-2E19-B648-B077-22D14873FFED}" dt="2020-10-20T05:42:03.883" v="1398"/>
+        <pc:sldMkLst>
+          <pc:docMk/>
+          <pc:sldMk cId="343975969" sldId="331"/>
+        </pc:sldMkLst>
+        <pc:spChg chg="mod">
+          <ac:chgData name="Long B Nguyen" userId="f59fb8f3-a021-417a-8bc1-65c8d471c621" providerId="ADAL" clId="{00ED48EA-2E19-B648-B077-22D14873FFED}" dt="2020-10-20T05:02:43.274" v="311" actId="1076"/>
+          <ac:spMkLst>
+            <pc:docMk/>
+            <pc:sldMk cId="343975969" sldId="331"/>
+            <ac:spMk id="4" creationId="{1B5D06E6-138F-0A4D-8D8C-AA611F7423AE}"/>
+          </ac:spMkLst>
+        </pc:spChg>
+        <pc:spChg chg="add mod">
+          <ac:chgData name="Long B Nguyen" userId="f59fb8f3-a021-417a-8bc1-65c8d471c621" providerId="ADAL" clId="{00ED48EA-2E19-B648-B077-22D14873FFED}" dt="2020-10-20T05:08:54.868" v="490" actId="20577"/>
+          <ac:spMkLst>
+            <pc:docMk/>
+            <pc:sldMk cId="343975969" sldId="331"/>
+            <ac:spMk id="7" creationId="{E17BB538-8556-894B-B49B-C487509D3DA2}"/>
+          </ac:spMkLst>
+        </pc:spChg>
+        <pc:spChg chg="mod">
+          <ac:chgData name="Long B Nguyen" userId="f59fb8f3-a021-417a-8bc1-65c8d471c621" providerId="ADAL" clId="{00ED48EA-2E19-B648-B077-22D14873FFED}" dt="2020-10-20T05:09:38.972" v="520" actId="20577"/>
+          <ac:spMkLst>
+            <pc:docMk/>
+            <pc:sldMk cId="343975969" sldId="331"/>
+            <ac:spMk id="9" creationId="{E3B2E017-30B2-884B-A113-B419A2ED51AD}"/>
+          </ac:spMkLst>
+        </pc:spChg>
+        <pc:cxnChg chg="mod">
+          <ac:chgData name="Long B Nguyen" userId="f59fb8f3-a021-417a-8bc1-65c8d471c621" providerId="ADAL" clId="{00ED48EA-2E19-B648-B077-22D14873FFED}" dt="2020-10-20T05:02:43.274" v="311" actId="1076"/>
+          <ac:cxnSpMkLst>
+            <pc:docMk/>
+            <pc:sldMk cId="343975969" sldId="331"/>
+            <ac:cxnSpMk id="5" creationId="{3C86E3B6-098C-0A4C-8AF6-E5F63087A3C8}"/>
+          </ac:cxnSpMkLst>
+        </pc:cxnChg>
+        <pc:cxnChg chg="mod">
+          <ac:chgData name="Long B Nguyen" userId="f59fb8f3-a021-417a-8bc1-65c8d471c621" providerId="ADAL" clId="{00ED48EA-2E19-B648-B077-22D14873FFED}" dt="2020-10-20T05:02:43.274" v="311" actId="1076"/>
+          <ac:cxnSpMkLst>
+            <pc:docMk/>
+            <pc:sldMk cId="343975969" sldId="331"/>
+            <ac:cxnSpMk id="6" creationId="{9E131CC6-04E1-5E4B-90A5-998EEB790F43}"/>
+          </ac:cxnSpMkLst>
+        </pc:cxnChg>
+      </pc:sldChg>
+      <pc:sldChg chg="del">
+        <pc:chgData name="Long B Nguyen" userId="f59fb8f3-a021-417a-8bc1-65c8d471c621" providerId="ADAL" clId="{00ED48EA-2E19-B648-B077-22D14873FFED}" dt="2020-10-20T05:15:33.541" v="553" actId="2696"/>
+        <pc:sldMkLst>
+          <pc:docMk/>
+          <pc:sldMk cId="3490093738" sldId="332"/>
+        </pc:sldMkLst>
+      </pc:sldChg>
+      <pc:sldChg chg="del">
+        <pc:chgData name="Long B Nguyen" userId="f59fb8f3-a021-417a-8bc1-65c8d471c621" providerId="ADAL" clId="{00ED48EA-2E19-B648-B077-22D14873FFED}" dt="2020-10-20T05:15:31.287" v="552" actId="2696"/>
+        <pc:sldMkLst>
+          <pc:docMk/>
+          <pc:sldMk cId="4156079510" sldId="333"/>
+        </pc:sldMkLst>
+      </pc:sldChg>
+      <pc:sldChg chg="modSp mod modAnim">
+        <pc:chgData name="Long B Nguyen" userId="f59fb8f3-a021-417a-8bc1-65c8d471c621" providerId="ADAL" clId="{00ED48EA-2E19-B648-B077-22D14873FFED}" dt="2020-10-20T05:40:57.447" v="1392"/>
+        <pc:sldMkLst>
+          <pc:docMk/>
+          <pc:sldMk cId="4080804918" sldId="334"/>
+        </pc:sldMkLst>
+        <pc:spChg chg="mod">
+          <ac:chgData name="Long B Nguyen" userId="f59fb8f3-a021-417a-8bc1-65c8d471c621" providerId="ADAL" clId="{00ED48EA-2E19-B648-B077-22D14873FFED}" dt="2020-10-20T04:58:24.600" v="100" actId="20577"/>
+          <ac:spMkLst>
+            <pc:docMk/>
+            <pc:sldMk cId="4080804918" sldId="334"/>
+            <ac:spMk id="2" creationId="{AA3A228F-61D0-D949-A5E7-F83756230BF8}"/>
+          </ac:spMkLst>
+        </pc:spChg>
+        <pc:spChg chg="mod">
+          <ac:chgData name="Long B Nguyen" userId="f59fb8f3-a021-417a-8bc1-65c8d471c621" providerId="ADAL" clId="{00ED48EA-2E19-B648-B077-22D14873FFED}" dt="2020-10-20T04:58:09.970" v="77" actId="20577"/>
+          <ac:spMkLst>
+            <pc:docMk/>
+            <pc:sldMk cId="4080804918" sldId="334"/>
+            <ac:spMk id="8" creationId="{C57243A4-61B0-BF49-9762-D919B22CF822}"/>
+          </ac:spMkLst>
+        </pc:spChg>
+      </pc:sldChg>
+      <pc:sldChg chg="modAnim">
+        <pc:chgData name="Long B Nguyen" userId="f59fb8f3-a021-417a-8bc1-65c8d471c621" providerId="ADAL" clId="{00ED48EA-2E19-B648-B077-22D14873FFED}" dt="2020-10-20T05:41:15.950" v="1393"/>
+        <pc:sldMkLst>
+          <pc:docMk/>
+          <pc:sldMk cId="2359254305" sldId="335"/>
+        </pc:sldMkLst>
+      </pc:sldChg>
+      <pc:sldChg chg="del">
+        <pc:chgData name="Long B Nguyen" userId="f59fb8f3-a021-417a-8bc1-65c8d471c621" providerId="ADAL" clId="{00ED48EA-2E19-B648-B077-22D14873FFED}" dt="2020-10-20T05:22:15.755" v="693" actId="2696"/>
+        <pc:sldMkLst>
+          <pc:docMk/>
+          <pc:sldMk cId="2552887808" sldId="336"/>
+        </pc:sldMkLst>
+      </pc:sldChg>
+      <pc:sldChg chg="addSp delSp modSp add mod delAnim modAnim">
+        <pc:chgData name="Long B Nguyen" userId="f59fb8f3-a021-417a-8bc1-65c8d471c621" providerId="ADAL" clId="{00ED48EA-2E19-B648-B077-22D14873FFED}" dt="2020-10-20T05:37:12.593" v="1348" actId="478"/>
+        <pc:sldMkLst>
+          <pc:docMk/>
+          <pc:sldMk cId="2879490838" sldId="336"/>
+        </pc:sldMkLst>
+        <pc:spChg chg="add mod">
+          <ac:chgData name="Long B Nguyen" userId="f59fb8f3-a021-417a-8bc1-65c8d471c621" providerId="ADAL" clId="{00ED48EA-2E19-B648-B077-22D14873FFED}" dt="2020-10-20T05:37:06.309" v="1346" actId="1076"/>
+          <ac:spMkLst>
+            <pc:docMk/>
+            <pc:sldMk cId="2879490838" sldId="336"/>
+            <ac:spMk id="6" creationId="{096932A1-43AC-9F41-8D45-7E67F083C85E}"/>
+          </ac:spMkLst>
+        </pc:spChg>
+        <pc:spChg chg="del">
+          <ac:chgData name="Long B Nguyen" userId="f59fb8f3-a021-417a-8bc1-65c8d471c621" providerId="ADAL" clId="{00ED48EA-2E19-B648-B077-22D14873FFED}" dt="2020-10-20T05:36:44.040" v="1341" actId="478"/>
+          <ac:spMkLst>
+            <pc:docMk/>
+            <pc:sldMk cId="2879490838" sldId="336"/>
+            <ac:spMk id="7" creationId="{4B727B46-A324-164A-9C9C-7012797F4961}"/>
+          </ac:spMkLst>
+        </pc:spChg>
+        <pc:spChg chg="del">
+          <ac:chgData name="Long B Nguyen" userId="f59fb8f3-a021-417a-8bc1-65c8d471c621" providerId="ADAL" clId="{00ED48EA-2E19-B648-B077-22D14873FFED}" dt="2020-10-20T05:37:12.593" v="1348" actId="478"/>
+          <ac:spMkLst>
+            <pc:docMk/>
+            <pc:sldMk cId="2879490838" sldId="336"/>
+            <ac:spMk id="8" creationId="{36774EAF-310A-974B-ACC5-BFFA64D03E40}"/>
+          </ac:spMkLst>
+        </pc:spChg>
+        <pc:spChg chg="mod">
+          <ac:chgData name="Long B Nguyen" userId="f59fb8f3-a021-417a-8bc1-65c8d471c621" providerId="ADAL" clId="{00ED48EA-2E19-B648-B077-22D14873FFED}" dt="2020-10-20T05:36:57.286" v="1343" actId="20577"/>
+          <ac:spMkLst>
+            <pc:docMk/>
+            <pc:sldMk cId="2879490838" sldId="336"/>
+            <ac:spMk id="9" creationId="{E3B2E017-30B2-884B-A113-B419A2ED51AD}"/>
+          </ac:spMkLst>
+        </pc:spChg>
+        <pc:cxnChg chg="del">
+          <ac:chgData name="Long B Nguyen" userId="f59fb8f3-a021-417a-8bc1-65c8d471c621" providerId="ADAL" clId="{00ED48EA-2E19-B648-B077-22D14873FFED}" dt="2020-10-20T05:36:41.876" v="1340" actId="478"/>
+          <ac:cxnSpMkLst>
+            <pc:docMk/>
+            <pc:sldMk cId="2879490838" sldId="336"/>
+            <ac:cxnSpMk id="10" creationId="{2467F9DB-FA07-9947-BEED-1E28BB1D6C22}"/>
+          </ac:cxnSpMkLst>
+        </pc:cxnChg>
+        <pc:cxnChg chg="add mod">
+          <ac:chgData name="Long B Nguyen" userId="f59fb8f3-a021-417a-8bc1-65c8d471c621" providerId="ADAL" clId="{00ED48EA-2E19-B648-B077-22D14873FFED}" dt="2020-10-20T05:37:09.658" v="1347" actId="1076"/>
+          <ac:cxnSpMkLst>
+            <pc:docMk/>
+            <pc:sldMk cId="2879490838" sldId="336"/>
+            <ac:cxnSpMk id="11" creationId="{FA638F06-5AEF-6944-8EFB-5BD09379DFDD}"/>
+          </ac:cxnSpMkLst>
+        </pc:cxnChg>
+      </pc:sldChg>
+      <pc:sldChg chg="addSp delSp modSp add del mod modAnim">
+        <pc:chgData name="Long B Nguyen" userId="f59fb8f3-a021-417a-8bc1-65c8d471c621" providerId="ADAL" clId="{00ED48EA-2E19-B648-B077-22D14873FFED}" dt="2020-10-20T06:06:26.843" v="1577" actId="2696"/>
+        <pc:sldMkLst>
+          <pc:docMk/>
+          <pc:sldMk cId="29157992" sldId="337"/>
+        </pc:sldMkLst>
+        <pc:spChg chg="add del">
+          <ac:chgData name="Long B Nguyen" userId="f59fb8f3-a021-417a-8bc1-65c8d471c621" providerId="ADAL" clId="{00ED48EA-2E19-B648-B077-22D14873FFED}" dt="2020-10-20T05:56:35.202" v="1469" actId="478"/>
+          <ac:spMkLst>
+            <pc:docMk/>
+            <pc:sldMk cId="29157992" sldId="337"/>
+            <ac:spMk id="3" creationId="{CBF1DCD8-E79C-7640-9361-6F12D8D51BFD}"/>
+          </ac:spMkLst>
+        </pc:spChg>
+        <pc:spChg chg="mod">
+          <ac:chgData name="Long B Nguyen" userId="f59fb8f3-a021-417a-8bc1-65c8d471c621" providerId="ADAL" clId="{00ED48EA-2E19-B648-B077-22D14873FFED}" dt="2020-10-20T05:58:55.632" v="1526" actId="20577"/>
+          <ac:spMkLst>
+            <pc:docMk/>
+            <pc:sldMk cId="29157992" sldId="337"/>
+            <ac:spMk id="6" creationId="{B7AB2EA4-48CC-FD46-9632-CD4301E82099}"/>
+          </ac:spMkLst>
+        </pc:spChg>
+        <pc:spChg chg="del">
+          <ac:chgData name="Long B Nguyen" userId="f59fb8f3-a021-417a-8bc1-65c8d471c621" providerId="ADAL" clId="{00ED48EA-2E19-B648-B077-22D14873FFED}" dt="2020-10-20T05:56:04.122" v="1459" actId="478"/>
+          <ac:spMkLst>
+            <pc:docMk/>
+            <pc:sldMk cId="29157992" sldId="337"/>
+            <ac:spMk id="7" creationId="{A1C0BD5B-7A70-614C-8F08-877F246D65C4}"/>
+          </ac:spMkLst>
+        </pc:spChg>
+        <pc:spChg chg="mod">
+          <ac:chgData name="Long B Nguyen" userId="f59fb8f3-a021-417a-8bc1-65c8d471c621" providerId="ADAL" clId="{00ED48EA-2E19-B648-B077-22D14873FFED}" dt="2020-10-20T05:58:59.543" v="1528" actId="20577"/>
+          <ac:spMkLst>
+            <pc:docMk/>
+            <pc:sldMk cId="29157992" sldId="337"/>
+            <ac:spMk id="9" creationId="{E3B2E017-30B2-884B-A113-B419A2ED51AD}"/>
+          </ac:spMkLst>
+        </pc:spChg>
+        <pc:spChg chg="del">
+          <ac:chgData name="Long B Nguyen" userId="f59fb8f3-a021-417a-8bc1-65c8d471c621" providerId="ADAL" clId="{00ED48EA-2E19-B648-B077-22D14873FFED}" dt="2020-10-20T05:56:06.890" v="1460" actId="478"/>
+          <ac:spMkLst>
+            <pc:docMk/>
+            <pc:sldMk cId="29157992" sldId="337"/>
+            <ac:spMk id="10" creationId="{6F2E737A-829E-5A45-9E9D-A706B719CBB7}"/>
+          </ac:spMkLst>
+        </pc:spChg>
+        <pc:spChg chg="add mod">
+          <ac:chgData name="Long B Nguyen" userId="f59fb8f3-a021-417a-8bc1-65c8d471c621" providerId="ADAL" clId="{00ED48EA-2E19-B648-B077-22D14873FFED}" dt="2020-10-20T06:03:00.286" v="1537" actId="207"/>
+          <ac:spMkLst>
+            <pc:docMk/>
+            <pc:sldMk cId="29157992" sldId="337"/>
+            <ac:spMk id="14" creationId="{E7E8FC9F-D95D-944A-88F1-6EEFA08685CC}"/>
+          </ac:spMkLst>
+        </pc:spChg>
+        <pc:spChg chg="add mod">
+          <ac:chgData name="Long B Nguyen" userId="f59fb8f3-a021-417a-8bc1-65c8d471c621" providerId="ADAL" clId="{00ED48EA-2E19-B648-B077-22D14873FFED}" dt="2020-10-20T06:04:11.971" v="1548" actId="20577"/>
+          <ac:spMkLst>
+            <pc:docMk/>
+            <pc:sldMk cId="29157992" sldId="337"/>
+            <ac:spMk id="19" creationId="{8A3A65CC-0119-124A-A980-35F7556993CC}"/>
+          </ac:spMkLst>
+        </pc:spChg>
+        <pc:spChg chg="add mod">
+          <ac:chgData name="Long B Nguyen" userId="f59fb8f3-a021-417a-8bc1-65c8d471c621" providerId="ADAL" clId="{00ED48EA-2E19-B648-B077-22D14873FFED}" dt="2020-10-20T06:04:26.134" v="1562" actId="1076"/>
+          <ac:spMkLst>
+            <pc:docMk/>
+            <pc:sldMk cId="29157992" sldId="337"/>
+            <ac:spMk id="23" creationId="{4F978BD1-FC33-7645-834E-F7A552E15880}"/>
+          </ac:spMkLst>
+        </pc:spChg>
+        <pc:cxnChg chg="del">
+          <ac:chgData name="Long B Nguyen" userId="f59fb8f3-a021-417a-8bc1-65c8d471c621" providerId="ADAL" clId="{00ED48EA-2E19-B648-B077-22D14873FFED}" dt="2020-10-20T05:55:20.527" v="1450" actId="478"/>
+          <ac:cxnSpMkLst>
+            <pc:docMk/>
+            <pc:sldMk cId="29157992" sldId="337"/>
+            <ac:cxnSpMk id="5" creationId="{6A41E33A-3774-3740-BA11-D4C900D6705F}"/>
+          </ac:cxnSpMkLst>
+        </pc:cxnChg>
+        <pc:cxnChg chg="del mod">
+          <ac:chgData name="Long B Nguyen" userId="f59fb8f3-a021-417a-8bc1-65c8d471c621" providerId="ADAL" clId="{00ED48EA-2E19-B648-B077-22D14873FFED}" dt="2020-10-20T05:55:21.821" v="1451" actId="478"/>
+          <ac:cxnSpMkLst>
+            <pc:docMk/>
+            <pc:sldMk cId="29157992" sldId="337"/>
+            <ac:cxnSpMk id="12" creationId="{8D88494F-D4E7-AB49-840B-85C05CBDC54E}"/>
+          </ac:cxnSpMkLst>
+        </pc:cxnChg>
+        <pc:cxnChg chg="add mod">
+          <ac:chgData name="Long B Nguyen" userId="f59fb8f3-a021-417a-8bc1-65c8d471c621" providerId="ADAL" clId="{00ED48EA-2E19-B648-B077-22D14873FFED}" dt="2020-10-20T06:04:03.298" v="1545" actId="14100"/>
+          <ac:cxnSpMkLst>
+            <pc:docMk/>
+            <pc:sldMk cId="29157992" sldId="337"/>
+            <ac:cxnSpMk id="13" creationId="{EB374FC5-7A9D-F649-BC72-43227BBC9099}"/>
+          </ac:cxnSpMkLst>
+        </pc:cxnChg>
+        <pc:cxnChg chg="del">
+          <ac:chgData name="Long B Nguyen" userId="f59fb8f3-a021-417a-8bc1-65c8d471c621" providerId="ADAL" clId="{00ED48EA-2E19-B648-B077-22D14873FFED}" dt="2020-10-20T05:55:23.964" v="1452" actId="478"/>
+          <ac:cxnSpMkLst>
+            <pc:docMk/>
+            <pc:sldMk cId="29157992" sldId="337"/>
+            <ac:cxnSpMk id="15" creationId="{9CBB605F-FC67-2643-BAAB-52326BF11806}"/>
+          </ac:cxnSpMkLst>
+        </pc:cxnChg>
+        <pc:cxnChg chg="add mod">
+          <ac:chgData name="Long B Nguyen" userId="f59fb8f3-a021-417a-8bc1-65c8d471c621" providerId="ADAL" clId="{00ED48EA-2E19-B648-B077-22D14873FFED}" dt="2020-10-20T06:03:51.062" v="1542" actId="14100"/>
+          <ac:cxnSpMkLst>
+            <pc:docMk/>
+            <pc:sldMk cId="29157992" sldId="337"/>
+            <ac:cxnSpMk id="17" creationId="{7DCEC289-F5BC-884B-8ACF-581C541B231C}"/>
+          </ac:cxnSpMkLst>
+        </pc:cxnChg>
+        <pc:cxnChg chg="del">
+          <ac:chgData name="Long B Nguyen" userId="f59fb8f3-a021-417a-8bc1-65c8d471c621" providerId="ADAL" clId="{00ED48EA-2E19-B648-B077-22D14873FFED}" dt="2020-10-20T05:55:26.121" v="1453" actId="478"/>
+          <ac:cxnSpMkLst>
+            <pc:docMk/>
+            <pc:sldMk cId="29157992" sldId="337"/>
+            <ac:cxnSpMk id="18" creationId="{F28B016A-60E6-2941-B6A9-C3C4FB6646FA}"/>
+          </ac:cxnSpMkLst>
+        </pc:cxnChg>
+        <pc:cxnChg chg="add mod">
+          <ac:chgData name="Long B Nguyen" userId="f59fb8f3-a021-417a-8bc1-65c8d471c621" providerId="ADAL" clId="{00ED48EA-2E19-B648-B077-22D14873FFED}" dt="2020-10-20T06:04:33.862" v="1565" actId="14100"/>
+          <ac:cxnSpMkLst>
+            <pc:docMk/>
+            <pc:sldMk cId="29157992" sldId="337"/>
+            <ac:cxnSpMk id="24" creationId="{2F81ABD8-85FD-9F47-B9DE-83D0E314B2DF}"/>
+          </ac:cxnSpMkLst>
+        </pc:cxnChg>
+      </pc:sldChg>
+      <pc:sldChg chg="modSp add mod">
+        <pc:chgData name="Long B Nguyen" userId="f59fb8f3-a021-417a-8bc1-65c8d471c621" providerId="ADAL" clId="{00ED48EA-2E19-B648-B077-22D14873FFED}" dt="2020-10-20T06:07:07.103" v="1596" actId="1076"/>
+        <pc:sldMkLst>
+          <pc:docMk/>
+          <pc:sldMk cId="3107138983" sldId="337"/>
+        </pc:sldMkLst>
+        <pc:spChg chg="mod">
+          <ac:chgData name="Long B Nguyen" userId="f59fb8f3-a021-417a-8bc1-65c8d471c621" providerId="ADAL" clId="{00ED48EA-2E19-B648-B077-22D14873FFED}" dt="2020-10-20T06:07:07.103" v="1596" actId="1076"/>
+          <ac:spMkLst>
+            <pc:docMk/>
+            <pc:sldMk cId="3107138983" sldId="337"/>
+            <ac:spMk id="2" creationId="{AA3A228F-61D0-D949-A5E7-F83756230BF8}"/>
+          </ac:spMkLst>
+        </pc:spChg>
+      </pc:sldChg>
+    </pc:docChg>
+  </pc:docChgLst>
   <pc:docChgLst>
     <pc:chgData name="Long B Nguyen" userId="f59fb8f3-a021-417a-8bc1-65c8d471c621" providerId="ADAL" clId="{DBF8C059-04A6-1547-9DE4-356B5DFE87B9}"/>
     <pc:docChg chg="undo custSel addSld delSld modSld">
@@ -1251,6 +2098,194 @@
             <pc:docMk/>
             <pc:sldMk cId="2552887808" sldId="336"/>
             <ac:spMk id="9" creationId="{E3B2E017-30B2-884B-A113-B419A2ED51AD}"/>
+          </ac:spMkLst>
+        </pc:spChg>
+      </pc:sldChg>
+    </pc:docChg>
+  </pc:docChgLst>
+  <pc:docChgLst>
+    <pc:chgData name="Long B Nguyen" userId="f59fb8f3-a021-417a-8bc1-65c8d471c621" providerId="ADAL" clId="{18B307F0-82DA-8342-AB9A-1CC8CB1F1087}"/>
+    <pc:docChg chg="addSld modSld">
+      <pc:chgData name="Long B Nguyen" userId="f59fb8f3-a021-417a-8bc1-65c8d471c621" providerId="ADAL" clId="{18B307F0-82DA-8342-AB9A-1CC8CB1F1087}" dt="2020-10-27T12:30:23.869" v="941" actId="20577"/>
+      <pc:docMkLst>
+        <pc:docMk/>
+      </pc:docMkLst>
+      <pc:sldChg chg="addSp modSp add mod modAnim">
+        <pc:chgData name="Long B Nguyen" userId="f59fb8f3-a021-417a-8bc1-65c8d471c621" providerId="ADAL" clId="{18B307F0-82DA-8342-AB9A-1CC8CB1F1087}" dt="2020-10-20T19:08:19.384" v="494" actId="207"/>
+        <pc:sldMkLst>
+          <pc:docMk/>
+          <pc:sldMk cId="123529303" sldId="298"/>
+        </pc:sldMkLst>
+        <pc:spChg chg="mod">
+          <ac:chgData name="Long B Nguyen" userId="f59fb8f3-a021-417a-8bc1-65c8d471c621" providerId="ADAL" clId="{18B307F0-82DA-8342-AB9A-1CC8CB1F1087}" dt="2020-10-20T19:00:45.374" v="199" actId="1035"/>
+          <ac:spMkLst>
+            <pc:docMk/>
+            <pc:sldMk cId="123529303" sldId="298"/>
+            <ac:spMk id="2" creationId="{AA3A228F-61D0-D949-A5E7-F83756230BF8}"/>
+          </ac:spMkLst>
+        </pc:spChg>
+        <pc:spChg chg="mod">
+          <ac:chgData name="Long B Nguyen" userId="f59fb8f3-a021-417a-8bc1-65c8d471c621" providerId="ADAL" clId="{18B307F0-82DA-8342-AB9A-1CC8CB1F1087}" dt="2020-10-20T19:00:45.374" v="199" actId="1035"/>
+          <ac:spMkLst>
+            <pc:docMk/>
+            <pc:sldMk cId="123529303" sldId="298"/>
+            <ac:spMk id="8" creationId="{89664AE0-03B1-F343-A3F2-F049D077AF98}"/>
+          </ac:spMkLst>
+        </pc:spChg>
+        <pc:spChg chg="mod">
+          <ac:chgData name="Long B Nguyen" userId="f59fb8f3-a021-417a-8bc1-65c8d471c621" providerId="ADAL" clId="{18B307F0-82DA-8342-AB9A-1CC8CB1F1087}" dt="2020-10-20T19:08:19.384" v="494" actId="207"/>
+          <ac:spMkLst>
+            <pc:docMk/>
+            <pc:sldMk cId="123529303" sldId="298"/>
+            <ac:spMk id="9" creationId="{E3B2E017-30B2-884B-A113-B419A2ED51AD}"/>
+          </ac:spMkLst>
+        </pc:spChg>
+        <pc:spChg chg="add mod">
+          <ac:chgData name="Long B Nguyen" userId="f59fb8f3-a021-417a-8bc1-65c8d471c621" providerId="ADAL" clId="{18B307F0-82DA-8342-AB9A-1CC8CB1F1087}" dt="2020-10-20T19:07:39.725" v="405" actId="1076"/>
+          <ac:spMkLst>
+            <pc:docMk/>
+            <pc:sldMk cId="123529303" sldId="298"/>
+            <ac:spMk id="11" creationId="{E286DCF3-BD51-E64D-B366-BAE7332F61EA}"/>
+          </ac:spMkLst>
+        </pc:spChg>
+        <pc:spChg chg="mod">
+          <ac:chgData name="Long B Nguyen" userId="f59fb8f3-a021-417a-8bc1-65c8d471c621" providerId="ADAL" clId="{18B307F0-82DA-8342-AB9A-1CC8CB1F1087}" dt="2020-10-20T19:01:10.602" v="258" actId="20577"/>
+          <ac:spMkLst>
+            <pc:docMk/>
+            <pc:sldMk cId="123529303" sldId="298"/>
+            <ac:spMk id="13" creationId="{FEE970F2-C39B-7749-9FEC-3601AB1AE7E6}"/>
+          </ac:spMkLst>
+        </pc:spChg>
+        <pc:spChg chg="mod">
+          <ac:chgData name="Long B Nguyen" userId="f59fb8f3-a021-417a-8bc1-65c8d471c621" providerId="ADAL" clId="{18B307F0-82DA-8342-AB9A-1CC8CB1F1087}" dt="2020-10-20T19:00:45.374" v="199" actId="1035"/>
+          <ac:spMkLst>
+            <pc:docMk/>
+            <pc:sldMk cId="123529303" sldId="298"/>
+            <ac:spMk id="18" creationId="{72E2D77A-5904-7544-B8AE-F3CD3EA5A4E0}"/>
+          </ac:spMkLst>
+        </pc:spChg>
+        <pc:cxnChg chg="mod">
+          <ac:chgData name="Long B Nguyen" userId="f59fb8f3-a021-417a-8bc1-65c8d471c621" providerId="ADAL" clId="{18B307F0-82DA-8342-AB9A-1CC8CB1F1087}" dt="2020-10-20T19:00:45.374" v="199" actId="1035"/>
+          <ac:cxnSpMkLst>
+            <pc:docMk/>
+            <pc:sldMk cId="123529303" sldId="298"/>
+            <ac:cxnSpMk id="10" creationId="{7B79EDEB-21CF-C34B-A2E5-A09E60D29E45}"/>
+          </ac:cxnSpMkLst>
+        </pc:cxnChg>
+        <pc:cxnChg chg="add mod">
+          <ac:chgData name="Long B Nguyen" userId="f59fb8f3-a021-417a-8bc1-65c8d471c621" providerId="ADAL" clId="{18B307F0-82DA-8342-AB9A-1CC8CB1F1087}" dt="2020-10-20T19:07:31.123" v="400" actId="14100"/>
+          <ac:cxnSpMkLst>
+            <pc:docMk/>
+            <pc:sldMk cId="123529303" sldId="298"/>
+            <ac:cxnSpMk id="12" creationId="{D08E2E9A-8059-5041-B928-E129AA2B1C03}"/>
+          </ac:cxnSpMkLst>
+        </pc:cxnChg>
+        <pc:cxnChg chg="mod">
+          <ac:chgData name="Long B Nguyen" userId="f59fb8f3-a021-417a-8bc1-65c8d471c621" providerId="ADAL" clId="{18B307F0-82DA-8342-AB9A-1CC8CB1F1087}" dt="2020-10-20T19:00:45.374" v="199" actId="1035"/>
+          <ac:cxnSpMkLst>
+            <pc:docMk/>
+            <pc:sldMk cId="123529303" sldId="298"/>
+            <ac:cxnSpMk id="14" creationId="{67BD5D1A-21FF-5E44-BC9A-F45708385466}"/>
+          </ac:cxnSpMkLst>
+        </pc:cxnChg>
+        <pc:cxnChg chg="add mod">
+          <ac:chgData name="Long B Nguyen" userId="f59fb8f3-a021-417a-8bc1-65c8d471c621" providerId="ADAL" clId="{18B307F0-82DA-8342-AB9A-1CC8CB1F1087}" dt="2020-10-20T19:07:37.748" v="404" actId="14100"/>
+          <ac:cxnSpMkLst>
+            <pc:docMk/>
+            <pc:sldMk cId="123529303" sldId="298"/>
+            <ac:cxnSpMk id="15" creationId="{1001F9BD-2122-5B46-9F66-4162E36E3941}"/>
+          </ac:cxnSpMkLst>
+        </pc:cxnChg>
+        <pc:cxnChg chg="mod">
+          <ac:chgData name="Long B Nguyen" userId="f59fb8f3-a021-417a-8bc1-65c8d471c621" providerId="ADAL" clId="{18B307F0-82DA-8342-AB9A-1CC8CB1F1087}" dt="2020-10-20T19:00:45.374" v="199" actId="1035"/>
+          <ac:cxnSpMkLst>
+            <pc:docMk/>
+            <pc:sldMk cId="123529303" sldId="298"/>
+            <ac:cxnSpMk id="19" creationId="{F27838C9-39D0-B347-A820-EEA046CD6709}"/>
+          </ac:cxnSpMkLst>
+        </pc:cxnChg>
+      </pc:sldChg>
+      <pc:sldChg chg="modSp">
+        <pc:chgData name="Long B Nguyen" userId="f59fb8f3-a021-417a-8bc1-65c8d471c621" providerId="ADAL" clId="{18B307F0-82DA-8342-AB9A-1CC8CB1F1087}" dt="2020-10-26T10:12:25.522" v="495" actId="20577"/>
+        <pc:sldMkLst>
+          <pc:docMk/>
+          <pc:sldMk cId="3748840513" sldId="326"/>
+        </pc:sldMkLst>
+        <pc:spChg chg="mod">
+          <ac:chgData name="Long B Nguyen" userId="f59fb8f3-a021-417a-8bc1-65c8d471c621" providerId="ADAL" clId="{18B307F0-82DA-8342-AB9A-1CC8CB1F1087}" dt="2020-10-26T10:12:25.522" v="495" actId="20577"/>
+          <ac:spMkLst>
+            <pc:docMk/>
+            <pc:sldMk cId="3748840513" sldId="326"/>
+            <ac:spMk id="9" creationId="{E3B2E017-30B2-884B-A113-B419A2ED51AD}"/>
+          </ac:spMkLst>
+        </pc:spChg>
+      </pc:sldChg>
+      <pc:sldChg chg="modSp">
+        <pc:chgData name="Long B Nguyen" userId="f59fb8f3-a021-417a-8bc1-65c8d471c621" providerId="ADAL" clId="{18B307F0-82DA-8342-AB9A-1CC8CB1F1087}" dt="2020-10-27T12:30:23.869" v="941" actId="20577"/>
+        <pc:sldMkLst>
+          <pc:docMk/>
+          <pc:sldMk cId="894578124" sldId="330"/>
+        </pc:sldMkLst>
+        <pc:spChg chg="mod">
+          <ac:chgData name="Long B Nguyen" userId="f59fb8f3-a021-417a-8bc1-65c8d471c621" providerId="ADAL" clId="{18B307F0-82DA-8342-AB9A-1CC8CB1F1087}" dt="2020-10-27T12:30:23.869" v="941" actId="20577"/>
+          <ac:spMkLst>
+            <pc:docMk/>
+            <pc:sldMk cId="894578124" sldId="330"/>
+            <ac:spMk id="9" creationId="{E3B2E017-30B2-884B-A113-B419A2ED51AD}"/>
+          </ac:spMkLst>
+        </pc:spChg>
+      </pc:sldChg>
+      <pc:sldChg chg="modSp add mod">
+        <pc:chgData name="Long B Nguyen" userId="f59fb8f3-a021-417a-8bc1-65c8d471c621" providerId="ADAL" clId="{18B307F0-82DA-8342-AB9A-1CC8CB1F1087}" dt="2020-10-27T12:29:19.886" v="870" actId="1076"/>
+        <pc:sldMkLst>
+          <pc:docMk/>
+          <pc:sldMk cId="226687820" sldId="398"/>
+        </pc:sldMkLst>
+        <pc:spChg chg="mod">
+          <ac:chgData name="Long B Nguyen" userId="f59fb8f3-a021-417a-8bc1-65c8d471c621" providerId="ADAL" clId="{18B307F0-82DA-8342-AB9A-1CC8CB1F1087}" dt="2020-10-27T12:29:10.119" v="867" actId="1076"/>
+          <ac:spMkLst>
+            <pc:docMk/>
+            <pc:sldMk cId="226687820" sldId="398"/>
+            <ac:spMk id="40961" creationId="{266119B2-414E-5047-A049-172C3274D6D7}"/>
+          </ac:spMkLst>
+        </pc:spChg>
+        <pc:spChg chg="mod">
+          <ac:chgData name="Long B Nguyen" userId="f59fb8f3-a021-417a-8bc1-65c8d471c621" providerId="ADAL" clId="{18B307F0-82DA-8342-AB9A-1CC8CB1F1087}" dt="2020-10-27T12:29:16.115" v="869" actId="1076"/>
+          <ac:spMkLst>
+            <pc:docMk/>
+            <pc:sldMk cId="226687820" sldId="398"/>
+            <ac:spMk id="40962" creationId="{95CBFE7E-C29B-E04D-A37E-0DBCF46A1435}"/>
+          </ac:spMkLst>
+        </pc:spChg>
+        <pc:picChg chg="mod">
+          <ac:chgData name="Long B Nguyen" userId="f59fb8f3-a021-417a-8bc1-65c8d471c621" providerId="ADAL" clId="{18B307F0-82DA-8342-AB9A-1CC8CB1F1087}" dt="2020-10-27T12:29:19.886" v="870" actId="1076"/>
+          <ac:picMkLst>
+            <pc:docMk/>
+            <pc:sldMk cId="226687820" sldId="398"/>
+            <ac:picMk id="40963" creationId="{132EE64E-2666-A648-8980-DA4F2C3F08AD}"/>
+          </ac:picMkLst>
+        </pc:picChg>
+      </pc:sldChg>
+      <pc:sldChg chg="modSp add mod">
+        <pc:chgData name="Long B Nguyen" userId="f59fb8f3-a021-417a-8bc1-65c8d471c621" providerId="ADAL" clId="{18B307F0-82DA-8342-AB9A-1CC8CB1F1087}" dt="2020-10-27T12:29:57.416" v="939" actId="20577"/>
+        <pc:sldMkLst>
+          <pc:docMk/>
+          <pc:sldMk cId="70090437" sldId="399"/>
+        </pc:sldMkLst>
+        <pc:spChg chg="mod">
+          <ac:chgData name="Long B Nguyen" userId="f59fb8f3-a021-417a-8bc1-65c8d471c621" providerId="ADAL" clId="{18B307F0-82DA-8342-AB9A-1CC8CB1F1087}" dt="2020-10-27T12:24:58.819" v="499" actId="1076"/>
+          <ac:spMkLst>
+            <pc:docMk/>
+            <pc:sldMk cId="70090437" sldId="399"/>
+            <ac:spMk id="43009" creationId="{504CDE1E-2E67-4F45-B8D7-8B8B0A11427F}"/>
+          </ac:spMkLst>
+        </pc:spChg>
+        <pc:spChg chg="mod">
+          <ac:chgData name="Long B Nguyen" userId="f59fb8f3-a021-417a-8bc1-65c8d471c621" providerId="ADAL" clId="{18B307F0-82DA-8342-AB9A-1CC8CB1F1087}" dt="2020-10-27T12:29:57.416" v="939" actId="20577"/>
+          <ac:spMkLst>
+            <pc:docMk/>
+            <pc:sldMk cId="70090437" sldId="399"/>
+            <ac:spMk id="43010" creationId="{DDAB1DA6-6116-F740-A9FA-E38390037BBC}"/>
           </ac:spMkLst>
         </pc:spChg>
       </pc:sldChg>
@@ -2628,20 +3663,158 @@
     </pc:docChg>
   </pc:docChgLst>
   <pc:docChgLst>
-    <pc:chgData name="Long B Nguyen" userId="f59fb8f3-a021-417a-8bc1-65c8d471c621" providerId="ADAL" clId="{00ED48EA-2E19-B648-B077-22D14873FFED}"/>
-    <pc:docChg chg="undo custSel addSld delSld modSld">
-      <pc:chgData name="Long B Nguyen" userId="f59fb8f3-a021-417a-8bc1-65c8d471c621" providerId="ADAL" clId="{00ED48EA-2E19-B648-B077-22D14873FFED}" dt="2020-10-20T06:07:07.103" v="1596" actId="1076"/>
+    <pc:chgData name="Long B Nguyen" userId="f59fb8f3-a021-417a-8bc1-65c8d471c621" providerId="ADAL" clId="{7CF42801-12ED-E04E-AC69-6FCBFB1E8006}"/>
+    <pc:docChg chg="undo custSel modSld">
+      <pc:chgData name="Long B Nguyen" userId="f59fb8f3-a021-417a-8bc1-65c8d471c621" providerId="ADAL" clId="{7CF42801-12ED-E04E-AC69-6FCBFB1E8006}" dt="2021-10-04T13:36:25.492" v="33"/>
+      <pc:docMkLst>
+        <pc:docMk/>
+      </pc:docMkLst>
+      <pc:sldChg chg="modAnim">
+        <pc:chgData name="Long B Nguyen" userId="f59fb8f3-a021-417a-8bc1-65c8d471c621" providerId="ADAL" clId="{7CF42801-12ED-E04E-AC69-6FCBFB1E8006}" dt="2021-10-04T13:27:57.248" v="0"/>
+        <pc:sldMkLst>
+          <pc:docMk/>
+          <pc:sldMk cId="3670596711" sldId="304"/>
+        </pc:sldMkLst>
+      </pc:sldChg>
+      <pc:sldChg chg="modSp modAnim">
+        <pc:chgData name="Long B Nguyen" userId="f59fb8f3-a021-417a-8bc1-65c8d471c621" providerId="ADAL" clId="{7CF42801-12ED-E04E-AC69-6FCBFB1E8006}" dt="2021-10-04T13:32:16.187" v="28" actId="20577"/>
+        <pc:sldMkLst>
+          <pc:docMk/>
+          <pc:sldMk cId="3984246490" sldId="307"/>
+        </pc:sldMkLst>
+        <pc:spChg chg="mod">
+          <ac:chgData name="Long B Nguyen" userId="f59fb8f3-a021-417a-8bc1-65c8d471c621" providerId="ADAL" clId="{7CF42801-12ED-E04E-AC69-6FCBFB1E8006}" dt="2021-10-04T13:32:16.187" v="28" actId="20577"/>
+          <ac:spMkLst>
+            <pc:docMk/>
+            <pc:sldMk cId="3984246490" sldId="307"/>
+            <ac:spMk id="9" creationId="{E3B2E017-30B2-884B-A113-B419A2ED51AD}"/>
+          </ac:spMkLst>
+        </pc:spChg>
+      </pc:sldChg>
+      <pc:sldChg chg="modAnim">
+        <pc:chgData name="Long B Nguyen" userId="f59fb8f3-a021-417a-8bc1-65c8d471c621" providerId="ADAL" clId="{7CF42801-12ED-E04E-AC69-6FCBFB1E8006}" dt="2021-10-04T13:28:11.877" v="4"/>
+        <pc:sldMkLst>
+          <pc:docMk/>
+          <pc:sldMk cId="2991473066" sldId="400"/>
+        </pc:sldMkLst>
+      </pc:sldChg>
+      <pc:sldChg chg="modAnim">
+        <pc:chgData name="Long B Nguyen" userId="f59fb8f3-a021-417a-8bc1-65c8d471c621" providerId="ADAL" clId="{7CF42801-12ED-E04E-AC69-6FCBFB1E8006}" dt="2021-10-04T13:28:00.590" v="1"/>
+        <pc:sldMkLst>
+          <pc:docMk/>
+          <pc:sldMk cId="1878754954" sldId="401"/>
+        </pc:sldMkLst>
+      </pc:sldChg>
+      <pc:sldChg chg="modAnim">
+        <pc:chgData name="Long B Nguyen" userId="f59fb8f3-a021-417a-8bc1-65c8d471c621" providerId="ADAL" clId="{7CF42801-12ED-E04E-AC69-6FCBFB1E8006}" dt="2021-10-04T13:28:17.990" v="5"/>
+        <pc:sldMkLst>
+          <pc:docMk/>
+          <pc:sldMk cId="1375038575" sldId="403"/>
+        </pc:sldMkLst>
+      </pc:sldChg>
+      <pc:sldChg chg="modAnim">
+        <pc:chgData name="Long B Nguyen" userId="f59fb8f3-a021-417a-8bc1-65c8d471c621" providerId="ADAL" clId="{7CF42801-12ED-E04E-AC69-6FCBFB1E8006}" dt="2021-10-04T13:29:08.412" v="15"/>
+        <pc:sldMkLst>
+          <pc:docMk/>
+          <pc:sldMk cId="3395584097" sldId="404"/>
+        </pc:sldMkLst>
+      </pc:sldChg>
+      <pc:sldChg chg="modSp mod">
+        <pc:chgData name="Long B Nguyen" userId="f59fb8f3-a021-417a-8bc1-65c8d471c621" providerId="ADAL" clId="{7CF42801-12ED-E04E-AC69-6FCBFB1E8006}" dt="2021-10-04T13:29:37.833" v="17" actId="20577"/>
+        <pc:sldMkLst>
+          <pc:docMk/>
+          <pc:sldMk cId="3714893887" sldId="405"/>
+        </pc:sldMkLst>
+        <pc:spChg chg="mod">
+          <ac:chgData name="Long B Nguyen" userId="f59fb8f3-a021-417a-8bc1-65c8d471c621" providerId="ADAL" clId="{7CF42801-12ED-E04E-AC69-6FCBFB1E8006}" dt="2021-10-04T13:29:37.833" v="17" actId="20577"/>
+          <ac:spMkLst>
+            <pc:docMk/>
+            <pc:sldMk cId="3714893887" sldId="405"/>
+            <ac:spMk id="9" creationId="{E3B2E017-30B2-884B-A113-B419A2ED51AD}"/>
+          </ac:spMkLst>
+        </pc:spChg>
+      </pc:sldChg>
+      <pc:sldChg chg="modAnim">
+        <pc:chgData name="Long B Nguyen" userId="f59fb8f3-a021-417a-8bc1-65c8d471c621" providerId="ADAL" clId="{7CF42801-12ED-E04E-AC69-6FCBFB1E8006}" dt="2021-10-04T13:30:35.427" v="24"/>
+        <pc:sldMkLst>
+          <pc:docMk/>
+          <pc:sldMk cId="3574827976" sldId="408"/>
+        </pc:sldMkLst>
+      </pc:sldChg>
+      <pc:sldChg chg="modAnim">
+        <pc:chgData name="Long B Nguyen" userId="f59fb8f3-a021-417a-8bc1-65c8d471c621" providerId="ADAL" clId="{7CF42801-12ED-E04E-AC69-6FCBFB1E8006}" dt="2021-10-04T13:31:39.263" v="27"/>
+        <pc:sldMkLst>
+          <pc:docMk/>
+          <pc:sldMk cId="1866381520" sldId="410"/>
+        </pc:sldMkLst>
+      </pc:sldChg>
+      <pc:sldChg chg="modAnim">
+        <pc:chgData name="Long B Nguyen" userId="f59fb8f3-a021-417a-8bc1-65c8d471c621" providerId="ADAL" clId="{7CF42801-12ED-E04E-AC69-6FCBFB1E8006}" dt="2021-10-04T13:31:09.752" v="25"/>
+        <pc:sldMkLst>
+          <pc:docMk/>
+          <pc:sldMk cId="3445107113" sldId="411"/>
+        </pc:sldMkLst>
+      </pc:sldChg>
+      <pc:sldChg chg="modSp">
+        <pc:chgData name="Long B Nguyen" userId="f59fb8f3-a021-417a-8bc1-65c8d471c621" providerId="ADAL" clId="{7CF42801-12ED-E04E-AC69-6FCBFB1E8006}" dt="2021-10-04T13:33:03.066" v="29" actId="207"/>
+        <pc:sldMkLst>
+          <pc:docMk/>
+          <pc:sldMk cId="26315692" sldId="412"/>
+        </pc:sldMkLst>
+        <pc:spChg chg="mod">
+          <ac:chgData name="Long B Nguyen" userId="f59fb8f3-a021-417a-8bc1-65c8d471c621" providerId="ADAL" clId="{7CF42801-12ED-E04E-AC69-6FCBFB1E8006}" dt="2021-10-04T13:33:03.066" v="29" actId="207"/>
+          <ac:spMkLst>
+            <pc:docMk/>
+            <pc:sldMk cId="26315692" sldId="412"/>
+            <ac:spMk id="9" creationId="{E3B2E017-30B2-884B-A113-B419A2ED51AD}"/>
+          </ac:spMkLst>
+        </pc:spChg>
+      </pc:sldChg>
+      <pc:sldChg chg="modAnim">
+        <pc:chgData name="Long B Nguyen" userId="f59fb8f3-a021-417a-8bc1-65c8d471c621" providerId="ADAL" clId="{7CF42801-12ED-E04E-AC69-6FCBFB1E8006}" dt="2021-10-04T13:34:32.597" v="30"/>
+        <pc:sldMkLst>
+          <pc:docMk/>
+          <pc:sldMk cId="3536221410" sldId="414"/>
+        </pc:sldMkLst>
+      </pc:sldChg>
+      <pc:sldChg chg="modAnim">
+        <pc:chgData name="Long B Nguyen" userId="f59fb8f3-a021-417a-8bc1-65c8d471c621" providerId="ADAL" clId="{7CF42801-12ED-E04E-AC69-6FCBFB1E8006}" dt="2021-10-04T13:34:53.900" v="31"/>
+        <pc:sldMkLst>
+          <pc:docMk/>
+          <pc:sldMk cId="976150634" sldId="415"/>
+        </pc:sldMkLst>
+      </pc:sldChg>
+      <pc:sldChg chg="modAnim">
+        <pc:chgData name="Long B Nguyen" userId="f59fb8f3-a021-417a-8bc1-65c8d471c621" providerId="ADAL" clId="{7CF42801-12ED-E04E-AC69-6FCBFB1E8006}" dt="2021-10-04T13:35:18.773" v="32"/>
+        <pc:sldMkLst>
+          <pc:docMk/>
+          <pc:sldMk cId="1551984946" sldId="416"/>
+        </pc:sldMkLst>
+      </pc:sldChg>
+      <pc:sldChg chg="modAnim">
+        <pc:chgData name="Long B Nguyen" userId="f59fb8f3-a021-417a-8bc1-65c8d471c621" providerId="ADAL" clId="{7CF42801-12ED-E04E-AC69-6FCBFB1E8006}" dt="2021-10-04T13:36:25.492" v="33"/>
+        <pc:sldMkLst>
+          <pc:docMk/>
+          <pc:sldMk cId="1811896604" sldId="417"/>
+        </pc:sldMkLst>
+      </pc:sldChg>
+    </pc:docChg>
+  </pc:docChgLst>
+  <pc:docChgLst>
+    <pc:chgData name="Long B Nguyen" userId="f59fb8f3-a021-417a-8bc1-65c8d471c621" providerId="ADAL" clId="{4C2FC867-C2FC-8048-8952-4886924F1964}"/>
+    <pc:docChg chg="modSld">
+      <pc:chgData name="Long B Nguyen" userId="f59fb8f3-a021-417a-8bc1-65c8d471c621" providerId="ADAL" clId="{4C2FC867-C2FC-8048-8952-4886924F1964}" dt="2021-06-09T15:35:48.122" v="528" actId="255"/>
       <pc:docMkLst>
         <pc:docMk/>
       </pc:docMkLst>
       <pc:sldChg chg="modSp mod">
-        <pc:chgData name="Long B Nguyen" userId="f59fb8f3-a021-417a-8bc1-65c8d471c621" providerId="ADAL" clId="{00ED48EA-2E19-B648-B077-22D14873FFED}" dt="2020-10-20T05:38:29.932" v="1372" actId="20577"/>
+        <pc:chgData name="Long B Nguyen" userId="f59fb8f3-a021-417a-8bc1-65c8d471c621" providerId="ADAL" clId="{4C2FC867-C2FC-8048-8952-4886924F1964}" dt="2021-06-04T16:30:58.322" v="170" actId="20577"/>
         <pc:sldMkLst>
           <pc:docMk/>
           <pc:sldMk cId="131840209" sldId="286"/>
         </pc:sldMkLst>
         <pc:spChg chg="mod">
-          <ac:chgData name="Long B Nguyen" userId="f59fb8f3-a021-417a-8bc1-65c8d471c621" providerId="ADAL" clId="{00ED48EA-2E19-B648-B077-22D14873FFED}" dt="2020-10-20T05:38:29.932" v="1372" actId="20577"/>
+          <ac:chgData name="Long B Nguyen" userId="f59fb8f3-a021-417a-8bc1-65c8d471c621" providerId="ADAL" clId="{4C2FC867-C2FC-8048-8952-4886924F1964}" dt="2021-06-04T16:30:58.322" v="170" actId="20577"/>
           <ac:spMkLst>
             <pc:docMk/>
             <pc:sldMk cId="131840209" sldId="286"/>
@@ -2649,1016 +3822,214 @@
           </ac:spMkLst>
         </pc:spChg>
       </pc:sldChg>
-      <pc:sldChg chg="del">
-        <pc:chgData name="Long B Nguyen" userId="f59fb8f3-a021-417a-8bc1-65c8d471c621" providerId="ADAL" clId="{00ED48EA-2E19-B648-B077-22D14873FFED}" dt="2020-10-20T04:52:11.265" v="0" actId="2696"/>
+      <pc:sldChg chg="modSp mod">
+        <pc:chgData name="Long B Nguyen" userId="f59fb8f3-a021-417a-8bc1-65c8d471c621" providerId="ADAL" clId="{4C2FC867-C2FC-8048-8952-4886924F1964}" dt="2021-06-09T15:31:11.475" v="261" actId="1076"/>
         <pc:sldMkLst>
           <pc:docMk/>
-          <pc:sldMk cId="2219016551" sldId="296"/>
-        </pc:sldMkLst>
-      </pc:sldChg>
-      <pc:sldChg chg="del">
-        <pc:chgData name="Long B Nguyen" userId="f59fb8f3-a021-417a-8bc1-65c8d471c621" providerId="ADAL" clId="{00ED48EA-2E19-B648-B077-22D14873FFED}" dt="2020-10-20T05:09:51.022" v="521" actId="2696"/>
-        <pc:sldMkLst>
-          <pc:docMk/>
-          <pc:sldMk cId="470149039" sldId="300"/>
-        </pc:sldMkLst>
-      </pc:sldChg>
-      <pc:sldChg chg="modSp">
-        <pc:chgData name="Long B Nguyen" userId="f59fb8f3-a021-417a-8bc1-65c8d471c621" providerId="ADAL" clId="{00ED48EA-2E19-B648-B077-22D14873FFED}" dt="2020-10-20T04:56:29.430" v="19" actId="20577"/>
-        <pc:sldMkLst>
-          <pc:docMk/>
-          <pc:sldMk cId="3670596711" sldId="304"/>
+          <pc:sldMk cId="3395584097" sldId="404"/>
         </pc:sldMkLst>
         <pc:spChg chg="mod">
-          <ac:chgData name="Long B Nguyen" userId="f59fb8f3-a021-417a-8bc1-65c8d471c621" providerId="ADAL" clId="{00ED48EA-2E19-B648-B077-22D14873FFED}" dt="2020-10-20T04:56:29.430" v="19" actId="20577"/>
+          <ac:chgData name="Long B Nguyen" userId="f59fb8f3-a021-417a-8bc1-65c8d471c621" providerId="ADAL" clId="{4C2FC867-C2FC-8048-8952-4886924F1964}" dt="2021-06-09T15:29:53.418" v="190" actId="20577"/>
           <ac:spMkLst>
             <pc:docMk/>
-            <pc:sldMk cId="3670596711" sldId="304"/>
+            <pc:sldMk cId="3395584097" sldId="404"/>
+            <ac:spMk id="8" creationId="{1044117C-21C0-1F45-A298-07265AA9815C}"/>
+          </ac:spMkLst>
+        </pc:spChg>
+        <pc:spChg chg="mod">
+          <ac:chgData name="Long B Nguyen" userId="f59fb8f3-a021-417a-8bc1-65c8d471c621" providerId="ADAL" clId="{4C2FC867-C2FC-8048-8952-4886924F1964}" dt="2021-06-09T15:31:05.740" v="259" actId="20577"/>
+          <ac:spMkLst>
+            <pc:docMk/>
+            <pc:sldMk cId="3395584097" sldId="404"/>
             <ac:spMk id="9" creationId="{E3B2E017-30B2-884B-A113-B419A2ED51AD}"/>
           </ac:spMkLst>
         </pc:spChg>
-      </pc:sldChg>
-      <pc:sldChg chg="addSp modSp mod modAnim">
-        <pc:chgData name="Long B Nguyen" userId="f59fb8f3-a021-417a-8bc1-65c8d471c621" providerId="ADAL" clId="{00ED48EA-2E19-B648-B077-22D14873FFED}" dt="2020-10-20T05:40:22.576" v="1389"/>
-        <pc:sldMkLst>
-          <pc:docMk/>
-          <pc:sldMk cId="3984246490" sldId="307"/>
-        </pc:sldMkLst>
-        <pc:spChg chg="add mod">
-          <ac:chgData name="Long B Nguyen" userId="f59fb8f3-a021-417a-8bc1-65c8d471c621" providerId="ADAL" clId="{00ED48EA-2E19-B648-B077-22D14873FFED}" dt="2020-10-20T04:57:23.799" v="41" actId="1076"/>
+        <pc:spChg chg="mod">
+          <ac:chgData name="Long B Nguyen" userId="f59fb8f3-a021-417a-8bc1-65c8d471c621" providerId="ADAL" clId="{4C2FC867-C2FC-8048-8952-4886924F1964}" dt="2021-06-09T15:29:57.206" v="195" actId="20577"/>
           <ac:spMkLst>
             <pc:docMk/>
-            <pc:sldMk cId="3984246490" sldId="307"/>
-            <ac:spMk id="3" creationId="{C25232B0-6A8F-8F4D-9BCD-A2E72376627C}"/>
+            <pc:sldMk cId="3395584097" sldId="404"/>
+            <ac:spMk id="25" creationId="{B9BB4991-4105-EC40-918A-F22FD2AF1EC5}"/>
           </ac:spMkLst>
         </pc:spChg>
-        <pc:spChg chg="add mod">
-          <ac:chgData name="Long B Nguyen" userId="f59fb8f3-a021-417a-8bc1-65c8d471c621" providerId="ADAL" clId="{00ED48EA-2E19-B648-B077-22D14873FFED}" dt="2020-10-20T04:57:48.491" v="56" actId="20577"/>
-          <ac:spMkLst>
-            <pc:docMk/>
-            <pc:sldMk cId="3984246490" sldId="307"/>
-            <ac:spMk id="11" creationId="{44FD2B9C-7AE0-3C43-BDE7-ACBC728C1206}"/>
-          </ac:spMkLst>
-        </pc:spChg>
-        <pc:cxnChg chg="add mod">
-          <ac:chgData name="Long B Nguyen" userId="f59fb8f3-a021-417a-8bc1-65c8d471c621" providerId="ADAL" clId="{00ED48EA-2E19-B648-B077-22D14873FFED}" dt="2020-10-20T04:57:04.273" v="35" actId="14100"/>
+        <pc:cxnChg chg="mod">
+          <ac:chgData name="Long B Nguyen" userId="f59fb8f3-a021-417a-8bc1-65c8d471c621" providerId="ADAL" clId="{4C2FC867-C2FC-8048-8952-4886924F1964}" dt="2021-06-09T15:31:10.002" v="260" actId="1076"/>
           <ac:cxnSpMkLst>
             <pc:docMk/>
-            <pc:sldMk cId="3984246490" sldId="307"/>
-            <ac:cxnSpMk id="7" creationId="{091A7C9A-BF5B-E342-B677-E234AEBDED9F}"/>
+            <pc:sldMk cId="3395584097" sldId="404"/>
+            <ac:cxnSpMk id="18" creationId="{12FC02BD-45AD-764F-91B5-1546B5C0BC0D}"/>
           </ac:cxnSpMkLst>
         </pc:cxnChg>
-        <pc:cxnChg chg="add mod">
-          <ac:chgData name="Long B Nguyen" userId="f59fb8f3-a021-417a-8bc1-65c8d471c621" providerId="ADAL" clId="{00ED48EA-2E19-B648-B077-22D14873FFED}" dt="2020-10-20T04:57:18.284" v="40" actId="1076"/>
+        <pc:cxnChg chg="mod">
+          <ac:chgData name="Long B Nguyen" userId="f59fb8f3-a021-417a-8bc1-65c8d471c621" providerId="ADAL" clId="{4C2FC867-C2FC-8048-8952-4886924F1964}" dt="2021-06-09T15:31:11.475" v="261" actId="1076"/>
           <ac:cxnSpMkLst>
             <pc:docMk/>
-            <pc:sldMk cId="3984246490" sldId="307"/>
-            <ac:cxnSpMk id="10" creationId="{D7FFF2D8-8954-1E4A-9583-2C3898384AF8}"/>
-          </ac:cxnSpMkLst>
-        </pc:cxnChg>
-        <pc:cxnChg chg="add mod">
-          <ac:chgData name="Long B Nguyen" userId="f59fb8f3-a021-417a-8bc1-65c8d471c621" providerId="ADAL" clId="{00ED48EA-2E19-B648-B077-22D14873FFED}" dt="2020-10-20T04:57:43.342" v="46" actId="14100"/>
-          <ac:cxnSpMkLst>
-            <pc:docMk/>
-            <pc:sldMk cId="3984246490" sldId="307"/>
-            <ac:cxnSpMk id="12" creationId="{A585171B-B274-0244-ABC7-EA20AA068991}"/>
-          </ac:cxnSpMkLst>
-        </pc:cxnChg>
-        <pc:cxnChg chg="add mod">
-          <ac:chgData name="Long B Nguyen" userId="f59fb8f3-a021-417a-8bc1-65c8d471c621" providerId="ADAL" clId="{00ED48EA-2E19-B648-B077-22D14873FFED}" dt="2020-10-20T04:57:39.802" v="45" actId="14100"/>
-          <ac:cxnSpMkLst>
-            <pc:docMk/>
-            <pc:sldMk cId="3984246490" sldId="307"/>
-            <ac:cxnSpMk id="13" creationId="{832CD8A7-433F-8544-ACBB-E11EDD26A376}"/>
+            <pc:sldMk cId="3395584097" sldId="404"/>
+            <ac:cxnSpMk id="22" creationId="{A7D6B793-CDB8-474B-81AF-D75035A77EBB}"/>
           </ac:cxnSpMkLst>
         </pc:cxnChg>
       </pc:sldChg>
       <pc:sldChg chg="modSp mod">
-        <pc:chgData name="Long B Nguyen" userId="f59fb8f3-a021-417a-8bc1-65c8d471c621" providerId="ADAL" clId="{00ED48EA-2E19-B648-B077-22D14873FFED}" dt="2020-10-20T05:06:10.096" v="321" actId="14100"/>
+        <pc:chgData name="Long B Nguyen" userId="f59fb8f3-a021-417a-8bc1-65c8d471c621" providerId="ADAL" clId="{4C2FC867-C2FC-8048-8952-4886924F1964}" dt="2021-06-09T15:30:33.163" v="243" actId="20577"/>
         <pc:sldMkLst>
           <pc:docMk/>
-          <pc:sldMk cId="3672999173" sldId="308"/>
+          <pc:sldMk cId="3714893887" sldId="405"/>
         </pc:sldMkLst>
         <pc:spChg chg="mod">
-          <ac:chgData name="Long B Nguyen" userId="f59fb8f3-a021-417a-8bc1-65c8d471c621" providerId="ADAL" clId="{00ED48EA-2E19-B648-B077-22D14873FFED}" dt="2020-10-20T05:06:07.601" v="320" actId="1076"/>
+          <ac:chgData name="Long B Nguyen" userId="f59fb8f3-a021-417a-8bc1-65c8d471c621" providerId="ADAL" clId="{4C2FC867-C2FC-8048-8952-4886924F1964}" dt="2021-06-09T15:30:09.271" v="212" actId="20577"/>
           <ac:spMkLst>
             <pc:docMk/>
-            <pc:sldMk cId="3672999173" sldId="308"/>
-            <ac:spMk id="2" creationId="{AA3A228F-61D0-D949-A5E7-F83756230BF8}"/>
+            <pc:sldMk cId="3714893887" sldId="405"/>
+            <ac:spMk id="9" creationId="{E3B2E017-30B2-884B-A113-B419A2ED51AD}"/>
           </ac:spMkLst>
         </pc:spChg>
         <pc:spChg chg="mod">
-          <ac:chgData name="Long B Nguyen" userId="f59fb8f3-a021-417a-8bc1-65c8d471c621" providerId="ADAL" clId="{00ED48EA-2E19-B648-B077-22D14873FFED}" dt="2020-10-20T05:06:10.096" v="321" actId="14100"/>
+          <ac:chgData name="Long B Nguyen" userId="f59fb8f3-a021-417a-8bc1-65c8d471c621" providerId="ADAL" clId="{4C2FC867-C2FC-8048-8952-4886924F1964}" dt="2021-06-09T15:30:33.163" v="243" actId="20577"/>
           <ac:spMkLst>
             <pc:docMk/>
-            <pc:sldMk cId="3672999173" sldId="308"/>
+            <pc:sldMk cId="3714893887" sldId="405"/>
+            <ac:spMk id="11" creationId="{64246B44-6C38-BF40-A25C-4A2CECDA19B3}"/>
+          </ac:spMkLst>
+        </pc:spChg>
+      </pc:sldChg>
+      <pc:sldChg chg="modSp mod">
+        <pc:chgData name="Long B Nguyen" userId="f59fb8f3-a021-417a-8bc1-65c8d471c621" providerId="ADAL" clId="{4C2FC867-C2FC-8048-8952-4886924F1964}" dt="2021-06-09T15:30:28.413" v="238" actId="20577"/>
+        <pc:sldMkLst>
+          <pc:docMk/>
+          <pc:sldMk cId="2579223391" sldId="407"/>
+        </pc:sldMkLst>
+        <pc:spChg chg="mod">
+          <ac:chgData name="Long B Nguyen" userId="f59fb8f3-a021-417a-8bc1-65c8d471c621" providerId="ADAL" clId="{4C2FC867-C2FC-8048-8952-4886924F1964}" dt="2021-06-09T15:30:23.920" v="233" actId="20577"/>
+          <ac:spMkLst>
+            <pc:docMk/>
+            <pc:sldMk cId="2579223391" sldId="407"/>
             <ac:spMk id="9" creationId="{E3B2E017-30B2-884B-A113-B419A2ED51AD}"/>
           </ac:spMkLst>
         </pc:spChg>
+        <pc:spChg chg="mod">
+          <ac:chgData name="Long B Nguyen" userId="f59fb8f3-a021-417a-8bc1-65c8d471c621" providerId="ADAL" clId="{4C2FC867-C2FC-8048-8952-4886924F1964}" dt="2021-06-09T15:30:28.413" v="238" actId="20577"/>
+          <ac:spMkLst>
+            <pc:docMk/>
+            <pc:sldMk cId="2579223391" sldId="407"/>
+            <ac:spMk id="11" creationId="{64246B44-6C38-BF40-A25C-4A2CECDA19B3}"/>
+          </ac:spMkLst>
+        </pc:spChg>
       </pc:sldChg>
-      <pc:sldChg chg="delSp modSp mod delAnim">
-        <pc:chgData name="Long B Nguyen" userId="f59fb8f3-a021-417a-8bc1-65c8d471c621" providerId="ADAL" clId="{00ED48EA-2E19-B648-B077-22D14873FFED}" dt="2020-10-20T05:03:57.024" v="318" actId="478"/>
+      <pc:sldChg chg="modSp mod">
+        <pc:chgData name="Long B Nguyen" userId="f59fb8f3-a021-417a-8bc1-65c8d471c621" providerId="ADAL" clId="{4C2FC867-C2FC-8048-8952-4886924F1964}" dt="2021-06-09T15:31:27.441" v="276" actId="20577"/>
         <pc:sldMkLst>
           <pc:docMk/>
-          <pc:sldMk cId="4055245160" sldId="310"/>
+          <pc:sldMk cId="3574827976" sldId="408"/>
         </pc:sldMkLst>
         <pc:spChg chg="mod">
-          <ac:chgData name="Long B Nguyen" userId="f59fb8f3-a021-417a-8bc1-65c8d471c621" providerId="ADAL" clId="{00ED48EA-2E19-B648-B077-22D14873FFED}" dt="2020-10-20T05:03:03.450" v="313" actId="1076"/>
+          <ac:chgData name="Long B Nguyen" userId="f59fb8f3-a021-417a-8bc1-65c8d471c621" providerId="ADAL" clId="{4C2FC867-C2FC-8048-8952-4886924F1964}" dt="2021-06-09T15:31:27.441" v="276" actId="20577"/>
           <ac:spMkLst>
             <pc:docMk/>
-            <pc:sldMk cId="4055245160" sldId="310"/>
-            <ac:spMk id="2" creationId="{AA3A228F-61D0-D949-A5E7-F83756230BF8}"/>
-          </ac:spMkLst>
-        </pc:spChg>
-        <pc:spChg chg="del mod">
-          <ac:chgData name="Long B Nguyen" userId="f59fb8f3-a021-417a-8bc1-65c8d471c621" providerId="ADAL" clId="{00ED48EA-2E19-B648-B077-22D14873FFED}" dt="2020-10-20T05:03:57.024" v="318" actId="478"/>
-          <ac:spMkLst>
-            <pc:docMk/>
-            <pc:sldMk cId="4055245160" sldId="310"/>
-            <ac:spMk id="4" creationId="{2A32A6EF-01FB-C94C-8CF8-E8F1A32E5C78}"/>
-          </ac:spMkLst>
-        </pc:spChg>
-        <pc:spChg chg="del mod">
-          <ac:chgData name="Long B Nguyen" userId="f59fb8f3-a021-417a-8bc1-65c8d471c621" providerId="ADAL" clId="{00ED48EA-2E19-B648-B077-22D14873FFED}" dt="2020-10-20T05:03:52.501" v="317" actId="478"/>
-          <ac:spMkLst>
-            <pc:docMk/>
-            <pc:sldMk cId="4055245160" sldId="310"/>
-            <ac:spMk id="6" creationId="{86A85409-1D8D-F749-86FB-8BF9670B22EF}"/>
+            <pc:sldMk cId="3574827976" sldId="408"/>
+            <ac:spMk id="7" creationId="{AA7E18CE-9CDC-D041-AC86-C1E1DDDB4F0B}"/>
           </ac:spMkLst>
         </pc:spChg>
         <pc:spChg chg="mod">
-          <ac:chgData name="Long B Nguyen" userId="f59fb8f3-a021-417a-8bc1-65c8d471c621" providerId="ADAL" clId="{00ED48EA-2E19-B648-B077-22D14873FFED}" dt="2020-10-20T05:03:06.010" v="314" actId="14100"/>
+          <ac:chgData name="Long B Nguyen" userId="f59fb8f3-a021-417a-8bc1-65c8d471c621" providerId="ADAL" clId="{4C2FC867-C2FC-8048-8952-4886924F1964}" dt="2021-06-09T15:31:25.190" v="271" actId="20577"/>
           <ac:spMkLst>
             <pc:docMk/>
-            <pc:sldMk cId="4055245160" sldId="310"/>
+            <pc:sldMk cId="3574827976" sldId="408"/>
             <ac:spMk id="9" creationId="{E3B2E017-30B2-884B-A113-B419A2ED51AD}"/>
           </ac:spMkLst>
         </pc:spChg>
       </pc:sldChg>
       <pc:sldChg chg="modSp mod">
-        <pc:chgData name="Long B Nguyen" userId="f59fb8f3-a021-417a-8bc1-65c8d471c621" providerId="ADAL" clId="{00ED48EA-2E19-B648-B077-22D14873FFED}" dt="2020-10-20T05:06:35.444" v="324" actId="14100"/>
+        <pc:chgData name="Long B Nguyen" userId="f59fb8f3-a021-417a-8bc1-65c8d471c621" providerId="ADAL" clId="{4C2FC867-C2FC-8048-8952-4886924F1964}" dt="2021-06-09T15:33:02.683" v="335" actId="20577"/>
         <pc:sldMkLst>
           <pc:docMk/>
-          <pc:sldMk cId="4210029770" sldId="311"/>
+          <pc:sldMk cId="3264478660" sldId="409"/>
         </pc:sldMkLst>
         <pc:spChg chg="mod">
-          <ac:chgData name="Long B Nguyen" userId="f59fb8f3-a021-417a-8bc1-65c8d471c621" providerId="ADAL" clId="{00ED48EA-2E19-B648-B077-22D14873FFED}" dt="2020-10-20T05:06:29.465" v="322" actId="1076"/>
+          <ac:chgData name="Long B Nguyen" userId="f59fb8f3-a021-417a-8bc1-65c8d471c621" providerId="ADAL" clId="{4C2FC867-C2FC-8048-8952-4886924F1964}" dt="2021-06-09T15:33:02.683" v="335" actId="20577"/>
           <ac:spMkLst>
             <pc:docMk/>
-            <pc:sldMk cId="4210029770" sldId="311"/>
-            <ac:spMk id="2" creationId="{AA3A228F-61D0-D949-A5E7-F83756230BF8}"/>
+            <pc:sldMk cId="3264478660" sldId="409"/>
+            <ac:spMk id="9" creationId="{E3B2E017-30B2-884B-A113-B419A2ED51AD}"/>
+          </ac:spMkLst>
+        </pc:spChg>
+        <pc:cxnChg chg="mod">
+          <ac:chgData name="Long B Nguyen" userId="f59fb8f3-a021-417a-8bc1-65c8d471c621" providerId="ADAL" clId="{4C2FC867-C2FC-8048-8952-4886924F1964}" dt="2021-06-09T15:32:58.714" v="328" actId="1076"/>
+          <ac:cxnSpMkLst>
+            <pc:docMk/>
+            <pc:sldMk cId="3264478660" sldId="409"/>
+            <ac:cxnSpMk id="10" creationId="{6361E901-977C-3043-B3DB-2EDE6502F174}"/>
+          </ac:cxnSpMkLst>
+        </pc:cxnChg>
+      </pc:sldChg>
+      <pc:sldChg chg="addSp modSp mod">
+        <pc:chgData name="Long B Nguyen" userId="f59fb8f3-a021-417a-8bc1-65c8d471c621" providerId="ADAL" clId="{4C2FC867-C2FC-8048-8952-4886924F1964}" dt="2021-06-09T15:35:48.122" v="528" actId="255"/>
+        <pc:sldMkLst>
+          <pc:docMk/>
+          <pc:sldMk cId="1866381520" sldId="410"/>
+        </pc:sldMkLst>
+        <pc:spChg chg="mod">
+          <ac:chgData name="Long B Nguyen" userId="f59fb8f3-a021-417a-8bc1-65c8d471c621" providerId="ADAL" clId="{4C2FC867-C2FC-8048-8952-4886924F1964}" dt="2021-06-09T15:33:35.140" v="433" actId="20577"/>
+          <ac:spMkLst>
+            <pc:docMk/>
+            <pc:sldMk cId="1866381520" sldId="410"/>
+            <ac:spMk id="7" creationId="{AA7E18CE-9CDC-D041-AC86-C1E1DDDB4F0B}"/>
           </ac:spMkLst>
         </pc:spChg>
         <pc:spChg chg="mod">
-          <ac:chgData name="Long B Nguyen" userId="f59fb8f3-a021-417a-8bc1-65c8d471c621" providerId="ADAL" clId="{00ED48EA-2E19-B648-B077-22D14873FFED}" dt="2020-10-20T05:06:35.444" v="324" actId="14100"/>
+          <ac:chgData name="Long B Nguyen" userId="f59fb8f3-a021-417a-8bc1-65c8d471c621" providerId="ADAL" clId="{4C2FC867-C2FC-8048-8952-4886924F1964}" dt="2021-06-09T15:35:48.122" v="528" actId="255"/>
           <ac:spMkLst>
             <pc:docMk/>
-            <pc:sldMk cId="4210029770" sldId="311"/>
-            <ac:spMk id="9" creationId="{E3B2E017-30B2-884B-A113-B419A2ED51AD}"/>
-          </ac:spMkLst>
-        </pc:spChg>
-      </pc:sldChg>
-      <pc:sldChg chg="del">
-        <pc:chgData name="Long B Nguyen" userId="f59fb8f3-a021-417a-8bc1-65c8d471c621" providerId="ADAL" clId="{00ED48EA-2E19-B648-B077-22D14873FFED}" dt="2020-10-20T05:09:52.359" v="522" actId="2696"/>
-        <pc:sldMkLst>
-          <pc:docMk/>
-          <pc:sldMk cId="4152459930" sldId="312"/>
-        </pc:sldMkLst>
-      </pc:sldChg>
-      <pc:sldChg chg="del">
-        <pc:chgData name="Long B Nguyen" userId="f59fb8f3-a021-417a-8bc1-65c8d471c621" providerId="ADAL" clId="{00ED48EA-2E19-B648-B077-22D14873FFED}" dt="2020-10-20T05:09:53.563" v="523" actId="2696"/>
-        <pc:sldMkLst>
-          <pc:docMk/>
-          <pc:sldMk cId="2332116064" sldId="313"/>
-        </pc:sldMkLst>
-      </pc:sldChg>
-      <pc:sldChg chg="modSp mod">
-        <pc:chgData name="Long B Nguyen" userId="f59fb8f3-a021-417a-8bc1-65c8d471c621" providerId="ADAL" clId="{00ED48EA-2E19-B648-B077-22D14873FFED}" dt="2020-10-20T05:10:12.772" v="525" actId="1076"/>
-        <pc:sldMkLst>
-          <pc:docMk/>
-          <pc:sldMk cId="1565173198" sldId="314"/>
-        </pc:sldMkLst>
-        <pc:spChg chg="mod">
-          <ac:chgData name="Long B Nguyen" userId="f59fb8f3-a021-417a-8bc1-65c8d471c621" providerId="ADAL" clId="{00ED48EA-2E19-B648-B077-22D14873FFED}" dt="2020-10-20T05:10:12.772" v="525" actId="1076"/>
-          <ac:spMkLst>
-            <pc:docMk/>
-            <pc:sldMk cId="1565173198" sldId="314"/>
-            <ac:spMk id="2" creationId="{AA3A228F-61D0-D949-A5E7-F83756230BF8}"/>
-          </ac:spMkLst>
-        </pc:spChg>
-        <pc:spChg chg="mod">
-          <ac:chgData name="Long B Nguyen" userId="f59fb8f3-a021-417a-8bc1-65c8d471c621" providerId="ADAL" clId="{00ED48EA-2E19-B648-B077-22D14873FFED}" dt="2020-10-20T05:10:10.470" v="524" actId="14100"/>
-          <ac:spMkLst>
-            <pc:docMk/>
-            <pc:sldMk cId="1565173198" sldId="314"/>
-            <ac:spMk id="9" creationId="{E3B2E017-30B2-884B-A113-B419A2ED51AD}"/>
-          </ac:spMkLst>
-        </pc:spChg>
-      </pc:sldChg>
-      <pc:sldChg chg="modSp mod">
-        <pc:chgData name="Long B Nguyen" userId="f59fb8f3-a021-417a-8bc1-65c8d471c621" providerId="ADAL" clId="{00ED48EA-2E19-B648-B077-22D14873FFED}" dt="2020-10-20T05:10:23.525" v="528" actId="14100"/>
-        <pc:sldMkLst>
-          <pc:docMk/>
-          <pc:sldMk cId="3659811964" sldId="315"/>
-        </pc:sldMkLst>
-        <pc:spChg chg="mod">
-          <ac:chgData name="Long B Nguyen" userId="f59fb8f3-a021-417a-8bc1-65c8d471c621" providerId="ADAL" clId="{00ED48EA-2E19-B648-B077-22D14873FFED}" dt="2020-10-20T05:10:18.055" v="526" actId="1076"/>
-          <ac:spMkLst>
-            <pc:docMk/>
-            <pc:sldMk cId="3659811964" sldId="315"/>
-            <ac:spMk id="2" creationId="{AA3A228F-61D0-D949-A5E7-F83756230BF8}"/>
-          </ac:spMkLst>
-        </pc:spChg>
-        <pc:spChg chg="mod">
-          <ac:chgData name="Long B Nguyen" userId="f59fb8f3-a021-417a-8bc1-65c8d471c621" providerId="ADAL" clId="{00ED48EA-2E19-B648-B077-22D14873FFED}" dt="2020-10-20T05:10:23.525" v="528" actId="14100"/>
-          <ac:spMkLst>
-            <pc:docMk/>
-            <pc:sldMk cId="3659811964" sldId="315"/>
-            <ac:spMk id="9" creationId="{E3B2E017-30B2-884B-A113-B419A2ED51AD}"/>
-          </ac:spMkLst>
-        </pc:spChg>
-      </pc:sldChg>
-      <pc:sldChg chg="modSp mod">
-        <pc:chgData name="Long B Nguyen" userId="f59fb8f3-a021-417a-8bc1-65c8d471c621" providerId="ADAL" clId="{00ED48EA-2E19-B648-B077-22D14873FFED}" dt="2020-10-20T05:10:34.862" v="531" actId="14100"/>
-        <pc:sldMkLst>
-          <pc:docMk/>
-          <pc:sldMk cId="2536712643" sldId="317"/>
-        </pc:sldMkLst>
-        <pc:spChg chg="mod">
-          <ac:chgData name="Long B Nguyen" userId="f59fb8f3-a021-417a-8bc1-65c8d471c621" providerId="ADAL" clId="{00ED48EA-2E19-B648-B077-22D14873FFED}" dt="2020-10-20T05:10:28.992" v="529" actId="1076"/>
-          <ac:spMkLst>
-            <pc:docMk/>
-            <pc:sldMk cId="2536712643" sldId="317"/>
-            <ac:spMk id="2" creationId="{AA3A228F-61D0-D949-A5E7-F83756230BF8}"/>
-          </ac:spMkLst>
-        </pc:spChg>
-        <pc:spChg chg="mod">
-          <ac:chgData name="Long B Nguyen" userId="f59fb8f3-a021-417a-8bc1-65c8d471c621" providerId="ADAL" clId="{00ED48EA-2E19-B648-B077-22D14873FFED}" dt="2020-10-20T05:10:34.862" v="531" actId="14100"/>
-          <ac:spMkLst>
-            <pc:docMk/>
-            <pc:sldMk cId="2536712643" sldId="317"/>
-            <ac:spMk id="9" creationId="{E3B2E017-30B2-884B-A113-B419A2ED51AD}"/>
-          </ac:spMkLst>
-        </pc:spChg>
-      </pc:sldChg>
-      <pc:sldChg chg="modSp mod">
-        <pc:chgData name="Long B Nguyen" userId="f59fb8f3-a021-417a-8bc1-65c8d471c621" providerId="ADAL" clId="{00ED48EA-2E19-B648-B077-22D14873FFED}" dt="2020-10-20T05:10:45.597" v="534" actId="14100"/>
-        <pc:sldMkLst>
-          <pc:docMk/>
-          <pc:sldMk cId="3127700614" sldId="318"/>
-        </pc:sldMkLst>
-        <pc:spChg chg="mod">
-          <ac:chgData name="Long B Nguyen" userId="f59fb8f3-a021-417a-8bc1-65c8d471c621" providerId="ADAL" clId="{00ED48EA-2E19-B648-B077-22D14873FFED}" dt="2020-10-20T05:10:40.310" v="532" actId="1076"/>
-          <ac:spMkLst>
-            <pc:docMk/>
-            <pc:sldMk cId="3127700614" sldId="318"/>
-            <ac:spMk id="2" creationId="{AA3A228F-61D0-D949-A5E7-F83756230BF8}"/>
-          </ac:spMkLst>
-        </pc:spChg>
-        <pc:spChg chg="mod">
-          <ac:chgData name="Long B Nguyen" userId="f59fb8f3-a021-417a-8bc1-65c8d471c621" providerId="ADAL" clId="{00ED48EA-2E19-B648-B077-22D14873FFED}" dt="2020-10-20T05:10:45.597" v="534" actId="14100"/>
-          <ac:spMkLst>
-            <pc:docMk/>
-            <pc:sldMk cId="3127700614" sldId="318"/>
-            <ac:spMk id="9" creationId="{E3B2E017-30B2-884B-A113-B419A2ED51AD}"/>
-          </ac:spMkLst>
-        </pc:spChg>
-      </pc:sldChg>
-      <pc:sldChg chg="modSp mod">
-        <pc:chgData name="Long B Nguyen" userId="f59fb8f3-a021-417a-8bc1-65c8d471c621" providerId="ADAL" clId="{00ED48EA-2E19-B648-B077-22D14873FFED}" dt="2020-10-20T05:10:57.332" v="537" actId="14100"/>
-        <pc:sldMkLst>
-          <pc:docMk/>
-          <pc:sldMk cId="2618277182" sldId="319"/>
-        </pc:sldMkLst>
-        <pc:spChg chg="mod">
-          <ac:chgData name="Long B Nguyen" userId="f59fb8f3-a021-417a-8bc1-65c8d471c621" providerId="ADAL" clId="{00ED48EA-2E19-B648-B077-22D14873FFED}" dt="2020-10-20T05:10:51.509" v="535" actId="1076"/>
-          <ac:spMkLst>
-            <pc:docMk/>
-            <pc:sldMk cId="2618277182" sldId="319"/>
-            <ac:spMk id="2" creationId="{AA3A228F-61D0-D949-A5E7-F83756230BF8}"/>
-          </ac:spMkLst>
-        </pc:spChg>
-        <pc:spChg chg="mod">
-          <ac:chgData name="Long B Nguyen" userId="f59fb8f3-a021-417a-8bc1-65c8d471c621" providerId="ADAL" clId="{00ED48EA-2E19-B648-B077-22D14873FFED}" dt="2020-10-20T05:10:57.332" v="537" actId="14100"/>
-          <ac:spMkLst>
-            <pc:docMk/>
-            <pc:sldMk cId="2618277182" sldId="319"/>
-            <ac:spMk id="9" creationId="{E3B2E017-30B2-884B-A113-B419A2ED51AD}"/>
-          </ac:spMkLst>
-        </pc:spChg>
-      </pc:sldChg>
-      <pc:sldChg chg="modSp mod">
-        <pc:chgData name="Long B Nguyen" userId="f59fb8f3-a021-417a-8bc1-65c8d471c621" providerId="ADAL" clId="{00ED48EA-2E19-B648-B077-22D14873FFED}" dt="2020-10-20T05:11:15.917" v="543" actId="14100"/>
-        <pc:sldMkLst>
-          <pc:docMk/>
-          <pc:sldMk cId="617958515" sldId="320"/>
-        </pc:sldMkLst>
-        <pc:spChg chg="mod">
-          <ac:chgData name="Long B Nguyen" userId="f59fb8f3-a021-417a-8bc1-65c8d471c621" providerId="ADAL" clId="{00ED48EA-2E19-B648-B077-22D14873FFED}" dt="2020-10-20T05:11:14.606" v="541" actId="1076"/>
-          <ac:spMkLst>
-            <pc:docMk/>
-            <pc:sldMk cId="617958515" sldId="320"/>
-            <ac:spMk id="2" creationId="{AA3A228F-61D0-D949-A5E7-F83756230BF8}"/>
-          </ac:spMkLst>
-        </pc:spChg>
-        <pc:spChg chg="mod">
-          <ac:chgData name="Long B Nguyen" userId="f59fb8f3-a021-417a-8bc1-65c8d471c621" providerId="ADAL" clId="{00ED48EA-2E19-B648-B077-22D14873FFED}" dt="2020-10-20T05:11:15.917" v="543" actId="14100"/>
-          <ac:spMkLst>
-            <pc:docMk/>
-            <pc:sldMk cId="617958515" sldId="320"/>
-            <ac:spMk id="9" creationId="{E3B2E017-30B2-884B-A113-B419A2ED51AD}"/>
-          </ac:spMkLst>
-        </pc:spChg>
-      </pc:sldChg>
-      <pc:sldChg chg="add del modAnim">
-        <pc:chgData name="Long B Nguyen" userId="f59fb8f3-a021-417a-8bc1-65c8d471c621" providerId="ADAL" clId="{00ED48EA-2E19-B648-B077-22D14873FFED}" dt="2020-10-20T05:49:55.703" v="1410"/>
-        <pc:sldMkLst>
-          <pc:docMk/>
-          <pc:sldMk cId="3039307715" sldId="321"/>
-        </pc:sldMkLst>
-      </pc:sldChg>
-      <pc:sldChg chg="modAnim">
-        <pc:chgData name="Long B Nguyen" userId="f59fb8f3-a021-417a-8bc1-65c8d471c621" providerId="ADAL" clId="{00ED48EA-2E19-B648-B077-22D14873FFED}" dt="2020-10-20T05:50:07.289" v="1411"/>
-        <pc:sldMkLst>
-          <pc:docMk/>
-          <pc:sldMk cId="3096583072" sldId="323"/>
-        </pc:sldMkLst>
-      </pc:sldChg>
-      <pc:sldChg chg="modSp mod">
-        <pc:chgData name="Long B Nguyen" userId="f59fb8f3-a021-417a-8bc1-65c8d471c621" providerId="ADAL" clId="{00ED48EA-2E19-B648-B077-22D14873FFED}" dt="2020-10-20T05:13:46.353" v="546" actId="14100"/>
-        <pc:sldMkLst>
-          <pc:docMk/>
-          <pc:sldMk cId="3753341527" sldId="324"/>
-        </pc:sldMkLst>
-        <pc:spChg chg="mod">
-          <ac:chgData name="Long B Nguyen" userId="f59fb8f3-a021-417a-8bc1-65c8d471c621" providerId="ADAL" clId="{00ED48EA-2E19-B648-B077-22D14873FFED}" dt="2020-10-20T05:13:41.251" v="544" actId="1076"/>
-          <ac:spMkLst>
-            <pc:docMk/>
-            <pc:sldMk cId="3753341527" sldId="324"/>
-            <ac:spMk id="2" creationId="{AA3A228F-61D0-D949-A5E7-F83756230BF8}"/>
-          </ac:spMkLst>
-        </pc:spChg>
-        <pc:spChg chg="mod">
-          <ac:chgData name="Long B Nguyen" userId="f59fb8f3-a021-417a-8bc1-65c8d471c621" providerId="ADAL" clId="{00ED48EA-2E19-B648-B077-22D14873FFED}" dt="2020-10-20T05:13:46.353" v="546" actId="14100"/>
-          <ac:spMkLst>
-            <pc:docMk/>
-            <pc:sldMk cId="3753341527" sldId="324"/>
-            <ac:spMk id="9" creationId="{E3B2E017-30B2-884B-A113-B419A2ED51AD}"/>
-          </ac:spMkLst>
-        </pc:spChg>
-      </pc:sldChg>
-      <pc:sldChg chg="addSp delSp modSp mod delAnim modAnim">
-        <pc:chgData name="Long B Nguyen" userId="f59fb8f3-a021-417a-8bc1-65c8d471c621" providerId="ADAL" clId="{00ED48EA-2E19-B648-B077-22D14873FFED}" dt="2020-10-20T05:52:55.620" v="1439" actId="20577"/>
-        <pc:sldMkLst>
-          <pc:docMk/>
-          <pc:sldMk cId="3750016062" sldId="325"/>
-        </pc:sldMkLst>
-        <pc:spChg chg="mod">
-          <ac:chgData name="Long B Nguyen" userId="f59fb8f3-a021-417a-8bc1-65c8d471c621" providerId="ADAL" clId="{00ED48EA-2E19-B648-B077-22D14873FFED}" dt="2020-10-20T05:31:23.747" v="1229" actId="1076"/>
-          <ac:spMkLst>
-            <pc:docMk/>
-            <pc:sldMk cId="3750016062" sldId="325"/>
-            <ac:spMk id="2" creationId="{AA3A228F-61D0-D949-A5E7-F83756230BF8}"/>
-          </ac:spMkLst>
-        </pc:spChg>
-        <pc:spChg chg="add mod">
-          <ac:chgData name="Long B Nguyen" userId="f59fb8f3-a021-417a-8bc1-65c8d471c621" providerId="ADAL" clId="{00ED48EA-2E19-B648-B077-22D14873FFED}" dt="2020-10-20T05:52:55.620" v="1439" actId="20577"/>
-          <ac:spMkLst>
-            <pc:docMk/>
-            <pc:sldMk cId="3750016062" sldId="325"/>
-            <ac:spMk id="3" creationId="{8B3E136A-B1AD-DF43-B47A-AD0BDE5403FE}"/>
-          </ac:spMkLst>
-        </pc:spChg>
-        <pc:spChg chg="del mod">
-          <ac:chgData name="Long B Nguyen" userId="f59fb8f3-a021-417a-8bc1-65c8d471c621" providerId="ADAL" clId="{00ED48EA-2E19-B648-B077-22D14873FFED}" dt="2020-10-20T05:51:51.460" v="1420" actId="478"/>
-          <ac:spMkLst>
-            <pc:docMk/>
-            <pc:sldMk cId="3750016062" sldId="325"/>
-            <ac:spMk id="5" creationId="{F21AFD8D-397E-3342-9FCC-026A00C2F153}"/>
-          </ac:spMkLst>
-        </pc:spChg>
-        <pc:spChg chg="mod">
-          <ac:chgData name="Long B Nguyen" userId="f59fb8f3-a021-417a-8bc1-65c8d471c621" providerId="ADAL" clId="{00ED48EA-2E19-B648-B077-22D14873FFED}" dt="2020-10-20T05:31:29.651" v="1230" actId="14100"/>
-          <ac:spMkLst>
-            <pc:docMk/>
-            <pc:sldMk cId="3750016062" sldId="325"/>
-            <ac:spMk id="9" creationId="{E3B2E017-30B2-884B-A113-B419A2ED51AD}"/>
-          </ac:spMkLst>
-        </pc:spChg>
-        <pc:cxnChg chg="add del mod">
-          <ac:chgData name="Long B Nguyen" userId="f59fb8f3-a021-417a-8bc1-65c8d471c621" providerId="ADAL" clId="{00ED48EA-2E19-B648-B077-22D14873FFED}" dt="2020-10-20T05:31:31.680" v="1231" actId="478"/>
-          <ac:cxnSpMkLst>
-            <pc:docMk/>
-            <pc:sldMk cId="3750016062" sldId="325"/>
-            <ac:cxnSpMk id="6" creationId="{B097AC30-D7C3-9F43-B6E4-A6F4E9393FE4}"/>
-          </ac:cxnSpMkLst>
-        </pc:cxnChg>
-      </pc:sldChg>
-      <pc:sldChg chg="addSp delSp modSp mod modAnim">
-        <pc:chgData name="Long B Nguyen" userId="f59fb8f3-a021-417a-8bc1-65c8d471c621" providerId="ADAL" clId="{00ED48EA-2E19-B648-B077-22D14873FFED}" dt="2020-10-20T05:54:37.085" v="1448"/>
-        <pc:sldMkLst>
-          <pc:docMk/>
-          <pc:sldMk cId="3748840513" sldId="326"/>
-        </pc:sldMkLst>
-        <pc:spChg chg="del mod">
-          <ac:chgData name="Long B Nguyen" userId="f59fb8f3-a021-417a-8bc1-65c8d471c621" providerId="ADAL" clId="{00ED48EA-2E19-B648-B077-22D14873FFED}" dt="2020-10-20T05:34:30.121" v="1263" actId="478"/>
-          <ac:spMkLst>
-            <pc:docMk/>
-            <pc:sldMk cId="3748840513" sldId="326"/>
-            <ac:spMk id="2" creationId="{AA3A228F-61D0-D949-A5E7-F83756230BF8}"/>
-          </ac:spMkLst>
-        </pc:spChg>
-        <pc:spChg chg="add del mod">
-          <ac:chgData name="Long B Nguyen" userId="f59fb8f3-a021-417a-8bc1-65c8d471c621" providerId="ADAL" clId="{00ED48EA-2E19-B648-B077-22D14873FFED}" dt="2020-10-20T05:34:32.468" v="1264" actId="478"/>
-          <ac:spMkLst>
-            <pc:docMk/>
-            <pc:sldMk cId="3748840513" sldId="326"/>
-            <ac:spMk id="4" creationId="{8D637E6E-030D-AF4C-BC83-E7DD4DBAB7EC}"/>
-          </ac:spMkLst>
-        </pc:spChg>
-        <pc:spChg chg="del">
-          <ac:chgData name="Long B Nguyen" userId="f59fb8f3-a021-417a-8bc1-65c8d471c621" providerId="ADAL" clId="{00ED48EA-2E19-B648-B077-22D14873FFED}" dt="2020-10-20T05:34:00.735" v="1245" actId="478"/>
-          <ac:spMkLst>
-            <pc:docMk/>
-            <pc:sldMk cId="3748840513" sldId="326"/>
-            <ac:spMk id="5" creationId="{F21AFD8D-397E-3342-9FCC-026A00C2F153}"/>
-          </ac:spMkLst>
-        </pc:spChg>
-        <pc:spChg chg="mod">
-          <ac:chgData name="Long B Nguyen" userId="f59fb8f3-a021-417a-8bc1-65c8d471c621" providerId="ADAL" clId="{00ED48EA-2E19-B648-B077-22D14873FFED}" dt="2020-10-20T05:36:01.479" v="1336" actId="1076"/>
-          <ac:spMkLst>
-            <pc:docMk/>
-            <pc:sldMk cId="3748840513" sldId="326"/>
-            <ac:spMk id="7" creationId="{4B727B46-A324-164A-9C9C-7012797F4961}"/>
-          </ac:spMkLst>
-        </pc:spChg>
-        <pc:spChg chg="add mod">
-          <ac:chgData name="Long B Nguyen" userId="f59fb8f3-a021-417a-8bc1-65c8d471c621" providerId="ADAL" clId="{00ED48EA-2E19-B648-B077-22D14873FFED}" dt="2020-10-20T05:35:14.566" v="1296" actId="1076"/>
-          <ac:spMkLst>
-            <pc:docMk/>
-            <pc:sldMk cId="3748840513" sldId="326"/>
-            <ac:spMk id="8" creationId="{36774EAF-310A-974B-ACC5-BFFA64D03E40}"/>
-          </ac:spMkLst>
-        </pc:spChg>
-        <pc:spChg chg="mod">
-          <ac:chgData name="Long B Nguyen" userId="f59fb8f3-a021-417a-8bc1-65c8d471c621" providerId="ADAL" clId="{00ED48EA-2E19-B648-B077-22D14873FFED}" dt="2020-10-20T05:34:56.159" v="1294" actId="20577"/>
-          <ac:spMkLst>
-            <pc:docMk/>
-            <pc:sldMk cId="3748840513" sldId="326"/>
+            <pc:sldMk cId="1866381520" sldId="410"/>
             <ac:spMk id="9" creationId="{E3B2E017-30B2-884B-A113-B419A2ED51AD}"/>
           </ac:spMkLst>
         </pc:spChg>
         <pc:cxnChg chg="add mod">
-          <ac:chgData name="Long B Nguyen" userId="f59fb8f3-a021-417a-8bc1-65c8d471c621" providerId="ADAL" clId="{00ED48EA-2E19-B648-B077-22D14873FFED}" dt="2020-10-20T05:35:58.977" v="1335" actId="14100"/>
+          <ac:chgData name="Long B Nguyen" userId="f59fb8f3-a021-417a-8bc1-65c8d471c621" providerId="ADAL" clId="{4C2FC867-C2FC-8048-8952-4886924F1964}" dt="2021-06-09T15:33:49.272" v="436" actId="14100"/>
           <ac:cxnSpMkLst>
             <pc:docMk/>
-            <pc:sldMk cId="3748840513" sldId="326"/>
-            <ac:cxnSpMk id="10" creationId="{2467F9DB-FA07-9947-BEED-1E28BB1D6C22}"/>
+            <pc:sldMk cId="1866381520" sldId="410"/>
+            <ac:cxnSpMk id="5" creationId="{0ABA6DE1-FF08-FD4A-ACAD-E9C8563058F2}"/>
           </ac:cxnSpMkLst>
         </pc:cxnChg>
       </pc:sldChg>
-      <pc:sldChg chg="del">
-        <pc:chgData name="Long B Nguyen" userId="f59fb8f3-a021-417a-8bc1-65c8d471c621" providerId="ADAL" clId="{00ED48EA-2E19-B648-B077-22D14873FFED}" dt="2020-10-20T05:37:16.823" v="1349" actId="2696"/>
+      <pc:sldChg chg="modSp mod">
+        <pc:chgData name="Long B Nguyen" userId="f59fb8f3-a021-417a-8bc1-65c8d471c621" providerId="ADAL" clId="{4C2FC867-C2FC-8048-8952-4886924F1964}" dt="2021-06-09T15:32:47.497" v="317" actId="1035"/>
         <pc:sldMkLst>
           <pc:docMk/>
-          <pc:sldMk cId="3014369594" sldId="327"/>
-        </pc:sldMkLst>
-      </pc:sldChg>
-      <pc:sldChg chg="del">
-        <pc:chgData name="Long B Nguyen" userId="f59fb8f3-a021-417a-8bc1-65c8d471c621" providerId="ADAL" clId="{00ED48EA-2E19-B648-B077-22D14873FFED}" dt="2020-10-20T05:15:37.330" v="554" actId="2696"/>
-        <pc:sldMkLst>
-          <pc:docMk/>
-          <pc:sldMk cId="1960883355" sldId="328"/>
-        </pc:sldMkLst>
-      </pc:sldChg>
-      <pc:sldChg chg="modSp mod modAnim">
-        <pc:chgData name="Long B Nguyen" userId="f59fb8f3-a021-417a-8bc1-65c8d471c621" providerId="ADAL" clId="{00ED48EA-2E19-B648-B077-22D14873FFED}" dt="2020-10-20T05:51:33.249" v="1419"/>
-        <pc:sldMkLst>
-          <pc:docMk/>
-          <pc:sldMk cId="53368268" sldId="329"/>
+          <pc:sldMk cId="3445107113" sldId="411"/>
         </pc:sldMkLst>
         <pc:spChg chg="mod">
-          <ac:chgData name="Long B Nguyen" userId="f59fb8f3-a021-417a-8bc1-65c8d471c621" providerId="ADAL" clId="{00ED48EA-2E19-B648-B077-22D14873FFED}" dt="2020-10-20T05:14:04.601" v="550" actId="1076"/>
+          <ac:chgData name="Long B Nguyen" userId="f59fb8f3-a021-417a-8bc1-65c8d471c621" providerId="ADAL" clId="{4C2FC867-C2FC-8048-8952-4886924F1964}" dt="2021-06-09T15:32:30.304" v="303" actId="1076"/>
           <ac:spMkLst>
             <pc:docMk/>
-            <pc:sldMk cId="53368268" sldId="329"/>
-            <ac:spMk id="2" creationId="{AA3A228F-61D0-D949-A5E7-F83756230BF8}"/>
+            <pc:sldMk cId="3445107113" sldId="411"/>
+            <ac:spMk id="7" creationId="{AA7E18CE-9CDC-D041-AC86-C1E1DDDB4F0B}"/>
           </ac:spMkLst>
         </pc:spChg>
         <pc:spChg chg="mod">
-          <ac:chgData name="Long B Nguyen" userId="f59fb8f3-a021-417a-8bc1-65c8d471c621" providerId="ADAL" clId="{00ED48EA-2E19-B648-B077-22D14873FFED}" dt="2020-10-20T05:21:42.525" v="692" actId="20577"/>
+          <ac:chgData name="Long B Nguyen" userId="f59fb8f3-a021-417a-8bc1-65c8d471c621" providerId="ADAL" clId="{4C2FC867-C2FC-8048-8952-4886924F1964}" dt="2021-06-09T15:32:21.352" v="301" actId="20577"/>
           <ac:spMkLst>
             <pc:docMk/>
-            <pc:sldMk cId="53368268" sldId="329"/>
-            <ac:spMk id="9" creationId="{E3B2E017-30B2-884B-A113-B419A2ED51AD}"/>
-          </ac:spMkLst>
-        </pc:spChg>
-      </pc:sldChg>
-      <pc:sldChg chg="modSp mod">
-        <pc:chgData name="Long B Nguyen" userId="f59fb8f3-a021-417a-8bc1-65c8d471c621" providerId="ADAL" clId="{00ED48EA-2E19-B648-B077-22D14873FFED}" dt="2020-10-20T05:37:37.034" v="1351" actId="1076"/>
-        <pc:sldMkLst>
-          <pc:docMk/>
-          <pc:sldMk cId="894578124" sldId="330"/>
-        </pc:sldMkLst>
-        <pc:spChg chg="mod">
-          <ac:chgData name="Long B Nguyen" userId="f59fb8f3-a021-417a-8bc1-65c8d471c621" providerId="ADAL" clId="{00ED48EA-2E19-B648-B077-22D14873FFED}" dt="2020-10-20T05:37:37.034" v="1351" actId="1076"/>
-          <ac:spMkLst>
-            <pc:docMk/>
-            <pc:sldMk cId="894578124" sldId="330"/>
-            <ac:spMk id="2" creationId="{AA3A228F-61D0-D949-A5E7-F83756230BF8}"/>
+            <pc:sldMk cId="3445107113" sldId="411"/>
+            <ac:spMk id="8" creationId="{D32F6971-737B-D044-955B-F9BE7D2D4B7B}"/>
           </ac:spMkLst>
         </pc:spChg>
         <pc:spChg chg="mod">
-          <ac:chgData name="Long B Nguyen" userId="f59fb8f3-a021-417a-8bc1-65c8d471c621" providerId="ADAL" clId="{00ED48EA-2E19-B648-B077-22D14873FFED}" dt="2020-10-20T05:37:23.237" v="1350" actId="20577"/>
+          <ac:chgData name="Long B Nguyen" userId="f59fb8f3-a021-417a-8bc1-65c8d471c621" providerId="ADAL" clId="{4C2FC867-C2FC-8048-8952-4886924F1964}" dt="2021-06-09T15:32:43.123" v="310" actId="20577"/>
           <ac:spMkLst>
             <pc:docMk/>
-            <pc:sldMk cId="894578124" sldId="330"/>
-            <ac:spMk id="9" creationId="{E3B2E017-30B2-884B-A113-B419A2ED51AD}"/>
-          </ac:spMkLst>
-        </pc:spChg>
-      </pc:sldChg>
-      <pc:sldChg chg="addSp modSp mod modAnim">
-        <pc:chgData name="Long B Nguyen" userId="f59fb8f3-a021-417a-8bc1-65c8d471c621" providerId="ADAL" clId="{00ED48EA-2E19-B648-B077-22D14873FFED}" dt="2020-10-20T05:42:03.883" v="1398"/>
-        <pc:sldMkLst>
-          <pc:docMk/>
-          <pc:sldMk cId="343975969" sldId="331"/>
-        </pc:sldMkLst>
-        <pc:spChg chg="mod">
-          <ac:chgData name="Long B Nguyen" userId="f59fb8f3-a021-417a-8bc1-65c8d471c621" providerId="ADAL" clId="{00ED48EA-2E19-B648-B077-22D14873FFED}" dt="2020-10-20T05:02:43.274" v="311" actId="1076"/>
-          <ac:spMkLst>
-            <pc:docMk/>
-            <pc:sldMk cId="343975969" sldId="331"/>
-            <ac:spMk id="4" creationId="{1B5D06E6-138F-0A4D-8D8C-AA611F7423AE}"/>
-          </ac:spMkLst>
-        </pc:spChg>
-        <pc:spChg chg="add mod">
-          <ac:chgData name="Long B Nguyen" userId="f59fb8f3-a021-417a-8bc1-65c8d471c621" providerId="ADAL" clId="{00ED48EA-2E19-B648-B077-22D14873FFED}" dt="2020-10-20T05:08:54.868" v="490" actId="20577"/>
-          <ac:spMkLst>
-            <pc:docMk/>
-            <pc:sldMk cId="343975969" sldId="331"/>
-            <ac:spMk id="7" creationId="{E17BB538-8556-894B-B49B-C487509D3DA2}"/>
-          </ac:spMkLst>
-        </pc:spChg>
-        <pc:spChg chg="mod">
-          <ac:chgData name="Long B Nguyen" userId="f59fb8f3-a021-417a-8bc1-65c8d471c621" providerId="ADAL" clId="{00ED48EA-2E19-B648-B077-22D14873FFED}" dt="2020-10-20T05:09:38.972" v="520" actId="20577"/>
-          <ac:spMkLst>
-            <pc:docMk/>
-            <pc:sldMk cId="343975969" sldId="331"/>
+            <pc:sldMk cId="3445107113" sldId="411"/>
             <ac:spMk id="9" creationId="{E3B2E017-30B2-884B-A113-B419A2ED51AD}"/>
           </ac:spMkLst>
         </pc:spChg>
         <pc:cxnChg chg="mod">
-          <ac:chgData name="Long B Nguyen" userId="f59fb8f3-a021-417a-8bc1-65c8d471c621" providerId="ADAL" clId="{00ED48EA-2E19-B648-B077-22D14873FFED}" dt="2020-10-20T05:02:43.274" v="311" actId="1076"/>
+          <ac:chgData name="Long B Nguyen" userId="f59fb8f3-a021-417a-8bc1-65c8d471c621" providerId="ADAL" clId="{4C2FC867-C2FC-8048-8952-4886924F1964}" dt="2021-06-09T15:32:47.497" v="317" actId="1035"/>
           <ac:cxnSpMkLst>
             <pc:docMk/>
-            <pc:sldMk cId="343975969" sldId="331"/>
-            <ac:cxnSpMk id="5" creationId="{3C86E3B6-098C-0A4C-8AF6-E5F63087A3C8}"/>
+            <pc:sldMk cId="3445107113" sldId="411"/>
+            <ac:cxnSpMk id="10" creationId="{6361E901-977C-3043-B3DB-2EDE6502F174}"/>
           </ac:cxnSpMkLst>
         </pc:cxnChg>
-        <pc:cxnChg chg="mod">
-          <ac:chgData name="Long B Nguyen" userId="f59fb8f3-a021-417a-8bc1-65c8d471c621" providerId="ADAL" clId="{00ED48EA-2E19-B648-B077-22D14873FFED}" dt="2020-10-20T05:02:43.274" v="311" actId="1076"/>
-          <ac:cxnSpMkLst>
-            <pc:docMk/>
-            <pc:sldMk cId="343975969" sldId="331"/>
-            <ac:cxnSpMk id="6" creationId="{9E131CC6-04E1-5E4B-90A5-998EEB790F43}"/>
-          </ac:cxnSpMkLst>
-        </pc:cxnChg>
-      </pc:sldChg>
-      <pc:sldChg chg="del">
-        <pc:chgData name="Long B Nguyen" userId="f59fb8f3-a021-417a-8bc1-65c8d471c621" providerId="ADAL" clId="{00ED48EA-2E19-B648-B077-22D14873FFED}" dt="2020-10-20T05:15:33.541" v="553" actId="2696"/>
-        <pc:sldMkLst>
-          <pc:docMk/>
-          <pc:sldMk cId="3490093738" sldId="332"/>
-        </pc:sldMkLst>
-      </pc:sldChg>
-      <pc:sldChg chg="del">
-        <pc:chgData name="Long B Nguyen" userId="f59fb8f3-a021-417a-8bc1-65c8d471c621" providerId="ADAL" clId="{00ED48EA-2E19-B648-B077-22D14873FFED}" dt="2020-10-20T05:15:31.287" v="552" actId="2696"/>
-        <pc:sldMkLst>
-          <pc:docMk/>
-          <pc:sldMk cId="4156079510" sldId="333"/>
-        </pc:sldMkLst>
-      </pc:sldChg>
-      <pc:sldChg chg="modSp mod modAnim">
-        <pc:chgData name="Long B Nguyen" userId="f59fb8f3-a021-417a-8bc1-65c8d471c621" providerId="ADAL" clId="{00ED48EA-2E19-B648-B077-22D14873FFED}" dt="2020-10-20T05:40:57.447" v="1392"/>
-        <pc:sldMkLst>
-          <pc:docMk/>
-          <pc:sldMk cId="4080804918" sldId="334"/>
-        </pc:sldMkLst>
-        <pc:spChg chg="mod">
-          <ac:chgData name="Long B Nguyen" userId="f59fb8f3-a021-417a-8bc1-65c8d471c621" providerId="ADAL" clId="{00ED48EA-2E19-B648-B077-22D14873FFED}" dt="2020-10-20T04:58:24.600" v="100" actId="20577"/>
-          <ac:spMkLst>
-            <pc:docMk/>
-            <pc:sldMk cId="4080804918" sldId="334"/>
-            <ac:spMk id="2" creationId="{AA3A228F-61D0-D949-A5E7-F83756230BF8}"/>
-          </ac:spMkLst>
-        </pc:spChg>
-        <pc:spChg chg="mod">
-          <ac:chgData name="Long B Nguyen" userId="f59fb8f3-a021-417a-8bc1-65c8d471c621" providerId="ADAL" clId="{00ED48EA-2E19-B648-B077-22D14873FFED}" dt="2020-10-20T04:58:09.970" v="77" actId="20577"/>
-          <ac:spMkLst>
-            <pc:docMk/>
-            <pc:sldMk cId="4080804918" sldId="334"/>
-            <ac:spMk id="8" creationId="{C57243A4-61B0-BF49-9762-D919B22CF822}"/>
-          </ac:spMkLst>
-        </pc:spChg>
-      </pc:sldChg>
-      <pc:sldChg chg="modAnim">
-        <pc:chgData name="Long B Nguyen" userId="f59fb8f3-a021-417a-8bc1-65c8d471c621" providerId="ADAL" clId="{00ED48EA-2E19-B648-B077-22D14873FFED}" dt="2020-10-20T05:41:15.950" v="1393"/>
-        <pc:sldMkLst>
-          <pc:docMk/>
-          <pc:sldMk cId="2359254305" sldId="335"/>
-        </pc:sldMkLst>
-      </pc:sldChg>
-      <pc:sldChg chg="del">
-        <pc:chgData name="Long B Nguyen" userId="f59fb8f3-a021-417a-8bc1-65c8d471c621" providerId="ADAL" clId="{00ED48EA-2E19-B648-B077-22D14873FFED}" dt="2020-10-20T05:22:15.755" v="693" actId="2696"/>
-        <pc:sldMkLst>
-          <pc:docMk/>
-          <pc:sldMk cId="2552887808" sldId="336"/>
-        </pc:sldMkLst>
-      </pc:sldChg>
-      <pc:sldChg chg="addSp delSp modSp add mod delAnim modAnim">
-        <pc:chgData name="Long B Nguyen" userId="f59fb8f3-a021-417a-8bc1-65c8d471c621" providerId="ADAL" clId="{00ED48EA-2E19-B648-B077-22D14873FFED}" dt="2020-10-20T05:37:12.593" v="1348" actId="478"/>
-        <pc:sldMkLst>
-          <pc:docMk/>
-          <pc:sldMk cId="2879490838" sldId="336"/>
-        </pc:sldMkLst>
-        <pc:spChg chg="add mod">
-          <ac:chgData name="Long B Nguyen" userId="f59fb8f3-a021-417a-8bc1-65c8d471c621" providerId="ADAL" clId="{00ED48EA-2E19-B648-B077-22D14873FFED}" dt="2020-10-20T05:37:06.309" v="1346" actId="1076"/>
-          <ac:spMkLst>
-            <pc:docMk/>
-            <pc:sldMk cId="2879490838" sldId="336"/>
-            <ac:spMk id="6" creationId="{096932A1-43AC-9F41-8D45-7E67F083C85E}"/>
-          </ac:spMkLst>
-        </pc:spChg>
-        <pc:spChg chg="del">
-          <ac:chgData name="Long B Nguyen" userId="f59fb8f3-a021-417a-8bc1-65c8d471c621" providerId="ADAL" clId="{00ED48EA-2E19-B648-B077-22D14873FFED}" dt="2020-10-20T05:36:44.040" v="1341" actId="478"/>
-          <ac:spMkLst>
-            <pc:docMk/>
-            <pc:sldMk cId="2879490838" sldId="336"/>
-            <ac:spMk id="7" creationId="{4B727B46-A324-164A-9C9C-7012797F4961}"/>
-          </ac:spMkLst>
-        </pc:spChg>
-        <pc:spChg chg="del">
-          <ac:chgData name="Long B Nguyen" userId="f59fb8f3-a021-417a-8bc1-65c8d471c621" providerId="ADAL" clId="{00ED48EA-2E19-B648-B077-22D14873FFED}" dt="2020-10-20T05:37:12.593" v="1348" actId="478"/>
-          <ac:spMkLst>
-            <pc:docMk/>
-            <pc:sldMk cId="2879490838" sldId="336"/>
-            <ac:spMk id="8" creationId="{36774EAF-310A-974B-ACC5-BFFA64D03E40}"/>
-          </ac:spMkLst>
-        </pc:spChg>
-        <pc:spChg chg="mod">
-          <ac:chgData name="Long B Nguyen" userId="f59fb8f3-a021-417a-8bc1-65c8d471c621" providerId="ADAL" clId="{00ED48EA-2E19-B648-B077-22D14873FFED}" dt="2020-10-20T05:36:57.286" v="1343" actId="20577"/>
-          <ac:spMkLst>
-            <pc:docMk/>
-            <pc:sldMk cId="2879490838" sldId="336"/>
-            <ac:spMk id="9" creationId="{E3B2E017-30B2-884B-A113-B419A2ED51AD}"/>
-          </ac:spMkLst>
-        </pc:spChg>
-        <pc:cxnChg chg="del">
-          <ac:chgData name="Long B Nguyen" userId="f59fb8f3-a021-417a-8bc1-65c8d471c621" providerId="ADAL" clId="{00ED48EA-2E19-B648-B077-22D14873FFED}" dt="2020-10-20T05:36:41.876" v="1340" actId="478"/>
-          <ac:cxnSpMkLst>
-            <pc:docMk/>
-            <pc:sldMk cId="2879490838" sldId="336"/>
-            <ac:cxnSpMk id="10" creationId="{2467F9DB-FA07-9947-BEED-1E28BB1D6C22}"/>
-          </ac:cxnSpMkLst>
-        </pc:cxnChg>
-        <pc:cxnChg chg="add mod">
-          <ac:chgData name="Long B Nguyen" userId="f59fb8f3-a021-417a-8bc1-65c8d471c621" providerId="ADAL" clId="{00ED48EA-2E19-B648-B077-22D14873FFED}" dt="2020-10-20T05:37:09.658" v="1347" actId="1076"/>
-          <ac:cxnSpMkLst>
-            <pc:docMk/>
-            <pc:sldMk cId="2879490838" sldId="336"/>
-            <ac:cxnSpMk id="11" creationId="{FA638F06-5AEF-6944-8EFB-5BD09379DFDD}"/>
-          </ac:cxnSpMkLst>
-        </pc:cxnChg>
-      </pc:sldChg>
-      <pc:sldChg chg="addSp delSp modSp add del mod modAnim">
-        <pc:chgData name="Long B Nguyen" userId="f59fb8f3-a021-417a-8bc1-65c8d471c621" providerId="ADAL" clId="{00ED48EA-2E19-B648-B077-22D14873FFED}" dt="2020-10-20T06:06:26.843" v="1577" actId="2696"/>
-        <pc:sldMkLst>
-          <pc:docMk/>
-          <pc:sldMk cId="29157992" sldId="337"/>
-        </pc:sldMkLst>
-        <pc:spChg chg="add del">
-          <ac:chgData name="Long B Nguyen" userId="f59fb8f3-a021-417a-8bc1-65c8d471c621" providerId="ADAL" clId="{00ED48EA-2E19-B648-B077-22D14873FFED}" dt="2020-10-20T05:56:35.202" v="1469" actId="478"/>
-          <ac:spMkLst>
-            <pc:docMk/>
-            <pc:sldMk cId="29157992" sldId="337"/>
-            <ac:spMk id="3" creationId="{CBF1DCD8-E79C-7640-9361-6F12D8D51BFD}"/>
-          </ac:spMkLst>
-        </pc:spChg>
-        <pc:spChg chg="mod">
-          <ac:chgData name="Long B Nguyen" userId="f59fb8f3-a021-417a-8bc1-65c8d471c621" providerId="ADAL" clId="{00ED48EA-2E19-B648-B077-22D14873FFED}" dt="2020-10-20T05:58:55.632" v="1526" actId="20577"/>
-          <ac:spMkLst>
-            <pc:docMk/>
-            <pc:sldMk cId="29157992" sldId="337"/>
-            <ac:spMk id="6" creationId="{B7AB2EA4-48CC-FD46-9632-CD4301E82099}"/>
-          </ac:spMkLst>
-        </pc:spChg>
-        <pc:spChg chg="del">
-          <ac:chgData name="Long B Nguyen" userId="f59fb8f3-a021-417a-8bc1-65c8d471c621" providerId="ADAL" clId="{00ED48EA-2E19-B648-B077-22D14873FFED}" dt="2020-10-20T05:56:04.122" v="1459" actId="478"/>
-          <ac:spMkLst>
-            <pc:docMk/>
-            <pc:sldMk cId="29157992" sldId="337"/>
-            <ac:spMk id="7" creationId="{A1C0BD5B-7A70-614C-8F08-877F246D65C4}"/>
-          </ac:spMkLst>
-        </pc:spChg>
-        <pc:spChg chg="mod">
-          <ac:chgData name="Long B Nguyen" userId="f59fb8f3-a021-417a-8bc1-65c8d471c621" providerId="ADAL" clId="{00ED48EA-2E19-B648-B077-22D14873FFED}" dt="2020-10-20T05:58:59.543" v="1528" actId="20577"/>
-          <ac:spMkLst>
-            <pc:docMk/>
-            <pc:sldMk cId="29157992" sldId="337"/>
-            <ac:spMk id="9" creationId="{E3B2E017-30B2-884B-A113-B419A2ED51AD}"/>
-          </ac:spMkLst>
-        </pc:spChg>
-        <pc:spChg chg="del">
-          <ac:chgData name="Long B Nguyen" userId="f59fb8f3-a021-417a-8bc1-65c8d471c621" providerId="ADAL" clId="{00ED48EA-2E19-B648-B077-22D14873FFED}" dt="2020-10-20T05:56:06.890" v="1460" actId="478"/>
-          <ac:spMkLst>
-            <pc:docMk/>
-            <pc:sldMk cId="29157992" sldId="337"/>
-            <ac:spMk id="10" creationId="{6F2E737A-829E-5A45-9E9D-A706B719CBB7}"/>
-          </ac:spMkLst>
-        </pc:spChg>
-        <pc:spChg chg="add mod">
-          <ac:chgData name="Long B Nguyen" userId="f59fb8f3-a021-417a-8bc1-65c8d471c621" providerId="ADAL" clId="{00ED48EA-2E19-B648-B077-22D14873FFED}" dt="2020-10-20T06:03:00.286" v="1537" actId="207"/>
-          <ac:spMkLst>
-            <pc:docMk/>
-            <pc:sldMk cId="29157992" sldId="337"/>
-            <ac:spMk id="14" creationId="{E7E8FC9F-D95D-944A-88F1-6EEFA08685CC}"/>
-          </ac:spMkLst>
-        </pc:spChg>
-        <pc:spChg chg="add mod">
-          <ac:chgData name="Long B Nguyen" userId="f59fb8f3-a021-417a-8bc1-65c8d471c621" providerId="ADAL" clId="{00ED48EA-2E19-B648-B077-22D14873FFED}" dt="2020-10-20T06:04:11.971" v="1548" actId="20577"/>
-          <ac:spMkLst>
-            <pc:docMk/>
-            <pc:sldMk cId="29157992" sldId="337"/>
-            <ac:spMk id="19" creationId="{8A3A65CC-0119-124A-A980-35F7556993CC}"/>
-          </ac:spMkLst>
-        </pc:spChg>
-        <pc:spChg chg="add mod">
-          <ac:chgData name="Long B Nguyen" userId="f59fb8f3-a021-417a-8bc1-65c8d471c621" providerId="ADAL" clId="{00ED48EA-2E19-B648-B077-22D14873FFED}" dt="2020-10-20T06:04:26.134" v="1562" actId="1076"/>
-          <ac:spMkLst>
-            <pc:docMk/>
-            <pc:sldMk cId="29157992" sldId="337"/>
-            <ac:spMk id="23" creationId="{4F978BD1-FC33-7645-834E-F7A552E15880}"/>
-          </ac:spMkLst>
-        </pc:spChg>
-        <pc:cxnChg chg="del">
-          <ac:chgData name="Long B Nguyen" userId="f59fb8f3-a021-417a-8bc1-65c8d471c621" providerId="ADAL" clId="{00ED48EA-2E19-B648-B077-22D14873FFED}" dt="2020-10-20T05:55:20.527" v="1450" actId="478"/>
-          <ac:cxnSpMkLst>
-            <pc:docMk/>
-            <pc:sldMk cId="29157992" sldId="337"/>
-            <ac:cxnSpMk id="5" creationId="{6A41E33A-3774-3740-BA11-D4C900D6705F}"/>
-          </ac:cxnSpMkLst>
-        </pc:cxnChg>
-        <pc:cxnChg chg="del mod">
-          <ac:chgData name="Long B Nguyen" userId="f59fb8f3-a021-417a-8bc1-65c8d471c621" providerId="ADAL" clId="{00ED48EA-2E19-B648-B077-22D14873FFED}" dt="2020-10-20T05:55:21.821" v="1451" actId="478"/>
-          <ac:cxnSpMkLst>
-            <pc:docMk/>
-            <pc:sldMk cId="29157992" sldId="337"/>
-            <ac:cxnSpMk id="12" creationId="{8D88494F-D4E7-AB49-840B-85C05CBDC54E}"/>
-          </ac:cxnSpMkLst>
-        </pc:cxnChg>
-        <pc:cxnChg chg="add mod">
-          <ac:chgData name="Long B Nguyen" userId="f59fb8f3-a021-417a-8bc1-65c8d471c621" providerId="ADAL" clId="{00ED48EA-2E19-B648-B077-22D14873FFED}" dt="2020-10-20T06:04:03.298" v="1545" actId="14100"/>
-          <ac:cxnSpMkLst>
-            <pc:docMk/>
-            <pc:sldMk cId="29157992" sldId="337"/>
-            <ac:cxnSpMk id="13" creationId="{EB374FC5-7A9D-F649-BC72-43227BBC9099}"/>
-          </ac:cxnSpMkLst>
-        </pc:cxnChg>
-        <pc:cxnChg chg="del">
-          <ac:chgData name="Long B Nguyen" userId="f59fb8f3-a021-417a-8bc1-65c8d471c621" providerId="ADAL" clId="{00ED48EA-2E19-B648-B077-22D14873FFED}" dt="2020-10-20T05:55:23.964" v="1452" actId="478"/>
-          <ac:cxnSpMkLst>
-            <pc:docMk/>
-            <pc:sldMk cId="29157992" sldId="337"/>
-            <ac:cxnSpMk id="15" creationId="{9CBB605F-FC67-2643-BAAB-52326BF11806}"/>
-          </ac:cxnSpMkLst>
-        </pc:cxnChg>
-        <pc:cxnChg chg="add mod">
-          <ac:chgData name="Long B Nguyen" userId="f59fb8f3-a021-417a-8bc1-65c8d471c621" providerId="ADAL" clId="{00ED48EA-2E19-B648-B077-22D14873FFED}" dt="2020-10-20T06:03:51.062" v="1542" actId="14100"/>
-          <ac:cxnSpMkLst>
-            <pc:docMk/>
-            <pc:sldMk cId="29157992" sldId="337"/>
-            <ac:cxnSpMk id="17" creationId="{7DCEC289-F5BC-884B-8ACF-581C541B231C}"/>
-          </ac:cxnSpMkLst>
-        </pc:cxnChg>
-        <pc:cxnChg chg="del">
-          <ac:chgData name="Long B Nguyen" userId="f59fb8f3-a021-417a-8bc1-65c8d471c621" providerId="ADAL" clId="{00ED48EA-2E19-B648-B077-22D14873FFED}" dt="2020-10-20T05:55:26.121" v="1453" actId="478"/>
-          <ac:cxnSpMkLst>
-            <pc:docMk/>
-            <pc:sldMk cId="29157992" sldId="337"/>
-            <ac:cxnSpMk id="18" creationId="{F28B016A-60E6-2941-B6A9-C3C4FB6646FA}"/>
-          </ac:cxnSpMkLst>
-        </pc:cxnChg>
-        <pc:cxnChg chg="add mod">
-          <ac:chgData name="Long B Nguyen" userId="f59fb8f3-a021-417a-8bc1-65c8d471c621" providerId="ADAL" clId="{00ED48EA-2E19-B648-B077-22D14873FFED}" dt="2020-10-20T06:04:33.862" v="1565" actId="14100"/>
-          <ac:cxnSpMkLst>
-            <pc:docMk/>
-            <pc:sldMk cId="29157992" sldId="337"/>
-            <ac:cxnSpMk id="24" creationId="{2F81ABD8-85FD-9F47-B9DE-83D0E314B2DF}"/>
-          </ac:cxnSpMkLst>
-        </pc:cxnChg>
-      </pc:sldChg>
-      <pc:sldChg chg="modSp add mod">
-        <pc:chgData name="Long B Nguyen" userId="f59fb8f3-a021-417a-8bc1-65c8d471c621" providerId="ADAL" clId="{00ED48EA-2E19-B648-B077-22D14873FFED}" dt="2020-10-20T06:07:07.103" v="1596" actId="1076"/>
-        <pc:sldMkLst>
-          <pc:docMk/>
-          <pc:sldMk cId="3107138983" sldId="337"/>
-        </pc:sldMkLst>
-        <pc:spChg chg="mod">
-          <ac:chgData name="Long B Nguyen" userId="f59fb8f3-a021-417a-8bc1-65c8d471c621" providerId="ADAL" clId="{00ED48EA-2E19-B648-B077-22D14873FFED}" dt="2020-10-20T06:07:07.103" v="1596" actId="1076"/>
-          <ac:spMkLst>
-            <pc:docMk/>
-            <pc:sldMk cId="3107138983" sldId="337"/>
-            <ac:spMk id="2" creationId="{AA3A228F-61D0-D949-A5E7-F83756230BF8}"/>
-          </ac:spMkLst>
-        </pc:spChg>
-      </pc:sldChg>
-    </pc:docChg>
-  </pc:docChgLst>
-  <pc:docChgLst>
-    <pc:chgData name="Long B Nguyen" userId="f59fb8f3-a021-417a-8bc1-65c8d471c621" providerId="ADAL" clId="{18B307F0-82DA-8342-AB9A-1CC8CB1F1087}"/>
-    <pc:docChg chg="addSld modSld">
-      <pc:chgData name="Long B Nguyen" userId="f59fb8f3-a021-417a-8bc1-65c8d471c621" providerId="ADAL" clId="{18B307F0-82DA-8342-AB9A-1CC8CB1F1087}" dt="2020-10-27T12:30:23.869" v="941" actId="20577"/>
-      <pc:docMkLst>
-        <pc:docMk/>
-      </pc:docMkLst>
-      <pc:sldChg chg="addSp modSp add mod modAnim">
-        <pc:chgData name="Long B Nguyen" userId="f59fb8f3-a021-417a-8bc1-65c8d471c621" providerId="ADAL" clId="{18B307F0-82DA-8342-AB9A-1CC8CB1F1087}" dt="2020-10-20T19:08:19.384" v="494" actId="207"/>
-        <pc:sldMkLst>
-          <pc:docMk/>
-          <pc:sldMk cId="123529303" sldId="298"/>
-        </pc:sldMkLst>
-        <pc:spChg chg="mod">
-          <ac:chgData name="Long B Nguyen" userId="f59fb8f3-a021-417a-8bc1-65c8d471c621" providerId="ADAL" clId="{18B307F0-82DA-8342-AB9A-1CC8CB1F1087}" dt="2020-10-20T19:00:45.374" v="199" actId="1035"/>
-          <ac:spMkLst>
-            <pc:docMk/>
-            <pc:sldMk cId="123529303" sldId="298"/>
-            <ac:spMk id="2" creationId="{AA3A228F-61D0-D949-A5E7-F83756230BF8}"/>
-          </ac:spMkLst>
-        </pc:spChg>
-        <pc:spChg chg="mod">
-          <ac:chgData name="Long B Nguyen" userId="f59fb8f3-a021-417a-8bc1-65c8d471c621" providerId="ADAL" clId="{18B307F0-82DA-8342-AB9A-1CC8CB1F1087}" dt="2020-10-20T19:00:45.374" v="199" actId="1035"/>
-          <ac:spMkLst>
-            <pc:docMk/>
-            <pc:sldMk cId="123529303" sldId="298"/>
-            <ac:spMk id="8" creationId="{89664AE0-03B1-F343-A3F2-F049D077AF98}"/>
-          </ac:spMkLst>
-        </pc:spChg>
-        <pc:spChg chg="mod">
-          <ac:chgData name="Long B Nguyen" userId="f59fb8f3-a021-417a-8bc1-65c8d471c621" providerId="ADAL" clId="{18B307F0-82DA-8342-AB9A-1CC8CB1F1087}" dt="2020-10-20T19:08:19.384" v="494" actId="207"/>
-          <ac:spMkLst>
-            <pc:docMk/>
-            <pc:sldMk cId="123529303" sldId="298"/>
-            <ac:spMk id="9" creationId="{E3B2E017-30B2-884B-A113-B419A2ED51AD}"/>
-          </ac:spMkLst>
-        </pc:spChg>
-        <pc:spChg chg="add mod">
-          <ac:chgData name="Long B Nguyen" userId="f59fb8f3-a021-417a-8bc1-65c8d471c621" providerId="ADAL" clId="{18B307F0-82DA-8342-AB9A-1CC8CB1F1087}" dt="2020-10-20T19:07:39.725" v="405" actId="1076"/>
-          <ac:spMkLst>
-            <pc:docMk/>
-            <pc:sldMk cId="123529303" sldId="298"/>
-            <ac:spMk id="11" creationId="{E286DCF3-BD51-E64D-B366-BAE7332F61EA}"/>
-          </ac:spMkLst>
-        </pc:spChg>
-        <pc:spChg chg="mod">
-          <ac:chgData name="Long B Nguyen" userId="f59fb8f3-a021-417a-8bc1-65c8d471c621" providerId="ADAL" clId="{18B307F0-82DA-8342-AB9A-1CC8CB1F1087}" dt="2020-10-20T19:01:10.602" v="258" actId="20577"/>
-          <ac:spMkLst>
-            <pc:docMk/>
-            <pc:sldMk cId="123529303" sldId="298"/>
-            <ac:spMk id="13" creationId="{FEE970F2-C39B-7749-9FEC-3601AB1AE7E6}"/>
-          </ac:spMkLst>
-        </pc:spChg>
-        <pc:spChg chg="mod">
-          <ac:chgData name="Long B Nguyen" userId="f59fb8f3-a021-417a-8bc1-65c8d471c621" providerId="ADAL" clId="{18B307F0-82DA-8342-AB9A-1CC8CB1F1087}" dt="2020-10-20T19:00:45.374" v="199" actId="1035"/>
-          <ac:spMkLst>
-            <pc:docMk/>
-            <pc:sldMk cId="123529303" sldId="298"/>
-            <ac:spMk id="18" creationId="{72E2D77A-5904-7544-B8AE-F3CD3EA5A4E0}"/>
-          </ac:spMkLst>
-        </pc:spChg>
-        <pc:cxnChg chg="mod">
-          <ac:chgData name="Long B Nguyen" userId="f59fb8f3-a021-417a-8bc1-65c8d471c621" providerId="ADAL" clId="{18B307F0-82DA-8342-AB9A-1CC8CB1F1087}" dt="2020-10-20T19:00:45.374" v="199" actId="1035"/>
-          <ac:cxnSpMkLst>
-            <pc:docMk/>
-            <pc:sldMk cId="123529303" sldId="298"/>
-            <ac:cxnSpMk id="10" creationId="{7B79EDEB-21CF-C34B-A2E5-A09E60D29E45}"/>
-          </ac:cxnSpMkLst>
-        </pc:cxnChg>
-        <pc:cxnChg chg="add mod">
-          <ac:chgData name="Long B Nguyen" userId="f59fb8f3-a021-417a-8bc1-65c8d471c621" providerId="ADAL" clId="{18B307F0-82DA-8342-AB9A-1CC8CB1F1087}" dt="2020-10-20T19:07:31.123" v="400" actId="14100"/>
-          <ac:cxnSpMkLst>
-            <pc:docMk/>
-            <pc:sldMk cId="123529303" sldId="298"/>
-            <ac:cxnSpMk id="12" creationId="{D08E2E9A-8059-5041-B928-E129AA2B1C03}"/>
-          </ac:cxnSpMkLst>
-        </pc:cxnChg>
-        <pc:cxnChg chg="mod">
-          <ac:chgData name="Long B Nguyen" userId="f59fb8f3-a021-417a-8bc1-65c8d471c621" providerId="ADAL" clId="{18B307F0-82DA-8342-AB9A-1CC8CB1F1087}" dt="2020-10-20T19:00:45.374" v="199" actId="1035"/>
-          <ac:cxnSpMkLst>
-            <pc:docMk/>
-            <pc:sldMk cId="123529303" sldId="298"/>
-            <ac:cxnSpMk id="14" creationId="{67BD5D1A-21FF-5E44-BC9A-F45708385466}"/>
-          </ac:cxnSpMkLst>
-        </pc:cxnChg>
-        <pc:cxnChg chg="add mod">
-          <ac:chgData name="Long B Nguyen" userId="f59fb8f3-a021-417a-8bc1-65c8d471c621" providerId="ADAL" clId="{18B307F0-82DA-8342-AB9A-1CC8CB1F1087}" dt="2020-10-20T19:07:37.748" v="404" actId="14100"/>
-          <ac:cxnSpMkLst>
-            <pc:docMk/>
-            <pc:sldMk cId="123529303" sldId="298"/>
-            <ac:cxnSpMk id="15" creationId="{1001F9BD-2122-5B46-9F66-4162E36E3941}"/>
-          </ac:cxnSpMkLst>
-        </pc:cxnChg>
-        <pc:cxnChg chg="mod">
-          <ac:chgData name="Long B Nguyen" userId="f59fb8f3-a021-417a-8bc1-65c8d471c621" providerId="ADAL" clId="{18B307F0-82DA-8342-AB9A-1CC8CB1F1087}" dt="2020-10-20T19:00:45.374" v="199" actId="1035"/>
-          <ac:cxnSpMkLst>
-            <pc:docMk/>
-            <pc:sldMk cId="123529303" sldId="298"/>
-            <ac:cxnSpMk id="19" creationId="{F27838C9-39D0-B347-A820-EEA046CD6709}"/>
-          </ac:cxnSpMkLst>
-        </pc:cxnChg>
-      </pc:sldChg>
-      <pc:sldChg chg="modSp">
-        <pc:chgData name="Long B Nguyen" userId="f59fb8f3-a021-417a-8bc1-65c8d471c621" providerId="ADAL" clId="{18B307F0-82DA-8342-AB9A-1CC8CB1F1087}" dt="2020-10-26T10:12:25.522" v="495" actId="20577"/>
-        <pc:sldMkLst>
-          <pc:docMk/>
-          <pc:sldMk cId="3748840513" sldId="326"/>
-        </pc:sldMkLst>
-        <pc:spChg chg="mod">
-          <ac:chgData name="Long B Nguyen" userId="f59fb8f3-a021-417a-8bc1-65c8d471c621" providerId="ADAL" clId="{18B307F0-82DA-8342-AB9A-1CC8CB1F1087}" dt="2020-10-26T10:12:25.522" v="495" actId="20577"/>
-          <ac:spMkLst>
-            <pc:docMk/>
-            <pc:sldMk cId="3748840513" sldId="326"/>
-            <ac:spMk id="9" creationId="{E3B2E017-30B2-884B-A113-B419A2ED51AD}"/>
-          </ac:spMkLst>
-        </pc:spChg>
-      </pc:sldChg>
-      <pc:sldChg chg="modSp">
-        <pc:chgData name="Long B Nguyen" userId="f59fb8f3-a021-417a-8bc1-65c8d471c621" providerId="ADAL" clId="{18B307F0-82DA-8342-AB9A-1CC8CB1F1087}" dt="2020-10-27T12:30:23.869" v="941" actId="20577"/>
-        <pc:sldMkLst>
-          <pc:docMk/>
-          <pc:sldMk cId="894578124" sldId="330"/>
-        </pc:sldMkLst>
-        <pc:spChg chg="mod">
-          <ac:chgData name="Long B Nguyen" userId="f59fb8f3-a021-417a-8bc1-65c8d471c621" providerId="ADAL" clId="{18B307F0-82DA-8342-AB9A-1CC8CB1F1087}" dt="2020-10-27T12:30:23.869" v="941" actId="20577"/>
-          <ac:spMkLst>
-            <pc:docMk/>
-            <pc:sldMk cId="894578124" sldId="330"/>
-            <ac:spMk id="9" creationId="{E3B2E017-30B2-884B-A113-B419A2ED51AD}"/>
-          </ac:spMkLst>
-        </pc:spChg>
-      </pc:sldChg>
-      <pc:sldChg chg="modSp add mod">
-        <pc:chgData name="Long B Nguyen" userId="f59fb8f3-a021-417a-8bc1-65c8d471c621" providerId="ADAL" clId="{18B307F0-82DA-8342-AB9A-1CC8CB1F1087}" dt="2020-10-27T12:29:19.886" v="870" actId="1076"/>
-        <pc:sldMkLst>
-          <pc:docMk/>
-          <pc:sldMk cId="226687820" sldId="398"/>
-        </pc:sldMkLst>
-        <pc:spChg chg="mod">
-          <ac:chgData name="Long B Nguyen" userId="f59fb8f3-a021-417a-8bc1-65c8d471c621" providerId="ADAL" clId="{18B307F0-82DA-8342-AB9A-1CC8CB1F1087}" dt="2020-10-27T12:29:10.119" v="867" actId="1076"/>
-          <ac:spMkLst>
-            <pc:docMk/>
-            <pc:sldMk cId="226687820" sldId="398"/>
-            <ac:spMk id="40961" creationId="{266119B2-414E-5047-A049-172C3274D6D7}"/>
-          </ac:spMkLst>
-        </pc:spChg>
-        <pc:spChg chg="mod">
-          <ac:chgData name="Long B Nguyen" userId="f59fb8f3-a021-417a-8bc1-65c8d471c621" providerId="ADAL" clId="{18B307F0-82DA-8342-AB9A-1CC8CB1F1087}" dt="2020-10-27T12:29:16.115" v="869" actId="1076"/>
-          <ac:spMkLst>
-            <pc:docMk/>
-            <pc:sldMk cId="226687820" sldId="398"/>
-            <ac:spMk id="40962" creationId="{95CBFE7E-C29B-E04D-A37E-0DBCF46A1435}"/>
-          </ac:spMkLst>
-        </pc:spChg>
-        <pc:picChg chg="mod">
-          <ac:chgData name="Long B Nguyen" userId="f59fb8f3-a021-417a-8bc1-65c8d471c621" providerId="ADAL" clId="{18B307F0-82DA-8342-AB9A-1CC8CB1F1087}" dt="2020-10-27T12:29:19.886" v="870" actId="1076"/>
-          <ac:picMkLst>
-            <pc:docMk/>
-            <pc:sldMk cId="226687820" sldId="398"/>
-            <ac:picMk id="40963" creationId="{132EE64E-2666-A648-8980-DA4F2C3F08AD}"/>
-          </ac:picMkLst>
-        </pc:picChg>
-      </pc:sldChg>
-      <pc:sldChg chg="modSp add mod">
-        <pc:chgData name="Long B Nguyen" userId="f59fb8f3-a021-417a-8bc1-65c8d471c621" providerId="ADAL" clId="{18B307F0-82DA-8342-AB9A-1CC8CB1F1087}" dt="2020-10-27T12:29:57.416" v="939" actId="20577"/>
-        <pc:sldMkLst>
-          <pc:docMk/>
-          <pc:sldMk cId="70090437" sldId="399"/>
-        </pc:sldMkLst>
-        <pc:spChg chg="mod">
-          <ac:chgData name="Long B Nguyen" userId="f59fb8f3-a021-417a-8bc1-65c8d471c621" providerId="ADAL" clId="{18B307F0-82DA-8342-AB9A-1CC8CB1F1087}" dt="2020-10-27T12:24:58.819" v="499" actId="1076"/>
-          <ac:spMkLst>
-            <pc:docMk/>
-            <pc:sldMk cId="70090437" sldId="399"/>
-            <ac:spMk id="43009" creationId="{504CDE1E-2E67-4F45-B8D7-8B8B0A11427F}"/>
-          </ac:spMkLst>
-        </pc:spChg>
-        <pc:spChg chg="mod">
-          <ac:chgData name="Long B Nguyen" userId="f59fb8f3-a021-417a-8bc1-65c8d471c621" providerId="ADAL" clId="{18B307F0-82DA-8342-AB9A-1CC8CB1F1087}" dt="2020-10-27T12:29:57.416" v="939" actId="20577"/>
-          <ac:spMkLst>
-            <pc:docMk/>
-            <pc:sldMk cId="70090437" sldId="399"/>
-            <ac:spMk id="43010" creationId="{DDAB1DA6-6116-F740-A9FA-E38390037BBC}"/>
-          </ac:spMkLst>
-        </pc:spChg>
       </pc:sldChg>
     </pc:docChg>
   </pc:docChgLst>
@@ -3774,239 +4145,6 @@
             <pc:docMk/>
             <pc:sldMk cId="2359254305" sldId="335"/>
             <ac:cxnSpMk id="10" creationId="{D2B72858-9062-1748-A56F-9BF516549403}"/>
-          </ac:cxnSpMkLst>
-        </pc:cxnChg>
-      </pc:sldChg>
-    </pc:docChg>
-  </pc:docChgLst>
-  <pc:docChgLst>
-    <pc:chgData name="Long B Nguyen" userId="f59fb8f3-a021-417a-8bc1-65c8d471c621" providerId="ADAL" clId="{4C2FC867-C2FC-8048-8952-4886924F1964}"/>
-    <pc:docChg chg="modSld">
-      <pc:chgData name="Long B Nguyen" userId="f59fb8f3-a021-417a-8bc1-65c8d471c621" providerId="ADAL" clId="{4C2FC867-C2FC-8048-8952-4886924F1964}" dt="2021-06-09T15:35:48.122" v="528" actId="255"/>
-      <pc:docMkLst>
-        <pc:docMk/>
-      </pc:docMkLst>
-      <pc:sldChg chg="modSp mod">
-        <pc:chgData name="Long B Nguyen" userId="f59fb8f3-a021-417a-8bc1-65c8d471c621" providerId="ADAL" clId="{4C2FC867-C2FC-8048-8952-4886924F1964}" dt="2021-06-04T16:30:58.322" v="170" actId="20577"/>
-        <pc:sldMkLst>
-          <pc:docMk/>
-          <pc:sldMk cId="131840209" sldId="286"/>
-        </pc:sldMkLst>
-        <pc:spChg chg="mod">
-          <ac:chgData name="Long B Nguyen" userId="f59fb8f3-a021-417a-8bc1-65c8d471c621" providerId="ADAL" clId="{4C2FC867-C2FC-8048-8952-4886924F1964}" dt="2021-06-04T16:30:58.322" v="170" actId="20577"/>
-          <ac:spMkLst>
-            <pc:docMk/>
-            <pc:sldMk cId="131840209" sldId="286"/>
-            <ac:spMk id="9" creationId="{E3B2E017-30B2-884B-A113-B419A2ED51AD}"/>
-          </ac:spMkLst>
-        </pc:spChg>
-      </pc:sldChg>
-      <pc:sldChg chg="modSp mod">
-        <pc:chgData name="Long B Nguyen" userId="f59fb8f3-a021-417a-8bc1-65c8d471c621" providerId="ADAL" clId="{4C2FC867-C2FC-8048-8952-4886924F1964}" dt="2021-06-09T15:31:11.475" v="261" actId="1076"/>
-        <pc:sldMkLst>
-          <pc:docMk/>
-          <pc:sldMk cId="3395584097" sldId="404"/>
-        </pc:sldMkLst>
-        <pc:spChg chg="mod">
-          <ac:chgData name="Long B Nguyen" userId="f59fb8f3-a021-417a-8bc1-65c8d471c621" providerId="ADAL" clId="{4C2FC867-C2FC-8048-8952-4886924F1964}" dt="2021-06-09T15:29:53.418" v="190" actId="20577"/>
-          <ac:spMkLst>
-            <pc:docMk/>
-            <pc:sldMk cId="3395584097" sldId="404"/>
-            <ac:spMk id="8" creationId="{1044117C-21C0-1F45-A298-07265AA9815C}"/>
-          </ac:spMkLst>
-        </pc:spChg>
-        <pc:spChg chg="mod">
-          <ac:chgData name="Long B Nguyen" userId="f59fb8f3-a021-417a-8bc1-65c8d471c621" providerId="ADAL" clId="{4C2FC867-C2FC-8048-8952-4886924F1964}" dt="2021-06-09T15:31:05.740" v="259" actId="20577"/>
-          <ac:spMkLst>
-            <pc:docMk/>
-            <pc:sldMk cId="3395584097" sldId="404"/>
-            <ac:spMk id="9" creationId="{E3B2E017-30B2-884B-A113-B419A2ED51AD}"/>
-          </ac:spMkLst>
-        </pc:spChg>
-        <pc:spChg chg="mod">
-          <ac:chgData name="Long B Nguyen" userId="f59fb8f3-a021-417a-8bc1-65c8d471c621" providerId="ADAL" clId="{4C2FC867-C2FC-8048-8952-4886924F1964}" dt="2021-06-09T15:29:57.206" v="195" actId="20577"/>
-          <ac:spMkLst>
-            <pc:docMk/>
-            <pc:sldMk cId="3395584097" sldId="404"/>
-            <ac:spMk id="25" creationId="{B9BB4991-4105-EC40-918A-F22FD2AF1EC5}"/>
-          </ac:spMkLst>
-        </pc:spChg>
-        <pc:cxnChg chg="mod">
-          <ac:chgData name="Long B Nguyen" userId="f59fb8f3-a021-417a-8bc1-65c8d471c621" providerId="ADAL" clId="{4C2FC867-C2FC-8048-8952-4886924F1964}" dt="2021-06-09T15:31:10.002" v="260" actId="1076"/>
-          <ac:cxnSpMkLst>
-            <pc:docMk/>
-            <pc:sldMk cId="3395584097" sldId="404"/>
-            <ac:cxnSpMk id="18" creationId="{12FC02BD-45AD-764F-91B5-1546B5C0BC0D}"/>
-          </ac:cxnSpMkLst>
-        </pc:cxnChg>
-        <pc:cxnChg chg="mod">
-          <ac:chgData name="Long B Nguyen" userId="f59fb8f3-a021-417a-8bc1-65c8d471c621" providerId="ADAL" clId="{4C2FC867-C2FC-8048-8952-4886924F1964}" dt="2021-06-09T15:31:11.475" v="261" actId="1076"/>
-          <ac:cxnSpMkLst>
-            <pc:docMk/>
-            <pc:sldMk cId="3395584097" sldId="404"/>
-            <ac:cxnSpMk id="22" creationId="{A7D6B793-CDB8-474B-81AF-D75035A77EBB}"/>
-          </ac:cxnSpMkLst>
-        </pc:cxnChg>
-      </pc:sldChg>
-      <pc:sldChg chg="modSp mod">
-        <pc:chgData name="Long B Nguyen" userId="f59fb8f3-a021-417a-8bc1-65c8d471c621" providerId="ADAL" clId="{4C2FC867-C2FC-8048-8952-4886924F1964}" dt="2021-06-09T15:30:33.163" v="243" actId="20577"/>
-        <pc:sldMkLst>
-          <pc:docMk/>
-          <pc:sldMk cId="3714893887" sldId="405"/>
-        </pc:sldMkLst>
-        <pc:spChg chg="mod">
-          <ac:chgData name="Long B Nguyen" userId="f59fb8f3-a021-417a-8bc1-65c8d471c621" providerId="ADAL" clId="{4C2FC867-C2FC-8048-8952-4886924F1964}" dt="2021-06-09T15:30:09.271" v="212" actId="20577"/>
-          <ac:spMkLst>
-            <pc:docMk/>
-            <pc:sldMk cId="3714893887" sldId="405"/>
-            <ac:spMk id="9" creationId="{E3B2E017-30B2-884B-A113-B419A2ED51AD}"/>
-          </ac:spMkLst>
-        </pc:spChg>
-        <pc:spChg chg="mod">
-          <ac:chgData name="Long B Nguyen" userId="f59fb8f3-a021-417a-8bc1-65c8d471c621" providerId="ADAL" clId="{4C2FC867-C2FC-8048-8952-4886924F1964}" dt="2021-06-09T15:30:33.163" v="243" actId="20577"/>
-          <ac:spMkLst>
-            <pc:docMk/>
-            <pc:sldMk cId="3714893887" sldId="405"/>
-            <ac:spMk id="11" creationId="{64246B44-6C38-BF40-A25C-4A2CECDA19B3}"/>
-          </ac:spMkLst>
-        </pc:spChg>
-      </pc:sldChg>
-      <pc:sldChg chg="modSp mod">
-        <pc:chgData name="Long B Nguyen" userId="f59fb8f3-a021-417a-8bc1-65c8d471c621" providerId="ADAL" clId="{4C2FC867-C2FC-8048-8952-4886924F1964}" dt="2021-06-09T15:30:28.413" v="238" actId="20577"/>
-        <pc:sldMkLst>
-          <pc:docMk/>
-          <pc:sldMk cId="2579223391" sldId="407"/>
-        </pc:sldMkLst>
-        <pc:spChg chg="mod">
-          <ac:chgData name="Long B Nguyen" userId="f59fb8f3-a021-417a-8bc1-65c8d471c621" providerId="ADAL" clId="{4C2FC867-C2FC-8048-8952-4886924F1964}" dt="2021-06-09T15:30:23.920" v="233" actId="20577"/>
-          <ac:spMkLst>
-            <pc:docMk/>
-            <pc:sldMk cId="2579223391" sldId="407"/>
-            <ac:spMk id="9" creationId="{E3B2E017-30B2-884B-A113-B419A2ED51AD}"/>
-          </ac:spMkLst>
-        </pc:spChg>
-        <pc:spChg chg="mod">
-          <ac:chgData name="Long B Nguyen" userId="f59fb8f3-a021-417a-8bc1-65c8d471c621" providerId="ADAL" clId="{4C2FC867-C2FC-8048-8952-4886924F1964}" dt="2021-06-09T15:30:28.413" v="238" actId="20577"/>
-          <ac:spMkLst>
-            <pc:docMk/>
-            <pc:sldMk cId="2579223391" sldId="407"/>
-            <ac:spMk id="11" creationId="{64246B44-6C38-BF40-A25C-4A2CECDA19B3}"/>
-          </ac:spMkLst>
-        </pc:spChg>
-      </pc:sldChg>
-      <pc:sldChg chg="modSp mod">
-        <pc:chgData name="Long B Nguyen" userId="f59fb8f3-a021-417a-8bc1-65c8d471c621" providerId="ADAL" clId="{4C2FC867-C2FC-8048-8952-4886924F1964}" dt="2021-06-09T15:31:27.441" v="276" actId="20577"/>
-        <pc:sldMkLst>
-          <pc:docMk/>
-          <pc:sldMk cId="3574827976" sldId="408"/>
-        </pc:sldMkLst>
-        <pc:spChg chg="mod">
-          <ac:chgData name="Long B Nguyen" userId="f59fb8f3-a021-417a-8bc1-65c8d471c621" providerId="ADAL" clId="{4C2FC867-C2FC-8048-8952-4886924F1964}" dt="2021-06-09T15:31:27.441" v="276" actId="20577"/>
-          <ac:spMkLst>
-            <pc:docMk/>
-            <pc:sldMk cId="3574827976" sldId="408"/>
-            <ac:spMk id="7" creationId="{AA7E18CE-9CDC-D041-AC86-C1E1DDDB4F0B}"/>
-          </ac:spMkLst>
-        </pc:spChg>
-        <pc:spChg chg="mod">
-          <ac:chgData name="Long B Nguyen" userId="f59fb8f3-a021-417a-8bc1-65c8d471c621" providerId="ADAL" clId="{4C2FC867-C2FC-8048-8952-4886924F1964}" dt="2021-06-09T15:31:25.190" v="271" actId="20577"/>
-          <ac:spMkLst>
-            <pc:docMk/>
-            <pc:sldMk cId="3574827976" sldId="408"/>
-            <ac:spMk id="9" creationId="{E3B2E017-30B2-884B-A113-B419A2ED51AD}"/>
-          </ac:spMkLst>
-        </pc:spChg>
-      </pc:sldChg>
-      <pc:sldChg chg="modSp mod">
-        <pc:chgData name="Long B Nguyen" userId="f59fb8f3-a021-417a-8bc1-65c8d471c621" providerId="ADAL" clId="{4C2FC867-C2FC-8048-8952-4886924F1964}" dt="2021-06-09T15:33:02.683" v="335" actId="20577"/>
-        <pc:sldMkLst>
-          <pc:docMk/>
-          <pc:sldMk cId="3264478660" sldId="409"/>
-        </pc:sldMkLst>
-        <pc:spChg chg="mod">
-          <ac:chgData name="Long B Nguyen" userId="f59fb8f3-a021-417a-8bc1-65c8d471c621" providerId="ADAL" clId="{4C2FC867-C2FC-8048-8952-4886924F1964}" dt="2021-06-09T15:33:02.683" v="335" actId="20577"/>
-          <ac:spMkLst>
-            <pc:docMk/>
-            <pc:sldMk cId="3264478660" sldId="409"/>
-            <ac:spMk id="9" creationId="{E3B2E017-30B2-884B-A113-B419A2ED51AD}"/>
-          </ac:spMkLst>
-        </pc:spChg>
-        <pc:cxnChg chg="mod">
-          <ac:chgData name="Long B Nguyen" userId="f59fb8f3-a021-417a-8bc1-65c8d471c621" providerId="ADAL" clId="{4C2FC867-C2FC-8048-8952-4886924F1964}" dt="2021-06-09T15:32:58.714" v="328" actId="1076"/>
-          <ac:cxnSpMkLst>
-            <pc:docMk/>
-            <pc:sldMk cId="3264478660" sldId="409"/>
-            <ac:cxnSpMk id="10" creationId="{6361E901-977C-3043-B3DB-2EDE6502F174}"/>
-          </ac:cxnSpMkLst>
-        </pc:cxnChg>
-      </pc:sldChg>
-      <pc:sldChg chg="addSp modSp mod">
-        <pc:chgData name="Long B Nguyen" userId="f59fb8f3-a021-417a-8bc1-65c8d471c621" providerId="ADAL" clId="{4C2FC867-C2FC-8048-8952-4886924F1964}" dt="2021-06-09T15:35:48.122" v="528" actId="255"/>
-        <pc:sldMkLst>
-          <pc:docMk/>
-          <pc:sldMk cId="1866381520" sldId="410"/>
-        </pc:sldMkLst>
-        <pc:spChg chg="mod">
-          <ac:chgData name="Long B Nguyen" userId="f59fb8f3-a021-417a-8bc1-65c8d471c621" providerId="ADAL" clId="{4C2FC867-C2FC-8048-8952-4886924F1964}" dt="2021-06-09T15:33:35.140" v="433" actId="20577"/>
-          <ac:spMkLst>
-            <pc:docMk/>
-            <pc:sldMk cId="1866381520" sldId="410"/>
-            <ac:spMk id="7" creationId="{AA7E18CE-9CDC-D041-AC86-C1E1DDDB4F0B}"/>
-          </ac:spMkLst>
-        </pc:spChg>
-        <pc:spChg chg="mod">
-          <ac:chgData name="Long B Nguyen" userId="f59fb8f3-a021-417a-8bc1-65c8d471c621" providerId="ADAL" clId="{4C2FC867-C2FC-8048-8952-4886924F1964}" dt="2021-06-09T15:35:48.122" v="528" actId="255"/>
-          <ac:spMkLst>
-            <pc:docMk/>
-            <pc:sldMk cId="1866381520" sldId="410"/>
-            <ac:spMk id="9" creationId="{E3B2E017-30B2-884B-A113-B419A2ED51AD}"/>
-          </ac:spMkLst>
-        </pc:spChg>
-        <pc:cxnChg chg="add mod">
-          <ac:chgData name="Long B Nguyen" userId="f59fb8f3-a021-417a-8bc1-65c8d471c621" providerId="ADAL" clId="{4C2FC867-C2FC-8048-8952-4886924F1964}" dt="2021-06-09T15:33:49.272" v="436" actId="14100"/>
-          <ac:cxnSpMkLst>
-            <pc:docMk/>
-            <pc:sldMk cId="1866381520" sldId="410"/>
-            <ac:cxnSpMk id="5" creationId="{0ABA6DE1-FF08-FD4A-ACAD-E9C8563058F2}"/>
-          </ac:cxnSpMkLst>
-        </pc:cxnChg>
-      </pc:sldChg>
-      <pc:sldChg chg="modSp mod">
-        <pc:chgData name="Long B Nguyen" userId="f59fb8f3-a021-417a-8bc1-65c8d471c621" providerId="ADAL" clId="{4C2FC867-C2FC-8048-8952-4886924F1964}" dt="2021-06-09T15:32:47.497" v="317" actId="1035"/>
-        <pc:sldMkLst>
-          <pc:docMk/>
-          <pc:sldMk cId="3445107113" sldId="411"/>
-        </pc:sldMkLst>
-        <pc:spChg chg="mod">
-          <ac:chgData name="Long B Nguyen" userId="f59fb8f3-a021-417a-8bc1-65c8d471c621" providerId="ADAL" clId="{4C2FC867-C2FC-8048-8952-4886924F1964}" dt="2021-06-09T15:32:30.304" v="303" actId="1076"/>
-          <ac:spMkLst>
-            <pc:docMk/>
-            <pc:sldMk cId="3445107113" sldId="411"/>
-            <ac:spMk id="7" creationId="{AA7E18CE-9CDC-D041-AC86-C1E1DDDB4F0B}"/>
-          </ac:spMkLst>
-        </pc:spChg>
-        <pc:spChg chg="mod">
-          <ac:chgData name="Long B Nguyen" userId="f59fb8f3-a021-417a-8bc1-65c8d471c621" providerId="ADAL" clId="{4C2FC867-C2FC-8048-8952-4886924F1964}" dt="2021-06-09T15:32:21.352" v="301" actId="20577"/>
-          <ac:spMkLst>
-            <pc:docMk/>
-            <pc:sldMk cId="3445107113" sldId="411"/>
-            <ac:spMk id="8" creationId="{D32F6971-737B-D044-955B-F9BE7D2D4B7B}"/>
-          </ac:spMkLst>
-        </pc:spChg>
-        <pc:spChg chg="mod">
-          <ac:chgData name="Long B Nguyen" userId="f59fb8f3-a021-417a-8bc1-65c8d471c621" providerId="ADAL" clId="{4C2FC867-C2FC-8048-8952-4886924F1964}" dt="2021-06-09T15:32:43.123" v="310" actId="20577"/>
-          <ac:spMkLst>
-            <pc:docMk/>
-            <pc:sldMk cId="3445107113" sldId="411"/>
-            <ac:spMk id="9" creationId="{E3B2E017-30B2-884B-A113-B419A2ED51AD}"/>
-          </ac:spMkLst>
-        </pc:spChg>
-        <pc:cxnChg chg="mod">
-          <ac:chgData name="Long B Nguyen" userId="f59fb8f3-a021-417a-8bc1-65c8d471c621" providerId="ADAL" clId="{4C2FC867-C2FC-8048-8952-4886924F1964}" dt="2021-06-09T15:32:47.497" v="317" actId="1035"/>
-          <ac:cxnSpMkLst>
-            <pc:docMk/>
-            <pc:sldMk cId="3445107113" sldId="411"/>
-            <ac:cxnSpMk id="10" creationId="{6361E901-977C-3043-B3DB-2EDE6502F174}"/>
           </ac:cxnSpMkLst>
         </pc:cxnChg>
       </pc:sldChg>
@@ -4097,7 +4235,7 @@
           <a:p>
             <a:fld id="{C7FAEDB2-35B7-DB4E-B759-62368E9476B1}" type="datetimeFigureOut">
               <a:rPr lang="en-US" smtClean="0"/>
-              <a:t>6/9/21</a:t>
+              <a:t>10/4/21</a:t>
             </a:fld>
             <a:endParaRPr lang="en-US"/>
           </a:p>
@@ -5307,7 +5445,7 @@
           <a:p>
             <a:fld id="{4AAD347D-5ACD-4C99-B74B-A9C85AD731AF}" type="datetimeFigureOut">
               <a:rPr lang="en-US" smtClean="0"/>
-              <a:t>6/9/21</a:t>
+              <a:t>10/4/21</a:t>
             </a:fld>
             <a:endParaRPr lang="en-US" dirty="0"/>
           </a:p>
@@ -5477,7 +5615,7 @@
           <a:p>
             <a:fld id="{4509A250-FF31-4206-8172-F9D3106AACB1}" type="datetimeFigureOut">
               <a:rPr lang="en-US" smtClean="0"/>
-              <a:t>6/9/21</a:t>
+              <a:t>10/4/21</a:t>
             </a:fld>
             <a:endParaRPr lang="en-US" dirty="0"/>
           </a:p>
@@ -5657,7 +5795,7 @@
           <a:p>
             <a:fld id="{4509A250-FF31-4206-8172-F9D3106AACB1}" type="datetimeFigureOut">
               <a:rPr lang="en-US" smtClean="0"/>
-              <a:t>6/9/21</a:t>
+              <a:t>10/4/21</a:t>
             </a:fld>
             <a:endParaRPr lang="en-US" dirty="0"/>
           </a:p>
@@ -5827,7 +5965,7 @@
           <a:p>
             <a:fld id="{4509A250-FF31-4206-8172-F9D3106AACB1}" type="datetimeFigureOut">
               <a:rPr lang="en-US" smtClean="0"/>
-              <a:t>6/9/21</a:t>
+              <a:t>10/4/21</a:t>
             </a:fld>
             <a:endParaRPr lang="en-US" dirty="0"/>
           </a:p>
@@ -6073,7 +6211,7 @@
           <a:p>
             <a:fld id="{9796027F-7875-4030-9381-8BD8C4F21935}" type="datetimeFigureOut">
               <a:rPr lang="en-US" smtClean="0"/>
-              <a:t>6/9/21</a:t>
+              <a:t>10/4/21</a:t>
             </a:fld>
             <a:endParaRPr lang="en-US" dirty="0"/>
           </a:p>
@@ -6305,7 +6443,7 @@
           <a:p>
             <a:fld id="{9796027F-7875-4030-9381-8BD8C4F21935}" type="datetimeFigureOut">
               <a:rPr lang="en-US" smtClean="0"/>
-              <a:t>6/9/21</a:t>
+              <a:t>10/4/21</a:t>
             </a:fld>
             <a:endParaRPr lang="en-US" dirty="0"/>
           </a:p>
@@ -6672,7 +6810,7 @@
           <a:p>
             <a:fld id="{9796027F-7875-4030-9381-8BD8C4F21935}" type="datetimeFigureOut">
               <a:rPr lang="en-US" smtClean="0"/>
-              <a:t>6/9/21</a:t>
+              <a:t>10/4/21</a:t>
             </a:fld>
             <a:endParaRPr lang="en-US" dirty="0"/>
           </a:p>
@@ -6790,7 +6928,7 @@
           <a:p>
             <a:fld id="{4509A250-FF31-4206-8172-F9D3106AACB1}" type="datetimeFigureOut">
               <a:rPr lang="en-US" smtClean="0"/>
-              <a:t>6/9/21</a:t>
+              <a:t>10/4/21</a:t>
             </a:fld>
             <a:endParaRPr lang="en-US" dirty="0"/>
           </a:p>
@@ -6885,7 +7023,7 @@
           <a:p>
             <a:fld id="{4509A250-FF31-4206-8172-F9D3106AACB1}" type="datetimeFigureOut">
               <a:rPr lang="en-US" smtClean="0"/>
-              <a:t>6/9/21</a:t>
+              <a:t>10/4/21</a:t>
             </a:fld>
             <a:endParaRPr lang="en-US" dirty="0"/>
           </a:p>
@@ -7162,7 +7300,7 @@
           <a:p>
             <a:fld id="{4509A250-FF31-4206-8172-F9D3106AACB1}" type="datetimeFigureOut">
               <a:rPr lang="en-US" smtClean="0"/>
-              <a:t>6/9/21</a:t>
+              <a:t>10/4/21</a:t>
             </a:fld>
             <a:endParaRPr lang="en-US" dirty="0"/>
           </a:p>
@@ -7419,7 +7557,7 @@
           <a:p>
             <a:fld id="{4509A250-FF31-4206-8172-F9D3106AACB1}" type="datetimeFigureOut">
               <a:rPr lang="en-US" smtClean="0"/>
-              <a:t>6/9/21</a:t>
+              <a:t>10/4/21</a:t>
             </a:fld>
             <a:endParaRPr lang="en-US" dirty="0"/>
           </a:p>
@@ -7632,7 +7770,7 @@
           <a:p>
             <a:fld id="{4AAD347D-5ACD-4C99-B74B-A9C85AD731AF}" type="datetimeFigureOut">
               <a:rPr lang="en-US" smtClean="0"/>
-              <a:t>6/9/21</a:t>
+              <a:t>10/4/21</a:t>
             </a:fld>
             <a:endParaRPr lang="en-US" dirty="0"/>
           </a:p>
@@ -9235,6 +9373,364 @@
   <p:clrMapOvr>
     <a:masterClrMapping/>
   </p:clrMapOvr>
+  <p:timing>
+    <p:tnLst>
+      <p:par>
+        <p:cTn id="1" dur="indefinite" restart="never" nodeType="tmRoot">
+          <p:childTnLst>
+            <p:seq concurrent="1" nextAc="seek">
+              <p:cTn id="2" dur="indefinite" nodeType="mainSeq">
+                <p:childTnLst>
+                  <p:par>
+                    <p:cTn id="3" fill="hold">
+                      <p:stCondLst>
+                        <p:cond delay="indefinite"/>
+                      </p:stCondLst>
+                      <p:childTnLst>
+                        <p:par>
+                          <p:cTn id="4" fill="hold">
+                            <p:stCondLst>
+                              <p:cond delay="0"/>
+                            </p:stCondLst>
+                            <p:childTnLst>
+                              <p:par>
+                                <p:cTn id="5" presetID="1" presetClass="entr" presetSubtype="0" fill="hold" nodeType="clickEffect">
+                                  <p:stCondLst>
+                                    <p:cond delay="0"/>
+                                  </p:stCondLst>
+                                  <p:childTnLst>
+                                    <p:set>
+                                      <p:cBhvr>
+                                        <p:cTn id="6" dur="1" fill="hold">
+                                          <p:stCondLst>
+                                            <p:cond delay="0"/>
+                                          </p:stCondLst>
+                                        </p:cTn>
+                                        <p:tgtEl>
+                                          <p:spTgt spid="9">
+                                            <p:txEl>
+                                              <p:pRg st="2" end="2"/>
+                                            </p:txEl>
+                                          </p:spTgt>
+                                        </p:tgtEl>
+                                        <p:attrNameLst>
+                                          <p:attrName>style.visibility</p:attrName>
+                                        </p:attrNameLst>
+                                      </p:cBhvr>
+                                      <p:to>
+                                        <p:strVal val="visible"/>
+                                      </p:to>
+                                    </p:set>
+                                  </p:childTnLst>
+                                </p:cTn>
+                              </p:par>
+                            </p:childTnLst>
+                          </p:cTn>
+                        </p:par>
+                      </p:childTnLst>
+                    </p:cTn>
+                  </p:par>
+                  <p:par>
+                    <p:cTn id="7" fill="hold">
+                      <p:stCondLst>
+                        <p:cond delay="indefinite"/>
+                      </p:stCondLst>
+                      <p:childTnLst>
+                        <p:par>
+                          <p:cTn id="8" fill="hold">
+                            <p:stCondLst>
+                              <p:cond delay="0"/>
+                            </p:stCondLst>
+                            <p:childTnLst>
+                              <p:par>
+                                <p:cTn id="9" presetID="1" presetClass="entr" presetSubtype="0" fill="hold" nodeType="clickEffect">
+                                  <p:stCondLst>
+                                    <p:cond delay="0"/>
+                                  </p:stCondLst>
+                                  <p:childTnLst>
+                                    <p:set>
+                                      <p:cBhvr>
+                                        <p:cTn id="10" dur="1" fill="hold">
+                                          <p:stCondLst>
+                                            <p:cond delay="0"/>
+                                          </p:stCondLst>
+                                        </p:cTn>
+                                        <p:tgtEl>
+                                          <p:spTgt spid="9">
+                                            <p:txEl>
+                                              <p:pRg st="4" end="4"/>
+                                            </p:txEl>
+                                          </p:spTgt>
+                                        </p:tgtEl>
+                                        <p:attrNameLst>
+                                          <p:attrName>style.visibility</p:attrName>
+                                        </p:attrNameLst>
+                                      </p:cBhvr>
+                                      <p:to>
+                                        <p:strVal val="visible"/>
+                                      </p:to>
+                                    </p:set>
+                                  </p:childTnLst>
+                                </p:cTn>
+                              </p:par>
+                              <p:par>
+                                <p:cTn id="11" presetID="1" presetClass="entr" presetSubtype="0" fill="hold" nodeType="withEffect">
+                                  <p:stCondLst>
+                                    <p:cond delay="0"/>
+                                  </p:stCondLst>
+                                  <p:childTnLst>
+                                    <p:set>
+                                      <p:cBhvr>
+                                        <p:cTn id="12" dur="1" fill="hold">
+                                          <p:stCondLst>
+                                            <p:cond delay="0"/>
+                                          </p:stCondLst>
+                                        </p:cTn>
+                                        <p:tgtEl>
+                                          <p:spTgt spid="9">
+                                            <p:txEl>
+                                              <p:pRg st="5" end="5"/>
+                                            </p:txEl>
+                                          </p:spTgt>
+                                        </p:tgtEl>
+                                        <p:attrNameLst>
+                                          <p:attrName>style.visibility</p:attrName>
+                                        </p:attrNameLst>
+                                      </p:cBhvr>
+                                      <p:to>
+                                        <p:strVal val="visible"/>
+                                      </p:to>
+                                    </p:set>
+                                  </p:childTnLst>
+                                </p:cTn>
+                              </p:par>
+                              <p:par>
+                                <p:cTn id="13" presetID="1" presetClass="entr" presetSubtype="0" fill="hold" nodeType="withEffect">
+                                  <p:stCondLst>
+                                    <p:cond delay="0"/>
+                                  </p:stCondLst>
+                                  <p:childTnLst>
+                                    <p:set>
+                                      <p:cBhvr>
+                                        <p:cTn id="14" dur="1" fill="hold">
+                                          <p:stCondLst>
+                                            <p:cond delay="0"/>
+                                          </p:stCondLst>
+                                        </p:cTn>
+                                        <p:tgtEl>
+                                          <p:spTgt spid="9">
+                                            <p:txEl>
+                                              <p:pRg st="6" end="6"/>
+                                            </p:txEl>
+                                          </p:spTgt>
+                                        </p:tgtEl>
+                                        <p:attrNameLst>
+                                          <p:attrName>style.visibility</p:attrName>
+                                        </p:attrNameLst>
+                                      </p:cBhvr>
+                                      <p:to>
+                                        <p:strVal val="visible"/>
+                                      </p:to>
+                                    </p:set>
+                                  </p:childTnLst>
+                                </p:cTn>
+                              </p:par>
+                              <p:par>
+                                <p:cTn id="15" presetID="1" presetClass="entr" presetSubtype="0" fill="hold" nodeType="withEffect">
+                                  <p:stCondLst>
+                                    <p:cond delay="0"/>
+                                  </p:stCondLst>
+                                  <p:childTnLst>
+                                    <p:set>
+                                      <p:cBhvr>
+                                        <p:cTn id="16" dur="1" fill="hold">
+                                          <p:stCondLst>
+                                            <p:cond delay="0"/>
+                                          </p:stCondLst>
+                                        </p:cTn>
+                                        <p:tgtEl>
+                                          <p:spTgt spid="9">
+                                            <p:txEl>
+                                              <p:pRg st="7" end="7"/>
+                                            </p:txEl>
+                                          </p:spTgt>
+                                        </p:tgtEl>
+                                        <p:attrNameLst>
+                                          <p:attrName>style.visibility</p:attrName>
+                                        </p:attrNameLst>
+                                      </p:cBhvr>
+                                      <p:to>
+                                        <p:strVal val="visible"/>
+                                      </p:to>
+                                    </p:set>
+                                  </p:childTnLst>
+                                </p:cTn>
+                              </p:par>
+                              <p:par>
+                                <p:cTn id="17" presetID="1" presetClass="entr" presetSubtype="0" fill="hold" nodeType="withEffect">
+                                  <p:stCondLst>
+                                    <p:cond delay="0"/>
+                                  </p:stCondLst>
+                                  <p:childTnLst>
+                                    <p:set>
+                                      <p:cBhvr>
+                                        <p:cTn id="18" dur="1" fill="hold">
+                                          <p:stCondLst>
+                                            <p:cond delay="0"/>
+                                          </p:stCondLst>
+                                        </p:cTn>
+                                        <p:tgtEl>
+                                          <p:spTgt spid="9">
+                                            <p:txEl>
+                                              <p:pRg st="8" end="8"/>
+                                            </p:txEl>
+                                          </p:spTgt>
+                                        </p:tgtEl>
+                                        <p:attrNameLst>
+                                          <p:attrName>style.visibility</p:attrName>
+                                        </p:attrNameLst>
+                                      </p:cBhvr>
+                                      <p:to>
+                                        <p:strVal val="visible"/>
+                                      </p:to>
+                                    </p:set>
+                                  </p:childTnLst>
+                                </p:cTn>
+                              </p:par>
+                              <p:par>
+                                <p:cTn id="19" presetID="1" presetClass="entr" presetSubtype="0" fill="hold" nodeType="withEffect">
+                                  <p:stCondLst>
+                                    <p:cond delay="0"/>
+                                  </p:stCondLst>
+                                  <p:childTnLst>
+                                    <p:set>
+                                      <p:cBhvr>
+                                        <p:cTn id="20" dur="1" fill="hold">
+                                          <p:stCondLst>
+                                            <p:cond delay="0"/>
+                                          </p:stCondLst>
+                                        </p:cTn>
+                                        <p:tgtEl>
+                                          <p:spTgt spid="9">
+                                            <p:txEl>
+                                              <p:pRg st="10" end="10"/>
+                                            </p:txEl>
+                                          </p:spTgt>
+                                        </p:tgtEl>
+                                        <p:attrNameLst>
+                                          <p:attrName>style.visibility</p:attrName>
+                                        </p:attrNameLst>
+                                      </p:cBhvr>
+                                      <p:to>
+                                        <p:strVal val="visible"/>
+                                      </p:to>
+                                    </p:set>
+                                  </p:childTnLst>
+                                </p:cTn>
+                              </p:par>
+                            </p:childTnLst>
+                          </p:cTn>
+                        </p:par>
+                      </p:childTnLst>
+                    </p:cTn>
+                  </p:par>
+                  <p:par>
+                    <p:cTn id="21" fill="hold">
+                      <p:stCondLst>
+                        <p:cond delay="indefinite"/>
+                      </p:stCondLst>
+                      <p:childTnLst>
+                        <p:par>
+                          <p:cTn id="22" fill="hold">
+                            <p:stCondLst>
+                              <p:cond delay="0"/>
+                            </p:stCondLst>
+                            <p:childTnLst>
+                              <p:par>
+                                <p:cTn id="23" presetID="1" presetClass="entr" presetSubtype="0" fill="hold" grpId="0" nodeType="clickEffect">
+                                  <p:stCondLst>
+                                    <p:cond delay="0"/>
+                                  </p:stCondLst>
+                                  <p:childTnLst>
+                                    <p:set>
+                                      <p:cBhvr>
+                                        <p:cTn id="24" dur="1" fill="hold">
+                                          <p:stCondLst>
+                                            <p:cond delay="0"/>
+                                          </p:stCondLst>
+                                        </p:cTn>
+                                        <p:tgtEl>
+                                          <p:spTgt spid="7"/>
+                                        </p:tgtEl>
+                                        <p:attrNameLst>
+                                          <p:attrName>style.visibility</p:attrName>
+                                        </p:attrNameLst>
+                                      </p:cBhvr>
+                                      <p:to>
+                                        <p:strVal val="visible"/>
+                                      </p:to>
+                                    </p:set>
+                                  </p:childTnLst>
+                                </p:cTn>
+                              </p:par>
+                              <p:par>
+                                <p:cTn id="25" presetID="1" presetClass="entr" presetSubtype="0" fill="hold" nodeType="withEffect">
+                                  <p:stCondLst>
+                                    <p:cond delay="0"/>
+                                  </p:stCondLst>
+                                  <p:childTnLst>
+                                    <p:set>
+                                      <p:cBhvr>
+                                        <p:cTn id="26" dur="1" fill="hold">
+                                          <p:stCondLst>
+                                            <p:cond delay="0"/>
+                                          </p:stCondLst>
+                                        </p:cTn>
+                                        <p:tgtEl>
+                                          <p:spTgt spid="10"/>
+                                        </p:tgtEl>
+                                        <p:attrNameLst>
+                                          <p:attrName>style.visibility</p:attrName>
+                                        </p:attrNameLst>
+                                      </p:cBhvr>
+                                      <p:to>
+                                        <p:strVal val="visible"/>
+                                      </p:to>
+                                    </p:set>
+                                  </p:childTnLst>
+                                </p:cTn>
+                              </p:par>
+                            </p:childTnLst>
+                          </p:cTn>
+                        </p:par>
+                      </p:childTnLst>
+                    </p:cTn>
+                  </p:par>
+                </p:childTnLst>
+              </p:cTn>
+              <p:prevCondLst>
+                <p:cond evt="onPrev" delay="0">
+                  <p:tgtEl>
+                    <p:sldTgt/>
+                  </p:tgtEl>
+                </p:cond>
+              </p:prevCondLst>
+              <p:nextCondLst>
+                <p:cond evt="onNext" delay="0">
+                  <p:tgtEl>
+                    <p:sldTgt/>
+                  </p:tgtEl>
+                </p:cond>
+              </p:nextCondLst>
+            </p:seq>
+          </p:childTnLst>
+        </p:cTn>
+      </p:par>
+    </p:tnLst>
+    <p:bldLst>
+      <p:bldP spid="7" grpId="0"/>
+    </p:bldLst>
+  </p:timing>
 </p:sld>
 </file>
 
@@ -9854,6 +10350,84 @@
   <p:clrMapOvr>
     <a:masterClrMapping/>
   </p:clrMapOvr>
+  <p:timing>
+    <p:tnLst>
+      <p:par>
+        <p:cTn id="1" dur="indefinite" restart="never" nodeType="tmRoot">
+          <p:childTnLst>
+            <p:seq concurrent="1" nextAc="seek">
+              <p:cTn id="2" dur="indefinite" nodeType="mainSeq">
+                <p:childTnLst>
+                  <p:par>
+                    <p:cTn id="3" fill="hold">
+                      <p:stCondLst>
+                        <p:cond delay="indefinite"/>
+                      </p:stCondLst>
+                      <p:childTnLst>
+                        <p:par>
+                          <p:cTn id="4" fill="hold">
+                            <p:stCondLst>
+                              <p:cond delay="0"/>
+                            </p:stCondLst>
+                            <p:childTnLst>
+                              <p:par>
+                                <p:cTn id="5" presetID="1" presetClass="entr" presetSubtype="0" fill="hold" grpId="0" nodeType="clickEffect">
+                                  <p:stCondLst>
+                                    <p:cond delay="0"/>
+                                  </p:stCondLst>
+                                  <p:childTnLst>
+                                    <p:set>
+                                      <p:cBhvr>
+                                        <p:cTn id="6" dur="1" fill="hold">
+                                          <p:stCondLst>
+                                            <p:cond delay="0"/>
+                                          </p:stCondLst>
+                                        </p:cTn>
+                                        <p:tgtEl>
+                                          <p:spTgt spid="8"/>
+                                        </p:tgtEl>
+                                        <p:attrNameLst>
+                                          <p:attrName>style.visibility</p:attrName>
+                                        </p:attrNameLst>
+                                      </p:cBhvr>
+                                      <p:to>
+                                        <p:strVal val="visible"/>
+                                      </p:to>
+                                    </p:set>
+                                  </p:childTnLst>
+                                </p:cTn>
+                              </p:par>
+                            </p:childTnLst>
+                          </p:cTn>
+                        </p:par>
+                      </p:childTnLst>
+                    </p:cTn>
+                  </p:par>
+                </p:childTnLst>
+              </p:cTn>
+              <p:prevCondLst>
+                <p:cond evt="onPrev" delay="0">
+                  <p:tgtEl>
+                    <p:sldTgt/>
+                  </p:tgtEl>
+                </p:cond>
+              </p:prevCondLst>
+              <p:nextCondLst>
+                <p:cond evt="onNext" delay="0">
+                  <p:tgtEl>
+                    <p:sldTgt/>
+                  </p:tgtEl>
+                </p:cond>
+              </p:nextCondLst>
+            </p:seq>
+          </p:childTnLst>
+        </p:cTn>
+      </p:par>
+    </p:tnLst>
+    <p:bldLst>
+      <p:bldP spid="8" grpId="0"/>
+    </p:bldLst>
+  </p:timing>
 </p:sld>
 </file>
 
@@ -10878,6 +11452,133 @@
   <p:clrMapOvr>
     <a:masterClrMapping/>
   </p:clrMapOvr>
+  <p:timing>
+    <p:tnLst>
+      <p:par>
+        <p:cTn id="1" dur="indefinite" restart="never" nodeType="tmRoot">
+          <p:childTnLst>
+            <p:seq concurrent="1" nextAc="seek">
+              <p:cTn id="2" dur="indefinite" nodeType="mainSeq">
+                <p:childTnLst>
+                  <p:par>
+                    <p:cTn id="3" fill="hold">
+                      <p:stCondLst>
+                        <p:cond delay="indefinite"/>
+                      </p:stCondLst>
+                      <p:childTnLst>
+                        <p:par>
+                          <p:cTn id="4" fill="hold">
+                            <p:stCondLst>
+                              <p:cond delay="0"/>
+                            </p:stCondLst>
+                            <p:childTnLst>
+                              <p:par>
+                                <p:cTn id="5" presetID="1" presetClass="entr" presetSubtype="0" fill="hold" grpId="0" nodeType="clickEffect">
+                                  <p:stCondLst>
+                                    <p:cond delay="0"/>
+                                  </p:stCondLst>
+                                  <p:childTnLst>
+                                    <p:set>
+                                      <p:cBhvr>
+                                        <p:cTn id="6" dur="1" fill="hold">
+                                          <p:stCondLst>
+                                            <p:cond delay="0"/>
+                                          </p:stCondLst>
+                                        </p:cTn>
+                                        <p:tgtEl>
+                                          <p:spTgt spid="7"/>
+                                        </p:tgtEl>
+                                        <p:attrNameLst>
+                                          <p:attrName>style.visibility</p:attrName>
+                                        </p:attrNameLst>
+                                      </p:cBhvr>
+                                      <p:to>
+                                        <p:strVal val="visible"/>
+                                      </p:to>
+                                    </p:set>
+                                  </p:childTnLst>
+                                </p:cTn>
+                              </p:par>
+                            </p:childTnLst>
+                          </p:cTn>
+                        </p:par>
+                      </p:childTnLst>
+                    </p:cTn>
+                  </p:par>
+                  <p:par>
+                    <p:cTn id="7" fill="hold">
+                      <p:stCondLst>
+                        <p:cond delay="indefinite"/>
+                      </p:stCondLst>
+                      <p:childTnLst>
+                        <p:par>
+                          <p:cTn id="8" fill="hold">
+                            <p:stCondLst>
+                              <p:cond delay="0"/>
+                            </p:stCondLst>
+                            <p:childTnLst>
+                              <p:par>
+                                <p:cTn id="9" presetID="1" presetClass="entr" presetSubtype="0" fill="hold" nodeType="clickEffect">
+                                  <p:stCondLst>
+                                    <p:cond delay="0"/>
+                                  </p:stCondLst>
+                                  <p:childTnLst>
+                                    <p:set>
+                                      <p:cBhvr>
+                                        <p:cTn id="10" dur="1" fill="hold">
+                                          <p:stCondLst>
+                                            <p:cond delay="0"/>
+                                          </p:stCondLst>
+                                        </p:cTn>
+                                        <p:tgtEl>
+                                          <p:spTgt spid="9">
+                                            <p:txEl>
+                                              <p:pRg st="13" end="13"/>
+                                            </p:txEl>
+                                          </p:spTgt>
+                                        </p:tgtEl>
+                                        <p:attrNameLst>
+                                          <p:attrName>style.visibility</p:attrName>
+                                        </p:attrNameLst>
+                                      </p:cBhvr>
+                                      <p:to>
+                                        <p:strVal val="visible"/>
+                                      </p:to>
+                                    </p:set>
+                                  </p:childTnLst>
+                                </p:cTn>
+                              </p:par>
+                            </p:childTnLst>
+                          </p:cTn>
+                        </p:par>
+                      </p:childTnLst>
+                    </p:cTn>
+                  </p:par>
+                </p:childTnLst>
+              </p:cTn>
+              <p:prevCondLst>
+                <p:cond evt="onPrev" delay="0">
+                  <p:tgtEl>
+                    <p:sldTgt/>
+                  </p:tgtEl>
+                </p:cond>
+              </p:prevCondLst>
+              <p:nextCondLst>
+                <p:cond evt="onNext" delay="0">
+                  <p:tgtEl>
+                    <p:sldTgt/>
+                  </p:tgtEl>
+                </p:cond>
+              </p:nextCondLst>
+            </p:seq>
+          </p:childTnLst>
+        </p:cTn>
+      </p:par>
+    </p:tnLst>
+    <p:bldLst>
+      <p:bldP spid="7" grpId="0"/>
+    </p:bldLst>
+  </p:timing>
 </p:sld>
 </file>
 
@@ -11201,41 +11902,6 @@
                 <a:latin typeface="Inconsolata" panose="020B0609030003000000" pitchFamily="49" charset="77"/>
               </a:rPr>
               <a:t># too many arguments </a:t>
-            </a:r>
-          </a:p>
-          <a:p>
-            <a:pPr marL="0" indent="0">
-              <a:buNone/>
-            </a:pPr>
-            <a:r>
-              <a:rPr lang="en-US" b="1" dirty="0">
-                <a:solidFill>
-                  <a:srgbClr val="000087"/>
-                </a:solidFill>
-                <a:latin typeface="Inconsolata" panose="020B0609030003000000" pitchFamily="49" charset="77"/>
-              </a:rPr>
-              <a:t>add</a:t>
-            </a:r>
-            <a:r>
-              <a:rPr lang="en-US" b="1" dirty="0">
-                <a:latin typeface="Inconsolata" panose="020B0609030003000000" pitchFamily="49" charset="77"/>
-              </a:rPr>
-              <a:t>(</a:t>
-            </a:r>
-            <a:r>
-              <a:rPr lang="en-US" b="1" dirty="0">
-                <a:solidFill>
-                  <a:srgbClr val="FF6600"/>
-                </a:solidFill>
-                <a:latin typeface="Inconsolata" panose="020B0609030003000000" pitchFamily="49" charset="77"/>
-              </a:rPr>
-              <a:t>2, 4</a:t>
-            </a:r>
-            <a:r>
-              <a:rPr lang="en-US" b="1" dirty="0">
-                <a:latin typeface="Inconsolata" panose="020B0609030003000000" pitchFamily="49" charset="77"/>
-              </a:rPr>
-              <a:t>)			</a:t>
             </a:r>
           </a:p>
           <a:p>
@@ -12093,55 +12759,6 @@
                       </p:childTnLst>
                     </p:cTn>
                   </p:par>
-                  <p:par>
-                    <p:cTn id="45" fill="hold">
-                      <p:stCondLst>
-                        <p:cond delay="indefinite"/>
-                      </p:stCondLst>
-                      <p:childTnLst>
-                        <p:par>
-                          <p:cTn id="46" fill="hold">
-                            <p:stCondLst>
-                              <p:cond delay="0"/>
-                            </p:stCondLst>
-                            <p:childTnLst>
-                              <p:par>
-                                <p:cTn id="47" presetID="1" presetClass="entr" presetSubtype="0" fill="hold" nodeType="clickEffect">
-                                  <p:stCondLst>
-                                    <p:cond delay="0"/>
-                                  </p:stCondLst>
-                                  <p:childTnLst>
-                                    <p:set>
-                                      <p:cBhvr>
-                                        <p:cTn id="48" dur="1" fill="hold">
-                                          <p:stCondLst>
-                                            <p:cond delay="0"/>
-                                          </p:stCondLst>
-                                        </p:cTn>
-                                        <p:tgtEl>
-                                          <p:spTgt spid="9">
-                                            <p:txEl>
-                                              <p:pRg st="9" end="9"/>
-                                            </p:txEl>
-                                          </p:spTgt>
-                                        </p:tgtEl>
-                                        <p:attrNameLst>
-                                          <p:attrName>style.visibility</p:attrName>
-                                        </p:attrNameLst>
-                                      </p:cBhvr>
-                                      <p:to>
-                                        <p:strVal val="visible"/>
-                                      </p:to>
-                                    </p:set>
-                                  </p:childTnLst>
-                                </p:cTn>
-                              </p:par>
-                            </p:childTnLst>
-                          </p:cTn>
-                        </p:par>
-                      </p:childTnLst>
-                    </p:cTn>
-                  </p:par>
                 </p:childTnLst>
               </p:cTn>
               <p:prevCondLst>
@@ -13300,17 +13917,26 @@
                 </a:solidFill>
                 <a:latin typeface="Inconsolata" panose="020B0609030003000000" pitchFamily="49" charset="77"/>
               </a:rPr>
-              <a:t>			# this value is lost! This is a common error!</a:t>
-            </a:r>
-          </a:p>
-          <a:p>
-            <a:pPr marL="0" indent="0">
-              <a:buNone/>
-            </a:pPr>
+              <a:t>			</a:t>
+            </a:r>
             <a:r>
               <a:rPr lang="en-US" b="1" dirty="0">
                 <a:solidFill>
-                  <a:schemeClr val="accent1"/>
+                  <a:srgbClr val="FF0000"/>
+                </a:solidFill>
+                <a:latin typeface="Inconsolata" panose="020B0609030003000000" pitchFamily="49" charset="77"/>
+              </a:rPr>
+              <a:t># this value is lost! This is a common error!</a:t>
+            </a:r>
+          </a:p>
+          <a:p>
+            <a:pPr marL="0" indent="0">
+              <a:buNone/>
+            </a:pPr>
+            <a:r>
+              <a:rPr lang="en-US" b="1" dirty="0">
+                <a:solidFill>
+                  <a:srgbClr val="FF0000"/>
                 </a:solidFill>
                 <a:latin typeface="Inconsolata" panose="020B0609030003000000" pitchFamily="49" charset="77"/>
               </a:rPr>
@@ -16674,38 +17300,7 @@
                                         <p:tgtEl>
                                           <p:spTgt spid="9">
                                             <p:txEl>
-                                              <p:pRg st="2" end="2"/>
-                                            </p:txEl>
-                                          </p:spTgt>
-                                        </p:tgtEl>
-                                        <p:attrNameLst>
-                                          <p:attrName>style.visibility</p:attrName>
-                                        </p:attrNameLst>
-                                      </p:cBhvr>
-                                      <p:to>
-                                        <p:strVal val="visible"/>
-                                      </p:to>
-                                    </p:set>
-                                  </p:childTnLst>
-                                </p:cTn>
-                              </p:par>
-                              <p:par>
-                                <p:cTn id="7" presetID="1" presetClass="entr" presetSubtype="0" fill="hold" nodeType="withEffect">
-                                  <p:stCondLst>
-                                    <p:cond delay="0"/>
-                                  </p:stCondLst>
-                                  <p:childTnLst>
-                                    <p:set>
-                                      <p:cBhvr>
-                                        <p:cTn id="8" dur="1" fill="hold">
-                                          <p:stCondLst>
-                                            <p:cond delay="0"/>
-                                          </p:stCondLst>
-                                        </p:cTn>
-                                        <p:tgtEl>
-                                          <p:spTgt spid="9">
-                                            <p:txEl>
-                                              <p:pRg st="3" end="3"/>
+                                              <p:pRg st="6" end="6"/>
                                             </p:txEl>
                                           </p:spTgt>
                                         </p:tgtEl>
@@ -16727,19 +17322,46 @@
                     </p:cTn>
                   </p:par>
                   <p:par>
-                    <p:cTn id="9" fill="hold">
+                    <p:cTn id="7" fill="hold">
                       <p:stCondLst>
                         <p:cond delay="indefinite"/>
                       </p:stCondLst>
                       <p:childTnLst>
                         <p:par>
-                          <p:cTn id="10" fill="hold">
+                          <p:cTn id="8" fill="hold">
                             <p:stCondLst>
                               <p:cond delay="0"/>
                             </p:stCondLst>
                             <p:childTnLst>
                               <p:par>
-                                <p:cTn id="11" presetID="1" presetClass="entr" presetSubtype="0" fill="hold" nodeType="clickEffect">
+                                <p:cTn id="9" presetID="1" presetClass="entr" presetSubtype="0" fill="hold" nodeType="clickEffect">
+                                  <p:stCondLst>
+                                    <p:cond delay="0"/>
+                                  </p:stCondLst>
+                                  <p:childTnLst>
+                                    <p:set>
+                                      <p:cBhvr>
+                                        <p:cTn id="10" dur="1" fill="hold">
+                                          <p:stCondLst>
+                                            <p:cond delay="0"/>
+                                          </p:stCondLst>
+                                        </p:cTn>
+                                        <p:tgtEl>
+                                          <p:spTgt spid="6"/>
+                                        </p:tgtEl>
+                                        <p:attrNameLst>
+                                          <p:attrName>style.visibility</p:attrName>
+                                        </p:attrNameLst>
+                                      </p:cBhvr>
+                                      <p:to>
+                                        <p:strVal val="visible"/>
+                                      </p:to>
+                                    </p:set>
+                                  </p:childTnLst>
+                                </p:cTn>
+                              </p:par>
+                              <p:par>
+                                <p:cTn id="11" presetID="1" presetClass="entr" presetSubtype="0" fill="hold" grpId="0" nodeType="withEffect">
                                   <p:stCondLst>
                                     <p:cond delay="0"/>
                                   </p:stCondLst>
@@ -16752,11 +17374,7 @@
                                           </p:stCondLst>
                                         </p:cTn>
                                         <p:tgtEl>
-                                          <p:spTgt spid="9">
-                                            <p:txEl>
-                                              <p:pRg st="5" end="5"/>
-                                            </p:txEl>
-                                          </p:spTgt>
+                                          <p:spTgt spid="11"/>
                                         </p:tgtEl>
                                         <p:attrNameLst>
                                           <p:attrName>style.visibility</p:attrName>
@@ -16796,127 +17414,6 @@
                                     <p:set>
                                       <p:cBhvr>
                                         <p:cTn id="16" dur="1" fill="hold">
-                                          <p:stCondLst>
-                                            <p:cond delay="0"/>
-                                          </p:stCondLst>
-                                        </p:cTn>
-                                        <p:tgtEl>
-                                          <p:spTgt spid="9">
-                                            <p:txEl>
-                                              <p:pRg st="6" end="6"/>
-                                            </p:txEl>
-                                          </p:spTgt>
-                                        </p:tgtEl>
-                                        <p:attrNameLst>
-                                          <p:attrName>style.visibility</p:attrName>
-                                        </p:attrNameLst>
-                                      </p:cBhvr>
-                                      <p:to>
-                                        <p:strVal val="visible"/>
-                                      </p:to>
-                                    </p:set>
-                                  </p:childTnLst>
-                                </p:cTn>
-                              </p:par>
-                            </p:childTnLst>
-                          </p:cTn>
-                        </p:par>
-                      </p:childTnLst>
-                    </p:cTn>
-                  </p:par>
-                  <p:par>
-                    <p:cTn id="17" fill="hold">
-                      <p:stCondLst>
-                        <p:cond delay="indefinite"/>
-                      </p:stCondLst>
-                      <p:childTnLst>
-                        <p:par>
-                          <p:cTn id="18" fill="hold">
-                            <p:stCondLst>
-                              <p:cond delay="0"/>
-                            </p:stCondLst>
-                            <p:childTnLst>
-                              <p:par>
-                                <p:cTn id="19" presetID="1" presetClass="entr" presetSubtype="0" fill="hold" nodeType="clickEffect">
-                                  <p:stCondLst>
-                                    <p:cond delay="0"/>
-                                  </p:stCondLst>
-                                  <p:childTnLst>
-                                    <p:set>
-                                      <p:cBhvr>
-                                        <p:cTn id="20" dur="1" fill="hold">
-                                          <p:stCondLst>
-                                            <p:cond delay="0"/>
-                                          </p:stCondLst>
-                                        </p:cTn>
-                                        <p:tgtEl>
-                                          <p:spTgt spid="6"/>
-                                        </p:tgtEl>
-                                        <p:attrNameLst>
-                                          <p:attrName>style.visibility</p:attrName>
-                                        </p:attrNameLst>
-                                      </p:cBhvr>
-                                      <p:to>
-                                        <p:strVal val="visible"/>
-                                      </p:to>
-                                    </p:set>
-                                  </p:childTnLst>
-                                </p:cTn>
-                              </p:par>
-                              <p:par>
-                                <p:cTn id="21" presetID="1" presetClass="entr" presetSubtype="0" fill="hold" grpId="0" nodeType="withEffect">
-                                  <p:stCondLst>
-                                    <p:cond delay="0"/>
-                                  </p:stCondLst>
-                                  <p:childTnLst>
-                                    <p:set>
-                                      <p:cBhvr>
-                                        <p:cTn id="22" dur="1" fill="hold">
-                                          <p:stCondLst>
-                                            <p:cond delay="0"/>
-                                          </p:stCondLst>
-                                        </p:cTn>
-                                        <p:tgtEl>
-                                          <p:spTgt spid="11"/>
-                                        </p:tgtEl>
-                                        <p:attrNameLst>
-                                          <p:attrName>style.visibility</p:attrName>
-                                        </p:attrNameLst>
-                                      </p:cBhvr>
-                                      <p:to>
-                                        <p:strVal val="visible"/>
-                                      </p:to>
-                                    </p:set>
-                                  </p:childTnLst>
-                                </p:cTn>
-                              </p:par>
-                            </p:childTnLst>
-                          </p:cTn>
-                        </p:par>
-                      </p:childTnLst>
-                    </p:cTn>
-                  </p:par>
-                  <p:par>
-                    <p:cTn id="23" fill="hold">
-                      <p:stCondLst>
-                        <p:cond delay="indefinite"/>
-                      </p:stCondLst>
-                      <p:childTnLst>
-                        <p:par>
-                          <p:cTn id="24" fill="hold">
-                            <p:stCondLst>
-                              <p:cond delay="0"/>
-                            </p:stCondLst>
-                            <p:childTnLst>
-                              <p:par>
-                                <p:cTn id="25" presetID="1" presetClass="entr" presetSubtype="0" fill="hold" nodeType="clickEffect">
-                                  <p:stCondLst>
-                                    <p:cond delay="0"/>
-                                  </p:stCondLst>
-                                  <p:childTnLst>
-                                    <p:set>
-                                      <p:cBhvr>
-                                        <p:cTn id="26" dur="1" fill="hold">
                                           <p:stCondLst>
                                             <p:cond delay="0"/>
                                           </p:stCondLst>
@@ -17533,38 +18030,7 @@
                                         <p:tgtEl>
                                           <p:spTgt spid="9">
                                             <p:txEl>
-                                              <p:pRg st="2" end="2"/>
-                                            </p:txEl>
-                                          </p:spTgt>
-                                        </p:tgtEl>
-                                        <p:attrNameLst>
-                                          <p:attrName>style.visibility</p:attrName>
-                                        </p:attrNameLst>
-                                      </p:cBhvr>
-                                      <p:to>
-                                        <p:strVal val="visible"/>
-                                      </p:to>
-                                    </p:set>
-                                  </p:childTnLst>
-                                </p:cTn>
-                              </p:par>
-                              <p:par>
-                                <p:cTn id="7" presetID="1" presetClass="entr" presetSubtype="0" fill="hold" nodeType="withEffect">
-                                  <p:stCondLst>
-                                    <p:cond delay="0"/>
-                                  </p:stCondLst>
-                                  <p:childTnLst>
-                                    <p:set>
-                                      <p:cBhvr>
-                                        <p:cTn id="8" dur="1" fill="hold">
-                                          <p:stCondLst>
-                                            <p:cond delay="0"/>
-                                          </p:stCondLst>
-                                        </p:cTn>
-                                        <p:tgtEl>
-                                          <p:spTgt spid="9">
-                                            <p:txEl>
-                                              <p:pRg st="3" end="3"/>
+                                              <p:pRg st="7" end="7"/>
                                             </p:txEl>
                                           </p:spTgt>
                                         </p:tgtEl>
@@ -17586,19 +18052,46 @@
                     </p:cTn>
                   </p:par>
                   <p:par>
-                    <p:cTn id="9" fill="hold">
+                    <p:cTn id="7" fill="hold">
                       <p:stCondLst>
                         <p:cond delay="indefinite"/>
                       </p:stCondLst>
                       <p:childTnLst>
                         <p:par>
-                          <p:cTn id="10" fill="hold">
+                          <p:cTn id="8" fill="hold">
                             <p:stCondLst>
                               <p:cond delay="0"/>
                             </p:stCondLst>
                             <p:childTnLst>
                               <p:par>
-                                <p:cTn id="11" presetID="1" presetClass="entr" presetSubtype="0" fill="hold" nodeType="clickEffect">
+                                <p:cTn id="9" presetID="1" presetClass="entr" presetSubtype="0" fill="hold" nodeType="clickEffect">
+                                  <p:stCondLst>
+                                    <p:cond delay="0"/>
+                                  </p:stCondLst>
+                                  <p:childTnLst>
+                                    <p:set>
+                                      <p:cBhvr>
+                                        <p:cTn id="10" dur="1" fill="hold">
+                                          <p:stCondLst>
+                                            <p:cond delay="0"/>
+                                          </p:stCondLst>
+                                        </p:cTn>
+                                        <p:tgtEl>
+                                          <p:spTgt spid="6"/>
+                                        </p:tgtEl>
+                                        <p:attrNameLst>
+                                          <p:attrName>style.visibility</p:attrName>
+                                        </p:attrNameLst>
+                                      </p:cBhvr>
+                                      <p:to>
+                                        <p:strVal val="visible"/>
+                                      </p:to>
+                                    </p:set>
+                                  </p:childTnLst>
+                                </p:cTn>
+                              </p:par>
+                              <p:par>
+                                <p:cTn id="11" presetID="1" presetClass="entr" presetSubtype="0" fill="hold" grpId="0" nodeType="withEffect">
                                   <p:stCondLst>
                                     <p:cond delay="0"/>
                                   </p:stCondLst>
@@ -17611,11 +18104,7 @@
                                           </p:stCondLst>
                                         </p:cTn>
                                         <p:tgtEl>
-                                          <p:spTgt spid="9">
-                                            <p:txEl>
-                                              <p:pRg st="5" end="5"/>
-                                            </p:txEl>
-                                          </p:spTgt>
+                                          <p:spTgt spid="11"/>
                                         </p:tgtEl>
                                         <p:attrNameLst>
                                           <p:attrName>style.visibility</p:attrName>
@@ -17655,176 +18144,6 @@
                                     <p:set>
                                       <p:cBhvr>
                                         <p:cTn id="16" dur="1" fill="hold">
-                                          <p:stCondLst>
-                                            <p:cond delay="0"/>
-                                          </p:stCondLst>
-                                        </p:cTn>
-                                        <p:tgtEl>
-                                          <p:spTgt spid="9">
-                                            <p:txEl>
-                                              <p:pRg st="6" end="6"/>
-                                            </p:txEl>
-                                          </p:spTgt>
-                                        </p:tgtEl>
-                                        <p:attrNameLst>
-                                          <p:attrName>style.visibility</p:attrName>
-                                        </p:attrNameLst>
-                                      </p:cBhvr>
-                                      <p:to>
-                                        <p:strVal val="visible"/>
-                                      </p:to>
-                                    </p:set>
-                                  </p:childTnLst>
-                                </p:cTn>
-                              </p:par>
-                            </p:childTnLst>
-                          </p:cTn>
-                        </p:par>
-                      </p:childTnLst>
-                    </p:cTn>
-                  </p:par>
-                  <p:par>
-                    <p:cTn id="17" fill="hold">
-                      <p:stCondLst>
-                        <p:cond delay="indefinite"/>
-                      </p:stCondLst>
-                      <p:childTnLst>
-                        <p:par>
-                          <p:cTn id="18" fill="hold">
-                            <p:stCondLst>
-                              <p:cond delay="0"/>
-                            </p:stCondLst>
-                            <p:childTnLst>
-                              <p:par>
-                                <p:cTn id="19" presetID="1" presetClass="entr" presetSubtype="0" fill="hold" nodeType="clickEffect">
-                                  <p:stCondLst>
-                                    <p:cond delay="0"/>
-                                  </p:stCondLst>
-                                  <p:childTnLst>
-                                    <p:set>
-                                      <p:cBhvr>
-                                        <p:cTn id="20" dur="1" fill="hold">
-                                          <p:stCondLst>
-                                            <p:cond delay="0"/>
-                                          </p:stCondLst>
-                                        </p:cTn>
-                                        <p:tgtEl>
-                                          <p:spTgt spid="9">
-                                            <p:txEl>
-                                              <p:pRg st="7" end="7"/>
-                                            </p:txEl>
-                                          </p:spTgt>
-                                        </p:tgtEl>
-                                        <p:attrNameLst>
-                                          <p:attrName>style.visibility</p:attrName>
-                                        </p:attrNameLst>
-                                      </p:cBhvr>
-                                      <p:to>
-                                        <p:strVal val="visible"/>
-                                      </p:to>
-                                    </p:set>
-                                  </p:childTnLst>
-                                </p:cTn>
-                              </p:par>
-                            </p:childTnLst>
-                          </p:cTn>
-                        </p:par>
-                      </p:childTnLst>
-                    </p:cTn>
-                  </p:par>
-                  <p:par>
-                    <p:cTn id="21" fill="hold">
-                      <p:stCondLst>
-                        <p:cond delay="indefinite"/>
-                      </p:stCondLst>
-                      <p:childTnLst>
-                        <p:par>
-                          <p:cTn id="22" fill="hold">
-                            <p:stCondLst>
-                              <p:cond delay="0"/>
-                            </p:stCondLst>
-                            <p:childTnLst>
-                              <p:par>
-                                <p:cTn id="23" presetID="1" presetClass="entr" presetSubtype="0" fill="hold" nodeType="clickEffect">
-                                  <p:stCondLst>
-                                    <p:cond delay="0"/>
-                                  </p:stCondLst>
-                                  <p:childTnLst>
-                                    <p:set>
-                                      <p:cBhvr>
-                                        <p:cTn id="24" dur="1" fill="hold">
-                                          <p:stCondLst>
-                                            <p:cond delay="0"/>
-                                          </p:stCondLst>
-                                        </p:cTn>
-                                        <p:tgtEl>
-                                          <p:spTgt spid="6"/>
-                                        </p:tgtEl>
-                                        <p:attrNameLst>
-                                          <p:attrName>style.visibility</p:attrName>
-                                        </p:attrNameLst>
-                                      </p:cBhvr>
-                                      <p:to>
-                                        <p:strVal val="visible"/>
-                                      </p:to>
-                                    </p:set>
-                                  </p:childTnLst>
-                                </p:cTn>
-                              </p:par>
-                              <p:par>
-                                <p:cTn id="25" presetID="1" presetClass="entr" presetSubtype="0" fill="hold" grpId="0" nodeType="withEffect">
-                                  <p:stCondLst>
-                                    <p:cond delay="0"/>
-                                  </p:stCondLst>
-                                  <p:childTnLst>
-                                    <p:set>
-                                      <p:cBhvr>
-                                        <p:cTn id="26" dur="1" fill="hold">
-                                          <p:stCondLst>
-                                            <p:cond delay="0"/>
-                                          </p:stCondLst>
-                                        </p:cTn>
-                                        <p:tgtEl>
-                                          <p:spTgt spid="11"/>
-                                        </p:tgtEl>
-                                        <p:attrNameLst>
-                                          <p:attrName>style.visibility</p:attrName>
-                                        </p:attrNameLst>
-                                      </p:cBhvr>
-                                      <p:to>
-                                        <p:strVal val="visible"/>
-                                      </p:to>
-                                    </p:set>
-                                  </p:childTnLst>
-                                </p:cTn>
-                              </p:par>
-                            </p:childTnLst>
-                          </p:cTn>
-                        </p:par>
-                      </p:childTnLst>
-                    </p:cTn>
-                  </p:par>
-                  <p:par>
-                    <p:cTn id="27" fill="hold">
-                      <p:stCondLst>
-                        <p:cond delay="indefinite"/>
-                      </p:stCondLst>
-                      <p:childTnLst>
-                        <p:par>
-                          <p:cTn id="28" fill="hold">
-                            <p:stCondLst>
-                              <p:cond delay="0"/>
-                            </p:stCondLst>
-                            <p:childTnLst>
-                              <p:par>
-                                <p:cTn id="29" presetID="1" presetClass="entr" presetSubtype="0" fill="hold" nodeType="clickEffect">
-                                  <p:stCondLst>
-                                    <p:cond delay="0"/>
-                                  </p:stCondLst>
-                                  <p:childTnLst>
-                                    <p:set>
-                                      <p:cBhvr>
-                                        <p:cTn id="30" dur="1" fill="hold">
                                           <p:stCondLst>
                                             <p:cond delay="0"/>
                                           </p:stCondLst>
@@ -18521,38 +18840,7 @@
                                         <p:tgtEl>
                                           <p:spTgt spid="9">
                                             <p:txEl>
-                                              <p:pRg st="2" end="2"/>
-                                            </p:txEl>
-                                          </p:spTgt>
-                                        </p:tgtEl>
-                                        <p:attrNameLst>
-                                          <p:attrName>style.visibility</p:attrName>
-                                        </p:attrNameLst>
-                                      </p:cBhvr>
-                                      <p:to>
-                                        <p:strVal val="visible"/>
-                                      </p:to>
-                                    </p:set>
-                                  </p:childTnLst>
-                                </p:cTn>
-                              </p:par>
-                              <p:par>
-                                <p:cTn id="7" presetID="1" presetClass="entr" presetSubtype="0" fill="hold" nodeType="withEffect">
-                                  <p:stCondLst>
-                                    <p:cond delay="0"/>
-                                  </p:stCondLst>
-                                  <p:childTnLst>
-                                    <p:set>
-                                      <p:cBhvr>
-                                        <p:cTn id="8" dur="1" fill="hold">
-                                          <p:stCondLst>
-                                            <p:cond delay="0"/>
-                                          </p:stCondLst>
-                                        </p:cTn>
-                                        <p:tgtEl>
-                                          <p:spTgt spid="9">
-                                            <p:txEl>
-                                              <p:pRg st="3" end="3"/>
+                                              <p:pRg st="8" end="8"/>
                                             </p:txEl>
                                           </p:spTgt>
                                         </p:tgtEl>
@@ -18574,19 +18862,46 @@
                     </p:cTn>
                   </p:par>
                   <p:par>
-                    <p:cTn id="9" fill="hold">
+                    <p:cTn id="7" fill="hold">
                       <p:stCondLst>
                         <p:cond delay="indefinite"/>
                       </p:stCondLst>
                       <p:childTnLst>
                         <p:par>
-                          <p:cTn id="10" fill="hold">
+                          <p:cTn id="8" fill="hold">
                             <p:stCondLst>
                               <p:cond delay="0"/>
                             </p:stCondLst>
                             <p:childTnLst>
                               <p:par>
-                                <p:cTn id="11" presetID="1" presetClass="entr" presetSubtype="0" fill="hold" nodeType="clickEffect">
+                                <p:cTn id="9" presetID="1" presetClass="entr" presetSubtype="0" fill="hold" nodeType="clickEffect">
+                                  <p:stCondLst>
+                                    <p:cond delay="0"/>
+                                  </p:stCondLst>
+                                  <p:childTnLst>
+                                    <p:set>
+                                      <p:cBhvr>
+                                        <p:cTn id="10" dur="1" fill="hold">
+                                          <p:stCondLst>
+                                            <p:cond delay="0"/>
+                                          </p:stCondLst>
+                                        </p:cTn>
+                                        <p:tgtEl>
+                                          <p:spTgt spid="6"/>
+                                        </p:tgtEl>
+                                        <p:attrNameLst>
+                                          <p:attrName>style.visibility</p:attrName>
+                                        </p:attrNameLst>
+                                      </p:cBhvr>
+                                      <p:to>
+                                        <p:strVal val="visible"/>
+                                      </p:to>
+                                    </p:set>
+                                  </p:childTnLst>
+                                </p:cTn>
+                              </p:par>
+                              <p:par>
+                                <p:cTn id="11" presetID="1" presetClass="entr" presetSubtype="0" fill="hold" grpId="0" nodeType="withEffect">
                                   <p:stCondLst>
                                     <p:cond delay="0"/>
                                   </p:stCondLst>
@@ -18599,11 +18914,7 @@
                                           </p:stCondLst>
                                         </p:cTn>
                                         <p:tgtEl>
-                                          <p:spTgt spid="9">
-                                            <p:txEl>
-                                              <p:pRg st="5" end="5"/>
-                                            </p:txEl>
-                                          </p:spTgt>
+                                          <p:spTgt spid="11"/>
                                         </p:tgtEl>
                                         <p:attrNameLst>
                                           <p:attrName>style.visibility</p:attrName>
@@ -18643,225 +18954,6 @@
                                     <p:set>
                                       <p:cBhvr>
                                         <p:cTn id="16" dur="1" fill="hold">
-                                          <p:stCondLst>
-                                            <p:cond delay="0"/>
-                                          </p:stCondLst>
-                                        </p:cTn>
-                                        <p:tgtEl>
-                                          <p:spTgt spid="9">
-                                            <p:txEl>
-                                              <p:pRg st="6" end="6"/>
-                                            </p:txEl>
-                                          </p:spTgt>
-                                        </p:tgtEl>
-                                        <p:attrNameLst>
-                                          <p:attrName>style.visibility</p:attrName>
-                                        </p:attrNameLst>
-                                      </p:cBhvr>
-                                      <p:to>
-                                        <p:strVal val="visible"/>
-                                      </p:to>
-                                    </p:set>
-                                  </p:childTnLst>
-                                </p:cTn>
-                              </p:par>
-                            </p:childTnLst>
-                          </p:cTn>
-                        </p:par>
-                      </p:childTnLst>
-                    </p:cTn>
-                  </p:par>
-                  <p:par>
-                    <p:cTn id="17" fill="hold">
-                      <p:stCondLst>
-                        <p:cond delay="indefinite"/>
-                      </p:stCondLst>
-                      <p:childTnLst>
-                        <p:par>
-                          <p:cTn id="18" fill="hold">
-                            <p:stCondLst>
-                              <p:cond delay="0"/>
-                            </p:stCondLst>
-                            <p:childTnLst>
-                              <p:par>
-                                <p:cTn id="19" presetID="1" presetClass="entr" presetSubtype="0" fill="hold" nodeType="clickEffect">
-                                  <p:stCondLst>
-                                    <p:cond delay="0"/>
-                                  </p:stCondLst>
-                                  <p:childTnLst>
-                                    <p:set>
-                                      <p:cBhvr>
-                                        <p:cTn id="20" dur="1" fill="hold">
-                                          <p:stCondLst>
-                                            <p:cond delay="0"/>
-                                          </p:stCondLst>
-                                        </p:cTn>
-                                        <p:tgtEl>
-                                          <p:spTgt spid="9">
-                                            <p:txEl>
-                                              <p:pRg st="7" end="7"/>
-                                            </p:txEl>
-                                          </p:spTgt>
-                                        </p:tgtEl>
-                                        <p:attrNameLst>
-                                          <p:attrName>style.visibility</p:attrName>
-                                        </p:attrNameLst>
-                                      </p:cBhvr>
-                                      <p:to>
-                                        <p:strVal val="visible"/>
-                                      </p:to>
-                                    </p:set>
-                                  </p:childTnLst>
-                                </p:cTn>
-                              </p:par>
-                            </p:childTnLst>
-                          </p:cTn>
-                        </p:par>
-                      </p:childTnLst>
-                    </p:cTn>
-                  </p:par>
-                  <p:par>
-                    <p:cTn id="21" fill="hold">
-                      <p:stCondLst>
-                        <p:cond delay="indefinite"/>
-                      </p:stCondLst>
-                      <p:childTnLst>
-                        <p:par>
-                          <p:cTn id="22" fill="hold">
-                            <p:stCondLst>
-                              <p:cond delay="0"/>
-                            </p:stCondLst>
-                            <p:childTnLst>
-                              <p:par>
-                                <p:cTn id="23" presetID="1" presetClass="entr" presetSubtype="0" fill="hold" nodeType="clickEffect">
-                                  <p:stCondLst>
-                                    <p:cond delay="0"/>
-                                  </p:stCondLst>
-                                  <p:childTnLst>
-                                    <p:set>
-                                      <p:cBhvr>
-                                        <p:cTn id="24" dur="1" fill="hold">
-                                          <p:stCondLst>
-                                            <p:cond delay="0"/>
-                                          </p:stCondLst>
-                                        </p:cTn>
-                                        <p:tgtEl>
-                                          <p:spTgt spid="9">
-                                            <p:txEl>
-                                              <p:pRg st="8" end="8"/>
-                                            </p:txEl>
-                                          </p:spTgt>
-                                        </p:tgtEl>
-                                        <p:attrNameLst>
-                                          <p:attrName>style.visibility</p:attrName>
-                                        </p:attrNameLst>
-                                      </p:cBhvr>
-                                      <p:to>
-                                        <p:strVal val="visible"/>
-                                      </p:to>
-                                    </p:set>
-                                  </p:childTnLst>
-                                </p:cTn>
-                              </p:par>
-                            </p:childTnLst>
-                          </p:cTn>
-                        </p:par>
-                      </p:childTnLst>
-                    </p:cTn>
-                  </p:par>
-                  <p:par>
-                    <p:cTn id="25" fill="hold">
-                      <p:stCondLst>
-                        <p:cond delay="indefinite"/>
-                      </p:stCondLst>
-                      <p:childTnLst>
-                        <p:par>
-                          <p:cTn id="26" fill="hold">
-                            <p:stCondLst>
-                              <p:cond delay="0"/>
-                            </p:stCondLst>
-                            <p:childTnLst>
-                              <p:par>
-                                <p:cTn id="27" presetID="1" presetClass="entr" presetSubtype="0" fill="hold" nodeType="clickEffect">
-                                  <p:stCondLst>
-                                    <p:cond delay="0"/>
-                                  </p:stCondLst>
-                                  <p:childTnLst>
-                                    <p:set>
-                                      <p:cBhvr>
-                                        <p:cTn id="28" dur="1" fill="hold">
-                                          <p:stCondLst>
-                                            <p:cond delay="0"/>
-                                          </p:stCondLst>
-                                        </p:cTn>
-                                        <p:tgtEl>
-                                          <p:spTgt spid="6"/>
-                                        </p:tgtEl>
-                                        <p:attrNameLst>
-                                          <p:attrName>style.visibility</p:attrName>
-                                        </p:attrNameLst>
-                                      </p:cBhvr>
-                                      <p:to>
-                                        <p:strVal val="visible"/>
-                                      </p:to>
-                                    </p:set>
-                                  </p:childTnLst>
-                                </p:cTn>
-                              </p:par>
-                              <p:par>
-                                <p:cTn id="29" presetID="1" presetClass="entr" presetSubtype="0" fill="hold" grpId="0" nodeType="withEffect">
-                                  <p:stCondLst>
-                                    <p:cond delay="0"/>
-                                  </p:stCondLst>
-                                  <p:childTnLst>
-                                    <p:set>
-                                      <p:cBhvr>
-                                        <p:cTn id="30" dur="1" fill="hold">
-                                          <p:stCondLst>
-                                            <p:cond delay="0"/>
-                                          </p:stCondLst>
-                                        </p:cTn>
-                                        <p:tgtEl>
-                                          <p:spTgt spid="11"/>
-                                        </p:tgtEl>
-                                        <p:attrNameLst>
-                                          <p:attrName>style.visibility</p:attrName>
-                                        </p:attrNameLst>
-                                      </p:cBhvr>
-                                      <p:to>
-                                        <p:strVal val="visible"/>
-                                      </p:to>
-                                    </p:set>
-                                  </p:childTnLst>
-                                </p:cTn>
-                              </p:par>
-                            </p:childTnLst>
-                          </p:cTn>
-                        </p:par>
-                      </p:childTnLst>
-                    </p:cTn>
-                  </p:par>
-                  <p:par>
-                    <p:cTn id="31" fill="hold">
-                      <p:stCondLst>
-                        <p:cond delay="indefinite"/>
-                      </p:stCondLst>
-                      <p:childTnLst>
-                        <p:par>
-                          <p:cTn id="32" fill="hold">
-                            <p:stCondLst>
-                              <p:cond delay="0"/>
-                            </p:stCondLst>
-                            <p:childTnLst>
-                              <p:par>
-                                <p:cTn id="33" presetID="1" presetClass="entr" presetSubtype="0" fill="hold" nodeType="clickEffect">
-                                  <p:stCondLst>
-                                    <p:cond delay="0"/>
-                                  </p:stCondLst>
-                                  <p:childTnLst>
-                                    <p:set>
-                                      <p:cBhvr>
-                                        <p:cTn id="34" dur="1" fill="hold">
                                           <p:stCondLst>
                                             <p:cond delay="0"/>
                                           </p:stCondLst>
@@ -23301,6 +23393,209 @@
   <p:clrMapOvr>
     <a:masterClrMapping/>
   </p:clrMapOvr>
+  <p:timing>
+    <p:tnLst>
+      <p:par>
+        <p:cTn id="1" dur="indefinite" restart="never" nodeType="tmRoot">
+          <p:childTnLst>
+            <p:seq concurrent="1" nextAc="seek">
+              <p:cTn id="2" dur="indefinite" nodeType="mainSeq">
+                <p:childTnLst>
+                  <p:par>
+                    <p:cTn id="3" fill="hold">
+                      <p:stCondLst>
+                        <p:cond delay="indefinite"/>
+                      </p:stCondLst>
+                      <p:childTnLst>
+                        <p:par>
+                          <p:cTn id="4" fill="hold">
+                            <p:stCondLst>
+                              <p:cond delay="0"/>
+                            </p:stCondLst>
+                            <p:childTnLst>
+                              <p:par>
+                                <p:cTn id="5" presetID="1" presetClass="entr" presetSubtype="0" fill="hold" nodeType="clickEffect">
+                                  <p:stCondLst>
+                                    <p:cond delay="0"/>
+                                  </p:stCondLst>
+                                  <p:childTnLst>
+                                    <p:set>
+                                      <p:cBhvr>
+                                        <p:cTn id="6" dur="1" fill="hold">
+                                          <p:stCondLst>
+                                            <p:cond delay="0"/>
+                                          </p:stCondLst>
+                                        </p:cTn>
+                                        <p:tgtEl>
+                                          <p:spTgt spid="9">
+                                            <p:txEl>
+                                              <p:pRg st="2" end="2"/>
+                                            </p:txEl>
+                                          </p:spTgt>
+                                        </p:tgtEl>
+                                        <p:attrNameLst>
+                                          <p:attrName>style.visibility</p:attrName>
+                                        </p:attrNameLst>
+                                      </p:cBhvr>
+                                      <p:to>
+                                        <p:strVal val="visible"/>
+                                      </p:to>
+                                    </p:set>
+                                  </p:childTnLst>
+                                </p:cTn>
+                              </p:par>
+                              <p:par>
+                                <p:cTn id="7" presetID="1" presetClass="entr" presetSubtype="0" fill="hold" nodeType="withEffect">
+                                  <p:stCondLst>
+                                    <p:cond delay="0"/>
+                                  </p:stCondLst>
+                                  <p:childTnLst>
+                                    <p:set>
+                                      <p:cBhvr>
+                                        <p:cTn id="8" dur="1" fill="hold">
+                                          <p:stCondLst>
+                                            <p:cond delay="0"/>
+                                          </p:stCondLst>
+                                        </p:cTn>
+                                        <p:tgtEl>
+                                          <p:spTgt spid="9">
+                                            <p:txEl>
+                                              <p:pRg st="3" end="3"/>
+                                            </p:txEl>
+                                          </p:spTgt>
+                                        </p:tgtEl>
+                                        <p:attrNameLst>
+                                          <p:attrName>style.visibility</p:attrName>
+                                        </p:attrNameLst>
+                                      </p:cBhvr>
+                                      <p:to>
+                                        <p:strVal val="visible"/>
+                                      </p:to>
+                                    </p:set>
+                                  </p:childTnLst>
+                                </p:cTn>
+                              </p:par>
+                              <p:par>
+                                <p:cTn id="9" presetID="1" presetClass="entr" presetSubtype="0" fill="hold" nodeType="withEffect">
+                                  <p:stCondLst>
+                                    <p:cond delay="0"/>
+                                  </p:stCondLst>
+                                  <p:childTnLst>
+                                    <p:set>
+                                      <p:cBhvr>
+                                        <p:cTn id="10" dur="1" fill="hold">
+                                          <p:stCondLst>
+                                            <p:cond delay="0"/>
+                                          </p:stCondLst>
+                                        </p:cTn>
+                                        <p:tgtEl>
+                                          <p:spTgt spid="9">
+                                            <p:txEl>
+                                              <p:pRg st="4" end="4"/>
+                                            </p:txEl>
+                                          </p:spTgt>
+                                        </p:tgtEl>
+                                        <p:attrNameLst>
+                                          <p:attrName>style.visibility</p:attrName>
+                                        </p:attrNameLst>
+                                      </p:cBhvr>
+                                      <p:to>
+                                        <p:strVal val="visible"/>
+                                      </p:to>
+                                    </p:set>
+                                  </p:childTnLst>
+                                </p:cTn>
+                              </p:par>
+                              <p:par>
+                                <p:cTn id="11" presetID="1" presetClass="entr" presetSubtype="0" fill="hold" nodeType="withEffect">
+                                  <p:stCondLst>
+                                    <p:cond delay="0"/>
+                                  </p:stCondLst>
+                                  <p:childTnLst>
+                                    <p:set>
+                                      <p:cBhvr>
+                                        <p:cTn id="12" dur="1" fill="hold">
+                                          <p:stCondLst>
+                                            <p:cond delay="0"/>
+                                          </p:stCondLst>
+                                        </p:cTn>
+                                        <p:tgtEl>
+                                          <p:spTgt spid="9">
+                                            <p:txEl>
+                                              <p:pRg st="5" end="5"/>
+                                            </p:txEl>
+                                          </p:spTgt>
+                                        </p:tgtEl>
+                                        <p:attrNameLst>
+                                          <p:attrName>style.visibility</p:attrName>
+                                        </p:attrNameLst>
+                                      </p:cBhvr>
+                                      <p:to>
+                                        <p:strVal val="visible"/>
+                                      </p:to>
+                                    </p:set>
+                                  </p:childTnLst>
+                                </p:cTn>
+                              </p:par>
+                              <p:par>
+                                <p:cTn id="13" presetID="1" presetClass="entr" presetSubtype="0" fill="hold" nodeType="withEffect">
+                                  <p:stCondLst>
+                                    <p:cond delay="0"/>
+                                  </p:stCondLst>
+                                  <p:childTnLst>
+                                    <p:set>
+                                      <p:cBhvr>
+                                        <p:cTn id="14" dur="1" fill="hold">
+                                          <p:stCondLst>
+                                            <p:cond delay="0"/>
+                                          </p:stCondLst>
+                                        </p:cTn>
+                                        <p:tgtEl>
+                                          <p:spTgt spid="9">
+                                            <p:txEl>
+                                              <p:pRg st="6" end="6"/>
+                                            </p:txEl>
+                                          </p:spTgt>
+                                        </p:tgtEl>
+                                        <p:attrNameLst>
+                                          <p:attrName>style.visibility</p:attrName>
+                                        </p:attrNameLst>
+                                      </p:cBhvr>
+                                      <p:to>
+                                        <p:strVal val="visible"/>
+                                      </p:to>
+                                    </p:set>
+                                  </p:childTnLst>
+                                </p:cTn>
+                              </p:par>
+                            </p:childTnLst>
+                          </p:cTn>
+                        </p:par>
+                      </p:childTnLst>
+                    </p:cTn>
+                  </p:par>
+                </p:childTnLst>
+              </p:cTn>
+              <p:prevCondLst>
+                <p:cond evt="onPrev" delay="0">
+                  <p:tgtEl>
+                    <p:sldTgt/>
+                  </p:tgtEl>
+                </p:cond>
+              </p:prevCondLst>
+              <p:nextCondLst>
+                <p:cond evt="onNext" delay="0">
+                  <p:tgtEl>
+                    <p:sldTgt/>
+                  </p:tgtEl>
+                </p:cond>
+              </p:nextCondLst>
+            </p:seq>
+          </p:childTnLst>
+        </p:cTn>
+      </p:par>
+    </p:tnLst>
+  </p:timing>
 </p:sld>
 </file>
 
@@ -26919,673 +27214,6 @@
   <p:clrMapOvr>
     <a:masterClrMapping/>
   </p:clrMapOvr>
-  <p:timing>
-    <p:tnLst>
-      <p:par>
-        <p:cTn id="1" dur="indefinite" restart="never" nodeType="tmRoot">
-          <p:childTnLst>
-            <p:seq concurrent="1" nextAc="seek">
-              <p:cTn id="2" dur="indefinite" nodeType="mainSeq">
-                <p:childTnLst>
-                  <p:par>
-                    <p:cTn id="3" fill="hold">
-                      <p:stCondLst>
-                        <p:cond delay="indefinite"/>
-                      </p:stCondLst>
-                      <p:childTnLst>
-                        <p:par>
-                          <p:cTn id="4" fill="hold">
-                            <p:stCondLst>
-                              <p:cond delay="0"/>
-                            </p:stCondLst>
-                            <p:childTnLst>
-                              <p:par>
-                                <p:cTn id="5" presetID="1" presetClass="entr" presetSubtype="0" fill="hold" nodeType="clickEffect">
-                                  <p:stCondLst>
-                                    <p:cond delay="0"/>
-                                  </p:stCondLst>
-                                  <p:childTnLst>
-                                    <p:set>
-                                      <p:cBhvr>
-                                        <p:cTn id="6" dur="1" fill="hold">
-                                          <p:stCondLst>
-                                            <p:cond delay="0"/>
-                                          </p:stCondLst>
-                                        </p:cTn>
-                                        <p:tgtEl>
-                                          <p:spTgt spid="9">
-                                            <p:txEl>
-                                              <p:pRg st="1" end="1"/>
-                                            </p:txEl>
-                                          </p:spTgt>
-                                        </p:tgtEl>
-                                        <p:attrNameLst>
-                                          <p:attrName>style.visibility</p:attrName>
-                                        </p:attrNameLst>
-                                      </p:cBhvr>
-                                      <p:to>
-                                        <p:strVal val="visible"/>
-                                      </p:to>
-                                    </p:set>
-                                  </p:childTnLst>
-                                </p:cTn>
-                              </p:par>
-                            </p:childTnLst>
-                          </p:cTn>
-                        </p:par>
-                      </p:childTnLst>
-                    </p:cTn>
-                  </p:par>
-                  <p:par>
-                    <p:cTn id="7" fill="hold">
-                      <p:stCondLst>
-                        <p:cond delay="indefinite"/>
-                      </p:stCondLst>
-                      <p:childTnLst>
-                        <p:par>
-                          <p:cTn id="8" fill="hold">
-                            <p:stCondLst>
-                              <p:cond delay="0"/>
-                            </p:stCondLst>
-                            <p:childTnLst>
-                              <p:par>
-                                <p:cTn id="9" presetID="1" presetClass="entr" presetSubtype="0" fill="hold" nodeType="clickEffect">
-                                  <p:stCondLst>
-                                    <p:cond delay="0"/>
-                                  </p:stCondLst>
-                                  <p:childTnLst>
-                                    <p:set>
-                                      <p:cBhvr>
-                                        <p:cTn id="10" dur="1" fill="hold">
-                                          <p:stCondLst>
-                                            <p:cond delay="0"/>
-                                          </p:stCondLst>
-                                        </p:cTn>
-                                        <p:tgtEl>
-                                          <p:spTgt spid="9">
-                                            <p:txEl>
-                                              <p:pRg st="0" end="0"/>
-                                            </p:txEl>
-                                          </p:spTgt>
-                                        </p:tgtEl>
-                                        <p:attrNameLst>
-                                          <p:attrName>style.visibility</p:attrName>
-                                        </p:attrNameLst>
-                                      </p:cBhvr>
-                                      <p:to>
-                                        <p:strVal val="visible"/>
-                                      </p:to>
-                                    </p:set>
-                                  </p:childTnLst>
-                                </p:cTn>
-                              </p:par>
-                            </p:childTnLst>
-                          </p:cTn>
-                        </p:par>
-                      </p:childTnLst>
-                    </p:cTn>
-                  </p:par>
-                  <p:par>
-                    <p:cTn id="11" fill="hold">
-                      <p:stCondLst>
-                        <p:cond delay="indefinite"/>
-                      </p:stCondLst>
-                      <p:childTnLst>
-                        <p:par>
-                          <p:cTn id="12" fill="hold">
-                            <p:stCondLst>
-                              <p:cond delay="0"/>
-                            </p:stCondLst>
-                            <p:childTnLst>
-                              <p:par>
-                                <p:cTn id="13" presetID="1" presetClass="entr" presetSubtype="0" fill="hold" nodeType="clickEffect">
-                                  <p:stCondLst>
-                                    <p:cond delay="0"/>
-                                  </p:stCondLst>
-                                  <p:childTnLst>
-                                    <p:set>
-                                      <p:cBhvr>
-                                        <p:cTn id="14" dur="1" fill="hold">
-                                          <p:stCondLst>
-                                            <p:cond delay="0"/>
-                                          </p:stCondLst>
-                                        </p:cTn>
-                                        <p:tgtEl>
-                                          <p:spTgt spid="9">
-                                            <p:txEl>
-                                              <p:pRg st="2" end="2"/>
-                                            </p:txEl>
-                                          </p:spTgt>
-                                        </p:tgtEl>
-                                        <p:attrNameLst>
-                                          <p:attrName>style.visibility</p:attrName>
-                                        </p:attrNameLst>
-                                      </p:cBhvr>
-                                      <p:to>
-                                        <p:strVal val="visible"/>
-                                      </p:to>
-                                    </p:set>
-                                  </p:childTnLst>
-                                </p:cTn>
-                              </p:par>
-                            </p:childTnLst>
-                          </p:cTn>
-                        </p:par>
-                      </p:childTnLst>
-                    </p:cTn>
-                  </p:par>
-                  <p:par>
-                    <p:cTn id="15" fill="hold">
-                      <p:stCondLst>
-                        <p:cond delay="indefinite"/>
-                      </p:stCondLst>
-                      <p:childTnLst>
-                        <p:par>
-                          <p:cTn id="16" fill="hold">
-                            <p:stCondLst>
-                              <p:cond delay="0"/>
-                            </p:stCondLst>
-                            <p:childTnLst>
-                              <p:par>
-                                <p:cTn id="17" presetID="1" presetClass="entr" presetSubtype="0" fill="hold" nodeType="clickEffect">
-                                  <p:stCondLst>
-                                    <p:cond delay="0"/>
-                                  </p:stCondLst>
-                                  <p:childTnLst>
-                                    <p:set>
-                                      <p:cBhvr>
-                                        <p:cTn id="18" dur="1" fill="hold">
-                                          <p:stCondLst>
-                                            <p:cond delay="0"/>
-                                          </p:stCondLst>
-                                        </p:cTn>
-                                        <p:tgtEl>
-                                          <p:spTgt spid="9">
-                                            <p:txEl>
-                                              <p:pRg st="3" end="3"/>
-                                            </p:txEl>
-                                          </p:spTgt>
-                                        </p:tgtEl>
-                                        <p:attrNameLst>
-                                          <p:attrName>style.visibility</p:attrName>
-                                        </p:attrNameLst>
-                                      </p:cBhvr>
-                                      <p:to>
-                                        <p:strVal val="visible"/>
-                                      </p:to>
-                                    </p:set>
-                                  </p:childTnLst>
-                                </p:cTn>
-                              </p:par>
-                            </p:childTnLst>
-                          </p:cTn>
-                        </p:par>
-                      </p:childTnLst>
-                    </p:cTn>
-                  </p:par>
-                  <p:par>
-                    <p:cTn id="19" fill="hold">
-                      <p:stCondLst>
-                        <p:cond delay="indefinite"/>
-                      </p:stCondLst>
-                      <p:childTnLst>
-                        <p:par>
-                          <p:cTn id="20" fill="hold">
-                            <p:stCondLst>
-                              <p:cond delay="0"/>
-                            </p:stCondLst>
-                            <p:childTnLst>
-                              <p:par>
-                                <p:cTn id="21" presetID="1" presetClass="entr" presetSubtype="0" fill="hold" nodeType="clickEffect">
-                                  <p:stCondLst>
-                                    <p:cond delay="0"/>
-                                  </p:stCondLst>
-                                  <p:childTnLst>
-                                    <p:set>
-                                      <p:cBhvr>
-                                        <p:cTn id="22" dur="1" fill="hold">
-                                          <p:stCondLst>
-                                            <p:cond delay="0"/>
-                                          </p:stCondLst>
-                                        </p:cTn>
-                                        <p:tgtEl>
-                                          <p:spTgt spid="9">
-                                            <p:txEl>
-                                              <p:pRg st="4" end="4"/>
-                                            </p:txEl>
-                                          </p:spTgt>
-                                        </p:tgtEl>
-                                        <p:attrNameLst>
-                                          <p:attrName>style.visibility</p:attrName>
-                                        </p:attrNameLst>
-                                      </p:cBhvr>
-                                      <p:to>
-                                        <p:strVal val="visible"/>
-                                      </p:to>
-                                    </p:set>
-                                  </p:childTnLst>
-                                </p:cTn>
-                              </p:par>
-                            </p:childTnLst>
-                          </p:cTn>
-                        </p:par>
-                      </p:childTnLst>
-                    </p:cTn>
-                  </p:par>
-                  <p:par>
-                    <p:cTn id="23" fill="hold">
-                      <p:stCondLst>
-                        <p:cond delay="indefinite"/>
-                      </p:stCondLst>
-                      <p:childTnLst>
-                        <p:par>
-                          <p:cTn id="24" fill="hold">
-                            <p:stCondLst>
-                              <p:cond delay="0"/>
-                            </p:stCondLst>
-                            <p:childTnLst>
-                              <p:par>
-                                <p:cTn id="25" presetID="1" presetClass="entr" presetSubtype="0" fill="hold" nodeType="clickEffect">
-                                  <p:stCondLst>
-                                    <p:cond delay="0"/>
-                                  </p:stCondLst>
-                                  <p:childTnLst>
-                                    <p:set>
-                                      <p:cBhvr>
-                                        <p:cTn id="26" dur="1" fill="hold">
-                                          <p:stCondLst>
-                                            <p:cond delay="0"/>
-                                          </p:stCondLst>
-                                        </p:cTn>
-                                        <p:tgtEl>
-                                          <p:spTgt spid="9">
-                                            <p:txEl>
-                                              <p:pRg st="5" end="5"/>
-                                            </p:txEl>
-                                          </p:spTgt>
-                                        </p:tgtEl>
-                                        <p:attrNameLst>
-                                          <p:attrName>style.visibility</p:attrName>
-                                        </p:attrNameLst>
-                                      </p:cBhvr>
-                                      <p:to>
-                                        <p:strVal val="visible"/>
-                                      </p:to>
-                                    </p:set>
-                                  </p:childTnLst>
-                                </p:cTn>
-                              </p:par>
-                            </p:childTnLst>
-                          </p:cTn>
-                        </p:par>
-                      </p:childTnLst>
-                    </p:cTn>
-                  </p:par>
-                  <p:par>
-                    <p:cTn id="27" fill="hold">
-                      <p:stCondLst>
-                        <p:cond delay="indefinite"/>
-                      </p:stCondLst>
-                      <p:childTnLst>
-                        <p:par>
-                          <p:cTn id="28" fill="hold">
-                            <p:stCondLst>
-                              <p:cond delay="0"/>
-                            </p:stCondLst>
-                            <p:childTnLst>
-                              <p:par>
-                                <p:cTn id="29" presetID="1" presetClass="entr" presetSubtype="0" fill="hold" nodeType="clickEffect">
-                                  <p:stCondLst>
-                                    <p:cond delay="0"/>
-                                  </p:stCondLst>
-                                  <p:childTnLst>
-                                    <p:set>
-                                      <p:cBhvr>
-                                        <p:cTn id="30" dur="1" fill="hold">
-                                          <p:stCondLst>
-                                            <p:cond delay="0"/>
-                                          </p:stCondLst>
-                                        </p:cTn>
-                                        <p:tgtEl>
-                                          <p:spTgt spid="9">
-                                            <p:txEl>
-                                              <p:pRg st="6" end="6"/>
-                                            </p:txEl>
-                                          </p:spTgt>
-                                        </p:tgtEl>
-                                        <p:attrNameLst>
-                                          <p:attrName>style.visibility</p:attrName>
-                                        </p:attrNameLst>
-                                      </p:cBhvr>
-                                      <p:to>
-                                        <p:strVal val="visible"/>
-                                      </p:to>
-                                    </p:set>
-                                  </p:childTnLst>
-                                </p:cTn>
-                              </p:par>
-                            </p:childTnLst>
-                          </p:cTn>
-                        </p:par>
-                      </p:childTnLst>
-                    </p:cTn>
-                  </p:par>
-                  <p:par>
-                    <p:cTn id="31" fill="hold">
-                      <p:stCondLst>
-                        <p:cond delay="indefinite"/>
-                      </p:stCondLst>
-                      <p:childTnLst>
-                        <p:par>
-                          <p:cTn id="32" fill="hold">
-                            <p:stCondLst>
-                              <p:cond delay="0"/>
-                            </p:stCondLst>
-                            <p:childTnLst>
-                              <p:par>
-                                <p:cTn id="33" presetID="1" presetClass="entr" presetSubtype="0" fill="hold" nodeType="clickEffect">
-                                  <p:stCondLst>
-                                    <p:cond delay="0"/>
-                                  </p:stCondLst>
-                                  <p:childTnLst>
-                                    <p:set>
-                                      <p:cBhvr>
-                                        <p:cTn id="34" dur="1" fill="hold">
-                                          <p:stCondLst>
-                                            <p:cond delay="0"/>
-                                          </p:stCondLst>
-                                        </p:cTn>
-                                        <p:tgtEl>
-                                          <p:spTgt spid="9">
-                                            <p:txEl>
-                                              <p:pRg st="7" end="7"/>
-                                            </p:txEl>
-                                          </p:spTgt>
-                                        </p:tgtEl>
-                                        <p:attrNameLst>
-                                          <p:attrName>style.visibility</p:attrName>
-                                        </p:attrNameLst>
-                                      </p:cBhvr>
-                                      <p:to>
-                                        <p:strVal val="visible"/>
-                                      </p:to>
-                                    </p:set>
-                                  </p:childTnLst>
-                                </p:cTn>
-                              </p:par>
-                            </p:childTnLst>
-                          </p:cTn>
-                        </p:par>
-                      </p:childTnLst>
-                    </p:cTn>
-                  </p:par>
-                  <p:par>
-                    <p:cTn id="35" fill="hold">
-                      <p:stCondLst>
-                        <p:cond delay="indefinite"/>
-                      </p:stCondLst>
-                      <p:childTnLst>
-                        <p:par>
-                          <p:cTn id="36" fill="hold">
-                            <p:stCondLst>
-                              <p:cond delay="0"/>
-                            </p:stCondLst>
-                            <p:childTnLst>
-                              <p:par>
-                                <p:cTn id="37" presetID="1" presetClass="entr" presetSubtype="0" fill="hold" nodeType="clickEffect">
-                                  <p:stCondLst>
-                                    <p:cond delay="0"/>
-                                  </p:stCondLst>
-                                  <p:childTnLst>
-                                    <p:set>
-                                      <p:cBhvr>
-                                        <p:cTn id="38" dur="1" fill="hold">
-                                          <p:stCondLst>
-                                            <p:cond delay="0"/>
-                                          </p:stCondLst>
-                                        </p:cTn>
-                                        <p:tgtEl>
-                                          <p:spTgt spid="9">
-                                            <p:txEl>
-                                              <p:pRg st="8" end="8"/>
-                                            </p:txEl>
-                                          </p:spTgt>
-                                        </p:tgtEl>
-                                        <p:attrNameLst>
-                                          <p:attrName>style.visibility</p:attrName>
-                                        </p:attrNameLst>
-                                      </p:cBhvr>
-                                      <p:to>
-                                        <p:strVal val="visible"/>
-                                      </p:to>
-                                    </p:set>
-                                  </p:childTnLst>
-                                </p:cTn>
-                              </p:par>
-                            </p:childTnLst>
-                          </p:cTn>
-                        </p:par>
-                      </p:childTnLst>
-                    </p:cTn>
-                  </p:par>
-                  <p:par>
-                    <p:cTn id="39" fill="hold">
-                      <p:stCondLst>
-                        <p:cond delay="indefinite"/>
-                      </p:stCondLst>
-                      <p:childTnLst>
-                        <p:par>
-                          <p:cTn id="40" fill="hold">
-                            <p:stCondLst>
-                              <p:cond delay="0"/>
-                            </p:stCondLst>
-                            <p:childTnLst>
-                              <p:par>
-                                <p:cTn id="41" presetID="1" presetClass="entr" presetSubtype="0" fill="hold" nodeType="clickEffect">
-                                  <p:stCondLst>
-                                    <p:cond delay="0"/>
-                                  </p:stCondLst>
-                                  <p:childTnLst>
-                                    <p:set>
-                                      <p:cBhvr>
-                                        <p:cTn id="42" dur="1" fill="hold">
-                                          <p:stCondLst>
-                                            <p:cond delay="0"/>
-                                          </p:stCondLst>
-                                        </p:cTn>
-                                        <p:tgtEl>
-                                          <p:spTgt spid="9">
-                                            <p:txEl>
-                                              <p:pRg st="9" end="9"/>
-                                            </p:txEl>
-                                          </p:spTgt>
-                                        </p:tgtEl>
-                                        <p:attrNameLst>
-                                          <p:attrName>style.visibility</p:attrName>
-                                        </p:attrNameLst>
-                                      </p:cBhvr>
-                                      <p:to>
-                                        <p:strVal val="visible"/>
-                                      </p:to>
-                                    </p:set>
-                                  </p:childTnLst>
-                                </p:cTn>
-                              </p:par>
-                            </p:childTnLst>
-                          </p:cTn>
-                        </p:par>
-                      </p:childTnLst>
-                    </p:cTn>
-                  </p:par>
-                  <p:par>
-                    <p:cTn id="43" fill="hold">
-                      <p:stCondLst>
-                        <p:cond delay="indefinite"/>
-                      </p:stCondLst>
-                      <p:childTnLst>
-                        <p:par>
-                          <p:cTn id="44" fill="hold">
-                            <p:stCondLst>
-                              <p:cond delay="0"/>
-                            </p:stCondLst>
-                            <p:childTnLst>
-                              <p:par>
-                                <p:cTn id="45" presetID="1" presetClass="entr" presetSubtype="0" fill="hold" nodeType="clickEffect">
-                                  <p:stCondLst>
-                                    <p:cond delay="0"/>
-                                  </p:stCondLst>
-                                  <p:childTnLst>
-                                    <p:set>
-                                      <p:cBhvr>
-                                        <p:cTn id="46" dur="1" fill="hold">
-                                          <p:stCondLst>
-                                            <p:cond delay="0"/>
-                                          </p:stCondLst>
-                                        </p:cTn>
-                                        <p:tgtEl>
-                                          <p:spTgt spid="9">
-                                            <p:txEl>
-                                              <p:pRg st="11" end="11"/>
-                                            </p:txEl>
-                                          </p:spTgt>
-                                        </p:tgtEl>
-                                        <p:attrNameLst>
-                                          <p:attrName>style.visibility</p:attrName>
-                                        </p:attrNameLst>
-                                      </p:cBhvr>
-                                      <p:to>
-                                        <p:strVal val="visible"/>
-                                      </p:to>
-                                    </p:set>
-                                  </p:childTnLst>
-                                </p:cTn>
-                              </p:par>
-                            </p:childTnLst>
-                          </p:cTn>
-                        </p:par>
-                      </p:childTnLst>
-                    </p:cTn>
-                  </p:par>
-                  <p:par>
-                    <p:cTn id="47" fill="hold">
-                      <p:stCondLst>
-                        <p:cond delay="indefinite"/>
-                      </p:stCondLst>
-                      <p:childTnLst>
-                        <p:par>
-                          <p:cTn id="48" fill="hold">
-                            <p:stCondLst>
-                              <p:cond delay="0"/>
-                            </p:stCondLst>
-                            <p:childTnLst>
-                              <p:par>
-                                <p:cTn id="49" presetID="1" presetClass="entr" presetSubtype="0" fill="hold" nodeType="clickEffect">
-                                  <p:stCondLst>
-                                    <p:cond delay="0"/>
-                                  </p:stCondLst>
-                                  <p:childTnLst>
-                                    <p:set>
-                                      <p:cBhvr>
-                                        <p:cTn id="50" dur="1" fill="hold">
-                                          <p:stCondLst>
-                                            <p:cond delay="0"/>
-                                          </p:stCondLst>
-                                        </p:cTn>
-                                        <p:tgtEl>
-                                          <p:spTgt spid="9">
-                                            <p:txEl>
-                                              <p:pRg st="12" end="12"/>
-                                            </p:txEl>
-                                          </p:spTgt>
-                                        </p:tgtEl>
-                                        <p:attrNameLst>
-                                          <p:attrName>style.visibility</p:attrName>
-                                        </p:attrNameLst>
-                                      </p:cBhvr>
-                                      <p:to>
-                                        <p:strVal val="visible"/>
-                                      </p:to>
-                                    </p:set>
-                                  </p:childTnLst>
-                                </p:cTn>
-                              </p:par>
-                            </p:childTnLst>
-                          </p:cTn>
-                        </p:par>
-                      </p:childTnLst>
-                    </p:cTn>
-                  </p:par>
-                  <p:par>
-                    <p:cTn id="51" fill="hold">
-                      <p:stCondLst>
-                        <p:cond delay="indefinite"/>
-                      </p:stCondLst>
-                      <p:childTnLst>
-                        <p:par>
-                          <p:cTn id="52" fill="hold">
-                            <p:stCondLst>
-                              <p:cond delay="0"/>
-                            </p:stCondLst>
-                            <p:childTnLst>
-                              <p:par>
-                                <p:cTn id="53" presetID="1" presetClass="entr" presetSubtype="0" fill="hold" nodeType="clickEffect">
-                                  <p:stCondLst>
-                                    <p:cond delay="0"/>
-                                  </p:stCondLst>
-                                  <p:childTnLst>
-                                    <p:set>
-                                      <p:cBhvr>
-                                        <p:cTn id="54" dur="1" fill="hold">
-                                          <p:stCondLst>
-                                            <p:cond delay="0"/>
-                                          </p:stCondLst>
-                                        </p:cTn>
-                                        <p:tgtEl>
-                                          <p:spTgt spid="9">
-                                            <p:txEl>
-                                              <p:pRg st="13" end="13"/>
-                                            </p:txEl>
-                                          </p:spTgt>
-                                        </p:tgtEl>
-                                        <p:attrNameLst>
-                                          <p:attrName>style.visibility</p:attrName>
-                                        </p:attrNameLst>
-                                      </p:cBhvr>
-                                      <p:to>
-                                        <p:strVal val="visible"/>
-                                      </p:to>
-                                    </p:set>
-                                  </p:childTnLst>
-                                </p:cTn>
-                              </p:par>
-                            </p:childTnLst>
-                          </p:cTn>
-                        </p:par>
-                      </p:childTnLst>
-                    </p:cTn>
-                  </p:par>
-                </p:childTnLst>
-              </p:cTn>
-              <p:prevCondLst>
-                <p:cond evt="onPrev" delay="0">
-                  <p:tgtEl>
-                    <p:sldTgt/>
-                  </p:tgtEl>
-                </p:cond>
-              </p:prevCondLst>
-              <p:nextCondLst>
-                <p:cond evt="onNext" delay="0">
-                  <p:tgtEl>
-                    <p:sldTgt/>
-                  </p:tgtEl>
-                </p:cond>
-              </p:nextCondLst>
-            </p:seq>
-          </p:childTnLst>
-        </p:cTn>
-      </p:par>
-    </p:tnLst>
-  </p:timing>
 </p:sld>
 </file>
 
@@ -28517,6 +28145,84 @@
   <p:clrMapOvr>
     <a:masterClrMapping/>
   </p:clrMapOvr>
+  <p:timing>
+    <p:tnLst>
+      <p:par>
+        <p:cTn id="1" dur="indefinite" restart="never" nodeType="tmRoot">
+          <p:childTnLst>
+            <p:seq concurrent="1" nextAc="seek">
+              <p:cTn id="2" dur="indefinite" nodeType="mainSeq">
+                <p:childTnLst>
+                  <p:par>
+                    <p:cTn id="3" fill="hold">
+                      <p:stCondLst>
+                        <p:cond delay="indefinite"/>
+                      </p:stCondLst>
+                      <p:childTnLst>
+                        <p:par>
+                          <p:cTn id="4" fill="hold">
+                            <p:stCondLst>
+                              <p:cond delay="0"/>
+                            </p:stCondLst>
+                            <p:childTnLst>
+                              <p:par>
+                                <p:cTn id="5" presetID="1" presetClass="entr" presetSubtype="0" fill="hold" grpId="0" nodeType="clickEffect">
+                                  <p:stCondLst>
+                                    <p:cond delay="0"/>
+                                  </p:stCondLst>
+                                  <p:childTnLst>
+                                    <p:set>
+                                      <p:cBhvr>
+                                        <p:cTn id="6" dur="1" fill="hold">
+                                          <p:stCondLst>
+                                            <p:cond delay="0"/>
+                                          </p:stCondLst>
+                                        </p:cTn>
+                                        <p:tgtEl>
+                                          <p:spTgt spid="3"/>
+                                        </p:tgtEl>
+                                        <p:attrNameLst>
+                                          <p:attrName>style.visibility</p:attrName>
+                                        </p:attrNameLst>
+                                      </p:cBhvr>
+                                      <p:to>
+                                        <p:strVal val="visible"/>
+                                      </p:to>
+                                    </p:set>
+                                  </p:childTnLst>
+                                </p:cTn>
+                              </p:par>
+                            </p:childTnLst>
+                          </p:cTn>
+                        </p:par>
+                      </p:childTnLst>
+                    </p:cTn>
+                  </p:par>
+                </p:childTnLst>
+              </p:cTn>
+              <p:prevCondLst>
+                <p:cond evt="onPrev" delay="0">
+                  <p:tgtEl>
+                    <p:sldTgt/>
+                  </p:tgtEl>
+                </p:cond>
+              </p:prevCondLst>
+              <p:nextCondLst>
+                <p:cond evt="onNext" delay="0">
+                  <p:tgtEl>
+                    <p:sldTgt/>
+                  </p:tgtEl>
+                </p:cond>
+              </p:nextCondLst>
+            </p:seq>
+          </p:childTnLst>
+        </p:cTn>
+      </p:par>
+    </p:tnLst>
+    <p:bldLst>
+      <p:bldP spid="3" grpId="0"/>
+    </p:bldLst>
+  </p:timing>
 </p:sld>
 </file>
 
@@ -28743,6 +28449,183 @@
   <p:clrMapOvr>
     <a:masterClrMapping/>
   </p:clrMapOvr>
+  <p:timing>
+    <p:tnLst>
+      <p:par>
+        <p:cTn id="1" dur="indefinite" restart="never" nodeType="tmRoot">
+          <p:childTnLst>
+            <p:seq concurrent="1" nextAc="seek">
+              <p:cTn id="2" dur="indefinite" nodeType="mainSeq">
+                <p:childTnLst>
+                  <p:par>
+                    <p:cTn id="3" fill="hold">
+                      <p:stCondLst>
+                        <p:cond delay="indefinite"/>
+                      </p:stCondLst>
+                      <p:childTnLst>
+                        <p:par>
+                          <p:cTn id="4" fill="hold">
+                            <p:stCondLst>
+                              <p:cond delay="0"/>
+                            </p:stCondLst>
+                            <p:childTnLst>
+                              <p:par>
+                                <p:cTn id="5" presetID="1" presetClass="entr" presetSubtype="0" fill="hold" nodeType="clickEffect">
+                                  <p:stCondLst>
+                                    <p:cond delay="0"/>
+                                  </p:stCondLst>
+                                  <p:childTnLst>
+                                    <p:set>
+                                      <p:cBhvr>
+                                        <p:cTn id="6" dur="1" fill="hold">
+                                          <p:stCondLst>
+                                            <p:cond delay="0"/>
+                                          </p:stCondLst>
+                                        </p:cTn>
+                                        <p:tgtEl>
+                                          <p:spTgt spid="9">
+                                            <p:txEl>
+                                              <p:pRg st="2" end="2"/>
+                                            </p:txEl>
+                                          </p:spTgt>
+                                        </p:tgtEl>
+                                        <p:attrNameLst>
+                                          <p:attrName>style.visibility</p:attrName>
+                                        </p:attrNameLst>
+                                      </p:cBhvr>
+                                      <p:to>
+                                        <p:strVal val="visible"/>
+                                      </p:to>
+                                    </p:set>
+                                  </p:childTnLst>
+                                </p:cTn>
+                              </p:par>
+                            </p:childTnLst>
+                          </p:cTn>
+                        </p:par>
+                      </p:childTnLst>
+                    </p:cTn>
+                  </p:par>
+                  <p:par>
+                    <p:cTn id="7" fill="hold">
+                      <p:stCondLst>
+                        <p:cond delay="indefinite"/>
+                      </p:stCondLst>
+                      <p:childTnLst>
+                        <p:par>
+                          <p:cTn id="8" fill="hold">
+                            <p:stCondLst>
+                              <p:cond delay="0"/>
+                            </p:stCondLst>
+                            <p:childTnLst>
+                              <p:par>
+                                <p:cTn id="9" presetID="1" presetClass="entr" presetSubtype="0" fill="hold" nodeType="clickEffect">
+                                  <p:stCondLst>
+                                    <p:cond delay="0"/>
+                                  </p:stCondLst>
+                                  <p:childTnLst>
+                                    <p:set>
+                                      <p:cBhvr>
+                                        <p:cTn id="10" dur="1" fill="hold">
+                                          <p:stCondLst>
+                                            <p:cond delay="0"/>
+                                          </p:stCondLst>
+                                        </p:cTn>
+                                        <p:tgtEl>
+                                          <p:spTgt spid="9">
+                                            <p:txEl>
+                                              <p:pRg st="4" end="4"/>
+                                            </p:txEl>
+                                          </p:spTgt>
+                                        </p:tgtEl>
+                                        <p:attrNameLst>
+                                          <p:attrName>style.visibility</p:attrName>
+                                        </p:attrNameLst>
+                                      </p:cBhvr>
+                                      <p:to>
+                                        <p:strVal val="visible"/>
+                                      </p:to>
+                                    </p:set>
+                                  </p:childTnLst>
+                                </p:cTn>
+                              </p:par>
+                            </p:childTnLst>
+                          </p:cTn>
+                        </p:par>
+                      </p:childTnLst>
+                    </p:cTn>
+                  </p:par>
+                  <p:par>
+                    <p:cTn id="11" fill="hold">
+                      <p:stCondLst>
+                        <p:cond delay="indefinite"/>
+                      </p:stCondLst>
+                      <p:childTnLst>
+                        <p:par>
+                          <p:cTn id="12" fill="hold">
+                            <p:stCondLst>
+                              <p:cond delay="0"/>
+                            </p:stCondLst>
+                            <p:childTnLst>
+                              <p:par>
+                                <p:cTn id="13" presetID="1" presetClass="entr" presetSubtype="0" fill="hold" nodeType="clickEffect">
+                                  <p:stCondLst>
+                                    <p:cond delay="0"/>
+                                  </p:stCondLst>
+                                  <p:childTnLst>
+                                    <p:set>
+                                      <p:cBhvr>
+                                        <p:cTn id="14" dur="1" fill="hold">
+                                          <p:stCondLst>
+                                            <p:cond delay="0"/>
+                                          </p:stCondLst>
+                                        </p:cTn>
+                                        <p:tgtEl>
+                                          <p:spTgt spid="9">
+                                            <p:txEl>
+                                              <p:pRg st="6" end="6"/>
+                                            </p:txEl>
+                                          </p:spTgt>
+                                        </p:tgtEl>
+                                        <p:attrNameLst>
+                                          <p:attrName>style.visibility</p:attrName>
+                                        </p:attrNameLst>
+                                      </p:cBhvr>
+                                      <p:to>
+                                        <p:strVal val="visible"/>
+                                      </p:to>
+                                    </p:set>
+                                  </p:childTnLst>
+                                </p:cTn>
+                              </p:par>
+                            </p:childTnLst>
+                          </p:cTn>
+                        </p:par>
+                      </p:childTnLst>
+                    </p:cTn>
+                  </p:par>
+                </p:childTnLst>
+              </p:cTn>
+              <p:prevCondLst>
+                <p:cond evt="onPrev" delay="0">
+                  <p:tgtEl>
+                    <p:sldTgt/>
+                  </p:tgtEl>
+                </p:cond>
+              </p:prevCondLst>
+              <p:nextCondLst>
+                <p:cond evt="onNext" delay="0">
+                  <p:tgtEl>
+                    <p:sldTgt/>
+                  </p:tgtEl>
+                </p:cond>
+              </p:nextCondLst>
+            </p:seq>
+          </p:childTnLst>
+        </p:cTn>
+      </p:par>
+    </p:tnLst>
+  </p:timing>
 </p:sld>
 </file>
 
@@ -29397,6 +29280,138 @@
   <p:clrMapOvr>
     <a:masterClrMapping/>
   </p:clrMapOvr>
+  <p:timing>
+    <p:tnLst>
+      <p:par>
+        <p:cTn id="1" dur="indefinite" restart="never" nodeType="tmRoot">
+          <p:childTnLst>
+            <p:seq concurrent="1" nextAc="seek">
+              <p:cTn id="2" dur="indefinite" nodeType="mainSeq">
+                <p:childTnLst>
+                  <p:par>
+                    <p:cTn id="3" fill="hold">
+                      <p:stCondLst>
+                        <p:cond delay="indefinite"/>
+                      </p:stCondLst>
+                      <p:childTnLst>
+                        <p:par>
+                          <p:cTn id="4" fill="hold">
+                            <p:stCondLst>
+                              <p:cond delay="0"/>
+                            </p:stCondLst>
+                            <p:childTnLst>
+                              <p:par>
+                                <p:cTn id="5" presetID="1" presetClass="entr" presetSubtype="0" fill="hold" grpId="0" nodeType="clickEffect">
+                                  <p:stCondLst>
+                                    <p:cond delay="0"/>
+                                  </p:stCondLst>
+                                  <p:childTnLst>
+                                    <p:set>
+                                      <p:cBhvr>
+                                        <p:cTn id="6" dur="1" fill="hold">
+                                          <p:stCondLst>
+                                            <p:cond delay="0"/>
+                                          </p:stCondLst>
+                                        </p:cTn>
+                                        <p:tgtEl>
+                                          <p:spTgt spid="3"/>
+                                        </p:tgtEl>
+                                        <p:attrNameLst>
+                                          <p:attrName>style.visibility</p:attrName>
+                                        </p:attrNameLst>
+                                      </p:cBhvr>
+                                      <p:to>
+                                        <p:strVal val="visible"/>
+                                      </p:to>
+                                    </p:set>
+                                  </p:childTnLst>
+                                </p:cTn>
+                              </p:par>
+                              <p:par>
+                                <p:cTn id="7" presetID="1" presetClass="entr" presetSubtype="0" fill="hold" nodeType="withEffect">
+                                  <p:stCondLst>
+                                    <p:cond delay="0"/>
+                                  </p:stCondLst>
+                                  <p:childTnLst>
+                                    <p:set>
+                                      <p:cBhvr>
+                                        <p:cTn id="8" dur="1" fill="hold">
+                                          <p:stCondLst>
+                                            <p:cond delay="0"/>
+                                          </p:stCondLst>
+                                        </p:cTn>
+                                        <p:tgtEl>
+                                          <p:spTgt spid="5"/>
+                                        </p:tgtEl>
+                                        <p:attrNameLst>
+                                          <p:attrName>style.visibility</p:attrName>
+                                        </p:attrNameLst>
+                                      </p:cBhvr>
+                                      <p:to>
+                                        <p:strVal val="visible"/>
+                                      </p:to>
+                                    </p:set>
+                                  </p:childTnLst>
+                                </p:cTn>
+                              </p:par>
+                              <p:par>
+                                <p:cTn id="9" presetID="1" presetClass="entr" presetSubtype="0" fill="hold" nodeType="withEffect">
+                                  <p:stCondLst>
+                                    <p:cond delay="0"/>
+                                  </p:stCondLst>
+                                  <p:childTnLst>
+                                    <p:set>
+                                      <p:cBhvr>
+                                        <p:cTn id="10" dur="1" fill="hold">
+                                          <p:stCondLst>
+                                            <p:cond delay="0"/>
+                                          </p:stCondLst>
+                                        </p:cTn>
+                                        <p:tgtEl>
+                                          <p:spTgt spid="10"/>
+                                        </p:tgtEl>
+                                        <p:attrNameLst>
+                                          <p:attrName>style.visibility</p:attrName>
+                                        </p:attrNameLst>
+                                      </p:cBhvr>
+                                      <p:to>
+                                        <p:strVal val="visible"/>
+                                      </p:to>
+                                    </p:set>
+                                  </p:childTnLst>
+                                </p:cTn>
+                              </p:par>
+                            </p:childTnLst>
+                          </p:cTn>
+                        </p:par>
+                      </p:childTnLst>
+                    </p:cTn>
+                  </p:par>
+                </p:childTnLst>
+              </p:cTn>
+              <p:prevCondLst>
+                <p:cond evt="onPrev" delay="0">
+                  <p:tgtEl>
+                    <p:sldTgt/>
+                  </p:tgtEl>
+                </p:cond>
+              </p:prevCondLst>
+              <p:nextCondLst>
+                <p:cond evt="onNext" delay="0">
+                  <p:tgtEl>
+                    <p:sldTgt/>
+                  </p:tgtEl>
+                </p:cond>
+              </p:nextCondLst>
+            </p:seq>
+          </p:childTnLst>
+        </p:cTn>
+      </p:par>
+    </p:tnLst>
+    <p:bldLst>
+      <p:bldP spid="3" grpId="0"/>
+    </p:bldLst>
+  </p:timing>
 </p:sld>
 </file>
 
@@ -30547,6 +30562,407 @@
   <p:clrMapOvr>
     <a:masterClrMapping/>
   </p:clrMapOvr>
+  <p:timing>
+    <p:tnLst>
+      <p:par>
+        <p:cTn id="1" dur="indefinite" restart="never" nodeType="tmRoot">
+          <p:childTnLst>
+            <p:seq concurrent="1" nextAc="seek">
+              <p:cTn id="2" dur="indefinite" nodeType="mainSeq">
+                <p:childTnLst>
+                  <p:par>
+                    <p:cTn id="3" fill="hold">
+                      <p:stCondLst>
+                        <p:cond delay="indefinite"/>
+                      </p:stCondLst>
+                      <p:childTnLst>
+                        <p:par>
+                          <p:cTn id="4" fill="hold">
+                            <p:stCondLst>
+                              <p:cond delay="0"/>
+                            </p:stCondLst>
+                            <p:childTnLst>
+                              <p:par>
+                                <p:cTn id="5" presetID="1" presetClass="entr" presetSubtype="0" fill="hold" grpId="0" nodeType="clickEffect">
+                                  <p:stCondLst>
+                                    <p:cond delay="0"/>
+                                  </p:stCondLst>
+                                  <p:childTnLst>
+                                    <p:set>
+                                      <p:cBhvr>
+                                        <p:cTn id="6" dur="1" fill="hold">
+                                          <p:stCondLst>
+                                            <p:cond delay="0"/>
+                                          </p:stCondLst>
+                                        </p:cTn>
+                                        <p:tgtEl>
+                                          <p:spTgt spid="8"/>
+                                        </p:tgtEl>
+                                        <p:attrNameLst>
+                                          <p:attrName>style.visibility</p:attrName>
+                                        </p:attrNameLst>
+                                      </p:cBhvr>
+                                      <p:to>
+                                        <p:strVal val="visible"/>
+                                      </p:to>
+                                    </p:set>
+                                  </p:childTnLst>
+                                </p:cTn>
+                              </p:par>
+                              <p:par>
+                                <p:cTn id="7" presetID="1" presetClass="entr" presetSubtype="0" fill="hold" nodeType="withEffect">
+                                  <p:stCondLst>
+                                    <p:cond delay="0"/>
+                                  </p:stCondLst>
+                                  <p:childTnLst>
+                                    <p:set>
+                                      <p:cBhvr>
+                                        <p:cTn id="8" dur="1" fill="hold">
+                                          <p:stCondLst>
+                                            <p:cond delay="0"/>
+                                          </p:stCondLst>
+                                        </p:cTn>
+                                        <p:tgtEl>
+                                          <p:spTgt spid="26"/>
+                                        </p:tgtEl>
+                                        <p:attrNameLst>
+                                          <p:attrName>style.visibility</p:attrName>
+                                        </p:attrNameLst>
+                                      </p:cBhvr>
+                                      <p:to>
+                                        <p:strVal val="visible"/>
+                                      </p:to>
+                                    </p:set>
+                                  </p:childTnLst>
+                                </p:cTn>
+                              </p:par>
+                            </p:childTnLst>
+                          </p:cTn>
+                        </p:par>
+                      </p:childTnLst>
+                    </p:cTn>
+                  </p:par>
+                  <p:par>
+                    <p:cTn id="9" fill="hold">
+                      <p:stCondLst>
+                        <p:cond delay="indefinite"/>
+                      </p:stCondLst>
+                      <p:childTnLst>
+                        <p:par>
+                          <p:cTn id="10" fill="hold">
+                            <p:stCondLst>
+                              <p:cond delay="0"/>
+                            </p:stCondLst>
+                            <p:childTnLst>
+                              <p:par>
+                                <p:cTn id="11" presetID="1" presetClass="entr" presetSubtype="0" fill="hold" nodeType="clickEffect">
+                                  <p:stCondLst>
+                                    <p:cond delay="0"/>
+                                  </p:stCondLst>
+                                  <p:childTnLst>
+                                    <p:set>
+                                      <p:cBhvr>
+                                        <p:cTn id="12" dur="1" fill="hold">
+                                          <p:stCondLst>
+                                            <p:cond delay="0"/>
+                                          </p:stCondLst>
+                                        </p:cTn>
+                                        <p:tgtEl>
+                                          <p:spTgt spid="28">
+                                            <p:txEl>
+                                              <p:pRg st="0" end="0"/>
+                                            </p:txEl>
+                                          </p:spTgt>
+                                        </p:tgtEl>
+                                        <p:attrNameLst>
+                                          <p:attrName>style.visibility</p:attrName>
+                                        </p:attrNameLst>
+                                      </p:cBhvr>
+                                      <p:to>
+                                        <p:strVal val="visible"/>
+                                      </p:to>
+                                    </p:set>
+                                  </p:childTnLst>
+                                </p:cTn>
+                              </p:par>
+                            </p:childTnLst>
+                          </p:cTn>
+                        </p:par>
+                      </p:childTnLst>
+                    </p:cTn>
+                  </p:par>
+                  <p:par>
+                    <p:cTn id="13" fill="hold">
+                      <p:stCondLst>
+                        <p:cond delay="indefinite"/>
+                      </p:stCondLst>
+                      <p:childTnLst>
+                        <p:par>
+                          <p:cTn id="14" fill="hold">
+                            <p:stCondLst>
+                              <p:cond delay="0"/>
+                            </p:stCondLst>
+                            <p:childTnLst>
+                              <p:par>
+                                <p:cTn id="15" presetID="1" presetClass="entr" presetSubtype="0" fill="hold" nodeType="clickEffect">
+                                  <p:stCondLst>
+                                    <p:cond delay="0"/>
+                                  </p:stCondLst>
+                                  <p:childTnLst>
+                                    <p:set>
+                                      <p:cBhvr>
+                                        <p:cTn id="16" dur="1" fill="hold">
+                                          <p:stCondLst>
+                                            <p:cond delay="0"/>
+                                          </p:stCondLst>
+                                        </p:cTn>
+                                        <p:tgtEl>
+                                          <p:spTgt spid="9">
+                                            <p:txEl>
+                                              <p:pRg st="7" end="7"/>
+                                            </p:txEl>
+                                          </p:spTgt>
+                                        </p:tgtEl>
+                                        <p:attrNameLst>
+                                          <p:attrName>style.visibility</p:attrName>
+                                        </p:attrNameLst>
+                                      </p:cBhvr>
+                                      <p:to>
+                                        <p:strVal val="visible"/>
+                                      </p:to>
+                                    </p:set>
+                                  </p:childTnLst>
+                                </p:cTn>
+                              </p:par>
+                            </p:childTnLst>
+                          </p:cTn>
+                        </p:par>
+                      </p:childTnLst>
+                    </p:cTn>
+                  </p:par>
+                  <p:par>
+                    <p:cTn id="17" fill="hold">
+                      <p:stCondLst>
+                        <p:cond delay="indefinite"/>
+                      </p:stCondLst>
+                      <p:childTnLst>
+                        <p:par>
+                          <p:cTn id="18" fill="hold">
+                            <p:stCondLst>
+                              <p:cond delay="0"/>
+                            </p:stCondLst>
+                            <p:childTnLst>
+                              <p:par>
+                                <p:cTn id="19" presetID="1" presetClass="entr" presetSubtype="0" fill="hold" nodeType="clickEffect">
+                                  <p:stCondLst>
+                                    <p:cond delay="0"/>
+                                  </p:stCondLst>
+                                  <p:childTnLst>
+                                    <p:set>
+                                      <p:cBhvr>
+                                        <p:cTn id="20" dur="1" fill="hold">
+                                          <p:stCondLst>
+                                            <p:cond delay="0"/>
+                                          </p:stCondLst>
+                                        </p:cTn>
+                                        <p:tgtEl>
+                                          <p:spTgt spid="9">
+                                            <p:txEl>
+                                              <p:pRg st="8" end="8"/>
+                                            </p:txEl>
+                                          </p:spTgt>
+                                        </p:tgtEl>
+                                        <p:attrNameLst>
+                                          <p:attrName>style.visibility</p:attrName>
+                                        </p:attrNameLst>
+                                      </p:cBhvr>
+                                      <p:to>
+                                        <p:strVal val="visible"/>
+                                      </p:to>
+                                    </p:set>
+                                  </p:childTnLst>
+                                </p:cTn>
+                              </p:par>
+                            </p:childTnLst>
+                          </p:cTn>
+                        </p:par>
+                      </p:childTnLst>
+                    </p:cTn>
+                  </p:par>
+                  <p:par>
+                    <p:cTn id="21" fill="hold">
+                      <p:stCondLst>
+                        <p:cond delay="indefinite"/>
+                      </p:stCondLst>
+                      <p:childTnLst>
+                        <p:par>
+                          <p:cTn id="22" fill="hold">
+                            <p:stCondLst>
+                              <p:cond delay="0"/>
+                            </p:stCondLst>
+                            <p:childTnLst>
+                              <p:par>
+                                <p:cTn id="23" presetID="1" presetClass="entr" presetSubtype="0" fill="hold" nodeType="clickEffect">
+                                  <p:stCondLst>
+                                    <p:cond delay="0"/>
+                                  </p:stCondLst>
+                                  <p:childTnLst>
+                                    <p:set>
+                                      <p:cBhvr>
+                                        <p:cTn id="24" dur="1" fill="hold">
+                                          <p:stCondLst>
+                                            <p:cond delay="0"/>
+                                          </p:stCondLst>
+                                        </p:cTn>
+                                        <p:tgtEl>
+                                          <p:spTgt spid="9">
+                                            <p:txEl>
+                                              <p:pRg st="9" end="9"/>
+                                            </p:txEl>
+                                          </p:spTgt>
+                                        </p:tgtEl>
+                                        <p:attrNameLst>
+                                          <p:attrName>style.visibility</p:attrName>
+                                        </p:attrNameLst>
+                                      </p:cBhvr>
+                                      <p:to>
+                                        <p:strVal val="visible"/>
+                                      </p:to>
+                                    </p:set>
+                                  </p:childTnLst>
+                                </p:cTn>
+                              </p:par>
+                            </p:childTnLst>
+                          </p:cTn>
+                        </p:par>
+                      </p:childTnLst>
+                    </p:cTn>
+                  </p:par>
+                  <p:par>
+                    <p:cTn id="25" fill="hold">
+                      <p:stCondLst>
+                        <p:cond delay="indefinite"/>
+                      </p:stCondLst>
+                      <p:childTnLst>
+                        <p:par>
+                          <p:cTn id="26" fill="hold">
+                            <p:stCondLst>
+                              <p:cond delay="0"/>
+                            </p:stCondLst>
+                            <p:childTnLst>
+                              <p:par>
+                                <p:cTn id="27" presetID="1" presetClass="entr" presetSubtype="0" fill="hold" grpId="0" nodeType="clickEffect">
+                                  <p:stCondLst>
+                                    <p:cond delay="0"/>
+                                  </p:stCondLst>
+                                  <p:childTnLst>
+                                    <p:set>
+                                      <p:cBhvr>
+                                        <p:cTn id="28" dur="1" fill="hold">
+                                          <p:stCondLst>
+                                            <p:cond delay="0"/>
+                                          </p:stCondLst>
+                                        </p:cTn>
+                                        <p:tgtEl>
+                                          <p:spTgt spid="25"/>
+                                        </p:tgtEl>
+                                        <p:attrNameLst>
+                                          <p:attrName>style.visibility</p:attrName>
+                                        </p:attrNameLst>
+                                      </p:cBhvr>
+                                      <p:to>
+                                        <p:strVal val="visible"/>
+                                      </p:to>
+                                    </p:set>
+                                  </p:childTnLst>
+                                </p:cTn>
+                              </p:par>
+                              <p:par>
+                                <p:cTn id="29" presetID="1" presetClass="entr" presetSubtype="0" fill="hold" nodeType="withEffect">
+                                  <p:stCondLst>
+                                    <p:cond delay="0"/>
+                                  </p:stCondLst>
+                                  <p:childTnLst>
+                                    <p:set>
+                                      <p:cBhvr>
+                                        <p:cTn id="30" dur="1" fill="hold">
+                                          <p:stCondLst>
+                                            <p:cond delay="0"/>
+                                          </p:stCondLst>
+                                        </p:cTn>
+                                        <p:tgtEl>
+                                          <p:spTgt spid="22"/>
+                                        </p:tgtEl>
+                                        <p:attrNameLst>
+                                          <p:attrName>style.visibility</p:attrName>
+                                        </p:attrNameLst>
+                                      </p:cBhvr>
+                                      <p:to>
+                                        <p:strVal val="visible"/>
+                                      </p:to>
+                                    </p:set>
+                                  </p:childTnLst>
+                                </p:cTn>
+                              </p:par>
+                              <p:par>
+                                <p:cTn id="31" presetID="1" presetClass="entr" presetSubtype="0" fill="hold" nodeType="withEffect">
+                                  <p:stCondLst>
+                                    <p:cond delay="0"/>
+                                  </p:stCondLst>
+                                  <p:childTnLst>
+                                    <p:set>
+                                      <p:cBhvr>
+                                        <p:cTn id="32" dur="1" fill="hold">
+                                          <p:stCondLst>
+                                            <p:cond delay="0"/>
+                                          </p:stCondLst>
+                                        </p:cTn>
+                                        <p:tgtEl>
+                                          <p:spTgt spid="18"/>
+                                        </p:tgtEl>
+                                        <p:attrNameLst>
+                                          <p:attrName>style.visibility</p:attrName>
+                                        </p:attrNameLst>
+                                      </p:cBhvr>
+                                      <p:to>
+                                        <p:strVal val="visible"/>
+                                      </p:to>
+                                    </p:set>
+                                  </p:childTnLst>
+                                </p:cTn>
+                              </p:par>
+                            </p:childTnLst>
+                          </p:cTn>
+                        </p:par>
+                      </p:childTnLst>
+                    </p:cTn>
+                  </p:par>
+                </p:childTnLst>
+              </p:cTn>
+              <p:prevCondLst>
+                <p:cond evt="onPrev" delay="0">
+                  <p:tgtEl>
+                    <p:sldTgt/>
+                  </p:tgtEl>
+                </p:cond>
+              </p:prevCondLst>
+              <p:nextCondLst>
+                <p:cond evt="onNext" delay="0">
+                  <p:tgtEl>
+                    <p:sldTgt/>
+                  </p:tgtEl>
+                </p:cond>
+              </p:nextCondLst>
+            </p:seq>
+          </p:childTnLst>
+        </p:cTn>
+      </p:par>
+    </p:tnLst>
+    <p:bldLst>
+      <p:bldP spid="8" grpId="0"/>
+      <p:bldP spid="25" grpId="0"/>
+    </p:bldLst>
+  </p:timing>
 </p:sld>
 </file>
 
@@ -30860,12 +31276,6 @@
               </a:rPr>
               <a:t>absolute(-10) 	</a:t>
             </a:r>
-            <a:endParaRPr lang="en-US" sz="1900" b="1" dirty="0">
-              <a:solidFill>
-                <a:srgbClr val="92D050"/>
-              </a:solidFill>
-              <a:latin typeface="Inconsolata" panose="020B0609030003000000" pitchFamily="49" charset="77"/>
-            </a:endParaRPr>
           </a:p>
           <a:p>
             <a:pPr marL="0" indent="0">

--- a/courses/apcsp/lect4.pptx
+++ b/courses/apcsp/lect4.pptx
@@ -5,7 +5,7 @@
     <p:sldMasterId id="2147483791" r:id="rId1"/>
   </p:sldMasterIdLst>
   <p:notesMasterIdLst>
-    <p:notesMasterId r:id="rId38"/>
+    <p:notesMasterId r:id="rId39"/>
   </p:notesMasterIdLst>
   <p:sldIdLst>
     <p:sldId id="256" r:id="rId2"/>
@@ -25,25 +25,26 @@
     <p:sldId id="307" r:id="rId16"/>
     <p:sldId id="334" r:id="rId17"/>
     <p:sldId id="412" r:id="rId18"/>
-    <p:sldId id="310" r:id="rId19"/>
-    <p:sldId id="308" r:id="rId20"/>
-    <p:sldId id="311" r:id="rId21"/>
-    <p:sldId id="414" r:id="rId22"/>
-    <p:sldId id="415" r:id="rId23"/>
-    <p:sldId id="416" r:id="rId24"/>
-    <p:sldId id="319" r:id="rId25"/>
-    <p:sldId id="337" r:id="rId26"/>
-    <p:sldId id="320" r:id="rId27"/>
-    <p:sldId id="321" r:id="rId28"/>
-    <p:sldId id="323" r:id="rId29"/>
-    <p:sldId id="324" r:id="rId30"/>
-    <p:sldId id="329" r:id="rId31"/>
-    <p:sldId id="330" r:id="rId32"/>
-    <p:sldId id="325" r:id="rId33"/>
-    <p:sldId id="398" r:id="rId34"/>
-    <p:sldId id="417" r:id="rId35"/>
-    <p:sldId id="399" r:id="rId36"/>
-    <p:sldId id="284" r:id="rId37"/>
+    <p:sldId id="418" r:id="rId19"/>
+    <p:sldId id="310" r:id="rId20"/>
+    <p:sldId id="308" r:id="rId21"/>
+    <p:sldId id="311" r:id="rId22"/>
+    <p:sldId id="414" r:id="rId23"/>
+    <p:sldId id="415" r:id="rId24"/>
+    <p:sldId id="416" r:id="rId25"/>
+    <p:sldId id="319" r:id="rId26"/>
+    <p:sldId id="337" r:id="rId27"/>
+    <p:sldId id="320" r:id="rId28"/>
+    <p:sldId id="321" r:id="rId29"/>
+    <p:sldId id="323" r:id="rId30"/>
+    <p:sldId id="324" r:id="rId31"/>
+    <p:sldId id="329" r:id="rId32"/>
+    <p:sldId id="330" r:id="rId33"/>
+    <p:sldId id="325" r:id="rId34"/>
+    <p:sldId id="398" r:id="rId35"/>
+    <p:sldId id="417" r:id="rId36"/>
+    <p:sldId id="399" r:id="rId37"/>
+    <p:sldId id="284" r:id="rId38"/>
   </p:sldIdLst>
   <p:sldSz cx="9144000" cy="5715000" type="screen16x10"/>
   <p:notesSz cx="6858000" cy="9144000"/>
@@ -153,7 +154,7 @@
 <file path=ppt/revisionInfo.xml><?xml version="1.0" encoding="utf-8"?>
 <p1510:revInfo xmlns:a="http://schemas.openxmlformats.org/drawingml/2006/main" xmlns:r="http://schemas.openxmlformats.org/officeDocument/2006/relationships" xmlns:p1510="http://schemas.microsoft.com/office/powerpoint/2015/10/main">
   <p1510:revLst>
-    <p1510:client id="{7CF42801-12ED-E04E-AC69-6FCBFB1E8006}" v="32" dt="2021-10-04T13:36:25.492"/>
+    <p1510:client id="{7CF42801-12ED-E04E-AC69-6FCBFB1E8006}" v="34" dt="2021-10-04T13:46:25.462"/>
   </p1510:revLst>
 </p1510:revInfo>
 </file>
@@ -3664,8 +3665,8 @@
   </pc:docChgLst>
   <pc:docChgLst>
     <pc:chgData name="Long B Nguyen" userId="f59fb8f3-a021-417a-8bc1-65c8d471c621" providerId="ADAL" clId="{7CF42801-12ED-E04E-AC69-6FCBFB1E8006}"/>
-    <pc:docChg chg="undo custSel modSld">
-      <pc:chgData name="Long B Nguyen" userId="f59fb8f3-a021-417a-8bc1-65c8d471c621" providerId="ADAL" clId="{7CF42801-12ED-E04E-AC69-6FCBFB1E8006}" dt="2021-10-04T13:36:25.492" v="33"/>
+    <pc:docChg chg="undo custSel addSld modSld">
+      <pc:chgData name="Long B Nguyen" userId="f59fb8f3-a021-417a-8bc1-65c8d471c621" providerId="ADAL" clId="{7CF42801-12ED-E04E-AC69-6FCBFB1E8006}" dt="2021-10-04T13:49:30.950" v="333" actId="20577"/>
       <pc:docMkLst>
         <pc:docMk/>
       </pc:docMkLst>
@@ -3797,6 +3798,29 @@
           <pc:docMk/>
           <pc:sldMk cId="1811896604" sldId="417"/>
         </pc:sldMkLst>
+      </pc:sldChg>
+      <pc:sldChg chg="modSp new mod">
+        <pc:chgData name="Long B Nguyen" userId="f59fb8f3-a021-417a-8bc1-65c8d471c621" providerId="ADAL" clId="{7CF42801-12ED-E04E-AC69-6FCBFB1E8006}" dt="2021-10-04T13:49:30.950" v="333" actId="20577"/>
+        <pc:sldMkLst>
+          <pc:docMk/>
+          <pc:sldMk cId="3612472641" sldId="418"/>
+        </pc:sldMkLst>
+        <pc:spChg chg="mod">
+          <ac:chgData name="Long B Nguyen" userId="f59fb8f3-a021-417a-8bc1-65c8d471c621" providerId="ADAL" clId="{7CF42801-12ED-E04E-AC69-6FCBFB1E8006}" dt="2021-10-04T13:38:32.250" v="47" actId="1076"/>
+          <ac:spMkLst>
+            <pc:docMk/>
+            <pc:sldMk cId="3612472641" sldId="418"/>
+            <ac:spMk id="2" creationId="{DAA6846D-78F7-9348-93A7-1404017519BA}"/>
+          </ac:spMkLst>
+        </pc:spChg>
+        <pc:spChg chg="mod">
+          <ac:chgData name="Long B Nguyen" userId="f59fb8f3-a021-417a-8bc1-65c8d471c621" providerId="ADAL" clId="{7CF42801-12ED-E04E-AC69-6FCBFB1E8006}" dt="2021-10-04T13:49:30.950" v="333" actId="20577"/>
+          <ac:spMkLst>
+            <pc:docMk/>
+            <pc:sldMk cId="3612472641" sldId="418"/>
+            <ac:spMk id="3" creationId="{FEFA68FB-503E-B144-9FA2-2B3EF2748204}"/>
+          </ac:spMkLst>
+        </pc:spChg>
       </pc:sldChg>
     </pc:docChg>
   </pc:docChgLst>
@@ -4703,7 +4727,7 @@
                   <a:spcPct val="0"/>
                 </a:spcBef>
               </a:pPr>
-              <a:t>33</a:t>
+              <a:t>34</a:t>
             </a:fld>
             <a:endParaRPr lang="en-US" altLang="en-US"/>
           </a:p>
@@ -5109,7 +5133,7 @@
                   <a:spcPct val="0"/>
                 </a:spcBef>
               </a:pPr>
-              <a:t>35</a:t>
+              <a:t>36</a:t>
             </a:fld>
             <a:endParaRPr lang="en-US" altLang="en-US"/>
           </a:p>
@@ -14441,6 +14465,220 @@
           <p:cNvPr id="2" name="Title 1">
             <a:extLst>
               <a:ext uri="{FF2B5EF4-FFF2-40B4-BE49-F238E27FC236}">
+                <a16:creationId xmlns:a16="http://schemas.microsoft.com/office/drawing/2014/main" id="{DAA6846D-78F7-9348-93A7-1404017519BA}"/>
+              </a:ext>
+            </a:extLst>
+          </p:cNvPr>
+          <p:cNvSpPr>
+            <a:spLocks noGrp="1"/>
+          </p:cNvSpPr>
+          <p:nvPr>
+            <p:ph type="title"/>
+          </p:nvPr>
+        </p:nvSpPr>
+        <p:spPr>
+          <a:xfrm>
+            <a:off x="171450" y="227409"/>
+            <a:ext cx="7886700" cy="680244"/>
+          </a:xfrm>
+        </p:spPr>
+        <p:txBody>
+          <a:bodyPr/>
+          <a:lstStyle/>
+          <a:p>
+            <a:r>
+              <a:rPr lang="en-US" dirty="0"/>
+              <a:t>You Try it!</a:t>
+            </a:r>
+          </a:p>
+        </p:txBody>
+      </p:sp>
+      <p:sp>
+        <p:nvSpPr>
+          <p:cNvPr id="3" name="Content Placeholder 2">
+            <a:extLst>
+              <a:ext uri="{FF2B5EF4-FFF2-40B4-BE49-F238E27FC236}">
+                <a16:creationId xmlns:a16="http://schemas.microsoft.com/office/drawing/2014/main" id="{FEFA68FB-503E-B144-9FA2-2B3EF2748204}"/>
+              </a:ext>
+            </a:extLst>
+          </p:cNvPr>
+          <p:cNvSpPr>
+            <a:spLocks noGrp="1"/>
+          </p:cNvSpPr>
+          <p:nvPr>
+            <p:ph idx="1"/>
+          </p:nvPr>
+        </p:nvSpPr>
+        <p:spPr>
+          <a:xfrm>
+            <a:off x="171449" y="1014413"/>
+            <a:ext cx="8972551" cy="4473177"/>
+          </a:xfrm>
+        </p:spPr>
+        <p:txBody>
+          <a:bodyPr/>
+          <a:lstStyle/>
+          <a:p>
+            <a:pPr marL="0" indent="0">
+              <a:buNone/>
+            </a:pPr>
+            <a:r>
+              <a:rPr lang="en-US" dirty="0"/>
+              <a:t>Write a computer program that, given the lengths of the two sides of a right triangle adjacent to the right angle, computes the length of the hypotenuse of the triangle.  Use the template below.</a:t>
+            </a:r>
+          </a:p>
+          <a:p>
+            <a:pPr marL="0" indent="0">
+              <a:buNone/>
+            </a:pPr>
+            <a:endParaRPr lang="en-US" sz="2400" b="1" dirty="0">
+              <a:solidFill>
+                <a:srgbClr val="34A327"/>
+              </a:solidFill>
+              <a:latin typeface="Inconsolata" panose="020B0609030003000000" pitchFamily="49" charset="77"/>
+            </a:endParaRPr>
+          </a:p>
+          <a:p>
+            <a:pPr marL="0" indent="0">
+              <a:buNone/>
+            </a:pPr>
+            <a:r>
+              <a:rPr lang="en-US" sz="2400" b="1" dirty="0">
+                <a:solidFill>
+                  <a:srgbClr val="34A327"/>
+                </a:solidFill>
+                <a:latin typeface="Inconsolata" panose="020B0609030003000000" pitchFamily="49" charset="77"/>
+              </a:rPr>
+              <a:t># given a and b sides of a triangle, return hypotenuse</a:t>
+            </a:r>
+          </a:p>
+          <a:p>
+            <a:pPr marL="0" indent="0">
+              <a:buNone/>
+            </a:pPr>
+            <a:r>
+              <a:rPr lang="en-US" sz="2400" b="1" dirty="0">
+                <a:solidFill>
+                  <a:srgbClr val="34A327"/>
+                </a:solidFill>
+                <a:latin typeface="Inconsolata" panose="020B0609030003000000" pitchFamily="49" charset="77"/>
+              </a:rPr>
+              <a:t>def</a:t>
+            </a:r>
+            <a:r>
+              <a:rPr lang="en-US" sz="2400" b="1" dirty="0">
+                <a:solidFill>
+                  <a:srgbClr val="000000"/>
+                </a:solidFill>
+                <a:latin typeface="Inconsolata" panose="020B0609030003000000" pitchFamily="49" charset="77"/>
+              </a:rPr>
+              <a:t> </a:t>
+            </a:r>
+            <a:r>
+              <a:rPr lang="en-US" sz="2400" b="1" dirty="0">
+                <a:solidFill>
+                  <a:srgbClr val="3C9FF2"/>
+                </a:solidFill>
+                <a:latin typeface="Inconsolata" panose="020B0609030003000000" pitchFamily="49" charset="77"/>
+              </a:rPr>
+              <a:t>hypotenuse</a:t>
+            </a:r>
+            <a:r>
+              <a:rPr lang="en-US" sz="2400" b="1" dirty="0">
+                <a:solidFill>
+                  <a:srgbClr val="000000"/>
+                </a:solidFill>
+                <a:latin typeface="Inconsolata" panose="020B0609030003000000" pitchFamily="49" charset="77"/>
+              </a:rPr>
+              <a:t>(a, b):  </a:t>
+            </a:r>
+          </a:p>
+          <a:p>
+            <a:pPr marL="0" indent="0">
+              <a:buNone/>
+            </a:pPr>
+            <a:r>
+              <a:rPr lang="en-US" sz="2400" b="1" dirty="0">
+                <a:solidFill>
+                  <a:srgbClr val="34A327"/>
+                </a:solidFill>
+                <a:latin typeface="Inconsolata" panose="020B0609030003000000" pitchFamily="49" charset="77"/>
+              </a:rPr>
+              <a:t>	</a:t>
+            </a:r>
+            <a:endParaRPr lang="en-US" sz="2400" b="1" dirty="0">
+              <a:latin typeface="INCONSOLATA" panose="020B0609030003000000" pitchFamily="49" charset="77"/>
+            </a:endParaRPr>
+          </a:p>
+          <a:p>
+            <a:pPr marL="0" indent="0">
+              <a:buNone/>
+            </a:pPr>
+            <a:r>
+              <a:rPr lang="en-US" sz="2400" b="1" dirty="0">
+                <a:latin typeface="INCONSOLATA" panose="020B0609030003000000" pitchFamily="49" charset="77"/>
+              </a:rPr>
+              <a:t># ask user for sides: side1 </a:t>
+            </a:r>
+            <a:r>
+              <a:rPr lang="en-US" sz="2400" b="1">
+                <a:latin typeface="INCONSOLATA" panose="020B0609030003000000" pitchFamily="49" charset="77"/>
+              </a:rPr>
+              <a:t>and side2</a:t>
+            </a:r>
+            <a:endParaRPr lang="en-US" sz="2400" b="1" dirty="0">
+              <a:latin typeface="INCONSOLATA" panose="020B0609030003000000" pitchFamily="49" charset="77"/>
+            </a:endParaRPr>
+          </a:p>
+          <a:p>
+            <a:pPr marL="0" indent="0">
+              <a:buNone/>
+            </a:pPr>
+            <a:r>
+              <a:rPr lang="en-US" sz="2400" b="1" dirty="0">
+                <a:latin typeface="INCONSOLATA" panose="020B0609030003000000" pitchFamily="49" charset="77"/>
+              </a:rPr>
+              <a:t># call hypotenuse above to compute the hypotenuse.</a:t>
+            </a:r>
+            <a:endParaRPr lang="en-US" dirty="0"/>
+          </a:p>
+        </p:txBody>
+      </p:sp>
+    </p:spTree>
+    <p:extLst>
+      <p:ext uri="{BB962C8B-B14F-4D97-AF65-F5344CB8AC3E}">
+        <p14:creationId xmlns:p14="http://schemas.microsoft.com/office/powerpoint/2010/main" val="3612472641"/>
+      </p:ext>
+    </p:extLst>
+  </p:cSld>
+  <p:clrMapOvr>
+    <a:masterClrMapping/>
+  </p:clrMapOvr>
+</p:sld>
+</file>
+
+<file path=ppt/slides/slide19.xml><?xml version="1.0" encoding="utf-8"?>
+<p:sld xmlns:a="http://schemas.openxmlformats.org/drawingml/2006/main" xmlns:r="http://schemas.openxmlformats.org/officeDocument/2006/relationships" xmlns:p="http://schemas.openxmlformats.org/presentationml/2006/main">
+  <p:cSld>
+    <p:spTree>
+      <p:nvGrpSpPr>
+        <p:cNvPr id="1" name=""/>
+        <p:cNvGrpSpPr/>
+        <p:nvPr/>
+      </p:nvGrpSpPr>
+      <p:grpSpPr>
+        <a:xfrm>
+          <a:off x="0" y="0"/>
+          <a:ext cx="0" cy="0"/>
+          <a:chOff x="0" y="0"/>
+          <a:chExt cx="0" cy="0"/>
+        </a:xfrm>
+      </p:grpSpPr>
+      <p:sp>
+        <p:nvSpPr>
+          <p:cNvPr id="2" name="Title 1">
+            <a:extLst>
+              <a:ext uri="{FF2B5EF4-FFF2-40B4-BE49-F238E27FC236}">
                 <a16:creationId xmlns:a16="http://schemas.microsoft.com/office/drawing/2014/main" id="{AA3A228F-61D0-D949-A5E7-F83756230BF8}"/>
               </a:ext>
             </a:extLst>
@@ -15157,7 +15395,260 @@
 </p:sld>
 </file>
 
-<file path=ppt/slides/slide19.xml><?xml version="1.0" encoding="utf-8"?>
+<file path=ppt/slides/slide2.xml><?xml version="1.0" encoding="utf-8"?>
+<p:sld xmlns:a="http://schemas.openxmlformats.org/drawingml/2006/main" xmlns:r="http://schemas.openxmlformats.org/officeDocument/2006/relationships" xmlns:p="http://schemas.openxmlformats.org/presentationml/2006/main">
+  <p:cSld>
+    <p:spTree>
+      <p:nvGrpSpPr>
+        <p:cNvPr id="1" name=""/>
+        <p:cNvGrpSpPr/>
+        <p:nvPr/>
+      </p:nvGrpSpPr>
+      <p:grpSpPr>
+        <a:xfrm>
+          <a:off x="0" y="0"/>
+          <a:ext cx="0" cy="0"/>
+          <a:chOff x="0" y="0"/>
+          <a:chExt cx="0" cy="0"/>
+        </a:xfrm>
+      </p:grpSpPr>
+      <p:sp>
+        <p:nvSpPr>
+          <p:cNvPr id="2" name="Title 1">
+            <a:extLst>
+              <a:ext uri="{FF2B5EF4-FFF2-40B4-BE49-F238E27FC236}">
+                <a16:creationId xmlns:a16="http://schemas.microsoft.com/office/drawing/2014/main" id="{AA3A228F-61D0-D949-A5E7-F83756230BF8}"/>
+              </a:ext>
+            </a:extLst>
+          </p:cNvPr>
+          <p:cNvSpPr>
+            <a:spLocks noGrp="1"/>
+          </p:cNvSpPr>
+          <p:nvPr>
+            <p:ph type="title"/>
+          </p:nvPr>
+        </p:nvSpPr>
+        <p:spPr>
+          <a:xfrm>
+            <a:off x="483848" y="467027"/>
+            <a:ext cx="7053542" cy="683886"/>
+          </a:xfrm>
+        </p:spPr>
+        <p:txBody>
+          <a:bodyPr/>
+          <a:lstStyle/>
+          <a:p>
+            <a:r>
+              <a:rPr lang="en-US" dirty="0"/>
+              <a:t>Topics</a:t>
+            </a:r>
+          </a:p>
+        </p:txBody>
+      </p:sp>
+      <p:sp>
+        <p:nvSpPr>
+          <p:cNvPr id="9" name="Content Placeholder 8">
+            <a:extLst>
+              <a:ext uri="{FF2B5EF4-FFF2-40B4-BE49-F238E27FC236}">
+                <a16:creationId xmlns:a16="http://schemas.microsoft.com/office/drawing/2014/main" id="{E3B2E017-30B2-884B-A113-B419A2ED51AD}"/>
+              </a:ext>
+            </a:extLst>
+          </p:cNvPr>
+          <p:cNvSpPr>
+            <a:spLocks noGrp="1"/>
+          </p:cNvSpPr>
+          <p:nvPr>
+            <p:ph idx="1"/>
+          </p:nvPr>
+        </p:nvSpPr>
+        <p:spPr>
+          <a:xfrm>
+            <a:off x="483848" y="1288073"/>
+            <a:ext cx="8051725" cy="4303429"/>
+          </a:xfrm>
+        </p:spPr>
+        <p:txBody>
+          <a:bodyPr/>
+          <a:lstStyle/>
+          <a:p>
+            <a:pPr marL="0" indent="0">
+              <a:buNone/>
+            </a:pPr>
+            <a:endParaRPr lang="en-US" dirty="0">
+              <a:latin typeface="Gill Sans MT" panose="020B0502020104020203" pitchFamily="34" charset="77"/>
+            </a:endParaRPr>
+          </a:p>
+          <a:p>
+            <a:pPr marL="457200" indent="-457200">
+              <a:buAutoNum type="arabicParenR"/>
+            </a:pPr>
+            <a:r>
+              <a:rPr lang="en-US" dirty="0">
+                <a:latin typeface="Gill Sans MT" panose="020B0502020104020203" pitchFamily="34" charset="77"/>
+              </a:rPr>
+              <a:t>Functions</a:t>
+            </a:r>
+          </a:p>
+          <a:p>
+            <a:pPr marL="457200" indent="-457200">
+              <a:buAutoNum type="arabicParenR"/>
+            </a:pPr>
+            <a:r>
+              <a:rPr lang="en-US" dirty="0">
+                <a:latin typeface="Gill Sans MT" panose="020B0502020104020203" pitchFamily="34" charset="77"/>
+              </a:rPr>
+              <a:t>Function Inputs vs Outputs</a:t>
+            </a:r>
+          </a:p>
+          <a:p>
+            <a:pPr marL="457200" indent="-457200">
+              <a:buAutoNum type="arabicParenR"/>
+            </a:pPr>
+            <a:r>
+              <a:rPr lang="en-US" dirty="0">
+                <a:latin typeface="Gill Sans MT" panose="020B0502020104020203" pitchFamily="34" charset="77"/>
+              </a:rPr>
+              <a:t>Function Arguments</a:t>
+            </a:r>
+          </a:p>
+          <a:p>
+            <a:pPr marL="685800" lvl="1" indent="-342900">
+              <a:buAutoNum type="alphaLcParenR"/>
+            </a:pPr>
+            <a:r>
+              <a:rPr lang="en-US" dirty="0">
+                <a:latin typeface="Gill Sans MT" panose="020B0502020104020203" pitchFamily="34" charset="77"/>
+              </a:rPr>
+              <a:t>Positional Arguments</a:t>
+            </a:r>
+          </a:p>
+          <a:p>
+            <a:pPr marL="685800" lvl="1" indent="-342900">
+              <a:buAutoNum type="alphaLcParenR"/>
+            </a:pPr>
+            <a:r>
+              <a:rPr lang="en-US" dirty="0">
+                <a:latin typeface="Gill Sans MT" panose="020B0502020104020203" pitchFamily="34" charset="77"/>
+              </a:rPr>
+              <a:t>Keyword Arguments</a:t>
+            </a:r>
+          </a:p>
+          <a:p>
+            <a:pPr marL="685800" lvl="1" indent="-342900">
+              <a:buAutoNum type="alphaLcParenR"/>
+            </a:pPr>
+            <a:r>
+              <a:rPr lang="en-US" dirty="0">
+                <a:latin typeface="Gill Sans MT" panose="020B0502020104020203" pitchFamily="34" charset="77"/>
+              </a:rPr>
+              <a:t>Default Values</a:t>
+            </a:r>
+          </a:p>
+          <a:p>
+            <a:pPr marL="342900" indent="-342900">
+              <a:buAutoNum type="arabicParenR"/>
+            </a:pPr>
+            <a:r>
+              <a:rPr lang="en-US" dirty="0">
+                <a:latin typeface="Gill Sans MT" panose="020B0502020104020203" pitchFamily="34" charset="77"/>
+              </a:rPr>
+              <a:t>Flow of Program</a:t>
+            </a:r>
+          </a:p>
+          <a:p>
+            <a:pPr marL="342900" indent="-342900">
+              <a:buAutoNum type="arabicParenR"/>
+            </a:pPr>
+            <a:r>
+              <a:rPr lang="en-US" dirty="0">
+                <a:latin typeface="Gill Sans MT" panose="020B0502020104020203" pitchFamily="34" charset="77"/>
+              </a:rPr>
+              <a:t>Scope of a variable</a:t>
+            </a:r>
+          </a:p>
+          <a:p>
+            <a:pPr marL="342900" indent="-342900">
+              <a:buAutoNum type="arabicParenR"/>
+            </a:pPr>
+            <a:r>
+              <a:rPr lang="en-US" dirty="0">
+                <a:latin typeface="Gill Sans MT" panose="020B0502020104020203" pitchFamily="34" charset="77"/>
+              </a:rPr>
+              <a:t>Template for programs</a:t>
+            </a:r>
+          </a:p>
+          <a:p>
+            <a:pPr marL="0" indent="0">
+              <a:buNone/>
+            </a:pPr>
+            <a:endParaRPr lang="en-US" dirty="0">
+              <a:latin typeface="Gill Sans MT" panose="020B0502020104020203" pitchFamily="34" charset="77"/>
+            </a:endParaRPr>
+          </a:p>
+          <a:p>
+            <a:pPr marL="685800" lvl="1" indent="-342900">
+              <a:buAutoNum type="alphaLcParenR"/>
+            </a:pPr>
+            <a:endParaRPr lang="en-US" dirty="0">
+              <a:latin typeface="Gill Sans MT" panose="020B0502020104020203" pitchFamily="34" charset="77"/>
+            </a:endParaRPr>
+          </a:p>
+          <a:p>
+            <a:pPr marL="0" indent="0">
+              <a:buNone/>
+            </a:pPr>
+            <a:endParaRPr lang="en-US" dirty="0">
+              <a:latin typeface="Gill Sans MT" panose="020B0502020104020203" pitchFamily="34" charset="77"/>
+            </a:endParaRPr>
+          </a:p>
+          <a:p>
+            <a:pPr marL="457200" indent="-457200">
+              <a:buAutoNum type="arabicParenR"/>
+            </a:pPr>
+            <a:endParaRPr lang="en-US" dirty="0">
+              <a:latin typeface="Gill Sans MT" panose="020B0502020104020203" pitchFamily="34" charset="77"/>
+            </a:endParaRPr>
+          </a:p>
+          <a:p>
+            <a:pPr marL="457200" indent="-457200">
+              <a:buAutoNum type="arabicParenR"/>
+            </a:pPr>
+            <a:endParaRPr lang="en-US" dirty="0">
+              <a:latin typeface="Gill Sans MT" panose="020B0502020104020203" pitchFamily="34" charset="77"/>
+            </a:endParaRPr>
+          </a:p>
+          <a:p>
+            <a:pPr marL="0" indent="0">
+              <a:buNone/>
+            </a:pPr>
+            <a:endParaRPr lang="en-US" dirty="0">
+              <a:latin typeface="Gill Sans MT" panose="020B0502020104020203" pitchFamily="34" charset="77"/>
+            </a:endParaRPr>
+          </a:p>
+          <a:p>
+            <a:pPr marL="0" indent="0">
+              <a:buNone/>
+            </a:pPr>
+            <a:endParaRPr lang="en-US" b="1" dirty="0">
+              <a:latin typeface="Gill Sans MT" panose="020B0502020104020203" pitchFamily="34" charset="77"/>
+            </a:endParaRPr>
+          </a:p>
+        </p:txBody>
+      </p:sp>
+    </p:spTree>
+    <p:extLst>
+      <p:ext uri="{BB962C8B-B14F-4D97-AF65-F5344CB8AC3E}">
+        <p14:creationId xmlns:p14="http://schemas.microsoft.com/office/powerpoint/2010/main" val="131840209"/>
+      </p:ext>
+    </p:extLst>
+  </p:cSld>
+  <p:clrMapOvr>
+    <a:masterClrMapping/>
+  </p:clrMapOvr>
+</p:sld>
+</file>
+
+<file path=ppt/slides/slide20.xml><?xml version="1.0" encoding="utf-8"?>
 <p:sld xmlns:a="http://schemas.openxmlformats.org/drawingml/2006/main" xmlns:r="http://schemas.openxmlformats.org/officeDocument/2006/relationships" xmlns:p="http://schemas.openxmlformats.org/presentationml/2006/main">
   <p:cSld>
     <p:spTree>
@@ -15963,260 +16454,7 @@
 </p:sld>
 </file>
 
-<file path=ppt/slides/slide2.xml><?xml version="1.0" encoding="utf-8"?>
-<p:sld xmlns:a="http://schemas.openxmlformats.org/drawingml/2006/main" xmlns:r="http://schemas.openxmlformats.org/officeDocument/2006/relationships" xmlns:p="http://schemas.openxmlformats.org/presentationml/2006/main">
-  <p:cSld>
-    <p:spTree>
-      <p:nvGrpSpPr>
-        <p:cNvPr id="1" name=""/>
-        <p:cNvGrpSpPr/>
-        <p:nvPr/>
-      </p:nvGrpSpPr>
-      <p:grpSpPr>
-        <a:xfrm>
-          <a:off x="0" y="0"/>
-          <a:ext cx="0" cy="0"/>
-          <a:chOff x="0" y="0"/>
-          <a:chExt cx="0" cy="0"/>
-        </a:xfrm>
-      </p:grpSpPr>
-      <p:sp>
-        <p:nvSpPr>
-          <p:cNvPr id="2" name="Title 1">
-            <a:extLst>
-              <a:ext uri="{FF2B5EF4-FFF2-40B4-BE49-F238E27FC236}">
-                <a16:creationId xmlns:a16="http://schemas.microsoft.com/office/drawing/2014/main" id="{AA3A228F-61D0-D949-A5E7-F83756230BF8}"/>
-              </a:ext>
-            </a:extLst>
-          </p:cNvPr>
-          <p:cNvSpPr>
-            <a:spLocks noGrp="1"/>
-          </p:cNvSpPr>
-          <p:nvPr>
-            <p:ph type="title"/>
-          </p:nvPr>
-        </p:nvSpPr>
-        <p:spPr>
-          <a:xfrm>
-            <a:off x="483848" y="467027"/>
-            <a:ext cx="7053542" cy="683886"/>
-          </a:xfrm>
-        </p:spPr>
-        <p:txBody>
-          <a:bodyPr/>
-          <a:lstStyle/>
-          <a:p>
-            <a:r>
-              <a:rPr lang="en-US" dirty="0"/>
-              <a:t>Topics</a:t>
-            </a:r>
-          </a:p>
-        </p:txBody>
-      </p:sp>
-      <p:sp>
-        <p:nvSpPr>
-          <p:cNvPr id="9" name="Content Placeholder 8">
-            <a:extLst>
-              <a:ext uri="{FF2B5EF4-FFF2-40B4-BE49-F238E27FC236}">
-                <a16:creationId xmlns:a16="http://schemas.microsoft.com/office/drawing/2014/main" id="{E3B2E017-30B2-884B-A113-B419A2ED51AD}"/>
-              </a:ext>
-            </a:extLst>
-          </p:cNvPr>
-          <p:cNvSpPr>
-            <a:spLocks noGrp="1"/>
-          </p:cNvSpPr>
-          <p:nvPr>
-            <p:ph idx="1"/>
-          </p:nvPr>
-        </p:nvSpPr>
-        <p:spPr>
-          <a:xfrm>
-            <a:off x="483848" y="1288073"/>
-            <a:ext cx="8051725" cy="4303429"/>
-          </a:xfrm>
-        </p:spPr>
-        <p:txBody>
-          <a:bodyPr/>
-          <a:lstStyle/>
-          <a:p>
-            <a:pPr marL="0" indent="0">
-              <a:buNone/>
-            </a:pPr>
-            <a:endParaRPr lang="en-US" dirty="0">
-              <a:latin typeface="Gill Sans MT" panose="020B0502020104020203" pitchFamily="34" charset="77"/>
-            </a:endParaRPr>
-          </a:p>
-          <a:p>
-            <a:pPr marL="457200" indent="-457200">
-              <a:buAutoNum type="arabicParenR"/>
-            </a:pPr>
-            <a:r>
-              <a:rPr lang="en-US" dirty="0">
-                <a:latin typeface="Gill Sans MT" panose="020B0502020104020203" pitchFamily="34" charset="77"/>
-              </a:rPr>
-              <a:t>Functions</a:t>
-            </a:r>
-          </a:p>
-          <a:p>
-            <a:pPr marL="457200" indent="-457200">
-              <a:buAutoNum type="arabicParenR"/>
-            </a:pPr>
-            <a:r>
-              <a:rPr lang="en-US" dirty="0">
-                <a:latin typeface="Gill Sans MT" panose="020B0502020104020203" pitchFamily="34" charset="77"/>
-              </a:rPr>
-              <a:t>Function Inputs vs Outputs</a:t>
-            </a:r>
-          </a:p>
-          <a:p>
-            <a:pPr marL="457200" indent="-457200">
-              <a:buAutoNum type="arabicParenR"/>
-            </a:pPr>
-            <a:r>
-              <a:rPr lang="en-US" dirty="0">
-                <a:latin typeface="Gill Sans MT" panose="020B0502020104020203" pitchFamily="34" charset="77"/>
-              </a:rPr>
-              <a:t>Function Arguments</a:t>
-            </a:r>
-          </a:p>
-          <a:p>
-            <a:pPr marL="685800" lvl="1" indent="-342900">
-              <a:buAutoNum type="alphaLcParenR"/>
-            </a:pPr>
-            <a:r>
-              <a:rPr lang="en-US" dirty="0">
-                <a:latin typeface="Gill Sans MT" panose="020B0502020104020203" pitchFamily="34" charset="77"/>
-              </a:rPr>
-              <a:t>Positional Arguments</a:t>
-            </a:r>
-          </a:p>
-          <a:p>
-            <a:pPr marL="685800" lvl="1" indent="-342900">
-              <a:buAutoNum type="alphaLcParenR"/>
-            </a:pPr>
-            <a:r>
-              <a:rPr lang="en-US" dirty="0">
-                <a:latin typeface="Gill Sans MT" panose="020B0502020104020203" pitchFamily="34" charset="77"/>
-              </a:rPr>
-              <a:t>Keyword Arguments</a:t>
-            </a:r>
-          </a:p>
-          <a:p>
-            <a:pPr marL="685800" lvl="1" indent="-342900">
-              <a:buAutoNum type="alphaLcParenR"/>
-            </a:pPr>
-            <a:r>
-              <a:rPr lang="en-US" dirty="0">
-                <a:latin typeface="Gill Sans MT" panose="020B0502020104020203" pitchFamily="34" charset="77"/>
-              </a:rPr>
-              <a:t>Default Values</a:t>
-            </a:r>
-          </a:p>
-          <a:p>
-            <a:pPr marL="342900" indent="-342900">
-              <a:buAutoNum type="arabicParenR"/>
-            </a:pPr>
-            <a:r>
-              <a:rPr lang="en-US" dirty="0">
-                <a:latin typeface="Gill Sans MT" panose="020B0502020104020203" pitchFamily="34" charset="77"/>
-              </a:rPr>
-              <a:t>Flow of Program</a:t>
-            </a:r>
-          </a:p>
-          <a:p>
-            <a:pPr marL="342900" indent="-342900">
-              <a:buAutoNum type="arabicParenR"/>
-            </a:pPr>
-            <a:r>
-              <a:rPr lang="en-US" dirty="0">
-                <a:latin typeface="Gill Sans MT" panose="020B0502020104020203" pitchFamily="34" charset="77"/>
-              </a:rPr>
-              <a:t>Scope of a variable</a:t>
-            </a:r>
-          </a:p>
-          <a:p>
-            <a:pPr marL="342900" indent="-342900">
-              <a:buAutoNum type="arabicParenR"/>
-            </a:pPr>
-            <a:r>
-              <a:rPr lang="en-US" dirty="0">
-                <a:latin typeface="Gill Sans MT" panose="020B0502020104020203" pitchFamily="34" charset="77"/>
-              </a:rPr>
-              <a:t>Template for programs</a:t>
-            </a:r>
-          </a:p>
-          <a:p>
-            <a:pPr marL="0" indent="0">
-              <a:buNone/>
-            </a:pPr>
-            <a:endParaRPr lang="en-US" dirty="0">
-              <a:latin typeface="Gill Sans MT" panose="020B0502020104020203" pitchFamily="34" charset="77"/>
-            </a:endParaRPr>
-          </a:p>
-          <a:p>
-            <a:pPr marL="685800" lvl="1" indent="-342900">
-              <a:buAutoNum type="alphaLcParenR"/>
-            </a:pPr>
-            <a:endParaRPr lang="en-US" dirty="0">
-              <a:latin typeface="Gill Sans MT" panose="020B0502020104020203" pitchFamily="34" charset="77"/>
-            </a:endParaRPr>
-          </a:p>
-          <a:p>
-            <a:pPr marL="0" indent="0">
-              <a:buNone/>
-            </a:pPr>
-            <a:endParaRPr lang="en-US" dirty="0">
-              <a:latin typeface="Gill Sans MT" panose="020B0502020104020203" pitchFamily="34" charset="77"/>
-            </a:endParaRPr>
-          </a:p>
-          <a:p>
-            <a:pPr marL="457200" indent="-457200">
-              <a:buAutoNum type="arabicParenR"/>
-            </a:pPr>
-            <a:endParaRPr lang="en-US" dirty="0">
-              <a:latin typeface="Gill Sans MT" panose="020B0502020104020203" pitchFamily="34" charset="77"/>
-            </a:endParaRPr>
-          </a:p>
-          <a:p>
-            <a:pPr marL="457200" indent="-457200">
-              <a:buAutoNum type="arabicParenR"/>
-            </a:pPr>
-            <a:endParaRPr lang="en-US" dirty="0">
-              <a:latin typeface="Gill Sans MT" panose="020B0502020104020203" pitchFamily="34" charset="77"/>
-            </a:endParaRPr>
-          </a:p>
-          <a:p>
-            <a:pPr marL="0" indent="0">
-              <a:buNone/>
-            </a:pPr>
-            <a:endParaRPr lang="en-US" dirty="0">
-              <a:latin typeface="Gill Sans MT" panose="020B0502020104020203" pitchFamily="34" charset="77"/>
-            </a:endParaRPr>
-          </a:p>
-          <a:p>
-            <a:pPr marL="0" indent="0">
-              <a:buNone/>
-            </a:pPr>
-            <a:endParaRPr lang="en-US" b="1" dirty="0">
-              <a:latin typeface="Gill Sans MT" panose="020B0502020104020203" pitchFamily="34" charset="77"/>
-            </a:endParaRPr>
-          </a:p>
-        </p:txBody>
-      </p:sp>
-    </p:spTree>
-    <p:extLst>
-      <p:ext uri="{BB962C8B-B14F-4D97-AF65-F5344CB8AC3E}">
-        <p14:creationId xmlns:p14="http://schemas.microsoft.com/office/powerpoint/2010/main" val="131840209"/>
-      </p:ext>
-    </p:extLst>
-  </p:cSld>
-  <p:clrMapOvr>
-    <a:masterClrMapping/>
-  </p:clrMapOvr>
-</p:sld>
-</file>
-
-<file path=ppt/slides/slide20.xml><?xml version="1.0" encoding="utf-8"?>
+<file path=ppt/slides/slide21.xml><?xml version="1.0" encoding="utf-8"?>
 <p:sld xmlns:a="http://schemas.openxmlformats.org/drawingml/2006/main" xmlns:r="http://schemas.openxmlformats.org/officeDocument/2006/relationships" xmlns:p="http://schemas.openxmlformats.org/presentationml/2006/main">
   <p:cSld>
     <p:spTree>
@@ -16807,7 +17045,7 @@
 </p:sld>
 </file>
 
-<file path=ppt/slides/slide21.xml><?xml version="1.0" encoding="utf-8"?>
+<file path=ppt/slides/slide22.xml><?xml version="1.0" encoding="utf-8"?>
 <p:sld xmlns:a="http://schemas.openxmlformats.org/drawingml/2006/main" xmlns:r="http://schemas.openxmlformats.org/officeDocument/2006/relationships" xmlns:p="http://schemas.openxmlformats.org/presentationml/2006/main">
   <p:cSld>
     <p:spTree>
@@ -17466,7 +17704,7 @@
 </p:sld>
 </file>
 
-<file path=ppt/slides/slide22.xml><?xml version="1.0" encoding="utf-8"?>
+<file path=ppt/slides/slide23.xml><?xml version="1.0" encoding="utf-8"?>
 <p:sld xmlns:a="http://schemas.openxmlformats.org/drawingml/2006/main" xmlns:r="http://schemas.openxmlformats.org/officeDocument/2006/relationships" xmlns:p="http://schemas.openxmlformats.org/presentationml/2006/main">
   <p:cSld>
     <p:spTree>
@@ -18196,7 +18434,7 @@
 </p:sld>
 </file>
 
-<file path=ppt/slides/slide23.xml><?xml version="1.0" encoding="utf-8"?>
+<file path=ppt/slides/slide24.xml><?xml version="1.0" encoding="utf-8"?>
 <p:sld xmlns:a="http://schemas.openxmlformats.org/drawingml/2006/main" xmlns:r="http://schemas.openxmlformats.org/officeDocument/2006/relationships" xmlns:p="http://schemas.openxmlformats.org/presentationml/2006/main">
   <p:cSld>
     <p:spTree>
@@ -19006,7 +19244,7 @@
 </p:sld>
 </file>
 
-<file path=ppt/slides/slide24.xml><?xml version="1.0" encoding="utf-8"?>
+<file path=ppt/slides/slide25.xml><?xml version="1.0" encoding="utf-8"?>
 <p:sld xmlns:a="http://schemas.openxmlformats.org/drawingml/2006/main" xmlns:r="http://schemas.openxmlformats.org/officeDocument/2006/relationships" xmlns:p="http://schemas.openxmlformats.org/presentationml/2006/main">
   <p:cSld>
     <p:spTree>
@@ -19285,7 +19523,7 @@
 </p:sld>
 </file>
 
-<file path=ppt/slides/slide25.xml><?xml version="1.0" encoding="utf-8"?>
+<file path=ppt/slides/slide26.xml><?xml version="1.0" encoding="utf-8"?>
 <p:sld xmlns:a="http://schemas.openxmlformats.org/drawingml/2006/main" xmlns:r="http://schemas.openxmlformats.org/officeDocument/2006/relationships" xmlns:p="http://schemas.openxmlformats.org/presentationml/2006/main">
   <p:cSld>
     <p:spTree>
@@ -20348,7 +20586,7 @@
 </p:sld>
 </file>
 
-<file path=ppt/slides/slide26.xml><?xml version="1.0" encoding="utf-8"?>
+<file path=ppt/slides/slide27.xml><?xml version="1.0" encoding="utf-8"?>
 <p:sld xmlns:a="http://schemas.openxmlformats.org/drawingml/2006/main" xmlns:r="http://schemas.openxmlformats.org/officeDocument/2006/relationships" xmlns:p="http://schemas.openxmlformats.org/presentationml/2006/main">
   <p:cSld>
     <p:spTree>
@@ -21203,7 +21441,7 @@
 </p:sld>
 </file>
 
-<file path=ppt/slides/slide27.xml><?xml version="1.0" encoding="utf-8"?>
+<file path=ppt/slides/slide28.xml><?xml version="1.0" encoding="utf-8"?>
 <p:sld xmlns:a="http://schemas.openxmlformats.org/drawingml/2006/main" xmlns:r="http://schemas.openxmlformats.org/officeDocument/2006/relationships" xmlns:p="http://schemas.openxmlformats.org/presentationml/2006/main">
   <p:cSld>
     <p:spTree>
@@ -22014,7 +22252,7 @@
 </p:sld>
 </file>
 
-<file path=ppt/slides/slide28.xml><?xml version="1.0" encoding="utf-8"?>
+<file path=ppt/slides/slide29.xml><?xml version="1.0" encoding="utf-8"?>
 <p:sld xmlns:a="http://schemas.openxmlformats.org/drawingml/2006/main" xmlns:r="http://schemas.openxmlformats.org/officeDocument/2006/relationships" xmlns:p="http://schemas.openxmlformats.org/presentationml/2006/main">
   <p:cSld>
     <p:spTree>
@@ -22729,359 +22967,6 @@
   <p:clrMapOvr>
     <a:masterClrMapping/>
   </p:clrMapOvr>
-</p:sld>
-</file>
-
-<file path=ppt/slides/slide29.xml><?xml version="1.0" encoding="utf-8"?>
-<p:sld xmlns:a="http://schemas.openxmlformats.org/drawingml/2006/main" xmlns:r="http://schemas.openxmlformats.org/officeDocument/2006/relationships" xmlns:p="http://schemas.openxmlformats.org/presentationml/2006/main">
-  <p:cSld>
-    <p:spTree>
-      <p:nvGrpSpPr>
-        <p:cNvPr id="1" name=""/>
-        <p:cNvGrpSpPr/>
-        <p:nvPr/>
-      </p:nvGrpSpPr>
-      <p:grpSpPr>
-        <a:xfrm>
-          <a:off x="0" y="0"/>
-          <a:ext cx="0" cy="0"/>
-          <a:chOff x="0" y="0"/>
-          <a:chExt cx="0" cy="0"/>
-        </a:xfrm>
-      </p:grpSpPr>
-      <p:sp>
-        <p:nvSpPr>
-          <p:cNvPr id="2" name="Title 1">
-            <a:extLst>
-              <a:ext uri="{FF2B5EF4-FFF2-40B4-BE49-F238E27FC236}">
-                <a16:creationId xmlns:a16="http://schemas.microsoft.com/office/drawing/2014/main" id="{AA3A228F-61D0-D949-A5E7-F83756230BF8}"/>
-              </a:ext>
-            </a:extLst>
-          </p:cNvPr>
-          <p:cNvSpPr>
-            <a:spLocks noGrp="1"/>
-          </p:cNvSpPr>
-          <p:nvPr>
-            <p:ph type="title"/>
-          </p:nvPr>
-        </p:nvSpPr>
-        <p:spPr>
-          <a:xfrm>
-            <a:off x="159108" y="176470"/>
-            <a:ext cx="7053542" cy="683886"/>
-          </a:xfrm>
-        </p:spPr>
-        <p:txBody>
-          <a:bodyPr/>
-          <a:lstStyle/>
-          <a:p>
-            <a:r>
-              <a:rPr lang="en-US" dirty="0"/>
-              <a:t>Scope </a:t>
-            </a:r>
-          </a:p>
-        </p:txBody>
-      </p:sp>
-      <p:sp>
-        <p:nvSpPr>
-          <p:cNvPr id="9" name="Content Placeholder 8">
-            <a:extLst>
-              <a:ext uri="{FF2B5EF4-FFF2-40B4-BE49-F238E27FC236}">
-                <a16:creationId xmlns:a16="http://schemas.microsoft.com/office/drawing/2014/main" id="{E3B2E017-30B2-884B-A113-B419A2ED51AD}"/>
-              </a:ext>
-            </a:extLst>
-          </p:cNvPr>
-          <p:cNvSpPr>
-            <a:spLocks noGrp="1"/>
-          </p:cNvSpPr>
-          <p:nvPr>
-            <p:ph idx="1"/>
-          </p:nvPr>
-        </p:nvSpPr>
-        <p:spPr>
-          <a:xfrm>
-            <a:off x="159108" y="860356"/>
-            <a:ext cx="8608877" cy="4523494"/>
-          </a:xfrm>
-        </p:spPr>
-        <p:txBody>
-          <a:bodyPr>
-            <a:normAutofit/>
-          </a:bodyPr>
-          <a:lstStyle/>
-          <a:p>
-            <a:pPr marL="0" indent="0">
-              <a:buNone/>
-            </a:pPr>
-            <a:r>
-              <a:rPr lang="en-US" dirty="0"/>
-              <a:t>The </a:t>
-            </a:r>
-            <a:r>
-              <a:rPr lang="en-US" b="1" dirty="0"/>
-              <a:t>scope</a:t>
-            </a:r>
-            <a:r>
-              <a:rPr lang="en-US" dirty="0"/>
-              <a:t> of a variable refers to the context in which that variable is visible/accessible to the Python interpreter.</a:t>
-            </a:r>
-          </a:p>
-          <a:p>
-            <a:pPr marL="0" indent="0">
-              <a:buNone/>
-            </a:pPr>
-            <a:endParaRPr lang="en-US" dirty="0"/>
-          </a:p>
-          <a:p>
-            <a:pPr marL="0" indent="0">
-              <a:buNone/>
-            </a:pPr>
-            <a:r>
-              <a:rPr lang="en-US" dirty="0"/>
-              <a:t>A variable has </a:t>
-            </a:r>
-            <a:r>
-              <a:rPr lang="en-US" b="1" dirty="0"/>
-              <a:t>file scope </a:t>
-            </a:r>
-            <a:r>
-              <a:rPr lang="en-US" dirty="0"/>
-              <a:t>if it is visible to all parts of the code contained in the same file. </a:t>
-            </a:r>
-          </a:p>
-          <a:p>
-            <a:pPr marL="0" indent="0">
-              <a:buNone/>
-            </a:pPr>
-            <a:endParaRPr lang="en-US" dirty="0"/>
-          </a:p>
-          <a:p>
-            <a:pPr marL="0" indent="0">
-              <a:buNone/>
-            </a:pPr>
-            <a:r>
-              <a:rPr lang="en-US" dirty="0"/>
-              <a:t>A variable defined inside a function or as input arguments has </a:t>
-            </a:r>
-            <a:r>
-              <a:rPr lang="en-US" b="1" dirty="0"/>
-              <a:t>restricted scope</a:t>
-            </a:r>
-            <a:r>
-              <a:rPr lang="en-US" dirty="0"/>
-              <a:t> – they can only be accessed within the function. </a:t>
-            </a:r>
-          </a:p>
-          <a:p>
-            <a:pPr marL="0" indent="0">
-              <a:buNone/>
-            </a:pPr>
-            <a:endParaRPr lang="en-US" dirty="0"/>
-          </a:p>
-          <a:p>
-            <a:pPr marL="0" indent="0">
-              <a:buNone/>
-            </a:pPr>
-            <a:r>
-              <a:rPr lang="en-US" dirty="0"/>
-              <a:t>Python is more liberal compared to Java and C++ in terms of scoping rules. In most cases, variables have file scope. </a:t>
-            </a:r>
-          </a:p>
-          <a:p>
-            <a:pPr marL="0" indent="0">
-              <a:buNone/>
-            </a:pPr>
-            <a:endParaRPr lang="en-US" dirty="0"/>
-          </a:p>
-        </p:txBody>
-      </p:sp>
-    </p:spTree>
-    <p:extLst>
-      <p:ext uri="{BB962C8B-B14F-4D97-AF65-F5344CB8AC3E}">
-        <p14:creationId xmlns:p14="http://schemas.microsoft.com/office/powerpoint/2010/main" val="3753341527"/>
-      </p:ext>
-    </p:extLst>
-  </p:cSld>
-  <p:clrMapOvr>
-    <a:masterClrMapping/>
-  </p:clrMapOvr>
-  <p:timing>
-    <p:tnLst>
-      <p:par>
-        <p:cTn id="1" dur="indefinite" restart="never" nodeType="tmRoot">
-          <p:childTnLst>
-            <p:seq concurrent="1" nextAc="seek">
-              <p:cTn id="2" dur="indefinite" nodeType="mainSeq">
-                <p:childTnLst>
-                  <p:par>
-                    <p:cTn id="3" fill="hold">
-                      <p:stCondLst>
-                        <p:cond delay="indefinite"/>
-                      </p:stCondLst>
-                      <p:childTnLst>
-                        <p:par>
-                          <p:cTn id="4" fill="hold">
-                            <p:stCondLst>
-                              <p:cond delay="0"/>
-                            </p:stCondLst>
-                            <p:childTnLst>
-                              <p:par>
-                                <p:cTn id="5" presetID="1" presetClass="entr" presetSubtype="0" fill="hold" nodeType="clickEffect">
-                                  <p:stCondLst>
-                                    <p:cond delay="0"/>
-                                  </p:stCondLst>
-                                  <p:childTnLst>
-                                    <p:set>
-                                      <p:cBhvr>
-                                        <p:cTn id="6" dur="1" fill="hold">
-                                          <p:stCondLst>
-                                            <p:cond delay="0"/>
-                                          </p:stCondLst>
-                                        </p:cTn>
-                                        <p:tgtEl>
-                                          <p:spTgt spid="9">
-                                            <p:txEl>
-                                              <p:pRg st="2" end="2"/>
-                                            </p:txEl>
-                                          </p:spTgt>
-                                        </p:tgtEl>
-                                        <p:attrNameLst>
-                                          <p:attrName>style.visibility</p:attrName>
-                                        </p:attrNameLst>
-                                      </p:cBhvr>
-                                      <p:to>
-                                        <p:strVal val="visible"/>
-                                      </p:to>
-                                    </p:set>
-                                  </p:childTnLst>
-                                </p:cTn>
-                              </p:par>
-                            </p:childTnLst>
-                          </p:cTn>
-                        </p:par>
-                      </p:childTnLst>
-                    </p:cTn>
-                  </p:par>
-                  <p:par>
-                    <p:cTn id="7" fill="hold">
-                      <p:stCondLst>
-                        <p:cond delay="indefinite"/>
-                      </p:stCondLst>
-                      <p:childTnLst>
-                        <p:par>
-                          <p:cTn id="8" fill="hold">
-                            <p:stCondLst>
-                              <p:cond delay="0"/>
-                            </p:stCondLst>
-                            <p:childTnLst>
-                              <p:par>
-                                <p:cTn id="9" presetID="1" presetClass="entr" presetSubtype="0" fill="hold" nodeType="clickEffect">
-                                  <p:stCondLst>
-                                    <p:cond delay="0"/>
-                                  </p:stCondLst>
-                                  <p:childTnLst>
-                                    <p:set>
-                                      <p:cBhvr>
-                                        <p:cTn id="10" dur="1" fill="hold">
-                                          <p:stCondLst>
-                                            <p:cond delay="0"/>
-                                          </p:stCondLst>
-                                        </p:cTn>
-                                        <p:tgtEl>
-                                          <p:spTgt spid="9">
-                                            <p:txEl>
-                                              <p:pRg st="4" end="4"/>
-                                            </p:txEl>
-                                          </p:spTgt>
-                                        </p:tgtEl>
-                                        <p:attrNameLst>
-                                          <p:attrName>style.visibility</p:attrName>
-                                        </p:attrNameLst>
-                                      </p:cBhvr>
-                                      <p:to>
-                                        <p:strVal val="visible"/>
-                                      </p:to>
-                                    </p:set>
-                                  </p:childTnLst>
-                                </p:cTn>
-                              </p:par>
-                            </p:childTnLst>
-                          </p:cTn>
-                        </p:par>
-                      </p:childTnLst>
-                    </p:cTn>
-                  </p:par>
-                  <p:par>
-                    <p:cTn id="11" fill="hold">
-                      <p:stCondLst>
-                        <p:cond delay="indefinite"/>
-                      </p:stCondLst>
-                      <p:childTnLst>
-                        <p:par>
-                          <p:cTn id="12" fill="hold">
-                            <p:stCondLst>
-                              <p:cond delay="0"/>
-                            </p:stCondLst>
-                            <p:childTnLst>
-                              <p:par>
-                                <p:cTn id="13" presetID="1" presetClass="entr" presetSubtype="0" fill="hold" nodeType="clickEffect">
-                                  <p:stCondLst>
-                                    <p:cond delay="0"/>
-                                  </p:stCondLst>
-                                  <p:childTnLst>
-                                    <p:set>
-                                      <p:cBhvr>
-                                        <p:cTn id="14" dur="1" fill="hold">
-                                          <p:stCondLst>
-                                            <p:cond delay="0"/>
-                                          </p:stCondLst>
-                                        </p:cTn>
-                                        <p:tgtEl>
-                                          <p:spTgt spid="9">
-                                            <p:txEl>
-                                              <p:pRg st="6" end="6"/>
-                                            </p:txEl>
-                                          </p:spTgt>
-                                        </p:tgtEl>
-                                        <p:attrNameLst>
-                                          <p:attrName>style.visibility</p:attrName>
-                                        </p:attrNameLst>
-                                      </p:cBhvr>
-                                      <p:to>
-                                        <p:strVal val="visible"/>
-                                      </p:to>
-                                    </p:set>
-                                  </p:childTnLst>
-                                </p:cTn>
-                              </p:par>
-                            </p:childTnLst>
-                          </p:cTn>
-                        </p:par>
-                      </p:childTnLst>
-                    </p:cTn>
-                  </p:par>
-                </p:childTnLst>
-              </p:cTn>
-              <p:prevCondLst>
-                <p:cond evt="onPrev" delay="0">
-                  <p:tgtEl>
-                    <p:sldTgt/>
-                  </p:tgtEl>
-                </p:cond>
-              </p:prevCondLst>
-              <p:nextCondLst>
-                <p:cond evt="onNext" delay="0">
-                  <p:tgtEl>
-                    <p:sldTgt/>
-                  </p:tgtEl>
-                </p:cond>
-              </p:nextCondLst>
-            </p:seq>
-          </p:childTnLst>
-        </p:cTn>
-      </p:par>
-    </p:tnLst>
-  </p:timing>
 </p:sld>
 </file>
 
@@ -23600,6 +23485,359 @@
 </file>
 
 <file path=ppt/slides/slide30.xml><?xml version="1.0" encoding="utf-8"?>
+<p:sld xmlns:a="http://schemas.openxmlformats.org/drawingml/2006/main" xmlns:r="http://schemas.openxmlformats.org/officeDocument/2006/relationships" xmlns:p="http://schemas.openxmlformats.org/presentationml/2006/main">
+  <p:cSld>
+    <p:spTree>
+      <p:nvGrpSpPr>
+        <p:cNvPr id="1" name=""/>
+        <p:cNvGrpSpPr/>
+        <p:nvPr/>
+      </p:nvGrpSpPr>
+      <p:grpSpPr>
+        <a:xfrm>
+          <a:off x="0" y="0"/>
+          <a:ext cx="0" cy="0"/>
+          <a:chOff x="0" y="0"/>
+          <a:chExt cx="0" cy="0"/>
+        </a:xfrm>
+      </p:grpSpPr>
+      <p:sp>
+        <p:nvSpPr>
+          <p:cNvPr id="2" name="Title 1">
+            <a:extLst>
+              <a:ext uri="{FF2B5EF4-FFF2-40B4-BE49-F238E27FC236}">
+                <a16:creationId xmlns:a16="http://schemas.microsoft.com/office/drawing/2014/main" id="{AA3A228F-61D0-D949-A5E7-F83756230BF8}"/>
+              </a:ext>
+            </a:extLst>
+          </p:cNvPr>
+          <p:cNvSpPr>
+            <a:spLocks noGrp="1"/>
+          </p:cNvSpPr>
+          <p:nvPr>
+            <p:ph type="title"/>
+          </p:nvPr>
+        </p:nvSpPr>
+        <p:spPr>
+          <a:xfrm>
+            <a:off x="159108" y="176470"/>
+            <a:ext cx="7053542" cy="683886"/>
+          </a:xfrm>
+        </p:spPr>
+        <p:txBody>
+          <a:bodyPr/>
+          <a:lstStyle/>
+          <a:p>
+            <a:r>
+              <a:rPr lang="en-US" dirty="0"/>
+              <a:t>Scope </a:t>
+            </a:r>
+          </a:p>
+        </p:txBody>
+      </p:sp>
+      <p:sp>
+        <p:nvSpPr>
+          <p:cNvPr id="9" name="Content Placeholder 8">
+            <a:extLst>
+              <a:ext uri="{FF2B5EF4-FFF2-40B4-BE49-F238E27FC236}">
+                <a16:creationId xmlns:a16="http://schemas.microsoft.com/office/drawing/2014/main" id="{E3B2E017-30B2-884B-A113-B419A2ED51AD}"/>
+              </a:ext>
+            </a:extLst>
+          </p:cNvPr>
+          <p:cNvSpPr>
+            <a:spLocks noGrp="1"/>
+          </p:cNvSpPr>
+          <p:nvPr>
+            <p:ph idx="1"/>
+          </p:nvPr>
+        </p:nvSpPr>
+        <p:spPr>
+          <a:xfrm>
+            <a:off x="159108" y="860356"/>
+            <a:ext cx="8608877" cy="4523494"/>
+          </a:xfrm>
+        </p:spPr>
+        <p:txBody>
+          <a:bodyPr>
+            <a:normAutofit/>
+          </a:bodyPr>
+          <a:lstStyle/>
+          <a:p>
+            <a:pPr marL="0" indent="0">
+              <a:buNone/>
+            </a:pPr>
+            <a:r>
+              <a:rPr lang="en-US" dirty="0"/>
+              <a:t>The </a:t>
+            </a:r>
+            <a:r>
+              <a:rPr lang="en-US" b="1" dirty="0"/>
+              <a:t>scope</a:t>
+            </a:r>
+            <a:r>
+              <a:rPr lang="en-US" dirty="0"/>
+              <a:t> of a variable refers to the context in which that variable is visible/accessible to the Python interpreter.</a:t>
+            </a:r>
+          </a:p>
+          <a:p>
+            <a:pPr marL="0" indent="0">
+              <a:buNone/>
+            </a:pPr>
+            <a:endParaRPr lang="en-US" dirty="0"/>
+          </a:p>
+          <a:p>
+            <a:pPr marL="0" indent="0">
+              <a:buNone/>
+            </a:pPr>
+            <a:r>
+              <a:rPr lang="en-US" dirty="0"/>
+              <a:t>A variable has </a:t>
+            </a:r>
+            <a:r>
+              <a:rPr lang="en-US" b="1" dirty="0"/>
+              <a:t>file scope </a:t>
+            </a:r>
+            <a:r>
+              <a:rPr lang="en-US" dirty="0"/>
+              <a:t>if it is visible to all parts of the code contained in the same file. </a:t>
+            </a:r>
+          </a:p>
+          <a:p>
+            <a:pPr marL="0" indent="0">
+              <a:buNone/>
+            </a:pPr>
+            <a:endParaRPr lang="en-US" dirty="0"/>
+          </a:p>
+          <a:p>
+            <a:pPr marL="0" indent="0">
+              <a:buNone/>
+            </a:pPr>
+            <a:r>
+              <a:rPr lang="en-US" dirty="0"/>
+              <a:t>A variable defined inside a function or as input arguments has </a:t>
+            </a:r>
+            <a:r>
+              <a:rPr lang="en-US" b="1" dirty="0"/>
+              <a:t>restricted scope</a:t>
+            </a:r>
+            <a:r>
+              <a:rPr lang="en-US" dirty="0"/>
+              <a:t> – they can only be accessed within the function. </a:t>
+            </a:r>
+          </a:p>
+          <a:p>
+            <a:pPr marL="0" indent="0">
+              <a:buNone/>
+            </a:pPr>
+            <a:endParaRPr lang="en-US" dirty="0"/>
+          </a:p>
+          <a:p>
+            <a:pPr marL="0" indent="0">
+              <a:buNone/>
+            </a:pPr>
+            <a:r>
+              <a:rPr lang="en-US" dirty="0"/>
+              <a:t>Python is more liberal compared to Java and C++ in terms of scoping rules. In most cases, variables have file scope. </a:t>
+            </a:r>
+          </a:p>
+          <a:p>
+            <a:pPr marL="0" indent="0">
+              <a:buNone/>
+            </a:pPr>
+            <a:endParaRPr lang="en-US" dirty="0"/>
+          </a:p>
+        </p:txBody>
+      </p:sp>
+    </p:spTree>
+    <p:extLst>
+      <p:ext uri="{BB962C8B-B14F-4D97-AF65-F5344CB8AC3E}">
+        <p14:creationId xmlns:p14="http://schemas.microsoft.com/office/powerpoint/2010/main" val="3753341527"/>
+      </p:ext>
+    </p:extLst>
+  </p:cSld>
+  <p:clrMapOvr>
+    <a:masterClrMapping/>
+  </p:clrMapOvr>
+  <p:timing>
+    <p:tnLst>
+      <p:par>
+        <p:cTn id="1" dur="indefinite" restart="never" nodeType="tmRoot">
+          <p:childTnLst>
+            <p:seq concurrent="1" nextAc="seek">
+              <p:cTn id="2" dur="indefinite" nodeType="mainSeq">
+                <p:childTnLst>
+                  <p:par>
+                    <p:cTn id="3" fill="hold">
+                      <p:stCondLst>
+                        <p:cond delay="indefinite"/>
+                      </p:stCondLst>
+                      <p:childTnLst>
+                        <p:par>
+                          <p:cTn id="4" fill="hold">
+                            <p:stCondLst>
+                              <p:cond delay="0"/>
+                            </p:stCondLst>
+                            <p:childTnLst>
+                              <p:par>
+                                <p:cTn id="5" presetID="1" presetClass="entr" presetSubtype="0" fill="hold" nodeType="clickEffect">
+                                  <p:stCondLst>
+                                    <p:cond delay="0"/>
+                                  </p:stCondLst>
+                                  <p:childTnLst>
+                                    <p:set>
+                                      <p:cBhvr>
+                                        <p:cTn id="6" dur="1" fill="hold">
+                                          <p:stCondLst>
+                                            <p:cond delay="0"/>
+                                          </p:stCondLst>
+                                        </p:cTn>
+                                        <p:tgtEl>
+                                          <p:spTgt spid="9">
+                                            <p:txEl>
+                                              <p:pRg st="2" end="2"/>
+                                            </p:txEl>
+                                          </p:spTgt>
+                                        </p:tgtEl>
+                                        <p:attrNameLst>
+                                          <p:attrName>style.visibility</p:attrName>
+                                        </p:attrNameLst>
+                                      </p:cBhvr>
+                                      <p:to>
+                                        <p:strVal val="visible"/>
+                                      </p:to>
+                                    </p:set>
+                                  </p:childTnLst>
+                                </p:cTn>
+                              </p:par>
+                            </p:childTnLst>
+                          </p:cTn>
+                        </p:par>
+                      </p:childTnLst>
+                    </p:cTn>
+                  </p:par>
+                  <p:par>
+                    <p:cTn id="7" fill="hold">
+                      <p:stCondLst>
+                        <p:cond delay="indefinite"/>
+                      </p:stCondLst>
+                      <p:childTnLst>
+                        <p:par>
+                          <p:cTn id="8" fill="hold">
+                            <p:stCondLst>
+                              <p:cond delay="0"/>
+                            </p:stCondLst>
+                            <p:childTnLst>
+                              <p:par>
+                                <p:cTn id="9" presetID="1" presetClass="entr" presetSubtype="0" fill="hold" nodeType="clickEffect">
+                                  <p:stCondLst>
+                                    <p:cond delay="0"/>
+                                  </p:stCondLst>
+                                  <p:childTnLst>
+                                    <p:set>
+                                      <p:cBhvr>
+                                        <p:cTn id="10" dur="1" fill="hold">
+                                          <p:stCondLst>
+                                            <p:cond delay="0"/>
+                                          </p:stCondLst>
+                                        </p:cTn>
+                                        <p:tgtEl>
+                                          <p:spTgt spid="9">
+                                            <p:txEl>
+                                              <p:pRg st="4" end="4"/>
+                                            </p:txEl>
+                                          </p:spTgt>
+                                        </p:tgtEl>
+                                        <p:attrNameLst>
+                                          <p:attrName>style.visibility</p:attrName>
+                                        </p:attrNameLst>
+                                      </p:cBhvr>
+                                      <p:to>
+                                        <p:strVal val="visible"/>
+                                      </p:to>
+                                    </p:set>
+                                  </p:childTnLst>
+                                </p:cTn>
+                              </p:par>
+                            </p:childTnLst>
+                          </p:cTn>
+                        </p:par>
+                      </p:childTnLst>
+                    </p:cTn>
+                  </p:par>
+                  <p:par>
+                    <p:cTn id="11" fill="hold">
+                      <p:stCondLst>
+                        <p:cond delay="indefinite"/>
+                      </p:stCondLst>
+                      <p:childTnLst>
+                        <p:par>
+                          <p:cTn id="12" fill="hold">
+                            <p:stCondLst>
+                              <p:cond delay="0"/>
+                            </p:stCondLst>
+                            <p:childTnLst>
+                              <p:par>
+                                <p:cTn id="13" presetID="1" presetClass="entr" presetSubtype="0" fill="hold" nodeType="clickEffect">
+                                  <p:stCondLst>
+                                    <p:cond delay="0"/>
+                                  </p:stCondLst>
+                                  <p:childTnLst>
+                                    <p:set>
+                                      <p:cBhvr>
+                                        <p:cTn id="14" dur="1" fill="hold">
+                                          <p:stCondLst>
+                                            <p:cond delay="0"/>
+                                          </p:stCondLst>
+                                        </p:cTn>
+                                        <p:tgtEl>
+                                          <p:spTgt spid="9">
+                                            <p:txEl>
+                                              <p:pRg st="6" end="6"/>
+                                            </p:txEl>
+                                          </p:spTgt>
+                                        </p:tgtEl>
+                                        <p:attrNameLst>
+                                          <p:attrName>style.visibility</p:attrName>
+                                        </p:attrNameLst>
+                                      </p:cBhvr>
+                                      <p:to>
+                                        <p:strVal val="visible"/>
+                                      </p:to>
+                                    </p:set>
+                                  </p:childTnLst>
+                                </p:cTn>
+                              </p:par>
+                            </p:childTnLst>
+                          </p:cTn>
+                        </p:par>
+                      </p:childTnLst>
+                    </p:cTn>
+                  </p:par>
+                </p:childTnLst>
+              </p:cTn>
+              <p:prevCondLst>
+                <p:cond evt="onPrev" delay="0">
+                  <p:tgtEl>
+                    <p:sldTgt/>
+                  </p:tgtEl>
+                </p:cond>
+              </p:prevCondLst>
+              <p:nextCondLst>
+                <p:cond evt="onNext" delay="0">
+                  <p:tgtEl>
+                    <p:sldTgt/>
+                  </p:tgtEl>
+                </p:cond>
+              </p:nextCondLst>
+            </p:seq>
+          </p:childTnLst>
+        </p:cTn>
+      </p:par>
+    </p:tnLst>
+  </p:timing>
+</p:sld>
+</file>
+
+<file path=ppt/slides/slide31.xml><?xml version="1.0" encoding="utf-8"?>
 <p:sld xmlns:a="http://schemas.openxmlformats.org/drawingml/2006/main" xmlns:r="http://schemas.openxmlformats.org/officeDocument/2006/relationships" xmlns:p="http://schemas.openxmlformats.org/presentationml/2006/main">
   <p:cSld>
     <p:spTree>
@@ -24438,7 +24676,7 @@
 </p:sld>
 </file>
 
-<file path=ppt/slides/slide31.xml><?xml version="1.0" encoding="utf-8"?>
+<file path=ppt/slides/slide32.xml><?xml version="1.0" encoding="utf-8"?>
 <p:sld xmlns:a="http://schemas.openxmlformats.org/drawingml/2006/main" xmlns:r="http://schemas.openxmlformats.org/officeDocument/2006/relationships" xmlns:p="http://schemas.openxmlformats.org/presentationml/2006/main">
   <p:cSld>
     <p:spTree>
@@ -25184,7 +25422,7 @@
 </p:sld>
 </file>
 
-<file path=ppt/slides/slide32.xml><?xml version="1.0" encoding="utf-8"?>
+<file path=ppt/slides/slide33.xml><?xml version="1.0" encoding="utf-8"?>
 <p:sld xmlns:a="http://schemas.openxmlformats.org/drawingml/2006/main" xmlns:r="http://schemas.openxmlformats.org/officeDocument/2006/relationships" xmlns:p="http://schemas.openxmlformats.org/presentationml/2006/main">
   <p:cSld>
     <p:spTree>
@@ -26489,7 +26727,7 @@
 </p:sld>
 </file>
 
-<file path=ppt/slides/slide33.xml><?xml version="1.0" encoding="utf-8"?>
+<file path=ppt/slides/slide34.xml><?xml version="1.0" encoding="utf-8"?>
 <p:sld xmlns:a="http://schemas.openxmlformats.org/drawingml/2006/main" xmlns:r="http://schemas.openxmlformats.org/officeDocument/2006/relationships" xmlns:p="http://schemas.openxmlformats.org/presentationml/2006/main">
   <p:cSld>
     <p:spTree>
@@ -26832,7 +27070,7 @@
 </p:sld>
 </file>
 
-<file path=ppt/slides/slide34.xml><?xml version="1.0" encoding="utf-8"?>
+<file path=ppt/slides/slide35.xml><?xml version="1.0" encoding="utf-8"?>
 <p:sld xmlns:a="http://schemas.openxmlformats.org/drawingml/2006/main" xmlns:r="http://schemas.openxmlformats.org/officeDocument/2006/relationships" xmlns:p="http://schemas.openxmlformats.org/presentationml/2006/main">
   <p:cSld>
     <p:spTree>
@@ -27217,7 +27455,7 @@
 </p:sld>
 </file>
 
-<file path=ppt/slides/slide35.xml><?xml version="1.0" encoding="utf-8"?>
+<file path=ppt/slides/slide36.xml><?xml version="1.0" encoding="utf-8"?>
 <p:sld xmlns:a="http://schemas.openxmlformats.org/drawingml/2006/main" xmlns:r="http://schemas.openxmlformats.org/officeDocument/2006/relationships" xmlns:p="http://schemas.openxmlformats.org/presentationml/2006/main">
   <p:cSld>
     <p:spTree>
@@ -27420,7 +27658,7 @@
 </p:sld>
 </file>
 
-<file path=ppt/slides/slide36.xml><?xml version="1.0" encoding="utf-8"?>
+<file path=ppt/slides/slide37.xml><?xml version="1.0" encoding="utf-8"?>
 <p:sld xmlns:a="http://schemas.openxmlformats.org/drawingml/2006/main" xmlns:r="http://schemas.openxmlformats.org/officeDocument/2006/relationships" xmlns:p="http://schemas.openxmlformats.org/presentationml/2006/main">
   <p:cSld>
     <p:spTree>

--- a/courses/apcsp/lect4.pptx
+++ b/courses/apcsp/lect4.pptx
@@ -5,7 +5,7 @@
     <p:sldMasterId id="2147483791" r:id="rId1"/>
   </p:sldMasterIdLst>
   <p:notesMasterIdLst>
-    <p:notesMasterId r:id="rId39"/>
+    <p:notesMasterId r:id="rId42"/>
   </p:notesMasterIdLst>
   <p:sldIdLst>
     <p:sldId id="256" r:id="rId2"/>
@@ -24,27 +24,30 @@
     <p:sldId id="410" r:id="rId15"/>
     <p:sldId id="307" r:id="rId16"/>
     <p:sldId id="334" r:id="rId17"/>
-    <p:sldId id="412" r:id="rId18"/>
-    <p:sldId id="418" r:id="rId19"/>
-    <p:sldId id="310" r:id="rId20"/>
-    <p:sldId id="308" r:id="rId21"/>
-    <p:sldId id="311" r:id="rId22"/>
-    <p:sldId id="414" r:id="rId23"/>
-    <p:sldId id="415" r:id="rId24"/>
-    <p:sldId id="416" r:id="rId25"/>
-    <p:sldId id="319" r:id="rId26"/>
-    <p:sldId id="337" r:id="rId27"/>
-    <p:sldId id="320" r:id="rId28"/>
-    <p:sldId id="321" r:id="rId29"/>
-    <p:sldId id="323" r:id="rId30"/>
-    <p:sldId id="324" r:id="rId31"/>
-    <p:sldId id="329" r:id="rId32"/>
-    <p:sldId id="330" r:id="rId33"/>
-    <p:sldId id="325" r:id="rId34"/>
-    <p:sldId id="398" r:id="rId35"/>
-    <p:sldId id="417" r:id="rId36"/>
-    <p:sldId id="399" r:id="rId37"/>
-    <p:sldId id="284" r:id="rId38"/>
+    <p:sldId id="419" r:id="rId18"/>
+    <p:sldId id="412" r:id="rId19"/>
+    <p:sldId id="418" r:id="rId20"/>
+    <p:sldId id="310" r:id="rId21"/>
+    <p:sldId id="308" r:id="rId22"/>
+    <p:sldId id="311" r:id="rId23"/>
+    <p:sldId id="414" r:id="rId24"/>
+    <p:sldId id="415" r:id="rId25"/>
+    <p:sldId id="416" r:id="rId26"/>
+    <p:sldId id="319" r:id="rId27"/>
+    <p:sldId id="420" r:id="rId28"/>
+    <p:sldId id="337" r:id="rId29"/>
+    <p:sldId id="421" r:id="rId30"/>
+    <p:sldId id="320" r:id="rId31"/>
+    <p:sldId id="321" r:id="rId32"/>
+    <p:sldId id="323" r:id="rId33"/>
+    <p:sldId id="324" r:id="rId34"/>
+    <p:sldId id="329" r:id="rId35"/>
+    <p:sldId id="330" r:id="rId36"/>
+    <p:sldId id="325" r:id="rId37"/>
+    <p:sldId id="398" r:id="rId38"/>
+    <p:sldId id="417" r:id="rId39"/>
+    <p:sldId id="399" r:id="rId40"/>
+    <p:sldId id="284" r:id="rId41"/>
   </p:sldIdLst>
   <p:sldSz cx="9144000" cy="5715000" type="screen16x10"/>
   <p:notesSz cx="6858000" cy="9144000"/>
@@ -154,7 +157,7 @@
 <file path=ppt/revisionInfo.xml><?xml version="1.0" encoding="utf-8"?>
 <p1510:revInfo xmlns:a="http://schemas.openxmlformats.org/drawingml/2006/main" xmlns:r="http://schemas.openxmlformats.org/officeDocument/2006/relationships" xmlns:p1510="http://schemas.microsoft.com/office/powerpoint/2015/10/main">
   <p1510:revLst>
-    <p1510:client id="{7CF42801-12ED-E04E-AC69-6FCBFB1E8006}" v="34" dt="2021-10-04T13:46:25.462"/>
+    <p1510:client id="{7CF42801-12ED-E04E-AC69-6FCBFB1E8006}" v="400" dt="2021-10-06T11:41:56.023"/>
   </p1510:revLst>
 </p1510:revInfo>
 </file>
@@ -3666,23 +3669,92 @@
   <pc:docChgLst>
     <pc:chgData name="Long B Nguyen" userId="f59fb8f3-a021-417a-8bc1-65c8d471c621" providerId="ADAL" clId="{7CF42801-12ED-E04E-AC69-6FCBFB1E8006}"/>
     <pc:docChg chg="undo custSel addSld modSld">
-      <pc:chgData name="Long B Nguyen" userId="f59fb8f3-a021-417a-8bc1-65c8d471c621" providerId="ADAL" clId="{7CF42801-12ED-E04E-AC69-6FCBFB1E8006}" dt="2021-10-04T13:49:30.950" v="333" actId="20577"/>
+      <pc:chgData name="Long B Nguyen" userId="f59fb8f3-a021-417a-8bc1-65c8d471c621" providerId="ADAL" clId="{7CF42801-12ED-E04E-AC69-6FCBFB1E8006}" dt="2021-10-06T11:41:56.023" v="947" actId="20577"/>
       <pc:docMkLst>
         <pc:docMk/>
       </pc:docMkLst>
-      <pc:sldChg chg="modAnim">
-        <pc:chgData name="Long B Nguyen" userId="f59fb8f3-a021-417a-8bc1-65c8d471c621" providerId="ADAL" clId="{7CF42801-12ED-E04E-AC69-6FCBFB1E8006}" dt="2021-10-04T13:27:57.248" v="0"/>
+      <pc:sldChg chg="addSp modSp">
+        <pc:chgData name="Long B Nguyen" userId="f59fb8f3-a021-417a-8bc1-65c8d471c621" providerId="ADAL" clId="{7CF42801-12ED-E04E-AC69-6FCBFB1E8006}" dt="2021-10-06T11:28:25.245" v="450"/>
+        <pc:sldMkLst>
+          <pc:docMk/>
+          <pc:sldMk cId="4247104139" sldId="256"/>
+        </pc:sldMkLst>
+        <pc:spChg chg="add mod">
+          <ac:chgData name="Long B Nguyen" userId="f59fb8f3-a021-417a-8bc1-65c8d471c621" providerId="ADAL" clId="{7CF42801-12ED-E04E-AC69-6FCBFB1E8006}" dt="2021-10-06T11:28:25.245" v="450"/>
+          <ac:spMkLst>
+            <pc:docMk/>
+            <pc:sldMk cId="4247104139" sldId="256"/>
+            <ac:spMk id="5" creationId="{E4B0F9AB-7D9B-1942-A201-560D2D3B9249}"/>
+          </ac:spMkLst>
+        </pc:spChg>
+      </pc:sldChg>
+      <pc:sldChg chg="addSp modSp">
+        <pc:chgData name="Long B Nguyen" userId="f59fb8f3-a021-417a-8bc1-65c8d471c621" providerId="ADAL" clId="{7CF42801-12ED-E04E-AC69-6FCBFB1E8006}" dt="2021-10-06T11:28:25.245" v="450"/>
+        <pc:sldMkLst>
+          <pc:docMk/>
+          <pc:sldMk cId="1438711869" sldId="284"/>
+        </pc:sldMkLst>
+        <pc:spChg chg="add mod">
+          <ac:chgData name="Long B Nguyen" userId="f59fb8f3-a021-417a-8bc1-65c8d471c621" providerId="ADAL" clId="{7CF42801-12ED-E04E-AC69-6FCBFB1E8006}" dt="2021-10-06T11:28:25.245" v="450"/>
+          <ac:spMkLst>
+            <pc:docMk/>
+            <pc:sldMk cId="1438711869" sldId="284"/>
+            <ac:spMk id="3" creationId="{6CF8947F-3BCC-234A-A9F1-BDE54AE0CAA7}"/>
+          </ac:spMkLst>
+        </pc:spChg>
+      </pc:sldChg>
+      <pc:sldChg chg="addSp modSp">
+        <pc:chgData name="Long B Nguyen" userId="f59fb8f3-a021-417a-8bc1-65c8d471c621" providerId="ADAL" clId="{7CF42801-12ED-E04E-AC69-6FCBFB1E8006}" dt="2021-10-06T11:28:25.245" v="450"/>
+        <pc:sldMkLst>
+          <pc:docMk/>
+          <pc:sldMk cId="131840209" sldId="286"/>
+        </pc:sldMkLst>
+        <pc:spChg chg="add mod">
+          <ac:chgData name="Long B Nguyen" userId="f59fb8f3-a021-417a-8bc1-65c8d471c621" providerId="ADAL" clId="{7CF42801-12ED-E04E-AC69-6FCBFB1E8006}" dt="2021-10-06T11:28:25.245" v="450"/>
+          <ac:spMkLst>
+            <pc:docMk/>
+            <pc:sldMk cId="131840209" sldId="286"/>
+            <ac:spMk id="3" creationId="{692C54DA-4ED4-B647-B6CB-44FF54942F2F}"/>
+          </ac:spMkLst>
+        </pc:spChg>
+      </pc:sldChg>
+      <pc:sldChg chg="addSp modSp modAnim">
+        <pc:chgData name="Long B Nguyen" userId="f59fb8f3-a021-417a-8bc1-65c8d471c621" providerId="ADAL" clId="{7CF42801-12ED-E04E-AC69-6FCBFB1E8006}" dt="2021-10-06T11:28:25.245" v="450"/>
         <pc:sldMkLst>
           <pc:docMk/>
           <pc:sldMk cId="3670596711" sldId="304"/>
         </pc:sldMkLst>
+        <pc:spChg chg="add mod">
+          <ac:chgData name="Long B Nguyen" userId="f59fb8f3-a021-417a-8bc1-65c8d471c621" providerId="ADAL" clId="{7CF42801-12ED-E04E-AC69-6FCBFB1E8006}" dt="2021-10-06T11:28:25.245" v="450"/>
+          <ac:spMkLst>
+            <pc:docMk/>
+            <pc:sldMk cId="3670596711" sldId="304"/>
+            <ac:spMk id="3" creationId="{8FCF91CF-E5E4-114A-9F9D-073E37C8E379}"/>
+          </ac:spMkLst>
+        </pc:spChg>
+        <pc:spChg chg="mod">
+          <ac:chgData name="Long B Nguyen" userId="f59fb8f3-a021-417a-8bc1-65c8d471c621" providerId="ADAL" clId="{7CF42801-12ED-E04E-AC69-6FCBFB1E8006}" dt="2021-10-06T11:20:18.479" v="407" actId="20577"/>
+          <ac:spMkLst>
+            <pc:docMk/>
+            <pc:sldMk cId="3670596711" sldId="304"/>
+            <ac:spMk id="9" creationId="{E3B2E017-30B2-884B-A113-B419A2ED51AD}"/>
+          </ac:spMkLst>
+        </pc:spChg>
       </pc:sldChg>
-      <pc:sldChg chg="modSp modAnim">
-        <pc:chgData name="Long B Nguyen" userId="f59fb8f3-a021-417a-8bc1-65c8d471c621" providerId="ADAL" clId="{7CF42801-12ED-E04E-AC69-6FCBFB1E8006}" dt="2021-10-04T13:32:16.187" v="28" actId="20577"/>
+      <pc:sldChg chg="addSp modSp modAnim">
+        <pc:chgData name="Long B Nguyen" userId="f59fb8f3-a021-417a-8bc1-65c8d471c621" providerId="ADAL" clId="{7CF42801-12ED-E04E-AC69-6FCBFB1E8006}" dt="2021-10-06T11:28:25.245" v="450"/>
         <pc:sldMkLst>
           <pc:docMk/>
           <pc:sldMk cId="3984246490" sldId="307"/>
         </pc:sldMkLst>
+        <pc:spChg chg="add mod">
+          <ac:chgData name="Long B Nguyen" userId="f59fb8f3-a021-417a-8bc1-65c8d471c621" providerId="ADAL" clId="{7CF42801-12ED-E04E-AC69-6FCBFB1E8006}" dt="2021-10-06T11:28:25.245" v="450"/>
+          <ac:spMkLst>
+            <pc:docMk/>
+            <pc:sldMk cId="3984246490" sldId="307"/>
+            <ac:spMk id="6" creationId="{28C42CF5-8F47-024E-80D4-BA82B750A8FF}"/>
+          </ac:spMkLst>
+        </pc:spChg>
         <pc:spChg chg="mod">
           <ac:chgData name="Long B Nguyen" userId="f59fb8f3-a021-417a-8bc1-65c8d471c621" providerId="ADAL" clId="{7CF42801-12ED-E04E-AC69-6FCBFB1E8006}" dt="2021-10-04T13:32:16.187" v="28" actId="20577"/>
           <ac:spMkLst>
@@ -3692,40 +3764,392 @@
           </ac:spMkLst>
         </pc:spChg>
       </pc:sldChg>
-      <pc:sldChg chg="modAnim">
-        <pc:chgData name="Long B Nguyen" userId="f59fb8f3-a021-417a-8bc1-65c8d471c621" providerId="ADAL" clId="{7CF42801-12ED-E04E-AC69-6FCBFB1E8006}" dt="2021-10-04T13:28:11.877" v="4"/>
+      <pc:sldChg chg="addSp modSp">
+        <pc:chgData name="Long B Nguyen" userId="f59fb8f3-a021-417a-8bc1-65c8d471c621" providerId="ADAL" clId="{7CF42801-12ED-E04E-AC69-6FCBFB1E8006}" dt="2021-10-06T11:28:25.245" v="450"/>
+        <pc:sldMkLst>
+          <pc:docMk/>
+          <pc:sldMk cId="3672999173" sldId="308"/>
+        </pc:sldMkLst>
+        <pc:spChg chg="add mod">
+          <ac:chgData name="Long B Nguyen" userId="f59fb8f3-a021-417a-8bc1-65c8d471c621" providerId="ADAL" clId="{7CF42801-12ED-E04E-AC69-6FCBFB1E8006}" dt="2021-10-06T11:28:25.245" v="450"/>
+          <ac:spMkLst>
+            <pc:docMk/>
+            <pc:sldMk cId="3672999173" sldId="308"/>
+            <ac:spMk id="3" creationId="{495E675A-1B19-9F4E-AF3C-ECC63A5D385F}"/>
+          </ac:spMkLst>
+        </pc:spChg>
+      </pc:sldChg>
+      <pc:sldChg chg="addSp modSp">
+        <pc:chgData name="Long B Nguyen" userId="f59fb8f3-a021-417a-8bc1-65c8d471c621" providerId="ADAL" clId="{7CF42801-12ED-E04E-AC69-6FCBFB1E8006}" dt="2021-10-06T11:28:25.245" v="450"/>
+        <pc:sldMkLst>
+          <pc:docMk/>
+          <pc:sldMk cId="4055245160" sldId="310"/>
+        </pc:sldMkLst>
+        <pc:spChg chg="add mod">
+          <ac:chgData name="Long B Nguyen" userId="f59fb8f3-a021-417a-8bc1-65c8d471c621" providerId="ADAL" clId="{7CF42801-12ED-E04E-AC69-6FCBFB1E8006}" dt="2021-10-06T11:28:25.245" v="450"/>
+          <ac:spMkLst>
+            <pc:docMk/>
+            <pc:sldMk cId="4055245160" sldId="310"/>
+            <ac:spMk id="3" creationId="{6F2C2150-2C32-4048-81DF-65F0D66B804E}"/>
+          </ac:spMkLst>
+        </pc:spChg>
+      </pc:sldChg>
+      <pc:sldChg chg="addSp modSp">
+        <pc:chgData name="Long B Nguyen" userId="f59fb8f3-a021-417a-8bc1-65c8d471c621" providerId="ADAL" clId="{7CF42801-12ED-E04E-AC69-6FCBFB1E8006}" dt="2021-10-06T11:28:25.245" v="450"/>
+        <pc:sldMkLst>
+          <pc:docMk/>
+          <pc:sldMk cId="4210029770" sldId="311"/>
+        </pc:sldMkLst>
+        <pc:spChg chg="add mod">
+          <ac:chgData name="Long B Nguyen" userId="f59fb8f3-a021-417a-8bc1-65c8d471c621" providerId="ADAL" clId="{7CF42801-12ED-E04E-AC69-6FCBFB1E8006}" dt="2021-10-06T11:28:25.245" v="450"/>
+          <ac:spMkLst>
+            <pc:docMk/>
+            <pc:sldMk cId="4210029770" sldId="311"/>
+            <ac:spMk id="3" creationId="{930799C8-A027-3144-8E2A-5DFBC602A7D9}"/>
+          </ac:spMkLst>
+        </pc:spChg>
+      </pc:sldChg>
+      <pc:sldChg chg="addSp modSp">
+        <pc:chgData name="Long B Nguyen" userId="f59fb8f3-a021-417a-8bc1-65c8d471c621" providerId="ADAL" clId="{7CF42801-12ED-E04E-AC69-6FCBFB1E8006}" dt="2021-10-06T11:28:25.245" v="450"/>
+        <pc:sldMkLst>
+          <pc:docMk/>
+          <pc:sldMk cId="1160286806" sldId="319"/>
+        </pc:sldMkLst>
+        <pc:spChg chg="add mod">
+          <ac:chgData name="Long B Nguyen" userId="f59fb8f3-a021-417a-8bc1-65c8d471c621" providerId="ADAL" clId="{7CF42801-12ED-E04E-AC69-6FCBFB1E8006}" dt="2021-10-06T11:28:25.245" v="450"/>
+          <ac:spMkLst>
+            <pc:docMk/>
+            <pc:sldMk cId="1160286806" sldId="319"/>
+            <ac:spMk id="3" creationId="{550DBE00-B293-9246-AFB2-606B15F580BB}"/>
+          </ac:spMkLst>
+        </pc:spChg>
+      </pc:sldChg>
+      <pc:sldChg chg="addSp modSp">
+        <pc:chgData name="Long B Nguyen" userId="f59fb8f3-a021-417a-8bc1-65c8d471c621" providerId="ADAL" clId="{7CF42801-12ED-E04E-AC69-6FCBFB1E8006}" dt="2021-10-06T11:28:25.245" v="450"/>
+        <pc:sldMkLst>
+          <pc:docMk/>
+          <pc:sldMk cId="617958515" sldId="320"/>
+        </pc:sldMkLst>
+        <pc:spChg chg="add mod">
+          <ac:chgData name="Long B Nguyen" userId="f59fb8f3-a021-417a-8bc1-65c8d471c621" providerId="ADAL" clId="{7CF42801-12ED-E04E-AC69-6FCBFB1E8006}" dt="2021-10-06T11:28:25.245" v="450"/>
+          <ac:spMkLst>
+            <pc:docMk/>
+            <pc:sldMk cId="617958515" sldId="320"/>
+            <ac:spMk id="4" creationId="{7F02B087-4726-2343-A038-4EB0D964FF89}"/>
+          </ac:spMkLst>
+        </pc:spChg>
+      </pc:sldChg>
+      <pc:sldChg chg="addSp modSp">
+        <pc:chgData name="Long B Nguyen" userId="f59fb8f3-a021-417a-8bc1-65c8d471c621" providerId="ADAL" clId="{7CF42801-12ED-E04E-AC69-6FCBFB1E8006}" dt="2021-10-06T11:28:25.245" v="450"/>
+        <pc:sldMkLst>
+          <pc:docMk/>
+          <pc:sldMk cId="3039307715" sldId="321"/>
+        </pc:sldMkLst>
+        <pc:spChg chg="add mod">
+          <ac:chgData name="Long B Nguyen" userId="f59fb8f3-a021-417a-8bc1-65c8d471c621" providerId="ADAL" clId="{7CF42801-12ED-E04E-AC69-6FCBFB1E8006}" dt="2021-10-06T11:28:25.245" v="450"/>
+          <ac:spMkLst>
+            <pc:docMk/>
+            <pc:sldMk cId="3039307715" sldId="321"/>
+            <ac:spMk id="4" creationId="{016932E6-09BA-3C4F-AF66-D8E35B5E2E6E}"/>
+          </ac:spMkLst>
+        </pc:spChg>
+      </pc:sldChg>
+      <pc:sldChg chg="addSp modSp">
+        <pc:chgData name="Long B Nguyen" userId="f59fb8f3-a021-417a-8bc1-65c8d471c621" providerId="ADAL" clId="{7CF42801-12ED-E04E-AC69-6FCBFB1E8006}" dt="2021-10-06T11:28:25.245" v="450"/>
+        <pc:sldMkLst>
+          <pc:docMk/>
+          <pc:sldMk cId="3096583072" sldId="323"/>
+        </pc:sldMkLst>
+        <pc:spChg chg="add mod">
+          <ac:chgData name="Long B Nguyen" userId="f59fb8f3-a021-417a-8bc1-65c8d471c621" providerId="ADAL" clId="{7CF42801-12ED-E04E-AC69-6FCBFB1E8006}" dt="2021-10-06T11:28:25.245" v="450"/>
+          <ac:spMkLst>
+            <pc:docMk/>
+            <pc:sldMk cId="3096583072" sldId="323"/>
+            <ac:spMk id="4" creationId="{9E21266F-CC55-E34A-B424-8CFCE976B033}"/>
+          </ac:spMkLst>
+        </pc:spChg>
+      </pc:sldChg>
+      <pc:sldChg chg="addSp modSp">
+        <pc:chgData name="Long B Nguyen" userId="f59fb8f3-a021-417a-8bc1-65c8d471c621" providerId="ADAL" clId="{7CF42801-12ED-E04E-AC69-6FCBFB1E8006}" dt="2021-10-06T11:28:25.245" v="450"/>
+        <pc:sldMkLst>
+          <pc:docMk/>
+          <pc:sldMk cId="3753341527" sldId="324"/>
+        </pc:sldMkLst>
+        <pc:spChg chg="add mod">
+          <ac:chgData name="Long B Nguyen" userId="f59fb8f3-a021-417a-8bc1-65c8d471c621" providerId="ADAL" clId="{7CF42801-12ED-E04E-AC69-6FCBFB1E8006}" dt="2021-10-06T11:28:25.245" v="450"/>
+          <ac:spMkLst>
+            <pc:docMk/>
+            <pc:sldMk cId="3753341527" sldId="324"/>
+            <ac:spMk id="3" creationId="{63F5C8C5-DCFE-8042-A319-15C75B0113FD}"/>
+          </ac:spMkLst>
+        </pc:spChg>
+      </pc:sldChg>
+      <pc:sldChg chg="addSp modSp">
+        <pc:chgData name="Long B Nguyen" userId="f59fb8f3-a021-417a-8bc1-65c8d471c621" providerId="ADAL" clId="{7CF42801-12ED-E04E-AC69-6FCBFB1E8006}" dt="2021-10-06T11:28:25.245" v="450"/>
+        <pc:sldMkLst>
+          <pc:docMk/>
+          <pc:sldMk cId="3750016062" sldId="325"/>
+        </pc:sldMkLst>
+        <pc:spChg chg="add mod">
+          <ac:chgData name="Long B Nguyen" userId="f59fb8f3-a021-417a-8bc1-65c8d471c621" providerId="ADAL" clId="{7CF42801-12ED-E04E-AC69-6FCBFB1E8006}" dt="2021-10-06T11:28:25.245" v="450"/>
+          <ac:spMkLst>
+            <pc:docMk/>
+            <pc:sldMk cId="3750016062" sldId="325"/>
+            <ac:spMk id="4" creationId="{6764BCB5-EC93-B745-BAD0-9FA4E5189FD2}"/>
+          </ac:spMkLst>
+        </pc:spChg>
+      </pc:sldChg>
+      <pc:sldChg chg="addSp modSp">
+        <pc:chgData name="Long B Nguyen" userId="f59fb8f3-a021-417a-8bc1-65c8d471c621" providerId="ADAL" clId="{7CF42801-12ED-E04E-AC69-6FCBFB1E8006}" dt="2021-10-06T11:28:25.245" v="450"/>
+        <pc:sldMkLst>
+          <pc:docMk/>
+          <pc:sldMk cId="53368268" sldId="329"/>
+        </pc:sldMkLst>
+        <pc:spChg chg="add mod">
+          <ac:chgData name="Long B Nguyen" userId="f59fb8f3-a021-417a-8bc1-65c8d471c621" providerId="ADAL" clId="{7CF42801-12ED-E04E-AC69-6FCBFB1E8006}" dt="2021-10-06T11:28:25.245" v="450"/>
+          <ac:spMkLst>
+            <pc:docMk/>
+            <pc:sldMk cId="53368268" sldId="329"/>
+            <ac:spMk id="3" creationId="{7704B3C6-CEA7-E548-9753-74988736403E}"/>
+          </ac:spMkLst>
+        </pc:spChg>
+      </pc:sldChg>
+      <pc:sldChg chg="addSp modSp">
+        <pc:chgData name="Long B Nguyen" userId="f59fb8f3-a021-417a-8bc1-65c8d471c621" providerId="ADAL" clId="{7CF42801-12ED-E04E-AC69-6FCBFB1E8006}" dt="2021-10-06T11:28:25.245" v="450"/>
+        <pc:sldMkLst>
+          <pc:docMk/>
+          <pc:sldMk cId="1984272704" sldId="330"/>
+        </pc:sldMkLst>
+        <pc:spChg chg="add mod">
+          <ac:chgData name="Long B Nguyen" userId="f59fb8f3-a021-417a-8bc1-65c8d471c621" providerId="ADAL" clId="{7CF42801-12ED-E04E-AC69-6FCBFB1E8006}" dt="2021-10-06T11:28:25.245" v="450"/>
+          <ac:spMkLst>
+            <pc:docMk/>
+            <pc:sldMk cId="1984272704" sldId="330"/>
+            <ac:spMk id="3" creationId="{773ECB15-6DB3-B541-BED0-10D15F26B432}"/>
+          </ac:spMkLst>
+        </pc:spChg>
+      </pc:sldChg>
+      <pc:sldChg chg="addSp delSp modSp mod modAnim">
+        <pc:chgData name="Long B Nguyen" userId="f59fb8f3-a021-417a-8bc1-65c8d471c621" providerId="ADAL" clId="{7CF42801-12ED-E04E-AC69-6FCBFB1E8006}" dt="2021-10-06T11:29:33.390" v="455" actId="478"/>
+        <pc:sldMkLst>
+          <pc:docMk/>
+          <pc:sldMk cId="4080804918" sldId="334"/>
+        </pc:sldMkLst>
+        <pc:spChg chg="add mod">
+          <ac:chgData name="Long B Nguyen" userId="f59fb8f3-a021-417a-8bc1-65c8d471c621" providerId="ADAL" clId="{7CF42801-12ED-E04E-AC69-6FCBFB1E8006}" dt="2021-10-06T11:28:25.245" v="450"/>
+          <ac:spMkLst>
+            <pc:docMk/>
+            <pc:sldMk cId="4080804918" sldId="334"/>
+            <ac:spMk id="3" creationId="{0A3F5854-915E-5246-B217-C798430893D2}"/>
+          </ac:spMkLst>
+        </pc:spChg>
+        <pc:spChg chg="del mod">
+          <ac:chgData name="Long B Nguyen" userId="f59fb8f3-a021-417a-8bc1-65c8d471c621" providerId="ADAL" clId="{7CF42801-12ED-E04E-AC69-6FCBFB1E8006}" dt="2021-10-06T11:29:33.390" v="455" actId="478"/>
+          <ac:spMkLst>
+            <pc:docMk/>
+            <pc:sldMk cId="4080804918" sldId="334"/>
+            <ac:spMk id="11" creationId="{F1A12254-A567-0B44-97C3-50B4CF479468}"/>
+          </ac:spMkLst>
+        </pc:spChg>
+      </pc:sldChg>
+      <pc:sldChg chg="addSp delSp modSp mod modAnim">
+        <pc:chgData name="Long B Nguyen" userId="f59fb8f3-a021-417a-8bc1-65c8d471c621" providerId="ADAL" clId="{7CF42801-12ED-E04E-AC69-6FCBFB1E8006}" dt="2021-10-06T11:41:56.023" v="947" actId="20577"/>
+        <pc:sldMkLst>
+          <pc:docMk/>
+          <pc:sldMk cId="426544314" sldId="337"/>
+        </pc:sldMkLst>
+        <pc:spChg chg="add mod">
+          <ac:chgData name="Long B Nguyen" userId="f59fb8f3-a021-417a-8bc1-65c8d471c621" providerId="ADAL" clId="{7CF42801-12ED-E04E-AC69-6FCBFB1E8006}" dt="2021-10-06T11:28:25.245" v="450"/>
+          <ac:spMkLst>
+            <pc:docMk/>
+            <pc:sldMk cId="426544314" sldId="337"/>
+            <ac:spMk id="3" creationId="{5F0DC44A-61B5-AB44-81A0-6ECAEDED1DE5}"/>
+          </ac:spMkLst>
+        </pc:spChg>
+        <pc:spChg chg="mod">
+          <ac:chgData name="Long B Nguyen" userId="f59fb8f3-a021-417a-8bc1-65c8d471c621" providerId="ADAL" clId="{7CF42801-12ED-E04E-AC69-6FCBFB1E8006}" dt="2021-10-06T11:41:56.023" v="947" actId="20577"/>
+          <ac:spMkLst>
+            <pc:docMk/>
+            <pc:sldMk cId="426544314" sldId="337"/>
+            <ac:spMk id="6" creationId="{B7AB2EA4-48CC-FD46-9632-CD4301E82099}"/>
+          </ac:spMkLst>
+        </pc:spChg>
+        <pc:spChg chg="mod">
+          <ac:chgData name="Long B Nguyen" userId="f59fb8f3-a021-417a-8bc1-65c8d471c621" providerId="ADAL" clId="{7CF42801-12ED-E04E-AC69-6FCBFB1E8006}" dt="2021-10-06T11:40:36.902" v="701" actId="20577"/>
+          <ac:spMkLst>
+            <pc:docMk/>
+            <pc:sldMk cId="426544314" sldId="337"/>
+            <ac:spMk id="9" creationId="{E3B2E017-30B2-884B-A113-B419A2ED51AD}"/>
+          </ac:spMkLst>
+        </pc:spChg>
+        <pc:spChg chg="del">
+          <ac:chgData name="Long B Nguyen" userId="f59fb8f3-a021-417a-8bc1-65c8d471c621" providerId="ADAL" clId="{7CF42801-12ED-E04E-AC69-6FCBFB1E8006}" dt="2021-10-06T11:40:15.594" v="698" actId="478"/>
+          <ac:spMkLst>
+            <pc:docMk/>
+            <pc:sldMk cId="426544314" sldId="337"/>
+            <ac:spMk id="14" creationId="{E7E8FC9F-D95D-944A-88F1-6EEFA08685CC}"/>
+          </ac:spMkLst>
+        </pc:spChg>
+        <pc:spChg chg="del">
+          <ac:chgData name="Long B Nguyen" userId="f59fb8f3-a021-417a-8bc1-65c8d471c621" providerId="ADAL" clId="{7CF42801-12ED-E04E-AC69-6FCBFB1E8006}" dt="2021-10-06T11:40:10.906" v="696" actId="478"/>
+          <ac:spMkLst>
+            <pc:docMk/>
+            <pc:sldMk cId="426544314" sldId="337"/>
+            <ac:spMk id="19" creationId="{8A3A65CC-0119-124A-A980-35F7556993CC}"/>
+          </ac:spMkLst>
+        </pc:spChg>
+        <pc:spChg chg="del">
+          <ac:chgData name="Long B Nguyen" userId="f59fb8f3-a021-417a-8bc1-65c8d471c621" providerId="ADAL" clId="{7CF42801-12ED-E04E-AC69-6FCBFB1E8006}" dt="2021-10-06T11:40:06.615" v="694" actId="478"/>
+          <ac:spMkLst>
+            <pc:docMk/>
+            <pc:sldMk cId="426544314" sldId="337"/>
+            <ac:spMk id="23" creationId="{4F978BD1-FC33-7645-834E-F7A552E15880}"/>
+          </ac:spMkLst>
+        </pc:spChg>
+        <pc:cxnChg chg="del">
+          <ac:chgData name="Long B Nguyen" userId="f59fb8f3-a021-417a-8bc1-65c8d471c621" providerId="ADAL" clId="{7CF42801-12ED-E04E-AC69-6FCBFB1E8006}" dt="2021-10-06T11:40:08.097" v="695" actId="478"/>
+          <ac:cxnSpMkLst>
+            <pc:docMk/>
+            <pc:sldMk cId="426544314" sldId="337"/>
+            <ac:cxnSpMk id="13" creationId="{EB374FC5-7A9D-F649-BC72-43227BBC9099}"/>
+          </ac:cxnSpMkLst>
+        </pc:cxnChg>
+        <pc:cxnChg chg="del">
+          <ac:chgData name="Long B Nguyen" userId="f59fb8f3-a021-417a-8bc1-65c8d471c621" providerId="ADAL" clId="{7CF42801-12ED-E04E-AC69-6FCBFB1E8006}" dt="2021-10-06T11:40:12.264" v="697" actId="478"/>
+          <ac:cxnSpMkLst>
+            <pc:docMk/>
+            <pc:sldMk cId="426544314" sldId="337"/>
+            <ac:cxnSpMk id="17" creationId="{7DCEC289-F5BC-884B-8ACF-581C541B231C}"/>
+          </ac:cxnSpMkLst>
+        </pc:cxnChg>
+        <pc:cxnChg chg="del">
+          <ac:chgData name="Long B Nguyen" userId="f59fb8f3-a021-417a-8bc1-65c8d471c621" providerId="ADAL" clId="{7CF42801-12ED-E04E-AC69-6FCBFB1E8006}" dt="2021-10-06T11:40:04.402" v="693" actId="478"/>
+          <ac:cxnSpMkLst>
+            <pc:docMk/>
+            <pc:sldMk cId="426544314" sldId="337"/>
+            <ac:cxnSpMk id="24" creationId="{2F81ABD8-85FD-9F47-B9DE-83D0E314B2DF}"/>
+          </ac:cxnSpMkLst>
+        </pc:cxnChg>
+      </pc:sldChg>
+      <pc:sldChg chg="addSp modSp">
+        <pc:chgData name="Long B Nguyen" userId="f59fb8f3-a021-417a-8bc1-65c8d471c621" providerId="ADAL" clId="{7CF42801-12ED-E04E-AC69-6FCBFB1E8006}" dt="2021-10-06T11:28:25.245" v="450"/>
+        <pc:sldMkLst>
+          <pc:docMk/>
+          <pc:sldMk cId="226687820" sldId="398"/>
+        </pc:sldMkLst>
+        <pc:spChg chg="add mod">
+          <ac:chgData name="Long B Nguyen" userId="f59fb8f3-a021-417a-8bc1-65c8d471c621" providerId="ADAL" clId="{7CF42801-12ED-E04E-AC69-6FCBFB1E8006}" dt="2021-10-06T11:28:25.245" v="450"/>
+          <ac:spMkLst>
+            <pc:docMk/>
+            <pc:sldMk cId="226687820" sldId="398"/>
+            <ac:spMk id="2" creationId="{01428C38-08A8-1848-AA93-E3D879B139B8}"/>
+          </ac:spMkLst>
+        </pc:spChg>
+      </pc:sldChg>
+      <pc:sldChg chg="addSp modSp">
+        <pc:chgData name="Long B Nguyen" userId="f59fb8f3-a021-417a-8bc1-65c8d471c621" providerId="ADAL" clId="{7CF42801-12ED-E04E-AC69-6FCBFB1E8006}" dt="2021-10-06T11:28:25.245" v="450"/>
+        <pc:sldMkLst>
+          <pc:docMk/>
+          <pc:sldMk cId="70090437" sldId="399"/>
+        </pc:sldMkLst>
+        <pc:spChg chg="add mod">
+          <ac:chgData name="Long B Nguyen" userId="f59fb8f3-a021-417a-8bc1-65c8d471c621" providerId="ADAL" clId="{7CF42801-12ED-E04E-AC69-6FCBFB1E8006}" dt="2021-10-06T11:28:25.245" v="450"/>
+          <ac:spMkLst>
+            <pc:docMk/>
+            <pc:sldMk cId="70090437" sldId="399"/>
+            <ac:spMk id="2" creationId="{6FD2E492-6A01-8641-886F-FE811E6E759B}"/>
+          </ac:spMkLst>
+        </pc:spChg>
+      </pc:sldChg>
+      <pc:sldChg chg="addSp modSp modAnim">
+        <pc:chgData name="Long B Nguyen" userId="f59fb8f3-a021-417a-8bc1-65c8d471c621" providerId="ADAL" clId="{7CF42801-12ED-E04E-AC69-6FCBFB1E8006}" dt="2021-10-06T11:28:25.245" v="450"/>
         <pc:sldMkLst>
           <pc:docMk/>
           <pc:sldMk cId="2991473066" sldId="400"/>
         </pc:sldMkLst>
+        <pc:spChg chg="add mod">
+          <ac:chgData name="Long B Nguyen" userId="f59fb8f3-a021-417a-8bc1-65c8d471c621" providerId="ADAL" clId="{7CF42801-12ED-E04E-AC69-6FCBFB1E8006}" dt="2021-10-06T11:28:25.245" v="450"/>
+          <ac:spMkLst>
+            <pc:docMk/>
+            <pc:sldMk cId="2991473066" sldId="400"/>
+            <ac:spMk id="3" creationId="{76B609F7-28C8-3C4C-9191-B3A08C9BCB33}"/>
+          </ac:spMkLst>
+        </pc:spChg>
       </pc:sldChg>
-      <pc:sldChg chg="modAnim">
-        <pc:chgData name="Long B Nguyen" userId="f59fb8f3-a021-417a-8bc1-65c8d471c621" providerId="ADAL" clId="{7CF42801-12ED-E04E-AC69-6FCBFB1E8006}" dt="2021-10-04T13:28:00.590" v="1"/>
+      <pc:sldChg chg="addSp modSp modAnim">
+        <pc:chgData name="Long B Nguyen" userId="f59fb8f3-a021-417a-8bc1-65c8d471c621" providerId="ADAL" clId="{7CF42801-12ED-E04E-AC69-6FCBFB1E8006}" dt="2021-10-06T11:28:25.245" v="450"/>
         <pc:sldMkLst>
           <pc:docMk/>
           <pc:sldMk cId="1878754954" sldId="401"/>
         </pc:sldMkLst>
+        <pc:spChg chg="add mod">
+          <ac:chgData name="Long B Nguyen" userId="f59fb8f3-a021-417a-8bc1-65c8d471c621" providerId="ADAL" clId="{7CF42801-12ED-E04E-AC69-6FCBFB1E8006}" dt="2021-10-06T11:28:25.245" v="450"/>
+          <ac:spMkLst>
+            <pc:docMk/>
+            <pc:sldMk cId="1878754954" sldId="401"/>
+            <ac:spMk id="4" creationId="{7AAE2AC7-F113-5D43-9B5A-A819B0B0C311}"/>
+          </ac:spMkLst>
+        </pc:spChg>
       </pc:sldChg>
-      <pc:sldChg chg="modAnim">
-        <pc:chgData name="Long B Nguyen" userId="f59fb8f3-a021-417a-8bc1-65c8d471c621" providerId="ADAL" clId="{7CF42801-12ED-E04E-AC69-6FCBFB1E8006}" dt="2021-10-04T13:28:17.990" v="5"/>
+      <pc:sldChg chg="addSp modSp">
+        <pc:chgData name="Long B Nguyen" userId="f59fb8f3-a021-417a-8bc1-65c8d471c621" providerId="ADAL" clId="{7CF42801-12ED-E04E-AC69-6FCBFB1E8006}" dt="2021-10-06T11:28:25.245" v="450"/>
+        <pc:sldMkLst>
+          <pc:docMk/>
+          <pc:sldMk cId="1586487569" sldId="402"/>
+        </pc:sldMkLst>
+        <pc:spChg chg="add mod">
+          <ac:chgData name="Long B Nguyen" userId="f59fb8f3-a021-417a-8bc1-65c8d471c621" providerId="ADAL" clId="{7CF42801-12ED-E04E-AC69-6FCBFB1E8006}" dt="2021-10-06T11:28:25.245" v="450"/>
+          <ac:spMkLst>
+            <pc:docMk/>
+            <pc:sldMk cId="1586487569" sldId="402"/>
+            <ac:spMk id="3" creationId="{874A9731-7B6D-E44E-AB5A-807E46321435}"/>
+          </ac:spMkLst>
+        </pc:spChg>
+      </pc:sldChg>
+      <pc:sldChg chg="addSp modSp modAnim">
+        <pc:chgData name="Long B Nguyen" userId="f59fb8f3-a021-417a-8bc1-65c8d471c621" providerId="ADAL" clId="{7CF42801-12ED-E04E-AC69-6FCBFB1E8006}" dt="2021-10-06T11:28:25.245" v="450"/>
         <pc:sldMkLst>
           <pc:docMk/>
           <pc:sldMk cId="1375038575" sldId="403"/>
         </pc:sldMkLst>
+        <pc:spChg chg="add mod">
+          <ac:chgData name="Long B Nguyen" userId="f59fb8f3-a021-417a-8bc1-65c8d471c621" providerId="ADAL" clId="{7CF42801-12ED-E04E-AC69-6FCBFB1E8006}" dt="2021-10-06T11:28:25.245" v="450"/>
+          <ac:spMkLst>
+            <pc:docMk/>
+            <pc:sldMk cId="1375038575" sldId="403"/>
+            <ac:spMk id="4" creationId="{E250E696-9286-3543-8BCD-970476AB99B0}"/>
+          </ac:spMkLst>
+        </pc:spChg>
       </pc:sldChg>
-      <pc:sldChg chg="modAnim">
-        <pc:chgData name="Long B Nguyen" userId="f59fb8f3-a021-417a-8bc1-65c8d471c621" providerId="ADAL" clId="{7CF42801-12ED-E04E-AC69-6FCBFB1E8006}" dt="2021-10-04T13:29:08.412" v="15"/>
+      <pc:sldChg chg="addSp modSp modAnim">
+        <pc:chgData name="Long B Nguyen" userId="f59fb8f3-a021-417a-8bc1-65c8d471c621" providerId="ADAL" clId="{7CF42801-12ED-E04E-AC69-6FCBFB1E8006}" dt="2021-10-06T11:28:25.245" v="450"/>
         <pc:sldMkLst>
           <pc:docMk/>
           <pc:sldMk cId="3395584097" sldId="404"/>
         </pc:sldMkLst>
+        <pc:spChg chg="add mod">
+          <ac:chgData name="Long B Nguyen" userId="f59fb8f3-a021-417a-8bc1-65c8d471c621" providerId="ADAL" clId="{7CF42801-12ED-E04E-AC69-6FCBFB1E8006}" dt="2021-10-06T11:28:25.245" v="450"/>
+          <ac:spMkLst>
+            <pc:docMk/>
+            <pc:sldMk cId="3395584097" sldId="404"/>
+            <ac:spMk id="3" creationId="{74B9B413-4163-1042-9DF5-434FE0E559C2}"/>
+          </ac:spMkLst>
+        </pc:spChg>
       </pc:sldChg>
-      <pc:sldChg chg="modSp mod">
-        <pc:chgData name="Long B Nguyen" userId="f59fb8f3-a021-417a-8bc1-65c8d471c621" providerId="ADAL" clId="{7CF42801-12ED-E04E-AC69-6FCBFB1E8006}" dt="2021-10-04T13:29:37.833" v="17" actId="20577"/>
+      <pc:sldChg chg="addSp modSp mod">
+        <pc:chgData name="Long B Nguyen" userId="f59fb8f3-a021-417a-8bc1-65c8d471c621" providerId="ADAL" clId="{7CF42801-12ED-E04E-AC69-6FCBFB1E8006}" dt="2021-10-06T11:28:25.245" v="450"/>
         <pc:sldMkLst>
           <pc:docMk/>
           <pc:sldMk cId="3714893887" sldId="405"/>
         </pc:sldMkLst>
+        <pc:spChg chg="add mod">
+          <ac:chgData name="Long B Nguyen" userId="f59fb8f3-a021-417a-8bc1-65c8d471c621" providerId="ADAL" clId="{7CF42801-12ED-E04E-AC69-6FCBFB1E8006}" dt="2021-10-06T11:28:25.245" v="450"/>
+          <ac:spMkLst>
+            <pc:docMk/>
+            <pc:sldMk cId="3714893887" sldId="405"/>
+            <ac:spMk id="3" creationId="{1B0F580D-D899-624F-8938-E37CBF85BE68}"/>
+          </ac:spMkLst>
+        </pc:spChg>
         <pc:spChg chg="mod">
           <ac:chgData name="Long B Nguyen" userId="f59fb8f3-a021-417a-8bc1-65c8d471c621" providerId="ADAL" clId="{7CF42801-12ED-E04E-AC69-6FCBFB1E8006}" dt="2021-10-04T13:29:37.833" v="17" actId="20577"/>
           <ac:spMkLst>
@@ -3734,34 +4158,112 @@
             <ac:spMk id="9" creationId="{E3B2E017-30B2-884B-A113-B419A2ED51AD}"/>
           </ac:spMkLst>
         </pc:spChg>
+        <pc:cxnChg chg="mod">
+          <ac:chgData name="Long B Nguyen" userId="f59fb8f3-a021-417a-8bc1-65c8d471c621" providerId="ADAL" clId="{7CF42801-12ED-E04E-AC69-6FCBFB1E8006}" dt="2021-10-06T11:23:29.772" v="424" actId="1076"/>
+          <ac:cxnSpMkLst>
+            <pc:docMk/>
+            <pc:sldMk cId="3714893887" sldId="405"/>
+            <ac:cxnSpMk id="18" creationId="{12FC02BD-45AD-764F-91B5-1546B5C0BC0D}"/>
+          </ac:cxnSpMkLst>
+        </pc:cxnChg>
       </pc:sldChg>
-      <pc:sldChg chg="modAnim">
-        <pc:chgData name="Long B Nguyen" userId="f59fb8f3-a021-417a-8bc1-65c8d471c621" providerId="ADAL" clId="{7CF42801-12ED-E04E-AC69-6FCBFB1E8006}" dt="2021-10-04T13:30:35.427" v="24"/>
+      <pc:sldChg chg="addSp modSp mod">
+        <pc:chgData name="Long B Nguyen" userId="f59fb8f3-a021-417a-8bc1-65c8d471c621" providerId="ADAL" clId="{7CF42801-12ED-E04E-AC69-6FCBFB1E8006}" dt="2021-10-06T11:28:25.245" v="450"/>
+        <pc:sldMkLst>
+          <pc:docMk/>
+          <pc:sldMk cId="2579223391" sldId="407"/>
+        </pc:sldMkLst>
+        <pc:spChg chg="add mod">
+          <ac:chgData name="Long B Nguyen" userId="f59fb8f3-a021-417a-8bc1-65c8d471c621" providerId="ADAL" clId="{7CF42801-12ED-E04E-AC69-6FCBFB1E8006}" dt="2021-10-06T11:28:25.245" v="450"/>
+          <ac:spMkLst>
+            <pc:docMk/>
+            <pc:sldMk cId="2579223391" sldId="407"/>
+            <ac:spMk id="3" creationId="{57C2AEBF-7D80-6742-9106-D4EBBB632DB6}"/>
+          </ac:spMkLst>
+        </pc:spChg>
+        <pc:cxnChg chg="mod">
+          <ac:chgData name="Long B Nguyen" userId="f59fb8f3-a021-417a-8bc1-65c8d471c621" providerId="ADAL" clId="{7CF42801-12ED-E04E-AC69-6FCBFB1E8006}" dt="2021-10-06T11:23:42.006" v="439" actId="1038"/>
+          <ac:cxnSpMkLst>
+            <pc:docMk/>
+            <pc:sldMk cId="2579223391" sldId="407"/>
+            <ac:cxnSpMk id="18" creationId="{12FC02BD-45AD-764F-91B5-1546B5C0BC0D}"/>
+          </ac:cxnSpMkLst>
+        </pc:cxnChg>
+      </pc:sldChg>
+      <pc:sldChg chg="addSp modSp modAnim">
+        <pc:chgData name="Long B Nguyen" userId="f59fb8f3-a021-417a-8bc1-65c8d471c621" providerId="ADAL" clId="{7CF42801-12ED-E04E-AC69-6FCBFB1E8006}" dt="2021-10-06T11:28:25.245" v="450"/>
         <pc:sldMkLst>
           <pc:docMk/>
           <pc:sldMk cId="3574827976" sldId="408"/>
         </pc:sldMkLst>
+        <pc:spChg chg="add mod">
+          <ac:chgData name="Long B Nguyen" userId="f59fb8f3-a021-417a-8bc1-65c8d471c621" providerId="ADAL" clId="{7CF42801-12ED-E04E-AC69-6FCBFB1E8006}" dt="2021-10-06T11:28:25.245" v="450"/>
+          <ac:spMkLst>
+            <pc:docMk/>
+            <pc:sldMk cId="3574827976" sldId="408"/>
+            <ac:spMk id="3" creationId="{3076D9DC-B58E-744C-B4D8-8D81390119D5}"/>
+          </ac:spMkLst>
+        </pc:spChg>
       </pc:sldChg>
-      <pc:sldChg chg="modAnim">
-        <pc:chgData name="Long B Nguyen" userId="f59fb8f3-a021-417a-8bc1-65c8d471c621" providerId="ADAL" clId="{7CF42801-12ED-E04E-AC69-6FCBFB1E8006}" dt="2021-10-04T13:31:39.263" v="27"/>
+      <pc:sldChg chg="addSp modSp">
+        <pc:chgData name="Long B Nguyen" userId="f59fb8f3-a021-417a-8bc1-65c8d471c621" providerId="ADAL" clId="{7CF42801-12ED-E04E-AC69-6FCBFB1E8006}" dt="2021-10-06T11:28:25.245" v="450"/>
+        <pc:sldMkLst>
+          <pc:docMk/>
+          <pc:sldMk cId="3264478660" sldId="409"/>
+        </pc:sldMkLst>
+        <pc:spChg chg="add mod">
+          <ac:chgData name="Long B Nguyen" userId="f59fb8f3-a021-417a-8bc1-65c8d471c621" providerId="ADAL" clId="{7CF42801-12ED-E04E-AC69-6FCBFB1E8006}" dt="2021-10-06T11:28:25.245" v="450"/>
+          <ac:spMkLst>
+            <pc:docMk/>
+            <pc:sldMk cId="3264478660" sldId="409"/>
+            <ac:spMk id="3" creationId="{0AB54102-C1EC-A24C-AA0E-E4B36B436D32}"/>
+          </ac:spMkLst>
+        </pc:spChg>
+      </pc:sldChg>
+      <pc:sldChg chg="addSp modSp modAnim">
+        <pc:chgData name="Long B Nguyen" userId="f59fb8f3-a021-417a-8bc1-65c8d471c621" providerId="ADAL" clId="{7CF42801-12ED-E04E-AC69-6FCBFB1E8006}" dt="2021-10-06T11:28:25.245" v="450"/>
         <pc:sldMkLst>
           <pc:docMk/>
           <pc:sldMk cId="1866381520" sldId="410"/>
         </pc:sldMkLst>
+        <pc:spChg chg="add mod">
+          <ac:chgData name="Long B Nguyen" userId="f59fb8f3-a021-417a-8bc1-65c8d471c621" providerId="ADAL" clId="{7CF42801-12ED-E04E-AC69-6FCBFB1E8006}" dt="2021-10-06T11:28:25.245" v="450"/>
+          <ac:spMkLst>
+            <pc:docMk/>
+            <pc:sldMk cId="1866381520" sldId="410"/>
+            <ac:spMk id="3" creationId="{9BDF2BBD-68E0-6F47-930A-FA18E3015E08}"/>
+          </ac:spMkLst>
+        </pc:spChg>
       </pc:sldChg>
-      <pc:sldChg chg="modAnim">
-        <pc:chgData name="Long B Nguyen" userId="f59fb8f3-a021-417a-8bc1-65c8d471c621" providerId="ADAL" clId="{7CF42801-12ED-E04E-AC69-6FCBFB1E8006}" dt="2021-10-04T13:31:09.752" v="25"/>
+      <pc:sldChg chg="addSp modSp modAnim">
+        <pc:chgData name="Long B Nguyen" userId="f59fb8f3-a021-417a-8bc1-65c8d471c621" providerId="ADAL" clId="{7CF42801-12ED-E04E-AC69-6FCBFB1E8006}" dt="2021-10-06T11:28:25.245" v="450"/>
         <pc:sldMkLst>
           <pc:docMk/>
           <pc:sldMk cId="3445107113" sldId="411"/>
         </pc:sldMkLst>
+        <pc:spChg chg="add mod">
+          <ac:chgData name="Long B Nguyen" userId="f59fb8f3-a021-417a-8bc1-65c8d471c621" providerId="ADAL" clId="{7CF42801-12ED-E04E-AC69-6FCBFB1E8006}" dt="2021-10-06T11:28:25.245" v="450"/>
+          <ac:spMkLst>
+            <pc:docMk/>
+            <pc:sldMk cId="3445107113" sldId="411"/>
+            <ac:spMk id="3" creationId="{E294A9CA-B6EF-354B-88B9-E4BAB73ECB90}"/>
+          </ac:spMkLst>
+        </pc:spChg>
       </pc:sldChg>
-      <pc:sldChg chg="modSp">
-        <pc:chgData name="Long B Nguyen" userId="f59fb8f3-a021-417a-8bc1-65c8d471c621" providerId="ADAL" clId="{7CF42801-12ED-E04E-AC69-6FCBFB1E8006}" dt="2021-10-04T13:33:03.066" v="29" actId="207"/>
+      <pc:sldChg chg="addSp modSp modAnim">
+        <pc:chgData name="Long B Nguyen" userId="f59fb8f3-a021-417a-8bc1-65c8d471c621" providerId="ADAL" clId="{7CF42801-12ED-E04E-AC69-6FCBFB1E8006}" dt="2021-10-06T11:34:27.277" v="472"/>
         <pc:sldMkLst>
           <pc:docMk/>
           <pc:sldMk cId="26315692" sldId="412"/>
         </pc:sldMkLst>
+        <pc:spChg chg="add mod">
+          <ac:chgData name="Long B Nguyen" userId="f59fb8f3-a021-417a-8bc1-65c8d471c621" providerId="ADAL" clId="{7CF42801-12ED-E04E-AC69-6FCBFB1E8006}" dt="2021-10-06T11:28:25.245" v="450"/>
+          <ac:spMkLst>
+            <pc:docMk/>
+            <pc:sldMk cId="26315692" sldId="412"/>
+            <ac:spMk id="3" creationId="{20B94AB9-B6B7-5841-A9FC-CA5DB0E07AC1}"/>
+          </ac:spMkLst>
+        </pc:spChg>
         <pc:spChg chg="mod">
           <ac:chgData name="Long B Nguyen" userId="f59fb8f3-a021-417a-8bc1-65c8d471c621" providerId="ADAL" clId="{7CF42801-12ED-E04E-AC69-6FCBFB1E8006}" dt="2021-10-04T13:33:03.066" v="29" actId="207"/>
           <ac:spMkLst>
@@ -3771,36 +4273,68 @@
           </ac:spMkLst>
         </pc:spChg>
       </pc:sldChg>
-      <pc:sldChg chg="modAnim">
-        <pc:chgData name="Long B Nguyen" userId="f59fb8f3-a021-417a-8bc1-65c8d471c621" providerId="ADAL" clId="{7CF42801-12ED-E04E-AC69-6FCBFB1E8006}" dt="2021-10-04T13:34:32.597" v="30"/>
+      <pc:sldChg chg="addSp modSp modAnim">
+        <pc:chgData name="Long B Nguyen" userId="f59fb8f3-a021-417a-8bc1-65c8d471c621" providerId="ADAL" clId="{7CF42801-12ED-E04E-AC69-6FCBFB1E8006}" dt="2021-10-06T11:28:25.245" v="450"/>
         <pc:sldMkLst>
           <pc:docMk/>
           <pc:sldMk cId="3536221410" sldId="414"/>
         </pc:sldMkLst>
+        <pc:spChg chg="add mod">
+          <ac:chgData name="Long B Nguyen" userId="f59fb8f3-a021-417a-8bc1-65c8d471c621" providerId="ADAL" clId="{7CF42801-12ED-E04E-AC69-6FCBFB1E8006}" dt="2021-10-06T11:28:25.245" v="450"/>
+          <ac:spMkLst>
+            <pc:docMk/>
+            <pc:sldMk cId="3536221410" sldId="414"/>
+            <ac:spMk id="3" creationId="{0AD0FE2E-1146-4F42-86A7-7B86D24A9D9A}"/>
+          </ac:spMkLst>
+        </pc:spChg>
       </pc:sldChg>
-      <pc:sldChg chg="modAnim">
-        <pc:chgData name="Long B Nguyen" userId="f59fb8f3-a021-417a-8bc1-65c8d471c621" providerId="ADAL" clId="{7CF42801-12ED-E04E-AC69-6FCBFB1E8006}" dt="2021-10-04T13:34:53.900" v="31"/>
+      <pc:sldChg chg="addSp modSp modAnim">
+        <pc:chgData name="Long B Nguyen" userId="f59fb8f3-a021-417a-8bc1-65c8d471c621" providerId="ADAL" clId="{7CF42801-12ED-E04E-AC69-6FCBFB1E8006}" dt="2021-10-06T11:28:25.245" v="450"/>
         <pc:sldMkLst>
           <pc:docMk/>
           <pc:sldMk cId="976150634" sldId="415"/>
         </pc:sldMkLst>
+        <pc:spChg chg="add mod">
+          <ac:chgData name="Long B Nguyen" userId="f59fb8f3-a021-417a-8bc1-65c8d471c621" providerId="ADAL" clId="{7CF42801-12ED-E04E-AC69-6FCBFB1E8006}" dt="2021-10-06T11:28:25.245" v="450"/>
+          <ac:spMkLst>
+            <pc:docMk/>
+            <pc:sldMk cId="976150634" sldId="415"/>
+            <ac:spMk id="3" creationId="{5D41592A-1289-3B4B-9EFB-D8A643D8F08D}"/>
+          </ac:spMkLst>
+        </pc:spChg>
       </pc:sldChg>
-      <pc:sldChg chg="modAnim">
-        <pc:chgData name="Long B Nguyen" userId="f59fb8f3-a021-417a-8bc1-65c8d471c621" providerId="ADAL" clId="{7CF42801-12ED-E04E-AC69-6FCBFB1E8006}" dt="2021-10-04T13:35:18.773" v="32"/>
+      <pc:sldChg chg="addSp modSp modAnim">
+        <pc:chgData name="Long B Nguyen" userId="f59fb8f3-a021-417a-8bc1-65c8d471c621" providerId="ADAL" clId="{7CF42801-12ED-E04E-AC69-6FCBFB1E8006}" dt="2021-10-06T11:28:25.245" v="450"/>
         <pc:sldMkLst>
           <pc:docMk/>
           <pc:sldMk cId="1551984946" sldId="416"/>
         </pc:sldMkLst>
+        <pc:spChg chg="add mod">
+          <ac:chgData name="Long B Nguyen" userId="f59fb8f3-a021-417a-8bc1-65c8d471c621" providerId="ADAL" clId="{7CF42801-12ED-E04E-AC69-6FCBFB1E8006}" dt="2021-10-06T11:28:25.245" v="450"/>
+          <ac:spMkLst>
+            <pc:docMk/>
+            <pc:sldMk cId="1551984946" sldId="416"/>
+            <ac:spMk id="3" creationId="{CB0E0F09-D8F7-404A-9319-EF7C97F492CA}"/>
+          </ac:spMkLst>
+        </pc:spChg>
       </pc:sldChg>
-      <pc:sldChg chg="modAnim">
-        <pc:chgData name="Long B Nguyen" userId="f59fb8f3-a021-417a-8bc1-65c8d471c621" providerId="ADAL" clId="{7CF42801-12ED-E04E-AC69-6FCBFB1E8006}" dt="2021-10-04T13:36:25.492" v="33"/>
+      <pc:sldChg chg="addSp modSp modAnim">
+        <pc:chgData name="Long B Nguyen" userId="f59fb8f3-a021-417a-8bc1-65c8d471c621" providerId="ADAL" clId="{7CF42801-12ED-E04E-AC69-6FCBFB1E8006}" dt="2021-10-06T11:28:25.245" v="450"/>
         <pc:sldMkLst>
           <pc:docMk/>
           <pc:sldMk cId="1811896604" sldId="417"/>
         </pc:sldMkLst>
+        <pc:spChg chg="add mod">
+          <ac:chgData name="Long B Nguyen" userId="f59fb8f3-a021-417a-8bc1-65c8d471c621" providerId="ADAL" clId="{7CF42801-12ED-E04E-AC69-6FCBFB1E8006}" dt="2021-10-06T11:28:25.245" v="450"/>
+          <ac:spMkLst>
+            <pc:docMk/>
+            <pc:sldMk cId="1811896604" sldId="417"/>
+            <ac:spMk id="3" creationId="{418A5BE0-EA06-134F-847C-064B7E841A8D}"/>
+          </ac:spMkLst>
+        </pc:spChg>
       </pc:sldChg>
-      <pc:sldChg chg="modSp new mod">
-        <pc:chgData name="Long B Nguyen" userId="f59fb8f3-a021-417a-8bc1-65c8d471c621" providerId="ADAL" clId="{7CF42801-12ED-E04E-AC69-6FCBFB1E8006}" dt="2021-10-04T13:49:30.950" v="333" actId="20577"/>
+      <pc:sldChg chg="addSp modSp new mod">
+        <pc:chgData name="Long B Nguyen" userId="f59fb8f3-a021-417a-8bc1-65c8d471c621" providerId="ADAL" clId="{7CF42801-12ED-E04E-AC69-6FCBFB1E8006}" dt="2021-10-06T11:37:16.779" v="688" actId="14100"/>
         <pc:sldMkLst>
           <pc:docMk/>
           <pc:sldMk cId="3612472641" sldId="418"/>
@@ -3814,13 +4348,82 @@
           </ac:spMkLst>
         </pc:spChg>
         <pc:spChg chg="mod">
-          <ac:chgData name="Long B Nguyen" userId="f59fb8f3-a021-417a-8bc1-65c8d471c621" providerId="ADAL" clId="{7CF42801-12ED-E04E-AC69-6FCBFB1E8006}" dt="2021-10-04T13:49:30.950" v="333" actId="20577"/>
+          <ac:chgData name="Long B Nguyen" userId="f59fb8f3-a021-417a-8bc1-65c8d471c621" providerId="ADAL" clId="{7CF42801-12ED-E04E-AC69-6FCBFB1E8006}" dt="2021-10-06T11:37:16.779" v="688" actId="14100"/>
           <ac:spMkLst>
             <pc:docMk/>
             <pc:sldMk cId="3612472641" sldId="418"/>
             <ac:spMk id="3" creationId="{FEFA68FB-503E-B144-9FA2-2B3EF2748204}"/>
           </ac:spMkLst>
         </pc:spChg>
+        <pc:spChg chg="add mod">
+          <ac:chgData name="Long B Nguyen" userId="f59fb8f3-a021-417a-8bc1-65c8d471c621" providerId="ADAL" clId="{7CF42801-12ED-E04E-AC69-6FCBFB1E8006}" dt="2021-10-06T11:28:25.245" v="450"/>
+          <ac:spMkLst>
+            <pc:docMk/>
+            <pc:sldMk cId="3612472641" sldId="418"/>
+            <ac:spMk id="4" creationId="{536F799B-A6BC-0449-A858-D88D8D2CE1B6}"/>
+          </ac:spMkLst>
+        </pc:spChg>
+      </pc:sldChg>
+      <pc:sldChg chg="addSp delSp modSp add mod modAnim">
+        <pc:chgData name="Long B Nguyen" userId="f59fb8f3-a021-417a-8bc1-65c8d471c621" providerId="ADAL" clId="{7CF42801-12ED-E04E-AC69-6FCBFB1E8006}" dt="2021-10-06T11:33:25.056" v="467" actId="207"/>
+        <pc:sldMkLst>
+          <pc:docMk/>
+          <pc:sldMk cId="2621777710" sldId="419"/>
+        </pc:sldMkLst>
+        <pc:spChg chg="add mod">
+          <ac:chgData name="Long B Nguyen" userId="f59fb8f3-a021-417a-8bc1-65c8d471c621" providerId="ADAL" clId="{7CF42801-12ED-E04E-AC69-6FCBFB1E8006}" dt="2021-10-06T11:33:25.056" v="467" actId="207"/>
+          <ac:spMkLst>
+            <pc:docMk/>
+            <pc:sldMk cId="2621777710" sldId="419"/>
+            <ac:spMk id="7" creationId="{7AE5DE27-173B-DD4D-B5DD-EFDACC86D43B}"/>
+          </ac:spMkLst>
+        </pc:spChg>
+        <pc:spChg chg="del">
+          <ac:chgData name="Long B Nguyen" userId="f59fb8f3-a021-417a-8bc1-65c8d471c621" providerId="ADAL" clId="{7CF42801-12ED-E04E-AC69-6FCBFB1E8006}" dt="2021-10-06T11:29:53.309" v="457" actId="478"/>
+          <ac:spMkLst>
+            <pc:docMk/>
+            <pc:sldMk cId="2621777710" sldId="419"/>
+            <ac:spMk id="8" creationId="{C57243A4-61B0-BF49-9762-D919B22CF822}"/>
+          </ac:spMkLst>
+        </pc:spChg>
+        <pc:spChg chg="mod">
+          <ac:chgData name="Long B Nguyen" userId="f59fb8f3-a021-417a-8bc1-65c8d471c621" providerId="ADAL" clId="{7CF42801-12ED-E04E-AC69-6FCBFB1E8006}" dt="2021-10-06T11:30:04.637" v="460" actId="1076"/>
+          <ac:spMkLst>
+            <pc:docMk/>
+            <pc:sldMk cId="2621777710" sldId="419"/>
+            <ac:spMk id="11" creationId="{F1A12254-A567-0B44-97C3-50B4CF479468}"/>
+          </ac:spMkLst>
+        </pc:spChg>
+        <pc:cxnChg chg="del">
+          <ac:chgData name="Long B Nguyen" userId="f59fb8f3-a021-417a-8bc1-65c8d471c621" providerId="ADAL" clId="{7CF42801-12ED-E04E-AC69-6FCBFB1E8006}" dt="2021-10-06T11:29:48.508" v="456" actId="478"/>
+          <ac:cxnSpMkLst>
+            <pc:docMk/>
+            <pc:sldMk cId="2621777710" sldId="419"/>
+            <ac:cxnSpMk id="6" creationId="{E5285AED-414F-CF48-BDA3-F9C105DE78F6}"/>
+          </ac:cxnSpMkLst>
+        </pc:cxnChg>
+        <pc:cxnChg chg="mod">
+          <ac:chgData name="Long B Nguyen" userId="f59fb8f3-a021-417a-8bc1-65c8d471c621" providerId="ADAL" clId="{7CF42801-12ED-E04E-AC69-6FCBFB1E8006}" dt="2021-10-06T11:30:00.514" v="459" actId="14100"/>
+          <ac:cxnSpMkLst>
+            <pc:docMk/>
+            <pc:sldMk cId="2621777710" sldId="419"/>
+            <ac:cxnSpMk id="10" creationId="{D2B72858-9062-1748-A56F-9BF516549403}"/>
+          </ac:cxnSpMkLst>
+        </pc:cxnChg>
+      </pc:sldChg>
+      <pc:sldChg chg="add">
+        <pc:chgData name="Long B Nguyen" userId="f59fb8f3-a021-417a-8bc1-65c8d471c621" providerId="ADAL" clId="{7CF42801-12ED-E04E-AC69-6FCBFB1E8006}" dt="2021-10-06T11:39:36.059" v="690"/>
+        <pc:sldMkLst>
+          <pc:docMk/>
+          <pc:sldMk cId="3043991631" sldId="420"/>
+        </pc:sldMkLst>
+      </pc:sldChg>
+      <pc:sldChg chg="add">
+        <pc:chgData name="Long B Nguyen" userId="f59fb8f3-a021-417a-8bc1-65c8d471c621" providerId="ADAL" clId="{7CF42801-12ED-E04E-AC69-6FCBFB1E8006}" dt="2021-10-06T11:39:53.222" v="691"/>
+        <pc:sldMkLst>
+          <pc:docMk/>
+          <pc:sldMk cId="4110182" sldId="421"/>
+        </pc:sldMkLst>
       </pc:sldChg>
     </pc:docChg>
   </pc:docChgLst>
@@ -4259,7 +4862,7 @@
           <a:p>
             <a:fld id="{C7FAEDB2-35B7-DB4E-B759-62368E9476B1}" type="datetimeFigureOut">
               <a:rPr lang="en-US" smtClean="0"/>
-              <a:t>10/4/21</a:t>
+              <a:t>10/6/21</a:t>
             </a:fld>
             <a:endParaRPr lang="en-US"/>
           </a:p>
@@ -4727,7 +5330,7 @@
                   <a:spcPct val="0"/>
                 </a:spcBef>
               </a:pPr>
-              <a:t>34</a:t>
+              <a:t>37</a:t>
             </a:fld>
             <a:endParaRPr lang="en-US" altLang="en-US"/>
           </a:p>
@@ -5133,7 +5736,7 @@
                   <a:spcPct val="0"/>
                 </a:spcBef>
               </a:pPr>
-              <a:t>36</a:t>
+              <a:t>39</a:t>
             </a:fld>
             <a:endParaRPr lang="en-US" altLang="en-US"/>
           </a:p>
@@ -5467,9 +6070,9 @@
           <a:bodyPr/>
           <a:lstStyle/>
           <a:p>
-            <a:fld id="{4AAD347D-5ACD-4C99-B74B-A9C85AD731AF}" type="datetimeFigureOut">
+            <a:fld id="{633BE2EB-A070-3643-8B78-88303C7990ED}" type="datetime1">
               <a:rPr lang="en-US" smtClean="0"/>
-              <a:t>10/4/21</a:t>
+              <a:t>10/6/21</a:t>
             </a:fld>
             <a:endParaRPr lang="en-US" dirty="0"/>
           </a:p>
@@ -5637,9 +6240,9 @@
           <a:bodyPr/>
           <a:lstStyle/>
           <a:p>
-            <a:fld id="{4509A250-FF31-4206-8172-F9D3106AACB1}" type="datetimeFigureOut">
+            <a:fld id="{EA3EE5A2-FC9D-5140-BCDA-E37FD1C24D49}" type="datetime1">
               <a:rPr lang="en-US" smtClean="0"/>
-              <a:t>10/4/21</a:t>
+              <a:t>10/6/21</a:t>
             </a:fld>
             <a:endParaRPr lang="en-US" dirty="0"/>
           </a:p>
@@ -5817,9 +6420,9 @@
           <a:bodyPr/>
           <a:lstStyle/>
           <a:p>
-            <a:fld id="{4509A250-FF31-4206-8172-F9D3106AACB1}" type="datetimeFigureOut">
+            <a:fld id="{49124349-CD10-594D-9D27-10FF2220AB97}" type="datetime1">
               <a:rPr lang="en-US" smtClean="0"/>
-              <a:t>10/4/21</a:t>
+              <a:t>10/6/21</a:t>
             </a:fld>
             <a:endParaRPr lang="en-US" dirty="0"/>
           </a:p>
@@ -5987,9 +6590,9 @@
           <a:bodyPr/>
           <a:lstStyle/>
           <a:p>
-            <a:fld id="{4509A250-FF31-4206-8172-F9D3106AACB1}" type="datetimeFigureOut">
+            <a:fld id="{D8A2FE65-AE29-8544-832D-1B68FD2777E5}" type="datetime1">
               <a:rPr lang="en-US" smtClean="0"/>
-              <a:t>10/4/21</a:t>
+              <a:t>10/6/21</a:t>
             </a:fld>
             <a:endParaRPr lang="en-US" dirty="0"/>
           </a:p>
@@ -6233,9 +6836,9 @@
           <a:bodyPr/>
           <a:lstStyle/>
           <a:p>
-            <a:fld id="{9796027F-7875-4030-9381-8BD8C4F21935}" type="datetimeFigureOut">
+            <a:fld id="{8B4C810C-BE87-E947-9C71-C66A637CFC23}" type="datetime1">
               <a:rPr lang="en-US" smtClean="0"/>
-              <a:t>10/4/21</a:t>
+              <a:t>10/6/21</a:t>
             </a:fld>
             <a:endParaRPr lang="en-US" dirty="0"/>
           </a:p>
@@ -6465,9 +7068,9 @@
           <a:bodyPr/>
           <a:lstStyle/>
           <a:p>
-            <a:fld id="{9796027F-7875-4030-9381-8BD8C4F21935}" type="datetimeFigureOut">
+            <a:fld id="{F98CC4F0-B622-D046-8C81-AE28964CFAE0}" type="datetime1">
               <a:rPr lang="en-US" smtClean="0"/>
-              <a:t>10/4/21</a:t>
+              <a:t>10/6/21</a:t>
             </a:fld>
             <a:endParaRPr lang="en-US" dirty="0"/>
           </a:p>
@@ -6832,9 +7435,9 @@
           <a:bodyPr/>
           <a:lstStyle/>
           <a:p>
-            <a:fld id="{9796027F-7875-4030-9381-8BD8C4F21935}" type="datetimeFigureOut">
+            <a:fld id="{BA381DC6-6DA9-E344-9FC5-0C059780628F}" type="datetime1">
               <a:rPr lang="en-US" smtClean="0"/>
-              <a:t>10/4/21</a:t>
+              <a:t>10/6/21</a:t>
             </a:fld>
             <a:endParaRPr lang="en-US" dirty="0"/>
           </a:p>
@@ -6950,9 +7553,9 @@
           <a:bodyPr/>
           <a:lstStyle/>
           <a:p>
-            <a:fld id="{4509A250-FF31-4206-8172-F9D3106AACB1}" type="datetimeFigureOut">
+            <a:fld id="{156D2508-937C-4049-8CF0-E7BA3240B150}" type="datetime1">
               <a:rPr lang="en-US" smtClean="0"/>
-              <a:t>10/4/21</a:t>
+              <a:t>10/6/21</a:t>
             </a:fld>
             <a:endParaRPr lang="en-US" dirty="0"/>
           </a:p>
@@ -7045,9 +7648,9 @@
           <a:bodyPr/>
           <a:lstStyle/>
           <a:p>
-            <a:fld id="{4509A250-FF31-4206-8172-F9D3106AACB1}" type="datetimeFigureOut">
+            <a:fld id="{969DB96E-F31E-0548-A3EA-2BDAEF2ADEB4}" type="datetime1">
               <a:rPr lang="en-US" smtClean="0"/>
-              <a:t>10/4/21</a:t>
+              <a:t>10/6/21</a:t>
             </a:fld>
             <a:endParaRPr lang="en-US" dirty="0"/>
           </a:p>
@@ -7322,9 +7925,9 @@
           <a:bodyPr/>
           <a:lstStyle/>
           <a:p>
-            <a:fld id="{4509A250-FF31-4206-8172-F9D3106AACB1}" type="datetimeFigureOut">
+            <a:fld id="{A3412D4D-E45A-4341-837A-69B973B1363C}" type="datetime1">
               <a:rPr lang="en-US" smtClean="0"/>
-              <a:t>10/4/21</a:t>
+              <a:t>10/6/21</a:t>
             </a:fld>
             <a:endParaRPr lang="en-US" dirty="0"/>
           </a:p>
@@ -7579,9 +8182,9 @@
           <a:bodyPr/>
           <a:lstStyle/>
           <a:p>
-            <a:fld id="{4509A250-FF31-4206-8172-F9D3106AACB1}" type="datetimeFigureOut">
+            <a:fld id="{14DE6C41-C67B-D345-9DFA-3D0B1439E0FC}" type="datetime1">
               <a:rPr lang="en-US" smtClean="0"/>
-              <a:t>10/4/21</a:t>
+              <a:t>10/6/21</a:t>
             </a:fld>
             <a:endParaRPr lang="en-US" dirty="0"/>
           </a:p>
@@ -7792,9 +8395,9 @@
             </a:lvl1pPr>
           </a:lstStyle>
           <a:p>
-            <a:fld id="{4AAD347D-5ACD-4C99-B74B-A9C85AD731AF}" type="datetimeFigureOut">
+            <a:fld id="{DF56E6F9-DB29-7F41-B722-40464526ADBD}" type="datetime1">
               <a:rPr lang="en-US" smtClean="0"/>
-              <a:t>10/4/21</a:t>
+              <a:t>10/6/21</a:t>
             </a:fld>
             <a:endParaRPr lang="en-US" dirty="0"/>
           </a:p>
@@ -7899,7 +8502,7 @@
     <p:sldLayoutId id="2147483801" r:id="rId10"/>
     <p:sldLayoutId id="2147483802" r:id="rId11"/>
   </p:sldLayoutIdLst>
-  <p:hf sldNum="0" hdr="0" ftr="0" dt="0"/>
+  <p:hf hdr="0" ftr="0" dt="0"/>
   <p:txStyles>
     <p:titleStyle>
       <a:lvl1pPr algn="l" defTabSz="685800" rtl="0" eaLnBrk="1" latinLnBrk="0" hangingPunct="1">
@@ -8467,6 +9070,35 @@
           </a:p>
         </p:txBody>
       </p:sp>
+      <p:sp>
+        <p:nvSpPr>
+          <p:cNvPr id="5" name="Slide Number Placeholder 4">
+            <a:extLst>
+              <a:ext uri="{FF2B5EF4-FFF2-40B4-BE49-F238E27FC236}">
+                <a16:creationId xmlns:a16="http://schemas.microsoft.com/office/drawing/2014/main" id="{E4B0F9AB-7D9B-1942-A201-560D2D3B9249}"/>
+              </a:ext>
+            </a:extLst>
+          </p:cNvPr>
+          <p:cNvSpPr>
+            <a:spLocks noGrp="1"/>
+          </p:cNvSpPr>
+          <p:nvPr>
+            <p:ph type="sldNum" sz="quarter" idx="12"/>
+          </p:nvPr>
+        </p:nvSpPr>
+        <p:spPr/>
+        <p:txBody>
+          <a:bodyPr/>
+          <a:lstStyle/>
+          <a:p>
+            <a:fld id="{D57F1E4F-1CFF-5643-939E-02111984F565}" type="slidenum">
+              <a:rPr lang="en-US" smtClean="0"/>
+              <a:t>1</a:t>
+            </a:fld>
+            <a:endParaRPr lang="en-US" dirty="0"/>
+          </a:p>
+        </p:txBody>
+      </p:sp>
     </p:spTree>
     <p:extLst>
       <p:ext uri="{BB962C8B-B14F-4D97-AF65-F5344CB8AC3E}">
@@ -8835,7 +9467,7 @@
         </p:nvCxnSpPr>
         <p:spPr>
           <a:xfrm flipV="1">
-            <a:off x="754144" y="1307730"/>
+            <a:off x="1378984" y="1307730"/>
             <a:ext cx="461913" cy="2500699"/>
           </a:xfrm>
           <a:prstGeom prst="straightConnector1">
@@ -8916,6 +9548,35 @@
               </a:rPr>
               <a:t>Once this function call is done executing. This value of x is again released from memory.</a:t>
             </a:r>
+          </a:p>
+        </p:txBody>
+      </p:sp>
+      <p:sp>
+        <p:nvSpPr>
+          <p:cNvPr id="3" name="Slide Number Placeholder 2">
+            <a:extLst>
+              <a:ext uri="{FF2B5EF4-FFF2-40B4-BE49-F238E27FC236}">
+                <a16:creationId xmlns:a16="http://schemas.microsoft.com/office/drawing/2014/main" id="{57C2AEBF-7D80-6742-9106-D4EBBB632DB6}"/>
+              </a:ext>
+            </a:extLst>
+          </p:cNvPr>
+          <p:cNvSpPr>
+            <a:spLocks noGrp="1"/>
+          </p:cNvSpPr>
+          <p:nvPr>
+            <p:ph type="sldNum" sz="quarter" idx="12"/>
+          </p:nvPr>
+        </p:nvSpPr>
+        <p:spPr/>
+        <p:txBody>
+          <a:bodyPr/>
+          <a:lstStyle/>
+          <a:p>
+            <a:fld id="{D57F1E4F-1CFF-5643-939E-02111984F565}" type="slidenum">
+              <a:rPr lang="en-US" smtClean="0"/>
+              <a:t>10</a:t>
+            </a:fld>
+            <a:endParaRPr lang="en-US" dirty="0"/>
           </a:p>
         </p:txBody>
       </p:sp>
@@ -9387,6 +10048,35 @@
           </a:fontRef>
         </p:style>
       </p:cxnSp>
+      <p:sp>
+        <p:nvSpPr>
+          <p:cNvPr id="3" name="Slide Number Placeholder 2">
+            <a:extLst>
+              <a:ext uri="{FF2B5EF4-FFF2-40B4-BE49-F238E27FC236}">
+                <a16:creationId xmlns:a16="http://schemas.microsoft.com/office/drawing/2014/main" id="{3076D9DC-B58E-744C-B4D8-8D81390119D5}"/>
+              </a:ext>
+            </a:extLst>
+          </p:cNvPr>
+          <p:cNvSpPr>
+            <a:spLocks noGrp="1"/>
+          </p:cNvSpPr>
+          <p:nvPr>
+            <p:ph type="sldNum" sz="quarter" idx="12"/>
+          </p:nvPr>
+        </p:nvSpPr>
+        <p:spPr/>
+        <p:txBody>
+          <a:bodyPr/>
+          <a:lstStyle/>
+          <a:p>
+            <a:fld id="{D57F1E4F-1CFF-5643-939E-02111984F565}" type="slidenum">
+              <a:rPr lang="en-US" smtClean="0"/>
+              <a:t>11</a:t>
+            </a:fld>
+            <a:endParaRPr lang="en-US" dirty="0"/>
+          </a:p>
+        </p:txBody>
+      </p:sp>
     </p:spTree>
     <p:extLst>
       <p:ext uri="{BB962C8B-B14F-4D97-AF65-F5344CB8AC3E}">
@@ -10364,6 +11054,35 @@
           </a:p>
         </p:txBody>
       </p:sp>
+      <p:sp>
+        <p:nvSpPr>
+          <p:cNvPr id="3" name="Slide Number Placeholder 2">
+            <a:extLst>
+              <a:ext uri="{FF2B5EF4-FFF2-40B4-BE49-F238E27FC236}">
+                <a16:creationId xmlns:a16="http://schemas.microsoft.com/office/drawing/2014/main" id="{E294A9CA-B6EF-354B-88B9-E4BAB73ECB90}"/>
+              </a:ext>
+            </a:extLst>
+          </p:cNvPr>
+          <p:cNvSpPr>
+            <a:spLocks noGrp="1"/>
+          </p:cNvSpPr>
+          <p:nvPr>
+            <p:ph type="sldNum" sz="quarter" idx="12"/>
+          </p:nvPr>
+        </p:nvSpPr>
+        <p:spPr/>
+        <p:txBody>
+          <a:bodyPr/>
+          <a:lstStyle/>
+          <a:p>
+            <a:fld id="{D57F1E4F-1CFF-5643-939E-02111984F565}" type="slidenum">
+              <a:rPr lang="en-US" smtClean="0"/>
+              <a:t>12</a:t>
+            </a:fld>
+            <a:endParaRPr lang="en-US" dirty="0"/>
+          </a:p>
+        </p:txBody>
+      </p:sp>
     </p:spTree>
     <p:extLst>
       <p:ext uri="{BB962C8B-B14F-4D97-AF65-F5344CB8AC3E}">
@@ -10395,7 +11114,7 @@
                             </p:stCondLst>
                             <p:childTnLst>
                               <p:par>
-                                <p:cTn id="5" presetID="1" presetClass="entr" presetSubtype="0" fill="hold" grpId="0" nodeType="clickEffect">
+                                <p:cTn id="5" presetID="1" presetClass="entr" presetSubtype="0" fill="hold" nodeType="clickEffect">
                                   <p:stCondLst>
                                     <p:cond delay="0"/>
                                   </p:stCondLst>
@@ -10408,7 +11127,416 @@
                                           </p:stCondLst>
                                         </p:cTn>
                                         <p:tgtEl>
-                                          <p:spTgt spid="8"/>
+                                          <p:spTgt spid="9">
+                                            <p:txEl>
+                                              <p:pRg st="3" end="3"/>
+                                            </p:txEl>
+                                          </p:spTgt>
+                                        </p:tgtEl>
+                                        <p:attrNameLst>
+                                          <p:attrName>style.visibility</p:attrName>
+                                        </p:attrNameLst>
+                                      </p:cBhvr>
+                                      <p:to>
+                                        <p:strVal val="visible"/>
+                                      </p:to>
+                                    </p:set>
+                                  </p:childTnLst>
+                                </p:cTn>
+                              </p:par>
+                              <p:par>
+                                <p:cTn id="7" presetID="1" presetClass="entr" presetSubtype="0" fill="hold" nodeType="withEffect">
+                                  <p:stCondLst>
+                                    <p:cond delay="0"/>
+                                  </p:stCondLst>
+                                  <p:childTnLst>
+                                    <p:set>
+                                      <p:cBhvr>
+                                        <p:cTn id="8" dur="1" fill="hold">
+                                          <p:stCondLst>
+                                            <p:cond delay="0"/>
+                                          </p:stCondLst>
+                                        </p:cTn>
+                                        <p:tgtEl>
+                                          <p:spTgt spid="9">
+                                            <p:txEl>
+                                              <p:pRg st="4" end="4"/>
+                                            </p:txEl>
+                                          </p:spTgt>
+                                        </p:tgtEl>
+                                        <p:attrNameLst>
+                                          <p:attrName>style.visibility</p:attrName>
+                                        </p:attrNameLst>
+                                      </p:cBhvr>
+                                      <p:to>
+                                        <p:strVal val="visible"/>
+                                      </p:to>
+                                    </p:set>
+                                  </p:childTnLst>
+                                </p:cTn>
+                              </p:par>
+                              <p:par>
+                                <p:cTn id="9" presetID="1" presetClass="entr" presetSubtype="0" fill="hold" nodeType="withEffect">
+                                  <p:stCondLst>
+                                    <p:cond delay="0"/>
+                                  </p:stCondLst>
+                                  <p:childTnLst>
+                                    <p:set>
+                                      <p:cBhvr>
+                                        <p:cTn id="10" dur="1" fill="hold">
+                                          <p:stCondLst>
+                                            <p:cond delay="0"/>
+                                          </p:stCondLst>
+                                        </p:cTn>
+                                        <p:tgtEl>
+                                          <p:spTgt spid="9">
+                                            <p:txEl>
+                                              <p:pRg st="5" end="5"/>
+                                            </p:txEl>
+                                          </p:spTgt>
+                                        </p:tgtEl>
+                                        <p:attrNameLst>
+                                          <p:attrName>style.visibility</p:attrName>
+                                        </p:attrNameLst>
+                                      </p:cBhvr>
+                                      <p:to>
+                                        <p:strVal val="visible"/>
+                                      </p:to>
+                                    </p:set>
+                                  </p:childTnLst>
+                                </p:cTn>
+                              </p:par>
+                              <p:par>
+                                <p:cTn id="11" presetID="1" presetClass="entr" presetSubtype="0" fill="hold" nodeType="withEffect">
+                                  <p:stCondLst>
+                                    <p:cond delay="0"/>
+                                  </p:stCondLst>
+                                  <p:childTnLst>
+                                    <p:set>
+                                      <p:cBhvr>
+                                        <p:cTn id="12" dur="1" fill="hold">
+                                          <p:stCondLst>
+                                            <p:cond delay="0"/>
+                                          </p:stCondLst>
+                                        </p:cTn>
+                                        <p:tgtEl>
+                                          <p:spTgt spid="9">
+                                            <p:txEl>
+                                              <p:pRg st="6" end="6"/>
+                                            </p:txEl>
+                                          </p:spTgt>
+                                        </p:tgtEl>
+                                        <p:attrNameLst>
+                                          <p:attrName>style.visibility</p:attrName>
+                                        </p:attrNameLst>
+                                      </p:cBhvr>
+                                      <p:to>
+                                        <p:strVal val="visible"/>
+                                      </p:to>
+                                    </p:set>
+                                  </p:childTnLst>
+                                </p:cTn>
+                              </p:par>
+                              <p:par>
+                                <p:cTn id="13" presetID="1" presetClass="entr" presetSubtype="0" fill="hold" nodeType="withEffect">
+                                  <p:stCondLst>
+                                    <p:cond delay="0"/>
+                                  </p:stCondLst>
+                                  <p:childTnLst>
+                                    <p:set>
+                                      <p:cBhvr>
+                                        <p:cTn id="14" dur="1" fill="hold">
+                                          <p:stCondLst>
+                                            <p:cond delay="0"/>
+                                          </p:stCondLst>
+                                        </p:cTn>
+                                        <p:tgtEl>
+                                          <p:spTgt spid="9">
+                                            <p:txEl>
+                                              <p:pRg st="7" end="7"/>
+                                            </p:txEl>
+                                          </p:spTgt>
+                                        </p:tgtEl>
+                                        <p:attrNameLst>
+                                          <p:attrName>style.visibility</p:attrName>
+                                        </p:attrNameLst>
+                                      </p:cBhvr>
+                                      <p:to>
+                                        <p:strVal val="visible"/>
+                                      </p:to>
+                                    </p:set>
+                                  </p:childTnLst>
+                                </p:cTn>
+                              </p:par>
+                              <p:par>
+                                <p:cTn id="15" presetID="1" presetClass="entr" presetSubtype="0" fill="hold" nodeType="withEffect">
+                                  <p:stCondLst>
+                                    <p:cond delay="0"/>
+                                  </p:stCondLst>
+                                  <p:childTnLst>
+                                    <p:set>
+                                      <p:cBhvr>
+                                        <p:cTn id="16" dur="1" fill="hold">
+                                          <p:stCondLst>
+                                            <p:cond delay="0"/>
+                                          </p:stCondLst>
+                                        </p:cTn>
+                                        <p:tgtEl>
+                                          <p:spTgt spid="9">
+                                            <p:txEl>
+                                              <p:pRg st="9" end="9"/>
+                                            </p:txEl>
+                                          </p:spTgt>
+                                        </p:tgtEl>
+                                        <p:attrNameLst>
+                                          <p:attrName>style.visibility</p:attrName>
+                                        </p:attrNameLst>
+                                      </p:cBhvr>
+                                      <p:to>
+                                        <p:strVal val="visible"/>
+                                      </p:to>
+                                    </p:set>
+                                  </p:childTnLst>
+                                </p:cTn>
+                              </p:par>
+                            </p:childTnLst>
+                          </p:cTn>
+                        </p:par>
+                      </p:childTnLst>
+                    </p:cTn>
+                  </p:par>
+                  <p:par>
+                    <p:cTn id="17" fill="hold">
+                      <p:stCondLst>
+                        <p:cond delay="indefinite"/>
+                      </p:stCondLst>
+                      <p:childTnLst>
+                        <p:par>
+                          <p:cTn id="18" fill="hold">
+                            <p:stCondLst>
+                              <p:cond delay="0"/>
+                            </p:stCondLst>
+                            <p:childTnLst>
+                              <p:par>
+                                <p:cTn id="19" presetID="1" presetClass="entr" presetSubtype="0" fill="hold" grpId="0" nodeType="clickEffect">
+                                  <p:stCondLst>
+                                    <p:cond delay="0"/>
+                                  </p:stCondLst>
+                                  <p:childTnLst>
+                                    <p:set>
+                                      <p:cBhvr>
+                                        <p:cTn id="20" dur="1" fill="hold">
+                                          <p:stCondLst>
+                                            <p:cond delay="0"/>
+                                          </p:stCondLst>
+                                        </p:cTn>
+                                        <p:tgtEl>
+                                          <p:spTgt spid="7"/>
+                                        </p:tgtEl>
+                                        <p:attrNameLst>
+                                          <p:attrName>style.visibility</p:attrName>
+                                        </p:attrNameLst>
+                                      </p:cBhvr>
+                                      <p:to>
+                                        <p:strVal val="visible"/>
+                                      </p:to>
+                                    </p:set>
+                                  </p:childTnLst>
+                                </p:cTn>
+                              </p:par>
+                              <p:par>
+                                <p:cTn id="21" presetID="1" presetClass="entr" presetSubtype="0" fill="hold" nodeType="withEffect">
+                                  <p:stCondLst>
+                                    <p:cond delay="0"/>
+                                  </p:stCondLst>
+                                  <p:childTnLst>
+                                    <p:set>
+                                      <p:cBhvr>
+                                        <p:cTn id="22" dur="1" fill="hold">
+                                          <p:stCondLst>
+                                            <p:cond delay="0"/>
+                                          </p:stCondLst>
+                                        </p:cTn>
+                                        <p:tgtEl>
+                                          <p:spTgt spid="10"/>
+                                        </p:tgtEl>
+                                        <p:attrNameLst>
+                                          <p:attrName>style.visibility</p:attrName>
+                                        </p:attrNameLst>
+                                      </p:cBhvr>
+                                      <p:to>
+                                        <p:strVal val="visible"/>
+                                      </p:to>
+                                    </p:set>
+                                  </p:childTnLst>
+                                </p:cTn>
+                              </p:par>
+                            </p:childTnLst>
+                          </p:cTn>
+                        </p:par>
+                      </p:childTnLst>
+                    </p:cTn>
+                  </p:par>
+                  <p:par>
+                    <p:cTn id="23" fill="hold">
+                      <p:stCondLst>
+                        <p:cond delay="indefinite"/>
+                      </p:stCondLst>
+                      <p:childTnLst>
+                        <p:par>
+                          <p:cTn id="24" fill="hold">
+                            <p:stCondLst>
+                              <p:cond delay="0"/>
+                            </p:stCondLst>
+                            <p:childTnLst>
+                              <p:par>
+                                <p:cTn id="25" presetID="1" presetClass="entr" presetSubtype="0" fill="hold" nodeType="clickEffect">
+                                  <p:stCondLst>
+                                    <p:cond delay="0"/>
+                                  </p:stCondLst>
+                                  <p:childTnLst>
+                                    <p:set>
+                                      <p:cBhvr>
+                                        <p:cTn id="26" dur="1" fill="hold">
+                                          <p:stCondLst>
+                                            <p:cond delay="0"/>
+                                          </p:stCondLst>
+                                        </p:cTn>
+                                        <p:tgtEl>
+                                          <p:spTgt spid="8">
+                                            <p:txEl>
+                                              <p:pRg st="0" end="0"/>
+                                            </p:txEl>
+                                          </p:spTgt>
+                                        </p:tgtEl>
+                                        <p:attrNameLst>
+                                          <p:attrName>style.visibility</p:attrName>
+                                        </p:attrNameLst>
+                                      </p:cBhvr>
+                                      <p:to>
+                                        <p:strVal val="visible"/>
+                                      </p:to>
+                                    </p:set>
+                                  </p:childTnLst>
+                                </p:cTn>
+                              </p:par>
+                            </p:childTnLst>
+                          </p:cTn>
+                        </p:par>
+                      </p:childTnLst>
+                    </p:cTn>
+                  </p:par>
+                  <p:par>
+                    <p:cTn id="27" fill="hold">
+                      <p:stCondLst>
+                        <p:cond delay="indefinite"/>
+                      </p:stCondLst>
+                      <p:childTnLst>
+                        <p:par>
+                          <p:cTn id="28" fill="hold">
+                            <p:stCondLst>
+                              <p:cond delay="0"/>
+                            </p:stCondLst>
+                            <p:childTnLst>
+                              <p:par>
+                                <p:cTn id="29" presetID="1" presetClass="entr" presetSubtype="0" fill="hold" nodeType="clickEffect">
+                                  <p:stCondLst>
+                                    <p:cond delay="0"/>
+                                  </p:stCondLst>
+                                  <p:childTnLst>
+                                    <p:set>
+                                      <p:cBhvr>
+                                        <p:cTn id="30" dur="1" fill="hold">
+                                          <p:stCondLst>
+                                            <p:cond delay="0"/>
+                                          </p:stCondLst>
+                                        </p:cTn>
+                                        <p:tgtEl>
+                                          <p:spTgt spid="8">
+                                            <p:txEl>
+                                              <p:pRg st="2" end="2"/>
+                                            </p:txEl>
+                                          </p:spTgt>
+                                        </p:tgtEl>
+                                        <p:attrNameLst>
+                                          <p:attrName>style.visibility</p:attrName>
+                                        </p:attrNameLst>
+                                      </p:cBhvr>
+                                      <p:to>
+                                        <p:strVal val="visible"/>
+                                      </p:to>
+                                    </p:set>
+                                  </p:childTnLst>
+                                </p:cTn>
+                              </p:par>
+                              <p:par>
+                                <p:cTn id="31" presetID="1" presetClass="entr" presetSubtype="0" fill="hold" nodeType="withEffect">
+                                  <p:stCondLst>
+                                    <p:cond delay="0"/>
+                                  </p:stCondLst>
+                                  <p:childTnLst>
+                                    <p:set>
+                                      <p:cBhvr>
+                                        <p:cTn id="32" dur="1" fill="hold">
+                                          <p:stCondLst>
+                                            <p:cond delay="0"/>
+                                          </p:stCondLst>
+                                        </p:cTn>
+                                        <p:tgtEl>
+                                          <p:spTgt spid="8">
+                                            <p:txEl>
+                                              <p:pRg st="3" end="3"/>
+                                            </p:txEl>
+                                          </p:spTgt>
+                                        </p:tgtEl>
+                                        <p:attrNameLst>
+                                          <p:attrName>style.visibility</p:attrName>
+                                        </p:attrNameLst>
+                                      </p:cBhvr>
+                                      <p:to>
+                                        <p:strVal val="visible"/>
+                                      </p:to>
+                                    </p:set>
+                                  </p:childTnLst>
+                                </p:cTn>
+                              </p:par>
+                            </p:childTnLst>
+                          </p:cTn>
+                        </p:par>
+                      </p:childTnLst>
+                    </p:cTn>
+                  </p:par>
+                  <p:par>
+                    <p:cTn id="33" fill="hold">
+                      <p:stCondLst>
+                        <p:cond delay="indefinite"/>
+                      </p:stCondLst>
+                      <p:childTnLst>
+                        <p:par>
+                          <p:cTn id="34" fill="hold">
+                            <p:stCondLst>
+                              <p:cond delay="0"/>
+                            </p:stCondLst>
+                            <p:childTnLst>
+                              <p:par>
+                                <p:cTn id="35" presetID="1" presetClass="entr" presetSubtype="0" fill="hold" nodeType="clickEffect">
+                                  <p:stCondLst>
+                                    <p:cond delay="0"/>
+                                  </p:stCondLst>
+                                  <p:childTnLst>
+                                    <p:set>
+                                      <p:cBhvr>
+                                        <p:cTn id="36" dur="1" fill="hold">
+                                          <p:stCondLst>
+                                            <p:cond delay="0"/>
+                                          </p:stCondLst>
+                                        </p:cTn>
+                                        <p:tgtEl>
+                                          <p:spTgt spid="8">
+                                            <p:txEl>
+                                              <p:pRg st="6" end="6"/>
+                                            </p:txEl>
+                                          </p:spTgt>
                                         </p:tgtEl>
                                         <p:attrNameLst>
                                           <p:attrName>style.visibility</p:attrName>
@@ -10449,7 +11577,7 @@
       </p:par>
     </p:tnLst>
     <p:bldLst>
-      <p:bldP spid="8" grpId="0"/>
+      <p:bldP spid="7" grpId="0"/>
     </p:bldLst>
   </p:timing>
 </p:sld>
@@ -10935,6 +12063,35 @@
           </a:fontRef>
         </p:style>
       </p:cxnSp>
+      <p:sp>
+        <p:nvSpPr>
+          <p:cNvPr id="3" name="Slide Number Placeholder 2">
+            <a:extLst>
+              <a:ext uri="{FF2B5EF4-FFF2-40B4-BE49-F238E27FC236}">
+                <a16:creationId xmlns:a16="http://schemas.microsoft.com/office/drawing/2014/main" id="{0AB54102-C1EC-A24C-AA0E-E4B36B436D32}"/>
+              </a:ext>
+            </a:extLst>
+          </p:cNvPr>
+          <p:cNvSpPr>
+            <a:spLocks noGrp="1"/>
+          </p:cNvSpPr>
+          <p:nvPr>
+            <p:ph type="sldNum" sz="quarter" idx="12"/>
+          </p:nvPr>
+        </p:nvSpPr>
+        <p:spPr/>
+        <p:txBody>
+          <a:bodyPr/>
+          <a:lstStyle/>
+          <a:p>
+            <a:fld id="{D57F1E4F-1CFF-5643-939E-02111984F565}" type="slidenum">
+              <a:rPr lang="en-US" smtClean="0"/>
+              <a:t>13</a:t>
+            </a:fld>
+            <a:endParaRPr lang="en-US" dirty="0"/>
+          </a:p>
+        </p:txBody>
+      </p:sp>
     </p:spTree>
     <p:extLst>
       <p:ext uri="{BB962C8B-B14F-4D97-AF65-F5344CB8AC3E}">
@@ -11466,6 +12623,35 @@
           </a:fontRef>
         </p:style>
       </p:cxnSp>
+      <p:sp>
+        <p:nvSpPr>
+          <p:cNvPr id="3" name="Slide Number Placeholder 2">
+            <a:extLst>
+              <a:ext uri="{FF2B5EF4-FFF2-40B4-BE49-F238E27FC236}">
+                <a16:creationId xmlns:a16="http://schemas.microsoft.com/office/drawing/2014/main" id="{9BDF2BBD-68E0-6F47-930A-FA18E3015E08}"/>
+              </a:ext>
+            </a:extLst>
+          </p:cNvPr>
+          <p:cNvSpPr>
+            <a:spLocks noGrp="1"/>
+          </p:cNvSpPr>
+          <p:nvPr>
+            <p:ph type="sldNum" sz="quarter" idx="12"/>
+          </p:nvPr>
+        </p:nvSpPr>
+        <p:spPr/>
+        <p:txBody>
+          <a:bodyPr/>
+          <a:lstStyle/>
+          <a:p>
+            <a:fld id="{D57F1E4F-1CFF-5643-939E-02111984F565}" type="slidenum">
+              <a:rPr lang="en-US" smtClean="0"/>
+              <a:t>14</a:t>
+            </a:fld>
+            <a:endParaRPr lang="en-US" dirty="0"/>
+          </a:p>
+        </p:txBody>
+      </p:sp>
     </p:spTree>
     <p:extLst>
       <p:ext uri="{BB962C8B-B14F-4D97-AF65-F5344CB8AC3E}">
@@ -11560,6 +12746,33 @@
                                               <p:pRg st="13" end="13"/>
                                             </p:txEl>
                                           </p:spTgt>
+                                        </p:tgtEl>
+                                        <p:attrNameLst>
+                                          <p:attrName>style.visibility</p:attrName>
+                                        </p:attrNameLst>
+                                      </p:cBhvr>
+                                      <p:to>
+                                        <p:strVal val="visible"/>
+                                      </p:to>
+                                    </p:set>
+                                  </p:childTnLst>
+                                </p:cTn>
+                              </p:par>
+                              <p:par>
+                                <p:cTn id="11" presetID="1" presetClass="entr" presetSubtype="0" fill="hold" nodeType="withEffect">
+                                  <p:stCondLst>
+                                    <p:cond delay="0"/>
+                                  </p:stCondLst>
+                                  <p:childTnLst>
+                                    <p:set>
+                                      <p:cBhvr>
+                                        <p:cTn id="12" dur="1" fill="hold">
+                                          <p:stCondLst>
+                                            <p:cond delay="0"/>
+                                          </p:stCondLst>
+                                        </p:cTn>
+                                        <p:tgtEl>
+                                          <p:spTgt spid="5"/>
                                         </p:tgtEl>
                                         <p:attrNameLst>
                                           <p:attrName>style.visibility</p:attrName>
@@ -12250,6 +13463,35 @@
           </a:fontRef>
         </p:style>
       </p:cxnSp>
+      <p:sp>
+        <p:nvSpPr>
+          <p:cNvPr id="6" name="Slide Number Placeholder 5">
+            <a:extLst>
+              <a:ext uri="{FF2B5EF4-FFF2-40B4-BE49-F238E27FC236}">
+                <a16:creationId xmlns:a16="http://schemas.microsoft.com/office/drawing/2014/main" id="{28C42CF5-8F47-024E-80D4-BA82B750A8FF}"/>
+              </a:ext>
+            </a:extLst>
+          </p:cNvPr>
+          <p:cNvSpPr>
+            <a:spLocks noGrp="1"/>
+          </p:cNvSpPr>
+          <p:nvPr>
+            <p:ph type="sldNum" sz="quarter" idx="12"/>
+          </p:nvPr>
+        </p:nvSpPr>
+        <p:spPr/>
+        <p:txBody>
+          <a:bodyPr/>
+          <a:lstStyle/>
+          <a:p>
+            <a:fld id="{D57F1E4F-1CFF-5643-939E-02111984F565}" type="slidenum">
+              <a:rPr lang="en-US" smtClean="0"/>
+              <a:t>15</a:t>
+            </a:fld>
+            <a:endParaRPr lang="en-US" dirty="0"/>
+          </a:p>
+        </p:txBody>
+      </p:sp>
     </p:spTree>
     <p:extLst>
       <p:ext uri="{BB962C8B-B14F-4D97-AF65-F5344CB8AC3E}">
@@ -13223,74 +14465,30 @@
       </p:sp>
       <p:sp>
         <p:nvSpPr>
-          <p:cNvPr id="11" name="TextBox 10">
+          <p:cNvPr id="3" name="Slide Number Placeholder 2">
             <a:extLst>
               <a:ext uri="{FF2B5EF4-FFF2-40B4-BE49-F238E27FC236}">
-                <a16:creationId xmlns:a16="http://schemas.microsoft.com/office/drawing/2014/main" id="{F1A12254-A567-0B44-97C3-50B4CF479468}"/>
+                <a16:creationId xmlns:a16="http://schemas.microsoft.com/office/drawing/2014/main" id="{0A3F5854-915E-5246-B217-C798430893D2}"/>
               </a:ext>
             </a:extLst>
           </p:cNvPr>
-          <p:cNvSpPr txBox="1"/>
-          <p:nvPr/>
+          <p:cNvSpPr>
+            <a:spLocks noGrp="1"/>
+          </p:cNvSpPr>
+          <p:nvPr>
+            <p:ph type="sldNum" sz="quarter" idx="12"/>
+          </p:nvPr>
         </p:nvSpPr>
-        <p:spPr>
-          <a:xfrm>
-            <a:off x="3422071" y="2518338"/>
-            <a:ext cx="4614148" cy="2554545"/>
-          </a:xfrm>
-          <a:prstGeom prst="rect">
-            <a:avLst/>
-          </a:prstGeom>
-          <a:noFill/>
-        </p:spPr>
+        <p:spPr/>
         <p:txBody>
-          <a:bodyPr wrap="square" rtlCol="0">
-            <a:spAutoFit/>
-          </a:bodyPr>
+          <a:bodyPr/>
           <a:lstStyle/>
           <a:p>
-            <a:r>
-              <a:rPr lang="en-US" sz="2000" dirty="0">
-                <a:solidFill>
-                  <a:srgbClr val="FF0000"/>
-                </a:solidFill>
-              </a:rPr>
-              <a:t>Note that the returned value 6 is sent back to the call expression add(2, 4). </a:t>
-            </a:r>
-          </a:p>
-          <a:p>
-            <a:endParaRPr lang="en-US" sz="2000" dirty="0">
-              <a:solidFill>
-                <a:srgbClr val="FF0000"/>
-              </a:solidFill>
-            </a:endParaRPr>
-          </a:p>
-          <a:p>
-            <a:r>
-              <a:rPr lang="en-US" sz="2000" dirty="0">
-                <a:solidFill>
-                  <a:srgbClr val="FF0000"/>
-                </a:solidFill>
-              </a:rPr>
-              <a:t>This value add(2, 4) is stored in the variable a.</a:t>
-            </a:r>
-          </a:p>
-          <a:p>
-            <a:endParaRPr lang="en-US" sz="2000" dirty="0">
-              <a:solidFill>
-                <a:srgbClr val="FF0000"/>
-              </a:solidFill>
-            </a:endParaRPr>
-          </a:p>
-          <a:p>
-            <a:r>
-              <a:rPr lang="en-US" sz="2000" dirty="0">
-                <a:solidFill>
-                  <a:srgbClr val="FF0000"/>
-                </a:solidFill>
-              </a:rPr>
-              <a:t>The variable a is then printed to the console.</a:t>
-            </a:r>
+            <a:fld id="{D57F1E4F-1CFF-5643-939E-02111984F565}" type="slidenum">
+              <a:rPr lang="en-US" smtClean="0"/>
+              <a:t>16</a:t>
+            </a:fld>
+            <a:endParaRPr lang="en-US" dirty="0"/>
           </a:p>
         </p:txBody>
       </p:sp>
@@ -13589,51 +14787,6 @@
                       </p:childTnLst>
                     </p:cTn>
                   </p:par>
-                  <p:par>
-                    <p:cTn id="25" fill="hold">
-                      <p:stCondLst>
-                        <p:cond delay="indefinite"/>
-                      </p:stCondLst>
-                      <p:childTnLst>
-                        <p:par>
-                          <p:cTn id="26" fill="hold">
-                            <p:stCondLst>
-                              <p:cond delay="0"/>
-                            </p:stCondLst>
-                            <p:childTnLst>
-                              <p:par>
-                                <p:cTn id="27" presetID="1" presetClass="entr" presetSubtype="0" fill="hold" grpId="0" nodeType="clickEffect">
-                                  <p:stCondLst>
-                                    <p:cond delay="0"/>
-                                  </p:stCondLst>
-                                  <p:childTnLst>
-                                    <p:set>
-                                      <p:cBhvr>
-                                        <p:cTn id="28" dur="1" fill="hold">
-                                          <p:stCondLst>
-                                            <p:cond delay="0"/>
-                                          </p:stCondLst>
-                                        </p:cTn>
-                                        <p:tgtEl>
-                                          <p:spTgt spid="11"/>
-                                        </p:tgtEl>
-                                        <p:attrNameLst>
-                                          <p:attrName>style.visibility</p:attrName>
-                                        </p:attrNameLst>
-                                      </p:cBhvr>
-                                      <p:to>
-                                        <p:strVal val="visible"/>
-                                      </p:to>
-                                    </p:set>
-                                  </p:childTnLst>
-                                </p:cTn>
-                              </p:par>
-                            </p:childTnLst>
-                          </p:cTn>
-                        </p:par>
-                      </p:childTnLst>
-                    </p:cTn>
-                  </p:par>
                 </p:childTnLst>
               </p:cTn>
               <p:prevCondLst>
@@ -13657,7 +14810,6 @@
     </p:tnLst>
     <p:bldLst>
       <p:bldP spid="8" grpId="0"/>
-      <p:bldP spid="11" grpId="0"/>
     </p:bldLst>
   </p:timing>
 </p:sld>
@@ -13698,7 +14850,7 @@
         </p:nvSpPr>
         <p:spPr>
           <a:xfrm>
-            <a:off x="107004" y="77515"/>
+            <a:off x="211474" y="203975"/>
             <a:ext cx="7053542" cy="683886"/>
           </a:xfrm>
         </p:spPr>
@@ -13708,7 +14860,7 @@
           <a:p>
             <a:r>
               <a:rPr lang="en-US" dirty="0"/>
-              <a:t>Returned Value</a:t>
+              <a:t>Functions Arguments (input)</a:t>
             </a:r>
           </a:p>
         </p:txBody>
@@ -13731,8 +14883,8 @@
         </p:nvSpPr>
         <p:spPr>
           <a:xfrm>
-            <a:off x="107004" y="680935"/>
-            <a:ext cx="9036996" cy="4956549"/>
+            <a:off x="308750" y="957333"/>
+            <a:ext cx="8051725" cy="4292919"/>
           </a:xfrm>
         </p:spPr>
         <p:txBody>
@@ -13744,15 +14896,6 @@
             <a:pPr marL="0" indent="0">
               <a:buNone/>
             </a:pPr>
-            <a:r>
-              <a:rPr lang="en-US" dirty="0"/>
-              <a:t>A returned value from a function should be stored, printed or used in another calculation.  Be careful to avoid the error explained below!</a:t>
-            </a:r>
-          </a:p>
-          <a:p>
-            <a:pPr marL="0" indent="0">
-              <a:buNone/>
-            </a:pPr>
             <a:endParaRPr lang="en-US" dirty="0"/>
           </a:p>
           <a:p>
@@ -13772,7 +14915,37 @@
               <a:rPr lang="en-US" b="1" dirty="0">
                 <a:latin typeface="Inconsolata" panose="020B0609030003000000" pitchFamily="49" charset="77"/>
               </a:rPr>
-              <a:t>add(a, b): </a:t>
+              <a:t>add(</a:t>
+            </a:r>
+            <a:r>
+              <a:rPr lang="en-US" b="1" dirty="0">
+                <a:solidFill>
+                  <a:srgbClr val="FF0000"/>
+                </a:solidFill>
+                <a:latin typeface="Inconsolata" panose="020B0609030003000000" pitchFamily="49" charset="77"/>
+              </a:rPr>
+              <a:t>a</a:t>
+            </a:r>
+            <a:r>
+              <a:rPr lang="en-US" b="1" dirty="0">
+                <a:latin typeface="Inconsolata" panose="020B0609030003000000" pitchFamily="49" charset="77"/>
+              </a:rPr>
+              <a:t>, </a:t>
+            </a:r>
+            <a:r>
+              <a:rPr lang="en-US" b="1" dirty="0">
+                <a:solidFill>
+                  <a:schemeClr val="accent1"/>
+                </a:solidFill>
+                <a:latin typeface="Inconsolata" panose="020B0609030003000000" pitchFamily="49" charset="77"/>
+              </a:rPr>
+              <a:t>b</a:t>
+            </a:r>
+            <a:r>
+              <a:rPr lang="en-US" b="1" dirty="0">
+                <a:latin typeface="Inconsolata" panose="020B0609030003000000" pitchFamily="49" charset="77"/>
+              </a:rPr>
+              <a:t>): </a:t>
             </a:r>
           </a:p>
           <a:p>
@@ -13810,31 +14983,10 @@
             <a:pPr marL="0" indent="0">
               <a:buNone/>
             </a:pPr>
-            <a:r>
-              <a:rPr lang="en-US" b="1" dirty="0">
-                <a:solidFill>
-                  <a:srgbClr val="000087"/>
-                </a:solidFill>
-                <a:latin typeface="Inconsolata" panose="020B0609030003000000" pitchFamily="49" charset="77"/>
-              </a:rPr>
-              <a:t>a = </a:t>
-            </a:r>
-            <a:r>
-              <a:rPr lang="en-US" b="1" dirty="0">
-                <a:latin typeface="Inconsolata" panose="020B0609030003000000" pitchFamily="49" charset="77"/>
-              </a:rPr>
-              <a:t>add(2, 4) 		</a:t>
-            </a:r>
-            <a:r>
-              <a:rPr lang="en-US" b="1" dirty="0">
-                <a:solidFill>
-                  <a:schemeClr val="accent1"/>
-                </a:solidFill>
-                <a:latin typeface="Inconsolata" panose="020B0609030003000000" pitchFamily="49" charset="77"/>
-              </a:rPr>
-              <a:t># returned value 6 is stored in a. </a:t>
-            </a:r>
             <a:endParaRPr lang="en-US" b="1" dirty="0">
+              <a:solidFill>
+                <a:srgbClr val="000087"/>
+              </a:solidFill>
               <a:latin typeface="Inconsolata" panose="020B0609030003000000" pitchFamily="49" charset="77"/>
             </a:endParaRPr>
           </a:p>
@@ -13844,51 +14996,69 @@
             </a:pPr>
             <a:r>
               <a:rPr lang="en-US" b="1" dirty="0">
-                <a:latin typeface="Inconsolata" panose="020B0609030003000000" pitchFamily="49" charset="77"/>
-              </a:rPr>
-              <a:t>print(a) 			</a:t>
+                <a:solidFill>
+                  <a:srgbClr val="000087"/>
+                </a:solidFill>
+                <a:latin typeface="Inconsolata" panose="020B0609030003000000" pitchFamily="49" charset="77"/>
+              </a:rPr>
+              <a:t>a = </a:t>
             </a:r>
             <a:r>
               <a:rPr lang="en-US" b="1" dirty="0">
+                <a:latin typeface="Inconsolata" panose="020B0609030003000000" pitchFamily="49" charset="77"/>
+              </a:rPr>
+              <a:t>add(</a:t>
+            </a:r>
+            <a:r>
+              <a:rPr lang="en-US" b="1" dirty="0">
+                <a:solidFill>
+                  <a:srgbClr val="FF0000"/>
+                </a:solidFill>
+                <a:latin typeface="Inconsolata" panose="020B0609030003000000" pitchFamily="49" charset="77"/>
+              </a:rPr>
+              <a:t>2</a:t>
+            </a:r>
+            <a:r>
+              <a:rPr lang="en-US" b="1" dirty="0">
+                <a:latin typeface="Inconsolata" panose="020B0609030003000000" pitchFamily="49" charset="77"/>
+              </a:rPr>
+              <a:t>, </a:t>
+            </a:r>
+            <a:r>
+              <a:rPr lang="en-US" b="1" dirty="0">
                 <a:solidFill>
                   <a:schemeClr val="accent1"/>
                 </a:solidFill>
                 <a:latin typeface="Inconsolata" panose="020B0609030003000000" pitchFamily="49" charset="77"/>
               </a:rPr>
+              <a:t>4</a:t>
+            </a:r>
+            <a:r>
+              <a:rPr lang="en-US" b="1" dirty="0">
+                <a:latin typeface="Inconsolata" panose="020B0609030003000000" pitchFamily="49" charset="77"/>
+              </a:rPr>
+              <a:t>) </a:t>
+            </a:r>
+          </a:p>
+          <a:p>
+            <a:pPr marL="0" indent="0">
+              <a:buNone/>
+            </a:pPr>
+            <a:r>
+              <a:rPr lang="en-US" b="1" dirty="0">
+                <a:latin typeface="Inconsolata" panose="020B0609030003000000" pitchFamily="49" charset="77"/>
+              </a:rPr>
+              <a:t>print(a) 		</a:t>
+            </a:r>
+            <a:r>
+              <a:rPr lang="en-US" b="1" dirty="0">
+                <a:solidFill>
+                  <a:schemeClr val="accent1"/>
+                </a:solidFill>
+                <a:latin typeface="Inconsolata" panose="020B0609030003000000" pitchFamily="49" charset="77"/>
+              </a:rPr>
               <a:t># 6</a:t>
             </a:r>
-          </a:p>
-          <a:p>
-            <a:pPr marL="0" indent="0">
-              <a:buNone/>
-            </a:pPr>
-            <a:r>
-              <a:rPr lang="en-US" b="1" dirty="0">
-                <a:solidFill>
-                  <a:srgbClr val="000087"/>
-                </a:solidFill>
-                <a:latin typeface="Inconsolata" panose="020B0609030003000000" pitchFamily="49" charset="77"/>
-              </a:rPr>
-              <a:t>b = </a:t>
-            </a:r>
-            <a:r>
-              <a:rPr lang="en-US" b="1" dirty="0">
-                <a:latin typeface="Inconsolata" panose="020B0609030003000000" pitchFamily="49" charset="77"/>
-              </a:rPr>
-              <a:t>add(1, 2) - 3	</a:t>
-            </a:r>
-            <a:r>
-              <a:rPr lang="en-US" b="1" dirty="0">
-                <a:solidFill>
-                  <a:schemeClr val="accent1"/>
-                </a:solidFill>
-                <a:latin typeface="Inconsolata" panose="020B0609030003000000" pitchFamily="49" charset="77"/>
-              </a:rPr>
-              <a:t># returned value 6 used in a calculation. </a:t>
-            </a:r>
-            <a:endParaRPr lang="en-US" b="1" dirty="0">
-              <a:latin typeface="Inconsolata" panose="020B0609030003000000" pitchFamily="49" charset="77"/>
-            </a:endParaRPr>
           </a:p>
           <a:p>
             <a:pPr marL="0" indent="0">
@@ -13905,82 +15075,198 @@
             <a:pPr marL="0" indent="0">
               <a:buNone/>
             </a:pPr>
-            <a:r>
-              <a:rPr lang="en-US" b="1" dirty="0">
-                <a:solidFill>
-                  <a:srgbClr val="FF0000"/>
-                </a:solidFill>
-                <a:latin typeface="Inconsolata" panose="020B0609030003000000" pitchFamily="49" charset="77"/>
-              </a:rPr>
-              <a:t>add(4, 6)</a:t>
-            </a:r>
-            <a:r>
-              <a:rPr lang="en-US" b="1" dirty="0">
-                <a:latin typeface="Inconsolata" panose="020B0609030003000000" pitchFamily="49" charset="77"/>
-              </a:rPr>
-              <a:t>		</a:t>
-            </a:r>
-            <a:r>
-              <a:rPr lang="en-US" b="1" dirty="0">
-                <a:solidFill>
-                  <a:schemeClr val="accent1"/>
-                </a:solidFill>
-                <a:latin typeface="Inconsolata" panose="020B0609030003000000" pitchFamily="49" charset="77"/>
-              </a:rPr>
-              <a:t># returned value 10 is neither stored nor printed</a:t>
-            </a:r>
-          </a:p>
-          <a:p>
-            <a:pPr marL="0" indent="0">
-              <a:buNone/>
-            </a:pPr>
-            <a:r>
-              <a:rPr lang="en-US" b="1" dirty="0">
-                <a:solidFill>
-                  <a:schemeClr val="accent1"/>
-                </a:solidFill>
-                <a:latin typeface="Inconsolata" panose="020B0609030003000000" pitchFamily="49" charset="77"/>
-              </a:rPr>
-              <a:t>			</a:t>
-            </a:r>
-            <a:r>
-              <a:rPr lang="en-US" b="1" dirty="0">
-                <a:solidFill>
-                  <a:srgbClr val="FF0000"/>
-                </a:solidFill>
-                <a:latin typeface="Inconsolata" panose="020B0609030003000000" pitchFamily="49" charset="77"/>
-              </a:rPr>
-              <a:t># this value is lost! This is a common error!</a:t>
-            </a:r>
-          </a:p>
-          <a:p>
-            <a:pPr marL="0" indent="0">
-              <a:buNone/>
-            </a:pPr>
-            <a:r>
-              <a:rPr lang="en-US" b="1" dirty="0">
-                <a:solidFill>
-                  <a:srgbClr val="FF0000"/>
-                </a:solidFill>
-                <a:latin typeface="Inconsolata" panose="020B0609030003000000" pitchFamily="49" charset="77"/>
-              </a:rPr>
-              <a:t>			# This line of code effectively does nothing.</a:t>
-            </a:r>
-          </a:p>
-          <a:p>
-            <a:pPr marL="0" indent="0">
-              <a:buNone/>
-            </a:pPr>
             <a:endParaRPr lang="en-US" b="1" dirty="0">
               <a:latin typeface="Inconsolata" panose="020B0609030003000000" pitchFamily="49" charset="77"/>
             </a:endParaRPr>
+          </a:p>
+        </p:txBody>
+      </p:sp>
+      <p:cxnSp>
+        <p:nvCxnSpPr>
+          <p:cNvPr id="10" name="Straight Arrow Connector 9">
+            <a:extLst>
+              <a:ext uri="{FF2B5EF4-FFF2-40B4-BE49-F238E27FC236}">
+                <a16:creationId xmlns:a16="http://schemas.microsoft.com/office/drawing/2014/main" id="{D2B72858-9062-1748-A56F-9BF516549403}"/>
+              </a:ext>
+            </a:extLst>
+          </p:cNvPr>
+          <p:cNvCxnSpPr>
+            <a:cxnSpLocks/>
+          </p:cNvCxnSpPr>
+          <p:nvPr/>
+        </p:nvCxnSpPr>
+        <p:spPr>
+          <a:xfrm flipH="1">
+            <a:off x="1356360" y="2148841"/>
+            <a:ext cx="960121" cy="708659"/>
+          </a:xfrm>
+          <a:prstGeom prst="straightConnector1">
+            <a:avLst/>
+          </a:prstGeom>
+          <a:ln w="25400">
+            <a:tailEnd type="triangle"/>
+          </a:ln>
+        </p:spPr>
+        <p:style>
+          <a:lnRef idx="1">
+            <a:schemeClr val="accent1"/>
+          </a:lnRef>
+          <a:fillRef idx="0">
+            <a:schemeClr val="accent1"/>
+          </a:fillRef>
+          <a:effectRef idx="0">
+            <a:schemeClr val="accent1"/>
+          </a:effectRef>
+          <a:fontRef idx="minor">
+            <a:schemeClr val="tx1"/>
+          </a:fontRef>
+        </p:style>
+      </p:cxnSp>
+      <p:sp>
+        <p:nvSpPr>
+          <p:cNvPr id="11" name="TextBox 10">
+            <a:extLst>
+              <a:ext uri="{FF2B5EF4-FFF2-40B4-BE49-F238E27FC236}">
+                <a16:creationId xmlns:a16="http://schemas.microsoft.com/office/drawing/2014/main" id="{F1A12254-A567-0B44-97C3-50B4CF479468}"/>
+              </a:ext>
+            </a:extLst>
+          </p:cNvPr>
+          <p:cNvSpPr txBox="1"/>
+          <p:nvPr/>
+        </p:nvSpPr>
+        <p:spPr>
+          <a:xfrm>
+            <a:off x="3364091" y="1826519"/>
+            <a:ext cx="4614148" cy="2554545"/>
+          </a:xfrm>
+          <a:prstGeom prst="rect">
+            <a:avLst/>
+          </a:prstGeom>
+          <a:noFill/>
+        </p:spPr>
+        <p:txBody>
+          <a:bodyPr wrap="square" rtlCol="0">
+            <a:spAutoFit/>
+          </a:bodyPr>
+          <a:lstStyle/>
+          <a:p>
+            <a:r>
+              <a:rPr lang="en-US" sz="2000" dirty="0">
+                <a:solidFill>
+                  <a:srgbClr val="FF0000"/>
+                </a:solidFill>
+              </a:rPr>
+              <a:t>Note that the returned value 6 is sent back to the call expression add(2, 4). </a:t>
+            </a:r>
+          </a:p>
+          <a:p>
+            <a:endParaRPr lang="en-US" sz="2000" dirty="0">
+              <a:solidFill>
+                <a:srgbClr val="FF0000"/>
+              </a:solidFill>
+            </a:endParaRPr>
+          </a:p>
+          <a:p>
+            <a:r>
+              <a:rPr lang="en-US" sz="2000" dirty="0">
+                <a:solidFill>
+                  <a:srgbClr val="FF0000"/>
+                </a:solidFill>
+              </a:rPr>
+              <a:t>This value add(2, 4) is stored in the variable a.</a:t>
+            </a:r>
+          </a:p>
+          <a:p>
+            <a:endParaRPr lang="en-US" sz="2000" dirty="0">
+              <a:solidFill>
+                <a:srgbClr val="FF0000"/>
+              </a:solidFill>
+            </a:endParaRPr>
+          </a:p>
+          <a:p>
+            <a:r>
+              <a:rPr lang="en-US" sz="2000" dirty="0">
+                <a:solidFill>
+                  <a:srgbClr val="FF0000"/>
+                </a:solidFill>
+              </a:rPr>
+              <a:t>The variable a is then printed to the console.</a:t>
+            </a:r>
+          </a:p>
+        </p:txBody>
+      </p:sp>
+      <p:sp>
+        <p:nvSpPr>
+          <p:cNvPr id="3" name="Slide Number Placeholder 2">
+            <a:extLst>
+              <a:ext uri="{FF2B5EF4-FFF2-40B4-BE49-F238E27FC236}">
+                <a16:creationId xmlns:a16="http://schemas.microsoft.com/office/drawing/2014/main" id="{0A3F5854-915E-5246-B217-C798430893D2}"/>
+              </a:ext>
+            </a:extLst>
+          </p:cNvPr>
+          <p:cNvSpPr>
+            <a:spLocks noGrp="1"/>
+          </p:cNvSpPr>
+          <p:nvPr>
+            <p:ph type="sldNum" sz="quarter" idx="12"/>
+          </p:nvPr>
+        </p:nvSpPr>
+        <p:spPr/>
+        <p:txBody>
+          <a:bodyPr/>
+          <a:lstStyle/>
+          <a:p>
+            <a:fld id="{D57F1E4F-1CFF-5643-939E-02111984F565}" type="slidenum">
+              <a:rPr lang="en-US" smtClean="0"/>
+              <a:t>17</a:t>
+            </a:fld>
+            <a:endParaRPr lang="en-US" dirty="0"/>
+          </a:p>
+        </p:txBody>
+      </p:sp>
+      <p:sp>
+        <p:nvSpPr>
+          <p:cNvPr id="7" name="TextBox 6">
+            <a:extLst>
+              <a:ext uri="{FF2B5EF4-FFF2-40B4-BE49-F238E27FC236}">
+                <a16:creationId xmlns:a16="http://schemas.microsoft.com/office/drawing/2014/main" id="{7AE5DE27-173B-DD4D-B5DD-EFDACC86D43B}"/>
+              </a:ext>
+            </a:extLst>
+          </p:cNvPr>
+          <p:cNvSpPr txBox="1"/>
+          <p:nvPr/>
+        </p:nvSpPr>
+        <p:spPr>
+          <a:xfrm>
+            <a:off x="1356360" y="2316480"/>
+            <a:ext cx="306494" cy="384721"/>
+          </a:xfrm>
+          <a:prstGeom prst="rect">
+            <a:avLst/>
+          </a:prstGeom>
+          <a:noFill/>
+        </p:spPr>
+        <p:txBody>
+          <a:bodyPr wrap="none" rtlCol="0">
+            <a:spAutoFit/>
+          </a:bodyPr>
+          <a:lstStyle/>
+          <a:p>
+            <a:r>
+              <a:rPr lang="en-US" sz="1900" dirty="0">
+                <a:solidFill>
+                  <a:srgbClr val="7030A0"/>
+                </a:solidFill>
+              </a:rPr>
+              <a:t>6</a:t>
+            </a:r>
           </a:p>
         </p:txBody>
       </p:sp>
     </p:spTree>
     <p:extLst>
       <p:ext uri="{BB962C8B-B14F-4D97-AF65-F5344CB8AC3E}">
-        <p14:creationId xmlns:p14="http://schemas.microsoft.com/office/powerpoint/2010/main" val="26315692"/>
+        <p14:creationId xmlns:p14="http://schemas.microsoft.com/office/powerpoint/2010/main" val="2621777710"/>
       </p:ext>
     </p:extLst>
   </p:cSld>
@@ -14021,7 +15307,7 @@
                                           </p:stCondLst>
                                         </p:cTn>
                                         <p:tgtEl>
-                                          <p:spTgt spid="9">
+                                          <p:spTgt spid="11">
                                             <p:txEl>
                                               <p:pRg st="2" end="2"/>
                                             </p:txEl>
@@ -14070,334 +15356,9 @@
                                           </p:stCondLst>
                                         </p:cTn>
                                         <p:tgtEl>
-                                          <p:spTgt spid="9">
+                                          <p:spTgt spid="11">
                                             <p:txEl>
-                                              <p:pRg st="0" end="0"/>
-                                            </p:txEl>
-                                          </p:spTgt>
-                                        </p:tgtEl>
-                                        <p:attrNameLst>
-                                          <p:attrName>style.visibility</p:attrName>
-                                        </p:attrNameLst>
-                                      </p:cBhvr>
-                                      <p:to>
-                                        <p:strVal val="visible"/>
-                                      </p:to>
-                                    </p:set>
-                                  </p:childTnLst>
-                                </p:cTn>
-                              </p:par>
-                              <p:par>
-                                <p:cTn id="11" presetID="1" presetClass="entr" presetSubtype="0" fill="hold" nodeType="withEffect">
-                                  <p:stCondLst>
-                                    <p:cond delay="0"/>
-                                  </p:stCondLst>
-                                  <p:childTnLst>
-                                    <p:set>
-                                      <p:cBhvr>
-                                        <p:cTn id="12" dur="1" fill="hold">
-                                          <p:stCondLst>
-                                            <p:cond delay="0"/>
-                                          </p:stCondLst>
-                                        </p:cTn>
-                                        <p:tgtEl>
-                                          <p:spTgt spid="9">
-                                            <p:txEl>
-                                              <p:pRg st="3" end="3"/>
-                                            </p:txEl>
-                                          </p:spTgt>
-                                        </p:tgtEl>
-                                        <p:attrNameLst>
-                                          <p:attrName>style.visibility</p:attrName>
-                                        </p:attrNameLst>
-                                      </p:cBhvr>
-                                      <p:to>
-                                        <p:strVal val="visible"/>
-                                      </p:to>
-                                    </p:set>
-                                  </p:childTnLst>
-                                </p:cTn>
-                              </p:par>
-                            </p:childTnLst>
-                          </p:cTn>
-                        </p:par>
-                      </p:childTnLst>
-                    </p:cTn>
-                  </p:par>
-                  <p:par>
-                    <p:cTn id="13" fill="hold">
-                      <p:stCondLst>
-                        <p:cond delay="indefinite"/>
-                      </p:stCondLst>
-                      <p:childTnLst>
-                        <p:par>
-                          <p:cTn id="14" fill="hold">
-                            <p:stCondLst>
-                              <p:cond delay="0"/>
-                            </p:stCondLst>
-                            <p:childTnLst>
-                              <p:par>
-                                <p:cTn id="15" presetID="1" presetClass="entr" presetSubtype="0" fill="hold" nodeType="clickEffect">
-                                  <p:stCondLst>
-                                    <p:cond delay="0"/>
-                                  </p:stCondLst>
-                                  <p:childTnLst>
-                                    <p:set>
-                                      <p:cBhvr>
-                                        <p:cTn id="16" dur="1" fill="hold">
-                                          <p:stCondLst>
-                                            <p:cond delay="0"/>
-                                          </p:stCondLst>
-                                        </p:cTn>
-                                        <p:tgtEl>
-                                          <p:spTgt spid="9">
-                                            <p:txEl>
-                                              <p:pRg st="5" end="5"/>
-                                            </p:txEl>
-                                          </p:spTgt>
-                                        </p:tgtEl>
-                                        <p:attrNameLst>
-                                          <p:attrName>style.visibility</p:attrName>
-                                        </p:attrNameLst>
-                                      </p:cBhvr>
-                                      <p:to>
-                                        <p:strVal val="visible"/>
-                                      </p:to>
-                                    </p:set>
-                                  </p:childTnLst>
-                                </p:cTn>
-                              </p:par>
-                            </p:childTnLst>
-                          </p:cTn>
-                        </p:par>
-                      </p:childTnLst>
-                    </p:cTn>
-                  </p:par>
-                  <p:par>
-                    <p:cTn id="17" fill="hold">
-                      <p:stCondLst>
-                        <p:cond delay="indefinite"/>
-                      </p:stCondLst>
-                      <p:childTnLst>
-                        <p:par>
-                          <p:cTn id="18" fill="hold">
-                            <p:stCondLst>
-                              <p:cond delay="0"/>
-                            </p:stCondLst>
-                            <p:childTnLst>
-                              <p:par>
-                                <p:cTn id="19" presetID="1" presetClass="entr" presetSubtype="0" fill="hold" nodeType="clickEffect">
-                                  <p:stCondLst>
-                                    <p:cond delay="0"/>
-                                  </p:stCondLst>
-                                  <p:childTnLst>
-                                    <p:set>
-                                      <p:cBhvr>
-                                        <p:cTn id="20" dur="1" fill="hold">
-                                          <p:stCondLst>
-                                            <p:cond delay="0"/>
-                                          </p:stCondLst>
-                                        </p:cTn>
-                                        <p:tgtEl>
-                                          <p:spTgt spid="9">
-                                            <p:txEl>
-                                              <p:pRg st="6" end="6"/>
-                                            </p:txEl>
-                                          </p:spTgt>
-                                        </p:tgtEl>
-                                        <p:attrNameLst>
-                                          <p:attrName>style.visibility</p:attrName>
-                                        </p:attrNameLst>
-                                      </p:cBhvr>
-                                      <p:to>
-                                        <p:strVal val="visible"/>
-                                      </p:to>
-                                    </p:set>
-                                  </p:childTnLst>
-                                </p:cTn>
-                              </p:par>
-                            </p:childTnLst>
-                          </p:cTn>
-                        </p:par>
-                      </p:childTnLst>
-                    </p:cTn>
-                  </p:par>
-                  <p:par>
-                    <p:cTn id="21" fill="hold">
-                      <p:stCondLst>
-                        <p:cond delay="indefinite"/>
-                      </p:stCondLst>
-                      <p:childTnLst>
-                        <p:par>
-                          <p:cTn id="22" fill="hold">
-                            <p:stCondLst>
-                              <p:cond delay="0"/>
-                            </p:stCondLst>
-                            <p:childTnLst>
-                              <p:par>
-                                <p:cTn id="23" presetID="1" presetClass="entr" presetSubtype="0" fill="hold" nodeType="clickEffect">
-                                  <p:stCondLst>
-                                    <p:cond delay="0"/>
-                                  </p:stCondLst>
-                                  <p:childTnLst>
-                                    <p:set>
-                                      <p:cBhvr>
-                                        <p:cTn id="24" dur="1" fill="hold">
-                                          <p:stCondLst>
-                                            <p:cond delay="0"/>
-                                          </p:stCondLst>
-                                        </p:cTn>
-                                        <p:tgtEl>
-                                          <p:spTgt spid="9">
-                                            <p:txEl>
-                                              <p:pRg st="7" end="7"/>
-                                            </p:txEl>
-                                          </p:spTgt>
-                                        </p:tgtEl>
-                                        <p:attrNameLst>
-                                          <p:attrName>style.visibility</p:attrName>
-                                        </p:attrNameLst>
-                                      </p:cBhvr>
-                                      <p:to>
-                                        <p:strVal val="visible"/>
-                                      </p:to>
-                                    </p:set>
-                                  </p:childTnLst>
-                                </p:cTn>
-                              </p:par>
-                            </p:childTnLst>
-                          </p:cTn>
-                        </p:par>
-                      </p:childTnLst>
-                    </p:cTn>
-                  </p:par>
-                  <p:par>
-                    <p:cTn id="25" fill="hold">
-                      <p:stCondLst>
-                        <p:cond delay="indefinite"/>
-                      </p:stCondLst>
-                      <p:childTnLst>
-                        <p:par>
-                          <p:cTn id="26" fill="hold">
-                            <p:stCondLst>
-                              <p:cond delay="0"/>
-                            </p:stCondLst>
-                            <p:childTnLst>
-                              <p:par>
-                                <p:cTn id="27" presetID="1" presetClass="entr" presetSubtype="0" fill="hold" nodeType="clickEffect">
-                                  <p:stCondLst>
-                                    <p:cond delay="0"/>
-                                  </p:stCondLst>
-                                  <p:childTnLst>
-                                    <p:set>
-                                      <p:cBhvr>
-                                        <p:cTn id="28" dur="1" fill="hold">
-                                          <p:stCondLst>
-                                            <p:cond delay="0"/>
-                                          </p:stCondLst>
-                                        </p:cTn>
-                                        <p:tgtEl>
-                                          <p:spTgt spid="9">
-                                            <p:txEl>
-                                              <p:pRg st="9" end="9"/>
-                                            </p:txEl>
-                                          </p:spTgt>
-                                        </p:tgtEl>
-                                        <p:attrNameLst>
-                                          <p:attrName>style.visibility</p:attrName>
-                                        </p:attrNameLst>
-                                      </p:cBhvr>
-                                      <p:to>
-                                        <p:strVal val="visible"/>
-                                      </p:to>
-                                    </p:set>
-                                  </p:childTnLst>
-                                </p:cTn>
-                              </p:par>
-                            </p:childTnLst>
-                          </p:cTn>
-                        </p:par>
-                      </p:childTnLst>
-                    </p:cTn>
-                  </p:par>
-                  <p:par>
-                    <p:cTn id="29" fill="hold">
-                      <p:stCondLst>
-                        <p:cond delay="indefinite"/>
-                      </p:stCondLst>
-                      <p:childTnLst>
-                        <p:par>
-                          <p:cTn id="30" fill="hold">
-                            <p:stCondLst>
-                              <p:cond delay="0"/>
-                            </p:stCondLst>
-                            <p:childTnLst>
-                              <p:par>
-                                <p:cTn id="31" presetID="1" presetClass="entr" presetSubtype="0" fill="hold" nodeType="clickEffect">
-                                  <p:stCondLst>
-                                    <p:cond delay="0"/>
-                                  </p:stCondLst>
-                                  <p:childTnLst>
-                                    <p:set>
-                                      <p:cBhvr>
-                                        <p:cTn id="32" dur="1" fill="hold">
-                                          <p:stCondLst>
-                                            <p:cond delay="0"/>
-                                          </p:stCondLst>
-                                        </p:cTn>
-                                        <p:tgtEl>
-                                          <p:spTgt spid="9">
-                                            <p:txEl>
-                                              <p:pRg st="10" end="10"/>
-                                            </p:txEl>
-                                          </p:spTgt>
-                                        </p:tgtEl>
-                                        <p:attrNameLst>
-                                          <p:attrName>style.visibility</p:attrName>
-                                        </p:attrNameLst>
-                                      </p:cBhvr>
-                                      <p:to>
-                                        <p:strVal val="visible"/>
-                                      </p:to>
-                                    </p:set>
-                                  </p:childTnLst>
-                                </p:cTn>
-                              </p:par>
-                            </p:childTnLst>
-                          </p:cTn>
-                        </p:par>
-                      </p:childTnLst>
-                    </p:cTn>
-                  </p:par>
-                  <p:par>
-                    <p:cTn id="33" fill="hold">
-                      <p:stCondLst>
-                        <p:cond delay="indefinite"/>
-                      </p:stCondLst>
-                      <p:childTnLst>
-                        <p:par>
-                          <p:cTn id="34" fill="hold">
-                            <p:stCondLst>
-                              <p:cond delay="0"/>
-                            </p:stCondLst>
-                            <p:childTnLst>
-                              <p:par>
-                                <p:cTn id="35" presetID="1" presetClass="entr" presetSubtype="0" fill="hold" nodeType="clickEffect">
-                                  <p:stCondLst>
-                                    <p:cond delay="0"/>
-                                  </p:stCondLst>
-                                  <p:childTnLst>
-                                    <p:set>
-                                      <p:cBhvr>
-                                        <p:cTn id="36" dur="1" fill="hold">
-                                          <p:stCondLst>
-                                            <p:cond delay="0"/>
-                                          </p:stCondLst>
-                                        </p:cTn>
-                                        <p:tgtEl>
-                                          <p:spTgt spid="9">
-                                            <p:txEl>
-                                              <p:pRg st="11" end="11"/>
+                                              <p:pRg st="4" end="4"/>
                                             </p:txEl>
                                           </p:spTgt>
                                         </p:tgtEl>
@@ -14465,6 +15426,712 @@
           <p:cNvPr id="2" name="Title 1">
             <a:extLst>
               <a:ext uri="{FF2B5EF4-FFF2-40B4-BE49-F238E27FC236}">
+                <a16:creationId xmlns:a16="http://schemas.microsoft.com/office/drawing/2014/main" id="{AA3A228F-61D0-D949-A5E7-F83756230BF8}"/>
+              </a:ext>
+            </a:extLst>
+          </p:cNvPr>
+          <p:cNvSpPr>
+            <a:spLocks noGrp="1"/>
+          </p:cNvSpPr>
+          <p:nvPr>
+            <p:ph type="title"/>
+          </p:nvPr>
+        </p:nvSpPr>
+        <p:spPr>
+          <a:xfrm>
+            <a:off x="107004" y="77515"/>
+            <a:ext cx="7053542" cy="683886"/>
+          </a:xfrm>
+        </p:spPr>
+        <p:txBody>
+          <a:bodyPr/>
+          <a:lstStyle/>
+          <a:p>
+            <a:r>
+              <a:rPr lang="en-US" dirty="0"/>
+              <a:t>Returned Value</a:t>
+            </a:r>
+          </a:p>
+        </p:txBody>
+      </p:sp>
+      <p:sp>
+        <p:nvSpPr>
+          <p:cNvPr id="9" name="Content Placeholder 8">
+            <a:extLst>
+              <a:ext uri="{FF2B5EF4-FFF2-40B4-BE49-F238E27FC236}">
+                <a16:creationId xmlns:a16="http://schemas.microsoft.com/office/drawing/2014/main" id="{E3B2E017-30B2-884B-A113-B419A2ED51AD}"/>
+              </a:ext>
+            </a:extLst>
+          </p:cNvPr>
+          <p:cNvSpPr>
+            <a:spLocks noGrp="1"/>
+          </p:cNvSpPr>
+          <p:nvPr>
+            <p:ph idx="1"/>
+          </p:nvPr>
+        </p:nvSpPr>
+        <p:spPr>
+          <a:xfrm>
+            <a:off x="107004" y="680935"/>
+            <a:ext cx="9036996" cy="4956549"/>
+          </a:xfrm>
+        </p:spPr>
+        <p:txBody>
+          <a:bodyPr>
+            <a:normAutofit/>
+          </a:bodyPr>
+          <a:lstStyle/>
+          <a:p>
+            <a:pPr marL="0" indent="0">
+              <a:buNone/>
+            </a:pPr>
+            <a:r>
+              <a:rPr lang="en-US" dirty="0"/>
+              <a:t>A returned value from a function should be stored, printed or used in another calculation.  Be careful to avoid the error explained below!</a:t>
+            </a:r>
+          </a:p>
+          <a:p>
+            <a:pPr marL="0" indent="0">
+              <a:buNone/>
+            </a:pPr>
+            <a:endParaRPr lang="en-US" dirty="0"/>
+          </a:p>
+          <a:p>
+            <a:pPr marL="0" indent="0">
+              <a:buNone/>
+            </a:pPr>
+            <a:r>
+              <a:rPr lang="en-US" b="1" dirty="0">
+                <a:solidFill>
+                  <a:srgbClr val="006699"/>
+                </a:solidFill>
+                <a:latin typeface="Inconsolata" panose="020B0609030003000000" pitchFamily="49" charset="77"/>
+              </a:rPr>
+              <a:t>def </a:t>
+            </a:r>
+            <a:r>
+              <a:rPr lang="en-US" b="1" dirty="0">
+                <a:latin typeface="Inconsolata" panose="020B0609030003000000" pitchFamily="49" charset="77"/>
+              </a:rPr>
+              <a:t>add(a, b): </a:t>
+            </a:r>
+          </a:p>
+          <a:p>
+            <a:pPr marL="0" indent="0">
+              <a:buNone/>
+            </a:pPr>
+            <a:r>
+              <a:rPr lang="en-US" b="1" dirty="0">
+                <a:solidFill>
+                  <a:srgbClr val="000087"/>
+                </a:solidFill>
+                <a:latin typeface="Inconsolata" panose="020B0609030003000000" pitchFamily="49" charset="77"/>
+              </a:rPr>
+              <a:t>    return a + b</a:t>
+            </a:r>
+            <a:r>
+              <a:rPr lang="en-US" b="1" dirty="0">
+                <a:latin typeface="Inconsolata" panose="020B0609030003000000" pitchFamily="49" charset="77"/>
+              </a:rPr>
+              <a:t> </a:t>
+            </a:r>
+          </a:p>
+          <a:p>
+            <a:pPr marL="0" indent="0">
+              <a:buNone/>
+            </a:pPr>
+            <a:endParaRPr lang="en-US" b="1" dirty="0">
+              <a:solidFill>
+                <a:srgbClr val="000087"/>
+              </a:solidFill>
+              <a:latin typeface="Inconsolata" panose="020B0609030003000000" pitchFamily="49" charset="77"/>
+            </a:endParaRPr>
+          </a:p>
+          <a:p>
+            <a:pPr marL="0" indent="0">
+              <a:buNone/>
+            </a:pPr>
+            <a:r>
+              <a:rPr lang="en-US" b="1" dirty="0">
+                <a:solidFill>
+                  <a:srgbClr val="000087"/>
+                </a:solidFill>
+                <a:latin typeface="Inconsolata" panose="020B0609030003000000" pitchFamily="49" charset="77"/>
+              </a:rPr>
+              <a:t>a = </a:t>
+            </a:r>
+            <a:r>
+              <a:rPr lang="en-US" b="1" dirty="0">
+                <a:latin typeface="Inconsolata" panose="020B0609030003000000" pitchFamily="49" charset="77"/>
+              </a:rPr>
+              <a:t>add(2, 4) 		</a:t>
+            </a:r>
+            <a:r>
+              <a:rPr lang="en-US" b="1" dirty="0">
+                <a:solidFill>
+                  <a:schemeClr val="accent1"/>
+                </a:solidFill>
+                <a:latin typeface="Inconsolata" panose="020B0609030003000000" pitchFamily="49" charset="77"/>
+              </a:rPr>
+              <a:t># returned value 6 is stored in a. </a:t>
+            </a:r>
+            <a:endParaRPr lang="en-US" b="1" dirty="0">
+              <a:latin typeface="Inconsolata" panose="020B0609030003000000" pitchFamily="49" charset="77"/>
+            </a:endParaRPr>
+          </a:p>
+          <a:p>
+            <a:pPr marL="0" indent="0">
+              <a:buNone/>
+            </a:pPr>
+            <a:r>
+              <a:rPr lang="en-US" b="1" dirty="0">
+                <a:latin typeface="Inconsolata" panose="020B0609030003000000" pitchFamily="49" charset="77"/>
+              </a:rPr>
+              <a:t>print(a) 			</a:t>
+            </a:r>
+            <a:r>
+              <a:rPr lang="en-US" b="1" dirty="0">
+                <a:solidFill>
+                  <a:schemeClr val="accent1"/>
+                </a:solidFill>
+                <a:latin typeface="Inconsolata" panose="020B0609030003000000" pitchFamily="49" charset="77"/>
+              </a:rPr>
+              <a:t># 6</a:t>
+            </a:r>
+          </a:p>
+          <a:p>
+            <a:pPr marL="0" indent="0">
+              <a:buNone/>
+            </a:pPr>
+            <a:r>
+              <a:rPr lang="en-US" b="1" dirty="0">
+                <a:solidFill>
+                  <a:srgbClr val="000087"/>
+                </a:solidFill>
+                <a:latin typeface="Inconsolata" panose="020B0609030003000000" pitchFamily="49" charset="77"/>
+              </a:rPr>
+              <a:t>b = </a:t>
+            </a:r>
+            <a:r>
+              <a:rPr lang="en-US" b="1" dirty="0">
+                <a:latin typeface="Inconsolata" panose="020B0609030003000000" pitchFamily="49" charset="77"/>
+              </a:rPr>
+              <a:t>add(1, 2) - 3	</a:t>
+            </a:r>
+            <a:r>
+              <a:rPr lang="en-US" b="1" dirty="0">
+                <a:solidFill>
+                  <a:schemeClr val="accent1"/>
+                </a:solidFill>
+                <a:latin typeface="Inconsolata" panose="020B0609030003000000" pitchFamily="49" charset="77"/>
+              </a:rPr>
+              <a:t># returned value 6 used in a calculation. </a:t>
+            </a:r>
+            <a:endParaRPr lang="en-US" b="1" dirty="0">
+              <a:latin typeface="Inconsolata" panose="020B0609030003000000" pitchFamily="49" charset="77"/>
+            </a:endParaRPr>
+          </a:p>
+          <a:p>
+            <a:pPr marL="0" indent="0">
+              <a:buNone/>
+            </a:pPr>
+            <a:endParaRPr lang="en-US" b="1" dirty="0">
+              <a:solidFill>
+                <a:schemeClr val="accent1"/>
+              </a:solidFill>
+              <a:latin typeface="Inconsolata" panose="020B0609030003000000" pitchFamily="49" charset="77"/>
+            </a:endParaRPr>
+          </a:p>
+          <a:p>
+            <a:pPr marL="0" indent="0">
+              <a:buNone/>
+            </a:pPr>
+            <a:r>
+              <a:rPr lang="en-US" b="1" dirty="0">
+                <a:solidFill>
+                  <a:srgbClr val="FF0000"/>
+                </a:solidFill>
+                <a:latin typeface="Inconsolata" panose="020B0609030003000000" pitchFamily="49" charset="77"/>
+              </a:rPr>
+              <a:t>add(4, 6)</a:t>
+            </a:r>
+            <a:r>
+              <a:rPr lang="en-US" b="1" dirty="0">
+                <a:latin typeface="Inconsolata" panose="020B0609030003000000" pitchFamily="49" charset="77"/>
+              </a:rPr>
+              <a:t>		</a:t>
+            </a:r>
+            <a:r>
+              <a:rPr lang="en-US" b="1" dirty="0">
+                <a:solidFill>
+                  <a:schemeClr val="accent1"/>
+                </a:solidFill>
+                <a:latin typeface="Inconsolata" panose="020B0609030003000000" pitchFamily="49" charset="77"/>
+              </a:rPr>
+              <a:t># returned value 10 is neither stored nor printed</a:t>
+            </a:r>
+          </a:p>
+          <a:p>
+            <a:pPr marL="0" indent="0">
+              <a:buNone/>
+            </a:pPr>
+            <a:r>
+              <a:rPr lang="en-US" b="1" dirty="0">
+                <a:solidFill>
+                  <a:schemeClr val="accent1"/>
+                </a:solidFill>
+                <a:latin typeface="Inconsolata" panose="020B0609030003000000" pitchFamily="49" charset="77"/>
+              </a:rPr>
+              <a:t>			</a:t>
+            </a:r>
+            <a:r>
+              <a:rPr lang="en-US" b="1" dirty="0">
+                <a:solidFill>
+                  <a:srgbClr val="FF0000"/>
+                </a:solidFill>
+                <a:latin typeface="Inconsolata" panose="020B0609030003000000" pitchFamily="49" charset="77"/>
+              </a:rPr>
+              <a:t># this value is lost! This is a common error!</a:t>
+            </a:r>
+          </a:p>
+          <a:p>
+            <a:pPr marL="0" indent="0">
+              <a:buNone/>
+            </a:pPr>
+            <a:r>
+              <a:rPr lang="en-US" b="1" dirty="0">
+                <a:solidFill>
+                  <a:srgbClr val="FF0000"/>
+                </a:solidFill>
+                <a:latin typeface="Inconsolata" panose="020B0609030003000000" pitchFamily="49" charset="77"/>
+              </a:rPr>
+              <a:t>			# This line of code effectively does nothing.</a:t>
+            </a:r>
+          </a:p>
+          <a:p>
+            <a:pPr marL="0" indent="0">
+              <a:buNone/>
+            </a:pPr>
+            <a:endParaRPr lang="en-US" b="1" dirty="0">
+              <a:latin typeface="Inconsolata" panose="020B0609030003000000" pitchFamily="49" charset="77"/>
+            </a:endParaRPr>
+          </a:p>
+        </p:txBody>
+      </p:sp>
+      <p:sp>
+        <p:nvSpPr>
+          <p:cNvPr id="3" name="Slide Number Placeholder 2">
+            <a:extLst>
+              <a:ext uri="{FF2B5EF4-FFF2-40B4-BE49-F238E27FC236}">
+                <a16:creationId xmlns:a16="http://schemas.microsoft.com/office/drawing/2014/main" id="{20B94AB9-B6B7-5841-A9FC-CA5DB0E07AC1}"/>
+              </a:ext>
+            </a:extLst>
+          </p:cNvPr>
+          <p:cNvSpPr>
+            <a:spLocks noGrp="1"/>
+          </p:cNvSpPr>
+          <p:nvPr>
+            <p:ph type="sldNum" sz="quarter" idx="12"/>
+          </p:nvPr>
+        </p:nvSpPr>
+        <p:spPr/>
+        <p:txBody>
+          <a:bodyPr/>
+          <a:lstStyle/>
+          <a:p>
+            <a:fld id="{D57F1E4F-1CFF-5643-939E-02111984F565}" type="slidenum">
+              <a:rPr lang="en-US" smtClean="0"/>
+              <a:t>18</a:t>
+            </a:fld>
+            <a:endParaRPr lang="en-US" dirty="0"/>
+          </a:p>
+        </p:txBody>
+      </p:sp>
+    </p:spTree>
+    <p:extLst>
+      <p:ext uri="{BB962C8B-B14F-4D97-AF65-F5344CB8AC3E}">
+        <p14:creationId xmlns:p14="http://schemas.microsoft.com/office/powerpoint/2010/main" val="26315692"/>
+      </p:ext>
+    </p:extLst>
+  </p:cSld>
+  <p:clrMapOvr>
+    <a:masterClrMapping/>
+  </p:clrMapOvr>
+  <p:timing>
+    <p:tnLst>
+      <p:par>
+        <p:cTn id="1" dur="indefinite" restart="never" nodeType="tmRoot">
+          <p:childTnLst>
+            <p:seq concurrent="1" nextAc="seek">
+              <p:cTn id="2" dur="indefinite" nodeType="mainSeq">
+                <p:childTnLst>
+                  <p:par>
+                    <p:cTn id="3" fill="hold">
+                      <p:stCondLst>
+                        <p:cond delay="indefinite"/>
+                      </p:stCondLst>
+                      <p:childTnLst>
+                        <p:par>
+                          <p:cTn id="4" fill="hold">
+                            <p:stCondLst>
+                              <p:cond delay="0"/>
+                            </p:stCondLst>
+                            <p:childTnLst>
+                              <p:par>
+                                <p:cTn id="5" presetID="1" presetClass="entr" presetSubtype="0" fill="hold" nodeType="clickEffect">
+                                  <p:stCondLst>
+                                    <p:cond delay="0"/>
+                                  </p:stCondLst>
+                                  <p:childTnLst>
+                                    <p:set>
+                                      <p:cBhvr>
+                                        <p:cTn id="6" dur="1" fill="hold">
+                                          <p:stCondLst>
+                                            <p:cond delay="0"/>
+                                          </p:stCondLst>
+                                        </p:cTn>
+                                        <p:tgtEl>
+                                          <p:spTgt spid="9">
+                                            <p:txEl>
+                                              <p:pRg st="2" end="2"/>
+                                            </p:txEl>
+                                          </p:spTgt>
+                                        </p:tgtEl>
+                                        <p:attrNameLst>
+                                          <p:attrName>style.visibility</p:attrName>
+                                        </p:attrNameLst>
+                                      </p:cBhvr>
+                                      <p:to>
+                                        <p:strVal val="visible"/>
+                                      </p:to>
+                                    </p:set>
+                                  </p:childTnLst>
+                                </p:cTn>
+                              </p:par>
+                              <p:par>
+                                <p:cTn id="7" presetID="1" presetClass="entr" presetSubtype="0" fill="hold" nodeType="withEffect">
+                                  <p:stCondLst>
+                                    <p:cond delay="0"/>
+                                  </p:stCondLst>
+                                  <p:childTnLst>
+                                    <p:set>
+                                      <p:cBhvr>
+                                        <p:cTn id="8" dur="1" fill="hold">
+                                          <p:stCondLst>
+                                            <p:cond delay="0"/>
+                                          </p:stCondLst>
+                                        </p:cTn>
+                                        <p:tgtEl>
+                                          <p:spTgt spid="9">
+                                            <p:txEl>
+                                              <p:pRg st="3" end="3"/>
+                                            </p:txEl>
+                                          </p:spTgt>
+                                        </p:tgtEl>
+                                        <p:attrNameLst>
+                                          <p:attrName>style.visibility</p:attrName>
+                                        </p:attrNameLst>
+                                      </p:cBhvr>
+                                      <p:to>
+                                        <p:strVal val="visible"/>
+                                      </p:to>
+                                    </p:set>
+                                  </p:childTnLst>
+                                </p:cTn>
+                              </p:par>
+                              <p:par>
+                                <p:cTn id="9" presetID="1" presetClass="entr" presetSubtype="0" fill="hold" nodeType="withEffect">
+                                  <p:stCondLst>
+                                    <p:cond delay="0"/>
+                                  </p:stCondLst>
+                                  <p:childTnLst>
+                                    <p:set>
+                                      <p:cBhvr>
+                                        <p:cTn id="10" dur="1" fill="hold">
+                                          <p:stCondLst>
+                                            <p:cond delay="0"/>
+                                          </p:stCondLst>
+                                        </p:cTn>
+                                        <p:tgtEl>
+                                          <p:spTgt spid="9">
+                                            <p:txEl>
+                                              <p:pRg st="5" end="5"/>
+                                            </p:txEl>
+                                          </p:spTgt>
+                                        </p:tgtEl>
+                                        <p:attrNameLst>
+                                          <p:attrName>style.visibility</p:attrName>
+                                        </p:attrNameLst>
+                                      </p:cBhvr>
+                                      <p:to>
+                                        <p:strVal val="visible"/>
+                                      </p:to>
+                                    </p:set>
+                                  </p:childTnLst>
+                                </p:cTn>
+                              </p:par>
+                            </p:childTnLst>
+                          </p:cTn>
+                        </p:par>
+                      </p:childTnLst>
+                    </p:cTn>
+                  </p:par>
+                  <p:par>
+                    <p:cTn id="11" fill="hold">
+                      <p:stCondLst>
+                        <p:cond delay="indefinite"/>
+                      </p:stCondLst>
+                      <p:childTnLst>
+                        <p:par>
+                          <p:cTn id="12" fill="hold">
+                            <p:stCondLst>
+                              <p:cond delay="0"/>
+                            </p:stCondLst>
+                            <p:childTnLst>
+                              <p:par>
+                                <p:cTn id="13" presetID="1" presetClass="entr" presetSubtype="0" fill="hold" nodeType="clickEffect">
+                                  <p:stCondLst>
+                                    <p:cond delay="0"/>
+                                  </p:stCondLst>
+                                  <p:childTnLst>
+                                    <p:set>
+                                      <p:cBhvr>
+                                        <p:cTn id="14" dur="1" fill="hold">
+                                          <p:stCondLst>
+                                            <p:cond delay="0"/>
+                                          </p:stCondLst>
+                                        </p:cTn>
+                                        <p:tgtEl>
+                                          <p:spTgt spid="9">
+                                            <p:txEl>
+                                              <p:pRg st="6" end="6"/>
+                                            </p:txEl>
+                                          </p:spTgt>
+                                        </p:tgtEl>
+                                        <p:attrNameLst>
+                                          <p:attrName>style.visibility</p:attrName>
+                                        </p:attrNameLst>
+                                      </p:cBhvr>
+                                      <p:to>
+                                        <p:strVal val="visible"/>
+                                      </p:to>
+                                    </p:set>
+                                  </p:childTnLst>
+                                </p:cTn>
+                              </p:par>
+                            </p:childTnLst>
+                          </p:cTn>
+                        </p:par>
+                      </p:childTnLst>
+                    </p:cTn>
+                  </p:par>
+                  <p:par>
+                    <p:cTn id="15" fill="hold">
+                      <p:stCondLst>
+                        <p:cond delay="indefinite"/>
+                      </p:stCondLst>
+                      <p:childTnLst>
+                        <p:par>
+                          <p:cTn id="16" fill="hold">
+                            <p:stCondLst>
+                              <p:cond delay="0"/>
+                            </p:stCondLst>
+                            <p:childTnLst>
+                              <p:par>
+                                <p:cTn id="17" presetID="1" presetClass="entr" presetSubtype="0" fill="hold" nodeType="clickEffect">
+                                  <p:stCondLst>
+                                    <p:cond delay="0"/>
+                                  </p:stCondLst>
+                                  <p:childTnLst>
+                                    <p:set>
+                                      <p:cBhvr>
+                                        <p:cTn id="18" dur="1" fill="hold">
+                                          <p:stCondLst>
+                                            <p:cond delay="0"/>
+                                          </p:stCondLst>
+                                        </p:cTn>
+                                        <p:tgtEl>
+                                          <p:spTgt spid="9">
+                                            <p:txEl>
+                                              <p:pRg st="7" end="7"/>
+                                            </p:txEl>
+                                          </p:spTgt>
+                                        </p:tgtEl>
+                                        <p:attrNameLst>
+                                          <p:attrName>style.visibility</p:attrName>
+                                        </p:attrNameLst>
+                                      </p:cBhvr>
+                                      <p:to>
+                                        <p:strVal val="visible"/>
+                                      </p:to>
+                                    </p:set>
+                                  </p:childTnLst>
+                                </p:cTn>
+                              </p:par>
+                            </p:childTnLst>
+                          </p:cTn>
+                        </p:par>
+                      </p:childTnLst>
+                    </p:cTn>
+                  </p:par>
+                  <p:par>
+                    <p:cTn id="19" fill="hold">
+                      <p:stCondLst>
+                        <p:cond delay="indefinite"/>
+                      </p:stCondLst>
+                      <p:childTnLst>
+                        <p:par>
+                          <p:cTn id="20" fill="hold">
+                            <p:stCondLst>
+                              <p:cond delay="0"/>
+                            </p:stCondLst>
+                            <p:childTnLst>
+                              <p:par>
+                                <p:cTn id="21" presetID="1" presetClass="entr" presetSubtype="0" fill="hold" nodeType="clickEffect">
+                                  <p:stCondLst>
+                                    <p:cond delay="0"/>
+                                  </p:stCondLst>
+                                  <p:childTnLst>
+                                    <p:set>
+                                      <p:cBhvr>
+                                        <p:cTn id="22" dur="1" fill="hold">
+                                          <p:stCondLst>
+                                            <p:cond delay="0"/>
+                                          </p:stCondLst>
+                                        </p:cTn>
+                                        <p:tgtEl>
+                                          <p:spTgt spid="9">
+                                            <p:txEl>
+                                              <p:pRg st="9" end="9"/>
+                                            </p:txEl>
+                                          </p:spTgt>
+                                        </p:tgtEl>
+                                        <p:attrNameLst>
+                                          <p:attrName>style.visibility</p:attrName>
+                                        </p:attrNameLst>
+                                      </p:cBhvr>
+                                      <p:to>
+                                        <p:strVal val="visible"/>
+                                      </p:to>
+                                    </p:set>
+                                  </p:childTnLst>
+                                </p:cTn>
+                              </p:par>
+                              <p:par>
+                                <p:cTn id="23" presetID="1" presetClass="entr" presetSubtype="0" fill="hold" nodeType="withEffect">
+                                  <p:stCondLst>
+                                    <p:cond delay="0"/>
+                                  </p:stCondLst>
+                                  <p:childTnLst>
+                                    <p:set>
+                                      <p:cBhvr>
+                                        <p:cTn id="24" dur="1" fill="hold">
+                                          <p:stCondLst>
+                                            <p:cond delay="0"/>
+                                          </p:stCondLst>
+                                        </p:cTn>
+                                        <p:tgtEl>
+                                          <p:spTgt spid="9">
+                                            <p:txEl>
+                                              <p:pRg st="10" end="10"/>
+                                            </p:txEl>
+                                          </p:spTgt>
+                                        </p:tgtEl>
+                                        <p:attrNameLst>
+                                          <p:attrName>style.visibility</p:attrName>
+                                        </p:attrNameLst>
+                                      </p:cBhvr>
+                                      <p:to>
+                                        <p:strVal val="visible"/>
+                                      </p:to>
+                                    </p:set>
+                                  </p:childTnLst>
+                                </p:cTn>
+                              </p:par>
+                              <p:par>
+                                <p:cTn id="25" presetID="1" presetClass="entr" presetSubtype="0" fill="hold" nodeType="withEffect">
+                                  <p:stCondLst>
+                                    <p:cond delay="0"/>
+                                  </p:stCondLst>
+                                  <p:childTnLst>
+                                    <p:set>
+                                      <p:cBhvr>
+                                        <p:cTn id="26" dur="1" fill="hold">
+                                          <p:stCondLst>
+                                            <p:cond delay="0"/>
+                                          </p:stCondLst>
+                                        </p:cTn>
+                                        <p:tgtEl>
+                                          <p:spTgt spid="9">
+                                            <p:txEl>
+                                              <p:pRg st="11" end="11"/>
+                                            </p:txEl>
+                                          </p:spTgt>
+                                        </p:tgtEl>
+                                        <p:attrNameLst>
+                                          <p:attrName>style.visibility</p:attrName>
+                                        </p:attrNameLst>
+                                      </p:cBhvr>
+                                      <p:to>
+                                        <p:strVal val="visible"/>
+                                      </p:to>
+                                    </p:set>
+                                  </p:childTnLst>
+                                </p:cTn>
+                              </p:par>
+                            </p:childTnLst>
+                          </p:cTn>
+                        </p:par>
+                      </p:childTnLst>
+                    </p:cTn>
+                  </p:par>
+                </p:childTnLst>
+              </p:cTn>
+              <p:prevCondLst>
+                <p:cond evt="onPrev" delay="0">
+                  <p:tgtEl>
+                    <p:sldTgt/>
+                  </p:tgtEl>
+                </p:cond>
+              </p:prevCondLst>
+              <p:nextCondLst>
+                <p:cond evt="onNext" delay="0">
+                  <p:tgtEl>
+                    <p:sldTgt/>
+                  </p:tgtEl>
+                </p:cond>
+              </p:nextCondLst>
+            </p:seq>
+          </p:childTnLst>
+        </p:cTn>
+      </p:par>
+    </p:tnLst>
+  </p:timing>
+</p:sld>
+</file>
+
+<file path=ppt/slides/slide19.xml><?xml version="1.0" encoding="utf-8"?>
+<p:sld xmlns:a="http://schemas.openxmlformats.org/drawingml/2006/main" xmlns:r="http://schemas.openxmlformats.org/officeDocument/2006/relationships" xmlns:p="http://schemas.openxmlformats.org/presentationml/2006/main">
+  <p:cSld>
+    <p:spTree>
+      <p:nvGrpSpPr>
+        <p:cNvPr id="1" name=""/>
+        <p:cNvGrpSpPr/>
+        <p:nvPr/>
+      </p:nvGrpSpPr>
+      <p:grpSpPr>
+        <a:xfrm>
+          <a:off x="0" y="0"/>
+          <a:ext cx="0" cy="0"/>
+          <a:chOff x="0" y="0"/>
+          <a:chExt cx="0" cy="0"/>
+        </a:xfrm>
+      </p:grpSpPr>
+      <p:sp>
+        <p:nvSpPr>
+          <p:cNvPr id="2" name="Title 1">
+            <a:extLst>
+              <a:ext uri="{FF2B5EF4-FFF2-40B4-BE49-F238E27FC236}">
                 <a16:creationId xmlns:a16="http://schemas.microsoft.com/office/drawing/2014/main" id="{DAA6846D-78F7-9348-93A7-1404017519BA}"/>
               </a:ext>
             </a:extLst>
@@ -14511,8 +16178,8 @@
         </p:nvSpPr>
         <p:spPr>
           <a:xfrm>
-            <a:off x="171449" y="1014413"/>
-            <a:ext cx="8972551" cy="4473177"/>
+            <a:off x="0" y="907653"/>
+            <a:ext cx="9144000" cy="4807347"/>
           </a:xfrm>
         </p:spPr>
         <p:txBody>
@@ -14543,30 +16210,30 @@
               <a:buNone/>
             </a:pPr>
             <a:r>
-              <a:rPr lang="en-US" sz="2400" b="1" dirty="0">
+              <a:rPr lang="en-US" sz="2200" b="1" dirty="0">
+                <a:solidFill>
+                  <a:srgbClr val="00B050"/>
+                </a:solidFill>
+                <a:latin typeface="Inconsolata" panose="020B0609030003000000" pitchFamily="49" charset="77"/>
+              </a:rPr>
+              <a:t># given a and b sides of a triangle, return hypotenuse</a:t>
+            </a:r>
+          </a:p>
+          <a:p>
+            <a:pPr marL="0" indent="0">
+              <a:buNone/>
+            </a:pPr>
+            <a:r>
+              <a:rPr lang="en-US" sz="2200" b="1" dirty="0">
                 <a:solidFill>
                   <a:srgbClr val="34A327"/>
                 </a:solidFill>
                 <a:latin typeface="Inconsolata" panose="020B0609030003000000" pitchFamily="49" charset="77"/>
               </a:rPr>
-              <a:t># given a and b sides of a triangle, return hypotenuse</a:t>
-            </a:r>
-          </a:p>
-          <a:p>
-            <a:pPr marL="0" indent="0">
-              <a:buNone/>
-            </a:pPr>
-            <a:r>
-              <a:rPr lang="en-US" sz="2400" b="1" dirty="0">
-                <a:solidFill>
-                  <a:srgbClr val="34A327"/>
-                </a:solidFill>
-                <a:latin typeface="Inconsolata" panose="020B0609030003000000" pitchFamily="49" charset="77"/>
-              </a:rPr>
               <a:t>def</a:t>
             </a:r>
             <a:r>
-              <a:rPr lang="en-US" sz="2400" b="1" dirty="0">
+              <a:rPr lang="en-US" sz="2200" b="1" dirty="0">
                 <a:solidFill>
                   <a:srgbClr val="000000"/>
                 </a:solidFill>
@@ -14575,7 +16242,7 @@
               <a:t> </a:t>
             </a:r>
             <a:r>
-              <a:rPr lang="en-US" sz="2400" b="1" dirty="0">
+              <a:rPr lang="en-US" sz="2200" b="1" dirty="0">
                 <a:solidFill>
                   <a:srgbClr val="3C9FF2"/>
                 </a:solidFill>
@@ -14584,7 +16251,7 @@
               <a:t>hypotenuse</a:t>
             </a:r>
             <a:r>
-              <a:rPr lang="en-US" sz="2400" b="1" dirty="0">
+              <a:rPr lang="en-US" sz="2200" b="1" dirty="0">
                 <a:solidFill>
                   <a:srgbClr val="000000"/>
                 </a:solidFill>
@@ -14598,15 +16265,52 @@
               <a:buNone/>
             </a:pPr>
             <a:r>
-              <a:rPr lang="en-US" sz="2400" b="1" dirty="0">
-                <a:solidFill>
-                  <a:srgbClr val="34A327"/>
+              <a:rPr lang="en-US" sz="2200" b="1" dirty="0">
+                <a:solidFill>
+                  <a:srgbClr val="00B050"/>
+                </a:solidFill>
+                <a:latin typeface="Inconsolata" panose="020B0609030003000000" pitchFamily="49" charset="77"/>
+              </a:rPr>
+              <a:t>	# implement your code here</a:t>
+            </a:r>
+          </a:p>
+          <a:p>
+            <a:pPr marL="0" indent="0">
+              <a:buNone/>
+            </a:pPr>
+            <a:endParaRPr lang="en-US" sz="2200" b="1" dirty="0">
+              <a:solidFill>
+                <a:srgbClr val="00B050"/>
+              </a:solidFill>
+              <a:latin typeface="Inconsolata" panose="020B0609030003000000" pitchFamily="49" charset="77"/>
+            </a:endParaRPr>
+          </a:p>
+          <a:p>
+            <a:pPr marL="0" indent="0">
+              <a:buNone/>
+            </a:pPr>
+            <a:r>
+              <a:rPr lang="en-US" sz="2200" b="1" dirty="0">
+                <a:solidFill>
+                  <a:srgbClr val="00B050"/>
+                </a:solidFill>
+                <a:latin typeface="INCONSOLATA" panose="020B0609030003000000" pitchFamily="49" charset="77"/>
+              </a:rPr>
+              <a:t># print out hypotenuse if sides are 3 and 4</a:t>
+            </a:r>
+            <a:r>
+              <a:rPr lang="en-US" sz="2200" b="1" dirty="0">
+                <a:solidFill>
+                  <a:srgbClr val="00B050"/>
                 </a:solidFill>
                 <a:latin typeface="Inconsolata" panose="020B0609030003000000" pitchFamily="49" charset="77"/>
               </a:rPr>
               <a:t>	</a:t>
             </a:r>
-            <a:endParaRPr lang="en-US" sz="2400" b="1" dirty="0">
+            <a:endParaRPr lang="en-US" sz="2200" b="1" dirty="0">
+              <a:solidFill>
+                <a:srgbClr val="00B050"/>
+              </a:solidFill>
               <a:latin typeface="INCONSOLATA" panose="020B0609030003000000" pitchFamily="49" charset="77"/>
             </a:endParaRPr>
           </a:p>
@@ -14615,31 +16319,75 @@
               <a:buNone/>
             </a:pPr>
             <a:r>
-              <a:rPr lang="en-US" sz="2400" b="1" dirty="0">
+              <a:rPr lang="en-US" sz="2200" b="1" dirty="0">
+                <a:solidFill>
+                  <a:srgbClr val="00B050"/>
+                </a:solidFill>
                 <a:latin typeface="INCONSOLATA" panose="020B0609030003000000" pitchFamily="49" charset="77"/>
               </a:rPr>
-              <a:t># ask user for sides: side1 </a:t>
-            </a:r>
-            <a:r>
-              <a:rPr lang="en-US" sz="2400" b="1">
+              <a:t># ask user for sides: side1 and side2</a:t>
+            </a:r>
+          </a:p>
+          <a:p>
+            <a:pPr marL="0" indent="0">
+              <a:buNone/>
+            </a:pPr>
+            <a:r>
+              <a:rPr lang="en-US" sz="2200" b="1" dirty="0">
+                <a:solidFill>
+                  <a:srgbClr val="00B050"/>
+                </a:solidFill>
                 <a:latin typeface="INCONSOLATA" panose="020B0609030003000000" pitchFamily="49" charset="77"/>
               </a:rPr>
-              <a:t>and side2</a:t>
-            </a:r>
-            <a:endParaRPr lang="en-US" sz="2400" b="1" dirty="0">
-              <a:latin typeface="INCONSOLATA" panose="020B0609030003000000" pitchFamily="49" charset="77"/>
+              <a:t># store hypotenuse for side1 and side2 in variable h</a:t>
+            </a:r>
+          </a:p>
+          <a:p>
+            <a:pPr marL="0" indent="0">
+              <a:buNone/>
+            </a:pPr>
+            <a:r>
+              <a:rPr lang="en-US" sz="2200" b="1" dirty="0">
+                <a:solidFill>
+                  <a:srgbClr val="00B050"/>
+                </a:solidFill>
+                <a:latin typeface="INCONSOLATA" panose="020B0609030003000000" pitchFamily="49" charset="77"/>
+              </a:rPr>
+              <a:t># print h</a:t>
+            </a:r>
+            <a:endParaRPr lang="en-US" sz="2200" dirty="0">
+              <a:solidFill>
+                <a:srgbClr val="00B050"/>
+              </a:solidFill>
             </a:endParaRPr>
           </a:p>
-          <a:p>
-            <a:pPr marL="0" indent="0">
-              <a:buNone/>
-            </a:pPr>
-            <a:r>
-              <a:rPr lang="en-US" sz="2400" b="1" dirty="0">
-                <a:latin typeface="INCONSOLATA" panose="020B0609030003000000" pitchFamily="49" charset="77"/>
-              </a:rPr>
-              <a:t># call hypotenuse above to compute the hypotenuse.</a:t>
-            </a:r>
+        </p:txBody>
+      </p:sp>
+      <p:sp>
+        <p:nvSpPr>
+          <p:cNvPr id="4" name="Slide Number Placeholder 3">
+            <a:extLst>
+              <a:ext uri="{FF2B5EF4-FFF2-40B4-BE49-F238E27FC236}">
+                <a16:creationId xmlns:a16="http://schemas.microsoft.com/office/drawing/2014/main" id="{536F799B-A6BC-0449-A858-D88D8D2CE1B6}"/>
+              </a:ext>
+            </a:extLst>
+          </p:cNvPr>
+          <p:cNvSpPr>
+            <a:spLocks noGrp="1"/>
+          </p:cNvSpPr>
+          <p:nvPr>
+            <p:ph type="sldNum" sz="quarter" idx="12"/>
+          </p:nvPr>
+        </p:nvSpPr>
+        <p:spPr/>
+        <p:txBody>
+          <a:bodyPr/>
+          <a:lstStyle/>
+          <a:p>
+            <a:fld id="{D57F1E4F-1CFF-5643-939E-02111984F565}" type="slidenum">
+              <a:rPr lang="en-US" smtClean="0"/>
+              <a:t>19</a:t>
+            </a:fld>
             <a:endParaRPr lang="en-US" dirty="0"/>
           </a:p>
         </p:txBody>
@@ -14657,7 +16405,289 @@
 </p:sld>
 </file>
 
-<file path=ppt/slides/slide19.xml><?xml version="1.0" encoding="utf-8"?>
+<file path=ppt/slides/slide2.xml><?xml version="1.0" encoding="utf-8"?>
+<p:sld xmlns:a="http://schemas.openxmlformats.org/drawingml/2006/main" xmlns:r="http://schemas.openxmlformats.org/officeDocument/2006/relationships" xmlns:p="http://schemas.openxmlformats.org/presentationml/2006/main">
+  <p:cSld>
+    <p:spTree>
+      <p:nvGrpSpPr>
+        <p:cNvPr id="1" name=""/>
+        <p:cNvGrpSpPr/>
+        <p:nvPr/>
+      </p:nvGrpSpPr>
+      <p:grpSpPr>
+        <a:xfrm>
+          <a:off x="0" y="0"/>
+          <a:ext cx="0" cy="0"/>
+          <a:chOff x="0" y="0"/>
+          <a:chExt cx="0" cy="0"/>
+        </a:xfrm>
+      </p:grpSpPr>
+      <p:sp>
+        <p:nvSpPr>
+          <p:cNvPr id="2" name="Title 1">
+            <a:extLst>
+              <a:ext uri="{FF2B5EF4-FFF2-40B4-BE49-F238E27FC236}">
+                <a16:creationId xmlns:a16="http://schemas.microsoft.com/office/drawing/2014/main" id="{AA3A228F-61D0-D949-A5E7-F83756230BF8}"/>
+              </a:ext>
+            </a:extLst>
+          </p:cNvPr>
+          <p:cNvSpPr>
+            <a:spLocks noGrp="1"/>
+          </p:cNvSpPr>
+          <p:nvPr>
+            <p:ph type="title"/>
+          </p:nvPr>
+        </p:nvSpPr>
+        <p:spPr>
+          <a:xfrm>
+            <a:off x="483848" y="467027"/>
+            <a:ext cx="7053542" cy="683886"/>
+          </a:xfrm>
+        </p:spPr>
+        <p:txBody>
+          <a:bodyPr/>
+          <a:lstStyle/>
+          <a:p>
+            <a:r>
+              <a:rPr lang="en-US" dirty="0"/>
+              <a:t>Topics</a:t>
+            </a:r>
+          </a:p>
+        </p:txBody>
+      </p:sp>
+      <p:sp>
+        <p:nvSpPr>
+          <p:cNvPr id="9" name="Content Placeholder 8">
+            <a:extLst>
+              <a:ext uri="{FF2B5EF4-FFF2-40B4-BE49-F238E27FC236}">
+                <a16:creationId xmlns:a16="http://schemas.microsoft.com/office/drawing/2014/main" id="{E3B2E017-30B2-884B-A113-B419A2ED51AD}"/>
+              </a:ext>
+            </a:extLst>
+          </p:cNvPr>
+          <p:cNvSpPr>
+            <a:spLocks noGrp="1"/>
+          </p:cNvSpPr>
+          <p:nvPr>
+            <p:ph idx="1"/>
+          </p:nvPr>
+        </p:nvSpPr>
+        <p:spPr>
+          <a:xfrm>
+            <a:off x="483848" y="1288073"/>
+            <a:ext cx="8051725" cy="4303429"/>
+          </a:xfrm>
+        </p:spPr>
+        <p:txBody>
+          <a:bodyPr/>
+          <a:lstStyle/>
+          <a:p>
+            <a:pPr marL="0" indent="0">
+              <a:buNone/>
+            </a:pPr>
+            <a:endParaRPr lang="en-US" dirty="0">
+              <a:latin typeface="Gill Sans MT" panose="020B0502020104020203" pitchFamily="34" charset="77"/>
+            </a:endParaRPr>
+          </a:p>
+          <a:p>
+            <a:pPr marL="457200" indent="-457200">
+              <a:buAutoNum type="arabicParenR"/>
+            </a:pPr>
+            <a:r>
+              <a:rPr lang="en-US" dirty="0">
+                <a:latin typeface="Gill Sans MT" panose="020B0502020104020203" pitchFamily="34" charset="77"/>
+              </a:rPr>
+              <a:t>Functions</a:t>
+            </a:r>
+          </a:p>
+          <a:p>
+            <a:pPr marL="457200" indent="-457200">
+              <a:buAutoNum type="arabicParenR"/>
+            </a:pPr>
+            <a:r>
+              <a:rPr lang="en-US" dirty="0">
+                <a:latin typeface="Gill Sans MT" panose="020B0502020104020203" pitchFamily="34" charset="77"/>
+              </a:rPr>
+              <a:t>Function Inputs vs Outputs</a:t>
+            </a:r>
+          </a:p>
+          <a:p>
+            <a:pPr marL="457200" indent="-457200">
+              <a:buAutoNum type="arabicParenR"/>
+            </a:pPr>
+            <a:r>
+              <a:rPr lang="en-US" dirty="0">
+                <a:latin typeface="Gill Sans MT" panose="020B0502020104020203" pitchFamily="34" charset="77"/>
+              </a:rPr>
+              <a:t>Function Arguments</a:t>
+            </a:r>
+          </a:p>
+          <a:p>
+            <a:pPr marL="685800" lvl="1" indent="-342900">
+              <a:buAutoNum type="alphaLcParenR"/>
+            </a:pPr>
+            <a:r>
+              <a:rPr lang="en-US" dirty="0">
+                <a:latin typeface="Gill Sans MT" panose="020B0502020104020203" pitchFamily="34" charset="77"/>
+              </a:rPr>
+              <a:t>Positional Arguments</a:t>
+            </a:r>
+          </a:p>
+          <a:p>
+            <a:pPr marL="685800" lvl="1" indent="-342900">
+              <a:buAutoNum type="alphaLcParenR"/>
+            </a:pPr>
+            <a:r>
+              <a:rPr lang="en-US" dirty="0">
+                <a:latin typeface="Gill Sans MT" panose="020B0502020104020203" pitchFamily="34" charset="77"/>
+              </a:rPr>
+              <a:t>Keyword Arguments</a:t>
+            </a:r>
+          </a:p>
+          <a:p>
+            <a:pPr marL="685800" lvl="1" indent="-342900">
+              <a:buAutoNum type="alphaLcParenR"/>
+            </a:pPr>
+            <a:r>
+              <a:rPr lang="en-US" dirty="0">
+                <a:latin typeface="Gill Sans MT" panose="020B0502020104020203" pitchFamily="34" charset="77"/>
+              </a:rPr>
+              <a:t>Default Values</a:t>
+            </a:r>
+          </a:p>
+          <a:p>
+            <a:pPr marL="342900" indent="-342900">
+              <a:buAutoNum type="arabicParenR"/>
+            </a:pPr>
+            <a:r>
+              <a:rPr lang="en-US" dirty="0">
+                <a:latin typeface="Gill Sans MT" panose="020B0502020104020203" pitchFamily="34" charset="77"/>
+              </a:rPr>
+              <a:t>Flow of Program</a:t>
+            </a:r>
+          </a:p>
+          <a:p>
+            <a:pPr marL="342900" indent="-342900">
+              <a:buAutoNum type="arabicParenR"/>
+            </a:pPr>
+            <a:r>
+              <a:rPr lang="en-US" dirty="0">
+                <a:latin typeface="Gill Sans MT" panose="020B0502020104020203" pitchFamily="34" charset="77"/>
+              </a:rPr>
+              <a:t>Scope of a variable</a:t>
+            </a:r>
+          </a:p>
+          <a:p>
+            <a:pPr marL="342900" indent="-342900">
+              <a:buAutoNum type="arabicParenR"/>
+            </a:pPr>
+            <a:r>
+              <a:rPr lang="en-US" dirty="0">
+                <a:latin typeface="Gill Sans MT" panose="020B0502020104020203" pitchFamily="34" charset="77"/>
+              </a:rPr>
+              <a:t>Template for programs</a:t>
+            </a:r>
+          </a:p>
+          <a:p>
+            <a:pPr marL="0" indent="0">
+              <a:buNone/>
+            </a:pPr>
+            <a:endParaRPr lang="en-US" dirty="0">
+              <a:latin typeface="Gill Sans MT" panose="020B0502020104020203" pitchFamily="34" charset="77"/>
+            </a:endParaRPr>
+          </a:p>
+          <a:p>
+            <a:pPr marL="685800" lvl="1" indent="-342900">
+              <a:buAutoNum type="alphaLcParenR"/>
+            </a:pPr>
+            <a:endParaRPr lang="en-US" dirty="0">
+              <a:latin typeface="Gill Sans MT" panose="020B0502020104020203" pitchFamily="34" charset="77"/>
+            </a:endParaRPr>
+          </a:p>
+          <a:p>
+            <a:pPr marL="0" indent="0">
+              <a:buNone/>
+            </a:pPr>
+            <a:endParaRPr lang="en-US" dirty="0">
+              <a:latin typeface="Gill Sans MT" panose="020B0502020104020203" pitchFamily="34" charset="77"/>
+            </a:endParaRPr>
+          </a:p>
+          <a:p>
+            <a:pPr marL="457200" indent="-457200">
+              <a:buAutoNum type="arabicParenR"/>
+            </a:pPr>
+            <a:endParaRPr lang="en-US" dirty="0">
+              <a:latin typeface="Gill Sans MT" panose="020B0502020104020203" pitchFamily="34" charset="77"/>
+            </a:endParaRPr>
+          </a:p>
+          <a:p>
+            <a:pPr marL="457200" indent="-457200">
+              <a:buAutoNum type="arabicParenR"/>
+            </a:pPr>
+            <a:endParaRPr lang="en-US" dirty="0">
+              <a:latin typeface="Gill Sans MT" panose="020B0502020104020203" pitchFamily="34" charset="77"/>
+            </a:endParaRPr>
+          </a:p>
+          <a:p>
+            <a:pPr marL="0" indent="0">
+              <a:buNone/>
+            </a:pPr>
+            <a:endParaRPr lang="en-US" dirty="0">
+              <a:latin typeface="Gill Sans MT" panose="020B0502020104020203" pitchFamily="34" charset="77"/>
+            </a:endParaRPr>
+          </a:p>
+          <a:p>
+            <a:pPr marL="0" indent="0">
+              <a:buNone/>
+            </a:pPr>
+            <a:endParaRPr lang="en-US" b="1" dirty="0">
+              <a:latin typeface="Gill Sans MT" panose="020B0502020104020203" pitchFamily="34" charset="77"/>
+            </a:endParaRPr>
+          </a:p>
+        </p:txBody>
+      </p:sp>
+      <p:sp>
+        <p:nvSpPr>
+          <p:cNvPr id="3" name="Slide Number Placeholder 2">
+            <a:extLst>
+              <a:ext uri="{FF2B5EF4-FFF2-40B4-BE49-F238E27FC236}">
+                <a16:creationId xmlns:a16="http://schemas.microsoft.com/office/drawing/2014/main" id="{692C54DA-4ED4-B647-B6CB-44FF54942F2F}"/>
+              </a:ext>
+            </a:extLst>
+          </p:cNvPr>
+          <p:cNvSpPr>
+            <a:spLocks noGrp="1"/>
+          </p:cNvSpPr>
+          <p:nvPr>
+            <p:ph type="sldNum" sz="quarter" idx="12"/>
+          </p:nvPr>
+        </p:nvSpPr>
+        <p:spPr/>
+        <p:txBody>
+          <a:bodyPr/>
+          <a:lstStyle/>
+          <a:p>
+            <a:fld id="{D57F1E4F-1CFF-5643-939E-02111984F565}" type="slidenum">
+              <a:rPr lang="en-US" smtClean="0"/>
+              <a:t>2</a:t>
+            </a:fld>
+            <a:endParaRPr lang="en-US" dirty="0"/>
+          </a:p>
+        </p:txBody>
+      </p:sp>
+    </p:spTree>
+    <p:extLst>
+      <p:ext uri="{BB962C8B-B14F-4D97-AF65-F5344CB8AC3E}">
+        <p14:creationId xmlns:p14="http://schemas.microsoft.com/office/powerpoint/2010/main" val="131840209"/>
+      </p:ext>
+    </p:extLst>
+  </p:cSld>
+  <p:clrMapOvr>
+    <a:masterClrMapping/>
+  </p:clrMapOvr>
+</p:sld>
+</file>
+
+<file path=ppt/slides/slide20.xml><?xml version="1.0" encoding="utf-8"?>
 <p:sld xmlns:a="http://schemas.openxmlformats.org/drawingml/2006/main" xmlns:r="http://schemas.openxmlformats.org/officeDocument/2006/relationships" xmlns:p="http://schemas.openxmlformats.org/presentationml/2006/main">
   <p:cSld>
     <p:spTree>
@@ -15091,6 +17121,35 @@
             <a:endParaRPr lang="en-US" b="1" dirty="0">
               <a:latin typeface="Inconsolata" panose="020B0609030003000000" pitchFamily="49" charset="77"/>
             </a:endParaRPr>
+          </a:p>
+        </p:txBody>
+      </p:sp>
+      <p:sp>
+        <p:nvSpPr>
+          <p:cNvPr id="3" name="Slide Number Placeholder 2">
+            <a:extLst>
+              <a:ext uri="{FF2B5EF4-FFF2-40B4-BE49-F238E27FC236}">
+                <a16:creationId xmlns:a16="http://schemas.microsoft.com/office/drawing/2014/main" id="{6F2C2150-2C32-4048-81DF-65F0D66B804E}"/>
+              </a:ext>
+            </a:extLst>
+          </p:cNvPr>
+          <p:cNvSpPr>
+            <a:spLocks noGrp="1"/>
+          </p:cNvSpPr>
+          <p:nvPr>
+            <p:ph type="sldNum" sz="quarter" idx="12"/>
+          </p:nvPr>
+        </p:nvSpPr>
+        <p:spPr/>
+        <p:txBody>
+          <a:bodyPr/>
+          <a:lstStyle/>
+          <a:p>
+            <a:fld id="{D57F1E4F-1CFF-5643-939E-02111984F565}" type="slidenum">
+              <a:rPr lang="en-US" smtClean="0"/>
+              <a:t>20</a:t>
+            </a:fld>
+            <a:endParaRPr lang="en-US" dirty="0"/>
           </a:p>
         </p:txBody>
       </p:sp>
@@ -15395,260 +17454,7 @@
 </p:sld>
 </file>
 
-<file path=ppt/slides/slide2.xml><?xml version="1.0" encoding="utf-8"?>
-<p:sld xmlns:a="http://schemas.openxmlformats.org/drawingml/2006/main" xmlns:r="http://schemas.openxmlformats.org/officeDocument/2006/relationships" xmlns:p="http://schemas.openxmlformats.org/presentationml/2006/main">
-  <p:cSld>
-    <p:spTree>
-      <p:nvGrpSpPr>
-        <p:cNvPr id="1" name=""/>
-        <p:cNvGrpSpPr/>
-        <p:nvPr/>
-      </p:nvGrpSpPr>
-      <p:grpSpPr>
-        <a:xfrm>
-          <a:off x="0" y="0"/>
-          <a:ext cx="0" cy="0"/>
-          <a:chOff x="0" y="0"/>
-          <a:chExt cx="0" cy="0"/>
-        </a:xfrm>
-      </p:grpSpPr>
-      <p:sp>
-        <p:nvSpPr>
-          <p:cNvPr id="2" name="Title 1">
-            <a:extLst>
-              <a:ext uri="{FF2B5EF4-FFF2-40B4-BE49-F238E27FC236}">
-                <a16:creationId xmlns:a16="http://schemas.microsoft.com/office/drawing/2014/main" id="{AA3A228F-61D0-D949-A5E7-F83756230BF8}"/>
-              </a:ext>
-            </a:extLst>
-          </p:cNvPr>
-          <p:cNvSpPr>
-            <a:spLocks noGrp="1"/>
-          </p:cNvSpPr>
-          <p:nvPr>
-            <p:ph type="title"/>
-          </p:nvPr>
-        </p:nvSpPr>
-        <p:spPr>
-          <a:xfrm>
-            <a:off x="483848" y="467027"/>
-            <a:ext cx="7053542" cy="683886"/>
-          </a:xfrm>
-        </p:spPr>
-        <p:txBody>
-          <a:bodyPr/>
-          <a:lstStyle/>
-          <a:p>
-            <a:r>
-              <a:rPr lang="en-US" dirty="0"/>
-              <a:t>Topics</a:t>
-            </a:r>
-          </a:p>
-        </p:txBody>
-      </p:sp>
-      <p:sp>
-        <p:nvSpPr>
-          <p:cNvPr id="9" name="Content Placeholder 8">
-            <a:extLst>
-              <a:ext uri="{FF2B5EF4-FFF2-40B4-BE49-F238E27FC236}">
-                <a16:creationId xmlns:a16="http://schemas.microsoft.com/office/drawing/2014/main" id="{E3B2E017-30B2-884B-A113-B419A2ED51AD}"/>
-              </a:ext>
-            </a:extLst>
-          </p:cNvPr>
-          <p:cNvSpPr>
-            <a:spLocks noGrp="1"/>
-          </p:cNvSpPr>
-          <p:nvPr>
-            <p:ph idx="1"/>
-          </p:nvPr>
-        </p:nvSpPr>
-        <p:spPr>
-          <a:xfrm>
-            <a:off x="483848" y="1288073"/>
-            <a:ext cx="8051725" cy="4303429"/>
-          </a:xfrm>
-        </p:spPr>
-        <p:txBody>
-          <a:bodyPr/>
-          <a:lstStyle/>
-          <a:p>
-            <a:pPr marL="0" indent="0">
-              <a:buNone/>
-            </a:pPr>
-            <a:endParaRPr lang="en-US" dirty="0">
-              <a:latin typeface="Gill Sans MT" panose="020B0502020104020203" pitchFamily="34" charset="77"/>
-            </a:endParaRPr>
-          </a:p>
-          <a:p>
-            <a:pPr marL="457200" indent="-457200">
-              <a:buAutoNum type="arabicParenR"/>
-            </a:pPr>
-            <a:r>
-              <a:rPr lang="en-US" dirty="0">
-                <a:latin typeface="Gill Sans MT" panose="020B0502020104020203" pitchFamily="34" charset="77"/>
-              </a:rPr>
-              <a:t>Functions</a:t>
-            </a:r>
-          </a:p>
-          <a:p>
-            <a:pPr marL="457200" indent="-457200">
-              <a:buAutoNum type="arabicParenR"/>
-            </a:pPr>
-            <a:r>
-              <a:rPr lang="en-US" dirty="0">
-                <a:latin typeface="Gill Sans MT" panose="020B0502020104020203" pitchFamily="34" charset="77"/>
-              </a:rPr>
-              <a:t>Function Inputs vs Outputs</a:t>
-            </a:r>
-          </a:p>
-          <a:p>
-            <a:pPr marL="457200" indent="-457200">
-              <a:buAutoNum type="arabicParenR"/>
-            </a:pPr>
-            <a:r>
-              <a:rPr lang="en-US" dirty="0">
-                <a:latin typeface="Gill Sans MT" panose="020B0502020104020203" pitchFamily="34" charset="77"/>
-              </a:rPr>
-              <a:t>Function Arguments</a:t>
-            </a:r>
-          </a:p>
-          <a:p>
-            <a:pPr marL="685800" lvl="1" indent="-342900">
-              <a:buAutoNum type="alphaLcParenR"/>
-            </a:pPr>
-            <a:r>
-              <a:rPr lang="en-US" dirty="0">
-                <a:latin typeface="Gill Sans MT" panose="020B0502020104020203" pitchFamily="34" charset="77"/>
-              </a:rPr>
-              <a:t>Positional Arguments</a:t>
-            </a:r>
-          </a:p>
-          <a:p>
-            <a:pPr marL="685800" lvl="1" indent="-342900">
-              <a:buAutoNum type="alphaLcParenR"/>
-            </a:pPr>
-            <a:r>
-              <a:rPr lang="en-US" dirty="0">
-                <a:latin typeface="Gill Sans MT" panose="020B0502020104020203" pitchFamily="34" charset="77"/>
-              </a:rPr>
-              <a:t>Keyword Arguments</a:t>
-            </a:r>
-          </a:p>
-          <a:p>
-            <a:pPr marL="685800" lvl="1" indent="-342900">
-              <a:buAutoNum type="alphaLcParenR"/>
-            </a:pPr>
-            <a:r>
-              <a:rPr lang="en-US" dirty="0">
-                <a:latin typeface="Gill Sans MT" panose="020B0502020104020203" pitchFamily="34" charset="77"/>
-              </a:rPr>
-              <a:t>Default Values</a:t>
-            </a:r>
-          </a:p>
-          <a:p>
-            <a:pPr marL="342900" indent="-342900">
-              <a:buAutoNum type="arabicParenR"/>
-            </a:pPr>
-            <a:r>
-              <a:rPr lang="en-US" dirty="0">
-                <a:latin typeface="Gill Sans MT" panose="020B0502020104020203" pitchFamily="34" charset="77"/>
-              </a:rPr>
-              <a:t>Flow of Program</a:t>
-            </a:r>
-          </a:p>
-          <a:p>
-            <a:pPr marL="342900" indent="-342900">
-              <a:buAutoNum type="arabicParenR"/>
-            </a:pPr>
-            <a:r>
-              <a:rPr lang="en-US" dirty="0">
-                <a:latin typeface="Gill Sans MT" panose="020B0502020104020203" pitchFamily="34" charset="77"/>
-              </a:rPr>
-              <a:t>Scope of a variable</a:t>
-            </a:r>
-          </a:p>
-          <a:p>
-            <a:pPr marL="342900" indent="-342900">
-              <a:buAutoNum type="arabicParenR"/>
-            </a:pPr>
-            <a:r>
-              <a:rPr lang="en-US" dirty="0">
-                <a:latin typeface="Gill Sans MT" panose="020B0502020104020203" pitchFamily="34" charset="77"/>
-              </a:rPr>
-              <a:t>Template for programs</a:t>
-            </a:r>
-          </a:p>
-          <a:p>
-            <a:pPr marL="0" indent="0">
-              <a:buNone/>
-            </a:pPr>
-            <a:endParaRPr lang="en-US" dirty="0">
-              <a:latin typeface="Gill Sans MT" panose="020B0502020104020203" pitchFamily="34" charset="77"/>
-            </a:endParaRPr>
-          </a:p>
-          <a:p>
-            <a:pPr marL="685800" lvl="1" indent="-342900">
-              <a:buAutoNum type="alphaLcParenR"/>
-            </a:pPr>
-            <a:endParaRPr lang="en-US" dirty="0">
-              <a:latin typeface="Gill Sans MT" panose="020B0502020104020203" pitchFamily="34" charset="77"/>
-            </a:endParaRPr>
-          </a:p>
-          <a:p>
-            <a:pPr marL="0" indent="0">
-              <a:buNone/>
-            </a:pPr>
-            <a:endParaRPr lang="en-US" dirty="0">
-              <a:latin typeface="Gill Sans MT" panose="020B0502020104020203" pitchFamily="34" charset="77"/>
-            </a:endParaRPr>
-          </a:p>
-          <a:p>
-            <a:pPr marL="457200" indent="-457200">
-              <a:buAutoNum type="arabicParenR"/>
-            </a:pPr>
-            <a:endParaRPr lang="en-US" dirty="0">
-              <a:latin typeface="Gill Sans MT" panose="020B0502020104020203" pitchFamily="34" charset="77"/>
-            </a:endParaRPr>
-          </a:p>
-          <a:p>
-            <a:pPr marL="457200" indent="-457200">
-              <a:buAutoNum type="arabicParenR"/>
-            </a:pPr>
-            <a:endParaRPr lang="en-US" dirty="0">
-              <a:latin typeface="Gill Sans MT" panose="020B0502020104020203" pitchFamily="34" charset="77"/>
-            </a:endParaRPr>
-          </a:p>
-          <a:p>
-            <a:pPr marL="0" indent="0">
-              <a:buNone/>
-            </a:pPr>
-            <a:endParaRPr lang="en-US" dirty="0">
-              <a:latin typeface="Gill Sans MT" panose="020B0502020104020203" pitchFamily="34" charset="77"/>
-            </a:endParaRPr>
-          </a:p>
-          <a:p>
-            <a:pPr marL="0" indent="0">
-              <a:buNone/>
-            </a:pPr>
-            <a:endParaRPr lang="en-US" b="1" dirty="0">
-              <a:latin typeface="Gill Sans MT" panose="020B0502020104020203" pitchFamily="34" charset="77"/>
-            </a:endParaRPr>
-          </a:p>
-        </p:txBody>
-      </p:sp>
-    </p:spTree>
-    <p:extLst>
-      <p:ext uri="{BB962C8B-B14F-4D97-AF65-F5344CB8AC3E}">
-        <p14:creationId xmlns:p14="http://schemas.microsoft.com/office/powerpoint/2010/main" val="131840209"/>
-      </p:ext>
-    </p:extLst>
-  </p:cSld>
-  <p:clrMapOvr>
-    <a:masterClrMapping/>
-  </p:clrMapOvr>
-</p:sld>
-</file>
-
-<file path=ppt/slides/slide20.xml><?xml version="1.0" encoding="utf-8"?>
+<file path=ppt/slides/slide21.xml><?xml version="1.0" encoding="utf-8"?>
 <p:sld xmlns:a="http://schemas.openxmlformats.org/drawingml/2006/main" xmlns:r="http://schemas.openxmlformats.org/officeDocument/2006/relationships" xmlns:p="http://schemas.openxmlformats.org/presentationml/2006/main">
   <p:cSld>
     <p:spTree>
@@ -16186,6 +17992,35 @@
             <a:endParaRPr lang="en-US" b="1" dirty="0">
               <a:latin typeface="Inconsolata" panose="020B0609030003000000" pitchFamily="49" charset="77"/>
             </a:endParaRPr>
+          </a:p>
+        </p:txBody>
+      </p:sp>
+      <p:sp>
+        <p:nvSpPr>
+          <p:cNvPr id="3" name="Slide Number Placeholder 2">
+            <a:extLst>
+              <a:ext uri="{FF2B5EF4-FFF2-40B4-BE49-F238E27FC236}">
+                <a16:creationId xmlns:a16="http://schemas.microsoft.com/office/drawing/2014/main" id="{495E675A-1B19-9F4E-AF3C-ECC63A5D385F}"/>
+              </a:ext>
+            </a:extLst>
+          </p:cNvPr>
+          <p:cNvSpPr>
+            <a:spLocks noGrp="1"/>
+          </p:cNvSpPr>
+          <p:nvPr>
+            <p:ph type="sldNum" sz="quarter" idx="12"/>
+          </p:nvPr>
+        </p:nvSpPr>
+        <p:spPr/>
+        <p:txBody>
+          <a:bodyPr/>
+          <a:lstStyle/>
+          <a:p>
+            <a:fld id="{D57F1E4F-1CFF-5643-939E-02111984F565}" type="slidenum">
+              <a:rPr lang="en-US" smtClean="0"/>
+              <a:t>21</a:t>
+            </a:fld>
+            <a:endParaRPr lang="en-US" dirty="0"/>
           </a:p>
         </p:txBody>
       </p:sp>
@@ -16454,7 +18289,7 @@
 </p:sld>
 </file>
 
-<file path=ppt/slides/slide21.xml><?xml version="1.0" encoding="utf-8"?>
+<file path=ppt/slides/slide22.xml><?xml version="1.0" encoding="utf-8"?>
 <p:sld xmlns:a="http://schemas.openxmlformats.org/drawingml/2006/main" xmlns:r="http://schemas.openxmlformats.org/officeDocument/2006/relationships" xmlns:p="http://schemas.openxmlformats.org/presentationml/2006/main">
   <p:cSld>
     <p:spTree>
@@ -16795,6 +18630,35 @@
               </a:rPr>
               <a:t>a = 2, b defaults to 0</a:t>
             </a:r>
+          </a:p>
+        </p:txBody>
+      </p:sp>
+      <p:sp>
+        <p:nvSpPr>
+          <p:cNvPr id="3" name="Slide Number Placeholder 2">
+            <a:extLst>
+              <a:ext uri="{FF2B5EF4-FFF2-40B4-BE49-F238E27FC236}">
+                <a16:creationId xmlns:a16="http://schemas.microsoft.com/office/drawing/2014/main" id="{930799C8-A027-3144-8E2A-5DFBC602A7D9}"/>
+              </a:ext>
+            </a:extLst>
+          </p:cNvPr>
+          <p:cNvSpPr>
+            <a:spLocks noGrp="1"/>
+          </p:cNvSpPr>
+          <p:nvPr>
+            <p:ph type="sldNum" sz="quarter" idx="12"/>
+          </p:nvPr>
+        </p:nvSpPr>
+        <p:spPr/>
+        <p:txBody>
+          <a:bodyPr/>
+          <a:lstStyle/>
+          <a:p>
+            <a:fld id="{D57F1E4F-1CFF-5643-939E-02111984F565}" type="slidenum">
+              <a:rPr lang="en-US" smtClean="0"/>
+              <a:t>22</a:t>
+            </a:fld>
+            <a:endParaRPr lang="en-US" dirty="0"/>
           </a:p>
         </p:txBody>
       </p:sp>
@@ -17045,7 +18909,7 @@
 </p:sld>
 </file>
 
-<file path=ppt/slides/slide22.xml><?xml version="1.0" encoding="utf-8"?>
+<file path=ppt/slides/slide23.xml><?xml version="1.0" encoding="utf-8"?>
 <p:sld xmlns:a="http://schemas.openxmlformats.org/drawingml/2006/main" xmlns:r="http://schemas.openxmlformats.org/officeDocument/2006/relationships" xmlns:p="http://schemas.openxmlformats.org/presentationml/2006/main">
   <p:cSld>
     <p:spTree>
@@ -17492,6 +19356,35 @@
           </a:fontRef>
         </p:style>
       </p:cxnSp>
+      <p:sp>
+        <p:nvSpPr>
+          <p:cNvPr id="3" name="Slide Number Placeholder 2">
+            <a:extLst>
+              <a:ext uri="{FF2B5EF4-FFF2-40B4-BE49-F238E27FC236}">
+                <a16:creationId xmlns:a16="http://schemas.microsoft.com/office/drawing/2014/main" id="{0AD0FE2E-1146-4F42-86A7-7B86D24A9D9A}"/>
+              </a:ext>
+            </a:extLst>
+          </p:cNvPr>
+          <p:cNvSpPr>
+            <a:spLocks noGrp="1"/>
+          </p:cNvSpPr>
+          <p:nvPr>
+            <p:ph type="sldNum" sz="quarter" idx="12"/>
+          </p:nvPr>
+        </p:nvSpPr>
+        <p:spPr/>
+        <p:txBody>
+          <a:bodyPr/>
+          <a:lstStyle/>
+          <a:p>
+            <a:fld id="{D57F1E4F-1CFF-5643-939E-02111984F565}" type="slidenum">
+              <a:rPr lang="en-US" smtClean="0"/>
+              <a:t>23</a:t>
+            </a:fld>
+            <a:endParaRPr lang="en-US" dirty="0"/>
+          </a:p>
+        </p:txBody>
+      </p:sp>
     </p:spTree>
     <p:extLst>
       <p:ext uri="{BB962C8B-B14F-4D97-AF65-F5344CB8AC3E}">
@@ -17704,7 +19597,7 @@
 </p:sld>
 </file>
 
-<file path=ppt/slides/slide23.xml><?xml version="1.0" encoding="utf-8"?>
+<file path=ppt/slides/slide24.xml><?xml version="1.0" encoding="utf-8"?>
 <p:sld xmlns:a="http://schemas.openxmlformats.org/drawingml/2006/main" xmlns:r="http://schemas.openxmlformats.org/officeDocument/2006/relationships" xmlns:p="http://schemas.openxmlformats.org/presentationml/2006/main">
   <p:cSld>
     <p:spTree>
@@ -18222,6 +20115,35 @@
           </a:fontRef>
         </p:style>
       </p:cxnSp>
+      <p:sp>
+        <p:nvSpPr>
+          <p:cNvPr id="3" name="Slide Number Placeholder 2">
+            <a:extLst>
+              <a:ext uri="{FF2B5EF4-FFF2-40B4-BE49-F238E27FC236}">
+                <a16:creationId xmlns:a16="http://schemas.microsoft.com/office/drawing/2014/main" id="{5D41592A-1289-3B4B-9EFB-D8A643D8F08D}"/>
+              </a:ext>
+            </a:extLst>
+          </p:cNvPr>
+          <p:cNvSpPr>
+            <a:spLocks noGrp="1"/>
+          </p:cNvSpPr>
+          <p:nvPr>
+            <p:ph type="sldNum" sz="quarter" idx="12"/>
+          </p:nvPr>
+        </p:nvSpPr>
+        <p:spPr/>
+        <p:txBody>
+          <a:bodyPr/>
+          <a:lstStyle/>
+          <a:p>
+            <a:fld id="{D57F1E4F-1CFF-5643-939E-02111984F565}" type="slidenum">
+              <a:rPr lang="en-US" smtClean="0"/>
+              <a:t>24</a:t>
+            </a:fld>
+            <a:endParaRPr lang="en-US" dirty="0"/>
+          </a:p>
+        </p:txBody>
+      </p:sp>
     </p:spTree>
     <p:extLst>
       <p:ext uri="{BB962C8B-B14F-4D97-AF65-F5344CB8AC3E}">
@@ -18434,7 +20356,7 @@
 </p:sld>
 </file>
 
-<file path=ppt/slides/slide24.xml><?xml version="1.0" encoding="utf-8"?>
+<file path=ppt/slides/slide25.xml><?xml version="1.0" encoding="utf-8"?>
 <p:sld xmlns:a="http://schemas.openxmlformats.org/drawingml/2006/main" xmlns:r="http://schemas.openxmlformats.org/officeDocument/2006/relationships" xmlns:p="http://schemas.openxmlformats.org/presentationml/2006/main">
   <p:cSld>
     <p:spTree>
@@ -19032,6 +20954,35 @@
           </a:fontRef>
         </p:style>
       </p:cxnSp>
+      <p:sp>
+        <p:nvSpPr>
+          <p:cNvPr id="3" name="Slide Number Placeholder 2">
+            <a:extLst>
+              <a:ext uri="{FF2B5EF4-FFF2-40B4-BE49-F238E27FC236}">
+                <a16:creationId xmlns:a16="http://schemas.microsoft.com/office/drawing/2014/main" id="{CB0E0F09-D8F7-404A-9319-EF7C97F492CA}"/>
+              </a:ext>
+            </a:extLst>
+          </p:cNvPr>
+          <p:cNvSpPr>
+            <a:spLocks noGrp="1"/>
+          </p:cNvSpPr>
+          <p:nvPr>
+            <p:ph type="sldNum" sz="quarter" idx="12"/>
+          </p:nvPr>
+        </p:nvSpPr>
+        <p:spPr/>
+        <p:txBody>
+          <a:bodyPr/>
+          <a:lstStyle/>
+          <a:p>
+            <a:fld id="{D57F1E4F-1CFF-5643-939E-02111984F565}" type="slidenum">
+              <a:rPr lang="en-US" smtClean="0"/>
+              <a:t>25</a:t>
+            </a:fld>
+            <a:endParaRPr lang="en-US" dirty="0"/>
+          </a:p>
+        </p:txBody>
+      </p:sp>
     </p:spTree>
     <p:extLst>
       <p:ext uri="{BB962C8B-B14F-4D97-AF65-F5344CB8AC3E}">
@@ -19244,7 +21195,7 @@
 </p:sld>
 </file>
 
-<file path=ppt/slides/slide25.xml><?xml version="1.0" encoding="utf-8"?>
+<file path=ppt/slides/slide26.xml><?xml version="1.0" encoding="utf-8"?>
 <p:sld xmlns:a="http://schemas.openxmlformats.org/drawingml/2006/main" xmlns:r="http://schemas.openxmlformats.org/officeDocument/2006/relationships" xmlns:p="http://schemas.openxmlformats.org/presentationml/2006/main">
   <p:cSld>
     <p:spTree>
@@ -19378,6 +21329,35 @@
             <a:pPr marL="0" indent="0">
               <a:buNone/>
             </a:pPr>
+            <a:endParaRPr lang="en-US" dirty="0"/>
+          </a:p>
+        </p:txBody>
+      </p:sp>
+      <p:sp>
+        <p:nvSpPr>
+          <p:cNvPr id="3" name="Slide Number Placeholder 2">
+            <a:extLst>
+              <a:ext uri="{FF2B5EF4-FFF2-40B4-BE49-F238E27FC236}">
+                <a16:creationId xmlns:a16="http://schemas.microsoft.com/office/drawing/2014/main" id="{550DBE00-B293-9246-AFB2-606B15F580BB}"/>
+              </a:ext>
+            </a:extLst>
+          </p:cNvPr>
+          <p:cNvSpPr>
+            <a:spLocks noGrp="1"/>
+          </p:cNvSpPr>
+          <p:nvPr>
+            <p:ph type="sldNum" sz="quarter" idx="12"/>
+          </p:nvPr>
+        </p:nvSpPr>
+        <p:spPr/>
+        <p:txBody>
+          <a:bodyPr/>
+          <a:lstStyle/>
+          <a:p>
+            <a:fld id="{D57F1E4F-1CFF-5643-939E-02111984F565}" type="slidenum">
+              <a:rPr lang="en-US" smtClean="0"/>
+              <a:t>26</a:t>
+            </a:fld>
             <a:endParaRPr lang="en-US" dirty="0"/>
           </a:p>
         </p:txBody>
@@ -19523,7 +21503,696 @@
 </p:sld>
 </file>
 
-<file path=ppt/slides/slide26.xml><?xml version="1.0" encoding="utf-8"?>
+<file path=ppt/slides/slide27.xml><?xml version="1.0" encoding="utf-8"?>
+<p:sld xmlns:a="http://schemas.openxmlformats.org/drawingml/2006/main" xmlns:r="http://schemas.openxmlformats.org/officeDocument/2006/relationships" xmlns:p="http://schemas.openxmlformats.org/presentationml/2006/main">
+  <p:cSld>
+    <p:spTree>
+      <p:nvGrpSpPr>
+        <p:cNvPr id="1" name=""/>
+        <p:cNvGrpSpPr/>
+        <p:nvPr/>
+      </p:nvGrpSpPr>
+      <p:grpSpPr>
+        <a:xfrm>
+          <a:off x="0" y="0"/>
+          <a:ext cx="0" cy="0"/>
+          <a:chOff x="0" y="0"/>
+          <a:chExt cx="0" cy="0"/>
+        </a:xfrm>
+      </p:grpSpPr>
+      <p:sp>
+        <p:nvSpPr>
+          <p:cNvPr id="2" name="Title 1">
+            <a:extLst>
+              <a:ext uri="{FF2B5EF4-FFF2-40B4-BE49-F238E27FC236}">
+                <a16:creationId xmlns:a16="http://schemas.microsoft.com/office/drawing/2014/main" id="{AA3A228F-61D0-D949-A5E7-F83756230BF8}"/>
+              </a:ext>
+            </a:extLst>
+          </p:cNvPr>
+          <p:cNvSpPr>
+            <a:spLocks noGrp="1"/>
+          </p:cNvSpPr>
+          <p:nvPr>
+            <p:ph type="title"/>
+          </p:nvPr>
+        </p:nvSpPr>
+        <p:spPr>
+          <a:xfrm>
+            <a:off x="159108" y="176470"/>
+            <a:ext cx="7053542" cy="683886"/>
+          </a:xfrm>
+        </p:spPr>
+        <p:txBody>
+          <a:bodyPr/>
+          <a:lstStyle/>
+          <a:p>
+            <a:r>
+              <a:rPr lang="en-US" dirty="0"/>
+              <a:t>Scope </a:t>
+            </a:r>
+          </a:p>
+        </p:txBody>
+      </p:sp>
+      <p:sp>
+        <p:nvSpPr>
+          <p:cNvPr id="9" name="Content Placeholder 8">
+            <a:extLst>
+              <a:ext uri="{FF2B5EF4-FFF2-40B4-BE49-F238E27FC236}">
+                <a16:creationId xmlns:a16="http://schemas.microsoft.com/office/drawing/2014/main" id="{E3B2E017-30B2-884B-A113-B419A2ED51AD}"/>
+              </a:ext>
+            </a:extLst>
+          </p:cNvPr>
+          <p:cNvSpPr>
+            <a:spLocks noGrp="1"/>
+          </p:cNvSpPr>
+          <p:nvPr>
+            <p:ph idx="1"/>
+          </p:nvPr>
+        </p:nvSpPr>
+        <p:spPr>
+          <a:xfrm>
+            <a:off x="159108" y="860356"/>
+            <a:ext cx="8608877" cy="4523494"/>
+          </a:xfrm>
+        </p:spPr>
+        <p:txBody>
+          <a:bodyPr>
+            <a:normAutofit/>
+          </a:bodyPr>
+          <a:lstStyle/>
+          <a:p>
+            <a:pPr marL="0" indent="0">
+              <a:buNone/>
+            </a:pPr>
+            <a:r>
+              <a:rPr lang="en-US" dirty="0"/>
+              <a:t>The </a:t>
+            </a:r>
+            <a:r>
+              <a:rPr lang="en-US" b="1" dirty="0"/>
+              <a:t>scope</a:t>
+            </a:r>
+            <a:r>
+              <a:rPr lang="en-US" dirty="0"/>
+              <a:t> of a variable refers to the context in which that variable is visible/accessible to the Python interpreter.</a:t>
+            </a:r>
+          </a:p>
+          <a:p>
+            <a:pPr marL="0" indent="0">
+              <a:buNone/>
+            </a:pPr>
+            <a:endParaRPr lang="en-US" dirty="0"/>
+          </a:p>
+          <a:p>
+            <a:pPr marL="0" indent="0">
+              <a:buNone/>
+            </a:pPr>
+            <a:r>
+              <a:rPr lang="en-US" dirty="0"/>
+              <a:t>A variable has </a:t>
+            </a:r>
+            <a:r>
+              <a:rPr lang="en-US" b="1" dirty="0"/>
+              <a:t>file scope </a:t>
+            </a:r>
+            <a:r>
+              <a:rPr lang="en-US" dirty="0"/>
+              <a:t>if it is visible to all parts of the code contained in the same file. </a:t>
+            </a:r>
+          </a:p>
+          <a:p>
+            <a:pPr marL="0" indent="0">
+              <a:buNone/>
+            </a:pPr>
+            <a:endParaRPr lang="en-US" dirty="0"/>
+          </a:p>
+          <a:p>
+            <a:pPr marL="0" indent="0">
+              <a:buNone/>
+            </a:pPr>
+            <a:r>
+              <a:rPr lang="en-US" dirty="0"/>
+              <a:t>A variable defined inside a function or as input arguments has </a:t>
+            </a:r>
+            <a:r>
+              <a:rPr lang="en-US" b="1" dirty="0"/>
+              <a:t>restricted scope</a:t>
+            </a:r>
+            <a:r>
+              <a:rPr lang="en-US" dirty="0"/>
+              <a:t> – they can only be accessed within the function. </a:t>
+            </a:r>
+          </a:p>
+          <a:p>
+            <a:pPr marL="0" indent="0">
+              <a:buNone/>
+            </a:pPr>
+            <a:endParaRPr lang="en-US" dirty="0"/>
+          </a:p>
+          <a:p>
+            <a:pPr marL="0" indent="0">
+              <a:buNone/>
+            </a:pPr>
+            <a:r>
+              <a:rPr lang="en-US" dirty="0"/>
+              <a:t>Python is more liberal compared to Java and C++ in terms of scoping rules. In most cases, variables have file scope. </a:t>
+            </a:r>
+          </a:p>
+          <a:p>
+            <a:pPr marL="0" indent="0">
+              <a:buNone/>
+            </a:pPr>
+            <a:endParaRPr lang="en-US" dirty="0"/>
+          </a:p>
+        </p:txBody>
+      </p:sp>
+      <p:sp>
+        <p:nvSpPr>
+          <p:cNvPr id="3" name="Slide Number Placeholder 2">
+            <a:extLst>
+              <a:ext uri="{FF2B5EF4-FFF2-40B4-BE49-F238E27FC236}">
+                <a16:creationId xmlns:a16="http://schemas.microsoft.com/office/drawing/2014/main" id="{63F5C8C5-DCFE-8042-A319-15C75B0113FD}"/>
+              </a:ext>
+            </a:extLst>
+          </p:cNvPr>
+          <p:cNvSpPr>
+            <a:spLocks noGrp="1"/>
+          </p:cNvSpPr>
+          <p:nvPr>
+            <p:ph type="sldNum" sz="quarter" idx="12"/>
+          </p:nvPr>
+        </p:nvSpPr>
+        <p:spPr/>
+        <p:txBody>
+          <a:bodyPr/>
+          <a:lstStyle/>
+          <a:p>
+            <a:fld id="{D57F1E4F-1CFF-5643-939E-02111984F565}" type="slidenum">
+              <a:rPr lang="en-US" smtClean="0"/>
+              <a:t>27</a:t>
+            </a:fld>
+            <a:endParaRPr lang="en-US" dirty="0"/>
+          </a:p>
+        </p:txBody>
+      </p:sp>
+    </p:spTree>
+    <p:extLst>
+      <p:ext uri="{BB962C8B-B14F-4D97-AF65-F5344CB8AC3E}">
+        <p14:creationId xmlns:p14="http://schemas.microsoft.com/office/powerpoint/2010/main" val="3043991631"/>
+      </p:ext>
+    </p:extLst>
+  </p:cSld>
+  <p:clrMapOvr>
+    <a:masterClrMapping/>
+  </p:clrMapOvr>
+  <p:timing>
+    <p:tnLst>
+      <p:par>
+        <p:cTn id="1" dur="indefinite" restart="never" nodeType="tmRoot">
+          <p:childTnLst>
+            <p:seq concurrent="1" nextAc="seek">
+              <p:cTn id="2" dur="indefinite" nodeType="mainSeq">
+                <p:childTnLst>
+                  <p:par>
+                    <p:cTn id="3" fill="hold">
+                      <p:stCondLst>
+                        <p:cond delay="indefinite"/>
+                      </p:stCondLst>
+                      <p:childTnLst>
+                        <p:par>
+                          <p:cTn id="4" fill="hold">
+                            <p:stCondLst>
+                              <p:cond delay="0"/>
+                            </p:stCondLst>
+                            <p:childTnLst>
+                              <p:par>
+                                <p:cTn id="5" presetID="1" presetClass="entr" presetSubtype="0" fill="hold" nodeType="clickEffect">
+                                  <p:stCondLst>
+                                    <p:cond delay="0"/>
+                                  </p:stCondLst>
+                                  <p:childTnLst>
+                                    <p:set>
+                                      <p:cBhvr>
+                                        <p:cTn id="6" dur="1" fill="hold">
+                                          <p:stCondLst>
+                                            <p:cond delay="0"/>
+                                          </p:stCondLst>
+                                        </p:cTn>
+                                        <p:tgtEl>
+                                          <p:spTgt spid="9">
+                                            <p:txEl>
+                                              <p:pRg st="2" end="2"/>
+                                            </p:txEl>
+                                          </p:spTgt>
+                                        </p:tgtEl>
+                                        <p:attrNameLst>
+                                          <p:attrName>style.visibility</p:attrName>
+                                        </p:attrNameLst>
+                                      </p:cBhvr>
+                                      <p:to>
+                                        <p:strVal val="visible"/>
+                                      </p:to>
+                                    </p:set>
+                                  </p:childTnLst>
+                                </p:cTn>
+                              </p:par>
+                            </p:childTnLst>
+                          </p:cTn>
+                        </p:par>
+                      </p:childTnLst>
+                    </p:cTn>
+                  </p:par>
+                  <p:par>
+                    <p:cTn id="7" fill="hold">
+                      <p:stCondLst>
+                        <p:cond delay="indefinite"/>
+                      </p:stCondLst>
+                      <p:childTnLst>
+                        <p:par>
+                          <p:cTn id="8" fill="hold">
+                            <p:stCondLst>
+                              <p:cond delay="0"/>
+                            </p:stCondLst>
+                            <p:childTnLst>
+                              <p:par>
+                                <p:cTn id="9" presetID="1" presetClass="entr" presetSubtype="0" fill="hold" nodeType="clickEffect">
+                                  <p:stCondLst>
+                                    <p:cond delay="0"/>
+                                  </p:stCondLst>
+                                  <p:childTnLst>
+                                    <p:set>
+                                      <p:cBhvr>
+                                        <p:cTn id="10" dur="1" fill="hold">
+                                          <p:stCondLst>
+                                            <p:cond delay="0"/>
+                                          </p:stCondLst>
+                                        </p:cTn>
+                                        <p:tgtEl>
+                                          <p:spTgt spid="9">
+                                            <p:txEl>
+                                              <p:pRg st="4" end="4"/>
+                                            </p:txEl>
+                                          </p:spTgt>
+                                        </p:tgtEl>
+                                        <p:attrNameLst>
+                                          <p:attrName>style.visibility</p:attrName>
+                                        </p:attrNameLst>
+                                      </p:cBhvr>
+                                      <p:to>
+                                        <p:strVal val="visible"/>
+                                      </p:to>
+                                    </p:set>
+                                  </p:childTnLst>
+                                </p:cTn>
+                              </p:par>
+                            </p:childTnLst>
+                          </p:cTn>
+                        </p:par>
+                      </p:childTnLst>
+                    </p:cTn>
+                  </p:par>
+                  <p:par>
+                    <p:cTn id="11" fill="hold">
+                      <p:stCondLst>
+                        <p:cond delay="indefinite"/>
+                      </p:stCondLst>
+                      <p:childTnLst>
+                        <p:par>
+                          <p:cTn id="12" fill="hold">
+                            <p:stCondLst>
+                              <p:cond delay="0"/>
+                            </p:stCondLst>
+                            <p:childTnLst>
+                              <p:par>
+                                <p:cTn id="13" presetID="1" presetClass="entr" presetSubtype="0" fill="hold" nodeType="clickEffect">
+                                  <p:stCondLst>
+                                    <p:cond delay="0"/>
+                                  </p:stCondLst>
+                                  <p:childTnLst>
+                                    <p:set>
+                                      <p:cBhvr>
+                                        <p:cTn id="14" dur="1" fill="hold">
+                                          <p:stCondLst>
+                                            <p:cond delay="0"/>
+                                          </p:stCondLst>
+                                        </p:cTn>
+                                        <p:tgtEl>
+                                          <p:spTgt spid="9">
+                                            <p:txEl>
+                                              <p:pRg st="6" end="6"/>
+                                            </p:txEl>
+                                          </p:spTgt>
+                                        </p:tgtEl>
+                                        <p:attrNameLst>
+                                          <p:attrName>style.visibility</p:attrName>
+                                        </p:attrNameLst>
+                                      </p:cBhvr>
+                                      <p:to>
+                                        <p:strVal val="visible"/>
+                                      </p:to>
+                                    </p:set>
+                                  </p:childTnLst>
+                                </p:cTn>
+                              </p:par>
+                            </p:childTnLst>
+                          </p:cTn>
+                        </p:par>
+                      </p:childTnLst>
+                    </p:cTn>
+                  </p:par>
+                </p:childTnLst>
+              </p:cTn>
+              <p:prevCondLst>
+                <p:cond evt="onPrev" delay="0">
+                  <p:tgtEl>
+                    <p:sldTgt/>
+                  </p:tgtEl>
+                </p:cond>
+              </p:prevCondLst>
+              <p:nextCondLst>
+                <p:cond evt="onNext" delay="0">
+                  <p:tgtEl>
+                    <p:sldTgt/>
+                  </p:tgtEl>
+                </p:cond>
+              </p:nextCondLst>
+            </p:seq>
+          </p:childTnLst>
+        </p:cTn>
+      </p:par>
+    </p:tnLst>
+  </p:timing>
+</p:sld>
+</file>
+
+<file path=ppt/slides/slide28.xml><?xml version="1.0" encoding="utf-8"?>
+<p:sld xmlns:a="http://schemas.openxmlformats.org/drawingml/2006/main" xmlns:r="http://schemas.openxmlformats.org/officeDocument/2006/relationships" xmlns:p="http://schemas.openxmlformats.org/presentationml/2006/main">
+  <p:cSld>
+    <p:spTree>
+      <p:nvGrpSpPr>
+        <p:cNvPr id="1" name=""/>
+        <p:cNvGrpSpPr/>
+        <p:nvPr/>
+      </p:nvGrpSpPr>
+      <p:grpSpPr>
+        <a:xfrm>
+          <a:off x="0" y="0"/>
+          <a:ext cx="0" cy="0"/>
+          <a:chOff x="0" y="0"/>
+          <a:chExt cx="0" cy="0"/>
+        </a:xfrm>
+      </p:grpSpPr>
+      <p:sp>
+        <p:nvSpPr>
+          <p:cNvPr id="2" name="Title 1">
+            <a:extLst>
+              <a:ext uri="{FF2B5EF4-FFF2-40B4-BE49-F238E27FC236}">
+                <a16:creationId xmlns:a16="http://schemas.microsoft.com/office/drawing/2014/main" id="{AA3A228F-61D0-D949-A5E7-F83756230BF8}"/>
+              </a:ext>
+            </a:extLst>
+          </p:cNvPr>
+          <p:cNvSpPr>
+            <a:spLocks noGrp="1"/>
+          </p:cNvSpPr>
+          <p:nvPr>
+            <p:ph type="title"/>
+          </p:nvPr>
+        </p:nvSpPr>
+        <p:spPr>
+          <a:xfrm>
+            <a:off x="219919" y="239717"/>
+            <a:ext cx="7053542" cy="683886"/>
+          </a:xfrm>
+        </p:spPr>
+        <p:txBody>
+          <a:bodyPr/>
+          <a:lstStyle/>
+          <a:p>
+            <a:r>
+              <a:rPr lang="en-US" dirty="0"/>
+              <a:t>Flow of a Program</a:t>
+            </a:r>
+          </a:p>
+        </p:txBody>
+      </p:sp>
+      <p:sp>
+        <p:nvSpPr>
+          <p:cNvPr id="9" name="Content Placeholder 8">
+            <a:extLst>
+              <a:ext uri="{FF2B5EF4-FFF2-40B4-BE49-F238E27FC236}">
+                <a16:creationId xmlns:a16="http://schemas.microsoft.com/office/drawing/2014/main" id="{E3B2E017-30B2-884B-A113-B419A2ED51AD}"/>
+              </a:ext>
+            </a:extLst>
+          </p:cNvPr>
+          <p:cNvSpPr>
+            <a:spLocks noGrp="1"/>
+          </p:cNvSpPr>
+          <p:nvPr>
+            <p:ph idx="1"/>
+          </p:nvPr>
+        </p:nvSpPr>
+        <p:spPr>
+          <a:xfrm>
+            <a:off x="483848" y="999857"/>
+            <a:ext cx="8051725" cy="4614729"/>
+          </a:xfrm>
+        </p:spPr>
+        <p:txBody>
+          <a:bodyPr>
+            <a:noAutofit/>
+          </a:bodyPr>
+          <a:lstStyle/>
+          <a:p>
+            <a:pPr marL="0" indent="0">
+              <a:buNone/>
+            </a:pPr>
+            <a:endParaRPr lang="en-US" sz="1800" b="1" dirty="0">
+              <a:latin typeface="Inconsolata" panose="020B0609030003000000" pitchFamily="49" charset="77"/>
+            </a:endParaRPr>
+          </a:p>
+          <a:p>
+            <a:pPr marL="0" indent="0">
+              <a:buNone/>
+            </a:pPr>
+            <a:r>
+              <a:rPr lang="en-US" sz="1800" b="1" dirty="0">
+                <a:latin typeface="Inconsolata" panose="020B0609030003000000" pitchFamily="49" charset="77"/>
+              </a:rPr>
+              <a:t>x = 2</a:t>
+            </a:r>
+            <a:br>
+              <a:rPr lang="en-US" sz="1800" b="1" dirty="0">
+                <a:latin typeface="Inconsolata" panose="020B0609030003000000" pitchFamily="49" charset="77"/>
+              </a:rPr>
+            </a:br>
+            <a:r>
+              <a:rPr lang="en-US" sz="1800" b="1" dirty="0">
+                <a:solidFill>
+                  <a:srgbClr val="0000B2"/>
+                </a:solidFill>
+                <a:latin typeface="Inconsolata" panose="020B0609030003000000" pitchFamily="49" charset="77"/>
+              </a:rPr>
+              <a:t>def </a:t>
+            </a:r>
+            <a:r>
+              <a:rPr lang="en-US" sz="1800" b="1" dirty="0">
+                <a:latin typeface="Inconsolata" panose="020B0609030003000000" pitchFamily="49" charset="77"/>
+              </a:rPr>
+              <a:t>fun(): </a:t>
+            </a:r>
+          </a:p>
+          <a:p>
+            <a:pPr marL="0" indent="0">
+              <a:buNone/>
+            </a:pPr>
+            <a:r>
+              <a:rPr lang="en-US" sz="1800" b="1" dirty="0">
+                <a:latin typeface="Inconsolata" panose="020B0609030003000000" pitchFamily="49" charset="77"/>
+              </a:rPr>
+              <a:t>    x = 10 </a:t>
+            </a:r>
+          </a:p>
+          <a:p>
+            <a:pPr marL="0" indent="0">
+              <a:buNone/>
+            </a:pPr>
+            <a:r>
+              <a:rPr lang="en-US" sz="1800" b="1" dirty="0">
+                <a:latin typeface="Inconsolata" panose="020B0609030003000000" pitchFamily="49" charset="77"/>
+              </a:rPr>
+              <a:t>    print(x)</a:t>
+            </a:r>
+          </a:p>
+          <a:p>
+            <a:pPr marL="0" indent="0">
+              <a:buNone/>
+            </a:pPr>
+            <a:r>
+              <a:rPr lang="en-US" sz="1800" b="1" dirty="0">
+                <a:latin typeface="Inconsolata" panose="020B0609030003000000" pitchFamily="49" charset="77"/>
+              </a:rPr>
+              <a:t>print(x) </a:t>
+            </a:r>
+          </a:p>
+          <a:p>
+            <a:pPr marL="0" indent="0">
+              <a:buNone/>
+            </a:pPr>
+            <a:endParaRPr lang="en-US" sz="1800" b="1" dirty="0">
+              <a:solidFill>
+                <a:srgbClr val="19B219"/>
+              </a:solidFill>
+              <a:latin typeface="Inconsolata" panose="020B0609030003000000" pitchFamily="49" charset="77"/>
+            </a:endParaRPr>
+          </a:p>
+          <a:p>
+            <a:pPr marL="0" indent="0">
+              <a:buNone/>
+            </a:pPr>
+            <a:endParaRPr lang="en-US" sz="1800" b="1" dirty="0">
+              <a:solidFill>
+                <a:srgbClr val="19B219"/>
+              </a:solidFill>
+              <a:latin typeface="Inconsolata" panose="020B0609030003000000" pitchFamily="49" charset="77"/>
+            </a:endParaRPr>
+          </a:p>
+          <a:p>
+            <a:pPr marL="0" indent="0">
+              <a:buNone/>
+            </a:pPr>
+            <a:r>
+              <a:rPr lang="en-US" sz="2000" dirty="0">
+                <a:latin typeface="Gill Sans MT" panose="020B0502020104020203" pitchFamily="34" charset="77"/>
+              </a:rPr>
+              <a:t>Output:</a:t>
+            </a:r>
+          </a:p>
+          <a:p>
+            <a:pPr marL="0" indent="0">
+              <a:buNone/>
+            </a:pPr>
+            <a:r>
+              <a:rPr lang="en-US" sz="2000" dirty="0">
+                <a:latin typeface="Gill Sans MT" panose="020B0502020104020203" pitchFamily="34" charset="77"/>
+              </a:rPr>
+              <a:t>2</a:t>
+            </a:r>
+          </a:p>
+        </p:txBody>
+      </p:sp>
+      <p:sp>
+        <p:nvSpPr>
+          <p:cNvPr id="6" name="TextBox 5">
+            <a:extLst>
+              <a:ext uri="{FF2B5EF4-FFF2-40B4-BE49-F238E27FC236}">
+                <a16:creationId xmlns:a16="http://schemas.microsoft.com/office/drawing/2014/main" id="{B7AB2EA4-48CC-FD46-9632-CD4301E82099}"/>
+              </a:ext>
+            </a:extLst>
+          </p:cNvPr>
+          <p:cNvSpPr txBox="1"/>
+          <p:nvPr/>
+        </p:nvSpPr>
+        <p:spPr>
+          <a:xfrm>
+            <a:off x="2495644" y="1243643"/>
+            <a:ext cx="6562309" cy="2246769"/>
+          </a:xfrm>
+          <a:prstGeom prst="rect">
+            <a:avLst/>
+          </a:prstGeom>
+          <a:noFill/>
+        </p:spPr>
+        <p:txBody>
+          <a:bodyPr wrap="none" rtlCol="0">
+            <a:spAutoFit/>
+          </a:bodyPr>
+          <a:lstStyle/>
+          <a:p>
+            <a:r>
+              <a:rPr lang="en-US" sz="2000" dirty="0"/>
+              <a:t>There are two x variables here. One in the fun() function </a:t>
+            </a:r>
+          </a:p>
+          <a:p>
+            <a:r>
+              <a:rPr lang="en-US" sz="2000" dirty="0"/>
+              <a:t>and one outside of the function. </a:t>
+            </a:r>
+          </a:p>
+          <a:p>
+            <a:endParaRPr lang="en-US" sz="2000" dirty="0"/>
+          </a:p>
+          <a:p>
+            <a:r>
+              <a:rPr lang="en-US" sz="2000" dirty="0"/>
+              <a:t>They are different!</a:t>
+            </a:r>
+          </a:p>
+          <a:p>
+            <a:endParaRPr lang="en-US" sz="2000" dirty="0"/>
+          </a:p>
+          <a:p>
+            <a:r>
+              <a:rPr lang="en-US" sz="2000" dirty="0"/>
+              <a:t>In this case, because the fun function is never called. The code</a:t>
+            </a:r>
+          </a:p>
+          <a:p>
+            <a:r>
+              <a:rPr lang="en-US" sz="2000" dirty="0"/>
+              <a:t>inside the function </a:t>
+            </a:r>
+            <a:r>
+              <a:rPr lang="en-US" sz="2000"/>
+              <a:t>never runs!</a:t>
+            </a:r>
+            <a:endParaRPr lang="en-US" sz="2000" dirty="0"/>
+          </a:p>
+        </p:txBody>
+      </p:sp>
+      <p:sp>
+        <p:nvSpPr>
+          <p:cNvPr id="3" name="Slide Number Placeholder 2">
+            <a:extLst>
+              <a:ext uri="{FF2B5EF4-FFF2-40B4-BE49-F238E27FC236}">
+                <a16:creationId xmlns:a16="http://schemas.microsoft.com/office/drawing/2014/main" id="{5F0DC44A-61B5-AB44-81A0-6ECAEDED1DE5}"/>
+              </a:ext>
+            </a:extLst>
+          </p:cNvPr>
+          <p:cNvSpPr>
+            <a:spLocks noGrp="1"/>
+          </p:cNvSpPr>
+          <p:nvPr>
+            <p:ph type="sldNum" sz="quarter" idx="12"/>
+          </p:nvPr>
+        </p:nvSpPr>
+        <p:spPr/>
+        <p:txBody>
+          <a:bodyPr/>
+          <a:lstStyle/>
+          <a:p>
+            <a:fld id="{D57F1E4F-1CFF-5643-939E-02111984F565}" type="slidenum">
+              <a:rPr lang="en-US" smtClean="0"/>
+              <a:t>28</a:t>
+            </a:fld>
+            <a:endParaRPr lang="en-US" dirty="0"/>
+          </a:p>
+        </p:txBody>
+      </p:sp>
+    </p:spTree>
+    <p:extLst>
+      <p:ext uri="{BB962C8B-B14F-4D97-AF65-F5344CB8AC3E}">
+        <p14:creationId xmlns:p14="http://schemas.microsoft.com/office/powerpoint/2010/main" val="426544314"/>
+      </p:ext>
+    </p:extLst>
+  </p:cSld>
+  <p:clrMapOvr>
+    <a:masterClrMapping/>
+  </p:clrMapOvr>
+</p:sld>
+</file>
+
+<file path=ppt/slides/slide29.xml><?xml version="1.0" encoding="utf-8"?>
 <p:sld xmlns:a="http://schemas.openxmlformats.org/drawingml/2006/main" xmlns:r="http://schemas.openxmlformats.org/officeDocument/2006/relationships" xmlns:p="http://schemas.openxmlformats.org/presentationml/2006/main">
   <p:cSld>
     <p:spTree>
@@ -20105,10 +22774,39 @@
           </a:fontRef>
         </p:style>
       </p:cxnSp>
+      <p:sp>
+        <p:nvSpPr>
+          <p:cNvPr id="3" name="Slide Number Placeholder 2">
+            <a:extLst>
+              <a:ext uri="{FF2B5EF4-FFF2-40B4-BE49-F238E27FC236}">
+                <a16:creationId xmlns:a16="http://schemas.microsoft.com/office/drawing/2014/main" id="{5F0DC44A-61B5-AB44-81A0-6ECAEDED1DE5}"/>
+              </a:ext>
+            </a:extLst>
+          </p:cNvPr>
+          <p:cNvSpPr>
+            <a:spLocks noGrp="1"/>
+          </p:cNvSpPr>
+          <p:nvPr>
+            <p:ph type="sldNum" sz="quarter" idx="12"/>
+          </p:nvPr>
+        </p:nvSpPr>
+        <p:spPr/>
+        <p:txBody>
+          <a:bodyPr/>
+          <a:lstStyle/>
+          <a:p>
+            <a:fld id="{D57F1E4F-1CFF-5643-939E-02111984F565}" type="slidenum">
+              <a:rPr lang="en-US" smtClean="0"/>
+              <a:t>29</a:t>
+            </a:fld>
+            <a:endParaRPr lang="en-US" dirty="0"/>
+          </a:p>
+        </p:txBody>
+      </p:sp>
     </p:spTree>
     <p:extLst>
       <p:ext uri="{BB962C8B-B14F-4D97-AF65-F5344CB8AC3E}">
-        <p14:creationId xmlns:p14="http://schemas.microsoft.com/office/powerpoint/2010/main" val="426544314"/>
+        <p14:creationId xmlns:p14="http://schemas.microsoft.com/office/powerpoint/2010/main" val="4110182"/>
       </p:ext>
     </p:extLst>
   </p:cSld>
@@ -20556,6 +23254,148 @@
                       </p:childTnLst>
                     </p:cTn>
                   </p:par>
+                  <p:par>
+                    <p:cTn id="35" fill="hold">
+                      <p:stCondLst>
+                        <p:cond delay="indefinite"/>
+                      </p:stCondLst>
+                      <p:childTnLst>
+                        <p:par>
+                          <p:cTn id="36" fill="hold">
+                            <p:stCondLst>
+                              <p:cond delay="0"/>
+                            </p:stCondLst>
+                            <p:childTnLst>
+                              <p:par>
+                                <p:cTn id="37" presetID="1" presetClass="entr" presetSubtype="0" fill="hold" nodeType="clickEffect">
+                                  <p:stCondLst>
+                                    <p:cond delay="0"/>
+                                  </p:stCondLst>
+                                  <p:childTnLst>
+                                    <p:set>
+                                      <p:cBhvr>
+                                        <p:cTn id="38" dur="1" fill="hold">
+                                          <p:stCondLst>
+                                            <p:cond delay="0"/>
+                                          </p:stCondLst>
+                                        </p:cTn>
+                                        <p:tgtEl>
+                                          <p:spTgt spid="9">
+                                            <p:txEl>
+                                              <p:pRg st="8" end="8"/>
+                                            </p:txEl>
+                                          </p:spTgt>
+                                        </p:tgtEl>
+                                        <p:attrNameLst>
+                                          <p:attrName>style.visibility</p:attrName>
+                                        </p:attrNameLst>
+                                      </p:cBhvr>
+                                      <p:to>
+                                        <p:strVal val="visible"/>
+                                      </p:to>
+                                    </p:set>
+                                  </p:childTnLst>
+                                </p:cTn>
+                              </p:par>
+                              <p:par>
+                                <p:cTn id="39" presetID="1" presetClass="entr" presetSubtype="0" fill="hold" nodeType="withEffect">
+                                  <p:stCondLst>
+                                    <p:cond delay="0"/>
+                                  </p:stCondLst>
+                                  <p:childTnLst>
+                                    <p:set>
+                                      <p:cBhvr>
+                                        <p:cTn id="40" dur="1" fill="hold">
+                                          <p:stCondLst>
+                                            <p:cond delay="0"/>
+                                          </p:stCondLst>
+                                        </p:cTn>
+                                        <p:tgtEl>
+                                          <p:spTgt spid="9">
+                                            <p:txEl>
+                                              <p:pRg st="9" end="9"/>
+                                            </p:txEl>
+                                          </p:spTgt>
+                                        </p:tgtEl>
+                                        <p:attrNameLst>
+                                          <p:attrName>style.visibility</p:attrName>
+                                        </p:attrNameLst>
+                                      </p:cBhvr>
+                                      <p:to>
+                                        <p:strVal val="visible"/>
+                                      </p:to>
+                                    </p:set>
+                                  </p:childTnLst>
+                                </p:cTn>
+                              </p:par>
+                              <p:par>
+                                <p:cTn id="41" presetID="1" presetClass="entr" presetSubtype="0" fill="hold" nodeType="withEffect">
+                                  <p:stCondLst>
+                                    <p:cond delay="0"/>
+                                  </p:stCondLst>
+                                  <p:childTnLst>
+                                    <p:set>
+                                      <p:cBhvr>
+                                        <p:cTn id="42" dur="1" fill="hold">
+                                          <p:stCondLst>
+                                            <p:cond delay="0"/>
+                                          </p:stCondLst>
+                                        </p:cTn>
+                                        <p:tgtEl>
+                                          <p:spTgt spid="9">
+                                            <p:txEl>
+                                              <p:pRg st="10" end="10"/>
+                                            </p:txEl>
+                                          </p:spTgt>
+                                        </p:tgtEl>
+                                        <p:attrNameLst>
+                                          <p:attrName>style.visibility</p:attrName>
+                                        </p:attrNameLst>
+                                      </p:cBhvr>
+                                      <p:to>
+                                        <p:strVal val="visible"/>
+                                      </p:to>
+                                    </p:set>
+                                  </p:childTnLst>
+                                </p:cTn>
+                              </p:par>
+                              <p:par>
+                                <p:cTn id="43" presetID="1" presetClass="entr" presetSubtype="0" fill="hold" nodeType="withEffect">
+                                  <p:stCondLst>
+                                    <p:cond delay="0"/>
+                                  </p:stCondLst>
+                                  <p:childTnLst>
+                                    <p:set>
+                                      <p:cBhvr>
+                                        <p:cTn id="44" dur="1" fill="hold">
+                                          <p:stCondLst>
+                                            <p:cond delay="0"/>
+                                          </p:stCondLst>
+                                        </p:cTn>
+                                        <p:tgtEl>
+                                          <p:spTgt spid="9">
+                                            <p:txEl>
+                                              <p:pRg st="11" end="11"/>
+                                            </p:txEl>
+                                          </p:spTgt>
+                                        </p:tgtEl>
+                                        <p:attrNameLst>
+                                          <p:attrName>style.visibility</p:attrName>
+                                        </p:attrNameLst>
+                                      </p:cBhvr>
+                                      <p:to>
+                                        <p:strVal val="visible"/>
+                                      </p:to>
+                                    </p:set>
+                                  </p:childTnLst>
+                                </p:cTn>
+                              </p:par>
+                            </p:childTnLst>
+                          </p:cTn>
+                        </p:par>
+                      </p:childTnLst>
+                    </p:cTn>
+                  </p:par>
                 </p:childTnLst>
               </p:cTn>
               <p:prevCondLst>
@@ -20586,7 +23426,688 @@
 </p:sld>
 </file>
 
-<file path=ppt/slides/slide27.xml><?xml version="1.0" encoding="utf-8"?>
+<file path=ppt/slides/slide3.xml><?xml version="1.0" encoding="utf-8"?>
+<p:sld xmlns:a="http://schemas.openxmlformats.org/drawingml/2006/main" xmlns:r="http://schemas.openxmlformats.org/officeDocument/2006/relationships" xmlns:p="http://schemas.openxmlformats.org/presentationml/2006/main">
+  <p:cSld>
+    <p:spTree>
+      <p:nvGrpSpPr>
+        <p:cNvPr id="1" name=""/>
+        <p:cNvGrpSpPr/>
+        <p:nvPr/>
+      </p:nvGrpSpPr>
+      <p:grpSpPr>
+        <a:xfrm>
+          <a:off x="0" y="0"/>
+          <a:ext cx="0" cy="0"/>
+          <a:chOff x="0" y="0"/>
+          <a:chExt cx="0" cy="0"/>
+        </a:xfrm>
+      </p:grpSpPr>
+      <p:sp>
+        <p:nvSpPr>
+          <p:cNvPr id="2" name="Title 1">
+            <a:extLst>
+              <a:ext uri="{FF2B5EF4-FFF2-40B4-BE49-F238E27FC236}">
+                <a16:creationId xmlns:a16="http://schemas.microsoft.com/office/drawing/2014/main" id="{AA3A228F-61D0-D949-A5E7-F83756230BF8}"/>
+              </a:ext>
+            </a:extLst>
+          </p:cNvPr>
+          <p:cNvSpPr>
+            <a:spLocks noGrp="1"/>
+          </p:cNvSpPr>
+          <p:nvPr>
+            <p:ph type="title"/>
+          </p:nvPr>
+        </p:nvSpPr>
+        <p:spPr>
+          <a:xfrm>
+            <a:off x="211473" y="204381"/>
+            <a:ext cx="7053542" cy="683886"/>
+          </a:xfrm>
+        </p:spPr>
+        <p:txBody>
+          <a:bodyPr/>
+          <a:lstStyle/>
+          <a:p>
+            <a:r>
+              <a:rPr lang="en-US" dirty="0"/>
+              <a:t>Example</a:t>
+            </a:r>
+          </a:p>
+        </p:txBody>
+      </p:sp>
+      <p:sp>
+        <p:nvSpPr>
+          <p:cNvPr id="9" name="Content Placeholder 8">
+            <a:extLst>
+              <a:ext uri="{FF2B5EF4-FFF2-40B4-BE49-F238E27FC236}">
+                <a16:creationId xmlns:a16="http://schemas.microsoft.com/office/drawing/2014/main" id="{E3B2E017-30B2-884B-A113-B419A2ED51AD}"/>
+              </a:ext>
+            </a:extLst>
+          </p:cNvPr>
+          <p:cNvSpPr>
+            <a:spLocks noGrp="1"/>
+          </p:cNvSpPr>
+          <p:nvPr>
+            <p:ph idx="1"/>
+          </p:nvPr>
+        </p:nvSpPr>
+        <p:spPr>
+          <a:xfrm>
+            <a:off x="119641" y="888268"/>
+            <a:ext cx="8868715" cy="4622352"/>
+          </a:xfrm>
+        </p:spPr>
+        <p:txBody>
+          <a:bodyPr>
+            <a:normAutofit/>
+          </a:bodyPr>
+          <a:lstStyle/>
+          <a:p>
+            <a:pPr marL="0" indent="0">
+              <a:buNone/>
+            </a:pPr>
+            <a:r>
+              <a:rPr lang="en-US" sz="2000" dirty="0"/>
+              <a:t>Consider the following code which asks the user to enter a number and prints out the absolute value of the number. This problem was a lab assignment in the last lecture.</a:t>
+            </a:r>
+          </a:p>
+          <a:p>
+            <a:pPr marL="0" indent="0">
+              <a:buNone/>
+            </a:pPr>
+            <a:endParaRPr lang="en-US" sz="1900" b="1" dirty="0">
+              <a:solidFill>
+                <a:srgbClr val="000000"/>
+              </a:solidFill>
+              <a:latin typeface="Inconsolata" panose="020B0609030003000000" pitchFamily="49" charset="77"/>
+            </a:endParaRPr>
+          </a:p>
+          <a:p>
+            <a:pPr marL="0" indent="0">
+              <a:buNone/>
+            </a:pPr>
+            <a:r>
+              <a:rPr lang="en-US" sz="1800" b="1" dirty="0">
+                <a:solidFill>
+                  <a:srgbClr val="000000"/>
+                </a:solidFill>
+                <a:latin typeface="Inconsolata" panose="020B0609030003000000" pitchFamily="49" charset="77"/>
+              </a:rPr>
+              <a:t>x = </a:t>
+            </a:r>
+            <a:r>
+              <a:rPr lang="en-US" sz="1800" b="1" dirty="0">
+                <a:solidFill>
+                  <a:srgbClr val="34A327"/>
+                </a:solidFill>
+                <a:latin typeface="Inconsolata" panose="020B0609030003000000" pitchFamily="49" charset="77"/>
+              </a:rPr>
+              <a:t>int(input(</a:t>
+            </a:r>
+            <a:r>
+              <a:rPr lang="en-US" sz="1800" b="1" dirty="0">
+                <a:solidFill>
+                  <a:srgbClr val="CD7923"/>
+                </a:solidFill>
+                <a:latin typeface="Inconsolata" panose="020B0609030003000000" pitchFamily="49" charset="77"/>
+              </a:rPr>
+              <a:t>‘Enter an integer: ’</a:t>
+            </a:r>
+            <a:r>
+              <a:rPr lang="en-US" sz="1800" b="1" dirty="0">
+                <a:solidFill>
+                  <a:srgbClr val="34A327"/>
+                </a:solidFill>
+                <a:latin typeface="Inconsolata" panose="020B0609030003000000" pitchFamily="49" charset="77"/>
+              </a:rPr>
+              <a:t>))</a:t>
+            </a:r>
+            <a:r>
+              <a:rPr lang="en-US" sz="1800" b="1" dirty="0">
+                <a:solidFill>
+                  <a:srgbClr val="000000"/>
+                </a:solidFill>
+                <a:latin typeface="Inconsolata" panose="020B0609030003000000" pitchFamily="49" charset="77"/>
+              </a:rPr>
+              <a:t> </a:t>
+            </a:r>
+            <a:endParaRPr lang="en-US" sz="1800" b="1" dirty="0">
+              <a:solidFill>
+                <a:srgbClr val="CD7923"/>
+              </a:solidFill>
+              <a:latin typeface="Inconsolata" panose="020B0609030003000000" pitchFamily="49" charset="77"/>
+            </a:endParaRPr>
+          </a:p>
+          <a:p>
+            <a:pPr marL="0" indent="0">
+              <a:buNone/>
+            </a:pPr>
+            <a:r>
+              <a:rPr lang="en-US" sz="1800" b="1" dirty="0">
+                <a:solidFill>
+                  <a:srgbClr val="006699"/>
+                </a:solidFill>
+                <a:latin typeface="Inconsolata" panose="020B0609030003000000" pitchFamily="49" charset="77"/>
+              </a:rPr>
+              <a:t>if </a:t>
+            </a:r>
+            <a:r>
+              <a:rPr lang="en-US" sz="1800" b="1" dirty="0">
+                <a:solidFill>
+                  <a:srgbClr val="000087"/>
+                </a:solidFill>
+                <a:latin typeface="Inconsolata" panose="020B0609030003000000" pitchFamily="49" charset="77"/>
+              </a:rPr>
+              <a:t>x </a:t>
+            </a:r>
+            <a:r>
+              <a:rPr lang="en-US" sz="1800" b="1" dirty="0">
+                <a:solidFill>
+                  <a:srgbClr val="545454"/>
+                </a:solidFill>
+                <a:latin typeface="Inconsolata" panose="020B0609030003000000" pitchFamily="49" charset="77"/>
+              </a:rPr>
+              <a:t>&gt;= </a:t>
+            </a:r>
+            <a:r>
+              <a:rPr lang="en-US" sz="1800" b="1" dirty="0">
+                <a:solidFill>
+                  <a:srgbClr val="FF6600"/>
+                </a:solidFill>
+                <a:latin typeface="Inconsolata" panose="020B0609030003000000" pitchFamily="49" charset="77"/>
+              </a:rPr>
+              <a:t>0</a:t>
+            </a:r>
+            <a:r>
+              <a:rPr lang="en-US" sz="1800" b="1" dirty="0">
+                <a:latin typeface="Inconsolata" panose="020B0609030003000000" pitchFamily="49" charset="77"/>
+              </a:rPr>
+              <a:t>:</a:t>
+            </a:r>
+          </a:p>
+          <a:p>
+            <a:pPr marL="0" indent="0">
+              <a:buNone/>
+            </a:pPr>
+            <a:r>
+              <a:rPr lang="en-US" sz="1800" b="1" dirty="0">
+                <a:solidFill>
+                  <a:srgbClr val="006699"/>
+                </a:solidFill>
+                <a:latin typeface="Inconsolata" panose="020B0609030003000000" pitchFamily="49" charset="77"/>
+              </a:rPr>
+              <a:t>    print</a:t>
+            </a:r>
+            <a:r>
+              <a:rPr lang="en-US" sz="1800" b="1" dirty="0">
+                <a:latin typeface="Inconsolata" panose="020B0609030003000000" pitchFamily="49" charset="77"/>
+              </a:rPr>
+              <a:t>(</a:t>
+            </a:r>
+            <a:r>
+              <a:rPr lang="en-US" sz="1800" b="1" dirty="0">
+                <a:solidFill>
+                  <a:srgbClr val="000087"/>
+                </a:solidFill>
+                <a:latin typeface="Inconsolata" panose="020B0609030003000000" pitchFamily="49" charset="77"/>
+              </a:rPr>
+              <a:t>“The absolute value of”, x, "is", x</a:t>
+            </a:r>
+            <a:r>
+              <a:rPr lang="en-US" sz="1800" b="1" dirty="0">
+                <a:latin typeface="Inconsolata" panose="020B0609030003000000" pitchFamily="49" charset="77"/>
+              </a:rPr>
+              <a:t>)</a:t>
+            </a:r>
+          </a:p>
+          <a:p>
+            <a:pPr marL="0" indent="0">
+              <a:buNone/>
+            </a:pPr>
+            <a:r>
+              <a:rPr lang="en-US" sz="1800" b="1" dirty="0">
+                <a:solidFill>
+                  <a:srgbClr val="006699"/>
+                </a:solidFill>
+                <a:latin typeface="Inconsolata" panose="020B0609030003000000" pitchFamily="49" charset="77"/>
+              </a:rPr>
+              <a:t>else</a:t>
+            </a:r>
+            <a:r>
+              <a:rPr lang="en-US" sz="1800" b="1" dirty="0">
+                <a:latin typeface="Inconsolata" panose="020B0609030003000000" pitchFamily="49" charset="77"/>
+              </a:rPr>
+              <a:t>:</a:t>
+            </a:r>
+          </a:p>
+          <a:p>
+            <a:pPr marL="0" indent="0">
+              <a:buNone/>
+            </a:pPr>
+            <a:r>
+              <a:rPr lang="en-US" sz="1800" b="1" dirty="0">
+                <a:solidFill>
+                  <a:srgbClr val="006699"/>
+                </a:solidFill>
+                <a:latin typeface="Inconsolata" panose="020B0609030003000000" pitchFamily="49" charset="77"/>
+              </a:rPr>
+              <a:t>    print</a:t>
+            </a:r>
+            <a:r>
+              <a:rPr lang="en-US" sz="1800" b="1" dirty="0">
+                <a:latin typeface="Inconsolata" panose="020B0609030003000000" pitchFamily="49" charset="77"/>
+              </a:rPr>
+              <a:t>(</a:t>
+            </a:r>
+            <a:r>
+              <a:rPr lang="en-US" sz="1800" b="1" dirty="0">
+                <a:solidFill>
+                  <a:srgbClr val="000087"/>
+                </a:solidFill>
+                <a:latin typeface="Inconsolata" panose="020B0609030003000000" pitchFamily="49" charset="77"/>
+              </a:rPr>
+              <a:t>“The absolute value of”, x, "is", -x</a:t>
+            </a:r>
+            <a:r>
+              <a:rPr lang="en-US" sz="1800" b="1" dirty="0">
+                <a:latin typeface="Inconsolata" panose="020B0609030003000000" pitchFamily="49" charset="77"/>
+              </a:rPr>
+              <a:t>)</a:t>
+            </a:r>
+          </a:p>
+          <a:p>
+            <a:pPr marL="0" indent="0">
+              <a:buNone/>
+            </a:pPr>
+            <a:endParaRPr lang="en-US" dirty="0"/>
+          </a:p>
+          <a:p>
+            <a:pPr marL="0" indent="0">
+              <a:buNone/>
+            </a:pPr>
+            <a:r>
+              <a:rPr lang="en-US" dirty="0"/>
+              <a:t>Sample Output:</a:t>
+            </a:r>
+          </a:p>
+          <a:p>
+            <a:pPr marL="0" indent="0">
+              <a:buNone/>
+            </a:pPr>
+            <a:r>
+              <a:rPr lang="en-US" dirty="0"/>
+              <a:t>Enter an integer: -4</a:t>
+            </a:r>
+          </a:p>
+          <a:p>
+            <a:pPr marL="0" indent="0">
+              <a:buNone/>
+            </a:pPr>
+            <a:r>
+              <a:rPr lang="en-US" dirty="0"/>
+              <a:t>The absolute value of -4 is 4</a:t>
+            </a:r>
+          </a:p>
+        </p:txBody>
+      </p:sp>
+      <p:sp>
+        <p:nvSpPr>
+          <p:cNvPr id="3" name="Slide Number Placeholder 2">
+            <a:extLst>
+              <a:ext uri="{FF2B5EF4-FFF2-40B4-BE49-F238E27FC236}">
+                <a16:creationId xmlns:a16="http://schemas.microsoft.com/office/drawing/2014/main" id="{8FCF91CF-E5E4-114A-9F9D-073E37C8E379}"/>
+              </a:ext>
+            </a:extLst>
+          </p:cNvPr>
+          <p:cNvSpPr>
+            <a:spLocks noGrp="1"/>
+          </p:cNvSpPr>
+          <p:nvPr>
+            <p:ph type="sldNum" sz="quarter" idx="12"/>
+          </p:nvPr>
+        </p:nvSpPr>
+        <p:spPr/>
+        <p:txBody>
+          <a:bodyPr/>
+          <a:lstStyle/>
+          <a:p>
+            <a:fld id="{D57F1E4F-1CFF-5643-939E-02111984F565}" type="slidenum">
+              <a:rPr lang="en-US" smtClean="0"/>
+              <a:t>3</a:t>
+            </a:fld>
+            <a:endParaRPr lang="en-US" dirty="0"/>
+          </a:p>
+        </p:txBody>
+      </p:sp>
+    </p:spTree>
+    <p:extLst>
+      <p:ext uri="{BB962C8B-B14F-4D97-AF65-F5344CB8AC3E}">
+        <p14:creationId xmlns:p14="http://schemas.microsoft.com/office/powerpoint/2010/main" val="3670596711"/>
+      </p:ext>
+    </p:extLst>
+  </p:cSld>
+  <p:clrMapOvr>
+    <a:masterClrMapping/>
+  </p:clrMapOvr>
+  <p:timing>
+    <p:tnLst>
+      <p:par>
+        <p:cTn id="1" dur="indefinite" restart="never" nodeType="tmRoot">
+          <p:childTnLst>
+            <p:seq concurrent="1" nextAc="seek">
+              <p:cTn id="2" dur="indefinite" nodeType="mainSeq">
+                <p:childTnLst>
+                  <p:par>
+                    <p:cTn id="3" fill="hold">
+                      <p:stCondLst>
+                        <p:cond delay="indefinite"/>
+                      </p:stCondLst>
+                      <p:childTnLst>
+                        <p:par>
+                          <p:cTn id="4" fill="hold">
+                            <p:stCondLst>
+                              <p:cond delay="0"/>
+                            </p:stCondLst>
+                            <p:childTnLst>
+                              <p:par>
+                                <p:cTn id="5" presetID="1" presetClass="entr" presetSubtype="0" fill="hold" nodeType="clickEffect">
+                                  <p:stCondLst>
+                                    <p:cond delay="0"/>
+                                  </p:stCondLst>
+                                  <p:childTnLst>
+                                    <p:set>
+                                      <p:cBhvr>
+                                        <p:cTn id="6" dur="1" fill="hold">
+                                          <p:stCondLst>
+                                            <p:cond delay="0"/>
+                                          </p:stCondLst>
+                                        </p:cTn>
+                                        <p:tgtEl>
+                                          <p:spTgt spid="9">
+                                            <p:txEl>
+                                              <p:pRg st="2" end="2"/>
+                                            </p:txEl>
+                                          </p:spTgt>
+                                        </p:tgtEl>
+                                        <p:attrNameLst>
+                                          <p:attrName>style.visibility</p:attrName>
+                                        </p:attrNameLst>
+                                      </p:cBhvr>
+                                      <p:to>
+                                        <p:strVal val="visible"/>
+                                      </p:to>
+                                    </p:set>
+                                  </p:childTnLst>
+                                </p:cTn>
+                              </p:par>
+                              <p:par>
+                                <p:cTn id="7" presetID="1" presetClass="entr" presetSubtype="0" fill="hold" nodeType="withEffect">
+                                  <p:stCondLst>
+                                    <p:cond delay="0"/>
+                                  </p:stCondLst>
+                                  <p:childTnLst>
+                                    <p:set>
+                                      <p:cBhvr>
+                                        <p:cTn id="8" dur="1" fill="hold">
+                                          <p:stCondLst>
+                                            <p:cond delay="0"/>
+                                          </p:stCondLst>
+                                        </p:cTn>
+                                        <p:tgtEl>
+                                          <p:spTgt spid="9">
+                                            <p:txEl>
+                                              <p:pRg st="3" end="3"/>
+                                            </p:txEl>
+                                          </p:spTgt>
+                                        </p:tgtEl>
+                                        <p:attrNameLst>
+                                          <p:attrName>style.visibility</p:attrName>
+                                        </p:attrNameLst>
+                                      </p:cBhvr>
+                                      <p:to>
+                                        <p:strVal val="visible"/>
+                                      </p:to>
+                                    </p:set>
+                                  </p:childTnLst>
+                                </p:cTn>
+                              </p:par>
+                              <p:par>
+                                <p:cTn id="9" presetID="1" presetClass="entr" presetSubtype="0" fill="hold" nodeType="withEffect">
+                                  <p:stCondLst>
+                                    <p:cond delay="0"/>
+                                  </p:stCondLst>
+                                  <p:childTnLst>
+                                    <p:set>
+                                      <p:cBhvr>
+                                        <p:cTn id="10" dur="1" fill="hold">
+                                          <p:stCondLst>
+                                            <p:cond delay="0"/>
+                                          </p:stCondLst>
+                                        </p:cTn>
+                                        <p:tgtEl>
+                                          <p:spTgt spid="9">
+                                            <p:txEl>
+                                              <p:pRg st="4" end="4"/>
+                                            </p:txEl>
+                                          </p:spTgt>
+                                        </p:tgtEl>
+                                        <p:attrNameLst>
+                                          <p:attrName>style.visibility</p:attrName>
+                                        </p:attrNameLst>
+                                      </p:cBhvr>
+                                      <p:to>
+                                        <p:strVal val="visible"/>
+                                      </p:to>
+                                    </p:set>
+                                  </p:childTnLst>
+                                </p:cTn>
+                              </p:par>
+                              <p:par>
+                                <p:cTn id="11" presetID="1" presetClass="entr" presetSubtype="0" fill="hold" nodeType="withEffect">
+                                  <p:stCondLst>
+                                    <p:cond delay="0"/>
+                                  </p:stCondLst>
+                                  <p:childTnLst>
+                                    <p:set>
+                                      <p:cBhvr>
+                                        <p:cTn id="12" dur="1" fill="hold">
+                                          <p:stCondLst>
+                                            <p:cond delay="0"/>
+                                          </p:stCondLst>
+                                        </p:cTn>
+                                        <p:tgtEl>
+                                          <p:spTgt spid="9">
+                                            <p:txEl>
+                                              <p:pRg st="5" end="5"/>
+                                            </p:txEl>
+                                          </p:spTgt>
+                                        </p:tgtEl>
+                                        <p:attrNameLst>
+                                          <p:attrName>style.visibility</p:attrName>
+                                        </p:attrNameLst>
+                                      </p:cBhvr>
+                                      <p:to>
+                                        <p:strVal val="visible"/>
+                                      </p:to>
+                                    </p:set>
+                                  </p:childTnLst>
+                                </p:cTn>
+                              </p:par>
+                              <p:par>
+                                <p:cTn id="13" presetID="1" presetClass="entr" presetSubtype="0" fill="hold" nodeType="withEffect">
+                                  <p:stCondLst>
+                                    <p:cond delay="0"/>
+                                  </p:stCondLst>
+                                  <p:childTnLst>
+                                    <p:set>
+                                      <p:cBhvr>
+                                        <p:cTn id="14" dur="1" fill="hold">
+                                          <p:stCondLst>
+                                            <p:cond delay="0"/>
+                                          </p:stCondLst>
+                                        </p:cTn>
+                                        <p:tgtEl>
+                                          <p:spTgt spid="9">
+                                            <p:txEl>
+                                              <p:pRg st="6" end="6"/>
+                                            </p:txEl>
+                                          </p:spTgt>
+                                        </p:tgtEl>
+                                        <p:attrNameLst>
+                                          <p:attrName>style.visibility</p:attrName>
+                                        </p:attrNameLst>
+                                      </p:cBhvr>
+                                      <p:to>
+                                        <p:strVal val="visible"/>
+                                      </p:to>
+                                    </p:set>
+                                  </p:childTnLst>
+                                </p:cTn>
+                              </p:par>
+                            </p:childTnLst>
+                          </p:cTn>
+                        </p:par>
+                      </p:childTnLst>
+                    </p:cTn>
+                  </p:par>
+                  <p:par>
+                    <p:cTn id="15" fill="hold">
+                      <p:stCondLst>
+                        <p:cond delay="indefinite"/>
+                      </p:stCondLst>
+                      <p:childTnLst>
+                        <p:par>
+                          <p:cTn id="16" fill="hold">
+                            <p:stCondLst>
+                              <p:cond delay="0"/>
+                            </p:stCondLst>
+                            <p:childTnLst>
+                              <p:par>
+                                <p:cTn id="17" presetID="1" presetClass="entr" presetSubtype="0" fill="hold" nodeType="clickEffect">
+                                  <p:stCondLst>
+                                    <p:cond delay="0"/>
+                                  </p:stCondLst>
+                                  <p:childTnLst>
+                                    <p:set>
+                                      <p:cBhvr>
+                                        <p:cTn id="18" dur="1" fill="hold">
+                                          <p:stCondLst>
+                                            <p:cond delay="0"/>
+                                          </p:stCondLst>
+                                        </p:cTn>
+                                        <p:tgtEl>
+                                          <p:spTgt spid="9">
+                                            <p:txEl>
+                                              <p:pRg st="8" end="8"/>
+                                            </p:txEl>
+                                          </p:spTgt>
+                                        </p:tgtEl>
+                                        <p:attrNameLst>
+                                          <p:attrName>style.visibility</p:attrName>
+                                        </p:attrNameLst>
+                                      </p:cBhvr>
+                                      <p:to>
+                                        <p:strVal val="visible"/>
+                                      </p:to>
+                                    </p:set>
+                                  </p:childTnLst>
+                                </p:cTn>
+                              </p:par>
+                              <p:par>
+                                <p:cTn id="19" presetID="1" presetClass="entr" presetSubtype="0" fill="hold" nodeType="withEffect">
+                                  <p:stCondLst>
+                                    <p:cond delay="0"/>
+                                  </p:stCondLst>
+                                  <p:childTnLst>
+                                    <p:set>
+                                      <p:cBhvr>
+                                        <p:cTn id="20" dur="1" fill="hold">
+                                          <p:stCondLst>
+                                            <p:cond delay="0"/>
+                                          </p:stCondLst>
+                                        </p:cTn>
+                                        <p:tgtEl>
+                                          <p:spTgt spid="9">
+                                            <p:txEl>
+                                              <p:pRg st="9" end="9"/>
+                                            </p:txEl>
+                                          </p:spTgt>
+                                        </p:tgtEl>
+                                        <p:attrNameLst>
+                                          <p:attrName>style.visibility</p:attrName>
+                                        </p:attrNameLst>
+                                      </p:cBhvr>
+                                      <p:to>
+                                        <p:strVal val="visible"/>
+                                      </p:to>
+                                    </p:set>
+                                  </p:childTnLst>
+                                </p:cTn>
+                              </p:par>
+                              <p:par>
+                                <p:cTn id="21" presetID="1" presetClass="entr" presetSubtype="0" fill="hold" nodeType="withEffect">
+                                  <p:stCondLst>
+                                    <p:cond delay="0"/>
+                                  </p:stCondLst>
+                                  <p:childTnLst>
+                                    <p:set>
+                                      <p:cBhvr>
+                                        <p:cTn id="22" dur="1" fill="hold">
+                                          <p:stCondLst>
+                                            <p:cond delay="0"/>
+                                          </p:stCondLst>
+                                        </p:cTn>
+                                        <p:tgtEl>
+                                          <p:spTgt spid="9">
+                                            <p:txEl>
+                                              <p:pRg st="10" end="10"/>
+                                            </p:txEl>
+                                          </p:spTgt>
+                                        </p:tgtEl>
+                                        <p:attrNameLst>
+                                          <p:attrName>style.visibility</p:attrName>
+                                        </p:attrNameLst>
+                                      </p:cBhvr>
+                                      <p:to>
+                                        <p:strVal val="visible"/>
+                                      </p:to>
+                                    </p:set>
+                                  </p:childTnLst>
+                                </p:cTn>
+                              </p:par>
+                            </p:childTnLst>
+                          </p:cTn>
+                        </p:par>
+                      </p:childTnLst>
+                    </p:cTn>
+                  </p:par>
+                </p:childTnLst>
+              </p:cTn>
+              <p:prevCondLst>
+                <p:cond evt="onPrev" delay="0">
+                  <p:tgtEl>
+                    <p:sldTgt/>
+                  </p:tgtEl>
+                </p:cond>
+              </p:prevCondLst>
+              <p:nextCondLst>
+                <p:cond evt="onNext" delay="0">
+                  <p:tgtEl>
+                    <p:sldTgt/>
+                  </p:tgtEl>
+                </p:cond>
+              </p:nextCondLst>
+            </p:seq>
+          </p:childTnLst>
+        </p:cTn>
+      </p:par>
+    </p:tnLst>
+  </p:timing>
+</p:sld>
+</file>
+
+<file path=ppt/slides/slide30.xml><?xml version="1.0" encoding="utf-8"?>
 <p:sld xmlns:a="http://schemas.openxmlformats.org/drawingml/2006/main" xmlns:r="http://schemas.openxmlformats.org/officeDocument/2006/relationships" xmlns:p="http://schemas.openxmlformats.org/presentationml/2006/main">
   <p:cSld>
     <p:spTree>
@@ -21112,6 +24633,35 @@
                 <a:srgbClr val="FF0000"/>
               </a:solidFill>
             </a:endParaRPr>
+          </a:p>
+        </p:txBody>
+      </p:sp>
+      <p:sp>
+        <p:nvSpPr>
+          <p:cNvPr id="4" name="Slide Number Placeholder 3">
+            <a:extLst>
+              <a:ext uri="{FF2B5EF4-FFF2-40B4-BE49-F238E27FC236}">
+                <a16:creationId xmlns:a16="http://schemas.microsoft.com/office/drawing/2014/main" id="{7F02B087-4726-2343-A038-4EB0D964FF89}"/>
+              </a:ext>
+            </a:extLst>
+          </p:cNvPr>
+          <p:cNvSpPr>
+            <a:spLocks noGrp="1"/>
+          </p:cNvSpPr>
+          <p:nvPr>
+            <p:ph type="sldNum" sz="quarter" idx="12"/>
+          </p:nvPr>
+        </p:nvSpPr>
+        <p:spPr/>
+        <p:txBody>
+          <a:bodyPr/>
+          <a:lstStyle/>
+          <a:p>
+            <a:fld id="{D57F1E4F-1CFF-5643-939E-02111984F565}" type="slidenum">
+              <a:rPr lang="en-US" smtClean="0"/>
+              <a:t>30</a:t>
+            </a:fld>
+            <a:endParaRPr lang="en-US" dirty="0"/>
           </a:p>
         </p:txBody>
       </p:sp>
@@ -21441,7 +24991,7 @@
 </p:sld>
 </file>
 
-<file path=ppt/slides/slide28.xml><?xml version="1.0" encoding="utf-8"?>
+<file path=ppt/slides/slide31.xml><?xml version="1.0" encoding="utf-8"?>
 <p:sld xmlns:a="http://schemas.openxmlformats.org/drawingml/2006/main" xmlns:r="http://schemas.openxmlformats.org/officeDocument/2006/relationships" xmlns:p="http://schemas.openxmlformats.org/presentationml/2006/main">
   <p:cSld>
     <p:spTree>
@@ -22013,6 +25563,35 @@
           </a:fontRef>
         </p:style>
       </p:cxnSp>
+      <p:sp>
+        <p:nvSpPr>
+          <p:cNvPr id="4" name="Slide Number Placeholder 3">
+            <a:extLst>
+              <a:ext uri="{FF2B5EF4-FFF2-40B4-BE49-F238E27FC236}">
+                <a16:creationId xmlns:a16="http://schemas.microsoft.com/office/drawing/2014/main" id="{016932E6-09BA-3C4F-AF66-D8E35B5E2E6E}"/>
+              </a:ext>
+            </a:extLst>
+          </p:cNvPr>
+          <p:cNvSpPr>
+            <a:spLocks noGrp="1"/>
+          </p:cNvSpPr>
+          <p:nvPr>
+            <p:ph type="sldNum" sz="quarter" idx="12"/>
+          </p:nvPr>
+        </p:nvSpPr>
+        <p:spPr/>
+        <p:txBody>
+          <a:bodyPr/>
+          <a:lstStyle/>
+          <a:p>
+            <a:fld id="{D57F1E4F-1CFF-5643-939E-02111984F565}" type="slidenum">
+              <a:rPr lang="en-US" smtClean="0"/>
+              <a:t>31</a:t>
+            </a:fld>
+            <a:endParaRPr lang="en-US" dirty="0"/>
+          </a:p>
+        </p:txBody>
+      </p:sp>
     </p:spTree>
     <p:extLst>
       <p:ext uri="{BB962C8B-B14F-4D97-AF65-F5344CB8AC3E}">
@@ -22252,7 +25831,7 @@
 </p:sld>
 </file>
 
-<file path=ppt/slides/slide29.xml><?xml version="1.0" encoding="utf-8"?>
+<file path=ppt/slides/slide32.xml><?xml version="1.0" encoding="utf-8"?>
 <p:sld xmlns:a="http://schemas.openxmlformats.org/drawingml/2006/main" xmlns:r="http://schemas.openxmlformats.org/officeDocument/2006/relationships" xmlns:p="http://schemas.openxmlformats.org/presentationml/2006/main">
   <p:cSld>
     <p:spTree>
@@ -22957,6 +26536,35 @@
           </a:fontRef>
         </p:style>
       </p:cxnSp>
+      <p:sp>
+        <p:nvSpPr>
+          <p:cNvPr id="4" name="Slide Number Placeholder 3">
+            <a:extLst>
+              <a:ext uri="{FF2B5EF4-FFF2-40B4-BE49-F238E27FC236}">
+                <a16:creationId xmlns:a16="http://schemas.microsoft.com/office/drawing/2014/main" id="{9E21266F-CC55-E34A-B424-8CFCE976B033}"/>
+              </a:ext>
+            </a:extLst>
+          </p:cNvPr>
+          <p:cNvSpPr>
+            <a:spLocks noGrp="1"/>
+          </p:cNvSpPr>
+          <p:nvPr>
+            <p:ph type="sldNum" sz="quarter" idx="12"/>
+          </p:nvPr>
+        </p:nvSpPr>
+        <p:spPr/>
+        <p:txBody>
+          <a:bodyPr/>
+          <a:lstStyle/>
+          <a:p>
+            <a:fld id="{D57F1E4F-1CFF-5643-939E-02111984F565}" type="slidenum">
+              <a:rPr lang="en-US" smtClean="0"/>
+              <a:t>32</a:t>
+            </a:fld>
+            <a:endParaRPr lang="en-US" dirty="0"/>
+          </a:p>
+        </p:txBody>
+      </p:sp>
     </p:spTree>
     <p:extLst>
       <p:ext uri="{BB962C8B-B14F-4D97-AF65-F5344CB8AC3E}">
@@ -22970,521 +26578,7 @@
 </p:sld>
 </file>
 
-<file path=ppt/slides/slide3.xml><?xml version="1.0" encoding="utf-8"?>
-<p:sld xmlns:a="http://schemas.openxmlformats.org/drawingml/2006/main" xmlns:r="http://schemas.openxmlformats.org/officeDocument/2006/relationships" xmlns:p="http://schemas.openxmlformats.org/presentationml/2006/main">
-  <p:cSld>
-    <p:spTree>
-      <p:nvGrpSpPr>
-        <p:cNvPr id="1" name=""/>
-        <p:cNvGrpSpPr/>
-        <p:nvPr/>
-      </p:nvGrpSpPr>
-      <p:grpSpPr>
-        <a:xfrm>
-          <a:off x="0" y="0"/>
-          <a:ext cx="0" cy="0"/>
-          <a:chOff x="0" y="0"/>
-          <a:chExt cx="0" cy="0"/>
-        </a:xfrm>
-      </p:grpSpPr>
-      <p:sp>
-        <p:nvSpPr>
-          <p:cNvPr id="2" name="Title 1">
-            <a:extLst>
-              <a:ext uri="{FF2B5EF4-FFF2-40B4-BE49-F238E27FC236}">
-                <a16:creationId xmlns:a16="http://schemas.microsoft.com/office/drawing/2014/main" id="{AA3A228F-61D0-D949-A5E7-F83756230BF8}"/>
-              </a:ext>
-            </a:extLst>
-          </p:cNvPr>
-          <p:cNvSpPr>
-            <a:spLocks noGrp="1"/>
-          </p:cNvSpPr>
-          <p:nvPr>
-            <p:ph type="title"/>
-          </p:nvPr>
-        </p:nvSpPr>
-        <p:spPr>
-          <a:xfrm>
-            <a:off x="211473" y="204381"/>
-            <a:ext cx="7053542" cy="683886"/>
-          </a:xfrm>
-        </p:spPr>
-        <p:txBody>
-          <a:bodyPr/>
-          <a:lstStyle/>
-          <a:p>
-            <a:r>
-              <a:rPr lang="en-US" dirty="0"/>
-              <a:t>Example</a:t>
-            </a:r>
-          </a:p>
-        </p:txBody>
-      </p:sp>
-      <p:sp>
-        <p:nvSpPr>
-          <p:cNvPr id="9" name="Content Placeholder 8">
-            <a:extLst>
-              <a:ext uri="{FF2B5EF4-FFF2-40B4-BE49-F238E27FC236}">
-                <a16:creationId xmlns:a16="http://schemas.microsoft.com/office/drawing/2014/main" id="{E3B2E017-30B2-884B-A113-B419A2ED51AD}"/>
-              </a:ext>
-            </a:extLst>
-          </p:cNvPr>
-          <p:cNvSpPr>
-            <a:spLocks noGrp="1"/>
-          </p:cNvSpPr>
-          <p:nvPr>
-            <p:ph idx="1"/>
-          </p:nvPr>
-        </p:nvSpPr>
-        <p:spPr>
-          <a:xfrm>
-            <a:off x="119641" y="888268"/>
-            <a:ext cx="8868715" cy="4622352"/>
-          </a:xfrm>
-        </p:spPr>
-        <p:txBody>
-          <a:bodyPr>
-            <a:normAutofit/>
-          </a:bodyPr>
-          <a:lstStyle/>
-          <a:p>
-            <a:pPr marL="0" indent="0">
-              <a:buNone/>
-            </a:pPr>
-            <a:r>
-              <a:rPr lang="en-US" sz="2000" dirty="0"/>
-              <a:t>Consider the following code which asks the user to enter a number and prints out the absolute value of the number. This problem was a lab assignment in the last lecture.</a:t>
-            </a:r>
-          </a:p>
-          <a:p>
-            <a:pPr marL="0" indent="0">
-              <a:buNone/>
-            </a:pPr>
-            <a:endParaRPr lang="en-US" sz="1900" b="1" dirty="0">
-              <a:solidFill>
-                <a:srgbClr val="000000"/>
-              </a:solidFill>
-              <a:latin typeface="Inconsolata" panose="020B0609030003000000" pitchFamily="49" charset="77"/>
-            </a:endParaRPr>
-          </a:p>
-          <a:p>
-            <a:pPr marL="0" indent="0">
-              <a:buNone/>
-            </a:pPr>
-            <a:r>
-              <a:rPr lang="en-US" sz="1800" b="1" dirty="0">
-                <a:solidFill>
-                  <a:srgbClr val="000000"/>
-                </a:solidFill>
-                <a:latin typeface="Inconsolata" panose="020B0609030003000000" pitchFamily="49" charset="77"/>
-              </a:rPr>
-              <a:t>x = </a:t>
-            </a:r>
-            <a:r>
-              <a:rPr lang="en-US" sz="1800" b="1" dirty="0">
-                <a:solidFill>
-                  <a:srgbClr val="34A327"/>
-                </a:solidFill>
-                <a:latin typeface="Inconsolata" panose="020B0609030003000000" pitchFamily="49" charset="77"/>
-              </a:rPr>
-              <a:t>int(input(</a:t>
-            </a:r>
-            <a:r>
-              <a:rPr lang="en-US" sz="1800" b="1" dirty="0">
-                <a:solidFill>
-                  <a:srgbClr val="CD7923"/>
-                </a:solidFill>
-                <a:latin typeface="Inconsolata" panose="020B0609030003000000" pitchFamily="49" charset="77"/>
-              </a:rPr>
-              <a:t>‘Enter an integer: ’</a:t>
-            </a:r>
-            <a:r>
-              <a:rPr lang="en-US" sz="1800" b="1" dirty="0">
-                <a:solidFill>
-                  <a:srgbClr val="34A327"/>
-                </a:solidFill>
-                <a:latin typeface="Inconsolata" panose="020B0609030003000000" pitchFamily="49" charset="77"/>
-              </a:rPr>
-              <a:t>))</a:t>
-            </a:r>
-            <a:r>
-              <a:rPr lang="en-US" sz="1800" b="1" dirty="0">
-                <a:solidFill>
-                  <a:srgbClr val="000000"/>
-                </a:solidFill>
-                <a:latin typeface="Inconsolata" panose="020B0609030003000000" pitchFamily="49" charset="77"/>
-              </a:rPr>
-              <a:t> </a:t>
-            </a:r>
-            <a:endParaRPr lang="en-US" sz="1800" b="1" dirty="0">
-              <a:solidFill>
-                <a:srgbClr val="CD7923"/>
-              </a:solidFill>
-              <a:latin typeface="Inconsolata" panose="020B0609030003000000" pitchFamily="49" charset="77"/>
-            </a:endParaRPr>
-          </a:p>
-          <a:p>
-            <a:pPr marL="0" indent="0">
-              <a:buNone/>
-            </a:pPr>
-            <a:r>
-              <a:rPr lang="en-US" sz="1800" b="1" dirty="0">
-                <a:solidFill>
-                  <a:srgbClr val="006699"/>
-                </a:solidFill>
-                <a:latin typeface="Inconsolata" panose="020B0609030003000000" pitchFamily="49" charset="77"/>
-              </a:rPr>
-              <a:t>if </a:t>
-            </a:r>
-            <a:r>
-              <a:rPr lang="en-US" sz="1800" b="1" dirty="0">
-                <a:solidFill>
-                  <a:srgbClr val="000087"/>
-                </a:solidFill>
-                <a:latin typeface="Inconsolata" panose="020B0609030003000000" pitchFamily="49" charset="77"/>
-              </a:rPr>
-              <a:t>x </a:t>
-            </a:r>
-            <a:r>
-              <a:rPr lang="en-US" sz="1800" b="1" dirty="0">
-                <a:solidFill>
-                  <a:srgbClr val="545454"/>
-                </a:solidFill>
-                <a:latin typeface="Inconsolata" panose="020B0609030003000000" pitchFamily="49" charset="77"/>
-              </a:rPr>
-              <a:t>&gt;= </a:t>
-            </a:r>
-            <a:r>
-              <a:rPr lang="en-US" sz="1800" b="1" dirty="0">
-                <a:solidFill>
-                  <a:srgbClr val="FF6600"/>
-                </a:solidFill>
-                <a:latin typeface="Inconsolata" panose="020B0609030003000000" pitchFamily="49" charset="77"/>
-              </a:rPr>
-              <a:t>0</a:t>
-            </a:r>
-            <a:r>
-              <a:rPr lang="en-US" sz="1800" b="1" dirty="0">
-                <a:latin typeface="Inconsolata" panose="020B0609030003000000" pitchFamily="49" charset="77"/>
-              </a:rPr>
-              <a:t>:</a:t>
-            </a:r>
-          </a:p>
-          <a:p>
-            <a:pPr marL="0" indent="0">
-              <a:buNone/>
-            </a:pPr>
-            <a:r>
-              <a:rPr lang="en-US" sz="1800" b="1" dirty="0">
-                <a:solidFill>
-                  <a:srgbClr val="006699"/>
-                </a:solidFill>
-                <a:latin typeface="Inconsolata" panose="020B0609030003000000" pitchFamily="49" charset="77"/>
-              </a:rPr>
-              <a:t>    print</a:t>
-            </a:r>
-            <a:r>
-              <a:rPr lang="en-US" sz="1800" b="1" dirty="0">
-                <a:latin typeface="Inconsolata" panose="020B0609030003000000" pitchFamily="49" charset="77"/>
-              </a:rPr>
-              <a:t>(</a:t>
-            </a:r>
-            <a:r>
-              <a:rPr lang="en-US" sz="1800" b="1" dirty="0">
-                <a:solidFill>
-                  <a:srgbClr val="000087"/>
-                </a:solidFill>
-                <a:latin typeface="Inconsolata" panose="020B0609030003000000" pitchFamily="49" charset="77"/>
-              </a:rPr>
-              <a:t>“The absolute value of”, x, "is", x</a:t>
-            </a:r>
-            <a:r>
-              <a:rPr lang="en-US" sz="1800" b="1" dirty="0">
-                <a:latin typeface="Inconsolata" panose="020B0609030003000000" pitchFamily="49" charset="77"/>
-              </a:rPr>
-              <a:t>)</a:t>
-            </a:r>
-          </a:p>
-          <a:p>
-            <a:pPr marL="0" indent="0">
-              <a:buNone/>
-            </a:pPr>
-            <a:r>
-              <a:rPr lang="en-US" sz="1800" b="1" dirty="0">
-                <a:solidFill>
-                  <a:srgbClr val="006699"/>
-                </a:solidFill>
-                <a:latin typeface="Inconsolata" panose="020B0609030003000000" pitchFamily="49" charset="77"/>
-              </a:rPr>
-              <a:t>else</a:t>
-            </a:r>
-            <a:r>
-              <a:rPr lang="en-US" sz="1800" b="1" dirty="0">
-                <a:latin typeface="Inconsolata" panose="020B0609030003000000" pitchFamily="49" charset="77"/>
-              </a:rPr>
-              <a:t>:</a:t>
-            </a:r>
-          </a:p>
-          <a:p>
-            <a:pPr marL="0" indent="0">
-              <a:buNone/>
-            </a:pPr>
-            <a:r>
-              <a:rPr lang="en-US" sz="1800" b="1" dirty="0">
-                <a:solidFill>
-                  <a:srgbClr val="006699"/>
-                </a:solidFill>
-                <a:latin typeface="Inconsolata" panose="020B0609030003000000" pitchFamily="49" charset="77"/>
-              </a:rPr>
-              <a:t>    print</a:t>
-            </a:r>
-            <a:r>
-              <a:rPr lang="en-US" sz="1800" b="1" dirty="0">
-                <a:latin typeface="Inconsolata" panose="020B0609030003000000" pitchFamily="49" charset="77"/>
-              </a:rPr>
-              <a:t>(</a:t>
-            </a:r>
-            <a:r>
-              <a:rPr lang="en-US" sz="1800" b="1" dirty="0">
-                <a:solidFill>
-                  <a:srgbClr val="000087"/>
-                </a:solidFill>
-                <a:latin typeface="Inconsolata" panose="020B0609030003000000" pitchFamily="49" charset="77"/>
-              </a:rPr>
-              <a:t>“The absolute value of”, x, "is", -x</a:t>
-            </a:r>
-            <a:r>
-              <a:rPr lang="en-US" sz="1800" b="1" dirty="0">
-                <a:latin typeface="Inconsolata" panose="020B0609030003000000" pitchFamily="49" charset="77"/>
-              </a:rPr>
-              <a:t>)</a:t>
-            </a:r>
-          </a:p>
-          <a:p>
-            <a:pPr marL="0" indent="0">
-              <a:buNone/>
-            </a:pPr>
-            <a:endParaRPr lang="en-US" dirty="0"/>
-          </a:p>
-        </p:txBody>
-      </p:sp>
-    </p:spTree>
-    <p:extLst>
-      <p:ext uri="{BB962C8B-B14F-4D97-AF65-F5344CB8AC3E}">
-        <p14:creationId xmlns:p14="http://schemas.microsoft.com/office/powerpoint/2010/main" val="3670596711"/>
-      </p:ext>
-    </p:extLst>
-  </p:cSld>
-  <p:clrMapOvr>
-    <a:masterClrMapping/>
-  </p:clrMapOvr>
-  <p:timing>
-    <p:tnLst>
-      <p:par>
-        <p:cTn id="1" dur="indefinite" restart="never" nodeType="tmRoot">
-          <p:childTnLst>
-            <p:seq concurrent="1" nextAc="seek">
-              <p:cTn id="2" dur="indefinite" nodeType="mainSeq">
-                <p:childTnLst>
-                  <p:par>
-                    <p:cTn id="3" fill="hold">
-                      <p:stCondLst>
-                        <p:cond delay="indefinite"/>
-                      </p:stCondLst>
-                      <p:childTnLst>
-                        <p:par>
-                          <p:cTn id="4" fill="hold">
-                            <p:stCondLst>
-                              <p:cond delay="0"/>
-                            </p:stCondLst>
-                            <p:childTnLst>
-                              <p:par>
-                                <p:cTn id="5" presetID="1" presetClass="entr" presetSubtype="0" fill="hold" nodeType="clickEffect">
-                                  <p:stCondLst>
-                                    <p:cond delay="0"/>
-                                  </p:stCondLst>
-                                  <p:childTnLst>
-                                    <p:set>
-                                      <p:cBhvr>
-                                        <p:cTn id="6" dur="1" fill="hold">
-                                          <p:stCondLst>
-                                            <p:cond delay="0"/>
-                                          </p:stCondLst>
-                                        </p:cTn>
-                                        <p:tgtEl>
-                                          <p:spTgt spid="9">
-                                            <p:txEl>
-                                              <p:pRg st="2" end="2"/>
-                                            </p:txEl>
-                                          </p:spTgt>
-                                        </p:tgtEl>
-                                        <p:attrNameLst>
-                                          <p:attrName>style.visibility</p:attrName>
-                                        </p:attrNameLst>
-                                      </p:cBhvr>
-                                      <p:to>
-                                        <p:strVal val="visible"/>
-                                      </p:to>
-                                    </p:set>
-                                  </p:childTnLst>
-                                </p:cTn>
-                              </p:par>
-                              <p:par>
-                                <p:cTn id="7" presetID="1" presetClass="entr" presetSubtype="0" fill="hold" nodeType="withEffect">
-                                  <p:stCondLst>
-                                    <p:cond delay="0"/>
-                                  </p:stCondLst>
-                                  <p:childTnLst>
-                                    <p:set>
-                                      <p:cBhvr>
-                                        <p:cTn id="8" dur="1" fill="hold">
-                                          <p:stCondLst>
-                                            <p:cond delay="0"/>
-                                          </p:stCondLst>
-                                        </p:cTn>
-                                        <p:tgtEl>
-                                          <p:spTgt spid="9">
-                                            <p:txEl>
-                                              <p:pRg st="3" end="3"/>
-                                            </p:txEl>
-                                          </p:spTgt>
-                                        </p:tgtEl>
-                                        <p:attrNameLst>
-                                          <p:attrName>style.visibility</p:attrName>
-                                        </p:attrNameLst>
-                                      </p:cBhvr>
-                                      <p:to>
-                                        <p:strVal val="visible"/>
-                                      </p:to>
-                                    </p:set>
-                                  </p:childTnLst>
-                                </p:cTn>
-                              </p:par>
-                              <p:par>
-                                <p:cTn id="9" presetID="1" presetClass="entr" presetSubtype="0" fill="hold" nodeType="withEffect">
-                                  <p:stCondLst>
-                                    <p:cond delay="0"/>
-                                  </p:stCondLst>
-                                  <p:childTnLst>
-                                    <p:set>
-                                      <p:cBhvr>
-                                        <p:cTn id="10" dur="1" fill="hold">
-                                          <p:stCondLst>
-                                            <p:cond delay="0"/>
-                                          </p:stCondLst>
-                                        </p:cTn>
-                                        <p:tgtEl>
-                                          <p:spTgt spid="9">
-                                            <p:txEl>
-                                              <p:pRg st="4" end="4"/>
-                                            </p:txEl>
-                                          </p:spTgt>
-                                        </p:tgtEl>
-                                        <p:attrNameLst>
-                                          <p:attrName>style.visibility</p:attrName>
-                                        </p:attrNameLst>
-                                      </p:cBhvr>
-                                      <p:to>
-                                        <p:strVal val="visible"/>
-                                      </p:to>
-                                    </p:set>
-                                  </p:childTnLst>
-                                </p:cTn>
-                              </p:par>
-                              <p:par>
-                                <p:cTn id="11" presetID="1" presetClass="entr" presetSubtype="0" fill="hold" nodeType="withEffect">
-                                  <p:stCondLst>
-                                    <p:cond delay="0"/>
-                                  </p:stCondLst>
-                                  <p:childTnLst>
-                                    <p:set>
-                                      <p:cBhvr>
-                                        <p:cTn id="12" dur="1" fill="hold">
-                                          <p:stCondLst>
-                                            <p:cond delay="0"/>
-                                          </p:stCondLst>
-                                        </p:cTn>
-                                        <p:tgtEl>
-                                          <p:spTgt spid="9">
-                                            <p:txEl>
-                                              <p:pRg st="5" end="5"/>
-                                            </p:txEl>
-                                          </p:spTgt>
-                                        </p:tgtEl>
-                                        <p:attrNameLst>
-                                          <p:attrName>style.visibility</p:attrName>
-                                        </p:attrNameLst>
-                                      </p:cBhvr>
-                                      <p:to>
-                                        <p:strVal val="visible"/>
-                                      </p:to>
-                                    </p:set>
-                                  </p:childTnLst>
-                                </p:cTn>
-                              </p:par>
-                              <p:par>
-                                <p:cTn id="13" presetID="1" presetClass="entr" presetSubtype="0" fill="hold" nodeType="withEffect">
-                                  <p:stCondLst>
-                                    <p:cond delay="0"/>
-                                  </p:stCondLst>
-                                  <p:childTnLst>
-                                    <p:set>
-                                      <p:cBhvr>
-                                        <p:cTn id="14" dur="1" fill="hold">
-                                          <p:stCondLst>
-                                            <p:cond delay="0"/>
-                                          </p:stCondLst>
-                                        </p:cTn>
-                                        <p:tgtEl>
-                                          <p:spTgt spid="9">
-                                            <p:txEl>
-                                              <p:pRg st="6" end="6"/>
-                                            </p:txEl>
-                                          </p:spTgt>
-                                        </p:tgtEl>
-                                        <p:attrNameLst>
-                                          <p:attrName>style.visibility</p:attrName>
-                                        </p:attrNameLst>
-                                      </p:cBhvr>
-                                      <p:to>
-                                        <p:strVal val="visible"/>
-                                      </p:to>
-                                    </p:set>
-                                  </p:childTnLst>
-                                </p:cTn>
-                              </p:par>
-                            </p:childTnLst>
-                          </p:cTn>
-                        </p:par>
-                      </p:childTnLst>
-                    </p:cTn>
-                  </p:par>
-                </p:childTnLst>
-              </p:cTn>
-              <p:prevCondLst>
-                <p:cond evt="onPrev" delay="0">
-                  <p:tgtEl>
-                    <p:sldTgt/>
-                  </p:tgtEl>
-                </p:cond>
-              </p:prevCondLst>
-              <p:nextCondLst>
-                <p:cond evt="onNext" delay="0">
-                  <p:tgtEl>
-                    <p:sldTgt/>
-                  </p:tgtEl>
-                </p:cond>
-              </p:nextCondLst>
-            </p:seq>
-          </p:childTnLst>
-        </p:cTn>
-      </p:par>
-    </p:tnLst>
-  </p:timing>
-</p:sld>
-</file>
-
-<file path=ppt/slides/slide30.xml><?xml version="1.0" encoding="utf-8"?>
+<file path=ppt/slides/slide33.xml><?xml version="1.0" encoding="utf-8"?>
 <p:sld xmlns:a="http://schemas.openxmlformats.org/drawingml/2006/main" xmlns:r="http://schemas.openxmlformats.org/officeDocument/2006/relationships" xmlns:p="http://schemas.openxmlformats.org/presentationml/2006/main">
   <p:cSld>
     <p:spTree>
@@ -23643,6 +26737,35 @@
             <a:pPr marL="0" indent="0">
               <a:buNone/>
             </a:pPr>
+            <a:endParaRPr lang="en-US" dirty="0"/>
+          </a:p>
+        </p:txBody>
+      </p:sp>
+      <p:sp>
+        <p:nvSpPr>
+          <p:cNvPr id="3" name="Slide Number Placeholder 2">
+            <a:extLst>
+              <a:ext uri="{FF2B5EF4-FFF2-40B4-BE49-F238E27FC236}">
+                <a16:creationId xmlns:a16="http://schemas.microsoft.com/office/drawing/2014/main" id="{63F5C8C5-DCFE-8042-A319-15C75B0113FD}"/>
+              </a:ext>
+            </a:extLst>
+          </p:cNvPr>
+          <p:cNvSpPr>
+            <a:spLocks noGrp="1"/>
+          </p:cNvSpPr>
+          <p:nvPr>
+            <p:ph type="sldNum" sz="quarter" idx="12"/>
+          </p:nvPr>
+        </p:nvSpPr>
+        <p:spPr/>
+        <p:txBody>
+          <a:bodyPr/>
+          <a:lstStyle/>
+          <a:p>
+            <a:fld id="{D57F1E4F-1CFF-5643-939E-02111984F565}" type="slidenum">
+              <a:rPr lang="en-US" smtClean="0"/>
+              <a:t>33</a:t>
+            </a:fld>
             <a:endParaRPr lang="en-US" dirty="0"/>
           </a:p>
         </p:txBody>
@@ -23837,7 +26960,7 @@
 </p:sld>
 </file>
 
-<file path=ppt/slides/slide31.xml><?xml version="1.0" encoding="utf-8"?>
+<file path=ppt/slides/slide34.xml><?xml version="1.0" encoding="utf-8"?>
 <p:sld xmlns:a="http://schemas.openxmlformats.org/drawingml/2006/main" xmlns:r="http://schemas.openxmlformats.org/officeDocument/2006/relationships" xmlns:p="http://schemas.openxmlformats.org/presentationml/2006/main">
   <p:cSld>
     <p:spTree>
@@ -24243,6 +27366,35 @@
               <a:buNone/>
             </a:pPr>
             <a:endParaRPr lang="en-US" sz="2000" dirty="0"/>
+          </a:p>
+        </p:txBody>
+      </p:sp>
+      <p:sp>
+        <p:nvSpPr>
+          <p:cNvPr id="3" name="Slide Number Placeholder 2">
+            <a:extLst>
+              <a:ext uri="{FF2B5EF4-FFF2-40B4-BE49-F238E27FC236}">
+                <a16:creationId xmlns:a16="http://schemas.microsoft.com/office/drawing/2014/main" id="{7704B3C6-CEA7-E548-9753-74988736403E}"/>
+              </a:ext>
+            </a:extLst>
+          </p:cNvPr>
+          <p:cNvSpPr>
+            <a:spLocks noGrp="1"/>
+          </p:cNvSpPr>
+          <p:nvPr>
+            <p:ph type="sldNum" sz="quarter" idx="12"/>
+          </p:nvPr>
+        </p:nvSpPr>
+        <p:spPr/>
+        <p:txBody>
+          <a:bodyPr/>
+          <a:lstStyle/>
+          <a:p>
+            <a:fld id="{D57F1E4F-1CFF-5643-939E-02111984F565}" type="slidenum">
+              <a:rPr lang="en-US" smtClean="0"/>
+              <a:t>34</a:t>
+            </a:fld>
+            <a:endParaRPr lang="en-US" dirty="0"/>
           </a:p>
         </p:txBody>
       </p:sp>
@@ -24676,7 +27828,7 @@
 </p:sld>
 </file>
 
-<file path=ppt/slides/slide32.xml><?xml version="1.0" encoding="utf-8"?>
+<file path=ppt/slides/slide35.xml><?xml version="1.0" encoding="utf-8"?>
 <p:sld xmlns:a="http://schemas.openxmlformats.org/drawingml/2006/main" xmlns:r="http://schemas.openxmlformats.org/officeDocument/2006/relationships" xmlns:p="http://schemas.openxmlformats.org/presentationml/2006/main">
   <p:cSld>
     <p:spTree>
@@ -25079,6 +28231,35 @@
               </a:rPr>
               <a:t>program, we will use this template. </a:t>
             </a:r>
+          </a:p>
+        </p:txBody>
+      </p:sp>
+      <p:sp>
+        <p:nvSpPr>
+          <p:cNvPr id="3" name="Slide Number Placeholder 2">
+            <a:extLst>
+              <a:ext uri="{FF2B5EF4-FFF2-40B4-BE49-F238E27FC236}">
+                <a16:creationId xmlns:a16="http://schemas.microsoft.com/office/drawing/2014/main" id="{773ECB15-6DB3-B541-BED0-10D15F26B432}"/>
+              </a:ext>
+            </a:extLst>
+          </p:cNvPr>
+          <p:cNvSpPr>
+            <a:spLocks noGrp="1"/>
+          </p:cNvSpPr>
+          <p:nvPr>
+            <p:ph type="sldNum" sz="quarter" idx="12"/>
+          </p:nvPr>
+        </p:nvSpPr>
+        <p:spPr/>
+        <p:txBody>
+          <a:bodyPr/>
+          <a:lstStyle/>
+          <a:p>
+            <a:fld id="{D57F1E4F-1CFF-5643-939E-02111984F565}" type="slidenum">
+              <a:rPr lang="en-US" smtClean="0"/>
+              <a:t>35</a:t>
+            </a:fld>
+            <a:endParaRPr lang="en-US" dirty="0"/>
           </a:p>
         </p:txBody>
       </p:sp>
@@ -25422,7 +28603,7 @@
 </p:sld>
 </file>
 
-<file path=ppt/slides/slide33.xml><?xml version="1.0" encoding="utf-8"?>
+<file path=ppt/slides/slide36.xml><?xml version="1.0" encoding="utf-8"?>
 <p:sld xmlns:a="http://schemas.openxmlformats.org/drawingml/2006/main" xmlns:r="http://schemas.openxmlformats.org/officeDocument/2006/relationships" xmlns:p="http://schemas.openxmlformats.org/presentationml/2006/main">
   <p:cSld>
     <p:spTree>
@@ -26079,6 +29260,35 @@
             <a:endParaRPr lang="en-US" sz="1600" dirty="0"/>
           </a:p>
           <a:p>
+            <a:endParaRPr lang="en-US" dirty="0"/>
+          </a:p>
+        </p:txBody>
+      </p:sp>
+      <p:sp>
+        <p:nvSpPr>
+          <p:cNvPr id="4" name="Slide Number Placeholder 3">
+            <a:extLst>
+              <a:ext uri="{FF2B5EF4-FFF2-40B4-BE49-F238E27FC236}">
+                <a16:creationId xmlns:a16="http://schemas.microsoft.com/office/drawing/2014/main" id="{6764BCB5-EC93-B745-BAD0-9FA4E5189FD2}"/>
+              </a:ext>
+            </a:extLst>
+          </p:cNvPr>
+          <p:cNvSpPr>
+            <a:spLocks noGrp="1"/>
+          </p:cNvSpPr>
+          <p:nvPr>
+            <p:ph type="sldNum" sz="quarter" idx="12"/>
+          </p:nvPr>
+        </p:nvSpPr>
+        <p:spPr/>
+        <p:txBody>
+          <a:bodyPr/>
+          <a:lstStyle/>
+          <a:p>
+            <a:fld id="{D57F1E4F-1CFF-5643-939E-02111984F565}" type="slidenum">
+              <a:rPr lang="en-US" smtClean="0"/>
+              <a:t>36</a:t>
+            </a:fld>
             <a:endParaRPr lang="en-US" dirty="0"/>
           </a:p>
         </p:txBody>
@@ -26727,7 +29937,7 @@
 </p:sld>
 </file>
 
-<file path=ppt/slides/slide34.xml><?xml version="1.0" encoding="utf-8"?>
+<file path=ppt/slides/slide37.xml><?xml version="1.0" encoding="utf-8"?>
 <p:sld xmlns:a="http://schemas.openxmlformats.org/drawingml/2006/main" xmlns:r="http://schemas.openxmlformats.org/officeDocument/2006/relationships" xmlns:p="http://schemas.openxmlformats.org/presentationml/2006/main">
   <p:cSld>
     <p:spTree>
@@ -27056,6 +30266,35 @@
           </a:extLst>
         </p:spPr>
       </p:pic>
+      <p:sp>
+        <p:nvSpPr>
+          <p:cNvPr id="2" name="Slide Number Placeholder 1">
+            <a:extLst>
+              <a:ext uri="{FF2B5EF4-FFF2-40B4-BE49-F238E27FC236}">
+                <a16:creationId xmlns:a16="http://schemas.microsoft.com/office/drawing/2014/main" id="{01428C38-08A8-1848-AA93-E3D879B139B8}"/>
+              </a:ext>
+            </a:extLst>
+          </p:cNvPr>
+          <p:cNvSpPr>
+            <a:spLocks noGrp="1"/>
+          </p:cNvSpPr>
+          <p:nvPr>
+            <p:ph type="sldNum" sz="quarter" idx="12"/>
+          </p:nvPr>
+        </p:nvSpPr>
+        <p:spPr/>
+        <p:txBody>
+          <a:bodyPr/>
+          <a:lstStyle/>
+          <a:p>
+            <a:fld id="{D57F1E4F-1CFF-5643-939E-02111984F565}" type="slidenum">
+              <a:rPr lang="en-US" smtClean="0"/>
+              <a:t>37</a:t>
+            </a:fld>
+            <a:endParaRPr lang="en-US" dirty="0"/>
+          </a:p>
+        </p:txBody>
+      </p:sp>
     </p:spTree>
     <p:extLst>
       <p:ext uri="{BB962C8B-B14F-4D97-AF65-F5344CB8AC3E}">
@@ -27070,7 +30309,7 @@
 </p:sld>
 </file>
 
-<file path=ppt/slides/slide35.xml><?xml version="1.0" encoding="utf-8"?>
+<file path=ppt/slides/slide38.xml><?xml version="1.0" encoding="utf-8"?>
 <p:sld xmlns:a="http://schemas.openxmlformats.org/drawingml/2006/main" xmlns:r="http://schemas.openxmlformats.org/officeDocument/2006/relationships" xmlns:p="http://schemas.openxmlformats.org/presentationml/2006/main">
   <p:cSld>
     <p:spTree>
@@ -27442,6 +30681,35 @@
           </a:p>
         </p:txBody>
       </p:sp>
+      <p:sp>
+        <p:nvSpPr>
+          <p:cNvPr id="3" name="Slide Number Placeholder 2">
+            <a:extLst>
+              <a:ext uri="{FF2B5EF4-FFF2-40B4-BE49-F238E27FC236}">
+                <a16:creationId xmlns:a16="http://schemas.microsoft.com/office/drawing/2014/main" id="{418A5BE0-EA06-134F-847C-064B7E841A8D}"/>
+              </a:ext>
+            </a:extLst>
+          </p:cNvPr>
+          <p:cNvSpPr>
+            <a:spLocks noGrp="1"/>
+          </p:cNvSpPr>
+          <p:nvPr>
+            <p:ph type="sldNum" sz="quarter" idx="12"/>
+          </p:nvPr>
+        </p:nvSpPr>
+        <p:spPr/>
+        <p:txBody>
+          <a:bodyPr/>
+          <a:lstStyle/>
+          <a:p>
+            <a:fld id="{D57F1E4F-1CFF-5643-939E-02111984F565}" type="slidenum">
+              <a:rPr lang="en-US" smtClean="0"/>
+              <a:t>38</a:t>
+            </a:fld>
+            <a:endParaRPr lang="en-US" dirty="0"/>
+          </a:p>
+        </p:txBody>
+      </p:sp>
     </p:spTree>
     <p:extLst>
       <p:ext uri="{BB962C8B-B14F-4D97-AF65-F5344CB8AC3E}">
@@ -27455,7 +30723,7 @@
 </p:sld>
 </file>
 
-<file path=ppt/slides/slide36.xml><?xml version="1.0" encoding="utf-8"?>
+<file path=ppt/slides/slide39.xml><?xml version="1.0" encoding="utf-8"?>
 <p:sld xmlns:a="http://schemas.openxmlformats.org/drawingml/2006/main" xmlns:r="http://schemas.openxmlformats.org/officeDocument/2006/relationships" xmlns:p="http://schemas.openxmlformats.org/presentationml/2006/main">
   <p:cSld>
     <p:spTree>
@@ -27644,6 +30912,35 @@
           </a:p>
         </p:txBody>
       </p:sp>
+      <p:sp>
+        <p:nvSpPr>
+          <p:cNvPr id="2" name="Slide Number Placeholder 1">
+            <a:extLst>
+              <a:ext uri="{FF2B5EF4-FFF2-40B4-BE49-F238E27FC236}">
+                <a16:creationId xmlns:a16="http://schemas.microsoft.com/office/drawing/2014/main" id="{6FD2E492-6A01-8641-886F-FE811E6E759B}"/>
+              </a:ext>
+            </a:extLst>
+          </p:cNvPr>
+          <p:cNvSpPr>
+            <a:spLocks noGrp="1"/>
+          </p:cNvSpPr>
+          <p:nvPr>
+            <p:ph type="sldNum" sz="quarter" idx="12"/>
+          </p:nvPr>
+        </p:nvSpPr>
+        <p:spPr/>
+        <p:txBody>
+          <a:bodyPr/>
+          <a:lstStyle/>
+          <a:p>
+            <a:fld id="{D57F1E4F-1CFF-5643-939E-02111984F565}" type="slidenum">
+              <a:rPr lang="en-US" smtClean="0"/>
+              <a:t>39</a:t>
+            </a:fld>
+            <a:endParaRPr lang="en-US" dirty="0"/>
+          </a:p>
+        </p:txBody>
+      </p:sp>
     </p:spTree>
     <p:extLst>
       <p:ext uri="{BB962C8B-B14F-4D97-AF65-F5344CB8AC3E}">
@@ -27655,155 +30952,6 @@
     <a:masterClrMapping/>
   </p:clrMapOvr>
   <p:transition/>
-</p:sld>
-</file>
-
-<file path=ppt/slides/slide37.xml><?xml version="1.0" encoding="utf-8"?>
-<p:sld xmlns:a="http://schemas.openxmlformats.org/drawingml/2006/main" xmlns:r="http://schemas.openxmlformats.org/officeDocument/2006/relationships" xmlns:p="http://schemas.openxmlformats.org/presentationml/2006/main">
-  <p:cSld>
-    <p:spTree>
-      <p:nvGrpSpPr>
-        <p:cNvPr id="1" name=""/>
-        <p:cNvGrpSpPr/>
-        <p:nvPr/>
-      </p:nvGrpSpPr>
-      <p:grpSpPr>
-        <a:xfrm>
-          <a:off x="0" y="0"/>
-          <a:ext cx="0" cy="0"/>
-          <a:chOff x="0" y="0"/>
-          <a:chExt cx="0" cy="0"/>
-        </a:xfrm>
-      </p:grpSpPr>
-      <p:sp>
-        <p:nvSpPr>
-          <p:cNvPr id="2" name="Title 1">
-            <a:extLst>
-              <a:ext uri="{FF2B5EF4-FFF2-40B4-BE49-F238E27FC236}">
-                <a16:creationId xmlns:a16="http://schemas.microsoft.com/office/drawing/2014/main" id="{AA3A228F-61D0-D949-A5E7-F83756230BF8}"/>
-              </a:ext>
-            </a:extLst>
-          </p:cNvPr>
-          <p:cNvSpPr>
-            <a:spLocks noGrp="1"/>
-          </p:cNvSpPr>
-          <p:nvPr>
-            <p:ph type="title"/>
-          </p:nvPr>
-        </p:nvSpPr>
-        <p:spPr>
-          <a:xfrm>
-            <a:off x="483848" y="467027"/>
-            <a:ext cx="7053542" cy="683886"/>
-          </a:xfrm>
-        </p:spPr>
-        <p:txBody>
-          <a:bodyPr/>
-          <a:lstStyle/>
-          <a:p>
-            <a:r>
-              <a:rPr lang="en-US" dirty="0"/>
-              <a:t>References</a:t>
-            </a:r>
-          </a:p>
-        </p:txBody>
-      </p:sp>
-      <p:sp>
-        <p:nvSpPr>
-          <p:cNvPr id="9" name="Content Placeholder 8">
-            <a:extLst>
-              <a:ext uri="{FF2B5EF4-FFF2-40B4-BE49-F238E27FC236}">
-                <a16:creationId xmlns:a16="http://schemas.microsoft.com/office/drawing/2014/main" id="{E3B2E017-30B2-884B-A113-B419A2ED51AD}"/>
-              </a:ext>
-            </a:extLst>
-          </p:cNvPr>
-          <p:cNvSpPr>
-            <a:spLocks noGrp="1"/>
-          </p:cNvSpPr>
-          <p:nvPr>
-            <p:ph idx="1"/>
-          </p:nvPr>
-        </p:nvSpPr>
-        <p:spPr>
-          <a:xfrm>
-            <a:off x="483848" y="1150913"/>
-            <a:ext cx="8051725" cy="4440590"/>
-          </a:xfrm>
-        </p:spPr>
-        <p:txBody>
-          <a:bodyPr>
-            <a:noAutofit/>
-          </a:bodyPr>
-          <a:lstStyle/>
-          <a:p>
-            <a:pPr marL="0" indent="0">
-              <a:buNone/>
-            </a:pPr>
-            <a:endParaRPr lang="en-US" dirty="0"/>
-          </a:p>
-          <a:p>
-            <a:pPr marL="0" indent="0">
-              <a:buNone/>
-            </a:pPr>
-            <a:endParaRPr lang="en-US" dirty="0"/>
-          </a:p>
-          <a:p>
-            <a:pPr marL="457200" indent="-457200">
-              <a:buAutoNum type="arabicParenR"/>
-            </a:pPr>
-            <a:r>
-              <a:rPr lang="en-US" dirty="0" err="1"/>
-              <a:t>Vanderplas</a:t>
-            </a:r>
-            <a:r>
-              <a:rPr lang="en-US" dirty="0"/>
-              <a:t>, Jake, A Whirlwind Tour of Python, </a:t>
-            </a:r>
-            <a:r>
-              <a:rPr lang="en-US" dirty="0" err="1"/>
-              <a:t>O’reilly</a:t>
-            </a:r>
-            <a:r>
-              <a:rPr lang="en-US" dirty="0"/>
-              <a:t> Media. </a:t>
-            </a:r>
-          </a:p>
-          <a:p>
-            <a:pPr marL="457200" indent="-457200">
-              <a:buAutoNum type="arabicParenR"/>
-            </a:pPr>
-            <a:r>
-              <a:rPr lang="en-US" dirty="0" err="1"/>
-              <a:t>Halterman</a:t>
-            </a:r>
-            <a:r>
-              <a:rPr lang="en-US" dirty="0"/>
-              <a:t>, Richard, Fundamentals of </a:t>
-            </a:r>
-            <a:r>
-              <a:rPr lang="en-US"/>
-              <a:t>Python Programming.</a:t>
-            </a:r>
-            <a:endParaRPr lang="en-US" dirty="0"/>
-          </a:p>
-          <a:p>
-            <a:pPr marL="0" indent="0">
-              <a:buNone/>
-            </a:pPr>
-            <a:endParaRPr lang="en-US" dirty="0"/>
-          </a:p>
-        </p:txBody>
-      </p:sp>
-    </p:spTree>
-    <p:extLst>
-      <p:ext uri="{BB962C8B-B14F-4D97-AF65-F5344CB8AC3E}">
-        <p14:creationId xmlns:p14="http://schemas.microsoft.com/office/powerpoint/2010/main" val="1438711869"/>
-      </p:ext>
-    </p:extLst>
-  </p:cSld>
-  <p:clrMapOvr>
-    <a:masterClrMapping/>
-  </p:clrMapOvr>
 </p:sld>
 </file>
 
@@ -28373,6 +31521,35 @@
           </a:p>
         </p:txBody>
       </p:sp>
+      <p:sp>
+        <p:nvSpPr>
+          <p:cNvPr id="4" name="Slide Number Placeholder 3">
+            <a:extLst>
+              <a:ext uri="{FF2B5EF4-FFF2-40B4-BE49-F238E27FC236}">
+                <a16:creationId xmlns:a16="http://schemas.microsoft.com/office/drawing/2014/main" id="{7AAE2AC7-F113-5D43-9B5A-A819B0B0C311}"/>
+              </a:ext>
+            </a:extLst>
+          </p:cNvPr>
+          <p:cNvSpPr>
+            <a:spLocks noGrp="1"/>
+          </p:cNvSpPr>
+          <p:nvPr>
+            <p:ph type="sldNum" sz="quarter" idx="12"/>
+          </p:nvPr>
+        </p:nvSpPr>
+        <p:spPr/>
+        <p:txBody>
+          <a:bodyPr/>
+          <a:lstStyle/>
+          <a:p>
+            <a:fld id="{D57F1E4F-1CFF-5643-939E-02111984F565}" type="slidenum">
+              <a:rPr lang="en-US" smtClean="0"/>
+              <a:t>4</a:t>
+            </a:fld>
+            <a:endParaRPr lang="en-US" dirty="0"/>
+          </a:p>
+        </p:txBody>
+      </p:sp>
     </p:spTree>
     <p:extLst>
       <p:ext uri="{BB962C8B-B14F-4D97-AF65-F5344CB8AC3E}">
@@ -28404,7 +31581,7 @@
                             </p:stCondLst>
                             <p:childTnLst>
                               <p:par>
-                                <p:cTn id="5" presetID="1" presetClass="entr" presetSubtype="0" fill="hold" grpId="0" nodeType="clickEffect">
+                                <p:cTn id="5" presetID="1" presetClass="entr" presetSubtype="0" fill="hold" nodeType="clickEffect">
                                   <p:stCondLst>
                                     <p:cond delay="0"/>
                                   </p:stCondLst>
@@ -28417,7 +31594,432 @@
                                           </p:stCondLst>
                                         </p:cTn>
                                         <p:tgtEl>
-                                          <p:spTgt spid="3"/>
+                                          <p:spTgt spid="9">
+                                            <p:txEl>
+                                              <p:pRg st="2" end="2"/>
+                                            </p:txEl>
+                                          </p:spTgt>
+                                        </p:tgtEl>
+                                        <p:attrNameLst>
+                                          <p:attrName>style.visibility</p:attrName>
+                                        </p:attrNameLst>
+                                      </p:cBhvr>
+                                      <p:to>
+                                        <p:strVal val="visible"/>
+                                      </p:to>
+                                    </p:set>
+                                  </p:childTnLst>
+                                </p:cTn>
+                              </p:par>
+                              <p:par>
+                                <p:cTn id="7" presetID="1" presetClass="entr" presetSubtype="0" fill="hold" nodeType="withEffect">
+                                  <p:stCondLst>
+                                    <p:cond delay="0"/>
+                                  </p:stCondLst>
+                                  <p:childTnLst>
+                                    <p:set>
+                                      <p:cBhvr>
+                                        <p:cTn id="8" dur="1" fill="hold">
+                                          <p:stCondLst>
+                                            <p:cond delay="0"/>
+                                          </p:stCondLst>
+                                        </p:cTn>
+                                        <p:tgtEl>
+                                          <p:spTgt spid="9">
+                                            <p:txEl>
+                                              <p:pRg st="3" end="3"/>
+                                            </p:txEl>
+                                          </p:spTgt>
+                                        </p:tgtEl>
+                                        <p:attrNameLst>
+                                          <p:attrName>style.visibility</p:attrName>
+                                        </p:attrNameLst>
+                                      </p:cBhvr>
+                                      <p:to>
+                                        <p:strVal val="visible"/>
+                                      </p:to>
+                                    </p:set>
+                                  </p:childTnLst>
+                                </p:cTn>
+                              </p:par>
+                              <p:par>
+                                <p:cTn id="9" presetID="1" presetClass="entr" presetSubtype="0" fill="hold" nodeType="withEffect">
+                                  <p:stCondLst>
+                                    <p:cond delay="0"/>
+                                  </p:stCondLst>
+                                  <p:childTnLst>
+                                    <p:set>
+                                      <p:cBhvr>
+                                        <p:cTn id="10" dur="1" fill="hold">
+                                          <p:stCondLst>
+                                            <p:cond delay="0"/>
+                                          </p:stCondLst>
+                                        </p:cTn>
+                                        <p:tgtEl>
+                                          <p:spTgt spid="9">
+                                            <p:txEl>
+                                              <p:pRg st="4" end="4"/>
+                                            </p:txEl>
+                                          </p:spTgt>
+                                        </p:tgtEl>
+                                        <p:attrNameLst>
+                                          <p:attrName>style.visibility</p:attrName>
+                                        </p:attrNameLst>
+                                      </p:cBhvr>
+                                      <p:to>
+                                        <p:strVal val="visible"/>
+                                      </p:to>
+                                    </p:set>
+                                  </p:childTnLst>
+                                </p:cTn>
+                              </p:par>
+                              <p:par>
+                                <p:cTn id="11" presetID="1" presetClass="entr" presetSubtype="0" fill="hold" nodeType="withEffect">
+                                  <p:stCondLst>
+                                    <p:cond delay="0"/>
+                                  </p:stCondLst>
+                                  <p:childTnLst>
+                                    <p:set>
+                                      <p:cBhvr>
+                                        <p:cTn id="12" dur="1" fill="hold">
+                                          <p:stCondLst>
+                                            <p:cond delay="0"/>
+                                          </p:stCondLst>
+                                        </p:cTn>
+                                        <p:tgtEl>
+                                          <p:spTgt spid="9">
+                                            <p:txEl>
+                                              <p:pRg st="5" end="5"/>
+                                            </p:txEl>
+                                          </p:spTgt>
+                                        </p:tgtEl>
+                                        <p:attrNameLst>
+                                          <p:attrName>style.visibility</p:attrName>
+                                        </p:attrNameLst>
+                                      </p:cBhvr>
+                                      <p:to>
+                                        <p:strVal val="visible"/>
+                                      </p:to>
+                                    </p:set>
+                                  </p:childTnLst>
+                                </p:cTn>
+                              </p:par>
+                              <p:par>
+                                <p:cTn id="13" presetID="1" presetClass="entr" presetSubtype="0" fill="hold" nodeType="withEffect">
+                                  <p:stCondLst>
+                                    <p:cond delay="0"/>
+                                  </p:stCondLst>
+                                  <p:childTnLst>
+                                    <p:set>
+                                      <p:cBhvr>
+                                        <p:cTn id="14" dur="1" fill="hold">
+                                          <p:stCondLst>
+                                            <p:cond delay="0"/>
+                                          </p:stCondLst>
+                                        </p:cTn>
+                                        <p:tgtEl>
+                                          <p:spTgt spid="9">
+                                            <p:txEl>
+                                              <p:pRg st="6" end="6"/>
+                                            </p:txEl>
+                                          </p:spTgt>
+                                        </p:tgtEl>
+                                        <p:attrNameLst>
+                                          <p:attrName>style.visibility</p:attrName>
+                                        </p:attrNameLst>
+                                      </p:cBhvr>
+                                      <p:to>
+                                        <p:strVal val="visible"/>
+                                      </p:to>
+                                    </p:set>
+                                  </p:childTnLst>
+                                </p:cTn>
+                              </p:par>
+                              <p:par>
+                                <p:cTn id="15" presetID="1" presetClass="entr" presetSubtype="0" fill="hold" nodeType="withEffect">
+                                  <p:stCondLst>
+                                    <p:cond delay="0"/>
+                                  </p:stCondLst>
+                                  <p:childTnLst>
+                                    <p:set>
+                                      <p:cBhvr>
+                                        <p:cTn id="16" dur="1" fill="hold">
+                                          <p:stCondLst>
+                                            <p:cond delay="0"/>
+                                          </p:stCondLst>
+                                        </p:cTn>
+                                        <p:tgtEl>
+                                          <p:spTgt spid="9">
+                                            <p:txEl>
+                                              <p:pRg st="8" end="8"/>
+                                            </p:txEl>
+                                          </p:spTgt>
+                                        </p:tgtEl>
+                                        <p:attrNameLst>
+                                          <p:attrName>style.visibility</p:attrName>
+                                        </p:attrNameLst>
+                                      </p:cBhvr>
+                                      <p:to>
+                                        <p:strVal val="visible"/>
+                                      </p:to>
+                                    </p:set>
+                                  </p:childTnLst>
+                                </p:cTn>
+                              </p:par>
+                              <p:par>
+                                <p:cTn id="17" presetID="1" presetClass="entr" presetSubtype="0" fill="hold" nodeType="withEffect">
+                                  <p:stCondLst>
+                                    <p:cond delay="0"/>
+                                  </p:stCondLst>
+                                  <p:childTnLst>
+                                    <p:set>
+                                      <p:cBhvr>
+                                        <p:cTn id="18" dur="1" fill="hold">
+                                          <p:stCondLst>
+                                            <p:cond delay="0"/>
+                                          </p:stCondLst>
+                                        </p:cTn>
+                                        <p:tgtEl>
+                                          <p:spTgt spid="9">
+                                            <p:txEl>
+                                              <p:pRg st="9" end="9"/>
+                                            </p:txEl>
+                                          </p:spTgt>
+                                        </p:tgtEl>
+                                        <p:attrNameLst>
+                                          <p:attrName>style.visibility</p:attrName>
+                                        </p:attrNameLst>
+                                      </p:cBhvr>
+                                      <p:to>
+                                        <p:strVal val="visible"/>
+                                      </p:to>
+                                    </p:set>
+                                  </p:childTnLst>
+                                </p:cTn>
+                              </p:par>
+                              <p:par>
+                                <p:cTn id="19" presetID="1" presetClass="entr" presetSubtype="0" fill="hold" nodeType="withEffect">
+                                  <p:stCondLst>
+                                    <p:cond delay="0"/>
+                                  </p:stCondLst>
+                                  <p:childTnLst>
+                                    <p:set>
+                                      <p:cBhvr>
+                                        <p:cTn id="20" dur="1" fill="hold">
+                                          <p:stCondLst>
+                                            <p:cond delay="0"/>
+                                          </p:stCondLst>
+                                        </p:cTn>
+                                        <p:tgtEl>
+                                          <p:spTgt spid="9">
+                                            <p:txEl>
+                                              <p:pRg st="10" end="10"/>
+                                            </p:txEl>
+                                          </p:spTgt>
+                                        </p:tgtEl>
+                                        <p:attrNameLst>
+                                          <p:attrName>style.visibility</p:attrName>
+                                        </p:attrNameLst>
+                                      </p:cBhvr>
+                                      <p:to>
+                                        <p:strVal val="visible"/>
+                                      </p:to>
+                                    </p:set>
+                                  </p:childTnLst>
+                                </p:cTn>
+                              </p:par>
+                              <p:par>
+                                <p:cTn id="21" presetID="1" presetClass="entr" presetSubtype="0" fill="hold" nodeType="withEffect">
+                                  <p:stCondLst>
+                                    <p:cond delay="0"/>
+                                  </p:stCondLst>
+                                  <p:childTnLst>
+                                    <p:set>
+                                      <p:cBhvr>
+                                        <p:cTn id="22" dur="1" fill="hold">
+                                          <p:stCondLst>
+                                            <p:cond delay="0"/>
+                                          </p:stCondLst>
+                                        </p:cTn>
+                                        <p:tgtEl>
+                                          <p:spTgt spid="9">
+                                            <p:txEl>
+                                              <p:pRg st="11" end="11"/>
+                                            </p:txEl>
+                                          </p:spTgt>
+                                        </p:tgtEl>
+                                        <p:attrNameLst>
+                                          <p:attrName>style.visibility</p:attrName>
+                                        </p:attrNameLst>
+                                      </p:cBhvr>
+                                      <p:to>
+                                        <p:strVal val="visible"/>
+                                      </p:to>
+                                    </p:set>
+                                  </p:childTnLst>
+                                </p:cTn>
+                              </p:par>
+                              <p:par>
+                                <p:cTn id="23" presetID="1" presetClass="entr" presetSubtype="0" fill="hold" nodeType="withEffect">
+                                  <p:stCondLst>
+                                    <p:cond delay="0"/>
+                                  </p:stCondLst>
+                                  <p:childTnLst>
+                                    <p:set>
+                                      <p:cBhvr>
+                                        <p:cTn id="24" dur="1" fill="hold">
+                                          <p:stCondLst>
+                                            <p:cond delay="0"/>
+                                          </p:stCondLst>
+                                        </p:cTn>
+                                        <p:tgtEl>
+                                          <p:spTgt spid="9">
+                                            <p:txEl>
+                                              <p:pRg st="12" end="12"/>
+                                            </p:txEl>
+                                          </p:spTgt>
+                                        </p:tgtEl>
+                                        <p:attrNameLst>
+                                          <p:attrName>style.visibility</p:attrName>
+                                        </p:attrNameLst>
+                                      </p:cBhvr>
+                                      <p:to>
+                                        <p:strVal val="visible"/>
+                                      </p:to>
+                                    </p:set>
+                                  </p:childTnLst>
+                                </p:cTn>
+                              </p:par>
+                            </p:childTnLst>
+                          </p:cTn>
+                        </p:par>
+                      </p:childTnLst>
+                    </p:cTn>
+                  </p:par>
+                  <p:par>
+                    <p:cTn id="25" fill="hold">
+                      <p:stCondLst>
+                        <p:cond delay="indefinite"/>
+                      </p:stCondLst>
+                      <p:childTnLst>
+                        <p:par>
+                          <p:cTn id="26" fill="hold">
+                            <p:stCondLst>
+                              <p:cond delay="0"/>
+                            </p:stCondLst>
+                            <p:childTnLst>
+                              <p:par>
+                                <p:cTn id="27" presetID="1" presetClass="entr" presetSubtype="0" fill="hold" nodeType="clickEffect">
+                                  <p:stCondLst>
+                                    <p:cond delay="0"/>
+                                  </p:stCondLst>
+                                  <p:childTnLst>
+                                    <p:set>
+                                      <p:cBhvr>
+                                        <p:cTn id="28" dur="1" fill="hold">
+                                          <p:stCondLst>
+                                            <p:cond delay="0"/>
+                                          </p:stCondLst>
+                                        </p:cTn>
+                                        <p:tgtEl>
+                                          <p:spTgt spid="3">
+                                            <p:txEl>
+                                              <p:pRg st="0" end="0"/>
+                                            </p:txEl>
+                                          </p:spTgt>
+                                        </p:tgtEl>
+                                        <p:attrNameLst>
+                                          <p:attrName>style.visibility</p:attrName>
+                                        </p:attrNameLst>
+                                      </p:cBhvr>
+                                      <p:to>
+                                        <p:strVal val="visible"/>
+                                      </p:to>
+                                    </p:set>
+                                  </p:childTnLst>
+                                </p:cTn>
+                              </p:par>
+                              <p:par>
+                                <p:cTn id="29" presetID="1" presetClass="entr" presetSubtype="0" fill="hold" nodeType="withEffect">
+                                  <p:stCondLst>
+                                    <p:cond delay="0"/>
+                                  </p:stCondLst>
+                                  <p:childTnLst>
+                                    <p:set>
+                                      <p:cBhvr>
+                                        <p:cTn id="30" dur="1" fill="hold">
+                                          <p:stCondLst>
+                                            <p:cond delay="0"/>
+                                          </p:stCondLst>
+                                        </p:cTn>
+                                        <p:tgtEl>
+                                          <p:spTgt spid="3">
+                                            <p:txEl>
+                                              <p:pRg st="1" end="1"/>
+                                            </p:txEl>
+                                          </p:spTgt>
+                                        </p:tgtEl>
+                                        <p:attrNameLst>
+                                          <p:attrName>style.visibility</p:attrName>
+                                        </p:attrNameLst>
+                                      </p:cBhvr>
+                                      <p:to>
+                                        <p:strVal val="visible"/>
+                                      </p:to>
+                                    </p:set>
+                                  </p:childTnLst>
+                                </p:cTn>
+                              </p:par>
+                              <p:par>
+                                <p:cTn id="31" presetID="1" presetClass="entr" presetSubtype="0" fill="hold" nodeType="withEffect">
+                                  <p:stCondLst>
+                                    <p:cond delay="0"/>
+                                  </p:stCondLst>
+                                  <p:childTnLst>
+                                    <p:set>
+                                      <p:cBhvr>
+                                        <p:cTn id="32" dur="1" fill="hold">
+                                          <p:stCondLst>
+                                            <p:cond delay="0"/>
+                                          </p:stCondLst>
+                                        </p:cTn>
+                                        <p:tgtEl>
+                                          <p:spTgt spid="3">
+                                            <p:txEl>
+                                              <p:pRg st="2" end="2"/>
+                                            </p:txEl>
+                                          </p:spTgt>
+                                        </p:tgtEl>
+                                        <p:attrNameLst>
+                                          <p:attrName>style.visibility</p:attrName>
+                                        </p:attrNameLst>
+                                      </p:cBhvr>
+                                      <p:to>
+                                        <p:strVal val="visible"/>
+                                      </p:to>
+                                    </p:set>
+                                  </p:childTnLst>
+                                </p:cTn>
+                              </p:par>
+                              <p:par>
+                                <p:cTn id="33" presetID="1" presetClass="entr" presetSubtype="0" fill="hold" nodeType="withEffect">
+                                  <p:stCondLst>
+                                    <p:cond delay="0"/>
+                                  </p:stCondLst>
+                                  <p:childTnLst>
+                                    <p:set>
+                                      <p:cBhvr>
+                                        <p:cTn id="34" dur="1" fill="hold">
+                                          <p:stCondLst>
+                                            <p:cond delay="0"/>
+                                          </p:stCondLst>
+                                        </p:cTn>
+                                        <p:tgtEl>
+                                          <p:spTgt spid="3">
+                                            <p:txEl>
+                                              <p:pRg st="3" end="3"/>
+                                            </p:txEl>
+                                          </p:spTgt>
                                         </p:tgtEl>
                                         <p:attrNameLst>
                                           <p:attrName>style.visibility</p:attrName>
@@ -28457,10 +32059,185 @@
         </p:cTn>
       </p:par>
     </p:tnLst>
-    <p:bldLst>
-      <p:bldP spid="3" grpId="0"/>
-    </p:bldLst>
   </p:timing>
+</p:sld>
+</file>
+
+<file path=ppt/slides/slide40.xml><?xml version="1.0" encoding="utf-8"?>
+<p:sld xmlns:a="http://schemas.openxmlformats.org/drawingml/2006/main" xmlns:r="http://schemas.openxmlformats.org/officeDocument/2006/relationships" xmlns:p="http://schemas.openxmlformats.org/presentationml/2006/main">
+  <p:cSld>
+    <p:spTree>
+      <p:nvGrpSpPr>
+        <p:cNvPr id="1" name=""/>
+        <p:cNvGrpSpPr/>
+        <p:nvPr/>
+      </p:nvGrpSpPr>
+      <p:grpSpPr>
+        <a:xfrm>
+          <a:off x="0" y="0"/>
+          <a:ext cx="0" cy="0"/>
+          <a:chOff x="0" y="0"/>
+          <a:chExt cx="0" cy="0"/>
+        </a:xfrm>
+      </p:grpSpPr>
+      <p:sp>
+        <p:nvSpPr>
+          <p:cNvPr id="2" name="Title 1">
+            <a:extLst>
+              <a:ext uri="{FF2B5EF4-FFF2-40B4-BE49-F238E27FC236}">
+                <a16:creationId xmlns:a16="http://schemas.microsoft.com/office/drawing/2014/main" id="{AA3A228F-61D0-D949-A5E7-F83756230BF8}"/>
+              </a:ext>
+            </a:extLst>
+          </p:cNvPr>
+          <p:cNvSpPr>
+            <a:spLocks noGrp="1"/>
+          </p:cNvSpPr>
+          <p:nvPr>
+            <p:ph type="title"/>
+          </p:nvPr>
+        </p:nvSpPr>
+        <p:spPr>
+          <a:xfrm>
+            <a:off x="483848" y="467027"/>
+            <a:ext cx="7053542" cy="683886"/>
+          </a:xfrm>
+        </p:spPr>
+        <p:txBody>
+          <a:bodyPr/>
+          <a:lstStyle/>
+          <a:p>
+            <a:r>
+              <a:rPr lang="en-US" dirty="0"/>
+              <a:t>References</a:t>
+            </a:r>
+          </a:p>
+        </p:txBody>
+      </p:sp>
+      <p:sp>
+        <p:nvSpPr>
+          <p:cNvPr id="9" name="Content Placeholder 8">
+            <a:extLst>
+              <a:ext uri="{FF2B5EF4-FFF2-40B4-BE49-F238E27FC236}">
+                <a16:creationId xmlns:a16="http://schemas.microsoft.com/office/drawing/2014/main" id="{E3B2E017-30B2-884B-A113-B419A2ED51AD}"/>
+              </a:ext>
+            </a:extLst>
+          </p:cNvPr>
+          <p:cNvSpPr>
+            <a:spLocks noGrp="1"/>
+          </p:cNvSpPr>
+          <p:nvPr>
+            <p:ph idx="1"/>
+          </p:nvPr>
+        </p:nvSpPr>
+        <p:spPr>
+          <a:xfrm>
+            <a:off x="483848" y="1150913"/>
+            <a:ext cx="8051725" cy="4440590"/>
+          </a:xfrm>
+        </p:spPr>
+        <p:txBody>
+          <a:bodyPr>
+            <a:noAutofit/>
+          </a:bodyPr>
+          <a:lstStyle/>
+          <a:p>
+            <a:pPr marL="0" indent="0">
+              <a:buNone/>
+            </a:pPr>
+            <a:endParaRPr lang="en-US" dirty="0"/>
+          </a:p>
+          <a:p>
+            <a:pPr marL="0" indent="0">
+              <a:buNone/>
+            </a:pPr>
+            <a:endParaRPr lang="en-US" dirty="0"/>
+          </a:p>
+          <a:p>
+            <a:pPr marL="457200" indent="-457200">
+              <a:buAutoNum type="arabicParenR"/>
+            </a:pPr>
+            <a:r>
+              <a:rPr lang="en-US" dirty="0" err="1"/>
+              <a:t>Vanderplas</a:t>
+            </a:r>
+            <a:r>
+              <a:rPr lang="en-US" dirty="0"/>
+              <a:t>, Jake, A Whirlwind Tour of Python, </a:t>
+            </a:r>
+            <a:r>
+              <a:rPr lang="en-US" dirty="0" err="1"/>
+              <a:t>O’reilly</a:t>
+            </a:r>
+            <a:r>
+              <a:rPr lang="en-US" dirty="0"/>
+              <a:t> Media. </a:t>
+            </a:r>
+          </a:p>
+          <a:p>
+            <a:pPr marL="457200" indent="-457200">
+              <a:buAutoNum type="arabicParenR"/>
+            </a:pPr>
+            <a:r>
+              <a:rPr lang="en-US" dirty="0" err="1"/>
+              <a:t>Halterman</a:t>
+            </a:r>
+            <a:r>
+              <a:rPr lang="en-US" dirty="0"/>
+              <a:t>, Richard, Fundamentals of </a:t>
+            </a:r>
+            <a:r>
+              <a:rPr lang="en-US"/>
+              <a:t>Python Programming.</a:t>
+            </a:r>
+            <a:endParaRPr lang="en-US" dirty="0"/>
+          </a:p>
+          <a:p>
+            <a:pPr marL="0" indent="0">
+              <a:buNone/>
+            </a:pPr>
+            <a:endParaRPr lang="en-US" dirty="0"/>
+          </a:p>
+        </p:txBody>
+      </p:sp>
+      <p:sp>
+        <p:nvSpPr>
+          <p:cNvPr id="3" name="Slide Number Placeholder 2">
+            <a:extLst>
+              <a:ext uri="{FF2B5EF4-FFF2-40B4-BE49-F238E27FC236}">
+                <a16:creationId xmlns:a16="http://schemas.microsoft.com/office/drawing/2014/main" id="{6CF8947F-3BCC-234A-A9F1-BDE54AE0CAA7}"/>
+              </a:ext>
+            </a:extLst>
+          </p:cNvPr>
+          <p:cNvSpPr>
+            <a:spLocks noGrp="1"/>
+          </p:cNvSpPr>
+          <p:nvPr>
+            <p:ph type="sldNum" sz="quarter" idx="12"/>
+          </p:nvPr>
+        </p:nvSpPr>
+        <p:spPr/>
+        <p:txBody>
+          <a:bodyPr/>
+          <a:lstStyle/>
+          <a:p>
+            <a:fld id="{D57F1E4F-1CFF-5643-939E-02111984F565}" type="slidenum">
+              <a:rPr lang="en-US" smtClean="0"/>
+              <a:t>40</a:t>
+            </a:fld>
+            <a:endParaRPr lang="en-US" dirty="0"/>
+          </a:p>
+        </p:txBody>
+      </p:sp>
+    </p:spTree>
+    <p:extLst>
+      <p:ext uri="{BB962C8B-B14F-4D97-AF65-F5344CB8AC3E}">
+        <p14:creationId xmlns:p14="http://schemas.microsoft.com/office/powerpoint/2010/main" val="1438711869"/>
+      </p:ext>
+    </p:extLst>
+  </p:cSld>
+  <p:clrMapOvr>
+    <a:masterClrMapping/>
+  </p:clrMapOvr>
 </p:sld>
 </file>
 
@@ -28674,6 +32451,35 @@
               <a:buNone/>
             </a:pPr>
             <a:endParaRPr lang="en-US" sz="2000" dirty="0"/>
+          </a:p>
+        </p:txBody>
+      </p:sp>
+      <p:sp>
+        <p:nvSpPr>
+          <p:cNvPr id="3" name="Slide Number Placeholder 2">
+            <a:extLst>
+              <a:ext uri="{FF2B5EF4-FFF2-40B4-BE49-F238E27FC236}">
+                <a16:creationId xmlns:a16="http://schemas.microsoft.com/office/drawing/2014/main" id="{76B609F7-28C8-3C4C-9191-B3A08C9BCB33}"/>
+              </a:ext>
+            </a:extLst>
+          </p:cNvPr>
+          <p:cNvSpPr>
+            <a:spLocks noGrp="1"/>
+          </p:cNvSpPr>
+          <p:nvPr>
+            <p:ph type="sldNum" sz="quarter" idx="12"/>
+          </p:nvPr>
+        </p:nvSpPr>
+        <p:spPr/>
+        <p:txBody>
+          <a:bodyPr/>
+          <a:lstStyle/>
+          <a:p>
+            <a:fld id="{D57F1E4F-1CFF-5643-939E-02111984F565}" type="slidenum">
+              <a:rPr lang="en-US" smtClean="0"/>
+              <a:t>5</a:t>
+            </a:fld>
+            <a:endParaRPr lang="en-US" dirty="0"/>
           </a:p>
         </p:txBody>
       </p:sp>
@@ -29508,6 +33314,35 @@
           </a:fontRef>
         </p:style>
       </p:cxnSp>
+      <p:sp>
+        <p:nvSpPr>
+          <p:cNvPr id="4" name="Slide Number Placeholder 3">
+            <a:extLst>
+              <a:ext uri="{FF2B5EF4-FFF2-40B4-BE49-F238E27FC236}">
+                <a16:creationId xmlns:a16="http://schemas.microsoft.com/office/drawing/2014/main" id="{E250E696-9286-3543-8BCD-970476AB99B0}"/>
+              </a:ext>
+            </a:extLst>
+          </p:cNvPr>
+          <p:cNvSpPr>
+            <a:spLocks noGrp="1"/>
+          </p:cNvSpPr>
+          <p:nvPr>
+            <p:ph type="sldNum" sz="quarter" idx="12"/>
+          </p:nvPr>
+        </p:nvSpPr>
+        <p:spPr/>
+        <p:txBody>
+          <a:bodyPr/>
+          <a:lstStyle/>
+          <a:p>
+            <a:fld id="{D57F1E4F-1CFF-5643-939E-02111984F565}" type="slidenum">
+              <a:rPr lang="en-US" smtClean="0"/>
+              <a:t>6</a:t>
+            </a:fld>
+            <a:endParaRPr lang="en-US" dirty="0"/>
+          </a:p>
+        </p:txBody>
+      </p:sp>
     </p:spTree>
     <p:extLst>
       <p:ext uri="{BB962C8B-B14F-4D97-AF65-F5344CB8AC3E}">
@@ -29864,6 +33699,35 @@
               </a:rPr>
               <a:t>	block of code</a:t>
             </a:r>
+            <a:endParaRPr lang="en-US" dirty="0"/>
+          </a:p>
+        </p:txBody>
+      </p:sp>
+      <p:sp>
+        <p:nvSpPr>
+          <p:cNvPr id="3" name="Slide Number Placeholder 2">
+            <a:extLst>
+              <a:ext uri="{FF2B5EF4-FFF2-40B4-BE49-F238E27FC236}">
+                <a16:creationId xmlns:a16="http://schemas.microsoft.com/office/drawing/2014/main" id="{874A9731-7B6D-E44E-AB5A-807E46321435}"/>
+              </a:ext>
+            </a:extLst>
+          </p:cNvPr>
+          <p:cNvSpPr>
+            <a:spLocks noGrp="1"/>
+          </p:cNvSpPr>
+          <p:nvPr>
+            <p:ph type="sldNum" sz="quarter" idx="12"/>
+          </p:nvPr>
+        </p:nvSpPr>
+        <p:spPr/>
+        <p:txBody>
+          <a:bodyPr/>
+          <a:lstStyle/>
+          <a:p>
+            <a:fld id="{D57F1E4F-1CFF-5643-939E-02111984F565}" type="slidenum">
+              <a:rPr lang="en-US" smtClean="0"/>
+              <a:t>7</a:t>
+            </a:fld>
             <a:endParaRPr lang="en-US" dirty="0"/>
           </a:p>
         </p:txBody>
@@ -30790,6 +34654,35 @@
           </a:p>
         </p:txBody>
       </p:sp>
+      <p:sp>
+        <p:nvSpPr>
+          <p:cNvPr id="3" name="Slide Number Placeholder 2">
+            <a:extLst>
+              <a:ext uri="{FF2B5EF4-FFF2-40B4-BE49-F238E27FC236}">
+                <a16:creationId xmlns:a16="http://schemas.microsoft.com/office/drawing/2014/main" id="{74B9B413-4163-1042-9DF5-434FE0E559C2}"/>
+              </a:ext>
+            </a:extLst>
+          </p:cNvPr>
+          <p:cNvSpPr>
+            <a:spLocks noGrp="1"/>
+          </p:cNvSpPr>
+          <p:nvPr>
+            <p:ph type="sldNum" sz="quarter" idx="12"/>
+          </p:nvPr>
+        </p:nvSpPr>
+        <p:spPr/>
+        <p:txBody>
+          <a:bodyPr/>
+          <a:lstStyle/>
+          <a:p>
+            <a:fld id="{D57F1E4F-1CFF-5643-939E-02111984F565}" type="slidenum">
+              <a:rPr lang="en-US" smtClean="0"/>
+              <a:t>8</a:t>
+            </a:fld>
+            <a:endParaRPr lang="en-US" dirty="0"/>
+          </a:p>
+        </p:txBody>
+      </p:sp>
     </p:spTree>
     <p:extLst>
       <p:ext uri="{BB962C8B-B14F-4D97-AF65-F5344CB8AC3E}">
@@ -30821,7 +34714,7 @@
                             </p:stCondLst>
                             <p:childTnLst>
                               <p:par>
-                                <p:cTn id="5" presetID="1" presetClass="entr" presetSubtype="0" fill="hold" grpId="0" nodeType="clickEffect">
+                                <p:cTn id="5" presetID="1" presetClass="entr" presetSubtype="0" fill="hold" nodeType="clickEffect">
                                   <p:stCondLst>
                                     <p:cond delay="0"/>
                                   </p:stCondLst>
@@ -30834,7 +34727,11 @@
                                           </p:stCondLst>
                                         </p:cTn>
                                         <p:tgtEl>
-                                          <p:spTgt spid="8"/>
+                                          <p:spTgt spid="9">
+                                            <p:txEl>
+                                              <p:pRg st="1" end="1"/>
+                                            </p:txEl>
+                                          </p:spTgt>
                                         </p:tgtEl>
                                         <p:attrNameLst>
                                           <p:attrName>style.visibility</p:attrName>
@@ -30861,7 +34758,11 @@
                                           </p:stCondLst>
                                         </p:cTn>
                                         <p:tgtEl>
-                                          <p:spTgt spid="26"/>
+                                          <p:spTgt spid="9">
+                                            <p:txEl>
+                                              <p:pRg st="2" end="2"/>
+                                            </p:txEl>
+                                          </p:spTgt>
                                         </p:tgtEl>
                                         <p:attrNameLst>
                                           <p:attrName>style.visibility</p:attrName>
@@ -30874,26 +34775,39 @@
                                   </p:childTnLst>
                                 </p:cTn>
                               </p:par>
-                            </p:childTnLst>
-                          </p:cTn>
-                        </p:par>
-                      </p:childTnLst>
-                    </p:cTn>
-                  </p:par>
-                  <p:par>
-                    <p:cTn id="9" fill="hold">
-                      <p:stCondLst>
-                        <p:cond delay="indefinite"/>
-                      </p:stCondLst>
-                      <p:childTnLst>
-                        <p:par>
-                          <p:cTn id="10" fill="hold">
-                            <p:stCondLst>
-                              <p:cond delay="0"/>
-                            </p:stCondLst>
-                            <p:childTnLst>
                               <p:par>
-                                <p:cTn id="11" presetID="1" presetClass="entr" presetSubtype="0" fill="hold" nodeType="clickEffect">
+                                <p:cTn id="9" presetID="1" presetClass="entr" presetSubtype="0" fill="hold" nodeType="withEffect">
+                                  <p:stCondLst>
+                                    <p:cond delay="0"/>
+                                  </p:stCondLst>
+                                  <p:childTnLst>
+                                    <p:set>
+                                      <p:cBhvr>
+                                        <p:cTn id="10" dur="1" fill="hold">
+                                          <p:stCondLst>
+                                            <p:cond delay="0"/>
+                                          </p:stCondLst>
+                                        </p:cTn>
+                                        <p:tgtEl>
+                                          <p:spTgt spid="9">
+                                            <p:txEl>
+                                              <p:pRg st="3" end="3"/>
+                                            </p:txEl>
+                                          </p:spTgt>
+                                        </p:tgtEl>
+                                        <p:attrNameLst>
+                                          <p:attrName>style.visibility</p:attrName>
+                                        </p:attrNameLst>
+                                      </p:cBhvr>
+                                      <p:to>
+                                        <p:strVal val="visible"/>
+                                      </p:to>
+                                    </p:set>
+                                  </p:childTnLst>
+                                </p:cTn>
+                              </p:par>
+                              <p:par>
+                                <p:cTn id="11" presetID="1" presetClass="entr" presetSubtype="0" fill="hold" nodeType="withEffect">
                                   <p:stCondLst>
                                     <p:cond delay="0"/>
                                   </p:stCondLst>
@@ -30906,9 +34820,40 @@
                                           </p:stCondLst>
                                         </p:cTn>
                                         <p:tgtEl>
-                                          <p:spTgt spid="28">
+                                          <p:spTgt spid="9">
                                             <p:txEl>
-                                              <p:pRg st="0" end="0"/>
+                                              <p:pRg st="4" end="4"/>
+                                            </p:txEl>
+                                          </p:spTgt>
+                                        </p:tgtEl>
+                                        <p:attrNameLst>
+                                          <p:attrName>style.visibility</p:attrName>
+                                        </p:attrNameLst>
+                                      </p:cBhvr>
+                                      <p:to>
+                                        <p:strVal val="visible"/>
+                                      </p:to>
+                                    </p:set>
+                                  </p:childTnLst>
+                                </p:cTn>
+                              </p:par>
+                              <p:par>
+                                <p:cTn id="13" presetID="1" presetClass="entr" presetSubtype="0" fill="hold" nodeType="withEffect">
+                                  <p:stCondLst>
+                                    <p:cond delay="0"/>
+                                  </p:stCondLst>
+                                  <p:childTnLst>
+                                    <p:set>
+                                      <p:cBhvr>
+                                        <p:cTn id="14" dur="1" fill="hold">
+                                          <p:stCondLst>
+                                            <p:cond delay="0"/>
+                                          </p:stCondLst>
+                                        </p:cTn>
+                                        <p:tgtEl>
+                                          <p:spTgt spid="9">
+                                            <p:txEl>
+                                              <p:pRg st="5" end="5"/>
                                             </p:txEl>
                                           </p:spTgt>
                                         </p:tgtEl>
@@ -30930,36 +34875,32 @@
                     </p:cTn>
                   </p:par>
                   <p:par>
-                    <p:cTn id="13" fill="hold">
+                    <p:cTn id="15" fill="hold">
                       <p:stCondLst>
                         <p:cond delay="indefinite"/>
                       </p:stCondLst>
                       <p:childTnLst>
                         <p:par>
-                          <p:cTn id="14" fill="hold">
+                          <p:cTn id="16" fill="hold">
                             <p:stCondLst>
                               <p:cond delay="0"/>
                             </p:stCondLst>
                             <p:childTnLst>
                               <p:par>
-                                <p:cTn id="15" presetID="1" presetClass="entr" presetSubtype="0" fill="hold" nodeType="clickEffect">
+                                <p:cTn id="17" presetID="1" presetClass="entr" presetSubtype="0" fill="hold" grpId="0" nodeType="clickEffect">
                                   <p:stCondLst>
                                     <p:cond delay="0"/>
                                   </p:stCondLst>
                                   <p:childTnLst>
                                     <p:set>
                                       <p:cBhvr>
-                                        <p:cTn id="16" dur="1" fill="hold">
+                                        <p:cTn id="18" dur="1" fill="hold">
                                           <p:stCondLst>
                                             <p:cond delay="0"/>
                                           </p:stCondLst>
                                         </p:cTn>
                                         <p:tgtEl>
-                                          <p:spTgt spid="9">
-                                            <p:txEl>
-                                              <p:pRg st="7" end="7"/>
-                                            </p:txEl>
-                                          </p:spTgt>
+                                          <p:spTgt spid="8"/>
                                         </p:tgtEl>
                                         <p:attrNameLst>
                                           <p:attrName>style.visibility</p:attrName>
@@ -30972,26 +34913,8 @@
                                   </p:childTnLst>
                                 </p:cTn>
                               </p:par>
-                            </p:childTnLst>
-                          </p:cTn>
-                        </p:par>
-                      </p:childTnLst>
-                    </p:cTn>
-                  </p:par>
-                  <p:par>
-                    <p:cTn id="17" fill="hold">
-                      <p:stCondLst>
-                        <p:cond delay="indefinite"/>
-                      </p:stCondLst>
-                      <p:childTnLst>
-                        <p:par>
-                          <p:cTn id="18" fill="hold">
-                            <p:stCondLst>
-                              <p:cond delay="0"/>
-                            </p:stCondLst>
-                            <p:childTnLst>
                               <p:par>
-                                <p:cTn id="19" presetID="1" presetClass="entr" presetSubtype="0" fill="hold" nodeType="clickEffect">
+                                <p:cTn id="19" presetID="1" presetClass="entr" presetSubtype="0" fill="hold" nodeType="withEffect">
                                   <p:stCondLst>
                                     <p:cond delay="0"/>
                                   </p:stCondLst>
@@ -31004,11 +34927,7 @@
                                           </p:stCondLst>
                                         </p:cTn>
                                         <p:tgtEl>
-                                          <p:spTgt spid="9">
-                                            <p:txEl>
-                                              <p:pRg st="8" end="8"/>
-                                            </p:txEl>
-                                          </p:spTgt>
+                                          <p:spTgt spid="26"/>
                                         </p:tgtEl>
                                         <p:attrNameLst>
                                           <p:attrName>style.visibility</p:attrName>
@@ -31040,7 +34959,7 @@
                             </p:stCondLst>
                             <p:childTnLst>
                               <p:par>
-                                <p:cTn id="23" presetID="1" presetClass="entr" presetSubtype="0" fill="hold" nodeType="clickEffect">
+                                <p:cTn id="23" presetID="1" presetClass="entr" presetSubtype="0" fill="hold" grpId="0" nodeType="clickEffect">
                                   <p:stCondLst>
                                     <p:cond delay="0"/>
                                   </p:stCondLst>
@@ -31053,11 +34972,7 @@
                                           </p:stCondLst>
                                         </p:cTn>
                                         <p:tgtEl>
-                                          <p:spTgt spid="9">
-                                            <p:txEl>
-                                              <p:pRg st="9" end="9"/>
-                                            </p:txEl>
-                                          </p:spTgt>
+                                          <p:spTgt spid="28"/>
                                         </p:tgtEl>
                                         <p:attrNameLst>
                                           <p:attrName>style.visibility</p:attrName>
@@ -31089,7 +35004,7 @@
                             </p:stCondLst>
                             <p:childTnLst>
                               <p:par>
-                                <p:cTn id="27" presetID="1" presetClass="entr" presetSubtype="0" fill="hold" grpId="0" nodeType="clickEffect">
+                                <p:cTn id="27" presetID="1" presetClass="entr" presetSubtype="0" fill="hold" nodeType="clickEffect">
                                   <p:stCondLst>
                                     <p:cond delay="0"/>
                                   </p:stCondLst>
@@ -31102,7 +35017,154 @@
                                           </p:stCondLst>
                                         </p:cTn>
                                         <p:tgtEl>
-                                          <p:spTgt spid="25"/>
+                                          <p:spTgt spid="9">
+                                            <p:txEl>
+                                              <p:pRg st="7" end="7"/>
+                                            </p:txEl>
+                                          </p:spTgt>
+                                        </p:tgtEl>
+                                        <p:attrNameLst>
+                                          <p:attrName>style.visibility</p:attrName>
+                                        </p:attrNameLst>
+                                      </p:cBhvr>
+                                      <p:to>
+                                        <p:strVal val="visible"/>
+                                      </p:to>
+                                    </p:set>
+                                  </p:childTnLst>
+                                </p:cTn>
+                              </p:par>
+                            </p:childTnLst>
+                          </p:cTn>
+                        </p:par>
+                      </p:childTnLst>
+                    </p:cTn>
+                  </p:par>
+                  <p:par>
+                    <p:cTn id="29" fill="hold">
+                      <p:stCondLst>
+                        <p:cond delay="indefinite"/>
+                      </p:stCondLst>
+                      <p:childTnLst>
+                        <p:par>
+                          <p:cTn id="30" fill="hold">
+                            <p:stCondLst>
+                              <p:cond delay="0"/>
+                            </p:stCondLst>
+                            <p:childTnLst>
+                              <p:par>
+                                <p:cTn id="31" presetID="1" presetClass="entr" presetSubtype="0" fill="hold" nodeType="clickEffect">
+                                  <p:stCondLst>
+                                    <p:cond delay="0"/>
+                                  </p:stCondLst>
+                                  <p:childTnLst>
+                                    <p:set>
+                                      <p:cBhvr>
+                                        <p:cTn id="32" dur="1" fill="hold">
+                                          <p:stCondLst>
+                                            <p:cond delay="0"/>
+                                          </p:stCondLst>
+                                        </p:cTn>
+                                        <p:tgtEl>
+                                          <p:spTgt spid="9">
+                                            <p:txEl>
+                                              <p:pRg st="8" end="8"/>
+                                            </p:txEl>
+                                          </p:spTgt>
+                                        </p:tgtEl>
+                                        <p:attrNameLst>
+                                          <p:attrName>style.visibility</p:attrName>
+                                        </p:attrNameLst>
+                                      </p:cBhvr>
+                                      <p:to>
+                                        <p:strVal val="visible"/>
+                                      </p:to>
+                                    </p:set>
+                                  </p:childTnLst>
+                                </p:cTn>
+                              </p:par>
+                            </p:childTnLst>
+                          </p:cTn>
+                        </p:par>
+                      </p:childTnLst>
+                    </p:cTn>
+                  </p:par>
+                  <p:par>
+                    <p:cTn id="33" fill="hold">
+                      <p:stCondLst>
+                        <p:cond delay="indefinite"/>
+                      </p:stCondLst>
+                      <p:childTnLst>
+                        <p:par>
+                          <p:cTn id="34" fill="hold">
+                            <p:stCondLst>
+                              <p:cond delay="0"/>
+                            </p:stCondLst>
+                            <p:childTnLst>
+                              <p:par>
+                                <p:cTn id="35" presetID="1" presetClass="entr" presetSubtype="0" fill="hold" nodeType="clickEffect">
+                                  <p:stCondLst>
+                                    <p:cond delay="0"/>
+                                  </p:stCondLst>
+                                  <p:childTnLst>
+                                    <p:set>
+                                      <p:cBhvr>
+                                        <p:cTn id="36" dur="1" fill="hold">
+                                          <p:stCondLst>
+                                            <p:cond delay="0"/>
+                                          </p:stCondLst>
+                                        </p:cTn>
+                                        <p:tgtEl>
+                                          <p:spTgt spid="9">
+                                            <p:txEl>
+                                              <p:pRg st="9" end="9"/>
+                                            </p:txEl>
+                                          </p:spTgt>
+                                        </p:tgtEl>
+                                        <p:attrNameLst>
+                                          <p:attrName>style.visibility</p:attrName>
+                                        </p:attrNameLst>
+                                      </p:cBhvr>
+                                      <p:to>
+                                        <p:strVal val="visible"/>
+                                      </p:to>
+                                    </p:set>
+                                  </p:childTnLst>
+                                </p:cTn>
+                              </p:par>
+                            </p:childTnLst>
+                          </p:cTn>
+                        </p:par>
+                      </p:childTnLst>
+                    </p:cTn>
+                  </p:par>
+                  <p:par>
+                    <p:cTn id="37" fill="hold">
+                      <p:stCondLst>
+                        <p:cond delay="indefinite"/>
+                      </p:stCondLst>
+                      <p:childTnLst>
+                        <p:par>
+                          <p:cTn id="38" fill="hold">
+                            <p:stCondLst>
+                              <p:cond delay="0"/>
+                            </p:stCondLst>
+                            <p:childTnLst>
+                              <p:par>
+                                <p:cTn id="39" presetID="1" presetClass="entr" presetSubtype="0" fill="hold" nodeType="clickEffect">
+                                  <p:stCondLst>
+                                    <p:cond delay="0"/>
+                                  </p:stCondLst>
+                                  <p:childTnLst>
+                                    <p:set>
+                                      <p:cBhvr>
+                                        <p:cTn id="40" dur="1" fill="hold">
+                                          <p:stCondLst>
+                                            <p:cond delay="0"/>
+                                          </p:stCondLst>
+                                        </p:cTn>
+                                        <p:tgtEl>
+                                          <p:spTgt spid="18"/>
                                         </p:tgtEl>
                                         <p:attrNameLst>
                                           <p:attrName>style.visibility</p:attrName>
@@ -31116,14 +35178,14 @@
                                 </p:cTn>
                               </p:par>
                               <p:par>
-                                <p:cTn id="29" presetID="1" presetClass="entr" presetSubtype="0" fill="hold" nodeType="withEffect">
+                                <p:cTn id="41" presetID="1" presetClass="entr" presetSubtype="0" fill="hold" nodeType="withEffect">
                                   <p:stCondLst>
                                     <p:cond delay="0"/>
                                   </p:stCondLst>
                                   <p:childTnLst>
                                     <p:set>
                                       <p:cBhvr>
-                                        <p:cTn id="30" dur="1" fill="hold">
+                                        <p:cTn id="42" dur="1" fill="hold">
                                           <p:stCondLst>
                                             <p:cond delay="0"/>
                                           </p:stCondLst>
@@ -31143,20 +35205,20 @@
                                 </p:cTn>
                               </p:par>
                               <p:par>
-                                <p:cTn id="31" presetID="1" presetClass="entr" presetSubtype="0" fill="hold" nodeType="withEffect">
+                                <p:cTn id="43" presetID="1" presetClass="entr" presetSubtype="0" fill="hold" grpId="0" nodeType="withEffect">
                                   <p:stCondLst>
                                     <p:cond delay="0"/>
                                   </p:stCondLst>
                                   <p:childTnLst>
                                     <p:set>
                                       <p:cBhvr>
-                                        <p:cTn id="32" dur="1" fill="hold">
+                                        <p:cTn id="44" dur="1" fill="hold">
                                           <p:stCondLst>
                                             <p:cond delay="0"/>
                                           </p:stCondLst>
                                         </p:cTn>
                                         <p:tgtEl>
-                                          <p:spTgt spid="18"/>
+                                          <p:spTgt spid="25"/>
                                         </p:tgtEl>
                                         <p:attrNameLst>
                                           <p:attrName>style.visibility</p:attrName>
@@ -31199,6 +35261,7 @@
     <p:bldLst>
       <p:bldP spid="8" grpId="0"/>
       <p:bldP spid="25" grpId="0"/>
+      <p:bldP spid="28" grpId="0"/>
     </p:bldLst>
   </p:timing>
 </p:sld>
@@ -31553,7 +35616,7 @@
         </p:nvCxnSpPr>
         <p:spPr>
           <a:xfrm flipV="1">
-            <a:off x="876693" y="1307729"/>
+            <a:off x="1501533" y="1307729"/>
             <a:ext cx="339364" cy="2142481"/>
           </a:xfrm>
           <a:prstGeom prst="straightConnector1">
@@ -31634,6 +35697,35 @@
               </a:rPr>
               <a:t>Once this function call is done executing. This value of x is released from memory.</a:t>
             </a:r>
+          </a:p>
+        </p:txBody>
+      </p:sp>
+      <p:sp>
+        <p:nvSpPr>
+          <p:cNvPr id="3" name="Slide Number Placeholder 2">
+            <a:extLst>
+              <a:ext uri="{FF2B5EF4-FFF2-40B4-BE49-F238E27FC236}">
+                <a16:creationId xmlns:a16="http://schemas.microsoft.com/office/drawing/2014/main" id="{1B0F580D-D899-624F-8938-E37CBF85BE68}"/>
+              </a:ext>
+            </a:extLst>
+          </p:cNvPr>
+          <p:cNvSpPr>
+            <a:spLocks noGrp="1"/>
+          </p:cNvSpPr>
+          <p:nvPr>
+            <p:ph type="sldNum" sz="quarter" idx="12"/>
+          </p:nvPr>
+        </p:nvSpPr>
+        <p:spPr/>
+        <p:txBody>
+          <a:bodyPr/>
+          <a:lstStyle/>
+          <a:p>
+            <a:fld id="{D57F1E4F-1CFF-5643-939E-02111984F565}" type="slidenum">
+              <a:rPr lang="en-US" smtClean="0"/>
+              <a:t>9</a:t>
+            </a:fld>
+            <a:endParaRPr lang="en-US" dirty="0"/>
           </a:p>
         </p:txBody>
       </p:sp>

--- a/courses/apcsp/lect4.pptx
+++ b/courses/apcsp/lect4.pptx
@@ -157,7 +157,7 @@
 <file path=ppt/revisionInfo.xml><?xml version="1.0" encoding="utf-8"?>
 <p1510:revInfo xmlns:a="http://schemas.openxmlformats.org/drawingml/2006/main" xmlns:r="http://schemas.openxmlformats.org/officeDocument/2006/relationships" xmlns:p1510="http://schemas.microsoft.com/office/powerpoint/2015/10/main">
   <p1510:revLst>
-    <p1510:client id="{7CF42801-12ED-E04E-AC69-6FCBFB1E8006}" v="400" dt="2021-10-06T11:41:56.023"/>
+    <p1510:client id="{7CF42801-12ED-E04E-AC69-6FCBFB1E8006}" v="404" dt="2021-10-06T12:09:13.790"/>
   </p1510:revLst>
 </p1510:revInfo>
 </file>
@@ -3669,7 +3669,7 @@
   <pc:docChgLst>
     <pc:chgData name="Long B Nguyen" userId="f59fb8f3-a021-417a-8bc1-65c8d471c621" providerId="ADAL" clId="{7CF42801-12ED-E04E-AC69-6FCBFB1E8006}"/>
     <pc:docChg chg="undo custSel addSld modSld">
-      <pc:chgData name="Long B Nguyen" userId="f59fb8f3-a021-417a-8bc1-65c8d471c621" providerId="ADAL" clId="{7CF42801-12ED-E04E-AC69-6FCBFB1E8006}" dt="2021-10-06T11:41:56.023" v="947" actId="20577"/>
+      <pc:chgData name="Long B Nguyen" userId="f59fb8f3-a021-417a-8bc1-65c8d471c621" providerId="ADAL" clId="{7CF42801-12ED-E04E-AC69-6FCBFB1E8006}" dt="2021-10-06T12:09:13.790" v="951" actId="20577"/>
       <pc:docMkLst>
         <pc:docMk/>
       </pc:docMkLst>
@@ -4251,7 +4251,7 @@
         </pc:spChg>
       </pc:sldChg>
       <pc:sldChg chg="addSp modSp modAnim">
-        <pc:chgData name="Long B Nguyen" userId="f59fb8f3-a021-417a-8bc1-65c8d471c621" providerId="ADAL" clId="{7CF42801-12ED-E04E-AC69-6FCBFB1E8006}" dt="2021-10-06T11:34:27.277" v="472"/>
+        <pc:chgData name="Long B Nguyen" userId="f59fb8f3-a021-417a-8bc1-65c8d471c621" providerId="ADAL" clId="{7CF42801-12ED-E04E-AC69-6FCBFB1E8006}" dt="2021-10-06T12:09:13.790" v="951" actId="20577"/>
         <pc:sldMkLst>
           <pc:docMk/>
           <pc:sldMk cId="26315692" sldId="412"/>
@@ -4265,7 +4265,7 @@
           </ac:spMkLst>
         </pc:spChg>
         <pc:spChg chg="mod">
-          <ac:chgData name="Long B Nguyen" userId="f59fb8f3-a021-417a-8bc1-65c8d471c621" providerId="ADAL" clId="{7CF42801-12ED-E04E-AC69-6FCBFB1E8006}" dt="2021-10-04T13:33:03.066" v="29" actId="207"/>
+          <ac:chgData name="Long B Nguyen" userId="f59fb8f3-a021-417a-8bc1-65c8d471c621" providerId="ADAL" clId="{7CF42801-12ED-E04E-AC69-6FCBFB1E8006}" dt="2021-10-06T12:09:13.790" v="951" actId="20577"/>
           <ac:spMkLst>
             <pc:docMk/>
             <pc:sldMk cId="26315692" sldId="412"/>
@@ -15613,10 +15613,28 @@
               <a:t>b = </a:t>
             </a:r>
             <a:r>
+              <a:rPr lang="en-US" b="1">
+                <a:latin typeface="Inconsolata" panose="020B0609030003000000" pitchFamily="49" charset="77"/>
+              </a:rPr>
+              <a:t>add(2, </a:t>
+            </a:r>
+            <a:r>
               <a:rPr lang="en-US" b="1" dirty="0">
                 <a:latin typeface="Inconsolata" panose="020B0609030003000000" pitchFamily="49" charset="77"/>
               </a:rPr>
-              <a:t>add(1, 2) - 3	</a:t>
+              <a:t>4</a:t>
+            </a:r>
+            <a:r>
+              <a:rPr lang="en-US" b="1">
+                <a:latin typeface="Inconsolata" panose="020B0609030003000000" pitchFamily="49" charset="77"/>
+              </a:rPr>
+              <a:t>) </a:t>
+            </a:r>
+            <a:r>
+              <a:rPr lang="en-US" b="1" dirty="0">
+                <a:latin typeface="Inconsolata" panose="020B0609030003000000" pitchFamily="49" charset="77"/>
+              </a:rPr>
+              <a:t>- 3	</a:t>
             </a:r>
             <a:r>
               <a:rPr lang="en-US" b="1" dirty="0">
@@ -22140,13 +22158,8 @@
           <a:p>
             <a:r>
               <a:rPr lang="en-US" sz="2000" dirty="0"/>
-              <a:t>inside the function </a:t>
-            </a:r>
-            <a:r>
-              <a:rPr lang="en-US" sz="2000"/>
-              <a:t>never runs!</a:t>
-            </a:r>
-            <a:endParaRPr lang="en-US" sz="2000" dirty="0"/>
+              <a:t>inside the function never runs!</a:t>
+            </a:r>
           </a:p>
         </p:txBody>
       </p:sp>

--- a/courses/apcsp/lect4.pptx
+++ b/courses/apcsp/lect4.pptx
@@ -5,7 +5,7 @@
     <p:sldMasterId id="2147483791" r:id="rId1"/>
   </p:sldMasterIdLst>
   <p:notesMasterIdLst>
-    <p:notesMasterId r:id="rId42"/>
+    <p:notesMasterId r:id="rId38"/>
   </p:notesMasterIdLst>
   <p:sldIdLst>
     <p:sldId id="256" r:id="rId2"/>
@@ -33,21 +33,17 @@
     <p:sldId id="414" r:id="rId24"/>
     <p:sldId id="415" r:id="rId25"/>
     <p:sldId id="416" r:id="rId26"/>
-    <p:sldId id="319" r:id="rId27"/>
-    <p:sldId id="420" r:id="rId28"/>
-    <p:sldId id="337" r:id="rId29"/>
-    <p:sldId id="421" r:id="rId30"/>
-    <p:sldId id="320" r:id="rId31"/>
-    <p:sldId id="321" r:id="rId32"/>
-    <p:sldId id="323" r:id="rId33"/>
-    <p:sldId id="324" r:id="rId34"/>
-    <p:sldId id="329" r:id="rId35"/>
-    <p:sldId id="330" r:id="rId36"/>
-    <p:sldId id="325" r:id="rId37"/>
-    <p:sldId id="398" r:id="rId38"/>
-    <p:sldId id="417" r:id="rId39"/>
-    <p:sldId id="399" r:id="rId40"/>
-    <p:sldId id="284" r:id="rId41"/>
+    <p:sldId id="337" r:id="rId27"/>
+    <p:sldId id="423" r:id="rId28"/>
+    <p:sldId id="424" r:id="rId29"/>
+    <p:sldId id="426" r:id="rId30"/>
+    <p:sldId id="427" r:id="rId31"/>
+    <p:sldId id="330" r:id="rId32"/>
+    <p:sldId id="325" r:id="rId33"/>
+    <p:sldId id="398" r:id="rId34"/>
+    <p:sldId id="417" r:id="rId35"/>
+    <p:sldId id="399" r:id="rId36"/>
+    <p:sldId id="284" r:id="rId37"/>
   </p:sldIdLst>
   <p:sldSz cx="9144000" cy="5715000" type="screen16x10"/>
   <p:notesSz cx="6858000" cy="9144000"/>
@@ -157,7 +153,7 @@
 <file path=ppt/revisionInfo.xml><?xml version="1.0" encoding="utf-8"?>
 <p1510:revInfo xmlns:a="http://schemas.openxmlformats.org/drawingml/2006/main" xmlns:r="http://schemas.openxmlformats.org/officeDocument/2006/relationships" xmlns:p1510="http://schemas.microsoft.com/office/powerpoint/2015/10/main">
   <p1510:revLst>
-    <p1510:client id="{7CF42801-12ED-E04E-AC69-6FCBFB1E8006}" v="404" dt="2021-10-06T12:09:13.790"/>
+    <p1510:client id="{7CF42801-12ED-E04E-AC69-6FCBFB1E8006}" v="609" dt="2021-10-07T00:36:32.648"/>
   </p1510:revLst>
 </p1510:revInfo>
 </file>
@@ -3668,8 +3664,8 @@
   </pc:docChgLst>
   <pc:docChgLst>
     <pc:chgData name="Long B Nguyen" userId="f59fb8f3-a021-417a-8bc1-65c8d471c621" providerId="ADAL" clId="{7CF42801-12ED-E04E-AC69-6FCBFB1E8006}"/>
-    <pc:docChg chg="undo custSel addSld modSld">
-      <pc:chgData name="Long B Nguyen" userId="f59fb8f3-a021-417a-8bc1-65c8d471c621" providerId="ADAL" clId="{7CF42801-12ED-E04E-AC69-6FCBFB1E8006}" dt="2021-10-06T12:09:13.790" v="951" actId="20577"/>
+    <pc:docChg chg="undo custSel addSld delSld modSld">
+      <pc:chgData name="Long B Nguyen" userId="f59fb8f3-a021-417a-8bc1-65c8d471c621" providerId="ADAL" clId="{7CF42801-12ED-E04E-AC69-6FCBFB1E8006}" dt="2021-10-07T00:39:46.575" v="2004" actId="2696"/>
       <pc:docMkLst>
         <pc:docMk/>
       </pc:docMkLst>
@@ -3764,12 +3760,20 @@
           </ac:spMkLst>
         </pc:spChg>
       </pc:sldChg>
-      <pc:sldChg chg="addSp modSp">
-        <pc:chgData name="Long B Nguyen" userId="f59fb8f3-a021-417a-8bc1-65c8d471c621" providerId="ADAL" clId="{7CF42801-12ED-E04E-AC69-6FCBFB1E8006}" dt="2021-10-06T11:28:25.245" v="450"/>
+      <pc:sldChg chg="addSp modSp mod">
+        <pc:chgData name="Long B Nguyen" userId="f59fb8f3-a021-417a-8bc1-65c8d471c621" providerId="ADAL" clId="{7CF42801-12ED-E04E-AC69-6FCBFB1E8006}" dt="2021-10-06T23:44:12.257" v="991" actId="20577"/>
         <pc:sldMkLst>
           <pc:docMk/>
           <pc:sldMk cId="3672999173" sldId="308"/>
         </pc:sldMkLst>
+        <pc:spChg chg="mod">
+          <ac:chgData name="Long B Nguyen" userId="f59fb8f3-a021-417a-8bc1-65c8d471c621" providerId="ADAL" clId="{7CF42801-12ED-E04E-AC69-6FCBFB1E8006}" dt="2021-10-06T23:44:12.257" v="991" actId="20577"/>
+          <ac:spMkLst>
+            <pc:docMk/>
+            <pc:sldMk cId="3672999173" sldId="308"/>
+            <ac:spMk id="2" creationId="{AA3A228F-61D0-D949-A5E7-F83756230BF8}"/>
+          </ac:spMkLst>
+        </pc:spChg>
         <pc:spChg chg="add mod">
           <ac:chgData name="Long B Nguyen" userId="f59fb8f3-a021-417a-8bc1-65c8d471c621" providerId="ADAL" clId="{7CF42801-12ED-E04E-AC69-6FCBFB1E8006}" dt="2021-10-06T11:28:25.245" v="450"/>
           <ac:spMkLst>
@@ -3794,12 +3798,20 @@
           </ac:spMkLst>
         </pc:spChg>
       </pc:sldChg>
-      <pc:sldChg chg="addSp modSp">
-        <pc:chgData name="Long B Nguyen" userId="f59fb8f3-a021-417a-8bc1-65c8d471c621" providerId="ADAL" clId="{7CF42801-12ED-E04E-AC69-6FCBFB1E8006}" dt="2021-10-06T11:28:25.245" v="450"/>
+      <pc:sldChg chg="addSp modSp mod">
+        <pc:chgData name="Long B Nguyen" userId="f59fb8f3-a021-417a-8bc1-65c8d471c621" providerId="ADAL" clId="{7CF42801-12ED-E04E-AC69-6FCBFB1E8006}" dt="2021-10-06T23:44:23.971" v="1023" actId="20577"/>
         <pc:sldMkLst>
           <pc:docMk/>
           <pc:sldMk cId="4210029770" sldId="311"/>
         </pc:sldMkLst>
+        <pc:spChg chg="mod">
+          <ac:chgData name="Long B Nguyen" userId="f59fb8f3-a021-417a-8bc1-65c8d471c621" providerId="ADAL" clId="{7CF42801-12ED-E04E-AC69-6FCBFB1E8006}" dt="2021-10-06T23:44:23.971" v="1023" actId="20577"/>
+          <ac:spMkLst>
+            <pc:docMk/>
+            <pc:sldMk cId="4210029770" sldId="311"/>
+            <ac:spMk id="2" creationId="{AA3A228F-61D0-D949-A5E7-F83756230BF8}"/>
+          </ac:spMkLst>
+        </pc:spChg>
         <pc:spChg chg="add mod">
           <ac:chgData name="Long B Nguyen" userId="f59fb8f3-a021-417a-8bc1-65c8d471c621" providerId="ADAL" clId="{7CF42801-12ED-E04E-AC69-6FCBFB1E8006}" dt="2021-10-06T11:28:25.245" v="450"/>
           <ac:spMkLst>
@@ -3809,8 +3821,8 @@
           </ac:spMkLst>
         </pc:spChg>
       </pc:sldChg>
-      <pc:sldChg chg="addSp modSp">
-        <pc:chgData name="Long B Nguyen" userId="f59fb8f3-a021-417a-8bc1-65c8d471c621" providerId="ADAL" clId="{7CF42801-12ED-E04E-AC69-6FCBFB1E8006}" dt="2021-10-06T11:28:25.245" v="450"/>
+      <pc:sldChg chg="addSp modSp del">
+        <pc:chgData name="Long B Nguyen" userId="f59fb8f3-a021-417a-8bc1-65c8d471c621" providerId="ADAL" clId="{7CF42801-12ED-E04E-AC69-6FCBFB1E8006}" dt="2021-10-07T00:39:31.436" v="1997" actId="2696"/>
         <pc:sldMkLst>
           <pc:docMk/>
           <pc:sldMk cId="1160286806" sldId="319"/>
@@ -3824,8 +3836,8 @@
           </ac:spMkLst>
         </pc:spChg>
       </pc:sldChg>
-      <pc:sldChg chg="addSp modSp">
-        <pc:chgData name="Long B Nguyen" userId="f59fb8f3-a021-417a-8bc1-65c8d471c621" providerId="ADAL" clId="{7CF42801-12ED-E04E-AC69-6FCBFB1E8006}" dt="2021-10-06T11:28:25.245" v="450"/>
+      <pc:sldChg chg="addSp modSp del">
+        <pc:chgData name="Long B Nguyen" userId="f59fb8f3-a021-417a-8bc1-65c8d471c621" providerId="ADAL" clId="{7CF42801-12ED-E04E-AC69-6FCBFB1E8006}" dt="2021-10-07T00:39:41.342" v="2000" actId="2696"/>
         <pc:sldMkLst>
           <pc:docMk/>
           <pc:sldMk cId="617958515" sldId="320"/>
@@ -3839,8 +3851,8 @@
           </ac:spMkLst>
         </pc:spChg>
       </pc:sldChg>
-      <pc:sldChg chg="addSp modSp">
-        <pc:chgData name="Long B Nguyen" userId="f59fb8f3-a021-417a-8bc1-65c8d471c621" providerId="ADAL" clId="{7CF42801-12ED-E04E-AC69-6FCBFB1E8006}" dt="2021-10-06T11:28:25.245" v="450"/>
+      <pc:sldChg chg="addSp modSp del">
+        <pc:chgData name="Long B Nguyen" userId="f59fb8f3-a021-417a-8bc1-65c8d471c621" providerId="ADAL" clId="{7CF42801-12ED-E04E-AC69-6FCBFB1E8006}" dt="2021-10-07T00:39:42.095" v="2001" actId="2696"/>
         <pc:sldMkLst>
           <pc:docMk/>
           <pc:sldMk cId="3039307715" sldId="321"/>
@@ -3854,8 +3866,8 @@
           </ac:spMkLst>
         </pc:spChg>
       </pc:sldChg>
-      <pc:sldChg chg="addSp modSp">
-        <pc:chgData name="Long B Nguyen" userId="f59fb8f3-a021-417a-8bc1-65c8d471c621" providerId="ADAL" clId="{7CF42801-12ED-E04E-AC69-6FCBFB1E8006}" dt="2021-10-06T11:28:25.245" v="450"/>
+      <pc:sldChg chg="addSp modSp del">
+        <pc:chgData name="Long B Nguyen" userId="f59fb8f3-a021-417a-8bc1-65c8d471c621" providerId="ADAL" clId="{7CF42801-12ED-E04E-AC69-6FCBFB1E8006}" dt="2021-10-07T00:39:42.638" v="2002" actId="2696"/>
         <pc:sldMkLst>
           <pc:docMk/>
           <pc:sldMk cId="3096583072" sldId="323"/>
@@ -3869,8 +3881,8 @@
           </ac:spMkLst>
         </pc:spChg>
       </pc:sldChg>
-      <pc:sldChg chg="addSp modSp">
-        <pc:chgData name="Long B Nguyen" userId="f59fb8f3-a021-417a-8bc1-65c8d471c621" providerId="ADAL" clId="{7CF42801-12ED-E04E-AC69-6FCBFB1E8006}" dt="2021-10-06T11:28:25.245" v="450"/>
+      <pc:sldChg chg="addSp modSp del">
+        <pc:chgData name="Long B Nguyen" userId="f59fb8f3-a021-417a-8bc1-65c8d471c621" providerId="ADAL" clId="{7CF42801-12ED-E04E-AC69-6FCBFB1E8006}" dt="2021-10-07T00:39:43.432" v="2003" actId="2696"/>
         <pc:sldMkLst>
           <pc:docMk/>
           <pc:sldMk cId="3753341527" sldId="324"/>
@@ -3899,8 +3911,8 @@
           </ac:spMkLst>
         </pc:spChg>
       </pc:sldChg>
-      <pc:sldChg chg="addSp modSp">
-        <pc:chgData name="Long B Nguyen" userId="f59fb8f3-a021-417a-8bc1-65c8d471c621" providerId="ADAL" clId="{7CF42801-12ED-E04E-AC69-6FCBFB1E8006}" dt="2021-10-06T11:28:25.245" v="450"/>
+      <pc:sldChg chg="addSp modSp del">
+        <pc:chgData name="Long B Nguyen" userId="f59fb8f3-a021-417a-8bc1-65c8d471c621" providerId="ADAL" clId="{7CF42801-12ED-E04E-AC69-6FCBFB1E8006}" dt="2021-10-07T00:39:46.575" v="2004" actId="2696"/>
         <pc:sldMkLst>
           <pc:docMk/>
           <pc:sldMk cId="53368268" sldId="329"/>
@@ -3953,11 +3965,19 @@
         </pc:spChg>
       </pc:sldChg>
       <pc:sldChg chg="addSp delSp modSp mod modAnim">
-        <pc:chgData name="Long B Nguyen" userId="f59fb8f3-a021-417a-8bc1-65c8d471c621" providerId="ADAL" clId="{7CF42801-12ED-E04E-AC69-6FCBFB1E8006}" dt="2021-10-06T11:41:56.023" v="947" actId="20577"/>
+        <pc:chgData name="Long B Nguyen" userId="f59fb8f3-a021-417a-8bc1-65c8d471c621" providerId="ADAL" clId="{7CF42801-12ED-E04E-AC69-6FCBFB1E8006}" dt="2021-10-06T23:50:03.124" v="1139" actId="20577"/>
         <pc:sldMkLst>
           <pc:docMk/>
           <pc:sldMk cId="426544314" sldId="337"/>
         </pc:sldMkLst>
+        <pc:spChg chg="mod">
+          <ac:chgData name="Long B Nguyen" userId="f59fb8f3-a021-417a-8bc1-65c8d471c621" providerId="ADAL" clId="{7CF42801-12ED-E04E-AC69-6FCBFB1E8006}" dt="2021-10-06T23:47:16.452" v="1059" actId="1076"/>
+          <ac:spMkLst>
+            <pc:docMk/>
+            <pc:sldMk cId="426544314" sldId="337"/>
+            <ac:spMk id="2" creationId="{AA3A228F-61D0-D949-A5E7-F83756230BF8}"/>
+          </ac:spMkLst>
+        </pc:spChg>
         <pc:spChg chg="add mod">
           <ac:chgData name="Long B Nguyen" userId="f59fb8f3-a021-417a-8bc1-65c8d471c621" providerId="ADAL" clId="{7CF42801-12ED-E04E-AC69-6FCBFB1E8006}" dt="2021-10-06T11:28:25.245" v="450"/>
           <ac:spMkLst>
@@ -3967,7 +3987,7 @@
           </ac:spMkLst>
         </pc:spChg>
         <pc:spChg chg="mod">
-          <ac:chgData name="Long B Nguyen" userId="f59fb8f3-a021-417a-8bc1-65c8d471c621" providerId="ADAL" clId="{7CF42801-12ED-E04E-AC69-6FCBFB1E8006}" dt="2021-10-06T11:41:56.023" v="947" actId="20577"/>
+          <ac:chgData name="Long B Nguyen" userId="f59fb8f3-a021-417a-8bc1-65c8d471c621" providerId="ADAL" clId="{7CF42801-12ED-E04E-AC69-6FCBFB1E8006}" dt="2021-10-06T23:49:18.516" v="1124" actId="20577"/>
           <ac:spMkLst>
             <pc:docMk/>
             <pc:sldMk cId="426544314" sldId="337"/>
@@ -3975,7 +3995,7 @@
           </ac:spMkLst>
         </pc:spChg>
         <pc:spChg chg="mod">
-          <ac:chgData name="Long B Nguyen" userId="f59fb8f3-a021-417a-8bc1-65c8d471c621" providerId="ADAL" clId="{7CF42801-12ED-E04E-AC69-6FCBFB1E8006}" dt="2021-10-06T11:40:36.902" v="701" actId="20577"/>
+          <ac:chgData name="Long B Nguyen" userId="f59fb8f3-a021-417a-8bc1-65c8d471c621" providerId="ADAL" clId="{7CF42801-12ED-E04E-AC69-6FCBFB1E8006}" dt="2021-10-06T23:50:03.124" v="1139" actId="20577"/>
           <ac:spMkLst>
             <pc:docMk/>
             <pc:sldMk cId="426544314" sldId="337"/>
@@ -4411,19 +4431,164 @@
           </ac:cxnSpMkLst>
         </pc:cxnChg>
       </pc:sldChg>
-      <pc:sldChg chg="add">
-        <pc:chgData name="Long B Nguyen" userId="f59fb8f3-a021-417a-8bc1-65c8d471c621" providerId="ADAL" clId="{7CF42801-12ED-E04E-AC69-6FCBFB1E8006}" dt="2021-10-06T11:39:36.059" v="690"/>
+      <pc:sldChg chg="add del">
+        <pc:chgData name="Long B Nguyen" userId="f59fb8f3-a021-417a-8bc1-65c8d471c621" providerId="ADAL" clId="{7CF42801-12ED-E04E-AC69-6FCBFB1E8006}" dt="2021-10-07T00:37:04.502" v="1996" actId="2696"/>
         <pc:sldMkLst>
           <pc:docMk/>
           <pc:sldMk cId="3043991631" sldId="420"/>
         </pc:sldMkLst>
       </pc:sldChg>
-      <pc:sldChg chg="add">
-        <pc:chgData name="Long B Nguyen" userId="f59fb8f3-a021-417a-8bc1-65c8d471c621" providerId="ADAL" clId="{7CF42801-12ED-E04E-AC69-6FCBFB1E8006}" dt="2021-10-06T11:39:53.222" v="691"/>
+      <pc:sldChg chg="add del">
+        <pc:chgData name="Long B Nguyen" userId="f59fb8f3-a021-417a-8bc1-65c8d471c621" providerId="ADAL" clId="{7CF42801-12ED-E04E-AC69-6FCBFB1E8006}" dt="2021-10-07T00:39:40.073" v="1999" actId="2696"/>
         <pc:sldMkLst>
           <pc:docMk/>
           <pc:sldMk cId="4110182" sldId="421"/>
         </pc:sldMkLst>
+      </pc:sldChg>
+      <pc:sldChg chg="add del">
+        <pc:chgData name="Long B Nguyen" userId="f59fb8f3-a021-417a-8bc1-65c8d471c621" providerId="ADAL" clId="{7CF42801-12ED-E04E-AC69-6FCBFB1E8006}" dt="2021-10-06T23:50:36.572" v="1154" actId="2696"/>
+        <pc:sldMkLst>
+          <pc:docMk/>
+          <pc:sldMk cId="1203491919" sldId="422"/>
+        </pc:sldMkLst>
+      </pc:sldChg>
+      <pc:sldChg chg="modSp add mod">
+        <pc:chgData name="Long B Nguyen" userId="f59fb8f3-a021-417a-8bc1-65c8d471c621" providerId="ADAL" clId="{7CF42801-12ED-E04E-AC69-6FCBFB1E8006}" dt="2021-10-06T23:50:20.631" v="1153" actId="20577"/>
+        <pc:sldMkLst>
+          <pc:docMk/>
+          <pc:sldMk cId="4022128097" sldId="423"/>
+        </pc:sldMkLst>
+        <pc:spChg chg="mod">
+          <ac:chgData name="Long B Nguyen" userId="f59fb8f3-a021-417a-8bc1-65c8d471c621" providerId="ADAL" clId="{7CF42801-12ED-E04E-AC69-6FCBFB1E8006}" dt="2021-10-06T23:50:20.631" v="1153" actId="20577"/>
+          <ac:spMkLst>
+            <pc:docMk/>
+            <pc:sldMk cId="4022128097" sldId="423"/>
+            <ac:spMk id="6" creationId="{B7AB2EA4-48CC-FD46-9632-CD4301E82099}"/>
+          </ac:spMkLst>
+        </pc:spChg>
+        <pc:spChg chg="mod">
+          <ac:chgData name="Long B Nguyen" userId="f59fb8f3-a021-417a-8bc1-65c8d471c621" providerId="ADAL" clId="{7CF42801-12ED-E04E-AC69-6FCBFB1E8006}" dt="2021-10-06T23:50:13.564" v="1144" actId="20577"/>
+          <ac:spMkLst>
+            <pc:docMk/>
+            <pc:sldMk cId="4022128097" sldId="423"/>
+            <ac:spMk id="9" creationId="{E3B2E017-30B2-884B-A113-B419A2ED51AD}"/>
+          </ac:spMkLst>
+        </pc:spChg>
+      </pc:sldChg>
+      <pc:sldChg chg="add del">
+        <pc:chgData name="Long B Nguyen" userId="f59fb8f3-a021-417a-8bc1-65c8d471c621" providerId="ADAL" clId="{7CF42801-12ED-E04E-AC69-6FCBFB1E8006}" dt="2021-10-06T23:47:45.603" v="1064" actId="2696"/>
+        <pc:sldMkLst>
+          <pc:docMk/>
+          <pc:sldMk cId="4198221757" sldId="423"/>
+        </pc:sldMkLst>
+      </pc:sldChg>
+      <pc:sldChg chg="addSp delSp modSp add mod">
+        <pc:chgData name="Long B Nguyen" userId="f59fb8f3-a021-417a-8bc1-65c8d471c621" providerId="ADAL" clId="{7CF42801-12ED-E04E-AC69-6FCBFB1E8006}" dt="2021-10-07T00:08:54.719" v="1503" actId="20577"/>
+        <pc:sldMkLst>
+          <pc:docMk/>
+          <pc:sldMk cId="3441302083" sldId="424"/>
+        </pc:sldMkLst>
+        <pc:spChg chg="mod">
+          <ac:chgData name="Long B Nguyen" userId="f59fb8f3-a021-417a-8bc1-65c8d471c621" providerId="ADAL" clId="{7CF42801-12ED-E04E-AC69-6FCBFB1E8006}" dt="2021-10-07T00:07:33.909" v="1438" actId="20577"/>
+          <ac:spMkLst>
+            <pc:docMk/>
+            <pc:sldMk cId="3441302083" sldId="424"/>
+            <ac:spMk id="2" creationId="{AA3A228F-61D0-D949-A5E7-F83756230BF8}"/>
+          </ac:spMkLst>
+        </pc:spChg>
+        <pc:spChg chg="del mod">
+          <ac:chgData name="Long B Nguyen" userId="f59fb8f3-a021-417a-8bc1-65c8d471c621" providerId="ADAL" clId="{7CF42801-12ED-E04E-AC69-6FCBFB1E8006}" dt="2021-10-07T00:06:44.603" v="1330" actId="478"/>
+          <ac:spMkLst>
+            <pc:docMk/>
+            <pc:sldMk cId="3441302083" sldId="424"/>
+            <ac:spMk id="6" creationId="{B7AB2EA4-48CC-FD46-9632-CD4301E82099}"/>
+          </ac:spMkLst>
+        </pc:spChg>
+        <pc:spChg chg="mod">
+          <ac:chgData name="Long B Nguyen" userId="f59fb8f3-a021-417a-8bc1-65c8d471c621" providerId="ADAL" clId="{7CF42801-12ED-E04E-AC69-6FCBFB1E8006}" dt="2021-10-07T00:08:54.719" v="1503" actId="20577"/>
+          <ac:spMkLst>
+            <pc:docMk/>
+            <pc:sldMk cId="3441302083" sldId="424"/>
+            <ac:spMk id="9" creationId="{E3B2E017-30B2-884B-A113-B419A2ED51AD}"/>
+          </ac:spMkLst>
+        </pc:spChg>
+        <pc:graphicFrameChg chg="add del mod">
+          <ac:chgData name="Long B Nguyen" userId="f59fb8f3-a021-417a-8bc1-65c8d471c621" providerId="ADAL" clId="{7CF42801-12ED-E04E-AC69-6FCBFB1E8006}" dt="2021-10-07T00:03:53.819" v="1157"/>
+          <ac:graphicFrameMkLst>
+            <pc:docMk/>
+            <pc:sldMk cId="3441302083" sldId="424"/>
+            <ac:graphicFrameMk id="4" creationId="{7474339A-536F-A24B-BFDA-7CCD663898A9}"/>
+          </ac:graphicFrameMkLst>
+        </pc:graphicFrameChg>
+      </pc:sldChg>
+      <pc:sldChg chg="modSp new del">
+        <pc:chgData name="Long B Nguyen" userId="f59fb8f3-a021-417a-8bc1-65c8d471c621" providerId="ADAL" clId="{7CF42801-12ED-E04E-AC69-6FCBFB1E8006}" dt="2021-10-07T00:39:38.508" v="1998" actId="2696"/>
+        <pc:sldMkLst>
+          <pc:docMk/>
+          <pc:sldMk cId="781604078" sldId="425"/>
+        </pc:sldMkLst>
+        <pc:spChg chg="mod">
+          <ac:chgData name="Long B Nguyen" userId="f59fb8f3-a021-417a-8bc1-65c8d471c621" providerId="ADAL" clId="{7CF42801-12ED-E04E-AC69-6FCBFB1E8006}" dt="2021-10-07T00:12:23.634" v="1505"/>
+          <ac:spMkLst>
+            <pc:docMk/>
+            <pc:sldMk cId="781604078" sldId="425"/>
+            <ac:spMk id="3" creationId="{7B3588A6-CCF7-004E-9B9A-11A0790BDA61}"/>
+          </ac:spMkLst>
+        </pc:spChg>
+      </pc:sldChg>
+      <pc:sldChg chg="add">
+        <pc:chgData name="Long B Nguyen" userId="f59fb8f3-a021-417a-8bc1-65c8d471c621" providerId="ADAL" clId="{7CF42801-12ED-E04E-AC69-6FCBFB1E8006}" dt="2021-10-07T00:12:28.081" v="1506"/>
+        <pc:sldMkLst>
+          <pc:docMk/>
+          <pc:sldMk cId="3125377543" sldId="426"/>
+        </pc:sldMkLst>
+      </pc:sldChg>
+      <pc:sldChg chg="addSp modSp add mod modAnim">
+        <pc:chgData name="Long B Nguyen" userId="f59fb8f3-a021-417a-8bc1-65c8d471c621" providerId="ADAL" clId="{7CF42801-12ED-E04E-AC69-6FCBFB1E8006}" dt="2021-10-07T00:36:32.647" v="1995" actId="207"/>
+        <pc:sldMkLst>
+          <pc:docMk/>
+          <pc:sldMk cId="2920365265" sldId="427"/>
+        </pc:sldMkLst>
+        <pc:spChg chg="mod">
+          <ac:chgData name="Long B Nguyen" userId="f59fb8f3-a021-417a-8bc1-65c8d471c621" providerId="ADAL" clId="{7CF42801-12ED-E04E-AC69-6FCBFB1E8006}" dt="2021-10-07T00:13:11.579" v="1540" actId="20577"/>
+          <ac:spMkLst>
+            <pc:docMk/>
+            <pc:sldMk cId="2920365265" sldId="427"/>
+            <ac:spMk id="2" creationId="{AA3A228F-61D0-D949-A5E7-F83756230BF8}"/>
+          </ac:spMkLst>
+        </pc:spChg>
+        <pc:spChg chg="add mod">
+          <ac:chgData name="Long B Nguyen" userId="f59fb8f3-a021-417a-8bc1-65c8d471c621" providerId="ADAL" clId="{7CF42801-12ED-E04E-AC69-6FCBFB1E8006}" dt="2021-10-07T00:36:32.647" v="1995" actId="207"/>
+          <ac:spMkLst>
+            <pc:docMk/>
+            <pc:sldMk cId="2920365265" sldId="427"/>
+            <ac:spMk id="5" creationId="{3F20C80A-CDF1-DA4C-B321-4C2A1F2AF479}"/>
+          </ac:spMkLst>
+        </pc:spChg>
+        <pc:spChg chg="mod">
+          <ac:chgData name="Long B Nguyen" userId="f59fb8f3-a021-417a-8bc1-65c8d471c621" providerId="ADAL" clId="{7CF42801-12ED-E04E-AC69-6FCBFB1E8006}" dt="2021-10-07T00:22:18.827" v="1797" actId="207"/>
+          <ac:spMkLst>
+            <pc:docMk/>
+            <pc:sldMk cId="2920365265" sldId="427"/>
+            <ac:spMk id="9" creationId="{E3B2E017-30B2-884B-A113-B419A2ED51AD}"/>
+          </ac:spMkLst>
+        </pc:spChg>
+        <pc:cxnChg chg="add mod">
+          <ac:chgData name="Long B Nguyen" userId="f59fb8f3-a021-417a-8bc1-65c8d471c621" providerId="ADAL" clId="{7CF42801-12ED-E04E-AC69-6FCBFB1E8006}" dt="2021-10-07T00:33:26.603" v="1854" actId="14100"/>
+          <ac:cxnSpMkLst>
+            <pc:docMk/>
+            <pc:sldMk cId="2920365265" sldId="427"/>
+            <ac:cxnSpMk id="6" creationId="{5E5CA9EC-2146-FA40-B06F-24008B33A2D5}"/>
+          </ac:cxnSpMkLst>
+        </pc:cxnChg>
+        <pc:cxnChg chg="add mod">
+          <ac:chgData name="Long B Nguyen" userId="f59fb8f3-a021-417a-8bc1-65c8d471c621" providerId="ADAL" clId="{7CF42801-12ED-E04E-AC69-6FCBFB1E8006}" dt="2021-10-07T00:33:43.087" v="1857" actId="14100"/>
+          <ac:cxnSpMkLst>
+            <pc:docMk/>
+            <pc:sldMk cId="2920365265" sldId="427"/>
+            <ac:cxnSpMk id="8" creationId="{64350A04-7536-584C-B8FC-3830E86D32AE}"/>
+          </ac:cxnSpMkLst>
+        </pc:cxnChg>
       </pc:sldChg>
     </pc:docChg>
   </pc:docChgLst>
@@ -5330,7 +5495,7 @@
                   <a:spcPct val="0"/>
                 </a:spcBef>
               </a:pPr>
-              <a:t>37</a:t>
+              <a:t>33</a:t>
             </a:fld>
             <a:endParaRPr lang="en-US" altLang="en-US"/>
           </a:p>
@@ -5736,7 +5901,7 @@
                   <a:spcPct val="0"/>
                 </a:spcBef>
               </a:pPr>
-              <a:t>39</a:t>
+              <a:t>35</a:t>
             </a:fld>
             <a:endParaRPr lang="en-US" altLang="en-US"/>
           </a:p>
@@ -17517,7 +17682,7 @@
           <a:p>
             <a:r>
               <a:rPr lang="en-US" dirty="0"/>
-              <a:t>Functions</a:t>
+              <a:t>Keyword and Positional Arguments</a:t>
             </a:r>
           </a:p>
         </p:txBody>
@@ -18352,7 +18517,7 @@
           <a:p>
             <a:r>
               <a:rPr lang="en-US" dirty="0"/>
-              <a:t>Functions</a:t>
+              <a:t>Optional Keyword Arguments</a:t>
             </a:r>
           </a:p>
         </p:txBody>
@@ -21248,7 +21413,7 @@
         </p:nvSpPr>
         <p:spPr>
           <a:xfrm>
-            <a:off x="184745" y="159378"/>
+            <a:off x="105394" y="57794"/>
             <a:ext cx="7053542" cy="683886"/>
           </a:xfrm>
         </p:spPr>
@@ -21258,7 +21423,7 @@
           <a:p>
             <a:r>
               <a:rPr lang="en-US" dirty="0"/>
-              <a:t>Python Script</a:t>
+              <a:t>Flow of a Program</a:t>
             </a:r>
           </a:p>
         </p:txBody>
@@ -21281,27 +21446,21 @@
         </p:nvSpPr>
         <p:spPr>
           <a:xfrm>
-            <a:off x="184745" y="843263"/>
-            <a:ext cx="8685789" cy="4600407"/>
+            <a:off x="84084" y="923603"/>
+            <a:ext cx="8451490" cy="4690983"/>
           </a:xfrm>
         </p:spPr>
         <p:txBody>
           <a:bodyPr>
-            <a:normAutofit/>
+            <a:noAutofit/>
           </a:bodyPr>
           <a:lstStyle/>
           <a:p>
             <a:pPr marL="0" indent="0">
               <a:buNone/>
             </a:pPr>
-            <a:endParaRPr lang="en-US" dirty="0"/>
-          </a:p>
-          <a:p>
-            <a:pPr marL="0" indent="0">
-              <a:buNone/>
-            </a:pPr>
-            <a:r>
-              <a:rPr lang="en-US" dirty="0"/>
+            <a:r>
+              <a:rPr lang="en-US" sz="1800" dirty="0"/>
               <a:t>A Python script is executed line by line top to bottom. </a:t>
             </a:r>
           </a:p>
@@ -21309,45 +21468,190 @@
             <a:pPr marL="0" indent="0">
               <a:buNone/>
             </a:pPr>
-            <a:endParaRPr lang="en-US" dirty="0"/>
-          </a:p>
-          <a:p>
-            <a:pPr marL="0" indent="0">
-              <a:buNone/>
-            </a:pPr>
-            <a:r>
-              <a:rPr lang="en-US" dirty="0"/>
-              <a:t>Function definitions are packaged into an executable unit to be executed later. The code within a function definition executes only when invoked by a caller. </a:t>
-            </a:r>
-          </a:p>
-          <a:p>
-            <a:pPr marL="0" indent="0">
-              <a:buNone/>
-            </a:pPr>
-            <a:endParaRPr lang="en-US" dirty="0"/>
-          </a:p>
-          <a:p>
-            <a:pPr marL="0" indent="0">
-              <a:buNone/>
-            </a:pPr>
-            <a:r>
-              <a:rPr lang="en-US" dirty="0"/>
-              <a:t>In addition, variables and parameters </a:t>
-            </a:r>
-            <a:r>
-              <a:rPr lang="en-US" dirty="0">
-                <a:solidFill>
-                  <a:srgbClr val="FF0000"/>
-                </a:solidFill>
-              </a:rPr>
-              <a:t>defined in a function is local to that function and is hidden from code outside of the function definition. </a:t>
-            </a:r>
-          </a:p>
-          <a:p>
-            <a:pPr marL="0" indent="0">
-              <a:buNone/>
-            </a:pPr>
-            <a:endParaRPr lang="en-US" dirty="0"/>
+            <a:endParaRPr lang="en-US" sz="1800" b="1" dirty="0">
+              <a:latin typeface="Inconsolata" panose="020B0609030003000000" pitchFamily="49" charset="77"/>
+            </a:endParaRPr>
+          </a:p>
+          <a:p>
+            <a:pPr marL="0" indent="0">
+              <a:buNone/>
+            </a:pPr>
+            <a:br>
+              <a:rPr lang="en-US" sz="1800" b="1" dirty="0">
+                <a:latin typeface="Inconsolata" panose="020B0609030003000000" pitchFamily="49" charset="77"/>
+              </a:rPr>
+            </a:br>
+            <a:r>
+              <a:rPr lang="en-US" sz="1800" b="1" dirty="0">
+                <a:solidFill>
+                  <a:srgbClr val="0000B2"/>
+                </a:solidFill>
+                <a:latin typeface="Inconsolata" panose="020B0609030003000000" pitchFamily="49" charset="77"/>
+              </a:rPr>
+              <a:t>def </a:t>
+            </a:r>
+            <a:r>
+              <a:rPr lang="en-US" sz="1800" b="1" dirty="0">
+                <a:latin typeface="Inconsolata" panose="020B0609030003000000" pitchFamily="49" charset="77"/>
+              </a:rPr>
+              <a:t>fun(): </a:t>
+            </a:r>
+          </a:p>
+          <a:p>
+            <a:pPr marL="0" indent="0">
+              <a:buNone/>
+            </a:pPr>
+            <a:r>
+              <a:rPr lang="en-US" sz="1800" b="1" dirty="0">
+                <a:latin typeface="Inconsolata" panose="020B0609030003000000" pitchFamily="49" charset="77"/>
+              </a:rPr>
+              <a:t>    print("fun")</a:t>
+            </a:r>
+          </a:p>
+          <a:p>
+            <a:pPr marL="0" indent="0">
+              <a:buNone/>
+            </a:pPr>
+            <a:endParaRPr lang="en-US" sz="1800" b="1" dirty="0">
+              <a:latin typeface="Inconsolata" panose="020B0609030003000000" pitchFamily="49" charset="77"/>
+            </a:endParaRPr>
+          </a:p>
+          <a:p>
+            <a:pPr marL="0" indent="0">
+              <a:buNone/>
+            </a:pPr>
+            <a:r>
+              <a:rPr lang="en-US" sz="1800" b="1" dirty="0">
+                <a:latin typeface="Inconsolata" panose="020B0609030003000000" pitchFamily="49" charset="77"/>
+              </a:rPr>
+              <a:t>print("hello") </a:t>
+            </a:r>
+          </a:p>
+          <a:p>
+            <a:pPr marL="0" indent="0">
+              <a:buNone/>
+            </a:pPr>
+            <a:endParaRPr lang="en-US" sz="1800" b="1" dirty="0">
+              <a:solidFill>
+                <a:srgbClr val="19B219"/>
+              </a:solidFill>
+              <a:latin typeface="Inconsolata" panose="020B0609030003000000" pitchFamily="49" charset="77"/>
+            </a:endParaRPr>
+          </a:p>
+          <a:p>
+            <a:pPr marL="0" indent="0">
+              <a:buNone/>
+            </a:pPr>
+            <a:endParaRPr lang="en-US" sz="1800" b="1" dirty="0">
+              <a:solidFill>
+                <a:srgbClr val="19B219"/>
+              </a:solidFill>
+              <a:latin typeface="Inconsolata" panose="020B0609030003000000" pitchFamily="49" charset="77"/>
+            </a:endParaRPr>
+          </a:p>
+          <a:p>
+            <a:pPr marL="0" indent="0">
+              <a:buNone/>
+            </a:pPr>
+            <a:r>
+              <a:rPr lang="en-US" sz="2000" dirty="0">
+                <a:latin typeface="Gill Sans MT" panose="020B0502020104020203" pitchFamily="34" charset="77"/>
+              </a:rPr>
+              <a:t>Output:</a:t>
+            </a:r>
+          </a:p>
+          <a:p>
+            <a:pPr marL="0" indent="0">
+              <a:buNone/>
+            </a:pPr>
+            <a:r>
+              <a:rPr lang="en-US" sz="2000" dirty="0">
+                <a:latin typeface="Gill Sans MT" panose="020B0502020104020203" pitchFamily="34" charset="77"/>
+              </a:rPr>
+              <a:t>hello</a:t>
+            </a:r>
+          </a:p>
+          <a:p>
+            <a:pPr marL="0" indent="0">
+              <a:buNone/>
+            </a:pPr>
+            <a:endParaRPr lang="en-US" sz="2000" dirty="0">
+              <a:latin typeface="Gill Sans MT" panose="020B0502020104020203" pitchFamily="34" charset="77"/>
+            </a:endParaRPr>
+          </a:p>
+        </p:txBody>
+      </p:sp>
+      <p:sp>
+        <p:nvSpPr>
+          <p:cNvPr id="6" name="TextBox 5">
+            <a:extLst>
+              <a:ext uri="{FF2B5EF4-FFF2-40B4-BE49-F238E27FC236}">
+                <a16:creationId xmlns:a16="http://schemas.microsoft.com/office/drawing/2014/main" id="{B7AB2EA4-48CC-FD46-9632-CD4301E82099}"/>
+              </a:ext>
+            </a:extLst>
+          </p:cNvPr>
+          <p:cNvSpPr txBox="1"/>
+          <p:nvPr/>
+        </p:nvSpPr>
+        <p:spPr>
+          <a:xfrm>
+            <a:off x="2495644" y="1243643"/>
+            <a:ext cx="6594369" cy="2862322"/>
+          </a:xfrm>
+          <a:prstGeom prst="rect">
+            <a:avLst/>
+          </a:prstGeom>
+          <a:noFill/>
+        </p:spPr>
+        <p:txBody>
+          <a:bodyPr wrap="none" rtlCol="0">
+            <a:spAutoFit/>
+          </a:bodyPr>
+          <a:lstStyle/>
+          <a:p>
+            <a:endParaRPr lang="en-US" sz="2000" dirty="0"/>
+          </a:p>
+          <a:p>
+            <a:r>
+              <a:rPr lang="en-US" sz="2000" dirty="0"/>
+              <a:t>Function definitions are packaged into an executable unit to </a:t>
+            </a:r>
+          </a:p>
+          <a:p>
+            <a:r>
+              <a:rPr lang="en-US" sz="2000" dirty="0"/>
+              <a:t>be executed later. </a:t>
+            </a:r>
+          </a:p>
+          <a:p>
+            <a:endParaRPr lang="en-US" sz="2000" dirty="0"/>
+          </a:p>
+          <a:p>
+            <a:r>
+              <a:rPr lang="en-US" sz="2000" dirty="0"/>
+              <a:t>The code within a function definition executes only when </a:t>
+            </a:r>
+          </a:p>
+          <a:p>
+            <a:r>
+              <a:rPr lang="en-US" sz="2000" dirty="0"/>
+              <a:t>invoked by a caller. </a:t>
+            </a:r>
+          </a:p>
+          <a:p>
+            <a:endParaRPr lang="en-US" sz="2000" dirty="0"/>
+          </a:p>
+          <a:p>
+            <a:r>
+              <a:rPr lang="en-US" sz="2000" dirty="0"/>
+              <a:t>In this case, because the fun function is never called, the code </a:t>
+            </a:r>
+          </a:p>
+          <a:p>
+            <a:r>
+              <a:rPr lang="en-US" sz="2000" dirty="0"/>
+              <a:t>inside the function never runs!</a:t>
+            </a:r>
           </a:p>
         </p:txBody>
       </p:sp>
@@ -21356,7 +21660,7 @@
           <p:cNvPr id="3" name="Slide Number Placeholder 2">
             <a:extLst>
               <a:ext uri="{FF2B5EF4-FFF2-40B4-BE49-F238E27FC236}">
-                <a16:creationId xmlns:a16="http://schemas.microsoft.com/office/drawing/2014/main" id="{550DBE00-B293-9246-AFB2-606B15F580BB}"/>
+                <a16:creationId xmlns:a16="http://schemas.microsoft.com/office/drawing/2014/main" id="{5F0DC44A-61B5-AB44-81A0-6ECAEDED1DE5}"/>
               </a:ext>
             </a:extLst>
           </p:cNvPr>
@@ -21383,141 +21687,13 @@
     </p:spTree>
     <p:extLst>
       <p:ext uri="{BB962C8B-B14F-4D97-AF65-F5344CB8AC3E}">
-        <p14:creationId xmlns:p14="http://schemas.microsoft.com/office/powerpoint/2010/main" val="1160286806"/>
+        <p14:creationId xmlns:p14="http://schemas.microsoft.com/office/powerpoint/2010/main" val="426544314"/>
       </p:ext>
     </p:extLst>
   </p:cSld>
   <p:clrMapOvr>
     <a:masterClrMapping/>
   </p:clrMapOvr>
-  <p:timing>
-    <p:tnLst>
-      <p:par>
-        <p:cTn id="1" dur="indefinite" restart="never" nodeType="tmRoot">
-          <p:childTnLst>
-            <p:seq concurrent="1" nextAc="seek">
-              <p:cTn id="2" dur="indefinite" nodeType="mainSeq">
-                <p:childTnLst>
-                  <p:par>
-                    <p:cTn id="3" fill="hold">
-                      <p:stCondLst>
-                        <p:cond delay="indefinite"/>
-                      </p:stCondLst>
-                      <p:childTnLst>
-                        <p:par>
-                          <p:cTn id="4" fill="hold">
-                            <p:stCondLst>
-                              <p:cond delay="0"/>
-                            </p:stCondLst>
-                            <p:childTnLst>
-                              <p:par>
-                                <p:cTn id="5" presetID="1" presetClass="entr" presetSubtype="0" fill="hold" nodeType="clickEffect">
-                                  <p:stCondLst>
-                                    <p:cond delay="0"/>
-                                  </p:stCondLst>
-                                  <p:childTnLst>
-                                    <p:set>
-                                      <p:cBhvr>
-                                        <p:cTn id="6" dur="1" fill="hold">
-                                          <p:stCondLst>
-                                            <p:cond delay="0"/>
-                                          </p:stCondLst>
-                                        </p:cTn>
-                                        <p:tgtEl>
-                                          <p:spTgt spid="9">
-                                            <p:txEl>
-                                              <p:pRg st="3" end="3"/>
-                                            </p:txEl>
-                                          </p:spTgt>
-                                        </p:tgtEl>
-                                        <p:attrNameLst>
-                                          <p:attrName>style.visibility</p:attrName>
-                                        </p:attrNameLst>
-                                      </p:cBhvr>
-                                      <p:to>
-                                        <p:strVal val="visible"/>
-                                      </p:to>
-                                    </p:set>
-                                  </p:childTnLst>
-                                </p:cTn>
-                              </p:par>
-                            </p:childTnLst>
-                          </p:cTn>
-                        </p:par>
-                      </p:childTnLst>
-                    </p:cTn>
-                  </p:par>
-                  <p:par>
-                    <p:cTn id="7" fill="hold">
-                      <p:stCondLst>
-                        <p:cond delay="indefinite"/>
-                      </p:stCondLst>
-                      <p:childTnLs